--- a/cppcon2018.pptx
+++ b/cppcon2018.pptx
@@ -8,9 +8,21 @@
     <p:sldId id="256" r:id="rId2"/>
     <p:sldId id="257" r:id="rId3"/>
     <p:sldId id="258" r:id="rId4"/>
-    <p:sldId id="259" r:id="rId5"/>
-    <p:sldId id="260" r:id="rId6"/>
-    <p:sldId id="261" r:id="rId7"/>
+    <p:sldId id="262" r:id="rId5"/>
+    <p:sldId id="264" r:id="rId6"/>
+    <p:sldId id="263" r:id="rId7"/>
+    <p:sldId id="265" r:id="rId8"/>
+    <p:sldId id="267" r:id="rId9"/>
+    <p:sldId id="266" r:id="rId10"/>
+    <p:sldId id="268" r:id="rId11"/>
+    <p:sldId id="269" r:id="rId12"/>
+    <p:sldId id="270" r:id="rId13"/>
+    <p:sldId id="271" r:id="rId14"/>
+    <p:sldId id="272" r:id="rId15"/>
+    <p:sldId id="259" r:id="rId16"/>
+    <p:sldId id="273" r:id="rId17"/>
+    <p:sldId id="260" r:id="rId18"/>
+    <p:sldId id="261" r:id="rId19"/>
   </p:sldIdLst>
   <p:sldSz cx="9144000" cy="5143500" type="screen16x9"/>
   <p:notesSz cx="6858000" cy="9144000"/>
@@ -294,7 +306,7 @@
             <a:fld id="{530820CF-B880-4189-942D-D702A7CBA730}" type="datetimeFigureOut">
               <a:rPr lang="zh-CN" altLang="en-US" smtClean="0"/>
               <a:pPr/>
-              <a:t>2018/9/6</a:t>
+              <a:t>2018/9/9</a:t>
             </a:fld>
             <a:endParaRPr lang="zh-CN" altLang="en-US"/>
           </a:p>
@@ -461,7 +473,7 @@
             <a:fld id="{530820CF-B880-4189-942D-D702A7CBA730}" type="datetimeFigureOut">
               <a:rPr lang="zh-CN" altLang="en-US" smtClean="0"/>
               <a:pPr/>
-              <a:t>2018/9/6</a:t>
+              <a:t>2018/9/9</a:t>
             </a:fld>
             <a:endParaRPr lang="zh-CN" altLang="en-US"/>
           </a:p>
@@ -638,7 +650,7 @@
             <a:fld id="{530820CF-B880-4189-942D-D702A7CBA730}" type="datetimeFigureOut">
               <a:rPr lang="zh-CN" altLang="en-US" smtClean="0"/>
               <a:pPr/>
-              <a:t>2018/9/6</a:t>
+              <a:t>2018/9/9</a:t>
             </a:fld>
             <a:endParaRPr lang="zh-CN" altLang="en-US"/>
           </a:p>
@@ -805,7 +817,7 @@
             <a:fld id="{530820CF-B880-4189-942D-D702A7CBA730}" type="datetimeFigureOut">
               <a:rPr lang="zh-CN" altLang="en-US" smtClean="0"/>
               <a:pPr/>
-              <a:t>2018/9/6</a:t>
+              <a:t>2018/9/9</a:t>
             </a:fld>
             <a:endParaRPr lang="zh-CN" altLang="en-US"/>
           </a:p>
@@ -1048,7 +1060,7 @@
             <a:fld id="{530820CF-B880-4189-942D-D702A7CBA730}" type="datetimeFigureOut">
               <a:rPr lang="zh-CN" altLang="en-US" smtClean="0"/>
               <a:pPr/>
-              <a:t>2018/9/6</a:t>
+              <a:t>2018/9/9</a:t>
             </a:fld>
             <a:endParaRPr lang="zh-CN" altLang="en-US"/>
           </a:p>
@@ -1333,7 +1345,7 @@
             <a:fld id="{530820CF-B880-4189-942D-D702A7CBA730}" type="datetimeFigureOut">
               <a:rPr lang="zh-CN" altLang="en-US" smtClean="0"/>
               <a:pPr/>
-              <a:t>2018/9/6</a:t>
+              <a:t>2018/9/9</a:t>
             </a:fld>
             <a:endParaRPr lang="zh-CN" altLang="en-US"/>
           </a:p>
@@ -1752,7 +1764,7 @@
             <a:fld id="{530820CF-B880-4189-942D-D702A7CBA730}" type="datetimeFigureOut">
               <a:rPr lang="zh-CN" altLang="en-US" smtClean="0"/>
               <a:pPr/>
-              <a:t>2018/9/6</a:t>
+              <a:t>2018/9/9</a:t>
             </a:fld>
             <a:endParaRPr lang="zh-CN" altLang="en-US"/>
           </a:p>
@@ -1867,7 +1879,7 @@
             <a:fld id="{530820CF-B880-4189-942D-D702A7CBA730}" type="datetimeFigureOut">
               <a:rPr lang="zh-CN" altLang="en-US" smtClean="0"/>
               <a:pPr/>
-              <a:t>2018/9/6</a:t>
+              <a:t>2018/9/9</a:t>
             </a:fld>
             <a:endParaRPr lang="zh-CN" altLang="en-US"/>
           </a:p>
@@ -1959,7 +1971,7 @@
             <a:fld id="{530820CF-B880-4189-942D-D702A7CBA730}" type="datetimeFigureOut">
               <a:rPr lang="zh-CN" altLang="en-US" smtClean="0"/>
               <a:pPr/>
-              <a:t>2018/9/6</a:t>
+              <a:t>2018/9/9</a:t>
             </a:fld>
             <a:endParaRPr lang="zh-CN" altLang="en-US"/>
           </a:p>
@@ -2233,7 +2245,7 @@
             <a:fld id="{530820CF-B880-4189-942D-D702A7CBA730}" type="datetimeFigureOut">
               <a:rPr lang="zh-CN" altLang="en-US" smtClean="0"/>
               <a:pPr/>
-              <a:t>2018/9/6</a:t>
+              <a:t>2018/9/9</a:t>
             </a:fld>
             <a:endParaRPr lang="zh-CN" altLang="en-US"/>
           </a:p>
@@ -2483,7 +2495,7 @@
             <a:fld id="{530820CF-B880-4189-942D-D702A7CBA730}" type="datetimeFigureOut">
               <a:rPr lang="zh-CN" altLang="en-US" smtClean="0"/>
               <a:pPr/>
-              <a:t>2018/9/6</a:t>
+              <a:t>2018/9/9</a:t>
             </a:fld>
             <a:endParaRPr lang="zh-CN" altLang="en-US"/>
           </a:p>
@@ -2693,7 +2705,7 @@
             <a:fld id="{530820CF-B880-4189-942D-D702A7CBA730}" type="datetimeFigureOut">
               <a:rPr lang="zh-CN" altLang="en-US" smtClean="0"/>
               <a:pPr/>
-              <a:t>2018/9/6</a:t>
+              <a:t>2018/9/9</a:t>
             </a:fld>
             <a:endParaRPr lang="zh-CN" altLang="en-US"/>
           </a:p>
@@ -3099,10 +3111,15 @@
             <p:ph type="subTitle" idx="1"/>
           </p:nvPr>
         </p:nvSpPr>
-        <p:spPr/>
+        <p:spPr>
+          <a:xfrm>
+            <a:off x="1571604" y="2914650"/>
+            <a:ext cx="6400800" cy="1314450"/>
+          </a:xfrm>
+        </p:spPr>
         <p:txBody>
           <a:bodyPr>
-            <a:normAutofit fontScale="77500" lnSpcReduction="20000"/>
+            <a:normAutofit fontScale="92500" lnSpcReduction="10000"/>
           </a:bodyPr>
           <a:lstStyle/>
           <a:p>
@@ -3112,7 +3129,7 @@
           <a:p>
             <a:pPr algn="l"/>
             <a:r>
-              <a:rPr lang="en-US" altLang="zh-CN" sz="3800" dirty="0" smtClean="0">
+              <a:rPr lang="en-US" altLang="zh-CN" sz="2600" dirty="0" smtClean="0">
                 <a:solidFill>
                   <a:schemeClr val="tx1"/>
                 </a:solidFill>
@@ -3120,14 +3137,14 @@
               <a:t>Yu </a:t>
             </a:r>
             <a:r>
-              <a:rPr lang="en-US" altLang="zh-CN" sz="3800" dirty="0" err="1" smtClean="0">
+              <a:rPr lang="en-US" altLang="zh-CN" sz="2600" dirty="0" err="1" smtClean="0">
                 <a:solidFill>
                   <a:schemeClr val="tx1"/>
                 </a:solidFill>
               </a:rPr>
               <a:t>Qi</a:t>
             </a:r>
-            <a:endParaRPr lang="en-US" altLang="zh-CN" sz="3800" dirty="0" smtClean="0">
+            <a:endParaRPr lang="en-US" altLang="zh-CN" sz="2600" dirty="0" smtClean="0">
               <a:solidFill>
                 <a:schemeClr val="tx1"/>
               </a:solidFill>
@@ -3136,13 +3153,21 @@
           <a:p>
             <a:pPr algn="l"/>
             <a:r>
-              <a:rPr lang="en-US" altLang="zh-CN" sz="3700" dirty="0" smtClean="0">
+              <a:rPr lang="en-US" altLang="zh-CN" sz="2600" dirty="0" smtClean="0">
                 <a:solidFill>
                   <a:schemeClr val="tx1"/>
                 </a:solidFill>
               </a:rPr>
               <a:t>qicosmos@163.com</a:t>
             </a:r>
+          </a:p>
+          <a:p>
+            <a:pPr algn="l"/>
+            <a:endParaRPr lang="en-US" altLang="zh-CN" sz="2600" dirty="0" smtClean="0">
+              <a:solidFill>
+                <a:schemeClr val="tx1"/>
+              </a:solidFill>
+            </a:endParaRPr>
           </a:p>
         </p:txBody>
       </p:sp>
@@ -3158,6 +3183,1514 @@
       </p:par>
     </p:tnLst>
   </p:timing>
+</p:sld>
+</file>
+
+<file path=ppt/slides/slide10.xml><?xml version="1.0" encoding="utf-8"?>
+<p:sld xmlns:a="http://schemas.openxmlformats.org/drawingml/2006/main" xmlns:r="http://schemas.openxmlformats.org/officeDocument/2006/relationships" xmlns:p="http://schemas.openxmlformats.org/presentationml/2006/main">
+  <p:cSld>
+    <p:spTree>
+      <p:nvGrpSpPr>
+        <p:cNvPr id="1" name=""/>
+        <p:cNvGrpSpPr/>
+        <p:nvPr/>
+      </p:nvGrpSpPr>
+      <p:grpSpPr>
+        <a:xfrm>
+          <a:off x="0" y="0"/>
+          <a:ext cx="0" cy="0"/>
+          <a:chOff x="0" y="0"/>
+          <a:chExt cx="0" cy="0"/>
+        </a:xfrm>
+      </p:grpSpPr>
+      <p:sp>
+        <p:nvSpPr>
+          <p:cNvPr id="2" name="标题 1"/>
+          <p:cNvSpPr>
+            <a:spLocks noGrp="1"/>
+          </p:cNvSpPr>
+          <p:nvPr>
+            <p:ph type="title"/>
+          </p:nvPr>
+        </p:nvSpPr>
+        <p:spPr/>
+        <p:txBody>
+          <a:bodyPr>
+            <a:normAutofit fontScale="90000"/>
+          </a:bodyPr>
+          <a:lstStyle/>
+          <a:p>
+            <a:pPr algn="l"/>
+            <a:r>
+              <a:rPr lang="en-US" altLang="zh-CN" dirty="0" smtClean="0"/>
+              <a:t>Comparison with other frameworks</a:t>
+            </a:r>
+            <a:endParaRPr lang="zh-CN" altLang="en-US" dirty="0"/>
+          </a:p>
+        </p:txBody>
+      </p:sp>
+      <p:sp>
+        <p:nvSpPr>
+          <p:cNvPr id="3" name="内容占位符 2"/>
+          <p:cNvSpPr>
+            <a:spLocks noGrp="1"/>
+          </p:cNvSpPr>
+          <p:nvPr>
+            <p:ph idx="1"/>
+          </p:nvPr>
+        </p:nvSpPr>
+        <p:spPr/>
+        <p:txBody>
+          <a:bodyPr/>
+          <a:lstStyle/>
+          <a:p>
+            <a:endParaRPr lang="zh-CN" altLang="en-US" dirty="0"/>
+          </a:p>
+        </p:txBody>
+      </p:sp>
+      <p:pic>
+        <p:nvPicPr>
+          <p:cNvPr id="1026" name="Picture 2"/>
+          <p:cNvPicPr>
+            <a:picLocks noChangeAspect="1" noChangeArrowheads="1"/>
+          </p:cNvPicPr>
+          <p:nvPr/>
+        </p:nvPicPr>
+        <p:blipFill>
+          <a:blip r:embed="rId2"/>
+          <a:srcRect/>
+          <a:stretch>
+            <a:fillRect/>
+          </a:stretch>
+        </p:blipFill>
+        <p:spPr bwMode="auto">
+          <a:xfrm>
+            <a:off x="1500166" y="1357304"/>
+            <a:ext cx="4615130" cy="1143008"/>
+          </a:xfrm>
+          <a:prstGeom prst="rect">
+            <a:avLst/>
+          </a:prstGeom>
+          <a:noFill/>
+          <a:ln w="9525">
+            <a:noFill/>
+            <a:miter lim="800000"/>
+            <a:headEnd/>
+            <a:tailEnd/>
+          </a:ln>
+          <a:effectLst/>
+        </p:spPr>
+      </p:pic>
+      <p:pic>
+        <p:nvPicPr>
+          <p:cNvPr id="1027" name="Picture 3"/>
+          <p:cNvPicPr>
+            <a:picLocks noChangeAspect="1" noChangeArrowheads="1"/>
+          </p:cNvPicPr>
+          <p:nvPr/>
+        </p:nvPicPr>
+        <p:blipFill>
+          <a:blip r:embed="rId3"/>
+          <a:srcRect/>
+          <a:stretch>
+            <a:fillRect/>
+          </a:stretch>
+        </p:blipFill>
+        <p:spPr bwMode="auto">
+          <a:xfrm>
+            <a:off x="1500166" y="2857502"/>
+            <a:ext cx="3625346" cy="1428760"/>
+          </a:xfrm>
+          <a:prstGeom prst="rect">
+            <a:avLst/>
+          </a:prstGeom>
+          <a:noFill/>
+          <a:ln w="9525">
+            <a:noFill/>
+            <a:miter lim="800000"/>
+            <a:headEnd/>
+            <a:tailEnd/>
+          </a:ln>
+          <a:effectLst/>
+        </p:spPr>
+      </p:pic>
+    </p:spTree>
+  </p:cSld>
+  <p:clrMapOvr>
+    <a:masterClrMapping/>
+  </p:clrMapOvr>
+  <p:timing>
+    <p:tnLst>
+      <p:par>
+        <p:cTn id="1" dur="indefinite" restart="never" nodeType="tmRoot"/>
+      </p:par>
+    </p:tnLst>
+  </p:timing>
+</p:sld>
+</file>
+
+<file path=ppt/slides/slide11.xml><?xml version="1.0" encoding="utf-8"?>
+<p:sld xmlns:a="http://schemas.openxmlformats.org/drawingml/2006/main" xmlns:r="http://schemas.openxmlformats.org/officeDocument/2006/relationships" xmlns:p="http://schemas.openxmlformats.org/presentationml/2006/main">
+  <p:cSld>
+    <p:spTree>
+      <p:nvGrpSpPr>
+        <p:cNvPr id="1" name=""/>
+        <p:cNvGrpSpPr/>
+        <p:nvPr/>
+      </p:nvGrpSpPr>
+      <p:grpSpPr>
+        <a:xfrm>
+          <a:off x="0" y="0"/>
+          <a:ext cx="0" cy="0"/>
+          <a:chOff x="0" y="0"/>
+          <a:chExt cx="0" cy="0"/>
+        </a:xfrm>
+      </p:grpSpPr>
+      <p:sp>
+        <p:nvSpPr>
+          <p:cNvPr id="2" name="标题 1"/>
+          <p:cNvSpPr>
+            <a:spLocks noGrp="1"/>
+          </p:cNvSpPr>
+          <p:nvPr>
+            <p:ph type="title"/>
+          </p:nvPr>
+        </p:nvSpPr>
+        <p:spPr/>
+        <p:txBody>
+          <a:bodyPr/>
+          <a:lstStyle/>
+          <a:p>
+            <a:endParaRPr lang="zh-CN" altLang="en-US"/>
+          </a:p>
+        </p:txBody>
+      </p:sp>
+      <p:sp>
+        <p:nvSpPr>
+          <p:cNvPr id="3" name="内容占位符 2"/>
+          <p:cNvSpPr>
+            <a:spLocks noGrp="1"/>
+          </p:cNvSpPr>
+          <p:nvPr>
+            <p:ph idx="1"/>
+          </p:nvPr>
+        </p:nvSpPr>
+        <p:spPr/>
+        <p:txBody>
+          <a:bodyPr/>
+          <a:lstStyle/>
+          <a:p>
+            <a:endParaRPr lang="zh-CN" altLang="en-US"/>
+          </a:p>
+        </p:txBody>
+      </p:sp>
+      <p:pic>
+        <p:nvPicPr>
+          <p:cNvPr id="2050" name="Picture 2"/>
+          <p:cNvPicPr>
+            <a:picLocks noChangeAspect="1" noChangeArrowheads="1"/>
+          </p:cNvPicPr>
+          <p:nvPr/>
+        </p:nvPicPr>
+        <p:blipFill>
+          <a:blip r:embed="rId2"/>
+          <a:srcRect/>
+          <a:stretch>
+            <a:fillRect/>
+          </a:stretch>
+        </p:blipFill>
+        <p:spPr bwMode="auto">
+          <a:xfrm>
+            <a:off x="500034" y="1214428"/>
+            <a:ext cx="7624562" cy="1785950"/>
+          </a:xfrm>
+          <a:prstGeom prst="rect">
+            <a:avLst/>
+          </a:prstGeom>
+          <a:noFill/>
+          <a:ln w="9525">
+            <a:noFill/>
+            <a:miter lim="800000"/>
+            <a:headEnd/>
+            <a:tailEnd/>
+          </a:ln>
+          <a:effectLst/>
+        </p:spPr>
+      </p:pic>
+      <p:pic>
+        <p:nvPicPr>
+          <p:cNvPr id="2051" name="Picture 3"/>
+          <p:cNvPicPr>
+            <a:picLocks noChangeAspect="1" noChangeArrowheads="1"/>
+          </p:cNvPicPr>
+          <p:nvPr/>
+        </p:nvPicPr>
+        <p:blipFill>
+          <a:blip r:embed="rId3"/>
+          <a:srcRect/>
+          <a:stretch>
+            <a:fillRect/>
+          </a:stretch>
+        </p:blipFill>
+        <p:spPr bwMode="auto">
+          <a:xfrm>
+            <a:off x="1214414" y="1142990"/>
+            <a:ext cx="4084637" cy="3376613"/>
+          </a:xfrm>
+          <a:prstGeom prst="rect">
+            <a:avLst/>
+          </a:prstGeom>
+          <a:noFill/>
+          <a:ln w="9525">
+            <a:noFill/>
+            <a:miter lim="800000"/>
+            <a:headEnd/>
+            <a:tailEnd/>
+          </a:ln>
+          <a:effectLst/>
+        </p:spPr>
+      </p:pic>
+      <p:pic>
+        <p:nvPicPr>
+          <p:cNvPr id="2052" name="Picture 4"/>
+          <p:cNvPicPr>
+            <a:picLocks noChangeAspect="1" noChangeArrowheads="1"/>
+          </p:cNvPicPr>
+          <p:nvPr/>
+        </p:nvPicPr>
+        <p:blipFill>
+          <a:blip r:embed="rId4"/>
+          <a:srcRect/>
+          <a:stretch>
+            <a:fillRect/>
+          </a:stretch>
+        </p:blipFill>
+        <p:spPr bwMode="auto">
+          <a:xfrm>
+            <a:off x="1857356" y="1428742"/>
+            <a:ext cx="5746750" cy="2468563"/>
+          </a:xfrm>
+          <a:prstGeom prst="rect">
+            <a:avLst/>
+          </a:prstGeom>
+          <a:noFill/>
+          <a:ln w="9525">
+            <a:noFill/>
+            <a:miter lim="800000"/>
+            <a:headEnd/>
+            <a:tailEnd/>
+          </a:ln>
+          <a:effectLst/>
+        </p:spPr>
+      </p:pic>
+    </p:spTree>
+  </p:cSld>
+  <p:clrMapOvr>
+    <a:masterClrMapping/>
+  </p:clrMapOvr>
+  <p:timing>
+    <p:tnLst>
+      <p:par>
+        <p:cTn id="1" dur="indefinite" restart="never" nodeType="tmRoot">
+          <p:childTnLst>
+            <p:seq concurrent="1" nextAc="seek">
+              <p:cTn id="2" dur="indefinite" nodeType="mainSeq">
+                <p:childTnLst>
+                  <p:par>
+                    <p:cTn id="3" fill="hold">
+                      <p:stCondLst>
+                        <p:cond delay="indefinite"/>
+                      </p:stCondLst>
+                      <p:childTnLst>
+                        <p:par>
+                          <p:cTn id="4" fill="hold">
+                            <p:stCondLst>
+                              <p:cond delay="0"/>
+                            </p:stCondLst>
+                            <p:childTnLst>
+                              <p:par>
+                                <p:cTn id="5" presetID="2" presetClass="entr" presetSubtype="4" fill="hold" nodeType="clickEffect">
+                                  <p:stCondLst>
+                                    <p:cond delay="0"/>
+                                  </p:stCondLst>
+                                  <p:childTnLst>
+                                    <p:set>
+                                      <p:cBhvr>
+                                        <p:cTn id="6" dur="1" fill="hold">
+                                          <p:stCondLst>
+                                            <p:cond delay="0"/>
+                                          </p:stCondLst>
+                                        </p:cTn>
+                                        <p:tgtEl>
+                                          <p:spTgt spid="2051"/>
+                                        </p:tgtEl>
+                                        <p:attrNameLst>
+                                          <p:attrName>style.visibility</p:attrName>
+                                        </p:attrNameLst>
+                                      </p:cBhvr>
+                                      <p:to>
+                                        <p:strVal val="visible"/>
+                                      </p:to>
+                                    </p:set>
+                                    <p:anim calcmode="lin" valueType="num">
+                                      <p:cBhvr additive="base">
+                                        <p:cTn id="7" dur="500" fill="hold"/>
+                                        <p:tgtEl>
+                                          <p:spTgt spid="2051"/>
+                                        </p:tgtEl>
+                                        <p:attrNameLst>
+                                          <p:attrName>ppt_x</p:attrName>
+                                        </p:attrNameLst>
+                                      </p:cBhvr>
+                                      <p:tavLst>
+                                        <p:tav tm="0">
+                                          <p:val>
+                                            <p:strVal val="#ppt_x"/>
+                                          </p:val>
+                                        </p:tav>
+                                        <p:tav tm="100000">
+                                          <p:val>
+                                            <p:strVal val="#ppt_x"/>
+                                          </p:val>
+                                        </p:tav>
+                                      </p:tavLst>
+                                    </p:anim>
+                                    <p:anim calcmode="lin" valueType="num">
+                                      <p:cBhvr additive="base">
+                                        <p:cTn id="8" dur="500" fill="hold"/>
+                                        <p:tgtEl>
+                                          <p:spTgt spid="2051"/>
+                                        </p:tgtEl>
+                                        <p:attrNameLst>
+                                          <p:attrName>ppt_y</p:attrName>
+                                        </p:attrNameLst>
+                                      </p:cBhvr>
+                                      <p:tavLst>
+                                        <p:tav tm="0">
+                                          <p:val>
+                                            <p:strVal val="1+#ppt_h/2"/>
+                                          </p:val>
+                                        </p:tav>
+                                        <p:tav tm="100000">
+                                          <p:val>
+                                            <p:strVal val="#ppt_y"/>
+                                          </p:val>
+                                        </p:tav>
+                                      </p:tavLst>
+                                    </p:anim>
+                                  </p:childTnLst>
+                                </p:cTn>
+                              </p:par>
+                            </p:childTnLst>
+                          </p:cTn>
+                        </p:par>
+                      </p:childTnLst>
+                    </p:cTn>
+                  </p:par>
+                  <p:par>
+                    <p:cTn id="9" fill="hold">
+                      <p:stCondLst>
+                        <p:cond delay="indefinite"/>
+                      </p:stCondLst>
+                      <p:childTnLst>
+                        <p:par>
+                          <p:cTn id="10" fill="hold">
+                            <p:stCondLst>
+                              <p:cond delay="0"/>
+                            </p:stCondLst>
+                            <p:childTnLst>
+                              <p:par>
+                                <p:cTn id="11" presetID="2" presetClass="entr" presetSubtype="4" fill="hold" nodeType="clickEffect">
+                                  <p:stCondLst>
+                                    <p:cond delay="0"/>
+                                  </p:stCondLst>
+                                  <p:childTnLst>
+                                    <p:set>
+                                      <p:cBhvr>
+                                        <p:cTn id="12" dur="1" fill="hold">
+                                          <p:stCondLst>
+                                            <p:cond delay="0"/>
+                                          </p:stCondLst>
+                                        </p:cTn>
+                                        <p:tgtEl>
+                                          <p:spTgt spid="2052"/>
+                                        </p:tgtEl>
+                                        <p:attrNameLst>
+                                          <p:attrName>style.visibility</p:attrName>
+                                        </p:attrNameLst>
+                                      </p:cBhvr>
+                                      <p:to>
+                                        <p:strVal val="visible"/>
+                                      </p:to>
+                                    </p:set>
+                                    <p:anim calcmode="lin" valueType="num">
+                                      <p:cBhvr additive="base">
+                                        <p:cTn id="13" dur="500" fill="hold"/>
+                                        <p:tgtEl>
+                                          <p:spTgt spid="2052"/>
+                                        </p:tgtEl>
+                                        <p:attrNameLst>
+                                          <p:attrName>ppt_x</p:attrName>
+                                        </p:attrNameLst>
+                                      </p:cBhvr>
+                                      <p:tavLst>
+                                        <p:tav tm="0">
+                                          <p:val>
+                                            <p:strVal val="#ppt_x"/>
+                                          </p:val>
+                                        </p:tav>
+                                        <p:tav tm="100000">
+                                          <p:val>
+                                            <p:strVal val="#ppt_x"/>
+                                          </p:val>
+                                        </p:tav>
+                                      </p:tavLst>
+                                    </p:anim>
+                                    <p:anim calcmode="lin" valueType="num">
+                                      <p:cBhvr additive="base">
+                                        <p:cTn id="14" dur="500" fill="hold"/>
+                                        <p:tgtEl>
+                                          <p:spTgt spid="2052"/>
+                                        </p:tgtEl>
+                                        <p:attrNameLst>
+                                          <p:attrName>ppt_y</p:attrName>
+                                        </p:attrNameLst>
+                                      </p:cBhvr>
+                                      <p:tavLst>
+                                        <p:tav tm="0">
+                                          <p:val>
+                                            <p:strVal val="1+#ppt_h/2"/>
+                                          </p:val>
+                                        </p:tav>
+                                        <p:tav tm="100000">
+                                          <p:val>
+                                            <p:strVal val="#ppt_y"/>
+                                          </p:val>
+                                        </p:tav>
+                                      </p:tavLst>
+                                    </p:anim>
+                                  </p:childTnLst>
+                                </p:cTn>
+                              </p:par>
+                            </p:childTnLst>
+                          </p:cTn>
+                        </p:par>
+                      </p:childTnLst>
+                    </p:cTn>
+                  </p:par>
+                </p:childTnLst>
+              </p:cTn>
+              <p:prevCondLst>
+                <p:cond evt="onPrev" delay="0">
+                  <p:tgtEl>
+                    <p:sldTgt/>
+                  </p:tgtEl>
+                </p:cond>
+              </p:prevCondLst>
+              <p:nextCondLst>
+                <p:cond evt="onNext" delay="0">
+                  <p:tgtEl>
+                    <p:sldTgt/>
+                  </p:tgtEl>
+                </p:cond>
+              </p:nextCondLst>
+            </p:seq>
+          </p:childTnLst>
+        </p:cTn>
+      </p:par>
+    </p:tnLst>
+  </p:timing>
+</p:sld>
+</file>
+
+<file path=ppt/slides/slide12.xml><?xml version="1.0" encoding="utf-8"?>
+<p:sld xmlns:a="http://schemas.openxmlformats.org/drawingml/2006/main" xmlns:r="http://schemas.openxmlformats.org/officeDocument/2006/relationships" xmlns:p="http://schemas.openxmlformats.org/presentationml/2006/main">
+  <p:cSld>
+    <p:spTree>
+      <p:nvGrpSpPr>
+        <p:cNvPr id="1" name=""/>
+        <p:cNvGrpSpPr/>
+        <p:nvPr/>
+      </p:nvGrpSpPr>
+      <p:grpSpPr>
+        <a:xfrm>
+          <a:off x="0" y="0"/>
+          <a:ext cx="0" cy="0"/>
+          <a:chOff x="0" y="0"/>
+          <a:chExt cx="0" cy="0"/>
+        </a:xfrm>
+      </p:grpSpPr>
+      <p:sp>
+        <p:nvSpPr>
+          <p:cNvPr id="2" name="标题 1"/>
+          <p:cNvSpPr>
+            <a:spLocks noGrp="1"/>
+          </p:cNvSpPr>
+          <p:nvPr>
+            <p:ph type="title"/>
+          </p:nvPr>
+        </p:nvSpPr>
+        <p:spPr/>
+        <p:txBody>
+          <a:bodyPr/>
+          <a:lstStyle/>
+          <a:p>
+            <a:endParaRPr lang="zh-CN" altLang="en-US"/>
+          </a:p>
+        </p:txBody>
+      </p:sp>
+      <p:sp>
+        <p:nvSpPr>
+          <p:cNvPr id="3" name="内容占位符 2"/>
+          <p:cNvSpPr>
+            <a:spLocks noGrp="1"/>
+          </p:cNvSpPr>
+          <p:nvPr>
+            <p:ph idx="1"/>
+          </p:nvPr>
+        </p:nvSpPr>
+        <p:spPr/>
+        <p:txBody>
+          <a:bodyPr/>
+          <a:lstStyle/>
+          <a:p>
+            <a:endParaRPr lang="zh-CN" altLang="en-US" dirty="0"/>
+          </a:p>
+        </p:txBody>
+      </p:sp>
+      <p:pic>
+        <p:nvPicPr>
+          <p:cNvPr id="3075" name="Picture 3"/>
+          <p:cNvPicPr>
+            <a:picLocks noChangeAspect="1" noChangeArrowheads="1"/>
+          </p:cNvPicPr>
+          <p:nvPr/>
+        </p:nvPicPr>
+        <p:blipFill>
+          <a:blip r:embed="rId2"/>
+          <a:srcRect/>
+          <a:stretch>
+            <a:fillRect/>
+          </a:stretch>
+        </p:blipFill>
+        <p:spPr bwMode="auto">
+          <a:xfrm>
+            <a:off x="500034" y="1214428"/>
+            <a:ext cx="6401485" cy="928694"/>
+          </a:xfrm>
+          <a:prstGeom prst="rect">
+            <a:avLst/>
+          </a:prstGeom>
+          <a:noFill/>
+          <a:ln w="9525">
+            <a:noFill/>
+            <a:miter lim="800000"/>
+            <a:headEnd/>
+            <a:tailEnd/>
+          </a:ln>
+          <a:effectLst/>
+        </p:spPr>
+      </p:pic>
+      <p:sp>
+        <p:nvSpPr>
+          <p:cNvPr id="6" name="矩形 5"/>
+          <p:cNvSpPr/>
+          <p:nvPr/>
+        </p:nvSpPr>
+        <p:spPr>
+          <a:xfrm>
+            <a:off x="1428728" y="2428874"/>
+            <a:ext cx="5691110" cy="369332"/>
+          </a:xfrm>
+          <a:prstGeom prst="rect">
+            <a:avLst/>
+          </a:prstGeom>
+        </p:spPr>
+        <p:txBody>
+          <a:bodyPr wrap="none">
+            <a:spAutoFit/>
+          </a:bodyPr>
+          <a:lstStyle/>
+          <a:p>
+            <a:r>
+              <a:rPr lang="en-US" altLang="zh-CN" dirty="0" smtClean="0"/>
+              <a:t>Very simple, no need to know details about the framework</a:t>
+            </a:r>
+            <a:endParaRPr lang="zh-CN" altLang="en-US" dirty="0"/>
+          </a:p>
+        </p:txBody>
+      </p:sp>
+      <p:sp>
+        <p:nvSpPr>
+          <p:cNvPr id="7" name="矩形 6"/>
+          <p:cNvSpPr/>
+          <p:nvPr/>
+        </p:nvSpPr>
+        <p:spPr>
+          <a:xfrm>
+            <a:off x="1428728" y="2928940"/>
+            <a:ext cx="5039906" cy="369332"/>
+          </a:xfrm>
+          <a:prstGeom prst="rect">
+            <a:avLst/>
+          </a:prstGeom>
+        </p:spPr>
+        <p:txBody>
+          <a:bodyPr wrap="none">
+            <a:spAutoFit/>
+          </a:bodyPr>
+          <a:lstStyle/>
+          <a:p>
+            <a:r>
+              <a:rPr lang="en-US" altLang="zh-CN" dirty="0" smtClean="0"/>
+              <a:t>Become the master of the framework not the slave!</a:t>
+            </a:r>
+            <a:endParaRPr lang="zh-CN" altLang="en-US" dirty="0"/>
+          </a:p>
+        </p:txBody>
+      </p:sp>
+    </p:spTree>
+  </p:cSld>
+  <p:clrMapOvr>
+    <a:masterClrMapping/>
+  </p:clrMapOvr>
+  <p:timing>
+    <p:tnLst>
+      <p:par>
+        <p:cTn id="1" dur="indefinite" restart="never" nodeType="tmRoot">
+          <p:childTnLst>
+            <p:seq concurrent="1" nextAc="seek">
+              <p:cTn id="2" dur="indefinite" nodeType="mainSeq">
+                <p:childTnLst>
+                  <p:par>
+                    <p:cTn id="3" fill="hold">
+                      <p:stCondLst>
+                        <p:cond delay="indefinite"/>
+                      </p:stCondLst>
+                      <p:childTnLst>
+                        <p:par>
+                          <p:cTn id="4" fill="hold">
+                            <p:stCondLst>
+                              <p:cond delay="0"/>
+                            </p:stCondLst>
+                            <p:childTnLst>
+                              <p:par>
+                                <p:cTn id="5" presetID="2" presetClass="entr" presetSubtype="4" fill="hold" grpId="0" nodeType="clickEffect">
+                                  <p:stCondLst>
+                                    <p:cond delay="0"/>
+                                  </p:stCondLst>
+                                  <p:childTnLst>
+                                    <p:set>
+                                      <p:cBhvr>
+                                        <p:cTn id="6" dur="1" fill="hold">
+                                          <p:stCondLst>
+                                            <p:cond delay="0"/>
+                                          </p:stCondLst>
+                                        </p:cTn>
+                                        <p:tgtEl>
+                                          <p:spTgt spid="6"/>
+                                        </p:tgtEl>
+                                        <p:attrNameLst>
+                                          <p:attrName>style.visibility</p:attrName>
+                                        </p:attrNameLst>
+                                      </p:cBhvr>
+                                      <p:to>
+                                        <p:strVal val="visible"/>
+                                      </p:to>
+                                    </p:set>
+                                    <p:anim calcmode="lin" valueType="num">
+                                      <p:cBhvr additive="base">
+                                        <p:cTn id="7" dur="500" fill="hold"/>
+                                        <p:tgtEl>
+                                          <p:spTgt spid="6"/>
+                                        </p:tgtEl>
+                                        <p:attrNameLst>
+                                          <p:attrName>ppt_x</p:attrName>
+                                        </p:attrNameLst>
+                                      </p:cBhvr>
+                                      <p:tavLst>
+                                        <p:tav tm="0">
+                                          <p:val>
+                                            <p:strVal val="#ppt_x"/>
+                                          </p:val>
+                                        </p:tav>
+                                        <p:tav tm="100000">
+                                          <p:val>
+                                            <p:strVal val="#ppt_x"/>
+                                          </p:val>
+                                        </p:tav>
+                                      </p:tavLst>
+                                    </p:anim>
+                                    <p:anim calcmode="lin" valueType="num">
+                                      <p:cBhvr additive="base">
+                                        <p:cTn id="8" dur="500" fill="hold"/>
+                                        <p:tgtEl>
+                                          <p:spTgt spid="6"/>
+                                        </p:tgtEl>
+                                        <p:attrNameLst>
+                                          <p:attrName>ppt_y</p:attrName>
+                                        </p:attrNameLst>
+                                      </p:cBhvr>
+                                      <p:tavLst>
+                                        <p:tav tm="0">
+                                          <p:val>
+                                            <p:strVal val="1+#ppt_h/2"/>
+                                          </p:val>
+                                        </p:tav>
+                                        <p:tav tm="100000">
+                                          <p:val>
+                                            <p:strVal val="#ppt_y"/>
+                                          </p:val>
+                                        </p:tav>
+                                      </p:tavLst>
+                                    </p:anim>
+                                  </p:childTnLst>
+                                </p:cTn>
+                              </p:par>
+                            </p:childTnLst>
+                          </p:cTn>
+                        </p:par>
+                      </p:childTnLst>
+                    </p:cTn>
+                  </p:par>
+                  <p:par>
+                    <p:cTn id="9" fill="hold">
+                      <p:stCondLst>
+                        <p:cond delay="indefinite"/>
+                      </p:stCondLst>
+                      <p:childTnLst>
+                        <p:par>
+                          <p:cTn id="10" fill="hold">
+                            <p:stCondLst>
+                              <p:cond delay="0"/>
+                            </p:stCondLst>
+                            <p:childTnLst>
+                              <p:par>
+                                <p:cTn id="11" presetID="2" presetClass="entr" presetSubtype="4" fill="hold" grpId="0" nodeType="clickEffect">
+                                  <p:stCondLst>
+                                    <p:cond delay="0"/>
+                                  </p:stCondLst>
+                                  <p:childTnLst>
+                                    <p:set>
+                                      <p:cBhvr>
+                                        <p:cTn id="12" dur="1" fill="hold">
+                                          <p:stCondLst>
+                                            <p:cond delay="0"/>
+                                          </p:stCondLst>
+                                        </p:cTn>
+                                        <p:tgtEl>
+                                          <p:spTgt spid="7"/>
+                                        </p:tgtEl>
+                                        <p:attrNameLst>
+                                          <p:attrName>style.visibility</p:attrName>
+                                        </p:attrNameLst>
+                                      </p:cBhvr>
+                                      <p:to>
+                                        <p:strVal val="visible"/>
+                                      </p:to>
+                                    </p:set>
+                                    <p:anim calcmode="lin" valueType="num">
+                                      <p:cBhvr additive="base">
+                                        <p:cTn id="13" dur="500" fill="hold"/>
+                                        <p:tgtEl>
+                                          <p:spTgt spid="7"/>
+                                        </p:tgtEl>
+                                        <p:attrNameLst>
+                                          <p:attrName>ppt_x</p:attrName>
+                                        </p:attrNameLst>
+                                      </p:cBhvr>
+                                      <p:tavLst>
+                                        <p:tav tm="0">
+                                          <p:val>
+                                            <p:strVal val="#ppt_x"/>
+                                          </p:val>
+                                        </p:tav>
+                                        <p:tav tm="100000">
+                                          <p:val>
+                                            <p:strVal val="#ppt_x"/>
+                                          </p:val>
+                                        </p:tav>
+                                      </p:tavLst>
+                                    </p:anim>
+                                    <p:anim calcmode="lin" valueType="num">
+                                      <p:cBhvr additive="base">
+                                        <p:cTn id="14" dur="500" fill="hold"/>
+                                        <p:tgtEl>
+                                          <p:spTgt spid="7"/>
+                                        </p:tgtEl>
+                                        <p:attrNameLst>
+                                          <p:attrName>ppt_y</p:attrName>
+                                        </p:attrNameLst>
+                                      </p:cBhvr>
+                                      <p:tavLst>
+                                        <p:tav tm="0">
+                                          <p:val>
+                                            <p:strVal val="1+#ppt_h/2"/>
+                                          </p:val>
+                                        </p:tav>
+                                        <p:tav tm="100000">
+                                          <p:val>
+                                            <p:strVal val="#ppt_y"/>
+                                          </p:val>
+                                        </p:tav>
+                                      </p:tavLst>
+                                    </p:anim>
+                                  </p:childTnLst>
+                                </p:cTn>
+                              </p:par>
+                            </p:childTnLst>
+                          </p:cTn>
+                        </p:par>
+                      </p:childTnLst>
+                    </p:cTn>
+                  </p:par>
+                </p:childTnLst>
+              </p:cTn>
+              <p:prevCondLst>
+                <p:cond evt="onPrev" delay="0">
+                  <p:tgtEl>
+                    <p:sldTgt/>
+                  </p:tgtEl>
+                </p:cond>
+              </p:prevCondLst>
+              <p:nextCondLst>
+                <p:cond evt="onNext" delay="0">
+                  <p:tgtEl>
+                    <p:sldTgt/>
+                  </p:tgtEl>
+                </p:cond>
+              </p:nextCondLst>
+            </p:seq>
+          </p:childTnLst>
+        </p:cTn>
+      </p:par>
+    </p:tnLst>
+    <p:bldLst>
+      <p:bldP spid="6" grpId="0"/>
+      <p:bldP spid="7" grpId="0"/>
+    </p:bldLst>
+  </p:timing>
+</p:sld>
+</file>
+
+<file path=ppt/slides/slide13.xml><?xml version="1.0" encoding="utf-8"?>
+<p:sld xmlns:a="http://schemas.openxmlformats.org/drawingml/2006/main" xmlns:r="http://schemas.openxmlformats.org/officeDocument/2006/relationships" xmlns:p="http://schemas.openxmlformats.org/presentationml/2006/main">
+  <p:cSld>
+    <p:spTree>
+      <p:nvGrpSpPr>
+        <p:cNvPr id="1" name=""/>
+        <p:cNvGrpSpPr/>
+        <p:nvPr/>
+      </p:nvGrpSpPr>
+      <p:grpSpPr>
+        <a:xfrm>
+          <a:off x="0" y="0"/>
+          <a:ext cx="0" cy="0"/>
+          <a:chOff x="0" y="0"/>
+          <a:chExt cx="0" cy="0"/>
+        </a:xfrm>
+      </p:grpSpPr>
+      <p:sp>
+        <p:nvSpPr>
+          <p:cNvPr id="2" name="标题 1"/>
+          <p:cNvSpPr>
+            <a:spLocks noGrp="1"/>
+          </p:cNvSpPr>
+          <p:nvPr>
+            <p:ph type="title"/>
+          </p:nvPr>
+        </p:nvSpPr>
+        <p:spPr/>
+        <p:txBody>
+          <a:bodyPr>
+            <a:normAutofit/>
+          </a:bodyPr>
+          <a:lstStyle/>
+          <a:p>
+            <a:pPr algn="l"/>
+            <a:r>
+              <a:rPr lang="en-US" altLang="zh-CN" dirty="0" smtClean="0"/>
+              <a:t>Performance</a:t>
+            </a:r>
+            <a:endParaRPr lang="zh-CN" altLang="en-US" dirty="0"/>
+          </a:p>
+        </p:txBody>
+      </p:sp>
+      <p:sp>
+        <p:nvSpPr>
+          <p:cNvPr id="3" name="内容占位符 2"/>
+          <p:cNvSpPr>
+            <a:spLocks noGrp="1"/>
+          </p:cNvSpPr>
+          <p:nvPr>
+            <p:ph idx="1"/>
+          </p:nvPr>
+        </p:nvSpPr>
+        <p:spPr/>
+        <p:txBody>
+          <a:bodyPr/>
+          <a:lstStyle/>
+          <a:p>
+            <a:endParaRPr lang="zh-CN" altLang="en-US"/>
+          </a:p>
+        </p:txBody>
+      </p:sp>
+      <p:pic>
+        <p:nvPicPr>
+          <p:cNvPr id="4098" name="Picture 2" descr="feather benchmark"/>
+          <p:cNvPicPr>
+            <a:picLocks noChangeAspect="1" noChangeArrowheads="1"/>
+          </p:cNvPicPr>
+          <p:nvPr/>
+        </p:nvPicPr>
+        <p:blipFill>
+          <a:blip r:embed="rId2"/>
+          <a:srcRect/>
+          <a:stretch>
+            <a:fillRect/>
+          </a:stretch>
+        </p:blipFill>
+        <p:spPr bwMode="auto">
+          <a:xfrm>
+            <a:off x="1643042" y="1357304"/>
+            <a:ext cx="4600575" cy="2771776"/>
+          </a:xfrm>
+          <a:prstGeom prst="rect">
+            <a:avLst/>
+          </a:prstGeom>
+          <a:noFill/>
+        </p:spPr>
+      </p:pic>
+    </p:spTree>
+  </p:cSld>
+  <p:clrMapOvr>
+    <a:masterClrMapping/>
+  </p:clrMapOvr>
+  <p:timing>
+    <p:tnLst>
+      <p:par>
+        <p:cTn id="1" dur="indefinite" restart="never" nodeType="tmRoot"/>
+      </p:par>
+    </p:tnLst>
+  </p:timing>
+</p:sld>
+</file>
+
+<file path=ppt/slides/slide14.xml><?xml version="1.0" encoding="utf-8"?>
+<p:sld xmlns:a="http://schemas.openxmlformats.org/drawingml/2006/main" xmlns:r="http://schemas.openxmlformats.org/officeDocument/2006/relationships" xmlns:p="http://schemas.openxmlformats.org/presentationml/2006/main">
+  <p:cSld>
+    <p:spTree>
+      <p:nvGrpSpPr>
+        <p:cNvPr id="1" name=""/>
+        <p:cNvGrpSpPr/>
+        <p:nvPr/>
+      </p:nvGrpSpPr>
+      <p:grpSpPr>
+        <a:xfrm>
+          <a:off x="0" y="0"/>
+          <a:ext cx="0" cy="0"/>
+          <a:chOff x="0" y="0"/>
+          <a:chExt cx="0" cy="0"/>
+        </a:xfrm>
+      </p:grpSpPr>
+      <p:sp>
+        <p:nvSpPr>
+          <p:cNvPr id="2" name="标题 1"/>
+          <p:cNvSpPr>
+            <a:spLocks noGrp="1"/>
+          </p:cNvSpPr>
+          <p:nvPr>
+            <p:ph type="title"/>
+          </p:nvPr>
+        </p:nvSpPr>
+        <p:spPr/>
+        <p:txBody>
+          <a:bodyPr/>
+          <a:lstStyle/>
+          <a:p>
+            <a:pPr algn="l"/>
+            <a:r>
+              <a:rPr lang="en-US" altLang="zh-CN" dirty="0" smtClean="0"/>
+              <a:t>Some </a:t>
+            </a:r>
+            <a:r>
+              <a:rPr lang="en-US" altLang="zh-CN" dirty="0" err="1" smtClean="0"/>
+              <a:t>c++</a:t>
+            </a:r>
+            <a:r>
+              <a:rPr lang="en-US" altLang="zh-CN" dirty="0" smtClean="0"/>
+              <a:t> web frameworks</a:t>
+            </a:r>
+            <a:endParaRPr lang="zh-CN" altLang="en-US" dirty="0"/>
+          </a:p>
+        </p:txBody>
+      </p:sp>
+      <p:sp>
+        <p:nvSpPr>
+          <p:cNvPr id="3" name="内容占位符 2"/>
+          <p:cNvSpPr>
+            <a:spLocks noGrp="1"/>
+          </p:cNvSpPr>
+          <p:nvPr>
+            <p:ph idx="1"/>
+          </p:nvPr>
+        </p:nvSpPr>
+        <p:spPr/>
+        <p:txBody>
+          <a:bodyPr/>
+          <a:lstStyle/>
+          <a:p>
+            <a:r>
+              <a:rPr lang="en-US" altLang="zh-CN" dirty="0" err="1" smtClean="0"/>
+              <a:t>Cppcms</a:t>
+            </a:r>
+            <a:r>
+              <a:rPr lang="en-US" altLang="zh-CN" dirty="0" smtClean="0"/>
+              <a:t>: too old, not easy to use, not modern</a:t>
+            </a:r>
+          </a:p>
+          <a:p>
+            <a:r>
+              <a:rPr lang="en-US" altLang="zh-CN" dirty="0" err="1" smtClean="0"/>
+              <a:t>treefrog</a:t>
+            </a:r>
+            <a:r>
+              <a:rPr lang="en-US" altLang="zh-CN" dirty="0" smtClean="0"/>
+              <a:t>-framework: based on qt, too heavily, not modern </a:t>
+            </a:r>
+            <a:r>
+              <a:rPr lang="en-US" altLang="zh-CN" dirty="0" err="1" smtClean="0"/>
+              <a:t>c++</a:t>
+            </a:r>
+            <a:endParaRPr lang="en-US" altLang="zh-CN" dirty="0" smtClean="0"/>
+          </a:p>
+          <a:p>
+            <a:r>
+              <a:rPr lang="en-US" dirty="0" smtClean="0"/>
+              <a:t>Silicon: not so easy to use</a:t>
+            </a:r>
+          </a:p>
+          <a:p>
+            <a:r>
+              <a:rPr lang="en-US" dirty="0" smtClean="0"/>
+              <a:t>Crow: lack of some important components, it’s not a really web framework</a:t>
+            </a:r>
+          </a:p>
+          <a:p>
+            <a:endParaRPr lang="en-US" dirty="0" smtClean="0"/>
+          </a:p>
+          <a:p>
+            <a:endParaRPr lang="zh-CN" altLang="en-US" dirty="0"/>
+          </a:p>
+        </p:txBody>
+      </p:sp>
+    </p:spTree>
+  </p:cSld>
+  <p:clrMapOvr>
+    <a:masterClrMapping/>
+  </p:clrMapOvr>
+  <p:timing>
+    <p:tnLst>
+      <p:par>
+        <p:cTn id="1" dur="indefinite" restart="never" nodeType="tmRoot"/>
+      </p:par>
+    </p:tnLst>
+  </p:timing>
+</p:sld>
+</file>
+
+<file path=ppt/slides/slide15.xml><?xml version="1.0" encoding="utf-8"?>
+<p:sld xmlns:a="http://schemas.openxmlformats.org/drawingml/2006/main" xmlns:r="http://schemas.openxmlformats.org/officeDocument/2006/relationships" xmlns:p="http://schemas.openxmlformats.org/presentationml/2006/main">
+  <p:cSld>
+    <p:spTree>
+      <p:nvGrpSpPr>
+        <p:cNvPr id="1" name=""/>
+        <p:cNvGrpSpPr/>
+        <p:nvPr/>
+      </p:nvGrpSpPr>
+      <p:grpSpPr>
+        <a:xfrm>
+          <a:off x="0" y="0"/>
+          <a:ext cx="0" cy="0"/>
+          <a:chOff x="0" y="0"/>
+          <a:chExt cx="0" cy="0"/>
+        </a:xfrm>
+      </p:grpSpPr>
+      <p:sp>
+        <p:nvSpPr>
+          <p:cNvPr id="2" name="标题 1"/>
+          <p:cNvSpPr>
+            <a:spLocks noGrp="1"/>
+          </p:cNvSpPr>
+          <p:nvPr>
+            <p:ph type="title"/>
+          </p:nvPr>
+        </p:nvSpPr>
+        <p:spPr/>
+        <p:txBody>
+          <a:bodyPr/>
+          <a:lstStyle/>
+          <a:p>
+            <a:pPr algn="l"/>
+            <a:r>
+              <a:rPr lang="en-US" altLang="zh-CN" dirty="0" smtClean="0"/>
+              <a:t>the Framework of Feather</a:t>
+            </a:r>
+            <a:endParaRPr lang="zh-CN" altLang="en-US" dirty="0"/>
+          </a:p>
+        </p:txBody>
+      </p:sp>
+      <p:sp>
+        <p:nvSpPr>
+          <p:cNvPr id="3" name="内容占位符 2"/>
+          <p:cNvSpPr>
+            <a:spLocks noGrp="1"/>
+          </p:cNvSpPr>
+          <p:nvPr>
+            <p:ph idx="1"/>
+          </p:nvPr>
+        </p:nvSpPr>
+        <p:spPr/>
+        <p:txBody>
+          <a:bodyPr/>
+          <a:lstStyle/>
+          <a:p>
+            <a:r>
+              <a:rPr lang="en-US" altLang="zh-CN" dirty="0" smtClean="0"/>
+              <a:t>Basic concepts of web</a:t>
+            </a:r>
+          </a:p>
+          <a:p>
+            <a:r>
+              <a:rPr lang="en-US" altLang="zh-CN" dirty="0" smtClean="0"/>
+              <a:t>Classic web framework</a:t>
+            </a:r>
+          </a:p>
+          <a:p>
+            <a:r>
+              <a:rPr lang="en-US" altLang="zh-CN" dirty="0" smtClean="0"/>
+              <a:t>The framework of feather</a:t>
+            </a:r>
+          </a:p>
+          <a:p>
+            <a:r>
+              <a:rPr lang="en-US" altLang="zh-CN" dirty="0" smtClean="0"/>
+              <a:t>Comparison()</a:t>
+            </a:r>
+            <a:endParaRPr lang="zh-CN" altLang="en-US" dirty="0"/>
+          </a:p>
+        </p:txBody>
+      </p:sp>
+    </p:spTree>
+  </p:cSld>
+  <p:clrMapOvr>
+    <a:masterClrMapping/>
+  </p:clrMapOvr>
+  <p:timing>
+    <p:tnLst>
+      <p:par>
+        <p:cTn id="1" dur="indefinite" restart="never" nodeType="tmRoot"/>
+      </p:par>
+    </p:tnLst>
+  </p:timing>
+</p:sld>
+</file>
+
+<file path=ppt/slides/slide16.xml><?xml version="1.0" encoding="utf-8"?>
+<p:sld xmlns:a="http://schemas.openxmlformats.org/drawingml/2006/main" xmlns:r="http://schemas.openxmlformats.org/officeDocument/2006/relationships" xmlns:p="http://schemas.openxmlformats.org/presentationml/2006/main">
+  <p:cSld>
+    <p:spTree>
+      <p:nvGrpSpPr>
+        <p:cNvPr id="1" name=""/>
+        <p:cNvGrpSpPr/>
+        <p:nvPr/>
+      </p:nvGrpSpPr>
+      <p:grpSpPr>
+        <a:xfrm>
+          <a:off x="0" y="0"/>
+          <a:ext cx="0" cy="0"/>
+          <a:chOff x="0" y="0"/>
+          <a:chExt cx="0" cy="0"/>
+        </a:xfrm>
+      </p:grpSpPr>
+      <p:sp>
+        <p:nvSpPr>
+          <p:cNvPr id="2" name="标题 1"/>
+          <p:cNvSpPr>
+            <a:spLocks noGrp="1"/>
+          </p:cNvSpPr>
+          <p:nvPr>
+            <p:ph type="title"/>
+          </p:nvPr>
+        </p:nvSpPr>
+        <p:spPr/>
+        <p:txBody>
+          <a:bodyPr/>
+          <a:lstStyle/>
+          <a:p>
+            <a:pPr algn="l"/>
+            <a:r>
+              <a:rPr lang="en-US" altLang="zh-CN" dirty="0" smtClean="0"/>
+              <a:t>Components</a:t>
+            </a:r>
+            <a:endParaRPr lang="zh-CN" altLang="en-US" dirty="0"/>
+          </a:p>
+        </p:txBody>
+      </p:sp>
+      <p:sp>
+        <p:nvSpPr>
+          <p:cNvPr id="3" name="内容占位符 2"/>
+          <p:cNvSpPr>
+            <a:spLocks noGrp="1"/>
+          </p:cNvSpPr>
+          <p:nvPr>
+            <p:ph idx="1"/>
+          </p:nvPr>
+        </p:nvSpPr>
+        <p:spPr/>
+        <p:txBody>
+          <a:bodyPr/>
+          <a:lstStyle/>
+          <a:p>
+            <a:r>
+              <a:rPr lang="en-US" altLang="zh-CN" dirty="0" smtClean="0"/>
+              <a:t>An easy to use http library(http/https, web socket, AOP)</a:t>
+            </a:r>
+          </a:p>
+          <a:p>
+            <a:r>
+              <a:rPr lang="en-US" altLang="zh-CN" dirty="0" smtClean="0"/>
+              <a:t>A flexible ORM library, support multiple databases(compile-time reflection)</a:t>
+            </a:r>
+          </a:p>
+          <a:p>
+            <a:r>
+              <a:rPr lang="en-US" altLang="zh-CN" dirty="0" smtClean="0"/>
+              <a:t>A powerful html template engine</a:t>
+            </a:r>
+          </a:p>
+          <a:p>
+            <a:r>
+              <a:rPr lang="en-US" altLang="zh-CN" dirty="0" smtClean="0"/>
+              <a:t>A fast serialization library</a:t>
+            </a:r>
+          </a:p>
+          <a:p>
+            <a:endParaRPr lang="zh-CN" altLang="en-US" dirty="0"/>
+          </a:p>
+        </p:txBody>
+      </p:sp>
+    </p:spTree>
+  </p:cSld>
+  <p:clrMapOvr>
+    <a:masterClrMapping/>
+  </p:clrMapOvr>
+  <p:timing>
+    <p:tnLst>
+      <p:par>
+        <p:cTn id="1" dur="indefinite" restart="never" nodeType="tmRoot"/>
+      </p:par>
+    </p:tnLst>
+  </p:timing>
+</p:sld>
+</file>
+
+<file path=ppt/slides/slide17.xml><?xml version="1.0" encoding="utf-8"?>
+<p:sld xmlns:a="http://schemas.openxmlformats.org/drawingml/2006/main" xmlns:r="http://schemas.openxmlformats.org/officeDocument/2006/relationships" xmlns:p="http://schemas.openxmlformats.org/presentationml/2006/main">
+  <p:cSld>
+    <p:spTree>
+      <p:nvGrpSpPr>
+        <p:cNvPr id="1" name=""/>
+        <p:cNvGrpSpPr/>
+        <p:nvPr/>
+      </p:nvGrpSpPr>
+      <p:grpSpPr>
+        <a:xfrm>
+          <a:off x="0" y="0"/>
+          <a:ext cx="0" cy="0"/>
+          <a:chOff x="0" y="0"/>
+          <a:chExt cx="0" cy="0"/>
+        </a:xfrm>
+      </p:grpSpPr>
+      <p:sp>
+        <p:nvSpPr>
+          <p:cNvPr id="2" name="标题 1"/>
+          <p:cNvSpPr>
+            <a:spLocks noGrp="1"/>
+          </p:cNvSpPr>
+          <p:nvPr>
+            <p:ph type="title"/>
+          </p:nvPr>
+        </p:nvSpPr>
+        <p:spPr/>
+        <p:txBody>
+          <a:bodyPr/>
+          <a:lstStyle/>
+          <a:p>
+            <a:pPr algn="l"/>
+            <a:r>
+              <a:rPr lang="en-US" altLang="zh-CN" dirty="0" smtClean="0"/>
+              <a:t>Components</a:t>
+            </a:r>
+            <a:endParaRPr lang="zh-CN" altLang="en-US" dirty="0"/>
+          </a:p>
+        </p:txBody>
+      </p:sp>
+      <p:sp>
+        <p:nvSpPr>
+          <p:cNvPr id="3" name="内容占位符 2"/>
+          <p:cNvSpPr>
+            <a:spLocks noGrp="1"/>
+          </p:cNvSpPr>
+          <p:nvPr>
+            <p:ph idx="1"/>
+          </p:nvPr>
+        </p:nvSpPr>
+        <p:spPr/>
+        <p:txBody>
+          <a:bodyPr/>
+          <a:lstStyle/>
+          <a:p>
+            <a:r>
+              <a:rPr lang="en-US" altLang="zh-CN" dirty="0" err="1" smtClean="0"/>
+              <a:t>cinatra</a:t>
+            </a:r>
+            <a:r>
+              <a:rPr lang="en-US" altLang="zh-CN" dirty="0" smtClean="0"/>
+              <a:t>(Comparison)</a:t>
+            </a:r>
+          </a:p>
+          <a:p>
+            <a:r>
+              <a:rPr lang="en-US" altLang="zh-CN" dirty="0" err="1" smtClean="0"/>
+              <a:t>ormpp</a:t>
+            </a:r>
+            <a:r>
+              <a:rPr lang="en-US" altLang="zh-CN" dirty="0" smtClean="0"/>
+              <a:t>(Comparison)</a:t>
+            </a:r>
+          </a:p>
+          <a:p>
+            <a:r>
+              <a:rPr lang="en-US" altLang="zh-CN" dirty="0" smtClean="0"/>
+              <a:t>render</a:t>
+            </a:r>
+          </a:p>
+          <a:p>
+            <a:r>
+              <a:rPr lang="en-US" altLang="zh-CN" dirty="0" smtClean="0"/>
+              <a:t>iguana/</a:t>
+            </a:r>
+            <a:r>
+              <a:rPr lang="en-US" altLang="zh-CN" dirty="0" err="1" smtClean="0"/>
+              <a:t>json</a:t>
+            </a:r>
+            <a:endParaRPr lang="zh-CN" altLang="en-US" dirty="0"/>
+          </a:p>
+        </p:txBody>
+      </p:sp>
+    </p:spTree>
+  </p:cSld>
+  <p:clrMapOvr>
+    <a:masterClrMapping/>
+  </p:clrMapOvr>
+  <p:timing>
+    <p:tnLst>
+      <p:par>
+        <p:cTn id="1" dur="indefinite" restart="never" nodeType="tmRoot"/>
+      </p:par>
+    </p:tnLst>
+  </p:timing>
+</p:sld>
+</file>
+
+<file path=ppt/slides/slide18.xml><?xml version="1.0" encoding="utf-8"?>
+<p:sld xmlns:a="http://schemas.openxmlformats.org/drawingml/2006/main" xmlns:r="http://schemas.openxmlformats.org/officeDocument/2006/relationships" xmlns:p="http://schemas.openxmlformats.org/presentationml/2006/main">
+  <p:cSld>
+    <p:spTree>
+      <p:nvGrpSpPr>
+        <p:cNvPr id="1" name=""/>
+        <p:cNvGrpSpPr/>
+        <p:nvPr/>
+      </p:nvGrpSpPr>
+      <p:grpSpPr>
+        <a:xfrm>
+          <a:off x="0" y="0"/>
+          <a:ext cx="0" cy="0"/>
+          <a:chOff x="0" y="0"/>
+          <a:chExt cx="0" cy="0"/>
+        </a:xfrm>
+      </p:grpSpPr>
+      <p:sp>
+        <p:nvSpPr>
+          <p:cNvPr id="2" name="标题 1"/>
+          <p:cNvSpPr>
+            <a:spLocks noGrp="1"/>
+          </p:cNvSpPr>
+          <p:nvPr>
+            <p:ph type="title"/>
+          </p:nvPr>
+        </p:nvSpPr>
+        <p:spPr/>
+        <p:txBody>
+          <a:bodyPr/>
+          <a:lstStyle/>
+          <a:p>
+            <a:pPr algn="l"/>
+            <a:r>
+              <a:rPr lang="en-US" altLang="zh-CN" dirty="0" smtClean="0"/>
+              <a:t>How to rapidly develop</a:t>
+            </a:r>
+            <a:endParaRPr lang="zh-CN" altLang="en-US" dirty="0"/>
+          </a:p>
+        </p:txBody>
+      </p:sp>
+      <p:sp>
+        <p:nvSpPr>
+          <p:cNvPr id="3" name="内容占位符 2"/>
+          <p:cNvSpPr>
+            <a:spLocks noGrp="1"/>
+          </p:cNvSpPr>
+          <p:nvPr>
+            <p:ph idx="1"/>
+          </p:nvPr>
+        </p:nvSpPr>
+        <p:spPr/>
+        <p:txBody>
+          <a:bodyPr/>
+          <a:lstStyle/>
+          <a:p>
+            <a:r>
+              <a:rPr lang="en-US" altLang="zh-CN" dirty="0" smtClean="0"/>
+              <a:t>Few code</a:t>
+            </a:r>
+          </a:p>
+          <a:p>
+            <a:r>
+              <a:rPr lang="en-US" altLang="zh-CN" dirty="0" smtClean="0"/>
+              <a:t>Friendly, ease interface</a:t>
+            </a:r>
+          </a:p>
+          <a:p>
+            <a:r>
+              <a:rPr lang="en-US" altLang="zh-CN" dirty="0" smtClean="0"/>
+              <a:t>Automatically done</a:t>
+            </a:r>
+          </a:p>
+          <a:p>
+            <a:r>
+              <a:rPr lang="en-US" altLang="zh-CN" smtClean="0"/>
+              <a:t>……</a:t>
+            </a:r>
+            <a:endParaRPr lang="zh-CN" altLang="en-US" dirty="0"/>
+          </a:p>
+        </p:txBody>
+      </p:sp>
+    </p:spTree>
+  </p:cSld>
+  <p:clrMapOvr>
+    <a:masterClrMapping/>
+  </p:clrMapOvr>
 </p:sld>
 </file>
 
@@ -3219,17 +4752,13 @@
           <a:p>
             <a:r>
               <a:rPr lang="en-US" altLang="zh-CN" dirty="0" smtClean="0"/>
-              <a:t>What is feather?</a:t>
+              <a:t>What is Feather?</a:t>
             </a:r>
           </a:p>
           <a:p>
             <a:r>
               <a:rPr lang="en-US" altLang="zh-CN" dirty="0" smtClean="0"/>
-              <a:t>t</a:t>
-            </a:r>
-            <a:r>
-              <a:rPr lang="en-US" altLang="zh-CN" dirty="0" smtClean="0"/>
-              <a:t>he Framework of Feather</a:t>
+              <a:t>the Framework of Feather</a:t>
             </a:r>
           </a:p>
           <a:p>
@@ -3241,7 +4770,7 @@
           <a:p>
             <a:r>
               <a:rPr lang="en-US" altLang="zh-CN" dirty="0" smtClean="0"/>
-              <a:t>How to rapidly develop?</a:t>
+              <a:t>How to Rapidly Develop Web?</a:t>
             </a:r>
             <a:endParaRPr lang="zh-CN" altLang="en-US" dirty="0"/>
           </a:p>
@@ -3299,11 +4828,7 @@
             <a:pPr algn="l"/>
             <a:r>
               <a:rPr lang="en-US" altLang="zh-CN" dirty="0" smtClean="0"/>
-              <a:t>What is feather</a:t>
-            </a:r>
-            <a:r>
-              <a:rPr lang="en-US" altLang="zh-CN" dirty="0" smtClean="0"/>
-              <a:t>?</a:t>
+              <a:t>What is feather?</a:t>
             </a:r>
             <a:endParaRPr lang="zh-CN" altLang="en-US" dirty="0"/>
           </a:p>
@@ -3346,7 +4871,7 @@
           <a:p>
             <a:r>
               <a:rPr lang="en-US" altLang="zh-CN" dirty="0" smtClean="0"/>
-              <a:t>Goal</a:t>
+              <a:t>the Goal of Feather</a:t>
             </a:r>
           </a:p>
           <a:p>
@@ -3359,6 +4884,13 @@
   <p:clrMapOvr>
     <a:masterClrMapping/>
   </p:clrMapOvr>
+  <p:timing>
+    <p:tnLst>
+      <p:par>
+        <p:cTn id="1" dur="indefinite" restart="never" nodeType="tmRoot"/>
+      </p:par>
+    </p:tnLst>
+  </p:timing>
 </p:sld>
 </file>
 
@@ -3397,7 +4929,7 @@
             <a:pPr algn="l"/>
             <a:r>
               <a:rPr lang="en-US" altLang="zh-CN" dirty="0" smtClean="0"/>
-              <a:t>The Framework of Feather</a:t>
+              <a:t>What is feather?</a:t>
             </a:r>
             <a:endParaRPr lang="zh-CN" altLang="en-US" dirty="0"/>
           </a:p>
@@ -3415,32 +4947,52 @@
         </p:nvSpPr>
         <p:spPr/>
         <p:txBody>
-          <a:bodyPr/>
-          <a:lstStyle/>
-          <a:p>
-            <a:r>
-              <a:rPr lang="en-US" altLang="zh-CN" dirty="0" smtClean="0"/>
-              <a:t>Basic concepts of web</a:t>
-            </a:r>
-          </a:p>
-          <a:p>
-            <a:r>
-              <a:rPr lang="en-US" altLang="zh-CN" dirty="0" smtClean="0"/>
-              <a:t>Classic web framework</a:t>
-            </a:r>
-          </a:p>
-          <a:p>
-            <a:r>
-              <a:rPr lang="en-US" altLang="zh-CN" dirty="0" smtClean="0"/>
-              <a:t>The framework of feather</a:t>
-            </a:r>
-          </a:p>
-          <a:p>
-            <a:r>
-              <a:rPr lang="en-US" altLang="zh-CN" dirty="0" smtClean="0"/>
-              <a:t>Comparison()</a:t>
-            </a:r>
-            <a:endParaRPr lang="zh-CN" altLang="en-US" dirty="0"/>
+          <a:bodyPr>
+            <a:normAutofit/>
+          </a:bodyPr>
+          <a:lstStyle/>
+          <a:p>
+            <a:r>
+              <a:rPr lang="en-US" altLang="zh-CN" sz="2800" dirty="0" smtClean="0"/>
+              <a:t>A rapidly application framework of web development</a:t>
+            </a:r>
+          </a:p>
+        </p:txBody>
+      </p:sp>
+      <p:sp>
+        <p:nvSpPr>
+          <p:cNvPr id="4" name="矩形 3"/>
+          <p:cNvSpPr/>
+          <p:nvPr/>
+        </p:nvSpPr>
+        <p:spPr>
+          <a:xfrm>
+            <a:off x="1071538" y="2143122"/>
+            <a:ext cx="6643734" cy="830997"/>
+          </a:xfrm>
+          <a:prstGeom prst="rect">
+            <a:avLst/>
+          </a:prstGeom>
+        </p:spPr>
+        <p:txBody>
+          <a:bodyPr wrap="square">
+            <a:spAutoFit/>
+          </a:bodyPr>
+          <a:lstStyle/>
+          <a:p>
+            <a:r>
+              <a:rPr lang="en-US" altLang="zh-CN" sz="2400" b="1" dirty="0" smtClean="0"/>
+              <a:t>you can use modern </a:t>
+            </a:r>
+            <a:r>
+              <a:rPr lang="en-US" altLang="zh-CN" sz="2400" b="1" dirty="0" err="1" smtClean="0"/>
+              <a:t>c++</a:t>
+            </a:r>
+            <a:r>
+              <a:rPr lang="en-US" altLang="zh-CN" sz="2400" b="1" dirty="0" smtClean="0"/>
+              <a:t> to develop a web application rapidly</a:t>
+            </a:r>
+            <a:endParaRPr lang="zh-CN" altLang="en-US" sz="2400" b="1" dirty="0"/>
           </a:p>
         </p:txBody>
       </p:sp>
@@ -3449,6 +5001,130 @@
   <p:clrMapOvr>
     <a:masterClrMapping/>
   </p:clrMapOvr>
+  <p:timing>
+    <p:tnLst>
+      <p:par>
+        <p:cTn id="1" dur="indefinite" restart="never" nodeType="tmRoot">
+          <p:childTnLst>
+            <p:seq concurrent="1" nextAc="seek">
+              <p:cTn id="2" dur="indefinite" nodeType="mainSeq">
+                <p:childTnLst>
+                  <p:par>
+                    <p:cTn id="3" fill="hold">
+                      <p:stCondLst>
+                        <p:cond delay="indefinite"/>
+                      </p:stCondLst>
+                      <p:childTnLst>
+                        <p:par>
+                          <p:cTn id="4" fill="hold">
+                            <p:stCondLst>
+                              <p:cond delay="0"/>
+                            </p:stCondLst>
+                            <p:childTnLst>
+                              <p:par>
+                                <p:cTn id="5" presetID="2" presetClass="entr" presetSubtype="4" fill="hold" grpId="0" nodeType="clickEffect">
+                                  <p:stCondLst>
+                                    <p:cond delay="0"/>
+                                  </p:stCondLst>
+                                  <p:childTnLst>
+                                    <p:set>
+                                      <p:cBhvr>
+                                        <p:cTn id="6" dur="1" fill="hold">
+                                          <p:stCondLst>
+                                            <p:cond delay="0"/>
+                                          </p:stCondLst>
+                                        </p:cTn>
+                                        <p:tgtEl>
+                                          <p:spTgt spid="4"/>
+                                        </p:tgtEl>
+                                        <p:attrNameLst>
+                                          <p:attrName>style.visibility</p:attrName>
+                                        </p:attrNameLst>
+                                      </p:cBhvr>
+                                      <p:to>
+                                        <p:strVal val="visible"/>
+                                      </p:to>
+                                    </p:set>
+                                    <p:anim calcmode="lin" valueType="num">
+                                      <p:cBhvr additive="base">
+                                        <p:cTn id="7" dur="500" fill="hold"/>
+                                        <p:tgtEl>
+                                          <p:spTgt spid="4"/>
+                                        </p:tgtEl>
+                                        <p:attrNameLst>
+                                          <p:attrName>ppt_x</p:attrName>
+                                        </p:attrNameLst>
+                                      </p:cBhvr>
+                                      <p:tavLst>
+                                        <p:tav tm="0">
+                                          <p:val>
+                                            <p:strVal val="#ppt_x"/>
+                                          </p:val>
+                                        </p:tav>
+                                        <p:tav tm="100000">
+                                          <p:val>
+                                            <p:strVal val="#ppt_x"/>
+                                          </p:val>
+                                        </p:tav>
+                                      </p:tavLst>
+                                    </p:anim>
+                                    <p:anim calcmode="lin" valueType="num">
+                                      <p:cBhvr additive="base">
+                                        <p:cTn id="8" dur="500" fill="hold"/>
+                                        <p:tgtEl>
+                                          <p:spTgt spid="4"/>
+                                        </p:tgtEl>
+                                        <p:attrNameLst>
+                                          <p:attrName>ppt_y</p:attrName>
+                                        </p:attrNameLst>
+                                      </p:cBhvr>
+                                      <p:tavLst>
+                                        <p:tav tm="0">
+                                          <p:val>
+                                            <p:strVal val="1+#ppt_h/2"/>
+                                          </p:val>
+                                        </p:tav>
+                                        <p:tav tm="100000">
+                                          <p:val>
+                                            <p:strVal val="#ppt_y"/>
+                                          </p:val>
+                                        </p:tav>
+                                      </p:tavLst>
+                                    </p:anim>
+                                  </p:childTnLst>
+                                </p:cTn>
+                              </p:par>
+                            </p:childTnLst>
+                          </p:cTn>
+                        </p:par>
+                      </p:childTnLst>
+                    </p:cTn>
+                  </p:par>
+                </p:childTnLst>
+              </p:cTn>
+              <p:prevCondLst>
+                <p:cond evt="onPrev" delay="0">
+                  <p:tgtEl>
+                    <p:sldTgt/>
+                  </p:tgtEl>
+                </p:cond>
+              </p:prevCondLst>
+              <p:nextCondLst>
+                <p:cond evt="onNext" delay="0">
+                  <p:tgtEl>
+                    <p:sldTgt/>
+                  </p:tgtEl>
+                </p:cond>
+              </p:nextCondLst>
+            </p:seq>
+          </p:childTnLst>
+        </p:cTn>
+      </p:par>
+    </p:tnLst>
+    <p:bldLst>
+      <p:bldP spid="4" grpId="0"/>
+    </p:bldLst>
+  </p:timing>
 </p:sld>
 </file>
 
@@ -3487,7 +5163,7 @@
             <a:pPr algn="l"/>
             <a:r>
               <a:rPr lang="en-US" altLang="zh-CN" dirty="0" smtClean="0"/>
-              <a:t>Components</a:t>
+              <a:t>What is feather?</a:t>
             </a:r>
             <a:endParaRPr lang="zh-CN" altLang="en-US" dirty="0"/>
           </a:p>
@@ -3509,64 +5185,210 @@
           <a:lstStyle/>
           <a:p>
             <a:r>
-              <a:rPr lang="en-US" altLang="zh-CN" dirty="0" err="1" smtClean="0"/>
-              <a:t>Cinatra</a:t>
-            </a:r>
-            <a:r>
               <a:rPr lang="en-US" altLang="zh-CN" dirty="0" smtClean="0"/>
-              <a:t>(</a:t>
-            </a:r>
-            <a:r>
-              <a:rPr lang="en-US" altLang="zh-CN" dirty="0" smtClean="0"/>
-              <a:t>Comparison</a:t>
-            </a:r>
-            <a:r>
-              <a:rPr lang="en-US" altLang="zh-CN" dirty="0" smtClean="0"/>
-              <a:t>)</a:t>
-            </a:r>
-          </a:p>
-          <a:p>
-            <a:r>
-              <a:rPr lang="en-US" altLang="zh-CN" dirty="0" err="1" smtClean="0"/>
-              <a:t>Ormpp</a:t>
-            </a:r>
-            <a:r>
-              <a:rPr lang="en-US" altLang="zh-CN" dirty="0" smtClean="0"/>
-              <a:t>(</a:t>
-            </a:r>
-            <a:r>
-              <a:rPr lang="en-US" altLang="zh-CN" dirty="0" smtClean="0"/>
-              <a:t>Comparison</a:t>
-            </a:r>
-            <a:r>
-              <a:rPr lang="en-US" altLang="zh-CN" dirty="0" smtClean="0"/>
-              <a:t>)</a:t>
-            </a:r>
-          </a:p>
-          <a:p>
-            <a:r>
-              <a:rPr lang="en-US" altLang="zh-CN" dirty="0" smtClean="0"/>
-              <a:t>Render</a:t>
-            </a:r>
-          </a:p>
-          <a:p>
-            <a:r>
-              <a:rPr lang="en-US" altLang="zh-CN" dirty="0" smtClean="0"/>
-              <a:t>Iguana/</a:t>
-            </a:r>
-            <a:r>
-              <a:rPr lang="en-US" altLang="zh-CN" dirty="0" err="1" smtClean="0"/>
-              <a:t>json</a:t>
-            </a:r>
+              <a:t>5 lines code web application</a:t>
+            </a:r>
+          </a:p>
+          <a:p>
+            <a:pPr>
+              <a:buNone/>
+            </a:pPr>
             <a:endParaRPr lang="zh-CN" altLang="en-US" dirty="0"/>
           </a:p>
         </p:txBody>
       </p:sp>
+      <p:pic>
+        <p:nvPicPr>
+          <p:cNvPr id="1026" name="Picture 2"/>
+          <p:cNvPicPr>
+            <a:picLocks noChangeAspect="1" noChangeArrowheads="1"/>
+          </p:cNvPicPr>
+          <p:nvPr/>
+        </p:nvPicPr>
+        <p:blipFill>
+          <a:blip r:embed="rId2"/>
+          <a:srcRect/>
+          <a:stretch>
+            <a:fillRect/>
+          </a:stretch>
+        </p:blipFill>
+        <p:spPr bwMode="auto">
+          <a:xfrm>
+            <a:off x="1000100" y="1928808"/>
+            <a:ext cx="6806111" cy="1357322"/>
+          </a:xfrm>
+          <a:prstGeom prst="rect">
+            <a:avLst/>
+          </a:prstGeom>
+          <a:noFill/>
+          <a:ln w="9525">
+            <a:noFill/>
+            <a:miter lim="800000"/>
+            <a:headEnd/>
+            <a:tailEnd/>
+          </a:ln>
+          <a:effectLst/>
+        </p:spPr>
+      </p:pic>
+      <p:pic>
+        <p:nvPicPr>
+          <p:cNvPr id="1027" name="Picture 3"/>
+          <p:cNvPicPr>
+            <a:picLocks noChangeAspect="1" noChangeArrowheads="1"/>
+          </p:cNvPicPr>
+          <p:nvPr/>
+        </p:nvPicPr>
+        <p:blipFill>
+          <a:blip r:embed="rId3"/>
+          <a:srcRect/>
+          <a:stretch>
+            <a:fillRect/>
+          </a:stretch>
+        </p:blipFill>
+        <p:spPr bwMode="auto">
+          <a:xfrm>
+            <a:off x="1000100" y="3357568"/>
+            <a:ext cx="4552876" cy="1285884"/>
+          </a:xfrm>
+          <a:prstGeom prst="rect">
+            <a:avLst/>
+          </a:prstGeom>
+          <a:noFill/>
+          <a:ln w="9525">
+            <a:noFill/>
+            <a:miter lim="800000"/>
+            <a:headEnd/>
+            <a:tailEnd/>
+          </a:ln>
+          <a:effectLst/>
+        </p:spPr>
+      </p:pic>
     </p:spTree>
   </p:cSld>
   <p:clrMapOvr>
     <a:masterClrMapping/>
   </p:clrMapOvr>
+  <p:timing>
+    <p:tnLst>
+      <p:par>
+        <p:cTn id="1" dur="indefinite" restart="never" nodeType="tmRoot">
+          <p:childTnLst>
+            <p:seq concurrent="1" nextAc="seek">
+              <p:cTn id="2" dur="indefinite" nodeType="mainSeq">
+                <p:childTnLst>
+                  <p:par>
+                    <p:cTn id="3" fill="hold">
+                      <p:stCondLst>
+                        <p:cond delay="indefinite"/>
+                      </p:stCondLst>
+                      <p:childTnLst>
+                        <p:par>
+                          <p:cTn id="4" fill="hold">
+                            <p:stCondLst>
+                              <p:cond delay="0"/>
+                            </p:stCondLst>
+                            <p:childTnLst>
+                              <p:par>
+                                <p:cTn id="5" presetID="2" presetClass="entr" presetSubtype="4" fill="hold" nodeType="clickEffect">
+                                  <p:stCondLst>
+                                    <p:cond delay="0"/>
+                                  </p:stCondLst>
+                                  <p:childTnLst>
+                                    <p:set>
+                                      <p:cBhvr>
+                                        <p:cTn id="6" dur="1" fill="hold">
+                                          <p:stCondLst>
+                                            <p:cond delay="0"/>
+                                          </p:stCondLst>
+                                        </p:cTn>
+                                        <p:tgtEl>
+                                          <p:spTgt spid="1027"/>
+                                        </p:tgtEl>
+                                        <p:attrNameLst>
+                                          <p:attrName>style.visibility</p:attrName>
+                                        </p:attrNameLst>
+                                      </p:cBhvr>
+                                      <p:to>
+                                        <p:strVal val="visible"/>
+                                      </p:to>
+                                    </p:set>
+                                    <p:anim calcmode="lin" valueType="num">
+                                      <p:cBhvr additive="base">
+                                        <p:cTn id="7" dur="500" fill="hold"/>
+                                        <p:tgtEl>
+                                          <p:spTgt spid="1027"/>
+                                        </p:tgtEl>
+                                        <p:attrNameLst>
+                                          <p:attrName>ppt_x</p:attrName>
+                                        </p:attrNameLst>
+                                      </p:cBhvr>
+                                      <p:tavLst>
+                                        <p:tav tm="0">
+                                          <p:val>
+                                            <p:strVal val="#ppt_x"/>
+                                          </p:val>
+                                        </p:tav>
+                                        <p:tav tm="100000">
+                                          <p:val>
+                                            <p:strVal val="#ppt_x"/>
+                                          </p:val>
+                                        </p:tav>
+                                      </p:tavLst>
+                                    </p:anim>
+                                    <p:anim calcmode="lin" valueType="num">
+                                      <p:cBhvr additive="base">
+                                        <p:cTn id="8" dur="500" fill="hold"/>
+                                        <p:tgtEl>
+                                          <p:spTgt spid="1027"/>
+                                        </p:tgtEl>
+                                        <p:attrNameLst>
+                                          <p:attrName>ppt_y</p:attrName>
+                                        </p:attrNameLst>
+                                      </p:cBhvr>
+                                      <p:tavLst>
+                                        <p:tav tm="0">
+                                          <p:val>
+                                            <p:strVal val="1+#ppt_h/2"/>
+                                          </p:val>
+                                        </p:tav>
+                                        <p:tav tm="100000">
+                                          <p:val>
+                                            <p:strVal val="#ppt_y"/>
+                                          </p:val>
+                                        </p:tav>
+                                      </p:tavLst>
+                                    </p:anim>
+                                  </p:childTnLst>
+                                </p:cTn>
+                              </p:par>
+                            </p:childTnLst>
+                          </p:cTn>
+                        </p:par>
+                      </p:childTnLst>
+                    </p:cTn>
+                  </p:par>
+                </p:childTnLst>
+              </p:cTn>
+              <p:prevCondLst>
+                <p:cond evt="onPrev" delay="0">
+                  <p:tgtEl>
+                    <p:sldTgt/>
+                  </p:tgtEl>
+                </p:cond>
+              </p:prevCondLst>
+              <p:nextCondLst>
+                <p:cond evt="onNext" delay="0">
+                  <p:tgtEl>
+                    <p:sldTgt/>
+                  </p:tgtEl>
+                </p:cond>
+              </p:nextCondLst>
+            </p:seq>
+          </p:childTnLst>
+        </p:cTn>
+      </p:par>
+    </p:tnLst>
+  </p:timing>
 </p:sld>
 </file>
 
@@ -3602,52 +5424,58 @@
           <a:bodyPr/>
           <a:lstStyle/>
           <a:p>
-            <a:pPr algn="l"/>
+            <a:endParaRPr lang="zh-CN" altLang="en-US"/>
+          </a:p>
+        </p:txBody>
+      </p:sp>
+      <p:sp>
+        <p:nvSpPr>
+          <p:cNvPr id="3" name="内容占位符 2"/>
+          <p:cNvSpPr>
+            <a:spLocks noGrp="1"/>
+          </p:cNvSpPr>
+          <p:nvPr>
+            <p:ph idx="1"/>
+          </p:nvPr>
+        </p:nvSpPr>
+        <p:spPr/>
+        <p:txBody>
+          <a:bodyPr/>
+          <a:lstStyle/>
+          <a:p>
             <a:r>
               <a:rPr lang="en-US" altLang="zh-CN" dirty="0" smtClean="0"/>
-              <a:t>How to rapidly develop</a:t>
-            </a:r>
-            <a:endParaRPr lang="zh-CN" altLang="en-US" dirty="0"/>
-          </a:p>
-        </p:txBody>
-      </p:sp>
-      <p:sp>
-        <p:nvSpPr>
-          <p:cNvPr id="3" name="内容占位符 2"/>
-          <p:cNvSpPr>
-            <a:spLocks noGrp="1"/>
-          </p:cNvSpPr>
-          <p:nvPr>
-            <p:ph idx="1"/>
-          </p:nvPr>
-        </p:nvSpPr>
-        <p:spPr/>
-        <p:txBody>
-          <a:bodyPr/>
-          <a:lstStyle/>
+              <a:t>Easy to use</a:t>
+            </a:r>
+          </a:p>
           <a:p>
             <a:r>
               <a:rPr lang="en-US" altLang="zh-CN" dirty="0" smtClean="0"/>
-              <a:t>Few code</a:t>
+              <a:t>High performance</a:t>
             </a:r>
           </a:p>
           <a:p>
             <a:r>
               <a:rPr lang="en-US" altLang="zh-CN" dirty="0" smtClean="0"/>
-              <a:t>Friendly, ease interface</a:t>
+              <a:t>Focus on business only</a:t>
             </a:r>
           </a:p>
           <a:p>
             <a:r>
               <a:rPr lang="en-US" altLang="zh-CN" dirty="0" smtClean="0"/>
-              <a:t>Automatically done</a:t>
-            </a:r>
-          </a:p>
-          <a:p>
-            <a:r>
-              <a:rPr lang="en-US" altLang="zh-CN" smtClean="0"/>
-              <a:t>……</a:t>
-            </a:r>
+              <a:t>Lightweight, low learning costs</a:t>
+            </a:r>
+          </a:p>
+          <a:p>
+            <a:r>
+              <a:rPr lang="en-US" altLang="zh-CN" dirty="0" smtClean="0"/>
+              <a:t>Cross platform, header only</a:t>
+            </a:r>
+          </a:p>
+          <a:p>
+            <a:pPr>
+              <a:buNone/>
+            </a:pPr>
             <a:endParaRPr lang="zh-CN" altLang="en-US" dirty="0"/>
           </a:p>
         </p:txBody>
@@ -3657,6 +5485,540 @@
   <p:clrMapOvr>
     <a:masterClrMapping/>
   </p:clrMapOvr>
+  <p:timing>
+    <p:tnLst>
+      <p:par>
+        <p:cTn id="1" dur="indefinite" restart="never" nodeType="tmRoot"/>
+      </p:par>
+    </p:tnLst>
+  </p:timing>
+</p:sld>
+</file>
+
+<file path=ppt/slides/slide7.xml><?xml version="1.0" encoding="utf-8"?>
+<p:sld xmlns:a="http://schemas.openxmlformats.org/drawingml/2006/main" xmlns:r="http://schemas.openxmlformats.org/officeDocument/2006/relationships" xmlns:p="http://schemas.openxmlformats.org/presentationml/2006/main">
+  <p:cSld>
+    <p:spTree>
+      <p:nvGrpSpPr>
+        <p:cNvPr id="1" name=""/>
+        <p:cNvGrpSpPr/>
+        <p:nvPr/>
+      </p:nvGrpSpPr>
+      <p:grpSpPr>
+        <a:xfrm>
+          <a:off x="0" y="0"/>
+          <a:ext cx="0" cy="0"/>
+          <a:chOff x="0" y="0"/>
+          <a:chExt cx="0" cy="0"/>
+        </a:xfrm>
+      </p:grpSpPr>
+      <p:sp>
+        <p:nvSpPr>
+          <p:cNvPr id="2" name="标题 1"/>
+          <p:cNvSpPr>
+            <a:spLocks noGrp="1"/>
+          </p:cNvSpPr>
+          <p:nvPr>
+            <p:ph type="title"/>
+          </p:nvPr>
+        </p:nvSpPr>
+        <p:spPr/>
+        <p:txBody>
+          <a:bodyPr/>
+          <a:lstStyle/>
+          <a:p>
+            <a:pPr algn="l"/>
+            <a:r>
+              <a:rPr lang="en-US" altLang="zh-CN" dirty="0" smtClean="0"/>
+              <a:t>Example</a:t>
+            </a:r>
+            <a:endParaRPr lang="zh-CN" altLang="en-US" dirty="0"/>
+          </a:p>
+        </p:txBody>
+      </p:sp>
+      <p:sp>
+        <p:nvSpPr>
+          <p:cNvPr id="3" name="内容占位符 2"/>
+          <p:cNvSpPr>
+            <a:spLocks noGrp="1"/>
+          </p:cNvSpPr>
+          <p:nvPr>
+            <p:ph idx="1"/>
+          </p:nvPr>
+        </p:nvSpPr>
+        <p:spPr/>
+        <p:txBody>
+          <a:bodyPr/>
+          <a:lstStyle/>
+          <a:p>
+            <a:endParaRPr lang="en-US" altLang="zh-CN" dirty="0" smtClean="0"/>
+          </a:p>
+          <a:p>
+            <a:endParaRPr lang="en-US" altLang="zh-CN" dirty="0" smtClean="0"/>
+          </a:p>
+          <a:p>
+            <a:endParaRPr lang="zh-CN" altLang="en-US" dirty="0"/>
+          </a:p>
+        </p:txBody>
+      </p:sp>
+      <p:sp>
+        <p:nvSpPr>
+          <p:cNvPr id="4" name="矩形 3"/>
+          <p:cNvSpPr/>
+          <p:nvPr/>
+        </p:nvSpPr>
+        <p:spPr>
+          <a:xfrm>
+            <a:off x="785786" y="1214428"/>
+            <a:ext cx="4950009" cy="1569660"/>
+          </a:xfrm>
+          <a:prstGeom prst="rect">
+            <a:avLst/>
+          </a:prstGeom>
+        </p:spPr>
+        <p:txBody>
+          <a:bodyPr wrap="none">
+            <a:spAutoFit/>
+          </a:bodyPr>
+          <a:lstStyle/>
+          <a:p>
+            <a:r>
+              <a:rPr lang="en-US" altLang="zh-CN" sz="2400" dirty="0" smtClean="0"/>
+              <a:t>This website was developed in feather</a:t>
+            </a:r>
+          </a:p>
+          <a:p>
+            <a:r>
+              <a:rPr lang="en-US" altLang="zh-CN" sz="2400" dirty="0" smtClean="0">
+                <a:hlinkClick r:id="rId2"/>
+              </a:rPr>
+              <a:t>http://purecpp.org/</a:t>
+            </a:r>
+            <a:endParaRPr lang="en-US" altLang="zh-CN" sz="2400" dirty="0" smtClean="0"/>
+          </a:p>
+          <a:p>
+            <a:endParaRPr lang="en-US" altLang="zh-CN" sz="2400" dirty="0" smtClean="0"/>
+          </a:p>
+          <a:p>
+            <a:r>
+              <a:rPr lang="en-US" altLang="zh-CN" sz="2400" dirty="0" smtClean="0">
+                <a:hlinkClick r:id="rId3"/>
+              </a:rPr>
+              <a:t>https://github.com/qicosmos/feather</a:t>
+            </a:r>
+            <a:endParaRPr lang="en-US" altLang="zh-CN" sz="2400" dirty="0" smtClean="0"/>
+          </a:p>
+        </p:txBody>
+      </p:sp>
+    </p:spTree>
+  </p:cSld>
+  <p:clrMapOvr>
+    <a:masterClrMapping/>
+  </p:clrMapOvr>
+  <p:timing>
+    <p:tnLst>
+      <p:par>
+        <p:cTn id="1" dur="indefinite" restart="never" nodeType="tmRoot"/>
+      </p:par>
+    </p:tnLst>
+  </p:timing>
+</p:sld>
+</file>
+
+<file path=ppt/slides/slide8.xml><?xml version="1.0" encoding="utf-8"?>
+<p:sld xmlns:a="http://schemas.openxmlformats.org/drawingml/2006/main" xmlns:r="http://schemas.openxmlformats.org/officeDocument/2006/relationships" xmlns:p="http://schemas.openxmlformats.org/presentationml/2006/main">
+  <p:cSld>
+    <p:spTree>
+      <p:nvGrpSpPr>
+        <p:cNvPr id="1" name=""/>
+        <p:cNvGrpSpPr/>
+        <p:nvPr/>
+      </p:nvGrpSpPr>
+      <p:grpSpPr>
+        <a:xfrm>
+          <a:off x="0" y="0"/>
+          <a:ext cx="0" cy="0"/>
+          <a:chOff x="0" y="0"/>
+          <a:chExt cx="0" cy="0"/>
+        </a:xfrm>
+      </p:grpSpPr>
+      <p:sp>
+        <p:nvSpPr>
+          <p:cNvPr id="2" name="标题 1"/>
+          <p:cNvSpPr>
+            <a:spLocks noGrp="1"/>
+          </p:cNvSpPr>
+          <p:nvPr>
+            <p:ph type="title"/>
+          </p:nvPr>
+        </p:nvSpPr>
+        <p:spPr/>
+        <p:txBody>
+          <a:bodyPr/>
+          <a:lstStyle/>
+          <a:p>
+            <a:pPr algn="l"/>
+            <a:r>
+              <a:rPr lang="en-US" altLang="zh-CN" dirty="0" smtClean="0"/>
+              <a:t>Example</a:t>
+            </a:r>
+            <a:endParaRPr lang="zh-CN" altLang="en-US" dirty="0"/>
+          </a:p>
+        </p:txBody>
+      </p:sp>
+      <p:sp>
+        <p:nvSpPr>
+          <p:cNvPr id="3" name="内容占位符 2"/>
+          <p:cNvSpPr>
+            <a:spLocks noGrp="1"/>
+          </p:cNvSpPr>
+          <p:nvPr>
+            <p:ph idx="1"/>
+          </p:nvPr>
+        </p:nvSpPr>
+        <p:spPr/>
+        <p:txBody>
+          <a:bodyPr>
+            <a:normAutofit/>
+          </a:bodyPr>
+          <a:lstStyle/>
+          <a:p>
+            <a:r>
+              <a:rPr lang="en-US" altLang="zh-CN" dirty="0" smtClean="0"/>
+              <a:t>How many business functions?</a:t>
+            </a:r>
+          </a:p>
+          <a:p>
+            <a:pPr marL="971550" lvl="1" indent="-514350">
+              <a:buFont typeface="+mj-lt"/>
+              <a:buAutoNum type="arabicPeriod"/>
+            </a:pPr>
+            <a:r>
+              <a:rPr lang="en-US" altLang="zh-CN" sz="2400" dirty="0" smtClean="0"/>
+              <a:t>add, edit, remove, query posts;</a:t>
+            </a:r>
+          </a:p>
+          <a:p>
+            <a:pPr marL="971550" lvl="1" indent="-514350">
+              <a:buFont typeface="+mj-lt"/>
+              <a:buAutoNum type="arabicPeriod"/>
+            </a:pPr>
+            <a:r>
+              <a:rPr lang="en-US" altLang="zh-CN" sz="2400" dirty="0" smtClean="0"/>
+              <a:t>add, edit, remove, query users;</a:t>
+            </a:r>
+          </a:p>
+          <a:p>
+            <a:pPr marL="971550" lvl="1" indent="-514350">
+              <a:buFont typeface="+mj-lt"/>
+              <a:buAutoNum type="arabicPeriod"/>
+            </a:pPr>
+            <a:r>
+              <a:rPr lang="en-US" altLang="zh-CN" sz="2400" dirty="0" smtClean="0"/>
+              <a:t>member login/quit, member registration</a:t>
+            </a:r>
+          </a:p>
+          <a:p>
+            <a:pPr marL="971550" lvl="1" indent="-514350">
+              <a:buFont typeface="+mj-lt"/>
+              <a:buAutoNum type="arabicPeriod"/>
+            </a:pPr>
+            <a:r>
+              <a:rPr lang="en-US" altLang="zh-CN" sz="2400" dirty="0" smtClean="0"/>
+              <a:t>upload/download files</a:t>
+            </a:r>
+          </a:p>
+          <a:p>
+            <a:pPr marL="971550" lvl="1" indent="-514350">
+              <a:buFont typeface="+mj-lt"/>
+              <a:buAutoNum type="arabicPeriod"/>
+            </a:pPr>
+            <a:r>
+              <a:rPr lang="en-US" altLang="zh-CN" sz="2400" dirty="0" smtClean="0"/>
+              <a:t>search posts/classify posts</a:t>
+            </a:r>
+          </a:p>
+          <a:p>
+            <a:pPr marL="971550" lvl="1" indent="-514350">
+              <a:buFont typeface="+mj-lt"/>
+              <a:buAutoNum type="arabicPeriod"/>
+            </a:pPr>
+            <a:r>
+              <a:rPr lang="en-US" altLang="zh-CN" sz="2400" dirty="0" smtClean="0"/>
+              <a:t>…….</a:t>
+            </a:r>
+          </a:p>
+          <a:p>
+            <a:pPr marL="971550" lvl="1" indent="-514350">
+              <a:buFont typeface="+mj-lt"/>
+              <a:buAutoNum type="arabicPeriod"/>
+            </a:pPr>
+            <a:endParaRPr lang="en-US" altLang="zh-CN" sz="2400" dirty="0" smtClean="0"/>
+          </a:p>
+        </p:txBody>
+      </p:sp>
+      <p:sp>
+        <p:nvSpPr>
+          <p:cNvPr id="4" name="矩形 3"/>
+          <p:cNvSpPr/>
+          <p:nvPr/>
+        </p:nvSpPr>
+        <p:spPr>
+          <a:xfrm>
+            <a:off x="2428860" y="4000510"/>
+            <a:ext cx="4871718" cy="461665"/>
+          </a:xfrm>
+          <a:prstGeom prst="rect">
+            <a:avLst/>
+          </a:prstGeom>
+        </p:spPr>
+        <p:txBody>
+          <a:bodyPr wrap="none">
+            <a:spAutoFit/>
+          </a:bodyPr>
+          <a:lstStyle/>
+          <a:p>
+            <a:r>
+              <a:rPr lang="en-US" altLang="zh-CN" sz="2400" b="1" dirty="0" smtClean="0"/>
+              <a:t>All the business code is just 500 lines</a:t>
+            </a:r>
+            <a:endParaRPr lang="zh-CN" altLang="en-US" sz="2400" b="1" dirty="0"/>
+          </a:p>
+        </p:txBody>
+      </p:sp>
+    </p:spTree>
+  </p:cSld>
+  <p:clrMapOvr>
+    <a:masterClrMapping/>
+  </p:clrMapOvr>
+  <p:timing>
+    <p:tnLst>
+      <p:par>
+        <p:cTn id="1" dur="indefinite" restart="never" nodeType="tmRoot">
+          <p:childTnLst>
+            <p:seq concurrent="1" nextAc="seek">
+              <p:cTn id="2" dur="indefinite" nodeType="mainSeq">
+                <p:childTnLst>
+                  <p:par>
+                    <p:cTn id="3" fill="hold">
+                      <p:stCondLst>
+                        <p:cond delay="indefinite"/>
+                      </p:stCondLst>
+                      <p:childTnLst>
+                        <p:par>
+                          <p:cTn id="4" fill="hold">
+                            <p:stCondLst>
+                              <p:cond delay="0"/>
+                            </p:stCondLst>
+                            <p:childTnLst>
+                              <p:par>
+                                <p:cTn id="5" presetID="2" presetClass="entr" presetSubtype="4" fill="hold" grpId="1" nodeType="clickEffect">
+                                  <p:stCondLst>
+                                    <p:cond delay="0"/>
+                                  </p:stCondLst>
+                                  <p:iterate type="lt">
+                                    <p:tmPct val="0"/>
+                                  </p:iterate>
+                                  <p:childTnLst>
+                                    <p:set>
+                                      <p:cBhvr>
+                                        <p:cTn id="6" dur="1" fill="hold">
+                                          <p:stCondLst>
+                                            <p:cond delay="0"/>
+                                          </p:stCondLst>
+                                        </p:cTn>
+                                        <p:tgtEl>
+                                          <p:spTgt spid="4"/>
+                                        </p:tgtEl>
+                                        <p:attrNameLst>
+                                          <p:attrName>style.visibility</p:attrName>
+                                        </p:attrNameLst>
+                                      </p:cBhvr>
+                                      <p:to>
+                                        <p:strVal val="visible"/>
+                                      </p:to>
+                                    </p:set>
+                                    <p:anim calcmode="lin" valueType="num">
+                                      <p:cBhvr additive="base">
+                                        <p:cTn id="7" dur="500" fill="hold"/>
+                                        <p:tgtEl>
+                                          <p:spTgt spid="4"/>
+                                        </p:tgtEl>
+                                        <p:attrNameLst>
+                                          <p:attrName>ppt_x</p:attrName>
+                                        </p:attrNameLst>
+                                      </p:cBhvr>
+                                      <p:tavLst>
+                                        <p:tav tm="0">
+                                          <p:val>
+                                            <p:strVal val="#ppt_x"/>
+                                          </p:val>
+                                        </p:tav>
+                                        <p:tav tm="100000">
+                                          <p:val>
+                                            <p:strVal val="#ppt_x"/>
+                                          </p:val>
+                                        </p:tav>
+                                      </p:tavLst>
+                                    </p:anim>
+                                    <p:anim calcmode="lin" valueType="num">
+                                      <p:cBhvr additive="base">
+                                        <p:cTn id="8" dur="500" fill="hold"/>
+                                        <p:tgtEl>
+                                          <p:spTgt spid="4"/>
+                                        </p:tgtEl>
+                                        <p:attrNameLst>
+                                          <p:attrName>ppt_y</p:attrName>
+                                        </p:attrNameLst>
+                                      </p:cBhvr>
+                                      <p:tavLst>
+                                        <p:tav tm="0">
+                                          <p:val>
+                                            <p:strVal val="1+#ppt_h/2"/>
+                                          </p:val>
+                                        </p:tav>
+                                        <p:tav tm="100000">
+                                          <p:val>
+                                            <p:strVal val="#ppt_y"/>
+                                          </p:val>
+                                        </p:tav>
+                                      </p:tavLst>
+                                    </p:anim>
+                                  </p:childTnLst>
+                                </p:cTn>
+                              </p:par>
+                            </p:childTnLst>
+                          </p:cTn>
+                        </p:par>
+                      </p:childTnLst>
+                    </p:cTn>
+                  </p:par>
+                </p:childTnLst>
+              </p:cTn>
+              <p:prevCondLst>
+                <p:cond evt="onPrev" delay="0">
+                  <p:tgtEl>
+                    <p:sldTgt/>
+                  </p:tgtEl>
+                </p:cond>
+              </p:prevCondLst>
+              <p:nextCondLst>
+                <p:cond evt="onNext" delay="0">
+                  <p:tgtEl>
+                    <p:sldTgt/>
+                  </p:tgtEl>
+                </p:cond>
+              </p:nextCondLst>
+            </p:seq>
+          </p:childTnLst>
+        </p:cTn>
+      </p:par>
+    </p:tnLst>
+    <p:bldLst>
+      <p:bldP spid="4" grpId="1"/>
+    </p:bldLst>
+  </p:timing>
+</p:sld>
+</file>
+
+<file path=ppt/slides/slide9.xml><?xml version="1.0" encoding="utf-8"?>
+<p:sld xmlns:a="http://schemas.openxmlformats.org/drawingml/2006/main" xmlns:r="http://schemas.openxmlformats.org/officeDocument/2006/relationships" xmlns:p="http://schemas.openxmlformats.org/presentationml/2006/main">
+  <p:cSld>
+    <p:spTree>
+      <p:nvGrpSpPr>
+        <p:cNvPr id="1" name=""/>
+        <p:cNvGrpSpPr/>
+        <p:nvPr/>
+      </p:nvGrpSpPr>
+      <p:grpSpPr>
+        <a:xfrm>
+          <a:off x="0" y="0"/>
+          <a:ext cx="0" cy="0"/>
+          <a:chOff x="0" y="0"/>
+          <a:chExt cx="0" cy="0"/>
+        </a:xfrm>
+      </p:grpSpPr>
+      <p:sp>
+        <p:nvSpPr>
+          <p:cNvPr id="2" name="标题 1"/>
+          <p:cNvSpPr>
+            <a:spLocks noGrp="1"/>
+          </p:cNvSpPr>
+          <p:nvPr>
+            <p:ph type="title"/>
+          </p:nvPr>
+        </p:nvSpPr>
+        <p:spPr/>
+        <p:txBody>
+          <a:bodyPr/>
+          <a:lstStyle/>
+          <a:p>
+            <a:pPr algn="l"/>
+            <a:r>
+              <a:rPr lang="en-US" altLang="zh-CN" dirty="0" smtClean="0"/>
+              <a:t>Why we need it?</a:t>
+            </a:r>
+            <a:endParaRPr lang="zh-CN" altLang="en-US" dirty="0"/>
+          </a:p>
+        </p:txBody>
+      </p:sp>
+      <p:sp>
+        <p:nvSpPr>
+          <p:cNvPr id="3" name="内容占位符 2"/>
+          <p:cNvSpPr>
+            <a:spLocks noGrp="1"/>
+          </p:cNvSpPr>
+          <p:nvPr>
+            <p:ph idx="1"/>
+          </p:nvPr>
+        </p:nvSpPr>
+        <p:spPr/>
+        <p:txBody>
+          <a:bodyPr/>
+          <a:lstStyle/>
+          <a:p>
+            <a:r>
+              <a:rPr lang="en-US" altLang="zh-CN" dirty="0" smtClean="0"/>
+              <a:t>You can develop an App rapidly in feather</a:t>
+            </a:r>
+          </a:p>
+          <a:p>
+            <a:r>
+              <a:rPr lang="en-US" altLang="zh-CN" dirty="0" smtClean="0"/>
+              <a:t>Naive high performance comparing with other language web framework</a:t>
+            </a:r>
+          </a:p>
+          <a:p>
+            <a:r>
+              <a:rPr lang="en-US" altLang="zh-CN" dirty="0" smtClean="0"/>
+              <a:t>Lack of such a modern </a:t>
+            </a:r>
+            <a:r>
+              <a:rPr lang="en-US" altLang="zh-CN" dirty="0" err="1" smtClean="0"/>
+              <a:t>c++</a:t>
+            </a:r>
+            <a:r>
+              <a:rPr lang="en-US" altLang="zh-CN" dirty="0" smtClean="0"/>
+              <a:t> web application framework</a:t>
+            </a:r>
+          </a:p>
+          <a:p>
+            <a:endParaRPr lang="zh-CN" altLang="en-US" dirty="0"/>
+          </a:p>
+        </p:txBody>
+      </p:sp>
+    </p:spTree>
+  </p:cSld>
+  <p:clrMapOvr>
+    <a:masterClrMapping/>
+  </p:clrMapOvr>
+  <p:timing>
+    <p:tnLst>
+      <p:par>
+        <p:cTn id="1" dur="indefinite" restart="never" nodeType="tmRoot"/>
+      </p:par>
+    </p:tnLst>
+  </p:timing>
 </p:sld>
 </file>
 

--- a/cppcon2018.pptx
+++ b/cppcon2018.pptx
@@ -19,10 +19,14 @@
     <p:sldId id="270" r:id="rId13"/>
     <p:sldId id="271" r:id="rId14"/>
     <p:sldId id="272" r:id="rId15"/>
-    <p:sldId id="259" r:id="rId16"/>
-    <p:sldId id="273" r:id="rId17"/>
-    <p:sldId id="260" r:id="rId18"/>
-    <p:sldId id="261" r:id="rId19"/>
+    <p:sldId id="274" r:id="rId16"/>
+    <p:sldId id="275" r:id="rId17"/>
+    <p:sldId id="276" r:id="rId18"/>
+    <p:sldId id="277" r:id="rId19"/>
+    <p:sldId id="259" r:id="rId20"/>
+    <p:sldId id="273" r:id="rId21"/>
+    <p:sldId id="260" r:id="rId22"/>
+    <p:sldId id="261" r:id="rId23"/>
   </p:sldIdLst>
   <p:sldSz cx="9144000" cy="5143500" type="screen16x9"/>
   <p:notesSz cx="6858000" cy="9144000"/>
@@ -306,7 +310,7 @@
             <a:fld id="{530820CF-B880-4189-942D-D702A7CBA730}" type="datetimeFigureOut">
               <a:rPr lang="zh-CN" altLang="en-US" smtClean="0"/>
               <a:pPr/>
-              <a:t>2018/9/9</a:t>
+              <a:t>2018/9/13</a:t>
             </a:fld>
             <a:endParaRPr lang="zh-CN" altLang="en-US"/>
           </a:p>
@@ -473,7 +477,7 @@
             <a:fld id="{530820CF-B880-4189-942D-D702A7CBA730}" type="datetimeFigureOut">
               <a:rPr lang="zh-CN" altLang="en-US" smtClean="0"/>
               <a:pPr/>
-              <a:t>2018/9/9</a:t>
+              <a:t>2018/9/13</a:t>
             </a:fld>
             <a:endParaRPr lang="zh-CN" altLang="en-US"/>
           </a:p>
@@ -650,7 +654,7 @@
             <a:fld id="{530820CF-B880-4189-942D-D702A7CBA730}" type="datetimeFigureOut">
               <a:rPr lang="zh-CN" altLang="en-US" smtClean="0"/>
               <a:pPr/>
-              <a:t>2018/9/9</a:t>
+              <a:t>2018/9/13</a:t>
             </a:fld>
             <a:endParaRPr lang="zh-CN" altLang="en-US"/>
           </a:p>
@@ -817,7 +821,7 @@
             <a:fld id="{530820CF-B880-4189-942D-D702A7CBA730}" type="datetimeFigureOut">
               <a:rPr lang="zh-CN" altLang="en-US" smtClean="0"/>
               <a:pPr/>
-              <a:t>2018/9/9</a:t>
+              <a:t>2018/9/13</a:t>
             </a:fld>
             <a:endParaRPr lang="zh-CN" altLang="en-US"/>
           </a:p>
@@ -1060,7 +1064,7 @@
             <a:fld id="{530820CF-B880-4189-942D-D702A7CBA730}" type="datetimeFigureOut">
               <a:rPr lang="zh-CN" altLang="en-US" smtClean="0"/>
               <a:pPr/>
-              <a:t>2018/9/9</a:t>
+              <a:t>2018/9/13</a:t>
             </a:fld>
             <a:endParaRPr lang="zh-CN" altLang="en-US"/>
           </a:p>
@@ -1345,7 +1349,7 @@
             <a:fld id="{530820CF-B880-4189-942D-D702A7CBA730}" type="datetimeFigureOut">
               <a:rPr lang="zh-CN" altLang="en-US" smtClean="0"/>
               <a:pPr/>
-              <a:t>2018/9/9</a:t>
+              <a:t>2018/9/13</a:t>
             </a:fld>
             <a:endParaRPr lang="zh-CN" altLang="en-US"/>
           </a:p>
@@ -1764,7 +1768,7 @@
             <a:fld id="{530820CF-B880-4189-942D-D702A7CBA730}" type="datetimeFigureOut">
               <a:rPr lang="zh-CN" altLang="en-US" smtClean="0"/>
               <a:pPr/>
-              <a:t>2018/9/9</a:t>
+              <a:t>2018/9/13</a:t>
             </a:fld>
             <a:endParaRPr lang="zh-CN" altLang="en-US"/>
           </a:p>
@@ -1879,7 +1883,7 @@
             <a:fld id="{530820CF-B880-4189-942D-D702A7CBA730}" type="datetimeFigureOut">
               <a:rPr lang="zh-CN" altLang="en-US" smtClean="0"/>
               <a:pPr/>
-              <a:t>2018/9/9</a:t>
+              <a:t>2018/9/13</a:t>
             </a:fld>
             <a:endParaRPr lang="zh-CN" altLang="en-US"/>
           </a:p>
@@ -1971,7 +1975,7 @@
             <a:fld id="{530820CF-B880-4189-942D-D702A7CBA730}" type="datetimeFigureOut">
               <a:rPr lang="zh-CN" altLang="en-US" smtClean="0"/>
               <a:pPr/>
-              <a:t>2018/9/9</a:t>
+              <a:t>2018/9/13</a:t>
             </a:fld>
             <a:endParaRPr lang="zh-CN" altLang="en-US"/>
           </a:p>
@@ -2245,7 +2249,7 @@
             <a:fld id="{530820CF-B880-4189-942D-D702A7CBA730}" type="datetimeFigureOut">
               <a:rPr lang="zh-CN" altLang="en-US" smtClean="0"/>
               <a:pPr/>
-              <a:t>2018/9/9</a:t>
+              <a:t>2018/9/13</a:t>
             </a:fld>
             <a:endParaRPr lang="zh-CN" altLang="en-US"/>
           </a:p>
@@ -2495,7 +2499,7 @@
             <a:fld id="{530820CF-B880-4189-942D-D702A7CBA730}" type="datetimeFigureOut">
               <a:rPr lang="zh-CN" altLang="en-US" smtClean="0"/>
               <a:pPr/>
-              <a:t>2018/9/9</a:t>
+              <a:t>2018/9/13</a:t>
             </a:fld>
             <a:endParaRPr lang="zh-CN" altLang="en-US"/>
           </a:p>
@@ -2705,7 +2709,7 @@
             <a:fld id="{530820CF-B880-4189-942D-D702A7CBA730}" type="datetimeFigureOut">
               <a:rPr lang="zh-CN" altLang="en-US" smtClean="0"/>
               <a:pPr/>
-              <a:t>2018/9/9</a:t>
+              <a:t>2018/9/13</a:t>
             </a:fld>
             <a:endParaRPr lang="zh-CN" altLang="en-US"/>
           </a:p>
@@ -3800,7 +3804,7 @@
         <p:spPr>
           <a:xfrm>
             <a:off x="1428728" y="2428874"/>
-            <a:ext cx="5691110" cy="369332"/>
+            <a:ext cx="6260688" cy="369332"/>
           </a:xfrm>
           <a:prstGeom prst="rect">
             <a:avLst/>
@@ -3814,7 +3818,15 @@
           <a:p>
             <a:r>
               <a:rPr lang="en-US" altLang="zh-CN" dirty="0" smtClean="0"/>
-              <a:t>Very simple, no need to know details about the framework</a:t>
+              <a:t>Very simple, no need to </a:t>
+            </a:r>
+            <a:r>
+              <a:rPr lang="en-US" altLang="zh-CN" dirty="0" smtClean="0"/>
+              <a:t>know many </a:t>
+            </a:r>
+            <a:r>
+              <a:rPr lang="en-US" altLang="zh-CN" dirty="0" smtClean="0"/>
+              <a:t>details about the framework</a:t>
             </a:r>
             <a:endParaRPr lang="zh-CN" altLang="en-US" dirty="0"/>
           </a:p>
@@ -4246,8 +4258,33 @@
             </a:r>
             <a:r>
               <a:rPr lang="en-US" altLang="zh-CN" dirty="0" smtClean="0"/>
-              <a:t>: too old, not easy to use, not modern</a:t>
-            </a:r>
+              <a:t>: </a:t>
+            </a:r>
+            <a:r>
+              <a:rPr lang="en-US" altLang="zh-CN" dirty="0" smtClean="0"/>
+              <a:t>not </a:t>
+            </a:r>
+            <a:r>
+              <a:rPr lang="en-US" altLang="zh-CN" dirty="0" smtClean="0"/>
+              <a:t>modern </a:t>
+            </a:r>
+            <a:r>
+              <a:rPr lang="en-US" altLang="zh-CN" dirty="0" err="1" smtClean="0"/>
+              <a:t>c++</a:t>
+            </a:r>
+            <a:r>
+              <a:rPr lang="en-US" altLang="zh-CN" dirty="0" smtClean="0"/>
+              <a:t>, </a:t>
+            </a:r>
+            <a:r>
+              <a:rPr lang="en-US" altLang="zh-CN" dirty="0" smtClean="0"/>
+              <a:t>not easy to </a:t>
+            </a:r>
+            <a:r>
+              <a:rPr lang="en-US" altLang="zh-CN" dirty="0" smtClean="0"/>
+              <a:t>use</a:t>
+            </a:r>
+            <a:endParaRPr lang="en-US" altLang="zh-CN" dirty="0" smtClean="0"/>
           </a:p>
           <a:p>
             <a:r>
@@ -4333,8 +4370,8 @@
           <a:p>
             <a:pPr algn="l"/>
             <a:r>
-              <a:rPr lang="en-US" altLang="zh-CN" dirty="0" smtClean="0"/>
-              <a:t>the Framework of Feather</a:t>
+              <a:rPr lang="en-US" altLang="zh-CN" dirty="0" err="1" smtClean="0"/>
+              <a:t>cppcms</a:t>
             </a:r>
             <a:endParaRPr lang="zh-CN" altLang="en-US" dirty="0"/>
           </a:p>
@@ -4355,27 +4392,114 @@
           <a:bodyPr/>
           <a:lstStyle/>
           <a:p>
-            <a:r>
-              <a:rPr lang="en-US" altLang="zh-CN" dirty="0" smtClean="0"/>
-              <a:t>Basic concepts of web</a:t>
-            </a:r>
-          </a:p>
-          <a:p>
-            <a:r>
-              <a:rPr lang="en-US" altLang="zh-CN" dirty="0" smtClean="0"/>
-              <a:t>Classic web framework</a:t>
-            </a:r>
-          </a:p>
-          <a:p>
-            <a:r>
-              <a:rPr lang="en-US" altLang="zh-CN" dirty="0" smtClean="0"/>
-              <a:t>The framework of feather</a:t>
-            </a:r>
-          </a:p>
-          <a:p>
-            <a:r>
-              <a:rPr lang="en-US" altLang="zh-CN" dirty="0" smtClean="0"/>
-              <a:t>Comparison()</a:t>
+            <a:endParaRPr lang="zh-CN" altLang="en-US" dirty="0"/>
+          </a:p>
+        </p:txBody>
+      </p:sp>
+      <p:pic>
+        <p:nvPicPr>
+          <p:cNvPr id="1026" name="Picture 2"/>
+          <p:cNvPicPr>
+            <a:picLocks noChangeAspect="1" noChangeArrowheads="1"/>
+          </p:cNvPicPr>
+          <p:nvPr/>
+        </p:nvPicPr>
+        <p:blipFill>
+          <a:blip r:embed="rId2"/>
+          <a:srcRect/>
+          <a:stretch>
+            <a:fillRect/>
+          </a:stretch>
+        </p:blipFill>
+        <p:spPr bwMode="auto">
+          <a:xfrm>
+            <a:off x="500034" y="1214428"/>
+            <a:ext cx="4078705" cy="2428892"/>
+          </a:xfrm>
+          <a:prstGeom prst="rect">
+            <a:avLst/>
+          </a:prstGeom>
+          <a:noFill/>
+          <a:ln w="9525">
+            <a:noFill/>
+            <a:miter lim="800000"/>
+            <a:headEnd/>
+            <a:tailEnd/>
+          </a:ln>
+          <a:effectLst/>
+        </p:spPr>
+      </p:pic>
+      <p:sp>
+        <p:nvSpPr>
+          <p:cNvPr id="5" name="矩形 4"/>
+          <p:cNvSpPr/>
+          <p:nvPr/>
+        </p:nvSpPr>
+        <p:spPr>
+          <a:xfrm>
+            <a:off x="4714876" y="1643056"/>
+            <a:ext cx="3560014" cy="646331"/>
+          </a:xfrm>
+          <a:prstGeom prst="rect">
+            <a:avLst/>
+          </a:prstGeom>
+        </p:spPr>
+        <p:txBody>
+          <a:bodyPr wrap="none">
+            <a:spAutoFit/>
+          </a:bodyPr>
+          <a:lstStyle/>
+          <a:p>
+            <a:r>
+              <a:rPr lang="en-US" altLang="zh-CN" dirty="0" smtClean="0"/>
+              <a:t>You need a special compiler to build</a:t>
+            </a:r>
+          </a:p>
+          <a:p>
+            <a:r>
+              <a:rPr lang="en-US" altLang="zh-CN" dirty="0" smtClean="0"/>
+              <a:t>h</a:t>
+            </a:r>
+            <a:r>
+              <a:rPr lang="en-US" altLang="zh-CN" dirty="0" smtClean="0"/>
+              <a:t>tml template</a:t>
+            </a:r>
+            <a:endParaRPr lang="zh-CN" altLang="en-US" dirty="0"/>
+          </a:p>
+        </p:txBody>
+      </p:sp>
+      <p:sp>
+        <p:nvSpPr>
+          <p:cNvPr id="6" name="矩形 5"/>
+          <p:cNvSpPr/>
+          <p:nvPr/>
+        </p:nvSpPr>
+        <p:spPr>
+          <a:xfrm>
+            <a:off x="4357686" y="2928940"/>
+            <a:ext cx="4203458" cy="369332"/>
+          </a:xfrm>
+          <a:prstGeom prst="rect">
+            <a:avLst/>
+          </a:prstGeom>
+        </p:spPr>
+        <p:txBody>
+          <a:bodyPr wrap="none">
+            <a:spAutoFit/>
+          </a:bodyPr>
+          <a:lstStyle/>
+          <a:p>
+            <a:r>
+              <a:rPr lang="en-US" altLang="zh-CN" dirty="0" err="1" smtClean="0"/>
+              <a:t>Cppcms</a:t>
+            </a:r>
+            <a:r>
+              <a:rPr lang="en-US" altLang="zh-CN" dirty="0" smtClean="0"/>
+              <a:t> is not easy to use, not modern </a:t>
+            </a:r>
+            <a:r>
+              <a:rPr lang="en-US" altLang="zh-CN" dirty="0" err="1" smtClean="0"/>
+              <a:t>c++</a:t>
             </a:r>
             <a:endParaRPr lang="zh-CN" altLang="en-US" dirty="0"/>
           </a:p>
@@ -4389,9 +4513,218 @@
   <p:timing>
     <p:tnLst>
       <p:par>
-        <p:cTn id="1" dur="indefinite" restart="never" nodeType="tmRoot"/>
+        <p:cTn id="1" dur="indefinite" restart="never" nodeType="tmRoot">
+          <p:childTnLst>
+            <p:seq concurrent="1" nextAc="seek">
+              <p:cTn id="2" dur="indefinite" nodeType="mainSeq">
+                <p:childTnLst>
+                  <p:par>
+                    <p:cTn id="3" fill="hold">
+                      <p:stCondLst>
+                        <p:cond delay="indefinite"/>
+                      </p:stCondLst>
+                      <p:childTnLst>
+                        <p:par>
+                          <p:cTn id="4" fill="hold">
+                            <p:stCondLst>
+                              <p:cond delay="0"/>
+                            </p:stCondLst>
+                            <p:childTnLst>
+                              <p:par>
+                                <p:cTn id="5" presetID="2" presetClass="entr" presetSubtype="4" fill="hold" grpId="0" nodeType="clickEffect">
+                                  <p:stCondLst>
+                                    <p:cond delay="0"/>
+                                  </p:stCondLst>
+                                  <p:childTnLst>
+                                    <p:set>
+                                      <p:cBhvr>
+                                        <p:cTn id="6" dur="1" fill="hold">
+                                          <p:stCondLst>
+                                            <p:cond delay="0"/>
+                                          </p:stCondLst>
+                                        </p:cTn>
+                                        <p:tgtEl>
+                                          <p:spTgt spid="5"/>
+                                        </p:tgtEl>
+                                        <p:attrNameLst>
+                                          <p:attrName>style.visibility</p:attrName>
+                                        </p:attrNameLst>
+                                      </p:cBhvr>
+                                      <p:to>
+                                        <p:strVal val="visible"/>
+                                      </p:to>
+                                    </p:set>
+                                    <p:anim calcmode="lin" valueType="num">
+                                      <p:cBhvr additive="base">
+                                        <p:cTn id="7" dur="500" fill="hold"/>
+                                        <p:tgtEl>
+                                          <p:spTgt spid="5"/>
+                                        </p:tgtEl>
+                                        <p:attrNameLst>
+                                          <p:attrName>ppt_x</p:attrName>
+                                        </p:attrNameLst>
+                                      </p:cBhvr>
+                                      <p:tavLst>
+                                        <p:tav tm="0">
+                                          <p:val>
+                                            <p:strVal val="#ppt_x"/>
+                                          </p:val>
+                                        </p:tav>
+                                        <p:tav tm="100000">
+                                          <p:val>
+                                            <p:strVal val="#ppt_x"/>
+                                          </p:val>
+                                        </p:tav>
+                                      </p:tavLst>
+                                    </p:anim>
+                                    <p:anim calcmode="lin" valueType="num">
+                                      <p:cBhvr additive="base">
+                                        <p:cTn id="8" dur="500" fill="hold"/>
+                                        <p:tgtEl>
+                                          <p:spTgt spid="5"/>
+                                        </p:tgtEl>
+                                        <p:attrNameLst>
+                                          <p:attrName>ppt_y</p:attrName>
+                                        </p:attrNameLst>
+                                      </p:cBhvr>
+                                      <p:tavLst>
+                                        <p:tav tm="0">
+                                          <p:val>
+                                            <p:strVal val="1+#ppt_h/2"/>
+                                          </p:val>
+                                        </p:tav>
+                                        <p:tav tm="100000">
+                                          <p:val>
+                                            <p:strVal val="#ppt_y"/>
+                                          </p:val>
+                                        </p:tav>
+                                      </p:tavLst>
+                                    </p:anim>
+                                  </p:childTnLst>
+                                </p:cTn>
+                              </p:par>
+                            </p:childTnLst>
+                          </p:cTn>
+                        </p:par>
+                      </p:childTnLst>
+                    </p:cTn>
+                  </p:par>
+                  <p:par>
+                    <p:cTn id="9" fill="hold">
+                      <p:stCondLst>
+                        <p:cond delay="indefinite"/>
+                      </p:stCondLst>
+                      <p:childTnLst>
+                        <p:par>
+                          <p:cTn id="10" fill="hold">
+                            <p:stCondLst>
+                              <p:cond delay="0"/>
+                            </p:stCondLst>
+                            <p:childTnLst>
+                              <p:par>
+                                <p:cTn id="11" presetID="2" presetClass="entr" presetSubtype="4" fill="hold" grpId="0" nodeType="clickEffect">
+                                  <p:stCondLst>
+                                    <p:cond delay="0"/>
+                                  </p:stCondLst>
+                                  <p:childTnLst>
+                                    <p:set>
+                                      <p:cBhvr>
+                                        <p:cTn id="12" dur="1" fill="hold">
+                                          <p:stCondLst>
+                                            <p:cond delay="0"/>
+                                          </p:stCondLst>
+                                        </p:cTn>
+                                        <p:tgtEl>
+                                          <p:spTgt spid="6"/>
+                                        </p:tgtEl>
+                                        <p:attrNameLst>
+                                          <p:attrName>style.visibility</p:attrName>
+                                        </p:attrNameLst>
+                                      </p:cBhvr>
+                                      <p:to>
+                                        <p:strVal val="visible"/>
+                                      </p:to>
+                                    </p:set>
+                                    <p:anim calcmode="lin" valueType="num">
+                                      <p:cBhvr additive="base">
+                                        <p:cTn id="13" dur="500" fill="hold"/>
+                                        <p:tgtEl>
+                                          <p:spTgt spid="6"/>
+                                        </p:tgtEl>
+                                        <p:attrNameLst>
+                                          <p:attrName>ppt_x</p:attrName>
+                                        </p:attrNameLst>
+                                      </p:cBhvr>
+                                      <p:tavLst>
+                                        <p:tav tm="0">
+                                          <p:val>
+                                            <p:strVal val="#ppt_x"/>
+                                          </p:val>
+                                        </p:tav>
+                                        <p:tav tm="100000">
+                                          <p:val>
+                                            <p:strVal val="#ppt_x"/>
+                                          </p:val>
+                                        </p:tav>
+                                      </p:tavLst>
+                                    </p:anim>
+                                    <p:anim calcmode="lin" valueType="num">
+                                      <p:cBhvr additive="base">
+                                        <p:cTn id="14" dur="500" fill="hold"/>
+                                        <p:tgtEl>
+                                          <p:spTgt spid="6"/>
+                                        </p:tgtEl>
+                                        <p:attrNameLst>
+                                          <p:attrName>ppt_y</p:attrName>
+                                        </p:attrNameLst>
+                                      </p:cBhvr>
+                                      <p:tavLst>
+                                        <p:tav tm="0">
+                                          <p:val>
+                                            <p:strVal val="1+#ppt_h/2"/>
+                                          </p:val>
+                                        </p:tav>
+                                        <p:tav tm="100000">
+                                          <p:val>
+                                            <p:strVal val="#ppt_y"/>
+                                          </p:val>
+                                        </p:tav>
+                                      </p:tavLst>
+                                    </p:anim>
+                                  </p:childTnLst>
+                                </p:cTn>
+                              </p:par>
+                            </p:childTnLst>
+                          </p:cTn>
+                        </p:par>
+                      </p:childTnLst>
+                    </p:cTn>
+                  </p:par>
+                </p:childTnLst>
+              </p:cTn>
+              <p:prevCondLst>
+                <p:cond evt="onPrev" delay="0">
+                  <p:tgtEl>
+                    <p:sldTgt/>
+                  </p:tgtEl>
+                </p:cond>
+              </p:prevCondLst>
+              <p:nextCondLst>
+                <p:cond evt="onNext" delay="0">
+                  <p:tgtEl>
+                    <p:sldTgt/>
+                  </p:tgtEl>
+                </p:cond>
+              </p:nextCondLst>
+            </p:seq>
+          </p:childTnLst>
+        </p:cTn>
       </p:par>
     </p:tnLst>
+    <p:bldLst>
+      <p:bldP spid="5" grpId="0"/>
+      <p:bldP spid="6" grpId="0"/>
+    </p:bldLst>
   </p:timing>
 </p:sld>
 </file>
@@ -4431,7 +4764,7 @@
             <a:pPr algn="l"/>
             <a:r>
               <a:rPr lang="en-US" altLang="zh-CN" dirty="0" smtClean="0"/>
-              <a:t>Components</a:t>
+              <a:t>Tree-frog</a:t>
             </a:r>
             <a:endParaRPr lang="zh-CN" altLang="en-US" dirty="0"/>
           </a:p>
@@ -4454,29 +4787,44 @@
           <a:p>
             <a:r>
               <a:rPr lang="en-US" altLang="zh-CN" dirty="0" smtClean="0"/>
-              <a:t>An easy to use http library(http/https, web socket, AOP)</a:t>
-            </a:r>
-          </a:p>
-          <a:p>
-            <a:r>
-              <a:rPr lang="en-US" altLang="zh-CN" dirty="0" smtClean="0"/>
-              <a:t>A flexible ORM library, support multiple databases(compile-time reflection)</a:t>
-            </a:r>
-          </a:p>
-          <a:p>
-            <a:r>
-              <a:rPr lang="en-US" altLang="zh-CN" dirty="0" smtClean="0"/>
-              <a:t>A powerful html template engine</a:t>
-            </a:r>
-          </a:p>
-          <a:p>
-            <a:r>
-              <a:rPr lang="en-US" altLang="zh-CN" dirty="0" smtClean="0"/>
-              <a:t>A fast serialization library</a:t>
-            </a:r>
-          </a:p>
-          <a:p>
-            <a:endParaRPr lang="zh-CN" altLang="en-US" dirty="0"/>
+              <a:t>Tree-frog</a:t>
+            </a:r>
+          </a:p>
+          <a:p>
+            <a:pPr marL="742950" lvl="2" indent="-342900"/>
+            <a:r>
+              <a:rPr lang="en-US" altLang="zh-CN" dirty="0" smtClean="0"/>
+              <a:t>based on qt, too heavily, not modern </a:t>
+            </a:r>
+            <a:r>
+              <a:rPr lang="en-US" altLang="zh-CN" dirty="0" err="1" smtClean="0"/>
+              <a:t>c++</a:t>
+            </a:r>
+            <a:endParaRPr lang="zh-CN" altLang="en-US" dirty="0" smtClean="0"/>
+          </a:p>
+          <a:p>
+            <a:pPr marL="342900" lvl="1" indent="-342900">
+              <a:buFont typeface="Arial" pitchFamily="34" charset="0"/>
+              <a:buChar char="•"/>
+            </a:pPr>
+            <a:r>
+              <a:rPr lang="en-US" altLang="zh-CN" sz="3200" dirty="0" smtClean="0"/>
+              <a:t>Crow</a:t>
+            </a:r>
+          </a:p>
+          <a:p>
+            <a:pPr marL="742950" lvl="2" indent="-342900"/>
+            <a:r>
+              <a:rPr lang="en-US" altLang="zh-CN" dirty="0" smtClean="0"/>
+              <a:t>Just a http server, not a real web framework</a:t>
+            </a:r>
+            <a:endParaRPr lang="en-US" altLang="zh-CN" dirty="0" smtClean="0"/>
+          </a:p>
+          <a:p>
+            <a:pPr lvl="1">
+              <a:buNone/>
+            </a:pPr>
+            <a:endParaRPr lang="en-US" altLang="zh-CN" dirty="0" smtClean="0"/>
           </a:p>
         </p:txBody>
       </p:sp>
@@ -4530,7 +4878,7 @@
             <a:pPr algn="l"/>
             <a:r>
               <a:rPr lang="en-US" altLang="zh-CN" dirty="0" smtClean="0"/>
-              <a:t>Components</a:t>
+              <a:t>silicon</a:t>
             </a:r>
             <a:endParaRPr lang="zh-CN" altLang="en-US" dirty="0"/>
           </a:p>
@@ -4551,44 +4899,109 @@
           <a:bodyPr/>
           <a:lstStyle/>
           <a:p>
-            <a:r>
-              <a:rPr lang="en-US" altLang="zh-CN" dirty="0" err="1" smtClean="0"/>
-              <a:t>cinatra</a:t>
-            </a:r>
-            <a:r>
-              <a:rPr lang="en-US" altLang="zh-CN" dirty="0" smtClean="0"/>
-              <a:t>(Comparison)</a:t>
-            </a:r>
-          </a:p>
-          <a:p>
-            <a:r>
-              <a:rPr lang="en-US" altLang="zh-CN" dirty="0" err="1" smtClean="0"/>
-              <a:t>ormpp</a:t>
-            </a:r>
-            <a:r>
-              <a:rPr lang="en-US" altLang="zh-CN" dirty="0" smtClean="0"/>
-              <a:t>(Comparison)</a:t>
-            </a:r>
-          </a:p>
-          <a:p>
-            <a:r>
-              <a:rPr lang="en-US" altLang="zh-CN" dirty="0" smtClean="0"/>
-              <a:t>render</a:t>
-            </a:r>
-          </a:p>
-          <a:p>
-            <a:r>
-              <a:rPr lang="en-US" altLang="zh-CN" dirty="0" smtClean="0"/>
-              <a:t>iguana/</a:t>
-            </a:r>
-            <a:r>
-              <a:rPr lang="en-US" altLang="zh-CN" dirty="0" err="1" smtClean="0"/>
-              <a:t>json</a:t>
-            </a:r>
             <a:endParaRPr lang="zh-CN" altLang="en-US" dirty="0"/>
           </a:p>
         </p:txBody>
       </p:sp>
+      <p:pic>
+        <p:nvPicPr>
+          <p:cNvPr id="2050" name="Picture 2"/>
+          <p:cNvPicPr>
+            <a:picLocks noChangeAspect="1" noChangeArrowheads="1"/>
+          </p:cNvPicPr>
+          <p:nvPr/>
+        </p:nvPicPr>
+        <p:blipFill>
+          <a:blip r:embed="rId2"/>
+          <a:srcRect/>
+          <a:stretch>
+            <a:fillRect/>
+          </a:stretch>
+        </p:blipFill>
+        <p:spPr bwMode="auto">
+          <a:xfrm>
+            <a:off x="485153" y="1214428"/>
+            <a:ext cx="7444433" cy="571504"/>
+          </a:xfrm>
+          <a:prstGeom prst="rect">
+            <a:avLst/>
+          </a:prstGeom>
+          <a:noFill/>
+          <a:ln w="9525">
+            <a:noFill/>
+            <a:miter lim="800000"/>
+            <a:headEnd/>
+            <a:tailEnd/>
+          </a:ln>
+          <a:effectLst/>
+        </p:spPr>
+      </p:pic>
+      <p:pic>
+        <p:nvPicPr>
+          <p:cNvPr id="2051" name="Picture 3"/>
+          <p:cNvPicPr>
+            <a:picLocks noChangeAspect="1" noChangeArrowheads="1"/>
+          </p:cNvPicPr>
+          <p:nvPr/>
+        </p:nvPicPr>
+        <p:blipFill>
+          <a:blip r:embed="rId3"/>
+          <a:srcRect/>
+          <a:stretch>
+            <a:fillRect/>
+          </a:stretch>
+        </p:blipFill>
+        <p:spPr bwMode="auto">
+          <a:xfrm>
+            <a:off x="500034" y="1928808"/>
+            <a:ext cx="6357982" cy="1100831"/>
+          </a:xfrm>
+          <a:prstGeom prst="rect">
+            <a:avLst/>
+          </a:prstGeom>
+          <a:noFill/>
+          <a:ln w="9525">
+            <a:noFill/>
+            <a:miter lim="800000"/>
+            <a:headEnd/>
+            <a:tailEnd/>
+          </a:ln>
+          <a:effectLst/>
+        </p:spPr>
+      </p:pic>
+      <p:pic>
+        <p:nvPicPr>
+          <p:cNvPr id="2053" name="Picture 5"/>
+          <p:cNvPicPr>
+            <a:picLocks noChangeAspect="1" noChangeArrowheads="1"/>
+          </p:cNvPicPr>
+          <p:nvPr/>
+        </p:nvPicPr>
+        <p:blipFill>
+          <a:blip r:embed="rId4"/>
+          <a:srcRect/>
+          <a:stretch>
+            <a:fillRect/>
+          </a:stretch>
+        </p:blipFill>
+        <p:spPr bwMode="auto">
+          <a:xfrm>
+            <a:off x="2071670" y="2214560"/>
+            <a:ext cx="5778540" cy="2000264"/>
+          </a:xfrm>
+          <a:prstGeom prst="rect">
+            <a:avLst/>
+          </a:prstGeom>
+          <a:noFill/>
+          <a:ln w="9525">
+            <a:noFill/>
+            <a:miter lim="800000"/>
+            <a:headEnd/>
+            <a:tailEnd/>
+          </a:ln>
+          <a:effectLst/>
+        </p:spPr>
+      </p:pic>
     </p:spTree>
   </p:cSld>
   <p:clrMapOvr>
@@ -4639,7 +5052,7 @@
             <a:pPr algn="l"/>
             <a:r>
               <a:rPr lang="en-US" altLang="zh-CN" dirty="0" smtClean="0"/>
-              <a:t>How to rapidly develop</a:t>
+              <a:t>silicon</a:t>
             </a:r>
             <a:endParaRPr lang="zh-CN" altLang="en-US" dirty="0"/>
           </a:p>
@@ -4662,25 +5075,30 @@
           <a:p>
             <a:r>
               <a:rPr lang="en-US" altLang="zh-CN" dirty="0" smtClean="0"/>
-              <a:t>Few code</a:t>
-            </a:r>
-          </a:p>
-          <a:p>
-            <a:r>
-              <a:rPr lang="en-US" altLang="zh-CN" dirty="0" smtClean="0"/>
-              <a:t>Friendly, ease interface</a:t>
-            </a:r>
-          </a:p>
-          <a:p>
-            <a:r>
-              <a:rPr lang="en-US" altLang="zh-CN" dirty="0" smtClean="0"/>
-              <a:t>Automatically done</a:t>
-            </a:r>
-          </a:p>
-          <a:p>
+              <a:t>Silicon contains http component and ORM component</a:t>
+            </a:r>
+          </a:p>
+          <a:p>
+            <a:r>
+              <a:rPr lang="en-US" altLang="zh-CN" dirty="0" smtClean="0"/>
+              <a:t>The user interface is not friendly</a:t>
+            </a:r>
+          </a:p>
+          <a:p>
+            <a:r>
+              <a:rPr lang="en-US" altLang="zh-CN" dirty="0" smtClean="0"/>
+              <a:t>Complicated, </a:t>
+            </a:r>
             <a:r>
               <a:rPr lang="en-US" altLang="zh-CN" smtClean="0"/>
-              <a:t>……</a:t>
+              <a:t>not flexible</a:t>
+            </a:r>
+            <a:endParaRPr lang="en-US" altLang="zh-CN" dirty="0" smtClean="0"/>
+          </a:p>
+          <a:p>
+            <a:r>
+              <a:rPr lang="en-US" altLang="zh-CN" dirty="0" smtClean="0"/>
+              <a:t>Lack of html templates component</a:t>
             </a:r>
             <a:endParaRPr lang="zh-CN" altLang="en-US" dirty="0"/>
           </a:p>
@@ -4691,6 +5109,110 @@
   <p:clrMapOvr>
     <a:masterClrMapping/>
   </p:clrMapOvr>
+  <p:timing>
+    <p:tnLst>
+      <p:par>
+        <p:cTn id="1" dur="indefinite" restart="never" nodeType="tmRoot"/>
+      </p:par>
+    </p:tnLst>
+  </p:timing>
+</p:sld>
+</file>
+
+<file path=ppt/slides/slide19.xml><?xml version="1.0" encoding="utf-8"?>
+<p:sld xmlns:a="http://schemas.openxmlformats.org/drawingml/2006/main" xmlns:r="http://schemas.openxmlformats.org/officeDocument/2006/relationships" xmlns:p="http://schemas.openxmlformats.org/presentationml/2006/main">
+  <p:cSld>
+    <p:spTree>
+      <p:nvGrpSpPr>
+        <p:cNvPr id="1" name=""/>
+        <p:cNvGrpSpPr/>
+        <p:nvPr/>
+      </p:nvGrpSpPr>
+      <p:grpSpPr>
+        <a:xfrm>
+          <a:off x="0" y="0"/>
+          <a:ext cx="0" cy="0"/>
+          <a:chOff x="0" y="0"/>
+          <a:chExt cx="0" cy="0"/>
+        </a:xfrm>
+      </p:grpSpPr>
+      <p:sp>
+        <p:nvSpPr>
+          <p:cNvPr id="2" name="标题 1"/>
+          <p:cNvSpPr>
+            <a:spLocks noGrp="1"/>
+          </p:cNvSpPr>
+          <p:nvPr>
+            <p:ph type="title"/>
+          </p:nvPr>
+        </p:nvSpPr>
+        <p:spPr/>
+        <p:txBody>
+          <a:bodyPr/>
+          <a:lstStyle/>
+          <a:p>
+            <a:pPr algn="l"/>
+            <a:r>
+              <a:rPr lang="en-US" altLang="zh-CN" dirty="0" smtClean="0"/>
+              <a:t>the Framework of Feather</a:t>
+            </a:r>
+            <a:endParaRPr lang="zh-CN" altLang="en-US" dirty="0"/>
+          </a:p>
+        </p:txBody>
+      </p:sp>
+      <p:sp>
+        <p:nvSpPr>
+          <p:cNvPr id="3" name="内容占位符 2"/>
+          <p:cNvSpPr>
+            <a:spLocks noGrp="1"/>
+          </p:cNvSpPr>
+          <p:nvPr>
+            <p:ph idx="1"/>
+          </p:nvPr>
+        </p:nvSpPr>
+        <p:spPr/>
+        <p:txBody>
+          <a:bodyPr/>
+          <a:lstStyle/>
+          <a:p>
+            <a:r>
+              <a:rPr lang="en-US" altLang="zh-CN" dirty="0" smtClean="0"/>
+              <a:t>Basic concepts of web</a:t>
+            </a:r>
+          </a:p>
+          <a:p>
+            <a:r>
+              <a:rPr lang="en-US" altLang="zh-CN" dirty="0" smtClean="0"/>
+              <a:t>Classic web framework</a:t>
+            </a:r>
+          </a:p>
+          <a:p>
+            <a:r>
+              <a:rPr lang="en-US" altLang="zh-CN" dirty="0" smtClean="0"/>
+              <a:t>The framework of feather</a:t>
+            </a:r>
+          </a:p>
+          <a:p>
+            <a:r>
+              <a:rPr lang="en-US" altLang="zh-CN" dirty="0" smtClean="0"/>
+              <a:t>Comparison()</a:t>
+            </a:r>
+            <a:endParaRPr lang="zh-CN" altLang="en-US" dirty="0"/>
+          </a:p>
+        </p:txBody>
+      </p:sp>
+    </p:spTree>
+  </p:cSld>
+  <p:clrMapOvr>
+    <a:masterClrMapping/>
+  </p:clrMapOvr>
+  <p:timing>
+    <p:tnLst>
+      <p:par>
+        <p:cTn id="1" dur="indefinite" restart="never" nodeType="tmRoot"/>
+      </p:par>
+    </p:tnLst>
+  </p:timing>
 </p:sld>
 </file>
 
@@ -4788,6 +5310,304 @@
       </p:par>
     </p:tnLst>
   </p:timing>
+</p:sld>
+</file>
+
+<file path=ppt/slides/slide20.xml><?xml version="1.0" encoding="utf-8"?>
+<p:sld xmlns:a="http://schemas.openxmlformats.org/drawingml/2006/main" xmlns:r="http://schemas.openxmlformats.org/officeDocument/2006/relationships" xmlns:p="http://schemas.openxmlformats.org/presentationml/2006/main">
+  <p:cSld>
+    <p:spTree>
+      <p:nvGrpSpPr>
+        <p:cNvPr id="1" name=""/>
+        <p:cNvGrpSpPr/>
+        <p:nvPr/>
+      </p:nvGrpSpPr>
+      <p:grpSpPr>
+        <a:xfrm>
+          <a:off x="0" y="0"/>
+          <a:ext cx="0" cy="0"/>
+          <a:chOff x="0" y="0"/>
+          <a:chExt cx="0" cy="0"/>
+        </a:xfrm>
+      </p:grpSpPr>
+      <p:sp>
+        <p:nvSpPr>
+          <p:cNvPr id="2" name="标题 1"/>
+          <p:cNvSpPr>
+            <a:spLocks noGrp="1"/>
+          </p:cNvSpPr>
+          <p:nvPr>
+            <p:ph type="title"/>
+          </p:nvPr>
+        </p:nvSpPr>
+        <p:spPr/>
+        <p:txBody>
+          <a:bodyPr/>
+          <a:lstStyle/>
+          <a:p>
+            <a:pPr algn="l"/>
+            <a:r>
+              <a:rPr lang="en-US" altLang="zh-CN" dirty="0" smtClean="0"/>
+              <a:t>Components</a:t>
+            </a:r>
+            <a:endParaRPr lang="zh-CN" altLang="en-US" dirty="0"/>
+          </a:p>
+        </p:txBody>
+      </p:sp>
+      <p:sp>
+        <p:nvSpPr>
+          <p:cNvPr id="3" name="内容占位符 2"/>
+          <p:cNvSpPr>
+            <a:spLocks noGrp="1"/>
+          </p:cNvSpPr>
+          <p:nvPr>
+            <p:ph idx="1"/>
+          </p:nvPr>
+        </p:nvSpPr>
+        <p:spPr/>
+        <p:txBody>
+          <a:bodyPr/>
+          <a:lstStyle/>
+          <a:p>
+            <a:r>
+              <a:rPr lang="en-US" altLang="zh-CN" dirty="0" smtClean="0"/>
+              <a:t>An easy to use http library(http/https, web socket, AOP)</a:t>
+            </a:r>
+          </a:p>
+          <a:p>
+            <a:r>
+              <a:rPr lang="en-US" altLang="zh-CN" dirty="0" smtClean="0"/>
+              <a:t>A flexible ORM library, support multiple databases(compile-time reflection)</a:t>
+            </a:r>
+          </a:p>
+          <a:p>
+            <a:r>
+              <a:rPr lang="en-US" altLang="zh-CN" dirty="0" smtClean="0"/>
+              <a:t>A powerful html template engine</a:t>
+            </a:r>
+          </a:p>
+          <a:p>
+            <a:r>
+              <a:rPr lang="en-US" altLang="zh-CN" dirty="0" smtClean="0"/>
+              <a:t>A fast serialization library</a:t>
+            </a:r>
+          </a:p>
+          <a:p>
+            <a:endParaRPr lang="zh-CN" altLang="en-US" dirty="0"/>
+          </a:p>
+        </p:txBody>
+      </p:sp>
+    </p:spTree>
+  </p:cSld>
+  <p:clrMapOvr>
+    <a:masterClrMapping/>
+  </p:clrMapOvr>
+  <p:timing>
+    <p:tnLst>
+      <p:par>
+        <p:cTn id="1" dur="indefinite" restart="never" nodeType="tmRoot"/>
+      </p:par>
+    </p:tnLst>
+  </p:timing>
+</p:sld>
+</file>
+
+<file path=ppt/slides/slide21.xml><?xml version="1.0" encoding="utf-8"?>
+<p:sld xmlns:a="http://schemas.openxmlformats.org/drawingml/2006/main" xmlns:r="http://schemas.openxmlformats.org/officeDocument/2006/relationships" xmlns:p="http://schemas.openxmlformats.org/presentationml/2006/main">
+  <p:cSld>
+    <p:spTree>
+      <p:nvGrpSpPr>
+        <p:cNvPr id="1" name=""/>
+        <p:cNvGrpSpPr/>
+        <p:nvPr/>
+      </p:nvGrpSpPr>
+      <p:grpSpPr>
+        <a:xfrm>
+          <a:off x="0" y="0"/>
+          <a:ext cx="0" cy="0"/>
+          <a:chOff x="0" y="0"/>
+          <a:chExt cx="0" cy="0"/>
+        </a:xfrm>
+      </p:grpSpPr>
+      <p:sp>
+        <p:nvSpPr>
+          <p:cNvPr id="2" name="标题 1"/>
+          <p:cNvSpPr>
+            <a:spLocks noGrp="1"/>
+          </p:cNvSpPr>
+          <p:nvPr>
+            <p:ph type="title"/>
+          </p:nvPr>
+        </p:nvSpPr>
+        <p:spPr/>
+        <p:txBody>
+          <a:bodyPr/>
+          <a:lstStyle/>
+          <a:p>
+            <a:pPr algn="l"/>
+            <a:r>
+              <a:rPr lang="en-US" altLang="zh-CN" dirty="0" smtClean="0"/>
+              <a:t>Components</a:t>
+            </a:r>
+            <a:endParaRPr lang="zh-CN" altLang="en-US" dirty="0"/>
+          </a:p>
+        </p:txBody>
+      </p:sp>
+      <p:sp>
+        <p:nvSpPr>
+          <p:cNvPr id="3" name="内容占位符 2"/>
+          <p:cNvSpPr>
+            <a:spLocks noGrp="1"/>
+          </p:cNvSpPr>
+          <p:nvPr>
+            <p:ph idx="1"/>
+          </p:nvPr>
+        </p:nvSpPr>
+        <p:spPr/>
+        <p:txBody>
+          <a:bodyPr/>
+          <a:lstStyle/>
+          <a:p>
+            <a:r>
+              <a:rPr lang="en-US" altLang="zh-CN" dirty="0" err="1" smtClean="0"/>
+              <a:t>cinatra</a:t>
+            </a:r>
+            <a:r>
+              <a:rPr lang="en-US" altLang="zh-CN" dirty="0" smtClean="0"/>
+              <a:t>(Comparison)</a:t>
+            </a:r>
+          </a:p>
+          <a:p>
+            <a:r>
+              <a:rPr lang="en-US" altLang="zh-CN" dirty="0" err="1" smtClean="0"/>
+              <a:t>ormpp</a:t>
+            </a:r>
+            <a:r>
+              <a:rPr lang="en-US" altLang="zh-CN" dirty="0" smtClean="0"/>
+              <a:t>(Comparison)</a:t>
+            </a:r>
+          </a:p>
+          <a:p>
+            <a:r>
+              <a:rPr lang="en-US" altLang="zh-CN" dirty="0" smtClean="0"/>
+              <a:t>render</a:t>
+            </a:r>
+          </a:p>
+          <a:p>
+            <a:r>
+              <a:rPr lang="en-US" altLang="zh-CN" dirty="0" smtClean="0"/>
+              <a:t>iguana/</a:t>
+            </a:r>
+            <a:r>
+              <a:rPr lang="en-US" altLang="zh-CN" dirty="0" err="1" smtClean="0"/>
+              <a:t>json</a:t>
+            </a:r>
+            <a:endParaRPr lang="zh-CN" altLang="en-US" dirty="0"/>
+          </a:p>
+        </p:txBody>
+      </p:sp>
+    </p:spTree>
+  </p:cSld>
+  <p:clrMapOvr>
+    <a:masterClrMapping/>
+  </p:clrMapOvr>
+  <p:timing>
+    <p:tnLst>
+      <p:par>
+        <p:cTn id="1" dur="indefinite" restart="never" nodeType="tmRoot"/>
+      </p:par>
+    </p:tnLst>
+  </p:timing>
+</p:sld>
+</file>
+
+<file path=ppt/slides/slide22.xml><?xml version="1.0" encoding="utf-8"?>
+<p:sld xmlns:a="http://schemas.openxmlformats.org/drawingml/2006/main" xmlns:r="http://schemas.openxmlformats.org/officeDocument/2006/relationships" xmlns:p="http://schemas.openxmlformats.org/presentationml/2006/main">
+  <p:cSld>
+    <p:spTree>
+      <p:nvGrpSpPr>
+        <p:cNvPr id="1" name=""/>
+        <p:cNvGrpSpPr/>
+        <p:nvPr/>
+      </p:nvGrpSpPr>
+      <p:grpSpPr>
+        <a:xfrm>
+          <a:off x="0" y="0"/>
+          <a:ext cx="0" cy="0"/>
+          <a:chOff x="0" y="0"/>
+          <a:chExt cx="0" cy="0"/>
+        </a:xfrm>
+      </p:grpSpPr>
+      <p:sp>
+        <p:nvSpPr>
+          <p:cNvPr id="2" name="标题 1"/>
+          <p:cNvSpPr>
+            <a:spLocks noGrp="1"/>
+          </p:cNvSpPr>
+          <p:nvPr>
+            <p:ph type="title"/>
+          </p:nvPr>
+        </p:nvSpPr>
+        <p:spPr/>
+        <p:txBody>
+          <a:bodyPr/>
+          <a:lstStyle/>
+          <a:p>
+            <a:pPr algn="l"/>
+            <a:r>
+              <a:rPr lang="en-US" altLang="zh-CN" dirty="0" smtClean="0"/>
+              <a:t>How to rapidly develop</a:t>
+            </a:r>
+            <a:endParaRPr lang="zh-CN" altLang="en-US" dirty="0"/>
+          </a:p>
+        </p:txBody>
+      </p:sp>
+      <p:sp>
+        <p:nvSpPr>
+          <p:cNvPr id="3" name="内容占位符 2"/>
+          <p:cNvSpPr>
+            <a:spLocks noGrp="1"/>
+          </p:cNvSpPr>
+          <p:nvPr>
+            <p:ph idx="1"/>
+          </p:nvPr>
+        </p:nvSpPr>
+        <p:spPr/>
+        <p:txBody>
+          <a:bodyPr/>
+          <a:lstStyle/>
+          <a:p>
+            <a:r>
+              <a:rPr lang="en-US" altLang="zh-CN" dirty="0" smtClean="0"/>
+              <a:t>Few code</a:t>
+            </a:r>
+          </a:p>
+          <a:p>
+            <a:r>
+              <a:rPr lang="en-US" altLang="zh-CN" dirty="0" smtClean="0"/>
+              <a:t>Friendly, ease interface</a:t>
+            </a:r>
+          </a:p>
+          <a:p>
+            <a:r>
+              <a:rPr lang="en-US" altLang="zh-CN" dirty="0" smtClean="0"/>
+              <a:t>Automatically done</a:t>
+            </a:r>
+          </a:p>
+          <a:p>
+            <a:r>
+              <a:rPr lang="en-US" altLang="zh-CN" smtClean="0"/>
+              <a:t>……</a:t>
+            </a:r>
+            <a:endParaRPr lang="zh-CN" altLang="en-US" dirty="0"/>
+          </a:p>
+        </p:txBody>
+      </p:sp>
+    </p:spTree>
+  </p:cSld>
+  <p:clrMapOvr>
+    <a:masterClrMapping/>
+  </p:clrMapOvr>
 </p:sld>
 </file>
 

--- a/cppcon2018.pptx
+++ b/cppcon2018.pptx
@@ -7,26 +7,32 @@
   <p:sldIdLst>
     <p:sldId id="256" r:id="rId2"/>
     <p:sldId id="257" r:id="rId3"/>
-    <p:sldId id="258" r:id="rId4"/>
-    <p:sldId id="262" r:id="rId5"/>
-    <p:sldId id="264" r:id="rId6"/>
-    <p:sldId id="263" r:id="rId7"/>
-    <p:sldId id="265" r:id="rId8"/>
-    <p:sldId id="267" r:id="rId9"/>
-    <p:sldId id="266" r:id="rId10"/>
-    <p:sldId id="268" r:id="rId11"/>
-    <p:sldId id="269" r:id="rId12"/>
-    <p:sldId id="270" r:id="rId13"/>
-    <p:sldId id="271" r:id="rId14"/>
-    <p:sldId id="272" r:id="rId15"/>
-    <p:sldId id="274" r:id="rId16"/>
-    <p:sldId id="275" r:id="rId17"/>
-    <p:sldId id="276" r:id="rId18"/>
-    <p:sldId id="277" r:id="rId19"/>
-    <p:sldId id="259" r:id="rId20"/>
-    <p:sldId id="273" r:id="rId21"/>
-    <p:sldId id="260" r:id="rId22"/>
-    <p:sldId id="261" r:id="rId23"/>
+    <p:sldId id="278" r:id="rId4"/>
+    <p:sldId id="279" r:id="rId5"/>
+    <p:sldId id="283" r:id="rId6"/>
+    <p:sldId id="284" r:id="rId7"/>
+    <p:sldId id="272" r:id="rId8"/>
+    <p:sldId id="274" r:id="rId9"/>
+    <p:sldId id="275" r:id="rId10"/>
+    <p:sldId id="276" r:id="rId11"/>
+    <p:sldId id="277" r:id="rId12"/>
+    <p:sldId id="287" r:id="rId13"/>
+    <p:sldId id="281" r:id="rId14"/>
+    <p:sldId id="262" r:id="rId15"/>
+    <p:sldId id="264" r:id="rId16"/>
+    <p:sldId id="265" r:id="rId17"/>
+    <p:sldId id="282" r:id="rId18"/>
+    <p:sldId id="273" r:id="rId19"/>
+    <p:sldId id="268" r:id="rId20"/>
+    <p:sldId id="269" r:id="rId21"/>
+    <p:sldId id="270" r:id="rId22"/>
+    <p:sldId id="267" r:id="rId23"/>
+    <p:sldId id="271" r:id="rId24"/>
+    <p:sldId id="259" r:id="rId25"/>
+    <p:sldId id="285" r:id="rId26"/>
+    <p:sldId id="260" r:id="rId27"/>
+    <p:sldId id="286" r:id="rId28"/>
+    <p:sldId id="261" r:id="rId29"/>
   </p:sldIdLst>
   <p:sldSz cx="9144000" cy="5143500" type="screen16x9"/>
   <p:notesSz cx="6858000" cy="9144000"/>
@@ -310,7 +316,7 @@
             <a:fld id="{530820CF-B880-4189-942D-D702A7CBA730}" type="datetimeFigureOut">
               <a:rPr lang="zh-CN" altLang="en-US" smtClean="0"/>
               <a:pPr/>
-              <a:t>2018/9/13</a:t>
+              <a:t>2018/9/16</a:t>
             </a:fld>
             <a:endParaRPr lang="zh-CN" altLang="en-US"/>
           </a:p>
@@ -477,7 +483,7 @@
             <a:fld id="{530820CF-B880-4189-942D-D702A7CBA730}" type="datetimeFigureOut">
               <a:rPr lang="zh-CN" altLang="en-US" smtClean="0"/>
               <a:pPr/>
-              <a:t>2018/9/13</a:t>
+              <a:t>2018/9/16</a:t>
             </a:fld>
             <a:endParaRPr lang="zh-CN" altLang="en-US"/>
           </a:p>
@@ -654,7 +660,7 @@
             <a:fld id="{530820CF-B880-4189-942D-D702A7CBA730}" type="datetimeFigureOut">
               <a:rPr lang="zh-CN" altLang="en-US" smtClean="0"/>
               <a:pPr/>
-              <a:t>2018/9/13</a:t>
+              <a:t>2018/9/16</a:t>
             </a:fld>
             <a:endParaRPr lang="zh-CN" altLang="en-US"/>
           </a:p>
@@ -821,7 +827,7 @@
             <a:fld id="{530820CF-B880-4189-942D-D702A7CBA730}" type="datetimeFigureOut">
               <a:rPr lang="zh-CN" altLang="en-US" smtClean="0"/>
               <a:pPr/>
-              <a:t>2018/9/13</a:t>
+              <a:t>2018/9/16</a:t>
             </a:fld>
             <a:endParaRPr lang="zh-CN" altLang="en-US"/>
           </a:p>
@@ -1064,7 +1070,7 @@
             <a:fld id="{530820CF-B880-4189-942D-D702A7CBA730}" type="datetimeFigureOut">
               <a:rPr lang="zh-CN" altLang="en-US" smtClean="0"/>
               <a:pPr/>
-              <a:t>2018/9/13</a:t>
+              <a:t>2018/9/16</a:t>
             </a:fld>
             <a:endParaRPr lang="zh-CN" altLang="en-US"/>
           </a:p>
@@ -1349,7 +1355,7 @@
             <a:fld id="{530820CF-B880-4189-942D-D702A7CBA730}" type="datetimeFigureOut">
               <a:rPr lang="zh-CN" altLang="en-US" smtClean="0"/>
               <a:pPr/>
-              <a:t>2018/9/13</a:t>
+              <a:t>2018/9/16</a:t>
             </a:fld>
             <a:endParaRPr lang="zh-CN" altLang="en-US"/>
           </a:p>
@@ -1768,7 +1774,7 @@
             <a:fld id="{530820CF-B880-4189-942D-D702A7CBA730}" type="datetimeFigureOut">
               <a:rPr lang="zh-CN" altLang="en-US" smtClean="0"/>
               <a:pPr/>
-              <a:t>2018/9/13</a:t>
+              <a:t>2018/9/16</a:t>
             </a:fld>
             <a:endParaRPr lang="zh-CN" altLang="en-US"/>
           </a:p>
@@ -1883,7 +1889,7 @@
             <a:fld id="{530820CF-B880-4189-942D-D702A7CBA730}" type="datetimeFigureOut">
               <a:rPr lang="zh-CN" altLang="en-US" smtClean="0"/>
               <a:pPr/>
-              <a:t>2018/9/13</a:t>
+              <a:t>2018/9/16</a:t>
             </a:fld>
             <a:endParaRPr lang="zh-CN" altLang="en-US"/>
           </a:p>
@@ -1975,7 +1981,7 @@
             <a:fld id="{530820CF-B880-4189-942D-D702A7CBA730}" type="datetimeFigureOut">
               <a:rPr lang="zh-CN" altLang="en-US" smtClean="0"/>
               <a:pPr/>
-              <a:t>2018/9/13</a:t>
+              <a:t>2018/9/16</a:t>
             </a:fld>
             <a:endParaRPr lang="zh-CN" altLang="en-US"/>
           </a:p>
@@ -2249,7 +2255,7 @@
             <a:fld id="{530820CF-B880-4189-942D-D702A7CBA730}" type="datetimeFigureOut">
               <a:rPr lang="zh-CN" altLang="en-US" smtClean="0"/>
               <a:pPr/>
-              <a:t>2018/9/13</a:t>
+              <a:t>2018/9/16</a:t>
             </a:fld>
             <a:endParaRPr lang="zh-CN" altLang="en-US"/>
           </a:p>
@@ -2499,7 +2505,7 @@
             <a:fld id="{530820CF-B880-4189-942D-D702A7CBA730}" type="datetimeFigureOut">
               <a:rPr lang="zh-CN" altLang="en-US" smtClean="0"/>
               <a:pPr/>
-              <a:t>2018/9/13</a:t>
+              <a:t>2018/9/16</a:t>
             </a:fld>
             <a:endParaRPr lang="zh-CN" altLang="en-US"/>
           </a:p>
@@ -2709,7 +2715,7 @@
             <a:fld id="{530820CF-B880-4189-942D-D702A7CBA730}" type="datetimeFigureOut">
               <a:rPr lang="zh-CN" altLang="en-US" smtClean="0"/>
               <a:pPr/>
-              <a:t>2018/9/13</a:t>
+              <a:t>2018/9/16</a:t>
             </a:fld>
             <a:endParaRPr lang="zh-CN" altLang="en-US"/>
           </a:p>
@@ -3219,6 +3225,1924 @@
         </p:nvSpPr>
         <p:spPr/>
         <p:txBody>
+          <a:bodyPr/>
+          <a:lstStyle/>
+          <a:p>
+            <a:pPr algn="l"/>
+            <a:r>
+              <a:rPr lang="en-US" altLang="zh-CN" dirty="0" smtClean="0"/>
+              <a:t>silicon</a:t>
+            </a:r>
+            <a:endParaRPr lang="zh-CN" altLang="en-US" dirty="0"/>
+          </a:p>
+        </p:txBody>
+      </p:sp>
+      <p:sp>
+        <p:nvSpPr>
+          <p:cNvPr id="3" name="内容占位符 2"/>
+          <p:cNvSpPr>
+            <a:spLocks noGrp="1"/>
+          </p:cNvSpPr>
+          <p:nvPr>
+            <p:ph idx="1"/>
+          </p:nvPr>
+        </p:nvSpPr>
+        <p:spPr/>
+        <p:txBody>
+          <a:bodyPr/>
+          <a:lstStyle/>
+          <a:p>
+            <a:endParaRPr lang="zh-CN" altLang="en-US" dirty="0"/>
+          </a:p>
+        </p:txBody>
+      </p:sp>
+      <p:pic>
+        <p:nvPicPr>
+          <p:cNvPr id="2050" name="Picture 2"/>
+          <p:cNvPicPr>
+            <a:picLocks noChangeAspect="1" noChangeArrowheads="1"/>
+          </p:cNvPicPr>
+          <p:nvPr/>
+        </p:nvPicPr>
+        <p:blipFill>
+          <a:blip r:embed="rId2"/>
+          <a:srcRect/>
+          <a:stretch>
+            <a:fillRect/>
+          </a:stretch>
+        </p:blipFill>
+        <p:spPr bwMode="auto">
+          <a:xfrm>
+            <a:off x="485153" y="1214428"/>
+            <a:ext cx="7444433" cy="571504"/>
+          </a:xfrm>
+          <a:prstGeom prst="rect">
+            <a:avLst/>
+          </a:prstGeom>
+          <a:noFill/>
+          <a:ln w="9525">
+            <a:noFill/>
+            <a:miter lim="800000"/>
+            <a:headEnd/>
+            <a:tailEnd/>
+          </a:ln>
+          <a:effectLst/>
+        </p:spPr>
+      </p:pic>
+      <p:pic>
+        <p:nvPicPr>
+          <p:cNvPr id="2051" name="Picture 3"/>
+          <p:cNvPicPr>
+            <a:picLocks noChangeAspect="1" noChangeArrowheads="1"/>
+          </p:cNvPicPr>
+          <p:nvPr/>
+        </p:nvPicPr>
+        <p:blipFill>
+          <a:blip r:embed="rId3"/>
+          <a:srcRect/>
+          <a:stretch>
+            <a:fillRect/>
+          </a:stretch>
+        </p:blipFill>
+        <p:spPr bwMode="auto">
+          <a:xfrm>
+            <a:off x="500034" y="1785932"/>
+            <a:ext cx="6357982" cy="1100831"/>
+          </a:xfrm>
+          <a:prstGeom prst="rect">
+            <a:avLst/>
+          </a:prstGeom>
+          <a:noFill/>
+          <a:ln w="9525">
+            <a:noFill/>
+            <a:miter lim="800000"/>
+            <a:headEnd/>
+            <a:tailEnd/>
+          </a:ln>
+          <a:effectLst/>
+        </p:spPr>
+      </p:pic>
+      <p:pic>
+        <p:nvPicPr>
+          <p:cNvPr id="2053" name="Picture 5"/>
+          <p:cNvPicPr>
+            <a:picLocks noChangeAspect="1" noChangeArrowheads="1"/>
+          </p:cNvPicPr>
+          <p:nvPr/>
+        </p:nvPicPr>
+        <p:blipFill>
+          <a:blip r:embed="rId4"/>
+          <a:srcRect/>
+          <a:stretch>
+            <a:fillRect/>
+          </a:stretch>
+        </p:blipFill>
+        <p:spPr bwMode="auto">
+          <a:xfrm>
+            <a:off x="500034" y="2857502"/>
+            <a:ext cx="5778540" cy="2000264"/>
+          </a:xfrm>
+          <a:prstGeom prst="rect">
+            <a:avLst/>
+          </a:prstGeom>
+          <a:noFill/>
+          <a:ln w="9525">
+            <a:noFill/>
+            <a:miter lim="800000"/>
+            <a:headEnd/>
+            <a:tailEnd/>
+          </a:ln>
+          <a:effectLst/>
+        </p:spPr>
+      </p:pic>
+    </p:spTree>
+  </p:cSld>
+  <p:clrMapOvr>
+    <a:masterClrMapping/>
+  </p:clrMapOvr>
+  <p:timing>
+    <p:tnLst>
+      <p:par>
+        <p:cTn id="1" dur="indefinite" restart="never" nodeType="tmRoot">
+          <p:childTnLst>
+            <p:seq concurrent="1" nextAc="seek">
+              <p:cTn id="2" dur="indefinite" nodeType="mainSeq">
+                <p:childTnLst>
+                  <p:par>
+                    <p:cTn id="3" fill="hold">
+                      <p:stCondLst>
+                        <p:cond delay="indefinite"/>
+                      </p:stCondLst>
+                      <p:childTnLst>
+                        <p:par>
+                          <p:cTn id="4" fill="hold">
+                            <p:stCondLst>
+                              <p:cond delay="0"/>
+                            </p:stCondLst>
+                            <p:childTnLst>
+                              <p:par>
+                                <p:cTn id="5" presetID="2" presetClass="entr" presetSubtype="4" fill="hold" nodeType="clickEffect">
+                                  <p:stCondLst>
+                                    <p:cond delay="0"/>
+                                  </p:stCondLst>
+                                  <p:childTnLst>
+                                    <p:set>
+                                      <p:cBhvr>
+                                        <p:cTn id="6" dur="1" fill="hold">
+                                          <p:stCondLst>
+                                            <p:cond delay="0"/>
+                                          </p:stCondLst>
+                                        </p:cTn>
+                                        <p:tgtEl>
+                                          <p:spTgt spid="2051"/>
+                                        </p:tgtEl>
+                                        <p:attrNameLst>
+                                          <p:attrName>style.visibility</p:attrName>
+                                        </p:attrNameLst>
+                                      </p:cBhvr>
+                                      <p:to>
+                                        <p:strVal val="visible"/>
+                                      </p:to>
+                                    </p:set>
+                                    <p:anim calcmode="lin" valueType="num">
+                                      <p:cBhvr additive="base">
+                                        <p:cTn id="7" dur="500" fill="hold"/>
+                                        <p:tgtEl>
+                                          <p:spTgt spid="2051"/>
+                                        </p:tgtEl>
+                                        <p:attrNameLst>
+                                          <p:attrName>ppt_x</p:attrName>
+                                        </p:attrNameLst>
+                                      </p:cBhvr>
+                                      <p:tavLst>
+                                        <p:tav tm="0">
+                                          <p:val>
+                                            <p:strVal val="#ppt_x"/>
+                                          </p:val>
+                                        </p:tav>
+                                        <p:tav tm="100000">
+                                          <p:val>
+                                            <p:strVal val="#ppt_x"/>
+                                          </p:val>
+                                        </p:tav>
+                                      </p:tavLst>
+                                    </p:anim>
+                                    <p:anim calcmode="lin" valueType="num">
+                                      <p:cBhvr additive="base">
+                                        <p:cTn id="8" dur="500" fill="hold"/>
+                                        <p:tgtEl>
+                                          <p:spTgt spid="2051"/>
+                                        </p:tgtEl>
+                                        <p:attrNameLst>
+                                          <p:attrName>ppt_y</p:attrName>
+                                        </p:attrNameLst>
+                                      </p:cBhvr>
+                                      <p:tavLst>
+                                        <p:tav tm="0">
+                                          <p:val>
+                                            <p:strVal val="1+#ppt_h/2"/>
+                                          </p:val>
+                                        </p:tav>
+                                        <p:tav tm="100000">
+                                          <p:val>
+                                            <p:strVal val="#ppt_y"/>
+                                          </p:val>
+                                        </p:tav>
+                                      </p:tavLst>
+                                    </p:anim>
+                                  </p:childTnLst>
+                                </p:cTn>
+                              </p:par>
+                            </p:childTnLst>
+                          </p:cTn>
+                        </p:par>
+                      </p:childTnLst>
+                    </p:cTn>
+                  </p:par>
+                  <p:par>
+                    <p:cTn id="9" fill="hold">
+                      <p:stCondLst>
+                        <p:cond delay="indefinite"/>
+                      </p:stCondLst>
+                      <p:childTnLst>
+                        <p:par>
+                          <p:cTn id="10" fill="hold">
+                            <p:stCondLst>
+                              <p:cond delay="0"/>
+                            </p:stCondLst>
+                            <p:childTnLst>
+                              <p:par>
+                                <p:cTn id="11" presetID="2" presetClass="entr" presetSubtype="4" fill="hold" nodeType="clickEffect">
+                                  <p:stCondLst>
+                                    <p:cond delay="0"/>
+                                  </p:stCondLst>
+                                  <p:childTnLst>
+                                    <p:set>
+                                      <p:cBhvr>
+                                        <p:cTn id="12" dur="1" fill="hold">
+                                          <p:stCondLst>
+                                            <p:cond delay="0"/>
+                                          </p:stCondLst>
+                                        </p:cTn>
+                                        <p:tgtEl>
+                                          <p:spTgt spid="2053"/>
+                                        </p:tgtEl>
+                                        <p:attrNameLst>
+                                          <p:attrName>style.visibility</p:attrName>
+                                        </p:attrNameLst>
+                                      </p:cBhvr>
+                                      <p:to>
+                                        <p:strVal val="visible"/>
+                                      </p:to>
+                                    </p:set>
+                                    <p:anim calcmode="lin" valueType="num">
+                                      <p:cBhvr additive="base">
+                                        <p:cTn id="13" dur="500" fill="hold"/>
+                                        <p:tgtEl>
+                                          <p:spTgt spid="2053"/>
+                                        </p:tgtEl>
+                                        <p:attrNameLst>
+                                          <p:attrName>ppt_x</p:attrName>
+                                        </p:attrNameLst>
+                                      </p:cBhvr>
+                                      <p:tavLst>
+                                        <p:tav tm="0">
+                                          <p:val>
+                                            <p:strVal val="#ppt_x"/>
+                                          </p:val>
+                                        </p:tav>
+                                        <p:tav tm="100000">
+                                          <p:val>
+                                            <p:strVal val="#ppt_x"/>
+                                          </p:val>
+                                        </p:tav>
+                                      </p:tavLst>
+                                    </p:anim>
+                                    <p:anim calcmode="lin" valueType="num">
+                                      <p:cBhvr additive="base">
+                                        <p:cTn id="14" dur="500" fill="hold"/>
+                                        <p:tgtEl>
+                                          <p:spTgt spid="2053"/>
+                                        </p:tgtEl>
+                                        <p:attrNameLst>
+                                          <p:attrName>ppt_y</p:attrName>
+                                        </p:attrNameLst>
+                                      </p:cBhvr>
+                                      <p:tavLst>
+                                        <p:tav tm="0">
+                                          <p:val>
+                                            <p:strVal val="1+#ppt_h/2"/>
+                                          </p:val>
+                                        </p:tav>
+                                        <p:tav tm="100000">
+                                          <p:val>
+                                            <p:strVal val="#ppt_y"/>
+                                          </p:val>
+                                        </p:tav>
+                                      </p:tavLst>
+                                    </p:anim>
+                                  </p:childTnLst>
+                                </p:cTn>
+                              </p:par>
+                            </p:childTnLst>
+                          </p:cTn>
+                        </p:par>
+                      </p:childTnLst>
+                    </p:cTn>
+                  </p:par>
+                </p:childTnLst>
+              </p:cTn>
+              <p:prevCondLst>
+                <p:cond evt="onPrev" delay="0">
+                  <p:tgtEl>
+                    <p:sldTgt/>
+                  </p:tgtEl>
+                </p:cond>
+              </p:prevCondLst>
+              <p:nextCondLst>
+                <p:cond evt="onNext" delay="0">
+                  <p:tgtEl>
+                    <p:sldTgt/>
+                  </p:tgtEl>
+                </p:cond>
+              </p:nextCondLst>
+            </p:seq>
+          </p:childTnLst>
+        </p:cTn>
+      </p:par>
+    </p:tnLst>
+  </p:timing>
+</p:sld>
+</file>
+
+<file path=ppt/slides/slide11.xml><?xml version="1.0" encoding="utf-8"?>
+<p:sld xmlns:a="http://schemas.openxmlformats.org/drawingml/2006/main" xmlns:r="http://schemas.openxmlformats.org/officeDocument/2006/relationships" xmlns:p="http://schemas.openxmlformats.org/presentationml/2006/main">
+  <p:cSld>
+    <p:spTree>
+      <p:nvGrpSpPr>
+        <p:cNvPr id="1" name=""/>
+        <p:cNvGrpSpPr/>
+        <p:nvPr/>
+      </p:nvGrpSpPr>
+      <p:grpSpPr>
+        <a:xfrm>
+          <a:off x="0" y="0"/>
+          <a:ext cx="0" cy="0"/>
+          <a:chOff x="0" y="0"/>
+          <a:chExt cx="0" cy="0"/>
+        </a:xfrm>
+      </p:grpSpPr>
+      <p:sp>
+        <p:nvSpPr>
+          <p:cNvPr id="2" name="标题 1"/>
+          <p:cNvSpPr>
+            <a:spLocks noGrp="1"/>
+          </p:cNvSpPr>
+          <p:nvPr>
+            <p:ph type="title"/>
+          </p:nvPr>
+        </p:nvSpPr>
+        <p:spPr/>
+        <p:txBody>
+          <a:bodyPr/>
+          <a:lstStyle/>
+          <a:p>
+            <a:pPr algn="l"/>
+            <a:r>
+              <a:rPr lang="en-US" altLang="zh-CN" dirty="0" smtClean="0"/>
+              <a:t>silicon</a:t>
+            </a:r>
+            <a:endParaRPr lang="zh-CN" altLang="en-US" dirty="0"/>
+          </a:p>
+        </p:txBody>
+      </p:sp>
+      <p:sp>
+        <p:nvSpPr>
+          <p:cNvPr id="3" name="内容占位符 2"/>
+          <p:cNvSpPr>
+            <a:spLocks noGrp="1"/>
+          </p:cNvSpPr>
+          <p:nvPr>
+            <p:ph idx="1"/>
+          </p:nvPr>
+        </p:nvSpPr>
+        <p:spPr/>
+        <p:txBody>
+          <a:bodyPr/>
+          <a:lstStyle/>
+          <a:p>
+            <a:r>
+              <a:rPr lang="en-US" altLang="zh-CN" dirty="0" smtClean="0"/>
+              <a:t>The </a:t>
+            </a:r>
+            <a:r>
+              <a:rPr lang="en-US" altLang="zh-CN" dirty="0" smtClean="0"/>
+              <a:t>user interface is not friendly</a:t>
+            </a:r>
+          </a:p>
+          <a:p>
+            <a:r>
+              <a:rPr lang="en-US" altLang="zh-CN" dirty="0" smtClean="0"/>
+              <a:t>Complicated, not </a:t>
+            </a:r>
+            <a:r>
+              <a:rPr lang="en-US" altLang="zh-CN" dirty="0" smtClean="0"/>
+              <a:t>flexible</a:t>
+            </a:r>
+          </a:p>
+          <a:p>
+            <a:r>
+              <a:rPr lang="en-US" altLang="zh-CN" dirty="0" smtClean="0"/>
+              <a:t>Don’t separate non-core business</a:t>
+            </a:r>
+            <a:endParaRPr lang="en-US" altLang="zh-CN" dirty="0" smtClean="0"/>
+          </a:p>
+          <a:p>
+            <a:r>
+              <a:rPr lang="en-US" altLang="zh-CN" dirty="0" smtClean="0"/>
+              <a:t>Lack of html templates component</a:t>
+            </a:r>
+            <a:endParaRPr lang="zh-CN" altLang="en-US" dirty="0"/>
+          </a:p>
+        </p:txBody>
+      </p:sp>
+    </p:spTree>
+  </p:cSld>
+  <p:clrMapOvr>
+    <a:masterClrMapping/>
+  </p:clrMapOvr>
+  <p:timing>
+    <p:tnLst>
+      <p:par>
+        <p:cTn id="1" dur="indefinite" restart="never" nodeType="tmRoot"/>
+      </p:par>
+    </p:tnLst>
+  </p:timing>
+</p:sld>
+</file>
+
+<file path=ppt/slides/slide12.xml><?xml version="1.0" encoding="utf-8"?>
+<p:sld xmlns:a="http://schemas.openxmlformats.org/drawingml/2006/main" xmlns:r="http://schemas.openxmlformats.org/officeDocument/2006/relationships" xmlns:p="http://schemas.openxmlformats.org/presentationml/2006/main">
+  <p:cSld>
+    <p:spTree>
+      <p:nvGrpSpPr>
+        <p:cNvPr id="1" name=""/>
+        <p:cNvGrpSpPr/>
+        <p:nvPr/>
+      </p:nvGrpSpPr>
+      <p:grpSpPr>
+        <a:xfrm>
+          <a:off x="0" y="0"/>
+          <a:ext cx="0" cy="0"/>
+          <a:chOff x="0" y="0"/>
+          <a:chExt cx="0" cy="0"/>
+        </a:xfrm>
+      </p:grpSpPr>
+      <p:sp>
+        <p:nvSpPr>
+          <p:cNvPr id="2" name="标题 1"/>
+          <p:cNvSpPr>
+            <a:spLocks noGrp="1"/>
+          </p:cNvSpPr>
+          <p:nvPr>
+            <p:ph type="title"/>
+          </p:nvPr>
+        </p:nvSpPr>
+        <p:spPr/>
+        <p:txBody>
+          <a:bodyPr/>
+          <a:lstStyle/>
+          <a:p>
+            <a:endParaRPr lang="zh-CN" altLang="en-US"/>
+          </a:p>
+        </p:txBody>
+      </p:sp>
+      <p:sp>
+        <p:nvSpPr>
+          <p:cNvPr id="3" name="内容占位符 2"/>
+          <p:cNvSpPr>
+            <a:spLocks noGrp="1"/>
+          </p:cNvSpPr>
+          <p:nvPr>
+            <p:ph idx="1"/>
+          </p:nvPr>
+        </p:nvSpPr>
+        <p:spPr/>
+        <p:txBody>
+          <a:bodyPr/>
+          <a:lstStyle/>
+          <a:p>
+            <a:endParaRPr lang="zh-CN" altLang="en-US"/>
+          </a:p>
+        </p:txBody>
+      </p:sp>
+      <p:pic>
+        <p:nvPicPr>
+          <p:cNvPr id="45058" name="Picture 2"/>
+          <p:cNvPicPr>
+            <a:picLocks noChangeAspect="1" noChangeArrowheads="1"/>
+          </p:cNvPicPr>
+          <p:nvPr/>
+        </p:nvPicPr>
+        <p:blipFill>
+          <a:blip r:embed="rId2"/>
+          <a:srcRect/>
+          <a:stretch>
+            <a:fillRect/>
+          </a:stretch>
+        </p:blipFill>
+        <p:spPr bwMode="auto">
+          <a:xfrm>
+            <a:off x="1500166" y="1285866"/>
+            <a:ext cx="6051550" cy="3186113"/>
+          </a:xfrm>
+          <a:prstGeom prst="rect">
+            <a:avLst/>
+          </a:prstGeom>
+          <a:noFill/>
+          <a:ln w="9525">
+            <a:noFill/>
+            <a:miter lim="800000"/>
+            <a:headEnd/>
+            <a:tailEnd/>
+          </a:ln>
+          <a:effectLst/>
+        </p:spPr>
+      </p:pic>
+    </p:spTree>
+  </p:cSld>
+  <p:clrMapOvr>
+    <a:masterClrMapping/>
+  </p:clrMapOvr>
+  <p:timing>
+    <p:tnLst>
+      <p:par>
+        <p:cTn id="1" dur="indefinite" restart="never" nodeType="tmRoot"/>
+      </p:par>
+    </p:tnLst>
+  </p:timing>
+</p:sld>
+</file>
+
+<file path=ppt/slides/slide13.xml><?xml version="1.0" encoding="utf-8"?>
+<p:sld xmlns:a="http://schemas.openxmlformats.org/drawingml/2006/main" xmlns:r="http://schemas.openxmlformats.org/officeDocument/2006/relationships" xmlns:p="http://schemas.openxmlformats.org/presentationml/2006/main">
+  <p:cSld>
+    <p:spTree>
+      <p:nvGrpSpPr>
+        <p:cNvPr id="1" name=""/>
+        <p:cNvGrpSpPr/>
+        <p:nvPr/>
+      </p:nvGrpSpPr>
+      <p:grpSpPr>
+        <a:xfrm>
+          <a:off x="0" y="0"/>
+          <a:ext cx="0" cy="0"/>
+          <a:chOff x="0" y="0"/>
+          <a:chExt cx="0" cy="0"/>
+        </a:xfrm>
+      </p:grpSpPr>
+      <p:sp>
+        <p:nvSpPr>
+          <p:cNvPr id="2" name="标题 1"/>
+          <p:cNvSpPr>
+            <a:spLocks noGrp="1"/>
+          </p:cNvSpPr>
+          <p:nvPr>
+            <p:ph type="title"/>
+          </p:nvPr>
+        </p:nvSpPr>
+        <p:spPr/>
+        <p:txBody>
+          <a:bodyPr>
+            <a:normAutofit fontScale="90000"/>
+          </a:bodyPr>
+          <a:lstStyle/>
+          <a:p>
+            <a:pPr algn="l"/>
+            <a:r>
+              <a:rPr lang="en-US" altLang="zh-CN" dirty="0" smtClean="0"/>
+              <a:t>We need a better </a:t>
+            </a:r>
+            <a:r>
+              <a:rPr lang="en-US" altLang="zh-CN" dirty="0" err="1" smtClean="0"/>
+              <a:t>c++</a:t>
+            </a:r>
+            <a:r>
+              <a:rPr lang="en-US" altLang="zh-CN" dirty="0" smtClean="0"/>
+              <a:t> web </a:t>
+            </a:r>
+            <a:r>
+              <a:rPr lang="en-US" altLang="zh-CN" dirty="0" smtClean="0"/>
+              <a:t>framework</a:t>
+            </a:r>
+            <a:endParaRPr lang="zh-CN" altLang="en-US" dirty="0"/>
+          </a:p>
+        </p:txBody>
+      </p:sp>
+      <p:sp>
+        <p:nvSpPr>
+          <p:cNvPr id="3" name="内容占位符 2"/>
+          <p:cNvSpPr>
+            <a:spLocks noGrp="1"/>
+          </p:cNvSpPr>
+          <p:nvPr>
+            <p:ph idx="1"/>
+          </p:nvPr>
+        </p:nvSpPr>
+        <p:spPr/>
+        <p:txBody>
+          <a:bodyPr/>
+          <a:lstStyle/>
+          <a:p>
+            <a:r>
+              <a:rPr lang="en-US" altLang="zh-CN" dirty="0" smtClean="0"/>
+              <a:t>Good infrastructure</a:t>
+            </a:r>
+          </a:p>
+          <a:p>
+            <a:pPr lvl="1"/>
+            <a:r>
+              <a:rPr lang="en-US" altLang="zh-CN" dirty="0" smtClean="0"/>
+              <a:t>http server, ORM, html render, AOP,…….</a:t>
+            </a:r>
+          </a:p>
+          <a:p>
+            <a:r>
+              <a:rPr lang="en-US" altLang="zh-CN" dirty="0" smtClean="0"/>
+              <a:t>Easy to use</a:t>
+            </a:r>
+          </a:p>
+          <a:p>
+            <a:r>
+              <a:rPr lang="en-US" altLang="zh-CN" dirty="0" smtClean="0"/>
+              <a:t>Focus </a:t>
+            </a:r>
+            <a:r>
+              <a:rPr lang="en-US" altLang="zh-CN" dirty="0" smtClean="0"/>
+              <a:t>on business </a:t>
+            </a:r>
+            <a:r>
+              <a:rPr lang="en-US" altLang="zh-CN" dirty="0" smtClean="0"/>
+              <a:t>only, low learning cost</a:t>
+            </a:r>
+          </a:p>
+          <a:p>
+            <a:r>
+              <a:rPr lang="en-US" altLang="zh-CN" dirty="0" smtClean="0"/>
+              <a:t>High performance, cross platform</a:t>
+            </a:r>
+          </a:p>
+          <a:p>
+            <a:endParaRPr lang="en-US" altLang="zh-CN" dirty="0" smtClean="0"/>
+          </a:p>
+          <a:p>
+            <a:pPr lvl="1">
+              <a:buNone/>
+            </a:pPr>
+            <a:endParaRPr lang="en-US" altLang="zh-CN" dirty="0" smtClean="0"/>
+          </a:p>
+          <a:p>
+            <a:pPr lvl="1"/>
+            <a:endParaRPr lang="zh-CN" altLang="en-US" dirty="0"/>
+          </a:p>
+        </p:txBody>
+      </p:sp>
+    </p:spTree>
+  </p:cSld>
+  <p:clrMapOvr>
+    <a:masterClrMapping/>
+  </p:clrMapOvr>
+  <p:timing>
+    <p:tnLst>
+      <p:par>
+        <p:cTn id="1" dur="indefinite" restart="never" nodeType="tmRoot"/>
+      </p:par>
+    </p:tnLst>
+  </p:timing>
+</p:sld>
+</file>
+
+<file path=ppt/slides/slide14.xml><?xml version="1.0" encoding="utf-8"?>
+<p:sld xmlns:a="http://schemas.openxmlformats.org/drawingml/2006/main" xmlns:r="http://schemas.openxmlformats.org/officeDocument/2006/relationships" xmlns:p="http://schemas.openxmlformats.org/presentationml/2006/main">
+  <p:cSld>
+    <p:spTree>
+      <p:nvGrpSpPr>
+        <p:cNvPr id="1" name=""/>
+        <p:cNvGrpSpPr/>
+        <p:nvPr/>
+      </p:nvGrpSpPr>
+      <p:grpSpPr>
+        <a:xfrm>
+          <a:off x="0" y="0"/>
+          <a:ext cx="0" cy="0"/>
+          <a:chOff x="0" y="0"/>
+          <a:chExt cx="0" cy="0"/>
+        </a:xfrm>
+      </p:grpSpPr>
+      <p:sp>
+        <p:nvSpPr>
+          <p:cNvPr id="2" name="标题 1"/>
+          <p:cNvSpPr>
+            <a:spLocks noGrp="1"/>
+          </p:cNvSpPr>
+          <p:nvPr>
+            <p:ph type="title"/>
+          </p:nvPr>
+        </p:nvSpPr>
+        <p:spPr/>
+        <p:txBody>
+          <a:bodyPr>
+            <a:normAutofit fontScale="90000"/>
+          </a:bodyPr>
+          <a:lstStyle/>
+          <a:p>
+            <a:pPr algn="l"/>
+            <a:r>
+              <a:rPr lang="en-US" altLang="zh-CN" dirty="0" smtClean="0"/>
+              <a:t>We need a better </a:t>
+            </a:r>
+            <a:r>
+              <a:rPr lang="en-US" altLang="zh-CN" dirty="0" err="1" smtClean="0"/>
+              <a:t>c++</a:t>
+            </a:r>
+            <a:r>
+              <a:rPr lang="en-US" altLang="zh-CN" dirty="0" smtClean="0"/>
+              <a:t> web framework</a:t>
+            </a:r>
+            <a:endParaRPr lang="zh-CN" altLang="en-US" dirty="0"/>
+          </a:p>
+        </p:txBody>
+      </p:sp>
+      <p:sp>
+        <p:nvSpPr>
+          <p:cNvPr id="3" name="内容占位符 2"/>
+          <p:cNvSpPr>
+            <a:spLocks noGrp="1"/>
+          </p:cNvSpPr>
+          <p:nvPr>
+            <p:ph idx="1"/>
+          </p:nvPr>
+        </p:nvSpPr>
+        <p:spPr/>
+        <p:txBody>
+          <a:bodyPr>
+            <a:normAutofit/>
+          </a:bodyPr>
+          <a:lstStyle/>
+          <a:p>
+            <a:r>
+              <a:rPr lang="en-US" altLang="zh-CN" sz="2800" dirty="0" smtClean="0"/>
+              <a:t>Feather: a </a:t>
+            </a:r>
+            <a:r>
+              <a:rPr lang="en-US" altLang="zh-CN" sz="2800" dirty="0" smtClean="0"/>
+              <a:t>rapidly application framework of web development</a:t>
+            </a:r>
+          </a:p>
+        </p:txBody>
+      </p:sp>
+      <p:sp>
+        <p:nvSpPr>
+          <p:cNvPr id="4" name="矩形 3"/>
+          <p:cNvSpPr/>
+          <p:nvPr/>
+        </p:nvSpPr>
+        <p:spPr>
+          <a:xfrm>
+            <a:off x="1071538" y="2143122"/>
+            <a:ext cx="6643734" cy="830997"/>
+          </a:xfrm>
+          <a:prstGeom prst="rect">
+            <a:avLst/>
+          </a:prstGeom>
+        </p:spPr>
+        <p:txBody>
+          <a:bodyPr wrap="square">
+            <a:spAutoFit/>
+          </a:bodyPr>
+          <a:lstStyle/>
+          <a:p>
+            <a:r>
+              <a:rPr lang="en-US" altLang="zh-CN" sz="2400" b="1" dirty="0" smtClean="0"/>
+              <a:t>you can use modern </a:t>
+            </a:r>
+            <a:r>
+              <a:rPr lang="en-US" altLang="zh-CN" sz="2400" b="1" dirty="0" err="1" smtClean="0"/>
+              <a:t>c++</a:t>
+            </a:r>
+            <a:r>
+              <a:rPr lang="en-US" altLang="zh-CN" sz="2400" b="1" dirty="0" smtClean="0"/>
+              <a:t> to develop a web application rapidly</a:t>
+            </a:r>
+            <a:endParaRPr lang="zh-CN" altLang="en-US" sz="2400" b="1" dirty="0"/>
+          </a:p>
+        </p:txBody>
+      </p:sp>
+    </p:spTree>
+  </p:cSld>
+  <p:clrMapOvr>
+    <a:masterClrMapping/>
+  </p:clrMapOvr>
+  <p:timing>
+    <p:tnLst>
+      <p:par>
+        <p:cTn id="1" dur="indefinite" restart="never" nodeType="tmRoot">
+          <p:childTnLst>
+            <p:seq concurrent="1" nextAc="seek">
+              <p:cTn id="2" dur="indefinite" nodeType="mainSeq">
+                <p:childTnLst>
+                  <p:par>
+                    <p:cTn id="3" fill="hold">
+                      <p:stCondLst>
+                        <p:cond delay="indefinite"/>
+                      </p:stCondLst>
+                      <p:childTnLst>
+                        <p:par>
+                          <p:cTn id="4" fill="hold">
+                            <p:stCondLst>
+                              <p:cond delay="0"/>
+                            </p:stCondLst>
+                            <p:childTnLst>
+                              <p:par>
+                                <p:cTn id="5" presetID="2" presetClass="entr" presetSubtype="4" fill="hold" grpId="0" nodeType="clickEffect">
+                                  <p:stCondLst>
+                                    <p:cond delay="0"/>
+                                  </p:stCondLst>
+                                  <p:childTnLst>
+                                    <p:set>
+                                      <p:cBhvr>
+                                        <p:cTn id="6" dur="1" fill="hold">
+                                          <p:stCondLst>
+                                            <p:cond delay="0"/>
+                                          </p:stCondLst>
+                                        </p:cTn>
+                                        <p:tgtEl>
+                                          <p:spTgt spid="4"/>
+                                        </p:tgtEl>
+                                        <p:attrNameLst>
+                                          <p:attrName>style.visibility</p:attrName>
+                                        </p:attrNameLst>
+                                      </p:cBhvr>
+                                      <p:to>
+                                        <p:strVal val="visible"/>
+                                      </p:to>
+                                    </p:set>
+                                    <p:anim calcmode="lin" valueType="num">
+                                      <p:cBhvr additive="base">
+                                        <p:cTn id="7" dur="500" fill="hold"/>
+                                        <p:tgtEl>
+                                          <p:spTgt spid="4"/>
+                                        </p:tgtEl>
+                                        <p:attrNameLst>
+                                          <p:attrName>ppt_x</p:attrName>
+                                        </p:attrNameLst>
+                                      </p:cBhvr>
+                                      <p:tavLst>
+                                        <p:tav tm="0">
+                                          <p:val>
+                                            <p:strVal val="#ppt_x"/>
+                                          </p:val>
+                                        </p:tav>
+                                        <p:tav tm="100000">
+                                          <p:val>
+                                            <p:strVal val="#ppt_x"/>
+                                          </p:val>
+                                        </p:tav>
+                                      </p:tavLst>
+                                    </p:anim>
+                                    <p:anim calcmode="lin" valueType="num">
+                                      <p:cBhvr additive="base">
+                                        <p:cTn id="8" dur="500" fill="hold"/>
+                                        <p:tgtEl>
+                                          <p:spTgt spid="4"/>
+                                        </p:tgtEl>
+                                        <p:attrNameLst>
+                                          <p:attrName>ppt_y</p:attrName>
+                                        </p:attrNameLst>
+                                      </p:cBhvr>
+                                      <p:tavLst>
+                                        <p:tav tm="0">
+                                          <p:val>
+                                            <p:strVal val="1+#ppt_h/2"/>
+                                          </p:val>
+                                        </p:tav>
+                                        <p:tav tm="100000">
+                                          <p:val>
+                                            <p:strVal val="#ppt_y"/>
+                                          </p:val>
+                                        </p:tav>
+                                      </p:tavLst>
+                                    </p:anim>
+                                  </p:childTnLst>
+                                </p:cTn>
+                              </p:par>
+                            </p:childTnLst>
+                          </p:cTn>
+                        </p:par>
+                      </p:childTnLst>
+                    </p:cTn>
+                  </p:par>
+                </p:childTnLst>
+              </p:cTn>
+              <p:prevCondLst>
+                <p:cond evt="onPrev" delay="0">
+                  <p:tgtEl>
+                    <p:sldTgt/>
+                  </p:tgtEl>
+                </p:cond>
+              </p:prevCondLst>
+              <p:nextCondLst>
+                <p:cond evt="onNext" delay="0">
+                  <p:tgtEl>
+                    <p:sldTgt/>
+                  </p:tgtEl>
+                </p:cond>
+              </p:nextCondLst>
+            </p:seq>
+          </p:childTnLst>
+        </p:cTn>
+      </p:par>
+    </p:tnLst>
+    <p:bldLst>
+      <p:bldP spid="4" grpId="0"/>
+    </p:bldLst>
+  </p:timing>
+</p:sld>
+</file>
+
+<file path=ppt/slides/slide15.xml><?xml version="1.0" encoding="utf-8"?>
+<p:sld xmlns:a="http://schemas.openxmlformats.org/drawingml/2006/main" xmlns:r="http://schemas.openxmlformats.org/officeDocument/2006/relationships" xmlns:p="http://schemas.openxmlformats.org/presentationml/2006/main">
+  <p:cSld>
+    <p:spTree>
+      <p:nvGrpSpPr>
+        <p:cNvPr id="1" name=""/>
+        <p:cNvGrpSpPr/>
+        <p:nvPr/>
+      </p:nvGrpSpPr>
+      <p:grpSpPr>
+        <a:xfrm>
+          <a:off x="0" y="0"/>
+          <a:ext cx="0" cy="0"/>
+          <a:chOff x="0" y="0"/>
+          <a:chExt cx="0" cy="0"/>
+        </a:xfrm>
+      </p:grpSpPr>
+      <p:sp>
+        <p:nvSpPr>
+          <p:cNvPr id="2" name="标题 1"/>
+          <p:cNvSpPr>
+            <a:spLocks noGrp="1"/>
+          </p:cNvSpPr>
+          <p:nvPr>
+            <p:ph type="title"/>
+          </p:nvPr>
+        </p:nvSpPr>
+        <p:spPr/>
+        <p:txBody>
+          <a:bodyPr/>
+          <a:lstStyle/>
+          <a:p>
+            <a:pPr algn="l"/>
+            <a:r>
+              <a:rPr lang="en-US" altLang="zh-CN" dirty="0" smtClean="0"/>
+              <a:t>What is feather?</a:t>
+            </a:r>
+            <a:endParaRPr lang="zh-CN" altLang="en-US" dirty="0"/>
+          </a:p>
+        </p:txBody>
+      </p:sp>
+      <p:sp>
+        <p:nvSpPr>
+          <p:cNvPr id="3" name="内容占位符 2"/>
+          <p:cNvSpPr>
+            <a:spLocks noGrp="1"/>
+          </p:cNvSpPr>
+          <p:nvPr>
+            <p:ph idx="1"/>
+          </p:nvPr>
+        </p:nvSpPr>
+        <p:spPr/>
+        <p:txBody>
+          <a:bodyPr/>
+          <a:lstStyle/>
+          <a:p>
+            <a:r>
+              <a:rPr lang="en-US" altLang="zh-CN" dirty="0" smtClean="0"/>
+              <a:t>A web </a:t>
+            </a:r>
+            <a:r>
+              <a:rPr lang="en-US" altLang="zh-CN" dirty="0" smtClean="0"/>
+              <a:t>application with 5 lines code </a:t>
+            </a:r>
+            <a:endParaRPr lang="en-US" altLang="zh-CN" dirty="0" smtClean="0"/>
+          </a:p>
+          <a:p>
+            <a:pPr>
+              <a:buNone/>
+            </a:pPr>
+            <a:endParaRPr lang="zh-CN" altLang="en-US" dirty="0"/>
+          </a:p>
+        </p:txBody>
+      </p:sp>
+      <p:pic>
+        <p:nvPicPr>
+          <p:cNvPr id="1026" name="Picture 2"/>
+          <p:cNvPicPr>
+            <a:picLocks noChangeAspect="1" noChangeArrowheads="1"/>
+          </p:cNvPicPr>
+          <p:nvPr/>
+        </p:nvPicPr>
+        <p:blipFill>
+          <a:blip r:embed="rId2"/>
+          <a:srcRect/>
+          <a:stretch>
+            <a:fillRect/>
+          </a:stretch>
+        </p:blipFill>
+        <p:spPr bwMode="auto">
+          <a:xfrm>
+            <a:off x="1000100" y="1857370"/>
+            <a:ext cx="6806111" cy="1357322"/>
+          </a:xfrm>
+          <a:prstGeom prst="rect">
+            <a:avLst/>
+          </a:prstGeom>
+          <a:noFill/>
+          <a:ln w="9525">
+            <a:noFill/>
+            <a:miter lim="800000"/>
+            <a:headEnd/>
+            <a:tailEnd/>
+          </a:ln>
+          <a:effectLst/>
+        </p:spPr>
+      </p:pic>
+      <p:pic>
+        <p:nvPicPr>
+          <p:cNvPr id="1027" name="Picture 3"/>
+          <p:cNvPicPr>
+            <a:picLocks noChangeAspect="1" noChangeArrowheads="1"/>
+          </p:cNvPicPr>
+          <p:nvPr/>
+        </p:nvPicPr>
+        <p:blipFill>
+          <a:blip r:embed="rId3"/>
+          <a:srcRect/>
+          <a:stretch>
+            <a:fillRect/>
+          </a:stretch>
+        </p:blipFill>
+        <p:spPr bwMode="auto">
+          <a:xfrm>
+            <a:off x="1000100" y="3429006"/>
+            <a:ext cx="4552876" cy="1285884"/>
+          </a:xfrm>
+          <a:prstGeom prst="rect">
+            <a:avLst/>
+          </a:prstGeom>
+          <a:noFill/>
+          <a:ln w="9525">
+            <a:noFill/>
+            <a:miter lim="800000"/>
+            <a:headEnd/>
+            <a:tailEnd/>
+          </a:ln>
+          <a:effectLst/>
+        </p:spPr>
+      </p:pic>
+    </p:spTree>
+  </p:cSld>
+  <p:clrMapOvr>
+    <a:masterClrMapping/>
+  </p:clrMapOvr>
+  <p:timing>
+    <p:tnLst>
+      <p:par>
+        <p:cTn id="1" dur="indefinite" restart="never" nodeType="tmRoot">
+          <p:childTnLst>
+            <p:seq concurrent="1" nextAc="seek">
+              <p:cTn id="2" dur="indefinite" nodeType="mainSeq">
+                <p:childTnLst>
+                  <p:par>
+                    <p:cTn id="3" fill="hold">
+                      <p:stCondLst>
+                        <p:cond delay="indefinite"/>
+                      </p:stCondLst>
+                      <p:childTnLst>
+                        <p:par>
+                          <p:cTn id="4" fill="hold">
+                            <p:stCondLst>
+                              <p:cond delay="0"/>
+                            </p:stCondLst>
+                            <p:childTnLst>
+                              <p:par>
+                                <p:cTn id="5" presetID="2" presetClass="entr" presetSubtype="4" fill="hold" nodeType="clickEffect">
+                                  <p:stCondLst>
+                                    <p:cond delay="0"/>
+                                  </p:stCondLst>
+                                  <p:childTnLst>
+                                    <p:set>
+                                      <p:cBhvr>
+                                        <p:cTn id="6" dur="1" fill="hold">
+                                          <p:stCondLst>
+                                            <p:cond delay="0"/>
+                                          </p:stCondLst>
+                                        </p:cTn>
+                                        <p:tgtEl>
+                                          <p:spTgt spid="1026"/>
+                                        </p:tgtEl>
+                                        <p:attrNameLst>
+                                          <p:attrName>style.visibility</p:attrName>
+                                        </p:attrNameLst>
+                                      </p:cBhvr>
+                                      <p:to>
+                                        <p:strVal val="visible"/>
+                                      </p:to>
+                                    </p:set>
+                                    <p:anim calcmode="lin" valueType="num">
+                                      <p:cBhvr additive="base">
+                                        <p:cTn id="7" dur="500" fill="hold"/>
+                                        <p:tgtEl>
+                                          <p:spTgt spid="1026"/>
+                                        </p:tgtEl>
+                                        <p:attrNameLst>
+                                          <p:attrName>ppt_x</p:attrName>
+                                        </p:attrNameLst>
+                                      </p:cBhvr>
+                                      <p:tavLst>
+                                        <p:tav tm="0">
+                                          <p:val>
+                                            <p:strVal val="#ppt_x"/>
+                                          </p:val>
+                                        </p:tav>
+                                        <p:tav tm="100000">
+                                          <p:val>
+                                            <p:strVal val="#ppt_x"/>
+                                          </p:val>
+                                        </p:tav>
+                                      </p:tavLst>
+                                    </p:anim>
+                                    <p:anim calcmode="lin" valueType="num">
+                                      <p:cBhvr additive="base">
+                                        <p:cTn id="8" dur="500" fill="hold"/>
+                                        <p:tgtEl>
+                                          <p:spTgt spid="1026"/>
+                                        </p:tgtEl>
+                                        <p:attrNameLst>
+                                          <p:attrName>ppt_y</p:attrName>
+                                        </p:attrNameLst>
+                                      </p:cBhvr>
+                                      <p:tavLst>
+                                        <p:tav tm="0">
+                                          <p:val>
+                                            <p:strVal val="1+#ppt_h/2"/>
+                                          </p:val>
+                                        </p:tav>
+                                        <p:tav tm="100000">
+                                          <p:val>
+                                            <p:strVal val="#ppt_y"/>
+                                          </p:val>
+                                        </p:tav>
+                                      </p:tavLst>
+                                    </p:anim>
+                                  </p:childTnLst>
+                                </p:cTn>
+                              </p:par>
+                            </p:childTnLst>
+                          </p:cTn>
+                        </p:par>
+                      </p:childTnLst>
+                    </p:cTn>
+                  </p:par>
+                  <p:par>
+                    <p:cTn id="9" fill="hold">
+                      <p:stCondLst>
+                        <p:cond delay="indefinite"/>
+                      </p:stCondLst>
+                      <p:childTnLst>
+                        <p:par>
+                          <p:cTn id="10" fill="hold">
+                            <p:stCondLst>
+                              <p:cond delay="0"/>
+                            </p:stCondLst>
+                            <p:childTnLst>
+                              <p:par>
+                                <p:cTn id="11" presetID="2" presetClass="entr" presetSubtype="4" fill="hold" nodeType="clickEffect">
+                                  <p:stCondLst>
+                                    <p:cond delay="0"/>
+                                  </p:stCondLst>
+                                  <p:childTnLst>
+                                    <p:set>
+                                      <p:cBhvr>
+                                        <p:cTn id="12" dur="1" fill="hold">
+                                          <p:stCondLst>
+                                            <p:cond delay="0"/>
+                                          </p:stCondLst>
+                                        </p:cTn>
+                                        <p:tgtEl>
+                                          <p:spTgt spid="1027"/>
+                                        </p:tgtEl>
+                                        <p:attrNameLst>
+                                          <p:attrName>style.visibility</p:attrName>
+                                        </p:attrNameLst>
+                                      </p:cBhvr>
+                                      <p:to>
+                                        <p:strVal val="visible"/>
+                                      </p:to>
+                                    </p:set>
+                                    <p:anim calcmode="lin" valueType="num">
+                                      <p:cBhvr additive="base">
+                                        <p:cTn id="13" dur="500" fill="hold"/>
+                                        <p:tgtEl>
+                                          <p:spTgt spid="1027"/>
+                                        </p:tgtEl>
+                                        <p:attrNameLst>
+                                          <p:attrName>ppt_x</p:attrName>
+                                        </p:attrNameLst>
+                                      </p:cBhvr>
+                                      <p:tavLst>
+                                        <p:tav tm="0">
+                                          <p:val>
+                                            <p:strVal val="#ppt_x"/>
+                                          </p:val>
+                                        </p:tav>
+                                        <p:tav tm="100000">
+                                          <p:val>
+                                            <p:strVal val="#ppt_x"/>
+                                          </p:val>
+                                        </p:tav>
+                                      </p:tavLst>
+                                    </p:anim>
+                                    <p:anim calcmode="lin" valueType="num">
+                                      <p:cBhvr additive="base">
+                                        <p:cTn id="14" dur="500" fill="hold"/>
+                                        <p:tgtEl>
+                                          <p:spTgt spid="1027"/>
+                                        </p:tgtEl>
+                                        <p:attrNameLst>
+                                          <p:attrName>ppt_y</p:attrName>
+                                        </p:attrNameLst>
+                                      </p:cBhvr>
+                                      <p:tavLst>
+                                        <p:tav tm="0">
+                                          <p:val>
+                                            <p:strVal val="1+#ppt_h/2"/>
+                                          </p:val>
+                                        </p:tav>
+                                        <p:tav tm="100000">
+                                          <p:val>
+                                            <p:strVal val="#ppt_y"/>
+                                          </p:val>
+                                        </p:tav>
+                                      </p:tavLst>
+                                    </p:anim>
+                                  </p:childTnLst>
+                                </p:cTn>
+                              </p:par>
+                            </p:childTnLst>
+                          </p:cTn>
+                        </p:par>
+                      </p:childTnLst>
+                    </p:cTn>
+                  </p:par>
+                </p:childTnLst>
+              </p:cTn>
+              <p:prevCondLst>
+                <p:cond evt="onPrev" delay="0">
+                  <p:tgtEl>
+                    <p:sldTgt/>
+                  </p:tgtEl>
+                </p:cond>
+              </p:prevCondLst>
+              <p:nextCondLst>
+                <p:cond evt="onNext" delay="0">
+                  <p:tgtEl>
+                    <p:sldTgt/>
+                  </p:tgtEl>
+                </p:cond>
+              </p:nextCondLst>
+            </p:seq>
+          </p:childTnLst>
+        </p:cTn>
+      </p:par>
+    </p:tnLst>
+  </p:timing>
+</p:sld>
+</file>
+
+<file path=ppt/slides/slide16.xml><?xml version="1.0" encoding="utf-8"?>
+<p:sld xmlns:a="http://schemas.openxmlformats.org/drawingml/2006/main" xmlns:r="http://schemas.openxmlformats.org/officeDocument/2006/relationships" xmlns:p="http://schemas.openxmlformats.org/presentationml/2006/main">
+  <p:cSld>
+    <p:spTree>
+      <p:nvGrpSpPr>
+        <p:cNvPr id="1" name=""/>
+        <p:cNvGrpSpPr/>
+        <p:nvPr/>
+      </p:nvGrpSpPr>
+      <p:grpSpPr>
+        <a:xfrm>
+          <a:off x="0" y="0"/>
+          <a:ext cx="0" cy="0"/>
+          <a:chOff x="0" y="0"/>
+          <a:chExt cx="0" cy="0"/>
+        </a:xfrm>
+      </p:grpSpPr>
+      <p:sp>
+        <p:nvSpPr>
+          <p:cNvPr id="2" name="标题 1"/>
+          <p:cNvSpPr>
+            <a:spLocks noGrp="1"/>
+          </p:cNvSpPr>
+          <p:nvPr>
+            <p:ph type="title"/>
+          </p:nvPr>
+        </p:nvSpPr>
+        <p:spPr/>
+        <p:txBody>
+          <a:bodyPr/>
+          <a:lstStyle/>
+          <a:p>
+            <a:pPr algn="l"/>
+            <a:r>
+              <a:rPr lang="en-US" altLang="zh-CN" dirty="0" smtClean="0"/>
+              <a:t>What is feather?</a:t>
+            </a:r>
+            <a:endParaRPr lang="zh-CN" altLang="en-US" dirty="0"/>
+          </a:p>
+        </p:txBody>
+      </p:sp>
+      <p:sp>
+        <p:nvSpPr>
+          <p:cNvPr id="3" name="内容占位符 2"/>
+          <p:cNvSpPr>
+            <a:spLocks noGrp="1"/>
+          </p:cNvSpPr>
+          <p:nvPr>
+            <p:ph idx="1"/>
+          </p:nvPr>
+        </p:nvSpPr>
+        <p:spPr/>
+        <p:txBody>
+          <a:bodyPr/>
+          <a:lstStyle/>
+          <a:p>
+            <a:endParaRPr lang="en-US" altLang="zh-CN" dirty="0" smtClean="0"/>
+          </a:p>
+          <a:p>
+            <a:endParaRPr lang="en-US" altLang="zh-CN" dirty="0" smtClean="0"/>
+          </a:p>
+          <a:p>
+            <a:endParaRPr lang="zh-CN" altLang="en-US" dirty="0"/>
+          </a:p>
+        </p:txBody>
+      </p:sp>
+      <p:sp>
+        <p:nvSpPr>
+          <p:cNvPr id="4" name="矩形 3"/>
+          <p:cNvSpPr/>
+          <p:nvPr/>
+        </p:nvSpPr>
+        <p:spPr>
+          <a:xfrm>
+            <a:off x="785786" y="1214428"/>
+            <a:ext cx="4950009" cy="1569660"/>
+          </a:xfrm>
+          <a:prstGeom prst="rect">
+            <a:avLst/>
+          </a:prstGeom>
+        </p:spPr>
+        <p:txBody>
+          <a:bodyPr wrap="none">
+            <a:spAutoFit/>
+          </a:bodyPr>
+          <a:lstStyle/>
+          <a:p>
+            <a:r>
+              <a:rPr lang="en-US" altLang="zh-CN" sz="2400" dirty="0" smtClean="0"/>
+              <a:t>This website was developed in feather</a:t>
+            </a:r>
+          </a:p>
+          <a:p>
+            <a:r>
+              <a:rPr lang="en-US" altLang="zh-CN" sz="2400" dirty="0" smtClean="0">
+                <a:hlinkClick r:id="rId2"/>
+              </a:rPr>
+              <a:t>http://purecpp.org/</a:t>
+            </a:r>
+            <a:endParaRPr lang="en-US" altLang="zh-CN" sz="2400" dirty="0" smtClean="0"/>
+          </a:p>
+          <a:p>
+            <a:endParaRPr lang="en-US" altLang="zh-CN" sz="2400" dirty="0" smtClean="0"/>
+          </a:p>
+          <a:p>
+            <a:r>
+              <a:rPr lang="en-US" altLang="zh-CN" sz="2400" dirty="0" smtClean="0">
+                <a:hlinkClick r:id="rId3"/>
+              </a:rPr>
+              <a:t>https://github.com/qicosmos/feather</a:t>
+            </a:r>
+            <a:endParaRPr lang="en-US" altLang="zh-CN" sz="2400" dirty="0" smtClean="0"/>
+          </a:p>
+        </p:txBody>
+      </p:sp>
+    </p:spTree>
+  </p:cSld>
+  <p:clrMapOvr>
+    <a:masterClrMapping/>
+  </p:clrMapOvr>
+  <p:timing>
+    <p:tnLst>
+      <p:par>
+        <p:cTn id="1" dur="indefinite" restart="never" nodeType="tmRoot"/>
+      </p:par>
+    </p:tnLst>
+  </p:timing>
+</p:sld>
+</file>
+
+<file path=ppt/slides/slide17.xml><?xml version="1.0" encoding="utf-8"?>
+<p:sld xmlns:a="http://schemas.openxmlformats.org/drawingml/2006/main" xmlns:r="http://schemas.openxmlformats.org/officeDocument/2006/relationships" xmlns:p="http://schemas.openxmlformats.org/presentationml/2006/main">
+  <p:cSld>
+    <p:spTree>
+      <p:nvGrpSpPr>
+        <p:cNvPr id="1" name=""/>
+        <p:cNvGrpSpPr/>
+        <p:nvPr/>
+      </p:nvGrpSpPr>
+      <p:grpSpPr>
+        <a:xfrm>
+          <a:off x="0" y="0"/>
+          <a:ext cx="0" cy="0"/>
+          <a:chOff x="0" y="0"/>
+          <a:chExt cx="0" cy="0"/>
+        </a:xfrm>
+      </p:grpSpPr>
+      <p:sp>
+        <p:nvSpPr>
+          <p:cNvPr id="2" name="标题 1"/>
+          <p:cNvSpPr>
+            <a:spLocks noGrp="1"/>
+          </p:cNvSpPr>
+          <p:nvPr>
+            <p:ph type="title"/>
+          </p:nvPr>
+        </p:nvSpPr>
+        <p:spPr/>
+        <p:txBody>
+          <a:bodyPr/>
+          <a:lstStyle/>
+          <a:p>
+            <a:pPr algn="l"/>
+            <a:r>
+              <a:rPr lang="en-US" altLang="zh-CN" dirty="0" smtClean="0"/>
+              <a:t>What is feather?</a:t>
+            </a:r>
+            <a:endParaRPr lang="zh-CN" altLang="en-US" dirty="0"/>
+          </a:p>
+        </p:txBody>
+      </p:sp>
+      <p:sp>
+        <p:nvSpPr>
+          <p:cNvPr id="3" name="内容占位符 2"/>
+          <p:cNvSpPr>
+            <a:spLocks noGrp="1"/>
+          </p:cNvSpPr>
+          <p:nvPr>
+            <p:ph idx="1"/>
+          </p:nvPr>
+        </p:nvSpPr>
+        <p:spPr/>
+        <p:txBody>
+          <a:bodyPr/>
+          <a:lstStyle/>
+          <a:p>
+            <a:endParaRPr lang="zh-CN" altLang="en-US"/>
+          </a:p>
+        </p:txBody>
+      </p:sp>
+      <p:pic>
+        <p:nvPicPr>
+          <p:cNvPr id="38916" name="Picture 4"/>
+          <p:cNvPicPr>
+            <a:picLocks noChangeAspect="1" noChangeArrowheads="1"/>
+          </p:cNvPicPr>
+          <p:nvPr/>
+        </p:nvPicPr>
+        <p:blipFill>
+          <a:blip r:embed="rId2"/>
+          <a:srcRect/>
+          <a:stretch>
+            <a:fillRect/>
+          </a:stretch>
+        </p:blipFill>
+        <p:spPr bwMode="auto">
+          <a:xfrm>
+            <a:off x="642910" y="1214428"/>
+            <a:ext cx="4143388" cy="3273150"/>
+          </a:xfrm>
+          <a:prstGeom prst="rect">
+            <a:avLst/>
+          </a:prstGeom>
+          <a:noFill/>
+          <a:ln w="9525">
+            <a:noFill/>
+            <a:miter lim="800000"/>
+            <a:headEnd/>
+            <a:tailEnd/>
+          </a:ln>
+          <a:effectLst/>
+        </p:spPr>
+      </p:pic>
+      <p:sp>
+        <p:nvSpPr>
+          <p:cNvPr id="38918" name="AutoShape 6" descr="https://www.javacodegeeks.com/wp-content/uploads/2017/09/mvc-1024x451.png"/>
+          <p:cNvSpPr>
+            <a:spLocks noChangeAspect="1" noChangeArrowheads="1"/>
+          </p:cNvSpPr>
+          <p:nvPr/>
+        </p:nvSpPr>
+        <p:spPr bwMode="auto">
+          <a:xfrm>
+            <a:off x="155575" y="-1241425"/>
+            <a:ext cx="5905500" cy="2600325"/>
+          </a:xfrm>
+          <a:prstGeom prst="rect">
+            <a:avLst/>
+          </a:prstGeom>
+          <a:noFill/>
+        </p:spPr>
+        <p:txBody>
+          <a:bodyPr vert="horz" wrap="square" lIns="91440" tIns="45720" rIns="91440" bIns="45720" numCol="1" anchor="t" anchorCtr="0" compatLnSpc="1">
+            <a:prstTxWarp prst="textNoShape">
+              <a:avLst/>
+            </a:prstTxWarp>
+          </a:bodyPr>
+          <a:lstStyle/>
+          <a:p>
+            <a:endParaRPr lang="zh-CN" altLang="en-US"/>
+          </a:p>
+        </p:txBody>
+      </p:sp>
+      <p:sp>
+        <p:nvSpPr>
+          <p:cNvPr id="38920" name="AutoShape 8" descr="https://www.javacodegeeks.com/wp-content/uploads/2017/09/mvc-1024x451.png"/>
+          <p:cNvSpPr>
+            <a:spLocks noChangeAspect="1" noChangeArrowheads="1"/>
+          </p:cNvSpPr>
+          <p:nvPr/>
+        </p:nvSpPr>
+        <p:spPr bwMode="auto">
+          <a:xfrm>
+            <a:off x="155575" y="-1241425"/>
+            <a:ext cx="5905500" cy="2600325"/>
+          </a:xfrm>
+          <a:prstGeom prst="rect">
+            <a:avLst/>
+          </a:prstGeom>
+          <a:noFill/>
+        </p:spPr>
+        <p:txBody>
+          <a:bodyPr vert="horz" wrap="square" lIns="91440" tIns="45720" rIns="91440" bIns="45720" numCol="1" anchor="t" anchorCtr="0" compatLnSpc="1">
+            <a:prstTxWarp prst="textNoShape">
+              <a:avLst/>
+            </a:prstTxWarp>
+          </a:bodyPr>
+          <a:lstStyle/>
+          <a:p>
+            <a:endParaRPr lang="zh-CN" altLang="en-US"/>
+          </a:p>
+        </p:txBody>
+      </p:sp>
+      <p:pic>
+        <p:nvPicPr>
+          <p:cNvPr id="38921" name="Picture 9"/>
+          <p:cNvPicPr>
+            <a:picLocks noChangeAspect="1" noChangeArrowheads="1"/>
+          </p:cNvPicPr>
+          <p:nvPr/>
+        </p:nvPicPr>
+        <p:blipFill>
+          <a:blip r:embed="rId3"/>
+          <a:srcRect/>
+          <a:stretch>
+            <a:fillRect/>
+          </a:stretch>
+        </p:blipFill>
+        <p:spPr bwMode="auto">
+          <a:xfrm>
+            <a:off x="4929190" y="2000246"/>
+            <a:ext cx="3555863" cy="1571636"/>
+          </a:xfrm>
+          <a:prstGeom prst="rect">
+            <a:avLst/>
+          </a:prstGeom>
+          <a:noFill/>
+          <a:ln w="9525">
+            <a:noFill/>
+            <a:miter lim="800000"/>
+            <a:headEnd/>
+            <a:tailEnd/>
+          </a:ln>
+          <a:effectLst/>
+        </p:spPr>
+      </p:pic>
+    </p:spTree>
+  </p:cSld>
+  <p:clrMapOvr>
+    <a:masterClrMapping/>
+  </p:clrMapOvr>
+  <p:timing>
+    <p:tnLst>
+      <p:par>
+        <p:cTn id="1" dur="indefinite" restart="never" nodeType="tmRoot">
+          <p:childTnLst>
+            <p:seq concurrent="1" nextAc="seek">
+              <p:cTn id="2" dur="indefinite" nodeType="mainSeq">
+                <p:childTnLst>
+                  <p:par>
+                    <p:cTn id="3" fill="hold">
+                      <p:stCondLst>
+                        <p:cond delay="indefinite"/>
+                      </p:stCondLst>
+                      <p:childTnLst>
+                        <p:par>
+                          <p:cTn id="4" fill="hold">
+                            <p:stCondLst>
+                              <p:cond delay="0"/>
+                            </p:stCondLst>
+                            <p:childTnLst>
+                              <p:par>
+                                <p:cTn id="5" presetID="2" presetClass="entr" presetSubtype="4" fill="hold" nodeType="clickEffect">
+                                  <p:stCondLst>
+                                    <p:cond delay="0"/>
+                                  </p:stCondLst>
+                                  <p:childTnLst>
+                                    <p:set>
+                                      <p:cBhvr>
+                                        <p:cTn id="6" dur="1" fill="hold">
+                                          <p:stCondLst>
+                                            <p:cond delay="0"/>
+                                          </p:stCondLst>
+                                        </p:cTn>
+                                        <p:tgtEl>
+                                          <p:spTgt spid="38921"/>
+                                        </p:tgtEl>
+                                        <p:attrNameLst>
+                                          <p:attrName>style.visibility</p:attrName>
+                                        </p:attrNameLst>
+                                      </p:cBhvr>
+                                      <p:to>
+                                        <p:strVal val="visible"/>
+                                      </p:to>
+                                    </p:set>
+                                    <p:anim calcmode="lin" valueType="num">
+                                      <p:cBhvr additive="base">
+                                        <p:cTn id="7" dur="500" fill="hold"/>
+                                        <p:tgtEl>
+                                          <p:spTgt spid="38921"/>
+                                        </p:tgtEl>
+                                        <p:attrNameLst>
+                                          <p:attrName>ppt_x</p:attrName>
+                                        </p:attrNameLst>
+                                      </p:cBhvr>
+                                      <p:tavLst>
+                                        <p:tav tm="0">
+                                          <p:val>
+                                            <p:strVal val="#ppt_x"/>
+                                          </p:val>
+                                        </p:tav>
+                                        <p:tav tm="100000">
+                                          <p:val>
+                                            <p:strVal val="#ppt_x"/>
+                                          </p:val>
+                                        </p:tav>
+                                      </p:tavLst>
+                                    </p:anim>
+                                    <p:anim calcmode="lin" valueType="num">
+                                      <p:cBhvr additive="base">
+                                        <p:cTn id="8" dur="500" fill="hold"/>
+                                        <p:tgtEl>
+                                          <p:spTgt spid="38921"/>
+                                        </p:tgtEl>
+                                        <p:attrNameLst>
+                                          <p:attrName>ppt_y</p:attrName>
+                                        </p:attrNameLst>
+                                      </p:cBhvr>
+                                      <p:tavLst>
+                                        <p:tav tm="0">
+                                          <p:val>
+                                            <p:strVal val="1+#ppt_h/2"/>
+                                          </p:val>
+                                        </p:tav>
+                                        <p:tav tm="100000">
+                                          <p:val>
+                                            <p:strVal val="#ppt_y"/>
+                                          </p:val>
+                                        </p:tav>
+                                      </p:tavLst>
+                                    </p:anim>
+                                  </p:childTnLst>
+                                </p:cTn>
+                              </p:par>
+                            </p:childTnLst>
+                          </p:cTn>
+                        </p:par>
+                      </p:childTnLst>
+                    </p:cTn>
+                  </p:par>
+                </p:childTnLst>
+              </p:cTn>
+              <p:prevCondLst>
+                <p:cond evt="onPrev" delay="0">
+                  <p:tgtEl>
+                    <p:sldTgt/>
+                  </p:tgtEl>
+                </p:cond>
+              </p:prevCondLst>
+              <p:nextCondLst>
+                <p:cond evt="onNext" delay="0">
+                  <p:tgtEl>
+                    <p:sldTgt/>
+                  </p:tgtEl>
+                </p:cond>
+              </p:nextCondLst>
+            </p:seq>
+          </p:childTnLst>
+        </p:cTn>
+      </p:par>
+    </p:tnLst>
+  </p:timing>
+</p:sld>
+</file>
+
+<file path=ppt/slides/slide18.xml><?xml version="1.0" encoding="utf-8"?>
+<p:sld xmlns:a="http://schemas.openxmlformats.org/drawingml/2006/main" xmlns:r="http://schemas.openxmlformats.org/officeDocument/2006/relationships" xmlns:p="http://schemas.openxmlformats.org/presentationml/2006/main">
+  <p:cSld>
+    <p:spTree>
+      <p:nvGrpSpPr>
+        <p:cNvPr id="1" name=""/>
+        <p:cNvGrpSpPr/>
+        <p:nvPr/>
+      </p:nvGrpSpPr>
+      <p:grpSpPr>
+        <a:xfrm>
+          <a:off x="0" y="0"/>
+          <a:ext cx="0" cy="0"/>
+          <a:chOff x="0" y="0"/>
+          <a:chExt cx="0" cy="0"/>
+        </a:xfrm>
+      </p:grpSpPr>
+      <p:sp>
+        <p:nvSpPr>
+          <p:cNvPr id="2" name="标题 1"/>
+          <p:cNvSpPr>
+            <a:spLocks noGrp="1"/>
+          </p:cNvSpPr>
+          <p:nvPr>
+            <p:ph type="title"/>
+          </p:nvPr>
+        </p:nvSpPr>
+        <p:spPr/>
+        <p:txBody>
+          <a:bodyPr/>
+          <a:lstStyle/>
+          <a:p>
+            <a:pPr algn="l"/>
+            <a:r>
+              <a:rPr lang="en-US" altLang="zh-CN" dirty="0" smtClean="0"/>
+              <a:t>Components of feather</a:t>
+            </a:r>
+            <a:endParaRPr lang="zh-CN" altLang="en-US" dirty="0"/>
+          </a:p>
+        </p:txBody>
+      </p:sp>
+      <p:sp>
+        <p:nvSpPr>
+          <p:cNvPr id="3" name="内容占位符 2"/>
+          <p:cNvSpPr>
+            <a:spLocks noGrp="1"/>
+          </p:cNvSpPr>
+          <p:nvPr>
+            <p:ph idx="1"/>
+          </p:nvPr>
+        </p:nvSpPr>
+        <p:spPr/>
+        <p:txBody>
+          <a:bodyPr/>
+          <a:lstStyle/>
+          <a:p>
+            <a:r>
+              <a:rPr lang="en-US" altLang="zh-CN" sz="2800" dirty="0" err="1" smtClean="0">
+                <a:hlinkClick r:id="rId2"/>
+              </a:rPr>
+              <a:t>Cinatra</a:t>
+            </a:r>
+            <a:r>
+              <a:rPr lang="en-US" altLang="zh-CN" sz="2800" dirty="0" smtClean="0"/>
+              <a:t>: an </a:t>
+            </a:r>
+            <a:r>
+              <a:rPr lang="en-US" altLang="zh-CN" sz="2800" dirty="0" smtClean="0"/>
+              <a:t>easy to use http library(http/https, web socket, AOP)</a:t>
+            </a:r>
+          </a:p>
+          <a:p>
+            <a:r>
+              <a:rPr lang="en-US" altLang="zh-CN" sz="2800" dirty="0" err="1" smtClean="0">
+                <a:hlinkClick r:id="rId3"/>
+              </a:rPr>
+              <a:t>Ormpp</a:t>
+            </a:r>
+            <a:r>
+              <a:rPr lang="en-US" altLang="zh-CN" sz="2800" dirty="0" smtClean="0"/>
+              <a:t>: a </a:t>
+            </a:r>
+            <a:r>
+              <a:rPr lang="en-US" altLang="zh-CN" sz="2800" dirty="0" smtClean="0"/>
+              <a:t>flexible ORM library, support multiple databases(compile-time reflection)</a:t>
+            </a:r>
+          </a:p>
+          <a:p>
+            <a:r>
+              <a:rPr lang="en-US" altLang="zh-CN" sz="2800" dirty="0" smtClean="0">
+                <a:hlinkClick r:id="rId4"/>
+              </a:rPr>
+              <a:t>Render</a:t>
+            </a:r>
+            <a:r>
+              <a:rPr lang="en-US" altLang="zh-CN" sz="2800" dirty="0" smtClean="0"/>
+              <a:t>: a </a:t>
+            </a:r>
+            <a:r>
+              <a:rPr lang="en-US" altLang="zh-CN" sz="2800" dirty="0" smtClean="0"/>
+              <a:t>powerful html template engine</a:t>
+            </a:r>
+          </a:p>
+          <a:p>
+            <a:r>
+              <a:rPr lang="en-US" altLang="zh-CN" sz="2800" dirty="0" smtClean="0">
+                <a:hlinkClick r:id="rId5"/>
+              </a:rPr>
+              <a:t>Iguana</a:t>
+            </a:r>
+            <a:r>
+              <a:rPr lang="en-US" altLang="zh-CN" sz="2800" dirty="0" smtClean="0"/>
+              <a:t>: a </a:t>
+            </a:r>
+            <a:r>
+              <a:rPr lang="en-US" altLang="zh-CN" sz="2800" dirty="0" smtClean="0"/>
+              <a:t>fast serialization library</a:t>
+            </a:r>
+          </a:p>
+          <a:p>
+            <a:endParaRPr lang="zh-CN" altLang="en-US" dirty="0"/>
+          </a:p>
+        </p:txBody>
+      </p:sp>
+    </p:spTree>
+  </p:cSld>
+  <p:clrMapOvr>
+    <a:masterClrMapping/>
+  </p:clrMapOvr>
+  <p:timing>
+    <p:tnLst>
+      <p:par>
+        <p:cTn id="1" dur="indefinite" restart="never" nodeType="tmRoot"/>
+      </p:par>
+    </p:tnLst>
+  </p:timing>
+</p:sld>
+</file>
+
+<file path=ppt/slides/slide19.xml><?xml version="1.0" encoding="utf-8"?>
+<p:sld xmlns:a="http://schemas.openxmlformats.org/drawingml/2006/main" xmlns:r="http://schemas.openxmlformats.org/officeDocument/2006/relationships" xmlns:p="http://schemas.openxmlformats.org/presentationml/2006/main">
+  <p:cSld>
+    <p:spTree>
+      <p:nvGrpSpPr>
+        <p:cNvPr id="1" name=""/>
+        <p:cNvGrpSpPr/>
+        <p:nvPr/>
+      </p:nvGrpSpPr>
+      <p:grpSpPr>
+        <a:xfrm>
+          <a:off x="0" y="0"/>
+          <a:ext cx="0" cy="0"/>
+          <a:chOff x="0" y="0"/>
+          <a:chExt cx="0" cy="0"/>
+        </a:xfrm>
+      </p:grpSpPr>
+      <p:sp>
+        <p:nvSpPr>
+          <p:cNvPr id="2" name="标题 1"/>
+          <p:cNvSpPr>
+            <a:spLocks noGrp="1"/>
+          </p:cNvSpPr>
+          <p:nvPr>
+            <p:ph type="title"/>
+          </p:nvPr>
+        </p:nvSpPr>
+        <p:spPr/>
+        <p:txBody>
           <a:bodyPr>
             <a:normAutofit fontScale="90000"/>
           </a:bodyPr>
@@ -3333,7 +5257,105 @@
 </p:sld>
 </file>
 
-<file path=ppt/slides/slide11.xml><?xml version="1.0" encoding="utf-8"?>
+<file path=ppt/slides/slide2.xml><?xml version="1.0" encoding="utf-8"?>
+<p:sld xmlns:a="http://schemas.openxmlformats.org/drawingml/2006/main" xmlns:r="http://schemas.openxmlformats.org/officeDocument/2006/relationships" xmlns:p="http://schemas.openxmlformats.org/presentationml/2006/main">
+  <p:cSld>
+    <p:spTree>
+      <p:nvGrpSpPr>
+        <p:cNvPr id="1" name=""/>
+        <p:cNvGrpSpPr/>
+        <p:nvPr/>
+      </p:nvGrpSpPr>
+      <p:grpSpPr>
+        <a:xfrm>
+          <a:off x="0" y="0"/>
+          <a:ext cx="0" cy="0"/>
+          <a:chOff x="0" y="0"/>
+          <a:chExt cx="0" cy="0"/>
+        </a:xfrm>
+      </p:grpSpPr>
+      <p:sp>
+        <p:nvSpPr>
+          <p:cNvPr id="2" name="标题 1"/>
+          <p:cNvSpPr>
+            <a:spLocks noGrp="1"/>
+          </p:cNvSpPr>
+          <p:nvPr>
+            <p:ph type="title"/>
+          </p:nvPr>
+        </p:nvSpPr>
+        <p:spPr/>
+        <p:txBody>
+          <a:bodyPr/>
+          <a:lstStyle/>
+          <a:p>
+            <a:pPr algn="l"/>
+            <a:r>
+              <a:rPr lang="en-US" altLang="zh-CN" dirty="0" smtClean="0"/>
+              <a:t>Outline</a:t>
+            </a:r>
+            <a:endParaRPr lang="zh-CN" altLang="en-US" dirty="0"/>
+          </a:p>
+        </p:txBody>
+      </p:sp>
+      <p:sp>
+        <p:nvSpPr>
+          <p:cNvPr id="3" name="内容占位符 2"/>
+          <p:cNvSpPr>
+            <a:spLocks noGrp="1"/>
+          </p:cNvSpPr>
+          <p:nvPr>
+            <p:ph idx="1"/>
+          </p:nvPr>
+        </p:nvSpPr>
+        <p:spPr/>
+        <p:txBody>
+          <a:bodyPr/>
+          <a:lstStyle/>
+          <a:p>
+            <a:r>
+              <a:rPr lang="en-US" altLang="zh-CN" dirty="0" smtClean="0"/>
+              <a:t>Basic Concepts of Web Framework</a:t>
+            </a:r>
+          </a:p>
+          <a:p>
+            <a:r>
+              <a:rPr lang="en-US" altLang="zh-CN" dirty="0" smtClean="0"/>
+              <a:t>What is Feather?</a:t>
+            </a:r>
+          </a:p>
+          <a:p>
+            <a:r>
+              <a:rPr lang="en-US" altLang="zh-CN" dirty="0" smtClean="0"/>
+              <a:t>Components</a:t>
+            </a:r>
+            <a:endParaRPr lang="en-US" altLang="zh-CN" dirty="0" smtClean="0"/>
+          </a:p>
+          <a:p>
+            <a:r>
+              <a:rPr lang="en-US" altLang="zh-CN" dirty="0" smtClean="0"/>
+              <a:t>How to Rapidly Develop Web?</a:t>
+            </a:r>
+            <a:endParaRPr lang="zh-CN" altLang="en-US" dirty="0"/>
+          </a:p>
+        </p:txBody>
+      </p:sp>
+    </p:spTree>
+  </p:cSld>
+  <p:clrMapOvr>
+    <a:masterClrMapping/>
+  </p:clrMapOvr>
+  <p:timing>
+    <p:tnLst>
+      <p:par>
+        <p:cTn id="1" dur="indefinite" restart="never" nodeType="tmRoot"/>
+      </p:par>
+    </p:tnLst>
+  </p:timing>
+</p:sld>
+</file>
+
+<file path=ppt/slides/slide20.xml><?xml version="1.0" encoding="utf-8"?>
 <p:sld xmlns:a="http://schemas.openxmlformats.org/drawingml/2006/main" xmlns:r="http://schemas.openxmlformats.org/officeDocument/2006/relationships" xmlns:p="http://schemas.openxmlformats.org/presentationml/2006/main">
   <p:cSld>
     <p:spTree>
@@ -3707,7 +5729,7 @@
 </p:sld>
 </file>
 
-<file path=ppt/slides/slide12.xml><?xml version="1.0" encoding="utf-8"?>
+<file path=ppt/slides/slide21.xml><?xml version="1.0" encoding="utf-8"?>
 <p:sld xmlns:a="http://schemas.openxmlformats.org/drawingml/2006/main" xmlns:r="http://schemas.openxmlformats.org/officeDocument/2006/relationships" xmlns:p="http://schemas.openxmlformats.org/presentationml/2006/main">
   <p:cSld>
     <p:spTree>
@@ -3739,7 +5761,7 @@
           <a:bodyPr/>
           <a:lstStyle/>
           <a:p>
-            <a:endParaRPr lang="zh-CN" altLang="en-US"/>
+            <a:endParaRPr lang="zh-CN" altLang="en-US" dirty="0"/>
           </a:p>
         </p:txBody>
       </p:sp>
@@ -3818,15 +5840,7 @@
           <a:p>
             <a:r>
               <a:rPr lang="en-US" altLang="zh-CN" dirty="0" smtClean="0"/>
-              <a:t>Very simple, no need to </a:t>
-            </a:r>
-            <a:r>
-              <a:rPr lang="en-US" altLang="zh-CN" dirty="0" smtClean="0"/>
-              <a:t>know many </a:t>
-            </a:r>
-            <a:r>
-              <a:rPr lang="en-US" altLang="zh-CN" dirty="0" smtClean="0"/>
-              <a:t>details about the framework</a:t>
+              <a:t>Very simple, no need to know many details about the framework</a:t>
             </a:r>
             <a:endParaRPr lang="zh-CN" altLang="en-US" dirty="0"/>
           </a:p>
@@ -3840,7 +5854,7 @@
         </p:nvSpPr>
         <p:spPr>
           <a:xfrm>
-            <a:off x="1428728" y="2928940"/>
+            <a:off x="1428728" y="3429006"/>
             <a:ext cx="5039906" cy="369332"/>
           </a:xfrm>
           <a:prstGeom prst="rect">
@@ -3856,6 +5870,35 @@
             <a:r>
               <a:rPr lang="en-US" altLang="zh-CN" dirty="0" smtClean="0"/>
               <a:t>Become the master of the framework not the slave!</a:t>
+            </a:r>
+            <a:endParaRPr lang="zh-CN" altLang="en-US" dirty="0"/>
+          </a:p>
+        </p:txBody>
+      </p:sp>
+      <p:sp>
+        <p:nvSpPr>
+          <p:cNvPr id="8" name="矩形 7"/>
+          <p:cNvSpPr/>
+          <p:nvPr/>
+        </p:nvSpPr>
+        <p:spPr>
+          <a:xfrm>
+            <a:off x="1428728" y="2928940"/>
+            <a:ext cx="5888600" cy="369332"/>
+          </a:xfrm>
+          <a:prstGeom prst="rect">
+            <a:avLst/>
+          </a:prstGeom>
+        </p:spPr>
+        <p:txBody>
+          <a:bodyPr wrap="none">
+            <a:spAutoFit/>
+          </a:bodyPr>
+          <a:lstStyle/>
+          <a:p>
+            <a:r>
+              <a:rPr lang="en-US" altLang="zh-CN" dirty="0" smtClean="0"/>
+              <a:t>Just focus on business, can develop a web application rapidly</a:t>
             </a:r>
             <a:endParaRPr lang="zh-CN" altLang="en-US" dirty="0"/>
           </a:p>
@@ -4056,6 +6099,97 @@
                       </p:childTnLst>
                     </p:cTn>
                   </p:par>
+                  <p:par>
+                    <p:cTn id="15" fill="hold">
+                      <p:stCondLst>
+                        <p:cond delay="indefinite"/>
+                      </p:stCondLst>
+                      <p:childTnLst>
+                        <p:par>
+                          <p:cTn id="16" fill="hold">
+                            <p:stCondLst>
+                              <p:cond delay="0"/>
+                            </p:stCondLst>
+                            <p:childTnLst>
+                              <p:par>
+                                <p:cTn id="17" presetID="2" presetClass="entr" presetSubtype="4" fill="hold" grpId="0" nodeType="clickEffect">
+                                  <p:stCondLst>
+                                    <p:cond delay="0"/>
+                                  </p:stCondLst>
+                                  <p:childTnLst>
+                                    <p:set>
+                                      <p:cBhvr>
+                                        <p:cTn id="18" dur="1" fill="hold">
+                                          <p:stCondLst>
+                                            <p:cond delay="0"/>
+                                          </p:stCondLst>
+                                        </p:cTn>
+                                        <p:tgtEl>
+                                          <p:spTgt spid="8"/>
+                                        </p:tgtEl>
+                                        <p:attrNameLst>
+                                          <p:attrName>style.visibility</p:attrName>
+                                        </p:attrNameLst>
+                                      </p:cBhvr>
+                                      <p:to>
+                                        <p:strVal val="visible"/>
+                                      </p:to>
+                                    </p:set>
+                                    <p:anim calcmode="lin" valueType="num">
+                                      <p:cBhvr additive="base">
+                                        <p:cTn id="19" dur="500" fill="hold"/>
+                                        <p:tgtEl>
+                                          <p:spTgt spid="8"/>
+                                        </p:tgtEl>
+                                        <p:attrNameLst>
+                                          <p:attrName>ppt_x</p:attrName>
+                                        </p:attrNameLst>
+                                      </p:cBhvr>
+                                      <p:tavLst>
+                                        <p:tav tm="0">
+                                          <p:val>
+                                            <p:strVal val="#ppt_x"/>
+                                          </p:val>
+                                        </p:tav>
+                                        <p:tav tm="100000">
+                                          <p:val>
+                                            <p:strVal val="#ppt_x"/>
+                                          </p:val>
+                                        </p:tav>
+                                      </p:tavLst>
+                                    </p:anim>
+                                    <p:anim calcmode="lin" valueType="num">
+                                      <p:cBhvr additive="base">
+                                        <p:cTn id="20" dur="500" fill="hold"/>
+                                        <p:tgtEl>
+                                          <p:spTgt spid="8"/>
+                                        </p:tgtEl>
+                                        <p:attrNameLst>
+                                          <p:attrName>ppt_y</p:attrName>
+                                        </p:attrNameLst>
+                                      </p:cBhvr>
+                                      <p:tavLst>
+                                        <p:tav tm="0">
+                                          <p:val>
+                                            <p:strVal val="1+#ppt_h/2"/>
+                                          </p:val>
+                                        </p:tav>
+                                        <p:tav tm="100000">
+                                          <p:val>
+                                            <p:strVal val="#ppt_y"/>
+                                          </p:val>
+                                        </p:tav>
+                                      </p:tavLst>
+                                    </p:anim>
+                                  </p:childTnLst>
+                                </p:cTn>
+                              </p:par>
+                            </p:childTnLst>
+                          </p:cTn>
+                        </p:par>
+                      </p:childTnLst>
+                    </p:cTn>
+                  </p:par>
                 </p:childTnLst>
               </p:cTn>
               <p:prevCondLst>
@@ -4080,12 +6214,370 @@
     <p:bldLst>
       <p:bldP spid="6" grpId="0"/>
       <p:bldP spid="7" grpId="0"/>
+      <p:bldP spid="8" grpId="0"/>
     </p:bldLst>
   </p:timing>
 </p:sld>
 </file>
 
-<file path=ppt/slides/slide13.xml><?xml version="1.0" encoding="utf-8"?>
+<file path=ppt/slides/slide22.xml><?xml version="1.0" encoding="utf-8"?>
+<p:sld xmlns:a="http://schemas.openxmlformats.org/drawingml/2006/main" xmlns:r="http://schemas.openxmlformats.org/officeDocument/2006/relationships" xmlns:p="http://schemas.openxmlformats.org/presentationml/2006/main">
+  <p:cSld>
+    <p:spTree>
+      <p:nvGrpSpPr>
+        <p:cNvPr id="1" name=""/>
+        <p:cNvGrpSpPr/>
+        <p:nvPr/>
+      </p:nvGrpSpPr>
+      <p:grpSpPr>
+        <a:xfrm>
+          <a:off x="0" y="0"/>
+          <a:ext cx="0" cy="0"/>
+          <a:chOff x="0" y="0"/>
+          <a:chExt cx="0" cy="0"/>
+        </a:xfrm>
+      </p:grpSpPr>
+      <p:sp>
+        <p:nvSpPr>
+          <p:cNvPr id="2" name="标题 1"/>
+          <p:cNvSpPr>
+            <a:spLocks noGrp="1"/>
+          </p:cNvSpPr>
+          <p:nvPr>
+            <p:ph type="title"/>
+          </p:nvPr>
+        </p:nvSpPr>
+        <p:spPr/>
+        <p:txBody>
+          <a:bodyPr/>
+          <a:lstStyle/>
+          <a:p>
+            <a:pPr algn="l"/>
+            <a:r>
+              <a:rPr lang="en-US" altLang="zh-CN" dirty="0" smtClean="0"/>
+              <a:t>Development efficiency</a:t>
+            </a:r>
+            <a:endParaRPr lang="zh-CN" altLang="en-US" dirty="0"/>
+          </a:p>
+        </p:txBody>
+      </p:sp>
+      <p:sp>
+        <p:nvSpPr>
+          <p:cNvPr id="3" name="内容占位符 2"/>
+          <p:cNvSpPr>
+            <a:spLocks noGrp="1"/>
+          </p:cNvSpPr>
+          <p:nvPr>
+            <p:ph idx="1"/>
+          </p:nvPr>
+        </p:nvSpPr>
+        <p:spPr/>
+        <p:txBody>
+          <a:bodyPr>
+            <a:normAutofit/>
+          </a:bodyPr>
+          <a:lstStyle/>
+          <a:p>
+            <a:r>
+              <a:rPr lang="en-US" altLang="zh-CN" sz="2800" dirty="0" smtClean="0"/>
+              <a:t>How many business </a:t>
+            </a:r>
+            <a:r>
+              <a:rPr lang="en-US" altLang="zh-CN" sz="2800" dirty="0" smtClean="0"/>
+              <a:t>functions of </a:t>
+            </a:r>
+            <a:r>
+              <a:rPr lang="en-US" altLang="zh-CN" sz="2800" dirty="0" smtClean="0">
+                <a:hlinkClick r:id="rId2"/>
+              </a:rPr>
+              <a:t>http://</a:t>
+            </a:r>
+            <a:r>
+              <a:rPr lang="en-US" altLang="zh-CN" sz="2800" dirty="0" smtClean="0">
+                <a:hlinkClick r:id="rId2"/>
+              </a:rPr>
+              <a:t>purecpp.org</a:t>
+            </a:r>
+            <a:r>
+              <a:rPr lang="en-US" altLang="zh-CN" sz="2800" dirty="0" smtClean="0"/>
+              <a:t> ?</a:t>
+            </a:r>
+            <a:endParaRPr lang="en-US" altLang="zh-CN" sz="2800" dirty="0" smtClean="0"/>
+          </a:p>
+          <a:p>
+            <a:pPr marL="971550" lvl="1" indent="-514350">
+              <a:buFont typeface="+mj-lt"/>
+              <a:buAutoNum type="arabicPeriod"/>
+            </a:pPr>
+            <a:r>
+              <a:rPr lang="en-US" altLang="zh-CN" sz="2000" dirty="0" smtClean="0"/>
+              <a:t>add, edit, remove, query posts;</a:t>
+            </a:r>
+          </a:p>
+          <a:p>
+            <a:pPr marL="971550" lvl="1" indent="-514350">
+              <a:buFont typeface="+mj-lt"/>
+              <a:buAutoNum type="arabicPeriod"/>
+            </a:pPr>
+            <a:r>
+              <a:rPr lang="en-US" altLang="zh-CN" sz="2000" dirty="0" smtClean="0"/>
+              <a:t>add, edit, remove, query users;</a:t>
+            </a:r>
+          </a:p>
+          <a:p>
+            <a:pPr marL="971550" lvl="1" indent="-514350">
+              <a:buFont typeface="+mj-lt"/>
+              <a:buAutoNum type="arabicPeriod"/>
+            </a:pPr>
+            <a:r>
+              <a:rPr lang="en-US" altLang="zh-CN" sz="2000" dirty="0" smtClean="0"/>
+              <a:t>member login/quit, member registration</a:t>
+            </a:r>
+          </a:p>
+          <a:p>
+            <a:pPr marL="971550" lvl="1" indent="-514350">
+              <a:buFont typeface="+mj-lt"/>
+              <a:buAutoNum type="arabicPeriod"/>
+            </a:pPr>
+            <a:r>
+              <a:rPr lang="en-US" altLang="zh-CN" sz="2000" dirty="0" smtClean="0"/>
+              <a:t>upload/download files</a:t>
+            </a:r>
+          </a:p>
+          <a:p>
+            <a:pPr marL="971550" lvl="1" indent="-514350">
+              <a:buFont typeface="+mj-lt"/>
+              <a:buAutoNum type="arabicPeriod"/>
+            </a:pPr>
+            <a:r>
+              <a:rPr lang="en-US" altLang="zh-CN" sz="2000" dirty="0" smtClean="0"/>
+              <a:t>search posts/classify posts</a:t>
+            </a:r>
+          </a:p>
+          <a:p>
+            <a:pPr marL="971550" lvl="1" indent="-514350">
+              <a:buFont typeface="+mj-lt"/>
+              <a:buAutoNum type="arabicPeriod"/>
+            </a:pPr>
+            <a:r>
+              <a:rPr lang="en-US" altLang="zh-CN" sz="2000" dirty="0" smtClean="0"/>
+              <a:t>…….</a:t>
+            </a:r>
+          </a:p>
+          <a:p>
+            <a:pPr marL="971550" lvl="1" indent="-514350">
+              <a:buFont typeface="+mj-lt"/>
+              <a:buAutoNum type="arabicPeriod"/>
+            </a:pPr>
+            <a:endParaRPr lang="en-US" altLang="zh-CN" sz="2400" dirty="0" smtClean="0"/>
+          </a:p>
+        </p:txBody>
+      </p:sp>
+      <p:sp>
+        <p:nvSpPr>
+          <p:cNvPr id="4" name="矩形 3"/>
+          <p:cNvSpPr/>
+          <p:nvPr/>
+        </p:nvSpPr>
+        <p:spPr>
+          <a:xfrm>
+            <a:off x="3357554" y="3500444"/>
+            <a:ext cx="4091826" cy="1015663"/>
+          </a:xfrm>
+          <a:prstGeom prst="rect">
+            <a:avLst/>
+          </a:prstGeom>
+        </p:spPr>
+        <p:txBody>
+          <a:bodyPr wrap="none">
+            <a:spAutoFit/>
+          </a:bodyPr>
+          <a:lstStyle/>
+          <a:p>
+            <a:r>
+              <a:rPr lang="en-US" altLang="zh-CN" sz="2000" dirty="0" smtClean="0"/>
+              <a:t>More than </a:t>
+            </a:r>
+            <a:r>
+              <a:rPr lang="en-US" altLang="zh-CN" sz="2000" b="1" dirty="0" smtClean="0"/>
+              <a:t>15</a:t>
+            </a:r>
+            <a:r>
+              <a:rPr lang="en-US" altLang="zh-CN" sz="2000" dirty="0" smtClean="0"/>
+              <a:t> functions</a:t>
+            </a:r>
+          </a:p>
+          <a:p>
+            <a:r>
+              <a:rPr lang="en-US" altLang="zh-CN" sz="2000" dirty="0" smtClean="0"/>
+              <a:t>All </a:t>
+            </a:r>
+            <a:r>
+              <a:rPr lang="en-US" altLang="zh-CN" sz="2000" dirty="0" smtClean="0"/>
+              <a:t>the business code is just </a:t>
+            </a:r>
+            <a:r>
+              <a:rPr lang="en-US" altLang="zh-CN" sz="2000" b="1" dirty="0" smtClean="0"/>
+              <a:t>500</a:t>
+            </a:r>
+            <a:r>
+              <a:rPr lang="en-US" altLang="zh-CN" sz="2000" dirty="0" smtClean="0"/>
+              <a:t> </a:t>
+            </a:r>
+            <a:r>
+              <a:rPr lang="en-US" altLang="zh-CN" sz="2000" dirty="0" smtClean="0"/>
+              <a:t>lines</a:t>
+            </a:r>
+          </a:p>
+          <a:p>
+            <a:r>
+              <a:rPr lang="en-US" altLang="zh-CN" sz="2000" b="1" dirty="0" smtClean="0"/>
+              <a:t>30</a:t>
+            </a:r>
+            <a:r>
+              <a:rPr lang="en-US" altLang="zh-CN" sz="2000" dirty="0" smtClean="0"/>
+              <a:t> lines code per business function</a:t>
+            </a:r>
+            <a:endParaRPr lang="zh-CN" altLang="en-US" sz="2000" dirty="0"/>
+          </a:p>
+        </p:txBody>
+      </p:sp>
+    </p:spTree>
+  </p:cSld>
+  <p:clrMapOvr>
+    <a:masterClrMapping/>
+  </p:clrMapOvr>
+  <p:timing>
+    <p:tnLst>
+      <p:par>
+        <p:cTn id="1" dur="indefinite" restart="never" nodeType="tmRoot">
+          <p:childTnLst>
+            <p:seq concurrent="1" nextAc="seek">
+              <p:cTn id="2" dur="indefinite" nodeType="mainSeq">
+                <p:childTnLst>
+                  <p:par>
+                    <p:cTn id="3" fill="hold">
+                      <p:stCondLst>
+                        <p:cond delay="indefinite"/>
+                      </p:stCondLst>
+                      <p:childTnLst>
+                        <p:par>
+                          <p:cTn id="4" fill="hold">
+                            <p:stCondLst>
+                              <p:cond delay="0"/>
+                            </p:stCondLst>
+                            <p:childTnLst>
+                              <p:par>
+                                <p:cTn id="5" presetID="2" presetClass="entr" presetSubtype="4" fill="hold" grpId="1" nodeType="clickEffect">
+                                  <p:stCondLst>
+                                    <p:cond delay="0"/>
+                                  </p:stCondLst>
+                                  <p:iterate type="lt">
+                                    <p:tmPct val="0"/>
+                                  </p:iterate>
+                                  <p:childTnLst>
+                                    <p:set>
+                                      <p:cBhvr>
+                                        <p:cTn id="6" dur="1" fill="hold">
+                                          <p:stCondLst>
+                                            <p:cond delay="0"/>
+                                          </p:stCondLst>
+                                        </p:cTn>
+                                        <p:tgtEl>
+                                          <p:spTgt spid="4"/>
+                                        </p:tgtEl>
+                                        <p:attrNameLst>
+                                          <p:attrName>style.visibility</p:attrName>
+                                        </p:attrNameLst>
+                                      </p:cBhvr>
+                                      <p:to>
+                                        <p:strVal val="visible"/>
+                                      </p:to>
+                                    </p:set>
+                                    <p:anim calcmode="lin" valueType="num">
+                                      <p:cBhvr additive="base">
+                                        <p:cTn id="7" dur="500" fill="hold"/>
+                                        <p:tgtEl>
+                                          <p:spTgt spid="4"/>
+                                        </p:tgtEl>
+                                        <p:attrNameLst>
+                                          <p:attrName>ppt_x</p:attrName>
+                                        </p:attrNameLst>
+                                      </p:cBhvr>
+                                      <p:tavLst>
+                                        <p:tav tm="0">
+                                          <p:val>
+                                            <p:strVal val="#ppt_x"/>
+                                          </p:val>
+                                        </p:tav>
+                                        <p:tav tm="100000">
+                                          <p:val>
+                                            <p:strVal val="#ppt_x"/>
+                                          </p:val>
+                                        </p:tav>
+                                      </p:tavLst>
+                                    </p:anim>
+                                    <p:anim calcmode="lin" valueType="num">
+                                      <p:cBhvr additive="base">
+                                        <p:cTn id="8" dur="500" fill="hold"/>
+                                        <p:tgtEl>
+                                          <p:spTgt spid="4"/>
+                                        </p:tgtEl>
+                                        <p:attrNameLst>
+                                          <p:attrName>ppt_y</p:attrName>
+                                        </p:attrNameLst>
+                                      </p:cBhvr>
+                                      <p:tavLst>
+                                        <p:tav tm="0">
+                                          <p:val>
+                                            <p:strVal val="1+#ppt_h/2"/>
+                                          </p:val>
+                                        </p:tav>
+                                        <p:tav tm="100000">
+                                          <p:val>
+                                            <p:strVal val="#ppt_y"/>
+                                          </p:val>
+                                        </p:tav>
+                                      </p:tavLst>
+                                    </p:anim>
+                                  </p:childTnLst>
+                                </p:cTn>
+                              </p:par>
+                            </p:childTnLst>
+                          </p:cTn>
+                        </p:par>
+                      </p:childTnLst>
+                    </p:cTn>
+                  </p:par>
+                </p:childTnLst>
+              </p:cTn>
+              <p:prevCondLst>
+                <p:cond evt="onPrev" delay="0">
+                  <p:tgtEl>
+                    <p:sldTgt/>
+                  </p:tgtEl>
+                </p:cond>
+              </p:prevCondLst>
+              <p:nextCondLst>
+                <p:cond evt="onNext" delay="0">
+                  <p:tgtEl>
+                    <p:sldTgt/>
+                  </p:tgtEl>
+                </p:cond>
+              </p:nextCondLst>
+            </p:seq>
+          </p:childTnLst>
+        </p:cTn>
+      </p:par>
+    </p:tnLst>
+    <p:bldLst>
+      <p:bldP spid="4" grpId="1"/>
+    </p:bldLst>
+  </p:timing>
+</p:sld>
+</file>
+
+<file path=ppt/slides/slide23.xml><?xml version="1.0" encoding="utf-8"?>
 <p:sld xmlns:a="http://schemas.openxmlformats.org/drawingml/2006/main" xmlns:r="http://schemas.openxmlformats.org/officeDocument/2006/relationships" xmlns:p="http://schemas.openxmlformats.org/presentationml/2006/main">
   <p:cSld>
     <p:spTree>
@@ -4188,7 +6680,7 @@
 </p:sld>
 </file>
 
-<file path=ppt/slides/slide14.xml><?xml version="1.0" encoding="utf-8"?>
+<file path=ppt/slides/slide24.xml><?xml version="1.0" encoding="utf-8"?>
 <p:sld xmlns:a="http://schemas.openxmlformats.org/drawingml/2006/main" xmlns:r="http://schemas.openxmlformats.org/officeDocument/2006/relationships" xmlns:p="http://schemas.openxmlformats.org/presentationml/2006/main">
   <p:cSld>
     <p:spTree>
@@ -4223,100 +6715,37 @@
             <a:pPr algn="l"/>
             <a:r>
               <a:rPr lang="en-US" altLang="zh-CN" dirty="0" smtClean="0"/>
-              <a:t>Some </a:t>
-            </a:r>
-            <a:r>
-              <a:rPr lang="en-US" altLang="zh-CN" dirty="0" err="1" smtClean="0"/>
-              <a:t>c++</a:t>
-            </a:r>
+              <a:t>Why we need feather?</a:t>
+            </a:r>
+            <a:endParaRPr lang="zh-CN" altLang="en-US" dirty="0"/>
+          </a:p>
+        </p:txBody>
+      </p:sp>
+      <p:sp>
+        <p:nvSpPr>
+          <p:cNvPr id="3" name="内容占位符 2"/>
+          <p:cNvSpPr>
+            <a:spLocks noGrp="1"/>
+          </p:cNvSpPr>
+          <p:nvPr>
+            <p:ph idx="1"/>
+          </p:nvPr>
+        </p:nvSpPr>
+        <p:spPr/>
+        <p:txBody>
+          <a:bodyPr/>
+          <a:lstStyle/>
+          <a:p>
             <a:r>
               <a:rPr lang="en-US" altLang="zh-CN" dirty="0" smtClean="0"/>
-              <a:t> web frameworks</a:t>
-            </a:r>
-            <a:endParaRPr lang="zh-CN" altLang="en-US" dirty="0"/>
-          </a:p>
-        </p:txBody>
-      </p:sp>
-      <p:sp>
-        <p:nvSpPr>
-          <p:cNvPr id="3" name="内容占位符 2"/>
-          <p:cNvSpPr>
-            <a:spLocks noGrp="1"/>
-          </p:cNvSpPr>
-          <p:nvPr>
-            <p:ph idx="1"/>
-          </p:nvPr>
-        </p:nvSpPr>
-        <p:spPr/>
-        <p:txBody>
-          <a:bodyPr/>
-          <a:lstStyle/>
-          <a:p>
-            <a:r>
-              <a:rPr lang="en-US" altLang="zh-CN" dirty="0" err="1" smtClean="0"/>
-              <a:t>Cppcms</a:t>
-            </a:r>
+              <a:t>High development efficiency</a:t>
+            </a:r>
+          </a:p>
+          <a:p>
             <a:r>
               <a:rPr lang="en-US" altLang="zh-CN" dirty="0" smtClean="0"/>
-              <a:t>: </a:t>
-            </a:r>
-            <a:r>
-              <a:rPr lang="en-US" altLang="zh-CN" dirty="0" smtClean="0"/>
-              <a:t>not </a:t>
-            </a:r>
-            <a:r>
-              <a:rPr lang="en-US" altLang="zh-CN" dirty="0" smtClean="0"/>
-              <a:t>modern </a:t>
-            </a:r>
-            <a:r>
-              <a:rPr lang="en-US" altLang="zh-CN" dirty="0" err="1" smtClean="0"/>
-              <a:t>c++</a:t>
-            </a:r>
-            <a:r>
-              <a:rPr lang="en-US" altLang="zh-CN" dirty="0" smtClean="0"/>
-              <a:t>, </a:t>
-            </a:r>
-            <a:r>
-              <a:rPr lang="en-US" altLang="zh-CN" dirty="0" smtClean="0"/>
-              <a:t>not easy to </a:t>
-            </a:r>
-            <a:r>
-              <a:rPr lang="en-US" altLang="zh-CN" dirty="0" smtClean="0"/>
-              <a:t>use</a:t>
-            </a:r>
-            <a:endParaRPr lang="en-US" altLang="zh-CN" dirty="0" smtClean="0"/>
-          </a:p>
-          <a:p>
-            <a:r>
-              <a:rPr lang="en-US" altLang="zh-CN" dirty="0" err="1" smtClean="0"/>
-              <a:t>treefrog</a:t>
-            </a:r>
-            <a:r>
-              <a:rPr lang="en-US" altLang="zh-CN" dirty="0" smtClean="0"/>
-              <a:t>-framework: based on qt, too heavily, not modern </a:t>
-            </a:r>
-            <a:r>
-              <a:rPr lang="en-US" altLang="zh-CN" dirty="0" err="1" smtClean="0"/>
-              <a:t>c++</a:t>
-            </a:r>
-            <a:endParaRPr lang="en-US" altLang="zh-CN" dirty="0" smtClean="0"/>
-          </a:p>
-          <a:p>
-            <a:r>
-              <a:rPr lang="en-US" dirty="0" smtClean="0"/>
-              <a:t>Silicon: not so easy to use</a:t>
-            </a:r>
-          </a:p>
-          <a:p>
-            <a:r>
-              <a:rPr lang="en-US" dirty="0" smtClean="0"/>
-              <a:t>Crow: lack of some important components, it’s not a really web framework</a:t>
-            </a:r>
-          </a:p>
-          <a:p>
-            <a:endParaRPr lang="en-US" dirty="0" smtClean="0"/>
-          </a:p>
-          <a:p>
+              <a:t>High performance</a:t>
+            </a:r>
             <a:endParaRPr lang="zh-CN" altLang="en-US" dirty="0"/>
           </a:p>
         </p:txBody>
@@ -4336,7 +6765,2661 @@
 </p:sld>
 </file>
 
-<file path=ppt/slides/slide15.xml><?xml version="1.0" encoding="utf-8"?>
+<file path=ppt/slides/slide25.xml><?xml version="1.0" encoding="utf-8"?>
+<p:sld xmlns:a="http://schemas.openxmlformats.org/drawingml/2006/main" xmlns:r="http://schemas.openxmlformats.org/officeDocument/2006/relationships" xmlns:p="http://schemas.openxmlformats.org/presentationml/2006/main">
+  <p:cSld>
+    <p:spTree>
+      <p:nvGrpSpPr>
+        <p:cNvPr id="1" name=""/>
+        <p:cNvGrpSpPr/>
+        <p:nvPr/>
+      </p:nvGrpSpPr>
+      <p:grpSpPr>
+        <a:xfrm>
+          <a:off x="0" y="0"/>
+          <a:ext cx="0" cy="0"/>
+          <a:chOff x="0" y="0"/>
+          <a:chExt cx="0" cy="0"/>
+        </a:xfrm>
+      </p:grpSpPr>
+      <p:sp>
+        <p:nvSpPr>
+          <p:cNvPr id="2" name="标题 1"/>
+          <p:cNvSpPr>
+            <a:spLocks noGrp="1"/>
+          </p:cNvSpPr>
+          <p:nvPr>
+            <p:ph type="title"/>
+          </p:nvPr>
+        </p:nvSpPr>
+        <p:spPr/>
+        <p:txBody>
+          <a:bodyPr/>
+          <a:lstStyle/>
+          <a:p>
+            <a:pPr algn="l"/>
+            <a:endParaRPr lang="zh-CN" altLang="en-US" dirty="0"/>
+          </a:p>
+        </p:txBody>
+      </p:sp>
+      <p:sp>
+        <p:nvSpPr>
+          <p:cNvPr id="3" name="内容占位符 2"/>
+          <p:cNvSpPr>
+            <a:spLocks noGrp="1"/>
+          </p:cNvSpPr>
+          <p:nvPr>
+            <p:ph idx="1"/>
+          </p:nvPr>
+        </p:nvSpPr>
+        <p:spPr/>
+        <p:txBody>
+          <a:bodyPr/>
+          <a:lstStyle/>
+          <a:p>
+            <a:endParaRPr lang="zh-CN" altLang="en-US"/>
+          </a:p>
+        </p:txBody>
+      </p:sp>
+      <p:pic>
+        <p:nvPicPr>
+          <p:cNvPr id="43010" name="Picture 2" descr="Components icon"/>
+          <p:cNvPicPr>
+            <a:picLocks noChangeAspect="1" noChangeArrowheads="1"/>
+          </p:cNvPicPr>
+          <p:nvPr/>
+        </p:nvPicPr>
+        <p:blipFill>
+          <a:blip r:embed="rId2"/>
+          <a:srcRect/>
+          <a:stretch>
+            <a:fillRect/>
+          </a:stretch>
+        </p:blipFill>
+        <p:spPr bwMode="auto">
+          <a:xfrm>
+            <a:off x="2857488" y="1500180"/>
+            <a:ext cx="2643206" cy="2643206"/>
+          </a:xfrm>
+          <a:prstGeom prst="rect">
+            <a:avLst/>
+          </a:prstGeom>
+          <a:noFill/>
+        </p:spPr>
+      </p:pic>
+    </p:spTree>
+  </p:cSld>
+  <p:clrMapOvr>
+    <a:masterClrMapping/>
+  </p:clrMapOvr>
+  <p:timing>
+    <p:tnLst>
+      <p:par>
+        <p:cTn id="1" dur="indefinite" restart="never" nodeType="tmRoot"/>
+      </p:par>
+    </p:tnLst>
+  </p:timing>
+</p:sld>
+</file>
+
+<file path=ppt/slides/slide26.xml><?xml version="1.0" encoding="utf-8"?>
+<p:sld xmlns:a="http://schemas.openxmlformats.org/drawingml/2006/main" xmlns:r="http://schemas.openxmlformats.org/officeDocument/2006/relationships" xmlns:p="http://schemas.openxmlformats.org/presentationml/2006/main">
+  <p:cSld>
+    <p:spTree>
+      <p:nvGrpSpPr>
+        <p:cNvPr id="1" name=""/>
+        <p:cNvGrpSpPr/>
+        <p:nvPr/>
+      </p:nvGrpSpPr>
+      <p:grpSpPr>
+        <a:xfrm>
+          <a:off x="0" y="0"/>
+          <a:ext cx="0" cy="0"/>
+          <a:chOff x="0" y="0"/>
+          <a:chExt cx="0" cy="0"/>
+        </a:xfrm>
+      </p:grpSpPr>
+      <p:sp>
+        <p:nvSpPr>
+          <p:cNvPr id="2" name="标题 1"/>
+          <p:cNvSpPr>
+            <a:spLocks noGrp="1"/>
+          </p:cNvSpPr>
+          <p:nvPr>
+            <p:ph type="title"/>
+          </p:nvPr>
+        </p:nvSpPr>
+        <p:spPr/>
+        <p:txBody>
+          <a:bodyPr/>
+          <a:lstStyle/>
+          <a:p>
+            <a:pPr algn="l"/>
+            <a:r>
+              <a:rPr lang="en-US" altLang="zh-CN" dirty="0" smtClean="0"/>
+              <a:t>Components</a:t>
+            </a:r>
+            <a:endParaRPr lang="zh-CN" altLang="en-US" dirty="0"/>
+          </a:p>
+        </p:txBody>
+      </p:sp>
+      <p:sp>
+        <p:nvSpPr>
+          <p:cNvPr id="3" name="内容占位符 2"/>
+          <p:cNvSpPr>
+            <a:spLocks noGrp="1"/>
+          </p:cNvSpPr>
+          <p:nvPr>
+            <p:ph idx="1"/>
+          </p:nvPr>
+        </p:nvSpPr>
+        <p:spPr/>
+        <p:txBody>
+          <a:bodyPr/>
+          <a:lstStyle/>
+          <a:p>
+            <a:r>
+              <a:rPr lang="en-US" altLang="zh-CN" dirty="0" err="1" smtClean="0"/>
+              <a:t>cinatra</a:t>
+            </a:r>
+            <a:r>
+              <a:rPr lang="en-US" altLang="zh-CN" dirty="0" smtClean="0"/>
+              <a:t>(Comparison)</a:t>
+            </a:r>
+          </a:p>
+          <a:p>
+            <a:r>
+              <a:rPr lang="en-US" altLang="zh-CN" dirty="0" err="1" smtClean="0"/>
+              <a:t>ormpp</a:t>
+            </a:r>
+            <a:r>
+              <a:rPr lang="en-US" altLang="zh-CN" dirty="0" smtClean="0"/>
+              <a:t>(Comparison)</a:t>
+            </a:r>
+          </a:p>
+          <a:p>
+            <a:r>
+              <a:rPr lang="en-US" altLang="zh-CN" dirty="0" smtClean="0"/>
+              <a:t>render</a:t>
+            </a:r>
+          </a:p>
+          <a:p>
+            <a:r>
+              <a:rPr lang="en-US" altLang="zh-CN" dirty="0" smtClean="0"/>
+              <a:t>iguana/</a:t>
+            </a:r>
+            <a:r>
+              <a:rPr lang="en-US" altLang="zh-CN" dirty="0" err="1" smtClean="0"/>
+              <a:t>json</a:t>
+            </a:r>
+            <a:endParaRPr lang="zh-CN" altLang="en-US" dirty="0"/>
+          </a:p>
+        </p:txBody>
+      </p:sp>
+    </p:spTree>
+  </p:cSld>
+  <p:clrMapOvr>
+    <a:masterClrMapping/>
+  </p:clrMapOvr>
+  <p:timing>
+    <p:tnLst>
+      <p:par>
+        <p:cTn id="1" dur="indefinite" restart="never" nodeType="tmRoot"/>
+      </p:par>
+    </p:tnLst>
+  </p:timing>
+</p:sld>
+</file>
+
+<file path=ppt/slides/slide27.xml><?xml version="1.0" encoding="utf-8"?>
+<p:sld xmlns:a="http://schemas.openxmlformats.org/drawingml/2006/main" xmlns:r="http://schemas.openxmlformats.org/officeDocument/2006/relationships" xmlns:p="http://schemas.openxmlformats.org/presentationml/2006/main">
+  <p:cSld>
+    <p:spTree>
+      <p:nvGrpSpPr>
+        <p:cNvPr id="1" name=""/>
+        <p:cNvGrpSpPr/>
+        <p:nvPr/>
+      </p:nvGrpSpPr>
+      <p:grpSpPr>
+        <a:xfrm>
+          <a:off x="0" y="0"/>
+          <a:ext cx="0" cy="0"/>
+          <a:chOff x="0" y="0"/>
+          <a:chExt cx="0" cy="0"/>
+        </a:xfrm>
+      </p:grpSpPr>
+      <p:sp>
+        <p:nvSpPr>
+          <p:cNvPr id="2" name="标题 1"/>
+          <p:cNvSpPr>
+            <a:spLocks noGrp="1"/>
+          </p:cNvSpPr>
+          <p:nvPr>
+            <p:ph type="title"/>
+          </p:nvPr>
+        </p:nvSpPr>
+        <p:spPr/>
+        <p:txBody>
+          <a:bodyPr/>
+          <a:lstStyle/>
+          <a:p>
+            <a:pPr algn="l"/>
+            <a:endParaRPr lang="zh-CN" altLang="en-US" dirty="0"/>
+          </a:p>
+        </p:txBody>
+      </p:sp>
+      <p:sp>
+        <p:nvSpPr>
+          <p:cNvPr id="3" name="内容占位符 2"/>
+          <p:cNvSpPr>
+            <a:spLocks noGrp="1"/>
+          </p:cNvSpPr>
+          <p:nvPr>
+            <p:ph idx="1"/>
+          </p:nvPr>
+        </p:nvSpPr>
+        <p:spPr/>
+        <p:txBody>
+          <a:bodyPr/>
+          <a:lstStyle/>
+          <a:p>
+            <a:endParaRPr lang="zh-CN" altLang="en-US"/>
+          </a:p>
+        </p:txBody>
+      </p:sp>
+      <p:pic>
+        <p:nvPicPr>
+          <p:cNvPr id="44034" name="Picture 2"/>
+          <p:cNvPicPr>
+            <a:picLocks noChangeAspect="1" noChangeArrowheads="1"/>
+          </p:cNvPicPr>
+          <p:nvPr/>
+        </p:nvPicPr>
+        <p:blipFill>
+          <a:blip r:embed="rId2"/>
+          <a:srcRect/>
+          <a:stretch>
+            <a:fillRect/>
+          </a:stretch>
+        </p:blipFill>
+        <p:spPr bwMode="auto">
+          <a:xfrm>
+            <a:off x="1643042" y="1214428"/>
+            <a:ext cx="5875337" cy="3314700"/>
+          </a:xfrm>
+          <a:prstGeom prst="rect">
+            <a:avLst/>
+          </a:prstGeom>
+          <a:noFill/>
+          <a:ln w="9525">
+            <a:noFill/>
+            <a:miter lim="800000"/>
+            <a:headEnd/>
+            <a:tailEnd/>
+          </a:ln>
+          <a:effectLst/>
+        </p:spPr>
+      </p:pic>
+    </p:spTree>
+  </p:cSld>
+  <p:clrMapOvr>
+    <a:masterClrMapping/>
+  </p:clrMapOvr>
+  <p:timing>
+    <p:tnLst>
+      <p:par>
+        <p:cTn id="1" dur="indefinite" restart="never" nodeType="tmRoot"/>
+      </p:par>
+    </p:tnLst>
+  </p:timing>
+</p:sld>
+</file>
+
+<file path=ppt/slides/slide28.xml><?xml version="1.0" encoding="utf-8"?>
+<p:sld xmlns:a="http://schemas.openxmlformats.org/drawingml/2006/main" xmlns:r="http://schemas.openxmlformats.org/officeDocument/2006/relationships" xmlns:p="http://schemas.openxmlformats.org/presentationml/2006/main">
+  <p:cSld>
+    <p:spTree>
+      <p:nvGrpSpPr>
+        <p:cNvPr id="1" name=""/>
+        <p:cNvGrpSpPr/>
+        <p:nvPr/>
+      </p:nvGrpSpPr>
+      <p:grpSpPr>
+        <a:xfrm>
+          <a:off x="0" y="0"/>
+          <a:ext cx="0" cy="0"/>
+          <a:chOff x="0" y="0"/>
+          <a:chExt cx="0" cy="0"/>
+        </a:xfrm>
+      </p:grpSpPr>
+      <p:sp>
+        <p:nvSpPr>
+          <p:cNvPr id="2" name="标题 1"/>
+          <p:cNvSpPr>
+            <a:spLocks noGrp="1"/>
+          </p:cNvSpPr>
+          <p:nvPr>
+            <p:ph type="title"/>
+          </p:nvPr>
+        </p:nvSpPr>
+        <p:spPr/>
+        <p:txBody>
+          <a:bodyPr/>
+          <a:lstStyle/>
+          <a:p>
+            <a:pPr algn="l"/>
+            <a:r>
+              <a:rPr lang="en-US" altLang="zh-CN" dirty="0" smtClean="0"/>
+              <a:t>How to rapidly develop</a:t>
+            </a:r>
+            <a:endParaRPr lang="zh-CN" altLang="en-US" dirty="0"/>
+          </a:p>
+        </p:txBody>
+      </p:sp>
+      <p:sp>
+        <p:nvSpPr>
+          <p:cNvPr id="3" name="内容占位符 2"/>
+          <p:cNvSpPr>
+            <a:spLocks noGrp="1"/>
+          </p:cNvSpPr>
+          <p:nvPr>
+            <p:ph idx="1"/>
+          </p:nvPr>
+        </p:nvSpPr>
+        <p:spPr/>
+        <p:txBody>
+          <a:bodyPr/>
+          <a:lstStyle/>
+          <a:p>
+            <a:r>
+              <a:rPr lang="en-US" altLang="zh-CN" dirty="0" smtClean="0"/>
+              <a:t>Few code</a:t>
+            </a:r>
+          </a:p>
+          <a:p>
+            <a:r>
+              <a:rPr lang="en-US" altLang="zh-CN" dirty="0" smtClean="0"/>
+              <a:t>Friendly, ease interface</a:t>
+            </a:r>
+          </a:p>
+          <a:p>
+            <a:r>
+              <a:rPr lang="en-US" altLang="zh-CN" dirty="0" smtClean="0"/>
+              <a:t>Automatically done</a:t>
+            </a:r>
+          </a:p>
+          <a:p>
+            <a:r>
+              <a:rPr lang="en-US" altLang="zh-CN" smtClean="0"/>
+              <a:t>……</a:t>
+            </a:r>
+            <a:endParaRPr lang="zh-CN" altLang="en-US" dirty="0"/>
+          </a:p>
+        </p:txBody>
+      </p:sp>
+    </p:spTree>
+  </p:cSld>
+  <p:clrMapOvr>
+    <a:masterClrMapping/>
+  </p:clrMapOvr>
+  <p:timing>
+    <p:tnLst>
+      <p:par>
+        <p:cTn id="1" dur="indefinite" restart="never" nodeType="tmRoot"/>
+      </p:par>
+    </p:tnLst>
+  </p:timing>
+</p:sld>
+</file>
+
+<file path=ppt/slides/slide3.xml><?xml version="1.0" encoding="utf-8"?>
+<p:sld xmlns:a="http://schemas.openxmlformats.org/drawingml/2006/main" xmlns:r="http://schemas.openxmlformats.org/officeDocument/2006/relationships" xmlns:p="http://schemas.openxmlformats.org/presentationml/2006/main">
+  <p:cSld>
+    <p:spTree>
+      <p:nvGrpSpPr>
+        <p:cNvPr id="1" name=""/>
+        <p:cNvGrpSpPr/>
+        <p:nvPr/>
+      </p:nvGrpSpPr>
+      <p:grpSpPr>
+        <a:xfrm>
+          <a:off x="0" y="0"/>
+          <a:ext cx="0" cy="0"/>
+          <a:chOff x="0" y="0"/>
+          <a:chExt cx="0" cy="0"/>
+        </a:xfrm>
+      </p:grpSpPr>
+      <p:sp>
+        <p:nvSpPr>
+          <p:cNvPr id="2" name="标题 1"/>
+          <p:cNvSpPr>
+            <a:spLocks noGrp="1"/>
+          </p:cNvSpPr>
+          <p:nvPr>
+            <p:ph type="title"/>
+          </p:nvPr>
+        </p:nvSpPr>
+        <p:spPr/>
+        <p:txBody>
+          <a:bodyPr/>
+          <a:lstStyle/>
+          <a:p>
+            <a:pPr algn="l"/>
+            <a:r>
+              <a:rPr lang="en-US" altLang="zh-CN" dirty="0" smtClean="0"/>
+              <a:t>Basic concepts</a:t>
+            </a:r>
+            <a:endParaRPr lang="zh-CN" altLang="en-US" dirty="0"/>
+          </a:p>
+        </p:txBody>
+      </p:sp>
+      <p:pic>
+        <p:nvPicPr>
+          <p:cNvPr id="1031" name="Picture 7"/>
+          <p:cNvPicPr>
+            <a:picLocks noChangeAspect="1" noChangeArrowheads="1"/>
+          </p:cNvPicPr>
+          <p:nvPr/>
+        </p:nvPicPr>
+        <p:blipFill>
+          <a:blip r:embed="rId2"/>
+          <a:srcRect/>
+          <a:stretch>
+            <a:fillRect/>
+          </a:stretch>
+        </p:blipFill>
+        <p:spPr bwMode="auto">
+          <a:xfrm>
+            <a:off x="3357554" y="1142990"/>
+            <a:ext cx="4411663" cy="3459162"/>
+          </a:xfrm>
+          <a:prstGeom prst="rect">
+            <a:avLst/>
+          </a:prstGeom>
+          <a:noFill/>
+          <a:ln w="9525">
+            <a:noFill/>
+            <a:miter lim="800000"/>
+            <a:headEnd/>
+            <a:tailEnd/>
+          </a:ln>
+          <a:effectLst/>
+        </p:spPr>
+      </p:pic>
+      <p:pic>
+        <p:nvPicPr>
+          <p:cNvPr id="1032" name="Picture 8"/>
+          <p:cNvPicPr>
+            <a:picLocks noGrp="1" noChangeAspect="1" noChangeArrowheads="1"/>
+          </p:cNvPicPr>
+          <p:nvPr>
+            <p:ph idx="1"/>
+          </p:nvPr>
+        </p:nvPicPr>
+        <p:blipFill>
+          <a:blip r:embed="rId3"/>
+          <a:srcRect/>
+          <a:stretch>
+            <a:fillRect/>
+          </a:stretch>
+        </p:blipFill>
+        <p:spPr bwMode="auto">
+          <a:xfrm>
+            <a:off x="1357290" y="2071684"/>
+            <a:ext cx="582000" cy="1208000"/>
+          </a:xfrm>
+          <a:prstGeom prst="rect">
+            <a:avLst/>
+          </a:prstGeom>
+          <a:noFill/>
+          <a:ln w="9525">
+            <a:noFill/>
+            <a:miter lim="800000"/>
+            <a:headEnd/>
+            <a:tailEnd/>
+          </a:ln>
+          <a:effectLst/>
+        </p:spPr>
+      </p:pic>
+      <p:grpSp>
+        <p:nvGrpSpPr>
+          <p:cNvPr id="19" name="组合 18"/>
+          <p:cNvGrpSpPr/>
+          <p:nvPr/>
+        </p:nvGrpSpPr>
+        <p:grpSpPr>
+          <a:xfrm>
+            <a:off x="1928794" y="2143122"/>
+            <a:ext cx="1643074" cy="276999"/>
+            <a:chOff x="2143108" y="2143122"/>
+            <a:chExt cx="1643074" cy="276999"/>
+          </a:xfrm>
+        </p:grpSpPr>
+        <p:cxnSp>
+          <p:nvCxnSpPr>
+            <p:cNvPr id="12" name="直接箭头连接符 11"/>
+            <p:cNvCxnSpPr/>
+            <p:nvPr/>
+          </p:nvCxnSpPr>
+          <p:spPr>
+            <a:xfrm>
+              <a:off x="2143108" y="2357436"/>
+              <a:ext cx="1643074" cy="1588"/>
+            </a:xfrm>
+            <a:prstGeom prst="straightConnector1">
+              <a:avLst/>
+            </a:prstGeom>
+            <a:ln w="15875">
+              <a:tailEnd type="arrow"/>
+            </a:ln>
+          </p:spPr>
+          <p:style>
+            <a:lnRef idx="1">
+              <a:schemeClr val="accent1"/>
+            </a:lnRef>
+            <a:fillRef idx="0">
+              <a:schemeClr val="accent1"/>
+            </a:fillRef>
+            <a:effectRef idx="0">
+              <a:schemeClr val="accent1"/>
+            </a:effectRef>
+            <a:fontRef idx="minor">
+              <a:schemeClr val="tx1"/>
+            </a:fontRef>
+          </p:style>
+        </p:cxnSp>
+        <p:sp>
+          <p:nvSpPr>
+            <p:cNvPr id="18" name="TextBox 17"/>
+            <p:cNvSpPr txBox="1"/>
+            <p:nvPr/>
+          </p:nvSpPr>
+          <p:spPr>
+            <a:xfrm>
+              <a:off x="2357422" y="2143122"/>
+              <a:ext cx="954749" cy="276999"/>
+            </a:xfrm>
+            <a:prstGeom prst="rect">
+              <a:avLst/>
+            </a:prstGeom>
+            <a:noFill/>
+          </p:spPr>
+          <p:txBody>
+            <a:bodyPr wrap="none" rtlCol="0">
+              <a:spAutoFit/>
+            </a:bodyPr>
+            <a:lstStyle/>
+            <a:p>
+              <a:r>
+                <a:rPr lang="en-US" altLang="zh-CN" sz="1200" dirty="0" smtClean="0"/>
+                <a:t>http request</a:t>
+              </a:r>
+              <a:endParaRPr lang="zh-CN" altLang="en-US" sz="1200" dirty="0"/>
+            </a:p>
+          </p:txBody>
+        </p:sp>
+      </p:grpSp>
+      <p:grpSp>
+        <p:nvGrpSpPr>
+          <p:cNvPr id="23" name="组合 22"/>
+          <p:cNvGrpSpPr/>
+          <p:nvPr/>
+        </p:nvGrpSpPr>
+        <p:grpSpPr>
+          <a:xfrm>
+            <a:off x="5214942" y="2285998"/>
+            <a:ext cx="1143008" cy="276999"/>
+            <a:chOff x="2143108" y="2143122"/>
+            <a:chExt cx="1643074" cy="276999"/>
+          </a:xfrm>
+        </p:grpSpPr>
+        <p:cxnSp>
+          <p:nvCxnSpPr>
+            <p:cNvPr id="24" name="直接箭头连接符 23"/>
+            <p:cNvCxnSpPr/>
+            <p:nvPr/>
+          </p:nvCxnSpPr>
+          <p:spPr>
+            <a:xfrm>
+              <a:off x="2143108" y="2357436"/>
+              <a:ext cx="1643074" cy="1588"/>
+            </a:xfrm>
+            <a:prstGeom prst="straightConnector1">
+              <a:avLst/>
+            </a:prstGeom>
+            <a:ln w="15875">
+              <a:headEnd type="triangle"/>
+              <a:tailEnd type="triangle"/>
+            </a:ln>
+          </p:spPr>
+          <p:style>
+            <a:lnRef idx="1">
+              <a:schemeClr val="accent1"/>
+            </a:lnRef>
+            <a:fillRef idx="0">
+              <a:schemeClr val="accent1"/>
+            </a:fillRef>
+            <a:effectRef idx="0">
+              <a:schemeClr val="accent1"/>
+            </a:effectRef>
+            <a:fontRef idx="minor">
+              <a:schemeClr val="tx1"/>
+            </a:fontRef>
+          </p:style>
+        </p:cxnSp>
+        <p:sp>
+          <p:nvSpPr>
+            <p:cNvPr id="25" name="TextBox 24"/>
+            <p:cNvSpPr txBox="1"/>
+            <p:nvPr/>
+          </p:nvSpPr>
+          <p:spPr>
+            <a:xfrm>
+              <a:off x="2756393" y="2143122"/>
+              <a:ext cx="721713" cy="276999"/>
+            </a:xfrm>
+            <a:prstGeom prst="rect">
+              <a:avLst/>
+            </a:prstGeom>
+            <a:noFill/>
+          </p:spPr>
+          <p:txBody>
+            <a:bodyPr wrap="none" rtlCol="0">
+              <a:spAutoFit/>
+            </a:bodyPr>
+            <a:lstStyle/>
+            <a:p>
+              <a:r>
+                <a:rPr lang="en-US" altLang="zh-CN" sz="1200" dirty="0" smtClean="0"/>
+                <a:t>ORM</a:t>
+              </a:r>
+              <a:endParaRPr lang="zh-CN" altLang="en-US" sz="1200" dirty="0"/>
+            </a:p>
+          </p:txBody>
+        </p:sp>
+      </p:grpSp>
+      <p:cxnSp>
+        <p:nvCxnSpPr>
+          <p:cNvPr id="27" name="直接箭头连接符 26"/>
+          <p:cNvCxnSpPr/>
+          <p:nvPr/>
+        </p:nvCxnSpPr>
+        <p:spPr>
+          <a:xfrm rot="5400000">
+            <a:off x="4393405" y="3036097"/>
+            <a:ext cx="357190" cy="1588"/>
+          </a:xfrm>
+          <a:prstGeom prst="straightConnector1">
+            <a:avLst/>
+          </a:prstGeom>
+          <a:ln w="15875">
+            <a:headEnd type="triangle"/>
+            <a:tailEnd type="arrow"/>
+          </a:ln>
+        </p:spPr>
+        <p:style>
+          <a:lnRef idx="1">
+            <a:schemeClr val="accent1"/>
+          </a:lnRef>
+          <a:fillRef idx="0">
+            <a:schemeClr val="accent1"/>
+          </a:fillRef>
+          <a:effectRef idx="0">
+            <a:schemeClr val="accent1"/>
+          </a:effectRef>
+          <a:fontRef idx="minor">
+            <a:schemeClr val="tx1"/>
+          </a:fontRef>
+        </p:style>
+      </p:cxnSp>
+      <p:grpSp>
+        <p:nvGrpSpPr>
+          <p:cNvPr id="33" name="组合 32"/>
+          <p:cNvGrpSpPr/>
+          <p:nvPr/>
+        </p:nvGrpSpPr>
+        <p:grpSpPr>
+          <a:xfrm>
+            <a:off x="1928794" y="2651941"/>
+            <a:ext cx="1643074" cy="276999"/>
+            <a:chOff x="2143108" y="2651941"/>
+            <a:chExt cx="1643074" cy="276999"/>
+          </a:xfrm>
+        </p:grpSpPr>
+        <p:cxnSp>
+          <p:nvCxnSpPr>
+            <p:cNvPr id="29" name="直接箭头连接符 28"/>
+            <p:cNvCxnSpPr/>
+            <p:nvPr/>
+          </p:nvCxnSpPr>
+          <p:spPr>
+            <a:xfrm rot="10800000">
+              <a:off x="2143108" y="2857502"/>
+              <a:ext cx="1643074" cy="1588"/>
+            </a:xfrm>
+            <a:prstGeom prst="straightConnector1">
+              <a:avLst/>
+            </a:prstGeom>
+            <a:ln w="15875">
+              <a:tailEnd type="arrow"/>
+            </a:ln>
+          </p:spPr>
+          <p:style>
+            <a:lnRef idx="1">
+              <a:schemeClr val="accent1"/>
+            </a:lnRef>
+            <a:fillRef idx="0">
+              <a:schemeClr val="accent1"/>
+            </a:fillRef>
+            <a:effectRef idx="0">
+              <a:schemeClr val="accent1"/>
+            </a:effectRef>
+            <a:fontRef idx="minor">
+              <a:schemeClr val="tx1"/>
+            </a:fontRef>
+          </p:style>
+        </p:cxnSp>
+        <p:sp>
+          <p:nvSpPr>
+            <p:cNvPr id="31" name="TextBox 30"/>
+            <p:cNvSpPr txBox="1"/>
+            <p:nvPr/>
+          </p:nvSpPr>
+          <p:spPr>
+            <a:xfrm>
+              <a:off x="2357422" y="2651941"/>
+              <a:ext cx="1047851" cy="276999"/>
+            </a:xfrm>
+            <a:prstGeom prst="rect">
+              <a:avLst/>
+            </a:prstGeom>
+            <a:noFill/>
+          </p:spPr>
+          <p:txBody>
+            <a:bodyPr wrap="none" rtlCol="0">
+              <a:spAutoFit/>
+            </a:bodyPr>
+            <a:lstStyle/>
+            <a:p>
+              <a:r>
+                <a:rPr lang="en-US" altLang="zh-CN" sz="1200" dirty="0" smtClean="0"/>
+                <a:t>http response</a:t>
+              </a:r>
+              <a:endParaRPr lang="zh-CN" altLang="en-US" sz="1200" dirty="0"/>
+            </a:p>
+          </p:txBody>
+        </p:sp>
+      </p:grpSp>
+      <p:sp>
+        <p:nvSpPr>
+          <p:cNvPr id="35" name="TextBox 34"/>
+          <p:cNvSpPr txBox="1"/>
+          <p:nvPr/>
+        </p:nvSpPr>
+        <p:spPr>
+          <a:xfrm>
+            <a:off x="6143636" y="3286130"/>
+            <a:ext cx="641009" cy="369332"/>
+          </a:xfrm>
+          <a:prstGeom prst="rect">
+            <a:avLst/>
+          </a:prstGeom>
+          <a:noFill/>
+        </p:spPr>
+        <p:txBody>
+          <a:bodyPr wrap="none" rtlCol="0">
+            <a:spAutoFit/>
+          </a:bodyPr>
+          <a:lstStyle/>
+          <a:p>
+            <a:r>
+              <a:rPr lang="en-US" altLang="zh-CN" b="1" dirty="0" smtClean="0"/>
+              <a:t>MVC</a:t>
+            </a:r>
+            <a:endParaRPr lang="zh-CN" altLang="en-US" b="1" dirty="0"/>
+          </a:p>
+        </p:txBody>
+      </p:sp>
+    </p:spTree>
+  </p:cSld>
+  <p:clrMapOvr>
+    <a:masterClrMapping/>
+  </p:clrMapOvr>
+  <p:timing>
+    <p:tnLst>
+      <p:par>
+        <p:cTn id="1" dur="indefinite" restart="never" nodeType="tmRoot">
+          <p:childTnLst>
+            <p:seq concurrent="1" nextAc="seek">
+              <p:cTn id="2" dur="indefinite" nodeType="mainSeq">
+                <p:childTnLst>
+                  <p:par>
+                    <p:cTn id="3" fill="hold">
+                      <p:stCondLst>
+                        <p:cond delay="indefinite"/>
+                      </p:stCondLst>
+                      <p:childTnLst>
+                        <p:par>
+                          <p:cTn id="4" fill="hold">
+                            <p:stCondLst>
+                              <p:cond delay="0"/>
+                            </p:stCondLst>
+                            <p:childTnLst>
+                              <p:par>
+                                <p:cTn id="5" presetID="22" presetClass="entr" presetSubtype="8" fill="hold" nodeType="clickEffect">
+                                  <p:stCondLst>
+                                    <p:cond delay="0"/>
+                                  </p:stCondLst>
+                                  <p:childTnLst>
+                                    <p:set>
+                                      <p:cBhvr>
+                                        <p:cTn id="6" dur="1" fill="hold">
+                                          <p:stCondLst>
+                                            <p:cond delay="0"/>
+                                          </p:stCondLst>
+                                        </p:cTn>
+                                        <p:tgtEl>
+                                          <p:spTgt spid="23"/>
+                                        </p:tgtEl>
+                                        <p:attrNameLst>
+                                          <p:attrName>style.visibility</p:attrName>
+                                        </p:attrNameLst>
+                                      </p:cBhvr>
+                                      <p:to>
+                                        <p:strVal val="visible"/>
+                                      </p:to>
+                                    </p:set>
+                                    <p:animEffect transition="in" filter="wipe(left)">
+                                      <p:cBhvr>
+                                        <p:cTn id="7" dur="500"/>
+                                        <p:tgtEl>
+                                          <p:spTgt spid="23"/>
+                                        </p:tgtEl>
+                                      </p:cBhvr>
+                                    </p:animEffect>
+                                  </p:childTnLst>
+                                </p:cTn>
+                              </p:par>
+                            </p:childTnLst>
+                          </p:cTn>
+                        </p:par>
+                      </p:childTnLst>
+                    </p:cTn>
+                  </p:par>
+                  <p:par>
+                    <p:cTn id="8" fill="hold">
+                      <p:stCondLst>
+                        <p:cond delay="indefinite"/>
+                      </p:stCondLst>
+                      <p:childTnLst>
+                        <p:par>
+                          <p:cTn id="9" fill="hold">
+                            <p:stCondLst>
+                              <p:cond delay="0"/>
+                            </p:stCondLst>
+                            <p:childTnLst>
+                              <p:par>
+                                <p:cTn id="10" presetID="22" presetClass="entr" presetSubtype="1" fill="hold" nodeType="clickEffect">
+                                  <p:stCondLst>
+                                    <p:cond delay="0"/>
+                                  </p:stCondLst>
+                                  <p:childTnLst>
+                                    <p:set>
+                                      <p:cBhvr>
+                                        <p:cTn id="11" dur="1" fill="hold">
+                                          <p:stCondLst>
+                                            <p:cond delay="0"/>
+                                          </p:stCondLst>
+                                        </p:cTn>
+                                        <p:tgtEl>
+                                          <p:spTgt spid="27"/>
+                                        </p:tgtEl>
+                                        <p:attrNameLst>
+                                          <p:attrName>style.visibility</p:attrName>
+                                        </p:attrNameLst>
+                                      </p:cBhvr>
+                                      <p:to>
+                                        <p:strVal val="visible"/>
+                                      </p:to>
+                                    </p:set>
+                                    <p:animEffect transition="in" filter="wipe(up)">
+                                      <p:cBhvr>
+                                        <p:cTn id="12" dur="500"/>
+                                        <p:tgtEl>
+                                          <p:spTgt spid="27"/>
+                                        </p:tgtEl>
+                                      </p:cBhvr>
+                                    </p:animEffect>
+                                  </p:childTnLst>
+                                </p:cTn>
+                              </p:par>
+                            </p:childTnLst>
+                          </p:cTn>
+                        </p:par>
+                      </p:childTnLst>
+                    </p:cTn>
+                  </p:par>
+                  <p:par>
+                    <p:cTn id="13" fill="hold">
+                      <p:stCondLst>
+                        <p:cond delay="indefinite"/>
+                      </p:stCondLst>
+                      <p:childTnLst>
+                        <p:par>
+                          <p:cTn id="14" fill="hold">
+                            <p:stCondLst>
+                              <p:cond delay="0"/>
+                            </p:stCondLst>
+                            <p:childTnLst>
+                              <p:par>
+                                <p:cTn id="15" presetID="22" presetClass="entr" presetSubtype="2" fill="hold" nodeType="clickEffect">
+                                  <p:stCondLst>
+                                    <p:cond delay="0"/>
+                                  </p:stCondLst>
+                                  <p:childTnLst>
+                                    <p:set>
+                                      <p:cBhvr>
+                                        <p:cTn id="16" dur="1" fill="hold">
+                                          <p:stCondLst>
+                                            <p:cond delay="0"/>
+                                          </p:stCondLst>
+                                        </p:cTn>
+                                        <p:tgtEl>
+                                          <p:spTgt spid="33"/>
+                                        </p:tgtEl>
+                                        <p:attrNameLst>
+                                          <p:attrName>style.visibility</p:attrName>
+                                        </p:attrNameLst>
+                                      </p:cBhvr>
+                                      <p:to>
+                                        <p:strVal val="visible"/>
+                                      </p:to>
+                                    </p:set>
+                                    <p:animEffect transition="in" filter="wipe(right)">
+                                      <p:cBhvr>
+                                        <p:cTn id="17" dur="500"/>
+                                        <p:tgtEl>
+                                          <p:spTgt spid="33"/>
+                                        </p:tgtEl>
+                                      </p:cBhvr>
+                                    </p:animEffect>
+                                  </p:childTnLst>
+                                </p:cTn>
+                              </p:par>
+                            </p:childTnLst>
+                          </p:cTn>
+                        </p:par>
+                      </p:childTnLst>
+                    </p:cTn>
+                  </p:par>
+                  <p:par>
+                    <p:cTn id="18" fill="hold">
+                      <p:stCondLst>
+                        <p:cond delay="indefinite"/>
+                      </p:stCondLst>
+                      <p:childTnLst>
+                        <p:par>
+                          <p:cTn id="19" fill="hold">
+                            <p:stCondLst>
+                              <p:cond delay="0"/>
+                            </p:stCondLst>
+                            <p:childTnLst>
+                              <p:par>
+                                <p:cTn id="20" presetID="2" presetClass="entr" presetSubtype="4" fill="hold" grpId="0" nodeType="clickEffect">
+                                  <p:stCondLst>
+                                    <p:cond delay="0"/>
+                                  </p:stCondLst>
+                                  <p:childTnLst>
+                                    <p:set>
+                                      <p:cBhvr>
+                                        <p:cTn id="21" dur="1" fill="hold">
+                                          <p:stCondLst>
+                                            <p:cond delay="0"/>
+                                          </p:stCondLst>
+                                        </p:cTn>
+                                        <p:tgtEl>
+                                          <p:spTgt spid="35"/>
+                                        </p:tgtEl>
+                                        <p:attrNameLst>
+                                          <p:attrName>style.visibility</p:attrName>
+                                        </p:attrNameLst>
+                                      </p:cBhvr>
+                                      <p:to>
+                                        <p:strVal val="visible"/>
+                                      </p:to>
+                                    </p:set>
+                                    <p:anim calcmode="lin" valueType="num">
+                                      <p:cBhvr additive="base">
+                                        <p:cTn id="22" dur="500" fill="hold"/>
+                                        <p:tgtEl>
+                                          <p:spTgt spid="35"/>
+                                        </p:tgtEl>
+                                        <p:attrNameLst>
+                                          <p:attrName>ppt_x</p:attrName>
+                                        </p:attrNameLst>
+                                      </p:cBhvr>
+                                      <p:tavLst>
+                                        <p:tav tm="0">
+                                          <p:val>
+                                            <p:strVal val="#ppt_x"/>
+                                          </p:val>
+                                        </p:tav>
+                                        <p:tav tm="100000">
+                                          <p:val>
+                                            <p:strVal val="#ppt_x"/>
+                                          </p:val>
+                                        </p:tav>
+                                      </p:tavLst>
+                                    </p:anim>
+                                    <p:anim calcmode="lin" valueType="num">
+                                      <p:cBhvr additive="base">
+                                        <p:cTn id="23" dur="500" fill="hold"/>
+                                        <p:tgtEl>
+                                          <p:spTgt spid="35"/>
+                                        </p:tgtEl>
+                                        <p:attrNameLst>
+                                          <p:attrName>ppt_y</p:attrName>
+                                        </p:attrNameLst>
+                                      </p:cBhvr>
+                                      <p:tavLst>
+                                        <p:tav tm="0">
+                                          <p:val>
+                                            <p:strVal val="1+#ppt_h/2"/>
+                                          </p:val>
+                                        </p:tav>
+                                        <p:tav tm="100000">
+                                          <p:val>
+                                            <p:strVal val="#ppt_y"/>
+                                          </p:val>
+                                        </p:tav>
+                                      </p:tavLst>
+                                    </p:anim>
+                                  </p:childTnLst>
+                                </p:cTn>
+                              </p:par>
+                            </p:childTnLst>
+                          </p:cTn>
+                        </p:par>
+                      </p:childTnLst>
+                    </p:cTn>
+                  </p:par>
+                </p:childTnLst>
+              </p:cTn>
+              <p:prevCondLst>
+                <p:cond evt="onPrev" delay="0">
+                  <p:tgtEl>
+                    <p:sldTgt/>
+                  </p:tgtEl>
+                </p:cond>
+              </p:prevCondLst>
+              <p:nextCondLst>
+                <p:cond evt="onNext" delay="0">
+                  <p:tgtEl>
+                    <p:sldTgt/>
+                  </p:tgtEl>
+                </p:cond>
+              </p:nextCondLst>
+            </p:seq>
+          </p:childTnLst>
+        </p:cTn>
+      </p:par>
+    </p:tnLst>
+    <p:bldLst>
+      <p:bldP spid="35" grpId="0"/>
+    </p:bldLst>
+  </p:timing>
+</p:sld>
+</file>
+
+<file path=ppt/slides/slide4.xml><?xml version="1.0" encoding="utf-8"?>
+<p:sld xmlns:a="http://schemas.openxmlformats.org/drawingml/2006/main" xmlns:r="http://schemas.openxmlformats.org/officeDocument/2006/relationships" xmlns:p="http://schemas.openxmlformats.org/presentationml/2006/main">
+  <p:cSld>
+    <p:spTree>
+      <p:nvGrpSpPr>
+        <p:cNvPr id="1" name=""/>
+        <p:cNvGrpSpPr/>
+        <p:nvPr/>
+      </p:nvGrpSpPr>
+      <p:grpSpPr>
+        <a:xfrm>
+          <a:off x="0" y="0"/>
+          <a:ext cx="0" cy="0"/>
+          <a:chOff x="0" y="0"/>
+          <a:chExt cx="0" cy="0"/>
+        </a:xfrm>
+      </p:grpSpPr>
+      <p:sp>
+        <p:nvSpPr>
+          <p:cNvPr id="2" name="标题 1"/>
+          <p:cNvSpPr>
+            <a:spLocks noGrp="1"/>
+          </p:cNvSpPr>
+          <p:nvPr>
+            <p:ph type="title"/>
+          </p:nvPr>
+        </p:nvSpPr>
+        <p:spPr/>
+        <p:txBody>
+          <a:bodyPr/>
+          <a:lstStyle/>
+          <a:p>
+            <a:pPr algn="l"/>
+            <a:r>
+              <a:rPr lang="en-US" altLang="zh-CN" dirty="0" smtClean="0"/>
+              <a:t>Basic concepts</a:t>
+            </a:r>
+            <a:endParaRPr lang="zh-CN" altLang="en-US" dirty="0"/>
+          </a:p>
+        </p:txBody>
+      </p:sp>
+      <p:sp>
+        <p:nvSpPr>
+          <p:cNvPr id="3" name="内容占位符 2"/>
+          <p:cNvSpPr>
+            <a:spLocks noGrp="1"/>
+          </p:cNvSpPr>
+          <p:nvPr>
+            <p:ph idx="1"/>
+          </p:nvPr>
+        </p:nvSpPr>
+        <p:spPr/>
+        <p:txBody>
+          <a:bodyPr/>
+          <a:lstStyle/>
+          <a:p>
+            <a:r>
+              <a:rPr lang="en-US" altLang="zh-CN" dirty="0" smtClean="0"/>
+              <a:t>Http server</a:t>
+            </a:r>
+          </a:p>
+          <a:p>
+            <a:r>
+              <a:rPr lang="en-US" altLang="zh-CN" dirty="0" smtClean="0"/>
+              <a:t>ORM(Object-relational mapping</a:t>
+            </a:r>
+            <a:r>
+              <a:rPr lang="en-US" altLang="zh-CN" dirty="0" smtClean="0"/>
+              <a:t>)</a:t>
+            </a:r>
+          </a:p>
+          <a:p>
+            <a:r>
+              <a:rPr lang="en-US" altLang="zh-CN" dirty="0" smtClean="0"/>
+              <a:t>Html render</a:t>
+            </a:r>
+          </a:p>
+          <a:p>
+            <a:r>
+              <a:rPr lang="en-US" altLang="zh-CN" dirty="0" smtClean="0"/>
+              <a:t>Serialization, AOP……</a:t>
+            </a:r>
+            <a:endParaRPr lang="zh-CN" altLang="en-US" dirty="0"/>
+          </a:p>
+        </p:txBody>
+      </p:sp>
+    </p:spTree>
+  </p:cSld>
+  <p:clrMapOvr>
+    <a:masterClrMapping/>
+  </p:clrMapOvr>
+  <p:timing>
+    <p:tnLst>
+      <p:par>
+        <p:cTn id="1" dur="indefinite" restart="never" nodeType="tmRoot">
+          <p:childTnLst>
+            <p:seq concurrent="1" nextAc="seek">
+              <p:cTn id="2" dur="indefinite" nodeType="mainSeq">
+                <p:childTnLst>
+                  <p:par>
+                    <p:cTn id="3" fill="hold">
+                      <p:stCondLst>
+                        <p:cond delay="indefinite"/>
+                      </p:stCondLst>
+                      <p:childTnLst>
+                        <p:par>
+                          <p:cTn id="4" fill="hold">
+                            <p:stCondLst>
+                              <p:cond delay="0"/>
+                            </p:stCondLst>
+                            <p:childTnLst>
+                              <p:par>
+                                <p:cTn id="5" presetID="2" presetClass="entr" presetSubtype="4" fill="hold" nodeType="clickEffect">
+                                  <p:stCondLst>
+                                    <p:cond delay="0"/>
+                                  </p:stCondLst>
+                                  <p:childTnLst>
+                                    <p:set>
+                                      <p:cBhvr>
+                                        <p:cTn id="6" dur="1" fill="hold">
+                                          <p:stCondLst>
+                                            <p:cond delay="0"/>
+                                          </p:stCondLst>
+                                        </p:cTn>
+                                        <p:tgtEl>
+                                          <p:spTgt spid="3">
+                                            <p:txEl>
+                                              <p:pRg st="3" end="3"/>
+                                            </p:txEl>
+                                          </p:spTgt>
+                                        </p:tgtEl>
+                                        <p:attrNameLst>
+                                          <p:attrName>style.visibility</p:attrName>
+                                        </p:attrNameLst>
+                                      </p:cBhvr>
+                                      <p:to>
+                                        <p:strVal val="visible"/>
+                                      </p:to>
+                                    </p:set>
+                                    <p:anim calcmode="lin" valueType="num">
+                                      <p:cBhvr additive="base">
+                                        <p:cTn id="7" dur="500" fill="hold"/>
+                                        <p:tgtEl>
+                                          <p:spTgt spid="3">
+                                            <p:txEl>
+                                              <p:pRg st="3" end="3"/>
+                                            </p:txEl>
+                                          </p:spTgt>
+                                        </p:tgtEl>
+                                        <p:attrNameLst>
+                                          <p:attrName>ppt_x</p:attrName>
+                                        </p:attrNameLst>
+                                      </p:cBhvr>
+                                      <p:tavLst>
+                                        <p:tav tm="0">
+                                          <p:val>
+                                            <p:strVal val="#ppt_x"/>
+                                          </p:val>
+                                        </p:tav>
+                                        <p:tav tm="100000">
+                                          <p:val>
+                                            <p:strVal val="#ppt_x"/>
+                                          </p:val>
+                                        </p:tav>
+                                      </p:tavLst>
+                                    </p:anim>
+                                    <p:anim calcmode="lin" valueType="num">
+                                      <p:cBhvr additive="base">
+                                        <p:cTn id="8" dur="500" fill="hold"/>
+                                        <p:tgtEl>
+                                          <p:spTgt spid="3">
+                                            <p:txEl>
+                                              <p:pRg st="3" end="3"/>
+                                            </p:txEl>
+                                          </p:spTgt>
+                                        </p:tgtEl>
+                                        <p:attrNameLst>
+                                          <p:attrName>ppt_y</p:attrName>
+                                        </p:attrNameLst>
+                                      </p:cBhvr>
+                                      <p:tavLst>
+                                        <p:tav tm="0">
+                                          <p:val>
+                                            <p:strVal val="1+#ppt_h/2"/>
+                                          </p:val>
+                                        </p:tav>
+                                        <p:tav tm="100000">
+                                          <p:val>
+                                            <p:strVal val="#ppt_y"/>
+                                          </p:val>
+                                        </p:tav>
+                                      </p:tavLst>
+                                    </p:anim>
+                                  </p:childTnLst>
+                                </p:cTn>
+                              </p:par>
+                            </p:childTnLst>
+                          </p:cTn>
+                        </p:par>
+                      </p:childTnLst>
+                    </p:cTn>
+                  </p:par>
+                </p:childTnLst>
+              </p:cTn>
+              <p:prevCondLst>
+                <p:cond evt="onPrev" delay="0">
+                  <p:tgtEl>
+                    <p:sldTgt/>
+                  </p:tgtEl>
+                </p:cond>
+              </p:prevCondLst>
+              <p:nextCondLst>
+                <p:cond evt="onNext" delay="0">
+                  <p:tgtEl>
+                    <p:sldTgt/>
+                  </p:tgtEl>
+                </p:cond>
+              </p:nextCondLst>
+            </p:seq>
+          </p:childTnLst>
+        </p:cTn>
+      </p:par>
+    </p:tnLst>
+  </p:timing>
+</p:sld>
+</file>
+
+<file path=ppt/slides/slide5.xml><?xml version="1.0" encoding="utf-8"?>
+<p:sld xmlns:a="http://schemas.openxmlformats.org/drawingml/2006/main" xmlns:r="http://schemas.openxmlformats.org/officeDocument/2006/relationships" xmlns:p="http://schemas.openxmlformats.org/presentationml/2006/main">
+  <p:cSld>
+    <p:spTree>
+      <p:nvGrpSpPr>
+        <p:cNvPr id="1" name=""/>
+        <p:cNvGrpSpPr/>
+        <p:nvPr/>
+      </p:nvGrpSpPr>
+      <p:grpSpPr>
+        <a:xfrm>
+          <a:off x="0" y="0"/>
+          <a:ext cx="0" cy="0"/>
+          <a:chOff x="0" y="0"/>
+          <a:chExt cx="0" cy="0"/>
+        </a:xfrm>
+      </p:grpSpPr>
+      <p:sp>
+        <p:nvSpPr>
+          <p:cNvPr id="2" name="标题 1"/>
+          <p:cNvSpPr>
+            <a:spLocks noGrp="1"/>
+          </p:cNvSpPr>
+          <p:nvPr>
+            <p:ph type="title"/>
+          </p:nvPr>
+        </p:nvSpPr>
+        <p:spPr/>
+        <p:txBody>
+          <a:bodyPr/>
+          <a:lstStyle/>
+          <a:p>
+            <a:pPr algn="l"/>
+            <a:r>
+              <a:rPr lang="en-US" altLang="zh-CN" dirty="0" smtClean="0"/>
+              <a:t>Html template</a:t>
+            </a:r>
+            <a:endParaRPr lang="zh-CN" altLang="en-US" dirty="0"/>
+          </a:p>
+        </p:txBody>
+      </p:sp>
+      <p:sp>
+        <p:nvSpPr>
+          <p:cNvPr id="3" name="内容占位符 2"/>
+          <p:cNvSpPr>
+            <a:spLocks noGrp="1"/>
+          </p:cNvSpPr>
+          <p:nvPr>
+            <p:ph idx="1"/>
+          </p:nvPr>
+        </p:nvSpPr>
+        <p:spPr/>
+        <p:txBody>
+          <a:bodyPr/>
+          <a:lstStyle/>
+          <a:p>
+            <a:endParaRPr lang="zh-CN" altLang="en-US" dirty="0"/>
+          </a:p>
+        </p:txBody>
+      </p:sp>
+      <p:pic>
+        <p:nvPicPr>
+          <p:cNvPr id="40962" name="Picture 2"/>
+          <p:cNvPicPr>
+            <a:picLocks noChangeAspect="1" noChangeArrowheads="1"/>
+          </p:cNvPicPr>
+          <p:nvPr/>
+        </p:nvPicPr>
+        <p:blipFill>
+          <a:blip r:embed="rId2"/>
+          <a:srcRect/>
+          <a:stretch>
+            <a:fillRect/>
+          </a:stretch>
+        </p:blipFill>
+        <p:spPr bwMode="auto">
+          <a:xfrm>
+            <a:off x="1571604" y="2500312"/>
+            <a:ext cx="6376538" cy="1428760"/>
+          </a:xfrm>
+          <a:prstGeom prst="rect">
+            <a:avLst/>
+          </a:prstGeom>
+          <a:noFill/>
+          <a:ln w="9525">
+            <a:noFill/>
+            <a:miter lim="800000"/>
+            <a:headEnd/>
+            <a:tailEnd/>
+          </a:ln>
+          <a:effectLst/>
+        </p:spPr>
+      </p:pic>
+      <p:pic>
+        <p:nvPicPr>
+          <p:cNvPr id="40963" name="Picture 3" descr="C:\Users\Administrator\Documents\Tencent Files\383121719\Image\C2C\Z2]YWS[[KZ7~U7U0AB5((6C.png"/>
+          <p:cNvPicPr>
+            <a:picLocks noChangeAspect="1" noChangeArrowheads="1"/>
+          </p:cNvPicPr>
+          <p:nvPr/>
+        </p:nvPicPr>
+        <p:blipFill>
+          <a:blip r:embed="rId3"/>
+          <a:srcRect/>
+          <a:stretch>
+            <a:fillRect/>
+          </a:stretch>
+        </p:blipFill>
+        <p:spPr bwMode="auto">
+          <a:xfrm>
+            <a:off x="1785918" y="1214428"/>
+            <a:ext cx="928693" cy="1000131"/>
+          </a:xfrm>
+          <a:prstGeom prst="rect">
+            <a:avLst/>
+          </a:prstGeom>
+          <a:noFill/>
+        </p:spPr>
+      </p:pic>
+      <p:sp>
+        <p:nvSpPr>
+          <p:cNvPr id="6" name="TextBox 5"/>
+          <p:cNvSpPr txBox="1"/>
+          <p:nvPr/>
+        </p:nvSpPr>
+        <p:spPr>
+          <a:xfrm>
+            <a:off x="3500430" y="1500180"/>
+            <a:ext cx="1212896" cy="369332"/>
+          </a:xfrm>
+          <a:prstGeom prst="rect">
+            <a:avLst/>
+          </a:prstGeom>
+          <a:noFill/>
+        </p:spPr>
+        <p:txBody>
+          <a:bodyPr wrap="none" rtlCol="0">
+            <a:spAutoFit/>
+          </a:bodyPr>
+          <a:lstStyle/>
+          <a:p>
+            <a:r>
+              <a:rPr lang="en-US" altLang="zh-CN" b="1" dirty="0" smtClean="0"/>
+              <a:t>Index.htm</a:t>
+            </a:r>
+            <a:r>
+              <a:rPr lang="en-US" altLang="zh-CN" dirty="0" smtClean="0"/>
+              <a:t>l</a:t>
+            </a:r>
+            <a:endParaRPr lang="zh-CN" altLang="en-US" dirty="0"/>
+          </a:p>
+        </p:txBody>
+      </p:sp>
+      <p:cxnSp>
+        <p:nvCxnSpPr>
+          <p:cNvPr id="8" name="直接箭头连接符 7"/>
+          <p:cNvCxnSpPr>
+            <a:stCxn id="40963" idx="3"/>
+            <a:endCxn id="6" idx="1"/>
+          </p:cNvCxnSpPr>
+          <p:nvPr/>
+        </p:nvCxnSpPr>
+        <p:spPr>
+          <a:xfrm flipV="1">
+            <a:off x="2714611" y="1684846"/>
+            <a:ext cx="785819" cy="29648"/>
+          </a:xfrm>
+          <a:prstGeom prst="straightConnector1">
+            <a:avLst/>
+          </a:prstGeom>
+          <a:ln w="15875">
+            <a:tailEnd type="arrow"/>
+          </a:ln>
+        </p:spPr>
+        <p:style>
+          <a:lnRef idx="1">
+            <a:schemeClr val="accent1"/>
+          </a:lnRef>
+          <a:fillRef idx="0">
+            <a:schemeClr val="accent1"/>
+          </a:fillRef>
+          <a:effectRef idx="0">
+            <a:schemeClr val="accent1"/>
+          </a:effectRef>
+          <a:fontRef idx="minor">
+            <a:schemeClr val="tx1"/>
+          </a:fontRef>
+        </p:style>
+      </p:cxnSp>
+      <p:sp>
+        <p:nvSpPr>
+          <p:cNvPr id="11" name="TextBox 10"/>
+          <p:cNvSpPr txBox="1"/>
+          <p:nvPr/>
+        </p:nvSpPr>
+        <p:spPr>
+          <a:xfrm>
+            <a:off x="571472" y="1500180"/>
+            <a:ext cx="1256498" cy="369332"/>
+          </a:xfrm>
+          <a:prstGeom prst="rect">
+            <a:avLst/>
+          </a:prstGeom>
+          <a:noFill/>
+        </p:spPr>
+        <p:txBody>
+          <a:bodyPr wrap="none" rtlCol="0">
+            <a:spAutoFit/>
+          </a:bodyPr>
+          <a:lstStyle/>
+          <a:p>
+            <a:r>
+              <a:rPr lang="en-US" altLang="zh-CN" dirty="0" smtClean="0"/>
+              <a:t>Web server</a:t>
+            </a:r>
+            <a:endParaRPr lang="zh-CN" altLang="en-US" dirty="0"/>
+          </a:p>
+        </p:txBody>
+      </p:sp>
+      <p:cxnSp>
+        <p:nvCxnSpPr>
+          <p:cNvPr id="16" name="直接箭头连接符 15"/>
+          <p:cNvCxnSpPr>
+            <a:stCxn id="6" idx="2"/>
+          </p:cNvCxnSpPr>
+          <p:nvPr/>
+        </p:nvCxnSpPr>
+        <p:spPr>
+          <a:xfrm rot="5400000">
+            <a:off x="3774006" y="2167440"/>
+            <a:ext cx="630800" cy="34944"/>
+          </a:xfrm>
+          <a:prstGeom prst="straightConnector1">
+            <a:avLst/>
+          </a:prstGeom>
+          <a:ln w="15875">
+            <a:tailEnd type="arrow"/>
+          </a:ln>
+        </p:spPr>
+        <p:style>
+          <a:lnRef idx="1">
+            <a:schemeClr val="accent1"/>
+          </a:lnRef>
+          <a:fillRef idx="0">
+            <a:schemeClr val="accent1"/>
+          </a:fillRef>
+          <a:effectRef idx="0">
+            <a:schemeClr val="accent1"/>
+          </a:effectRef>
+          <a:fontRef idx="minor">
+            <a:schemeClr val="tx1"/>
+          </a:fontRef>
+        </p:style>
+      </p:cxnSp>
+      <p:sp>
+        <p:nvSpPr>
+          <p:cNvPr id="19" name="圆角矩形 18"/>
+          <p:cNvSpPr/>
+          <p:nvPr/>
+        </p:nvSpPr>
+        <p:spPr>
+          <a:xfrm>
+            <a:off x="4000496" y="3357568"/>
+            <a:ext cx="714380" cy="285752"/>
+          </a:xfrm>
+          <a:prstGeom prst="roundRect">
+            <a:avLst/>
+          </a:prstGeom>
+          <a:noFill/>
+        </p:spPr>
+        <p:style>
+          <a:lnRef idx="2">
+            <a:schemeClr val="accent1">
+              <a:shade val="50000"/>
+            </a:schemeClr>
+          </a:lnRef>
+          <a:fillRef idx="1">
+            <a:schemeClr val="accent1"/>
+          </a:fillRef>
+          <a:effectRef idx="0">
+            <a:schemeClr val="accent1"/>
+          </a:effectRef>
+          <a:fontRef idx="minor">
+            <a:schemeClr val="lt1"/>
+          </a:fontRef>
+        </p:style>
+        <p:txBody>
+          <a:bodyPr rtlCol="0" anchor="ctr"/>
+          <a:lstStyle/>
+          <a:p>
+            <a:pPr algn="ctr"/>
+            <a:endParaRPr lang="zh-CN" altLang="en-US"/>
+          </a:p>
+        </p:txBody>
+      </p:sp>
+    </p:spTree>
+  </p:cSld>
+  <p:clrMapOvr>
+    <a:masterClrMapping/>
+  </p:clrMapOvr>
+  <p:timing>
+    <p:tnLst>
+      <p:par>
+        <p:cTn id="1" dur="indefinite" restart="never" nodeType="tmRoot">
+          <p:childTnLst>
+            <p:seq concurrent="1" nextAc="seek">
+              <p:cTn id="2" dur="indefinite" nodeType="mainSeq">
+                <p:childTnLst>
+                  <p:par>
+                    <p:cTn id="3" fill="hold">
+                      <p:stCondLst>
+                        <p:cond delay="indefinite"/>
+                      </p:stCondLst>
+                      <p:childTnLst>
+                        <p:par>
+                          <p:cTn id="4" fill="hold">
+                            <p:stCondLst>
+                              <p:cond delay="0"/>
+                            </p:stCondLst>
+                            <p:childTnLst>
+                              <p:par>
+                                <p:cTn id="5" presetID="2" presetClass="entr" presetSubtype="4" fill="hold" grpId="0" nodeType="clickEffect">
+                                  <p:stCondLst>
+                                    <p:cond delay="0"/>
+                                  </p:stCondLst>
+                                  <p:childTnLst>
+                                    <p:set>
+                                      <p:cBhvr>
+                                        <p:cTn id="6" dur="1" fill="hold">
+                                          <p:stCondLst>
+                                            <p:cond delay="0"/>
+                                          </p:stCondLst>
+                                        </p:cTn>
+                                        <p:tgtEl>
+                                          <p:spTgt spid="19"/>
+                                        </p:tgtEl>
+                                        <p:attrNameLst>
+                                          <p:attrName>style.visibility</p:attrName>
+                                        </p:attrNameLst>
+                                      </p:cBhvr>
+                                      <p:to>
+                                        <p:strVal val="visible"/>
+                                      </p:to>
+                                    </p:set>
+                                    <p:anim calcmode="lin" valueType="num">
+                                      <p:cBhvr additive="base">
+                                        <p:cTn id="7" dur="500" fill="hold"/>
+                                        <p:tgtEl>
+                                          <p:spTgt spid="19"/>
+                                        </p:tgtEl>
+                                        <p:attrNameLst>
+                                          <p:attrName>ppt_x</p:attrName>
+                                        </p:attrNameLst>
+                                      </p:cBhvr>
+                                      <p:tavLst>
+                                        <p:tav tm="0">
+                                          <p:val>
+                                            <p:strVal val="#ppt_x"/>
+                                          </p:val>
+                                        </p:tav>
+                                        <p:tav tm="100000">
+                                          <p:val>
+                                            <p:strVal val="#ppt_x"/>
+                                          </p:val>
+                                        </p:tav>
+                                      </p:tavLst>
+                                    </p:anim>
+                                    <p:anim calcmode="lin" valueType="num">
+                                      <p:cBhvr additive="base">
+                                        <p:cTn id="8" dur="500" fill="hold"/>
+                                        <p:tgtEl>
+                                          <p:spTgt spid="19"/>
+                                        </p:tgtEl>
+                                        <p:attrNameLst>
+                                          <p:attrName>ppt_y</p:attrName>
+                                        </p:attrNameLst>
+                                      </p:cBhvr>
+                                      <p:tavLst>
+                                        <p:tav tm="0">
+                                          <p:val>
+                                            <p:strVal val="1+#ppt_h/2"/>
+                                          </p:val>
+                                        </p:tav>
+                                        <p:tav tm="100000">
+                                          <p:val>
+                                            <p:strVal val="#ppt_y"/>
+                                          </p:val>
+                                        </p:tav>
+                                      </p:tavLst>
+                                    </p:anim>
+                                  </p:childTnLst>
+                                </p:cTn>
+                              </p:par>
+                            </p:childTnLst>
+                          </p:cTn>
+                        </p:par>
+                      </p:childTnLst>
+                    </p:cTn>
+                  </p:par>
+                </p:childTnLst>
+              </p:cTn>
+              <p:prevCondLst>
+                <p:cond evt="onPrev" delay="0">
+                  <p:tgtEl>
+                    <p:sldTgt/>
+                  </p:tgtEl>
+                </p:cond>
+              </p:prevCondLst>
+              <p:nextCondLst>
+                <p:cond evt="onNext" delay="0">
+                  <p:tgtEl>
+                    <p:sldTgt/>
+                  </p:tgtEl>
+                </p:cond>
+              </p:nextCondLst>
+            </p:seq>
+          </p:childTnLst>
+        </p:cTn>
+      </p:par>
+    </p:tnLst>
+    <p:bldLst>
+      <p:bldP spid="19" grpId="0" animBg="1"/>
+    </p:bldLst>
+  </p:timing>
+</p:sld>
+</file>
+
+<file path=ppt/slides/slide6.xml><?xml version="1.0" encoding="utf-8"?>
+<p:sld xmlns:a="http://schemas.openxmlformats.org/drawingml/2006/main" xmlns:r="http://schemas.openxmlformats.org/officeDocument/2006/relationships" xmlns:p="http://schemas.openxmlformats.org/presentationml/2006/main">
+  <p:cSld>
+    <p:spTree>
+      <p:nvGrpSpPr>
+        <p:cNvPr id="1" name=""/>
+        <p:cNvGrpSpPr/>
+        <p:nvPr/>
+      </p:nvGrpSpPr>
+      <p:grpSpPr>
+        <a:xfrm>
+          <a:off x="0" y="0"/>
+          <a:ext cx="0" cy="0"/>
+          <a:chOff x="0" y="0"/>
+          <a:chExt cx="0" cy="0"/>
+        </a:xfrm>
+      </p:grpSpPr>
+      <p:sp>
+        <p:nvSpPr>
+          <p:cNvPr id="2" name="标题 1"/>
+          <p:cNvSpPr>
+            <a:spLocks noGrp="1"/>
+          </p:cNvSpPr>
+          <p:nvPr>
+            <p:ph type="title"/>
+          </p:nvPr>
+        </p:nvSpPr>
+        <p:spPr/>
+        <p:txBody>
+          <a:bodyPr/>
+          <a:lstStyle/>
+          <a:p>
+            <a:pPr algn="l"/>
+            <a:r>
+              <a:rPr lang="en-US" altLang="zh-CN" dirty="0" smtClean="0"/>
+              <a:t>Render html</a:t>
+            </a:r>
+            <a:endParaRPr lang="zh-CN" altLang="en-US" dirty="0"/>
+          </a:p>
+        </p:txBody>
+      </p:sp>
+      <p:sp>
+        <p:nvSpPr>
+          <p:cNvPr id="3" name="内容占位符 2"/>
+          <p:cNvSpPr>
+            <a:spLocks noGrp="1"/>
+          </p:cNvSpPr>
+          <p:nvPr>
+            <p:ph idx="1"/>
+          </p:nvPr>
+        </p:nvSpPr>
+        <p:spPr/>
+        <p:txBody>
+          <a:bodyPr/>
+          <a:lstStyle/>
+          <a:p>
+            <a:endParaRPr lang="zh-CN" altLang="en-US" dirty="0"/>
+          </a:p>
+        </p:txBody>
+      </p:sp>
+      <p:pic>
+        <p:nvPicPr>
+          <p:cNvPr id="41986" name="Picture 2"/>
+          <p:cNvPicPr>
+            <a:picLocks noChangeAspect="1" noChangeArrowheads="1"/>
+          </p:cNvPicPr>
+          <p:nvPr/>
+        </p:nvPicPr>
+        <p:blipFill>
+          <a:blip r:embed="rId2"/>
+          <a:srcRect/>
+          <a:stretch>
+            <a:fillRect/>
+          </a:stretch>
+        </p:blipFill>
+        <p:spPr bwMode="auto">
+          <a:xfrm>
+            <a:off x="428596" y="1214428"/>
+            <a:ext cx="3695396" cy="1357322"/>
+          </a:xfrm>
+          <a:prstGeom prst="rect">
+            <a:avLst/>
+          </a:prstGeom>
+          <a:noFill/>
+          <a:ln w="9525">
+            <a:noFill/>
+            <a:miter lim="800000"/>
+            <a:headEnd/>
+            <a:tailEnd/>
+          </a:ln>
+          <a:effectLst/>
+        </p:spPr>
+      </p:pic>
+      <p:pic>
+        <p:nvPicPr>
+          <p:cNvPr id="5" name="Picture 2"/>
+          <p:cNvPicPr>
+            <a:picLocks noChangeAspect="1" noChangeArrowheads="1"/>
+          </p:cNvPicPr>
+          <p:nvPr/>
+        </p:nvPicPr>
+        <p:blipFill>
+          <a:blip r:embed="rId3"/>
+          <a:srcRect/>
+          <a:stretch>
+            <a:fillRect/>
+          </a:stretch>
+        </p:blipFill>
+        <p:spPr bwMode="auto">
+          <a:xfrm>
+            <a:off x="428596" y="2857502"/>
+            <a:ext cx="6143668" cy="1376581"/>
+          </a:xfrm>
+          <a:prstGeom prst="rect">
+            <a:avLst/>
+          </a:prstGeom>
+          <a:noFill/>
+          <a:ln w="9525">
+            <a:noFill/>
+            <a:miter lim="800000"/>
+            <a:headEnd/>
+            <a:tailEnd/>
+          </a:ln>
+          <a:effectLst/>
+        </p:spPr>
+      </p:pic>
+      <p:pic>
+        <p:nvPicPr>
+          <p:cNvPr id="41988" name="Picture 4"/>
+          <p:cNvPicPr>
+            <a:picLocks noChangeAspect="1" noChangeArrowheads="1"/>
+          </p:cNvPicPr>
+          <p:nvPr/>
+        </p:nvPicPr>
+        <p:blipFill>
+          <a:blip r:embed="rId4"/>
+          <a:srcRect/>
+          <a:stretch>
+            <a:fillRect/>
+          </a:stretch>
+        </p:blipFill>
+        <p:spPr bwMode="auto">
+          <a:xfrm>
+            <a:off x="5286380" y="1571618"/>
+            <a:ext cx="3314700" cy="990600"/>
+          </a:xfrm>
+          <a:prstGeom prst="rect">
+            <a:avLst/>
+          </a:prstGeom>
+          <a:noFill/>
+          <a:ln w="9525">
+            <a:noFill/>
+            <a:miter lim="800000"/>
+            <a:headEnd/>
+            <a:tailEnd/>
+          </a:ln>
+          <a:effectLst/>
+        </p:spPr>
+      </p:pic>
+      <p:grpSp>
+        <p:nvGrpSpPr>
+          <p:cNvPr id="18" name="组合 17"/>
+          <p:cNvGrpSpPr/>
+          <p:nvPr/>
+        </p:nvGrpSpPr>
+        <p:grpSpPr>
+          <a:xfrm>
+            <a:off x="1214414" y="2071684"/>
+            <a:ext cx="1161865" cy="857256"/>
+            <a:chOff x="1214414" y="2071684"/>
+            <a:chExt cx="1161865" cy="857256"/>
+          </a:xfrm>
+        </p:grpSpPr>
+        <p:sp>
+          <p:nvSpPr>
+            <p:cNvPr id="6" name="下箭头 5"/>
+            <p:cNvSpPr/>
+            <p:nvPr/>
+          </p:nvSpPr>
+          <p:spPr>
+            <a:xfrm>
+              <a:off x="1214414" y="2071684"/>
+              <a:ext cx="142876" cy="857256"/>
+            </a:xfrm>
+            <a:prstGeom prst="downArrow">
+              <a:avLst/>
+            </a:prstGeom>
+            <a:solidFill>
+              <a:schemeClr val="accent1"/>
+            </a:solidFill>
+            <a:ln>
+              <a:solidFill>
+                <a:schemeClr val="accent1">
+                  <a:shade val="50000"/>
+                </a:schemeClr>
+              </a:solidFill>
+            </a:ln>
+          </p:spPr>
+          <p:style>
+            <a:lnRef idx="2">
+              <a:schemeClr val="accent1">
+                <a:shade val="50000"/>
+              </a:schemeClr>
+            </a:lnRef>
+            <a:fillRef idx="1">
+              <a:schemeClr val="accent1"/>
+            </a:fillRef>
+            <a:effectRef idx="0">
+              <a:schemeClr val="accent1"/>
+            </a:effectRef>
+            <a:fontRef idx="minor">
+              <a:schemeClr val="lt1"/>
+            </a:fontRef>
+          </p:style>
+          <p:txBody>
+            <a:bodyPr rtlCol="0" anchor="ctr"/>
+            <a:lstStyle/>
+            <a:p>
+              <a:pPr algn="ctr"/>
+              <a:endParaRPr lang="zh-CN" altLang="en-US"/>
+            </a:p>
+          </p:txBody>
+        </p:sp>
+        <p:sp>
+          <p:nvSpPr>
+            <p:cNvPr id="15" name="TextBox 14"/>
+            <p:cNvSpPr txBox="1"/>
+            <p:nvPr/>
+          </p:nvSpPr>
+          <p:spPr>
+            <a:xfrm>
+              <a:off x="1285852" y="2500312"/>
+              <a:ext cx="1090427" cy="276999"/>
+            </a:xfrm>
+            <a:prstGeom prst="rect">
+              <a:avLst/>
+            </a:prstGeom>
+            <a:noFill/>
+          </p:spPr>
+          <p:txBody>
+            <a:bodyPr wrap="none" rtlCol="0">
+              <a:spAutoFit/>
+            </a:bodyPr>
+            <a:lstStyle/>
+            <a:p>
+              <a:r>
+                <a:rPr lang="en-US" altLang="zh-CN" sz="1200" dirty="0" smtClean="0">
+                  <a:solidFill>
+                    <a:srgbClr val="FF0000"/>
+                  </a:solidFill>
+                </a:rPr>
+                <a:t>Html template</a:t>
+              </a:r>
+              <a:endParaRPr lang="zh-CN" altLang="en-US" sz="1200" dirty="0">
+                <a:solidFill>
+                  <a:srgbClr val="FF0000"/>
+                </a:solidFill>
+              </a:endParaRPr>
+            </a:p>
+          </p:txBody>
+        </p:sp>
+      </p:grpSp>
+      <p:grpSp>
+        <p:nvGrpSpPr>
+          <p:cNvPr id="19" name="组合 18"/>
+          <p:cNvGrpSpPr/>
+          <p:nvPr/>
+        </p:nvGrpSpPr>
+        <p:grpSpPr>
+          <a:xfrm>
+            <a:off x="3329132" y="2064059"/>
+            <a:ext cx="1637006" cy="1624073"/>
+            <a:chOff x="3329132" y="2064059"/>
+            <a:chExt cx="1637006" cy="1624073"/>
+          </a:xfrm>
+        </p:grpSpPr>
+        <p:sp>
+          <p:nvSpPr>
+            <p:cNvPr id="14" name="下箭头 13"/>
+            <p:cNvSpPr/>
+            <p:nvPr/>
+          </p:nvSpPr>
+          <p:spPr>
+            <a:xfrm rot="1091596">
+              <a:off x="3329132" y="2064059"/>
+              <a:ext cx="160953" cy="1624073"/>
+            </a:xfrm>
+            <a:prstGeom prst="downArrow">
+              <a:avLst/>
+            </a:prstGeom>
+          </p:spPr>
+          <p:style>
+            <a:lnRef idx="2">
+              <a:schemeClr val="accent1">
+                <a:shade val="50000"/>
+              </a:schemeClr>
+            </a:lnRef>
+            <a:fillRef idx="1">
+              <a:schemeClr val="accent1"/>
+            </a:fillRef>
+            <a:effectRef idx="0">
+              <a:schemeClr val="accent1"/>
+            </a:effectRef>
+            <a:fontRef idx="minor">
+              <a:schemeClr val="lt1"/>
+            </a:fontRef>
+          </p:style>
+          <p:txBody>
+            <a:bodyPr rtlCol="0" anchor="ctr"/>
+            <a:lstStyle/>
+            <a:p>
+              <a:pPr algn="ctr"/>
+              <a:endParaRPr lang="zh-CN" altLang="en-US"/>
+            </a:p>
+          </p:txBody>
+        </p:sp>
+        <p:sp>
+          <p:nvSpPr>
+            <p:cNvPr id="16" name="TextBox 15"/>
+            <p:cNvSpPr txBox="1"/>
+            <p:nvPr/>
+          </p:nvSpPr>
+          <p:spPr>
+            <a:xfrm>
+              <a:off x="3410135" y="2714626"/>
+              <a:ext cx="1556003" cy="276999"/>
+            </a:xfrm>
+            <a:prstGeom prst="rect">
+              <a:avLst/>
+            </a:prstGeom>
+            <a:noFill/>
+          </p:spPr>
+          <p:txBody>
+            <a:bodyPr wrap="none" rtlCol="0">
+              <a:spAutoFit/>
+            </a:bodyPr>
+            <a:lstStyle/>
+            <a:p>
+              <a:r>
+                <a:rPr lang="en-US" altLang="zh-CN" sz="1200" dirty="0" smtClean="0">
+                  <a:solidFill>
+                    <a:srgbClr val="FF0000"/>
+                  </a:solidFill>
+                </a:rPr>
+                <a:t>Render html template</a:t>
+              </a:r>
+              <a:endParaRPr lang="zh-CN" altLang="en-US" sz="1200" dirty="0">
+                <a:solidFill>
+                  <a:srgbClr val="FF0000"/>
+                </a:solidFill>
+              </a:endParaRPr>
+            </a:p>
+          </p:txBody>
+        </p:sp>
+      </p:grpSp>
+      <p:grpSp>
+        <p:nvGrpSpPr>
+          <p:cNvPr id="20" name="组合 19"/>
+          <p:cNvGrpSpPr/>
+          <p:nvPr/>
+        </p:nvGrpSpPr>
+        <p:grpSpPr>
+          <a:xfrm>
+            <a:off x="4214810" y="1714494"/>
+            <a:ext cx="906970" cy="357190"/>
+            <a:chOff x="4214810" y="1714494"/>
+            <a:chExt cx="906970" cy="357190"/>
+          </a:xfrm>
+        </p:grpSpPr>
+        <p:sp>
+          <p:nvSpPr>
+            <p:cNvPr id="8" name="右箭头 7"/>
+            <p:cNvSpPr/>
+            <p:nvPr/>
+          </p:nvSpPr>
+          <p:spPr>
+            <a:xfrm>
+              <a:off x="4214810" y="1928808"/>
+              <a:ext cx="906970" cy="142876"/>
+            </a:xfrm>
+            <a:prstGeom prst="rightArrow">
+              <a:avLst/>
+            </a:prstGeom>
+          </p:spPr>
+          <p:style>
+            <a:lnRef idx="2">
+              <a:schemeClr val="accent1">
+                <a:shade val="50000"/>
+              </a:schemeClr>
+            </a:lnRef>
+            <a:fillRef idx="1">
+              <a:schemeClr val="accent1"/>
+            </a:fillRef>
+            <a:effectRef idx="0">
+              <a:schemeClr val="accent1"/>
+            </a:effectRef>
+            <a:fontRef idx="minor">
+              <a:schemeClr val="lt1"/>
+            </a:fontRef>
+          </p:style>
+          <p:txBody>
+            <a:bodyPr rtlCol="0" anchor="ctr"/>
+            <a:lstStyle/>
+            <a:p>
+              <a:pPr algn="ctr"/>
+              <a:endParaRPr lang="zh-CN" altLang="en-US"/>
+            </a:p>
+          </p:txBody>
+        </p:sp>
+        <p:sp>
+          <p:nvSpPr>
+            <p:cNvPr id="17" name="TextBox 16"/>
+            <p:cNvSpPr txBox="1"/>
+            <p:nvPr/>
+          </p:nvSpPr>
+          <p:spPr>
+            <a:xfrm>
+              <a:off x="4286248" y="1714494"/>
+              <a:ext cx="785818" cy="276999"/>
+            </a:xfrm>
+            <a:prstGeom prst="rect">
+              <a:avLst/>
+            </a:prstGeom>
+            <a:noFill/>
+          </p:spPr>
+          <p:txBody>
+            <a:bodyPr wrap="square" rtlCol="0">
+              <a:spAutoFit/>
+            </a:bodyPr>
+            <a:lstStyle/>
+            <a:p>
+              <a:r>
+                <a:rPr lang="en-US" altLang="zh-CN" sz="1200" dirty="0" smtClean="0">
+                  <a:solidFill>
+                    <a:srgbClr val="FF0000"/>
+                  </a:solidFill>
+                </a:rPr>
+                <a:t>response</a:t>
+              </a:r>
+              <a:endParaRPr lang="zh-CN" altLang="en-US" sz="1200" dirty="0">
+                <a:solidFill>
+                  <a:srgbClr val="FF0000"/>
+                </a:solidFill>
+              </a:endParaRPr>
+            </a:p>
+          </p:txBody>
+        </p:sp>
+      </p:grpSp>
+      <p:sp>
+        <p:nvSpPr>
+          <p:cNvPr id="21" name="圆角矩形 20"/>
+          <p:cNvSpPr/>
+          <p:nvPr/>
+        </p:nvSpPr>
+        <p:spPr>
+          <a:xfrm>
+            <a:off x="2786050" y="3714758"/>
+            <a:ext cx="642942" cy="214314"/>
+          </a:xfrm>
+          <a:prstGeom prst="roundRect">
+            <a:avLst/>
+          </a:prstGeom>
+          <a:noFill/>
+        </p:spPr>
+        <p:style>
+          <a:lnRef idx="2">
+            <a:schemeClr val="accent1">
+              <a:shade val="50000"/>
+            </a:schemeClr>
+          </a:lnRef>
+          <a:fillRef idx="1">
+            <a:schemeClr val="accent1"/>
+          </a:fillRef>
+          <a:effectRef idx="0">
+            <a:schemeClr val="accent1"/>
+          </a:effectRef>
+          <a:fontRef idx="minor">
+            <a:schemeClr val="lt1"/>
+          </a:fontRef>
+        </p:style>
+        <p:txBody>
+          <a:bodyPr rtlCol="0" anchor="ctr"/>
+          <a:lstStyle/>
+          <a:p>
+            <a:pPr algn="ctr"/>
+            <a:endParaRPr lang="zh-CN" altLang="en-US"/>
+          </a:p>
+        </p:txBody>
+      </p:sp>
+    </p:spTree>
+  </p:cSld>
+  <p:clrMapOvr>
+    <a:masterClrMapping/>
+  </p:clrMapOvr>
+  <p:timing>
+    <p:tnLst>
+      <p:par>
+        <p:cTn id="1" dur="indefinite" restart="never" nodeType="tmRoot">
+          <p:childTnLst>
+            <p:seq concurrent="1" nextAc="seek">
+              <p:cTn id="2" dur="indefinite" nodeType="mainSeq">
+                <p:childTnLst>
+                  <p:par>
+                    <p:cTn id="3" fill="hold">
+                      <p:stCondLst>
+                        <p:cond delay="indefinite"/>
+                      </p:stCondLst>
+                      <p:childTnLst>
+                        <p:par>
+                          <p:cTn id="4" fill="hold">
+                            <p:stCondLst>
+                              <p:cond delay="0"/>
+                            </p:stCondLst>
+                            <p:childTnLst>
+                              <p:par>
+                                <p:cTn id="5" presetID="22" presetClass="entr" presetSubtype="1" fill="hold" nodeType="clickEffect">
+                                  <p:stCondLst>
+                                    <p:cond delay="0"/>
+                                  </p:stCondLst>
+                                  <p:childTnLst>
+                                    <p:set>
+                                      <p:cBhvr>
+                                        <p:cTn id="6" dur="1" fill="hold">
+                                          <p:stCondLst>
+                                            <p:cond delay="0"/>
+                                          </p:stCondLst>
+                                        </p:cTn>
+                                        <p:tgtEl>
+                                          <p:spTgt spid="18"/>
+                                        </p:tgtEl>
+                                        <p:attrNameLst>
+                                          <p:attrName>style.visibility</p:attrName>
+                                        </p:attrNameLst>
+                                      </p:cBhvr>
+                                      <p:to>
+                                        <p:strVal val="visible"/>
+                                      </p:to>
+                                    </p:set>
+                                    <p:animEffect transition="in" filter="wipe(up)">
+                                      <p:cBhvr>
+                                        <p:cTn id="7" dur="500"/>
+                                        <p:tgtEl>
+                                          <p:spTgt spid="18"/>
+                                        </p:tgtEl>
+                                      </p:cBhvr>
+                                    </p:animEffect>
+                                  </p:childTnLst>
+                                </p:cTn>
+                              </p:par>
+                            </p:childTnLst>
+                          </p:cTn>
+                        </p:par>
+                      </p:childTnLst>
+                    </p:cTn>
+                  </p:par>
+                  <p:par>
+                    <p:cTn id="8" fill="hold">
+                      <p:stCondLst>
+                        <p:cond delay="indefinite"/>
+                      </p:stCondLst>
+                      <p:childTnLst>
+                        <p:par>
+                          <p:cTn id="9" fill="hold">
+                            <p:stCondLst>
+                              <p:cond delay="0"/>
+                            </p:stCondLst>
+                            <p:childTnLst>
+                              <p:par>
+                                <p:cTn id="10" presetID="22" presetClass="entr" presetSubtype="1" fill="hold" nodeType="clickEffect">
+                                  <p:stCondLst>
+                                    <p:cond delay="0"/>
+                                  </p:stCondLst>
+                                  <p:childTnLst>
+                                    <p:set>
+                                      <p:cBhvr>
+                                        <p:cTn id="11" dur="1" fill="hold">
+                                          <p:stCondLst>
+                                            <p:cond delay="0"/>
+                                          </p:stCondLst>
+                                        </p:cTn>
+                                        <p:tgtEl>
+                                          <p:spTgt spid="19"/>
+                                        </p:tgtEl>
+                                        <p:attrNameLst>
+                                          <p:attrName>style.visibility</p:attrName>
+                                        </p:attrNameLst>
+                                      </p:cBhvr>
+                                      <p:to>
+                                        <p:strVal val="visible"/>
+                                      </p:to>
+                                    </p:set>
+                                    <p:animEffect transition="in" filter="wipe(up)">
+                                      <p:cBhvr>
+                                        <p:cTn id="12" dur="500"/>
+                                        <p:tgtEl>
+                                          <p:spTgt spid="19"/>
+                                        </p:tgtEl>
+                                      </p:cBhvr>
+                                    </p:animEffect>
+                                  </p:childTnLst>
+                                </p:cTn>
+                              </p:par>
+                            </p:childTnLst>
+                          </p:cTn>
+                        </p:par>
+                        <p:par>
+                          <p:cTn id="13" fill="hold">
+                            <p:stCondLst>
+                              <p:cond delay="500"/>
+                            </p:stCondLst>
+                            <p:childTnLst>
+                              <p:par>
+                                <p:cTn id="14" presetID="22" presetClass="entr" presetSubtype="1" fill="hold" grpId="0" nodeType="afterEffect">
+                                  <p:stCondLst>
+                                    <p:cond delay="0"/>
+                                  </p:stCondLst>
+                                  <p:childTnLst>
+                                    <p:set>
+                                      <p:cBhvr>
+                                        <p:cTn id="15" dur="1" fill="hold">
+                                          <p:stCondLst>
+                                            <p:cond delay="0"/>
+                                          </p:stCondLst>
+                                        </p:cTn>
+                                        <p:tgtEl>
+                                          <p:spTgt spid="21"/>
+                                        </p:tgtEl>
+                                        <p:attrNameLst>
+                                          <p:attrName>style.visibility</p:attrName>
+                                        </p:attrNameLst>
+                                      </p:cBhvr>
+                                      <p:to>
+                                        <p:strVal val="visible"/>
+                                      </p:to>
+                                    </p:set>
+                                    <p:animEffect transition="in" filter="wipe(up)">
+                                      <p:cBhvr>
+                                        <p:cTn id="16" dur="500"/>
+                                        <p:tgtEl>
+                                          <p:spTgt spid="21"/>
+                                        </p:tgtEl>
+                                      </p:cBhvr>
+                                    </p:animEffect>
+                                  </p:childTnLst>
+                                </p:cTn>
+                              </p:par>
+                            </p:childTnLst>
+                          </p:cTn>
+                        </p:par>
+                      </p:childTnLst>
+                    </p:cTn>
+                  </p:par>
+                  <p:par>
+                    <p:cTn id="17" fill="hold">
+                      <p:stCondLst>
+                        <p:cond delay="indefinite"/>
+                      </p:stCondLst>
+                      <p:childTnLst>
+                        <p:par>
+                          <p:cTn id="18" fill="hold">
+                            <p:stCondLst>
+                              <p:cond delay="0"/>
+                            </p:stCondLst>
+                            <p:childTnLst>
+                              <p:par>
+                                <p:cTn id="19" presetID="22" presetClass="entr" presetSubtype="8" fill="hold" nodeType="clickEffect">
+                                  <p:stCondLst>
+                                    <p:cond delay="0"/>
+                                  </p:stCondLst>
+                                  <p:childTnLst>
+                                    <p:set>
+                                      <p:cBhvr>
+                                        <p:cTn id="20" dur="1" fill="hold">
+                                          <p:stCondLst>
+                                            <p:cond delay="0"/>
+                                          </p:stCondLst>
+                                        </p:cTn>
+                                        <p:tgtEl>
+                                          <p:spTgt spid="20"/>
+                                        </p:tgtEl>
+                                        <p:attrNameLst>
+                                          <p:attrName>style.visibility</p:attrName>
+                                        </p:attrNameLst>
+                                      </p:cBhvr>
+                                      <p:to>
+                                        <p:strVal val="visible"/>
+                                      </p:to>
+                                    </p:set>
+                                    <p:animEffect transition="in" filter="wipe(left)">
+                                      <p:cBhvr>
+                                        <p:cTn id="21" dur="500"/>
+                                        <p:tgtEl>
+                                          <p:spTgt spid="20"/>
+                                        </p:tgtEl>
+                                      </p:cBhvr>
+                                    </p:animEffect>
+                                  </p:childTnLst>
+                                </p:cTn>
+                              </p:par>
+                            </p:childTnLst>
+                          </p:cTn>
+                        </p:par>
+                        <p:par>
+                          <p:cTn id="22" fill="hold">
+                            <p:stCondLst>
+                              <p:cond delay="500"/>
+                            </p:stCondLst>
+                            <p:childTnLst>
+                              <p:par>
+                                <p:cTn id="23" presetID="22" presetClass="entr" presetSubtype="8" fill="hold" nodeType="afterEffect">
+                                  <p:stCondLst>
+                                    <p:cond delay="0"/>
+                                  </p:stCondLst>
+                                  <p:childTnLst>
+                                    <p:set>
+                                      <p:cBhvr>
+                                        <p:cTn id="24" dur="1" fill="hold">
+                                          <p:stCondLst>
+                                            <p:cond delay="0"/>
+                                          </p:stCondLst>
+                                        </p:cTn>
+                                        <p:tgtEl>
+                                          <p:spTgt spid="41988"/>
+                                        </p:tgtEl>
+                                        <p:attrNameLst>
+                                          <p:attrName>style.visibility</p:attrName>
+                                        </p:attrNameLst>
+                                      </p:cBhvr>
+                                      <p:to>
+                                        <p:strVal val="visible"/>
+                                      </p:to>
+                                    </p:set>
+                                    <p:animEffect transition="in" filter="wipe(left)">
+                                      <p:cBhvr>
+                                        <p:cTn id="25" dur="500"/>
+                                        <p:tgtEl>
+                                          <p:spTgt spid="41988"/>
+                                        </p:tgtEl>
+                                      </p:cBhvr>
+                                    </p:animEffect>
+                                  </p:childTnLst>
+                                </p:cTn>
+                              </p:par>
+                            </p:childTnLst>
+                          </p:cTn>
+                        </p:par>
+                      </p:childTnLst>
+                    </p:cTn>
+                  </p:par>
+                </p:childTnLst>
+              </p:cTn>
+              <p:prevCondLst>
+                <p:cond evt="onPrev" delay="0">
+                  <p:tgtEl>
+                    <p:sldTgt/>
+                  </p:tgtEl>
+                </p:cond>
+              </p:prevCondLst>
+              <p:nextCondLst>
+                <p:cond evt="onNext" delay="0">
+                  <p:tgtEl>
+                    <p:sldTgt/>
+                  </p:tgtEl>
+                </p:cond>
+              </p:nextCondLst>
+            </p:seq>
+          </p:childTnLst>
+        </p:cTn>
+      </p:par>
+    </p:tnLst>
+    <p:bldLst>
+      <p:bldP spid="21" grpId="0" animBg="1"/>
+    </p:bldLst>
+  </p:timing>
+</p:sld>
+</file>
+
+<file path=ppt/slides/slide7.xml><?xml version="1.0" encoding="utf-8"?>
+<p:sld xmlns:a="http://schemas.openxmlformats.org/drawingml/2006/main" xmlns:r="http://schemas.openxmlformats.org/officeDocument/2006/relationships" xmlns:p="http://schemas.openxmlformats.org/presentationml/2006/main">
+  <p:cSld>
+    <p:spTree>
+      <p:nvGrpSpPr>
+        <p:cNvPr id="1" name=""/>
+        <p:cNvGrpSpPr/>
+        <p:nvPr/>
+      </p:nvGrpSpPr>
+      <p:grpSpPr>
+        <a:xfrm>
+          <a:off x="0" y="0"/>
+          <a:ext cx="0" cy="0"/>
+          <a:chOff x="0" y="0"/>
+          <a:chExt cx="0" cy="0"/>
+        </a:xfrm>
+      </p:grpSpPr>
+      <p:sp>
+        <p:nvSpPr>
+          <p:cNvPr id="2" name="标题 1"/>
+          <p:cNvSpPr>
+            <a:spLocks noGrp="1"/>
+          </p:cNvSpPr>
+          <p:nvPr>
+            <p:ph type="title"/>
+          </p:nvPr>
+        </p:nvSpPr>
+        <p:spPr/>
+        <p:txBody>
+          <a:bodyPr/>
+          <a:lstStyle/>
+          <a:p>
+            <a:pPr algn="l"/>
+            <a:r>
+              <a:rPr lang="en-US" altLang="zh-CN" dirty="0" smtClean="0"/>
+              <a:t>Some </a:t>
+            </a:r>
+            <a:r>
+              <a:rPr lang="en-US" altLang="zh-CN" dirty="0" err="1" smtClean="0"/>
+              <a:t>c++</a:t>
+            </a:r>
+            <a:r>
+              <a:rPr lang="en-US" altLang="zh-CN" dirty="0" smtClean="0"/>
+              <a:t> web frameworks</a:t>
+            </a:r>
+            <a:endParaRPr lang="zh-CN" altLang="en-US" dirty="0"/>
+          </a:p>
+        </p:txBody>
+      </p:sp>
+      <p:sp>
+        <p:nvSpPr>
+          <p:cNvPr id="3" name="内容占位符 2"/>
+          <p:cNvSpPr>
+            <a:spLocks noGrp="1"/>
+          </p:cNvSpPr>
+          <p:nvPr>
+            <p:ph idx="1"/>
+          </p:nvPr>
+        </p:nvSpPr>
+        <p:spPr/>
+        <p:txBody>
+          <a:bodyPr/>
+          <a:lstStyle/>
+          <a:p>
+            <a:r>
+              <a:rPr lang="en-US" altLang="zh-CN" dirty="0" err="1" smtClean="0"/>
+              <a:t>Cppcms</a:t>
+            </a:r>
+            <a:endParaRPr lang="en-US" altLang="zh-CN" dirty="0" smtClean="0"/>
+          </a:p>
+          <a:p>
+            <a:r>
+              <a:rPr lang="en-US" altLang="zh-CN" dirty="0" err="1" smtClean="0"/>
+              <a:t>treefrog</a:t>
+            </a:r>
+            <a:r>
+              <a:rPr lang="en-US" altLang="zh-CN" dirty="0" smtClean="0"/>
+              <a:t>-framework</a:t>
+            </a:r>
+          </a:p>
+          <a:p>
+            <a:r>
+              <a:rPr lang="en-US" dirty="0" smtClean="0"/>
+              <a:t>Crow</a:t>
+            </a:r>
+            <a:endParaRPr lang="en-US" altLang="zh-CN" dirty="0" smtClean="0"/>
+          </a:p>
+          <a:p>
+            <a:r>
+              <a:rPr lang="en-US" dirty="0" smtClean="0"/>
+              <a:t>Silicon</a:t>
+            </a:r>
+            <a:endParaRPr lang="en-US" dirty="0" smtClean="0"/>
+          </a:p>
+          <a:p>
+            <a:endParaRPr lang="en-US" dirty="0" smtClean="0"/>
+          </a:p>
+          <a:p>
+            <a:endParaRPr lang="zh-CN" altLang="en-US" dirty="0"/>
+          </a:p>
+        </p:txBody>
+      </p:sp>
+    </p:spTree>
+  </p:cSld>
+  <p:clrMapOvr>
+    <a:masterClrMapping/>
+  </p:clrMapOvr>
+  <p:timing>
+    <p:tnLst>
+      <p:par>
+        <p:cTn id="1" dur="indefinite" restart="never" nodeType="tmRoot"/>
+      </p:par>
+    </p:tnLst>
+  </p:timing>
+</p:sld>
+</file>
+
+<file path=ppt/slides/slide8.xml><?xml version="1.0" encoding="utf-8"?>
 <p:sld xmlns:a="http://schemas.openxmlformats.org/drawingml/2006/main" xmlns:r="http://schemas.openxmlformats.org/officeDocument/2006/relationships" xmlns:p="http://schemas.openxmlformats.org/presentationml/2006/main">
   <p:cSld>
     <p:spTree>
@@ -4438,7 +9521,7 @@
         <p:spPr>
           <a:xfrm>
             <a:off x="4714876" y="1643056"/>
-            <a:ext cx="3560014" cy="646331"/>
+            <a:ext cx="3195747" cy="646331"/>
           </a:xfrm>
           <a:prstGeom prst="rect">
             <a:avLst/>
@@ -4452,17 +9535,21 @@
           <a:p>
             <a:r>
               <a:rPr lang="en-US" altLang="zh-CN" dirty="0" smtClean="0"/>
-              <a:t>You need a special compiler to build</a:t>
-            </a:r>
-          </a:p>
-          <a:p>
+              <a:t>N</a:t>
+            </a:r>
             <a:r>
               <a:rPr lang="en-US" altLang="zh-CN" dirty="0" smtClean="0"/>
-              <a:t>h</a:t>
+              <a:t>eed </a:t>
             </a:r>
             <a:r>
               <a:rPr lang="en-US" altLang="zh-CN" dirty="0" smtClean="0"/>
-              <a:t>tml template</a:t>
+              <a:t>a special compiler to build</a:t>
+            </a:r>
+          </a:p>
+          <a:p>
+            <a:r>
+              <a:rPr lang="en-US" altLang="zh-CN" dirty="0" smtClean="0"/>
+              <a:t>html template</a:t>
             </a:r>
             <a:endParaRPr lang="zh-CN" altLang="en-US" dirty="0"/>
           </a:p>
@@ -4729,2018 +9816,6 @@
 </p:sld>
 </file>
 
-<file path=ppt/slides/slide16.xml><?xml version="1.0" encoding="utf-8"?>
-<p:sld xmlns:a="http://schemas.openxmlformats.org/drawingml/2006/main" xmlns:r="http://schemas.openxmlformats.org/officeDocument/2006/relationships" xmlns:p="http://schemas.openxmlformats.org/presentationml/2006/main">
-  <p:cSld>
-    <p:spTree>
-      <p:nvGrpSpPr>
-        <p:cNvPr id="1" name=""/>
-        <p:cNvGrpSpPr/>
-        <p:nvPr/>
-      </p:nvGrpSpPr>
-      <p:grpSpPr>
-        <a:xfrm>
-          <a:off x="0" y="0"/>
-          <a:ext cx="0" cy="0"/>
-          <a:chOff x="0" y="0"/>
-          <a:chExt cx="0" cy="0"/>
-        </a:xfrm>
-      </p:grpSpPr>
-      <p:sp>
-        <p:nvSpPr>
-          <p:cNvPr id="2" name="标题 1"/>
-          <p:cNvSpPr>
-            <a:spLocks noGrp="1"/>
-          </p:cNvSpPr>
-          <p:nvPr>
-            <p:ph type="title"/>
-          </p:nvPr>
-        </p:nvSpPr>
-        <p:spPr/>
-        <p:txBody>
-          <a:bodyPr/>
-          <a:lstStyle/>
-          <a:p>
-            <a:pPr algn="l"/>
-            <a:r>
-              <a:rPr lang="en-US" altLang="zh-CN" dirty="0" smtClean="0"/>
-              <a:t>Tree-frog</a:t>
-            </a:r>
-            <a:endParaRPr lang="zh-CN" altLang="en-US" dirty="0"/>
-          </a:p>
-        </p:txBody>
-      </p:sp>
-      <p:sp>
-        <p:nvSpPr>
-          <p:cNvPr id="3" name="内容占位符 2"/>
-          <p:cNvSpPr>
-            <a:spLocks noGrp="1"/>
-          </p:cNvSpPr>
-          <p:nvPr>
-            <p:ph idx="1"/>
-          </p:nvPr>
-        </p:nvSpPr>
-        <p:spPr/>
-        <p:txBody>
-          <a:bodyPr/>
-          <a:lstStyle/>
-          <a:p>
-            <a:r>
-              <a:rPr lang="en-US" altLang="zh-CN" dirty="0" smtClean="0"/>
-              <a:t>Tree-frog</a:t>
-            </a:r>
-          </a:p>
-          <a:p>
-            <a:pPr marL="742950" lvl="2" indent="-342900"/>
-            <a:r>
-              <a:rPr lang="en-US" altLang="zh-CN" dirty="0" smtClean="0"/>
-              <a:t>based on qt, too heavily, not modern </a:t>
-            </a:r>
-            <a:r>
-              <a:rPr lang="en-US" altLang="zh-CN" dirty="0" err="1" smtClean="0"/>
-              <a:t>c++</a:t>
-            </a:r>
-            <a:endParaRPr lang="zh-CN" altLang="en-US" dirty="0" smtClean="0"/>
-          </a:p>
-          <a:p>
-            <a:pPr marL="342900" lvl="1" indent="-342900">
-              <a:buFont typeface="Arial" pitchFamily="34" charset="0"/>
-              <a:buChar char="•"/>
-            </a:pPr>
-            <a:r>
-              <a:rPr lang="en-US" altLang="zh-CN" sz="3200" dirty="0" smtClean="0"/>
-              <a:t>Crow</a:t>
-            </a:r>
-          </a:p>
-          <a:p>
-            <a:pPr marL="742950" lvl="2" indent="-342900"/>
-            <a:r>
-              <a:rPr lang="en-US" altLang="zh-CN" dirty="0" smtClean="0"/>
-              <a:t>Just a http server, not a real web framework</a:t>
-            </a:r>
-            <a:endParaRPr lang="en-US" altLang="zh-CN" dirty="0" smtClean="0"/>
-          </a:p>
-          <a:p>
-            <a:pPr lvl="1">
-              <a:buNone/>
-            </a:pPr>
-            <a:endParaRPr lang="en-US" altLang="zh-CN" dirty="0" smtClean="0"/>
-          </a:p>
-        </p:txBody>
-      </p:sp>
-    </p:spTree>
-  </p:cSld>
-  <p:clrMapOvr>
-    <a:masterClrMapping/>
-  </p:clrMapOvr>
-  <p:timing>
-    <p:tnLst>
-      <p:par>
-        <p:cTn id="1" dur="indefinite" restart="never" nodeType="tmRoot"/>
-      </p:par>
-    </p:tnLst>
-  </p:timing>
-</p:sld>
-</file>
-
-<file path=ppt/slides/slide17.xml><?xml version="1.0" encoding="utf-8"?>
-<p:sld xmlns:a="http://schemas.openxmlformats.org/drawingml/2006/main" xmlns:r="http://schemas.openxmlformats.org/officeDocument/2006/relationships" xmlns:p="http://schemas.openxmlformats.org/presentationml/2006/main">
-  <p:cSld>
-    <p:spTree>
-      <p:nvGrpSpPr>
-        <p:cNvPr id="1" name=""/>
-        <p:cNvGrpSpPr/>
-        <p:nvPr/>
-      </p:nvGrpSpPr>
-      <p:grpSpPr>
-        <a:xfrm>
-          <a:off x="0" y="0"/>
-          <a:ext cx="0" cy="0"/>
-          <a:chOff x="0" y="0"/>
-          <a:chExt cx="0" cy="0"/>
-        </a:xfrm>
-      </p:grpSpPr>
-      <p:sp>
-        <p:nvSpPr>
-          <p:cNvPr id="2" name="标题 1"/>
-          <p:cNvSpPr>
-            <a:spLocks noGrp="1"/>
-          </p:cNvSpPr>
-          <p:nvPr>
-            <p:ph type="title"/>
-          </p:nvPr>
-        </p:nvSpPr>
-        <p:spPr/>
-        <p:txBody>
-          <a:bodyPr/>
-          <a:lstStyle/>
-          <a:p>
-            <a:pPr algn="l"/>
-            <a:r>
-              <a:rPr lang="en-US" altLang="zh-CN" dirty="0" smtClean="0"/>
-              <a:t>silicon</a:t>
-            </a:r>
-            <a:endParaRPr lang="zh-CN" altLang="en-US" dirty="0"/>
-          </a:p>
-        </p:txBody>
-      </p:sp>
-      <p:sp>
-        <p:nvSpPr>
-          <p:cNvPr id="3" name="内容占位符 2"/>
-          <p:cNvSpPr>
-            <a:spLocks noGrp="1"/>
-          </p:cNvSpPr>
-          <p:nvPr>
-            <p:ph idx="1"/>
-          </p:nvPr>
-        </p:nvSpPr>
-        <p:spPr/>
-        <p:txBody>
-          <a:bodyPr/>
-          <a:lstStyle/>
-          <a:p>
-            <a:endParaRPr lang="zh-CN" altLang="en-US" dirty="0"/>
-          </a:p>
-        </p:txBody>
-      </p:sp>
-      <p:pic>
-        <p:nvPicPr>
-          <p:cNvPr id="2050" name="Picture 2"/>
-          <p:cNvPicPr>
-            <a:picLocks noChangeAspect="1" noChangeArrowheads="1"/>
-          </p:cNvPicPr>
-          <p:nvPr/>
-        </p:nvPicPr>
-        <p:blipFill>
-          <a:blip r:embed="rId2"/>
-          <a:srcRect/>
-          <a:stretch>
-            <a:fillRect/>
-          </a:stretch>
-        </p:blipFill>
-        <p:spPr bwMode="auto">
-          <a:xfrm>
-            <a:off x="485153" y="1214428"/>
-            <a:ext cx="7444433" cy="571504"/>
-          </a:xfrm>
-          <a:prstGeom prst="rect">
-            <a:avLst/>
-          </a:prstGeom>
-          <a:noFill/>
-          <a:ln w="9525">
-            <a:noFill/>
-            <a:miter lim="800000"/>
-            <a:headEnd/>
-            <a:tailEnd/>
-          </a:ln>
-          <a:effectLst/>
-        </p:spPr>
-      </p:pic>
-      <p:pic>
-        <p:nvPicPr>
-          <p:cNvPr id="2051" name="Picture 3"/>
-          <p:cNvPicPr>
-            <a:picLocks noChangeAspect="1" noChangeArrowheads="1"/>
-          </p:cNvPicPr>
-          <p:nvPr/>
-        </p:nvPicPr>
-        <p:blipFill>
-          <a:blip r:embed="rId3"/>
-          <a:srcRect/>
-          <a:stretch>
-            <a:fillRect/>
-          </a:stretch>
-        </p:blipFill>
-        <p:spPr bwMode="auto">
-          <a:xfrm>
-            <a:off x="500034" y="1928808"/>
-            <a:ext cx="6357982" cy="1100831"/>
-          </a:xfrm>
-          <a:prstGeom prst="rect">
-            <a:avLst/>
-          </a:prstGeom>
-          <a:noFill/>
-          <a:ln w="9525">
-            <a:noFill/>
-            <a:miter lim="800000"/>
-            <a:headEnd/>
-            <a:tailEnd/>
-          </a:ln>
-          <a:effectLst/>
-        </p:spPr>
-      </p:pic>
-      <p:pic>
-        <p:nvPicPr>
-          <p:cNvPr id="2053" name="Picture 5"/>
-          <p:cNvPicPr>
-            <a:picLocks noChangeAspect="1" noChangeArrowheads="1"/>
-          </p:cNvPicPr>
-          <p:nvPr/>
-        </p:nvPicPr>
-        <p:blipFill>
-          <a:blip r:embed="rId4"/>
-          <a:srcRect/>
-          <a:stretch>
-            <a:fillRect/>
-          </a:stretch>
-        </p:blipFill>
-        <p:spPr bwMode="auto">
-          <a:xfrm>
-            <a:off x="2071670" y="2214560"/>
-            <a:ext cx="5778540" cy="2000264"/>
-          </a:xfrm>
-          <a:prstGeom prst="rect">
-            <a:avLst/>
-          </a:prstGeom>
-          <a:noFill/>
-          <a:ln w="9525">
-            <a:noFill/>
-            <a:miter lim="800000"/>
-            <a:headEnd/>
-            <a:tailEnd/>
-          </a:ln>
-          <a:effectLst/>
-        </p:spPr>
-      </p:pic>
-    </p:spTree>
-  </p:cSld>
-  <p:clrMapOvr>
-    <a:masterClrMapping/>
-  </p:clrMapOvr>
-  <p:timing>
-    <p:tnLst>
-      <p:par>
-        <p:cTn id="1" dur="indefinite" restart="never" nodeType="tmRoot"/>
-      </p:par>
-    </p:tnLst>
-  </p:timing>
-</p:sld>
-</file>
-
-<file path=ppt/slides/slide18.xml><?xml version="1.0" encoding="utf-8"?>
-<p:sld xmlns:a="http://schemas.openxmlformats.org/drawingml/2006/main" xmlns:r="http://schemas.openxmlformats.org/officeDocument/2006/relationships" xmlns:p="http://schemas.openxmlformats.org/presentationml/2006/main">
-  <p:cSld>
-    <p:spTree>
-      <p:nvGrpSpPr>
-        <p:cNvPr id="1" name=""/>
-        <p:cNvGrpSpPr/>
-        <p:nvPr/>
-      </p:nvGrpSpPr>
-      <p:grpSpPr>
-        <a:xfrm>
-          <a:off x="0" y="0"/>
-          <a:ext cx="0" cy="0"/>
-          <a:chOff x="0" y="0"/>
-          <a:chExt cx="0" cy="0"/>
-        </a:xfrm>
-      </p:grpSpPr>
-      <p:sp>
-        <p:nvSpPr>
-          <p:cNvPr id="2" name="标题 1"/>
-          <p:cNvSpPr>
-            <a:spLocks noGrp="1"/>
-          </p:cNvSpPr>
-          <p:nvPr>
-            <p:ph type="title"/>
-          </p:nvPr>
-        </p:nvSpPr>
-        <p:spPr/>
-        <p:txBody>
-          <a:bodyPr/>
-          <a:lstStyle/>
-          <a:p>
-            <a:pPr algn="l"/>
-            <a:r>
-              <a:rPr lang="en-US" altLang="zh-CN" dirty="0" smtClean="0"/>
-              <a:t>silicon</a:t>
-            </a:r>
-            <a:endParaRPr lang="zh-CN" altLang="en-US" dirty="0"/>
-          </a:p>
-        </p:txBody>
-      </p:sp>
-      <p:sp>
-        <p:nvSpPr>
-          <p:cNvPr id="3" name="内容占位符 2"/>
-          <p:cNvSpPr>
-            <a:spLocks noGrp="1"/>
-          </p:cNvSpPr>
-          <p:nvPr>
-            <p:ph idx="1"/>
-          </p:nvPr>
-        </p:nvSpPr>
-        <p:spPr/>
-        <p:txBody>
-          <a:bodyPr/>
-          <a:lstStyle/>
-          <a:p>
-            <a:r>
-              <a:rPr lang="en-US" altLang="zh-CN" dirty="0" smtClean="0"/>
-              <a:t>Silicon contains http component and ORM component</a:t>
-            </a:r>
-          </a:p>
-          <a:p>
-            <a:r>
-              <a:rPr lang="en-US" altLang="zh-CN" dirty="0" smtClean="0"/>
-              <a:t>The user interface is not friendly</a:t>
-            </a:r>
-          </a:p>
-          <a:p>
-            <a:r>
-              <a:rPr lang="en-US" altLang="zh-CN" dirty="0" smtClean="0"/>
-              <a:t>Complicated, </a:t>
-            </a:r>
-            <a:r>
-              <a:rPr lang="en-US" altLang="zh-CN" smtClean="0"/>
-              <a:t>not flexible</a:t>
-            </a:r>
-            <a:endParaRPr lang="en-US" altLang="zh-CN" dirty="0" smtClean="0"/>
-          </a:p>
-          <a:p>
-            <a:r>
-              <a:rPr lang="en-US" altLang="zh-CN" dirty="0" smtClean="0"/>
-              <a:t>Lack of html templates component</a:t>
-            </a:r>
-            <a:endParaRPr lang="zh-CN" altLang="en-US" dirty="0"/>
-          </a:p>
-        </p:txBody>
-      </p:sp>
-    </p:spTree>
-  </p:cSld>
-  <p:clrMapOvr>
-    <a:masterClrMapping/>
-  </p:clrMapOvr>
-  <p:timing>
-    <p:tnLst>
-      <p:par>
-        <p:cTn id="1" dur="indefinite" restart="never" nodeType="tmRoot"/>
-      </p:par>
-    </p:tnLst>
-  </p:timing>
-</p:sld>
-</file>
-
-<file path=ppt/slides/slide19.xml><?xml version="1.0" encoding="utf-8"?>
-<p:sld xmlns:a="http://schemas.openxmlformats.org/drawingml/2006/main" xmlns:r="http://schemas.openxmlformats.org/officeDocument/2006/relationships" xmlns:p="http://schemas.openxmlformats.org/presentationml/2006/main">
-  <p:cSld>
-    <p:spTree>
-      <p:nvGrpSpPr>
-        <p:cNvPr id="1" name=""/>
-        <p:cNvGrpSpPr/>
-        <p:nvPr/>
-      </p:nvGrpSpPr>
-      <p:grpSpPr>
-        <a:xfrm>
-          <a:off x="0" y="0"/>
-          <a:ext cx="0" cy="0"/>
-          <a:chOff x="0" y="0"/>
-          <a:chExt cx="0" cy="0"/>
-        </a:xfrm>
-      </p:grpSpPr>
-      <p:sp>
-        <p:nvSpPr>
-          <p:cNvPr id="2" name="标题 1"/>
-          <p:cNvSpPr>
-            <a:spLocks noGrp="1"/>
-          </p:cNvSpPr>
-          <p:nvPr>
-            <p:ph type="title"/>
-          </p:nvPr>
-        </p:nvSpPr>
-        <p:spPr/>
-        <p:txBody>
-          <a:bodyPr/>
-          <a:lstStyle/>
-          <a:p>
-            <a:pPr algn="l"/>
-            <a:r>
-              <a:rPr lang="en-US" altLang="zh-CN" dirty="0" smtClean="0"/>
-              <a:t>the Framework of Feather</a:t>
-            </a:r>
-            <a:endParaRPr lang="zh-CN" altLang="en-US" dirty="0"/>
-          </a:p>
-        </p:txBody>
-      </p:sp>
-      <p:sp>
-        <p:nvSpPr>
-          <p:cNvPr id="3" name="内容占位符 2"/>
-          <p:cNvSpPr>
-            <a:spLocks noGrp="1"/>
-          </p:cNvSpPr>
-          <p:nvPr>
-            <p:ph idx="1"/>
-          </p:nvPr>
-        </p:nvSpPr>
-        <p:spPr/>
-        <p:txBody>
-          <a:bodyPr/>
-          <a:lstStyle/>
-          <a:p>
-            <a:r>
-              <a:rPr lang="en-US" altLang="zh-CN" dirty="0" smtClean="0"/>
-              <a:t>Basic concepts of web</a:t>
-            </a:r>
-          </a:p>
-          <a:p>
-            <a:r>
-              <a:rPr lang="en-US" altLang="zh-CN" dirty="0" smtClean="0"/>
-              <a:t>Classic web framework</a:t>
-            </a:r>
-          </a:p>
-          <a:p>
-            <a:r>
-              <a:rPr lang="en-US" altLang="zh-CN" dirty="0" smtClean="0"/>
-              <a:t>The framework of feather</a:t>
-            </a:r>
-          </a:p>
-          <a:p>
-            <a:r>
-              <a:rPr lang="en-US" altLang="zh-CN" dirty="0" smtClean="0"/>
-              <a:t>Comparison()</a:t>
-            </a:r>
-            <a:endParaRPr lang="zh-CN" altLang="en-US" dirty="0"/>
-          </a:p>
-        </p:txBody>
-      </p:sp>
-    </p:spTree>
-  </p:cSld>
-  <p:clrMapOvr>
-    <a:masterClrMapping/>
-  </p:clrMapOvr>
-  <p:timing>
-    <p:tnLst>
-      <p:par>
-        <p:cTn id="1" dur="indefinite" restart="never" nodeType="tmRoot"/>
-      </p:par>
-    </p:tnLst>
-  </p:timing>
-</p:sld>
-</file>
-
-<file path=ppt/slides/slide2.xml><?xml version="1.0" encoding="utf-8"?>
-<p:sld xmlns:a="http://schemas.openxmlformats.org/drawingml/2006/main" xmlns:r="http://schemas.openxmlformats.org/officeDocument/2006/relationships" xmlns:p="http://schemas.openxmlformats.org/presentationml/2006/main">
-  <p:cSld>
-    <p:spTree>
-      <p:nvGrpSpPr>
-        <p:cNvPr id="1" name=""/>
-        <p:cNvGrpSpPr/>
-        <p:nvPr/>
-      </p:nvGrpSpPr>
-      <p:grpSpPr>
-        <a:xfrm>
-          <a:off x="0" y="0"/>
-          <a:ext cx="0" cy="0"/>
-          <a:chOff x="0" y="0"/>
-          <a:chExt cx="0" cy="0"/>
-        </a:xfrm>
-      </p:grpSpPr>
-      <p:sp>
-        <p:nvSpPr>
-          <p:cNvPr id="2" name="标题 1"/>
-          <p:cNvSpPr>
-            <a:spLocks noGrp="1"/>
-          </p:cNvSpPr>
-          <p:nvPr>
-            <p:ph type="title"/>
-          </p:nvPr>
-        </p:nvSpPr>
-        <p:spPr/>
-        <p:txBody>
-          <a:bodyPr/>
-          <a:lstStyle/>
-          <a:p>
-            <a:pPr algn="l"/>
-            <a:r>
-              <a:rPr lang="en-US" altLang="zh-CN" dirty="0" smtClean="0"/>
-              <a:t>Outline</a:t>
-            </a:r>
-            <a:endParaRPr lang="zh-CN" altLang="en-US" dirty="0"/>
-          </a:p>
-        </p:txBody>
-      </p:sp>
-      <p:sp>
-        <p:nvSpPr>
-          <p:cNvPr id="3" name="内容占位符 2"/>
-          <p:cNvSpPr>
-            <a:spLocks noGrp="1"/>
-          </p:cNvSpPr>
-          <p:nvPr>
-            <p:ph idx="1"/>
-          </p:nvPr>
-        </p:nvSpPr>
-        <p:spPr/>
-        <p:txBody>
-          <a:bodyPr/>
-          <a:lstStyle/>
-          <a:p>
-            <a:r>
-              <a:rPr lang="en-US" altLang="zh-CN" dirty="0" smtClean="0"/>
-              <a:t>What is Feather?</a:t>
-            </a:r>
-          </a:p>
-          <a:p>
-            <a:r>
-              <a:rPr lang="en-US" altLang="zh-CN" dirty="0" smtClean="0"/>
-              <a:t>the Framework of Feather</a:t>
-            </a:r>
-          </a:p>
-          <a:p>
-            <a:r>
-              <a:rPr lang="en-US" altLang="zh-CN" dirty="0" smtClean="0"/>
-              <a:t>Components</a:t>
-            </a:r>
-          </a:p>
-          <a:p>
-            <a:r>
-              <a:rPr lang="en-US" altLang="zh-CN" dirty="0" smtClean="0"/>
-              <a:t>How to Rapidly Develop Web?</a:t>
-            </a:r>
-            <a:endParaRPr lang="zh-CN" altLang="en-US" dirty="0"/>
-          </a:p>
-        </p:txBody>
-      </p:sp>
-    </p:spTree>
-  </p:cSld>
-  <p:clrMapOvr>
-    <a:masterClrMapping/>
-  </p:clrMapOvr>
-  <p:timing>
-    <p:tnLst>
-      <p:par>
-        <p:cTn id="1" dur="indefinite" restart="never" nodeType="tmRoot"/>
-      </p:par>
-    </p:tnLst>
-  </p:timing>
-</p:sld>
-</file>
-
-<file path=ppt/slides/slide20.xml><?xml version="1.0" encoding="utf-8"?>
-<p:sld xmlns:a="http://schemas.openxmlformats.org/drawingml/2006/main" xmlns:r="http://schemas.openxmlformats.org/officeDocument/2006/relationships" xmlns:p="http://schemas.openxmlformats.org/presentationml/2006/main">
-  <p:cSld>
-    <p:spTree>
-      <p:nvGrpSpPr>
-        <p:cNvPr id="1" name=""/>
-        <p:cNvGrpSpPr/>
-        <p:nvPr/>
-      </p:nvGrpSpPr>
-      <p:grpSpPr>
-        <a:xfrm>
-          <a:off x="0" y="0"/>
-          <a:ext cx="0" cy="0"/>
-          <a:chOff x="0" y="0"/>
-          <a:chExt cx="0" cy="0"/>
-        </a:xfrm>
-      </p:grpSpPr>
-      <p:sp>
-        <p:nvSpPr>
-          <p:cNvPr id="2" name="标题 1"/>
-          <p:cNvSpPr>
-            <a:spLocks noGrp="1"/>
-          </p:cNvSpPr>
-          <p:nvPr>
-            <p:ph type="title"/>
-          </p:nvPr>
-        </p:nvSpPr>
-        <p:spPr/>
-        <p:txBody>
-          <a:bodyPr/>
-          <a:lstStyle/>
-          <a:p>
-            <a:pPr algn="l"/>
-            <a:r>
-              <a:rPr lang="en-US" altLang="zh-CN" dirty="0" smtClean="0"/>
-              <a:t>Components</a:t>
-            </a:r>
-            <a:endParaRPr lang="zh-CN" altLang="en-US" dirty="0"/>
-          </a:p>
-        </p:txBody>
-      </p:sp>
-      <p:sp>
-        <p:nvSpPr>
-          <p:cNvPr id="3" name="内容占位符 2"/>
-          <p:cNvSpPr>
-            <a:spLocks noGrp="1"/>
-          </p:cNvSpPr>
-          <p:nvPr>
-            <p:ph idx="1"/>
-          </p:nvPr>
-        </p:nvSpPr>
-        <p:spPr/>
-        <p:txBody>
-          <a:bodyPr/>
-          <a:lstStyle/>
-          <a:p>
-            <a:r>
-              <a:rPr lang="en-US" altLang="zh-CN" dirty="0" smtClean="0"/>
-              <a:t>An easy to use http library(http/https, web socket, AOP)</a:t>
-            </a:r>
-          </a:p>
-          <a:p>
-            <a:r>
-              <a:rPr lang="en-US" altLang="zh-CN" dirty="0" smtClean="0"/>
-              <a:t>A flexible ORM library, support multiple databases(compile-time reflection)</a:t>
-            </a:r>
-          </a:p>
-          <a:p>
-            <a:r>
-              <a:rPr lang="en-US" altLang="zh-CN" dirty="0" smtClean="0"/>
-              <a:t>A powerful html template engine</a:t>
-            </a:r>
-          </a:p>
-          <a:p>
-            <a:r>
-              <a:rPr lang="en-US" altLang="zh-CN" dirty="0" smtClean="0"/>
-              <a:t>A fast serialization library</a:t>
-            </a:r>
-          </a:p>
-          <a:p>
-            <a:endParaRPr lang="zh-CN" altLang="en-US" dirty="0"/>
-          </a:p>
-        </p:txBody>
-      </p:sp>
-    </p:spTree>
-  </p:cSld>
-  <p:clrMapOvr>
-    <a:masterClrMapping/>
-  </p:clrMapOvr>
-  <p:timing>
-    <p:tnLst>
-      <p:par>
-        <p:cTn id="1" dur="indefinite" restart="never" nodeType="tmRoot"/>
-      </p:par>
-    </p:tnLst>
-  </p:timing>
-</p:sld>
-</file>
-
-<file path=ppt/slides/slide21.xml><?xml version="1.0" encoding="utf-8"?>
-<p:sld xmlns:a="http://schemas.openxmlformats.org/drawingml/2006/main" xmlns:r="http://schemas.openxmlformats.org/officeDocument/2006/relationships" xmlns:p="http://schemas.openxmlformats.org/presentationml/2006/main">
-  <p:cSld>
-    <p:spTree>
-      <p:nvGrpSpPr>
-        <p:cNvPr id="1" name=""/>
-        <p:cNvGrpSpPr/>
-        <p:nvPr/>
-      </p:nvGrpSpPr>
-      <p:grpSpPr>
-        <a:xfrm>
-          <a:off x="0" y="0"/>
-          <a:ext cx="0" cy="0"/>
-          <a:chOff x="0" y="0"/>
-          <a:chExt cx="0" cy="0"/>
-        </a:xfrm>
-      </p:grpSpPr>
-      <p:sp>
-        <p:nvSpPr>
-          <p:cNvPr id="2" name="标题 1"/>
-          <p:cNvSpPr>
-            <a:spLocks noGrp="1"/>
-          </p:cNvSpPr>
-          <p:nvPr>
-            <p:ph type="title"/>
-          </p:nvPr>
-        </p:nvSpPr>
-        <p:spPr/>
-        <p:txBody>
-          <a:bodyPr/>
-          <a:lstStyle/>
-          <a:p>
-            <a:pPr algn="l"/>
-            <a:r>
-              <a:rPr lang="en-US" altLang="zh-CN" dirty="0" smtClean="0"/>
-              <a:t>Components</a:t>
-            </a:r>
-            <a:endParaRPr lang="zh-CN" altLang="en-US" dirty="0"/>
-          </a:p>
-        </p:txBody>
-      </p:sp>
-      <p:sp>
-        <p:nvSpPr>
-          <p:cNvPr id="3" name="内容占位符 2"/>
-          <p:cNvSpPr>
-            <a:spLocks noGrp="1"/>
-          </p:cNvSpPr>
-          <p:nvPr>
-            <p:ph idx="1"/>
-          </p:nvPr>
-        </p:nvSpPr>
-        <p:spPr/>
-        <p:txBody>
-          <a:bodyPr/>
-          <a:lstStyle/>
-          <a:p>
-            <a:r>
-              <a:rPr lang="en-US" altLang="zh-CN" dirty="0" err="1" smtClean="0"/>
-              <a:t>cinatra</a:t>
-            </a:r>
-            <a:r>
-              <a:rPr lang="en-US" altLang="zh-CN" dirty="0" smtClean="0"/>
-              <a:t>(Comparison)</a:t>
-            </a:r>
-          </a:p>
-          <a:p>
-            <a:r>
-              <a:rPr lang="en-US" altLang="zh-CN" dirty="0" err="1" smtClean="0"/>
-              <a:t>ormpp</a:t>
-            </a:r>
-            <a:r>
-              <a:rPr lang="en-US" altLang="zh-CN" dirty="0" smtClean="0"/>
-              <a:t>(Comparison)</a:t>
-            </a:r>
-          </a:p>
-          <a:p>
-            <a:r>
-              <a:rPr lang="en-US" altLang="zh-CN" dirty="0" smtClean="0"/>
-              <a:t>render</a:t>
-            </a:r>
-          </a:p>
-          <a:p>
-            <a:r>
-              <a:rPr lang="en-US" altLang="zh-CN" dirty="0" smtClean="0"/>
-              <a:t>iguana/</a:t>
-            </a:r>
-            <a:r>
-              <a:rPr lang="en-US" altLang="zh-CN" dirty="0" err="1" smtClean="0"/>
-              <a:t>json</a:t>
-            </a:r>
-            <a:endParaRPr lang="zh-CN" altLang="en-US" dirty="0"/>
-          </a:p>
-        </p:txBody>
-      </p:sp>
-    </p:spTree>
-  </p:cSld>
-  <p:clrMapOvr>
-    <a:masterClrMapping/>
-  </p:clrMapOvr>
-  <p:timing>
-    <p:tnLst>
-      <p:par>
-        <p:cTn id="1" dur="indefinite" restart="never" nodeType="tmRoot"/>
-      </p:par>
-    </p:tnLst>
-  </p:timing>
-</p:sld>
-</file>
-
-<file path=ppt/slides/slide22.xml><?xml version="1.0" encoding="utf-8"?>
-<p:sld xmlns:a="http://schemas.openxmlformats.org/drawingml/2006/main" xmlns:r="http://schemas.openxmlformats.org/officeDocument/2006/relationships" xmlns:p="http://schemas.openxmlformats.org/presentationml/2006/main">
-  <p:cSld>
-    <p:spTree>
-      <p:nvGrpSpPr>
-        <p:cNvPr id="1" name=""/>
-        <p:cNvGrpSpPr/>
-        <p:nvPr/>
-      </p:nvGrpSpPr>
-      <p:grpSpPr>
-        <a:xfrm>
-          <a:off x="0" y="0"/>
-          <a:ext cx="0" cy="0"/>
-          <a:chOff x="0" y="0"/>
-          <a:chExt cx="0" cy="0"/>
-        </a:xfrm>
-      </p:grpSpPr>
-      <p:sp>
-        <p:nvSpPr>
-          <p:cNvPr id="2" name="标题 1"/>
-          <p:cNvSpPr>
-            <a:spLocks noGrp="1"/>
-          </p:cNvSpPr>
-          <p:nvPr>
-            <p:ph type="title"/>
-          </p:nvPr>
-        </p:nvSpPr>
-        <p:spPr/>
-        <p:txBody>
-          <a:bodyPr/>
-          <a:lstStyle/>
-          <a:p>
-            <a:pPr algn="l"/>
-            <a:r>
-              <a:rPr lang="en-US" altLang="zh-CN" dirty="0" smtClean="0"/>
-              <a:t>How to rapidly develop</a:t>
-            </a:r>
-            <a:endParaRPr lang="zh-CN" altLang="en-US" dirty="0"/>
-          </a:p>
-        </p:txBody>
-      </p:sp>
-      <p:sp>
-        <p:nvSpPr>
-          <p:cNvPr id="3" name="内容占位符 2"/>
-          <p:cNvSpPr>
-            <a:spLocks noGrp="1"/>
-          </p:cNvSpPr>
-          <p:nvPr>
-            <p:ph idx="1"/>
-          </p:nvPr>
-        </p:nvSpPr>
-        <p:spPr/>
-        <p:txBody>
-          <a:bodyPr/>
-          <a:lstStyle/>
-          <a:p>
-            <a:r>
-              <a:rPr lang="en-US" altLang="zh-CN" dirty="0" smtClean="0"/>
-              <a:t>Few code</a:t>
-            </a:r>
-          </a:p>
-          <a:p>
-            <a:r>
-              <a:rPr lang="en-US" altLang="zh-CN" dirty="0" smtClean="0"/>
-              <a:t>Friendly, ease interface</a:t>
-            </a:r>
-          </a:p>
-          <a:p>
-            <a:r>
-              <a:rPr lang="en-US" altLang="zh-CN" dirty="0" smtClean="0"/>
-              <a:t>Automatically done</a:t>
-            </a:r>
-          </a:p>
-          <a:p>
-            <a:r>
-              <a:rPr lang="en-US" altLang="zh-CN" smtClean="0"/>
-              <a:t>……</a:t>
-            </a:r>
-            <a:endParaRPr lang="zh-CN" altLang="en-US" dirty="0"/>
-          </a:p>
-        </p:txBody>
-      </p:sp>
-    </p:spTree>
-  </p:cSld>
-  <p:clrMapOvr>
-    <a:masterClrMapping/>
-  </p:clrMapOvr>
-</p:sld>
-</file>
-
-<file path=ppt/slides/slide3.xml><?xml version="1.0" encoding="utf-8"?>
-<p:sld xmlns:a="http://schemas.openxmlformats.org/drawingml/2006/main" xmlns:r="http://schemas.openxmlformats.org/officeDocument/2006/relationships" xmlns:p="http://schemas.openxmlformats.org/presentationml/2006/main">
-  <p:cSld>
-    <p:spTree>
-      <p:nvGrpSpPr>
-        <p:cNvPr id="1" name=""/>
-        <p:cNvGrpSpPr/>
-        <p:nvPr/>
-      </p:nvGrpSpPr>
-      <p:grpSpPr>
-        <a:xfrm>
-          <a:off x="0" y="0"/>
-          <a:ext cx="0" cy="0"/>
-          <a:chOff x="0" y="0"/>
-          <a:chExt cx="0" cy="0"/>
-        </a:xfrm>
-      </p:grpSpPr>
-      <p:sp>
-        <p:nvSpPr>
-          <p:cNvPr id="2" name="标题 1"/>
-          <p:cNvSpPr>
-            <a:spLocks noGrp="1"/>
-          </p:cNvSpPr>
-          <p:nvPr>
-            <p:ph type="title"/>
-          </p:nvPr>
-        </p:nvSpPr>
-        <p:spPr/>
-        <p:txBody>
-          <a:bodyPr>
-            <a:normAutofit/>
-          </a:bodyPr>
-          <a:lstStyle/>
-          <a:p>
-            <a:pPr algn="l"/>
-            <a:r>
-              <a:rPr lang="en-US" altLang="zh-CN" dirty="0" smtClean="0"/>
-              <a:t>What is feather?</a:t>
-            </a:r>
-            <a:endParaRPr lang="zh-CN" altLang="en-US" dirty="0"/>
-          </a:p>
-        </p:txBody>
-      </p:sp>
-      <p:sp>
-        <p:nvSpPr>
-          <p:cNvPr id="3" name="内容占位符 2"/>
-          <p:cNvSpPr>
-            <a:spLocks noGrp="1"/>
-          </p:cNvSpPr>
-          <p:nvPr>
-            <p:ph idx="1"/>
-          </p:nvPr>
-        </p:nvSpPr>
-        <p:spPr/>
-        <p:txBody>
-          <a:bodyPr>
-            <a:normAutofit/>
-          </a:bodyPr>
-          <a:lstStyle/>
-          <a:p>
-            <a:r>
-              <a:rPr lang="en-US" altLang="zh-CN" dirty="0" smtClean="0"/>
-              <a:t>Introduction</a:t>
-            </a:r>
-          </a:p>
-          <a:p>
-            <a:r>
-              <a:rPr lang="en-US" altLang="zh-CN" dirty="0" smtClean="0"/>
-              <a:t>Example</a:t>
-            </a:r>
-          </a:p>
-          <a:p>
-            <a:r>
-              <a:rPr lang="en-US" altLang="zh-CN" dirty="0" smtClean="0"/>
-              <a:t>Why we need it?(Application framework)</a:t>
-            </a:r>
-          </a:p>
-          <a:p>
-            <a:r>
-              <a:rPr lang="en-US" altLang="zh-CN" dirty="0" smtClean="0"/>
-              <a:t>the Goal of Feather</a:t>
-            </a:r>
-          </a:p>
-          <a:p>
-            <a:endParaRPr lang="zh-CN" altLang="en-US" dirty="0"/>
-          </a:p>
-        </p:txBody>
-      </p:sp>
-    </p:spTree>
-  </p:cSld>
-  <p:clrMapOvr>
-    <a:masterClrMapping/>
-  </p:clrMapOvr>
-  <p:timing>
-    <p:tnLst>
-      <p:par>
-        <p:cTn id="1" dur="indefinite" restart="never" nodeType="tmRoot"/>
-      </p:par>
-    </p:tnLst>
-  </p:timing>
-</p:sld>
-</file>
-
-<file path=ppt/slides/slide4.xml><?xml version="1.0" encoding="utf-8"?>
-<p:sld xmlns:a="http://schemas.openxmlformats.org/drawingml/2006/main" xmlns:r="http://schemas.openxmlformats.org/officeDocument/2006/relationships" xmlns:p="http://schemas.openxmlformats.org/presentationml/2006/main">
-  <p:cSld>
-    <p:spTree>
-      <p:nvGrpSpPr>
-        <p:cNvPr id="1" name=""/>
-        <p:cNvGrpSpPr/>
-        <p:nvPr/>
-      </p:nvGrpSpPr>
-      <p:grpSpPr>
-        <a:xfrm>
-          <a:off x="0" y="0"/>
-          <a:ext cx="0" cy="0"/>
-          <a:chOff x="0" y="0"/>
-          <a:chExt cx="0" cy="0"/>
-        </a:xfrm>
-      </p:grpSpPr>
-      <p:sp>
-        <p:nvSpPr>
-          <p:cNvPr id="2" name="标题 1"/>
-          <p:cNvSpPr>
-            <a:spLocks noGrp="1"/>
-          </p:cNvSpPr>
-          <p:nvPr>
-            <p:ph type="title"/>
-          </p:nvPr>
-        </p:nvSpPr>
-        <p:spPr/>
-        <p:txBody>
-          <a:bodyPr/>
-          <a:lstStyle/>
-          <a:p>
-            <a:pPr algn="l"/>
-            <a:r>
-              <a:rPr lang="en-US" altLang="zh-CN" dirty="0" smtClean="0"/>
-              <a:t>What is feather?</a:t>
-            </a:r>
-            <a:endParaRPr lang="zh-CN" altLang="en-US" dirty="0"/>
-          </a:p>
-        </p:txBody>
-      </p:sp>
-      <p:sp>
-        <p:nvSpPr>
-          <p:cNvPr id="3" name="内容占位符 2"/>
-          <p:cNvSpPr>
-            <a:spLocks noGrp="1"/>
-          </p:cNvSpPr>
-          <p:nvPr>
-            <p:ph idx="1"/>
-          </p:nvPr>
-        </p:nvSpPr>
-        <p:spPr/>
-        <p:txBody>
-          <a:bodyPr>
-            <a:normAutofit/>
-          </a:bodyPr>
-          <a:lstStyle/>
-          <a:p>
-            <a:r>
-              <a:rPr lang="en-US" altLang="zh-CN" sz="2800" dirty="0" smtClean="0"/>
-              <a:t>A rapidly application framework of web development</a:t>
-            </a:r>
-          </a:p>
-        </p:txBody>
-      </p:sp>
-      <p:sp>
-        <p:nvSpPr>
-          <p:cNvPr id="4" name="矩形 3"/>
-          <p:cNvSpPr/>
-          <p:nvPr/>
-        </p:nvSpPr>
-        <p:spPr>
-          <a:xfrm>
-            <a:off x="1071538" y="2143122"/>
-            <a:ext cx="6643734" cy="830997"/>
-          </a:xfrm>
-          <a:prstGeom prst="rect">
-            <a:avLst/>
-          </a:prstGeom>
-        </p:spPr>
-        <p:txBody>
-          <a:bodyPr wrap="square">
-            <a:spAutoFit/>
-          </a:bodyPr>
-          <a:lstStyle/>
-          <a:p>
-            <a:r>
-              <a:rPr lang="en-US" altLang="zh-CN" sz="2400" b="1" dirty="0" smtClean="0"/>
-              <a:t>you can use modern </a:t>
-            </a:r>
-            <a:r>
-              <a:rPr lang="en-US" altLang="zh-CN" sz="2400" b="1" dirty="0" err="1" smtClean="0"/>
-              <a:t>c++</a:t>
-            </a:r>
-            <a:r>
-              <a:rPr lang="en-US" altLang="zh-CN" sz="2400" b="1" dirty="0" smtClean="0"/>
-              <a:t> to develop a web application rapidly</a:t>
-            </a:r>
-            <a:endParaRPr lang="zh-CN" altLang="en-US" sz="2400" b="1" dirty="0"/>
-          </a:p>
-        </p:txBody>
-      </p:sp>
-    </p:spTree>
-  </p:cSld>
-  <p:clrMapOvr>
-    <a:masterClrMapping/>
-  </p:clrMapOvr>
-  <p:timing>
-    <p:tnLst>
-      <p:par>
-        <p:cTn id="1" dur="indefinite" restart="never" nodeType="tmRoot">
-          <p:childTnLst>
-            <p:seq concurrent="1" nextAc="seek">
-              <p:cTn id="2" dur="indefinite" nodeType="mainSeq">
-                <p:childTnLst>
-                  <p:par>
-                    <p:cTn id="3" fill="hold">
-                      <p:stCondLst>
-                        <p:cond delay="indefinite"/>
-                      </p:stCondLst>
-                      <p:childTnLst>
-                        <p:par>
-                          <p:cTn id="4" fill="hold">
-                            <p:stCondLst>
-                              <p:cond delay="0"/>
-                            </p:stCondLst>
-                            <p:childTnLst>
-                              <p:par>
-                                <p:cTn id="5" presetID="2" presetClass="entr" presetSubtype="4" fill="hold" grpId="0" nodeType="clickEffect">
-                                  <p:stCondLst>
-                                    <p:cond delay="0"/>
-                                  </p:stCondLst>
-                                  <p:childTnLst>
-                                    <p:set>
-                                      <p:cBhvr>
-                                        <p:cTn id="6" dur="1" fill="hold">
-                                          <p:stCondLst>
-                                            <p:cond delay="0"/>
-                                          </p:stCondLst>
-                                        </p:cTn>
-                                        <p:tgtEl>
-                                          <p:spTgt spid="4"/>
-                                        </p:tgtEl>
-                                        <p:attrNameLst>
-                                          <p:attrName>style.visibility</p:attrName>
-                                        </p:attrNameLst>
-                                      </p:cBhvr>
-                                      <p:to>
-                                        <p:strVal val="visible"/>
-                                      </p:to>
-                                    </p:set>
-                                    <p:anim calcmode="lin" valueType="num">
-                                      <p:cBhvr additive="base">
-                                        <p:cTn id="7" dur="500" fill="hold"/>
-                                        <p:tgtEl>
-                                          <p:spTgt spid="4"/>
-                                        </p:tgtEl>
-                                        <p:attrNameLst>
-                                          <p:attrName>ppt_x</p:attrName>
-                                        </p:attrNameLst>
-                                      </p:cBhvr>
-                                      <p:tavLst>
-                                        <p:tav tm="0">
-                                          <p:val>
-                                            <p:strVal val="#ppt_x"/>
-                                          </p:val>
-                                        </p:tav>
-                                        <p:tav tm="100000">
-                                          <p:val>
-                                            <p:strVal val="#ppt_x"/>
-                                          </p:val>
-                                        </p:tav>
-                                      </p:tavLst>
-                                    </p:anim>
-                                    <p:anim calcmode="lin" valueType="num">
-                                      <p:cBhvr additive="base">
-                                        <p:cTn id="8" dur="500" fill="hold"/>
-                                        <p:tgtEl>
-                                          <p:spTgt spid="4"/>
-                                        </p:tgtEl>
-                                        <p:attrNameLst>
-                                          <p:attrName>ppt_y</p:attrName>
-                                        </p:attrNameLst>
-                                      </p:cBhvr>
-                                      <p:tavLst>
-                                        <p:tav tm="0">
-                                          <p:val>
-                                            <p:strVal val="1+#ppt_h/2"/>
-                                          </p:val>
-                                        </p:tav>
-                                        <p:tav tm="100000">
-                                          <p:val>
-                                            <p:strVal val="#ppt_y"/>
-                                          </p:val>
-                                        </p:tav>
-                                      </p:tavLst>
-                                    </p:anim>
-                                  </p:childTnLst>
-                                </p:cTn>
-                              </p:par>
-                            </p:childTnLst>
-                          </p:cTn>
-                        </p:par>
-                      </p:childTnLst>
-                    </p:cTn>
-                  </p:par>
-                </p:childTnLst>
-              </p:cTn>
-              <p:prevCondLst>
-                <p:cond evt="onPrev" delay="0">
-                  <p:tgtEl>
-                    <p:sldTgt/>
-                  </p:tgtEl>
-                </p:cond>
-              </p:prevCondLst>
-              <p:nextCondLst>
-                <p:cond evt="onNext" delay="0">
-                  <p:tgtEl>
-                    <p:sldTgt/>
-                  </p:tgtEl>
-                </p:cond>
-              </p:nextCondLst>
-            </p:seq>
-          </p:childTnLst>
-        </p:cTn>
-      </p:par>
-    </p:tnLst>
-    <p:bldLst>
-      <p:bldP spid="4" grpId="0"/>
-    </p:bldLst>
-  </p:timing>
-</p:sld>
-</file>
-
-<file path=ppt/slides/slide5.xml><?xml version="1.0" encoding="utf-8"?>
-<p:sld xmlns:a="http://schemas.openxmlformats.org/drawingml/2006/main" xmlns:r="http://schemas.openxmlformats.org/officeDocument/2006/relationships" xmlns:p="http://schemas.openxmlformats.org/presentationml/2006/main">
-  <p:cSld>
-    <p:spTree>
-      <p:nvGrpSpPr>
-        <p:cNvPr id="1" name=""/>
-        <p:cNvGrpSpPr/>
-        <p:nvPr/>
-      </p:nvGrpSpPr>
-      <p:grpSpPr>
-        <a:xfrm>
-          <a:off x="0" y="0"/>
-          <a:ext cx="0" cy="0"/>
-          <a:chOff x="0" y="0"/>
-          <a:chExt cx="0" cy="0"/>
-        </a:xfrm>
-      </p:grpSpPr>
-      <p:sp>
-        <p:nvSpPr>
-          <p:cNvPr id="2" name="标题 1"/>
-          <p:cNvSpPr>
-            <a:spLocks noGrp="1"/>
-          </p:cNvSpPr>
-          <p:nvPr>
-            <p:ph type="title"/>
-          </p:nvPr>
-        </p:nvSpPr>
-        <p:spPr/>
-        <p:txBody>
-          <a:bodyPr/>
-          <a:lstStyle/>
-          <a:p>
-            <a:pPr algn="l"/>
-            <a:r>
-              <a:rPr lang="en-US" altLang="zh-CN" dirty="0" smtClean="0"/>
-              <a:t>What is feather?</a:t>
-            </a:r>
-            <a:endParaRPr lang="zh-CN" altLang="en-US" dirty="0"/>
-          </a:p>
-        </p:txBody>
-      </p:sp>
-      <p:sp>
-        <p:nvSpPr>
-          <p:cNvPr id="3" name="内容占位符 2"/>
-          <p:cNvSpPr>
-            <a:spLocks noGrp="1"/>
-          </p:cNvSpPr>
-          <p:nvPr>
-            <p:ph idx="1"/>
-          </p:nvPr>
-        </p:nvSpPr>
-        <p:spPr/>
-        <p:txBody>
-          <a:bodyPr/>
-          <a:lstStyle/>
-          <a:p>
-            <a:r>
-              <a:rPr lang="en-US" altLang="zh-CN" dirty="0" smtClean="0"/>
-              <a:t>5 lines code web application</a:t>
-            </a:r>
-          </a:p>
-          <a:p>
-            <a:pPr>
-              <a:buNone/>
-            </a:pPr>
-            <a:endParaRPr lang="zh-CN" altLang="en-US" dirty="0"/>
-          </a:p>
-        </p:txBody>
-      </p:sp>
-      <p:pic>
-        <p:nvPicPr>
-          <p:cNvPr id="1026" name="Picture 2"/>
-          <p:cNvPicPr>
-            <a:picLocks noChangeAspect="1" noChangeArrowheads="1"/>
-          </p:cNvPicPr>
-          <p:nvPr/>
-        </p:nvPicPr>
-        <p:blipFill>
-          <a:blip r:embed="rId2"/>
-          <a:srcRect/>
-          <a:stretch>
-            <a:fillRect/>
-          </a:stretch>
-        </p:blipFill>
-        <p:spPr bwMode="auto">
-          <a:xfrm>
-            <a:off x="1000100" y="1928808"/>
-            <a:ext cx="6806111" cy="1357322"/>
-          </a:xfrm>
-          <a:prstGeom prst="rect">
-            <a:avLst/>
-          </a:prstGeom>
-          <a:noFill/>
-          <a:ln w="9525">
-            <a:noFill/>
-            <a:miter lim="800000"/>
-            <a:headEnd/>
-            <a:tailEnd/>
-          </a:ln>
-          <a:effectLst/>
-        </p:spPr>
-      </p:pic>
-      <p:pic>
-        <p:nvPicPr>
-          <p:cNvPr id="1027" name="Picture 3"/>
-          <p:cNvPicPr>
-            <a:picLocks noChangeAspect="1" noChangeArrowheads="1"/>
-          </p:cNvPicPr>
-          <p:nvPr/>
-        </p:nvPicPr>
-        <p:blipFill>
-          <a:blip r:embed="rId3"/>
-          <a:srcRect/>
-          <a:stretch>
-            <a:fillRect/>
-          </a:stretch>
-        </p:blipFill>
-        <p:spPr bwMode="auto">
-          <a:xfrm>
-            <a:off x="1000100" y="3357568"/>
-            <a:ext cx="4552876" cy="1285884"/>
-          </a:xfrm>
-          <a:prstGeom prst="rect">
-            <a:avLst/>
-          </a:prstGeom>
-          <a:noFill/>
-          <a:ln w="9525">
-            <a:noFill/>
-            <a:miter lim="800000"/>
-            <a:headEnd/>
-            <a:tailEnd/>
-          </a:ln>
-          <a:effectLst/>
-        </p:spPr>
-      </p:pic>
-    </p:spTree>
-  </p:cSld>
-  <p:clrMapOvr>
-    <a:masterClrMapping/>
-  </p:clrMapOvr>
-  <p:timing>
-    <p:tnLst>
-      <p:par>
-        <p:cTn id="1" dur="indefinite" restart="never" nodeType="tmRoot">
-          <p:childTnLst>
-            <p:seq concurrent="1" nextAc="seek">
-              <p:cTn id="2" dur="indefinite" nodeType="mainSeq">
-                <p:childTnLst>
-                  <p:par>
-                    <p:cTn id="3" fill="hold">
-                      <p:stCondLst>
-                        <p:cond delay="indefinite"/>
-                      </p:stCondLst>
-                      <p:childTnLst>
-                        <p:par>
-                          <p:cTn id="4" fill="hold">
-                            <p:stCondLst>
-                              <p:cond delay="0"/>
-                            </p:stCondLst>
-                            <p:childTnLst>
-                              <p:par>
-                                <p:cTn id="5" presetID="2" presetClass="entr" presetSubtype="4" fill="hold" nodeType="clickEffect">
-                                  <p:stCondLst>
-                                    <p:cond delay="0"/>
-                                  </p:stCondLst>
-                                  <p:childTnLst>
-                                    <p:set>
-                                      <p:cBhvr>
-                                        <p:cTn id="6" dur="1" fill="hold">
-                                          <p:stCondLst>
-                                            <p:cond delay="0"/>
-                                          </p:stCondLst>
-                                        </p:cTn>
-                                        <p:tgtEl>
-                                          <p:spTgt spid="1027"/>
-                                        </p:tgtEl>
-                                        <p:attrNameLst>
-                                          <p:attrName>style.visibility</p:attrName>
-                                        </p:attrNameLst>
-                                      </p:cBhvr>
-                                      <p:to>
-                                        <p:strVal val="visible"/>
-                                      </p:to>
-                                    </p:set>
-                                    <p:anim calcmode="lin" valueType="num">
-                                      <p:cBhvr additive="base">
-                                        <p:cTn id="7" dur="500" fill="hold"/>
-                                        <p:tgtEl>
-                                          <p:spTgt spid="1027"/>
-                                        </p:tgtEl>
-                                        <p:attrNameLst>
-                                          <p:attrName>ppt_x</p:attrName>
-                                        </p:attrNameLst>
-                                      </p:cBhvr>
-                                      <p:tavLst>
-                                        <p:tav tm="0">
-                                          <p:val>
-                                            <p:strVal val="#ppt_x"/>
-                                          </p:val>
-                                        </p:tav>
-                                        <p:tav tm="100000">
-                                          <p:val>
-                                            <p:strVal val="#ppt_x"/>
-                                          </p:val>
-                                        </p:tav>
-                                      </p:tavLst>
-                                    </p:anim>
-                                    <p:anim calcmode="lin" valueType="num">
-                                      <p:cBhvr additive="base">
-                                        <p:cTn id="8" dur="500" fill="hold"/>
-                                        <p:tgtEl>
-                                          <p:spTgt spid="1027"/>
-                                        </p:tgtEl>
-                                        <p:attrNameLst>
-                                          <p:attrName>ppt_y</p:attrName>
-                                        </p:attrNameLst>
-                                      </p:cBhvr>
-                                      <p:tavLst>
-                                        <p:tav tm="0">
-                                          <p:val>
-                                            <p:strVal val="1+#ppt_h/2"/>
-                                          </p:val>
-                                        </p:tav>
-                                        <p:tav tm="100000">
-                                          <p:val>
-                                            <p:strVal val="#ppt_y"/>
-                                          </p:val>
-                                        </p:tav>
-                                      </p:tavLst>
-                                    </p:anim>
-                                  </p:childTnLst>
-                                </p:cTn>
-                              </p:par>
-                            </p:childTnLst>
-                          </p:cTn>
-                        </p:par>
-                      </p:childTnLst>
-                    </p:cTn>
-                  </p:par>
-                </p:childTnLst>
-              </p:cTn>
-              <p:prevCondLst>
-                <p:cond evt="onPrev" delay="0">
-                  <p:tgtEl>
-                    <p:sldTgt/>
-                  </p:tgtEl>
-                </p:cond>
-              </p:prevCondLst>
-              <p:nextCondLst>
-                <p:cond evt="onNext" delay="0">
-                  <p:tgtEl>
-                    <p:sldTgt/>
-                  </p:tgtEl>
-                </p:cond>
-              </p:nextCondLst>
-            </p:seq>
-          </p:childTnLst>
-        </p:cTn>
-      </p:par>
-    </p:tnLst>
-  </p:timing>
-</p:sld>
-</file>
-
-<file path=ppt/slides/slide6.xml><?xml version="1.0" encoding="utf-8"?>
-<p:sld xmlns:a="http://schemas.openxmlformats.org/drawingml/2006/main" xmlns:r="http://schemas.openxmlformats.org/officeDocument/2006/relationships" xmlns:p="http://schemas.openxmlformats.org/presentationml/2006/main">
-  <p:cSld>
-    <p:spTree>
-      <p:nvGrpSpPr>
-        <p:cNvPr id="1" name=""/>
-        <p:cNvGrpSpPr/>
-        <p:nvPr/>
-      </p:nvGrpSpPr>
-      <p:grpSpPr>
-        <a:xfrm>
-          <a:off x="0" y="0"/>
-          <a:ext cx="0" cy="0"/>
-          <a:chOff x="0" y="0"/>
-          <a:chExt cx="0" cy="0"/>
-        </a:xfrm>
-      </p:grpSpPr>
-      <p:sp>
-        <p:nvSpPr>
-          <p:cNvPr id="2" name="标题 1"/>
-          <p:cNvSpPr>
-            <a:spLocks noGrp="1"/>
-          </p:cNvSpPr>
-          <p:nvPr>
-            <p:ph type="title"/>
-          </p:nvPr>
-        </p:nvSpPr>
-        <p:spPr/>
-        <p:txBody>
-          <a:bodyPr/>
-          <a:lstStyle/>
-          <a:p>
-            <a:endParaRPr lang="zh-CN" altLang="en-US"/>
-          </a:p>
-        </p:txBody>
-      </p:sp>
-      <p:sp>
-        <p:nvSpPr>
-          <p:cNvPr id="3" name="内容占位符 2"/>
-          <p:cNvSpPr>
-            <a:spLocks noGrp="1"/>
-          </p:cNvSpPr>
-          <p:nvPr>
-            <p:ph idx="1"/>
-          </p:nvPr>
-        </p:nvSpPr>
-        <p:spPr/>
-        <p:txBody>
-          <a:bodyPr/>
-          <a:lstStyle/>
-          <a:p>
-            <a:r>
-              <a:rPr lang="en-US" altLang="zh-CN" dirty="0" smtClean="0"/>
-              <a:t>Easy to use</a:t>
-            </a:r>
-          </a:p>
-          <a:p>
-            <a:r>
-              <a:rPr lang="en-US" altLang="zh-CN" dirty="0" smtClean="0"/>
-              <a:t>High performance</a:t>
-            </a:r>
-          </a:p>
-          <a:p>
-            <a:r>
-              <a:rPr lang="en-US" altLang="zh-CN" dirty="0" smtClean="0"/>
-              <a:t>Focus on business only</a:t>
-            </a:r>
-          </a:p>
-          <a:p>
-            <a:r>
-              <a:rPr lang="en-US" altLang="zh-CN" dirty="0" smtClean="0"/>
-              <a:t>Lightweight, low learning costs</a:t>
-            </a:r>
-          </a:p>
-          <a:p>
-            <a:r>
-              <a:rPr lang="en-US" altLang="zh-CN" dirty="0" smtClean="0"/>
-              <a:t>Cross platform, header only</a:t>
-            </a:r>
-          </a:p>
-          <a:p>
-            <a:pPr>
-              <a:buNone/>
-            </a:pPr>
-            <a:endParaRPr lang="zh-CN" altLang="en-US" dirty="0"/>
-          </a:p>
-        </p:txBody>
-      </p:sp>
-    </p:spTree>
-  </p:cSld>
-  <p:clrMapOvr>
-    <a:masterClrMapping/>
-  </p:clrMapOvr>
-  <p:timing>
-    <p:tnLst>
-      <p:par>
-        <p:cTn id="1" dur="indefinite" restart="never" nodeType="tmRoot"/>
-      </p:par>
-    </p:tnLst>
-  </p:timing>
-</p:sld>
-</file>
-
-<file path=ppt/slides/slide7.xml><?xml version="1.0" encoding="utf-8"?>
-<p:sld xmlns:a="http://schemas.openxmlformats.org/drawingml/2006/main" xmlns:r="http://schemas.openxmlformats.org/officeDocument/2006/relationships" xmlns:p="http://schemas.openxmlformats.org/presentationml/2006/main">
-  <p:cSld>
-    <p:spTree>
-      <p:nvGrpSpPr>
-        <p:cNvPr id="1" name=""/>
-        <p:cNvGrpSpPr/>
-        <p:nvPr/>
-      </p:nvGrpSpPr>
-      <p:grpSpPr>
-        <a:xfrm>
-          <a:off x="0" y="0"/>
-          <a:ext cx="0" cy="0"/>
-          <a:chOff x="0" y="0"/>
-          <a:chExt cx="0" cy="0"/>
-        </a:xfrm>
-      </p:grpSpPr>
-      <p:sp>
-        <p:nvSpPr>
-          <p:cNvPr id="2" name="标题 1"/>
-          <p:cNvSpPr>
-            <a:spLocks noGrp="1"/>
-          </p:cNvSpPr>
-          <p:nvPr>
-            <p:ph type="title"/>
-          </p:nvPr>
-        </p:nvSpPr>
-        <p:spPr/>
-        <p:txBody>
-          <a:bodyPr/>
-          <a:lstStyle/>
-          <a:p>
-            <a:pPr algn="l"/>
-            <a:r>
-              <a:rPr lang="en-US" altLang="zh-CN" dirty="0" smtClean="0"/>
-              <a:t>Example</a:t>
-            </a:r>
-            <a:endParaRPr lang="zh-CN" altLang="en-US" dirty="0"/>
-          </a:p>
-        </p:txBody>
-      </p:sp>
-      <p:sp>
-        <p:nvSpPr>
-          <p:cNvPr id="3" name="内容占位符 2"/>
-          <p:cNvSpPr>
-            <a:spLocks noGrp="1"/>
-          </p:cNvSpPr>
-          <p:nvPr>
-            <p:ph idx="1"/>
-          </p:nvPr>
-        </p:nvSpPr>
-        <p:spPr/>
-        <p:txBody>
-          <a:bodyPr/>
-          <a:lstStyle/>
-          <a:p>
-            <a:endParaRPr lang="en-US" altLang="zh-CN" dirty="0" smtClean="0"/>
-          </a:p>
-          <a:p>
-            <a:endParaRPr lang="en-US" altLang="zh-CN" dirty="0" smtClean="0"/>
-          </a:p>
-          <a:p>
-            <a:endParaRPr lang="zh-CN" altLang="en-US" dirty="0"/>
-          </a:p>
-        </p:txBody>
-      </p:sp>
-      <p:sp>
-        <p:nvSpPr>
-          <p:cNvPr id="4" name="矩形 3"/>
-          <p:cNvSpPr/>
-          <p:nvPr/>
-        </p:nvSpPr>
-        <p:spPr>
-          <a:xfrm>
-            <a:off x="785786" y="1214428"/>
-            <a:ext cx="4950009" cy="1569660"/>
-          </a:xfrm>
-          <a:prstGeom prst="rect">
-            <a:avLst/>
-          </a:prstGeom>
-        </p:spPr>
-        <p:txBody>
-          <a:bodyPr wrap="none">
-            <a:spAutoFit/>
-          </a:bodyPr>
-          <a:lstStyle/>
-          <a:p>
-            <a:r>
-              <a:rPr lang="en-US" altLang="zh-CN" sz="2400" dirty="0" smtClean="0"/>
-              <a:t>This website was developed in feather</a:t>
-            </a:r>
-          </a:p>
-          <a:p>
-            <a:r>
-              <a:rPr lang="en-US" altLang="zh-CN" sz="2400" dirty="0" smtClean="0">
-                <a:hlinkClick r:id="rId2"/>
-              </a:rPr>
-              <a:t>http://purecpp.org/</a:t>
-            </a:r>
-            <a:endParaRPr lang="en-US" altLang="zh-CN" sz="2400" dirty="0" smtClean="0"/>
-          </a:p>
-          <a:p>
-            <a:endParaRPr lang="en-US" altLang="zh-CN" sz="2400" dirty="0" smtClean="0"/>
-          </a:p>
-          <a:p>
-            <a:r>
-              <a:rPr lang="en-US" altLang="zh-CN" sz="2400" dirty="0" smtClean="0">
-                <a:hlinkClick r:id="rId3"/>
-              </a:rPr>
-              <a:t>https://github.com/qicosmos/feather</a:t>
-            </a:r>
-            <a:endParaRPr lang="en-US" altLang="zh-CN" sz="2400" dirty="0" smtClean="0"/>
-          </a:p>
-        </p:txBody>
-      </p:sp>
-    </p:spTree>
-  </p:cSld>
-  <p:clrMapOvr>
-    <a:masterClrMapping/>
-  </p:clrMapOvr>
-  <p:timing>
-    <p:tnLst>
-      <p:par>
-        <p:cTn id="1" dur="indefinite" restart="never" nodeType="tmRoot"/>
-      </p:par>
-    </p:tnLst>
-  </p:timing>
-</p:sld>
-</file>
-
-<file path=ppt/slides/slide8.xml><?xml version="1.0" encoding="utf-8"?>
-<p:sld xmlns:a="http://schemas.openxmlformats.org/drawingml/2006/main" xmlns:r="http://schemas.openxmlformats.org/officeDocument/2006/relationships" xmlns:p="http://schemas.openxmlformats.org/presentationml/2006/main">
-  <p:cSld>
-    <p:spTree>
-      <p:nvGrpSpPr>
-        <p:cNvPr id="1" name=""/>
-        <p:cNvGrpSpPr/>
-        <p:nvPr/>
-      </p:nvGrpSpPr>
-      <p:grpSpPr>
-        <a:xfrm>
-          <a:off x="0" y="0"/>
-          <a:ext cx="0" cy="0"/>
-          <a:chOff x="0" y="0"/>
-          <a:chExt cx="0" cy="0"/>
-        </a:xfrm>
-      </p:grpSpPr>
-      <p:sp>
-        <p:nvSpPr>
-          <p:cNvPr id="2" name="标题 1"/>
-          <p:cNvSpPr>
-            <a:spLocks noGrp="1"/>
-          </p:cNvSpPr>
-          <p:nvPr>
-            <p:ph type="title"/>
-          </p:nvPr>
-        </p:nvSpPr>
-        <p:spPr/>
-        <p:txBody>
-          <a:bodyPr/>
-          <a:lstStyle/>
-          <a:p>
-            <a:pPr algn="l"/>
-            <a:r>
-              <a:rPr lang="en-US" altLang="zh-CN" dirty="0" smtClean="0"/>
-              <a:t>Example</a:t>
-            </a:r>
-            <a:endParaRPr lang="zh-CN" altLang="en-US" dirty="0"/>
-          </a:p>
-        </p:txBody>
-      </p:sp>
-      <p:sp>
-        <p:nvSpPr>
-          <p:cNvPr id="3" name="内容占位符 2"/>
-          <p:cNvSpPr>
-            <a:spLocks noGrp="1"/>
-          </p:cNvSpPr>
-          <p:nvPr>
-            <p:ph idx="1"/>
-          </p:nvPr>
-        </p:nvSpPr>
-        <p:spPr/>
-        <p:txBody>
-          <a:bodyPr>
-            <a:normAutofit/>
-          </a:bodyPr>
-          <a:lstStyle/>
-          <a:p>
-            <a:r>
-              <a:rPr lang="en-US" altLang="zh-CN" dirty="0" smtClean="0"/>
-              <a:t>How many business functions?</a:t>
-            </a:r>
-          </a:p>
-          <a:p>
-            <a:pPr marL="971550" lvl="1" indent="-514350">
-              <a:buFont typeface="+mj-lt"/>
-              <a:buAutoNum type="arabicPeriod"/>
-            </a:pPr>
-            <a:r>
-              <a:rPr lang="en-US" altLang="zh-CN" sz="2400" dirty="0" smtClean="0"/>
-              <a:t>add, edit, remove, query posts;</a:t>
-            </a:r>
-          </a:p>
-          <a:p>
-            <a:pPr marL="971550" lvl="1" indent="-514350">
-              <a:buFont typeface="+mj-lt"/>
-              <a:buAutoNum type="arabicPeriod"/>
-            </a:pPr>
-            <a:r>
-              <a:rPr lang="en-US" altLang="zh-CN" sz="2400" dirty="0" smtClean="0"/>
-              <a:t>add, edit, remove, query users;</a:t>
-            </a:r>
-          </a:p>
-          <a:p>
-            <a:pPr marL="971550" lvl="1" indent="-514350">
-              <a:buFont typeface="+mj-lt"/>
-              <a:buAutoNum type="arabicPeriod"/>
-            </a:pPr>
-            <a:r>
-              <a:rPr lang="en-US" altLang="zh-CN" sz="2400" dirty="0" smtClean="0"/>
-              <a:t>member login/quit, member registration</a:t>
-            </a:r>
-          </a:p>
-          <a:p>
-            <a:pPr marL="971550" lvl="1" indent="-514350">
-              <a:buFont typeface="+mj-lt"/>
-              <a:buAutoNum type="arabicPeriod"/>
-            </a:pPr>
-            <a:r>
-              <a:rPr lang="en-US" altLang="zh-CN" sz="2400" dirty="0" smtClean="0"/>
-              <a:t>upload/download files</a:t>
-            </a:r>
-          </a:p>
-          <a:p>
-            <a:pPr marL="971550" lvl="1" indent="-514350">
-              <a:buFont typeface="+mj-lt"/>
-              <a:buAutoNum type="arabicPeriod"/>
-            </a:pPr>
-            <a:r>
-              <a:rPr lang="en-US" altLang="zh-CN" sz="2400" dirty="0" smtClean="0"/>
-              <a:t>search posts/classify posts</a:t>
-            </a:r>
-          </a:p>
-          <a:p>
-            <a:pPr marL="971550" lvl="1" indent="-514350">
-              <a:buFont typeface="+mj-lt"/>
-              <a:buAutoNum type="arabicPeriod"/>
-            </a:pPr>
-            <a:r>
-              <a:rPr lang="en-US" altLang="zh-CN" sz="2400" dirty="0" smtClean="0"/>
-              <a:t>…….</a:t>
-            </a:r>
-          </a:p>
-          <a:p>
-            <a:pPr marL="971550" lvl="1" indent="-514350">
-              <a:buFont typeface="+mj-lt"/>
-              <a:buAutoNum type="arabicPeriod"/>
-            </a:pPr>
-            <a:endParaRPr lang="en-US" altLang="zh-CN" sz="2400" dirty="0" smtClean="0"/>
-          </a:p>
-        </p:txBody>
-      </p:sp>
-      <p:sp>
-        <p:nvSpPr>
-          <p:cNvPr id="4" name="矩形 3"/>
-          <p:cNvSpPr/>
-          <p:nvPr/>
-        </p:nvSpPr>
-        <p:spPr>
-          <a:xfrm>
-            <a:off x="2428860" y="4000510"/>
-            <a:ext cx="4871718" cy="461665"/>
-          </a:xfrm>
-          <a:prstGeom prst="rect">
-            <a:avLst/>
-          </a:prstGeom>
-        </p:spPr>
-        <p:txBody>
-          <a:bodyPr wrap="none">
-            <a:spAutoFit/>
-          </a:bodyPr>
-          <a:lstStyle/>
-          <a:p>
-            <a:r>
-              <a:rPr lang="en-US" altLang="zh-CN" sz="2400" b="1" dirty="0" smtClean="0"/>
-              <a:t>All the business code is just 500 lines</a:t>
-            </a:r>
-            <a:endParaRPr lang="zh-CN" altLang="en-US" sz="2400" b="1" dirty="0"/>
-          </a:p>
-        </p:txBody>
-      </p:sp>
-    </p:spTree>
-  </p:cSld>
-  <p:clrMapOvr>
-    <a:masterClrMapping/>
-  </p:clrMapOvr>
-  <p:timing>
-    <p:tnLst>
-      <p:par>
-        <p:cTn id="1" dur="indefinite" restart="never" nodeType="tmRoot">
-          <p:childTnLst>
-            <p:seq concurrent="1" nextAc="seek">
-              <p:cTn id="2" dur="indefinite" nodeType="mainSeq">
-                <p:childTnLst>
-                  <p:par>
-                    <p:cTn id="3" fill="hold">
-                      <p:stCondLst>
-                        <p:cond delay="indefinite"/>
-                      </p:stCondLst>
-                      <p:childTnLst>
-                        <p:par>
-                          <p:cTn id="4" fill="hold">
-                            <p:stCondLst>
-                              <p:cond delay="0"/>
-                            </p:stCondLst>
-                            <p:childTnLst>
-                              <p:par>
-                                <p:cTn id="5" presetID="2" presetClass="entr" presetSubtype="4" fill="hold" grpId="1" nodeType="clickEffect">
-                                  <p:stCondLst>
-                                    <p:cond delay="0"/>
-                                  </p:stCondLst>
-                                  <p:iterate type="lt">
-                                    <p:tmPct val="0"/>
-                                  </p:iterate>
-                                  <p:childTnLst>
-                                    <p:set>
-                                      <p:cBhvr>
-                                        <p:cTn id="6" dur="1" fill="hold">
-                                          <p:stCondLst>
-                                            <p:cond delay="0"/>
-                                          </p:stCondLst>
-                                        </p:cTn>
-                                        <p:tgtEl>
-                                          <p:spTgt spid="4"/>
-                                        </p:tgtEl>
-                                        <p:attrNameLst>
-                                          <p:attrName>style.visibility</p:attrName>
-                                        </p:attrNameLst>
-                                      </p:cBhvr>
-                                      <p:to>
-                                        <p:strVal val="visible"/>
-                                      </p:to>
-                                    </p:set>
-                                    <p:anim calcmode="lin" valueType="num">
-                                      <p:cBhvr additive="base">
-                                        <p:cTn id="7" dur="500" fill="hold"/>
-                                        <p:tgtEl>
-                                          <p:spTgt spid="4"/>
-                                        </p:tgtEl>
-                                        <p:attrNameLst>
-                                          <p:attrName>ppt_x</p:attrName>
-                                        </p:attrNameLst>
-                                      </p:cBhvr>
-                                      <p:tavLst>
-                                        <p:tav tm="0">
-                                          <p:val>
-                                            <p:strVal val="#ppt_x"/>
-                                          </p:val>
-                                        </p:tav>
-                                        <p:tav tm="100000">
-                                          <p:val>
-                                            <p:strVal val="#ppt_x"/>
-                                          </p:val>
-                                        </p:tav>
-                                      </p:tavLst>
-                                    </p:anim>
-                                    <p:anim calcmode="lin" valueType="num">
-                                      <p:cBhvr additive="base">
-                                        <p:cTn id="8" dur="500" fill="hold"/>
-                                        <p:tgtEl>
-                                          <p:spTgt spid="4"/>
-                                        </p:tgtEl>
-                                        <p:attrNameLst>
-                                          <p:attrName>ppt_y</p:attrName>
-                                        </p:attrNameLst>
-                                      </p:cBhvr>
-                                      <p:tavLst>
-                                        <p:tav tm="0">
-                                          <p:val>
-                                            <p:strVal val="1+#ppt_h/2"/>
-                                          </p:val>
-                                        </p:tav>
-                                        <p:tav tm="100000">
-                                          <p:val>
-                                            <p:strVal val="#ppt_y"/>
-                                          </p:val>
-                                        </p:tav>
-                                      </p:tavLst>
-                                    </p:anim>
-                                  </p:childTnLst>
-                                </p:cTn>
-                              </p:par>
-                            </p:childTnLst>
-                          </p:cTn>
-                        </p:par>
-                      </p:childTnLst>
-                    </p:cTn>
-                  </p:par>
-                </p:childTnLst>
-              </p:cTn>
-              <p:prevCondLst>
-                <p:cond evt="onPrev" delay="0">
-                  <p:tgtEl>
-                    <p:sldTgt/>
-                  </p:tgtEl>
-                </p:cond>
-              </p:prevCondLst>
-              <p:nextCondLst>
-                <p:cond evt="onNext" delay="0">
-                  <p:tgtEl>
-                    <p:sldTgt/>
-                  </p:tgtEl>
-                </p:cond>
-              </p:nextCondLst>
-            </p:seq>
-          </p:childTnLst>
-        </p:cTn>
-      </p:par>
-    </p:tnLst>
-    <p:bldLst>
-      <p:bldP spid="4" grpId="1"/>
-    </p:bldLst>
-  </p:timing>
-</p:sld>
-</file>
-
 <file path=ppt/slides/slide9.xml><?xml version="1.0" encoding="utf-8"?>
 <p:sld xmlns:a="http://schemas.openxmlformats.org/drawingml/2006/main" xmlns:r="http://schemas.openxmlformats.org/officeDocument/2006/relationships" xmlns:p="http://schemas.openxmlformats.org/presentationml/2006/main">
   <p:cSld>
@@ -6774,56 +9849,64 @@
           <a:lstStyle/>
           <a:p>
             <a:pPr algn="l"/>
+            <a:endParaRPr lang="zh-CN" altLang="en-US" dirty="0"/>
+          </a:p>
+        </p:txBody>
+      </p:sp>
+      <p:sp>
+        <p:nvSpPr>
+          <p:cNvPr id="3" name="内容占位符 2"/>
+          <p:cNvSpPr>
+            <a:spLocks noGrp="1"/>
+          </p:cNvSpPr>
+          <p:nvPr>
+            <p:ph idx="1"/>
+          </p:nvPr>
+        </p:nvSpPr>
+        <p:spPr/>
+        <p:txBody>
+          <a:bodyPr/>
+          <a:lstStyle/>
+          <a:p>
             <a:r>
               <a:rPr lang="en-US" altLang="zh-CN" dirty="0" smtClean="0"/>
-              <a:t>Why we need it?</a:t>
-            </a:r>
-            <a:endParaRPr lang="zh-CN" altLang="en-US" dirty="0"/>
-          </a:p>
-        </p:txBody>
-      </p:sp>
-      <p:sp>
-        <p:nvSpPr>
-          <p:cNvPr id="3" name="内容占位符 2"/>
-          <p:cNvSpPr>
-            <a:spLocks noGrp="1"/>
-          </p:cNvSpPr>
-          <p:nvPr>
-            <p:ph idx="1"/>
-          </p:nvPr>
-        </p:nvSpPr>
-        <p:spPr/>
-        <p:txBody>
-          <a:bodyPr/>
-          <a:lstStyle/>
-          <a:p>
+              <a:t>Tree-frog</a:t>
+            </a:r>
+          </a:p>
+          <a:p>
+            <a:pPr marL="742950" lvl="2" indent="-342900"/>
             <a:r>
               <a:rPr lang="en-US" altLang="zh-CN" dirty="0" smtClean="0"/>
-              <a:t>You can develop an App rapidly in feather</a:t>
-            </a:r>
-          </a:p>
-          <a:p>
-            <a:r>
-              <a:rPr lang="en-US" altLang="zh-CN" dirty="0" smtClean="0"/>
-              <a:t>Naive high performance comparing with other language web framework</a:t>
-            </a:r>
-          </a:p>
-          <a:p>
-            <a:r>
-              <a:rPr lang="en-US" altLang="zh-CN" dirty="0" smtClean="0"/>
-              <a:t>Lack of such a modern </a:t>
+              <a:t>based on qt, too heavily, not modern </a:t>
             </a:r>
             <a:r>
               <a:rPr lang="en-US" altLang="zh-CN" dirty="0" err="1" smtClean="0"/>
               <a:t>c++</a:t>
             </a:r>
+            <a:endParaRPr lang="zh-CN" altLang="en-US" dirty="0" smtClean="0"/>
+          </a:p>
+          <a:p>
+            <a:pPr marL="342900" lvl="1" indent="-342900">
+              <a:buFont typeface="Arial" pitchFamily="34" charset="0"/>
+              <a:buChar char="•"/>
+            </a:pPr>
+            <a:r>
+              <a:rPr lang="en-US" altLang="zh-CN" sz="3200" dirty="0" smtClean="0"/>
+              <a:t>Crow</a:t>
+            </a:r>
+          </a:p>
+          <a:p>
+            <a:pPr marL="742950" lvl="2" indent="-342900"/>
             <a:r>
               <a:rPr lang="en-US" altLang="zh-CN" dirty="0" smtClean="0"/>
-              <a:t> web application framework</a:t>
-            </a:r>
-          </a:p>
-          <a:p>
-            <a:endParaRPr lang="zh-CN" altLang="en-US" dirty="0"/>
+              <a:t>Just a http server, not a real web framework</a:t>
+            </a:r>
+          </a:p>
+          <a:p>
+            <a:pPr lvl="1">
+              <a:buNone/>
+            </a:pPr>
+            <a:endParaRPr lang="en-US" altLang="zh-CN" dirty="0" smtClean="0"/>
           </a:p>
         </p:txBody>
       </p:sp>
@@ -7120,7 +10203,31 @@
       </a:bgFillStyleLst>
     </a:fmtScheme>
   </a:themeElements>
-  <a:objectDefaults/>
+  <a:objectDefaults>
+    <a:lnDef>
+      <a:spPr>
+        <a:ln>
+          <a:tailEnd type="arrow"/>
+        </a:ln>
+      </a:spPr>
+      <a:bodyPr/>
+      <a:lstStyle/>
+      <a:style>
+        <a:lnRef idx="1">
+          <a:schemeClr val="accent1"/>
+        </a:lnRef>
+        <a:fillRef idx="0">
+          <a:schemeClr val="accent1"/>
+        </a:fillRef>
+        <a:effectRef idx="0">
+          <a:schemeClr val="accent1"/>
+        </a:effectRef>
+        <a:fontRef idx="minor">
+          <a:schemeClr val="tx1"/>
+        </a:fontRef>
+      </a:style>
+    </a:lnDef>
+  </a:objectDefaults>
   <a:extraClrSchemeLst/>
 </a:theme>
 </file>
--- a/cppcon2018.pptx
+++ b/cppcon2018.pptx
@@ -5,7 +5,7 @@
     <p:sldMasterId id="2147483648" r:id="rId1"/>
   </p:sldMasterIdLst>
   <p:notesMasterIdLst>
-    <p:notesMasterId r:id="rId61"/>
+    <p:notesMasterId r:id="rId69"/>
   </p:notesMasterIdLst>
   <p:sldIdLst>
     <p:sldId id="256" r:id="rId2"/>
@@ -67,6 +67,14 @@
     <p:sldId id="318" r:id="rId58"/>
     <p:sldId id="286" r:id="rId59"/>
     <p:sldId id="261" r:id="rId60"/>
+    <p:sldId id="320" r:id="rId61"/>
+    <p:sldId id="325" r:id="rId62"/>
+    <p:sldId id="322" r:id="rId63"/>
+    <p:sldId id="324" r:id="rId64"/>
+    <p:sldId id="326" r:id="rId65"/>
+    <p:sldId id="323" r:id="rId66"/>
+    <p:sldId id="327" r:id="rId67"/>
+    <p:sldId id="328" r:id="rId68"/>
   </p:sldIdLst>
   <p:sldSz cx="9144000" cy="5143500" type="screen16x9"/>
   <p:notesSz cx="6858000" cy="9144000"/>
@@ -250,7 +258,8 @@
           <a:p>
             <a:fld id="{F651DEDA-4D06-4F31-8412-E2AFD4BFF8DD}" type="datetimeFigureOut">
               <a:rPr lang="zh-CN" altLang="en-US" smtClean="0"/>
-              <a:t>2018/9/17</a:t>
+              <a:pPr/>
+              <a:t>2018/9/18</a:t>
             </a:fld>
             <a:endParaRPr lang="zh-CN" altLang="en-US"/>
           </a:p>
@@ -411,6 +420,7 @@
           <a:p>
             <a:fld id="{83CD164C-6AF4-47A6-80A8-5587AE76359C}" type="slidenum">
               <a:rPr lang="zh-CN" altLang="en-US" smtClean="0"/>
+              <a:pPr/>
               <a:t>‹#›</a:t>
             </a:fld>
             <a:endParaRPr lang="zh-CN" altLang="en-US"/>
@@ -582,6 +592,7 @@
           <a:p>
             <a:fld id="{83CD164C-6AF4-47A6-80A8-5587AE76359C}" type="slidenum">
               <a:rPr lang="zh-CN" altLang="en-US" smtClean="0"/>
+              <a:pPr/>
               <a:t>32</a:t>
             </a:fld>
             <a:endParaRPr lang="zh-CN" altLang="en-US"/>
@@ -663,6 +674,7 @@
           <a:p>
             <a:fld id="{83CD164C-6AF4-47A6-80A8-5587AE76359C}" type="slidenum">
               <a:rPr lang="zh-CN" altLang="en-US" smtClean="0"/>
+              <a:pPr/>
               <a:t>35</a:t>
             </a:fld>
             <a:endParaRPr lang="zh-CN" altLang="en-US"/>
@@ -859,7 +871,7 @@
             <a:fld id="{530820CF-B880-4189-942D-D702A7CBA730}" type="datetimeFigureOut">
               <a:rPr lang="zh-CN" altLang="en-US" smtClean="0"/>
               <a:pPr/>
-              <a:t>2018/9/17</a:t>
+              <a:t>2018/9/18</a:t>
             </a:fld>
             <a:endParaRPr lang="zh-CN" altLang="en-US"/>
           </a:p>
@@ -1026,7 +1038,7 @@
             <a:fld id="{530820CF-B880-4189-942D-D702A7CBA730}" type="datetimeFigureOut">
               <a:rPr lang="zh-CN" altLang="en-US" smtClean="0"/>
               <a:pPr/>
-              <a:t>2018/9/17</a:t>
+              <a:t>2018/9/18</a:t>
             </a:fld>
             <a:endParaRPr lang="zh-CN" altLang="en-US"/>
           </a:p>
@@ -1203,7 +1215,7 @@
             <a:fld id="{530820CF-B880-4189-942D-D702A7CBA730}" type="datetimeFigureOut">
               <a:rPr lang="zh-CN" altLang="en-US" smtClean="0"/>
               <a:pPr/>
-              <a:t>2018/9/17</a:t>
+              <a:t>2018/9/18</a:t>
             </a:fld>
             <a:endParaRPr lang="zh-CN" altLang="en-US"/>
           </a:p>
@@ -1370,7 +1382,7 @@
             <a:fld id="{530820CF-B880-4189-942D-D702A7CBA730}" type="datetimeFigureOut">
               <a:rPr lang="zh-CN" altLang="en-US" smtClean="0"/>
               <a:pPr/>
-              <a:t>2018/9/17</a:t>
+              <a:t>2018/9/18</a:t>
             </a:fld>
             <a:endParaRPr lang="zh-CN" altLang="en-US"/>
           </a:p>
@@ -1613,7 +1625,7 @@
             <a:fld id="{530820CF-B880-4189-942D-D702A7CBA730}" type="datetimeFigureOut">
               <a:rPr lang="zh-CN" altLang="en-US" smtClean="0"/>
               <a:pPr/>
-              <a:t>2018/9/17</a:t>
+              <a:t>2018/9/18</a:t>
             </a:fld>
             <a:endParaRPr lang="zh-CN" altLang="en-US"/>
           </a:p>
@@ -1898,7 +1910,7 @@
             <a:fld id="{530820CF-B880-4189-942D-D702A7CBA730}" type="datetimeFigureOut">
               <a:rPr lang="zh-CN" altLang="en-US" smtClean="0"/>
               <a:pPr/>
-              <a:t>2018/9/17</a:t>
+              <a:t>2018/9/18</a:t>
             </a:fld>
             <a:endParaRPr lang="zh-CN" altLang="en-US"/>
           </a:p>
@@ -2317,7 +2329,7 @@
             <a:fld id="{530820CF-B880-4189-942D-D702A7CBA730}" type="datetimeFigureOut">
               <a:rPr lang="zh-CN" altLang="en-US" smtClean="0"/>
               <a:pPr/>
-              <a:t>2018/9/17</a:t>
+              <a:t>2018/9/18</a:t>
             </a:fld>
             <a:endParaRPr lang="zh-CN" altLang="en-US"/>
           </a:p>
@@ -2432,7 +2444,7 @@
             <a:fld id="{530820CF-B880-4189-942D-D702A7CBA730}" type="datetimeFigureOut">
               <a:rPr lang="zh-CN" altLang="en-US" smtClean="0"/>
               <a:pPr/>
-              <a:t>2018/9/17</a:t>
+              <a:t>2018/9/18</a:t>
             </a:fld>
             <a:endParaRPr lang="zh-CN" altLang="en-US"/>
           </a:p>
@@ -2524,7 +2536,7 @@
             <a:fld id="{530820CF-B880-4189-942D-D702A7CBA730}" type="datetimeFigureOut">
               <a:rPr lang="zh-CN" altLang="en-US" smtClean="0"/>
               <a:pPr/>
-              <a:t>2018/9/17</a:t>
+              <a:t>2018/9/18</a:t>
             </a:fld>
             <a:endParaRPr lang="zh-CN" altLang="en-US"/>
           </a:p>
@@ -2798,7 +2810,7 @@
             <a:fld id="{530820CF-B880-4189-942D-D702A7CBA730}" type="datetimeFigureOut">
               <a:rPr lang="zh-CN" altLang="en-US" smtClean="0"/>
               <a:pPr/>
-              <a:t>2018/9/17</a:t>
+              <a:t>2018/9/18</a:t>
             </a:fld>
             <a:endParaRPr lang="zh-CN" altLang="en-US"/>
           </a:p>
@@ -3048,7 +3060,7 @@
             <a:fld id="{530820CF-B880-4189-942D-D702A7CBA730}" type="datetimeFigureOut">
               <a:rPr lang="zh-CN" altLang="en-US" smtClean="0"/>
               <a:pPr/>
-              <a:t>2018/9/17</a:t>
+              <a:t>2018/9/18</a:t>
             </a:fld>
             <a:endParaRPr lang="zh-CN" altLang="en-US"/>
           </a:p>
@@ -3258,7 +3270,7 @@
             <a:fld id="{530820CF-B880-4189-942D-D702A7CBA730}" type="datetimeFigureOut">
               <a:rPr lang="zh-CN" altLang="en-US" smtClean="0"/>
               <a:pPr/>
-              <a:t>2018/9/17</a:t>
+              <a:t>2018/9/18</a:t>
             </a:fld>
             <a:endParaRPr lang="zh-CN" altLang="en-US"/>
           </a:p>
@@ -7714,11 +7726,7 @@
           <a:p>
             <a:r>
               <a:rPr lang="en-US" altLang="zh-CN" sz="2400" dirty="0" smtClean="0"/>
-              <a:t>The </a:t>
-            </a:r>
-            <a:r>
-              <a:rPr lang="en-US" altLang="zh-CN" sz="2400" dirty="0" smtClean="0"/>
-              <a:t>goal is different</a:t>
+              <a:t>The goal is different</a:t>
             </a:r>
             <a:endParaRPr lang="zh-CN" altLang="en-US" sz="2400" dirty="0"/>
           </a:p>
@@ -7893,11 +7901,7 @@
             <a:pPr algn="l"/>
             <a:r>
               <a:rPr lang="en-US" altLang="zh-CN" dirty="0" smtClean="0"/>
-              <a:t>http </a:t>
-            </a:r>
-            <a:r>
-              <a:rPr lang="en-US" altLang="zh-CN" dirty="0" smtClean="0"/>
-              <a:t>upload/download</a:t>
+              <a:t>http upload/download</a:t>
             </a:r>
             <a:endParaRPr lang="zh-CN" altLang="en-US" dirty="0"/>
           </a:p>
@@ -7932,13 +7936,7 @@
               <a:rPr lang="en-US" altLang="zh-CN" sz="1600" dirty="0" smtClean="0">
                 <a:hlinkClick r:id="rId2"/>
               </a:rPr>
-              <a:t>https://</a:t>
-            </a:r>
-            <a:r>
-              <a:rPr lang="en-US" altLang="zh-CN" sz="1600" dirty="0" smtClean="0">
-                <a:hlinkClick r:id="rId2"/>
-              </a:rPr>
-              <a:t>codereview.stackexchange.com/questions/148596/http-downloader-using-beast</a:t>
+              <a:t>https://codereview.stackexchange.com/questions/148596/http-downloader-using-beast</a:t>
             </a:r>
             <a:endParaRPr lang="en-US" altLang="zh-CN" sz="1600" dirty="0" smtClean="0"/>
           </a:p>
@@ -8054,11 +8052,7 @@
           <a:p>
             <a:r>
               <a:rPr lang="en-US" altLang="zh-CN" dirty="0" smtClean="0"/>
-              <a:t>http://</a:t>
-            </a:r>
-            <a:r>
-              <a:rPr lang="en-US" altLang="zh-CN" dirty="0" smtClean="0"/>
-              <a:t>127.0.0.1/assets/show.jpg</a:t>
+              <a:t>http://127.0.0.1/assets/show.jpg</a:t>
             </a:r>
             <a:endParaRPr lang="zh-CN" altLang="en-US" dirty="0"/>
           </a:p>
@@ -9062,11 +9056,7 @@
           <a:p>
             <a:r>
               <a:rPr lang="en-US" altLang="zh-CN" sz="2800" dirty="0" smtClean="0"/>
-              <a:t>s</a:t>
-            </a:r>
-            <a:r>
-              <a:rPr lang="en-US" altLang="zh-CN" sz="2800" dirty="0" smtClean="0"/>
-              <a:t>td::</a:t>
+              <a:t>std::</a:t>
             </a:r>
             <a:r>
               <a:rPr lang="en-US" altLang="zh-CN" sz="2800" dirty="0" err="1" smtClean="0"/>
@@ -9994,11 +9984,7 @@
           <a:p>
             <a:r>
               <a:rPr lang="en-US" dirty="0" smtClean="0"/>
-              <a:t>C++Now </a:t>
-            </a:r>
-            <a:r>
-              <a:rPr lang="en-US" dirty="0" smtClean="0"/>
-              <a:t>2017: </a:t>
+              <a:t>C++Now 2017: </a:t>
             </a:r>
             <a:r>
               <a:rPr lang="en-US" altLang="zh-CN" dirty="0" smtClean="0"/>
@@ -10595,11 +10581,7 @@
             <a:p>
               <a:r>
                 <a:rPr lang="en-US" altLang="zh-CN" dirty="0" smtClean="0"/>
-                <a:t>a</a:t>
-              </a:r>
-              <a:r>
-                <a:rPr lang="en-US" altLang="zh-CN" dirty="0" smtClean="0"/>
-                <a:t>spects</a:t>
+                <a:t>aspects</a:t>
               </a:r>
               <a:endParaRPr lang="zh-CN" altLang="en-US" dirty="0"/>
             </a:p>
@@ -11616,11 +11598,7 @@
               <a:pPr algn="ctr"/>
               <a:r>
                 <a:rPr lang="en-US" altLang="zh-CN" sz="1400" dirty="0" smtClean="0"/>
-                <a:t>l</a:t>
-              </a:r>
-              <a:r>
-                <a:rPr lang="en-US" altLang="zh-CN" sz="1400" dirty="0" smtClean="0"/>
-                <a:t>og</a:t>
+                <a:t>log</a:t>
               </a:r>
             </a:p>
             <a:p>
@@ -11717,11 +11695,7 @@
               <a:pPr algn="ctr"/>
               <a:r>
                 <a:rPr lang="en-US" altLang="zh-CN" sz="1400" dirty="0" smtClean="0"/>
-                <a:t>c</a:t>
-              </a:r>
-              <a:r>
-                <a:rPr lang="en-US" altLang="zh-CN" sz="1400" dirty="0" smtClean="0"/>
-                <a:t>heck</a:t>
+                <a:t>check</a:t>
               </a:r>
             </a:p>
             <a:p>
@@ -14193,11 +14167,7 @@
             <a:pPr algn="l"/>
             <a:r>
               <a:rPr lang="en-US" altLang="zh-CN" dirty="0" smtClean="0"/>
-              <a:t>auto http </a:t>
-            </a:r>
-            <a:r>
-              <a:rPr lang="en-US" altLang="zh-CN" dirty="0" smtClean="0"/>
-              <a:t>upload</a:t>
+              <a:t>auto http upload</a:t>
             </a:r>
             <a:endParaRPr lang="zh-CN" altLang="en-US" dirty="0"/>
           </a:p>
@@ -14802,11 +14772,7 @@
           <a:p>
             <a:r>
               <a:rPr lang="en-US" altLang="zh-CN" sz="2800" dirty="0" smtClean="0"/>
-              <a:t>s</a:t>
-            </a:r>
-            <a:r>
-              <a:rPr lang="en-US" altLang="zh-CN" sz="2800" dirty="0" smtClean="0"/>
-              <a:t>td::</a:t>
+              <a:t>std::</a:t>
             </a:r>
             <a:r>
               <a:rPr lang="en-US" altLang="zh-CN" sz="2800" dirty="0" err="1" smtClean="0"/>
@@ -15407,14 +15373,12 @@
               <a:rPr lang="en-US" sz="2800" dirty="0" smtClean="0"/>
               <a:t>Unified and easy to use interface</a:t>
             </a:r>
-            <a:endParaRPr lang="en-US" sz="2800" dirty="0" smtClean="0"/>
           </a:p>
           <a:p>
             <a:r>
               <a:rPr lang="en-US" sz="2800" dirty="0" smtClean="0"/>
               <a:t>Extensible interface </a:t>
             </a:r>
-            <a:endParaRPr lang="en-US" sz="2800" dirty="0" smtClean="0"/>
           </a:p>
           <a:p>
             <a:r>
@@ -15432,7 +15396,6 @@
               <a:rPr lang="en-US" sz="2800" dirty="0" smtClean="0"/>
               <a:t>Automatically mapping entity to object</a:t>
             </a:r>
-            <a:endParaRPr lang="en-US" sz="2800" dirty="0" smtClean="0"/>
           </a:p>
           <a:p>
             <a:endParaRPr lang="zh-CN" altLang="en-US" dirty="0"/>
@@ -16167,11 +16130,7 @@
             </a:r>
             <a:r>
               <a:rPr lang="en-US" sz="2400" dirty="0" smtClean="0"/>
-              <a:t>static polymorphism </a:t>
-            </a:r>
-            <a:r>
-              <a:rPr lang="en-US" sz="2400" dirty="0" smtClean="0"/>
-              <a:t>with </a:t>
+              <a:t>static polymorphism with </a:t>
             </a:r>
             <a:r>
               <a:rPr lang="en-US" altLang="zh-CN" sz="2400" dirty="0" err="1" smtClean="0"/>
@@ -16414,11 +16373,7 @@
             </a:r>
             <a:r>
               <a:rPr lang="en-US" altLang="zh-CN" sz="2400" dirty="0" smtClean="0"/>
-              <a:t> </a:t>
-            </a:r>
-            <a:r>
-              <a:rPr lang="en-US" altLang="zh-CN" sz="2400" dirty="0" smtClean="0"/>
-              <a:t>if</a:t>
+              <a:t> if</a:t>
             </a:r>
           </a:p>
           <a:p>
@@ -18302,13 +18257,7 @@
               <a:rPr lang="en-US" altLang="zh-CN" sz="1600" dirty="0" smtClean="0">
                 <a:sym typeface="Wingdings" pitchFamily="2" charset="2"/>
               </a:rPr>
-              <a:t>How to get the fields type name? </a:t>
-            </a:r>
-            <a:r>
-              <a:rPr lang="en-US" altLang="zh-CN" sz="1600" dirty="0" smtClean="0">
-                <a:sym typeface="Wingdings" pitchFamily="2" charset="2"/>
-              </a:rPr>
-              <a:t>{"INTEGER</a:t>
+              <a:t>How to get the fields type name? {"INTEGER</a:t>
             </a:r>
             <a:r>
               <a:rPr lang="zh-CN" altLang="en-US" sz="1600" dirty="0" smtClean="0"/>
@@ -19363,35 +19312,7 @@
                 <a:ea typeface="DejaVu Sans Mono" pitchFamily="49" charset="0"/>
                 <a:cs typeface="DejaVu Sans Mono" pitchFamily="49" charset="0"/>
               </a:rPr>
-              <a:t>name;</a:t>
-            </a:r>
-            <a:r>
-              <a:rPr lang="en-US" altLang="zh-CN" sz="1400" dirty="0" smtClean="0">
-                <a:solidFill>
-                  <a:srgbClr val="000000"/>
-                </a:solidFill>
-                <a:highlight>
-                  <a:srgbClr val="FFFFFF"/>
-                </a:highlight>
-                <a:latin typeface="DejaVu Sans Mono" pitchFamily="49" charset="0"/>
-                <a:ea typeface="DejaVu Sans Mono" pitchFamily="49" charset="0"/>
-                <a:cs typeface="DejaVu Sans Mono" pitchFamily="49" charset="0"/>
-              </a:rPr>
-              <a:t> </a:t>
-            </a:r>
-            <a:r>
-              <a:rPr lang="en-US" altLang="zh-CN" sz="1400" dirty="0" smtClean="0">
-                <a:solidFill>
-                  <a:srgbClr val="000000"/>
-                </a:solidFill>
-                <a:highlight>
-                  <a:srgbClr val="FFFFFF"/>
-                </a:highlight>
-                <a:latin typeface="DejaVu Sans Mono" pitchFamily="49" charset="0"/>
-                <a:ea typeface="DejaVu Sans Mono" pitchFamily="49" charset="0"/>
-                <a:cs typeface="DejaVu Sans Mono" pitchFamily="49" charset="0"/>
-              </a:rPr>
-              <a:t>  </a:t>
+              <a:t>name;   </a:t>
             </a:r>
             <a:endParaRPr lang="en-US" altLang="zh-CN" sz="1400" b="1" dirty="0">
               <a:solidFill>
@@ -19697,11 +19618,7 @@
             <a:p>
               <a:r>
                 <a:rPr lang="en-US" altLang="zh-CN" sz="1600" b="1" dirty="0" smtClean="0"/>
-                <a:t>g</a:t>
-              </a:r>
-              <a:r>
-                <a:rPr lang="en-US" altLang="zh-CN" sz="1600" b="1" dirty="0" smtClean="0"/>
-                <a:t>enerate </a:t>
+                <a:t>generate </a:t>
               </a:r>
               <a:r>
                 <a:rPr lang="en-US" altLang="zh-CN" sz="1600" b="1" dirty="0" err="1" smtClean="0"/>
@@ -20129,11 +20046,7 @@
             <a:pPr algn="l"/>
             <a:r>
               <a:rPr lang="en-US" altLang="zh-CN" dirty="0" smtClean="0"/>
-              <a:t>e</a:t>
-            </a:r>
-            <a:r>
-              <a:rPr lang="en-US" altLang="zh-CN" dirty="0" smtClean="0"/>
-              <a:t>ntity mapping</a:t>
+              <a:t>entity mapping</a:t>
             </a:r>
             <a:endParaRPr lang="zh-CN" altLang="en-US" dirty="0"/>
           </a:p>
@@ -20577,11 +20490,7 @@
           <a:p>
             <a:r>
               <a:rPr lang="en-US" altLang="zh-CN" sz="2400" dirty="0" smtClean="0"/>
-              <a:t>Mapping entity with </a:t>
-            </a:r>
-            <a:r>
-              <a:rPr lang="en-US" altLang="zh-CN" sz="2400" dirty="0" smtClean="0"/>
-              <a:t>compile-time reflection</a:t>
+              <a:t>Mapping entity with compile-time reflection</a:t>
             </a:r>
             <a:endParaRPr lang="zh-CN" altLang="en-US" sz="2400" dirty="0"/>
           </a:p>
@@ -20658,7 +20567,13 @@
           <a:bodyPr/>
           <a:lstStyle/>
           <a:p>
-            <a:endParaRPr lang="zh-CN" altLang="en-US"/>
+            <a:r>
+              <a:rPr lang="en-US" altLang="zh-CN" dirty="0" smtClean="0"/>
+              <a:t>Render: render html templates</a:t>
+            </a:r>
+          </a:p>
+          <a:p>
+            <a:endParaRPr lang="zh-CN" altLang="en-US" dirty="0"/>
           </a:p>
         </p:txBody>
       </p:sp>
@@ -20834,32 +20749,67 @@
         </p:nvSpPr>
         <p:spPr/>
         <p:txBody>
-          <a:bodyPr/>
+          <a:bodyPr>
+            <a:normAutofit/>
+          </a:bodyPr>
           <a:lstStyle/>
           <a:p>
             <a:r>
-              <a:rPr lang="en-US" altLang="zh-CN" dirty="0" smtClean="0"/>
-              <a:t>Few code</a:t>
-            </a:r>
-          </a:p>
-          <a:p>
-            <a:r>
-              <a:rPr lang="en-US" altLang="zh-CN" dirty="0" smtClean="0"/>
-              <a:t>Friendly, ease interface</a:t>
-            </a:r>
-          </a:p>
-          <a:p>
-            <a:r>
-              <a:rPr lang="en-US" altLang="zh-CN" dirty="0" smtClean="0"/>
-              <a:t>Automatically done</a:t>
-            </a:r>
-          </a:p>
-          <a:p>
-            <a:r>
-              <a:rPr lang="en-US" altLang="zh-CN" smtClean="0"/>
-              <a:t>……</a:t>
-            </a:r>
-            <a:endParaRPr lang="zh-CN" altLang="en-US" dirty="0"/>
+              <a:rPr lang="en-US" altLang="zh-CN" sz="2400" dirty="0" smtClean="0"/>
+              <a:t>Focus on business function</a:t>
+            </a:r>
+            <a:endParaRPr lang="en-US" altLang="zh-CN" sz="2400" dirty="0" smtClean="0"/>
+          </a:p>
+          <a:p>
+            <a:r>
+              <a:rPr lang="en-US" altLang="zh-CN" sz="2400" dirty="0" smtClean="0"/>
+              <a:t>Separate core business and non-core business</a:t>
+            </a:r>
+            <a:endParaRPr lang="en-US" altLang="zh-CN" sz="2400" dirty="0" smtClean="0"/>
+          </a:p>
+          <a:p>
+            <a:r>
+              <a:rPr lang="en-US" altLang="zh-CN" sz="2400" dirty="0" smtClean="0"/>
+              <a:t>Utilize the framework to help you solve trivial details</a:t>
+            </a:r>
+          </a:p>
+          <a:p>
+            <a:pPr lvl="1"/>
+            <a:r>
+              <a:rPr lang="en-US" altLang="zh-CN" sz="2000" dirty="0" smtClean="0"/>
+              <a:t>Use </a:t>
+            </a:r>
+            <a:r>
+              <a:rPr lang="en-US" altLang="zh-CN" sz="2000" dirty="0" err="1" smtClean="0"/>
+              <a:t>cinatra</a:t>
+            </a:r>
+            <a:r>
+              <a:rPr lang="en-US" altLang="zh-CN" sz="2000" dirty="0" smtClean="0"/>
+              <a:t> to solve http details, just need focus on the parsed results</a:t>
+            </a:r>
+          </a:p>
+          <a:p>
+            <a:pPr lvl="1"/>
+            <a:r>
+              <a:rPr lang="en-US" altLang="zh-CN" sz="2000" dirty="0" smtClean="0"/>
+              <a:t>Use </a:t>
+            </a:r>
+            <a:r>
+              <a:rPr lang="en-US" altLang="zh-CN" sz="2000" dirty="0" err="1" smtClean="0"/>
+              <a:t>ormpp</a:t>
+            </a:r>
+            <a:r>
+              <a:rPr lang="en-US" altLang="zh-CN" sz="2000" dirty="0" smtClean="0"/>
+              <a:t> to solve the database details, just need focus on objects mapped from the database</a:t>
+            </a:r>
+          </a:p>
+          <a:p>
+            <a:pPr lvl="1"/>
+            <a:r>
+              <a:rPr lang="en-US" altLang="zh-CN" sz="2000" dirty="0" smtClean="0"/>
+              <a:t>Use render to solve html details, just need focus on how to fill the template</a:t>
+            </a:r>
+            <a:endParaRPr lang="en-US" altLang="zh-CN" sz="2000" dirty="0" smtClean="0"/>
           </a:p>
         </p:txBody>
       </p:sp>
@@ -21651,6 +21601,944 @@
     <p:bldLst>
       <p:bldP spid="21" grpId="0" animBg="1"/>
     </p:bldLst>
+  </p:timing>
+</p:sld>
+</file>
+
+<file path=ppt/slides/slide60.xml><?xml version="1.0" encoding="utf-8"?>
+<p:sld xmlns:a="http://schemas.openxmlformats.org/drawingml/2006/main" xmlns:r="http://schemas.openxmlformats.org/officeDocument/2006/relationships" xmlns:p="http://schemas.openxmlformats.org/presentationml/2006/main">
+  <p:cSld>
+    <p:spTree>
+      <p:nvGrpSpPr>
+        <p:cNvPr id="1" name=""/>
+        <p:cNvGrpSpPr/>
+        <p:nvPr/>
+      </p:nvGrpSpPr>
+      <p:grpSpPr>
+        <a:xfrm>
+          <a:off x="0" y="0"/>
+          <a:ext cx="0" cy="0"/>
+          <a:chOff x="0" y="0"/>
+          <a:chExt cx="0" cy="0"/>
+        </a:xfrm>
+      </p:grpSpPr>
+      <p:sp>
+        <p:nvSpPr>
+          <p:cNvPr id="2" name="标题 1"/>
+          <p:cNvSpPr>
+            <a:spLocks noGrp="1"/>
+          </p:cNvSpPr>
+          <p:nvPr>
+            <p:ph type="title"/>
+          </p:nvPr>
+        </p:nvSpPr>
+        <p:spPr/>
+        <p:txBody>
+          <a:bodyPr/>
+          <a:lstStyle/>
+          <a:p>
+            <a:pPr algn="l"/>
+            <a:r>
+              <a:rPr lang="en-US" altLang="zh-CN" dirty="0" smtClean="0"/>
+              <a:t>Example—login</a:t>
+            </a:r>
+            <a:endParaRPr lang="zh-CN" altLang="en-US" dirty="0"/>
+          </a:p>
+        </p:txBody>
+      </p:sp>
+      <p:sp>
+        <p:nvSpPr>
+          <p:cNvPr id="3" name="内容占位符 2"/>
+          <p:cNvSpPr>
+            <a:spLocks noGrp="1"/>
+          </p:cNvSpPr>
+          <p:nvPr>
+            <p:ph idx="1"/>
+          </p:nvPr>
+        </p:nvSpPr>
+        <p:spPr/>
+        <p:txBody>
+          <a:bodyPr/>
+          <a:lstStyle/>
+          <a:p>
+            <a:endParaRPr lang="zh-CN" altLang="en-US"/>
+          </a:p>
+        </p:txBody>
+      </p:sp>
+      <p:pic>
+        <p:nvPicPr>
+          <p:cNvPr id="2050" name="Picture 2"/>
+          <p:cNvPicPr>
+            <a:picLocks noChangeAspect="1" noChangeArrowheads="1"/>
+          </p:cNvPicPr>
+          <p:nvPr/>
+        </p:nvPicPr>
+        <p:blipFill>
+          <a:blip r:embed="rId2"/>
+          <a:srcRect/>
+          <a:stretch>
+            <a:fillRect/>
+          </a:stretch>
+        </p:blipFill>
+        <p:spPr bwMode="auto">
+          <a:xfrm>
+            <a:off x="428596" y="1214428"/>
+            <a:ext cx="8207375" cy="1714500"/>
+          </a:xfrm>
+          <a:prstGeom prst="rect">
+            <a:avLst/>
+          </a:prstGeom>
+          <a:noFill/>
+          <a:ln w="9525">
+            <a:noFill/>
+            <a:miter lim="800000"/>
+            <a:headEnd/>
+            <a:tailEnd/>
+          </a:ln>
+          <a:effectLst/>
+        </p:spPr>
+      </p:pic>
+      <p:pic>
+        <p:nvPicPr>
+          <p:cNvPr id="2051" name="Picture 3"/>
+          <p:cNvPicPr>
+            <a:picLocks noChangeAspect="1" noChangeArrowheads="1"/>
+          </p:cNvPicPr>
+          <p:nvPr/>
+        </p:nvPicPr>
+        <p:blipFill>
+          <a:blip r:embed="rId3"/>
+          <a:srcRect/>
+          <a:stretch>
+            <a:fillRect/>
+          </a:stretch>
+        </p:blipFill>
+        <p:spPr bwMode="auto">
+          <a:xfrm>
+            <a:off x="500034" y="3000378"/>
+            <a:ext cx="5387975" cy="601663"/>
+          </a:xfrm>
+          <a:prstGeom prst="rect">
+            <a:avLst/>
+          </a:prstGeom>
+          <a:noFill/>
+          <a:ln w="9525">
+            <a:noFill/>
+            <a:miter lim="800000"/>
+            <a:headEnd/>
+            <a:tailEnd/>
+          </a:ln>
+          <a:effectLst/>
+        </p:spPr>
+      </p:pic>
+    </p:spTree>
+  </p:cSld>
+  <p:clrMapOvr>
+    <a:masterClrMapping/>
+  </p:clrMapOvr>
+</p:sld>
+</file>
+
+<file path=ppt/slides/slide61.xml><?xml version="1.0" encoding="utf-8"?>
+<p:sld xmlns:a="http://schemas.openxmlformats.org/drawingml/2006/main" xmlns:r="http://schemas.openxmlformats.org/officeDocument/2006/relationships" xmlns:p="http://schemas.openxmlformats.org/presentationml/2006/main">
+  <p:cSld>
+    <p:spTree>
+      <p:nvGrpSpPr>
+        <p:cNvPr id="1" name=""/>
+        <p:cNvGrpSpPr/>
+        <p:nvPr/>
+      </p:nvGrpSpPr>
+      <p:grpSpPr>
+        <a:xfrm>
+          <a:off x="0" y="0"/>
+          <a:ext cx="0" cy="0"/>
+          <a:chOff x="0" y="0"/>
+          <a:chExt cx="0" cy="0"/>
+        </a:xfrm>
+      </p:grpSpPr>
+      <p:sp>
+        <p:nvSpPr>
+          <p:cNvPr id="2" name="标题 1"/>
+          <p:cNvSpPr>
+            <a:spLocks noGrp="1"/>
+          </p:cNvSpPr>
+          <p:nvPr>
+            <p:ph type="title"/>
+          </p:nvPr>
+        </p:nvSpPr>
+        <p:spPr/>
+        <p:txBody>
+          <a:bodyPr/>
+          <a:lstStyle/>
+          <a:p>
+            <a:pPr algn="l"/>
+            <a:r>
+              <a:rPr lang="en-US" altLang="zh-CN" dirty="0" smtClean="0"/>
+              <a:t>Login html page</a:t>
+            </a:r>
+            <a:endParaRPr lang="zh-CN" altLang="en-US" dirty="0"/>
+          </a:p>
+        </p:txBody>
+      </p:sp>
+      <p:sp>
+        <p:nvSpPr>
+          <p:cNvPr id="3" name="内容占位符 2"/>
+          <p:cNvSpPr>
+            <a:spLocks noGrp="1"/>
+          </p:cNvSpPr>
+          <p:nvPr>
+            <p:ph idx="1"/>
+          </p:nvPr>
+        </p:nvSpPr>
+        <p:spPr/>
+        <p:txBody>
+          <a:bodyPr/>
+          <a:lstStyle/>
+          <a:p>
+            <a:endParaRPr lang="zh-CN" altLang="en-US"/>
+          </a:p>
+        </p:txBody>
+      </p:sp>
+      <p:pic>
+        <p:nvPicPr>
+          <p:cNvPr id="7170" name="Picture 2"/>
+          <p:cNvPicPr>
+            <a:picLocks noChangeAspect="1" noChangeArrowheads="1"/>
+          </p:cNvPicPr>
+          <p:nvPr/>
+        </p:nvPicPr>
+        <p:blipFill>
+          <a:blip r:embed="rId2"/>
+          <a:srcRect/>
+          <a:stretch>
+            <a:fillRect/>
+          </a:stretch>
+        </p:blipFill>
+        <p:spPr bwMode="auto">
+          <a:xfrm>
+            <a:off x="642910" y="1214428"/>
+            <a:ext cx="7632700" cy="3460750"/>
+          </a:xfrm>
+          <a:prstGeom prst="rect">
+            <a:avLst/>
+          </a:prstGeom>
+          <a:noFill/>
+          <a:ln w="9525">
+            <a:noFill/>
+            <a:miter lim="800000"/>
+            <a:headEnd/>
+            <a:tailEnd/>
+          </a:ln>
+          <a:effectLst/>
+        </p:spPr>
+      </p:pic>
+    </p:spTree>
+  </p:cSld>
+  <p:clrMapOvr>
+    <a:masterClrMapping/>
+  </p:clrMapOvr>
+</p:sld>
+</file>
+
+<file path=ppt/slides/slide62.xml><?xml version="1.0" encoding="utf-8"?>
+<p:sld xmlns:a="http://schemas.openxmlformats.org/drawingml/2006/main" xmlns:r="http://schemas.openxmlformats.org/officeDocument/2006/relationships" xmlns:p="http://schemas.openxmlformats.org/presentationml/2006/main">
+  <p:cSld>
+    <p:spTree>
+      <p:nvGrpSpPr>
+        <p:cNvPr id="1" name=""/>
+        <p:cNvGrpSpPr/>
+        <p:nvPr/>
+      </p:nvGrpSpPr>
+      <p:grpSpPr>
+        <a:xfrm>
+          <a:off x="0" y="0"/>
+          <a:ext cx="0" cy="0"/>
+          <a:chOff x="0" y="0"/>
+          <a:chExt cx="0" cy="0"/>
+        </a:xfrm>
+      </p:grpSpPr>
+      <p:sp>
+        <p:nvSpPr>
+          <p:cNvPr id="2" name="标题 1"/>
+          <p:cNvSpPr>
+            <a:spLocks noGrp="1"/>
+          </p:cNvSpPr>
+          <p:nvPr>
+            <p:ph type="title"/>
+          </p:nvPr>
+        </p:nvSpPr>
+        <p:spPr/>
+        <p:txBody>
+          <a:bodyPr/>
+          <a:lstStyle/>
+          <a:p>
+            <a:pPr algn="l"/>
+            <a:endParaRPr lang="zh-CN" altLang="en-US" dirty="0"/>
+          </a:p>
+        </p:txBody>
+      </p:sp>
+      <p:sp>
+        <p:nvSpPr>
+          <p:cNvPr id="3" name="内容占位符 2"/>
+          <p:cNvSpPr>
+            <a:spLocks noGrp="1"/>
+          </p:cNvSpPr>
+          <p:nvPr>
+            <p:ph idx="1"/>
+          </p:nvPr>
+        </p:nvSpPr>
+        <p:spPr/>
+        <p:txBody>
+          <a:bodyPr/>
+          <a:lstStyle/>
+          <a:p>
+            <a:endParaRPr lang="zh-CN" altLang="en-US"/>
+          </a:p>
+        </p:txBody>
+      </p:sp>
+      <p:pic>
+        <p:nvPicPr>
+          <p:cNvPr id="4099" name="Picture 3"/>
+          <p:cNvPicPr>
+            <a:picLocks noChangeAspect="1" noChangeArrowheads="1"/>
+          </p:cNvPicPr>
+          <p:nvPr/>
+        </p:nvPicPr>
+        <p:blipFill>
+          <a:blip r:embed="rId2"/>
+          <a:srcRect/>
+          <a:stretch>
+            <a:fillRect/>
+          </a:stretch>
+        </p:blipFill>
+        <p:spPr bwMode="auto">
+          <a:xfrm>
+            <a:off x="571472" y="1285866"/>
+            <a:ext cx="7715250" cy="3308350"/>
+          </a:xfrm>
+          <a:prstGeom prst="rect">
+            <a:avLst/>
+          </a:prstGeom>
+          <a:noFill/>
+          <a:ln w="9525">
+            <a:noFill/>
+            <a:miter lim="800000"/>
+            <a:headEnd/>
+            <a:tailEnd/>
+          </a:ln>
+          <a:effectLst/>
+        </p:spPr>
+      </p:pic>
+    </p:spTree>
+  </p:cSld>
+  <p:clrMapOvr>
+    <a:masterClrMapping/>
+  </p:clrMapOvr>
+</p:sld>
+</file>
+
+<file path=ppt/slides/slide63.xml><?xml version="1.0" encoding="utf-8"?>
+<p:sld xmlns:a="http://schemas.openxmlformats.org/drawingml/2006/main" xmlns:r="http://schemas.openxmlformats.org/officeDocument/2006/relationships" xmlns:p="http://schemas.openxmlformats.org/presentationml/2006/main">
+  <p:cSld>
+    <p:spTree>
+      <p:nvGrpSpPr>
+        <p:cNvPr id="1" name=""/>
+        <p:cNvGrpSpPr/>
+        <p:nvPr/>
+      </p:nvGrpSpPr>
+      <p:grpSpPr>
+        <a:xfrm>
+          <a:off x="0" y="0"/>
+          <a:ext cx="0" cy="0"/>
+          <a:chOff x="0" y="0"/>
+          <a:chExt cx="0" cy="0"/>
+        </a:xfrm>
+      </p:grpSpPr>
+      <p:sp>
+        <p:nvSpPr>
+          <p:cNvPr id="2" name="标题 1"/>
+          <p:cNvSpPr>
+            <a:spLocks noGrp="1"/>
+          </p:cNvSpPr>
+          <p:nvPr>
+            <p:ph type="title"/>
+          </p:nvPr>
+        </p:nvSpPr>
+        <p:spPr/>
+        <p:txBody>
+          <a:bodyPr/>
+          <a:lstStyle/>
+          <a:p>
+            <a:pPr algn="l"/>
+            <a:endParaRPr lang="zh-CN" altLang="en-US" dirty="0"/>
+          </a:p>
+        </p:txBody>
+      </p:sp>
+      <p:sp>
+        <p:nvSpPr>
+          <p:cNvPr id="3" name="内容占位符 2"/>
+          <p:cNvSpPr>
+            <a:spLocks noGrp="1"/>
+          </p:cNvSpPr>
+          <p:nvPr>
+            <p:ph idx="1"/>
+          </p:nvPr>
+        </p:nvSpPr>
+        <p:spPr/>
+        <p:txBody>
+          <a:bodyPr/>
+          <a:lstStyle/>
+          <a:p>
+            <a:endParaRPr lang="zh-CN" altLang="en-US"/>
+          </a:p>
+        </p:txBody>
+      </p:sp>
+      <p:pic>
+        <p:nvPicPr>
+          <p:cNvPr id="6146" name="Picture 2"/>
+          <p:cNvPicPr>
+            <a:picLocks noChangeAspect="1" noChangeArrowheads="1"/>
+          </p:cNvPicPr>
+          <p:nvPr/>
+        </p:nvPicPr>
+        <p:blipFill>
+          <a:blip r:embed="rId2"/>
+          <a:srcRect/>
+          <a:stretch>
+            <a:fillRect/>
+          </a:stretch>
+        </p:blipFill>
+        <p:spPr bwMode="auto">
+          <a:xfrm>
+            <a:off x="1071538" y="1142990"/>
+            <a:ext cx="6911975" cy="3733800"/>
+          </a:xfrm>
+          <a:prstGeom prst="rect">
+            <a:avLst/>
+          </a:prstGeom>
+          <a:noFill/>
+          <a:ln w="9525">
+            <a:noFill/>
+            <a:miter lim="800000"/>
+            <a:headEnd/>
+            <a:tailEnd/>
+          </a:ln>
+          <a:effectLst/>
+        </p:spPr>
+      </p:pic>
+      <p:pic>
+        <p:nvPicPr>
+          <p:cNvPr id="6147" name="Picture 3"/>
+          <p:cNvPicPr>
+            <a:picLocks noChangeAspect="1" noChangeArrowheads="1"/>
+          </p:cNvPicPr>
+          <p:nvPr/>
+        </p:nvPicPr>
+        <p:blipFill>
+          <a:blip r:embed="rId3"/>
+          <a:srcRect/>
+          <a:stretch>
+            <a:fillRect/>
+          </a:stretch>
+        </p:blipFill>
+        <p:spPr bwMode="auto">
+          <a:xfrm>
+            <a:off x="571472" y="642924"/>
+            <a:ext cx="7331075" cy="403225"/>
+          </a:xfrm>
+          <a:prstGeom prst="rect">
+            <a:avLst/>
+          </a:prstGeom>
+          <a:noFill/>
+          <a:ln w="9525">
+            <a:noFill/>
+            <a:miter lim="800000"/>
+            <a:headEnd/>
+            <a:tailEnd/>
+          </a:ln>
+          <a:effectLst/>
+        </p:spPr>
+      </p:pic>
+      <p:sp>
+        <p:nvSpPr>
+          <p:cNvPr id="6" name="TextBox 5"/>
+          <p:cNvSpPr txBox="1"/>
+          <p:nvPr/>
+        </p:nvSpPr>
+        <p:spPr>
+          <a:xfrm>
+            <a:off x="3214678" y="285734"/>
+            <a:ext cx="1430584" cy="369332"/>
+          </a:xfrm>
+          <a:prstGeom prst="rect">
+            <a:avLst/>
+          </a:prstGeom>
+          <a:noFill/>
+        </p:spPr>
+        <p:txBody>
+          <a:bodyPr wrap="none" rtlCol="0">
+            <a:spAutoFit/>
+          </a:bodyPr>
+          <a:lstStyle/>
+          <a:p>
+            <a:r>
+              <a:rPr lang="en-US" altLang="zh-CN" b="1" dirty="0" smtClean="0"/>
+              <a:t>Server </a:t>
+            </a:r>
+            <a:r>
+              <a:rPr lang="en-US" altLang="zh-CN" b="1" dirty="0" err="1" smtClean="0"/>
+              <a:t>coode</a:t>
+            </a:r>
+            <a:endParaRPr lang="zh-CN" altLang="en-US" b="1" dirty="0"/>
+          </a:p>
+        </p:txBody>
+      </p:sp>
+    </p:spTree>
+  </p:cSld>
+  <p:clrMapOvr>
+    <a:masterClrMapping/>
+  </p:clrMapOvr>
+  <p:timing>
+    <p:tnLst>
+      <p:par>
+        <p:cTn id="1" dur="indefinite" restart="never" nodeType="tmRoot"/>
+      </p:par>
+    </p:tnLst>
+  </p:timing>
+</p:sld>
+</file>
+
+<file path=ppt/slides/slide64.xml><?xml version="1.0" encoding="utf-8"?>
+<p:sld xmlns:a="http://schemas.openxmlformats.org/drawingml/2006/main" xmlns:r="http://schemas.openxmlformats.org/officeDocument/2006/relationships" xmlns:p="http://schemas.openxmlformats.org/presentationml/2006/main">
+  <p:cSld>
+    <p:spTree>
+      <p:nvGrpSpPr>
+        <p:cNvPr id="1" name=""/>
+        <p:cNvGrpSpPr/>
+        <p:nvPr/>
+      </p:nvGrpSpPr>
+      <p:grpSpPr>
+        <a:xfrm>
+          <a:off x="0" y="0"/>
+          <a:ext cx="0" cy="0"/>
+          <a:chOff x="0" y="0"/>
+          <a:chExt cx="0" cy="0"/>
+        </a:xfrm>
+      </p:grpSpPr>
+      <p:sp>
+        <p:nvSpPr>
+          <p:cNvPr id="2" name="标题 1"/>
+          <p:cNvSpPr>
+            <a:spLocks noGrp="1"/>
+          </p:cNvSpPr>
+          <p:nvPr>
+            <p:ph type="title"/>
+          </p:nvPr>
+        </p:nvSpPr>
+        <p:spPr/>
+        <p:txBody>
+          <a:bodyPr/>
+          <a:lstStyle/>
+          <a:p>
+            <a:endParaRPr lang="zh-CN" altLang="en-US"/>
+          </a:p>
+        </p:txBody>
+      </p:sp>
+      <p:sp>
+        <p:nvSpPr>
+          <p:cNvPr id="3" name="内容占位符 2"/>
+          <p:cNvSpPr>
+            <a:spLocks noGrp="1"/>
+          </p:cNvSpPr>
+          <p:nvPr>
+            <p:ph idx="1"/>
+          </p:nvPr>
+        </p:nvSpPr>
+        <p:spPr/>
+        <p:txBody>
+          <a:bodyPr/>
+          <a:lstStyle/>
+          <a:p>
+            <a:endParaRPr lang="zh-CN" altLang="en-US"/>
+          </a:p>
+        </p:txBody>
+      </p:sp>
+      <p:pic>
+        <p:nvPicPr>
+          <p:cNvPr id="8194" name="Picture 2"/>
+          <p:cNvPicPr>
+            <a:picLocks noChangeAspect="1" noChangeArrowheads="1"/>
+          </p:cNvPicPr>
+          <p:nvPr/>
+        </p:nvPicPr>
+        <p:blipFill>
+          <a:blip r:embed="rId2"/>
+          <a:srcRect/>
+          <a:stretch>
+            <a:fillRect/>
+          </a:stretch>
+        </p:blipFill>
+        <p:spPr bwMode="auto">
+          <a:xfrm>
+            <a:off x="544513" y="354013"/>
+            <a:ext cx="8054975" cy="4435475"/>
+          </a:xfrm>
+          <a:prstGeom prst="rect">
+            <a:avLst/>
+          </a:prstGeom>
+          <a:noFill/>
+          <a:ln w="9525">
+            <a:noFill/>
+            <a:miter lim="800000"/>
+            <a:headEnd/>
+            <a:tailEnd/>
+          </a:ln>
+          <a:effectLst/>
+        </p:spPr>
+      </p:pic>
+    </p:spTree>
+  </p:cSld>
+  <p:clrMapOvr>
+    <a:masterClrMapping/>
+  </p:clrMapOvr>
+</p:sld>
+</file>
+
+<file path=ppt/slides/slide65.xml><?xml version="1.0" encoding="utf-8"?>
+<p:sld xmlns:a="http://schemas.openxmlformats.org/drawingml/2006/main" xmlns:r="http://schemas.openxmlformats.org/officeDocument/2006/relationships" xmlns:p="http://schemas.openxmlformats.org/presentationml/2006/main">
+  <p:cSld>
+    <p:spTree>
+      <p:nvGrpSpPr>
+        <p:cNvPr id="1" name=""/>
+        <p:cNvGrpSpPr/>
+        <p:nvPr/>
+      </p:nvGrpSpPr>
+      <p:grpSpPr>
+        <a:xfrm>
+          <a:off x="0" y="0"/>
+          <a:ext cx="0" cy="0"/>
+          <a:chOff x="0" y="0"/>
+          <a:chExt cx="0" cy="0"/>
+        </a:xfrm>
+      </p:grpSpPr>
+      <p:sp>
+        <p:nvSpPr>
+          <p:cNvPr id="2" name="标题 1"/>
+          <p:cNvSpPr>
+            <a:spLocks noGrp="1"/>
+          </p:cNvSpPr>
+          <p:nvPr>
+            <p:ph type="title"/>
+          </p:nvPr>
+        </p:nvSpPr>
+        <p:spPr/>
+        <p:txBody>
+          <a:bodyPr/>
+          <a:lstStyle/>
+          <a:p>
+            <a:pPr algn="l"/>
+            <a:r>
+              <a:rPr lang="en-US" altLang="zh-CN" dirty="0" smtClean="0"/>
+              <a:t>Example</a:t>
+            </a:r>
+            <a:endParaRPr lang="zh-CN" altLang="en-US" dirty="0"/>
+          </a:p>
+        </p:txBody>
+      </p:sp>
+      <p:sp>
+        <p:nvSpPr>
+          <p:cNvPr id="3" name="内容占位符 2"/>
+          <p:cNvSpPr>
+            <a:spLocks noGrp="1"/>
+          </p:cNvSpPr>
+          <p:nvPr>
+            <p:ph idx="1"/>
+          </p:nvPr>
+        </p:nvSpPr>
+        <p:spPr/>
+        <p:txBody>
+          <a:bodyPr/>
+          <a:lstStyle/>
+          <a:p>
+            <a:endParaRPr lang="zh-CN" altLang="en-US"/>
+          </a:p>
+        </p:txBody>
+      </p:sp>
+      <p:pic>
+        <p:nvPicPr>
+          <p:cNvPr id="5124" name="Picture 4"/>
+          <p:cNvPicPr>
+            <a:picLocks noChangeAspect="1" noChangeArrowheads="1"/>
+          </p:cNvPicPr>
+          <p:nvPr/>
+        </p:nvPicPr>
+        <p:blipFill>
+          <a:blip r:embed="rId2"/>
+          <a:srcRect/>
+          <a:stretch>
+            <a:fillRect/>
+          </a:stretch>
+        </p:blipFill>
+        <p:spPr bwMode="auto">
+          <a:xfrm>
+            <a:off x="571472" y="1071552"/>
+            <a:ext cx="7415213" cy="1287463"/>
+          </a:xfrm>
+          <a:prstGeom prst="rect">
+            <a:avLst/>
+          </a:prstGeom>
+          <a:noFill/>
+          <a:ln w="9525">
+            <a:noFill/>
+            <a:miter lim="800000"/>
+            <a:headEnd/>
+            <a:tailEnd/>
+          </a:ln>
+          <a:effectLst/>
+        </p:spPr>
+      </p:pic>
+      <p:pic>
+        <p:nvPicPr>
+          <p:cNvPr id="5125" name="Picture 5"/>
+          <p:cNvPicPr>
+            <a:picLocks noChangeAspect="1" noChangeArrowheads="1"/>
+          </p:cNvPicPr>
+          <p:nvPr/>
+        </p:nvPicPr>
+        <p:blipFill>
+          <a:blip r:embed="rId3"/>
+          <a:srcRect/>
+          <a:stretch>
+            <a:fillRect/>
+          </a:stretch>
+        </p:blipFill>
+        <p:spPr bwMode="auto">
+          <a:xfrm>
+            <a:off x="1285852" y="2428874"/>
+            <a:ext cx="6503981" cy="2289087"/>
+          </a:xfrm>
+          <a:prstGeom prst="rect">
+            <a:avLst/>
+          </a:prstGeom>
+          <a:noFill/>
+          <a:ln w="9525">
+            <a:noFill/>
+            <a:miter lim="800000"/>
+            <a:headEnd/>
+            <a:tailEnd/>
+          </a:ln>
+          <a:effectLst/>
+        </p:spPr>
+      </p:pic>
+    </p:spTree>
+  </p:cSld>
+  <p:clrMapOvr>
+    <a:masterClrMapping/>
+  </p:clrMapOvr>
+  <p:timing>
+    <p:tnLst>
+      <p:par>
+        <p:cTn id="1" dur="indefinite" restart="never" nodeType="tmRoot"/>
+      </p:par>
+    </p:tnLst>
+  </p:timing>
+</p:sld>
+</file>
+
+<file path=ppt/slides/slide66.xml><?xml version="1.0" encoding="utf-8"?>
+<p:sld xmlns:a="http://schemas.openxmlformats.org/drawingml/2006/main" xmlns:r="http://schemas.openxmlformats.org/officeDocument/2006/relationships" xmlns:p="http://schemas.openxmlformats.org/presentationml/2006/main">
+  <p:cSld>
+    <p:spTree>
+      <p:nvGrpSpPr>
+        <p:cNvPr id="1" name=""/>
+        <p:cNvGrpSpPr/>
+        <p:nvPr/>
+      </p:nvGrpSpPr>
+      <p:grpSpPr>
+        <a:xfrm>
+          <a:off x="0" y="0"/>
+          <a:ext cx="0" cy="0"/>
+          <a:chOff x="0" y="0"/>
+          <a:chExt cx="0" cy="0"/>
+        </a:xfrm>
+      </p:grpSpPr>
+      <p:sp>
+        <p:nvSpPr>
+          <p:cNvPr id="2" name="标题 1"/>
+          <p:cNvSpPr>
+            <a:spLocks noGrp="1"/>
+          </p:cNvSpPr>
+          <p:nvPr>
+            <p:ph type="title"/>
+          </p:nvPr>
+        </p:nvSpPr>
+        <p:spPr/>
+        <p:txBody>
+          <a:bodyPr/>
+          <a:lstStyle/>
+          <a:p>
+            <a:endParaRPr lang="zh-CN" altLang="en-US"/>
+          </a:p>
+        </p:txBody>
+      </p:sp>
+      <p:sp>
+        <p:nvSpPr>
+          <p:cNvPr id="3" name="内容占位符 2"/>
+          <p:cNvSpPr>
+            <a:spLocks noGrp="1"/>
+          </p:cNvSpPr>
+          <p:nvPr>
+            <p:ph idx="1"/>
+          </p:nvPr>
+        </p:nvSpPr>
+        <p:spPr/>
+        <p:txBody>
+          <a:bodyPr/>
+          <a:lstStyle/>
+          <a:p>
+            <a:endParaRPr lang="zh-CN" altLang="en-US" dirty="0"/>
+          </a:p>
+        </p:txBody>
+      </p:sp>
+      <p:sp>
+        <p:nvSpPr>
+          <p:cNvPr id="4" name="矩形 3"/>
+          <p:cNvSpPr/>
+          <p:nvPr/>
+        </p:nvSpPr>
+        <p:spPr>
+          <a:xfrm>
+            <a:off x="3571868" y="1928808"/>
+            <a:ext cx="1132490" cy="769441"/>
+          </a:xfrm>
+          <a:prstGeom prst="rect">
+            <a:avLst/>
+          </a:prstGeom>
+        </p:spPr>
+        <p:txBody>
+          <a:bodyPr wrap="none">
+            <a:spAutoFit/>
+          </a:bodyPr>
+          <a:lstStyle/>
+          <a:p>
+            <a:r>
+              <a:rPr lang="en-US" altLang="zh-CN" sz="4400" b="1" dirty="0" smtClean="0"/>
+              <a:t>FAQ</a:t>
+            </a:r>
+            <a:endParaRPr lang="zh-CN" altLang="en-US" sz="4400" b="1" dirty="0"/>
+          </a:p>
+        </p:txBody>
+      </p:sp>
+    </p:spTree>
+  </p:cSld>
+  <p:clrMapOvr>
+    <a:masterClrMapping/>
+  </p:clrMapOvr>
+  <p:timing>
+    <p:tnLst>
+      <p:par>
+        <p:cTn id="1" dur="indefinite" restart="never" nodeType="tmRoot"/>
+      </p:par>
+    </p:tnLst>
+  </p:timing>
+</p:sld>
+</file>
+
+<file path=ppt/slides/slide67.xml><?xml version="1.0" encoding="utf-8"?>
+<p:sld xmlns:a="http://schemas.openxmlformats.org/drawingml/2006/main" xmlns:r="http://schemas.openxmlformats.org/officeDocument/2006/relationships" xmlns:p="http://schemas.openxmlformats.org/presentationml/2006/main">
+  <p:cSld>
+    <p:spTree>
+      <p:nvGrpSpPr>
+        <p:cNvPr id="1" name=""/>
+        <p:cNvGrpSpPr/>
+        <p:nvPr/>
+      </p:nvGrpSpPr>
+      <p:grpSpPr>
+        <a:xfrm>
+          <a:off x="0" y="0"/>
+          <a:ext cx="0" cy="0"/>
+          <a:chOff x="0" y="0"/>
+          <a:chExt cx="0" cy="0"/>
+        </a:xfrm>
+      </p:grpSpPr>
+      <p:sp>
+        <p:nvSpPr>
+          <p:cNvPr id="2" name="标题 1"/>
+          <p:cNvSpPr>
+            <a:spLocks noGrp="1"/>
+          </p:cNvSpPr>
+          <p:nvPr>
+            <p:ph type="title"/>
+          </p:nvPr>
+        </p:nvSpPr>
+        <p:spPr/>
+        <p:txBody>
+          <a:bodyPr/>
+          <a:lstStyle/>
+          <a:p>
+            <a:endParaRPr lang="zh-CN" altLang="en-US"/>
+          </a:p>
+        </p:txBody>
+      </p:sp>
+      <p:sp>
+        <p:nvSpPr>
+          <p:cNvPr id="3" name="内容占位符 2"/>
+          <p:cNvSpPr>
+            <a:spLocks noGrp="1"/>
+          </p:cNvSpPr>
+          <p:nvPr>
+            <p:ph idx="1"/>
+          </p:nvPr>
+        </p:nvSpPr>
+        <p:spPr/>
+        <p:txBody>
+          <a:bodyPr/>
+          <a:lstStyle/>
+          <a:p>
+            <a:endParaRPr lang="zh-CN" altLang="en-US"/>
+          </a:p>
+        </p:txBody>
+      </p:sp>
+      <p:sp>
+        <p:nvSpPr>
+          <p:cNvPr id="4" name="矩形 3"/>
+          <p:cNvSpPr/>
+          <p:nvPr/>
+        </p:nvSpPr>
+        <p:spPr>
+          <a:xfrm>
+            <a:off x="2714612" y="2071684"/>
+            <a:ext cx="2615139" cy="769441"/>
+          </a:xfrm>
+          <a:prstGeom prst="rect">
+            <a:avLst/>
+          </a:prstGeom>
+        </p:spPr>
+        <p:txBody>
+          <a:bodyPr wrap="none">
+            <a:spAutoFit/>
+          </a:bodyPr>
+          <a:lstStyle/>
+          <a:p>
+            <a:r>
+              <a:rPr lang="en-US" altLang="zh-CN" sz="4400" b="1" dirty="0" smtClean="0"/>
+              <a:t>Thank you</a:t>
+            </a:r>
+            <a:endParaRPr lang="zh-CN" altLang="en-US" sz="4400" b="1" dirty="0"/>
+          </a:p>
+        </p:txBody>
+      </p:sp>
+    </p:spTree>
+  </p:cSld>
+  <p:clrMapOvr>
+    <a:masterClrMapping/>
+  </p:clrMapOvr>
+  <p:timing>
+    <p:tnLst>
+      <p:par>
+        <p:cTn id="1" dur="indefinite" restart="never" nodeType="tmRoot"/>
+      </p:par>
+    </p:tnLst>
   </p:timing>
 </p:sld>
 </file>

--- a/cppcon2018.pptx
+++ b/cppcon2018.pptx
@@ -5,7 +5,7 @@
     <p:sldMasterId id="2147483648" r:id="rId1"/>
   </p:sldMasterIdLst>
   <p:notesMasterIdLst>
-    <p:notesMasterId r:id="rId69"/>
+    <p:notesMasterId r:id="rId72"/>
   </p:notesMasterIdLst>
   <p:sldIdLst>
     <p:sldId id="256" r:id="rId2"/>
@@ -65,16 +65,19 @@
     <p:sldId id="317" r:id="rId56"/>
     <p:sldId id="319" r:id="rId57"/>
     <p:sldId id="318" r:id="rId58"/>
-    <p:sldId id="286" r:id="rId59"/>
-    <p:sldId id="261" r:id="rId60"/>
-    <p:sldId id="320" r:id="rId61"/>
-    <p:sldId id="325" r:id="rId62"/>
-    <p:sldId id="322" r:id="rId63"/>
-    <p:sldId id="324" r:id="rId64"/>
-    <p:sldId id="326" r:id="rId65"/>
-    <p:sldId id="323" r:id="rId66"/>
-    <p:sldId id="327" r:id="rId67"/>
-    <p:sldId id="328" r:id="rId68"/>
+    <p:sldId id="329" r:id="rId59"/>
+    <p:sldId id="330" r:id="rId60"/>
+    <p:sldId id="331" r:id="rId61"/>
+    <p:sldId id="286" r:id="rId62"/>
+    <p:sldId id="261" r:id="rId63"/>
+    <p:sldId id="325" r:id="rId64"/>
+    <p:sldId id="320" r:id="rId65"/>
+    <p:sldId id="322" r:id="rId66"/>
+    <p:sldId id="332" r:id="rId67"/>
+    <p:sldId id="324" r:id="rId68"/>
+    <p:sldId id="334" r:id="rId69"/>
+    <p:sldId id="327" r:id="rId70"/>
+    <p:sldId id="328" r:id="rId71"/>
   </p:sldIdLst>
   <p:sldSz cx="9144000" cy="5143500" type="screen16x9"/>
   <p:notesSz cx="6858000" cy="9144000"/>
@@ -259,7 +262,7 @@
             <a:fld id="{F651DEDA-4D06-4F31-8412-E2AFD4BFF8DD}" type="datetimeFigureOut">
               <a:rPr lang="zh-CN" altLang="en-US" smtClean="0"/>
               <a:pPr/>
-              <a:t>2018/9/18</a:t>
+              <a:t>2018/9/19</a:t>
             </a:fld>
             <a:endParaRPr lang="zh-CN" altLang="en-US"/>
           </a:p>
@@ -871,7 +874,7 @@
             <a:fld id="{530820CF-B880-4189-942D-D702A7CBA730}" type="datetimeFigureOut">
               <a:rPr lang="zh-CN" altLang="en-US" smtClean="0"/>
               <a:pPr/>
-              <a:t>2018/9/18</a:t>
+              <a:t>2018/9/19</a:t>
             </a:fld>
             <a:endParaRPr lang="zh-CN" altLang="en-US"/>
           </a:p>
@@ -1038,7 +1041,7 @@
             <a:fld id="{530820CF-B880-4189-942D-D702A7CBA730}" type="datetimeFigureOut">
               <a:rPr lang="zh-CN" altLang="en-US" smtClean="0"/>
               <a:pPr/>
-              <a:t>2018/9/18</a:t>
+              <a:t>2018/9/19</a:t>
             </a:fld>
             <a:endParaRPr lang="zh-CN" altLang="en-US"/>
           </a:p>
@@ -1215,7 +1218,7 @@
             <a:fld id="{530820CF-B880-4189-942D-D702A7CBA730}" type="datetimeFigureOut">
               <a:rPr lang="zh-CN" altLang="en-US" smtClean="0"/>
               <a:pPr/>
-              <a:t>2018/9/18</a:t>
+              <a:t>2018/9/19</a:t>
             </a:fld>
             <a:endParaRPr lang="zh-CN" altLang="en-US"/>
           </a:p>
@@ -1382,7 +1385,7 @@
             <a:fld id="{530820CF-B880-4189-942D-D702A7CBA730}" type="datetimeFigureOut">
               <a:rPr lang="zh-CN" altLang="en-US" smtClean="0"/>
               <a:pPr/>
-              <a:t>2018/9/18</a:t>
+              <a:t>2018/9/19</a:t>
             </a:fld>
             <a:endParaRPr lang="zh-CN" altLang="en-US"/>
           </a:p>
@@ -1625,7 +1628,7 @@
             <a:fld id="{530820CF-B880-4189-942D-D702A7CBA730}" type="datetimeFigureOut">
               <a:rPr lang="zh-CN" altLang="en-US" smtClean="0"/>
               <a:pPr/>
-              <a:t>2018/9/18</a:t>
+              <a:t>2018/9/19</a:t>
             </a:fld>
             <a:endParaRPr lang="zh-CN" altLang="en-US"/>
           </a:p>
@@ -1910,7 +1913,7 @@
             <a:fld id="{530820CF-B880-4189-942D-D702A7CBA730}" type="datetimeFigureOut">
               <a:rPr lang="zh-CN" altLang="en-US" smtClean="0"/>
               <a:pPr/>
-              <a:t>2018/9/18</a:t>
+              <a:t>2018/9/19</a:t>
             </a:fld>
             <a:endParaRPr lang="zh-CN" altLang="en-US"/>
           </a:p>
@@ -2329,7 +2332,7 @@
             <a:fld id="{530820CF-B880-4189-942D-D702A7CBA730}" type="datetimeFigureOut">
               <a:rPr lang="zh-CN" altLang="en-US" smtClean="0"/>
               <a:pPr/>
-              <a:t>2018/9/18</a:t>
+              <a:t>2018/9/19</a:t>
             </a:fld>
             <a:endParaRPr lang="zh-CN" altLang="en-US"/>
           </a:p>
@@ -2444,7 +2447,7 @@
             <a:fld id="{530820CF-B880-4189-942D-D702A7CBA730}" type="datetimeFigureOut">
               <a:rPr lang="zh-CN" altLang="en-US" smtClean="0"/>
               <a:pPr/>
-              <a:t>2018/9/18</a:t>
+              <a:t>2018/9/19</a:t>
             </a:fld>
             <a:endParaRPr lang="zh-CN" altLang="en-US"/>
           </a:p>
@@ -2536,7 +2539,7 @@
             <a:fld id="{530820CF-B880-4189-942D-D702A7CBA730}" type="datetimeFigureOut">
               <a:rPr lang="zh-CN" altLang="en-US" smtClean="0"/>
               <a:pPr/>
-              <a:t>2018/9/18</a:t>
+              <a:t>2018/9/19</a:t>
             </a:fld>
             <a:endParaRPr lang="zh-CN" altLang="en-US"/>
           </a:p>
@@ -2810,7 +2813,7 @@
             <a:fld id="{530820CF-B880-4189-942D-D702A7CBA730}" type="datetimeFigureOut">
               <a:rPr lang="zh-CN" altLang="en-US" smtClean="0"/>
               <a:pPr/>
-              <a:t>2018/9/18</a:t>
+              <a:t>2018/9/19</a:t>
             </a:fld>
             <a:endParaRPr lang="zh-CN" altLang="en-US"/>
           </a:p>
@@ -3060,7 +3063,7 @@
             <a:fld id="{530820CF-B880-4189-942D-D702A7CBA730}" type="datetimeFigureOut">
               <a:rPr lang="zh-CN" altLang="en-US" smtClean="0"/>
               <a:pPr/>
-              <a:t>2018/9/18</a:t>
+              <a:t>2018/9/19</a:t>
             </a:fld>
             <a:endParaRPr lang="zh-CN" altLang="en-US"/>
           </a:p>
@@ -3270,7 +3273,7 @@
             <a:fld id="{530820CF-B880-4189-942D-D702A7CBA730}" type="datetimeFigureOut">
               <a:rPr lang="zh-CN" altLang="en-US" smtClean="0"/>
               <a:pPr/>
-              <a:t>2018/9/18</a:t>
+              <a:t>2018/9/19</a:t>
             </a:fld>
             <a:endParaRPr lang="zh-CN" altLang="en-US"/>
           </a:p>
@@ -20568,7 +20571,7 @@
           <a:lstStyle/>
           <a:p>
             <a:r>
-              <a:rPr lang="en-US" altLang="zh-CN" dirty="0" smtClean="0"/>
+              <a:rPr lang="en-US" altLang="zh-CN" sz="2800" dirty="0" smtClean="0"/>
               <a:t>Render: render html templates</a:t>
             </a:r>
           </a:p>
@@ -20577,6 +20580,179 @@
           </a:p>
         </p:txBody>
       </p:sp>
+      <p:pic>
+        <p:nvPicPr>
+          <p:cNvPr id="1029" name="Picture 5"/>
+          <p:cNvPicPr>
+            <a:picLocks noChangeAspect="1" noChangeArrowheads="1"/>
+          </p:cNvPicPr>
+          <p:nvPr/>
+        </p:nvPicPr>
+        <p:blipFill>
+          <a:blip r:embed="rId2"/>
+          <a:srcRect/>
+          <a:stretch>
+            <a:fillRect/>
+          </a:stretch>
+        </p:blipFill>
+        <p:spPr bwMode="auto">
+          <a:xfrm>
+            <a:off x="1071538" y="2643188"/>
+            <a:ext cx="5029825" cy="428628"/>
+          </a:xfrm>
+          <a:prstGeom prst="rect">
+            <a:avLst/>
+          </a:prstGeom>
+          <a:noFill/>
+          <a:ln w="9525">
+            <a:noFill/>
+            <a:miter lim="800000"/>
+            <a:headEnd/>
+            <a:tailEnd/>
+          </a:ln>
+          <a:effectLst/>
+        </p:spPr>
+      </p:pic>
+      <p:pic>
+        <p:nvPicPr>
+          <p:cNvPr id="1030" name="Picture 6"/>
+          <p:cNvPicPr>
+            <a:picLocks noChangeAspect="1" noChangeArrowheads="1"/>
+          </p:cNvPicPr>
+          <p:nvPr/>
+        </p:nvPicPr>
+        <p:blipFill>
+          <a:blip r:embed="rId3"/>
+          <a:srcRect/>
+          <a:stretch>
+            <a:fillRect/>
+          </a:stretch>
+        </p:blipFill>
+        <p:spPr bwMode="auto">
+          <a:xfrm>
+            <a:off x="1071538" y="3214692"/>
+            <a:ext cx="4572032" cy="370662"/>
+          </a:xfrm>
+          <a:prstGeom prst="rect">
+            <a:avLst/>
+          </a:prstGeom>
+          <a:noFill/>
+          <a:ln w="9525">
+            <a:noFill/>
+            <a:miter lim="800000"/>
+            <a:headEnd/>
+            <a:tailEnd/>
+          </a:ln>
+          <a:effectLst/>
+        </p:spPr>
+      </p:pic>
+      <p:pic>
+        <p:nvPicPr>
+          <p:cNvPr id="1031" name="Picture 7"/>
+          <p:cNvPicPr>
+            <a:picLocks noChangeAspect="1" noChangeArrowheads="1"/>
+          </p:cNvPicPr>
+          <p:nvPr/>
+        </p:nvPicPr>
+        <p:blipFill>
+          <a:blip r:embed="rId4"/>
+          <a:srcRect/>
+          <a:stretch>
+            <a:fillRect/>
+          </a:stretch>
+        </p:blipFill>
+        <p:spPr bwMode="auto">
+          <a:xfrm>
+            <a:off x="1071538" y="1714494"/>
+            <a:ext cx="4777888" cy="857256"/>
+          </a:xfrm>
+          <a:prstGeom prst="rect">
+            <a:avLst/>
+          </a:prstGeom>
+          <a:noFill/>
+          <a:ln w="9525">
+            <a:noFill/>
+            <a:miter lim="800000"/>
+            <a:headEnd/>
+            <a:tailEnd/>
+          </a:ln>
+          <a:effectLst/>
+        </p:spPr>
+      </p:pic>
+      <p:sp>
+        <p:nvSpPr>
+          <p:cNvPr id="10" name="圆角矩形 9"/>
+          <p:cNvSpPr/>
+          <p:nvPr/>
+        </p:nvSpPr>
+        <p:spPr>
+          <a:xfrm>
+            <a:off x="1785918" y="2143122"/>
+            <a:ext cx="642942" cy="214314"/>
+          </a:xfrm>
+          <a:prstGeom prst="roundRect">
+            <a:avLst/>
+          </a:prstGeom>
+          <a:noFill/>
+        </p:spPr>
+        <p:style>
+          <a:lnRef idx="2">
+            <a:schemeClr val="accent1">
+              <a:shade val="50000"/>
+            </a:schemeClr>
+          </a:lnRef>
+          <a:fillRef idx="1">
+            <a:schemeClr val="accent1"/>
+          </a:fillRef>
+          <a:effectRef idx="0">
+            <a:schemeClr val="accent1"/>
+          </a:effectRef>
+          <a:fontRef idx="minor">
+            <a:schemeClr val="lt1"/>
+          </a:fontRef>
+        </p:style>
+        <p:txBody>
+          <a:bodyPr rtlCol="0" anchor="ctr"/>
+          <a:lstStyle/>
+          <a:p>
+            <a:pPr algn="ctr"/>
+            <a:endParaRPr lang="zh-CN" altLang="en-US"/>
+          </a:p>
+        </p:txBody>
+      </p:sp>
+      <p:pic>
+        <p:nvPicPr>
+          <p:cNvPr id="1032" name="Picture 8"/>
+          <p:cNvPicPr>
+            <a:picLocks noChangeAspect="1" noChangeArrowheads="1"/>
+          </p:cNvPicPr>
+          <p:nvPr/>
+        </p:nvPicPr>
+        <p:blipFill>
+          <a:blip r:embed="rId5"/>
+          <a:srcRect/>
+          <a:stretch>
+            <a:fillRect/>
+          </a:stretch>
+        </p:blipFill>
+        <p:spPr bwMode="auto">
+          <a:xfrm>
+            <a:off x="1000099" y="3714758"/>
+            <a:ext cx="7041567" cy="642942"/>
+          </a:xfrm>
+          <a:prstGeom prst="rect">
+            <a:avLst/>
+          </a:prstGeom>
+          <a:noFill/>
+          <a:ln w="9525">
+            <a:noFill/>
+            <a:miter lim="800000"/>
+            <a:headEnd/>
+            <a:tailEnd/>
+          </a:ln>
+          <a:effectLst/>
+        </p:spPr>
+      </p:pic>
     </p:spTree>
   </p:cSld>
   <p:clrMapOvr>
@@ -20621,11 +20797,25 @@
         </p:nvSpPr>
         <p:spPr/>
         <p:txBody>
-          <a:bodyPr/>
+          <a:bodyPr>
+            <a:noAutofit/>
+          </a:bodyPr>
           <a:lstStyle/>
           <a:p>
             <a:pPr algn="l"/>
-            <a:endParaRPr lang="zh-CN" altLang="en-US" dirty="0"/>
+            <a:r>
+              <a:rPr lang="en-US" altLang="zh-CN" sz="2800" dirty="0" smtClean="0"/>
+              <a:t>Render--</a:t>
+            </a:r>
+            <a:r>
+              <a:rPr lang="en-US" altLang="zh-CN" sz="2800" dirty="0" smtClean="0"/>
+              <a:t>Dynamic filling </a:t>
+            </a:r>
+            <a:r>
+              <a:rPr lang="en-US" altLang="zh-CN" sz="2800" dirty="0" smtClean="0"/>
+              <a:t>templates, control UI display</a:t>
+            </a:r>
+            <a:endParaRPr lang="zh-CN" altLang="en-US" sz="2800" dirty="0"/>
           </a:p>
         </p:txBody>
       </p:sp>
@@ -20641,16 +20831,21 @@
         </p:nvSpPr>
         <p:spPr/>
         <p:txBody>
-          <a:bodyPr/>
+          <a:bodyPr>
+            <a:normAutofit/>
+          </a:bodyPr>
           <a:lstStyle/>
           <a:p>
-            <a:endParaRPr lang="zh-CN" altLang="en-US"/>
+            <a:pPr>
+              <a:buNone/>
+            </a:pPr>
+            <a:endParaRPr lang="zh-CN" altLang="en-US" sz="2400" dirty="0"/>
           </a:p>
         </p:txBody>
       </p:sp>
       <p:pic>
         <p:nvPicPr>
-          <p:cNvPr id="44034" name="Picture 2"/>
+          <p:cNvPr id="2050" name="Picture 2"/>
           <p:cNvPicPr>
             <a:picLocks noChangeAspect="1" noChangeArrowheads="1"/>
           </p:cNvPicPr>
@@ -20665,8 +20860,8 @@
         </p:blipFill>
         <p:spPr bwMode="auto">
           <a:xfrm>
-            <a:off x="1643042" y="1214428"/>
-            <a:ext cx="5875337" cy="3314700"/>
+            <a:off x="500034" y="2571750"/>
+            <a:ext cx="6248400" cy="2019300"/>
           </a:xfrm>
           <a:prstGeom prst="rect">
             <a:avLst/>
@@ -20681,6 +20876,201 @@
           <a:effectLst/>
         </p:spPr>
       </p:pic>
+      <p:pic>
+        <p:nvPicPr>
+          <p:cNvPr id="2052" name="Picture 4"/>
+          <p:cNvPicPr>
+            <a:picLocks noChangeAspect="1" noChangeArrowheads="1"/>
+          </p:cNvPicPr>
+          <p:nvPr/>
+        </p:nvPicPr>
+        <p:blipFill>
+          <a:blip r:embed="rId3"/>
+          <a:srcRect/>
+          <a:stretch>
+            <a:fillRect/>
+          </a:stretch>
+        </p:blipFill>
+        <p:spPr bwMode="auto">
+          <a:xfrm>
+            <a:off x="428596" y="928676"/>
+            <a:ext cx="8434816" cy="1214446"/>
+          </a:xfrm>
+          <a:prstGeom prst="rect">
+            <a:avLst/>
+          </a:prstGeom>
+          <a:noFill/>
+          <a:ln w="9525">
+            <a:noFill/>
+            <a:miter lim="800000"/>
+            <a:headEnd/>
+            <a:tailEnd/>
+          </a:ln>
+          <a:effectLst/>
+        </p:spPr>
+      </p:pic>
+      <p:sp>
+        <p:nvSpPr>
+          <p:cNvPr id="8" name="圆角矩形 7"/>
+          <p:cNvSpPr/>
+          <p:nvPr/>
+        </p:nvSpPr>
+        <p:spPr>
+          <a:xfrm>
+            <a:off x="1000100" y="1357304"/>
+            <a:ext cx="1000132" cy="214314"/>
+          </a:xfrm>
+          <a:prstGeom prst="roundRect">
+            <a:avLst/>
+          </a:prstGeom>
+          <a:noFill/>
+          <a:ln w="9525">
+            <a:solidFill>
+              <a:srgbClr val="FF0000"/>
+            </a:solidFill>
+          </a:ln>
+        </p:spPr>
+        <p:style>
+          <a:lnRef idx="2">
+            <a:schemeClr val="accent1">
+              <a:shade val="50000"/>
+            </a:schemeClr>
+          </a:lnRef>
+          <a:fillRef idx="1">
+            <a:schemeClr val="accent1"/>
+          </a:fillRef>
+          <a:effectRef idx="0">
+            <a:schemeClr val="accent1"/>
+          </a:effectRef>
+          <a:fontRef idx="minor">
+            <a:schemeClr val="lt1"/>
+          </a:fontRef>
+        </p:style>
+        <p:txBody>
+          <a:bodyPr rtlCol="0" anchor="ctr"/>
+          <a:lstStyle/>
+          <a:p>
+            <a:pPr algn="ctr"/>
+            <a:endParaRPr lang="zh-CN" altLang="en-US" dirty="0"/>
+          </a:p>
+        </p:txBody>
+      </p:sp>
+      <p:sp>
+        <p:nvSpPr>
+          <p:cNvPr id="9" name="圆角矩形 8"/>
+          <p:cNvSpPr/>
+          <p:nvPr/>
+        </p:nvSpPr>
+        <p:spPr>
+          <a:xfrm>
+            <a:off x="1071538" y="1500180"/>
+            <a:ext cx="1357322" cy="214314"/>
+          </a:xfrm>
+          <a:prstGeom prst="roundRect">
+            <a:avLst/>
+          </a:prstGeom>
+          <a:noFill/>
+          <a:ln w="9525">
+            <a:solidFill>
+              <a:srgbClr val="FF0000"/>
+            </a:solidFill>
+          </a:ln>
+        </p:spPr>
+        <p:style>
+          <a:lnRef idx="2">
+            <a:schemeClr val="accent1">
+              <a:shade val="50000"/>
+            </a:schemeClr>
+          </a:lnRef>
+          <a:fillRef idx="1">
+            <a:schemeClr val="accent1"/>
+          </a:fillRef>
+          <a:effectRef idx="0">
+            <a:schemeClr val="accent1"/>
+          </a:effectRef>
+          <a:fontRef idx="minor">
+            <a:schemeClr val="lt1"/>
+          </a:fontRef>
+        </p:style>
+        <p:txBody>
+          <a:bodyPr rtlCol="0" anchor="ctr"/>
+          <a:lstStyle/>
+          <a:p>
+            <a:pPr algn="ctr"/>
+            <a:endParaRPr lang="zh-CN" altLang="en-US"/>
+          </a:p>
+        </p:txBody>
+      </p:sp>
+      <p:cxnSp>
+        <p:nvCxnSpPr>
+          <p:cNvPr id="11" name="直接箭头连接符 10"/>
+          <p:cNvCxnSpPr>
+            <a:stCxn id="8" idx="2"/>
+          </p:cNvCxnSpPr>
+          <p:nvPr/>
+        </p:nvCxnSpPr>
+        <p:spPr>
+          <a:xfrm rot="5400000">
+            <a:off x="821505" y="1893089"/>
+            <a:ext cx="1000132" cy="357190"/>
+          </a:xfrm>
+          <a:prstGeom prst="straightConnector1">
+            <a:avLst/>
+          </a:prstGeom>
+          <a:ln w="15875">
+            <a:tailEnd type="arrow"/>
+          </a:ln>
+        </p:spPr>
+        <p:style>
+          <a:lnRef idx="1">
+            <a:schemeClr val="accent1"/>
+          </a:lnRef>
+          <a:fillRef idx="0">
+            <a:schemeClr val="accent1"/>
+          </a:fillRef>
+          <a:effectRef idx="0">
+            <a:schemeClr val="accent1"/>
+          </a:effectRef>
+          <a:fontRef idx="minor">
+            <a:schemeClr val="tx1"/>
+          </a:fontRef>
+        </p:style>
+      </p:cxnSp>
+      <p:cxnSp>
+        <p:nvCxnSpPr>
+          <p:cNvPr id="13" name="直接箭头连接符 12"/>
+          <p:cNvCxnSpPr>
+            <a:stCxn id="9" idx="2"/>
+          </p:cNvCxnSpPr>
+          <p:nvPr/>
+        </p:nvCxnSpPr>
+        <p:spPr>
+          <a:xfrm rot="16200000" flipH="1">
+            <a:off x="2446719" y="1017973"/>
+            <a:ext cx="1143008" cy="2536049"/>
+          </a:xfrm>
+          <a:prstGeom prst="straightConnector1">
+            <a:avLst/>
+          </a:prstGeom>
+          <a:ln w="15875">
+            <a:tailEnd type="arrow"/>
+          </a:ln>
+        </p:spPr>
+        <p:style>
+          <a:lnRef idx="1">
+            <a:schemeClr val="accent1"/>
+          </a:lnRef>
+          <a:fillRef idx="0">
+            <a:schemeClr val="accent1"/>
+          </a:fillRef>
+          <a:effectRef idx="0">
+            <a:schemeClr val="accent1"/>
+          </a:effectRef>
+          <a:fontRef idx="minor">
+            <a:schemeClr val="tx1"/>
+          </a:fontRef>
+        </p:style>
+      </p:cxnSp>
     </p:spTree>
   </p:cSld>
   <p:clrMapOvr>
@@ -20689,9 +21079,230 @@
   <p:timing>
     <p:tnLst>
       <p:par>
-        <p:cTn id="1" dur="indefinite" restart="never" nodeType="tmRoot"/>
+        <p:cTn id="1" dur="indefinite" restart="never" nodeType="tmRoot">
+          <p:childTnLst>
+            <p:seq concurrent="1" nextAc="seek">
+              <p:cTn id="2" dur="indefinite" nodeType="mainSeq">
+                <p:childTnLst>
+                  <p:par>
+                    <p:cTn id="3" fill="hold">
+                      <p:stCondLst>
+                        <p:cond delay="indefinite"/>
+                      </p:stCondLst>
+                      <p:childTnLst>
+                        <p:par>
+                          <p:cTn id="4" fill="hold">
+                            <p:stCondLst>
+                              <p:cond delay="0"/>
+                            </p:stCondLst>
+                            <p:childTnLst>
+                              <p:par>
+                                <p:cTn id="5" presetID="22" presetClass="entr" presetSubtype="1" fill="hold" grpId="0" nodeType="clickEffect">
+                                  <p:stCondLst>
+                                    <p:cond delay="0"/>
+                                  </p:stCondLst>
+                                  <p:childTnLst>
+                                    <p:set>
+                                      <p:cBhvr>
+                                        <p:cTn id="6" dur="1" fill="hold">
+                                          <p:stCondLst>
+                                            <p:cond delay="0"/>
+                                          </p:stCondLst>
+                                        </p:cTn>
+                                        <p:tgtEl>
+                                          <p:spTgt spid="8"/>
+                                        </p:tgtEl>
+                                        <p:attrNameLst>
+                                          <p:attrName>style.visibility</p:attrName>
+                                        </p:attrNameLst>
+                                      </p:cBhvr>
+                                      <p:to>
+                                        <p:strVal val="visible"/>
+                                      </p:to>
+                                    </p:set>
+                                    <p:animEffect transition="in" filter="wipe(up)">
+                                      <p:cBhvr>
+                                        <p:cTn id="7" dur="500"/>
+                                        <p:tgtEl>
+                                          <p:spTgt spid="8"/>
+                                        </p:tgtEl>
+                                      </p:cBhvr>
+                                    </p:animEffect>
+                                  </p:childTnLst>
+                                </p:cTn>
+                              </p:par>
+                            </p:childTnLst>
+                          </p:cTn>
+                        </p:par>
+                        <p:par>
+                          <p:cTn id="8" fill="hold">
+                            <p:stCondLst>
+                              <p:cond delay="500"/>
+                            </p:stCondLst>
+                            <p:childTnLst>
+                              <p:par>
+                                <p:cTn id="9" presetID="22" presetClass="entr" presetSubtype="1" fill="hold" nodeType="afterEffect">
+                                  <p:stCondLst>
+                                    <p:cond delay="0"/>
+                                  </p:stCondLst>
+                                  <p:childTnLst>
+                                    <p:set>
+                                      <p:cBhvr>
+                                        <p:cTn id="10" dur="1" fill="hold">
+                                          <p:stCondLst>
+                                            <p:cond delay="0"/>
+                                          </p:stCondLst>
+                                        </p:cTn>
+                                        <p:tgtEl>
+                                          <p:spTgt spid="11"/>
+                                        </p:tgtEl>
+                                        <p:attrNameLst>
+                                          <p:attrName>style.visibility</p:attrName>
+                                        </p:attrNameLst>
+                                      </p:cBhvr>
+                                      <p:to>
+                                        <p:strVal val="visible"/>
+                                      </p:to>
+                                    </p:set>
+                                    <p:animEffect transition="in" filter="wipe(up)">
+                                      <p:cBhvr>
+                                        <p:cTn id="11" dur="500"/>
+                                        <p:tgtEl>
+                                          <p:spTgt spid="11"/>
+                                        </p:tgtEl>
+                                      </p:cBhvr>
+                                    </p:animEffect>
+                                  </p:childTnLst>
+                                </p:cTn>
+                              </p:par>
+                            </p:childTnLst>
+                          </p:cTn>
+                        </p:par>
+                      </p:childTnLst>
+                    </p:cTn>
+                  </p:par>
+                  <p:par>
+                    <p:cTn id="12" fill="hold">
+                      <p:stCondLst>
+                        <p:cond delay="indefinite"/>
+                      </p:stCondLst>
+                      <p:childTnLst>
+                        <p:par>
+                          <p:cTn id="13" fill="hold">
+                            <p:stCondLst>
+                              <p:cond delay="0"/>
+                            </p:stCondLst>
+                            <p:childTnLst>
+                              <p:par>
+                                <p:cTn id="14" presetID="22" presetClass="entr" presetSubtype="1" fill="hold" grpId="0" nodeType="clickEffect">
+                                  <p:stCondLst>
+                                    <p:cond delay="0"/>
+                                  </p:stCondLst>
+                                  <p:childTnLst>
+                                    <p:set>
+                                      <p:cBhvr>
+                                        <p:cTn id="15" dur="1" fill="hold">
+                                          <p:stCondLst>
+                                            <p:cond delay="0"/>
+                                          </p:stCondLst>
+                                        </p:cTn>
+                                        <p:tgtEl>
+                                          <p:spTgt spid="9"/>
+                                        </p:tgtEl>
+                                        <p:attrNameLst>
+                                          <p:attrName>style.visibility</p:attrName>
+                                        </p:attrNameLst>
+                                      </p:cBhvr>
+                                      <p:to>
+                                        <p:strVal val="visible"/>
+                                      </p:to>
+                                    </p:set>
+                                    <p:animEffect transition="in" filter="wipe(up)">
+                                      <p:cBhvr>
+                                        <p:cTn id="16" dur="500"/>
+                                        <p:tgtEl>
+                                          <p:spTgt spid="9"/>
+                                        </p:tgtEl>
+                                      </p:cBhvr>
+                                    </p:animEffect>
+                                  </p:childTnLst>
+                                </p:cTn>
+                              </p:par>
+                            </p:childTnLst>
+                          </p:cTn>
+                        </p:par>
+                        <p:par>
+                          <p:cTn id="17" fill="hold">
+                            <p:stCondLst>
+                              <p:cond delay="500"/>
+                            </p:stCondLst>
+                            <p:childTnLst>
+                              <p:par>
+                                <p:cTn id="18" presetID="22" presetClass="entr" presetSubtype="1" fill="hold" nodeType="afterEffect">
+                                  <p:stCondLst>
+                                    <p:cond delay="0"/>
+                                  </p:stCondLst>
+                                  <p:childTnLst>
+                                    <p:set>
+                                      <p:cBhvr>
+                                        <p:cTn id="19" dur="1" fill="hold">
+                                          <p:stCondLst>
+                                            <p:cond delay="0"/>
+                                          </p:stCondLst>
+                                        </p:cTn>
+                                        <p:tgtEl>
+                                          <p:spTgt spid="13"/>
+                                        </p:tgtEl>
+                                        <p:attrNameLst>
+                                          <p:attrName>style.visibility</p:attrName>
+                                        </p:attrNameLst>
+                                      </p:cBhvr>
+                                      <p:to>
+                                        <p:strVal val="visible"/>
+                                      </p:to>
+                                    </p:set>
+                                    <p:animEffect transition="in" filter="wipe(up)">
+                                      <p:cBhvr>
+                                        <p:cTn id="20" dur="500"/>
+                                        <p:tgtEl>
+                                          <p:spTgt spid="13"/>
+                                        </p:tgtEl>
+                                      </p:cBhvr>
+                                    </p:animEffect>
+                                  </p:childTnLst>
+                                </p:cTn>
+                              </p:par>
+                            </p:childTnLst>
+                          </p:cTn>
+                        </p:par>
+                      </p:childTnLst>
+                    </p:cTn>
+                  </p:par>
+                </p:childTnLst>
+              </p:cTn>
+              <p:prevCondLst>
+                <p:cond evt="onPrev" delay="0">
+                  <p:tgtEl>
+                    <p:sldTgt/>
+                  </p:tgtEl>
+                </p:cond>
+              </p:prevCondLst>
+              <p:nextCondLst>
+                <p:cond evt="onNext" delay="0">
+                  <p:tgtEl>
+                    <p:sldTgt/>
+                  </p:tgtEl>
+                </p:cond>
+              </p:nextCondLst>
+            </p:seq>
+          </p:childTnLst>
+        </p:cTn>
       </p:par>
     </p:tnLst>
+    <p:bldLst>
+      <p:bldP spid="8" grpId="0" animBg="1"/>
+      <p:bldP spid="9" grpId="0" animBg="1"/>
+    </p:bldLst>
   </p:timing>
 </p:sld>
 </file>
@@ -20713,103 +21324,307 @@
           <a:chExt cx="0" cy="0"/>
         </a:xfrm>
       </p:grpSpPr>
-      <p:sp>
-        <p:nvSpPr>
-          <p:cNvPr id="2" name="标题 1"/>
-          <p:cNvSpPr>
-            <a:spLocks noGrp="1"/>
-          </p:cNvSpPr>
-          <p:nvPr>
-            <p:ph type="title"/>
-          </p:nvPr>
-        </p:nvSpPr>
-        <p:spPr/>
-        <p:txBody>
-          <a:bodyPr/>
+      <p:pic>
+        <p:nvPicPr>
+          <p:cNvPr id="3074" name="Picture 2"/>
+          <p:cNvPicPr>
+            <a:picLocks noChangeAspect="1" noChangeArrowheads="1"/>
+          </p:cNvPicPr>
+          <p:nvPr/>
+        </p:nvPicPr>
+        <p:blipFill>
+          <a:blip r:embed="rId2"/>
+          <a:srcRect/>
+          <a:stretch>
+            <a:fillRect/>
+          </a:stretch>
+        </p:blipFill>
+        <p:spPr bwMode="auto">
+          <a:xfrm>
+            <a:off x="844574" y="1152522"/>
+            <a:ext cx="7156450" cy="990600"/>
+          </a:xfrm>
+          <a:prstGeom prst="rect">
+            <a:avLst/>
+          </a:prstGeom>
+          <a:noFill/>
+          <a:ln w="9525">
+            <a:noFill/>
+            <a:miter lim="800000"/>
+            <a:headEnd/>
+            <a:tailEnd/>
+          </a:ln>
+          <a:effectLst/>
+        </p:spPr>
+      </p:pic>
+      <p:pic>
+        <p:nvPicPr>
+          <p:cNvPr id="5" name="Picture 4"/>
+          <p:cNvPicPr>
+            <a:picLocks noChangeAspect="1" noChangeArrowheads="1"/>
+          </p:cNvPicPr>
+          <p:nvPr/>
+        </p:nvPicPr>
+        <p:blipFill>
+          <a:blip r:embed="rId3"/>
+          <a:srcRect/>
+          <a:stretch>
+            <a:fillRect/>
+          </a:stretch>
+        </p:blipFill>
+        <p:spPr bwMode="auto">
+          <a:xfrm>
+            <a:off x="928662" y="3286130"/>
+            <a:ext cx="7200899" cy="1250253"/>
+          </a:xfrm>
+          <a:prstGeom prst="rect">
+            <a:avLst/>
+          </a:prstGeom>
+          <a:noFill/>
+          <a:ln w="9525">
+            <a:noFill/>
+            <a:miter lim="800000"/>
+            <a:headEnd/>
+            <a:tailEnd/>
+          </a:ln>
+          <a:effectLst/>
+        </p:spPr>
+      </p:pic>
+      <p:sp>
+        <p:nvSpPr>
+          <p:cNvPr id="6" name="圆角矩形 5"/>
+          <p:cNvSpPr/>
+          <p:nvPr/>
+        </p:nvSpPr>
+        <p:spPr>
+          <a:xfrm>
+            <a:off x="6357950" y="3714758"/>
+            <a:ext cx="1643074" cy="428628"/>
+          </a:xfrm>
+          <a:prstGeom prst="roundRect">
+            <a:avLst/>
+          </a:prstGeom>
+          <a:noFill/>
+          <a:ln>
+            <a:solidFill>
+              <a:srgbClr val="00B050"/>
+            </a:solidFill>
+          </a:ln>
+        </p:spPr>
+        <p:style>
+          <a:lnRef idx="2">
+            <a:schemeClr val="accent1">
+              <a:shade val="50000"/>
+            </a:schemeClr>
+          </a:lnRef>
+          <a:fillRef idx="1">
+            <a:schemeClr val="accent1"/>
+          </a:fillRef>
+          <a:effectRef idx="0">
+            <a:schemeClr val="accent1"/>
+          </a:effectRef>
+          <a:fontRef idx="minor">
+            <a:schemeClr val="lt1"/>
+          </a:fontRef>
+        </p:style>
+        <p:txBody>
+          <a:bodyPr rtlCol="0" anchor="ctr"/>
           <a:lstStyle/>
           <a:p>
-            <a:pPr algn="l"/>
-            <a:r>
-              <a:rPr lang="en-US" altLang="zh-CN" dirty="0" smtClean="0"/>
-              <a:t>How to rapidly develop</a:t>
-            </a:r>
-            <a:endParaRPr lang="zh-CN" altLang="en-US" dirty="0"/>
-          </a:p>
-        </p:txBody>
-      </p:sp>
-      <p:sp>
-        <p:nvSpPr>
-          <p:cNvPr id="3" name="内容占位符 2"/>
-          <p:cNvSpPr>
-            <a:spLocks noGrp="1"/>
-          </p:cNvSpPr>
-          <p:nvPr>
-            <p:ph idx="1"/>
-          </p:nvPr>
-        </p:nvSpPr>
-        <p:spPr/>
-        <p:txBody>
-          <a:bodyPr>
-            <a:normAutofit/>
-          </a:bodyPr>
+            <a:pPr algn="ctr"/>
+            <a:endParaRPr lang="zh-CN" altLang="en-US"/>
+          </a:p>
+        </p:txBody>
+      </p:sp>
+      <p:sp>
+        <p:nvSpPr>
+          <p:cNvPr id="7" name="圆角矩形 6"/>
+          <p:cNvSpPr/>
+          <p:nvPr/>
+        </p:nvSpPr>
+        <p:spPr>
+          <a:xfrm>
+            <a:off x="6559614" y="1643056"/>
+            <a:ext cx="1071570" cy="428628"/>
+          </a:xfrm>
+          <a:prstGeom prst="roundRect">
+            <a:avLst/>
+          </a:prstGeom>
+          <a:noFill/>
+          <a:ln>
+            <a:solidFill>
+              <a:srgbClr val="00B050"/>
+            </a:solidFill>
+          </a:ln>
+        </p:spPr>
+        <p:style>
+          <a:lnRef idx="2">
+            <a:schemeClr val="accent1">
+              <a:shade val="50000"/>
+            </a:schemeClr>
+          </a:lnRef>
+          <a:fillRef idx="1">
+            <a:schemeClr val="accent1"/>
+          </a:fillRef>
+          <a:effectRef idx="0">
+            <a:schemeClr val="accent1"/>
+          </a:effectRef>
+          <a:fontRef idx="minor">
+            <a:schemeClr val="lt1"/>
+          </a:fontRef>
+        </p:style>
+        <p:txBody>
+          <a:bodyPr rtlCol="0" anchor="ctr"/>
           <a:lstStyle/>
           <a:p>
-            <a:r>
-              <a:rPr lang="en-US" altLang="zh-CN" sz="2400" dirty="0" smtClean="0"/>
-              <a:t>Focus on business function</a:t>
-            </a:r>
-            <a:endParaRPr lang="en-US" altLang="zh-CN" sz="2400" dirty="0" smtClean="0"/>
-          </a:p>
-          <a:p>
-            <a:r>
-              <a:rPr lang="en-US" altLang="zh-CN" sz="2400" dirty="0" smtClean="0"/>
-              <a:t>Separate core business and non-core business</a:t>
-            </a:r>
-            <a:endParaRPr lang="en-US" altLang="zh-CN" sz="2400" dirty="0" smtClean="0"/>
-          </a:p>
-          <a:p>
-            <a:r>
-              <a:rPr lang="en-US" altLang="zh-CN" sz="2400" dirty="0" smtClean="0"/>
-              <a:t>Utilize the framework to help you solve trivial details</a:t>
-            </a:r>
-          </a:p>
-          <a:p>
-            <a:pPr lvl="1"/>
-            <a:r>
-              <a:rPr lang="en-US" altLang="zh-CN" sz="2000" dirty="0" smtClean="0"/>
-              <a:t>Use </a:t>
-            </a:r>
-            <a:r>
-              <a:rPr lang="en-US" altLang="zh-CN" sz="2000" dirty="0" err="1" smtClean="0"/>
-              <a:t>cinatra</a:t>
-            </a:r>
-            <a:r>
-              <a:rPr lang="en-US" altLang="zh-CN" sz="2000" dirty="0" smtClean="0"/>
-              <a:t> to solve http details, just need focus on the parsed results</a:t>
-            </a:r>
-          </a:p>
-          <a:p>
-            <a:pPr lvl="1"/>
-            <a:r>
-              <a:rPr lang="en-US" altLang="zh-CN" sz="2000" dirty="0" smtClean="0"/>
-              <a:t>Use </a:t>
-            </a:r>
-            <a:r>
-              <a:rPr lang="en-US" altLang="zh-CN" sz="2000" dirty="0" err="1" smtClean="0"/>
-              <a:t>ormpp</a:t>
-            </a:r>
-            <a:r>
-              <a:rPr lang="en-US" altLang="zh-CN" sz="2000" dirty="0" smtClean="0"/>
-              <a:t> to solve the database details, just need focus on objects mapped from the database</a:t>
-            </a:r>
-          </a:p>
-          <a:p>
-            <a:pPr lvl="1"/>
-            <a:r>
-              <a:rPr lang="en-US" altLang="zh-CN" sz="2000" dirty="0" smtClean="0"/>
-              <a:t>Use render to solve html details, just need focus on how to fill the template</a:t>
-            </a:r>
-            <a:endParaRPr lang="en-US" altLang="zh-CN" sz="2000" dirty="0" smtClean="0"/>
+            <a:pPr algn="ctr"/>
+            <a:endParaRPr lang="zh-CN" altLang="en-US"/>
+          </a:p>
+        </p:txBody>
+      </p:sp>
+      <p:pic>
+        <p:nvPicPr>
+          <p:cNvPr id="3075" name="Picture 3"/>
+          <p:cNvPicPr>
+            <a:picLocks noChangeAspect="1" noChangeArrowheads="1"/>
+          </p:cNvPicPr>
+          <p:nvPr/>
+        </p:nvPicPr>
+        <p:blipFill>
+          <a:blip r:embed="rId4"/>
+          <a:srcRect/>
+          <a:stretch>
+            <a:fillRect/>
+          </a:stretch>
+        </p:blipFill>
+        <p:spPr bwMode="auto">
+          <a:xfrm>
+            <a:off x="785786" y="357172"/>
+            <a:ext cx="5626078" cy="857256"/>
+          </a:xfrm>
+          <a:prstGeom prst="rect">
+            <a:avLst/>
+          </a:prstGeom>
+          <a:noFill/>
+          <a:ln w="9525">
+            <a:noFill/>
+            <a:miter lim="800000"/>
+            <a:headEnd/>
+            <a:tailEnd/>
+          </a:ln>
+          <a:effectLst/>
+        </p:spPr>
+      </p:pic>
+      <p:pic>
+        <p:nvPicPr>
+          <p:cNvPr id="3076" name="Picture 4"/>
+          <p:cNvPicPr>
+            <a:picLocks noChangeAspect="1" noChangeArrowheads="1"/>
+          </p:cNvPicPr>
+          <p:nvPr/>
+        </p:nvPicPr>
+        <p:blipFill>
+          <a:blip r:embed="rId5"/>
+          <a:srcRect/>
+          <a:stretch>
+            <a:fillRect/>
+          </a:stretch>
+        </p:blipFill>
+        <p:spPr bwMode="auto">
+          <a:xfrm>
+            <a:off x="846155" y="2285998"/>
+            <a:ext cx="6226175" cy="1241425"/>
+          </a:xfrm>
+          <a:prstGeom prst="rect">
+            <a:avLst/>
+          </a:prstGeom>
+          <a:noFill/>
+          <a:ln w="9525">
+            <a:noFill/>
+            <a:miter lim="800000"/>
+            <a:headEnd/>
+            <a:tailEnd/>
+          </a:ln>
+          <a:effectLst/>
+        </p:spPr>
+      </p:pic>
+      <p:sp>
+        <p:nvSpPr>
+          <p:cNvPr id="11" name="下箭头 10"/>
+          <p:cNvSpPr/>
+          <p:nvPr/>
+        </p:nvSpPr>
+        <p:spPr>
+          <a:xfrm rot="17530782">
+            <a:off x="5431197" y="243524"/>
+            <a:ext cx="214314" cy="2061097"/>
+          </a:xfrm>
+          <a:prstGeom prst="downArrow">
+            <a:avLst/>
+          </a:prstGeom>
+        </p:spPr>
+        <p:style>
+          <a:lnRef idx="2">
+            <a:schemeClr val="accent1">
+              <a:shade val="50000"/>
+            </a:schemeClr>
+          </a:lnRef>
+          <a:fillRef idx="1">
+            <a:schemeClr val="accent1"/>
+          </a:fillRef>
+          <a:effectRef idx="0">
+            <a:schemeClr val="accent1"/>
+          </a:effectRef>
+          <a:fontRef idx="minor">
+            <a:schemeClr val="lt1"/>
+          </a:fontRef>
+        </p:style>
+        <p:txBody>
+          <a:bodyPr rtlCol="0" anchor="ctr"/>
+          <a:lstStyle/>
+          <a:p>
+            <a:pPr algn="ctr"/>
+            <a:endParaRPr lang="zh-CN" altLang="en-US"/>
+          </a:p>
+        </p:txBody>
+      </p:sp>
+      <p:sp>
+        <p:nvSpPr>
+          <p:cNvPr id="13" name="下箭头 12"/>
+          <p:cNvSpPr/>
+          <p:nvPr/>
+        </p:nvSpPr>
+        <p:spPr>
+          <a:xfrm rot="18326048">
+            <a:off x="6280879" y="2364831"/>
+            <a:ext cx="214314" cy="1644747"/>
+          </a:xfrm>
+          <a:prstGeom prst="downArrow">
+            <a:avLst/>
+          </a:prstGeom>
+        </p:spPr>
+        <p:style>
+          <a:lnRef idx="2">
+            <a:schemeClr val="accent1">
+              <a:shade val="50000"/>
+            </a:schemeClr>
+          </a:lnRef>
+          <a:fillRef idx="1">
+            <a:schemeClr val="accent1"/>
+          </a:fillRef>
+          <a:effectRef idx="0">
+            <a:schemeClr val="accent1"/>
+          </a:effectRef>
+          <a:fontRef idx="minor">
+            <a:schemeClr val="lt1"/>
+          </a:fontRef>
+        </p:style>
+        <p:txBody>
+          <a:bodyPr rtlCol="0" anchor="ctr"/>
+          <a:lstStyle/>
+          <a:p>
+            <a:pPr algn="ctr"/>
+            <a:endParaRPr lang="zh-CN" altLang="en-US"/>
           </a:p>
         </p:txBody>
       </p:sp>
@@ -20821,9 +21636,232 @@
   <p:timing>
     <p:tnLst>
       <p:par>
-        <p:cTn id="1" dur="indefinite" restart="never" nodeType="tmRoot"/>
+        <p:cTn id="1" dur="indefinite" restart="never" nodeType="tmRoot">
+          <p:childTnLst>
+            <p:seq concurrent="1" nextAc="seek">
+              <p:cTn id="2" dur="indefinite" nodeType="mainSeq">
+                <p:childTnLst>
+                  <p:par>
+                    <p:cTn id="3" fill="hold">
+                      <p:stCondLst>
+                        <p:cond delay="indefinite"/>
+                      </p:stCondLst>
+                      <p:childTnLst>
+                        <p:par>
+                          <p:cTn id="4" fill="hold">
+                            <p:stCondLst>
+                              <p:cond delay="0"/>
+                            </p:stCondLst>
+                            <p:childTnLst>
+                              <p:par>
+                                <p:cTn id="5" presetID="22" presetClass="entr" presetSubtype="1" fill="hold" grpId="0" nodeType="clickEffect">
+                                  <p:stCondLst>
+                                    <p:cond delay="0"/>
+                                  </p:stCondLst>
+                                  <p:childTnLst>
+                                    <p:set>
+                                      <p:cBhvr>
+                                        <p:cTn id="6" dur="1" fill="hold">
+                                          <p:stCondLst>
+                                            <p:cond delay="0"/>
+                                          </p:stCondLst>
+                                        </p:cTn>
+                                        <p:tgtEl>
+                                          <p:spTgt spid="11"/>
+                                        </p:tgtEl>
+                                        <p:attrNameLst>
+                                          <p:attrName>style.visibility</p:attrName>
+                                        </p:attrNameLst>
+                                      </p:cBhvr>
+                                      <p:to>
+                                        <p:strVal val="visible"/>
+                                      </p:to>
+                                    </p:set>
+                                    <p:animEffect transition="in" filter="wipe(up)">
+                                      <p:cBhvr>
+                                        <p:cTn id="7" dur="500"/>
+                                        <p:tgtEl>
+                                          <p:spTgt spid="11"/>
+                                        </p:tgtEl>
+                                      </p:cBhvr>
+                                    </p:animEffect>
+                                  </p:childTnLst>
+                                </p:cTn>
+                              </p:par>
+                            </p:childTnLst>
+                          </p:cTn>
+                        </p:par>
+                        <p:par>
+                          <p:cTn id="8" fill="hold">
+                            <p:stCondLst>
+                              <p:cond delay="500"/>
+                            </p:stCondLst>
+                            <p:childTnLst>
+                              <p:par>
+                                <p:cTn id="9" presetID="22" presetClass="entr" presetSubtype="8" fill="hold" grpId="0" nodeType="afterEffect">
+                                  <p:stCondLst>
+                                    <p:cond delay="0"/>
+                                  </p:stCondLst>
+                                  <p:childTnLst>
+                                    <p:set>
+                                      <p:cBhvr>
+                                        <p:cTn id="10" dur="1" fill="hold">
+                                          <p:stCondLst>
+                                            <p:cond delay="0"/>
+                                          </p:stCondLst>
+                                        </p:cTn>
+                                        <p:tgtEl>
+                                          <p:spTgt spid="7"/>
+                                        </p:tgtEl>
+                                        <p:attrNameLst>
+                                          <p:attrName>style.visibility</p:attrName>
+                                        </p:attrNameLst>
+                                      </p:cBhvr>
+                                      <p:to>
+                                        <p:strVal val="visible"/>
+                                      </p:to>
+                                    </p:set>
+                                    <p:animEffect transition="in" filter="wipe(left)">
+                                      <p:cBhvr>
+                                        <p:cTn id="11" dur="500"/>
+                                        <p:tgtEl>
+                                          <p:spTgt spid="7"/>
+                                        </p:tgtEl>
+                                      </p:cBhvr>
+                                    </p:animEffect>
+                                  </p:childTnLst>
+                                </p:cTn>
+                              </p:par>
+                            </p:childTnLst>
+                          </p:cTn>
+                        </p:par>
+                      </p:childTnLst>
+                    </p:cTn>
+                  </p:par>
+                  <p:par>
+                    <p:cTn id="12" fill="hold">
+                      <p:stCondLst>
+                        <p:cond delay="indefinite"/>
+                      </p:stCondLst>
+                      <p:childTnLst>
+                        <p:par>
+                          <p:cTn id="13" fill="hold">
+                            <p:stCondLst>
+                              <p:cond delay="0"/>
+                            </p:stCondLst>
+                            <p:childTnLst>
+                              <p:par>
+                                <p:cTn id="14" presetID="22" presetClass="entr" presetSubtype="8" fill="hold" grpId="0" nodeType="clickEffect">
+                                  <p:stCondLst>
+                                    <p:cond delay="0"/>
+                                  </p:stCondLst>
+                                  <p:childTnLst>
+                                    <p:set>
+                                      <p:cBhvr>
+                                        <p:cTn id="15" dur="1" fill="hold">
+                                          <p:stCondLst>
+                                            <p:cond delay="0"/>
+                                          </p:stCondLst>
+                                        </p:cTn>
+                                        <p:tgtEl>
+                                          <p:spTgt spid="13"/>
+                                        </p:tgtEl>
+                                        <p:attrNameLst>
+                                          <p:attrName>style.visibility</p:attrName>
+                                        </p:attrNameLst>
+                                      </p:cBhvr>
+                                      <p:to>
+                                        <p:strVal val="visible"/>
+                                      </p:to>
+                                    </p:set>
+                                    <p:animEffect transition="in" filter="wipe(left)">
+                                      <p:cBhvr>
+                                        <p:cTn id="16" dur="500"/>
+                                        <p:tgtEl>
+                                          <p:spTgt spid="13"/>
+                                        </p:tgtEl>
+                                      </p:cBhvr>
+                                    </p:animEffect>
+                                  </p:childTnLst>
+                                </p:cTn>
+                              </p:par>
+                            </p:childTnLst>
+                          </p:cTn>
+                        </p:par>
+                        <p:par>
+                          <p:cTn id="17" fill="hold">
+                            <p:stCondLst>
+                              <p:cond delay="500"/>
+                            </p:stCondLst>
+                            <p:childTnLst>
+                              <p:par>
+                                <p:cTn id="18" presetID="22" presetClass="entr" presetSubtype="8" fill="hold" grpId="0" nodeType="afterEffect">
+                                  <p:stCondLst>
+                                    <p:cond delay="0"/>
+                                  </p:stCondLst>
+                                  <p:childTnLst>
+                                    <p:set>
+                                      <p:cBhvr>
+                                        <p:cTn id="19" dur="1" fill="hold">
+                                          <p:stCondLst>
+                                            <p:cond delay="0"/>
+                                          </p:stCondLst>
+                                        </p:cTn>
+                                        <p:tgtEl>
+                                          <p:spTgt spid="6"/>
+                                        </p:tgtEl>
+                                        <p:attrNameLst>
+                                          <p:attrName>style.visibility</p:attrName>
+                                        </p:attrNameLst>
+                                      </p:cBhvr>
+                                      <p:to>
+                                        <p:strVal val="visible"/>
+                                      </p:to>
+                                    </p:set>
+                                    <p:animEffect transition="in" filter="wipe(left)">
+                                      <p:cBhvr>
+                                        <p:cTn id="20" dur="500"/>
+                                        <p:tgtEl>
+                                          <p:spTgt spid="6"/>
+                                        </p:tgtEl>
+                                      </p:cBhvr>
+                                    </p:animEffect>
+                                  </p:childTnLst>
+                                </p:cTn>
+                              </p:par>
+                            </p:childTnLst>
+                          </p:cTn>
+                        </p:par>
+                      </p:childTnLst>
+                    </p:cTn>
+                  </p:par>
+                </p:childTnLst>
+              </p:cTn>
+              <p:prevCondLst>
+                <p:cond evt="onPrev" delay="0">
+                  <p:tgtEl>
+                    <p:sldTgt/>
+                  </p:tgtEl>
+                </p:cond>
+              </p:prevCondLst>
+              <p:nextCondLst>
+                <p:cond evt="onNext" delay="0">
+                  <p:tgtEl>
+                    <p:sldTgt/>
+                  </p:tgtEl>
+                </p:cond>
+              </p:nextCondLst>
+            </p:seq>
+          </p:childTnLst>
+        </p:cTn>
       </p:par>
     </p:tnLst>
+    <p:bldLst>
+      <p:bldP spid="6" grpId="0" animBg="1"/>
+      <p:bldP spid="7" grpId="0" animBg="1"/>
+      <p:bldP spid="11" grpId="0" animBg="1"/>
+      <p:bldP spid="13" grpId="0" animBg="1"/>
+    </p:bldLst>
   </p:timing>
 </p:sld>
 </file>
@@ -21638,6 +22676,722 @@
           <a:lstStyle/>
           <a:p>
             <a:pPr algn="l"/>
+            <a:endParaRPr lang="zh-CN" altLang="en-US" dirty="0"/>
+          </a:p>
+        </p:txBody>
+      </p:sp>
+      <p:sp>
+        <p:nvSpPr>
+          <p:cNvPr id="3" name="内容占位符 2"/>
+          <p:cNvSpPr>
+            <a:spLocks noGrp="1"/>
+          </p:cNvSpPr>
+          <p:nvPr>
+            <p:ph idx="1"/>
+          </p:nvPr>
+        </p:nvSpPr>
+        <p:spPr/>
+        <p:txBody>
+          <a:bodyPr/>
+          <a:lstStyle/>
+          <a:p>
+            <a:endParaRPr lang="zh-CN" altLang="en-US" dirty="0"/>
+          </a:p>
+        </p:txBody>
+      </p:sp>
+      <p:pic>
+        <p:nvPicPr>
+          <p:cNvPr id="4098" name="Picture 2"/>
+          <p:cNvPicPr>
+            <a:picLocks noChangeAspect="1" noChangeArrowheads="1"/>
+          </p:cNvPicPr>
+          <p:nvPr/>
+        </p:nvPicPr>
+        <p:blipFill>
+          <a:blip r:embed="rId2"/>
+          <a:srcRect/>
+          <a:stretch>
+            <a:fillRect/>
+          </a:stretch>
+        </p:blipFill>
+        <p:spPr bwMode="auto">
+          <a:xfrm>
+            <a:off x="1223499" y="357172"/>
+            <a:ext cx="6104379" cy="4249739"/>
+          </a:xfrm>
+          <a:prstGeom prst="rect">
+            <a:avLst/>
+          </a:prstGeom>
+          <a:noFill/>
+          <a:ln w="9525">
+            <a:noFill/>
+            <a:miter lim="800000"/>
+            <a:headEnd/>
+            <a:tailEnd/>
+          </a:ln>
+          <a:effectLst/>
+        </p:spPr>
+      </p:pic>
+      <p:sp>
+        <p:nvSpPr>
+          <p:cNvPr id="5" name="圆角矩形 4"/>
+          <p:cNvSpPr/>
+          <p:nvPr/>
+        </p:nvSpPr>
+        <p:spPr>
+          <a:xfrm>
+            <a:off x="3857620" y="3786196"/>
+            <a:ext cx="1071570" cy="785818"/>
+          </a:xfrm>
+          <a:prstGeom prst="roundRect">
+            <a:avLst/>
+          </a:prstGeom>
+          <a:noFill/>
+          <a:ln w="12700">
+            <a:solidFill>
+              <a:srgbClr val="00B050"/>
+            </a:solidFill>
+          </a:ln>
+        </p:spPr>
+        <p:style>
+          <a:lnRef idx="2">
+            <a:schemeClr val="accent1">
+              <a:shade val="50000"/>
+            </a:schemeClr>
+          </a:lnRef>
+          <a:fillRef idx="1">
+            <a:schemeClr val="accent1"/>
+          </a:fillRef>
+          <a:effectRef idx="0">
+            <a:schemeClr val="accent1"/>
+          </a:effectRef>
+          <a:fontRef idx="minor">
+            <a:schemeClr val="lt1"/>
+          </a:fontRef>
+        </p:style>
+        <p:txBody>
+          <a:bodyPr rtlCol="0" anchor="ctr"/>
+          <a:lstStyle/>
+          <a:p>
+            <a:pPr algn="ctr"/>
+            <a:endParaRPr lang="zh-CN" altLang="en-US"/>
+          </a:p>
+        </p:txBody>
+      </p:sp>
+      <p:pic>
+        <p:nvPicPr>
+          <p:cNvPr id="4099" name="Picture 3"/>
+          <p:cNvPicPr>
+            <a:picLocks noChangeAspect="1" noChangeArrowheads="1"/>
+          </p:cNvPicPr>
+          <p:nvPr/>
+        </p:nvPicPr>
+        <p:blipFill>
+          <a:blip r:embed="rId3"/>
+          <a:srcRect/>
+          <a:stretch>
+            <a:fillRect/>
+          </a:stretch>
+        </p:blipFill>
+        <p:spPr bwMode="auto">
+          <a:xfrm>
+            <a:off x="5357819" y="1785932"/>
+            <a:ext cx="2643205" cy="269753"/>
+          </a:xfrm>
+          <a:prstGeom prst="rect">
+            <a:avLst/>
+          </a:prstGeom>
+          <a:noFill/>
+          <a:ln w="9525">
+            <a:noFill/>
+            <a:miter lim="800000"/>
+            <a:headEnd/>
+            <a:tailEnd/>
+          </a:ln>
+          <a:effectLst/>
+        </p:spPr>
+      </p:pic>
+      <p:pic>
+        <p:nvPicPr>
+          <p:cNvPr id="4100" name="Picture 4"/>
+          <p:cNvPicPr>
+            <a:picLocks noChangeAspect="1" noChangeArrowheads="1"/>
+          </p:cNvPicPr>
+          <p:nvPr/>
+        </p:nvPicPr>
+        <p:blipFill>
+          <a:blip r:embed="rId4"/>
+          <a:srcRect/>
+          <a:stretch>
+            <a:fillRect/>
+          </a:stretch>
+        </p:blipFill>
+        <p:spPr bwMode="auto">
+          <a:xfrm>
+            <a:off x="5357818" y="2285998"/>
+            <a:ext cx="2286016" cy="880619"/>
+          </a:xfrm>
+          <a:prstGeom prst="rect">
+            <a:avLst/>
+          </a:prstGeom>
+          <a:noFill/>
+          <a:ln w="9525">
+            <a:noFill/>
+            <a:miter lim="800000"/>
+            <a:headEnd/>
+            <a:tailEnd/>
+          </a:ln>
+          <a:effectLst/>
+        </p:spPr>
+      </p:pic>
+    </p:spTree>
+  </p:cSld>
+  <p:clrMapOvr>
+    <a:masterClrMapping/>
+  </p:clrMapOvr>
+  <p:timing>
+    <p:tnLst>
+      <p:par>
+        <p:cTn id="1" dur="indefinite" restart="never" nodeType="tmRoot">
+          <p:childTnLst>
+            <p:seq concurrent="1" nextAc="seek">
+              <p:cTn id="2" dur="indefinite" nodeType="mainSeq">
+                <p:childTnLst>
+                  <p:par>
+                    <p:cTn id="3" fill="hold">
+                      <p:stCondLst>
+                        <p:cond delay="indefinite"/>
+                      </p:stCondLst>
+                      <p:childTnLst>
+                        <p:par>
+                          <p:cTn id="4" fill="hold">
+                            <p:stCondLst>
+                              <p:cond delay="0"/>
+                            </p:stCondLst>
+                            <p:childTnLst>
+                              <p:par>
+                                <p:cTn id="5" presetID="22" presetClass="entr" presetSubtype="1" fill="hold" grpId="1" nodeType="clickEffect">
+                                  <p:stCondLst>
+                                    <p:cond delay="0"/>
+                                  </p:stCondLst>
+                                  <p:childTnLst>
+                                    <p:set>
+                                      <p:cBhvr>
+                                        <p:cTn id="6" dur="1" fill="hold">
+                                          <p:stCondLst>
+                                            <p:cond delay="0"/>
+                                          </p:stCondLst>
+                                        </p:cTn>
+                                        <p:tgtEl>
+                                          <p:spTgt spid="5"/>
+                                        </p:tgtEl>
+                                        <p:attrNameLst>
+                                          <p:attrName>style.visibility</p:attrName>
+                                        </p:attrNameLst>
+                                      </p:cBhvr>
+                                      <p:to>
+                                        <p:strVal val="visible"/>
+                                      </p:to>
+                                    </p:set>
+                                    <p:animEffect transition="in" filter="wipe(up)">
+                                      <p:cBhvr>
+                                        <p:cTn id="7" dur="500"/>
+                                        <p:tgtEl>
+                                          <p:spTgt spid="5"/>
+                                        </p:tgtEl>
+                                      </p:cBhvr>
+                                    </p:animEffect>
+                                  </p:childTnLst>
+                                </p:cTn>
+                              </p:par>
+                            </p:childTnLst>
+                          </p:cTn>
+                        </p:par>
+                      </p:childTnLst>
+                    </p:cTn>
+                  </p:par>
+                  <p:par>
+                    <p:cTn id="8" fill="hold">
+                      <p:stCondLst>
+                        <p:cond delay="indefinite"/>
+                      </p:stCondLst>
+                      <p:childTnLst>
+                        <p:par>
+                          <p:cTn id="9" fill="hold">
+                            <p:stCondLst>
+                              <p:cond delay="0"/>
+                            </p:stCondLst>
+                            <p:childTnLst>
+                              <p:par>
+                                <p:cTn id="10" presetID="1" presetClass="entr" presetSubtype="0" fill="hold" nodeType="clickEffect">
+                                  <p:stCondLst>
+                                    <p:cond delay="0"/>
+                                  </p:stCondLst>
+                                  <p:childTnLst>
+                                    <p:set>
+                                      <p:cBhvr>
+                                        <p:cTn id="11" dur="1" fill="hold">
+                                          <p:stCondLst>
+                                            <p:cond delay="0"/>
+                                          </p:stCondLst>
+                                        </p:cTn>
+                                        <p:tgtEl>
+                                          <p:spTgt spid="4099"/>
+                                        </p:tgtEl>
+                                        <p:attrNameLst>
+                                          <p:attrName>style.visibility</p:attrName>
+                                        </p:attrNameLst>
+                                      </p:cBhvr>
+                                      <p:to>
+                                        <p:strVal val="visible"/>
+                                      </p:to>
+                                    </p:set>
+                                  </p:childTnLst>
+                                </p:cTn>
+                              </p:par>
+                              <p:par>
+                                <p:cTn id="12" presetID="1" presetClass="entr" presetSubtype="0" fill="hold" nodeType="withEffect">
+                                  <p:stCondLst>
+                                    <p:cond delay="0"/>
+                                  </p:stCondLst>
+                                  <p:childTnLst>
+                                    <p:set>
+                                      <p:cBhvr>
+                                        <p:cTn id="13" dur="1" fill="hold">
+                                          <p:stCondLst>
+                                            <p:cond delay="0"/>
+                                          </p:stCondLst>
+                                        </p:cTn>
+                                        <p:tgtEl>
+                                          <p:spTgt spid="4100"/>
+                                        </p:tgtEl>
+                                        <p:attrNameLst>
+                                          <p:attrName>style.visibility</p:attrName>
+                                        </p:attrNameLst>
+                                      </p:cBhvr>
+                                      <p:to>
+                                        <p:strVal val="visible"/>
+                                      </p:to>
+                                    </p:set>
+                                  </p:childTnLst>
+                                </p:cTn>
+                              </p:par>
+                            </p:childTnLst>
+                          </p:cTn>
+                        </p:par>
+                      </p:childTnLst>
+                    </p:cTn>
+                  </p:par>
+                </p:childTnLst>
+              </p:cTn>
+              <p:prevCondLst>
+                <p:cond evt="onPrev" delay="0">
+                  <p:tgtEl>
+                    <p:sldTgt/>
+                  </p:tgtEl>
+                </p:cond>
+              </p:prevCondLst>
+              <p:nextCondLst>
+                <p:cond evt="onNext" delay="0">
+                  <p:tgtEl>
+                    <p:sldTgt/>
+                  </p:tgtEl>
+                </p:cond>
+              </p:nextCondLst>
+            </p:seq>
+          </p:childTnLst>
+        </p:cTn>
+      </p:par>
+    </p:tnLst>
+    <p:bldLst>
+      <p:bldP spid="5" grpId="1" animBg="1"/>
+    </p:bldLst>
+  </p:timing>
+</p:sld>
+</file>
+
+<file path=ppt/slides/slide61.xml><?xml version="1.0" encoding="utf-8"?>
+<p:sld xmlns:a="http://schemas.openxmlformats.org/drawingml/2006/main" xmlns:r="http://schemas.openxmlformats.org/officeDocument/2006/relationships" xmlns:p="http://schemas.openxmlformats.org/presentationml/2006/main">
+  <p:cSld>
+    <p:spTree>
+      <p:nvGrpSpPr>
+        <p:cNvPr id="1" name=""/>
+        <p:cNvGrpSpPr/>
+        <p:nvPr/>
+      </p:nvGrpSpPr>
+      <p:grpSpPr>
+        <a:xfrm>
+          <a:off x="0" y="0"/>
+          <a:ext cx="0" cy="0"/>
+          <a:chOff x="0" y="0"/>
+          <a:chExt cx="0" cy="0"/>
+        </a:xfrm>
+      </p:grpSpPr>
+      <p:sp>
+        <p:nvSpPr>
+          <p:cNvPr id="2" name="标题 1"/>
+          <p:cNvSpPr>
+            <a:spLocks noGrp="1"/>
+          </p:cNvSpPr>
+          <p:nvPr>
+            <p:ph type="title"/>
+          </p:nvPr>
+        </p:nvSpPr>
+        <p:spPr/>
+        <p:txBody>
+          <a:bodyPr/>
+          <a:lstStyle/>
+          <a:p>
+            <a:pPr algn="l"/>
+            <a:endParaRPr lang="zh-CN" altLang="en-US" dirty="0"/>
+          </a:p>
+        </p:txBody>
+      </p:sp>
+      <p:sp>
+        <p:nvSpPr>
+          <p:cNvPr id="3" name="内容占位符 2"/>
+          <p:cNvSpPr>
+            <a:spLocks noGrp="1"/>
+          </p:cNvSpPr>
+          <p:nvPr>
+            <p:ph idx="1"/>
+          </p:nvPr>
+        </p:nvSpPr>
+        <p:spPr/>
+        <p:txBody>
+          <a:bodyPr/>
+          <a:lstStyle/>
+          <a:p>
+            <a:endParaRPr lang="zh-CN" altLang="en-US"/>
+          </a:p>
+        </p:txBody>
+      </p:sp>
+      <p:pic>
+        <p:nvPicPr>
+          <p:cNvPr id="44034" name="Picture 2"/>
+          <p:cNvPicPr>
+            <a:picLocks noChangeAspect="1" noChangeArrowheads="1"/>
+          </p:cNvPicPr>
+          <p:nvPr/>
+        </p:nvPicPr>
+        <p:blipFill>
+          <a:blip r:embed="rId2"/>
+          <a:srcRect/>
+          <a:stretch>
+            <a:fillRect/>
+          </a:stretch>
+        </p:blipFill>
+        <p:spPr bwMode="auto">
+          <a:xfrm>
+            <a:off x="1643042" y="1214428"/>
+            <a:ext cx="5875337" cy="3314700"/>
+          </a:xfrm>
+          <a:prstGeom prst="rect">
+            <a:avLst/>
+          </a:prstGeom>
+          <a:noFill/>
+          <a:ln w="9525">
+            <a:noFill/>
+            <a:miter lim="800000"/>
+            <a:headEnd/>
+            <a:tailEnd/>
+          </a:ln>
+          <a:effectLst/>
+        </p:spPr>
+      </p:pic>
+    </p:spTree>
+  </p:cSld>
+  <p:clrMapOvr>
+    <a:masterClrMapping/>
+  </p:clrMapOvr>
+  <p:timing>
+    <p:tnLst>
+      <p:par>
+        <p:cTn id="1" dur="indefinite" restart="never" nodeType="tmRoot"/>
+      </p:par>
+    </p:tnLst>
+  </p:timing>
+</p:sld>
+</file>
+
+<file path=ppt/slides/slide62.xml><?xml version="1.0" encoding="utf-8"?>
+<p:sld xmlns:a="http://schemas.openxmlformats.org/drawingml/2006/main" xmlns:r="http://schemas.openxmlformats.org/officeDocument/2006/relationships" xmlns:p="http://schemas.openxmlformats.org/presentationml/2006/main">
+  <p:cSld>
+    <p:spTree>
+      <p:nvGrpSpPr>
+        <p:cNvPr id="1" name=""/>
+        <p:cNvGrpSpPr/>
+        <p:nvPr/>
+      </p:nvGrpSpPr>
+      <p:grpSpPr>
+        <a:xfrm>
+          <a:off x="0" y="0"/>
+          <a:ext cx="0" cy="0"/>
+          <a:chOff x="0" y="0"/>
+          <a:chExt cx="0" cy="0"/>
+        </a:xfrm>
+      </p:grpSpPr>
+      <p:sp>
+        <p:nvSpPr>
+          <p:cNvPr id="2" name="标题 1"/>
+          <p:cNvSpPr>
+            <a:spLocks noGrp="1"/>
+          </p:cNvSpPr>
+          <p:nvPr>
+            <p:ph type="title"/>
+          </p:nvPr>
+        </p:nvSpPr>
+        <p:spPr/>
+        <p:txBody>
+          <a:bodyPr/>
+          <a:lstStyle/>
+          <a:p>
+            <a:pPr algn="l"/>
+            <a:r>
+              <a:rPr lang="en-US" altLang="zh-CN" dirty="0" smtClean="0"/>
+              <a:t>How to rapidly develop</a:t>
+            </a:r>
+            <a:endParaRPr lang="zh-CN" altLang="en-US" dirty="0"/>
+          </a:p>
+        </p:txBody>
+      </p:sp>
+      <p:sp>
+        <p:nvSpPr>
+          <p:cNvPr id="3" name="内容占位符 2"/>
+          <p:cNvSpPr>
+            <a:spLocks noGrp="1"/>
+          </p:cNvSpPr>
+          <p:nvPr>
+            <p:ph idx="1"/>
+          </p:nvPr>
+        </p:nvSpPr>
+        <p:spPr/>
+        <p:txBody>
+          <a:bodyPr>
+            <a:normAutofit/>
+          </a:bodyPr>
+          <a:lstStyle/>
+          <a:p>
+            <a:r>
+              <a:rPr lang="en-US" altLang="zh-CN" sz="2400" dirty="0" smtClean="0"/>
+              <a:t>Focus on business function</a:t>
+            </a:r>
+          </a:p>
+          <a:p>
+            <a:r>
+              <a:rPr lang="en-US" altLang="zh-CN" sz="2400" dirty="0" smtClean="0"/>
+              <a:t>Separate core business and non-core business</a:t>
+            </a:r>
+          </a:p>
+          <a:p>
+            <a:r>
+              <a:rPr lang="en-US" altLang="zh-CN" sz="2400" dirty="0" smtClean="0"/>
+              <a:t>Utilize the framework to help you </a:t>
+            </a:r>
+            <a:r>
+              <a:rPr lang="en-US" altLang="zh-CN" sz="2400" dirty="0" smtClean="0"/>
+              <a:t>to solve </a:t>
+            </a:r>
+            <a:r>
+              <a:rPr lang="en-US" altLang="zh-CN" sz="2400" dirty="0" smtClean="0"/>
+              <a:t>trivial details</a:t>
+            </a:r>
+          </a:p>
+          <a:p>
+            <a:pPr lvl="1"/>
+            <a:r>
+              <a:rPr lang="en-US" altLang="zh-CN" sz="2000" dirty="0" smtClean="0"/>
+              <a:t>Use </a:t>
+            </a:r>
+            <a:r>
+              <a:rPr lang="en-US" altLang="zh-CN" sz="2000" dirty="0" err="1" smtClean="0"/>
+              <a:t>cinatra</a:t>
+            </a:r>
+            <a:r>
+              <a:rPr lang="en-US" altLang="zh-CN" sz="2000" dirty="0" smtClean="0"/>
+              <a:t> to solve http details, just need focus on the parsed results</a:t>
+            </a:r>
+          </a:p>
+          <a:p>
+            <a:pPr lvl="1"/>
+            <a:r>
+              <a:rPr lang="en-US" altLang="zh-CN" sz="2000" dirty="0" smtClean="0"/>
+              <a:t>Use </a:t>
+            </a:r>
+            <a:r>
+              <a:rPr lang="en-US" altLang="zh-CN" sz="2000" dirty="0" err="1" smtClean="0"/>
+              <a:t>ormpp</a:t>
+            </a:r>
+            <a:r>
+              <a:rPr lang="en-US" altLang="zh-CN" sz="2000" dirty="0" smtClean="0"/>
+              <a:t> to solve the database details, just need focus on objects mapped from the database</a:t>
+            </a:r>
+          </a:p>
+          <a:p>
+            <a:pPr lvl="1"/>
+            <a:r>
+              <a:rPr lang="en-US" altLang="zh-CN" sz="2000" dirty="0" smtClean="0"/>
+              <a:t>Use render to solve html details, just need focus on how to fill the template</a:t>
+            </a:r>
+          </a:p>
+        </p:txBody>
+      </p:sp>
+    </p:spTree>
+  </p:cSld>
+  <p:clrMapOvr>
+    <a:masterClrMapping/>
+  </p:clrMapOvr>
+  <p:timing>
+    <p:tnLst>
+      <p:par>
+        <p:cTn id="1" dur="indefinite" restart="never" nodeType="tmRoot"/>
+      </p:par>
+    </p:tnLst>
+  </p:timing>
+</p:sld>
+</file>
+
+<file path=ppt/slides/slide63.xml><?xml version="1.0" encoding="utf-8"?>
+<p:sld xmlns:a="http://schemas.openxmlformats.org/drawingml/2006/main" xmlns:r="http://schemas.openxmlformats.org/officeDocument/2006/relationships" xmlns:p="http://schemas.openxmlformats.org/presentationml/2006/main">
+  <p:cSld>
+    <p:spTree>
+      <p:nvGrpSpPr>
+        <p:cNvPr id="1" name=""/>
+        <p:cNvGrpSpPr/>
+        <p:nvPr/>
+      </p:nvGrpSpPr>
+      <p:grpSpPr>
+        <a:xfrm>
+          <a:off x="0" y="0"/>
+          <a:ext cx="0" cy="0"/>
+          <a:chOff x="0" y="0"/>
+          <a:chExt cx="0" cy="0"/>
+        </a:xfrm>
+      </p:grpSpPr>
+      <p:sp>
+        <p:nvSpPr>
+          <p:cNvPr id="2" name="标题 1"/>
+          <p:cNvSpPr>
+            <a:spLocks noGrp="1"/>
+          </p:cNvSpPr>
+          <p:nvPr>
+            <p:ph type="title"/>
+          </p:nvPr>
+        </p:nvSpPr>
+        <p:spPr/>
+        <p:txBody>
+          <a:bodyPr/>
+          <a:lstStyle/>
+          <a:p>
+            <a:pPr algn="l"/>
+            <a:r>
+              <a:rPr lang="en-US" altLang="zh-CN" dirty="0" smtClean="0"/>
+              <a:t>Login html page</a:t>
+            </a:r>
+            <a:endParaRPr lang="zh-CN" altLang="en-US" dirty="0"/>
+          </a:p>
+        </p:txBody>
+      </p:sp>
+      <p:sp>
+        <p:nvSpPr>
+          <p:cNvPr id="3" name="内容占位符 2"/>
+          <p:cNvSpPr>
+            <a:spLocks noGrp="1"/>
+          </p:cNvSpPr>
+          <p:nvPr>
+            <p:ph idx="1"/>
+          </p:nvPr>
+        </p:nvSpPr>
+        <p:spPr/>
+        <p:txBody>
+          <a:bodyPr/>
+          <a:lstStyle/>
+          <a:p>
+            <a:endParaRPr lang="zh-CN" altLang="en-US"/>
+          </a:p>
+        </p:txBody>
+      </p:sp>
+      <p:pic>
+        <p:nvPicPr>
+          <p:cNvPr id="7170" name="Picture 2"/>
+          <p:cNvPicPr>
+            <a:picLocks noChangeAspect="1" noChangeArrowheads="1"/>
+          </p:cNvPicPr>
+          <p:nvPr/>
+        </p:nvPicPr>
+        <p:blipFill>
+          <a:blip r:embed="rId2"/>
+          <a:srcRect/>
+          <a:stretch>
+            <a:fillRect/>
+          </a:stretch>
+        </p:blipFill>
+        <p:spPr bwMode="auto">
+          <a:xfrm>
+            <a:off x="642910" y="1214428"/>
+            <a:ext cx="7632700" cy="3460750"/>
+          </a:xfrm>
+          <a:prstGeom prst="rect">
+            <a:avLst/>
+          </a:prstGeom>
+          <a:noFill/>
+          <a:ln w="9525">
+            <a:noFill/>
+            <a:miter lim="800000"/>
+            <a:headEnd/>
+            <a:tailEnd/>
+          </a:ln>
+          <a:effectLst/>
+        </p:spPr>
+      </p:pic>
+    </p:spTree>
+  </p:cSld>
+  <p:clrMapOvr>
+    <a:masterClrMapping/>
+  </p:clrMapOvr>
+  <p:timing>
+    <p:tnLst>
+      <p:par>
+        <p:cTn id="1" dur="indefinite" restart="never" nodeType="tmRoot"/>
+      </p:par>
+    </p:tnLst>
+  </p:timing>
+</p:sld>
+</file>
+
+<file path=ppt/slides/slide64.xml><?xml version="1.0" encoding="utf-8"?>
+<p:sld xmlns:a="http://schemas.openxmlformats.org/drawingml/2006/main" xmlns:r="http://schemas.openxmlformats.org/officeDocument/2006/relationships" xmlns:p="http://schemas.openxmlformats.org/presentationml/2006/main">
+  <p:cSld>
+    <p:spTree>
+      <p:nvGrpSpPr>
+        <p:cNvPr id="1" name=""/>
+        <p:cNvGrpSpPr/>
+        <p:nvPr/>
+      </p:nvGrpSpPr>
+      <p:grpSpPr>
+        <a:xfrm>
+          <a:off x="0" y="0"/>
+          <a:ext cx="0" cy="0"/>
+          <a:chOff x="0" y="0"/>
+          <a:chExt cx="0" cy="0"/>
+        </a:xfrm>
+      </p:grpSpPr>
+      <p:sp>
+        <p:nvSpPr>
+          <p:cNvPr id="2" name="标题 1"/>
+          <p:cNvSpPr>
+            <a:spLocks noGrp="1"/>
+          </p:cNvSpPr>
+          <p:nvPr>
+            <p:ph type="title"/>
+          </p:nvPr>
+        </p:nvSpPr>
+        <p:spPr/>
+        <p:txBody>
+          <a:bodyPr/>
+          <a:lstStyle/>
+          <a:p>
+            <a:pPr algn="l"/>
             <a:r>
               <a:rPr lang="en-US" altLang="zh-CN" dirty="0" smtClean="0"/>
               <a:t>Example—login</a:t>
@@ -21736,368 +23490,6 @@
   <p:clrMapOvr>
     <a:masterClrMapping/>
   </p:clrMapOvr>
-</p:sld>
-</file>
-
-<file path=ppt/slides/slide61.xml><?xml version="1.0" encoding="utf-8"?>
-<p:sld xmlns:a="http://schemas.openxmlformats.org/drawingml/2006/main" xmlns:r="http://schemas.openxmlformats.org/officeDocument/2006/relationships" xmlns:p="http://schemas.openxmlformats.org/presentationml/2006/main">
-  <p:cSld>
-    <p:spTree>
-      <p:nvGrpSpPr>
-        <p:cNvPr id="1" name=""/>
-        <p:cNvGrpSpPr/>
-        <p:nvPr/>
-      </p:nvGrpSpPr>
-      <p:grpSpPr>
-        <a:xfrm>
-          <a:off x="0" y="0"/>
-          <a:ext cx="0" cy="0"/>
-          <a:chOff x="0" y="0"/>
-          <a:chExt cx="0" cy="0"/>
-        </a:xfrm>
-      </p:grpSpPr>
-      <p:sp>
-        <p:nvSpPr>
-          <p:cNvPr id="2" name="标题 1"/>
-          <p:cNvSpPr>
-            <a:spLocks noGrp="1"/>
-          </p:cNvSpPr>
-          <p:nvPr>
-            <p:ph type="title"/>
-          </p:nvPr>
-        </p:nvSpPr>
-        <p:spPr/>
-        <p:txBody>
-          <a:bodyPr/>
-          <a:lstStyle/>
-          <a:p>
-            <a:pPr algn="l"/>
-            <a:r>
-              <a:rPr lang="en-US" altLang="zh-CN" dirty="0" smtClean="0"/>
-              <a:t>Login html page</a:t>
-            </a:r>
-            <a:endParaRPr lang="zh-CN" altLang="en-US" dirty="0"/>
-          </a:p>
-        </p:txBody>
-      </p:sp>
-      <p:sp>
-        <p:nvSpPr>
-          <p:cNvPr id="3" name="内容占位符 2"/>
-          <p:cNvSpPr>
-            <a:spLocks noGrp="1"/>
-          </p:cNvSpPr>
-          <p:nvPr>
-            <p:ph idx="1"/>
-          </p:nvPr>
-        </p:nvSpPr>
-        <p:spPr/>
-        <p:txBody>
-          <a:bodyPr/>
-          <a:lstStyle/>
-          <a:p>
-            <a:endParaRPr lang="zh-CN" altLang="en-US"/>
-          </a:p>
-        </p:txBody>
-      </p:sp>
-      <p:pic>
-        <p:nvPicPr>
-          <p:cNvPr id="7170" name="Picture 2"/>
-          <p:cNvPicPr>
-            <a:picLocks noChangeAspect="1" noChangeArrowheads="1"/>
-          </p:cNvPicPr>
-          <p:nvPr/>
-        </p:nvPicPr>
-        <p:blipFill>
-          <a:blip r:embed="rId2"/>
-          <a:srcRect/>
-          <a:stretch>
-            <a:fillRect/>
-          </a:stretch>
-        </p:blipFill>
-        <p:spPr bwMode="auto">
-          <a:xfrm>
-            <a:off x="642910" y="1214428"/>
-            <a:ext cx="7632700" cy="3460750"/>
-          </a:xfrm>
-          <a:prstGeom prst="rect">
-            <a:avLst/>
-          </a:prstGeom>
-          <a:noFill/>
-          <a:ln w="9525">
-            <a:noFill/>
-            <a:miter lim="800000"/>
-            <a:headEnd/>
-            <a:tailEnd/>
-          </a:ln>
-          <a:effectLst/>
-        </p:spPr>
-      </p:pic>
-    </p:spTree>
-  </p:cSld>
-  <p:clrMapOvr>
-    <a:masterClrMapping/>
-  </p:clrMapOvr>
-</p:sld>
-</file>
-
-<file path=ppt/slides/slide62.xml><?xml version="1.0" encoding="utf-8"?>
-<p:sld xmlns:a="http://schemas.openxmlformats.org/drawingml/2006/main" xmlns:r="http://schemas.openxmlformats.org/officeDocument/2006/relationships" xmlns:p="http://schemas.openxmlformats.org/presentationml/2006/main">
-  <p:cSld>
-    <p:spTree>
-      <p:nvGrpSpPr>
-        <p:cNvPr id="1" name=""/>
-        <p:cNvGrpSpPr/>
-        <p:nvPr/>
-      </p:nvGrpSpPr>
-      <p:grpSpPr>
-        <a:xfrm>
-          <a:off x="0" y="0"/>
-          <a:ext cx="0" cy="0"/>
-          <a:chOff x="0" y="0"/>
-          <a:chExt cx="0" cy="0"/>
-        </a:xfrm>
-      </p:grpSpPr>
-      <p:sp>
-        <p:nvSpPr>
-          <p:cNvPr id="2" name="标题 1"/>
-          <p:cNvSpPr>
-            <a:spLocks noGrp="1"/>
-          </p:cNvSpPr>
-          <p:nvPr>
-            <p:ph type="title"/>
-          </p:nvPr>
-        </p:nvSpPr>
-        <p:spPr/>
-        <p:txBody>
-          <a:bodyPr/>
-          <a:lstStyle/>
-          <a:p>
-            <a:pPr algn="l"/>
-            <a:endParaRPr lang="zh-CN" altLang="en-US" dirty="0"/>
-          </a:p>
-        </p:txBody>
-      </p:sp>
-      <p:sp>
-        <p:nvSpPr>
-          <p:cNvPr id="3" name="内容占位符 2"/>
-          <p:cNvSpPr>
-            <a:spLocks noGrp="1"/>
-          </p:cNvSpPr>
-          <p:nvPr>
-            <p:ph idx="1"/>
-          </p:nvPr>
-        </p:nvSpPr>
-        <p:spPr/>
-        <p:txBody>
-          <a:bodyPr/>
-          <a:lstStyle/>
-          <a:p>
-            <a:endParaRPr lang="zh-CN" altLang="en-US"/>
-          </a:p>
-        </p:txBody>
-      </p:sp>
-      <p:pic>
-        <p:nvPicPr>
-          <p:cNvPr id="4099" name="Picture 3"/>
-          <p:cNvPicPr>
-            <a:picLocks noChangeAspect="1" noChangeArrowheads="1"/>
-          </p:cNvPicPr>
-          <p:nvPr/>
-        </p:nvPicPr>
-        <p:blipFill>
-          <a:blip r:embed="rId2"/>
-          <a:srcRect/>
-          <a:stretch>
-            <a:fillRect/>
-          </a:stretch>
-        </p:blipFill>
-        <p:spPr bwMode="auto">
-          <a:xfrm>
-            <a:off x="571472" y="1285866"/>
-            <a:ext cx="7715250" cy="3308350"/>
-          </a:xfrm>
-          <a:prstGeom prst="rect">
-            <a:avLst/>
-          </a:prstGeom>
-          <a:noFill/>
-          <a:ln w="9525">
-            <a:noFill/>
-            <a:miter lim="800000"/>
-            <a:headEnd/>
-            <a:tailEnd/>
-          </a:ln>
-          <a:effectLst/>
-        </p:spPr>
-      </p:pic>
-    </p:spTree>
-  </p:cSld>
-  <p:clrMapOvr>
-    <a:masterClrMapping/>
-  </p:clrMapOvr>
-</p:sld>
-</file>
-
-<file path=ppt/slides/slide63.xml><?xml version="1.0" encoding="utf-8"?>
-<p:sld xmlns:a="http://schemas.openxmlformats.org/drawingml/2006/main" xmlns:r="http://schemas.openxmlformats.org/officeDocument/2006/relationships" xmlns:p="http://schemas.openxmlformats.org/presentationml/2006/main">
-  <p:cSld>
-    <p:spTree>
-      <p:nvGrpSpPr>
-        <p:cNvPr id="1" name=""/>
-        <p:cNvGrpSpPr/>
-        <p:nvPr/>
-      </p:nvGrpSpPr>
-      <p:grpSpPr>
-        <a:xfrm>
-          <a:off x="0" y="0"/>
-          <a:ext cx="0" cy="0"/>
-          <a:chOff x="0" y="0"/>
-          <a:chExt cx="0" cy="0"/>
-        </a:xfrm>
-      </p:grpSpPr>
-      <p:sp>
-        <p:nvSpPr>
-          <p:cNvPr id="2" name="标题 1"/>
-          <p:cNvSpPr>
-            <a:spLocks noGrp="1"/>
-          </p:cNvSpPr>
-          <p:nvPr>
-            <p:ph type="title"/>
-          </p:nvPr>
-        </p:nvSpPr>
-        <p:spPr/>
-        <p:txBody>
-          <a:bodyPr/>
-          <a:lstStyle/>
-          <a:p>
-            <a:pPr algn="l"/>
-            <a:endParaRPr lang="zh-CN" altLang="en-US" dirty="0"/>
-          </a:p>
-        </p:txBody>
-      </p:sp>
-      <p:sp>
-        <p:nvSpPr>
-          <p:cNvPr id="3" name="内容占位符 2"/>
-          <p:cNvSpPr>
-            <a:spLocks noGrp="1"/>
-          </p:cNvSpPr>
-          <p:nvPr>
-            <p:ph idx="1"/>
-          </p:nvPr>
-        </p:nvSpPr>
-        <p:spPr/>
-        <p:txBody>
-          <a:bodyPr/>
-          <a:lstStyle/>
-          <a:p>
-            <a:endParaRPr lang="zh-CN" altLang="en-US"/>
-          </a:p>
-        </p:txBody>
-      </p:sp>
-      <p:pic>
-        <p:nvPicPr>
-          <p:cNvPr id="6146" name="Picture 2"/>
-          <p:cNvPicPr>
-            <a:picLocks noChangeAspect="1" noChangeArrowheads="1"/>
-          </p:cNvPicPr>
-          <p:nvPr/>
-        </p:nvPicPr>
-        <p:blipFill>
-          <a:blip r:embed="rId2"/>
-          <a:srcRect/>
-          <a:stretch>
-            <a:fillRect/>
-          </a:stretch>
-        </p:blipFill>
-        <p:spPr bwMode="auto">
-          <a:xfrm>
-            <a:off x="1071538" y="1142990"/>
-            <a:ext cx="6911975" cy="3733800"/>
-          </a:xfrm>
-          <a:prstGeom prst="rect">
-            <a:avLst/>
-          </a:prstGeom>
-          <a:noFill/>
-          <a:ln w="9525">
-            <a:noFill/>
-            <a:miter lim="800000"/>
-            <a:headEnd/>
-            <a:tailEnd/>
-          </a:ln>
-          <a:effectLst/>
-        </p:spPr>
-      </p:pic>
-      <p:pic>
-        <p:nvPicPr>
-          <p:cNvPr id="6147" name="Picture 3"/>
-          <p:cNvPicPr>
-            <a:picLocks noChangeAspect="1" noChangeArrowheads="1"/>
-          </p:cNvPicPr>
-          <p:nvPr/>
-        </p:nvPicPr>
-        <p:blipFill>
-          <a:blip r:embed="rId3"/>
-          <a:srcRect/>
-          <a:stretch>
-            <a:fillRect/>
-          </a:stretch>
-        </p:blipFill>
-        <p:spPr bwMode="auto">
-          <a:xfrm>
-            <a:off x="571472" y="642924"/>
-            <a:ext cx="7331075" cy="403225"/>
-          </a:xfrm>
-          <a:prstGeom prst="rect">
-            <a:avLst/>
-          </a:prstGeom>
-          <a:noFill/>
-          <a:ln w="9525">
-            <a:noFill/>
-            <a:miter lim="800000"/>
-            <a:headEnd/>
-            <a:tailEnd/>
-          </a:ln>
-          <a:effectLst/>
-        </p:spPr>
-      </p:pic>
-      <p:sp>
-        <p:nvSpPr>
-          <p:cNvPr id="6" name="TextBox 5"/>
-          <p:cNvSpPr txBox="1"/>
-          <p:nvPr/>
-        </p:nvSpPr>
-        <p:spPr>
-          <a:xfrm>
-            <a:off x="3214678" y="285734"/>
-            <a:ext cx="1430584" cy="369332"/>
-          </a:xfrm>
-          <a:prstGeom prst="rect">
-            <a:avLst/>
-          </a:prstGeom>
-          <a:noFill/>
-        </p:spPr>
-        <p:txBody>
-          <a:bodyPr wrap="none" rtlCol="0">
-            <a:spAutoFit/>
-          </a:bodyPr>
-          <a:lstStyle/>
-          <a:p>
-            <a:r>
-              <a:rPr lang="en-US" altLang="zh-CN" b="1" dirty="0" smtClean="0"/>
-              <a:t>Server </a:t>
-            </a:r>
-            <a:r>
-              <a:rPr lang="en-US" altLang="zh-CN" b="1" dirty="0" err="1" smtClean="0"/>
-              <a:t>coode</a:t>
-            </a:r>
-            <a:endParaRPr lang="zh-CN" altLang="en-US" b="1" dirty="0"/>
-          </a:p>
-        </p:txBody>
-      </p:sp>
-    </p:spTree>
-  </p:cSld>
-  <p:clrMapOvr>
-    <a:masterClrMapping/>
-  </p:clrMapOvr>
   <p:timing>
     <p:tnLst>
       <p:par>
@@ -22105,102 +23497,6 @@
       </p:par>
     </p:tnLst>
   </p:timing>
-</p:sld>
-</file>
-
-<file path=ppt/slides/slide64.xml><?xml version="1.0" encoding="utf-8"?>
-<p:sld xmlns:a="http://schemas.openxmlformats.org/drawingml/2006/main" xmlns:r="http://schemas.openxmlformats.org/officeDocument/2006/relationships" xmlns:p="http://schemas.openxmlformats.org/presentationml/2006/main">
-  <p:cSld>
-    <p:spTree>
-      <p:nvGrpSpPr>
-        <p:cNvPr id="1" name=""/>
-        <p:cNvGrpSpPr/>
-        <p:nvPr/>
-      </p:nvGrpSpPr>
-      <p:grpSpPr>
-        <a:xfrm>
-          <a:off x="0" y="0"/>
-          <a:ext cx="0" cy="0"/>
-          <a:chOff x="0" y="0"/>
-          <a:chExt cx="0" cy="0"/>
-        </a:xfrm>
-      </p:grpSpPr>
-      <p:sp>
-        <p:nvSpPr>
-          <p:cNvPr id="2" name="标题 1"/>
-          <p:cNvSpPr>
-            <a:spLocks noGrp="1"/>
-          </p:cNvSpPr>
-          <p:nvPr>
-            <p:ph type="title"/>
-          </p:nvPr>
-        </p:nvSpPr>
-        <p:spPr/>
-        <p:txBody>
-          <a:bodyPr/>
-          <a:lstStyle/>
-          <a:p>
-            <a:endParaRPr lang="zh-CN" altLang="en-US"/>
-          </a:p>
-        </p:txBody>
-      </p:sp>
-      <p:sp>
-        <p:nvSpPr>
-          <p:cNvPr id="3" name="内容占位符 2"/>
-          <p:cNvSpPr>
-            <a:spLocks noGrp="1"/>
-          </p:cNvSpPr>
-          <p:nvPr>
-            <p:ph idx="1"/>
-          </p:nvPr>
-        </p:nvSpPr>
-        <p:spPr/>
-        <p:txBody>
-          <a:bodyPr/>
-          <a:lstStyle/>
-          <a:p>
-            <a:endParaRPr lang="zh-CN" altLang="en-US"/>
-          </a:p>
-        </p:txBody>
-      </p:sp>
-      <p:pic>
-        <p:nvPicPr>
-          <p:cNvPr id="8194" name="Picture 2"/>
-          <p:cNvPicPr>
-            <a:picLocks noChangeAspect="1" noChangeArrowheads="1"/>
-          </p:cNvPicPr>
-          <p:nvPr/>
-        </p:nvPicPr>
-        <p:blipFill>
-          <a:blip r:embed="rId2"/>
-          <a:srcRect/>
-          <a:stretch>
-            <a:fillRect/>
-          </a:stretch>
-        </p:blipFill>
-        <p:spPr bwMode="auto">
-          <a:xfrm>
-            <a:off x="544513" y="354013"/>
-            <a:ext cx="8054975" cy="4435475"/>
-          </a:xfrm>
-          <a:prstGeom prst="rect">
-            <a:avLst/>
-          </a:prstGeom>
-          <a:noFill/>
-          <a:ln w="9525">
-            <a:noFill/>
-            <a:miter lim="800000"/>
-            <a:headEnd/>
-            <a:tailEnd/>
-          </a:ln>
-          <a:effectLst/>
-        </p:spPr>
-      </p:pic>
-    </p:spTree>
-  </p:cSld>
-  <p:clrMapOvr>
-    <a:masterClrMapping/>
-  </p:clrMapOvr>
 </p:sld>
 </file>
 
@@ -22237,10 +23533,6 @@
           <a:lstStyle/>
           <a:p>
             <a:pPr algn="l"/>
-            <a:r>
-              <a:rPr lang="en-US" altLang="zh-CN" dirty="0" smtClean="0"/>
-              <a:t>Example</a:t>
-            </a:r>
             <a:endParaRPr lang="zh-CN" altLang="en-US" dirty="0"/>
           </a:p>
         </p:txBody>
@@ -22266,7 +23558,7 @@
       </p:sp>
       <p:pic>
         <p:nvPicPr>
-          <p:cNvPr id="5124" name="Picture 4"/>
+          <p:cNvPr id="4099" name="Picture 3"/>
           <p:cNvPicPr>
             <a:picLocks noChangeAspect="1" noChangeArrowheads="1"/>
           </p:cNvPicPr>
@@ -22281,41 +23573,8 @@
         </p:blipFill>
         <p:spPr bwMode="auto">
           <a:xfrm>
-            <a:off x="571472" y="1071552"/>
-            <a:ext cx="7415213" cy="1287463"/>
-          </a:xfrm>
-          <a:prstGeom prst="rect">
-            <a:avLst/>
-          </a:prstGeom>
-          <a:noFill/>
-          <a:ln w="9525">
-            <a:noFill/>
-            <a:miter lim="800000"/>
-            <a:headEnd/>
-            <a:tailEnd/>
-          </a:ln>
-          <a:effectLst/>
-        </p:spPr>
-      </p:pic>
-      <p:pic>
-        <p:nvPicPr>
-          <p:cNvPr id="5125" name="Picture 5"/>
-          <p:cNvPicPr>
-            <a:picLocks noChangeAspect="1" noChangeArrowheads="1"/>
-          </p:cNvPicPr>
-          <p:nvPr/>
-        </p:nvPicPr>
-        <p:blipFill>
-          <a:blip r:embed="rId3"/>
-          <a:srcRect/>
-          <a:stretch>
-            <a:fillRect/>
-          </a:stretch>
-        </p:blipFill>
-        <p:spPr bwMode="auto">
-          <a:xfrm>
-            <a:off x="1285852" y="2428874"/>
-            <a:ext cx="6503981" cy="2289087"/>
+            <a:off x="571472" y="1285866"/>
+            <a:ext cx="7715250" cy="3308350"/>
           </a:xfrm>
           <a:prstGeom prst="rect">
             <a:avLst/>
@@ -22396,39 +23655,167 @@
           <a:bodyPr/>
           <a:lstStyle/>
           <a:p>
-            <a:endParaRPr lang="zh-CN" altLang="en-US" dirty="0"/>
-          </a:p>
-        </p:txBody>
-      </p:sp>
-      <p:sp>
-        <p:nvSpPr>
-          <p:cNvPr id="4" name="矩形 3"/>
-          <p:cNvSpPr/>
+            <a:endParaRPr lang="zh-CN" altLang="en-US"/>
+          </a:p>
+        </p:txBody>
+      </p:sp>
+      <p:pic>
+        <p:nvPicPr>
+          <p:cNvPr id="6146" name="Picture 2"/>
+          <p:cNvPicPr>
+            <a:picLocks noChangeAspect="1" noChangeArrowheads="1"/>
+          </p:cNvPicPr>
           <p:nvPr/>
-        </p:nvSpPr>
-        <p:spPr>
+        </p:nvPicPr>
+        <p:blipFill>
+          <a:blip r:embed="rId2"/>
+          <a:srcRect/>
+          <a:stretch>
+            <a:fillRect/>
+          </a:stretch>
+        </p:blipFill>
+        <p:spPr bwMode="auto">
           <a:xfrm>
-            <a:off x="3571868" y="1928808"/>
-            <a:ext cx="1132490" cy="769441"/>
+            <a:off x="642910" y="500048"/>
+            <a:ext cx="6616704" cy="714380"/>
           </a:xfrm>
           <a:prstGeom prst="rect">
             <a:avLst/>
           </a:prstGeom>
+          <a:noFill/>
+          <a:ln w="9525">
+            <a:noFill/>
+            <a:miter lim="800000"/>
+            <a:headEnd/>
+            <a:tailEnd/>
+          </a:ln>
+          <a:effectLst/>
         </p:spPr>
-        <p:txBody>
-          <a:bodyPr wrap="none">
-            <a:spAutoFit/>
-          </a:bodyPr>
-          <a:lstStyle/>
-          <a:p>
-            <a:r>
-              <a:rPr lang="en-US" altLang="zh-CN" sz="4400" b="1" dirty="0" smtClean="0"/>
-              <a:t>FAQ</a:t>
-            </a:r>
-            <a:endParaRPr lang="zh-CN" altLang="en-US" sz="4400" b="1" dirty="0"/>
-          </a:p>
-        </p:txBody>
-      </p:sp>
+      </p:pic>
+      <p:pic>
+        <p:nvPicPr>
+          <p:cNvPr id="6147" name="Picture 3"/>
+          <p:cNvPicPr>
+            <a:picLocks noChangeAspect="1" noChangeArrowheads="1"/>
+          </p:cNvPicPr>
+          <p:nvPr/>
+        </p:nvPicPr>
+        <p:blipFill>
+          <a:blip r:embed="rId3"/>
+          <a:srcRect/>
+          <a:stretch>
+            <a:fillRect/>
+          </a:stretch>
+        </p:blipFill>
+        <p:spPr bwMode="auto">
+          <a:xfrm>
+            <a:off x="642910" y="1285866"/>
+            <a:ext cx="7858970" cy="3286148"/>
+          </a:xfrm>
+          <a:prstGeom prst="rect">
+            <a:avLst/>
+          </a:prstGeom>
+          <a:noFill/>
+          <a:ln w="9525">
+            <a:noFill/>
+            <a:miter lim="800000"/>
+            <a:headEnd/>
+            <a:tailEnd/>
+          </a:ln>
+          <a:effectLst/>
+        </p:spPr>
+      </p:pic>
+      <p:grpSp>
+        <p:nvGrpSpPr>
+          <p:cNvPr id="8" name="组合 7"/>
+          <p:cNvGrpSpPr/>
+          <p:nvPr/>
+        </p:nvGrpSpPr>
+        <p:grpSpPr>
+          <a:xfrm>
+            <a:off x="2285984" y="916534"/>
+            <a:ext cx="4308372" cy="338554"/>
+            <a:chOff x="2285984" y="916534"/>
+            <a:chExt cx="4308372" cy="338554"/>
+          </a:xfrm>
+        </p:grpSpPr>
+        <p:sp>
+          <p:nvSpPr>
+            <p:cNvPr id="6" name="圆角矩形 5"/>
+            <p:cNvSpPr/>
+            <p:nvPr/>
+          </p:nvSpPr>
+          <p:spPr>
+            <a:xfrm>
+              <a:off x="2285984" y="928676"/>
+              <a:ext cx="1785950" cy="285752"/>
+            </a:xfrm>
+            <a:prstGeom prst="roundRect">
+              <a:avLst/>
+            </a:prstGeom>
+            <a:noFill/>
+            <a:ln>
+              <a:solidFill>
+                <a:srgbClr val="00B050"/>
+              </a:solidFill>
+            </a:ln>
+          </p:spPr>
+          <p:style>
+            <a:lnRef idx="2">
+              <a:schemeClr val="accent1">
+                <a:shade val="50000"/>
+              </a:schemeClr>
+            </a:lnRef>
+            <a:fillRef idx="1">
+              <a:schemeClr val="accent1"/>
+            </a:fillRef>
+            <a:effectRef idx="0">
+              <a:schemeClr val="accent1"/>
+            </a:effectRef>
+            <a:fontRef idx="minor">
+              <a:schemeClr val="lt1"/>
+            </a:fontRef>
+          </p:style>
+          <p:txBody>
+            <a:bodyPr rtlCol="0" anchor="ctr"/>
+            <a:lstStyle/>
+            <a:p>
+              <a:pPr algn="ctr"/>
+              <a:endParaRPr lang="zh-CN" altLang="en-US"/>
+            </a:p>
+          </p:txBody>
+        </p:sp>
+        <p:sp>
+          <p:nvSpPr>
+            <p:cNvPr id="7" name="TextBox 6"/>
+            <p:cNvSpPr txBox="1"/>
+            <p:nvPr/>
+          </p:nvSpPr>
+          <p:spPr>
+            <a:xfrm>
+              <a:off x="4071934" y="916534"/>
+              <a:ext cx="2522422" cy="338554"/>
+            </a:xfrm>
+            <a:prstGeom prst="rect">
+              <a:avLst/>
+            </a:prstGeom>
+            <a:noFill/>
+          </p:spPr>
+          <p:txBody>
+            <a:bodyPr wrap="none" rtlCol="0">
+              <a:spAutoFit/>
+            </a:bodyPr>
+            <a:lstStyle/>
+            <a:p>
+              <a:r>
+                <a:rPr lang="en-US" altLang="zh-CN" sz="1600" b="1" dirty="0" smtClean="0"/>
+                <a:t>Separate non-core business</a:t>
+              </a:r>
+              <a:endParaRPr lang="zh-CN" altLang="en-US" sz="1600" b="1" dirty="0"/>
+            </a:p>
+          </p:txBody>
+        </p:sp>
+      </p:grpSp>
     </p:spTree>
   </p:cSld>
   <p:clrMapOvr>
@@ -22437,7 +23824,174 @@
   <p:timing>
     <p:tnLst>
       <p:par>
-        <p:cTn id="1" dur="indefinite" restart="never" nodeType="tmRoot"/>
+        <p:cTn id="1" dur="indefinite" restart="never" nodeType="tmRoot">
+          <p:childTnLst>
+            <p:seq concurrent="1" nextAc="seek">
+              <p:cTn id="2" dur="indefinite" nodeType="mainSeq">
+                <p:childTnLst>
+                  <p:par>
+                    <p:cTn id="3" fill="hold">
+                      <p:stCondLst>
+                        <p:cond delay="indefinite"/>
+                      </p:stCondLst>
+                      <p:childTnLst>
+                        <p:par>
+                          <p:cTn id="4" fill="hold">
+                            <p:stCondLst>
+                              <p:cond delay="0"/>
+                            </p:stCondLst>
+                            <p:childTnLst>
+                              <p:par>
+                                <p:cTn id="5" presetID="22" presetClass="entr" presetSubtype="8" fill="hold" nodeType="clickEffect">
+                                  <p:stCondLst>
+                                    <p:cond delay="0"/>
+                                  </p:stCondLst>
+                                  <p:childTnLst>
+                                    <p:set>
+                                      <p:cBhvr>
+                                        <p:cTn id="6" dur="1" fill="hold">
+                                          <p:stCondLst>
+                                            <p:cond delay="0"/>
+                                          </p:stCondLst>
+                                        </p:cTn>
+                                        <p:tgtEl>
+                                          <p:spTgt spid="8"/>
+                                        </p:tgtEl>
+                                        <p:attrNameLst>
+                                          <p:attrName>style.visibility</p:attrName>
+                                        </p:attrNameLst>
+                                      </p:cBhvr>
+                                      <p:to>
+                                        <p:strVal val="visible"/>
+                                      </p:to>
+                                    </p:set>
+                                    <p:animEffect transition="in" filter="wipe(left)">
+                                      <p:cBhvr>
+                                        <p:cTn id="7" dur="500"/>
+                                        <p:tgtEl>
+                                          <p:spTgt spid="8"/>
+                                        </p:tgtEl>
+                                      </p:cBhvr>
+                                    </p:animEffect>
+                                  </p:childTnLst>
+                                </p:cTn>
+                              </p:par>
+                            </p:childTnLst>
+                          </p:cTn>
+                        </p:par>
+                      </p:childTnLst>
+                    </p:cTn>
+                  </p:par>
+                  <p:par>
+                    <p:cTn id="8" fill="hold">
+                      <p:stCondLst>
+                        <p:cond delay="indefinite"/>
+                      </p:stCondLst>
+                      <p:childTnLst>
+                        <p:par>
+                          <p:cTn id="9" fill="hold">
+                            <p:stCondLst>
+                              <p:cond delay="0"/>
+                            </p:stCondLst>
+                            <p:childTnLst>
+                              <p:par>
+                                <p:cTn id="10" presetID="2" presetClass="entr" presetSubtype="4" fill="hold" nodeType="clickEffect">
+                                  <p:stCondLst>
+                                    <p:cond delay="0"/>
+                                  </p:stCondLst>
+                                  <p:childTnLst>
+                                    <p:set>
+                                      <p:cBhvr>
+                                        <p:cTn id="11" dur="1" fill="hold">
+                                          <p:stCondLst>
+                                            <p:cond delay="0"/>
+                                          </p:stCondLst>
+                                        </p:cTn>
+                                        <p:tgtEl>
+                                          <p:spTgt spid="6147"/>
+                                        </p:tgtEl>
+                                        <p:attrNameLst>
+                                          <p:attrName>style.visibility</p:attrName>
+                                        </p:attrNameLst>
+                                      </p:cBhvr>
+                                      <p:to>
+                                        <p:strVal val="visible"/>
+                                      </p:to>
+                                    </p:set>
+                                    <p:anim calcmode="lin" valueType="num">
+                                      <p:cBhvr additive="base">
+                                        <p:cTn id="12" dur="500" fill="hold"/>
+                                        <p:tgtEl>
+                                          <p:spTgt spid="6147"/>
+                                        </p:tgtEl>
+                                        <p:attrNameLst>
+                                          <p:attrName>ppt_x</p:attrName>
+                                        </p:attrNameLst>
+                                      </p:cBhvr>
+                                      <p:tavLst>
+                                        <p:tav tm="0">
+                                          <p:val>
+                                            <p:strVal val="#ppt_x"/>
+                                          </p:val>
+                                        </p:tav>
+                                        <p:tav tm="100000">
+                                          <p:val>
+                                            <p:strVal val="#ppt_x"/>
+                                          </p:val>
+                                        </p:tav>
+                                      </p:tavLst>
+                                    </p:anim>
+                                    <p:anim calcmode="lin" valueType="num">
+                                      <p:cBhvr additive="base">
+                                        <p:cTn id="13" dur="500" fill="hold"/>
+                                        <p:tgtEl>
+                                          <p:spTgt spid="6147"/>
+                                        </p:tgtEl>
+                                        <p:attrNameLst>
+                                          <p:attrName>ppt_y</p:attrName>
+                                        </p:attrNameLst>
+                                      </p:cBhvr>
+                                      <p:tavLst>
+                                        <p:tav tm="0">
+                                          <p:val>
+                                            <p:strVal val="1+#ppt_h/2"/>
+                                          </p:val>
+                                        </p:tav>
+                                        <p:tav tm="100000">
+                                          <p:val>
+                                            <p:strVal val="#ppt_y"/>
+                                          </p:val>
+                                        </p:tav>
+                                      </p:tavLst>
+                                    </p:anim>
+                                  </p:childTnLst>
+                                </p:cTn>
+                              </p:par>
+                            </p:childTnLst>
+                          </p:cTn>
+                        </p:par>
+                      </p:childTnLst>
+                    </p:cTn>
+                  </p:par>
+                </p:childTnLst>
+              </p:cTn>
+              <p:prevCondLst>
+                <p:cond evt="onPrev" delay="0">
+                  <p:tgtEl>
+                    <p:sldTgt/>
+                  </p:tgtEl>
+                </p:cond>
+              </p:prevCondLst>
+              <p:nextCondLst>
+                <p:cond evt="onNext" delay="0">
+                  <p:tgtEl>
+                    <p:sldTgt/>
+                  </p:tgtEl>
+                </p:cond>
+              </p:nextCondLst>
+            </p:seq>
+          </p:childTnLst>
+        </p:cTn>
       </p:par>
     </p:tnLst>
   </p:timing>
@@ -22476,7 +24030,8 @@
           <a:bodyPr/>
           <a:lstStyle/>
           <a:p>
-            <a:endParaRPr lang="zh-CN" altLang="en-US"/>
+            <a:pPr algn="l"/>
+            <a:endParaRPr lang="zh-CN" altLang="en-US" dirty="0"/>
           </a:p>
         </p:txBody>
       </p:sp>
@@ -22499,6 +24054,276 @@
           </a:p>
         </p:txBody>
       </p:sp>
+      <p:pic>
+        <p:nvPicPr>
+          <p:cNvPr id="6146" name="Picture 2"/>
+          <p:cNvPicPr>
+            <a:picLocks noChangeAspect="1" noChangeArrowheads="1"/>
+          </p:cNvPicPr>
+          <p:nvPr/>
+        </p:nvPicPr>
+        <p:blipFill>
+          <a:blip r:embed="rId2"/>
+          <a:srcRect/>
+          <a:stretch>
+            <a:fillRect/>
+          </a:stretch>
+        </p:blipFill>
+        <p:spPr bwMode="auto">
+          <a:xfrm>
+            <a:off x="1071538" y="857238"/>
+            <a:ext cx="6911975" cy="3733800"/>
+          </a:xfrm>
+          <a:prstGeom prst="rect">
+            <a:avLst/>
+          </a:prstGeom>
+          <a:noFill/>
+          <a:ln w="9525">
+            <a:noFill/>
+            <a:miter lim="800000"/>
+            <a:headEnd/>
+            <a:tailEnd/>
+          </a:ln>
+          <a:effectLst/>
+        </p:spPr>
+      </p:pic>
+      <p:sp>
+        <p:nvSpPr>
+          <p:cNvPr id="6" name="TextBox 5"/>
+          <p:cNvSpPr txBox="1"/>
+          <p:nvPr/>
+        </p:nvSpPr>
+        <p:spPr>
+          <a:xfrm>
+            <a:off x="1020660" y="357172"/>
+            <a:ext cx="4100481" cy="400110"/>
+          </a:xfrm>
+          <a:prstGeom prst="rect">
+            <a:avLst/>
+          </a:prstGeom>
+          <a:noFill/>
+        </p:spPr>
+        <p:txBody>
+          <a:bodyPr wrap="none" rtlCol="0">
+            <a:spAutoFit/>
+          </a:bodyPr>
+          <a:lstStyle/>
+          <a:p>
+            <a:r>
+              <a:rPr lang="en-US" altLang="zh-CN" sz="2000" b="1" dirty="0" smtClean="0"/>
+              <a:t>Simple and direct core business code</a:t>
+            </a:r>
+            <a:endParaRPr lang="zh-CN" altLang="en-US" sz="2000" b="1" dirty="0"/>
+          </a:p>
+        </p:txBody>
+      </p:sp>
+    </p:spTree>
+  </p:cSld>
+  <p:clrMapOvr>
+    <a:masterClrMapping/>
+  </p:clrMapOvr>
+  <p:timing>
+    <p:tnLst>
+      <p:par>
+        <p:cTn id="1" dur="indefinite" restart="never" nodeType="tmRoot"/>
+      </p:par>
+    </p:tnLst>
+  </p:timing>
+</p:sld>
+</file>
+
+<file path=ppt/slides/slide68.xml><?xml version="1.0" encoding="utf-8"?>
+<p:sld xmlns:a="http://schemas.openxmlformats.org/drawingml/2006/main" xmlns:r="http://schemas.openxmlformats.org/officeDocument/2006/relationships" xmlns:p="http://schemas.openxmlformats.org/presentationml/2006/main">
+  <p:cSld>
+    <p:spTree>
+      <p:nvGrpSpPr>
+        <p:cNvPr id="1" name=""/>
+        <p:cNvGrpSpPr/>
+        <p:nvPr/>
+      </p:nvGrpSpPr>
+      <p:grpSpPr>
+        <a:xfrm>
+          <a:off x="0" y="0"/>
+          <a:ext cx="0" cy="0"/>
+          <a:chOff x="0" y="0"/>
+          <a:chExt cx="0" cy="0"/>
+        </a:xfrm>
+      </p:grpSpPr>
+      <p:sp>
+        <p:nvSpPr>
+          <p:cNvPr id="2" name="标题 1"/>
+          <p:cNvSpPr>
+            <a:spLocks noGrp="1"/>
+          </p:cNvSpPr>
+          <p:nvPr>
+            <p:ph type="title"/>
+          </p:nvPr>
+        </p:nvSpPr>
+        <p:spPr/>
+        <p:txBody>
+          <a:bodyPr/>
+          <a:lstStyle/>
+          <a:p>
+            <a:pPr algn="l"/>
+            <a:r>
+              <a:rPr lang="en-US" altLang="zh-CN" dirty="0" smtClean="0"/>
+              <a:t>How to rapidly develop</a:t>
+            </a:r>
+            <a:endParaRPr lang="zh-CN" altLang="en-US" dirty="0"/>
+          </a:p>
+        </p:txBody>
+      </p:sp>
+      <p:sp>
+        <p:nvSpPr>
+          <p:cNvPr id="3" name="内容占位符 2"/>
+          <p:cNvSpPr>
+            <a:spLocks noGrp="1"/>
+          </p:cNvSpPr>
+          <p:nvPr>
+            <p:ph idx="1"/>
+          </p:nvPr>
+        </p:nvSpPr>
+        <p:spPr/>
+        <p:txBody>
+          <a:bodyPr>
+            <a:normAutofit/>
+          </a:bodyPr>
+          <a:lstStyle/>
+          <a:p>
+            <a:r>
+              <a:rPr lang="en-US" altLang="zh-CN" sz="2400" dirty="0" smtClean="0"/>
+              <a:t>Focus on business function</a:t>
+            </a:r>
+          </a:p>
+          <a:p>
+            <a:r>
+              <a:rPr lang="en-US" altLang="zh-CN" sz="2400" dirty="0" smtClean="0"/>
+              <a:t>Separate core business and non-core business</a:t>
+            </a:r>
+          </a:p>
+          <a:p>
+            <a:r>
+              <a:rPr lang="en-US" altLang="zh-CN" sz="2400" dirty="0" smtClean="0"/>
+              <a:t>Utilize the framework to help you </a:t>
+            </a:r>
+            <a:r>
+              <a:rPr lang="en-US" altLang="zh-CN" sz="2400" dirty="0" smtClean="0"/>
+              <a:t>to solve </a:t>
+            </a:r>
+            <a:r>
+              <a:rPr lang="en-US" altLang="zh-CN" sz="2400" dirty="0" smtClean="0"/>
+              <a:t>trivial details</a:t>
+            </a:r>
+          </a:p>
+          <a:p>
+            <a:pPr lvl="1"/>
+            <a:r>
+              <a:rPr lang="en-US" altLang="zh-CN" sz="2000" dirty="0" smtClean="0"/>
+              <a:t>Use </a:t>
+            </a:r>
+            <a:r>
+              <a:rPr lang="en-US" altLang="zh-CN" sz="2000" dirty="0" err="1" smtClean="0"/>
+              <a:t>cinatra</a:t>
+            </a:r>
+            <a:r>
+              <a:rPr lang="en-US" altLang="zh-CN" sz="2000" dirty="0" smtClean="0"/>
+              <a:t> to solve http details, just need focus on the parsed results</a:t>
+            </a:r>
+          </a:p>
+          <a:p>
+            <a:pPr lvl="1"/>
+            <a:r>
+              <a:rPr lang="en-US" altLang="zh-CN" sz="2000" dirty="0" smtClean="0"/>
+              <a:t>Use </a:t>
+            </a:r>
+            <a:r>
+              <a:rPr lang="en-US" altLang="zh-CN" sz="2000" dirty="0" err="1" smtClean="0"/>
+              <a:t>ormpp</a:t>
+            </a:r>
+            <a:r>
+              <a:rPr lang="en-US" altLang="zh-CN" sz="2000" dirty="0" smtClean="0"/>
+              <a:t> to solve the database details, just need focus on objects mapped from the database</a:t>
+            </a:r>
+          </a:p>
+          <a:p>
+            <a:pPr lvl="1"/>
+            <a:r>
+              <a:rPr lang="en-US" altLang="zh-CN" sz="2000" dirty="0" smtClean="0"/>
+              <a:t>Use render to solve html details, just need focus on how to fill the template</a:t>
+            </a:r>
+          </a:p>
+        </p:txBody>
+      </p:sp>
+    </p:spTree>
+  </p:cSld>
+  <p:clrMapOvr>
+    <a:masterClrMapping/>
+  </p:clrMapOvr>
+  <p:timing>
+    <p:tnLst>
+      <p:par>
+        <p:cTn id="1" dur="indefinite" restart="never" nodeType="tmRoot"/>
+      </p:par>
+    </p:tnLst>
+  </p:timing>
+</p:sld>
+</file>
+
+<file path=ppt/slides/slide69.xml><?xml version="1.0" encoding="utf-8"?>
+<p:sld xmlns:a="http://schemas.openxmlformats.org/drawingml/2006/main" xmlns:r="http://schemas.openxmlformats.org/officeDocument/2006/relationships" xmlns:p="http://schemas.openxmlformats.org/presentationml/2006/main">
+  <p:cSld>
+    <p:spTree>
+      <p:nvGrpSpPr>
+        <p:cNvPr id="1" name=""/>
+        <p:cNvGrpSpPr/>
+        <p:nvPr/>
+      </p:nvGrpSpPr>
+      <p:grpSpPr>
+        <a:xfrm>
+          <a:off x="0" y="0"/>
+          <a:ext cx="0" cy="0"/>
+          <a:chOff x="0" y="0"/>
+          <a:chExt cx="0" cy="0"/>
+        </a:xfrm>
+      </p:grpSpPr>
+      <p:sp>
+        <p:nvSpPr>
+          <p:cNvPr id="2" name="标题 1"/>
+          <p:cNvSpPr>
+            <a:spLocks noGrp="1"/>
+          </p:cNvSpPr>
+          <p:nvPr>
+            <p:ph type="title"/>
+          </p:nvPr>
+        </p:nvSpPr>
+        <p:spPr/>
+        <p:txBody>
+          <a:bodyPr/>
+          <a:lstStyle/>
+          <a:p>
+            <a:endParaRPr lang="zh-CN" altLang="en-US"/>
+          </a:p>
+        </p:txBody>
+      </p:sp>
+      <p:sp>
+        <p:nvSpPr>
+          <p:cNvPr id="3" name="内容占位符 2"/>
+          <p:cNvSpPr>
+            <a:spLocks noGrp="1"/>
+          </p:cNvSpPr>
+          <p:nvPr>
+            <p:ph idx="1"/>
+          </p:nvPr>
+        </p:nvSpPr>
+        <p:spPr/>
+        <p:txBody>
+          <a:bodyPr/>
+          <a:lstStyle/>
+          <a:p>
+            <a:endParaRPr lang="zh-CN" altLang="en-US" dirty="0"/>
+          </a:p>
+        </p:txBody>
+      </p:sp>
       <p:sp>
         <p:nvSpPr>
           <p:cNvPr id="4" name="矩形 3"/>
@@ -22507,8 +24332,8 @@
         </p:nvSpPr>
         <p:spPr>
           <a:xfrm>
-            <a:off x="2714612" y="2071684"/>
-            <a:ext cx="2615139" cy="769441"/>
+            <a:off x="3571868" y="1928808"/>
+            <a:ext cx="1132490" cy="769441"/>
           </a:xfrm>
           <a:prstGeom prst="rect">
             <a:avLst/>
@@ -22522,7 +24347,7 @@
           <a:p>
             <a:r>
               <a:rPr lang="en-US" altLang="zh-CN" sz="4400" b="1" dirty="0" smtClean="0"/>
-              <a:t>Thank you</a:t>
+              <a:t>FAQ</a:t>
             </a:r>
             <a:endParaRPr lang="zh-CN" altLang="en-US" sz="4400" b="1" dirty="0"/>
           </a:p>
@@ -22641,6 +24466,105 @@
           </a:p>
           <a:p>
             <a:endParaRPr lang="zh-CN" altLang="en-US" dirty="0"/>
+          </a:p>
+        </p:txBody>
+      </p:sp>
+    </p:spTree>
+  </p:cSld>
+  <p:clrMapOvr>
+    <a:masterClrMapping/>
+  </p:clrMapOvr>
+  <p:timing>
+    <p:tnLst>
+      <p:par>
+        <p:cTn id="1" dur="indefinite" restart="never" nodeType="tmRoot"/>
+      </p:par>
+    </p:tnLst>
+  </p:timing>
+</p:sld>
+</file>
+
+<file path=ppt/slides/slide70.xml><?xml version="1.0" encoding="utf-8"?>
+<p:sld xmlns:a="http://schemas.openxmlformats.org/drawingml/2006/main" xmlns:r="http://schemas.openxmlformats.org/officeDocument/2006/relationships" xmlns:p="http://schemas.openxmlformats.org/presentationml/2006/main">
+  <p:cSld>
+    <p:spTree>
+      <p:nvGrpSpPr>
+        <p:cNvPr id="1" name=""/>
+        <p:cNvGrpSpPr/>
+        <p:nvPr/>
+      </p:nvGrpSpPr>
+      <p:grpSpPr>
+        <a:xfrm>
+          <a:off x="0" y="0"/>
+          <a:ext cx="0" cy="0"/>
+          <a:chOff x="0" y="0"/>
+          <a:chExt cx="0" cy="0"/>
+        </a:xfrm>
+      </p:grpSpPr>
+      <p:sp>
+        <p:nvSpPr>
+          <p:cNvPr id="2" name="标题 1"/>
+          <p:cNvSpPr>
+            <a:spLocks noGrp="1"/>
+          </p:cNvSpPr>
+          <p:nvPr>
+            <p:ph type="title"/>
+          </p:nvPr>
+        </p:nvSpPr>
+        <p:spPr/>
+        <p:txBody>
+          <a:bodyPr/>
+          <a:lstStyle/>
+          <a:p>
+            <a:endParaRPr lang="zh-CN" altLang="en-US"/>
+          </a:p>
+        </p:txBody>
+      </p:sp>
+      <p:sp>
+        <p:nvSpPr>
+          <p:cNvPr id="3" name="内容占位符 2"/>
+          <p:cNvSpPr>
+            <a:spLocks noGrp="1"/>
+          </p:cNvSpPr>
+          <p:nvPr>
+            <p:ph idx="1"/>
+          </p:nvPr>
+        </p:nvSpPr>
+        <p:spPr/>
+        <p:txBody>
+          <a:bodyPr/>
+          <a:lstStyle/>
+          <a:p>
+            <a:endParaRPr lang="zh-CN" altLang="en-US"/>
+          </a:p>
+        </p:txBody>
+      </p:sp>
+      <p:sp>
+        <p:nvSpPr>
+          <p:cNvPr id="4" name="矩形 3"/>
+          <p:cNvSpPr/>
+          <p:nvPr/>
+        </p:nvSpPr>
+        <p:spPr>
+          <a:xfrm>
+            <a:off x="2714612" y="2071684"/>
+            <a:ext cx="2615139" cy="769441"/>
+          </a:xfrm>
+          <a:prstGeom prst="rect">
+            <a:avLst/>
+          </a:prstGeom>
+        </p:spPr>
+        <p:txBody>
+          <a:bodyPr wrap="none">
+            <a:spAutoFit/>
+          </a:bodyPr>
+          <a:lstStyle/>
+          <a:p>
+            <a:r>
+              <a:rPr lang="en-US" altLang="zh-CN" sz="4400" b="1" dirty="0" smtClean="0"/>
+              <a:t>Thank you</a:t>
+            </a:r>
+            <a:endParaRPr lang="zh-CN" altLang="en-US" sz="4400" b="1" dirty="0"/>
           </a:p>
         </p:txBody>
       </p:sp>

--- a/cppcon2018.pptx
+++ b/cppcon2018.pptx
@@ -5,7 +5,7 @@
     <p:sldMasterId id="2147483648" r:id="rId1"/>
   </p:sldMasterIdLst>
   <p:notesMasterIdLst>
-    <p:notesMasterId r:id="rId72"/>
+    <p:notesMasterId r:id="rId74"/>
   </p:notesMasterIdLst>
   <p:sldIdLst>
     <p:sldId id="256" r:id="rId2"/>
@@ -64,20 +64,22 @@
     <p:sldId id="316" r:id="rId55"/>
     <p:sldId id="317" r:id="rId56"/>
     <p:sldId id="319" r:id="rId57"/>
-    <p:sldId id="318" r:id="rId58"/>
-    <p:sldId id="329" r:id="rId59"/>
-    <p:sldId id="330" r:id="rId60"/>
-    <p:sldId id="331" r:id="rId61"/>
-    <p:sldId id="286" r:id="rId62"/>
-    <p:sldId id="261" r:id="rId63"/>
-    <p:sldId id="325" r:id="rId64"/>
-    <p:sldId id="320" r:id="rId65"/>
-    <p:sldId id="322" r:id="rId66"/>
-    <p:sldId id="332" r:id="rId67"/>
-    <p:sldId id="324" r:id="rId68"/>
-    <p:sldId id="334" r:id="rId69"/>
-    <p:sldId id="327" r:id="rId70"/>
-    <p:sldId id="328" r:id="rId71"/>
+    <p:sldId id="335" r:id="rId58"/>
+    <p:sldId id="318" r:id="rId59"/>
+    <p:sldId id="329" r:id="rId60"/>
+    <p:sldId id="330" r:id="rId61"/>
+    <p:sldId id="336" r:id="rId62"/>
+    <p:sldId id="331" r:id="rId63"/>
+    <p:sldId id="286" r:id="rId64"/>
+    <p:sldId id="261" r:id="rId65"/>
+    <p:sldId id="325" r:id="rId66"/>
+    <p:sldId id="320" r:id="rId67"/>
+    <p:sldId id="322" r:id="rId68"/>
+    <p:sldId id="332" r:id="rId69"/>
+    <p:sldId id="324" r:id="rId70"/>
+    <p:sldId id="334" r:id="rId71"/>
+    <p:sldId id="327" r:id="rId72"/>
+    <p:sldId id="328" r:id="rId73"/>
   </p:sldIdLst>
   <p:sldSz cx="9144000" cy="5143500" type="screen16x9"/>
   <p:notesSz cx="6858000" cy="9144000"/>
@@ -20549,7 +20551,7 @@
             <a:pPr algn="l"/>
             <a:r>
               <a:rPr lang="en-US" altLang="zh-CN" dirty="0" smtClean="0"/>
-              <a:t>render</a:t>
+              <a:t>Render</a:t>
             </a:r>
             <a:endParaRPr lang="zh-CN" altLang="en-US" dirty="0"/>
           </a:p>
@@ -20571,10 +20573,132 @@
           <a:lstStyle/>
           <a:p>
             <a:r>
-              <a:rPr lang="en-US" altLang="zh-CN" sz="2800" dirty="0" smtClean="0"/>
-              <a:t>Render: render html templates</a:t>
-            </a:r>
-          </a:p>
+              <a:rPr lang="en-US" altLang="zh-CN" dirty="0" smtClean="0"/>
+              <a:t>H</a:t>
+            </a:r>
+            <a:r>
+              <a:rPr lang="en-US" altLang="zh-CN" dirty="0" smtClean="0"/>
+              <a:t>tml </a:t>
+            </a:r>
+            <a:r>
+              <a:rPr lang="en-US" altLang="zh-CN" dirty="0" smtClean="0"/>
+              <a:t>template </a:t>
+            </a:r>
+            <a:r>
+              <a:rPr lang="en-US" altLang="zh-CN" dirty="0" smtClean="0"/>
+              <a:t>engine</a:t>
+            </a:r>
+          </a:p>
+          <a:p>
+            <a:pPr lvl="1"/>
+            <a:r>
+              <a:rPr lang="en-US" altLang="zh-CN" dirty="0" smtClean="0"/>
+              <a:t>Dynamic </a:t>
+            </a:r>
+            <a:r>
+              <a:rPr lang="en-US" altLang="zh-CN" dirty="0" smtClean="0"/>
+              <a:t>filling </a:t>
+            </a:r>
+            <a:r>
+              <a:rPr lang="en-US" altLang="zh-CN" dirty="0" smtClean="0"/>
+              <a:t>html</a:t>
+            </a:r>
+          </a:p>
+          <a:p>
+            <a:pPr lvl="1"/>
+            <a:r>
+              <a:rPr lang="en-US" altLang="zh-CN" dirty="0" smtClean="0"/>
+              <a:t>Control </a:t>
+            </a:r>
+            <a:r>
+              <a:rPr lang="en-US" altLang="zh-CN" dirty="0" smtClean="0"/>
+              <a:t>UI </a:t>
+            </a:r>
+            <a:r>
+              <a:rPr lang="en-US" altLang="zh-CN" dirty="0" smtClean="0"/>
+              <a:t>display</a:t>
+            </a:r>
+          </a:p>
+          <a:p>
+            <a:pPr lvl="1"/>
+            <a:r>
+              <a:rPr lang="en-US" altLang="zh-CN" dirty="0" smtClean="0"/>
+              <a:t>Html reuse</a:t>
+            </a:r>
+            <a:endParaRPr lang="zh-CN" altLang="en-US" dirty="0"/>
+          </a:p>
+        </p:txBody>
+      </p:sp>
+    </p:spTree>
+  </p:cSld>
+  <p:clrMapOvr>
+    <a:masterClrMapping/>
+  </p:clrMapOvr>
+  <p:timing>
+    <p:tnLst>
+      <p:par>
+        <p:cTn id="1" dur="indefinite" restart="never" nodeType="tmRoot"/>
+      </p:par>
+    </p:tnLst>
+  </p:timing>
+</p:sld>
+</file>
+
+<file path=ppt/slides/slide58.xml><?xml version="1.0" encoding="utf-8"?>
+<p:sld xmlns:a="http://schemas.openxmlformats.org/drawingml/2006/main" xmlns:r="http://schemas.openxmlformats.org/officeDocument/2006/relationships" xmlns:p="http://schemas.openxmlformats.org/presentationml/2006/main">
+  <p:cSld>
+    <p:spTree>
+      <p:nvGrpSpPr>
+        <p:cNvPr id="1" name=""/>
+        <p:cNvGrpSpPr/>
+        <p:nvPr/>
+      </p:nvGrpSpPr>
+      <p:grpSpPr>
+        <a:xfrm>
+          <a:off x="0" y="0"/>
+          <a:ext cx="0" cy="0"/>
+          <a:chOff x="0" y="0"/>
+          <a:chExt cx="0" cy="0"/>
+        </a:xfrm>
+      </p:grpSpPr>
+      <p:sp>
+        <p:nvSpPr>
+          <p:cNvPr id="2" name="标题 1"/>
+          <p:cNvSpPr>
+            <a:spLocks noGrp="1"/>
+          </p:cNvSpPr>
+          <p:nvPr>
+            <p:ph type="title"/>
+          </p:nvPr>
+        </p:nvSpPr>
+        <p:spPr/>
+        <p:txBody>
+          <a:bodyPr/>
+          <a:lstStyle/>
+          <a:p>
+            <a:pPr algn="l"/>
+            <a:r>
+              <a:rPr lang="en-US" altLang="zh-CN" dirty="0" smtClean="0"/>
+              <a:t>Render</a:t>
+            </a:r>
+            <a:endParaRPr lang="zh-CN" altLang="en-US" dirty="0"/>
+          </a:p>
+        </p:txBody>
+      </p:sp>
+      <p:sp>
+        <p:nvSpPr>
+          <p:cNvPr id="3" name="内容占位符 2"/>
+          <p:cNvSpPr>
+            <a:spLocks noGrp="1"/>
+          </p:cNvSpPr>
+          <p:nvPr>
+            <p:ph idx="1"/>
+          </p:nvPr>
+        </p:nvSpPr>
+        <p:spPr/>
+        <p:txBody>
+          <a:bodyPr/>
+          <a:lstStyle/>
           <a:p>
             <a:endParaRPr lang="zh-CN" altLang="en-US" dirty="0"/>
           </a:p>
@@ -20597,7 +20721,7 @@
         </p:blipFill>
         <p:spPr bwMode="auto">
           <a:xfrm>
-            <a:off x="1071538" y="2643188"/>
+            <a:off x="714348" y="2143122"/>
             <a:ext cx="5029825" cy="428628"/>
           </a:xfrm>
           <a:prstGeom prst="rect">
@@ -20630,7 +20754,7 @@
         </p:blipFill>
         <p:spPr bwMode="auto">
           <a:xfrm>
-            <a:off x="1071538" y="3214692"/>
+            <a:off x="714348" y="2714626"/>
             <a:ext cx="4572032" cy="370662"/>
           </a:xfrm>
           <a:prstGeom prst="rect">
@@ -20663,7 +20787,7 @@
         </p:blipFill>
         <p:spPr bwMode="auto">
           <a:xfrm>
-            <a:off x="1071538" y="1714494"/>
+            <a:off x="714348" y="1214428"/>
             <a:ext cx="4777888" cy="857256"/>
           </a:xfrm>
           <a:prstGeom prst="rect">
@@ -20687,7 +20811,7 @@
         </p:nvSpPr>
         <p:spPr>
           <a:xfrm>
-            <a:off x="1785918" y="2143122"/>
+            <a:off x="1428728" y="1643056"/>
             <a:ext cx="642942" cy="214314"/>
           </a:xfrm>
           <a:prstGeom prst="roundRect">
@@ -20737,7 +20861,7 @@
         </p:blipFill>
         <p:spPr bwMode="auto">
           <a:xfrm>
-            <a:off x="1000099" y="3714758"/>
+            <a:off x="673704" y="3214692"/>
             <a:ext cx="7041567" cy="642942"/>
           </a:xfrm>
           <a:prstGeom prst="rect">
@@ -20753,6 +20877,64 @@
           <a:effectLst/>
         </p:spPr>
       </p:pic>
+      <p:sp>
+        <p:nvSpPr>
+          <p:cNvPr id="9" name="矩形 8"/>
+          <p:cNvSpPr/>
+          <p:nvPr/>
+        </p:nvSpPr>
+        <p:spPr>
+          <a:xfrm>
+            <a:off x="2857488" y="3857634"/>
+            <a:ext cx="3261342" cy="584775"/>
+          </a:xfrm>
+          <a:prstGeom prst="rect">
+            <a:avLst/>
+          </a:prstGeom>
+        </p:spPr>
+        <p:txBody>
+          <a:bodyPr wrap="none">
+            <a:spAutoFit/>
+          </a:bodyPr>
+          <a:lstStyle/>
+          <a:p>
+            <a:r>
+              <a:rPr lang="en-US" altLang="zh-CN" sz="1600" dirty="0" smtClean="0">
+                <a:hlinkClick r:id="rId6"/>
+              </a:rPr>
+              <a:t>https://</a:t>
+            </a:r>
+            <a:r>
+              <a:rPr lang="en-US" altLang="zh-CN" sz="1600" dirty="0" smtClean="0">
+                <a:hlinkClick r:id="rId6"/>
+              </a:rPr>
+              <a:t>github.com/qicosmos/render</a:t>
+            </a:r>
+            <a:endParaRPr lang="en-US" altLang="zh-CN" sz="1600" dirty="0" smtClean="0"/>
+          </a:p>
+          <a:p>
+            <a:r>
+              <a:rPr lang="en-US" sz="1600" dirty="0" smtClean="0">
+                <a:hlinkClick r:id="rId7"/>
+              </a:rPr>
+              <a:t>https</a:t>
+            </a:r>
+            <a:r>
+              <a:rPr lang="en-US" sz="1600" dirty="0" smtClean="0">
+                <a:hlinkClick r:id="rId7"/>
+              </a:rPr>
+              <a:t>://</a:t>
+            </a:r>
+            <a:r>
+              <a:rPr lang="en-US" sz="1600" dirty="0" smtClean="0">
+                <a:hlinkClick r:id="rId7"/>
+              </a:rPr>
+              <a:t>github.com/melpon/ginger</a:t>
+            </a:r>
+            <a:endParaRPr lang="zh-CN" altLang="en-US" sz="1600" dirty="0"/>
+          </a:p>
+        </p:txBody>
+      </p:sp>
     </p:spTree>
   </p:cSld>
   <p:clrMapOvr>
@@ -20761,14 +20943,85 @@
   <p:timing>
     <p:tnLst>
       <p:par>
-        <p:cTn id="1" dur="indefinite" restart="never" nodeType="tmRoot"/>
+        <p:cTn id="1" dur="indefinite" restart="never" nodeType="tmRoot">
+          <p:childTnLst>
+            <p:seq concurrent="1" nextAc="seek">
+              <p:cTn id="2" dur="indefinite" nodeType="mainSeq">
+                <p:childTnLst>
+                  <p:par>
+                    <p:cTn id="3" fill="hold">
+                      <p:stCondLst>
+                        <p:cond delay="indefinite"/>
+                      </p:stCondLst>
+                      <p:childTnLst>
+                        <p:par>
+                          <p:cTn id="4" fill="hold">
+                            <p:stCondLst>
+                              <p:cond delay="0"/>
+                            </p:stCondLst>
+                            <p:childTnLst>
+                              <p:par>
+                                <p:cTn id="5" presetID="1" presetClass="entr" presetSubtype="0" fill="hold" grpId="0" nodeType="clickEffect">
+                                  <p:stCondLst>
+                                    <p:cond delay="0"/>
+                                  </p:stCondLst>
+                                  <p:childTnLst>
+                                    <p:set>
+                                      <p:cBhvr>
+                                        <p:cTn id="6" dur="1" fill="hold">
+                                          <p:stCondLst>
+                                            <p:cond delay="0"/>
+                                          </p:stCondLst>
+                                        </p:cTn>
+                                        <p:tgtEl>
+                                          <p:spTgt spid="9"/>
+                                        </p:tgtEl>
+                                        <p:attrNameLst>
+                                          <p:attrName>style.visibility</p:attrName>
+                                        </p:attrNameLst>
+                                      </p:cBhvr>
+                                      <p:to>
+                                        <p:strVal val="visible"/>
+                                      </p:to>
+                                    </p:set>
+                                  </p:childTnLst>
+                                </p:cTn>
+                              </p:par>
+                            </p:childTnLst>
+                          </p:cTn>
+                        </p:par>
+                      </p:childTnLst>
+                    </p:cTn>
+                  </p:par>
+                </p:childTnLst>
+              </p:cTn>
+              <p:prevCondLst>
+                <p:cond evt="onPrev" delay="0">
+                  <p:tgtEl>
+                    <p:sldTgt/>
+                  </p:tgtEl>
+                </p:cond>
+              </p:prevCondLst>
+              <p:nextCondLst>
+                <p:cond evt="onNext" delay="0">
+                  <p:tgtEl>
+                    <p:sldTgt/>
+                  </p:tgtEl>
+                </p:cond>
+              </p:nextCondLst>
+            </p:seq>
+          </p:childTnLst>
+        </p:cTn>
       </p:par>
     </p:tnLst>
+    <p:bldLst>
+      <p:bldP spid="9" grpId="0"/>
+    </p:bldLst>
   </p:timing>
 </p:sld>
 </file>
 
-<file path=ppt/slides/slide58.xml><?xml version="1.0" encoding="utf-8"?>
+<file path=ppt/slides/slide59.xml><?xml version="1.0" encoding="utf-8"?>
 <p:sld xmlns:a="http://schemas.openxmlformats.org/drawingml/2006/main" xmlns:r="http://schemas.openxmlformats.org/officeDocument/2006/relationships" xmlns:p="http://schemas.openxmlformats.org/presentationml/2006/main">
   <p:cSld>
     <p:spTree>
@@ -20805,15 +21058,7 @@
             <a:pPr algn="l"/>
             <a:r>
               <a:rPr lang="en-US" altLang="zh-CN" sz="2800" dirty="0" smtClean="0"/>
-              <a:t>Render--</a:t>
-            </a:r>
-            <a:r>
-              <a:rPr lang="en-US" altLang="zh-CN" sz="2800" dirty="0" smtClean="0"/>
-              <a:t>Dynamic filling </a:t>
-            </a:r>
-            <a:r>
-              <a:rPr lang="en-US" altLang="zh-CN" sz="2800" dirty="0" smtClean="0"/>
-              <a:t>templates, control UI display</a:t>
+              <a:t>Render</a:t>
             </a:r>
             <a:endParaRPr lang="zh-CN" altLang="en-US" sz="2800" dirty="0"/>
           </a:p>
@@ -21302,565 +21547,6 @@
     <p:bldLst>
       <p:bldP spid="8" grpId="0" animBg="1"/>
       <p:bldP spid="9" grpId="0" animBg="1"/>
-    </p:bldLst>
-  </p:timing>
-</p:sld>
-</file>
-
-<file path=ppt/slides/slide59.xml><?xml version="1.0" encoding="utf-8"?>
-<p:sld xmlns:a="http://schemas.openxmlformats.org/drawingml/2006/main" xmlns:r="http://schemas.openxmlformats.org/officeDocument/2006/relationships" xmlns:p="http://schemas.openxmlformats.org/presentationml/2006/main">
-  <p:cSld>
-    <p:spTree>
-      <p:nvGrpSpPr>
-        <p:cNvPr id="1" name=""/>
-        <p:cNvGrpSpPr/>
-        <p:nvPr/>
-      </p:nvGrpSpPr>
-      <p:grpSpPr>
-        <a:xfrm>
-          <a:off x="0" y="0"/>
-          <a:ext cx="0" cy="0"/>
-          <a:chOff x="0" y="0"/>
-          <a:chExt cx="0" cy="0"/>
-        </a:xfrm>
-      </p:grpSpPr>
-      <p:pic>
-        <p:nvPicPr>
-          <p:cNvPr id="3074" name="Picture 2"/>
-          <p:cNvPicPr>
-            <a:picLocks noChangeAspect="1" noChangeArrowheads="1"/>
-          </p:cNvPicPr>
-          <p:nvPr/>
-        </p:nvPicPr>
-        <p:blipFill>
-          <a:blip r:embed="rId2"/>
-          <a:srcRect/>
-          <a:stretch>
-            <a:fillRect/>
-          </a:stretch>
-        </p:blipFill>
-        <p:spPr bwMode="auto">
-          <a:xfrm>
-            <a:off x="844574" y="1152522"/>
-            <a:ext cx="7156450" cy="990600"/>
-          </a:xfrm>
-          <a:prstGeom prst="rect">
-            <a:avLst/>
-          </a:prstGeom>
-          <a:noFill/>
-          <a:ln w="9525">
-            <a:noFill/>
-            <a:miter lim="800000"/>
-            <a:headEnd/>
-            <a:tailEnd/>
-          </a:ln>
-          <a:effectLst/>
-        </p:spPr>
-      </p:pic>
-      <p:pic>
-        <p:nvPicPr>
-          <p:cNvPr id="5" name="Picture 4"/>
-          <p:cNvPicPr>
-            <a:picLocks noChangeAspect="1" noChangeArrowheads="1"/>
-          </p:cNvPicPr>
-          <p:nvPr/>
-        </p:nvPicPr>
-        <p:blipFill>
-          <a:blip r:embed="rId3"/>
-          <a:srcRect/>
-          <a:stretch>
-            <a:fillRect/>
-          </a:stretch>
-        </p:blipFill>
-        <p:spPr bwMode="auto">
-          <a:xfrm>
-            <a:off x="928662" y="3286130"/>
-            <a:ext cx="7200899" cy="1250253"/>
-          </a:xfrm>
-          <a:prstGeom prst="rect">
-            <a:avLst/>
-          </a:prstGeom>
-          <a:noFill/>
-          <a:ln w="9525">
-            <a:noFill/>
-            <a:miter lim="800000"/>
-            <a:headEnd/>
-            <a:tailEnd/>
-          </a:ln>
-          <a:effectLst/>
-        </p:spPr>
-      </p:pic>
-      <p:sp>
-        <p:nvSpPr>
-          <p:cNvPr id="6" name="圆角矩形 5"/>
-          <p:cNvSpPr/>
-          <p:nvPr/>
-        </p:nvSpPr>
-        <p:spPr>
-          <a:xfrm>
-            <a:off x="6357950" y="3714758"/>
-            <a:ext cx="1643074" cy="428628"/>
-          </a:xfrm>
-          <a:prstGeom prst="roundRect">
-            <a:avLst/>
-          </a:prstGeom>
-          <a:noFill/>
-          <a:ln>
-            <a:solidFill>
-              <a:srgbClr val="00B050"/>
-            </a:solidFill>
-          </a:ln>
-        </p:spPr>
-        <p:style>
-          <a:lnRef idx="2">
-            <a:schemeClr val="accent1">
-              <a:shade val="50000"/>
-            </a:schemeClr>
-          </a:lnRef>
-          <a:fillRef idx="1">
-            <a:schemeClr val="accent1"/>
-          </a:fillRef>
-          <a:effectRef idx="0">
-            <a:schemeClr val="accent1"/>
-          </a:effectRef>
-          <a:fontRef idx="minor">
-            <a:schemeClr val="lt1"/>
-          </a:fontRef>
-        </p:style>
-        <p:txBody>
-          <a:bodyPr rtlCol="0" anchor="ctr"/>
-          <a:lstStyle/>
-          <a:p>
-            <a:pPr algn="ctr"/>
-            <a:endParaRPr lang="zh-CN" altLang="en-US"/>
-          </a:p>
-        </p:txBody>
-      </p:sp>
-      <p:sp>
-        <p:nvSpPr>
-          <p:cNvPr id="7" name="圆角矩形 6"/>
-          <p:cNvSpPr/>
-          <p:nvPr/>
-        </p:nvSpPr>
-        <p:spPr>
-          <a:xfrm>
-            <a:off x="6559614" y="1643056"/>
-            <a:ext cx="1071570" cy="428628"/>
-          </a:xfrm>
-          <a:prstGeom prst="roundRect">
-            <a:avLst/>
-          </a:prstGeom>
-          <a:noFill/>
-          <a:ln>
-            <a:solidFill>
-              <a:srgbClr val="00B050"/>
-            </a:solidFill>
-          </a:ln>
-        </p:spPr>
-        <p:style>
-          <a:lnRef idx="2">
-            <a:schemeClr val="accent1">
-              <a:shade val="50000"/>
-            </a:schemeClr>
-          </a:lnRef>
-          <a:fillRef idx="1">
-            <a:schemeClr val="accent1"/>
-          </a:fillRef>
-          <a:effectRef idx="0">
-            <a:schemeClr val="accent1"/>
-          </a:effectRef>
-          <a:fontRef idx="minor">
-            <a:schemeClr val="lt1"/>
-          </a:fontRef>
-        </p:style>
-        <p:txBody>
-          <a:bodyPr rtlCol="0" anchor="ctr"/>
-          <a:lstStyle/>
-          <a:p>
-            <a:pPr algn="ctr"/>
-            <a:endParaRPr lang="zh-CN" altLang="en-US"/>
-          </a:p>
-        </p:txBody>
-      </p:sp>
-      <p:pic>
-        <p:nvPicPr>
-          <p:cNvPr id="3075" name="Picture 3"/>
-          <p:cNvPicPr>
-            <a:picLocks noChangeAspect="1" noChangeArrowheads="1"/>
-          </p:cNvPicPr>
-          <p:nvPr/>
-        </p:nvPicPr>
-        <p:blipFill>
-          <a:blip r:embed="rId4"/>
-          <a:srcRect/>
-          <a:stretch>
-            <a:fillRect/>
-          </a:stretch>
-        </p:blipFill>
-        <p:spPr bwMode="auto">
-          <a:xfrm>
-            <a:off x="785786" y="357172"/>
-            <a:ext cx="5626078" cy="857256"/>
-          </a:xfrm>
-          <a:prstGeom prst="rect">
-            <a:avLst/>
-          </a:prstGeom>
-          <a:noFill/>
-          <a:ln w="9525">
-            <a:noFill/>
-            <a:miter lim="800000"/>
-            <a:headEnd/>
-            <a:tailEnd/>
-          </a:ln>
-          <a:effectLst/>
-        </p:spPr>
-      </p:pic>
-      <p:pic>
-        <p:nvPicPr>
-          <p:cNvPr id="3076" name="Picture 4"/>
-          <p:cNvPicPr>
-            <a:picLocks noChangeAspect="1" noChangeArrowheads="1"/>
-          </p:cNvPicPr>
-          <p:nvPr/>
-        </p:nvPicPr>
-        <p:blipFill>
-          <a:blip r:embed="rId5"/>
-          <a:srcRect/>
-          <a:stretch>
-            <a:fillRect/>
-          </a:stretch>
-        </p:blipFill>
-        <p:spPr bwMode="auto">
-          <a:xfrm>
-            <a:off x="846155" y="2285998"/>
-            <a:ext cx="6226175" cy="1241425"/>
-          </a:xfrm>
-          <a:prstGeom prst="rect">
-            <a:avLst/>
-          </a:prstGeom>
-          <a:noFill/>
-          <a:ln w="9525">
-            <a:noFill/>
-            <a:miter lim="800000"/>
-            <a:headEnd/>
-            <a:tailEnd/>
-          </a:ln>
-          <a:effectLst/>
-        </p:spPr>
-      </p:pic>
-      <p:sp>
-        <p:nvSpPr>
-          <p:cNvPr id="11" name="下箭头 10"/>
-          <p:cNvSpPr/>
-          <p:nvPr/>
-        </p:nvSpPr>
-        <p:spPr>
-          <a:xfrm rot="17530782">
-            <a:off x="5431197" y="243524"/>
-            <a:ext cx="214314" cy="2061097"/>
-          </a:xfrm>
-          <a:prstGeom prst="downArrow">
-            <a:avLst/>
-          </a:prstGeom>
-        </p:spPr>
-        <p:style>
-          <a:lnRef idx="2">
-            <a:schemeClr val="accent1">
-              <a:shade val="50000"/>
-            </a:schemeClr>
-          </a:lnRef>
-          <a:fillRef idx="1">
-            <a:schemeClr val="accent1"/>
-          </a:fillRef>
-          <a:effectRef idx="0">
-            <a:schemeClr val="accent1"/>
-          </a:effectRef>
-          <a:fontRef idx="minor">
-            <a:schemeClr val="lt1"/>
-          </a:fontRef>
-        </p:style>
-        <p:txBody>
-          <a:bodyPr rtlCol="0" anchor="ctr"/>
-          <a:lstStyle/>
-          <a:p>
-            <a:pPr algn="ctr"/>
-            <a:endParaRPr lang="zh-CN" altLang="en-US"/>
-          </a:p>
-        </p:txBody>
-      </p:sp>
-      <p:sp>
-        <p:nvSpPr>
-          <p:cNvPr id="13" name="下箭头 12"/>
-          <p:cNvSpPr/>
-          <p:nvPr/>
-        </p:nvSpPr>
-        <p:spPr>
-          <a:xfrm rot="18326048">
-            <a:off x="6280879" y="2364831"/>
-            <a:ext cx="214314" cy="1644747"/>
-          </a:xfrm>
-          <a:prstGeom prst="downArrow">
-            <a:avLst/>
-          </a:prstGeom>
-        </p:spPr>
-        <p:style>
-          <a:lnRef idx="2">
-            <a:schemeClr val="accent1">
-              <a:shade val="50000"/>
-            </a:schemeClr>
-          </a:lnRef>
-          <a:fillRef idx="1">
-            <a:schemeClr val="accent1"/>
-          </a:fillRef>
-          <a:effectRef idx="0">
-            <a:schemeClr val="accent1"/>
-          </a:effectRef>
-          <a:fontRef idx="minor">
-            <a:schemeClr val="lt1"/>
-          </a:fontRef>
-        </p:style>
-        <p:txBody>
-          <a:bodyPr rtlCol="0" anchor="ctr"/>
-          <a:lstStyle/>
-          <a:p>
-            <a:pPr algn="ctr"/>
-            <a:endParaRPr lang="zh-CN" altLang="en-US"/>
-          </a:p>
-        </p:txBody>
-      </p:sp>
-    </p:spTree>
-  </p:cSld>
-  <p:clrMapOvr>
-    <a:masterClrMapping/>
-  </p:clrMapOvr>
-  <p:timing>
-    <p:tnLst>
-      <p:par>
-        <p:cTn id="1" dur="indefinite" restart="never" nodeType="tmRoot">
-          <p:childTnLst>
-            <p:seq concurrent="1" nextAc="seek">
-              <p:cTn id="2" dur="indefinite" nodeType="mainSeq">
-                <p:childTnLst>
-                  <p:par>
-                    <p:cTn id="3" fill="hold">
-                      <p:stCondLst>
-                        <p:cond delay="indefinite"/>
-                      </p:stCondLst>
-                      <p:childTnLst>
-                        <p:par>
-                          <p:cTn id="4" fill="hold">
-                            <p:stCondLst>
-                              <p:cond delay="0"/>
-                            </p:stCondLst>
-                            <p:childTnLst>
-                              <p:par>
-                                <p:cTn id="5" presetID="22" presetClass="entr" presetSubtype="1" fill="hold" grpId="0" nodeType="clickEffect">
-                                  <p:stCondLst>
-                                    <p:cond delay="0"/>
-                                  </p:stCondLst>
-                                  <p:childTnLst>
-                                    <p:set>
-                                      <p:cBhvr>
-                                        <p:cTn id="6" dur="1" fill="hold">
-                                          <p:stCondLst>
-                                            <p:cond delay="0"/>
-                                          </p:stCondLst>
-                                        </p:cTn>
-                                        <p:tgtEl>
-                                          <p:spTgt spid="11"/>
-                                        </p:tgtEl>
-                                        <p:attrNameLst>
-                                          <p:attrName>style.visibility</p:attrName>
-                                        </p:attrNameLst>
-                                      </p:cBhvr>
-                                      <p:to>
-                                        <p:strVal val="visible"/>
-                                      </p:to>
-                                    </p:set>
-                                    <p:animEffect transition="in" filter="wipe(up)">
-                                      <p:cBhvr>
-                                        <p:cTn id="7" dur="500"/>
-                                        <p:tgtEl>
-                                          <p:spTgt spid="11"/>
-                                        </p:tgtEl>
-                                      </p:cBhvr>
-                                    </p:animEffect>
-                                  </p:childTnLst>
-                                </p:cTn>
-                              </p:par>
-                            </p:childTnLst>
-                          </p:cTn>
-                        </p:par>
-                        <p:par>
-                          <p:cTn id="8" fill="hold">
-                            <p:stCondLst>
-                              <p:cond delay="500"/>
-                            </p:stCondLst>
-                            <p:childTnLst>
-                              <p:par>
-                                <p:cTn id="9" presetID="22" presetClass="entr" presetSubtype="8" fill="hold" grpId="0" nodeType="afterEffect">
-                                  <p:stCondLst>
-                                    <p:cond delay="0"/>
-                                  </p:stCondLst>
-                                  <p:childTnLst>
-                                    <p:set>
-                                      <p:cBhvr>
-                                        <p:cTn id="10" dur="1" fill="hold">
-                                          <p:stCondLst>
-                                            <p:cond delay="0"/>
-                                          </p:stCondLst>
-                                        </p:cTn>
-                                        <p:tgtEl>
-                                          <p:spTgt spid="7"/>
-                                        </p:tgtEl>
-                                        <p:attrNameLst>
-                                          <p:attrName>style.visibility</p:attrName>
-                                        </p:attrNameLst>
-                                      </p:cBhvr>
-                                      <p:to>
-                                        <p:strVal val="visible"/>
-                                      </p:to>
-                                    </p:set>
-                                    <p:animEffect transition="in" filter="wipe(left)">
-                                      <p:cBhvr>
-                                        <p:cTn id="11" dur="500"/>
-                                        <p:tgtEl>
-                                          <p:spTgt spid="7"/>
-                                        </p:tgtEl>
-                                      </p:cBhvr>
-                                    </p:animEffect>
-                                  </p:childTnLst>
-                                </p:cTn>
-                              </p:par>
-                            </p:childTnLst>
-                          </p:cTn>
-                        </p:par>
-                      </p:childTnLst>
-                    </p:cTn>
-                  </p:par>
-                  <p:par>
-                    <p:cTn id="12" fill="hold">
-                      <p:stCondLst>
-                        <p:cond delay="indefinite"/>
-                      </p:stCondLst>
-                      <p:childTnLst>
-                        <p:par>
-                          <p:cTn id="13" fill="hold">
-                            <p:stCondLst>
-                              <p:cond delay="0"/>
-                            </p:stCondLst>
-                            <p:childTnLst>
-                              <p:par>
-                                <p:cTn id="14" presetID="22" presetClass="entr" presetSubtype="8" fill="hold" grpId="0" nodeType="clickEffect">
-                                  <p:stCondLst>
-                                    <p:cond delay="0"/>
-                                  </p:stCondLst>
-                                  <p:childTnLst>
-                                    <p:set>
-                                      <p:cBhvr>
-                                        <p:cTn id="15" dur="1" fill="hold">
-                                          <p:stCondLst>
-                                            <p:cond delay="0"/>
-                                          </p:stCondLst>
-                                        </p:cTn>
-                                        <p:tgtEl>
-                                          <p:spTgt spid="13"/>
-                                        </p:tgtEl>
-                                        <p:attrNameLst>
-                                          <p:attrName>style.visibility</p:attrName>
-                                        </p:attrNameLst>
-                                      </p:cBhvr>
-                                      <p:to>
-                                        <p:strVal val="visible"/>
-                                      </p:to>
-                                    </p:set>
-                                    <p:animEffect transition="in" filter="wipe(left)">
-                                      <p:cBhvr>
-                                        <p:cTn id="16" dur="500"/>
-                                        <p:tgtEl>
-                                          <p:spTgt spid="13"/>
-                                        </p:tgtEl>
-                                      </p:cBhvr>
-                                    </p:animEffect>
-                                  </p:childTnLst>
-                                </p:cTn>
-                              </p:par>
-                            </p:childTnLst>
-                          </p:cTn>
-                        </p:par>
-                        <p:par>
-                          <p:cTn id="17" fill="hold">
-                            <p:stCondLst>
-                              <p:cond delay="500"/>
-                            </p:stCondLst>
-                            <p:childTnLst>
-                              <p:par>
-                                <p:cTn id="18" presetID="22" presetClass="entr" presetSubtype="8" fill="hold" grpId="0" nodeType="afterEffect">
-                                  <p:stCondLst>
-                                    <p:cond delay="0"/>
-                                  </p:stCondLst>
-                                  <p:childTnLst>
-                                    <p:set>
-                                      <p:cBhvr>
-                                        <p:cTn id="19" dur="1" fill="hold">
-                                          <p:stCondLst>
-                                            <p:cond delay="0"/>
-                                          </p:stCondLst>
-                                        </p:cTn>
-                                        <p:tgtEl>
-                                          <p:spTgt spid="6"/>
-                                        </p:tgtEl>
-                                        <p:attrNameLst>
-                                          <p:attrName>style.visibility</p:attrName>
-                                        </p:attrNameLst>
-                                      </p:cBhvr>
-                                      <p:to>
-                                        <p:strVal val="visible"/>
-                                      </p:to>
-                                    </p:set>
-                                    <p:animEffect transition="in" filter="wipe(left)">
-                                      <p:cBhvr>
-                                        <p:cTn id="20" dur="500"/>
-                                        <p:tgtEl>
-                                          <p:spTgt spid="6"/>
-                                        </p:tgtEl>
-                                      </p:cBhvr>
-                                    </p:animEffect>
-                                  </p:childTnLst>
-                                </p:cTn>
-                              </p:par>
-                            </p:childTnLst>
-                          </p:cTn>
-                        </p:par>
-                      </p:childTnLst>
-                    </p:cTn>
-                  </p:par>
-                </p:childTnLst>
-              </p:cTn>
-              <p:prevCondLst>
-                <p:cond evt="onPrev" delay="0">
-                  <p:tgtEl>
-                    <p:sldTgt/>
-                  </p:tgtEl>
-                </p:cond>
-              </p:prevCondLst>
-              <p:nextCondLst>
-                <p:cond evt="onNext" delay="0">
-                  <p:tgtEl>
-                    <p:sldTgt/>
-                  </p:tgtEl>
-                </p:cond>
-              </p:nextCondLst>
-            </p:seq>
-          </p:childTnLst>
-        </p:cTn>
-      </p:par>
-    </p:tnLst>
-    <p:bldLst>
-      <p:bldP spid="6" grpId="0" animBg="1"/>
-      <p:bldP spid="7" grpId="0" animBg="1"/>
-      <p:bldP spid="11" grpId="0" animBg="1"/>
-      <p:bldP spid="13" grpId="0" animBg="1"/>
     </p:bldLst>
   </p:timing>
 </p:sld>
@@ -22660,6 +22346,1399 @@
           <a:chExt cx="0" cy="0"/>
         </a:xfrm>
       </p:grpSpPr>
+      <p:pic>
+        <p:nvPicPr>
+          <p:cNvPr id="3074" name="Picture 2"/>
+          <p:cNvPicPr>
+            <a:picLocks noChangeAspect="1" noChangeArrowheads="1"/>
+          </p:cNvPicPr>
+          <p:nvPr/>
+        </p:nvPicPr>
+        <p:blipFill>
+          <a:blip r:embed="rId2"/>
+          <a:srcRect/>
+          <a:stretch>
+            <a:fillRect/>
+          </a:stretch>
+        </p:blipFill>
+        <p:spPr bwMode="auto">
+          <a:xfrm>
+            <a:off x="844574" y="1152522"/>
+            <a:ext cx="7156450" cy="990600"/>
+          </a:xfrm>
+          <a:prstGeom prst="rect">
+            <a:avLst/>
+          </a:prstGeom>
+          <a:noFill/>
+          <a:ln w="9525">
+            <a:noFill/>
+            <a:miter lim="800000"/>
+            <a:headEnd/>
+            <a:tailEnd/>
+          </a:ln>
+          <a:effectLst/>
+        </p:spPr>
+      </p:pic>
+      <p:pic>
+        <p:nvPicPr>
+          <p:cNvPr id="5" name="Picture 4"/>
+          <p:cNvPicPr>
+            <a:picLocks noChangeAspect="1" noChangeArrowheads="1"/>
+          </p:cNvPicPr>
+          <p:nvPr/>
+        </p:nvPicPr>
+        <p:blipFill>
+          <a:blip r:embed="rId3"/>
+          <a:srcRect/>
+          <a:stretch>
+            <a:fillRect/>
+          </a:stretch>
+        </p:blipFill>
+        <p:spPr bwMode="auto">
+          <a:xfrm>
+            <a:off x="928662" y="3286130"/>
+            <a:ext cx="7200899" cy="1250253"/>
+          </a:xfrm>
+          <a:prstGeom prst="rect">
+            <a:avLst/>
+          </a:prstGeom>
+          <a:noFill/>
+          <a:ln w="9525">
+            <a:noFill/>
+            <a:miter lim="800000"/>
+            <a:headEnd/>
+            <a:tailEnd/>
+          </a:ln>
+          <a:effectLst/>
+        </p:spPr>
+      </p:pic>
+      <p:sp>
+        <p:nvSpPr>
+          <p:cNvPr id="6" name="圆角矩形 5"/>
+          <p:cNvSpPr/>
+          <p:nvPr/>
+        </p:nvSpPr>
+        <p:spPr>
+          <a:xfrm>
+            <a:off x="6357950" y="3714758"/>
+            <a:ext cx="1643074" cy="428628"/>
+          </a:xfrm>
+          <a:prstGeom prst="roundRect">
+            <a:avLst/>
+          </a:prstGeom>
+          <a:noFill/>
+          <a:ln>
+            <a:solidFill>
+              <a:srgbClr val="00B050"/>
+            </a:solidFill>
+          </a:ln>
+        </p:spPr>
+        <p:style>
+          <a:lnRef idx="2">
+            <a:schemeClr val="accent1">
+              <a:shade val="50000"/>
+            </a:schemeClr>
+          </a:lnRef>
+          <a:fillRef idx="1">
+            <a:schemeClr val="accent1"/>
+          </a:fillRef>
+          <a:effectRef idx="0">
+            <a:schemeClr val="accent1"/>
+          </a:effectRef>
+          <a:fontRef idx="minor">
+            <a:schemeClr val="lt1"/>
+          </a:fontRef>
+        </p:style>
+        <p:txBody>
+          <a:bodyPr rtlCol="0" anchor="ctr"/>
+          <a:lstStyle/>
+          <a:p>
+            <a:pPr algn="ctr"/>
+            <a:endParaRPr lang="zh-CN" altLang="en-US"/>
+          </a:p>
+        </p:txBody>
+      </p:sp>
+      <p:sp>
+        <p:nvSpPr>
+          <p:cNvPr id="7" name="圆角矩形 6"/>
+          <p:cNvSpPr/>
+          <p:nvPr/>
+        </p:nvSpPr>
+        <p:spPr>
+          <a:xfrm>
+            <a:off x="6559614" y="1643056"/>
+            <a:ext cx="1071570" cy="428628"/>
+          </a:xfrm>
+          <a:prstGeom prst="roundRect">
+            <a:avLst/>
+          </a:prstGeom>
+          <a:noFill/>
+          <a:ln>
+            <a:solidFill>
+              <a:srgbClr val="00B050"/>
+            </a:solidFill>
+          </a:ln>
+        </p:spPr>
+        <p:style>
+          <a:lnRef idx="2">
+            <a:schemeClr val="accent1">
+              <a:shade val="50000"/>
+            </a:schemeClr>
+          </a:lnRef>
+          <a:fillRef idx="1">
+            <a:schemeClr val="accent1"/>
+          </a:fillRef>
+          <a:effectRef idx="0">
+            <a:schemeClr val="accent1"/>
+          </a:effectRef>
+          <a:fontRef idx="minor">
+            <a:schemeClr val="lt1"/>
+          </a:fontRef>
+        </p:style>
+        <p:txBody>
+          <a:bodyPr rtlCol="0" anchor="ctr"/>
+          <a:lstStyle/>
+          <a:p>
+            <a:pPr algn="ctr"/>
+            <a:endParaRPr lang="zh-CN" altLang="en-US"/>
+          </a:p>
+        </p:txBody>
+      </p:sp>
+      <p:pic>
+        <p:nvPicPr>
+          <p:cNvPr id="3075" name="Picture 3"/>
+          <p:cNvPicPr>
+            <a:picLocks noChangeAspect="1" noChangeArrowheads="1"/>
+          </p:cNvPicPr>
+          <p:nvPr/>
+        </p:nvPicPr>
+        <p:blipFill>
+          <a:blip r:embed="rId4"/>
+          <a:srcRect/>
+          <a:stretch>
+            <a:fillRect/>
+          </a:stretch>
+        </p:blipFill>
+        <p:spPr bwMode="auto">
+          <a:xfrm>
+            <a:off x="785786" y="357172"/>
+            <a:ext cx="5626078" cy="857256"/>
+          </a:xfrm>
+          <a:prstGeom prst="rect">
+            <a:avLst/>
+          </a:prstGeom>
+          <a:noFill/>
+          <a:ln w="9525">
+            <a:noFill/>
+            <a:miter lim="800000"/>
+            <a:headEnd/>
+            <a:tailEnd/>
+          </a:ln>
+          <a:effectLst/>
+        </p:spPr>
+      </p:pic>
+      <p:pic>
+        <p:nvPicPr>
+          <p:cNvPr id="3076" name="Picture 4"/>
+          <p:cNvPicPr>
+            <a:picLocks noChangeAspect="1" noChangeArrowheads="1"/>
+          </p:cNvPicPr>
+          <p:nvPr/>
+        </p:nvPicPr>
+        <p:blipFill>
+          <a:blip r:embed="rId5"/>
+          <a:srcRect/>
+          <a:stretch>
+            <a:fillRect/>
+          </a:stretch>
+        </p:blipFill>
+        <p:spPr bwMode="auto">
+          <a:xfrm>
+            <a:off x="846155" y="2285998"/>
+            <a:ext cx="6226175" cy="1241425"/>
+          </a:xfrm>
+          <a:prstGeom prst="rect">
+            <a:avLst/>
+          </a:prstGeom>
+          <a:noFill/>
+          <a:ln w="9525">
+            <a:noFill/>
+            <a:miter lim="800000"/>
+            <a:headEnd/>
+            <a:tailEnd/>
+          </a:ln>
+          <a:effectLst/>
+        </p:spPr>
+      </p:pic>
+      <p:sp>
+        <p:nvSpPr>
+          <p:cNvPr id="11" name="下箭头 10"/>
+          <p:cNvSpPr/>
+          <p:nvPr/>
+        </p:nvSpPr>
+        <p:spPr>
+          <a:xfrm rot="17530782">
+            <a:off x="5431197" y="243524"/>
+            <a:ext cx="214314" cy="2061097"/>
+          </a:xfrm>
+          <a:prstGeom prst="downArrow">
+            <a:avLst/>
+          </a:prstGeom>
+        </p:spPr>
+        <p:style>
+          <a:lnRef idx="2">
+            <a:schemeClr val="accent1">
+              <a:shade val="50000"/>
+            </a:schemeClr>
+          </a:lnRef>
+          <a:fillRef idx="1">
+            <a:schemeClr val="accent1"/>
+          </a:fillRef>
+          <a:effectRef idx="0">
+            <a:schemeClr val="accent1"/>
+          </a:effectRef>
+          <a:fontRef idx="minor">
+            <a:schemeClr val="lt1"/>
+          </a:fontRef>
+        </p:style>
+        <p:txBody>
+          <a:bodyPr rtlCol="0" anchor="ctr"/>
+          <a:lstStyle/>
+          <a:p>
+            <a:pPr algn="ctr"/>
+            <a:endParaRPr lang="zh-CN" altLang="en-US"/>
+          </a:p>
+        </p:txBody>
+      </p:sp>
+      <p:sp>
+        <p:nvSpPr>
+          <p:cNvPr id="13" name="下箭头 12"/>
+          <p:cNvSpPr/>
+          <p:nvPr/>
+        </p:nvSpPr>
+        <p:spPr>
+          <a:xfrm rot="18326048">
+            <a:off x="6280879" y="2364831"/>
+            <a:ext cx="214314" cy="1644747"/>
+          </a:xfrm>
+          <a:prstGeom prst="downArrow">
+            <a:avLst/>
+          </a:prstGeom>
+        </p:spPr>
+        <p:style>
+          <a:lnRef idx="2">
+            <a:schemeClr val="accent1">
+              <a:shade val="50000"/>
+            </a:schemeClr>
+          </a:lnRef>
+          <a:fillRef idx="1">
+            <a:schemeClr val="accent1"/>
+          </a:fillRef>
+          <a:effectRef idx="0">
+            <a:schemeClr val="accent1"/>
+          </a:effectRef>
+          <a:fontRef idx="minor">
+            <a:schemeClr val="lt1"/>
+          </a:fontRef>
+        </p:style>
+        <p:txBody>
+          <a:bodyPr rtlCol="0" anchor="ctr"/>
+          <a:lstStyle/>
+          <a:p>
+            <a:pPr algn="ctr"/>
+            <a:endParaRPr lang="zh-CN" altLang="en-US"/>
+          </a:p>
+        </p:txBody>
+      </p:sp>
+    </p:spTree>
+  </p:cSld>
+  <p:clrMapOvr>
+    <a:masterClrMapping/>
+  </p:clrMapOvr>
+  <p:timing>
+    <p:tnLst>
+      <p:par>
+        <p:cTn id="1" dur="indefinite" restart="never" nodeType="tmRoot">
+          <p:childTnLst>
+            <p:seq concurrent="1" nextAc="seek">
+              <p:cTn id="2" dur="indefinite" nodeType="mainSeq">
+                <p:childTnLst>
+                  <p:par>
+                    <p:cTn id="3" fill="hold">
+                      <p:stCondLst>
+                        <p:cond delay="indefinite"/>
+                      </p:stCondLst>
+                      <p:childTnLst>
+                        <p:par>
+                          <p:cTn id="4" fill="hold">
+                            <p:stCondLst>
+                              <p:cond delay="0"/>
+                            </p:stCondLst>
+                            <p:childTnLst>
+                              <p:par>
+                                <p:cTn id="5" presetID="22" presetClass="entr" presetSubtype="1" fill="hold" grpId="0" nodeType="clickEffect">
+                                  <p:stCondLst>
+                                    <p:cond delay="0"/>
+                                  </p:stCondLst>
+                                  <p:childTnLst>
+                                    <p:set>
+                                      <p:cBhvr>
+                                        <p:cTn id="6" dur="1" fill="hold">
+                                          <p:stCondLst>
+                                            <p:cond delay="0"/>
+                                          </p:stCondLst>
+                                        </p:cTn>
+                                        <p:tgtEl>
+                                          <p:spTgt spid="11"/>
+                                        </p:tgtEl>
+                                        <p:attrNameLst>
+                                          <p:attrName>style.visibility</p:attrName>
+                                        </p:attrNameLst>
+                                      </p:cBhvr>
+                                      <p:to>
+                                        <p:strVal val="visible"/>
+                                      </p:to>
+                                    </p:set>
+                                    <p:animEffect transition="in" filter="wipe(up)">
+                                      <p:cBhvr>
+                                        <p:cTn id="7" dur="500"/>
+                                        <p:tgtEl>
+                                          <p:spTgt spid="11"/>
+                                        </p:tgtEl>
+                                      </p:cBhvr>
+                                    </p:animEffect>
+                                  </p:childTnLst>
+                                </p:cTn>
+                              </p:par>
+                            </p:childTnLst>
+                          </p:cTn>
+                        </p:par>
+                        <p:par>
+                          <p:cTn id="8" fill="hold">
+                            <p:stCondLst>
+                              <p:cond delay="500"/>
+                            </p:stCondLst>
+                            <p:childTnLst>
+                              <p:par>
+                                <p:cTn id="9" presetID="22" presetClass="entr" presetSubtype="8" fill="hold" grpId="0" nodeType="afterEffect">
+                                  <p:stCondLst>
+                                    <p:cond delay="0"/>
+                                  </p:stCondLst>
+                                  <p:childTnLst>
+                                    <p:set>
+                                      <p:cBhvr>
+                                        <p:cTn id="10" dur="1" fill="hold">
+                                          <p:stCondLst>
+                                            <p:cond delay="0"/>
+                                          </p:stCondLst>
+                                        </p:cTn>
+                                        <p:tgtEl>
+                                          <p:spTgt spid="7"/>
+                                        </p:tgtEl>
+                                        <p:attrNameLst>
+                                          <p:attrName>style.visibility</p:attrName>
+                                        </p:attrNameLst>
+                                      </p:cBhvr>
+                                      <p:to>
+                                        <p:strVal val="visible"/>
+                                      </p:to>
+                                    </p:set>
+                                    <p:animEffect transition="in" filter="wipe(left)">
+                                      <p:cBhvr>
+                                        <p:cTn id="11" dur="500"/>
+                                        <p:tgtEl>
+                                          <p:spTgt spid="7"/>
+                                        </p:tgtEl>
+                                      </p:cBhvr>
+                                    </p:animEffect>
+                                  </p:childTnLst>
+                                </p:cTn>
+                              </p:par>
+                            </p:childTnLst>
+                          </p:cTn>
+                        </p:par>
+                      </p:childTnLst>
+                    </p:cTn>
+                  </p:par>
+                  <p:par>
+                    <p:cTn id="12" fill="hold">
+                      <p:stCondLst>
+                        <p:cond delay="indefinite"/>
+                      </p:stCondLst>
+                      <p:childTnLst>
+                        <p:par>
+                          <p:cTn id="13" fill="hold">
+                            <p:stCondLst>
+                              <p:cond delay="0"/>
+                            </p:stCondLst>
+                            <p:childTnLst>
+                              <p:par>
+                                <p:cTn id="14" presetID="22" presetClass="entr" presetSubtype="8" fill="hold" grpId="0" nodeType="clickEffect">
+                                  <p:stCondLst>
+                                    <p:cond delay="0"/>
+                                  </p:stCondLst>
+                                  <p:childTnLst>
+                                    <p:set>
+                                      <p:cBhvr>
+                                        <p:cTn id="15" dur="1" fill="hold">
+                                          <p:stCondLst>
+                                            <p:cond delay="0"/>
+                                          </p:stCondLst>
+                                        </p:cTn>
+                                        <p:tgtEl>
+                                          <p:spTgt spid="13"/>
+                                        </p:tgtEl>
+                                        <p:attrNameLst>
+                                          <p:attrName>style.visibility</p:attrName>
+                                        </p:attrNameLst>
+                                      </p:cBhvr>
+                                      <p:to>
+                                        <p:strVal val="visible"/>
+                                      </p:to>
+                                    </p:set>
+                                    <p:animEffect transition="in" filter="wipe(left)">
+                                      <p:cBhvr>
+                                        <p:cTn id="16" dur="500"/>
+                                        <p:tgtEl>
+                                          <p:spTgt spid="13"/>
+                                        </p:tgtEl>
+                                      </p:cBhvr>
+                                    </p:animEffect>
+                                  </p:childTnLst>
+                                </p:cTn>
+                              </p:par>
+                            </p:childTnLst>
+                          </p:cTn>
+                        </p:par>
+                        <p:par>
+                          <p:cTn id="17" fill="hold">
+                            <p:stCondLst>
+                              <p:cond delay="500"/>
+                            </p:stCondLst>
+                            <p:childTnLst>
+                              <p:par>
+                                <p:cTn id="18" presetID="22" presetClass="entr" presetSubtype="8" fill="hold" grpId="0" nodeType="afterEffect">
+                                  <p:stCondLst>
+                                    <p:cond delay="0"/>
+                                  </p:stCondLst>
+                                  <p:childTnLst>
+                                    <p:set>
+                                      <p:cBhvr>
+                                        <p:cTn id="19" dur="1" fill="hold">
+                                          <p:stCondLst>
+                                            <p:cond delay="0"/>
+                                          </p:stCondLst>
+                                        </p:cTn>
+                                        <p:tgtEl>
+                                          <p:spTgt spid="6"/>
+                                        </p:tgtEl>
+                                        <p:attrNameLst>
+                                          <p:attrName>style.visibility</p:attrName>
+                                        </p:attrNameLst>
+                                      </p:cBhvr>
+                                      <p:to>
+                                        <p:strVal val="visible"/>
+                                      </p:to>
+                                    </p:set>
+                                    <p:animEffect transition="in" filter="wipe(left)">
+                                      <p:cBhvr>
+                                        <p:cTn id="20" dur="500"/>
+                                        <p:tgtEl>
+                                          <p:spTgt spid="6"/>
+                                        </p:tgtEl>
+                                      </p:cBhvr>
+                                    </p:animEffect>
+                                  </p:childTnLst>
+                                </p:cTn>
+                              </p:par>
+                            </p:childTnLst>
+                          </p:cTn>
+                        </p:par>
+                      </p:childTnLst>
+                    </p:cTn>
+                  </p:par>
+                </p:childTnLst>
+              </p:cTn>
+              <p:prevCondLst>
+                <p:cond evt="onPrev" delay="0">
+                  <p:tgtEl>
+                    <p:sldTgt/>
+                  </p:tgtEl>
+                </p:cond>
+              </p:prevCondLst>
+              <p:nextCondLst>
+                <p:cond evt="onNext" delay="0">
+                  <p:tgtEl>
+                    <p:sldTgt/>
+                  </p:tgtEl>
+                </p:cond>
+              </p:nextCondLst>
+            </p:seq>
+          </p:childTnLst>
+        </p:cTn>
+      </p:par>
+    </p:tnLst>
+    <p:bldLst>
+      <p:bldP spid="6" grpId="0" animBg="1"/>
+      <p:bldP spid="7" grpId="0" animBg="1"/>
+      <p:bldP spid="11" grpId="0" animBg="1"/>
+      <p:bldP spid="13" grpId="0" animBg="1"/>
+    </p:bldLst>
+  </p:timing>
+</p:sld>
+</file>
+
+<file path=ppt/slides/slide61.xml><?xml version="1.0" encoding="utf-8"?>
+<p:sld xmlns:a="http://schemas.openxmlformats.org/drawingml/2006/main" xmlns:r="http://schemas.openxmlformats.org/officeDocument/2006/relationships" xmlns:p="http://schemas.openxmlformats.org/presentationml/2006/main">
+  <p:cSld>
+    <p:spTree>
+      <p:nvGrpSpPr>
+        <p:cNvPr id="1" name=""/>
+        <p:cNvGrpSpPr/>
+        <p:nvPr/>
+      </p:nvGrpSpPr>
+      <p:grpSpPr>
+        <a:xfrm>
+          <a:off x="0" y="0"/>
+          <a:ext cx="0" cy="0"/>
+          <a:chOff x="0" y="0"/>
+          <a:chExt cx="0" cy="0"/>
+        </a:xfrm>
+      </p:grpSpPr>
+      <p:sp>
+        <p:nvSpPr>
+          <p:cNvPr id="2" name="标题 1"/>
+          <p:cNvSpPr>
+            <a:spLocks noGrp="1"/>
+          </p:cNvSpPr>
+          <p:nvPr>
+            <p:ph type="title"/>
+          </p:nvPr>
+        </p:nvSpPr>
+        <p:spPr/>
+        <p:txBody>
+          <a:bodyPr/>
+          <a:lstStyle/>
+          <a:p>
+            <a:pPr algn="l"/>
+            <a:r>
+              <a:rPr lang="en-US" altLang="zh-CN" dirty="0" smtClean="0"/>
+              <a:t>render</a:t>
+            </a:r>
+            <a:endParaRPr lang="zh-CN" altLang="en-US" dirty="0"/>
+          </a:p>
+        </p:txBody>
+      </p:sp>
+      <p:sp>
+        <p:nvSpPr>
+          <p:cNvPr id="3" name="内容占位符 2"/>
+          <p:cNvSpPr>
+            <a:spLocks noGrp="1"/>
+          </p:cNvSpPr>
+          <p:nvPr>
+            <p:ph idx="1"/>
+          </p:nvPr>
+        </p:nvSpPr>
+        <p:spPr/>
+        <p:txBody>
+          <a:bodyPr/>
+          <a:lstStyle/>
+          <a:p>
+            <a:endParaRPr lang="zh-CN" altLang="en-US" dirty="0"/>
+          </a:p>
+        </p:txBody>
+      </p:sp>
+      <p:pic>
+        <p:nvPicPr>
+          <p:cNvPr id="1026" name="Picture 2"/>
+          <p:cNvPicPr>
+            <a:picLocks noChangeAspect="1" noChangeArrowheads="1"/>
+          </p:cNvPicPr>
+          <p:nvPr/>
+        </p:nvPicPr>
+        <p:blipFill>
+          <a:blip r:embed="rId2"/>
+          <a:srcRect/>
+          <a:stretch>
+            <a:fillRect/>
+          </a:stretch>
+        </p:blipFill>
+        <p:spPr bwMode="auto">
+          <a:xfrm>
+            <a:off x="500034" y="1214428"/>
+            <a:ext cx="3472832" cy="2714644"/>
+          </a:xfrm>
+          <a:prstGeom prst="rect">
+            <a:avLst/>
+          </a:prstGeom>
+          <a:noFill/>
+          <a:ln w="9525">
+            <a:noFill/>
+            <a:miter lim="800000"/>
+            <a:headEnd/>
+            <a:tailEnd/>
+          </a:ln>
+          <a:effectLst/>
+        </p:spPr>
+      </p:pic>
+      <p:grpSp>
+        <p:nvGrpSpPr>
+          <p:cNvPr id="7" name="组合 6"/>
+          <p:cNvGrpSpPr/>
+          <p:nvPr/>
+        </p:nvGrpSpPr>
+        <p:grpSpPr>
+          <a:xfrm>
+            <a:off x="3714744" y="285734"/>
+            <a:ext cx="5214973" cy="4366971"/>
+            <a:chOff x="3428992" y="142858"/>
+            <a:chExt cx="5286411" cy="4509847"/>
+          </a:xfrm>
+        </p:grpSpPr>
+        <p:pic>
+          <p:nvPicPr>
+            <p:cNvPr id="1027" name="Picture 3"/>
+            <p:cNvPicPr>
+              <a:picLocks noChangeAspect="1" noChangeArrowheads="1"/>
+            </p:cNvPicPr>
+            <p:nvPr/>
+          </p:nvPicPr>
+          <p:blipFill>
+            <a:blip r:embed="rId3"/>
+            <a:srcRect/>
+            <a:stretch>
+              <a:fillRect/>
+            </a:stretch>
+          </p:blipFill>
+          <p:spPr bwMode="auto">
+            <a:xfrm>
+              <a:off x="3428992" y="142858"/>
+              <a:ext cx="5119528" cy="4214824"/>
+            </a:xfrm>
+            <a:prstGeom prst="rect">
+              <a:avLst/>
+            </a:prstGeom>
+            <a:noFill/>
+            <a:ln w="9525">
+              <a:noFill/>
+              <a:miter lim="800000"/>
+              <a:headEnd/>
+              <a:tailEnd/>
+            </a:ln>
+            <a:effectLst/>
+          </p:spPr>
+        </p:pic>
+        <p:pic>
+          <p:nvPicPr>
+            <p:cNvPr id="1028" name="Picture 4"/>
+            <p:cNvPicPr>
+              <a:picLocks noChangeAspect="1" noChangeArrowheads="1"/>
+            </p:cNvPicPr>
+            <p:nvPr/>
+          </p:nvPicPr>
+          <p:blipFill>
+            <a:blip r:embed="rId4"/>
+            <a:srcRect/>
+            <a:stretch>
+              <a:fillRect/>
+            </a:stretch>
+          </p:blipFill>
+          <p:spPr bwMode="auto">
+            <a:xfrm>
+              <a:off x="3428992" y="4357701"/>
+              <a:ext cx="5286411" cy="295004"/>
+            </a:xfrm>
+            <a:prstGeom prst="rect">
+              <a:avLst/>
+            </a:prstGeom>
+            <a:noFill/>
+            <a:ln w="9525">
+              <a:noFill/>
+              <a:miter lim="800000"/>
+              <a:headEnd/>
+              <a:tailEnd/>
+            </a:ln>
+            <a:effectLst/>
+          </p:spPr>
+        </p:pic>
+      </p:grpSp>
+      <p:sp>
+        <p:nvSpPr>
+          <p:cNvPr id="8" name="圆角矩形 7"/>
+          <p:cNvSpPr/>
+          <p:nvPr/>
+        </p:nvSpPr>
+        <p:spPr>
+          <a:xfrm>
+            <a:off x="571472" y="2357436"/>
+            <a:ext cx="2428892" cy="500066"/>
+          </a:xfrm>
+          <a:prstGeom prst="roundRect">
+            <a:avLst/>
+          </a:prstGeom>
+          <a:noFill/>
+          <a:ln>
+            <a:solidFill>
+              <a:srgbClr val="00B050"/>
+            </a:solidFill>
+          </a:ln>
+        </p:spPr>
+        <p:style>
+          <a:lnRef idx="2">
+            <a:schemeClr val="accent1">
+              <a:shade val="50000"/>
+            </a:schemeClr>
+          </a:lnRef>
+          <a:fillRef idx="1">
+            <a:schemeClr val="accent1"/>
+          </a:fillRef>
+          <a:effectRef idx="0">
+            <a:schemeClr val="accent1"/>
+          </a:effectRef>
+          <a:fontRef idx="minor">
+            <a:schemeClr val="lt1"/>
+          </a:fontRef>
+        </p:style>
+        <p:txBody>
+          <a:bodyPr rtlCol="0" anchor="ctr"/>
+          <a:lstStyle/>
+          <a:p>
+            <a:pPr algn="ctr"/>
+            <a:endParaRPr lang="zh-CN" altLang="en-US"/>
+          </a:p>
+        </p:txBody>
+      </p:sp>
+      <p:cxnSp>
+        <p:nvCxnSpPr>
+          <p:cNvPr id="10" name="直接箭头连接符 9"/>
+          <p:cNvCxnSpPr>
+            <a:stCxn id="8" idx="0"/>
+          </p:cNvCxnSpPr>
+          <p:nvPr/>
+        </p:nvCxnSpPr>
+        <p:spPr>
+          <a:xfrm rot="5400000" flipH="1" flipV="1">
+            <a:off x="2143109" y="857237"/>
+            <a:ext cx="1143008" cy="1857390"/>
+          </a:xfrm>
+          <a:prstGeom prst="straightConnector1">
+            <a:avLst/>
+          </a:prstGeom>
+          <a:ln w="19050">
+            <a:solidFill>
+              <a:srgbClr val="FF0000"/>
+            </a:solidFill>
+            <a:tailEnd type="arrow"/>
+          </a:ln>
+        </p:spPr>
+        <p:style>
+          <a:lnRef idx="1">
+            <a:schemeClr val="accent1"/>
+          </a:lnRef>
+          <a:fillRef idx="0">
+            <a:schemeClr val="accent1"/>
+          </a:fillRef>
+          <a:effectRef idx="0">
+            <a:schemeClr val="accent1"/>
+          </a:effectRef>
+          <a:fontRef idx="minor">
+            <a:schemeClr val="tx1"/>
+          </a:fontRef>
+        </p:style>
+      </p:cxnSp>
+      <p:sp>
+        <p:nvSpPr>
+          <p:cNvPr id="11" name="圆角矩形 10"/>
+          <p:cNvSpPr/>
+          <p:nvPr/>
+        </p:nvSpPr>
+        <p:spPr>
+          <a:xfrm>
+            <a:off x="3643306" y="928676"/>
+            <a:ext cx="3929090" cy="285752"/>
+          </a:xfrm>
+          <a:prstGeom prst="roundRect">
+            <a:avLst/>
+          </a:prstGeom>
+          <a:noFill/>
+          <a:ln>
+            <a:solidFill>
+              <a:srgbClr val="00B050"/>
+            </a:solidFill>
+          </a:ln>
+        </p:spPr>
+        <p:style>
+          <a:lnRef idx="2">
+            <a:schemeClr val="accent1">
+              <a:shade val="50000"/>
+            </a:schemeClr>
+          </a:lnRef>
+          <a:fillRef idx="1">
+            <a:schemeClr val="accent1"/>
+          </a:fillRef>
+          <a:effectRef idx="0">
+            <a:schemeClr val="accent1"/>
+          </a:effectRef>
+          <a:fontRef idx="minor">
+            <a:schemeClr val="lt1"/>
+          </a:fontRef>
+        </p:style>
+        <p:txBody>
+          <a:bodyPr rtlCol="0" anchor="ctr"/>
+          <a:lstStyle/>
+          <a:p>
+            <a:pPr algn="ctr"/>
+            <a:endParaRPr lang="zh-CN" altLang="en-US"/>
+          </a:p>
+        </p:txBody>
+      </p:sp>
+      <p:sp>
+        <p:nvSpPr>
+          <p:cNvPr id="13" name="圆角矩形 12"/>
+          <p:cNvSpPr/>
+          <p:nvPr/>
+        </p:nvSpPr>
+        <p:spPr>
+          <a:xfrm>
+            <a:off x="500034" y="3143254"/>
+            <a:ext cx="2500330" cy="428628"/>
+          </a:xfrm>
+          <a:prstGeom prst="roundRect">
+            <a:avLst/>
+          </a:prstGeom>
+          <a:noFill/>
+          <a:ln>
+            <a:solidFill>
+              <a:srgbClr val="00B050"/>
+            </a:solidFill>
+          </a:ln>
+        </p:spPr>
+        <p:style>
+          <a:lnRef idx="2">
+            <a:schemeClr val="accent1">
+              <a:shade val="50000"/>
+            </a:schemeClr>
+          </a:lnRef>
+          <a:fillRef idx="1">
+            <a:schemeClr val="accent1"/>
+          </a:fillRef>
+          <a:effectRef idx="0">
+            <a:schemeClr val="accent1"/>
+          </a:effectRef>
+          <a:fontRef idx="minor">
+            <a:schemeClr val="lt1"/>
+          </a:fontRef>
+        </p:style>
+        <p:txBody>
+          <a:bodyPr rtlCol="0" anchor="ctr"/>
+          <a:lstStyle/>
+          <a:p>
+            <a:pPr algn="ctr"/>
+            <a:endParaRPr lang="zh-CN" altLang="en-US"/>
+          </a:p>
+        </p:txBody>
+      </p:sp>
+      <p:sp>
+        <p:nvSpPr>
+          <p:cNvPr id="14" name="圆角矩形 13"/>
+          <p:cNvSpPr/>
+          <p:nvPr/>
+        </p:nvSpPr>
+        <p:spPr>
+          <a:xfrm>
+            <a:off x="3571868" y="4357700"/>
+            <a:ext cx="5429288" cy="285752"/>
+          </a:xfrm>
+          <a:prstGeom prst="roundRect">
+            <a:avLst/>
+          </a:prstGeom>
+          <a:noFill/>
+          <a:ln>
+            <a:solidFill>
+              <a:srgbClr val="00B050"/>
+            </a:solidFill>
+          </a:ln>
+        </p:spPr>
+        <p:style>
+          <a:lnRef idx="2">
+            <a:schemeClr val="accent1">
+              <a:shade val="50000"/>
+            </a:schemeClr>
+          </a:lnRef>
+          <a:fillRef idx="1">
+            <a:schemeClr val="accent1"/>
+          </a:fillRef>
+          <a:effectRef idx="0">
+            <a:schemeClr val="accent1"/>
+          </a:effectRef>
+          <a:fontRef idx="minor">
+            <a:schemeClr val="lt1"/>
+          </a:fontRef>
+        </p:style>
+        <p:txBody>
+          <a:bodyPr rtlCol="0" anchor="ctr"/>
+          <a:lstStyle/>
+          <a:p>
+            <a:pPr algn="ctr"/>
+            <a:endParaRPr lang="zh-CN" altLang="en-US"/>
+          </a:p>
+        </p:txBody>
+      </p:sp>
+      <p:cxnSp>
+        <p:nvCxnSpPr>
+          <p:cNvPr id="15" name="直接箭头连接符 14"/>
+          <p:cNvCxnSpPr>
+            <a:stCxn id="13" idx="2"/>
+          </p:cNvCxnSpPr>
+          <p:nvPr/>
+        </p:nvCxnSpPr>
+        <p:spPr>
+          <a:xfrm rot="16200000" flipH="1">
+            <a:off x="2232405" y="3089675"/>
+            <a:ext cx="857256" cy="1821669"/>
+          </a:xfrm>
+          <a:prstGeom prst="straightConnector1">
+            <a:avLst/>
+          </a:prstGeom>
+          <a:ln w="19050">
+            <a:solidFill>
+              <a:srgbClr val="FF0000"/>
+            </a:solidFill>
+            <a:tailEnd type="arrow"/>
+          </a:ln>
+        </p:spPr>
+        <p:style>
+          <a:lnRef idx="1">
+            <a:schemeClr val="accent1"/>
+          </a:lnRef>
+          <a:fillRef idx="0">
+            <a:schemeClr val="accent1"/>
+          </a:fillRef>
+          <a:effectRef idx="0">
+            <a:schemeClr val="accent1"/>
+          </a:effectRef>
+          <a:fontRef idx="minor">
+            <a:schemeClr val="tx1"/>
+          </a:fontRef>
+        </p:style>
+      </p:cxnSp>
+      <p:sp>
+        <p:nvSpPr>
+          <p:cNvPr id="23" name="矩形 22"/>
+          <p:cNvSpPr/>
+          <p:nvPr/>
+        </p:nvSpPr>
+        <p:spPr>
+          <a:xfrm>
+            <a:off x="857224" y="4071948"/>
+            <a:ext cx="1764970" cy="369332"/>
+          </a:xfrm>
+          <a:prstGeom prst="rect">
+            <a:avLst/>
+          </a:prstGeom>
+        </p:spPr>
+        <p:txBody>
+          <a:bodyPr wrap="none">
+            <a:spAutoFit/>
+          </a:bodyPr>
+          <a:lstStyle/>
+          <a:p>
+            <a:r>
+              <a:rPr lang="en-US" altLang="zh-CN" b="1" dirty="0" smtClean="0"/>
+              <a:t>Reuse html code</a:t>
+            </a:r>
+            <a:endParaRPr lang="en-US" altLang="zh-CN" b="1" dirty="0"/>
+          </a:p>
+        </p:txBody>
+      </p:sp>
+    </p:spTree>
+  </p:cSld>
+  <p:clrMapOvr>
+    <a:masterClrMapping/>
+  </p:clrMapOvr>
+  <p:timing>
+    <p:tnLst>
+      <p:par>
+        <p:cTn id="1" dur="indefinite" restart="never" nodeType="tmRoot">
+          <p:childTnLst>
+            <p:seq concurrent="1" nextAc="seek">
+              <p:cTn id="2" dur="indefinite" nodeType="mainSeq">
+                <p:childTnLst>
+                  <p:par>
+                    <p:cTn id="3" fill="hold">
+                      <p:stCondLst>
+                        <p:cond delay="indefinite"/>
+                      </p:stCondLst>
+                      <p:childTnLst>
+                        <p:par>
+                          <p:cTn id="4" fill="hold">
+                            <p:stCondLst>
+                              <p:cond delay="0"/>
+                            </p:stCondLst>
+                            <p:childTnLst>
+                              <p:par>
+                                <p:cTn id="5" presetID="1" presetClass="entr" presetSubtype="0" fill="hold" nodeType="clickEffect">
+                                  <p:stCondLst>
+                                    <p:cond delay="0"/>
+                                  </p:stCondLst>
+                                  <p:childTnLst>
+                                    <p:set>
+                                      <p:cBhvr>
+                                        <p:cTn id="6" dur="1" fill="hold">
+                                          <p:stCondLst>
+                                            <p:cond delay="0"/>
+                                          </p:stCondLst>
+                                        </p:cTn>
+                                        <p:tgtEl>
+                                          <p:spTgt spid="7"/>
+                                        </p:tgtEl>
+                                        <p:attrNameLst>
+                                          <p:attrName>style.visibility</p:attrName>
+                                        </p:attrNameLst>
+                                      </p:cBhvr>
+                                      <p:to>
+                                        <p:strVal val="visible"/>
+                                      </p:to>
+                                    </p:set>
+                                  </p:childTnLst>
+                                </p:cTn>
+                              </p:par>
+                            </p:childTnLst>
+                          </p:cTn>
+                        </p:par>
+                      </p:childTnLst>
+                    </p:cTn>
+                  </p:par>
+                  <p:par>
+                    <p:cTn id="7" fill="hold">
+                      <p:stCondLst>
+                        <p:cond delay="indefinite"/>
+                      </p:stCondLst>
+                      <p:childTnLst>
+                        <p:par>
+                          <p:cTn id="8" fill="hold">
+                            <p:stCondLst>
+                              <p:cond delay="0"/>
+                            </p:stCondLst>
+                            <p:childTnLst>
+                              <p:par>
+                                <p:cTn id="9" presetID="22" presetClass="entr" presetSubtype="8" fill="hold" grpId="0" nodeType="clickEffect">
+                                  <p:stCondLst>
+                                    <p:cond delay="0"/>
+                                  </p:stCondLst>
+                                  <p:childTnLst>
+                                    <p:set>
+                                      <p:cBhvr>
+                                        <p:cTn id="10" dur="1" fill="hold">
+                                          <p:stCondLst>
+                                            <p:cond delay="0"/>
+                                          </p:stCondLst>
+                                        </p:cTn>
+                                        <p:tgtEl>
+                                          <p:spTgt spid="8"/>
+                                        </p:tgtEl>
+                                        <p:attrNameLst>
+                                          <p:attrName>style.visibility</p:attrName>
+                                        </p:attrNameLst>
+                                      </p:cBhvr>
+                                      <p:to>
+                                        <p:strVal val="visible"/>
+                                      </p:to>
+                                    </p:set>
+                                    <p:animEffect transition="in" filter="wipe(left)">
+                                      <p:cBhvr>
+                                        <p:cTn id="11" dur="500"/>
+                                        <p:tgtEl>
+                                          <p:spTgt spid="8"/>
+                                        </p:tgtEl>
+                                      </p:cBhvr>
+                                    </p:animEffect>
+                                  </p:childTnLst>
+                                </p:cTn>
+                              </p:par>
+                            </p:childTnLst>
+                          </p:cTn>
+                        </p:par>
+                        <p:par>
+                          <p:cTn id="12" fill="hold">
+                            <p:stCondLst>
+                              <p:cond delay="500"/>
+                            </p:stCondLst>
+                            <p:childTnLst>
+                              <p:par>
+                                <p:cTn id="13" presetID="22" presetClass="entr" presetSubtype="4" fill="hold" nodeType="afterEffect">
+                                  <p:stCondLst>
+                                    <p:cond delay="0"/>
+                                  </p:stCondLst>
+                                  <p:childTnLst>
+                                    <p:set>
+                                      <p:cBhvr>
+                                        <p:cTn id="14" dur="1" fill="hold">
+                                          <p:stCondLst>
+                                            <p:cond delay="0"/>
+                                          </p:stCondLst>
+                                        </p:cTn>
+                                        <p:tgtEl>
+                                          <p:spTgt spid="10"/>
+                                        </p:tgtEl>
+                                        <p:attrNameLst>
+                                          <p:attrName>style.visibility</p:attrName>
+                                        </p:attrNameLst>
+                                      </p:cBhvr>
+                                      <p:to>
+                                        <p:strVal val="visible"/>
+                                      </p:to>
+                                    </p:set>
+                                    <p:animEffect transition="in" filter="wipe(down)">
+                                      <p:cBhvr>
+                                        <p:cTn id="15" dur="500"/>
+                                        <p:tgtEl>
+                                          <p:spTgt spid="10"/>
+                                        </p:tgtEl>
+                                      </p:cBhvr>
+                                    </p:animEffect>
+                                  </p:childTnLst>
+                                </p:cTn>
+                              </p:par>
+                            </p:childTnLst>
+                          </p:cTn>
+                        </p:par>
+                        <p:par>
+                          <p:cTn id="16" fill="hold">
+                            <p:stCondLst>
+                              <p:cond delay="1000"/>
+                            </p:stCondLst>
+                            <p:childTnLst>
+                              <p:par>
+                                <p:cTn id="17" presetID="22" presetClass="entr" presetSubtype="8" fill="hold" grpId="0" nodeType="afterEffect">
+                                  <p:stCondLst>
+                                    <p:cond delay="0"/>
+                                  </p:stCondLst>
+                                  <p:childTnLst>
+                                    <p:set>
+                                      <p:cBhvr>
+                                        <p:cTn id="18" dur="1" fill="hold">
+                                          <p:stCondLst>
+                                            <p:cond delay="0"/>
+                                          </p:stCondLst>
+                                        </p:cTn>
+                                        <p:tgtEl>
+                                          <p:spTgt spid="11"/>
+                                        </p:tgtEl>
+                                        <p:attrNameLst>
+                                          <p:attrName>style.visibility</p:attrName>
+                                        </p:attrNameLst>
+                                      </p:cBhvr>
+                                      <p:to>
+                                        <p:strVal val="visible"/>
+                                      </p:to>
+                                    </p:set>
+                                    <p:animEffect transition="in" filter="wipe(left)">
+                                      <p:cBhvr>
+                                        <p:cTn id="19" dur="500"/>
+                                        <p:tgtEl>
+                                          <p:spTgt spid="11"/>
+                                        </p:tgtEl>
+                                      </p:cBhvr>
+                                    </p:animEffect>
+                                  </p:childTnLst>
+                                </p:cTn>
+                              </p:par>
+                            </p:childTnLst>
+                          </p:cTn>
+                        </p:par>
+                      </p:childTnLst>
+                    </p:cTn>
+                  </p:par>
+                  <p:par>
+                    <p:cTn id="20" fill="hold">
+                      <p:stCondLst>
+                        <p:cond delay="indefinite"/>
+                      </p:stCondLst>
+                      <p:childTnLst>
+                        <p:par>
+                          <p:cTn id="21" fill="hold">
+                            <p:stCondLst>
+                              <p:cond delay="0"/>
+                            </p:stCondLst>
+                            <p:childTnLst>
+                              <p:par>
+                                <p:cTn id="22" presetID="22" presetClass="entr" presetSubtype="8" fill="hold" grpId="0" nodeType="clickEffect">
+                                  <p:stCondLst>
+                                    <p:cond delay="0"/>
+                                  </p:stCondLst>
+                                  <p:childTnLst>
+                                    <p:set>
+                                      <p:cBhvr>
+                                        <p:cTn id="23" dur="1" fill="hold">
+                                          <p:stCondLst>
+                                            <p:cond delay="0"/>
+                                          </p:stCondLst>
+                                        </p:cTn>
+                                        <p:tgtEl>
+                                          <p:spTgt spid="13"/>
+                                        </p:tgtEl>
+                                        <p:attrNameLst>
+                                          <p:attrName>style.visibility</p:attrName>
+                                        </p:attrNameLst>
+                                      </p:cBhvr>
+                                      <p:to>
+                                        <p:strVal val="visible"/>
+                                      </p:to>
+                                    </p:set>
+                                    <p:animEffect transition="in" filter="wipe(left)">
+                                      <p:cBhvr>
+                                        <p:cTn id="24" dur="500"/>
+                                        <p:tgtEl>
+                                          <p:spTgt spid="13"/>
+                                        </p:tgtEl>
+                                      </p:cBhvr>
+                                    </p:animEffect>
+                                  </p:childTnLst>
+                                </p:cTn>
+                              </p:par>
+                            </p:childTnLst>
+                          </p:cTn>
+                        </p:par>
+                        <p:par>
+                          <p:cTn id="25" fill="hold">
+                            <p:stCondLst>
+                              <p:cond delay="500"/>
+                            </p:stCondLst>
+                            <p:childTnLst>
+                              <p:par>
+                                <p:cTn id="26" presetID="22" presetClass="entr" presetSubtype="1" fill="hold" nodeType="afterEffect">
+                                  <p:stCondLst>
+                                    <p:cond delay="0"/>
+                                  </p:stCondLst>
+                                  <p:childTnLst>
+                                    <p:set>
+                                      <p:cBhvr>
+                                        <p:cTn id="27" dur="1" fill="hold">
+                                          <p:stCondLst>
+                                            <p:cond delay="0"/>
+                                          </p:stCondLst>
+                                        </p:cTn>
+                                        <p:tgtEl>
+                                          <p:spTgt spid="15"/>
+                                        </p:tgtEl>
+                                        <p:attrNameLst>
+                                          <p:attrName>style.visibility</p:attrName>
+                                        </p:attrNameLst>
+                                      </p:cBhvr>
+                                      <p:to>
+                                        <p:strVal val="visible"/>
+                                      </p:to>
+                                    </p:set>
+                                    <p:animEffect transition="in" filter="wipe(up)">
+                                      <p:cBhvr>
+                                        <p:cTn id="28" dur="500"/>
+                                        <p:tgtEl>
+                                          <p:spTgt spid="15"/>
+                                        </p:tgtEl>
+                                      </p:cBhvr>
+                                    </p:animEffect>
+                                  </p:childTnLst>
+                                </p:cTn>
+                              </p:par>
+                            </p:childTnLst>
+                          </p:cTn>
+                        </p:par>
+                        <p:par>
+                          <p:cTn id="29" fill="hold">
+                            <p:stCondLst>
+                              <p:cond delay="1000"/>
+                            </p:stCondLst>
+                            <p:childTnLst>
+                              <p:par>
+                                <p:cTn id="30" presetID="22" presetClass="entr" presetSubtype="1" fill="hold" grpId="0" nodeType="afterEffect">
+                                  <p:stCondLst>
+                                    <p:cond delay="0"/>
+                                  </p:stCondLst>
+                                  <p:childTnLst>
+                                    <p:set>
+                                      <p:cBhvr>
+                                        <p:cTn id="31" dur="1" fill="hold">
+                                          <p:stCondLst>
+                                            <p:cond delay="0"/>
+                                          </p:stCondLst>
+                                        </p:cTn>
+                                        <p:tgtEl>
+                                          <p:spTgt spid="14"/>
+                                        </p:tgtEl>
+                                        <p:attrNameLst>
+                                          <p:attrName>style.visibility</p:attrName>
+                                        </p:attrNameLst>
+                                      </p:cBhvr>
+                                      <p:to>
+                                        <p:strVal val="visible"/>
+                                      </p:to>
+                                    </p:set>
+                                    <p:animEffect transition="in" filter="wipe(up)">
+                                      <p:cBhvr>
+                                        <p:cTn id="32" dur="500"/>
+                                        <p:tgtEl>
+                                          <p:spTgt spid="14"/>
+                                        </p:tgtEl>
+                                      </p:cBhvr>
+                                    </p:animEffect>
+                                  </p:childTnLst>
+                                </p:cTn>
+                              </p:par>
+                            </p:childTnLst>
+                          </p:cTn>
+                        </p:par>
+                      </p:childTnLst>
+                    </p:cTn>
+                  </p:par>
+                </p:childTnLst>
+              </p:cTn>
+              <p:prevCondLst>
+                <p:cond evt="onPrev" delay="0">
+                  <p:tgtEl>
+                    <p:sldTgt/>
+                  </p:tgtEl>
+                </p:cond>
+              </p:prevCondLst>
+              <p:nextCondLst>
+                <p:cond evt="onNext" delay="0">
+                  <p:tgtEl>
+                    <p:sldTgt/>
+                  </p:tgtEl>
+                </p:cond>
+              </p:nextCondLst>
+            </p:seq>
+          </p:childTnLst>
+        </p:cTn>
+      </p:par>
+    </p:tnLst>
+    <p:bldLst>
+      <p:bldP spid="8" grpId="0" animBg="1"/>
+      <p:bldP spid="11" grpId="0" animBg="1"/>
+      <p:bldP spid="13" grpId="0" animBg="1"/>
+      <p:bldP spid="14" grpId="0" animBg="1"/>
+    </p:bldLst>
+  </p:timing>
+</p:sld>
+</file>
+
+<file path=ppt/slides/slide62.xml><?xml version="1.0" encoding="utf-8"?>
+<p:sld xmlns:a="http://schemas.openxmlformats.org/drawingml/2006/main" xmlns:r="http://schemas.openxmlformats.org/officeDocument/2006/relationships" xmlns:p="http://schemas.openxmlformats.org/presentationml/2006/main">
+  <p:cSld>
+    <p:spTree>
+      <p:nvGrpSpPr>
+        <p:cNvPr id="1" name=""/>
+        <p:cNvGrpSpPr/>
+        <p:nvPr/>
+      </p:nvGrpSpPr>
+      <p:grpSpPr>
+        <a:xfrm>
+          <a:off x="0" y="0"/>
+          <a:ext cx="0" cy="0"/>
+          <a:chOff x="0" y="0"/>
+          <a:chExt cx="0" cy="0"/>
+        </a:xfrm>
+      </p:grpSpPr>
       <p:sp>
         <p:nvSpPr>
           <p:cNvPr id="2" name="标题 1"/>
@@ -23010,7 +24089,7 @@
 </p:sld>
 </file>
 
-<file path=ppt/slides/slide61.xml><?xml version="1.0" encoding="utf-8"?>
+<file path=ppt/slides/slide63.xml><?xml version="1.0" encoding="utf-8"?>
 <p:sld xmlns:a="http://schemas.openxmlformats.org/drawingml/2006/main" xmlns:r="http://schemas.openxmlformats.org/officeDocument/2006/relationships" xmlns:p="http://schemas.openxmlformats.org/presentationml/2006/main">
   <p:cSld>
     <p:spTree>
@@ -23114,7 +24193,7 @@
 </p:sld>
 </file>
 
-<file path=ppt/slides/slide62.xml><?xml version="1.0" encoding="utf-8"?>
+<file path=ppt/slides/slide64.xml><?xml version="1.0" encoding="utf-8"?>
 <p:sld xmlns:a="http://schemas.openxmlformats.org/drawingml/2006/main" xmlns:r="http://schemas.openxmlformats.org/officeDocument/2006/relationships" xmlns:p="http://schemas.openxmlformats.org/presentationml/2006/main">
   <p:cSld>
     <p:spTree>
@@ -23186,15 +24265,7 @@
           <a:p>
             <a:r>
               <a:rPr lang="en-US" altLang="zh-CN" sz="2400" dirty="0" smtClean="0"/>
-              <a:t>Utilize the framework to help you </a:t>
-            </a:r>
-            <a:r>
-              <a:rPr lang="en-US" altLang="zh-CN" sz="2400" dirty="0" smtClean="0"/>
-              <a:t>to solve </a:t>
-            </a:r>
-            <a:r>
-              <a:rPr lang="en-US" altLang="zh-CN" sz="2400" dirty="0" smtClean="0"/>
-              <a:t>trivial details</a:t>
+              <a:t>Utilize the framework to help you to solve trivial details</a:t>
             </a:r>
           </a:p>
           <a:p>
@@ -23251,7 +24322,7 @@
 </p:sld>
 </file>
 
-<file path=ppt/slides/slide63.xml><?xml version="1.0" encoding="utf-8"?>
+<file path=ppt/slides/slide65.xml><?xml version="1.0" encoding="utf-8"?>
 <p:sld xmlns:a="http://schemas.openxmlformats.org/drawingml/2006/main" xmlns:r="http://schemas.openxmlformats.org/officeDocument/2006/relationships" xmlns:p="http://schemas.openxmlformats.org/presentationml/2006/main">
   <p:cSld>
     <p:spTree>
@@ -23359,7 +24430,7 @@
 </p:sld>
 </file>
 
-<file path=ppt/slides/slide64.xml><?xml version="1.0" encoding="utf-8"?>
+<file path=ppt/slides/slide66.xml><?xml version="1.0" encoding="utf-8"?>
 <p:sld xmlns:a="http://schemas.openxmlformats.org/drawingml/2006/main" xmlns:r="http://schemas.openxmlformats.org/officeDocument/2006/relationships" xmlns:p="http://schemas.openxmlformats.org/presentationml/2006/main">
   <p:cSld>
     <p:spTree>
@@ -23500,7 +24571,7 @@
 </p:sld>
 </file>
 
-<file path=ppt/slides/slide65.xml><?xml version="1.0" encoding="utf-8"?>
+<file path=ppt/slides/slide67.xml><?xml version="1.0" encoding="utf-8"?>
 <p:sld xmlns:a="http://schemas.openxmlformats.org/drawingml/2006/main" xmlns:r="http://schemas.openxmlformats.org/officeDocument/2006/relationships" xmlns:p="http://schemas.openxmlformats.org/presentationml/2006/main">
   <p:cSld>
     <p:spTree>
@@ -23604,7 +24675,7 @@
 </p:sld>
 </file>
 
-<file path=ppt/slides/slide66.xml><?xml version="1.0" encoding="utf-8"?>
+<file path=ppt/slides/slide68.xml><?xml version="1.0" encoding="utf-8"?>
 <p:sld xmlns:a="http://schemas.openxmlformats.org/drawingml/2006/main" xmlns:r="http://schemas.openxmlformats.org/officeDocument/2006/relationships" xmlns:p="http://schemas.openxmlformats.org/presentationml/2006/main">
   <p:cSld>
     <p:spTree>
@@ -23998,7 +25069,7 @@
 </p:sld>
 </file>
 
-<file path=ppt/slides/slide67.xml><?xml version="1.0" encoding="utf-8"?>
+<file path=ppt/slides/slide69.xml><?xml version="1.0" encoding="utf-8"?>
 <p:sld xmlns:a="http://schemas.openxmlformats.org/drawingml/2006/main" xmlns:r="http://schemas.openxmlformats.org/officeDocument/2006/relationships" xmlns:p="http://schemas.openxmlformats.org/presentationml/2006/main">
   <p:cSld>
     <p:spTree>
@@ -24132,242 +25203,6 @@
 </p:sld>
 </file>
 
-<file path=ppt/slides/slide68.xml><?xml version="1.0" encoding="utf-8"?>
-<p:sld xmlns:a="http://schemas.openxmlformats.org/drawingml/2006/main" xmlns:r="http://schemas.openxmlformats.org/officeDocument/2006/relationships" xmlns:p="http://schemas.openxmlformats.org/presentationml/2006/main">
-  <p:cSld>
-    <p:spTree>
-      <p:nvGrpSpPr>
-        <p:cNvPr id="1" name=""/>
-        <p:cNvGrpSpPr/>
-        <p:nvPr/>
-      </p:nvGrpSpPr>
-      <p:grpSpPr>
-        <a:xfrm>
-          <a:off x="0" y="0"/>
-          <a:ext cx="0" cy="0"/>
-          <a:chOff x="0" y="0"/>
-          <a:chExt cx="0" cy="0"/>
-        </a:xfrm>
-      </p:grpSpPr>
-      <p:sp>
-        <p:nvSpPr>
-          <p:cNvPr id="2" name="标题 1"/>
-          <p:cNvSpPr>
-            <a:spLocks noGrp="1"/>
-          </p:cNvSpPr>
-          <p:nvPr>
-            <p:ph type="title"/>
-          </p:nvPr>
-        </p:nvSpPr>
-        <p:spPr/>
-        <p:txBody>
-          <a:bodyPr/>
-          <a:lstStyle/>
-          <a:p>
-            <a:pPr algn="l"/>
-            <a:r>
-              <a:rPr lang="en-US" altLang="zh-CN" dirty="0" smtClean="0"/>
-              <a:t>How to rapidly develop</a:t>
-            </a:r>
-            <a:endParaRPr lang="zh-CN" altLang="en-US" dirty="0"/>
-          </a:p>
-        </p:txBody>
-      </p:sp>
-      <p:sp>
-        <p:nvSpPr>
-          <p:cNvPr id="3" name="内容占位符 2"/>
-          <p:cNvSpPr>
-            <a:spLocks noGrp="1"/>
-          </p:cNvSpPr>
-          <p:nvPr>
-            <p:ph idx="1"/>
-          </p:nvPr>
-        </p:nvSpPr>
-        <p:spPr/>
-        <p:txBody>
-          <a:bodyPr>
-            <a:normAutofit/>
-          </a:bodyPr>
-          <a:lstStyle/>
-          <a:p>
-            <a:r>
-              <a:rPr lang="en-US" altLang="zh-CN" sz="2400" dirty="0" smtClean="0"/>
-              <a:t>Focus on business function</a:t>
-            </a:r>
-          </a:p>
-          <a:p>
-            <a:r>
-              <a:rPr lang="en-US" altLang="zh-CN" sz="2400" dirty="0" smtClean="0"/>
-              <a:t>Separate core business and non-core business</a:t>
-            </a:r>
-          </a:p>
-          <a:p>
-            <a:r>
-              <a:rPr lang="en-US" altLang="zh-CN" sz="2400" dirty="0" smtClean="0"/>
-              <a:t>Utilize the framework to help you </a:t>
-            </a:r>
-            <a:r>
-              <a:rPr lang="en-US" altLang="zh-CN" sz="2400" dirty="0" smtClean="0"/>
-              <a:t>to solve </a:t>
-            </a:r>
-            <a:r>
-              <a:rPr lang="en-US" altLang="zh-CN" sz="2400" dirty="0" smtClean="0"/>
-              <a:t>trivial details</a:t>
-            </a:r>
-          </a:p>
-          <a:p>
-            <a:pPr lvl="1"/>
-            <a:r>
-              <a:rPr lang="en-US" altLang="zh-CN" sz="2000" dirty="0" smtClean="0"/>
-              <a:t>Use </a:t>
-            </a:r>
-            <a:r>
-              <a:rPr lang="en-US" altLang="zh-CN" sz="2000" dirty="0" err="1" smtClean="0"/>
-              <a:t>cinatra</a:t>
-            </a:r>
-            <a:r>
-              <a:rPr lang="en-US" altLang="zh-CN" sz="2000" dirty="0" smtClean="0"/>
-              <a:t> to solve http details, just need focus on the parsed results</a:t>
-            </a:r>
-          </a:p>
-          <a:p>
-            <a:pPr lvl="1"/>
-            <a:r>
-              <a:rPr lang="en-US" altLang="zh-CN" sz="2000" dirty="0" smtClean="0"/>
-              <a:t>Use </a:t>
-            </a:r>
-            <a:r>
-              <a:rPr lang="en-US" altLang="zh-CN" sz="2000" dirty="0" err="1" smtClean="0"/>
-              <a:t>ormpp</a:t>
-            </a:r>
-            <a:r>
-              <a:rPr lang="en-US" altLang="zh-CN" sz="2000" dirty="0" smtClean="0"/>
-              <a:t> to solve the database details, just need focus on objects mapped from the database</a:t>
-            </a:r>
-          </a:p>
-          <a:p>
-            <a:pPr lvl="1"/>
-            <a:r>
-              <a:rPr lang="en-US" altLang="zh-CN" sz="2000" dirty="0" smtClean="0"/>
-              <a:t>Use render to solve html details, just need focus on how to fill the template</a:t>
-            </a:r>
-          </a:p>
-        </p:txBody>
-      </p:sp>
-    </p:spTree>
-  </p:cSld>
-  <p:clrMapOvr>
-    <a:masterClrMapping/>
-  </p:clrMapOvr>
-  <p:timing>
-    <p:tnLst>
-      <p:par>
-        <p:cTn id="1" dur="indefinite" restart="never" nodeType="tmRoot"/>
-      </p:par>
-    </p:tnLst>
-  </p:timing>
-</p:sld>
-</file>
-
-<file path=ppt/slides/slide69.xml><?xml version="1.0" encoding="utf-8"?>
-<p:sld xmlns:a="http://schemas.openxmlformats.org/drawingml/2006/main" xmlns:r="http://schemas.openxmlformats.org/officeDocument/2006/relationships" xmlns:p="http://schemas.openxmlformats.org/presentationml/2006/main">
-  <p:cSld>
-    <p:spTree>
-      <p:nvGrpSpPr>
-        <p:cNvPr id="1" name=""/>
-        <p:cNvGrpSpPr/>
-        <p:nvPr/>
-      </p:nvGrpSpPr>
-      <p:grpSpPr>
-        <a:xfrm>
-          <a:off x="0" y="0"/>
-          <a:ext cx="0" cy="0"/>
-          <a:chOff x="0" y="0"/>
-          <a:chExt cx="0" cy="0"/>
-        </a:xfrm>
-      </p:grpSpPr>
-      <p:sp>
-        <p:nvSpPr>
-          <p:cNvPr id="2" name="标题 1"/>
-          <p:cNvSpPr>
-            <a:spLocks noGrp="1"/>
-          </p:cNvSpPr>
-          <p:nvPr>
-            <p:ph type="title"/>
-          </p:nvPr>
-        </p:nvSpPr>
-        <p:spPr/>
-        <p:txBody>
-          <a:bodyPr/>
-          <a:lstStyle/>
-          <a:p>
-            <a:endParaRPr lang="zh-CN" altLang="en-US"/>
-          </a:p>
-        </p:txBody>
-      </p:sp>
-      <p:sp>
-        <p:nvSpPr>
-          <p:cNvPr id="3" name="内容占位符 2"/>
-          <p:cNvSpPr>
-            <a:spLocks noGrp="1"/>
-          </p:cNvSpPr>
-          <p:nvPr>
-            <p:ph idx="1"/>
-          </p:nvPr>
-        </p:nvSpPr>
-        <p:spPr/>
-        <p:txBody>
-          <a:bodyPr/>
-          <a:lstStyle/>
-          <a:p>
-            <a:endParaRPr lang="zh-CN" altLang="en-US" dirty="0"/>
-          </a:p>
-        </p:txBody>
-      </p:sp>
-      <p:sp>
-        <p:nvSpPr>
-          <p:cNvPr id="4" name="矩形 3"/>
-          <p:cNvSpPr/>
-          <p:nvPr/>
-        </p:nvSpPr>
-        <p:spPr>
-          <a:xfrm>
-            <a:off x="3571868" y="1928808"/>
-            <a:ext cx="1132490" cy="769441"/>
-          </a:xfrm>
-          <a:prstGeom prst="rect">
-            <a:avLst/>
-          </a:prstGeom>
-        </p:spPr>
-        <p:txBody>
-          <a:bodyPr wrap="none">
-            <a:spAutoFit/>
-          </a:bodyPr>
-          <a:lstStyle/>
-          <a:p>
-            <a:r>
-              <a:rPr lang="en-US" altLang="zh-CN" sz="4400" b="1" dirty="0" smtClean="0"/>
-              <a:t>FAQ</a:t>
-            </a:r>
-            <a:endParaRPr lang="zh-CN" altLang="en-US" sz="4400" b="1" dirty="0"/>
-          </a:p>
-        </p:txBody>
-      </p:sp>
-    </p:spTree>
-  </p:cSld>
-  <p:clrMapOvr>
-    <a:masterClrMapping/>
-  </p:clrMapOvr>
-  <p:timing>
-    <p:tnLst>
-      <p:par>
-        <p:cTn id="1" dur="indefinite" restart="never" nodeType="tmRoot"/>
-      </p:par>
-    </p:tnLst>
-  </p:timing>
-</p:sld>
-</file>
-
 <file path=ppt/slides/slide7.xml><?xml version="1.0" encoding="utf-8"?>
 <p:sld xmlns:a="http://schemas.openxmlformats.org/drawingml/2006/main" xmlns:r="http://schemas.openxmlformats.org/officeDocument/2006/relationships" xmlns:p="http://schemas.openxmlformats.org/presentationml/2006/main">
   <p:cSld>
@@ -24485,6 +25320,234 @@
 </file>
 
 <file path=ppt/slides/slide70.xml><?xml version="1.0" encoding="utf-8"?>
+<p:sld xmlns:a="http://schemas.openxmlformats.org/drawingml/2006/main" xmlns:r="http://schemas.openxmlformats.org/officeDocument/2006/relationships" xmlns:p="http://schemas.openxmlformats.org/presentationml/2006/main">
+  <p:cSld>
+    <p:spTree>
+      <p:nvGrpSpPr>
+        <p:cNvPr id="1" name=""/>
+        <p:cNvGrpSpPr/>
+        <p:nvPr/>
+      </p:nvGrpSpPr>
+      <p:grpSpPr>
+        <a:xfrm>
+          <a:off x="0" y="0"/>
+          <a:ext cx="0" cy="0"/>
+          <a:chOff x="0" y="0"/>
+          <a:chExt cx="0" cy="0"/>
+        </a:xfrm>
+      </p:grpSpPr>
+      <p:sp>
+        <p:nvSpPr>
+          <p:cNvPr id="2" name="标题 1"/>
+          <p:cNvSpPr>
+            <a:spLocks noGrp="1"/>
+          </p:cNvSpPr>
+          <p:nvPr>
+            <p:ph type="title"/>
+          </p:nvPr>
+        </p:nvSpPr>
+        <p:spPr/>
+        <p:txBody>
+          <a:bodyPr/>
+          <a:lstStyle/>
+          <a:p>
+            <a:pPr algn="l"/>
+            <a:r>
+              <a:rPr lang="en-US" altLang="zh-CN" dirty="0" smtClean="0"/>
+              <a:t>How to rapidly develop</a:t>
+            </a:r>
+            <a:endParaRPr lang="zh-CN" altLang="en-US" dirty="0"/>
+          </a:p>
+        </p:txBody>
+      </p:sp>
+      <p:sp>
+        <p:nvSpPr>
+          <p:cNvPr id="3" name="内容占位符 2"/>
+          <p:cNvSpPr>
+            <a:spLocks noGrp="1"/>
+          </p:cNvSpPr>
+          <p:nvPr>
+            <p:ph idx="1"/>
+          </p:nvPr>
+        </p:nvSpPr>
+        <p:spPr/>
+        <p:txBody>
+          <a:bodyPr>
+            <a:normAutofit/>
+          </a:bodyPr>
+          <a:lstStyle/>
+          <a:p>
+            <a:r>
+              <a:rPr lang="en-US" altLang="zh-CN" sz="2400" dirty="0" smtClean="0"/>
+              <a:t>Focus on business function</a:t>
+            </a:r>
+          </a:p>
+          <a:p>
+            <a:r>
+              <a:rPr lang="en-US" altLang="zh-CN" sz="2400" dirty="0" smtClean="0"/>
+              <a:t>Separate core business and non-core business</a:t>
+            </a:r>
+          </a:p>
+          <a:p>
+            <a:r>
+              <a:rPr lang="en-US" altLang="zh-CN" sz="2400" dirty="0" smtClean="0"/>
+              <a:t>Utilize the framework to help you to solve trivial details</a:t>
+            </a:r>
+          </a:p>
+          <a:p>
+            <a:pPr lvl="1"/>
+            <a:r>
+              <a:rPr lang="en-US" altLang="zh-CN" sz="2000" dirty="0" smtClean="0"/>
+              <a:t>Use </a:t>
+            </a:r>
+            <a:r>
+              <a:rPr lang="en-US" altLang="zh-CN" sz="2000" dirty="0" err="1" smtClean="0"/>
+              <a:t>cinatra</a:t>
+            </a:r>
+            <a:r>
+              <a:rPr lang="en-US" altLang="zh-CN" sz="2000" dirty="0" smtClean="0"/>
+              <a:t> to solve http details, just need focus on the parsed results</a:t>
+            </a:r>
+          </a:p>
+          <a:p>
+            <a:pPr lvl="1"/>
+            <a:r>
+              <a:rPr lang="en-US" altLang="zh-CN" sz="2000" dirty="0" smtClean="0"/>
+              <a:t>Use </a:t>
+            </a:r>
+            <a:r>
+              <a:rPr lang="en-US" altLang="zh-CN" sz="2000" dirty="0" err="1" smtClean="0"/>
+              <a:t>ormpp</a:t>
+            </a:r>
+            <a:r>
+              <a:rPr lang="en-US" altLang="zh-CN" sz="2000" dirty="0" smtClean="0"/>
+              <a:t> to solve the database details, just need focus on objects mapped from the database</a:t>
+            </a:r>
+          </a:p>
+          <a:p>
+            <a:pPr lvl="1"/>
+            <a:r>
+              <a:rPr lang="en-US" altLang="zh-CN" sz="2000" dirty="0" smtClean="0"/>
+              <a:t>Use render to solve html details, just need focus on how to fill the template</a:t>
+            </a:r>
+          </a:p>
+        </p:txBody>
+      </p:sp>
+    </p:spTree>
+  </p:cSld>
+  <p:clrMapOvr>
+    <a:masterClrMapping/>
+  </p:clrMapOvr>
+  <p:timing>
+    <p:tnLst>
+      <p:par>
+        <p:cTn id="1" dur="indefinite" restart="never" nodeType="tmRoot"/>
+      </p:par>
+    </p:tnLst>
+  </p:timing>
+</p:sld>
+</file>
+
+<file path=ppt/slides/slide71.xml><?xml version="1.0" encoding="utf-8"?>
+<p:sld xmlns:a="http://schemas.openxmlformats.org/drawingml/2006/main" xmlns:r="http://schemas.openxmlformats.org/officeDocument/2006/relationships" xmlns:p="http://schemas.openxmlformats.org/presentationml/2006/main">
+  <p:cSld>
+    <p:spTree>
+      <p:nvGrpSpPr>
+        <p:cNvPr id="1" name=""/>
+        <p:cNvGrpSpPr/>
+        <p:nvPr/>
+      </p:nvGrpSpPr>
+      <p:grpSpPr>
+        <a:xfrm>
+          <a:off x="0" y="0"/>
+          <a:ext cx="0" cy="0"/>
+          <a:chOff x="0" y="0"/>
+          <a:chExt cx="0" cy="0"/>
+        </a:xfrm>
+      </p:grpSpPr>
+      <p:sp>
+        <p:nvSpPr>
+          <p:cNvPr id="2" name="标题 1"/>
+          <p:cNvSpPr>
+            <a:spLocks noGrp="1"/>
+          </p:cNvSpPr>
+          <p:nvPr>
+            <p:ph type="title"/>
+          </p:nvPr>
+        </p:nvSpPr>
+        <p:spPr/>
+        <p:txBody>
+          <a:bodyPr/>
+          <a:lstStyle/>
+          <a:p>
+            <a:endParaRPr lang="zh-CN" altLang="en-US"/>
+          </a:p>
+        </p:txBody>
+      </p:sp>
+      <p:sp>
+        <p:nvSpPr>
+          <p:cNvPr id="3" name="内容占位符 2"/>
+          <p:cNvSpPr>
+            <a:spLocks noGrp="1"/>
+          </p:cNvSpPr>
+          <p:nvPr>
+            <p:ph idx="1"/>
+          </p:nvPr>
+        </p:nvSpPr>
+        <p:spPr/>
+        <p:txBody>
+          <a:bodyPr/>
+          <a:lstStyle/>
+          <a:p>
+            <a:endParaRPr lang="zh-CN" altLang="en-US" dirty="0"/>
+          </a:p>
+        </p:txBody>
+      </p:sp>
+      <p:sp>
+        <p:nvSpPr>
+          <p:cNvPr id="4" name="矩形 3"/>
+          <p:cNvSpPr/>
+          <p:nvPr/>
+        </p:nvSpPr>
+        <p:spPr>
+          <a:xfrm>
+            <a:off x="3571868" y="1928808"/>
+            <a:ext cx="1132490" cy="769441"/>
+          </a:xfrm>
+          <a:prstGeom prst="rect">
+            <a:avLst/>
+          </a:prstGeom>
+        </p:spPr>
+        <p:txBody>
+          <a:bodyPr wrap="none">
+            <a:spAutoFit/>
+          </a:bodyPr>
+          <a:lstStyle/>
+          <a:p>
+            <a:r>
+              <a:rPr lang="en-US" altLang="zh-CN" sz="4400" b="1" dirty="0" smtClean="0"/>
+              <a:t>FAQ</a:t>
+            </a:r>
+            <a:endParaRPr lang="zh-CN" altLang="en-US" sz="4400" b="1" dirty="0"/>
+          </a:p>
+        </p:txBody>
+      </p:sp>
+    </p:spTree>
+  </p:cSld>
+  <p:clrMapOvr>
+    <a:masterClrMapping/>
+  </p:clrMapOvr>
+  <p:timing>
+    <p:tnLst>
+      <p:par>
+        <p:cTn id="1" dur="indefinite" restart="never" nodeType="tmRoot"/>
+      </p:par>
+    </p:tnLst>
+  </p:timing>
+</p:sld>
+</file>
+
+<file path=ppt/slides/slide72.xml><?xml version="1.0" encoding="utf-8"?>
 <p:sld xmlns:a="http://schemas.openxmlformats.org/drawingml/2006/main" xmlns:r="http://schemas.openxmlformats.org/officeDocument/2006/relationships" xmlns:p="http://schemas.openxmlformats.org/presentationml/2006/main">
   <p:cSld>
     <p:spTree>

--- a/cppcon2018.pptx
+++ b/cppcon2018.pptx
@@ -5,81 +5,79 @@
     <p:sldMasterId id="2147483648" r:id="rId1"/>
   </p:sldMasterIdLst>
   <p:notesMasterIdLst>
-    <p:notesMasterId r:id="rId74"/>
+    <p:notesMasterId r:id="rId72"/>
   </p:notesMasterIdLst>
   <p:sldIdLst>
     <p:sldId id="256" r:id="rId2"/>
     <p:sldId id="257" r:id="rId3"/>
     <p:sldId id="278" r:id="rId4"/>
     <p:sldId id="279" r:id="rId5"/>
-    <p:sldId id="283" r:id="rId6"/>
-    <p:sldId id="284" r:id="rId7"/>
-    <p:sldId id="272" r:id="rId8"/>
-    <p:sldId id="274" r:id="rId9"/>
-    <p:sldId id="275" r:id="rId10"/>
-    <p:sldId id="276" r:id="rId11"/>
-    <p:sldId id="277" r:id="rId12"/>
-    <p:sldId id="287" r:id="rId13"/>
-    <p:sldId id="281" r:id="rId14"/>
-    <p:sldId id="262" r:id="rId15"/>
-    <p:sldId id="264" r:id="rId16"/>
-    <p:sldId id="265" r:id="rId17"/>
-    <p:sldId id="282" r:id="rId18"/>
-    <p:sldId id="273" r:id="rId19"/>
-    <p:sldId id="268" r:id="rId20"/>
-    <p:sldId id="269" r:id="rId21"/>
-    <p:sldId id="270" r:id="rId22"/>
-    <p:sldId id="267" r:id="rId23"/>
-    <p:sldId id="271" r:id="rId24"/>
-    <p:sldId id="259" r:id="rId25"/>
-    <p:sldId id="285" r:id="rId26"/>
-    <p:sldId id="260" r:id="rId27"/>
-    <p:sldId id="288" r:id="rId28"/>
-    <p:sldId id="289" r:id="rId29"/>
-    <p:sldId id="290" r:id="rId30"/>
-    <p:sldId id="297" r:id="rId31"/>
-    <p:sldId id="291" r:id="rId32"/>
-    <p:sldId id="299" r:id="rId33"/>
-    <p:sldId id="306" r:id="rId34"/>
-    <p:sldId id="293" r:id="rId35"/>
-    <p:sldId id="294" r:id="rId36"/>
-    <p:sldId id="295" r:id="rId37"/>
-    <p:sldId id="296" r:id="rId38"/>
-    <p:sldId id="298" r:id="rId39"/>
-    <p:sldId id="300" r:id="rId40"/>
-    <p:sldId id="302" r:id="rId41"/>
-    <p:sldId id="301" r:id="rId42"/>
-    <p:sldId id="303" r:id="rId43"/>
-    <p:sldId id="309" r:id="rId44"/>
-    <p:sldId id="304" r:id="rId45"/>
-    <p:sldId id="305" r:id="rId46"/>
-    <p:sldId id="307" r:id="rId47"/>
-    <p:sldId id="308" r:id="rId48"/>
-    <p:sldId id="310" r:id="rId49"/>
-    <p:sldId id="311" r:id="rId50"/>
-    <p:sldId id="312" r:id="rId51"/>
-    <p:sldId id="313" r:id="rId52"/>
-    <p:sldId id="314" r:id="rId53"/>
-    <p:sldId id="315" r:id="rId54"/>
-    <p:sldId id="316" r:id="rId55"/>
-    <p:sldId id="317" r:id="rId56"/>
-    <p:sldId id="319" r:id="rId57"/>
-    <p:sldId id="335" r:id="rId58"/>
-    <p:sldId id="318" r:id="rId59"/>
-    <p:sldId id="329" r:id="rId60"/>
-    <p:sldId id="330" r:id="rId61"/>
-    <p:sldId id="336" r:id="rId62"/>
-    <p:sldId id="331" r:id="rId63"/>
-    <p:sldId id="286" r:id="rId64"/>
-    <p:sldId id="261" r:id="rId65"/>
-    <p:sldId id="325" r:id="rId66"/>
-    <p:sldId id="320" r:id="rId67"/>
-    <p:sldId id="322" r:id="rId68"/>
-    <p:sldId id="332" r:id="rId69"/>
-    <p:sldId id="324" r:id="rId70"/>
-    <p:sldId id="334" r:id="rId71"/>
-    <p:sldId id="327" r:id="rId72"/>
-    <p:sldId id="328" r:id="rId73"/>
+    <p:sldId id="272" r:id="rId6"/>
+    <p:sldId id="274" r:id="rId7"/>
+    <p:sldId id="275" r:id="rId8"/>
+    <p:sldId id="276" r:id="rId9"/>
+    <p:sldId id="277" r:id="rId10"/>
+    <p:sldId id="287" r:id="rId11"/>
+    <p:sldId id="281" r:id="rId12"/>
+    <p:sldId id="262" r:id="rId13"/>
+    <p:sldId id="264" r:id="rId14"/>
+    <p:sldId id="265" r:id="rId15"/>
+    <p:sldId id="282" r:id="rId16"/>
+    <p:sldId id="273" r:id="rId17"/>
+    <p:sldId id="268" r:id="rId18"/>
+    <p:sldId id="269" r:id="rId19"/>
+    <p:sldId id="270" r:id="rId20"/>
+    <p:sldId id="267" r:id="rId21"/>
+    <p:sldId id="271" r:id="rId22"/>
+    <p:sldId id="259" r:id="rId23"/>
+    <p:sldId id="285" r:id="rId24"/>
+    <p:sldId id="260" r:id="rId25"/>
+    <p:sldId id="288" r:id="rId26"/>
+    <p:sldId id="289" r:id="rId27"/>
+    <p:sldId id="290" r:id="rId28"/>
+    <p:sldId id="297" r:id="rId29"/>
+    <p:sldId id="291" r:id="rId30"/>
+    <p:sldId id="299" r:id="rId31"/>
+    <p:sldId id="306" r:id="rId32"/>
+    <p:sldId id="293" r:id="rId33"/>
+    <p:sldId id="294" r:id="rId34"/>
+    <p:sldId id="295" r:id="rId35"/>
+    <p:sldId id="296" r:id="rId36"/>
+    <p:sldId id="298" r:id="rId37"/>
+    <p:sldId id="300" r:id="rId38"/>
+    <p:sldId id="302" r:id="rId39"/>
+    <p:sldId id="301" r:id="rId40"/>
+    <p:sldId id="303" r:id="rId41"/>
+    <p:sldId id="309" r:id="rId42"/>
+    <p:sldId id="304" r:id="rId43"/>
+    <p:sldId id="305" r:id="rId44"/>
+    <p:sldId id="307" r:id="rId45"/>
+    <p:sldId id="308" r:id="rId46"/>
+    <p:sldId id="310" r:id="rId47"/>
+    <p:sldId id="311" r:id="rId48"/>
+    <p:sldId id="312" r:id="rId49"/>
+    <p:sldId id="313" r:id="rId50"/>
+    <p:sldId id="314" r:id="rId51"/>
+    <p:sldId id="315" r:id="rId52"/>
+    <p:sldId id="316" r:id="rId53"/>
+    <p:sldId id="317" r:id="rId54"/>
+    <p:sldId id="319" r:id="rId55"/>
+    <p:sldId id="335" r:id="rId56"/>
+    <p:sldId id="318" r:id="rId57"/>
+    <p:sldId id="329" r:id="rId58"/>
+    <p:sldId id="330" r:id="rId59"/>
+    <p:sldId id="336" r:id="rId60"/>
+    <p:sldId id="331" r:id="rId61"/>
+    <p:sldId id="286" r:id="rId62"/>
+    <p:sldId id="261" r:id="rId63"/>
+    <p:sldId id="325" r:id="rId64"/>
+    <p:sldId id="320" r:id="rId65"/>
+    <p:sldId id="322" r:id="rId66"/>
+    <p:sldId id="332" r:id="rId67"/>
+    <p:sldId id="324" r:id="rId68"/>
+    <p:sldId id="334" r:id="rId69"/>
+    <p:sldId id="327" r:id="rId70"/>
+    <p:sldId id="328" r:id="rId71"/>
   </p:sldIdLst>
   <p:sldSz cx="9144000" cy="5143500" type="screen16x9"/>
   <p:notesSz cx="6858000" cy="9144000"/>
@@ -264,7 +262,7 @@
             <a:fld id="{F651DEDA-4D06-4F31-8412-E2AFD4BFF8DD}" type="datetimeFigureOut">
               <a:rPr lang="zh-CN" altLang="en-US" smtClean="0"/>
               <a:pPr/>
-              <a:t>2018/9/19</a:t>
+              <a:t>2018/9/20</a:t>
             </a:fld>
             <a:endParaRPr lang="zh-CN" altLang="en-US"/>
           </a:p>
@@ -598,7 +596,7 @@
             <a:fld id="{83CD164C-6AF4-47A6-80A8-5587AE76359C}" type="slidenum">
               <a:rPr lang="zh-CN" altLang="en-US" smtClean="0"/>
               <a:pPr/>
-              <a:t>32</a:t>
+              <a:t>30</a:t>
             </a:fld>
             <a:endParaRPr lang="zh-CN" altLang="en-US"/>
           </a:p>
@@ -680,7 +678,7 @@
             <a:fld id="{83CD164C-6AF4-47A6-80A8-5587AE76359C}" type="slidenum">
               <a:rPr lang="zh-CN" altLang="en-US" smtClean="0"/>
               <a:pPr/>
-              <a:t>35</a:t>
+              <a:t>33</a:t>
             </a:fld>
             <a:endParaRPr lang="zh-CN" altLang="en-US"/>
           </a:p>
@@ -876,7 +874,7 @@
             <a:fld id="{530820CF-B880-4189-942D-D702A7CBA730}" type="datetimeFigureOut">
               <a:rPr lang="zh-CN" altLang="en-US" smtClean="0"/>
               <a:pPr/>
-              <a:t>2018/9/19</a:t>
+              <a:t>2018/9/20</a:t>
             </a:fld>
             <a:endParaRPr lang="zh-CN" altLang="en-US"/>
           </a:p>
@@ -1043,7 +1041,7 @@
             <a:fld id="{530820CF-B880-4189-942D-D702A7CBA730}" type="datetimeFigureOut">
               <a:rPr lang="zh-CN" altLang="en-US" smtClean="0"/>
               <a:pPr/>
-              <a:t>2018/9/19</a:t>
+              <a:t>2018/9/20</a:t>
             </a:fld>
             <a:endParaRPr lang="zh-CN" altLang="en-US"/>
           </a:p>
@@ -1220,7 +1218,7 @@
             <a:fld id="{530820CF-B880-4189-942D-D702A7CBA730}" type="datetimeFigureOut">
               <a:rPr lang="zh-CN" altLang="en-US" smtClean="0"/>
               <a:pPr/>
-              <a:t>2018/9/19</a:t>
+              <a:t>2018/9/20</a:t>
             </a:fld>
             <a:endParaRPr lang="zh-CN" altLang="en-US"/>
           </a:p>
@@ -1387,7 +1385,7 @@
             <a:fld id="{530820CF-B880-4189-942D-D702A7CBA730}" type="datetimeFigureOut">
               <a:rPr lang="zh-CN" altLang="en-US" smtClean="0"/>
               <a:pPr/>
-              <a:t>2018/9/19</a:t>
+              <a:t>2018/9/20</a:t>
             </a:fld>
             <a:endParaRPr lang="zh-CN" altLang="en-US"/>
           </a:p>
@@ -1630,7 +1628,7 @@
             <a:fld id="{530820CF-B880-4189-942D-D702A7CBA730}" type="datetimeFigureOut">
               <a:rPr lang="zh-CN" altLang="en-US" smtClean="0"/>
               <a:pPr/>
-              <a:t>2018/9/19</a:t>
+              <a:t>2018/9/20</a:t>
             </a:fld>
             <a:endParaRPr lang="zh-CN" altLang="en-US"/>
           </a:p>
@@ -1915,7 +1913,7 @@
             <a:fld id="{530820CF-B880-4189-942D-D702A7CBA730}" type="datetimeFigureOut">
               <a:rPr lang="zh-CN" altLang="en-US" smtClean="0"/>
               <a:pPr/>
-              <a:t>2018/9/19</a:t>
+              <a:t>2018/9/20</a:t>
             </a:fld>
             <a:endParaRPr lang="zh-CN" altLang="en-US"/>
           </a:p>
@@ -2334,7 +2332,7 @@
             <a:fld id="{530820CF-B880-4189-942D-D702A7CBA730}" type="datetimeFigureOut">
               <a:rPr lang="zh-CN" altLang="en-US" smtClean="0"/>
               <a:pPr/>
-              <a:t>2018/9/19</a:t>
+              <a:t>2018/9/20</a:t>
             </a:fld>
             <a:endParaRPr lang="zh-CN" altLang="en-US"/>
           </a:p>
@@ -2449,7 +2447,7 @@
             <a:fld id="{530820CF-B880-4189-942D-D702A7CBA730}" type="datetimeFigureOut">
               <a:rPr lang="zh-CN" altLang="en-US" smtClean="0"/>
               <a:pPr/>
-              <a:t>2018/9/19</a:t>
+              <a:t>2018/9/20</a:t>
             </a:fld>
             <a:endParaRPr lang="zh-CN" altLang="en-US"/>
           </a:p>
@@ -2541,7 +2539,7 @@
             <a:fld id="{530820CF-B880-4189-942D-D702A7CBA730}" type="datetimeFigureOut">
               <a:rPr lang="zh-CN" altLang="en-US" smtClean="0"/>
               <a:pPr/>
-              <a:t>2018/9/19</a:t>
+              <a:t>2018/9/20</a:t>
             </a:fld>
             <a:endParaRPr lang="zh-CN" altLang="en-US"/>
           </a:p>
@@ -2815,7 +2813,7 @@
             <a:fld id="{530820CF-B880-4189-942D-D702A7CBA730}" type="datetimeFigureOut">
               <a:rPr lang="zh-CN" altLang="en-US" smtClean="0"/>
               <a:pPr/>
-              <a:t>2018/9/19</a:t>
+              <a:t>2018/9/20</a:t>
             </a:fld>
             <a:endParaRPr lang="zh-CN" altLang="en-US"/>
           </a:p>
@@ -3065,7 +3063,7 @@
             <a:fld id="{530820CF-B880-4189-942D-D702A7CBA730}" type="datetimeFigureOut">
               <a:rPr lang="zh-CN" altLang="en-US" smtClean="0"/>
               <a:pPr/>
-              <a:t>2018/9/19</a:t>
+              <a:t>2018/9/20</a:t>
             </a:fld>
             <a:endParaRPr lang="zh-CN" altLang="en-US"/>
           </a:p>
@@ -3275,7 +3273,7 @@
             <a:fld id="{530820CF-B880-4189-942D-D702A7CBA730}" type="datetimeFigureOut">
               <a:rPr lang="zh-CN" altLang="en-US" smtClean="0"/>
               <a:pPr/>
-              <a:t>2018/9/19</a:t>
+              <a:t>2018/9/20</a:t>
             </a:fld>
             <a:endParaRPr lang="zh-CN" altLang="en-US"/>
           </a:p>
@@ -3788,484 +3786,6 @@
           <a:bodyPr/>
           <a:lstStyle/>
           <a:p>
-            <a:pPr algn="l"/>
-            <a:r>
-              <a:rPr lang="en-US" altLang="zh-CN" dirty="0" smtClean="0"/>
-              <a:t>silicon</a:t>
-            </a:r>
-            <a:endParaRPr lang="zh-CN" altLang="en-US" dirty="0"/>
-          </a:p>
-        </p:txBody>
-      </p:sp>
-      <p:sp>
-        <p:nvSpPr>
-          <p:cNvPr id="3" name="内容占位符 2"/>
-          <p:cNvSpPr>
-            <a:spLocks noGrp="1"/>
-          </p:cNvSpPr>
-          <p:nvPr>
-            <p:ph idx="1"/>
-          </p:nvPr>
-        </p:nvSpPr>
-        <p:spPr/>
-        <p:txBody>
-          <a:bodyPr/>
-          <a:lstStyle/>
-          <a:p>
-            <a:endParaRPr lang="zh-CN" altLang="en-US" dirty="0"/>
-          </a:p>
-        </p:txBody>
-      </p:sp>
-      <p:pic>
-        <p:nvPicPr>
-          <p:cNvPr id="2050" name="Picture 2"/>
-          <p:cNvPicPr>
-            <a:picLocks noChangeAspect="1" noChangeArrowheads="1"/>
-          </p:cNvPicPr>
-          <p:nvPr/>
-        </p:nvPicPr>
-        <p:blipFill>
-          <a:blip r:embed="rId2"/>
-          <a:srcRect/>
-          <a:stretch>
-            <a:fillRect/>
-          </a:stretch>
-        </p:blipFill>
-        <p:spPr bwMode="auto">
-          <a:xfrm>
-            <a:off x="485153" y="1214428"/>
-            <a:ext cx="7444433" cy="571504"/>
-          </a:xfrm>
-          <a:prstGeom prst="rect">
-            <a:avLst/>
-          </a:prstGeom>
-          <a:noFill/>
-          <a:ln w="9525">
-            <a:noFill/>
-            <a:miter lim="800000"/>
-            <a:headEnd/>
-            <a:tailEnd/>
-          </a:ln>
-          <a:effectLst/>
-        </p:spPr>
-      </p:pic>
-      <p:pic>
-        <p:nvPicPr>
-          <p:cNvPr id="2051" name="Picture 3"/>
-          <p:cNvPicPr>
-            <a:picLocks noChangeAspect="1" noChangeArrowheads="1"/>
-          </p:cNvPicPr>
-          <p:nvPr/>
-        </p:nvPicPr>
-        <p:blipFill>
-          <a:blip r:embed="rId3"/>
-          <a:srcRect/>
-          <a:stretch>
-            <a:fillRect/>
-          </a:stretch>
-        </p:blipFill>
-        <p:spPr bwMode="auto">
-          <a:xfrm>
-            <a:off x="500034" y="1785932"/>
-            <a:ext cx="6357982" cy="1100831"/>
-          </a:xfrm>
-          <a:prstGeom prst="rect">
-            <a:avLst/>
-          </a:prstGeom>
-          <a:noFill/>
-          <a:ln w="9525">
-            <a:noFill/>
-            <a:miter lim="800000"/>
-            <a:headEnd/>
-            <a:tailEnd/>
-          </a:ln>
-          <a:effectLst/>
-        </p:spPr>
-      </p:pic>
-      <p:pic>
-        <p:nvPicPr>
-          <p:cNvPr id="2053" name="Picture 5"/>
-          <p:cNvPicPr>
-            <a:picLocks noChangeAspect="1" noChangeArrowheads="1"/>
-          </p:cNvPicPr>
-          <p:nvPr/>
-        </p:nvPicPr>
-        <p:blipFill>
-          <a:blip r:embed="rId4"/>
-          <a:srcRect/>
-          <a:stretch>
-            <a:fillRect/>
-          </a:stretch>
-        </p:blipFill>
-        <p:spPr bwMode="auto">
-          <a:xfrm>
-            <a:off x="500034" y="2857502"/>
-            <a:ext cx="5778540" cy="2000264"/>
-          </a:xfrm>
-          <a:prstGeom prst="rect">
-            <a:avLst/>
-          </a:prstGeom>
-          <a:noFill/>
-          <a:ln w="9525">
-            <a:noFill/>
-            <a:miter lim="800000"/>
-            <a:headEnd/>
-            <a:tailEnd/>
-          </a:ln>
-          <a:effectLst/>
-        </p:spPr>
-      </p:pic>
-    </p:spTree>
-  </p:cSld>
-  <p:clrMapOvr>
-    <a:masterClrMapping/>
-  </p:clrMapOvr>
-  <p:timing>
-    <p:tnLst>
-      <p:par>
-        <p:cTn id="1" dur="indefinite" restart="never" nodeType="tmRoot">
-          <p:childTnLst>
-            <p:seq concurrent="1" nextAc="seek">
-              <p:cTn id="2" dur="indefinite" nodeType="mainSeq">
-                <p:childTnLst>
-                  <p:par>
-                    <p:cTn id="3" fill="hold">
-                      <p:stCondLst>
-                        <p:cond delay="indefinite"/>
-                      </p:stCondLst>
-                      <p:childTnLst>
-                        <p:par>
-                          <p:cTn id="4" fill="hold">
-                            <p:stCondLst>
-                              <p:cond delay="0"/>
-                            </p:stCondLst>
-                            <p:childTnLst>
-                              <p:par>
-                                <p:cTn id="5" presetID="2" presetClass="entr" presetSubtype="4" fill="hold" nodeType="clickEffect">
-                                  <p:stCondLst>
-                                    <p:cond delay="0"/>
-                                  </p:stCondLst>
-                                  <p:childTnLst>
-                                    <p:set>
-                                      <p:cBhvr>
-                                        <p:cTn id="6" dur="1" fill="hold">
-                                          <p:stCondLst>
-                                            <p:cond delay="0"/>
-                                          </p:stCondLst>
-                                        </p:cTn>
-                                        <p:tgtEl>
-                                          <p:spTgt spid="2051"/>
-                                        </p:tgtEl>
-                                        <p:attrNameLst>
-                                          <p:attrName>style.visibility</p:attrName>
-                                        </p:attrNameLst>
-                                      </p:cBhvr>
-                                      <p:to>
-                                        <p:strVal val="visible"/>
-                                      </p:to>
-                                    </p:set>
-                                    <p:anim calcmode="lin" valueType="num">
-                                      <p:cBhvr additive="base">
-                                        <p:cTn id="7" dur="500" fill="hold"/>
-                                        <p:tgtEl>
-                                          <p:spTgt spid="2051"/>
-                                        </p:tgtEl>
-                                        <p:attrNameLst>
-                                          <p:attrName>ppt_x</p:attrName>
-                                        </p:attrNameLst>
-                                      </p:cBhvr>
-                                      <p:tavLst>
-                                        <p:tav tm="0">
-                                          <p:val>
-                                            <p:strVal val="#ppt_x"/>
-                                          </p:val>
-                                        </p:tav>
-                                        <p:tav tm="100000">
-                                          <p:val>
-                                            <p:strVal val="#ppt_x"/>
-                                          </p:val>
-                                        </p:tav>
-                                      </p:tavLst>
-                                    </p:anim>
-                                    <p:anim calcmode="lin" valueType="num">
-                                      <p:cBhvr additive="base">
-                                        <p:cTn id="8" dur="500" fill="hold"/>
-                                        <p:tgtEl>
-                                          <p:spTgt spid="2051"/>
-                                        </p:tgtEl>
-                                        <p:attrNameLst>
-                                          <p:attrName>ppt_y</p:attrName>
-                                        </p:attrNameLst>
-                                      </p:cBhvr>
-                                      <p:tavLst>
-                                        <p:tav tm="0">
-                                          <p:val>
-                                            <p:strVal val="1+#ppt_h/2"/>
-                                          </p:val>
-                                        </p:tav>
-                                        <p:tav tm="100000">
-                                          <p:val>
-                                            <p:strVal val="#ppt_y"/>
-                                          </p:val>
-                                        </p:tav>
-                                      </p:tavLst>
-                                    </p:anim>
-                                  </p:childTnLst>
-                                </p:cTn>
-                              </p:par>
-                            </p:childTnLst>
-                          </p:cTn>
-                        </p:par>
-                      </p:childTnLst>
-                    </p:cTn>
-                  </p:par>
-                  <p:par>
-                    <p:cTn id="9" fill="hold">
-                      <p:stCondLst>
-                        <p:cond delay="indefinite"/>
-                      </p:stCondLst>
-                      <p:childTnLst>
-                        <p:par>
-                          <p:cTn id="10" fill="hold">
-                            <p:stCondLst>
-                              <p:cond delay="0"/>
-                            </p:stCondLst>
-                            <p:childTnLst>
-                              <p:par>
-                                <p:cTn id="11" presetID="2" presetClass="entr" presetSubtype="4" fill="hold" nodeType="clickEffect">
-                                  <p:stCondLst>
-                                    <p:cond delay="0"/>
-                                  </p:stCondLst>
-                                  <p:childTnLst>
-                                    <p:set>
-                                      <p:cBhvr>
-                                        <p:cTn id="12" dur="1" fill="hold">
-                                          <p:stCondLst>
-                                            <p:cond delay="0"/>
-                                          </p:stCondLst>
-                                        </p:cTn>
-                                        <p:tgtEl>
-                                          <p:spTgt spid="2053"/>
-                                        </p:tgtEl>
-                                        <p:attrNameLst>
-                                          <p:attrName>style.visibility</p:attrName>
-                                        </p:attrNameLst>
-                                      </p:cBhvr>
-                                      <p:to>
-                                        <p:strVal val="visible"/>
-                                      </p:to>
-                                    </p:set>
-                                    <p:anim calcmode="lin" valueType="num">
-                                      <p:cBhvr additive="base">
-                                        <p:cTn id="13" dur="500" fill="hold"/>
-                                        <p:tgtEl>
-                                          <p:spTgt spid="2053"/>
-                                        </p:tgtEl>
-                                        <p:attrNameLst>
-                                          <p:attrName>ppt_x</p:attrName>
-                                        </p:attrNameLst>
-                                      </p:cBhvr>
-                                      <p:tavLst>
-                                        <p:tav tm="0">
-                                          <p:val>
-                                            <p:strVal val="#ppt_x"/>
-                                          </p:val>
-                                        </p:tav>
-                                        <p:tav tm="100000">
-                                          <p:val>
-                                            <p:strVal val="#ppt_x"/>
-                                          </p:val>
-                                        </p:tav>
-                                      </p:tavLst>
-                                    </p:anim>
-                                    <p:anim calcmode="lin" valueType="num">
-                                      <p:cBhvr additive="base">
-                                        <p:cTn id="14" dur="500" fill="hold"/>
-                                        <p:tgtEl>
-                                          <p:spTgt spid="2053"/>
-                                        </p:tgtEl>
-                                        <p:attrNameLst>
-                                          <p:attrName>ppt_y</p:attrName>
-                                        </p:attrNameLst>
-                                      </p:cBhvr>
-                                      <p:tavLst>
-                                        <p:tav tm="0">
-                                          <p:val>
-                                            <p:strVal val="1+#ppt_h/2"/>
-                                          </p:val>
-                                        </p:tav>
-                                        <p:tav tm="100000">
-                                          <p:val>
-                                            <p:strVal val="#ppt_y"/>
-                                          </p:val>
-                                        </p:tav>
-                                      </p:tavLst>
-                                    </p:anim>
-                                  </p:childTnLst>
-                                </p:cTn>
-                              </p:par>
-                            </p:childTnLst>
-                          </p:cTn>
-                        </p:par>
-                      </p:childTnLst>
-                    </p:cTn>
-                  </p:par>
-                </p:childTnLst>
-              </p:cTn>
-              <p:prevCondLst>
-                <p:cond evt="onPrev" delay="0">
-                  <p:tgtEl>
-                    <p:sldTgt/>
-                  </p:tgtEl>
-                </p:cond>
-              </p:prevCondLst>
-              <p:nextCondLst>
-                <p:cond evt="onNext" delay="0">
-                  <p:tgtEl>
-                    <p:sldTgt/>
-                  </p:tgtEl>
-                </p:cond>
-              </p:nextCondLst>
-            </p:seq>
-          </p:childTnLst>
-        </p:cTn>
-      </p:par>
-    </p:tnLst>
-  </p:timing>
-</p:sld>
-</file>
-
-<file path=ppt/slides/slide11.xml><?xml version="1.0" encoding="utf-8"?>
-<p:sld xmlns:a="http://schemas.openxmlformats.org/drawingml/2006/main" xmlns:r="http://schemas.openxmlformats.org/officeDocument/2006/relationships" xmlns:p="http://schemas.openxmlformats.org/presentationml/2006/main">
-  <p:cSld>
-    <p:spTree>
-      <p:nvGrpSpPr>
-        <p:cNvPr id="1" name=""/>
-        <p:cNvGrpSpPr/>
-        <p:nvPr/>
-      </p:nvGrpSpPr>
-      <p:grpSpPr>
-        <a:xfrm>
-          <a:off x="0" y="0"/>
-          <a:ext cx="0" cy="0"/>
-          <a:chOff x="0" y="0"/>
-          <a:chExt cx="0" cy="0"/>
-        </a:xfrm>
-      </p:grpSpPr>
-      <p:sp>
-        <p:nvSpPr>
-          <p:cNvPr id="2" name="标题 1"/>
-          <p:cNvSpPr>
-            <a:spLocks noGrp="1"/>
-          </p:cNvSpPr>
-          <p:nvPr>
-            <p:ph type="title"/>
-          </p:nvPr>
-        </p:nvSpPr>
-        <p:spPr/>
-        <p:txBody>
-          <a:bodyPr/>
-          <a:lstStyle/>
-          <a:p>
-            <a:pPr algn="l"/>
-            <a:r>
-              <a:rPr lang="en-US" altLang="zh-CN" dirty="0" smtClean="0"/>
-              <a:t>silicon</a:t>
-            </a:r>
-            <a:endParaRPr lang="zh-CN" altLang="en-US" dirty="0"/>
-          </a:p>
-        </p:txBody>
-      </p:sp>
-      <p:sp>
-        <p:nvSpPr>
-          <p:cNvPr id="3" name="内容占位符 2"/>
-          <p:cNvSpPr>
-            <a:spLocks noGrp="1"/>
-          </p:cNvSpPr>
-          <p:nvPr>
-            <p:ph idx="1"/>
-          </p:nvPr>
-        </p:nvSpPr>
-        <p:spPr/>
-        <p:txBody>
-          <a:bodyPr>
-            <a:normAutofit/>
-          </a:bodyPr>
-          <a:lstStyle/>
-          <a:p>
-            <a:r>
-              <a:rPr lang="en-US" altLang="zh-CN" sz="2800" dirty="0" smtClean="0"/>
-              <a:t>The user interface is not friendly</a:t>
-            </a:r>
-          </a:p>
-          <a:p>
-            <a:r>
-              <a:rPr lang="en-US" altLang="zh-CN" sz="2800" dirty="0" smtClean="0"/>
-              <a:t>Complicated, not flexible</a:t>
-            </a:r>
-          </a:p>
-          <a:p>
-            <a:r>
-              <a:rPr lang="en-US" altLang="zh-CN" sz="2800" dirty="0" smtClean="0"/>
-              <a:t>Don’t separate non-core business</a:t>
-            </a:r>
-          </a:p>
-          <a:p>
-            <a:r>
-              <a:rPr lang="en-US" altLang="zh-CN" sz="2800" dirty="0" smtClean="0"/>
-              <a:t>Lack of html templates component</a:t>
-            </a:r>
-            <a:endParaRPr lang="zh-CN" altLang="en-US" sz="2800" dirty="0"/>
-          </a:p>
-        </p:txBody>
-      </p:sp>
-    </p:spTree>
-  </p:cSld>
-  <p:clrMapOvr>
-    <a:masterClrMapping/>
-  </p:clrMapOvr>
-  <p:timing>
-    <p:tnLst>
-      <p:par>
-        <p:cTn id="1" dur="indefinite" restart="never" nodeType="tmRoot"/>
-      </p:par>
-    </p:tnLst>
-  </p:timing>
-</p:sld>
-</file>
-
-<file path=ppt/slides/slide12.xml><?xml version="1.0" encoding="utf-8"?>
-<p:sld xmlns:a="http://schemas.openxmlformats.org/drawingml/2006/main" xmlns:r="http://schemas.openxmlformats.org/officeDocument/2006/relationships" xmlns:p="http://schemas.openxmlformats.org/presentationml/2006/main">
-  <p:cSld>
-    <p:spTree>
-      <p:nvGrpSpPr>
-        <p:cNvPr id="1" name=""/>
-        <p:cNvGrpSpPr/>
-        <p:nvPr/>
-      </p:nvGrpSpPr>
-      <p:grpSpPr>
-        <a:xfrm>
-          <a:off x="0" y="0"/>
-          <a:ext cx="0" cy="0"/>
-          <a:chOff x="0" y="0"/>
-          <a:chExt cx="0" cy="0"/>
-        </a:xfrm>
-      </p:grpSpPr>
-      <p:sp>
-        <p:nvSpPr>
-          <p:cNvPr id="2" name="标题 1"/>
-          <p:cNvSpPr>
-            <a:spLocks noGrp="1"/>
-          </p:cNvSpPr>
-          <p:nvPr>
-            <p:ph type="title"/>
-          </p:nvPr>
-        </p:nvSpPr>
-        <p:spPr/>
-        <p:txBody>
-          <a:bodyPr/>
-          <a:lstStyle/>
-          <a:p>
             <a:endParaRPr lang="zh-CN" altLang="en-US"/>
           </a:p>
         </p:txBody>
@@ -4337,7 +3857,7 @@
 </p:sld>
 </file>
 
-<file path=ppt/slides/slide13.xml><?xml version="1.0" encoding="utf-8"?>
+<file path=ppt/slides/slide11.xml><?xml version="1.0" encoding="utf-8"?>
 <p:sld xmlns:a="http://schemas.openxmlformats.org/drawingml/2006/main" xmlns:r="http://schemas.openxmlformats.org/officeDocument/2006/relationships" xmlns:p="http://schemas.openxmlformats.org/presentationml/2006/main">
   <p:cSld>
     <p:spTree>
@@ -4463,7 +3983,7 @@
 </p:sld>
 </file>
 
-<file path=ppt/slides/slide14.xml><?xml version="1.0" encoding="utf-8"?>
+<file path=ppt/slides/slide12.xml><?xml version="1.0" encoding="utf-8"?>
 <p:sld xmlns:a="http://schemas.openxmlformats.org/drawingml/2006/main" xmlns:r="http://schemas.openxmlformats.org/officeDocument/2006/relationships" xmlns:p="http://schemas.openxmlformats.org/presentationml/2006/main">
   <p:cSld>
     <p:spTree>
@@ -4561,15 +4081,15 @@
           <a:p>
             <a:r>
               <a:rPr lang="en-US" altLang="zh-CN" sz="2400" b="1" dirty="0" smtClean="0"/>
-              <a:t>you can use modern </a:t>
-            </a:r>
-            <a:r>
-              <a:rPr lang="en-US" altLang="zh-CN" sz="2400" b="1" dirty="0" err="1" smtClean="0"/>
-              <a:t>c++</a:t>
+              <a:t>you can use </a:t>
             </a:r>
             <a:r>
               <a:rPr lang="en-US" altLang="zh-CN" sz="2400" b="1" dirty="0" smtClean="0"/>
-              <a:t> to develop a web application rapidly</a:t>
+              <a:t>feather to </a:t>
+            </a:r>
+            <a:r>
+              <a:rPr lang="en-US" altLang="zh-CN" sz="2400" b="1" dirty="0" smtClean="0"/>
+              <a:t>develop a web application rapidly</a:t>
             </a:r>
             <a:endParaRPr lang="zh-CN" altLang="en-US" sz="2400" b="1" dirty="0"/>
           </a:p>
@@ -4707,7 +4227,7 @@
 </p:sld>
 </file>
 
-<file path=ppt/slides/slide15.xml><?xml version="1.0" encoding="utf-8"?>
+<file path=ppt/slides/slide13.xml><?xml version="1.0" encoding="utf-8"?>
 <p:sld xmlns:a="http://schemas.openxmlformats.org/drawingml/2006/main" xmlns:r="http://schemas.openxmlformats.org/officeDocument/2006/relationships" xmlns:p="http://schemas.openxmlformats.org/presentationml/2006/main">
   <p:cSld>
     <p:spTree>
@@ -5062,7 +4582,7 @@
 </p:sld>
 </file>
 
-<file path=ppt/slides/slide16.xml><?xml version="1.0" encoding="utf-8"?>
+<file path=ppt/slides/slide14.xml><?xml version="1.0" encoding="utf-8"?>
 <p:sld xmlns:a="http://schemas.openxmlformats.org/drawingml/2006/main" xmlns:r="http://schemas.openxmlformats.org/officeDocument/2006/relationships" xmlns:p="http://schemas.openxmlformats.org/presentationml/2006/main">
   <p:cSld>
     <p:spTree>
@@ -5192,7 +4712,7 @@
 </p:sld>
 </file>
 
-<file path=ppt/slides/slide17.xml><?xml version="1.0" encoding="utf-8"?>
+<file path=ppt/slides/slide15.xml><?xml version="1.0" encoding="utf-8"?>
 <p:sld xmlns:a="http://schemas.openxmlformats.org/drawingml/2006/main" xmlns:r="http://schemas.openxmlformats.org/officeDocument/2006/relationships" xmlns:p="http://schemas.openxmlformats.org/presentationml/2006/main">
   <p:cSld>
     <p:spTree>
@@ -5507,7 +5027,7 @@
 </p:sld>
 </file>
 
-<file path=ppt/slides/slide18.xml><?xml version="1.0" encoding="utf-8"?>
+<file path=ppt/slides/slide16.xml><?xml version="1.0" encoding="utf-8"?>
 <p:sld xmlns:a="http://schemas.openxmlformats.org/drawingml/2006/main" xmlns:r="http://schemas.openxmlformats.org/officeDocument/2006/relationships" xmlns:p="http://schemas.openxmlformats.org/presentationml/2006/main">
   <p:cSld>
     <p:spTree>
@@ -5595,23 +5115,13 @@
             </a:r>
             <a:r>
               <a:rPr lang="en-US" altLang="zh-CN" sz="2800" dirty="0" smtClean="0"/>
-              <a:t>: a powerful html template engine</a:t>
-            </a:r>
-          </a:p>
-          <a:p>
-            <a:r>
-              <a:rPr lang="en-US" altLang="zh-CN" sz="2800" dirty="0" smtClean="0">
-                <a:hlinkClick r:id="rId5"/>
-              </a:rPr>
-              <a:t>Iguana</a:t>
+              <a:t>: a powerful html template </a:t>
             </a:r>
             <a:r>
               <a:rPr lang="en-US" altLang="zh-CN" sz="2800" dirty="0" smtClean="0"/>
-              <a:t>: a fast serialization library</a:t>
-            </a:r>
-          </a:p>
-          <a:p>
-            <a:endParaRPr lang="zh-CN" altLang="en-US" dirty="0"/>
+              <a:t>engine</a:t>
+            </a:r>
+            <a:endParaRPr lang="en-US" altLang="zh-CN" sz="2800" dirty="0" smtClean="0"/>
           </a:p>
         </p:txBody>
       </p:sp>
@@ -5630,7 +5140,7 @@
 </p:sld>
 </file>
 
-<file path=ppt/slides/slide19.xml><?xml version="1.0" encoding="utf-8"?>
+<file path=ppt/slides/slide17.xml><?xml version="1.0" encoding="utf-8"?>
 <p:sld xmlns:a="http://schemas.openxmlformats.org/drawingml/2006/main" xmlns:r="http://schemas.openxmlformats.org/officeDocument/2006/relationships" xmlns:p="http://schemas.openxmlformats.org/presentationml/2006/main">
   <p:cSld>
     <p:spTree>
@@ -5773,104 +5283,7 @@
 </p:sld>
 </file>
 
-<file path=ppt/slides/slide2.xml><?xml version="1.0" encoding="utf-8"?>
-<p:sld xmlns:a="http://schemas.openxmlformats.org/drawingml/2006/main" xmlns:r="http://schemas.openxmlformats.org/officeDocument/2006/relationships" xmlns:p="http://schemas.openxmlformats.org/presentationml/2006/main">
-  <p:cSld>
-    <p:spTree>
-      <p:nvGrpSpPr>
-        <p:cNvPr id="1" name=""/>
-        <p:cNvGrpSpPr/>
-        <p:nvPr/>
-      </p:nvGrpSpPr>
-      <p:grpSpPr>
-        <a:xfrm>
-          <a:off x="0" y="0"/>
-          <a:ext cx="0" cy="0"/>
-          <a:chOff x="0" y="0"/>
-          <a:chExt cx="0" cy="0"/>
-        </a:xfrm>
-      </p:grpSpPr>
-      <p:sp>
-        <p:nvSpPr>
-          <p:cNvPr id="2" name="标题 1"/>
-          <p:cNvSpPr>
-            <a:spLocks noGrp="1"/>
-          </p:cNvSpPr>
-          <p:nvPr>
-            <p:ph type="title"/>
-          </p:nvPr>
-        </p:nvSpPr>
-        <p:spPr/>
-        <p:txBody>
-          <a:bodyPr/>
-          <a:lstStyle/>
-          <a:p>
-            <a:pPr algn="l"/>
-            <a:r>
-              <a:rPr lang="en-US" altLang="zh-CN" dirty="0" smtClean="0"/>
-              <a:t>Outline</a:t>
-            </a:r>
-            <a:endParaRPr lang="zh-CN" altLang="en-US" dirty="0"/>
-          </a:p>
-        </p:txBody>
-      </p:sp>
-      <p:sp>
-        <p:nvSpPr>
-          <p:cNvPr id="3" name="内容占位符 2"/>
-          <p:cNvSpPr>
-            <a:spLocks noGrp="1"/>
-          </p:cNvSpPr>
-          <p:nvPr>
-            <p:ph idx="1"/>
-          </p:nvPr>
-        </p:nvSpPr>
-        <p:spPr/>
-        <p:txBody>
-          <a:bodyPr/>
-          <a:lstStyle/>
-          <a:p>
-            <a:r>
-              <a:rPr lang="en-US" altLang="zh-CN" dirty="0" smtClean="0"/>
-              <a:t>Basic Concepts of Web Framework</a:t>
-            </a:r>
-          </a:p>
-          <a:p>
-            <a:r>
-              <a:rPr lang="en-US" altLang="zh-CN" dirty="0" smtClean="0"/>
-              <a:t>What is Feather?</a:t>
-            </a:r>
-          </a:p>
-          <a:p>
-            <a:r>
-              <a:rPr lang="en-US" altLang="zh-CN" dirty="0" smtClean="0"/>
-              <a:t>Components</a:t>
-            </a:r>
-          </a:p>
-          <a:p>
-            <a:r>
-              <a:rPr lang="en-US" altLang="zh-CN" dirty="0" smtClean="0"/>
-              <a:t>How to Rapidly Develop Web?</a:t>
-            </a:r>
-            <a:endParaRPr lang="zh-CN" altLang="en-US" dirty="0"/>
-          </a:p>
-        </p:txBody>
-      </p:sp>
-    </p:spTree>
-  </p:cSld>
-  <p:clrMapOvr>
-    <a:masterClrMapping/>
-  </p:clrMapOvr>
-  <p:timing>
-    <p:tnLst>
-      <p:par>
-        <p:cTn id="1" dur="indefinite" restart="never" nodeType="tmRoot"/>
-      </p:par>
-    </p:tnLst>
-  </p:timing>
-</p:sld>
-</file>
-
-<file path=ppt/slides/slide20.xml><?xml version="1.0" encoding="utf-8"?>
+<file path=ppt/slides/slide18.xml><?xml version="1.0" encoding="utf-8"?>
 <p:sld xmlns:a="http://schemas.openxmlformats.org/drawingml/2006/main" xmlns:r="http://schemas.openxmlformats.org/officeDocument/2006/relationships" xmlns:p="http://schemas.openxmlformats.org/presentationml/2006/main">
   <p:cSld>
     <p:spTree>
@@ -6244,7 +5657,7 @@
 </p:sld>
 </file>
 
-<file path=ppt/slides/slide21.xml><?xml version="1.0" encoding="utf-8"?>
+<file path=ppt/slides/slide19.xml><?xml version="1.0" encoding="utf-8"?>
 <p:sld xmlns:a="http://schemas.openxmlformats.org/drawingml/2006/main" xmlns:r="http://schemas.openxmlformats.org/officeDocument/2006/relationships" xmlns:p="http://schemas.openxmlformats.org/presentationml/2006/main">
   <p:cSld>
     <p:spTree>
@@ -6735,7 +6148,7 @@
 </p:sld>
 </file>
 
-<file path=ppt/slides/slide22.xml><?xml version="1.0" encoding="utf-8"?>
+<file path=ppt/slides/slide2.xml><?xml version="1.0" encoding="utf-8"?>
 <p:sld xmlns:a="http://schemas.openxmlformats.org/drawingml/2006/main" xmlns:r="http://schemas.openxmlformats.org/officeDocument/2006/relationships" xmlns:p="http://schemas.openxmlformats.org/presentationml/2006/main">
   <p:cSld>
     <p:spTree>
@@ -6770,7 +6183,7 @@
             <a:pPr algn="l"/>
             <a:r>
               <a:rPr lang="en-US" altLang="zh-CN" dirty="0" smtClean="0"/>
-              <a:t>Development efficiency</a:t>
+              <a:t>Outline</a:t>
             </a:r>
             <a:endParaRPr lang="zh-CN" altLang="en-US" dirty="0"/>
           </a:p>
@@ -6788,6 +6201,103 @@
         </p:nvSpPr>
         <p:spPr/>
         <p:txBody>
+          <a:bodyPr/>
+          <a:lstStyle/>
+          <a:p>
+            <a:r>
+              <a:rPr lang="en-US" altLang="zh-CN" dirty="0" smtClean="0"/>
+              <a:t>Basic Concepts of Web Framework</a:t>
+            </a:r>
+          </a:p>
+          <a:p>
+            <a:r>
+              <a:rPr lang="en-US" altLang="zh-CN" dirty="0" smtClean="0"/>
+              <a:t>What is Feather?</a:t>
+            </a:r>
+          </a:p>
+          <a:p>
+            <a:r>
+              <a:rPr lang="en-US" altLang="zh-CN" dirty="0" smtClean="0"/>
+              <a:t>Components</a:t>
+            </a:r>
+          </a:p>
+          <a:p>
+            <a:r>
+              <a:rPr lang="en-US" altLang="zh-CN" dirty="0" smtClean="0"/>
+              <a:t>How to Rapidly Develop Web?</a:t>
+            </a:r>
+            <a:endParaRPr lang="zh-CN" altLang="en-US" dirty="0"/>
+          </a:p>
+        </p:txBody>
+      </p:sp>
+    </p:spTree>
+  </p:cSld>
+  <p:clrMapOvr>
+    <a:masterClrMapping/>
+  </p:clrMapOvr>
+  <p:timing>
+    <p:tnLst>
+      <p:par>
+        <p:cTn id="1" dur="indefinite" restart="never" nodeType="tmRoot"/>
+      </p:par>
+    </p:tnLst>
+  </p:timing>
+</p:sld>
+</file>
+
+<file path=ppt/slides/slide20.xml><?xml version="1.0" encoding="utf-8"?>
+<p:sld xmlns:a="http://schemas.openxmlformats.org/drawingml/2006/main" xmlns:r="http://schemas.openxmlformats.org/officeDocument/2006/relationships" xmlns:p="http://schemas.openxmlformats.org/presentationml/2006/main">
+  <p:cSld>
+    <p:spTree>
+      <p:nvGrpSpPr>
+        <p:cNvPr id="1" name=""/>
+        <p:cNvGrpSpPr/>
+        <p:nvPr/>
+      </p:nvGrpSpPr>
+      <p:grpSpPr>
+        <a:xfrm>
+          <a:off x="0" y="0"/>
+          <a:ext cx="0" cy="0"/>
+          <a:chOff x="0" y="0"/>
+          <a:chExt cx="0" cy="0"/>
+        </a:xfrm>
+      </p:grpSpPr>
+      <p:sp>
+        <p:nvSpPr>
+          <p:cNvPr id="2" name="标题 1"/>
+          <p:cNvSpPr>
+            <a:spLocks noGrp="1"/>
+          </p:cNvSpPr>
+          <p:nvPr>
+            <p:ph type="title"/>
+          </p:nvPr>
+        </p:nvSpPr>
+        <p:spPr/>
+        <p:txBody>
+          <a:bodyPr/>
+          <a:lstStyle/>
+          <a:p>
+            <a:pPr algn="l"/>
+            <a:r>
+              <a:rPr lang="en-US" altLang="zh-CN" dirty="0" smtClean="0"/>
+              <a:t>Development efficiency</a:t>
+            </a:r>
+            <a:endParaRPr lang="zh-CN" altLang="en-US" dirty="0"/>
+          </a:p>
+        </p:txBody>
+      </p:sp>
+      <p:sp>
+        <p:nvSpPr>
+          <p:cNvPr id="3" name="内容占位符 2"/>
+          <p:cNvSpPr>
+            <a:spLocks noGrp="1"/>
+          </p:cNvSpPr>
+          <p:nvPr>
+            <p:ph idx="1"/>
+          </p:nvPr>
+        </p:nvSpPr>
+        <p:spPr/>
+        <p:txBody>
           <a:bodyPr>
             <a:normAutofit/>
           </a:bodyPr>
@@ -6886,7 +6396,7 @@
         <p:spPr>
           <a:xfrm>
             <a:off x="3357554" y="3500444"/>
-            <a:ext cx="4091826" cy="1015663"/>
+            <a:ext cx="4531112" cy="1015663"/>
           </a:xfrm>
           <a:prstGeom prst="rect">
             <a:avLst/>
@@ -6914,7 +6424,15 @@
           <a:p>
             <a:r>
               <a:rPr lang="en-US" altLang="zh-CN" sz="2000" dirty="0" smtClean="0"/>
-              <a:t>All the business code is just </a:t>
+              <a:t>All </a:t>
+            </a:r>
+            <a:r>
+              <a:rPr lang="en-US" altLang="zh-CN" sz="2000" dirty="0" smtClean="0"/>
+              <a:t>the core </a:t>
+            </a:r>
+            <a:r>
+              <a:rPr lang="en-US" altLang="zh-CN" sz="2000" dirty="0" smtClean="0"/>
+              <a:t>business code is just </a:t>
             </a:r>
             <a:r>
               <a:rPr lang="en-US" altLang="zh-CN" sz="2000" b="1" dirty="0" smtClean="0"/>
@@ -7073,7 +6591,7 @@
 </p:sld>
 </file>
 
-<file path=ppt/slides/slide23.xml><?xml version="1.0" encoding="utf-8"?>
+<file path=ppt/slides/slide21.xml><?xml version="1.0" encoding="utf-8"?>
 <p:sld xmlns:a="http://schemas.openxmlformats.org/drawingml/2006/main" xmlns:r="http://schemas.openxmlformats.org/officeDocument/2006/relationships" xmlns:p="http://schemas.openxmlformats.org/presentationml/2006/main">
   <p:cSld>
     <p:spTree>
@@ -7176,7 +6694,7 @@
 </p:sld>
 </file>
 
-<file path=ppt/slides/slide24.xml><?xml version="1.0" encoding="utf-8"?>
+<file path=ppt/slides/slide22.xml><?xml version="1.0" encoding="utf-8"?>
 <p:sld xmlns:a="http://schemas.openxmlformats.org/drawingml/2006/main" xmlns:r="http://schemas.openxmlformats.org/officeDocument/2006/relationships" xmlns:p="http://schemas.openxmlformats.org/presentationml/2006/main">
   <p:cSld>
     <p:spTree>
@@ -7261,7 +6779,7 @@
 </p:sld>
 </file>
 
-<file path=ppt/slides/slide25.xml><?xml version="1.0" encoding="utf-8"?>
+<file path=ppt/slides/slide23.xml><?xml version="1.0" encoding="utf-8"?>
 <p:sld xmlns:a="http://schemas.openxmlformats.org/drawingml/2006/main" xmlns:r="http://schemas.openxmlformats.org/officeDocument/2006/relationships" xmlns:p="http://schemas.openxmlformats.org/presentationml/2006/main">
   <p:cSld>
     <p:spTree>
@@ -7358,7 +6876,7 @@
 </p:sld>
 </file>
 
-<file path=ppt/slides/slide26.xml><?xml version="1.0" encoding="utf-8"?>
+<file path=ppt/slides/slide24.xml><?xml version="1.0" encoding="utf-8"?>
 <p:sld xmlns:a="http://schemas.openxmlformats.org/drawingml/2006/main" xmlns:r="http://schemas.openxmlformats.org/officeDocument/2006/relationships" xmlns:p="http://schemas.openxmlformats.org/presentationml/2006/main">
   <p:cSld>
     <p:spTree>
@@ -7435,17 +6953,7 @@
               <a:rPr lang="en-US" altLang="zh-CN" dirty="0" smtClean="0"/>
               <a:t>render</a:t>
             </a:r>
-          </a:p>
-          <a:p>
-            <a:r>
-              <a:rPr lang="en-US" altLang="zh-CN" dirty="0" smtClean="0"/>
-              <a:t>iguana/</a:t>
-            </a:r>
-            <a:r>
-              <a:rPr lang="en-US" altLang="zh-CN" dirty="0" err="1" smtClean="0"/>
-              <a:t>json</a:t>
-            </a:r>
-            <a:endParaRPr lang="zh-CN" altLang="en-US" dirty="0"/>
+            <a:endParaRPr lang="en-US" altLang="zh-CN" dirty="0" smtClean="0"/>
           </a:p>
         </p:txBody>
       </p:sp>
@@ -7464,7 +6972,7 @@
 </p:sld>
 </file>
 
-<file path=ppt/slides/slide27.xml><?xml version="1.0" encoding="utf-8"?>
+<file path=ppt/slides/slide25.xml><?xml version="1.0" encoding="utf-8"?>
 <p:sld xmlns:a="http://schemas.openxmlformats.org/drawingml/2006/main" xmlns:r="http://schemas.openxmlformats.org/officeDocument/2006/relationships" xmlns:p="http://schemas.openxmlformats.org/presentationml/2006/main">
   <p:cSld>
     <p:spTree>
@@ -7605,7 +7113,7 @@
 </p:sld>
 </file>
 
-<file path=ppt/slides/slide28.xml><?xml version="1.0" encoding="utf-8"?>
+<file path=ppt/slides/slide26.xml><?xml version="1.0" encoding="utf-8"?>
 <p:sld xmlns:a="http://schemas.openxmlformats.org/drawingml/2006/main" xmlns:r="http://schemas.openxmlformats.org/officeDocument/2006/relationships" xmlns:p="http://schemas.openxmlformats.org/presentationml/2006/main">
   <p:cSld>
     <p:spTree>
@@ -7869,7 +7377,7 @@
 </p:sld>
 </file>
 
-<file path=ppt/slides/slide29.xml><?xml version="1.0" encoding="utf-8"?>
+<file path=ppt/slides/slide27.xml><?xml version="1.0" encoding="utf-8"?>
 <p:sld xmlns:a="http://schemas.openxmlformats.org/drawingml/2006/main" xmlns:r="http://schemas.openxmlformats.org/officeDocument/2006/relationships" xmlns:p="http://schemas.openxmlformats.org/presentationml/2006/main">
   <p:cSld>
     <p:spTree>
@@ -8302,706 +7810,7 @@
 </p:sld>
 </file>
 
-<file path=ppt/slides/slide3.xml><?xml version="1.0" encoding="utf-8"?>
-<p:sld xmlns:a="http://schemas.openxmlformats.org/drawingml/2006/main" xmlns:r="http://schemas.openxmlformats.org/officeDocument/2006/relationships" xmlns:p="http://schemas.openxmlformats.org/presentationml/2006/main">
-  <p:cSld>
-    <p:spTree>
-      <p:nvGrpSpPr>
-        <p:cNvPr id="1" name=""/>
-        <p:cNvGrpSpPr/>
-        <p:nvPr/>
-      </p:nvGrpSpPr>
-      <p:grpSpPr>
-        <a:xfrm>
-          <a:off x="0" y="0"/>
-          <a:ext cx="0" cy="0"/>
-          <a:chOff x="0" y="0"/>
-          <a:chExt cx="0" cy="0"/>
-        </a:xfrm>
-      </p:grpSpPr>
-      <p:sp>
-        <p:nvSpPr>
-          <p:cNvPr id="2" name="标题 1"/>
-          <p:cNvSpPr>
-            <a:spLocks noGrp="1"/>
-          </p:cNvSpPr>
-          <p:nvPr>
-            <p:ph type="title"/>
-          </p:nvPr>
-        </p:nvSpPr>
-        <p:spPr/>
-        <p:txBody>
-          <a:bodyPr/>
-          <a:lstStyle/>
-          <a:p>
-            <a:pPr algn="l"/>
-            <a:r>
-              <a:rPr lang="en-US" altLang="zh-CN" dirty="0" smtClean="0"/>
-              <a:t>Basic concepts</a:t>
-            </a:r>
-            <a:endParaRPr lang="zh-CN" altLang="en-US" dirty="0"/>
-          </a:p>
-        </p:txBody>
-      </p:sp>
-      <p:pic>
-        <p:nvPicPr>
-          <p:cNvPr id="1031" name="Picture 7"/>
-          <p:cNvPicPr>
-            <a:picLocks noChangeAspect="1" noChangeArrowheads="1"/>
-          </p:cNvPicPr>
-          <p:nvPr/>
-        </p:nvPicPr>
-        <p:blipFill>
-          <a:blip r:embed="rId2"/>
-          <a:srcRect/>
-          <a:stretch>
-            <a:fillRect/>
-          </a:stretch>
-        </p:blipFill>
-        <p:spPr bwMode="auto">
-          <a:xfrm>
-            <a:off x="3357554" y="1142990"/>
-            <a:ext cx="4411663" cy="3459162"/>
-          </a:xfrm>
-          <a:prstGeom prst="rect">
-            <a:avLst/>
-          </a:prstGeom>
-          <a:noFill/>
-          <a:ln w="9525">
-            <a:noFill/>
-            <a:miter lim="800000"/>
-            <a:headEnd/>
-            <a:tailEnd/>
-          </a:ln>
-          <a:effectLst/>
-        </p:spPr>
-      </p:pic>
-      <p:pic>
-        <p:nvPicPr>
-          <p:cNvPr id="1032" name="Picture 8"/>
-          <p:cNvPicPr>
-            <a:picLocks noGrp="1" noChangeAspect="1" noChangeArrowheads="1"/>
-          </p:cNvPicPr>
-          <p:nvPr>
-            <p:ph idx="1"/>
-          </p:nvPr>
-        </p:nvPicPr>
-        <p:blipFill>
-          <a:blip r:embed="rId3"/>
-          <a:srcRect/>
-          <a:stretch>
-            <a:fillRect/>
-          </a:stretch>
-        </p:blipFill>
-        <p:spPr bwMode="auto">
-          <a:xfrm>
-            <a:off x="1357290" y="2071684"/>
-            <a:ext cx="582000" cy="1208000"/>
-          </a:xfrm>
-          <a:prstGeom prst="rect">
-            <a:avLst/>
-          </a:prstGeom>
-          <a:noFill/>
-          <a:ln w="9525">
-            <a:noFill/>
-            <a:miter lim="800000"/>
-            <a:headEnd/>
-            <a:tailEnd/>
-          </a:ln>
-          <a:effectLst/>
-        </p:spPr>
-      </p:pic>
-      <p:grpSp>
-        <p:nvGrpSpPr>
-          <p:cNvPr id="19" name="组合 18"/>
-          <p:cNvGrpSpPr/>
-          <p:nvPr/>
-        </p:nvGrpSpPr>
-        <p:grpSpPr>
-          <a:xfrm>
-            <a:off x="1928794" y="2143122"/>
-            <a:ext cx="1643074" cy="276999"/>
-            <a:chOff x="2143108" y="2143122"/>
-            <a:chExt cx="1643074" cy="276999"/>
-          </a:xfrm>
-        </p:grpSpPr>
-        <p:cxnSp>
-          <p:nvCxnSpPr>
-            <p:cNvPr id="12" name="直接箭头连接符 11"/>
-            <p:cNvCxnSpPr/>
-            <p:nvPr/>
-          </p:nvCxnSpPr>
-          <p:spPr>
-            <a:xfrm>
-              <a:off x="2143108" y="2357436"/>
-              <a:ext cx="1643074" cy="1588"/>
-            </a:xfrm>
-            <a:prstGeom prst="straightConnector1">
-              <a:avLst/>
-            </a:prstGeom>
-            <a:ln w="15875">
-              <a:tailEnd type="arrow"/>
-            </a:ln>
-          </p:spPr>
-          <p:style>
-            <a:lnRef idx="1">
-              <a:schemeClr val="accent1"/>
-            </a:lnRef>
-            <a:fillRef idx="0">
-              <a:schemeClr val="accent1"/>
-            </a:fillRef>
-            <a:effectRef idx="0">
-              <a:schemeClr val="accent1"/>
-            </a:effectRef>
-            <a:fontRef idx="minor">
-              <a:schemeClr val="tx1"/>
-            </a:fontRef>
-          </p:style>
-        </p:cxnSp>
-        <p:sp>
-          <p:nvSpPr>
-            <p:cNvPr id="18" name="TextBox 17"/>
-            <p:cNvSpPr txBox="1"/>
-            <p:nvPr/>
-          </p:nvSpPr>
-          <p:spPr>
-            <a:xfrm>
-              <a:off x="2357422" y="2143122"/>
-              <a:ext cx="954749" cy="276999"/>
-            </a:xfrm>
-            <a:prstGeom prst="rect">
-              <a:avLst/>
-            </a:prstGeom>
-            <a:noFill/>
-          </p:spPr>
-          <p:txBody>
-            <a:bodyPr wrap="none" rtlCol="0">
-              <a:spAutoFit/>
-            </a:bodyPr>
-            <a:lstStyle/>
-            <a:p>
-              <a:r>
-                <a:rPr lang="en-US" altLang="zh-CN" sz="1200" dirty="0" smtClean="0"/>
-                <a:t>http request</a:t>
-              </a:r>
-              <a:endParaRPr lang="zh-CN" altLang="en-US" sz="1200" dirty="0"/>
-            </a:p>
-          </p:txBody>
-        </p:sp>
-      </p:grpSp>
-      <p:grpSp>
-        <p:nvGrpSpPr>
-          <p:cNvPr id="23" name="组合 22"/>
-          <p:cNvGrpSpPr/>
-          <p:nvPr/>
-        </p:nvGrpSpPr>
-        <p:grpSpPr>
-          <a:xfrm>
-            <a:off x="5214942" y="2285998"/>
-            <a:ext cx="1143008" cy="276999"/>
-            <a:chOff x="2143108" y="2143122"/>
-            <a:chExt cx="1643074" cy="276999"/>
-          </a:xfrm>
-        </p:grpSpPr>
-        <p:cxnSp>
-          <p:nvCxnSpPr>
-            <p:cNvPr id="24" name="直接箭头连接符 23"/>
-            <p:cNvCxnSpPr/>
-            <p:nvPr/>
-          </p:nvCxnSpPr>
-          <p:spPr>
-            <a:xfrm>
-              <a:off x="2143108" y="2357436"/>
-              <a:ext cx="1643074" cy="1588"/>
-            </a:xfrm>
-            <a:prstGeom prst="straightConnector1">
-              <a:avLst/>
-            </a:prstGeom>
-            <a:ln w="15875">
-              <a:headEnd type="triangle"/>
-              <a:tailEnd type="triangle"/>
-            </a:ln>
-          </p:spPr>
-          <p:style>
-            <a:lnRef idx="1">
-              <a:schemeClr val="accent1"/>
-            </a:lnRef>
-            <a:fillRef idx="0">
-              <a:schemeClr val="accent1"/>
-            </a:fillRef>
-            <a:effectRef idx="0">
-              <a:schemeClr val="accent1"/>
-            </a:effectRef>
-            <a:fontRef idx="minor">
-              <a:schemeClr val="tx1"/>
-            </a:fontRef>
-          </p:style>
-        </p:cxnSp>
-        <p:sp>
-          <p:nvSpPr>
-            <p:cNvPr id="25" name="TextBox 24"/>
-            <p:cNvSpPr txBox="1"/>
-            <p:nvPr/>
-          </p:nvSpPr>
-          <p:spPr>
-            <a:xfrm>
-              <a:off x="2756393" y="2143122"/>
-              <a:ext cx="721713" cy="276999"/>
-            </a:xfrm>
-            <a:prstGeom prst="rect">
-              <a:avLst/>
-            </a:prstGeom>
-            <a:noFill/>
-          </p:spPr>
-          <p:txBody>
-            <a:bodyPr wrap="none" rtlCol="0">
-              <a:spAutoFit/>
-            </a:bodyPr>
-            <a:lstStyle/>
-            <a:p>
-              <a:r>
-                <a:rPr lang="en-US" altLang="zh-CN" sz="1200" dirty="0" smtClean="0"/>
-                <a:t>ORM</a:t>
-              </a:r>
-              <a:endParaRPr lang="zh-CN" altLang="en-US" sz="1200" dirty="0"/>
-            </a:p>
-          </p:txBody>
-        </p:sp>
-      </p:grpSp>
-      <p:cxnSp>
-        <p:nvCxnSpPr>
-          <p:cNvPr id="27" name="直接箭头连接符 26"/>
-          <p:cNvCxnSpPr/>
-          <p:nvPr/>
-        </p:nvCxnSpPr>
-        <p:spPr>
-          <a:xfrm rot="5400000">
-            <a:off x="4393405" y="3036097"/>
-            <a:ext cx="357190" cy="1588"/>
-          </a:xfrm>
-          <a:prstGeom prst="straightConnector1">
-            <a:avLst/>
-          </a:prstGeom>
-          <a:ln w="15875">
-            <a:headEnd type="triangle"/>
-            <a:tailEnd type="arrow"/>
-          </a:ln>
-        </p:spPr>
-        <p:style>
-          <a:lnRef idx="1">
-            <a:schemeClr val="accent1"/>
-          </a:lnRef>
-          <a:fillRef idx="0">
-            <a:schemeClr val="accent1"/>
-          </a:fillRef>
-          <a:effectRef idx="0">
-            <a:schemeClr val="accent1"/>
-          </a:effectRef>
-          <a:fontRef idx="minor">
-            <a:schemeClr val="tx1"/>
-          </a:fontRef>
-        </p:style>
-      </p:cxnSp>
-      <p:grpSp>
-        <p:nvGrpSpPr>
-          <p:cNvPr id="33" name="组合 32"/>
-          <p:cNvGrpSpPr/>
-          <p:nvPr/>
-        </p:nvGrpSpPr>
-        <p:grpSpPr>
-          <a:xfrm>
-            <a:off x="1928794" y="2651941"/>
-            <a:ext cx="1643074" cy="276999"/>
-            <a:chOff x="2143108" y="2651941"/>
-            <a:chExt cx="1643074" cy="276999"/>
-          </a:xfrm>
-        </p:grpSpPr>
-        <p:cxnSp>
-          <p:nvCxnSpPr>
-            <p:cNvPr id="29" name="直接箭头连接符 28"/>
-            <p:cNvCxnSpPr/>
-            <p:nvPr/>
-          </p:nvCxnSpPr>
-          <p:spPr>
-            <a:xfrm rot="10800000">
-              <a:off x="2143108" y="2857502"/>
-              <a:ext cx="1643074" cy="1588"/>
-            </a:xfrm>
-            <a:prstGeom prst="straightConnector1">
-              <a:avLst/>
-            </a:prstGeom>
-            <a:ln w="15875">
-              <a:tailEnd type="arrow"/>
-            </a:ln>
-          </p:spPr>
-          <p:style>
-            <a:lnRef idx="1">
-              <a:schemeClr val="accent1"/>
-            </a:lnRef>
-            <a:fillRef idx="0">
-              <a:schemeClr val="accent1"/>
-            </a:fillRef>
-            <a:effectRef idx="0">
-              <a:schemeClr val="accent1"/>
-            </a:effectRef>
-            <a:fontRef idx="minor">
-              <a:schemeClr val="tx1"/>
-            </a:fontRef>
-          </p:style>
-        </p:cxnSp>
-        <p:sp>
-          <p:nvSpPr>
-            <p:cNvPr id="31" name="TextBox 30"/>
-            <p:cNvSpPr txBox="1"/>
-            <p:nvPr/>
-          </p:nvSpPr>
-          <p:spPr>
-            <a:xfrm>
-              <a:off x="2357422" y="2651941"/>
-              <a:ext cx="1047851" cy="276999"/>
-            </a:xfrm>
-            <a:prstGeom prst="rect">
-              <a:avLst/>
-            </a:prstGeom>
-            <a:noFill/>
-          </p:spPr>
-          <p:txBody>
-            <a:bodyPr wrap="none" rtlCol="0">
-              <a:spAutoFit/>
-            </a:bodyPr>
-            <a:lstStyle/>
-            <a:p>
-              <a:r>
-                <a:rPr lang="en-US" altLang="zh-CN" sz="1200" dirty="0" smtClean="0"/>
-                <a:t>http response</a:t>
-              </a:r>
-              <a:endParaRPr lang="zh-CN" altLang="en-US" sz="1200" dirty="0"/>
-            </a:p>
-          </p:txBody>
-        </p:sp>
-      </p:grpSp>
-      <p:sp>
-        <p:nvSpPr>
-          <p:cNvPr id="35" name="TextBox 34"/>
-          <p:cNvSpPr txBox="1"/>
-          <p:nvPr/>
-        </p:nvSpPr>
-        <p:spPr>
-          <a:xfrm>
-            <a:off x="6143636" y="3286130"/>
-            <a:ext cx="641009" cy="369332"/>
-          </a:xfrm>
-          <a:prstGeom prst="rect">
-            <a:avLst/>
-          </a:prstGeom>
-          <a:noFill/>
-        </p:spPr>
-        <p:txBody>
-          <a:bodyPr wrap="none" rtlCol="0">
-            <a:spAutoFit/>
-          </a:bodyPr>
-          <a:lstStyle/>
-          <a:p>
-            <a:r>
-              <a:rPr lang="en-US" altLang="zh-CN" b="1" dirty="0" smtClean="0"/>
-              <a:t>MVC</a:t>
-            </a:r>
-            <a:endParaRPr lang="zh-CN" altLang="en-US" b="1" dirty="0"/>
-          </a:p>
-        </p:txBody>
-      </p:sp>
-    </p:spTree>
-  </p:cSld>
-  <p:clrMapOvr>
-    <a:masterClrMapping/>
-  </p:clrMapOvr>
-  <p:timing>
-    <p:tnLst>
-      <p:par>
-        <p:cTn id="1" dur="indefinite" restart="never" nodeType="tmRoot">
-          <p:childTnLst>
-            <p:seq concurrent="1" nextAc="seek">
-              <p:cTn id="2" dur="indefinite" nodeType="mainSeq">
-                <p:childTnLst>
-                  <p:par>
-                    <p:cTn id="3" fill="hold">
-                      <p:stCondLst>
-                        <p:cond delay="indefinite"/>
-                      </p:stCondLst>
-                      <p:childTnLst>
-                        <p:par>
-                          <p:cTn id="4" fill="hold">
-                            <p:stCondLst>
-                              <p:cond delay="0"/>
-                            </p:stCondLst>
-                            <p:childTnLst>
-                              <p:par>
-                                <p:cTn id="5" presetID="22" presetClass="entr" presetSubtype="8" fill="hold" nodeType="clickEffect">
-                                  <p:stCondLst>
-                                    <p:cond delay="0"/>
-                                  </p:stCondLst>
-                                  <p:childTnLst>
-                                    <p:set>
-                                      <p:cBhvr>
-                                        <p:cTn id="6" dur="1" fill="hold">
-                                          <p:stCondLst>
-                                            <p:cond delay="0"/>
-                                          </p:stCondLst>
-                                        </p:cTn>
-                                        <p:tgtEl>
-                                          <p:spTgt spid="23"/>
-                                        </p:tgtEl>
-                                        <p:attrNameLst>
-                                          <p:attrName>style.visibility</p:attrName>
-                                        </p:attrNameLst>
-                                      </p:cBhvr>
-                                      <p:to>
-                                        <p:strVal val="visible"/>
-                                      </p:to>
-                                    </p:set>
-                                    <p:animEffect transition="in" filter="wipe(left)">
-                                      <p:cBhvr>
-                                        <p:cTn id="7" dur="500"/>
-                                        <p:tgtEl>
-                                          <p:spTgt spid="23"/>
-                                        </p:tgtEl>
-                                      </p:cBhvr>
-                                    </p:animEffect>
-                                  </p:childTnLst>
-                                </p:cTn>
-                              </p:par>
-                            </p:childTnLst>
-                          </p:cTn>
-                        </p:par>
-                      </p:childTnLst>
-                    </p:cTn>
-                  </p:par>
-                  <p:par>
-                    <p:cTn id="8" fill="hold">
-                      <p:stCondLst>
-                        <p:cond delay="indefinite"/>
-                      </p:stCondLst>
-                      <p:childTnLst>
-                        <p:par>
-                          <p:cTn id="9" fill="hold">
-                            <p:stCondLst>
-                              <p:cond delay="0"/>
-                            </p:stCondLst>
-                            <p:childTnLst>
-                              <p:par>
-                                <p:cTn id="10" presetID="22" presetClass="entr" presetSubtype="1" fill="hold" nodeType="clickEffect">
-                                  <p:stCondLst>
-                                    <p:cond delay="0"/>
-                                  </p:stCondLst>
-                                  <p:childTnLst>
-                                    <p:set>
-                                      <p:cBhvr>
-                                        <p:cTn id="11" dur="1" fill="hold">
-                                          <p:stCondLst>
-                                            <p:cond delay="0"/>
-                                          </p:stCondLst>
-                                        </p:cTn>
-                                        <p:tgtEl>
-                                          <p:spTgt spid="27"/>
-                                        </p:tgtEl>
-                                        <p:attrNameLst>
-                                          <p:attrName>style.visibility</p:attrName>
-                                        </p:attrNameLst>
-                                      </p:cBhvr>
-                                      <p:to>
-                                        <p:strVal val="visible"/>
-                                      </p:to>
-                                    </p:set>
-                                    <p:animEffect transition="in" filter="wipe(up)">
-                                      <p:cBhvr>
-                                        <p:cTn id="12" dur="500"/>
-                                        <p:tgtEl>
-                                          <p:spTgt spid="27"/>
-                                        </p:tgtEl>
-                                      </p:cBhvr>
-                                    </p:animEffect>
-                                  </p:childTnLst>
-                                </p:cTn>
-                              </p:par>
-                            </p:childTnLst>
-                          </p:cTn>
-                        </p:par>
-                      </p:childTnLst>
-                    </p:cTn>
-                  </p:par>
-                  <p:par>
-                    <p:cTn id="13" fill="hold">
-                      <p:stCondLst>
-                        <p:cond delay="indefinite"/>
-                      </p:stCondLst>
-                      <p:childTnLst>
-                        <p:par>
-                          <p:cTn id="14" fill="hold">
-                            <p:stCondLst>
-                              <p:cond delay="0"/>
-                            </p:stCondLst>
-                            <p:childTnLst>
-                              <p:par>
-                                <p:cTn id="15" presetID="22" presetClass="entr" presetSubtype="2" fill="hold" nodeType="clickEffect">
-                                  <p:stCondLst>
-                                    <p:cond delay="0"/>
-                                  </p:stCondLst>
-                                  <p:childTnLst>
-                                    <p:set>
-                                      <p:cBhvr>
-                                        <p:cTn id="16" dur="1" fill="hold">
-                                          <p:stCondLst>
-                                            <p:cond delay="0"/>
-                                          </p:stCondLst>
-                                        </p:cTn>
-                                        <p:tgtEl>
-                                          <p:spTgt spid="33"/>
-                                        </p:tgtEl>
-                                        <p:attrNameLst>
-                                          <p:attrName>style.visibility</p:attrName>
-                                        </p:attrNameLst>
-                                      </p:cBhvr>
-                                      <p:to>
-                                        <p:strVal val="visible"/>
-                                      </p:to>
-                                    </p:set>
-                                    <p:animEffect transition="in" filter="wipe(right)">
-                                      <p:cBhvr>
-                                        <p:cTn id="17" dur="500"/>
-                                        <p:tgtEl>
-                                          <p:spTgt spid="33"/>
-                                        </p:tgtEl>
-                                      </p:cBhvr>
-                                    </p:animEffect>
-                                  </p:childTnLst>
-                                </p:cTn>
-                              </p:par>
-                            </p:childTnLst>
-                          </p:cTn>
-                        </p:par>
-                      </p:childTnLst>
-                    </p:cTn>
-                  </p:par>
-                  <p:par>
-                    <p:cTn id="18" fill="hold">
-                      <p:stCondLst>
-                        <p:cond delay="indefinite"/>
-                      </p:stCondLst>
-                      <p:childTnLst>
-                        <p:par>
-                          <p:cTn id="19" fill="hold">
-                            <p:stCondLst>
-                              <p:cond delay="0"/>
-                            </p:stCondLst>
-                            <p:childTnLst>
-                              <p:par>
-                                <p:cTn id="20" presetID="2" presetClass="entr" presetSubtype="4" fill="hold" grpId="0" nodeType="clickEffect">
-                                  <p:stCondLst>
-                                    <p:cond delay="0"/>
-                                  </p:stCondLst>
-                                  <p:childTnLst>
-                                    <p:set>
-                                      <p:cBhvr>
-                                        <p:cTn id="21" dur="1" fill="hold">
-                                          <p:stCondLst>
-                                            <p:cond delay="0"/>
-                                          </p:stCondLst>
-                                        </p:cTn>
-                                        <p:tgtEl>
-                                          <p:spTgt spid="35"/>
-                                        </p:tgtEl>
-                                        <p:attrNameLst>
-                                          <p:attrName>style.visibility</p:attrName>
-                                        </p:attrNameLst>
-                                      </p:cBhvr>
-                                      <p:to>
-                                        <p:strVal val="visible"/>
-                                      </p:to>
-                                    </p:set>
-                                    <p:anim calcmode="lin" valueType="num">
-                                      <p:cBhvr additive="base">
-                                        <p:cTn id="22" dur="500" fill="hold"/>
-                                        <p:tgtEl>
-                                          <p:spTgt spid="35"/>
-                                        </p:tgtEl>
-                                        <p:attrNameLst>
-                                          <p:attrName>ppt_x</p:attrName>
-                                        </p:attrNameLst>
-                                      </p:cBhvr>
-                                      <p:tavLst>
-                                        <p:tav tm="0">
-                                          <p:val>
-                                            <p:strVal val="#ppt_x"/>
-                                          </p:val>
-                                        </p:tav>
-                                        <p:tav tm="100000">
-                                          <p:val>
-                                            <p:strVal val="#ppt_x"/>
-                                          </p:val>
-                                        </p:tav>
-                                      </p:tavLst>
-                                    </p:anim>
-                                    <p:anim calcmode="lin" valueType="num">
-                                      <p:cBhvr additive="base">
-                                        <p:cTn id="23" dur="500" fill="hold"/>
-                                        <p:tgtEl>
-                                          <p:spTgt spid="35"/>
-                                        </p:tgtEl>
-                                        <p:attrNameLst>
-                                          <p:attrName>ppt_y</p:attrName>
-                                        </p:attrNameLst>
-                                      </p:cBhvr>
-                                      <p:tavLst>
-                                        <p:tav tm="0">
-                                          <p:val>
-                                            <p:strVal val="1+#ppt_h/2"/>
-                                          </p:val>
-                                        </p:tav>
-                                        <p:tav tm="100000">
-                                          <p:val>
-                                            <p:strVal val="#ppt_y"/>
-                                          </p:val>
-                                        </p:tav>
-                                      </p:tavLst>
-                                    </p:anim>
-                                  </p:childTnLst>
-                                </p:cTn>
-                              </p:par>
-                            </p:childTnLst>
-                          </p:cTn>
-                        </p:par>
-                      </p:childTnLst>
-                    </p:cTn>
-                  </p:par>
-                </p:childTnLst>
-              </p:cTn>
-              <p:prevCondLst>
-                <p:cond evt="onPrev" delay="0">
-                  <p:tgtEl>
-                    <p:sldTgt/>
-                  </p:tgtEl>
-                </p:cond>
-              </p:prevCondLst>
-              <p:nextCondLst>
-                <p:cond evt="onNext" delay="0">
-                  <p:tgtEl>
-                    <p:sldTgt/>
-                  </p:tgtEl>
-                </p:cond>
-              </p:nextCondLst>
-            </p:seq>
-          </p:childTnLst>
-        </p:cTn>
-      </p:par>
-    </p:tnLst>
-    <p:bldLst>
-      <p:bldP spid="35" grpId="0"/>
-    </p:bldLst>
-  </p:timing>
-</p:sld>
-</file>
-
-<file path=ppt/slides/slide30.xml><?xml version="1.0" encoding="utf-8"?>
+<file path=ppt/slides/slide28.xml><?xml version="1.0" encoding="utf-8"?>
 <p:sld xmlns:a="http://schemas.openxmlformats.org/drawingml/2006/main" xmlns:r="http://schemas.openxmlformats.org/officeDocument/2006/relationships" xmlns:p="http://schemas.openxmlformats.org/presentationml/2006/main">
   <p:cSld>
     <p:spTree>
@@ -9125,7 +7934,7 @@
 </p:sld>
 </file>
 
-<file path=ppt/slides/slide31.xml><?xml version="1.0" encoding="utf-8"?>
+<file path=ppt/slides/slide29.xml><?xml version="1.0" encoding="utf-8"?>
 <p:sld xmlns:a="http://schemas.openxmlformats.org/drawingml/2006/main" xmlns:r="http://schemas.openxmlformats.org/officeDocument/2006/relationships" xmlns:p="http://schemas.openxmlformats.org/presentationml/2006/main">
   <p:cSld>
     <p:spTree>
@@ -9810,7 +8619,706 @@
 </p:sld>
 </file>
 
-<file path=ppt/slides/slide32.xml><?xml version="1.0" encoding="utf-8"?>
+<file path=ppt/slides/slide3.xml><?xml version="1.0" encoding="utf-8"?>
+<p:sld xmlns:a="http://schemas.openxmlformats.org/drawingml/2006/main" xmlns:r="http://schemas.openxmlformats.org/officeDocument/2006/relationships" xmlns:p="http://schemas.openxmlformats.org/presentationml/2006/main">
+  <p:cSld>
+    <p:spTree>
+      <p:nvGrpSpPr>
+        <p:cNvPr id="1" name=""/>
+        <p:cNvGrpSpPr/>
+        <p:nvPr/>
+      </p:nvGrpSpPr>
+      <p:grpSpPr>
+        <a:xfrm>
+          <a:off x="0" y="0"/>
+          <a:ext cx="0" cy="0"/>
+          <a:chOff x="0" y="0"/>
+          <a:chExt cx="0" cy="0"/>
+        </a:xfrm>
+      </p:grpSpPr>
+      <p:sp>
+        <p:nvSpPr>
+          <p:cNvPr id="2" name="标题 1"/>
+          <p:cNvSpPr>
+            <a:spLocks noGrp="1"/>
+          </p:cNvSpPr>
+          <p:nvPr>
+            <p:ph type="title"/>
+          </p:nvPr>
+        </p:nvSpPr>
+        <p:spPr/>
+        <p:txBody>
+          <a:bodyPr/>
+          <a:lstStyle/>
+          <a:p>
+            <a:pPr algn="l"/>
+            <a:r>
+              <a:rPr lang="en-US" altLang="zh-CN" dirty="0" smtClean="0"/>
+              <a:t>Basic concepts</a:t>
+            </a:r>
+            <a:endParaRPr lang="zh-CN" altLang="en-US" dirty="0"/>
+          </a:p>
+        </p:txBody>
+      </p:sp>
+      <p:pic>
+        <p:nvPicPr>
+          <p:cNvPr id="1031" name="Picture 7"/>
+          <p:cNvPicPr>
+            <a:picLocks noChangeAspect="1" noChangeArrowheads="1"/>
+          </p:cNvPicPr>
+          <p:nvPr/>
+        </p:nvPicPr>
+        <p:blipFill>
+          <a:blip r:embed="rId2"/>
+          <a:srcRect/>
+          <a:stretch>
+            <a:fillRect/>
+          </a:stretch>
+        </p:blipFill>
+        <p:spPr bwMode="auto">
+          <a:xfrm>
+            <a:off x="3357554" y="1142990"/>
+            <a:ext cx="4411663" cy="3459162"/>
+          </a:xfrm>
+          <a:prstGeom prst="rect">
+            <a:avLst/>
+          </a:prstGeom>
+          <a:noFill/>
+          <a:ln w="9525">
+            <a:noFill/>
+            <a:miter lim="800000"/>
+            <a:headEnd/>
+            <a:tailEnd/>
+          </a:ln>
+          <a:effectLst/>
+        </p:spPr>
+      </p:pic>
+      <p:pic>
+        <p:nvPicPr>
+          <p:cNvPr id="1032" name="Picture 8"/>
+          <p:cNvPicPr>
+            <a:picLocks noGrp="1" noChangeAspect="1" noChangeArrowheads="1"/>
+          </p:cNvPicPr>
+          <p:nvPr>
+            <p:ph idx="1"/>
+          </p:nvPr>
+        </p:nvPicPr>
+        <p:blipFill>
+          <a:blip r:embed="rId3"/>
+          <a:srcRect/>
+          <a:stretch>
+            <a:fillRect/>
+          </a:stretch>
+        </p:blipFill>
+        <p:spPr bwMode="auto">
+          <a:xfrm>
+            <a:off x="1357290" y="2071684"/>
+            <a:ext cx="582000" cy="1208000"/>
+          </a:xfrm>
+          <a:prstGeom prst="rect">
+            <a:avLst/>
+          </a:prstGeom>
+          <a:noFill/>
+          <a:ln w="9525">
+            <a:noFill/>
+            <a:miter lim="800000"/>
+            <a:headEnd/>
+            <a:tailEnd/>
+          </a:ln>
+          <a:effectLst/>
+        </p:spPr>
+      </p:pic>
+      <p:grpSp>
+        <p:nvGrpSpPr>
+          <p:cNvPr id="19" name="组合 18"/>
+          <p:cNvGrpSpPr/>
+          <p:nvPr/>
+        </p:nvGrpSpPr>
+        <p:grpSpPr>
+          <a:xfrm>
+            <a:off x="1928794" y="2143122"/>
+            <a:ext cx="1643074" cy="276999"/>
+            <a:chOff x="2143108" y="2143122"/>
+            <a:chExt cx="1643074" cy="276999"/>
+          </a:xfrm>
+        </p:grpSpPr>
+        <p:cxnSp>
+          <p:nvCxnSpPr>
+            <p:cNvPr id="12" name="直接箭头连接符 11"/>
+            <p:cNvCxnSpPr/>
+            <p:nvPr/>
+          </p:nvCxnSpPr>
+          <p:spPr>
+            <a:xfrm>
+              <a:off x="2143108" y="2357436"/>
+              <a:ext cx="1643074" cy="1588"/>
+            </a:xfrm>
+            <a:prstGeom prst="straightConnector1">
+              <a:avLst/>
+            </a:prstGeom>
+            <a:ln w="15875">
+              <a:tailEnd type="arrow"/>
+            </a:ln>
+          </p:spPr>
+          <p:style>
+            <a:lnRef idx="1">
+              <a:schemeClr val="accent1"/>
+            </a:lnRef>
+            <a:fillRef idx="0">
+              <a:schemeClr val="accent1"/>
+            </a:fillRef>
+            <a:effectRef idx="0">
+              <a:schemeClr val="accent1"/>
+            </a:effectRef>
+            <a:fontRef idx="minor">
+              <a:schemeClr val="tx1"/>
+            </a:fontRef>
+          </p:style>
+        </p:cxnSp>
+        <p:sp>
+          <p:nvSpPr>
+            <p:cNvPr id="18" name="TextBox 17"/>
+            <p:cNvSpPr txBox="1"/>
+            <p:nvPr/>
+          </p:nvSpPr>
+          <p:spPr>
+            <a:xfrm>
+              <a:off x="2357422" y="2143122"/>
+              <a:ext cx="954749" cy="276999"/>
+            </a:xfrm>
+            <a:prstGeom prst="rect">
+              <a:avLst/>
+            </a:prstGeom>
+            <a:noFill/>
+          </p:spPr>
+          <p:txBody>
+            <a:bodyPr wrap="none" rtlCol="0">
+              <a:spAutoFit/>
+            </a:bodyPr>
+            <a:lstStyle/>
+            <a:p>
+              <a:r>
+                <a:rPr lang="en-US" altLang="zh-CN" sz="1200" dirty="0" smtClean="0"/>
+                <a:t>http request</a:t>
+              </a:r>
+              <a:endParaRPr lang="zh-CN" altLang="en-US" sz="1200" dirty="0"/>
+            </a:p>
+          </p:txBody>
+        </p:sp>
+      </p:grpSp>
+      <p:grpSp>
+        <p:nvGrpSpPr>
+          <p:cNvPr id="23" name="组合 22"/>
+          <p:cNvGrpSpPr/>
+          <p:nvPr/>
+        </p:nvGrpSpPr>
+        <p:grpSpPr>
+          <a:xfrm>
+            <a:off x="5214942" y="2285998"/>
+            <a:ext cx="1143008" cy="276999"/>
+            <a:chOff x="2143108" y="2143122"/>
+            <a:chExt cx="1643074" cy="276999"/>
+          </a:xfrm>
+        </p:grpSpPr>
+        <p:cxnSp>
+          <p:nvCxnSpPr>
+            <p:cNvPr id="24" name="直接箭头连接符 23"/>
+            <p:cNvCxnSpPr/>
+            <p:nvPr/>
+          </p:nvCxnSpPr>
+          <p:spPr>
+            <a:xfrm>
+              <a:off x="2143108" y="2357436"/>
+              <a:ext cx="1643074" cy="1588"/>
+            </a:xfrm>
+            <a:prstGeom prst="straightConnector1">
+              <a:avLst/>
+            </a:prstGeom>
+            <a:ln w="15875">
+              <a:headEnd type="triangle"/>
+              <a:tailEnd type="triangle"/>
+            </a:ln>
+          </p:spPr>
+          <p:style>
+            <a:lnRef idx="1">
+              <a:schemeClr val="accent1"/>
+            </a:lnRef>
+            <a:fillRef idx="0">
+              <a:schemeClr val="accent1"/>
+            </a:fillRef>
+            <a:effectRef idx="0">
+              <a:schemeClr val="accent1"/>
+            </a:effectRef>
+            <a:fontRef idx="minor">
+              <a:schemeClr val="tx1"/>
+            </a:fontRef>
+          </p:style>
+        </p:cxnSp>
+        <p:sp>
+          <p:nvSpPr>
+            <p:cNvPr id="25" name="TextBox 24"/>
+            <p:cNvSpPr txBox="1"/>
+            <p:nvPr/>
+          </p:nvSpPr>
+          <p:spPr>
+            <a:xfrm>
+              <a:off x="2756393" y="2143122"/>
+              <a:ext cx="721713" cy="276999"/>
+            </a:xfrm>
+            <a:prstGeom prst="rect">
+              <a:avLst/>
+            </a:prstGeom>
+            <a:noFill/>
+          </p:spPr>
+          <p:txBody>
+            <a:bodyPr wrap="none" rtlCol="0">
+              <a:spAutoFit/>
+            </a:bodyPr>
+            <a:lstStyle/>
+            <a:p>
+              <a:r>
+                <a:rPr lang="en-US" altLang="zh-CN" sz="1200" dirty="0" smtClean="0"/>
+                <a:t>ORM</a:t>
+              </a:r>
+              <a:endParaRPr lang="zh-CN" altLang="en-US" sz="1200" dirty="0"/>
+            </a:p>
+          </p:txBody>
+        </p:sp>
+      </p:grpSp>
+      <p:cxnSp>
+        <p:nvCxnSpPr>
+          <p:cNvPr id="27" name="直接箭头连接符 26"/>
+          <p:cNvCxnSpPr/>
+          <p:nvPr/>
+        </p:nvCxnSpPr>
+        <p:spPr>
+          <a:xfrm rot="5400000">
+            <a:off x="4393405" y="3036097"/>
+            <a:ext cx="357190" cy="1588"/>
+          </a:xfrm>
+          <a:prstGeom prst="straightConnector1">
+            <a:avLst/>
+          </a:prstGeom>
+          <a:ln w="15875">
+            <a:headEnd type="triangle"/>
+            <a:tailEnd type="arrow"/>
+          </a:ln>
+        </p:spPr>
+        <p:style>
+          <a:lnRef idx="1">
+            <a:schemeClr val="accent1"/>
+          </a:lnRef>
+          <a:fillRef idx="0">
+            <a:schemeClr val="accent1"/>
+          </a:fillRef>
+          <a:effectRef idx="0">
+            <a:schemeClr val="accent1"/>
+          </a:effectRef>
+          <a:fontRef idx="minor">
+            <a:schemeClr val="tx1"/>
+          </a:fontRef>
+        </p:style>
+      </p:cxnSp>
+      <p:grpSp>
+        <p:nvGrpSpPr>
+          <p:cNvPr id="33" name="组合 32"/>
+          <p:cNvGrpSpPr/>
+          <p:nvPr/>
+        </p:nvGrpSpPr>
+        <p:grpSpPr>
+          <a:xfrm>
+            <a:off x="1928794" y="2651941"/>
+            <a:ext cx="1643074" cy="276999"/>
+            <a:chOff x="2143108" y="2651941"/>
+            <a:chExt cx="1643074" cy="276999"/>
+          </a:xfrm>
+        </p:grpSpPr>
+        <p:cxnSp>
+          <p:nvCxnSpPr>
+            <p:cNvPr id="29" name="直接箭头连接符 28"/>
+            <p:cNvCxnSpPr/>
+            <p:nvPr/>
+          </p:nvCxnSpPr>
+          <p:spPr>
+            <a:xfrm rot="10800000">
+              <a:off x="2143108" y="2857502"/>
+              <a:ext cx="1643074" cy="1588"/>
+            </a:xfrm>
+            <a:prstGeom prst="straightConnector1">
+              <a:avLst/>
+            </a:prstGeom>
+            <a:ln w="15875">
+              <a:tailEnd type="arrow"/>
+            </a:ln>
+          </p:spPr>
+          <p:style>
+            <a:lnRef idx="1">
+              <a:schemeClr val="accent1"/>
+            </a:lnRef>
+            <a:fillRef idx="0">
+              <a:schemeClr val="accent1"/>
+            </a:fillRef>
+            <a:effectRef idx="0">
+              <a:schemeClr val="accent1"/>
+            </a:effectRef>
+            <a:fontRef idx="minor">
+              <a:schemeClr val="tx1"/>
+            </a:fontRef>
+          </p:style>
+        </p:cxnSp>
+        <p:sp>
+          <p:nvSpPr>
+            <p:cNvPr id="31" name="TextBox 30"/>
+            <p:cNvSpPr txBox="1"/>
+            <p:nvPr/>
+          </p:nvSpPr>
+          <p:spPr>
+            <a:xfrm>
+              <a:off x="2357422" y="2651941"/>
+              <a:ext cx="1047851" cy="276999"/>
+            </a:xfrm>
+            <a:prstGeom prst="rect">
+              <a:avLst/>
+            </a:prstGeom>
+            <a:noFill/>
+          </p:spPr>
+          <p:txBody>
+            <a:bodyPr wrap="none" rtlCol="0">
+              <a:spAutoFit/>
+            </a:bodyPr>
+            <a:lstStyle/>
+            <a:p>
+              <a:r>
+                <a:rPr lang="en-US" altLang="zh-CN" sz="1200" dirty="0" smtClean="0"/>
+                <a:t>http response</a:t>
+              </a:r>
+              <a:endParaRPr lang="zh-CN" altLang="en-US" sz="1200" dirty="0"/>
+            </a:p>
+          </p:txBody>
+        </p:sp>
+      </p:grpSp>
+      <p:sp>
+        <p:nvSpPr>
+          <p:cNvPr id="35" name="TextBox 34"/>
+          <p:cNvSpPr txBox="1"/>
+          <p:nvPr/>
+        </p:nvSpPr>
+        <p:spPr>
+          <a:xfrm>
+            <a:off x="6143636" y="3286130"/>
+            <a:ext cx="641009" cy="369332"/>
+          </a:xfrm>
+          <a:prstGeom prst="rect">
+            <a:avLst/>
+          </a:prstGeom>
+          <a:noFill/>
+        </p:spPr>
+        <p:txBody>
+          <a:bodyPr wrap="none" rtlCol="0">
+            <a:spAutoFit/>
+          </a:bodyPr>
+          <a:lstStyle/>
+          <a:p>
+            <a:r>
+              <a:rPr lang="en-US" altLang="zh-CN" b="1" dirty="0" smtClean="0"/>
+              <a:t>MVC</a:t>
+            </a:r>
+            <a:endParaRPr lang="zh-CN" altLang="en-US" b="1" dirty="0"/>
+          </a:p>
+        </p:txBody>
+      </p:sp>
+    </p:spTree>
+  </p:cSld>
+  <p:clrMapOvr>
+    <a:masterClrMapping/>
+  </p:clrMapOvr>
+  <p:timing>
+    <p:tnLst>
+      <p:par>
+        <p:cTn id="1" dur="indefinite" restart="never" nodeType="tmRoot">
+          <p:childTnLst>
+            <p:seq concurrent="1" nextAc="seek">
+              <p:cTn id="2" dur="indefinite" nodeType="mainSeq">
+                <p:childTnLst>
+                  <p:par>
+                    <p:cTn id="3" fill="hold">
+                      <p:stCondLst>
+                        <p:cond delay="indefinite"/>
+                      </p:stCondLst>
+                      <p:childTnLst>
+                        <p:par>
+                          <p:cTn id="4" fill="hold">
+                            <p:stCondLst>
+                              <p:cond delay="0"/>
+                            </p:stCondLst>
+                            <p:childTnLst>
+                              <p:par>
+                                <p:cTn id="5" presetID="22" presetClass="entr" presetSubtype="8" fill="hold" nodeType="clickEffect">
+                                  <p:stCondLst>
+                                    <p:cond delay="0"/>
+                                  </p:stCondLst>
+                                  <p:childTnLst>
+                                    <p:set>
+                                      <p:cBhvr>
+                                        <p:cTn id="6" dur="1" fill="hold">
+                                          <p:stCondLst>
+                                            <p:cond delay="0"/>
+                                          </p:stCondLst>
+                                        </p:cTn>
+                                        <p:tgtEl>
+                                          <p:spTgt spid="23"/>
+                                        </p:tgtEl>
+                                        <p:attrNameLst>
+                                          <p:attrName>style.visibility</p:attrName>
+                                        </p:attrNameLst>
+                                      </p:cBhvr>
+                                      <p:to>
+                                        <p:strVal val="visible"/>
+                                      </p:to>
+                                    </p:set>
+                                    <p:animEffect transition="in" filter="wipe(left)">
+                                      <p:cBhvr>
+                                        <p:cTn id="7" dur="500"/>
+                                        <p:tgtEl>
+                                          <p:spTgt spid="23"/>
+                                        </p:tgtEl>
+                                      </p:cBhvr>
+                                    </p:animEffect>
+                                  </p:childTnLst>
+                                </p:cTn>
+                              </p:par>
+                            </p:childTnLst>
+                          </p:cTn>
+                        </p:par>
+                      </p:childTnLst>
+                    </p:cTn>
+                  </p:par>
+                  <p:par>
+                    <p:cTn id="8" fill="hold">
+                      <p:stCondLst>
+                        <p:cond delay="indefinite"/>
+                      </p:stCondLst>
+                      <p:childTnLst>
+                        <p:par>
+                          <p:cTn id="9" fill="hold">
+                            <p:stCondLst>
+                              <p:cond delay="0"/>
+                            </p:stCondLst>
+                            <p:childTnLst>
+                              <p:par>
+                                <p:cTn id="10" presetID="22" presetClass="entr" presetSubtype="1" fill="hold" nodeType="clickEffect">
+                                  <p:stCondLst>
+                                    <p:cond delay="0"/>
+                                  </p:stCondLst>
+                                  <p:childTnLst>
+                                    <p:set>
+                                      <p:cBhvr>
+                                        <p:cTn id="11" dur="1" fill="hold">
+                                          <p:stCondLst>
+                                            <p:cond delay="0"/>
+                                          </p:stCondLst>
+                                        </p:cTn>
+                                        <p:tgtEl>
+                                          <p:spTgt spid="27"/>
+                                        </p:tgtEl>
+                                        <p:attrNameLst>
+                                          <p:attrName>style.visibility</p:attrName>
+                                        </p:attrNameLst>
+                                      </p:cBhvr>
+                                      <p:to>
+                                        <p:strVal val="visible"/>
+                                      </p:to>
+                                    </p:set>
+                                    <p:animEffect transition="in" filter="wipe(up)">
+                                      <p:cBhvr>
+                                        <p:cTn id="12" dur="500"/>
+                                        <p:tgtEl>
+                                          <p:spTgt spid="27"/>
+                                        </p:tgtEl>
+                                      </p:cBhvr>
+                                    </p:animEffect>
+                                  </p:childTnLst>
+                                </p:cTn>
+                              </p:par>
+                            </p:childTnLst>
+                          </p:cTn>
+                        </p:par>
+                      </p:childTnLst>
+                    </p:cTn>
+                  </p:par>
+                  <p:par>
+                    <p:cTn id="13" fill="hold">
+                      <p:stCondLst>
+                        <p:cond delay="indefinite"/>
+                      </p:stCondLst>
+                      <p:childTnLst>
+                        <p:par>
+                          <p:cTn id="14" fill="hold">
+                            <p:stCondLst>
+                              <p:cond delay="0"/>
+                            </p:stCondLst>
+                            <p:childTnLst>
+                              <p:par>
+                                <p:cTn id="15" presetID="22" presetClass="entr" presetSubtype="2" fill="hold" nodeType="clickEffect">
+                                  <p:stCondLst>
+                                    <p:cond delay="0"/>
+                                  </p:stCondLst>
+                                  <p:childTnLst>
+                                    <p:set>
+                                      <p:cBhvr>
+                                        <p:cTn id="16" dur="1" fill="hold">
+                                          <p:stCondLst>
+                                            <p:cond delay="0"/>
+                                          </p:stCondLst>
+                                        </p:cTn>
+                                        <p:tgtEl>
+                                          <p:spTgt spid="33"/>
+                                        </p:tgtEl>
+                                        <p:attrNameLst>
+                                          <p:attrName>style.visibility</p:attrName>
+                                        </p:attrNameLst>
+                                      </p:cBhvr>
+                                      <p:to>
+                                        <p:strVal val="visible"/>
+                                      </p:to>
+                                    </p:set>
+                                    <p:animEffect transition="in" filter="wipe(right)">
+                                      <p:cBhvr>
+                                        <p:cTn id="17" dur="500"/>
+                                        <p:tgtEl>
+                                          <p:spTgt spid="33"/>
+                                        </p:tgtEl>
+                                      </p:cBhvr>
+                                    </p:animEffect>
+                                  </p:childTnLst>
+                                </p:cTn>
+                              </p:par>
+                            </p:childTnLst>
+                          </p:cTn>
+                        </p:par>
+                      </p:childTnLst>
+                    </p:cTn>
+                  </p:par>
+                  <p:par>
+                    <p:cTn id="18" fill="hold">
+                      <p:stCondLst>
+                        <p:cond delay="indefinite"/>
+                      </p:stCondLst>
+                      <p:childTnLst>
+                        <p:par>
+                          <p:cTn id="19" fill="hold">
+                            <p:stCondLst>
+                              <p:cond delay="0"/>
+                            </p:stCondLst>
+                            <p:childTnLst>
+                              <p:par>
+                                <p:cTn id="20" presetID="2" presetClass="entr" presetSubtype="4" fill="hold" grpId="0" nodeType="clickEffect">
+                                  <p:stCondLst>
+                                    <p:cond delay="0"/>
+                                  </p:stCondLst>
+                                  <p:childTnLst>
+                                    <p:set>
+                                      <p:cBhvr>
+                                        <p:cTn id="21" dur="1" fill="hold">
+                                          <p:stCondLst>
+                                            <p:cond delay="0"/>
+                                          </p:stCondLst>
+                                        </p:cTn>
+                                        <p:tgtEl>
+                                          <p:spTgt spid="35"/>
+                                        </p:tgtEl>
+                                        <p:attrNameLst>
+                                          <p:attrName>style.visibility</p:attrName>
+                                        </p:attrNameLst>
+                                      </p:cBhvr>
+                                      <p:to>
+                                        <p:strVal val="visible"/>
+                                      </p:to>
+                                    </p:set>
+                                    <p:anim calcmode="lin" valueType="num">
+                                      <p:cBhvr additive="base">
+                                        <p:cTn id="22" dur="500" fill="hold"/>
+                                        <p:tgtEl>
+                                          <p:spTgt spid="35"/>
+                                        </p:tgtEl>
+                                        <p:attrNameLst>
+                                          <p:attrName>ppt_x</p:attrName>
+                                        </p:attrNameLst>
+                                      </p:cBhvr>
+                                      <p:tavLst>
+                                        <p:tav tm="0">
+                                          <p:val>
+                                            <p:strVal val="#ppt_x"/>
+                                          </p:val>
+                                        </p:tav>
+                                        <p:tav tm="100000">
+                                          <p:val>
+                                            <p:strVal val="#ppt_x"/>
+                                          </p:val>
+                                        </p:tav>
+                                      </p:tavLst>
+                                    </p:anim>
+                                    <p:anim calcmode="lin" valueType="num">
+                                      <p:cBhvr additive="base">
+                                        <p:cTn id="23" dur="500" fill="hold"/>
+                                        <p:tgtEl>
+                                          <p:spTgt spid="35"/>
+                                        </p:tgtEl>
+                                        <p:attrNameLst>
+                                          <p:attrName>ppt_y</p:attrName>
+                                        </p:attrNameLst>
+                                      </p:cBhvr>
+                                      <p:tavLst>
+                                        <p:tav tm="0">
+                                          <p:val>
+                                            <p:strVal val="1+#ppt_h/2"/>
+                                          </p:val>
+                                        </p:tav>
+                                        <p:tav tm="100000">
+                                          <p:val>
+                                            <p:strVal val="#ppt_y"/>
+                                          </p:val>
+                                        </p:tav>
+                                      </p:tavLst>
+                                    </p:anim>
+                                  </p:childTnLst>
+                                </p:cTn>
+                              </p:par>
+                            </p:childTnLst>
+                          </p:cTn>
+                        </p:par>
+                      </p:childTnLst>
+                    </p:cTn>
+                  </p:par>
+                </p:childTnLst>
+              </p:cTn>
+              <p:prevCondLst>
+                <p:cond evt="onPrev" delay="0">
+                  <p:tgtEl>
+                    <p:sldTgt/>
+                  </p:tgtEl>
+                </p:cond>
+              </p:prevCondLst>
+              <p:nextCondLst>
+                <p:cond evt="onNext" delay="0">
+                  <p:tgtEl>
+                    <p:sldTgt/>
+                  </p:tgtEl>
+                </p:cond>
+              </p:nextCondLst>
+            </p:seq>
+          </p:childTnLst>
+        </p:cTn>
+      </p:par>
+    </p:tnLst>
+    <p:bldLst>
+      <p:bldP spid="35" grpId="0"/>
+    </p:bldLst>
+  </p:timing>
+</p:sld>
+</file>
+
+<file path=ppt/slides/slide30.xml><?xml version="1.0" encoding="utf-8"?>
 <p:sld xmlns:a="http://schemas.openxmlformats.org/drawingml/2006/main" xmlns:r="http://schemas.openxmlformats.org/officeDocument/2006/relationships" xmlns:p="http://schemas.openxmlformats.org/presentationml/2006/main">
   <p:cSld>
     <p:spTree>
@@ -10223,7 +9731,7 @@
 </p:sld>
 </file>
 
-<file path=ppt/slides/slide33.xml><?xml version="1.0" encoding="utf-8"?>
+<file path=ppt/slides/slide31.xml><?xml version="1.0" encoding="utf-8"?>
 <p:sld xmlns:a="http://schemas.openxmlformats.org/drawingml/2006/main" xmlns:r="http://schemas.openxmlformats.org/officeDocument/2006/relationships" xmlns:p="http://schemas.openxmlformats.org/presentationml/2006/main">
   <p:cSld>
     <p:spTree>
@@ -11014,7 +10522,7 @@
 </p:sld>
 </file>
 
-<file path=ppt/slides/slide34.xml><?xml version="1.0" encoding="utf-8"?>
+<file path=ppt/slides/slide32.xml><?xml version="1.0" encoding="utf-8"?>
 <p:sld xmlns:a="http://schemas.openxmlformats.org/drawingml/2006/main" xmlns:r="http://schemas.openxmlformats.org/officeDocument/2006/relationships" xmlns:p="http://schemas.openxmlformats.org/presentationml/2006/main">
   <p:cSld>
     <p:spTree>
@@ -11181,14 +10689,219 @@
   <p:timing>
     <p:tnLst>
       <p:par>
-        <p:cTn id="1" dur="indefinite" restart="never" nodeType="tmRoot"/>
+        <p:cTn id="1" dur="indefinite" restart="never" nodeType="tmRoot">
+          <p:childTnLst>
+            <p:seq concurrent="1" nextAc="seek">
+              <p:cTn id="2" dur="indefinite" nodeType="mainSeq">
+                <p:childTnLst>
+                  <p:par>
+                    <p:cTn id="3" fill="hold">
+                      <p:stCondLst>
+                        <p:cond delay="indefinite"/>
+                      </p:stCondLst>
+                      <p:childTnLst>
+                        <p:par>
+                          <p:cTn id="4" fill="hold">
+                            <p:stCondLst>
+                              <p:cond delay="0"/>
+                            </p:stCondLst>
+                            <p:childTnLst>
+                              <p:par>
+                                <p:cTn id="5" presetID="2" presetClass="entr" presetSubtype="4" fill="hold" nodeType="clickEffect">
+                                  <p:stCondLst>
+                                    <p:cond delay="0"/>
+                                  </p:stCondLst>
+                                  <p:childTnLst>
+                                    <p:set>
+                                      <p:cBhvr>
+                                        <p:cTn id="6" dur="1" fill="hold">
+                                          <p:stCondLst>
+                                            <p:cond delay="0"/>
+                                          </p:stCondLst>
+                                        </p:cTn>
+                                        <p:tgtEl>
+                                          <p:spTgt spid="46087"/>
+                                        </p:tgtEl>
+                                        <p:attrNameLst>
+                                          <p:attrName>style.visibility</p:attrName>
+                                        </p:attrNameLst>
+                                      </p:cBhvr>
+                                      <p:to>
+                                        <p:strVal val="visible"/>
+                                      </p:to>
+                                    </p:set>
+                                    <p:anim calcmode="lin" valueType="num">
+                                      <p:cBhvr additive="base">
+                                        <p:cTn id="7" dur="500" fill="hold"/>
+                                        <p:tgtEl>
+                                          <p:spTgt spid="46087"/>
+                                        </p:tgtEl>
+                                        <p:attrNameLst>
+                                          <p:attrName>ppt_x</p:attrName>
+                                        </p:attrNameLst>
+                                      </p:cBhvr>
+                                      <p:tavLst>
+                                        <p:tav tm="0">
+                                          <p:val>
+                                            <p:strVal val="#ppt_x"/>
+                                          </p:val>
+                                        </p:tav>
+                                        <p:tav tm="100000">
+                                          <p:val>
+                                            <p:strVal val="#ppt_x"/>
+                                          </p:val>
+                                        </p:tav>
+                                      </p:tavLst>
+                                    </p:anim>
+                                    <p:anim calcmode="lin" valueType="num">
+                                      <p:cBhvr additive="base">
+                                        <p:cTn id="8" dur="500" fill="hold"/>
+                                        <p:tgtEl>
+                                          <p:spTgt spid="46087"/>
+                                        </p:tgtEl>
+                                        <p:attrNameLst>
+                                          <p:attrName>ppt_y</p:attrName>
+                                        </p:attrNameLst>
+                                      </p:cBhvr>
+                                      <p:tavLst>
+                                        <p:tav tm="0">
+                                          <p:val>
+                                            <p:strVal val="1+#ppt_h/2"/>
+                                          </p:val>
+                                        </p:tav>
+                                        <p:tav tm="100000">
+                                          <p:val>
+                                            <p:strVal val="#ppt_y"/>
+                                          </p:val>
+                                        </p:tav>
+                                      </p:tavLst>
+                                    </p:anim>
+                                  </p:childTnLst>
+                                </p:cTn>
+                              </p:par>
+                            </p:childTnLst>
+                          </p:cTn>
+                        </p:par>
+                      </p:childTnLst>
+                    </p:cTn>
+                  </p:par>
+                  <p:par>
+                    <p:cTn id="9" fill="hold">
+                      <p:stCondLst>
+                        <p:cond delay="indefinite"/>
+                      </p:stCondLst>
+                      <p:childTnLst>
+                        <p:par>
+                          <p:cTn id="10" fill="hold">
+                            <p:stCondLst>
+                              <p:cond delay="0"/>
+                            </p:stCondLst>
+                            <p:childTnLst>
+                              <p:par>
+                                <p:cTn id="11" presetID="2" presetClass="entr" presetSubtype="4" fill="hold" nodeType="clickEffect">
+                                  <p:stCondLst>
+                                    <p:cond delay="0"/>
+                                  </p:stCondLst>
+                                  <p:childTnLst>
+                                    <p:set>
+                                      <p:cBhvr>
+                                        <p:cTn id="12" dur="1" fill="hold">
+                                          <p:stCondLst>
+                                            <p:cond delay="0"/>
+                                          </p:stCondLst>
+                                        </p:cTn>
+                                        <p:tgtEl>
+                                          <p:spTgt spid="46083"/>
+                                        </p:tgtEl>
+                                        <p:attrNameLst>
+                                          <p:attrName>style.visibility</p:attrName>
+                                        </p:attrNameLst>
+                                      </p:cBhvr>
+                                      <p:to>
+                                        <p:strVal val="visible"/>
+                                      </p:to>
+                                    </p:set>
+                                    <p:anim calcmode="lin" valueType="num">
+                                      <p:cBhvr additive="base">
+                                        <p:cTn id="13" dur="500" fill="hold"/>
+                                        <p:tgtEl>
+                                          <p:spTgt spid="46083"/>
+                                        </p:tgtEl>
+                                        <p:attrNameLst>
+                                          <p:attrName>ppt_x</p:attrName>
+                                        </p:attrNameLst>
+                                      </p:cBhvr>
+                                      <p:tavLst>
+                                        <p:tav tm="0">
+                                          <p:val>
+                                            <p:strVal val="#ppt_x"/>
+                                          </p:val>
+                                        </p:tav>
+                                        <p:tav tm="100000">
+                                          <p:val>
+                                            <p:strVal val="#ppt_x"/>
+                                          </p:val>
+                                        </p:tav>
+                                      </p:tavLst>
+                                    </p:anim>
+                                    <p:anim calcmode="lin" valueType="num">
+                                      <p:cBhvr additive="base">
+                                        <p:cTn id="14" dur="500" fill="hold"/>
+                                        <p:tgtEl>
+                                          <p:spTgt spid="46083"/>
+                                        </p:tgtEl>
+                                        <p:attrNameLst>
+                                          <p:attrName>ppt_y</p:attrName>
+                                        </p:attrNameLst>
+                                      </p:cBhvr>
+                                      <p:tavLst>
+                                        <p:tav tm="0">
+                                          <p:val>
+                                            <p:strVal val="1+#ppt_h/2"/>
+                                          </p:val>
+                                        </p:tav>
+                                        <p:tav tm="100000">
+                                          <p:val>
+                                            <p:strVal val="#ppt_y"/>
+                                          </p:val>
+                                        </p:tav>
+                                      </p:tavLst>
+                                    </p:anim>
+                                  </p:childTnLst>
+                                </p:cTn>
+                              </p:par>
+                            </p:childTnLst>
+                          </p:cTn>
+                        </p:par>
+                      </p:childTnLst>
+                    </p:cTn>
+                  </p:par>
+                </p:childTnLst>
+              </p:cTn>
+              <p:prevCondLst>
+                <p:cond evt="onPrev" delay="0">
+                  <p:tgtEl>
+                    <p:sldTgt/>
+                  </p:tgtEl>
+                </p:cond>
+              </p:prevCondLst>
+              <p:nextCondLst>
+                <p:cond evt="onNext" delay="0">
+                  <p:tgtEl>
+                    <p:sldTgt/>
+                  </p:tgtEl>
+                </p:cond>
+              </p:nextCondLst>
+            </p:seq>
+          </p:childTnLst>
+        </p:cTn>
       </p:par>
     </p:tnLst>
   </p:timing>
 </p:sld>
 </file>
 
-<file path=ppt/slides/slide35.xml><?xml version="1.0" encoding="utf-8"?>
+<file path=ppt/slides/slide33.xml><?xml version="1.0" encoding="utf-8"?>
 <p:sld xmlns:a="http://schemas.openxmlformats.org/drawingml/2006/main" xmlns:r="http://schemas.openxmlformats.org/officeDocument/2006/relationships" xmlns:p="http://schemas.openxmlformats.org/presentationml/2006/main">
   <p:cSld>
     <p:spTree>
@@ -13158,7 +12871,7 @@
 </p:sld>
 </file>
 
-<file path=ppt/slides/slide36.xml><?xml version="1.0" encoding="utf-8"?>
+<file path=ppt/slides/slide34.xml><?xml version="1.0" encoding="utf-8"?>
 <p:sld xmlns:a="http://schemas.openxmlformats.org/drawingml/2006/main" xmlns:r="http://schemas.openxmlformats.org/officeDocument/2006/relationships" xmlns:p="http://schemas.openxmlformats.org/presentationml/2006/main">
   <p:cSld>
     <p:spTree>
@@ -13798,7 +13511,7 @@
 </p:sld>
 </file>
 
-<file path=ppt/slides/slide37.xml><?xml version="1.0" encoding="utf-8"?>
+<file path=ppt/slides/slide35.xml><?xml version="1.0" encoding="utf-8"?>
 <p:sld xmlns:a="http://schemas.openxmlformats.org/drawingml/2006/main" xmlns:r="http://schemas.openxmlformats.org/officeDocument/2006/relationships" xmlns:p="http://schemas.openxmlformats.org/presentationml/2006/main">
   <p:cSld>
     <p:spTree>
@@ -14027,7 +13740,7 @@
 </p:sld>
 </file>
 
-<file path=ppt/slides/slide38.xml><?xml version="1.0" encoding="utf-8"?>
+<file path=ppt/slides/slide36.xml><?xml version="1.0" encoding="utf-8"?>
 <p:sld xmlns:a="http://schemas.openxmlformats.org/drawingml/2006/main" xmlns:r="http://schemas.openxmlformats.org/officeDocument/2006/relationships" xmlns:p="http://schemas.openxmlformats.org/presentationml/2006/main">
   <p:cSld>
     <p:spTree>
@@ -14135,7 +13848,7 @@
 </p:sld>
 </file>
 
-<file path=ppt/slides/slide39.xml><?xml version="1.0" encoding="utf-8"?>
+<file path=ppt/slides/slide37.xml><?xml version="1.0" encoding="utf-8"?>
 <p:sld xmlns:a="http://schemas.openxmlformats.org/drawingml/2006/main" xmlns:r="http://schemas.openxmlformats.org/officeDocument/2006/relationships" xmlns:p="http://schemas.openxmlformats.org/presentationml/2006/main">
   <p:cSld>
     <p:spTree>
@@ -14245,230 +13958,7 @@
 </p:sld>
 </file>
 
-<file path=ppt/slides/slide4.xml><?xml version="1.0" encoding="utf-8"?>
-<p:sld xmlns:a="http://schemas.openxmlformats.org/drawingml/2006/main" xmlns:r="http://schemas.openxmlformats.org/officeDocument/2006/relationships" xmlns:p="http://schemas.openxmlformats.org/presentationml/2006/main">
-  <p:cSld>
-    <p:spTree>
-      <p:nvGrpSpPr>
-        <p:cNvPr id="1" name=""/>
-        <p:cNvGrpSpPr/>
-        <p:nvPr/>
-      </p:nvGrpSpPr>
-      <p:grpSpPr>
-        <a:xfrm>
-          <a:off x="0" y="0"/>
-          <a:ext cx="0" cy="0"/>
-          <a:chOff x="0" y="0"/>
-          <a:chExt cx="0" cy="0"/>
-        </a:xfrm>
-      </p:grpSpPr>
-      <p:sp>
-        <p:nvSpPr>
-          <p:cNvPr id="2" name="标题 1"/>
-          <p:cNvSpPr>
-            <a:spLocks noGrp="1"/>
-          </p:cNvSpPr>
-          <p:nvPr>
-            <p:ph type="title"/>
-          </p:nvPr>
-        </p:nvSpPr>
-        <p:spPr/>
-        <p:txBody>
-          <a:bodyPr/>
-          <a:lstStyle/>
-          <a:p>
-            <a:pPr algn="l"/>
-            <a:r>
-              <a:rPr lang="en-US" altLang="zh-CN" dirty="0" smtClean="0"/>
-              <a:t>Basic concepts</a:t>
-            </a:r>
-            <a:endParaRPr lang="zh-CN" altLang="en-US" dirty="0"/>
-          </a:p>
-        </p:txBody>
-      </p:sp>
-      <p:sp>
-        <p:nvSpPr>
-          <p:cNvPr id="3" name="内容占位符 2"/>
-          <p:cNvSpPr>
-            <a:spLocks noGrp="1"/>
-          </p:cNvSpPr>
-          <p:nvPr>
-            <p:ph idx="1"/>
-          </p:nvPr>
-        </p:nvSpPr>
-        <p:spPr/>
-        <p:txBody>
-          <a:bodyPr/>
-          <a:lstStyle/>
-          <a:p>
-            <a:r>
-              <a:rPr lang="en-US" altLang="zh-CN" dirty="0" smtClean="0"/>
-              <a:t>Http server</a:t>
-            </a:r>
-          </a:p>
-          <a:p>
-            <a:r>
-              <a:rPr lang="en-US" altLang="zh-CN" dirty="0" smtClean="0"/>
-              <a:t>ORM(Object-relational mapping)</a:t>
-            </a:r>
-          </a:p>
-          <a:p>
-            <a:r>
-              <a:rPr lang="en-US" altLang="zh-CN" dirty="0" smtClean="0"/>
-              <a:t>Html render</a:t>
-            </a:r>
-          </a:p>
-          <a:p>
-            <a:r>
-              <a:rPr lang="en-US" altLang="zh-CN" dirty="0" smtClean="0"/>
-              <a:t>Serialization, AOP……</a:t>
-            </a:r>
-            <a:endParaRPr lang="zh-CN" altLang="en-US" dirty="0"/>
-          </a:p>
-        </p:txBody>
-      </p:sp>
-    </p:spTree>
-  </p:cSld>
-  <p:clrMapOvr>
-    <a:masterClrMapping/>
-  </p:clrMapOvr>
-  <p:timing>
-    <p:tnLst>
-      <p:par>
-        <p:cTn id="1" dur="indefinite" restart="never" nodeType="tmRoot">
-          <p:childTnLst>
-            <p:seq concurrent="1" nextAc="seek">
-              <p:cTn id="2" dur="indefinite" nodeType="mainSeq">
-                <p:childTnLst>
-                  <p:par>
-                    <p:cTn id="3" fill="hold">
-                      <p:stCondLst>
-                        <p:cond delay="indefinite"/>
-                      </p:stCondLst>
-                      <p:childTnLst>
-                        <p:par>
-                          <p:cTn id="4" fill="hold">
-                            <p:stCondLst>
-                              <p:cond delay="0"/>
-                            </p:stCondLst>
-                            <p:childTnLst>
-                              <p:par>
-                                <p:cTn id="5" presetID="2" presetClass="entr" presetSubtype="4" fill="hold" nodeType="clickEffect">
-                                  <p:stCondLst>
-                                    <p:cond delay="0"/>
-                                  </p:stCondLst>
-                                  <p:childTnLst>
-                                    <p:set>
-                                      <p:cBhvr>
-                                        <p:cTn id="6" dur="1" fill="hold">
-                                          <p:stCondLst>
-                                            <p:cond delay="0"/>
-                                          </p:stCondLst>
-                                        </p:cTn>
-                                        <p:tgtEl>
-                                          <p:spTgt spid="3">
-                                            <p:txEl>
-                                              <p:pRg st="3" end="3"/>
-                                            </p:txEl>
-                                          </p:spTgt>
-                                        </p:tgtEl>
-                                        <p:attrNameLst>
-                                          <p:attrName>style.visibility</p:attrName>
-                                        </p:attrNameLst>
-                                      </p:cBhvr>
-                                      <p:to>
-                                        <p:strVal val="visible"/>
-                                      </p:to>
-                                    </p:set>
-                                    <p:anim calcmode="lin" valueType="num">
-                                      <p:cBhvr additive="base">
-                                        <p:cTn id="7" dur="500" fill="hold"/>
-                                        <p:tgtEl>
-                                          <p:spTgt spid="3">
-                                            <p:txEl>
-                                              <p:pRg st="3" end="3"/>
-                                            </p:txEl>
-                                          </p:spTgt>
-                                        </p:tgtEl>
-                                        <p:attrNameLst>
-                                          <p:attrName>ppt_x</p:attrName>
-                                        </p:attrNameLst>
-                                      </p:cBhvr>
-                                      <p:tavLst>
-                                        <p:tav tm="0">
-                                          <p:val>
-                                            <p:strVal val="#ppt_x"/>
-                                          </p:val>
-                                        </p:tav>
-                                        <p:tav tm="100000">
-                                          <p:val>
-                                            <p:strVal val="#ppt_x"/>
-                                          </p:val>
-                                        </p:tav>
-                                      </p:tavLst>
-                                    </p:anim>
-                                    <p:anim calcmode="lin" valueType="num">
-                                      <p:cBhvr additive="base">
-                                        <p:cTn id="8" dur="500" fill="hold"/>
-                                        <p:tgtEl>
-                                          <p:spTgt spid="3">
-                                            <p:txEl>
-                                              <p:pRg st="3" end="3"/>
-                                            </p:txEl>
-                                          </p:spTgt>
-                                        </p:tgtEl>
-                                        <p:attrNameLst>
-                                          <p:attrName>ppt_y</p:attrName>
-                                        </p:attrNameLst>
-                                      </p:cBhvr>
-                                      <p:tavLst>
-                                        <p:tav tm="0">
-                                          <p:val>
-                                            <p:strVal val="1+#ppt_h/2"/>
-                                          </p:val>
-                                        </p:tav>
-                                        <p:tav tm="100000">
-                                          <p:val>
-                                            <p:strVal val="#ppt_y"/>
-                                          </p:val>
-                                        </p:tav>
-                                      </p:tavLst>
-                                    </p:anim>
-                                  </p:childTnLst>
-                                </p:cTn>
-                              </p:par>
-                            </p:childTnLst>
-                          </p:cTn>
-                        </p:par>
-                      </p:childTnLst>
-                    </p:cTn>
-                  </p:par>
-                </p:childTnLst>
-              </p:cTn>
-              <p:prevCondLst>
-                <p:cond evt="onPrev" delay="0">
-                  <p:tgtEl>
-                    <p:sldTgt/>
-                  </p:tgtEl>
-                </p:cond>
-              </p:prevCondLst>
-              <p:nextCondLst>
-                <p:cond evt="onNext" delay="0">
-                  <p:tgtEl>
-                    <p:sldTgt/>
-                  </p:tgtEl>
-                </p:cond>
-              </p:nextCondLst>
-            </p:seq>
-          </p:childTnLst>
-        </p:cTn>
-      </p:par>
-    </p:tnLst>
-  </p:timing>
-</p:sld>
-</file>
-
-<file path=ppt/slides/slide40.xml><?xml version="1.0" encoding="utf-8"?>
+<file path=ppt/slides/slide38.xml><?xml version="1.0" encoding="utf-8"?>
 <p:sld xmlns:a="http://schemas.openxmlformats.org/drawingml/2006/main" xmlns:r="http://schemas.openxmlformats.org/officeDocument/2006/relationships" xmlns:p="http://schemas.openxmlformats.org/presentationml/2006/main">
   <p:cSld>
     <p:spTree>
@@ -14717,7 +14207,7 @@
 </p:sld>
 </file>
 
-<file path=ppt/slides/slide41.xml><?xml version="1.0" encoding="utf-8"?>
+<file path=ppt/slides/slide39.xml><?xml version="1.0" encoding="utf-8"?>
 <p:sld xmlns:a="http://schemas.openxmlformats.org/drawingml/2006/main" xmlns:r="http://schemas.openxmlformats.org/officeDocument/2006/relationships" xmlns:p="http://schemas.openxmlformats.org/presentationml/2006/main">
   <p:cSld>
     <p:spTree>
@@ -14818,7 +14308,102 @@
 </p:sld>
 </file>
 
-<file path=ppt/slides/slide42.xml><?xml version="1.0" encoding="utf-8"?>
+<file path=ppt/slides/slide4.xml><?xml version="1.0" encoding="utf-8"?>
+<p:sld xmlns:a="http://schemas.openxmlformats.org/drawingml/2006/main" xmlns:r="http://schemas.openxmlformats.org/officeDocument/2006/relationships" xmlns:p="http://schemas.openxmlformats.org/presentationml/2006/main">
+  <p:cSld>
+    <p:spTree>
+      <p:nvGrpSpPr>
+        <p:cNvPr id="1" name=""/>
+        <p:cNvGrpSpPr/>
+        <p:nvPr/>
+      </p:nvGrpSpPr>
+      <p:grpSpPr>
+        <a:xfrm>
+          <a:off x="0" y="0"/>
+          <a:ext cx="0" cy="0"/>
+          <a:chOff x="0" y="0"/>
+          <a:chExt cx="0" cy="0"/>
+        </a:xfrm>
+      </p:grpSpPr>
+      <p:sp>
+        <p:nvSpPr>
+          <p:cNvPr id="2" name="标题 1"/>
+          <p:cNvSpPr>
+            <a:spLocks noGrp="1"/>
+          </p:cNvSpPr>
+          <p:nvPr>
+            <p:ph type="title"/>
+          </p:nvPr>
+        </p:nvSpPr>
+        <p:spPr/>
+        <p:txBody>
+          <a:bodyPr/>
+          <a:lstStyle/>
+          <a:p>
+            <a:pPr algn="l"/>
+            <a:r>
+              <a:rPr lang="en-US" altLang="zh-CN" dirty="0" smtClean="0"/>
+              <a:t>Basic concepts</a:t>
+            </a:r>
+            <a:endParaRPr lang="zh-CN" altLang="en-US" dirty="0"/>
+          </a:p>
+        </p:txBody>
+      </p:sp>
+      <p:sp>
+        <p:nvSpPr>
+          <p:cNvPr id="3" name="内容占位符 2"/>
+          <p:cNvSpPr>
+            <a:spLocks noGrp="1"/>
+          </p:cNvSpPr>
+          <p:nvPr>
+            <p:ph idx="1"/>
+          </p:nvPr>
+        </p:nvSpPr>
+        <p:spPr/>
+        <p:txBody>
+          <a:bodyPr/>
+          <a:lstStyle/>
+          <a:p>
+            <a:r>
+              <a:rPr lang="en-US" altLang="zh-CN" dirty="0" smtClean="0"/>
+              <a:t>Http server</a:t>
+            </a:r>
+          </a:p>
+          <a:p>
+            <a:r>
+              <a:rPr lang="en-US" altLang="zh-CN" dirty="0" smtClean="0"/>
+              <a:t>ORM(Object-relational mapping)</a:t>
+            </a:r>
+          </a:p>
+          <a:p>
+            <a:r>
+              <a:rPr lang="en-US" altLang="zh-CN" dirty="0" smtClean="0"/>
+              <a:t>Html </a:t>
+            </a:r>
+            <a:r>
+              <a:rPr lang="en-US" altLang="zh-CN" dirty="0" smtClean="0"/>
+              <a:t>render</a:t>
+            </a:r>
+            <a:endParaRPr lang="en-US" altLang="zh-CN" dirty="0" smtClean="0"/>
+          </a:p>
+        </p:txBody>
+      </p:sp>
+    </p:spTree>
+  </p:cSld>
+  <p:clrMapOvr>
+    <a:masterClrMapping/>
+  </p:clrMapOvr>
+  <p:timing>
+    <p:tnLst>
+      <p:par>
+        <p:cTn id="1" dur="indefinite" restart="never" nodeType="tmRoot"/>
+      </p:par>
+    </p:tnLst>
+  </p:timing>
+</p:sld>
+</file>
+
+<file path=ppt/slides/slide40.xml><?xml version="1.0" encoding="utf-8"?>
 <p:sld xmlns:a="http://schemas.openxmlformats.org/drawingml/2006/main" xmlns:r="http://schemas.openxmlformats.org/officeDocument/2006/relationships" xmlns:p="http://schemas.openxmlformats.org/presentationml/2006/main">
   <p:cSld>
     <p:spTree>
@@ -15318,7 +14903,7 @@
 </p:sld>
 </file>
 
-<file path=ppt/slides/slide43.xml><?xml version="1.0" encoding="utf-8"?>
+<file path=ppt/slides/slide41.xml><?xml version="1.0" encoding="utf-8"?>
 <p:sld xmlns:a="http://schemas.openxmlformats.org/drawingml/2006/main" xmlns:r="http://schemas.openxmlformats.org/officeDocument/2006/relationships" xmlns:p="http://schemas.openxmlformats.org/presentationml/2006/main">
   <p:cSld>
     <p:spTree>
@@ -15422,7 +15007,7 @@
 </p:sld>
 </file>
 
-<file path=ppt/slides/slide44.xml><?xml version="1.0" encoding="utf-8"?>
+<file path=ppt/slides/slide42.xml><?xml version="1.0" encoding="utf-8"?>
 <p:sld xmlns:a="http://schemas.openxmlformats.org/drawingml/2006/main" xmlns:r="http://schemas.openxmlformats.org/officeDocument/2006/relationships" xmlns:p="http://schemas.openxmlformats.org/presentationml/2006/main">
   <p:cSld>
     <p:spTree>
@@ -15684,7 +15269,7 @@
 </p:sld>
 </file>
 
-<file path=ppt/slides/slide45.xml><?xml version="1.0" encoding="utf-8"?>
+<file path=ppt/slides/slide43.xml><?xml version="1.0" encoding="utf-8"?>
 <p:sld xmlns:a="http://schemas.openxmlformats.org/drawingml/2006/main" xmlns:r="http://schemas.openxmlformats.org/officeDocument/2006/relationships" xmlns:p="http://schemas.openxmlformats.org/presentationml/2006/main">
   <p:cSld>
     <p:spTree>
@@ -16071,7 +15656,7 @@
 </p:sld>
 </file>
 
-<file path=ppt/slides/slide46.xml><?xml version="1.0" encoding="utf-8"?>
+<file path=ppt/slides/slide44.xml><?xml version="1.0" encoding="utf-8"?>
 <p:sld xmlns:a="http://schemas.openxmlformats.org/drawingml/2006/main" xmlns:r="http://schemas.openxmlformats.org/officeDocument/2006/relationships" xmlns:p="http://schemas.openxmlformats.org/presentationml/2006/main">
   <p:cSld>
     <p:spTree>
@@ -16310,7 +15895,7 @@
 </p:sld>
 </file>
 
-<file path=ppt/slides/slide47.xml><?xml version="1.0" encoding="utf-8"?>
+<file path=ppt/slides/slide45.xml><?xml version="1.0" encoding="utf-8"?>
 <p:sld xmlns:a="http://schemas.openxmlformats.org/drawingml/2006/main" xmlns:r="http://schemas.openxmlformats.org/officeDocument/2006/relationships" xmlns:p="http://schemas.openxmlformats.org/presentationml/2006/main">
   <p:cSld>
     <p:spTree>
@@ -16652,7 +16237,7 @@
 </p:sld>
 </file>
 
-<file path=ppt/slides/slide48.xml><?xml version="1.0" encoding="utf-8"?>
+<file path=ppt/slides/slide46.xml><?xml version="1.0" encoding="utf-8"?>
 <p:sld xmlns:a="http://schemas.openxmlformats.org/drawingml/2006/main" xmlns:r="http://schemas.openxmlformats.org/officeDocument/2006/relationships" xmlns:p="http://schemas.openxmlformats.org/presentationml/2006/main">
   <p:cSld>
     <p:spTree>
@@ -17986,7 +17571,7 @@
 </p:sld>
 </file>
 
-<file path=ppt/slides/slide49.xml><?xml version="1.0" encoding="utf-8"?>
+<file path=ppt/slides/slide47.xml><?xml version="1.0" encoding="utf-8"?>
 <p:sld xmlns:a="http://schemas.openxmlformats.org/drawingml/2006/main" xmlns:r="http://schemas.openxmlformats.org/officeDocument/2006/relationships" xmlns:p="http://schemas.openxmlformats.org/presentationml/2006/main">
   <p:cSld>
     <p:spTree>
@@ -18367,6 +17952,112 @@
                                           </p:stCondLst>
                                         </p:cTn>
                                         <p:tgtEl>
+                                          <p:spTgt spid="4"/>
+                                        </p:tgtEl>
+                                        <p:attrNameLst>
+                                          <p:attrName>style.visibility</p:attrName>
+                                        </p:attrNameLst>
+                                      </p:cBhvr>
+                                      <p:to>
+                                        <p:strVal val="visible"/>
+                                      </p:to>
+                                    </p:set>
+                                    <p:animEffect transition="in" filter="wipe(left)">
+                                      <p:cBhvr>
+                                        <p:cTn id="7" dur="500"/>
+                                        <p:tgtEl>
+                                          <p:spTgt spid="4"/>
+                                        </p:tgtEl>
+                                      </p:cBhvr>
+                                    </p:animEffect>
+                                  </p:childTnLst>
+                                </p:cTn>
+                              </p:par>
+                            </p:childTnLst>
+                          </p:cTn>
+                        </p:par>
+                      </p:childTnLst>
+                    </p:cTn>
+                  </p:par>
+                  <p:par>
+                    <p:cTn id="8" fill="hold">
+                      <p:stCondLst>
+                        <p:cond delay="indefinite"/>
+                      </p:stCondLst>
+                      <p:childTnLst>
+                        <p:par>
+                          <p:cTn id="9" fill="hold">
+                            <p:stCondLst>
+                              <p:cond delay="0"/>
+                            </p:stCondLst>
+                            <p:childTnLst>
+                              <p:par>
+                                <p:cTn id="10" presetID="22" presetClass="entr" presetSubtype="8" fill="hold" grpId="0" nodeType="clickEffect">
+                                  <p:stCondLst>
+                                    <p:cond delay="0"/>
+                                  </p:stCondLst>
+                                  <p:childTnLst>
+                                    <p:set>
+                                      <p:cBhvr>
+                                        <p:cTn id="11" dur="1" fill="hold">
+                                          <p:stCondLst>
+                                            <p:cond delay="0"/>
+                                          </p:stCondLst>
+                                        </p:cTn>
+                                        <p:tgtEl>
+                                          <p:spTgt spid="5"/>
+                                        </p:tgtEl>
+                                        <p:attrNameLst>
+                                          <p:attrName>style.visibility</p:attrName>
+                                        </p:attrNameLst>
+                                      </p:cBhvr>
+                                      <p:to>
+                                        <p:strVal val="visible"/>
+                                      </p:to>
+                                    </p:set>
+                                    <p:animEffect transition="in" filter="wipe(left)">
+                                      <p:cBhvr>
+                                        <p:cTn id="12" dur="500"/>
+                                        <p:tgtEl>
+                                          <p:spTgt spid="5"/>
+                                        </p:tgtEl>
+                                      </p:cBhvr>
+                                    </p:animEffect>
+                                  </p:childTnLst>
+                                </p:cTn>
+                              </p:par>
+                            </p:childTnLst>
+                          </p:cTn>
+                        </p:par>
+                      </p:childTnLst>
+                    </p:cTn>
+                  </p:par>
+                  <p:par>
+                    <p:cTn id="13" fill="hold">
+                      <p:stCondLst>
+                        <p:cond delay="indefinite"/>
+                      </p:stCondLst>
+                      <p:childTnLst>
+                        <p:par>
+                          <p:cTn id="14" fill="hold">
+                            <p:stCondLst>
+                              <p:cond delay="0"/>
+                            </p:stCondLst>
+                            <p:childTnLst>
+                              <p:par>
+                                <p:cTn id="15" presetID="22" presetClass="entr" presetSubtype="8" fill="hold" grpId="0" nodeType="clickEffect">
+                                  <p:stCondLst>
+                                    <p:cond delay="0"/>
+                                  </p:stCondLst>
+                                  <p:childTnLst>
+                                    <p:set>
+                                      <p:cBhvr>
+                                        <p:cTn id="16" dur="1" fill="hold">
+                                          <p:stCondLst>
+                                            <p:cond delay="0"/>
+                                          </p:stCondLst>
+                                        </p:cTn>
+                                        <p:tgtEl>
                                           <p:spTgt spid="6"/>
                                         </p:tgtEl>
                                         <p:attrNameLst>
@@ -18379,7 +18070,7 @@
                                     </p:set>
                                     <p:animEffect transition="in" filter="wipe(left)">
                                       <p:cBhvr>
-                                        <p:cTn id="7" dur="500"/>
+                                        <p:cTn id="17" dur="500"/>
                                         <p:tgtEl>
                                           <p:spTgt spid="6"/>
                                         </p:tgtEl>
@@ -18416,440 +18107,15 @@
       </p:par>
     </p:tnLst>
     <p:bldLst>
+      <p:bldP spid="4" grpId="0"/>
+      <p:bldP spid="5" grpId="0"/>
       <p:bldP spid="6" grpId="0"/>
     </p:bldLst>
   </p:timing>
 </p:sld>
 </file>
 
-<file path=ppt/slides/slide5.xml><?xml version="1.0" encoding="utf-8"?>
-<p:sld xmlns:a="http://schemas.openxmlformats.org/drawingml/2006/main" xmlns:r="http://schemas.openxmlformats.org/officeDocument/2006/relationships" xmlns:p="http://schemas.openxmlformats.org/presentationml/2006/main">
-  <p:cSld>
-    <p:spTree>
-      <p:nvGrpSpPr>
-        <p:cNvPr id="1" name=""/>
-        <p:cNvGrpSpPr/>
-        <p:nvPr/>
-      </p:nvGrpSpPr>
-      <p:grpSpPr>
-        <a:xfrm>
-          <a:off x="0" y="0"/>
-          <a:ext cx="0" cy="0"/>
-          <a:chOff x="0" y="0"/>
-          <a:chExt cx="0" cy="0"/>
-        </a:xfrm>
-      </p:grpSpPr>
-      <p:sp>
-        <p:nvSpPr>
-          <p:cNvPr id="2" name="标题 1"/>
-          <p:cNvSpPr>
-            <a:spLocks noGrp="1"/>
-          </p:cNvSpPr>
-          <p:nvPr>
-            <p:ph type="title"/>
-          </p:nvPr>
-        </p:nvSpPr>
-        <p:spPr/>
-        <p:txBody>
-          <a:bodyPr/>
-          <a:lstStyle/>
-          <a:p>
-            <a:pPr algn="l"/>
-            <a:r>
-              <a:rPr lang="en-US" altLang="zh-CN" dirty="0" smtClean="0"/>
-              <a:t>Html template</a:t>
-            </a:r>
-            <a:endParaRPr lang="zh-CN" altLang="en-US" dirty="0"/>
-          </a:p>
-        </p:txBody>
-      </p:sp>
-      <p:sp>
-        <p:nvSpPr>
-          <p:cNvPr id="3" name="内容占位符 2"/>
-          <p:cNvSpPr>
-            <a:spLocks noGrp="1"/>
-          </p:cNvSpPr>
-          <p:nvPr>
-            <p:ph idx="1"/>
-          </p:nvPr>
-        </p:nvSpPr>
-        <p:spPr/>
-        <p:txBody>
-          <a:bodyPr/>
-          <a:lstStyle/>
-          <a:p>
-            <a:endParaRPr lang="zh-CN" altLang="en-US" dirty="0"/>
-          </a:p>
-        </p:txBody>
-      </p:sp>
-      <p:pic>
-        <p:nvPicPr>
-          <p:cNvPr id="40962" name="Picture 2"/>
-          <p:cNvPicPr>
-            <a:picLocks noChangeAspect="1" noChangeArrowheads="1"/>
-          </p:cNvPicPr>
-          <p:nvPr/>
-        </p:nvPicPr>
-        <p:blipFill>
-          <a:blip r:embed="rId2"/>
-          <a:srcRect/>
-          <a:stretch>
-            <a:fillRect/>
-          </a:stretch>
-        </p:blipFill>
-        <p:spPr bwMode="auto">
-          <a:xfrm>
-            <a:off x="1571604" y="2500312"/>
-            <a:ext cx="6376538" cy="1428760"/>
-          </a:xfrm>
-          <a:prstGeom prst="rect">
-            <a:avLst/>
-          </a:prstGeom>
-          <a:noFill/>
-          <a:ln w="9525">
-            <a:noFill/>
-            <a:miter lim="800000"/>
-            <a:headEnd/>
-            <a:tailEnd/>
-          </a:ln>
-          <a:effectLst/>
-        </p:spPr>
-      </p:pic>
-      <p:pic>
-        <p:nvPicPr>
-          <p:cNvPr id="40963" name="Picture 3" descr="C:\Users\Administrator\Documents\Tencent Files\383121719\Image\C2C\Z2]YWS[[KZ7~U7U0AB5((6C.png"/>
-          <p:cNvPicPr>
-            <a:picLocks noChangeAspect="1" noChangeArrowheads="1"/>
-          </p:cNvPicPr>
-          <p:nvPr/>
-        </p:nvPicPr>
-        <p:blipFill>
-          <a:blip r:embed="rId3"/>
-          <a:srcRect/>
-          <a:stretch>
-            <a:fillRect/>
-          </a:stretch>
-        </p:blipFill>
-        <p:spPr bwMode="auto">
-          <a:xfrm>
-            <a:off x="1785918" y="1214428"/>
-            <a:ext cx="928693" cy="1000131"/>
-          </a:xfrm>
-          <a:prstGeom prst="rect">
-            <a:avLst/>
-          </a:prstGeom>
-          <a:noFill/>
-        </p:spPr>
-      </p:pic>
-      <p:sp>
-        <p:nvSpPr>
-          <p:cNvPr id="6" name="TextBox 5"/>
-          <p:cNvSpPr txBox="1"/>
-          <p:nvPr/>
-        </p:nvSpPr>
-        <p:spPr>
-          <a:xfrm>
-            <a:off x="3500430" y="1500180"/>
-            <a:ext cx="1212896" cy="369332"/>
-          </a:xfrm>
-          <a:prstGeom prst="rect">
-            <a:avLst/>
-          </a:prstGeom>
-          <a:noFill/>
-        </p:spPr>
-        <p:txBody>
-          <a:bodyPr wrap="none" rtlCol="0">
-            <a:spAutoFit/>
-          </a:bodyPr>
-          <a:lstStyle/>
-          <a:p>
-            <a:r>
-              <a:rPr lang="en-US" altLang="zh-CN" b="1" dirty="0" smtClean="0"/>
-              <a:t>Index.htm</a:t>
-            </a:r>
-            <a:r>
-              <a:rPr lang="en-US" altLang="zh-CN" dirty="0" smtClean="0"/>
-              <a:t>l</a:t>
-            </a:r>
-            <a:endParaRPr lang="zh-CN" altLang="en-US" dirty="0"/>
-          </a:p>
-        </p:txBody>
-      </p:sp>
-      <p:cxnSp>
-        <p:nvCxnSpPr>
-          <p:cNvPr id="8" name="直接箭头连接符 7"/>
-          <p:cNvCxnSpPr>
-            <a:stCxn id="40963" idx="3"/>
-            <a:endCxn id="6" idx="1"/>
-          </p:cNvCxnSpPr>
-          <p:nvPr/>
-        </p:nvCxnSpPr>
-        <p:spPr>
-          <a:xfrm flipV="1">
-            <a:off x="2714611" y="1684846"/>
-            <a:ext cx="785819" cy="29648"/>
-          </a:xfrm>
-          <a:prstGeom prst="straightConnector1">
-            <a:avLst/>
-          </a:prstGeom>
-          <a:ln w="15875">
-            <a:tailEnd type="arrow"/>
-          </a:ln>
-        </p:spPr>
-        <p:style>
-          <a:lnRef idx="1">
-            <a:schemeClr val="accent1"/>
-          </a:lnRef>
-          <a:fillRef idx="0">
-            <a:schemeClr val="accent1"/>
-          </a:fillRef>
-          <a:effectRef idx="0">
-            <a:schemeClr val="accent1"/>
-          </a:effectRef>
-          <a:fontRef idx="minor">
-            <a:schemeClr val="tx1"/>
-          </a:fontRef>
-        </p:style>
-      </p:cxnSp>
-      <p:sp>
-        <p:nvSpPr>
-          <p:cNvPr id="11" name="TextBox 10"/>
-          <p:cNvSpPr txBox="1"/>
-          <p:nvPr/>
-        </p:nvSpPr>
-        <p:spPr>
-          <a:xfrm>
-            <a:off x="571472" y="1500180"/>
-            <a:ext cx="1256498" cy="369332"/>
-          </a:xfrm>
-          <a:prstGeom prst="rect">
-            <a:avLst/>
-          </a:prstGeom>
-          <a:noFill/>
-        </p:spPr>
-        <p:txBody>
-          <a:bodyPr wrap="none" rtlCol="0">
-            <a:spAutoFit/>
-          </a:bodyPr>
-          <a:lstStyle/>
-          <a:p>
-            <a:r>
-              <a:rPr lang="en-US" altLang="zh-CN" dirty="0" smtClean="0"/>
-              <a:t>Web server</a:t>
-            </a:r>
-            <a:endParaRPr lang="zh-CN" altLang="en-US" dirty="0"/>
-          </a:p>
-        </p:txBody>
-      </p:sp>
-      <p:cxnSp>
-        <p:nvCxnSpPr>
-          <p:cNvPr id="16" name="直接箭头连接符 15"/>
-          <p:cNvCxnSpPr>
-            <a:stCxn id="6" idx="2"/>
-          </p:cNvCxnSpPr>
-          <p:nvPr/>
-        </p:nvCxnSpPr>
-        <p:spPr>
-          <a:xfrm rot="5400000">
-            <a:off x="3774006" y="2167440"/>
-            <a:ext cx="630800" cy="34944"/>
-          </a:xfrm>
-          <a:prstGeom prst="straightConnector1">
-            <a:avLst/>
-          </a:prstGeom>
-          <a:ln w="15875">
-            <a:tailEnd type="arrow"/>
-          </a:ln>
-        </p:spPr>
-        <p:style>
-          <a:lnRef idx="1">
-            <a:schemeClr val="accent1"/>
-          </a:lnRef>
-          <a:fillRef idx="0">
-            <a:schemeClr val="accent1"/>
-          </a:fillRef>
-          <a:effectRef idx="0">
-            <a:schemeClr val="accent1"/>
-          </a:effectRef>
-          <a:fontRef idx="minor">
-            <a:schemeClr val="tx1"/>
-          </a:fontRef>
-        </p:style>
-      </p:cxnSp>
-      <p:sp>
-        <p:nvSpPr>
-          <p:cNvPr id="19" name="圆角矩形 18"/>
-          <p:cNvSpPr/>
-          <p:nvPr/>
-        </p:nvSpPr>
-        <p:spPr>
-          <a:xfrm>
-            <a:off x="4000496" y="3357568"/>
-            <a:ext cx="714380" cy="285752"/>
-          </a:xfrm>
-          <a:prstGeom prst="roundRect">
-            <a:avLst/>
-          </a:prstGeom>
-          <a:noFill/>
-        </p:spPr>
-        <p:style>
-          <a:lnRef idx="2">
-            <a:schemeClr val="accent1">
-              <a:shade val="50000"/>
-            </a:schemeClr>
-          </a:lnRef>
-          <a:fillRef idx="1">
-            <a:schemeClr val="accent1"/>
-          </a:fillRef>
-          <a:effectRef idx="0">
-            <a:schemeClr val="accent1"/>
-          </a:effectRef>
-          <a:fontRef idx="minor">
-            <a:schemeClr val="lt1"/>
-          </a:fontRef>
-        </p:style>
-        <p:txBody>
-          <a:bodyPr rtlCol="0" anchor="ctr"/>
-          <a:lstStyle/>
-          <a:p>
-            <a:pPr algn="ctr"/>
-            <a:endParaRPr lang="zh-CN" altLang="en-US"/>
-          </a:p>
-        </p:txBody>
-      </p:sp>
-    </p:spTree>
-  </p:cSld>
-  <p:clrMapOvr>
-    <a:masterClrMapping/>
-  </p:clrMapOvr>
-  <p:timing>
-    <p:tnLst>
-      <p:par>
-        <p:cTn id="1" dur="indefinite" restart="never" nodeType="tmRoot">
-          <p:childTnLst>
-            <p:seq concurrent="1" nextAc="seek">
-              <p:cTn id="2" dur="indefinite" nodeType="mainSeq">
-                <p:childTnLst>
-                  <p:par>
-                    <p:cTn id="3" fill="hold">
-                      <p:stCondLst>
-                        <p:cond delay="indefinite"/>
-                      </p:stCondLst>
-                      <p:childTnLst>
-                        <p:par>
-                          <p:cTn id="4" fill="hold">
-                            <p:stCondLst>
-                              <p:cond delay="0"/>
-                            </p:stCondLst>
-                            <p:childTnLst>
-                              <p:par>
-                                <p:cTn id="5" presetID="2" presetClass="entr" presetSubtype="4" fill="hold" grpId="0" nodeType="clickEffect">
-                                  <p:stCondLst>
-                                    <p:cond delay="0"/>
-                                  </p:stCondLst>
-                                  <p:childTnLst>
-                                    <p:set>
-                                      <p:cBhvr>
-                                        <p:cTn id="6" dur="1" fill="hold">
-                                          <p:stCondLst>
-                                            <p:cond delay="0"/>
-                                          </p:stCondLst>
-                                        </p:cTn>
-                                        <p:tgtEl>
-                                          <p:spTgt spid="19"/>
-                                        </p:tgtEl>
-                                        <p:attrNameLst>
-                                          <p:attrName>style.visibility</p:attrName>
-                                        </p:attrNameLst>
-                                      </p:cBhvr>
-                                      <p:to>
-                                        <p:strVal val="visible"/>
-                                      </p:to>
-                                    </p:set>
-                                    <p:anim calcmode="lin" valueType="num">
-                                      <p:cBhvr additive="base">
-                                        <p:cTn id="7" dur="500" fill="hold"/>
-                                        <p:tgtEl>
-                                          <p:spTgt spid="19"/>
-                                        </p:tgtEl>
-                                        <p:attrNameLst>
-                                          <p:attrName>ppt_x</p:attrName>
-                                        </p:attrNameLst>
-                                      </p:cBhvr>
-                                      <p:tavLst>
-                                        <p:tav tm="0">
-                                          <p:val>
-                                            <p:strVal val="#ppt_x"/>
-                                          </p:val>
-                                        </p:tav>
-                                        <p:tav tm="100000">
-                                          <p:val>
-                                            <p:strVal val="#ppt_x"/>
-                                          </p:val>
-                                        </p:tav>
-                                      </p:tavLst>
-                                    </p:anim>
-                                    <p:anim calcmode="lin" valueType="num">
-                                      <p:cBhvr additive="base">
-                                        <p:cTn id="8" dur="500" fill="hold"/>
-                                        <p:tgtEl>
-                                          <p:spTgt spid="19"/>
-                                        </p:tgtEl>
-                                        <p:attrNameLst>
-                                          <p:attrName>ppt_y</p:attrName>
-                                        </p:attrNameLst>
-                                      </p:cBhvr>
-                                      <p:tavLst>
-                                        <p:tav tm="0">
-                                          <p:val>
-                                            <p:strVal val="1+#ppt_h/2"/>
-                                          </p:val>
-                                        </p:tav>
-                                        <p:tav tm="100000">
-                                          <p:val>
-                                            <p:strVal val="#ppt_y"/>
-                                          </p:val>
-                                        </p:tav>
-                                      </p:tavLst>
-                                    </p:anim>
-                                  </p:childTnLst>
-                                </p:cTn>
-                              </p:par>
-                            </p:childTnLst>
-                          </p:cTn>
-                        </p:par>
-                      </p:childTnLst>
-                    </p:cTn>
-                  </p:par>
-                </p:childTnLst>
-              </p:cTn>
-              <p:prevCondLst>
-                <p:cond evt="onPrev" delay="0">
-                  <p:tgtEl>
-                    <p:sldTgt/>
-                  </p:tgtEl>
-                </p:cond>
-              </p:prevCondLst>
-              <p:nextCondLst>
-                <p:cond evt="onNext" delay="0">
-                  <p:tgtEl>
-                    <p:sldTgt/>
-                  </p:tgtEl>
-                </p:cond>
-              </p:nextCondLst>
-            </p:seq>
-          </p:childTnLst>
-        </p:cTn>
-      </p:par>
-    </p:tnLst>
-    <p:bldLst>
-      <p:bldP spid="19" grpId="0" animBg="1"/>
-    </p:bldLst>
-  </p:timing>
-</p:sld>
-</file>
-
-<file path=ppt/slides/slide50.xml><?xml version="1.0" encoding="utf-8"?>
+<file path=ppt/slides/slide48.xml><?xml version="1.0" encoding="utf-8"?>
 <p:sld xmlns:a="http://schemas.openxmlformats.org/drawingml/2006/main" xmlns:r="http://schemas.openxmlformats.org/officeDocument/2006/relationships" xmlns:p="http://schemas.openxmlformats.org/presentationml/2006/main">
   <p:cSld>
     <p:spTree>
@@ -18948,7 +18214,7 @@
 </p:sld>
 </file>
 
-<file path=ppt/slides/slide51.xml><?xml version="1.0" encoding="utf-8"?>
+<file path=ppt/slides/slide49.xml><?xml version="1.0" encoding="utf-8"?>
 <p:sld xmlns:a="http://schemas.openxmlformats.org/drawingml/2006/main" xmlns:r="http://schemas.openxmlformats.org/officeDocument/2006/relationships" xmlns:p="http://schemas.openxmlformats.org/presentationml/2006/main">
   <p:cSld>
     <p:spTree>
@@ -19047,7 +18313,123 @@
 </p:sld>
 </file>
 
-<file path=ppt/slides/slide52.xml><?xml version="1.0" encoding="utf-8"?>
+<file path=ppt/slides/slide5.xml><?xml version="1.0" encoding="utf-8"?>
+<p:sld xmlns:a="http://schemas.openxmlformats.org/drawingml/2006/main" xmlns:r="http://schemas.openxmlformats.org/officeDocument/2006/relationships" xmlns:p="http://schemas.openxmlformats.org/presentationml/2006/main">
+  <p:cSld>
+    <p:spTree>
+      <p:nvGrpSpPr>
+        <p:cNvPr id="1" name=""/>
+        <p:cNvGrpSpPr/>
+        <p:nvPr/>
+      </p:nvGrpSpPr>
+      <p:grpSpPr>
+        <a:xfrm>
+          <a:off x="0" y="0"/>
+          <a:ext cx="0" cy="0"/>
+          <a:chOff x="0" y="0"/>
+          <a:chExt cx="0" cy="0"/>
+        </a:xfrm>
+      </p:grpSpPr>
+      <p:sp>
+        <p:nvSpPr>
+          <p:cNvPr id="2" name="标题 1"/>
+          <p:cNvSpPr>
+            <a:spLocks noGrp="1"/>
+          </p:cNvSpPr>
+          <p:nvPr>
+            <p:ph type="title"/>
+          </p:nvPr>
+        </p:nvSpPr>
+        <p:spPr/>
+        <p:txBody>
+          <a:bodyPr/>
+          <a:lstStyle/>
+          <a:p>
+            <a:pPr algn="l"/>
+            <a:r>
+              <a:rPr lang="en-US" altLang="zh-CN" dirty="0" smtClean="0"/>
+              <a:t>Some </a:t>
+            </a:r>
+            <a:r>
+              <a:rPr lang="en-US" altLang="zh-CN" dirty="0" err="1" smtClean="0"/>
+              <a:t>c++</a:t>
+            </a:r>
+            <a:r>
+              <a:rPr lang="en-US" altLang="zh-CN" dirty="0" smtClean="0"/>
+              <a:t> web frameworks</a:t>
+            </a:r>
+            <a:endParaRPr lang="zh-CN" altLang="en-US" dirty="0"/>
+          </a:p>
+        </p:txBody>
+      </p:sp>
+      <p:sp>
+        <p:nvSpPr>
+          <p:cNvPr id="3" name="内容占位符 2"/>
+          <p:cNvSpPr>
+            <a:spLocks noGrp="1"/>
+          </p:cNvSpPr>
+          <p:nvPr>
+            <p:ph idx="1"/>
+          </p:nvPr>
+        </p:nvSpPr>
+        <p:spPr/>
+        <p:txBody>
+          <a:bodyPr/>
+          <a:lstStyle/>
+          <a:p>
+            <a:r>
+              <a:rPr lang="en-US" altLang="zh-CN" dirty="0" err="1" smtClean="0"/>
+              <a:t>Cppcms</a:t>
+            </a:r>
+            <a:endParaRPr lang="en-US" altLang="zh-CN" dirty="0" smtClean="0"/>
+          </a:p>
+          <a:p>
+            <a:r>
+              <a:rPr lang="en-US" altLang="zh-CN" dirty="0" err="1" smtClean="0"/>
+              <a:t>treefrog</a:t>
+            </a:r>
+            <a:r>
+              <a:rPr lang="en-US" altLang="zh-CN" dirty="0" smtClean="0"/>
+              <a:t>-framework</a:t>
+            </a:r>
+          </a:p>
+          <a:p>
+            <a:r>
+              <a:rPr lang="en-US" dirty="0" smtClean="0"/>
+              <a:t>Crow</a:t>
+            </a:r>
+            <a:endParaRPr lang="en-US" altLang="zh-CN" dirty="0" smtClean="0"/>
+          </a:p>
+          <a:p>
+            <a:r>
+              <a:rPr lang="en-US" dirty="0" smtClean="0"/>
+              <a:t>Silicon</a:t>
+            </a:r>
+          </a:p>
+          <a:p>
+            <a:endParaRPr lang="en-US" dirty="0" smtClean="0"/>
+          </a:p>
+          <a:p>
+            <a:endParaRPr lang="zh-CN" altLang="en-US" dirty="0"/>
+          </a:p>
+        </p:txBody>
+      </p:sp>
+    </p:spTree>
+  </p:cSld>
+  <p:clrMapOvr>
+    <a:masterClrMapping/>
+  </p:clrMapOvr>
+  <p:timing>
+    <p:tnLst>
+      <p:par>
+        <p:cTn id="1" dur="indefinite" restart="never" nodeType="tmRoot"/>
+      </p:par>
+    </p:tnLst>
+  </p:timing>
+</p:sld>
+</file>
+
+<file path=ppt/slides/slide50.xml><?xml version="1.0" encoding="utf-8"?>
 <p:sld xmlns:a="http://schemas.openxmlformats.org/drawingml/2006/main" xmlns:r="http://schemas.openxmlformats.org/officeDocument/2006/relationships" xmlns:p="http://schemas.openxmlformats.org/presentationml/2006/main">
   <p:cSld>
     <p:spTree>
@@ -20016,7 +19398,7 @@
 </p:sld>
 </file>
 
-<file path=ppt/slides/slide53.xml><?xml version="1.0" encoding="utf-8"?>
+<file path=ppt/slides/slide51.xml><?xml version="1.0" encoding="utf-8"?>
 <p:sld xmlns:a="http://schemas.openxmlformats.org/drawingml/2006/main" xmlns:r="http://schemas.openxmlformats.org/officeDocument/2006/relationships" xmlns:p="http://schemas.openxmlformats.org/presentationml/2006/main">
   <p:cSld>
     <p:spTree>
@@ -20157,7 +19539,7 @@
 </p:sld>
 </file>
 
-<file path=ppt/slides/slide54.xml><?xml version="1.0" encoding="utf-8"?>
+<file path=ppt/slides/slide52.xml><?xml version="1.0" encoding="utf-8"?>
 <p:sld xmlns:a="http://schemas.openxmlformats.org/drawingml/2006/main" xmlns:r="http://schemas.openxmlformats.org/officeDocument/2006/relationships" xmlns:p="http://schemas.openxmlformats.org/presentationml/2006/main">
   <p:cSld>
     <p:spTree>
@@ -20269,7 +19651,7 @@
 </p:sld>
 </file>
 
-<file path=ppt/slides/slide55.xml><?xml version="1.0" encoding="utf-8"?>
+<file path=ppt/slides/slide53.xml><?xml version="1.0" encoding="utf-8"?>
 <p:sld xmlns:a="http://schemas.openxmlformats.org/drawingml/2006/main" xmlns:r="http://schemas.openxmlformats.org/officeDocument/2006/relationships" xmlns:p="http://schemas.openxmlformats.org/presentationml/2006/main">
   <p:cSld>
     <p:spTree>
@@ -20377,7 +19759,7 @@
 </p:sld>
 </file>
 
-<file path=ppt/slides/slide56.xml><?xml version="1.0" encoding="utf-8"?>
+<file path=ppt/slides/slide54.xml><?xml version="1.0" encoding="utf-8"?>
 <p:sld xmlns:a="http://schemas.openxmlformats.org/drawingml/2006/main" xmlns:r="http://schemas.openxmlformats.org/officeDocument/2006/relationships" xmlns:p="http://schemas.openxmlformats.org/presentationml/2006/main">
   <p:cSld>
     <p:spTree>
@@ -20516,7 +19898,7 @@
 </p:sld>
 </file>
 
-<file path=ppt/slides/slide57.xml><?xml version="1.0" encoding="utf-8"?>
+<file path=ppt/slides/slide55.xml><?xml version="1.0" encoding="utf-8"?>
 <p:sld xmlns:a="http://schemas.openxmlformats.org/drawingml/2006/main" xmlns:r="http://schemas.openxmlformats.org/officeDocument/2006/relationships" xmlns:p="http://schemas.openxmlformats.org/presentationml/2006/main">
   <p:cSld>
     <p:spTree>
@@ -20574,49 +19956,21 @@
           <a:p>
             <a:r>
               <a:rPr lang="en-US" altLang="zh-CN" dirty="0" smtClean="0"/>
-              <a:t>H</a:t>
-            </a:r>
+              <a:t>Html template engine</a:t>
+            </a:r>
+          </a:p>
+          <a:p>
+            <a:pPr lvl="1"/>
             <a:r>
               <a:rPr lang="en-US" altLang="zh-CN" dirty="0" smtClean="0"/>
-              <a:t>tml </a:t>
-            </a:r>
+              <a:t>Dynamic filling html</a:t>
+            </a:r>
+          </a:p>
+          <a:p>
+            <a:pPr lvl="1"/>
             <a:r>
               <a:rPr lang="en-US" altLang="zh-CN" dirty="0" smtClean="0"/>
-              <a:t>template </a:t>
-            </a:r>
-            <a:r>
-              <a:rPr lang="en-US" altLang="zh-CN" dirty="0" smtClean="0"/>
-              <a:t>engine</a:t>
-            </a:r>
-          </a:p>
-          <a:p>
-            <a:pPr lvl="1"/>
-            <a:r>
-              <a:rPr lang="en-US" altLang="zh-CN" dirty="0" smtClean="0"/>
-              <a:t>Dynamic </a:t>
-            </a:r>
-            <a:r>
-              <a:rPr lang="en-US" altLang="zh-CN" dirty="0" smtClean="0"/>
-              <a:t>filling </a:t>
-            </a:r>
-            <a:r>
-              <a:rPr lang="en-US" altLang="zh-CN" dirty="0" smtClean="0"/>
-              <a:t>html</a:t>
-            </a:r>
-          </a:p>
-          <a:p>
-            <a:pPr lvl="1"/>
-            <a:r>
-              <a:rPr lang="en-US" altLang="zh-CN" dirty="0" smtClean="0"/>
-              <a:t>Control </a:t>
-            </a:r>
-            <a:r>
-              <a:rPr lang="en-US" altLang="zh-CN" dirty="0" smtClean="0"/>
-              <a:t>UI </a:t>
-            </a:r>
-            <a:r>
-              <a:rPr lang="en-US" altLang="zh-CN" dirty="0" smtClean="0"/>
-              <a:t>display</a:t>
+              <a:t>Control UI display</a:t>
             </a:r>
           </a:p>
           <a:p>
@@ -20644,7 +19998,7 @@
 </p:sld>
 </file>
 
-<file path=ppt/slides/slide58.xml><?xml version="1.0" encoding="utf-8"?>
+<file path=ppt/slides/slide56.xml><?xml version="1.0" encoding="utf-8"?>
 <p:sld xmlns:a="http://schemas.openxmlformats.org/drawingml/2006/main" xmlns:r="http://schemas.openxmlformats.org/officeDocument/2006/relationships" xmlns:p="http://schemas.openxmlformats.org/presentationml/2006/main">
   <p:cSld>
     <p:spTree>
@@ -20902,13 +20256,7 @@
               <a:rPr lang="en-US" altLang="zh-CN" sz="1600" dirty="0" smtClean="0">
                 <a:hlinkClick r:id="rId6"/>
               </a:rPr>
-              <a:t>https://</a:t>
-            </a:r>
-            <a:r>
-              <a:rPr lang="en-US" altLang="zh-CN" sz="1600" dirty="0" smtClean="0">
-                <a:hlinkClick r:id="rId6"/>
-              </a:rPr>
-              <a:t>github.com/qicosmos/render</a:t>
+              <a:t>https://github.com/qicosmos/render</a:t>
             </a:r>
             <a:endParaRPr lang="en-US" altLang="zh-CN" sz="1600" dirty="0" smtClean="0"/>
           </a:p>
@@ -20917,19 +20265,7 @@
               <a:rPr lang="en-US" sz="1600" dirty="0" smtClean="0">
                 <a:hlinkClick r:id="rId7"/>
               </a:rPr>
-              <a:t>https</a:t>
-            </a:r>
-            <a:r>
-              <a:rPr lang="en-US" sz="1600" dirty="0" smtClean="0">
-                <a:hlinkClick r:id="rId7"/>
-              </a:rPr>
-              <a:t>://</a:t>
-            </a:r>
-            <a:r>
-              <a:rPr lang="en-US" sz="1600" dirty="0" smtClean="0">
-                <a:hlinkClick r:id="rId7"/>
-              </a:rPr>
-              <a:t>github.com/melpon/ginger</a:t>
+              <a:t>https://github.com/melpon/ginger</a:t>
             </a:r>
             <a:endParaRPr lang="zh-CN" altLang="en-US" sz="1600" dirty="0"/>
           </a:p>
@@ -21021,7 +20357,7 @@
 </p:sld>
 </file>
 
-<file path=ppt/slides/slide59.xml><?xml version="1.0" encoding="utf-8"?>
+<file path=ppt/slides/slide57.xml><?xml version="1.0" encoding="utf-8"?>
 <p:sld xmlns:a="http://schemas.openxmlformats.org/drawingml/2006/main" xmlns:r="http://schemas.openxmlformats.org/officeDocument/2006/relationships" xmlns:p="http://schemas.openxmlformats.org/presentationml/2006/main">
   <p:cSld>
     <p:spTree>
@@ -21156,52 +20492,6 @@
       </p:pic>
       <p:sp>
         <p:nvSpPr>
-          <p:cNvPr id="8" name="圆角矩形 7"/>
-          <p:cNvSpPr/>
-          <p:nvPr/>
-        </p:nvSpPr>
-        <p:spPr>
-          <a:xfrm>
-            <a:off x="1000100" y="1357304"/>
-            <a:ext cx="1000132" cy="214314"/>
-          </a:xfrm>
-          <a:prstGeom prst="roundRect">
-            <a:avLst/>
-          </a:prstGeom>
-          <a:noFill/>
-          <a:ln w="9525">
-            <a:solidFill>
-              <a:srgbClr val="FF0000"/>
-            </a:solidFill>
-          </a:ln>
-        </p:spPr>
-        <p:style>
-          <a:lnRef idx="2">
-            <a:schemeClr val="accent1">
-              <a:shade val="50000"/>
-            </a:schemeClr>
-          </a:lnRef>
-          <a:fillRef idx="1">
-            <a:schemeClr val="accent1"/>
-          </a:fillRef>
-          <a:effectRef idx="0">
-            <a:schemeClr val="accent1"/>
-          </a:effectRef>
-          <a:fontRef idx="minor">
-            <a:schemeClr val="lt1"/>
-          </a:fontRef>
-        </p:style>
-        <p:txBody>
-          <a:bodyPr rtlCol="0" anchor="ctr"/>
-          <a:lstStyle/>
-          <a:p>
-            <a:pPr algn="ctr"/>
-            <a:endParaRPr lang="zh-CN" altLang="en-US" dirty="0"/>
-          </a:p>
-        </p:txBody>
-      </p:sp>
-      <p:sp>
-        <p:nvSpPr>
           <p:cNvPr id="9" name="圆角矩形 8"/>
           <p:cNvSpPr/>
           <p:nvPr/>
@@ -21246,41 +20536,6 @@
           </a:p>
         </p:txBody>
       </p:sp>
-      <p:cxnSp>
-        <p:nvCxnSpPr>
-          <p:cNvPr id="11" name="直接箭头连接符 10"/>
-          <p:cNvCxnSpPr>
-            <a:stCxn id="8" idx="2"/>
-          </p:cNvCxnSpPr>
-          <p:nvPr/>
-        </p:nvCxnSpPr>
-        <p:spPr>
-          <a:xfrm rot="5400000">
-            <a:off x="821505" y="1893089"/>
-            <a:ext cx="1000132" cy="357190"/>
-          </a:xfrm>
-          <a:prstGeom prst="straightConnector1">
-            <a:avLst/>
-          </a:prstGeom>
-          <a:ln w="15875">
-            <a:tailEnd type="arrow"/>
-          </a:ln>
-        </p:spPr>
-        <p:style>
-          <a:lnRef idx="1">
-            <a:schemeClr val="accent1"/>
-          </a:lnRef>
-          <a:fillRef idx="0">
-            <a:schemeClr val="accent1"/>
-          </a:fillRef>
-          <a:effectRef idx="0">
-            <a:schemeClr val="accent1"/>
-          </a:effectRef>
-          <a:fontRef idx="minor">
-            <a:schemeClr val="tx1"/>
-          </a:fontRef>
-        </p:style>
-      </p:cxnSp>
       <p:cxnSp>
         <p:nvCxnSpPr>
           <p:cNvPr id="13" name="直接箭头连接符 12"/>
@@ -21355,7 +20610,7 @@
                                           </p:stCondLst>
                                         </p:cTn>
                                         <p:tgtEl>
-                                          <p:spTgt spid="8"/>
+                                          <p:spTgt spid="9"/>
                                         </p:tgtEl>
                                         <p:attrNameLst>
                                           <p:attrName>style.visibility</p:attrName>
@@ -21369,7 +20624,7 @@
                                       <p:cBhvr>
                                         <p:cTn id="7" dur="500"/>
                                         <p:tgtEl>
-                                          <p:spTgt spid="8"/>
+                                          <p:spTgt spid="9"/>
                                         </p:tgtEl>
                                       </p:cBhvr>
                                     </p:animEffect>
@@ -21399,7 +20654,7 @@
                                           </p:stCondLst>
                                         </p:cTn>
                                         <p:tgtEl>
-                                          <p:spTgt spid="11"/>
+                                          <p:spTgt spid="13"/>
                                         </p:tgtEl>
                                         <p:attrNameLst>
                                           <p:attrName>style.visibility</p:attrName>
@@ -21412,103 +20667,6 @@
                                     <p:animEffect transition="in" filter="wipe(up)">
                                       <p:cBhvr>
                                         <p:cTn id="11" dur="500"/>
-                                        <p:tgtEl>
-                                          <p:spTgt spid="11"/>
-                                        </p:tgtEl>
-                                      </p:cBhvr>
-                                    </p:animEffect>
-                                  </p:childTnLst>
-                                </p:cTn>
-                              </p:par>
-                            </p:childTnLst>
-                          </p:cTn>
-                        </p:par>
-                      </p:childTnLst>
-                    </p:cTn>
-                  </p:par>
-                  <p:par>
-                    <p:cTn id="12" fill="hold">
-                      <p:stCondLst>
-                        <p:cond delay="indefinite"/>
-                      </p:stCondLst>
-                      <p:childTnLst>
-                        <p:par>
-                          <p:cTn id="13" fill="hold">
-                            <p:stCondLst>
-                              <p:cond delay="0"/>
-                            </p:stCondLst>
-                            <p:childTnLst>
-                              <p:par>
-                                <p:cTn id="14" presetID="22" presetClass="entr" presetSubtype="1" fill="hold" grpId="0" nodeType="clickEffect">
-                                  <p:stCondLst>
-                                    <p:cond delay="0"/>
-                                  </p:stCondLst>
-                                  <p:childTnLst>
-                                    <p:set>
-                                      <p:cBhvr>
-                                        <p:cTn id="15" dur="1" fill="hold">
-                                          <p:stCondLst>
-                                            <p:cond delay="0"/>
-                                          </p:stCondLst>
-                                        </p:cTn>
-                                        <p:tgtEl>
-                                          <p:spTgt spid="9"/>
-                                        </p:tgtEl>
-                                        <p:attrNameLst>
-                                          <p:attrName>style.visibility</p:attrName>
-                                        </p:attrNameLst>
-                                      </p:cBhvr>
-                                      <p:to>
-                                        <p:strVal val="visible"/>
-                                      </p:to>
-                                    </p:set>
-                                    <p:animEffect transition="in" filter="wipe(up)">
-                                      <p:cBhvr>
-                                        <p:cTn id="16" dur="500"/>
-                                        <p:tgtEl>
-                                          <p:spTgt spid="9"/>
-                                        </p:tgtEl>
-                                      </p:cBhvr>
-                                    </p:animEffect>
-                                  </p:childTnLst>
-                                </p:cTn>
-                              </p:par>
-                            </p:childTnLst>
-                          </p:cTn>
-                        </p:par>
-                        <p:par>
-                          <p:cTn id="17" fill="hold">
-                            <p:stCondLst>
-                              <p:cond delay="500"/>
-                            </p:stCondLst>
-                            <p:childTnLst>
-                              <p:par>
-                                <p:cTn id="18" presetID="22" presetClass="entr" presetSubtype="1" fill="hold" nodeType="afterEffect">
-                                  <p:stCondLst>
-                                    <p:cond delay="0"/>
-                                  </p:stCondLst>
-                                  <p:childTnLst>
-                                    <p:set>
-                                      <p:cBhvr>
-                                        <p:cTn id="19" dur="1" fill="hold">
-                                          <p:stCondLst>
-                                            <p:cond delay="0"/>
-                                          </p:stCondLst>
-                                        </p:cTn>
-                                        <p:tgtEl>
-                                          <p:spTgt spid="13"/>
-                                        </p:tgtEl>
-                                        <p:attrNameLst>
-                                          <p:attrName>style.visibility</p:attrName>
-                                        </p:attrNameLst>
-                                      </p:cBhvr>
-                                      <p:to>
-                                        <p:strVal val="visible"/>
-                                      </p:to>
-                                    </p:set>
-                                    <p:animEffect transition="in" filter="wipe(up)">
-                                      <p:cBhvr>
-                                        <p:cTn id="20" dur="500"/>
                                         <p:tgtEl>
                                           <p:spTgt spid="13"/>
                                         </p:tgtEl>
@@ -21545,791 +20703,13 @@
       </p:par>
     </p:tnLst>
     <p:bldLst>
-      <p:bldP spid="8" grpId="0" animBg="1"/>
       <p:bldP spid="9" grpId="0" animBg="1"/>
     </p:bldLst>
   </p:timing>
 </p:sld>
 </file>
 
-<file path=ppt/slides/slide6.xml><?xml version="1.0" encoding="utf-8"?>
-<p:sld xmlns:a="http://schemas.openxmlformats.org/drawingml/2006/main" xmlns:r="http://schemas.openxmlformats.org/officeDocument/2006/relationships" xmlns:p="http://schemas.openxmlformats.org/presentationml/2006/main">
-  <p:cSld>
-    <p:spTree>
-      <p:nvGrpSpPr>
-        <p:cNvPr id="1" name=""/>
-        <p:cNvGrpSpPr/>
-        <p:nvPr/>
-      </p:nvGrpSpPr>
-      <p:grpSpPr>
-        <a:xfrm>
-          <a:off x="0" y="0"/>
-          <a:ext cx="0" cy="0"/>
-          <a:chOff x="0" y="0"/>
-          <a:chExt cx="0" cy="0"/>
-        </a:xfrm>
-      </p:grpSpPr>
-      <p:sp>
-        <p:nvSpPr>
-          <p:cNvPr id="2" name="标题 1"/>
-          <p:cNvSpPr>
-            <a:spLocks noGrp="1"/>
-          </p:cNvSpPr>
-          <p:nvPr>
-            <p:ph type="title"/>
-          </p:nvPr>
-        </p:nvSpPr>
-        <p:spPr/>
-        <p:txBody>
-          <a:bodyPr/>
-          <a:lstStyle/>
-          <a:p>
-            <a:pPr algn="l"/>
-            <a:r>
-              <a:rPr lang="en-US" altLang="zh-CN" dirty="0" smtClean="0"/>
-              <a:t>Render html</a:t>
-            </a:r>
-            <a:endParaRPr lang="zh-CN" altLang="en-US" dirty="0"/>
-          </a:p>
-        </p:txBody>
-      </p:sp>
-      <p:sp>
-        <p:nvSpPr>
-          <p:cNvPr id="3" name="内容占位符 2"/>
-          <p:cNvSpPr>
-            <a:spLocks noGrp="1"/>
-          </p:cNvSpPr>
-          <p:nvPr>
-            <p:ph idx="1"/>
-          </p:nvPr>
-        </p:nvSpPr>
-        <p:spPr/>
-        <p:txBody>
-          <a:bodyPr/>
-          <a:lstStyle/>
-          <a:p>
-            <a:endParaRPr lang="zh-CN" altLang="en-US" dirty="0"/>
-          </a:p>
-        </p:txBody>
-      </p:sp>
-      <p:pic>
-        <p:nvPicPr>
-          <p:cNvPr id="41986" name="Picture 2"/>
-          <p:cNvPicPr>
-            <a:picLocks noChangeAspect="1" noChangeArrowheads="1"/>
-          </p:cNvPicPr>
-          <p:nvPr/>
-        </p:nvPicPr>
-        <p:blipFill>
-          <a:blip r:embed="rId2"/>
-          <a:srcRect/>
-          <a:stretch>
-            <a:fillRect/>
-          </a:stretch>
-        </p:blipFill>
-        <p:spPr bwMode="auto">
-          <a:xfrm>
-            <a:off x="428596" y="1214428"/>
-            <a:ext cx="3695396" cy="1357322"/>
-          </a:xfrm>
-          <a:prstGeom prst="rect">
-            <a:avLst/>
-          </a:prstGeom>
-          <a:noFill/>
-          <a:ln w="9525">
-            <a:noFill/>
-            <a:miter lim="800000"/>
-            <a:headEnd/>
-            <a:tailEnd/>
-          </a:ln>
-          <a:effectLst/>
-        </p:spPr>
-      </p:pic>
-      <p:pic>
-        <p:nvPicPr>
-          <p:cNvPr id="5" name="Picture 2"/>
-          <p:cNvPicPr>
-            <a:picLocks noChangeAspect="1" noChangeArrowheads="1"/>
-          </p:cNvPicPr>
-          <p:nvPr/>
-        </p:nvPicPr>
-        <p:blipFill>
-          <a:blip r:embed="rId3"/>
-          <a:srcRect/>
-          <a:stretch>
-            <a:fillRect/>
-          </a:stretch>
-        </p:blipFill>
-        <p:spPr bwMode="auto">
-          <a:xfrm>
-            <a:off x="428596" y="2857502"/>
-            <a:ext cx="6143668" cy="1376581"/>
-          </a:xfrm>
-          <a:prstGeom prst="rect">
-            <a:avLst/>
-          </a:prstGeom>
-          <a:noFill/>
-          <a:ln w="9525">
-            <a:noFill/>
-            <a:miter lim="800000"/>
-            <a:headEnd/>
-            <a:tailEnd/>
-          </a:ln>
-          <a:effectLst/>
-        </p:spPr>
-      </p:pic>
-      <p:pic>
-        <p:nvPicPr>
-          <p:cNvPr id="41988" name="Picture 4"/>
-          <p:cNvPicPr>
-            <a:picLocks noChangeAspect="1" noChangeArrowheads="1"/>
-          </p:cNvPicPr>
-          <p:nvPr/>
-        </p:nvPicPr>
-        <p:blipFill>
-          <a:blip r:embed="rId4"/>
-          <a:srcRect/>
-          <a:stretch>
-            <a:fillRect/>
-          </a:stretch>
-        </p:blipFill>
-        <p:spPr bwMode="auto">
-          <a:xfrm>
-            <a:off x="5286380" y="1571618"/>
-            <a:ext cx="3314700" cy="990600"/>
-          </a:xfrm>
-          <a:prstGeom prst="rect">
-            <a:avLst/>
-          </a:prstGeom>
-          <a:noFill/>
-          <a:ln w="9525">
-            <a:noFill/>
-            <a:miter lim="800000"/>
-            <a:headEnd/>
-            <a:tailEnd/>
-          </a:ln>
-          <a:effectLst/>
-        </p:spPr>
-      </p:pic>
-      <p:grpSp>
-        <p:nvGrpSpPr>
-          <p:cNvPr id="18" name="组合 17"/>
-          <p:cNvGrpSpPr/>
-          <p:nvPr/>
-        </p:nvGrpSpPr>
-        <p:grpSpPr>
-          <a:xfrm>
-            <a:off x="1214414" y="2071684"/>
-            <a:ext cx="1161865" cy="857256"/>
-            <a:chOff x="1214414" y="2071684"/>
-            <a:chExt cx="1161865" cy="857256"/>
-          </a:xfrm>
-        </p:grpSpPr>
-        <p:sp>
-          <p:nvSpPr>
-            <p:cNvPr id="6" name="下箭头 5"/>
-            <p:cNvSpPr/>
-            <p:nvPr/>
-          </p:nvSpPr>
-          <p:spPr>
-            <a:xfrm>
-              <a:off x="1214414" y="2071684"/>
-              <a:ext cx="142876" cy="857256"/>
-            </a:xfrm>
-            <a:prstGeom prst="downArrow">
-              <a:avLst/>
-            </a:prstGeom>
-            <a:solidFill>
-              <a:schemeClr val="accent1"/>
-            </a:solidFill>
-            <a:ln>
-              <a:solidFill>
-                <a:schemeClr val="accent1">
-                  <a:shade val="50000"/>
-                </a:schemeClr>
-              </a:solidFill>
-            </a:ln>
-          </p:spPr>
-          <p:style>
-            <a:lnRef idx="2">
-              <a:schemeClr val="accent1">
-                <a:shade val="50000"/>
-              </a:schemeClr>
-            </a:lnRef>
-            <a:fillRef idx="1">
-              <a:schemeClr val="accent1"/>
-            </a:fillRef>
-            <a:effectRef idx="0">
-              <a:schemeClr val="accent1"/>
-            </a:effectRef>
-            <a:fontRef idx="minor">
-              <a:schemeClr val="lt1"/>
-            </a:fontRef>
-          </p:style>
-          <p:txBody>
-            <a:bodyPr rtlCol="0" anchor="ctr"/>
-            <a:lstStyle/>
-            <a:p>
-              <a:pPr algn="ctr"/>
-              <a:endParaRPr lang="zh-CN" altLang="en-US"/>
-            </a:p>
-          </p:txBody>
-        </p:sp>
-        <p:sp>
-          <p:nvSpPr>
-            <p:cNvPr id="15" name="TextBox 14"/>
-            <p:cNvSpPr txBox="1"/>
-            <p:nvPr/>
-          </p:nvSpPr>
-          <p:spPr>
-            <a:xfrm>
-              <a:off x="1285852" y="2500312"/>
-              <a:ext cx="1090427" cy="276999"/>
-            </a:xfrm>
-            <a:prstGeom prst="rect">
-              <a:avLst/>
-            </a:prstGeom>
-            <a:noFill/>
-          </p:spPr>
-          <p:txBody>
-            <a:bodyPr wrap="none" rtlCol="0">
-              <a:spAutoFit/>
-            </a:bodyPr>
-            <a:lstStyle/>
-            <a:p>
-              <a:r>
-                <a:rPr lang="en-US" altLang="zh-CN" sz="1200" dirty="0" smtClean="0">
-                  <a:solidFill>
-                    <a:srgbClr val="FF0000"/>
-                  </a:solidFill>
-                </a:rPr>
-                <a:t>Html template</a:t>
-              </a:r>
-              <a:endParaRPr lang="zh-CN" altLang="en-US" sz="1200" dirty="0">
-                <a:solidFill>
-                  <a:srgbClr val="FF0000"/>
-                </a:solidFill>
-              </a:endParaRPr>
-            </a:p>
-          </p:txBody>
-        </p:sp>
-      </p:grpSp>
-      <p:grpSp>
-        <p:nvGrpSpPr>
-          <p:cNvPr id="19" name="组合 18"/>
-          <p:cNvGrpSpPr/>
-          <p:nvPr/>
-        </p:nvGrpSpPr>
-        <p:grpSpPr>
-          <a:xfrm>
-            <a:off x="3329132" y="2064059"/>
-            <a:ext cx="1637006" cy="1624073"/>
-            <a:chOff x="3329132" y="2064059"/>
-            <a:chExt cx="1637006" cy="1624073"/>
-          </a:xfrm>
-        </p:grpSpPr>
-        <p:sp>
-          <p:nvSpPr>
-            <p:cNvPr id="14" name="下箭头 13"/>
-            <p:cNvSpPr/>
-            <p:nvPr/>
-          </p:nvSpPr>
-          <p:spPr>
-            <a:xfrm rot="1091596">
-              <a:off x="3329132" y="2064059"/>
-              <a:ext cx="160953" cy="1624073"/>
-            </a:xfrm>
-            <a:prstGeom prst="downArrow">
-              <a:avLst/>
-            </a:prstGeom>
-          </p:spPr>
-          <p:style>
-            <a:lnRef idx="2">
-              <a:schemeClr val="accent1">
-                <a:shade val="50000"/>
-              </a:schemeClr>
-            </a:lnRef>
-            <a:fillRef idx="1">
-              <a:schemeClr val="accent1"/>
-            </a:fillRef>
-            <a:effectRef idx="0">
-              <a:schemeClr val="accent1"/>
-            </a:effectRef>
-            <a:fontRef idx="minor">
-              <a:schemeClr val="lt1"/>
-            </a:fontRef>
-          </p:style>
-          <p:txBody>
-            <a:bodyPr rtlCol="0" anchor="ctr"/>
-            <a:lstStyle/>
-            <a:p>
-              <a:pPr algn="ctr"/>
-              <a:endParaRPr lang="zh-CN" altLang="en-US"/>
-            </a:p>
-          </p:txBody>
-        </p:sp>
-        <p:sp>
-          <p:nvSpPr>
-            <p:cNvPr id="16" name="TextBox 15"/>
-            <p:cNvSpPr txBox="1"/>
-            <p:nvPr/>
-          </p:nvSpPr>
-          <p:spPr>
-            <a:xfrm>
-              <a:off x="3410135" y="2714626"/>
-              <a:ext cx="1556003" cy="276999"/>
-            </a:xfrm>
-            <a:prstGeom prst="rect">
-              <a:avLst/>
-            </a:prstGeom>
-            <a:noFill/>
-          </p:spPr>
-          <p:txBody>
-            <a:bodyPr wrap="none" rtlCol="0">
-              <a:spAutoFit/>
-            </a:bodyPr>
-            <a:lstStyle/>
-            <a:p>
-              <a:r>
-                <a:rPr lang="en-US" altLang="zh-CN" sz="1200" dirty="0" smtClean="0">
-                  <a:solidFill>
-                    <a:srgbClr val="FF0000"/>
-                  </a:solidFill>
-                </a:rPr>
-                <a:t>Render html template</a:t>
-              </a:r>
-              <a:endParaRPr lang="zh-CN" altLang="en-US" sz="1200" dirty="0">
-                <a:solidFill>
-                  <a:srgbClr val="FF0000"/>
-                </a:solidFill>
-              </a:endParaRPr>
-            </a:p>
-          </p:txBody>
-        </p:sp>
-      </p:grpSp>
-      <p:grpSp>
-        <p:nvGrpSpPr>
-          <p:cNvPr id="20" name="组合 19"/>
-          <p:cNvGrpSpPr/>
-          <p:nvPr/>
-        </p:nvGrpSpPr>
-        <p:grpSpPr>
-          <a:xfrm>
-            <a:off x="4214810" y="1714494"/>
-            <a:ext cx="906970" cy="357190"/>
-            <a:chOff x="4214810" y="1714494"/>
-            <a:chExt cx="906970" cy="357190"/>
-          </a:xfrm>
-        </p:grpSpPr>
-        <p:sp>
-          <p:nvSpPr>
-            <p:cNvPr id="8" name="右箭头 7"/>
-            <p:cNvSpPr/>
-            <p:nvPr/>
-          </p:nvSpPr>
-          <p:spPr>
-            <a:xfrm>
-              <a:off x="4214810" y="1928808"/>
-              <a:ext cx="906970" cy="142876"/>
-            </a:xfrm>
-            <a:prstGeom prst="rightArrow">
-              <a:avLst/>
-            </a:prstGeom>
-          </p:spPr>
-          <p:style>
-            <a:lnRef idx="2">
-              <a:schemeClr val="accent1">
-                <a:shade val="50000"/>
-              </a:schemeClr>
-            </a:lnRef>
-            <a:fillRef idx="1">
-              <a:schemeClr val="accent1"/>
-            </a:fillRef>
-            <a:effectRef idx="0">
-              <a:schemeClr val="accent1"/>
-            </a:effectRef>
-            <a:fontRef idx="minor">
-              <a:schemeClr val="lt1"/>
-            </a:fontRef>
-          </p:style>
-          <p:txBody>
-            <a:bodyPr rtlCol="0" anchor="ctr"/>
-            <a:lstStyle/>
-            <a:p>
-              <a:pPr algn="ctr"/>
-              <a:endParaRPr lang="zh-CN" altLang="en-US"/>
-            </a:p>
-          </p:txBody>
-        </p:sp>
-        <p:sp>
-          <p:nvSpPr>
-            <p:cNvPr id="17" name="TextBox 16"/>
-            <p:cNvSpPr txBox="1"/>
-            <p:nvPr/>
-          </p:nvSpPr>
-          <p:spPr>
-            <a:xfrm>
-              <a:off x="4286248" y="1714494"/>
-              <a:ext cx="785818" cy="276999"/>
-            </a:xfrm>
-            <a:prstGeom prst="rect">
-              <a:avLst/>
-            </a:prstGeom>
-            <a:noFill/>
-          </p:spPr>
-          <p:txBody>
-            <a:bodyPr wrap="square" rtlCol="0">
-              <a:spAutoFit/>
-            </a:bodyPr>
-            <a:lstStyle/>
-            <a:p>
-              <a:r>
-                <a:rPr lang="en-US" altLang="zh-CN" sz="1200" dirty="0" smtClean="0">
-                  <a:solidFill>
-                    <a:srgbClr val="FF0000"/>
-                  </a:solidFill>
-                </a:rPr>
-                <a:t>response</a:t>
-              </a:r>
-              <a:endParaRPr lang="zh-CN" altLang="en-US" sz="1200" dirty="0">
-                <a:solidFill>
-                  <a:srgbClr val="FF0000"/>
-                </a:solidFill>
-              </a:endParaRPr>
-            </a:p>
-          </p:txBody>
-        </p:sp>
-      </p:grpSp>
-      <p:sp>
-        <p:nvSpPr>
-          <p:cNvPr id="21" name="圆角矩形 20"/>
-          <p:cNvSpPr/>
-          <p:nvPr/>
-        </p:nvSpPr>
-        <p:spPr>
-          <a:xfrm>
-            <a:off x="2786050" y="3714758"/>
-            <a:ext cx="642942" cy="214314"/>
-          </a:xfrm>
-          <a:prstGeom prst="roundRect">
-            <a:avLst/>
-          </a:prstGeom>
-          <a:noFill/>
-        </p:spPr>
-        <p:style>
-          <a:lnRef idx="2">
-            <a:schemeClr val="accent1">
-              <a:shade val="50000"/>
-            </a:schemeClr>
-          </a:lnRef>
-          <a:fillRef idx="1">
-            <a:schemeClr val="accent1"/>
-          </a:fillRef>
-          <a:effectRef idx="0">
-            <a:schemeClr val="accent1"/>
-          </a:effectRef>
-          <a:fontRef idx="minor">
-            <a:schemeClr val="lt1"/>
-          </a:fontRef>
-        </p:style>
-        <p:txBody>
-          <a:bodyPr rtlCol="0" anchor="ctr"/>
-          <a:lstStyle/>
-          <a:p>
-            <a:pPr algn="ctr"/>
-            <a:endParaRPr lang="zh-CN" altLang="en-US"/>
-          </a:p>
-        </p:txBody>
-      </p:sp>
-    </p:spTree>
-  </p:cSld>
-  <p:clrMapOvr>
-    <a:masterClrMapping/>
-  </p:clrMapOvr>
-  <p:timing>
-    <p:tnLst>
-      <p:par>
-        <p:cTn id="1" dur="indefinite" restart="never" nodeType="tmRoot">
-          <p:childTnLst>
-            <p:seq concurrent="1" nextAc="seek">
-              <p:cTn id="2" dur="indefinite" nodeType="mainSeq">
-                <p:childTnLst>
-                  <p:par>
-                    <p:cTn id="3" fill="hold">
-                      <p:stCondLst>
-                        <p:cond delay="indefinite"/>
-                      </p:stCondLst>
-                      <p:childTnLst>
-                        <p:par>
-                          <p:cTn id="4" fill="hold">
-                            <p:stCondLst>
-                              <p:cond delay="0"/>
-                            </p:stCondLst>
-                            <p:childTnLst>
-                              <p:par>
-                                <p:cTn id="5" presetID="22" presetClass="entr" presetSubtype="1" fill="hold" nodeType="clickEffect">
-                                  <p:stCondLst>
-                                    <p:cond delay="0"/>
-                                  </p:stCondLst>
-                                  <p:childTnLst>
-                                    <p:set>
-                                      <p:cBhvr>
-                                        <p:cTn id="6" dur="1" fill="hold">
-                                          <p:stCondLst>
-                                            <p:cond delay="0"/>
-                                          </p:stCondLst>
-                                        </p:cTn>
-                                        <p:tgtEl>
-                                          <p:spTgt spid="18"/>
-                                        </p:tgtEl>
-                                        <p:attrNameLst>
-                                          <p:attrName>style.visibility</p:attrName>
-                                        </p:attrNameLst>
-                                      </p:cBhvr>
-                                      <p:to>
-                                        <p:strVal val="visible"/>
-                                      </p:to>
-                                    </p:set>
-                                    <p:animEffect transition="in" filter="wipe(up)">
-                                      <p:cBhvr>
-                                        <p:cTn id="7" dur="500"/>
-                                        <p:tgtEl>
-                                          <p:spTgt spid="18"/>
-                                        </p:tgtEl>
-                                      </p:cBhvr>
-                                    </p:animEffect>
-                                  </p:childTnLst>
-                                </p:cTn>
-                              </p:par>
-                            </p:childTnLst>
-                          </p:cTn>
-                        </p:par>
-                      </p:childTnLst>
-                    </p:cTn>
-                  </p:par>
-                  <p:par>
-                    <p:cTn id="8" fill="hold">
-                      <p:stCondLst>
-                        <p:cond delay="indefinite"/>
-                      </p:stCondLst>
-                      <p:childTnLst>
-                        <p:par>
-                          <p:cTn id="9" fill="hold">
-                            <p:stCondLst>
-                              <p:cond delay="0"/>
-                            </p:stCondLst>
-                            <p:childTnLst>
-                              <p:par>
-                                <p:cTn id="10" presetID="22" presetClass="entr" presetSubtype="1" fill="hold" nodeType="clickEffect">
-                                  <p:stCondLst>
-                                    <p:cond delay="0"/>
-                                  </p:stCondLst>
-                                  <p:childTnLst>
-                                    <p:set>
-                                      <p:cBhvr>
-                                        <p:cTn id="11" dur="1" fill="hold">
-                                          <p:stCondLst>
-                                            <p:cond delay="0"/>
-                                          </p:stCondLst>
-                                        </p:cTn>
-                                        <p:tgtEl>
-                                          <p:spTgt spid="19"/>
-                                        </p:tgtEl>
-                                        <p:attrNameLst>
-                                          <p:attrName>style.visibility</p:attrName>
-                                        </p:attrNameLst>
-                                      </p:cBhvr>
-                                      <p:to>
-                                        <p:strVal val="visible"/>
-                                      </p:to>
-                                    </p:set>
-                                    <p:animEffect transition="in" filter="wipe(up)">
-                                      <p:cBhvr>
-                                        <p:cTn id="12" dur="500"/>
-                                        <p:tgtEl>
-                                          <p:spTgt spid="19"/>
-                                        </p:tgtEl>
-                                      </p:cBhvr>
-                                    </p:animEffect>
-                                  </p:childTnLst>
-                                </p:cTn>
-                              </p:par>
-                            </p:childTnLst>
-                          </p:cTn>
-                        </p:par>
-                        <p:par>
-                          <p:cTn id="13" fill="hold">
-                            <p:stCondLst>
-                              <p:cond delay="500"/>
-                            </p:stCondLst>
-                            <p:childTnLst>
-                              <p:par>
-                                <p:cTn id="14" presetID="22" presetClass="entr" presetSubtype="1" fill="hold" grpId="0" nodeType="afterEffect">
-                                  <p:stCondLst>
-                                    <p:cond delay="0"/>
-                                  </p:stCondLst>
-                                  <p:childTnLst>
-                                    <p:set>
-                                      <p:cBhvr>
-                                        <p:cTn id="15" dur="1" fill="hold">
-                                          <p:stCondLst>
-                                            <p:cond delay="0"/>
-                                          </p:stCondLst>
-                                        </p:cTn>
-                                        <p:tgtEl>
-                                          <p:spTgt spid="21"/>
-                                        </p:tgtEl>
-                                        <p:attrNameLst>
-                                          <p:attrName>style.visibility</p:attrName>
-                                        </p:attrNameLst>
-                                      </p:cBhvr>
-                                      <p:to>
-                                        <p:strVal val="visible"/>
-                                      </p:to>
-                                    </p:set>
-                                    <p:animEffect transition="in" filter="wipe(up)">
-                                      <p:cBhvr>
-                                        <p:cTn id="16" dur="500"/>
-                                        <p:tgtEl>
-                                          <p:spTgt spid="21"/>
-                                        </p:tgtEl>
-                                      </p:cBhvr>
-                                    </p:animEffect>
-                                  </p:childTnLst>
-                                </p:cTn>
-                              </p:par>
-                            </p:childTnLst>
-                          </p:cTn>
-                        </p:par>
-                      </p:childTnLst>
-                    </p:cTn>
-                  </p:par>
-                  <p:par>
-                    <p:cTn id="17" fill="hold">
-                      <p:stCondLst>
-                        <p:cond delay="indefinite"/>
-                      </p:stCondLst>
-                      <p:childTnLst>
-                        <p:par>
-                          <p:cTn id="18" fill="hold">
-                            <p:stCondLst>
-                              <p:cond delay="0"/>
-                            </p:stCondLst>
-                            <p:childTnLst>
-                              <p:par>
-                                <p:cTn id="19" presetID="22" presetClass="entr" presetSubtype="8" fill="hold" nodeType="clickEffect">
-                                  <p:stCondLst>
-                                    <p:cond delay="0"/>
-                                  </p:stCondLst>
-                                  <p:childTnLst>
-                                    <p:set>
-                                      <p:cBhvr>
-                                        <p:cTn id="20" dur="1" fill="hold">
-                                          <p:stCondLst>
-                                            <p:cond delay="0"/>
-                                          </p:stCondLst>
-                                        </p:cTn>
-                                        <p:tgtEl>
-                                          <p:spTgt spid="20"/>
-                                        </p:tgtEl>
-                                        <p:attrNameLst>
-                                          <p:attrName>style.visibility</p:attrName>
-                                        </p:attrNameLst>
-                                      </p:cBhvr>
-                                      <p:to>
-                                        <p:strVal val="visible"/>
-                                      </p:to>
-                                    </p:set>
-                                    <p:animEffect transition="in" filter="wipe(left)">
-                                      <p:cBhvr>
-                                        <p:cTn id="21" dur="500"/>
-                                        <p:tgtEl>
-                                          <p:spTgt spid="20"/>
-                                        </p:tgtEl>
-                                      </p:cBhvr>
-                                    </p:animEffect>
-                                  </p:childTnLst>
-                                </p:cTn>
-                              </p:par>
-                            </p:childTnLst>
-                          </p:cTn>
-                        </p:par>
-                        <p:par>
-                          <p:cTn id="22" fill="hold">
-                            <p:stCondLst>
-                              <p:cond delay="500"/>
-                            </p:stCondLst>
-                            <p:childTnLst>
-                              <p:par>
-                                <p:cTn id="23" presetID="22" presetClass="entr" presetSubtype="8" fill="hold" nodeType="afterEffect">
-                                  <p:stCondLst>
-                                    <p:cond delay="0"/>
-                                  </p:stCondLst>
-                                  <p:childTnLst>
-                                    <p:set>
-                                      <p:cBhvr>
-                                        <p:cTn id="24" dur="1" fill="hold">
-                                          <p:stCondLst>
-                                            <p:cond delay="0"/>
-                                          </p:stCondLst>
-                                        </p:cTn>
-                                        <p:tgtEl>
-                                          <p:spTgt spid="41988"/>
-                                        </p:tgtEl>
-                                        <p:attrNameLst>
-                                          <p:attrName>style.visibility</p:attrName>
-                                        </p:attrNameLst>
-                                      </p:cBhvr>
-                                      <p:to>
-                                        <p:strVal val="visible"/>
-                                      </p:to>
-                                    </p:set>
-                                    <p:animEffect transition="in" filter="wipe(left)">
-                                      <p:cBhvr>
-                                        <p:cTn id="25" dur="500"/>
-                                        <p:tgtEl>
-                                          <p:spTgt spid="41988"/>
-                                        </p:tgtEl>
-                                      </p:cBhvr>
-                                    </p:animEffect>
-                                  </p:childTnLst>
-                                </p:cTn>
-                              </p:par>
-                            </p:childTnLst>
-                          </p:cTn>
-                        </p:par>
-                      </p:childTnLst>
-                    </p:cTn>
-                  </p:par>
-                </p:childTnLst>
-              </p:cTn>
-              <p:prevCondLst>
-                <p:cond evt="onPrev" delay="0">
-                  <p:tgtEl>
-                    <p:sldTgt/>
-                  </p:tgtEl>
-                </p:cond>
-              </p:prevCondLst>
-              <p:nextCondLst>
-                <p:cond evt="onNext" delay="0">
-                  <p:tgtEl>
-                    <p:sldTgt/>
-                  </p:tgtEl>
-                </p:cond>
-              </p:nextCondLst>
-            </p:seq>
-          </p:childTnLst>
-        </p:cTn>
-      </p:par>
-    </p:tnLst>
-    <p:bldLst>
-      <p:bldP spid="21" grpId="0" animBg="1"/>
-    </p:bldLst>
-  </p:timing>
-</p:sld>
-</file>
-
-<file path=ppt/slides/slide60.xml><?xml version="1.0" encoding="utf-8"?>
+<file path=ppt/slides/slide58.xml><?xml version="1.0" encoding="utf-8"?>
 <p:sld xmlns:a="http://schemas.openxmlformats.org/drawingml/2006/main" xmlns:r="http://schemas.openxmlformats.org/officeDocument/2006/relationships" xmlns:p="http://schemas.openxmlformats.org/presentationml/2006/main">
   <p:cSld>
     <p:spTree>
@@ -22888,7 +21268,7 @@
 </p:sld>
 </file>
 
-<file path=ppt/slides/slide61.xml><?xml version="1.0" encoding="utf-8"?>
+<file path=ppt/slides/slide59.xml><?xml version="1.0" encoding="utf-8"?>
 <p:sld xmlns:a="http://schemas.openxmlformats.org/drawingml/2006/main" xmlns:r="http://schemas.openxmlformats.org/officeDocument/2006/relationships" xmlns:p="http://schemas.openxmlformats.org/presentationml/2006/main">
   <p:cSld>
     <p:spTree>
@@ -23722,7 +22102,396 @@
 </p:sld>
 </file>
 
-<file path=ppt/slides/slide62.xml><?xml version="1.0" encoding="utf-8"?>
+<file path=ppt/slides/slide6.xml><?xml version="1.0" encoding="utf-8"?>
+<p:sld xmlns:a="http://schemas.openxmlformats.org/drawingml/2006/main" xmlns:r="http://schemas.openxmlformats.org/officeDocument/2006/relationships" xmlns:p="http://schemas.openxmlformats.org/presentationml/2006/main">
+  <p:cSld>
+    <p:spTree>
+      <p:nvGrpSpPr>
+        <p:cNvPr id="1" name=""/>
+        <p:cNvGrpSpPr/>
+        <p:nvPr/>
+      </p:nvGrpSpPr>
+      <p:grpSpPr>
+        <a:xfrm>
+          <a:off x="0" y="0"/>
+          <a:ext cx="0" cy="0"/>
+          <a:chOff x="0" y="0"/>
+          <a:chExt cx="0" cy="0"/>
+        </a:xfrm>
+      </p:grpSpPr>
+      <p:sp>
+        <p:nvSpPr>
+          <p:cNvPr id="2" name="标题 1"/>
+          <p:cNvSpPr>
+            <a:spLocks noGrp="1"/>
+          </p:cNvSpPr>
+          <p:nvPr>
+            <p:ph type="title"/>
+          </p:nvPr>
+        </p:nvSpPr>
+        <p:spPr/>
+        <p:txBody>
+          <a:bodyPr/>
+          <a:lstStyle/>
+          <a:p>
+            <a:pPr algn="l"/>
+            <a:r>
+              <a:rPr lang="en-US" altLang="zh-CN" dirty="0" err="1" smtClean="0"/>
+              <a:t>cppcms</a:t>
+            </a:r>
+            <a:endParaRPr lang="zh-CN" altLang="en-US" dirty="0"/>
+          </a:p>
+        </p:txBody>
+      </p:sp>
+      <p:sp>
+        <p:nvSpPr>
+          <p:cNvPr id="3" name="内容占位符 2"/>
+          <p:cNvSpPr>
+            <a:spLocks noGrp="1"/>
+          </p:cNvSpPr>
+          <p:nvPr>
+            <p:ph idx="1"/>
+          </p:nvPr>
+        </p:nvSpPr>
+        <p:spPr/>
+        <p:txBody>
+          <a:bodyPr/>
+          <a:lstStyle/>
+          <a:p>
+            <a:endParaRPr lang="zh-CN" altLang="en-US" dirty="0"/>
+          </a:p>
+        </p:txBody>
+      </p:sp>
+      <p:pic>
+        <p:nvPicPr>
+          <p:cNvPr id="1026" name="Picture 2"/>
+          <p:cNvPicPr>
+            <a:picLocks noChangeAspect="1" noChangeArrowheads="1"/>
+          </p:cNvPicPr>
+          <p:nvPr/>
+        </p:nvPicPr>
+        <p:blipFill>
+          <a:blip r:embed="rId2"/>
+          <a:srcRect/>
+          <a:stretch>
+            <a:fillRect/>
+          </a:stretch>
+        </p:blipFill>
+        <p:spPr bwMode="auto">
+          <a:xfrm>
+            <a:off x="500034" y="1214428"/>
+            <a:ext cx="4078705" cy="2428892"/>
+          </a:xfrm>
+          <a:prstGeom prst="rect">
+            <a:avLst/>
+          </a:prstGeom>
+          <a:noFill/>
+          <a:ln w="9525">
+            <a:noFill/>
+            <a:miter lim="800000"/>
+            <a:headEnd/>
+            <a:tailEnd/>
+          </a:ln>
+          <a:effectLst/>
+        </p:spPr>
+      </p:pic>
+      <p:sp>
+        <p:nvSpPr>
+          <p:cNvPr id="5" name="矩形 4"/>
+          <p:cNvSpPr/>
+          <p:nvPr/>
+        </p:nvSpPr>
+        <p:spPr>
+          <a:xfrm>
+            <a:off x="4714876" y="1643056"/>
+            <a:ext cx="3195747" cy="646331"/>
+          </a:xfrm>
+          <a:prstGeom prst="rect">
+            <a:avLst/>
+          </a:prstGeom>
+        </p:spPr>
+        <p:txBody>
+          <a:bodyPr wrap="none">
+            <a:spAutoFit/>
+          </a:bodyPr>
+          <a:lstStyle/>
+          <a:p>
+            <a:r>
+              <a:rPr lang="en-US" altLang="zh-CN" dirty="0" smtClean="0"/>
+              <a:t>Need a special compiler to build</a:t>
+            </a:r>
+          </a:p>
+          <a:p>
+            <a:r>
+              <a:rPr lang="en-US" altLang="zh-CN" dirty="0" smtClean="0"/>
+              <a:t>html template</a:t>
+            </a:r>
+            <a:endParaRPr lang="zh-CN" altLang="en-US" dirty="0"/>
+          </a:p>
+        </p:txBody>
+      </p:sp>
+      <p:sp>
+        <p:nvSpPr>
+          <p:cNvPr id="6" name="矩形 5"/>
+          <p:cNvSpPr/>
+          <p:nvPr/>
+        </p:nvSpPr>
+        <p:spPr>
+          <a:xfrm>
+            <a:off x="4357686" y="2928940"/>
+            <a:ext cx="4203458" cy="369332"/>
+          </a:xfrm>
+          <a:prstGeom prst="rect">
+            <a:avLst/>
+          </a:prstGeom>
+        </p:spPr>
+        <p:txBody>
+          <a:bodyPr wrap="none">
+            <a:spAutoFit/>
+          </a:bodyPr>
+          <a:lstStyle/>
+          <a:p>
+            <a:r>
+              <a:rPr lang="en-US" altLang="zh-CN" dirty="0" err="1" smtClean="0"/>
+              <a:t>Cppcms</a:t>
+            </a:r>
+            <a:r>
+              <a:rPr lang="en-US" altLang="zh-CN" dirty="0" smtClean="0"/>
+              <a:t> is not easy to use, not modern </a:t>
+            </a:r>
+            <a:r>
+              <a:rPr lang="en-US" altLang="zh-CN" dirty="0" err="1" smtClean="0"/>
+              <a:t>c++</a:t>
+            </a:r>
+            <a:endParaRPr lang="zh-CN" altLang="en-US" dirty="0"/>
+          </a:p>
+        </p:txBody>
+      </p:sp>
+    </p:spTree>
+  </p:cSld>
+  <p:clrMapOvr>
+    <a:masterClrMapping/>
+  </p:clrMapOvr>
+  <p:timing>
+    <p:tnLst>
+      <p:par>
+        <p:cTn id="1" dur="indefinite" restart="never" nodeType="tmRoot">
+          <p:childTnLst>
+            <p:seq concurrent="1" nextAc="seek">
+              <p:cTn id="2" dur="indefinite" nodeType="mainSeq">
+                <p:childTnLst>
+                  <p:par>
+                    <p:cTn id="3" fill="hold">
+                      <p:stCondLst>
+                        <p:cond delay="indefinite"/>
+                      </p:stCondLst>
+                      <p:childTnLst>
+                        <p:par>
+                          <p:cTn id="4" fill="hold">
+                            <p:stCondLst>
+                              <p:cond delay="0"/>
+                            </p:stCondLst>
+                            <p:childTnLst>
+                              <p:par>
+                                <p:cTn id="5" presetID="2" presetClass="entr" presetSubtype="4" fill="hold" grpId="0" nodeType="clickEffect">
+                                  <p:stCondLst>
+                                    <p:cond delay="0"/>
+                                  </p:stCondLst>
+                                  <p:childTnLst>
+                                    <p:set>
+                                      <p:cBhvr>
+                                        <p:cTn id="6" dur="1" fill="hold">
+                                          <p:stCondLst>
+                                            <p:cond delay="0"/>
+                                          </p:stCondLst>
+                                        </p:cTn>
+                                        <p:tgtEl>
+                                          <p:spTgt spid="5"/>
+                                        </p:tgtEl>
+                                        <p:attrNameLst>
+                                          <p:attrName>style.visibility</p:attrName>
+                                        </p:attrNameLst>
+                                      </p:cBhvr>
+                                      <p:to>
+                                        <p:strVal val="visible"/>
+                                      </p:to>
+                                    </p:set>
+                                    <p:anim calcmode="lin" valueType="num">
+                                      <p:cBhvr additive="base">
+                                        <p:cTn id="7" dur="500" fill="hold"/>
+                                        <p:tgtEl>
+                                          <p:spTgt spid="5"/>
+                                        </p:tgtEl>
+                                        <p:attrNameLst>
+                                          <p:attrName>ppt_x</p:attrName>
+                                        </p:attrNameLst>
+                                      </p:cBhvr>
+                                      <p:tavLst>
+                                        <p:tav tm="0">
+                                          <p:val>
+                                            <p:strVal val="#ppt_x"/>
+                                          </p:val>
+                                        </p:tav>
+                                        <p:tav tm="100000">
+                                          <p:val>
+                                            <p:strVal val="#ppt_x"/>
+                                          </p:val>
+                                        </p:tav>
+                                      </p:tavLst>
+                                    </p:anim>
+                                    <p:anim calcmode="lin" valueType="num">
+                                      <p:cBhvr additive="base">
+                                        <p:cTn id="8" dur="500" fill="hold"/>
+                                        <p:tgtEl>
+                                          <p:spTgt spid="5"/>
+                                        </p:tgtEl>
+                                        <p:attrNameLst>
+                                          <p:attrName>ppt_y</p:attrName>
+                                        </p:attrNameLst>
+                                      </p:cBhvr>
+                                      <p:tavLst>
+                                        <p:tav tm="0">
+                                          <p:val>
+                                            <p:strVal val="1+#ppt_h/2"/>
+                                          </p:val>
+                                        </p:tav>
+                                        <p:tav tm="100000">
+                                          <p:val>
+                                            <p:strVal val="#ppt_y"/>
+                                          </p:val>
+                                        </p:tav>
+                                      </p:tavLst>
+                                    </p:anim>
+                                  </p:childTnLst>
+                                </p:cTn>
+                              </p:par>
+                            </p:childTnLst>
+                          </p:cTn>
+                        </p:par>
+                      </p:childTnLst>
+                    </p:cTn>
+                  </p:par>
+                  <p:par>
+                    <p:cTn id="9" fill="hold">
+                      <p:stCondLst>
+                        <p:cond delay="indefinite"/>
+                      </p:stCondLst>
+                      <p:childTnLst>
+                        <p:par>
+                          <p:cTn id="10" fill="hold">
+                            <p:stCondLst>
+                              <p:cond delay="0"/>
+                            </p:stCondLst>
+                            <p:childTnLst>
+                              <p:par>
+                                <p:cTn id="11" presetID="2" presetClass="entr" presetSubtype="4" fill="hold" grpId="0" nodeType="clickEffect">
+                                  <p:stCondLst>
+                                    <p:cond delay="0"/>
+                                  </p:stCondLst>
+                                  <p:childTnLst>
+                                    <p:set>
+                                      <p:cBhvr>
+                                        <p:cTn id="12" dur="1" fill="hold">
+                                          <p:stCondLst>
+                                            <p:cond delay="0"/>
+                                          </p:stCondLst>
+                                        </p:cTn>
+                                        <p:tgtEl>
+                                          <p:spTgt spid="6"/>
+                                        </p:tgtEl>
+                                        <p:attrNameLst>
+                                          <p:attrName>style.visibility</p:attrName>
+                                        </p:attrNameLst>
+                                      </p:cBhvr>
+                                      <p:to>
+                                        <p:strVal val="visible"/>
+                                      </p:to>
+                                    </p:set>
+                                    <p:anim calcmode="lin" valueType="num">
+                                      <p:cBhvr additive="base">
+                                        <p:cTn id="13" dur="500" fill="hold"/>
+                                        <p:tgtEl>
+                                          <p:spTgt spid="6"/>
+                                        </p:tgtEl>
+                                        <p:attrNameLst>
+                                          <p:attrName>ppt_x</p:attrName>
+                                        </p:attrNameLst>
+                                      </p:cBhvr>
+                                      <p:tavLst>
+                                        <p:tav tm="0">
+                                          <p:val>
+                                            <p:strVal val="#ppt_x"/>
+                                          </p:val>
+                                        </p:tav>
+                                        <p:tav tm="100000">
+                                          <p:val>
+                                            <p:strVal val="#ppt_x"/>
+                                          </p:val>
+                                        </p:tav>
+                                      </p:tavLst>
+                                    </p:anim>
+                                    <p:anim calcmode="lin" valueType="num">
+                                      <p:cBhvr additive="base">
+                                        <p:cTn id="14" dur="500" fill="hold"/>
+                                        <p:tgtEl>
+                                          <p:spTgt spid="6"/>
+                                        </p:tgtEl>
+                                        <p:attrNameLst>
+                                          <p:attrName>ppt_y</p:attrName>
+                                        </p:attrNameLst>
+                                      </p:cBhvr>
+                                      <p:tavLst>
+                                        <p:tav tm="0">
+                                          <p:val>
+                                            <p:strVal val="1+#ppt_h/2"/>
+                                          </p:val>
+                                        </p:tav>
+                                        <p:tav tm="100000">
+                                          <p:val>
+                                            <p:strVal val="#ppt_y"/>
+                                          </p:val>
+                                        </p:tav>
+                                      </p:tavLst>
+                                    </p:anim>
+                                  </p:childTnLst>
+                                </p:cTn>
+                              </p:par>
+                            </p:childTnLst>
+                          </p:cTn>
+                        </p:par>
+                      </p:childTnLst>
+                    </p:cTn>
+                  </p:par>
+                </p:childTnLst>
+              </p:cTn>
+              <p:prevCondLst>
+                <p:cond evt="onPrev" delay="0">
+                  <p:tgtEl>
+                    <p:sldTgt/>
+                  </p:tgtEl>
+                </p:cond>
+              </p:prevCondLst>
+              <p:nextCondLst>
+                <p:cond evt="onNext" delay="0">
+                  <p:tgtEl>
+                    <p:sldTgt/>
+                  </p:tgtEl>
+                </p:cond>
+              </p:nextCondLst>
+            </p:seq>
+          </p:childTnLst>
+        </p:cTn>
+      </p:par>
+    </p:tnLst>
+    <p:bldLst>
+      <p:bldP spid="5" grpId="0"/>
+      <p:bldP spid="6" grpId="0"/>
+    </p:bldLst>
+  </p:timing>
+</p:sld>
+</file>
+
+<file path=ppt/slides/slide60.xml><?xml version="1.0" encoding="utf-8"?>
 <p:sld xmlns:a="http://schemas.openxmlformats.org/drawingml/2006/main" xmlns:r="http://schemas.openxmlformats.org/officeDocument/2006/relationships" xmlns:p="http://schemas.openxmlformats.org/presentationml/2006/main">
   <p:cSld>
     <p:spTree>
@@ -24089,7 +22858,7 @@
 </p:sld>
 </file>
 
-<file path=ppt/slides/slide63.xml><?xml version="1.0" encoding="utf-8"?>
+<file path=ppt/slides/slide61.xml><?xml version="1.0" encoding="utf-8"?>
 <p:sld xmlns:a="http://schemas.openxmlformats.org/drawingml/2006/main" xmlns:r="http://schemas.openxmlformats.org/officeDocument/2006/relationships" xmlns:p="http://schemas.openxmlformats.org/presentationml/2006/main">
   <p:cSld>
     <p:spTree>
@@ -24193,7 +22962,7 @@
 </p:sld>
 </file>
 
-<file path=ppt/slides/slide64.xml><?xml version="1.0" encoding="utf-8"?>
+<file path=ppt/slides/slide62.xml><?xml version="1.0" encoding="utf-8"?>
 <p:sld xmlns:a="http://schemas.openxmlformats.org/drawingml/2006/main" xmlns:r="http://schemas.openxmlformats.org/officeDocument/2006/relationships" xmlns:p="http://schemas.openxmlformats.org/presentationml/2006/main">
   <p:cSld>
     <p:spTree>
@@ -24322,7 +23091,7 @@
 </p:sld>
 </file>
 
-<file path=ppt/slides/slide65.xml><?xml version="1.0" encoding="utf-8"?>
+<file path=ppt/slides/slide63.xml><?xml version="1.0" encoding="utf-8"?>
 <p:sld xmlns:a="http://schemas.openxmlformats.org/drawingml/2006/main" xmlns:r="http://schemas.openxmlformats.org/officeDocument/2006/relationships" xmlns:p="http://schemas.openxmlformats.org/presentationml/2006/main">
   <p:cSld>
     <p:spTree>
@@ -24430,7 +23199,7 @@
 </p:sld>
 </file>
 
-<file path=ppt/slides/slide66.xml><?xml version="1.0" encoding="utf-8"?>
+<file path=ppt/slides/slide64.xml><?xml version="1.0" encoding="utf-8"?>
 <p:sld xmlns:a="http://schemas.openxmlformats.org/drawingml/2006/main" xmlns:r="http://schemas.openxmlformats.org/officeDocument/2006/relationships" xmlns:p="http://schemas.openxmlformats.org/presentationml/2006/main">
   <p:cSld>
     <p:spTree>
@@ -24571,7 +23340,7 @@
 </p:sld>
 </file>
 
-<file path=ppt/slides/slide67.xml><?xml version="1.0" encoding="utf-8"?>
+<file path=ppt/slides/slide65.xml><?xml version="1.0" encoding="utf-8"?>
 <p:sld xmlns:a="http://schemas.openxmlformats.org/drawingml/2006/main" xmlns:r="http://schemas.openxmlformats.org/officeDocument/2006/relationships" xmlns:p="http://schemas.openxmlformats.org/presentationml/2006/main">
   <p:cSld>
     <p:spTree>
@@ -24675,7 +23444,7 @@
 </p:sld>
 </file>
 
-<file path=ppt/slides/slide68.xml><?xml version="1.0" encoding="utf-8"?>
+<file path=ppt/slides/slide66.xml><?xml version="1.0" encoding="utf-8"?>
 <p:sld xmlns:a="http://schemas.openxmlformats.org/drawingml/2006/main" xmlns:r="http://schemas.openxmlformats.org/officeDocument/2006/relationships" xmlns:p="http://schemas.openxmlformats.org/presentationml/2006/main">
   <p:cSld>
     <p:spTree>
@@ -25069,7 +23838,7 @@
 </p:sld>
 </file>
 
-<file path=ppt/slides/slide69.xml><?xml version="1.0" encoding="utf-8"?>
+<file path=ppt/slides/slide67.xml><?xml version="1.0" encoding="utf-8"?>
 <p:sld xmlns:a="http://schemas.openxmlformats.org/drawingml/2006/main" xmlns:r="http://schemas.openxmlformats.org/officeDocument/2006/relationships" xmlns:p="http://schemas.openxmlformats.org/presentationml/2006/main">
   <p:cSld>
     <p:spTree>
@@ -25203,6 +23972,234 @@
 </p:sld>
 </file>
 
+<file path=ppt/slides/slide68.xml><?xml version="1.0" encoding="utf-8"?>
+<p:sld xmlns:a="http://schemas.openxmlformats.org/drawingml/2006/main" xmlns:r="http://schemas.openxmlformats.org/officeDocument/2006/relationships" xmlns:p="http://schemas.openxmlformats.org/presentationml/2006/main">
+  <p:cSld>
+    <p:spTree>
+      <p:nvGrpSpPr>
+        <p:cNvPr id="1" name=""/>
+        <p:cNvGrpSpPr/>
+        <p:nvPr/>
+      </p:nvGrpSpPr>
+      <p:grpSpPr>
+        <a:xfrm>
+          <a:off x="0" y="0"/>
+          <a:ext cx="0" cy="0"/>
+          <a:chOff x="0" y="0"/>
+          <a:chExt cx="0" cy="0"/>
+        </a:xfrm>
+      </p:grpSpPr>
+      <p:sp>
+        <p:nvSpPr>
+          <p:cNvPr id="2" name="标题 1"/>
+          <p:cNvSpPr>
+            <a:spLocks noGrp="1"/>
+          </p:cNvSpPr>
+          <p:nvPr>
+            <p:ph type="title"/>
+          </p:nvPr>
+        </p:nvSpPr>
+        <p:spPr/>
+        <p:txBody>
+          <a:bodyPr/>
+          <a:lstStyle/>
+          <a:p>
+            <a:pPr algn="l"/>
+            <a:r>
+              <a:rPr lang="en-US" altLang="zh-CN" dirty="0" smtClean="0"/>
+              <a:t>How to rapidly develop</a:t>
+            </a:r>
+            <a:endParaRPr lang="zh-CN" altLang="en-US" dirty="0"/>
+          </a:p>
+        </p:txBody>
+      </p:sp>
+      <p:sp>
+        <p:nvSpPr>
+          <p:cNvPr id="3" name="内容占位符 2"/>
+          <p:cNvSpPr>
+            <a:spLocks noGrp="1"/>
+          </p:cNvSpPr>
+          <p:nvPr>
+            <p:ph idx="1"/>
+          </p:nvPr>
+        </p:nvSpPr>
+        <p:spPr/>
+        <p:txBody>
+          <a:bodyPr>
+            <a:normAutofit/>
+          </a:bodyPr>
+          <a:lstStyle/>
+          <a:p>
+            <a:r>
+              <a:rPr lang="en-US" altLang="zh-CN" sz="2400" dirty="0" smtClean="0"/>
+              <a:t>Focus on business function</a:t>
+            </a:r>
+          </a:p>
+          <a:p>
+            <a:r>
+              <a:rPr lang="en-US" altLang="zh-CN" sz="2400" dirty="0" smtClean="0"/>
+              <a:t>Separate core business and non-core business</a:t>
+            </a:r>
+          </a:p>
+          <a:p>
+            <a:r>
+              <a:rPr lang="en-US" altLang="zh-CN" sz="2400" dirty="0" smtClean="0"/>
+              <a:t>Utilize the framework to help you to solve trivial details</a:t>
+            </a:r>
+          </a:p>
+          <a:p>
+            <a:pPr lvl="1"/>
+            <a:r>
+              <a:rPr lang="en-US" altLang="zh-CN" sz="2000" dirty="0" smtClean="0"/>
+              <a:t>Use </a:t>
+            </a:r>
+            <a:r>
+              <a:rPr lang="en-US" altLang="zh-CN" sz="2000" dirty="0" err="1" smtClean="0"/>
+              <a:t>cinatra</a:t>
+            </a:r>
+            <a:r>
+              <a:rPr lang="en-US" altLang="zh-CN" sz="2000" dirty="0" smtClean="0"/>
+              <a:t> to solve http details, just need focus on the parsed results</a:t>
+            </a:r>
+          </a:p>
+          <a:p>
+            <a:pPr lvl="1"/>
+            <a:r>
+              <a:rPr lang="en-US" altLang="zh-CN" sz="2000" dirty="0" smtClean="0"/>
+              <a:t>Use </a:t>
+            </a:r>
+            <a:r>
+              <a:rPr lang="en-US" altLang="zh-CN" sz="2000" dirty="0" err="1" smtClean="0"/>
+              <a:t>ormpp</a:t>
+            </a:r>
+            <a:r>
+              <a:rPr lang="en-US" altLang="zh-CN" sz="2000" dirty="0" smtClean="0"/>
+              <a:t> to solve the database details, just need focus on objects mapped from the database</a:t>
+            </a:r>
+          </a:p>
+          <a:p>
+            <a:pPr lvl="1"/>
+            <a:r>
+              <a:rPr lang="en-US" altLang="zh-CN" sz="2000" dirty="0" smtClean="0"/>
+              <a:t>Use render to solve html details, just need focus on how to fill the template</a:t>
+            </a:r>
+          </a:p>
+        </p:txBody>
+      </p:sp>
+    </p:spTree>
+  </p:cSld>
+  <p:clrMapOvr>
+    <a:masterClrMapping/>
+  </p:clrMapOvr>
+  <p:timing>
+    <p:tnLst>
+      <p:par>
+        <p:cTn id="1" dur="indefinite" restart="never" nodeType="tmRoot"/>
+      </p:par>
+    </p:tnLst>
+  </p:timing>
+</p:sld>
+</file>
+
+<file path=ppt/slides/slide69.xml><?xml version="1.0" encoding="utf-8"?>
+<p:sld xmlns:a="http://schemas.openxmlformats.org/drawingml/2006/main" xmlns:r="http://schemas.openxmlformats.org/officeDocument/2006/relationships" xmlns:p="http://schemas.openxmlformats.org/presentationml/2006/main">
+  <p:cSld>
+    <p:spTree>
+      <p:nvGrpSpPr>
+        <p:cNvPr id="1" name=""/>
+        <p:cNvGrpSpPr/>
+        <p:nvPr/>
+      </p:nvGrpSpPr>
+      <p:grpSpPr>
+        <a:xfrm>
+          <a:off x="0" y="0"/>
+          <a:ext cx="0" cy="0"/>
+          <a:chOff x="0" y="0"/>
+          <a:chExt cx="0" cy="0"/>
+        </a:xfrm>
+      </p:grpSpPr>
+      <p:sp>
+        <p:nvSpPr>
+          <p:cNvPr id="2" name="标题 1"/>
+          <p:cNvSpPr>
+            <a:spLocks noGrp="1"/>
+          </p:cNvSpPr>
+          <p:nvPr>
+            <p:ph type="title"/>
+          </p:nvPr>
+        </p:nvSpPr>
+        <p:spPr/>
+        <p:txBody>
+          <a:bodyPr/>
+          <a:lstStyle/>
+          <a:p>
+            <a:endParaRPr lang="zh-CN" altLang="en-US"/>
+          </a:p>
+        </p:txBody>
+      </p:sp>
+      <p:sp>
+        <p:nvSpPr>
+          <p:cNvPr id="3" name="内容占位符 2"/>
+          <p:cNvSpPr>
+            <a:spLocks noGrp="1"/>
+          </p:cNvSpPr>
+          <p:nvPr>
+            <p:ph idx="1"/>
+          </p:nvPr>
+        </p:nvSpPr>
+        <p:spPr/>
+        <p:txBody>
+          <a:bodyPr/>
+          <a:lstStyle/>
+          <a:p>
+            <a:endParaRPr lang="zh-CN" altLang="en-US" dirty="0"/>
+          </a:p>
+        </p:txBody>
+      </p:sp>
+      <p:sp>
+        <p:nvSpPr>
+          <p:cNvPr id="4" name="矩形 3"/>
+          <p:cNvSpPr/>
+          <p:nvPr/>
+        </p:nvSpPr>
+        <p:spPr>
+          <a:xfrm>
+            <a:off x="3571868" y="1928808"/>
+            <a:ext cx="1132490" cy="769441"/>
+          </a:xfrm>
+          <a:prstGeom prst="rect">
+            <a:avLst/>
+          </a:prstGeom>
+        </p:spPr>
+        <p:txBody>
+          <a:bodyPr wrap="none">
+            <a:spAutoFit/>
+          </a:bodyPr>
+          <a:lstStyle/>
+          <a:p>
+            <a:r>
+              <a:rPr lang="en-US" altLang="zh-CN" sz="4400" b="1" dirty="0" smtClean="0"/>
+              <a:t>FAQ</a:t>
+            </a:r>
+            <a:endParaRPr lang="zh-CN" altLang="en-US" sz="4400" b="1" dirty="0"/>
+          </a:p>
+        </p:txBody>
+      </p:sp>
+    </p:spTree>
+  </p:cSld>
+  <p:clrMapOvr>
+    <a:masterClrMapping/>
+  </p:clrMapOvr>
+  <p:timing>
+    <p:tnLst>
+      <p:par>
+        <p:cTn id="1" dur="indefinite" restart="never" nodeType="tmRoot"/>
+      </p:par>
+    </p:tnLst>
+  </p:timing>
+</p:sld>
+</file>
+
 <file path=ppt/slides/slide7.xml><?xml version="1.0" encoding="utf-8"?>
 <p:sld xmlns:a="http://schemas.openxmlformats.org/drawingml/2006/main" xmlns:r="http://schemas.openxmlformats.org/officeDocument/2006/relationships" xmlns:p="http://schemas.openxmlformats.org/presentationml/2006/main">
   <p:cSld>
@@ -25236,18 +24233,6 @@
           <a:lstStyle/>
           <a:p>
             <a:pPr algn="l"/>
-            <a:r>
-              <a:rPr lang="en-US" altLang="zh-CN" dirty="0" smtClean="0"/>
-              <a:t>Some </a:t>
-            </a:r>
-            <a:r>
-              <a:rPr lang="en-US" altLang="zh-CN" dirty="0" err="1" smtClean="0"/>
-              <a:t>c++</a:t>
-            </a:r>
-            <a:r>
-              <a:rPr lang="en-US" altLang="zh-CN" dirty="0" smtClean="0"/>
-              <a:t> web frameworks</a:t>
-            </a:r>
             <a:endParaRPr lang="zh-CN" altLang="en-US" dirty="0"/>
           </a:p>
         </p:txBody>
@@ -25268,39 +24253,44 @@
           <a:lstStyle/>
           <a:p>
             <a:r>
+              <a:rPr lang="en-US" altLang="zh-CN" dirty="0" smtClean="0"/>
+              <a:t>Tree-frog</a:t>
+            </a:r>
+          </a:p>
+          <a:p>
+            <a:pPr marL="742950" lvl="2" indent="-342900"/>
+            <a:r>
+              <a:rPr lang="en-US" altLang="zh-CN" dirty="0" smtClean="0"/>
+              <a:t>based on qt, too heavily, not modern </a:t>
+            </a:r>
+            <a:r>
               <a:rPr lang="en-US" altLang="zh-CN" dirty="0" err="1" smtClean="0"/>
-              <a:t>Cppcms</a:t>
-            </a:r>
+              <a:t>c++</a:t>
+            </a:r>
+            <a:endParaRPr lang="zh-CN" altLang="en-US" dirty="0" smtClean="0"/>
+          </a:p>
+          <a:p>
+            <a:pPr marL="342900" lvl="1" indent="-342900">
+              <a:buFont typeface="Arial" pitchFamily="34" charset="0"/>
+              <a:buChar char="•"/>
+            </a:pPr>
+            <a:r>
+              <a:rPr lang="en-US" altLang="zh-CN" sz="3200" dirty="0" smtClean="0"/>
+              <a:t>Crow</a:t>
+            </a:r>
+          </a:p>
+          <a:p>
+            <a:pPr marL="742950" lvl="2" indent="-342900"/>
+            <a:r>
+              <a:rPr lang="en-US" altLang="zh-CN" dirty="0" smtClean="0"/>
+              <a:t>Just a http server, not a real web framework</a:t>
+            </a:r>
+          </a:p>
+          <a:p>
+            <a:pPr lvl="1">
+              <a:buNone/>
+            </a:pPr>
             <a:endParaRPr lang="en-US" altLang="zh-CN" dirty="0" smtClean="0"/>
-          </a:p>
-          <a:p>
-            <a:r>
-              <a:rPr lang="en-US" altLang="zh-CN" dirty="0" err="1" smtClean="0"/>
-              <a:t>treefrog</a:t>
-            </a:r>
-            <a:r>
-              <a:rPr lang="en-US" altLang="zh-CN" dirty="0" smtClean="0"/>
-              <a:t>-framework</a:t>
-            </a:r>
-          </a:p>
-          <a:p>
-            <a:r>
-              <a:rPr lang="en-US" dirty="0" smtClean="0"/>
-              <a:t>Crow</a:t>
-            </a:r>
-            <a:endParaRPr lang="en-US" altLang="zh-CN" dirty="0" smtClean="0"/>
-          </a:p>
-          <a:p>
-            <a:r>
-              <a:rPr lang="en-US" dirty="0" smtClean="0"/>
-              <a:t>Silicon</a:t>
-            </a:r>
-          </a:p>
-          <a:p>
-            <a:endParaRPr lang="en-US" dirty="0" smtClean="0"/>
-          </a:p>
-          <a:p>
-            <a:endParaRPr lang="zh-CN" altLang="en-US" dirty="0"/>
           </a:p>
         </p:txBody>
       </p:sp>
@@ -25351,234 +24341,6 @@
           <a:bodyPr/>
           <a:lstStyle/>
           <a:p>
-            <a:pPr algn="l"/>
-            <a:r>
-              <a:rPr lang="en-US" altLang="zh-CN" dirty="0" smtClean="0"/>
-              <a:t>How to rapidly develop</a:t>
-            </a:r>
-            <a:endParaRPr lang="zh-CN" altLang="en-US" dirty="0"/>
-          </a:p>
-        </p:txBody>
-      </p:sp>
-      <p:sp>
-        <p:nvSpPr>
-          <p:cNvPr id="3" name="内容占位符 2"/>
-          <p:cNvSpPr>
-            <a:spLocks noGrp="1"/>
-          </p:cNvSpPr>
-          <p:nvPr>
-            <p:ph idx="1"/>
-          </p:nvPr>
-        </p:nvSpPr>
-        <p:spPr/>
-        <p:txBody>
-          <a:bodyPr>
-            <a:normAutofit/>
-          </a:bodyPr>
-          <a:lstStyle/>
-          <a:p>
-            <a:r>
-              <a:rPr lang="en-US" altLang="zh-CN" sz="2400" dirty="0" smtClean="0"/>
-              <a:t>Focus on business function</a:t>
-            </a:r>
-          </a:p>
-          <a:p>
-            <a:r>
-              <a:rPr lang="en-US" altLang="zh-CN" sz="2400" dirty="0" smtClean="0"/>
-              <a:t>Separate core business and non-core business</a:t>
-            </a:r>
-          </a:p>
-          <a:p>
-            <a:r>
-              <a:rPr lang="en-US" altLang="zh-CN" sz="2400" dirty="0" smtClean="0"/>
-              <a:t>Utilize the framework to help you to solve trivial details</a:t>
-            </a:r>
-          </a:p>
-          <a:p>
-            <a:pPr lvl="1"/>
-            <a:r>
-              <a:rPr lang="en-US" altLang="zh-CN" sz="2000" dirty="0" smtClean="0"/>
-              <a:t>Use </a:t>
-            </a:r>
-            <a:r>
-              <a:rPr lang="en-US" altLang="zh-CN" sz="2000" dirty="0" err="1" smtClean="0"/>
-              <a:t>cinatra</a:t>
-            </a:r>
-            <a:r>
-              <a:rPr lang="en-US" altLang="zh-CN" sz="2000" dirty="0" smtClean="0"/>
-              <a:t> to solve http details, just need focus on the parsed results</a:t>
-            </a:r>
-          </a:p>
-          <a:p>
-            <a:pPr lvl="1"/>
-            <a:r>
-              <a:rPr lang="en-US" altLang="zh-CN" sz="2000" dirty="0" smtClean="0"/>
-              <a:t>Use </a:t>
-            </a:r>
-            <a:r>
-              <a:rPr lang="en-US" altLang="zh-CN" sz="2000" dirty="0" err="1" smtClean="0"/>
-              <a:t>ormpp</a:t>
-            </a:r>
-            <a:r>
-              <a:rPr lang="en-US" altLang="zh-CN" sz="2000" dirty="0" smtClean="0"/>
-              <a:t> to solve the database details, just need focus on objects mapped from the database</a:t>
-            </a:r>
-          </a:p>
-          <a:p>
-            <a:pPr lvl="1"/>
-            <a:r>
-              <a:rPr lang="en-US" altLang="zh-CN" sz="2000" dirty="0" smtClean="0"/>
-              <a:t>Use render to solve html details, just need focus on how to fill the template</a:t>
-            </a:r>
-          </a:p>
-        </p:txBody>
-      </p:sp>
-    </p:spTree>
-  </p:cSld>
-  <p:clrMapOvr>
-    <a:masterClrMapping/>
-  </p:clrMapOvr>
-  <p:timing>
-    <p:tnLst>
-      <p:par>
-        <p:cTn id="1" dur="indefinite" restart="never" nodeType="tmRoot"/>
-      </p:par>
-    </p:tnLst>
-  </p:timing>
-</p:sld>
-</file>
-
-<file path=ppt/slides/slide71.xml><?xml version="1.0" encoding="utf-8"?>
-<p:sld xmlns:a="http://schemas.openxmlformats.org/drawingml/2006/main" xmlns:r="http://schemas.openxmlformats.org/officeDocument/2006/relationships" xmlns:p="http://schemas.openxmlformats.org/presentationml/2006/main">
-  <p:cSld>
-    <p:spTree>
-      <p:nvGrpSpPr>
-        <p:cNvPr id="1" name=""/>
-        <p:cNvGrpSpPr/>
-        <p:nvPr/>
-      </p:nvGrpSpPr>
-      <p:grpSpPr>
-        <a:xfrm>
-          <a:off x="0" y="0"/>
-          <a:ext cx="0" cy="0"/>
-          <a:chOff x="0" y="0"/>
-          <a:chExt cx="0" cy="0"/>
-        </a:xfrm>
-      </p:grpSpPr>
-      <p:sp>
-        <p:nvSpPr>
-          <p:cNvPr id="2" name="标题 1"/>
-          <p:cNvSpPr>
-            <a:spLocks noGrp="1"/>
-          </p:cNvSpPr>
-          <p:nvPr>
-            <p:ph type="title"/>
-          </p:nvPr>
-        </p:nvSpPr>
-        <p:spPr/>
-        <p:txBody>
-          <a:bodyPr/>
-          <a:lstStyle/>
-          <a:p>
-            <a:endParaRPr lang="zh-CN" altLang="en-US"/>
-          </a:p>
-        </p:txBody>
-      </p:sp>
-      <p:sp>
-        <p:nvSpPr>
-          <p:cNvPr id="3" name="内容占位符 2"/>
-          <p:cNvSpPr>
-            <a:spLocks noGrp="1"/>
-          </p:cNvSpPr>
-          <p:nvPr>
-            <p:ph idx="1"/>
-          </p:nvPr>
-        </p:nvSpPr>
-        <p:spPr/>
-        <p:txBody>
-          <a:bodyPr/>
-          <a:lstStyle/>
-          <a:p>
-            <a:endParaRPr lang="zh-CN" altLang="en-US" dirty="0"/>
-          </a:p>
-        </p:txBody>
-      </p:sp>
-      <p:sp>
-        <p:nvSpPr>
-          <p:cNvPr id="4" name="矩形 3"/>
-          <p:cNvSpPr/>
-          <p:nvPr/>
-        </p:nvSpPr>
-        <p:spPr>
-          <a:xfrm>
-            <a:off x="3571868" y="1928808"/>
-            <a:ext cx="1132490" cy="769441"/>
-          </a:xfrm>
-          <a:prstGeom prst="rect">
-            <a:avLst/>
-          </a:prstGeom>
-        </p:spPr>
-        <p:txBody>
-          <a:bodyPr wrap="none">
-            <a:spAutoFit/>
-          </a:bodyPr>
-          <a:lstStyle/>
-          <a:p>
-            <a:r>
-              <a:rPr lang="en-US" altLang="zh-CN" sz="4400" b="1" dirty="0" smtClean="0"/>
-              <a:t>FAQ</a:t>
-            </a:r>
-            <a:endParaRPr lang="zh-CN" altLang="en-US" sz="4400" b="1" dirty="0"/>
-          </a:p>
-        </p:txBody>
-      </p:sp>
-    </p:spTree>
-  </p:cSld>
-  <p:clrMapOvr>
-    <a:masterClrMapping/>
-  </p:clrMapOvr>
-  <p:timing>
-    <p:tnLst>
-      <p:par>
-        <p:cTn id="1" dur="indefinite" restart="never" nodeType="tmRoot"/>
-      </p:par>
-    </p:tnLst>
-  </p:timing>
-</p:sld>
-</file>
-
-<file path=ppt/slides/slide72.xml><?xml version="1.0" encoding="utf-8"?>
-<p:sld xmlns:a="http://schemas.openxmlformats.org/drawingml/2006/main" xmlns:r="http://schemas.openxmlformats.org/officeDocument/2006/relationships" xmlns:p="http://schemas.openxmlformats.org/presentationml/2006/main">
-  <p:cSld>
-    <p:spTree>
-      <p:nvGrpSpPr>
-        <p:cNvPr id="1" name=""/>
-        <p:cNvGrpSpPr/>
-        <p:nvPr/>
-      </p:nvGrpSpPr>
-      <p:grpSpPr>
-        <a:xfrm>
-          <a:off x="0" y="0"/>
-          <a:ext cx="0" cy="0"/>
-          <a:chOff x="0" y="0"/>
-          <a:chExt cx="0" cy="0"/>
-        </a:xfrm>
-      </p:grpSpPr>
-      <p:sp>
-        <p:nvSpPr>
-          <p:cNvPr id="2" name="标题 1"/>
-          <p:cNvSpPr>
-            <a:spLocks noGrp="1"/>
-          </p:cNvSpPr>
-          <p:nvPr>
-            <p:ph type="title"/>
-          </p:nvPr>
-        </p:nvSpPr>
-        <p:spPr/>
-        <p:txBody>
-          <a:bodyPr/>
-          <a:lstStyle/>
-          <a:p>
             <a:endParaRPr lang="zh-CN" altLang="en-US"/>
           </a:p>
         </p:txBody>
@@ -25680,8 +24442,8 @@
           <a:p>
             <a:pPr algn="l"/>
             <a:r>
-              <a:rPr lang="en-US" altLang="zh-CN" dirty="0" err="1" smtClean="0"/>
-              <a:t>cppcms</a:t>
+              <a:rPr lang="en-US" altLang="zh-CN" dirty="0" smtClean="0"/>
+              <a:t>silicon</a:t>
             </a:r>
             <a:endParaRPr lang="zh-CN" altLang="en-US" dirty="0"/>
           </a:p>
@@ -25708,7 +24470,7 @@
       </p:sp>
       <p:pic>
         <p:nvPicPr>
-          <p:cNvPr id="1026" name="Picture 2"/>
+          <p:cNvPr id="2050" name="Picture 2"/>
           <p:cNvPicPr>
             <a:picLocks noChangeAspect="1" noChangeArrowheads="1"/>
           </p:cNvPicPr>
@@ -25723,8 +24485,8 @@
         </p:blipFill>
         <p:spPr bwMode="auto">
           <a:xfrm>
-            <a:off x="500034" y="1214428"/>
-            <a:ext cx="4078705" cy="2428892"/>
+            <a:off x="485153" y="1214428"/>
+            <a:ext cx="7444433" cy="571504"/>
           </a:xfrm>
           <a:prstGeom prst="rect">
             <a:avLst/>
@@ -25739,78 +24501,72 @@
           <a:effectLst/>
         </p:spPr>
       </p:pic>
-      <p:sp>
-        <p:nvSpPr>
-          <p:cNvPr id="5" name="矩形 4"/>
-          <p:cNvSpPr/>
+      <p:pic>
+        <p:nvPicPr>
+          <p:cNvPr id="2051" name="Picture 3"/>
+          <p:cNvPicPr>
+            <a:picLocks noChangeAspect="1" noChangeArrowheads="1"/>
+          </p:cNvPicPr>
           <p:nvPr/>
-        </p:nvSpPr>
-        <p:spPr>
+        </p:nvPicPr>
+        <p:blipFill>
+          <a:blip r:embed="rId3"/>
+          <a:srcRect/>
+          <a:stretch>
+            <a:fillRect/>
+          </a:stretch>
+        </p:blipFill>
+        <p:spPr bwMode="auto">
           <a:xfrm>
-            <a:off x="4714876" y="1643056"/>
-            <a:ext cx="3195747" cy="646331"/>
+            <a:off x="500034" y="1785932"/>
+            <a:ext cx="6357982" cy="1100831"/>
           </a:xfrm>
           <a:prstGeom prst="rect">
             <a:avLst/>
           </a:prstGeom>
+          <a:noFill/>
+          <a:ln w="9525">
+            <a:noFill/>
+            <a:miter lim="800000"/>
+            <a:headEnd/>
+            <a:tailEnd/>
+          </a:ln>
+          <a:effectLst/>
         </p:spPr>
-        <p:txBody>
-          <a:bodyPr wrap="none">
-            <a:spAutoFit/>
-          </a:bodyPr>
-          <a:lstStyle/>
-          <a:p>
-            <a:r>
-              <a:rPr lang="en-US" altLang="zh-CN" dirty="0" smtClean="0"/>
-              <a:t>Need a special compiler to build</a:t>
-            </a:r>
-          </a:p>
-          <a:p>
-            <a:r>
-              <a:rPr lang="en-US" altLang="zh-CN" dirty="0" smtClean="0"/>
-              <a:t>html template</a:t>
-            </a:r>
-            <a:endParaRPr lang="zh-CN" altLang="en-US" dirty="0"/>
-          </a:p>
-        </p:txBody>
-      </p:sp>
-      <p:sp>
-        <p:nvSpPr>
-          <p:cNvPr id="6" name="矩形 5"/>
-          <p:cNvSpPr/>
+      </p:pic>
+      <p:pic>
+        <p:nvPicPr>
+          <p:cNvPr id="2053" name="Picture 5"/>
+          <p:cNvPicPr>
+            <a:picLocks noChangeAspect="1" noChangeArrowheads="1"/>
+          </p:cNvPicPr>
           <p:nvPr/>
-        </p:nvSpPr>
-        <p:spPr>
+        </p:nvPicPr>
+        <p:blipFill>
+          <a:blip r:embed="rId4"/>
+          <a:srcRect/>
+          <a:stretch>
+            <a:fillRect/>
+          </a:stretch>
+        </p:blipFill>
+        <p:spPr bwMode="auto">
           <a:xfrm>
-            <a:off x="4357686" y="2928940"/>
-            <a:ext cx="4203458" cy="369332"/>
+            <a:off x="500034" y="2857502"/>
+            <a:ext cx="5778540" cy="2000264"/>
           </a:xfrm>
           <a:prstGeom prst="rect">
             <a:avLst/>
           </a:prstGeom>
+          <a:noFill/>
+          <a:ln w="9525">
+            <a:noFill/>
+            <a:miter lim="800000"/>
+            <a:headEnd/>
+            <a:tailEnd/>
+          </a:ln>
+          <a:effectLst/>
         </p:spPr>
-        <p:txBody>
-          <a:bodyPr wrap="none">
-            <a:spAutoFit/>
-          </a:bodyPr>
-          <a:lstStyle/>
-          <a:p>
-            <a:r>
-              <a:rPr lang="en-US" altLang="zh-CN" dirty="0" err="1" smtClean="0"/>
-              <a:t>Cppcms</a:t>
-            </a:r>
-            <a:r>
-              <a:rPr lang="en-US" altLang="zh-CN" dirty="0" smtClean="0"/>
-              <a:t> is not easy to use, not modern </a:t>
-            </a:r>
-            <a:r>
-              <a:rPr lang="en-US" altLang="zh-CN" dirty="0" err="1" smtClean="0"/>
-              <a:t>c++</a:t>
-            </a:r>
-            <a:endParaRPr lang="zh-CN" altLang="en-US" dirty="0"/>
-          </a:p>
-        </p:txBody>
-      </p:sp>
+      </p:pic>
     </p:spTree>
   </p:cSld>
   <p:clrMapOvr>
@@ -25837,7 +24593,7 @@
                             </p:stCondLst>
                             <p:childTnLst>
                               <p:par>
-                                <p:cTn id="5" presetID="2" presetClass="entr" presetSubtype="4" fill="hold" grpId="0" nodeType="clickEffect">
+                                <p:cTn id="5" presetID="2" presetClass="entr" presetSubtype="4" fill="hold" nodeType="clickEffect">
                                   <p:stCondLst>
                                     <p:cond delay="0"/>
                                   </p:stCondLst>
@@ -25850,7 +24606,7 @@
                                           </p:stCondLst>
                                         </p:cTn>
                                         <p:tgtEl>
-                                          <p:spTgt spid="5"/>
+                                          <p:spTgt spid="2051"/>
                                         </p:tgtEl>
                                         <p:attrNameLst>
                                           <p:attrName>style.visibility</p:attrName>
@@ -25864,7 +24620,7 @@
                                       <p:cBhvr additive="base">
                                         <p:cTn id="7" dur="500" fill="hold"/>
                                         <p:tgtEl>
-                                          <p:spTgt spid="5"/>
+                                          <p:spTgt spid="2051"/>
                                         </p:tgtEl>
                                         <p:attrNameLst>
                                           <p:attrName>ppt_x</p:attrName>
@@ -25887,7 +24643,7 @@
                                       <p:cBhvr additive="base">
                                         <p:cTn id="8" dur="500" fill="hold"/>
                                         <p:tgtEl>
-                                          <p:spTgt spid="5"/>
+                                          <p:spTgt spid="2051"/>
                                         </p:tgtEl>
                                         <p:attrNameLst>
                                           <p:attrName>ppt_y</p:attrName>
@@ -25928,7 +24684,7 @@
                             </p:stCondLst>
                             <p:childTnLst>
                               <p:par>
-                                <p:cTn id="11" presetID="2" presetClass="entr" presetSubtype="4" fill="hold" grpId="0" nodeType="clickEffect">
+                                <p:cTn id="11" presetID="2" presetClass="entr" presetSubtype="4" fill="hold" nodeType="clickEffect">
                                   <p:stCondLst>
                                     <p:cond delay="0"/>
                                   </p:stCondLst>
@@ -25941,7 +24697,7 @@
                                           </p:stCondLst>
                                         </p:cTn>
                                         <p:tgtEl>
-                                          <p:spTgt spid="6"/>
+                                          <p:spTgt spid="2053"/>
                                         </p:tgtEl>
                                         <p:attrNameLst>
                                           <p:attrName>style.visibility</p:attrName>
@@ -25955,7 +24711,7 @@
                                       <p:cBhvr additive="base">
                                         <p:cTn id="13" dur="500" fill="hold"/>
                                         <p:tgtEl>
-                                          <p:spTgt spid="6"/>
+                                          <p:spTgt spid="2053"/>
                                         </p:tgtEl>
                                         <p:attrNameLst>
                                           <p:attrName>ppt_x</p:attrName>
@@ -25978,7 +24734,7 @@
                                       <p:cBhvr additive="base">
                                         <p:cTn id="14" dur="500" fill="hold"/>
                                         <p:tgtEl>
-                                          <p:spTgt spid="6"/>
+                                          <p:spTgt spid="2053"/>
                                         </p:tgtEl>
                                         <p:attrNameLst>
                                           <p:attrName>ppt_y</p:attrName>
@@ -26027,10 +24783,6 @@
         </p:cTn>
       </p:par>
     </p:tnLst>
-    <p:bldLst>
-      <p:bldP spid="5" grpId="0"/>
-      <p:bldP spid="6" grpId="0"/>
-    </p:bldLst>
   </p:timing>
 </p:sld>
 </file>
@@ -26068,6 +24820,10 @@
           <a:lstStyle/>
           <a:p>
             <a:pPr algn="l"/>
+            <a:r>
+              <a:rPr lang="en-US" altLang="zh-CN" dirty="0" smtClean="0"/>
+              <a:t>silicon</a:t>
+            </a:r>
             <a:endParaRPr lang="zh-CN" altLang="en-US" dirty="0"/>
           </a:p>
         </p:txBody>
@@ -26084,48 +24840,34 @@
         </p:nvSpPr>
         <p:spPr/>
         <p:txBody>
-          <a:bodyPr/>
+          <a:bodyPr>
+            <a:normAutofit/>
+          </a:bodyPr>
           <a:lstStyle/>
           <a:p>
             <a:r>
-              <a:rPr lang="en-US" altLang="zh-CN" dirty="0" smtClean="0"/>
-              <a:t>Tree-frog</a:t>
-            </a:r>
-          </a:p>
-          <a:p>
-            <a:pPr marL="742950" lvl="2" indent="-342900"/>
-            <a:r>
-              <a:rPr lang="en-US" altLang="zh-CN" dirty="0" smtClean="0"/>
-              <a:t>based on qt, too heavily, not modern </a:t>
-            </a:r>
-            <a:r>
-              <a:rPr lang="en-US" altLang="zh-CN" dirty="0" err="1" smtClean="0"/>
-              <a:t>c++</a:t>
-            </a:r>
-            <a:endParaRPr lang="zh-CN" altLang="en-US" dirty="0" smtClean="0"/>
-          </a:p>
-          <a:p>
-            <a:pPr marL="342900" lvl="1" indent="-342900">
-              <a:buFont typeface="Arial" pitchFamily="34" charset="0"/>
-              <a:buChar char="•"/>
-            </a:pPr>
-            <a:r>
-              <a:rPr lang="en-US" altLang="zh-CN" sz="3200" dirty="0" smtClean="0"/>
-              <a:t>Crow</a:t>
-            </a:r>
-          </a:p>
-          <a:p>
-            <a:pPr marL="742950" lvl="2" indent="-342900"/>
-            <a:r>
-              <a:rPr lang="en-US" altLang="zh-CN" dirty="0" smtClean="0"/>
-              <a:t>Just a http server, not a real web framework</a:t>
-            </a:r>
-          </a:p>
-          <a:p>
-            <a:pPr lvl="1">
-              <a:buNone/>
-            </a:pPr>
-            <a:endParaRPr lang="en-US" altLang="zh-CN" dirty="0" smtClean="0"/>
+              <a:rPr lang="en-US" altLang="zh-CN" sz="2400" dirty="0" smtClean="0"/>
+              <a:t>The user interface is not friendly</a:t>
+            </a:r>
+          </a:p>
+          <a:p>
+            <a:r>
+              <a:rPr lang="en-US" altLang="zh-CN" sz="2400" dirty="0" smtClean="0"/>
+              <a:t>Complicated, not flexible</a:t>
+            </a:r>
+          </a:p>
+          <a:p>
+            <a:r>
+              <a:rPr lang="en-US" altLang="zh-CN" sz="2400" dirty="0" smtClean="0"/>
+              <a:t>Don’t separate non-core business</a:t>
+            </a:r>
+          </a:p>
+          <a:p>
+            <a:r>
+              <a:rPr lang="en-US" altLang="zh-CN" sz="2400" dirty="0" smtClean="0"/>
+              <a:t>Lack of html templates component</a:t>
+            </a:r>
+            <a:endParaRPr lang="zh-CN" altLang="en-US" sz="2400" dirty="0"/>
           </a:p>
         </p:txBody>
       </p:sp>

--- a/cppcon2018.pptx
+++ b/cppcon2018.pptx
@@ -5,7 +5,7 @@
     <p:sldMasterId id="2147483648" r:id="rId1"/>
   </p:sldMasterIdLst>
   <p:notesMasterIdLst>
-    <p:notesMasterId r:id="rId72"/>
+    <p:notesMasterId r:id="rId71"/>
   </p:notesMasterIdLst>
   <p:sldIdLst>
     <p:sldId id="256" r:id="rId2"/>
@@ -16,68 +16,67 @@
     <p:sldId id="274" r:id="rId7"/>
     <p:sldId id="275" r:id="rId8"/>
     <p:sldId id="276" r:id="rId9"/>
-    <p:sldId id="277" r:id="rId10"/>
-    <p:sldId id="287" r:id="rId11"/>
-    <p:sldId id="281" r:id="rId12"/>
-    <p:sldId id="262" r:id="rId13"/>
-    <p:sldId id="264" r:id="rId14"/>
-    <p:sldId id="265" r:id="rId15"/>
-    <p:sldId id="282" r:id="rId16"/>
-    <p:sldId id="273" r:id="rId17"/>
-    <p:sldId id="268" r:id="rId18"/>
-    <p:sldId id="269" r:id="rId19"/>
-    <p:sldId id="270" r:id="rId20"/>
-    <p:sldId id="267" r:id="rId21"/>
-    <p:sldId id="271" r:id="rId22"/>
-    <p:sldId id="259" r:id="rId23"/>
-    <p:sldId id="285" r:id="rId24"/>
-    <p:sldId id="260" r:id="rId25"/>
-    <p:sldId id="288" r:id="rId26"/>
-    <p:sldId id="289" r:id="rId27"/>
-    <p:sldId id="290" r:id="rId28"/>
-    <p:sldId id="297" r:id="rId29"/>
-    <p:sldId id="291" r:id="rId30"/>
-    <p:sldId id="299" r:id="rId31"/>
-    <p:sldId id="306" r:id="rId32"/>
-    <p:sldId id="293" r:id="rId33"/>
-    <p:sldId id="294" r:id="rId34"/>
-    <p:sldId id="295" r:id="rId35"/>
-    <p:sldId id="296" r:id="rId36"/>
-    <p:sldId id="298" r:id="rId37"/>
-    <p:sldId id="300" r:id="rId38"/>
-    <p:sldId id="302" r:id="rId39"/>
-    <p:sldId id="301" r:id="rId40"/>
-    <p:sldId id="303" r:id="rId41"/>
-    <p:sldId id="309" r:id="rId42"/>
-    <p:sldId id="304" r:id="rId43"/>
-    <p:sldId id="305" r:id="rId44"/>
-    <p:sldId id="307" r:id="rId45"/>
-    <p:sldId id="308" r:id="rId46"/>
-    <p:sldId id="310" r:id="rId47"/>
-    <p:sldId id="311" r:id="rId48"/>
-    <p:sldId id="312" r:id="rId49"/>
-    <p:sldId id="313" r:id="rId50"/>
-    <p:sldId id="314" r:id="rId51"/>
-    <p:sldId id="315" r:id="rId52"/>
-    <p:sldId id="316" r:id="rId53"/>
-    <p:sldId id="317" r:id="rId54"/>
-    <p:sldId id="319" r:id="rId55"/>
-    <p:sldId id="335" r:id="rId56"/>
-    <p:sldId id="318" r:id="rId57"/>
-    <p:sldId id="329" r:id="rId58"/>
-    <p:sldId id="330" r:id="rId59"/>
-    <p:sldId id="336" r:id="rId60"/>
-    <p:sldId id="331" r:id="rId61"/>
-    <p:sldId id="286" r:id="rId62"/>
-    <p:sldId id="261" r:id="rId63"/>
-    <p:sldId id="325" r:id="rId64"/>
-    <p:sldId id="320" r:id="rId65"/>
-    <p:sldId id="322" r:id="rId66"/>
-    <p:sldId id="332" r:id="rId67"/>
-    <p:sldId id="324" r:id="rId68"/>
-    <p:sldId id="334" r:id="rId69"/>
-    <p:sldId id="327" r:id="rId70"/>
-    <p:sldId id="328" r:id="rId71"/>
+    <p:sldId id="287" r:id="rId10"/>
+    <p:sldId id="281" r:id="rId11"/>
+    <p:sldId id="262" r:id="rId12"/>
+    <p:sldId id="264" r:id="rId13"/>
+    <p:sldId id="265" r:id="rId14"/>
+    <p:sldId id="282" r:id="rId15"/>
+    <p:sldId id="273" r:id="rId16"/>
+    <p:sldId id="268" r:id="rId17"/>
+    <p:sldId id="269" r:id="rId18"/>
+    <p:sldId id="270" r:id="rId19"/>
+    <p:sldId id="267" r:id="rId20"/>
+    <p:sldId id="271" r:id="rId21"/>
+    <p:sldId id="259" r:id="rId22"/>
+    <p:sldId id="285" r:id="rId23"/>
+    <p:sldId id="260" r:id="rId24"/>
+    <p:sldId id="288" r:id="rId25"/>
+    <p:sldId id="289" r:id="rId26"/>
+    <p:sldId id="290" r:id="rId27"/>
+    <p:sldId id="297" r:id="rId28"/>
+    <p:sldId id="291" r:id="rId29"/>
+    <p:sldId id="299" r:id="rId30"/>
+    <p:sldId id="306" r:id="rId31"/>
+    <p:sldId id="293" r:id="rId32"/>
+    <p:sldId id="294" r:id="rId33"/>
+    <p:sldId id="295" r:id="rId34"/>
+    <p:sldId id="296" r:id="rId35"/>
+    <p:sldId id="298" r:id="rId36"/>
+    <p:sldId id="300" r:id="rId37"/>
+    <p:sldId id="302" r:id="rId38"/>
+    <p:sldId id="301" r:id="rId39"/>
+    <p:sldId id="303" r:id="rId40"/>
+    <p:sldId id="309" r:id="rId41"/>
+    <p:sldId id="304" r:id="rId42"/>
+    <p:sldId id="305" r:id="rId43"/>
+    <p:sldId id="307" r:id="rId44"/>
+    <p:sldId id="308" r:id="rId45"/>
+    <p:sldId id="310" r:id="rId46"/>
+    <p:sldId id="311" r:id="rId47"/>
+    <p:sldId id="312" r:id="rId48"/>
+    <p:sldId id="313" r:id="rId49"/>
+    <p:sldId id="314" r:id="rId50"/>
+    <p:sldId id="315" r:id="rId51"/>
+    <p:sldId id="316" r:id="rId52"/>
+    <p:sldId id="317" r:id="rId53"/>
+    <p:sldId id="319" r:id="rId54"/>
+    <p:sldId id="335" r:id="rId55"/>
+    <p:sldId id="318" r:id="rId56"/>
+    <p:sldId id="329" r:id="rId57"/>
+    <p:sldId id="330" r:id="rId58"/>
+    <p:sldId id="336" r:id="rId59"/>
+    <p:sldId id="331" r:id="rId60"/>
+    <p:sldId id="286" r:id="rId61"/>
+    <p:sldId id="261" r:id="rId62"/>
+    <p:sldId id="325" r:id="rId63"/>
+    <p:sldId id="320" r:id="rId64"/>
+    <p:sldId id="322" r:id="rId65"/>
+    <p:sldId id="332" r:id="rId66"/>
+    <p:sldId id="324" r:id="rId67"/>
+    <p:sldId id="334" r:id="rId68"/>
+    <p:sldId id="327" r:id="rId69"/>
+    <p:sldId id="328" r:id="rId70"/>
   </p:sldIdLst>
   <p:sldSz cx="9144000" cy="5143500" type="screen16x9"/>
   <p:notesSz cx="6858000" cy="9144000"/>
@@ -596,7 +595,7 @@
             <a:fld id="{83CD164C-6AF4-47A6-80A8-5587AE76359C}" type="slidenum">
               <a:rPr lang="zh-CN" altLang="en-US" smtClean="0"/>
               <a:pPr/>
-              <a:t>30</a:t>
+              <a:t>29</a:t>
             </a:fld>
             <a:endParaRPr lang="zh-CN" altLang="en-US"/>
           </a:p>
@@ -678,7 +677,7 @@
             <a:fld id="{83CD164C-6AF4-47A6-80A8-5587AE76359C}" type="slidenum">
               <a:rPr lang="zh-CN" altLang="en-US" smtClean="0"/>
               <a:pPr/>
-              <a:t>33</a:t>
+              <a:t>32</a:t>
             </a:fld>
             <a:endParaRPr lang="zh-CN" altLang="en-US"/>
           </a:p>
@@ -3783,10 +3782,25 @@
         </p:nvSpPr>
         <p:spPr/>
         <p:txBody>
-          <a:bodyPr/>
+          <a:bodyPr>
+            <a:normAutofit fontScale="90000"/>
+          </a:bodyPr>
           <a:lstStyle/>
           <a:p>
-            <a:endParaRPr lang="zh-CN" altLang="en-US"/>
+            <a:pPr algn="l"/>
+            <a:r>
+              <a:rPr lang="en-US" altLang="zh-CN" dirty="0" smtClean="0"/>
+              <a:t>We need a better </a:t>
+            </a:r>
+            <a:r>
+              <a:rPr lang="en-US" altLang="zh-CN" dirty="0" err="1" smtClean="0"/>
+              <a:t>c++</a:t>
+            </a:r>
+            <a:r>
+              <a:rPr lang="en-US" altLang="zh-CN" dirty="0" smtClean="0"/>
+              <a:t> web framework</a:t>
+            </a:r>
+            <a:endParaRPr lang="zh-CN" altLang="en-US" dirty="0"/>
           </a:p>
         </p:txBody>
       </p:sp>
@@ -3805,43 +3819,51 @@
           <a:bodyPr/>
           <a:lstStyle/>
           <a:p>
-            <a:endParaRPr lang="zh-CN" altLang="en-US"/>
-          </a:p>
-        </p:txBody>
-      </p:sp>
-      <p:pic>
-        <p:nvPicPr>
-          <p:cNvPr id="45058" name="Picture 2"/>
-          <p:cNvPicPr>
-            <a:picLocks noChangeAspect="1" noChangeArrowheads="1"/>
-          </p:cNvPicPr>
-          <p:nvPr/>
-        </p:nvPicPr>
-        <p:blipFill>
-          <a:blip r:embed="rId2"/>
-          <a:srcRect/>
-          <a:stretch>
-            <a:fillRect/>
-          </a:stretch>
-        </p:blipFill>
-        <p:spPr bwMode="auto">
-          <a:xfrm>
-            <a:off x="1500166" y="1285866"/>
-            <a:ext cx="6051550" cy="3186113"/>
-          </a:xfrm>
-          <a:prstGeom prst="rect">
-            <a:avLst/>
-          </a:prstGeom>
-          <a:noFill/>
-          <a:ln w="9525">
-            <a:noFill/>
-            <a:miter lim="800000"/>
-            <a:headEnd/>
-            <a:tailEnd/>
-          </a:ln>
-          <a:effectLst/>
-        </p:spPr>
-      </p:pic>
+            <a:r>
+              <a:rPr lang="en-US" altLang="zh-CN" sz="2800" dirty="0" smtClean="0"/>
+              <a:t>Good infrastructure</a:t>
+            </a:r>
+          </a:p>
+          <a:p>
+            <a:pPr lvl="1"/>
+            <a:r>
+              <a:rPr lang="en-US" altLang="zh-CN" sz="2400" dirty="0" smtClean="0"/>
+              <a:t>http server, ORM, html render, AOP,…….</a:t>
+            </a:r>
+          </a:p>
+          <a:p>
+            <a:r>
+              <a:rPr lang="en-US" altLang="zh-CN" sz="2800" dirty="0" smtClean="0"/>
+              <a:t>Easy to use</a:t>
+            </a:r>
+          </a:p>
+          <a:p>
+            <a:r>
+              <a:rPr lang="en-US" altLang="zh-CN" sz="2800" dirty="0" smtClean="0"/>
+              <a:t>Focus on business only, low learning cost</a:t>
+            </a:r>
+          </a:p>
+          <a:p>
+            <a:r>
+              <a:rPr lang="en-US" altLang="zh-CN" sz="2800" dirty="0" smtClean="0"/>
+              <a:t>High performance, cross platform</a:t>
+            </a:r>
+          </a:p>
+          <a:p>
+            <a:endParaRPr lang="en-US" altLang="zh-CN" dirty="0" smtClean="0"/>
+          </a:p>
+          <a:p>
+            <a:pPr lvl="1">
+              <a:buNone/>
+            </a:pPr>
+            <a:endParaRPr lang="en-US" altLang="zh-CN" dirty="0" smtClean="0"/>
+          </a:p>
+          <a:p>
+            <a:pPr lvl="1"/>
+            <a:endParaRPr lang="zh-CN" altLang="en-US" dirty="0"/>
+          </a:p>
+        </p:txBody>
+      </p:sp>
     </p:spTree>
   </p:cSld>
   <p:clrMapOvr>
@@ -3920,132 +3942,6 @@
         </p:nvSpPr>
         <p:spPr/>
         <p:txBody>
-          <a:bodyPr/>
-          <a:lstStyle/>
-          <a:p>
-            <a:r>
-              <a:rPr lang="en-US" altLang="zh-CN" sz="2800" dirty="0" smtClean="0"/>
-              <a:t>Good infrastructure</a:t>
-            </a:r>
-          </a:p>
-          <a:p>
-            <a:pPr lvl="1"/>
-            <a:r>
-              <a:rPr lang="en-US" altLang="zh-CN" sz="2400" dirty="0" smtClean="0"/>
-              <a:t>http server, ORM, html render, AOP,…….</a:t>
-            </a:r>
-          </a:p>
-          <a:p>
-            <a:r>
-              <a:rPr lang="en-US" altLang="zh-CN" sz="2800" dirty="0" smtClean="0"/>
-              <a:t>Easy to use</a:t>
-            </a:r>
-          </a:p>
-          <a:p>
-            <a:r>
-              <a:rPr lang="en-US" altLang="zh-CN" sz="2800" dirty="0" smtClean="0"/>
-              <a:t>Focus on business only, low learning cost</a:t>
-            </a:r>
-          </a:p>
-          <a:p>
-            <a:r>
-              <a:rPr lang="en-US" altLang="zh-CN" sz="2800" dirty="0" smtClean="0"/>
-              <a:t>High performance, cross platform</a:t>
-            </a:r>
-          </a:p>
-          <a:p>
-            <a:endParaRPr lang="en-US" altLang="zh-CN" dirty="0" smtClean="0"/>
-          </a:p>
-          <a:p>
-            <a:pPr lvl="1">
-              <a:buNone/>
-            </a:pPr>
-            <a:endParaRPr lang="en-US" altLang="zh-CN" dirty="0" smtClean="0"/>
-          </a:p>
-          <a:p>
-            <a:pPr lvl="1"/>
-            <a:endParaRPr lang="zh-CN" altLang="en-US" dirty="0"/>
-          </a:p>
-        </p:txBody>
-      </p:sp>
-    </p:spTree>
-  </p:cSld>
-  <p:clrMapOvr>
-    <a:masterClrMapping/>
-  </p:clrMapOvr>
-  <p:timing>
-    <p:tnLst>
-      <p:par>
-        <p:cTn id="1" dur="indefinite" restart="never" nodeType="tmRoot"/>
-      </p:par>
-    </p:tnLst>
-  </p:timing>
-</p:sld>
-</file>
-
-<file path=ppt/slides/slide12.xml><?xml version="1.0" encoding="utf-8"?>
-<p:sld xmlns:a="http://schemas.openxmlformats.org/drawingml/2006/main" xmlns:r="http://schemas.openxmlformats.org/officeDocument/2006/relationships" xmlns:p="http://schemas.openxmlformats.org/presentationml/2006/main">
-  <p:cSld>
-    <p:spTree>
-      <p:nvGrpSpPr>
-        <p:cNvPr id="1" name=""/>
-        <p:cNvGrpSpPr/>
-        <p:nvPr/>
-      </p:nvGrpSpPr>
-      <p:grpSpPr>
-        <a:xfrm>
-          <a:off x="0" y="0"/>
-          <a:ext cx="0" cy="0"/>
-          <a:chOff x="0" y="0"/>
-          <a:chExt cx="0" cy="0"/>
-        </a:xfrm>
-      </p:grpSpPr>
-      <p:sp>
-        <p:nvSpPr>
-          <p:cNvPr id="2" name="标题 1"/>
-          <p:cNvSpPr>
-            <a:spLocks noGrp="1"/>
-          </p:cNvSpPr>
-          <p:nvPr>
-            <p:ph type="title"/>
-          </p:nvPr>
-        </p:nvSpPr>
-        <p:spPr/>
-        <p:txBody>
-          <a:bodyPr>
-            <a:normAutofit fontScale="90000"/>
-          </a:bodyPr>
-          <a:lstStyle/>
-          <a:p>
-            <a:pPr algn="l"/>
-            <a:r>
-              <a:rPr lang="en-US" altLang="zh-CN" dirty="0" smtClean="0"/>
-              <a:t>We need a better </a:t>
-            </a:r>
-            <a:r>
-              <a:rPr lang="en-US" altLang="zh-CN" dirty="0" err="1" smtClean="0"/>
-              <a:t>c++</a:t>
-            </a:r>
-            <a:r>
-              <a:rPr lang="en-US" altLang="zh-CN" dirty="0" smtClean="0"/>
-              <a:t> web framework</a:t>
-            </a:r>
-            <a:endParaRPr lang="zh-CN" altLang="en-US" dirty="0"/>
-          </a:p>
-        </p:txBody>
-      </p:sp>
-      <p:sp>
-        <p:nvSpPr>
-          <p:cNvPr id="3" name="内容占位符 2"/>
-          <p:cNvSpPr>
-            <a:spLocks noGrp="1"/>
-          </p:cNvSpPr>
-          <p:nvPr>
-            <p:ph idx="1"/>
-          </p:nvPr>
-        </p:nvSpPr>
-        <p:spPr/>
-        <p:txBody>
           <a:bodyPr>
             <a:normAutofit/>
           </a:bodyPr>
@@ -4081,15 +3977,7 @@
           <a:p>
             <a:r>
               <a:rPr lang="en-US" altLang="zh-CN" sz="2400" b="1" dirty="0" smtClean="0"/>
-              <a:t>you can use </a:t>
-            </a:r>
-            <a:r>
-              <a:rPr lang="en-US" altLang="zh-CN" sz="2400" b="1" dirty="0" smtClean="0"/>
-              <a:t>feather to </a:t>
-            </a:r>
-            <a:r>
-              <a:rPr lang="en-US" altLang="zh-CN" sz="2400" b="1" dirty="0" smtClean="0"/>
-              <a:t>develop a web application rapidly</a:t>
+              <a:t>you can use feather to develop a web application rapidly</a:t>
             </a:r>
             <a:endParaRPr lang="zh-CN" altLang="en-US" sz="2400" b="1" dirty="0"/>
           </a:p>
@@ -4227,7 +4115,7 @@
 </p:sld>
 </file>
 
-<file path=ppt/slides/slide13.xml><?xml version="1.0" encoding="utf-8"?>
+<file path=ppt/slides/slide12.xml><?xml version="1.0" encoding="utf-8"?>
 <p:sld xmlns:a="http://schemas.openxmlformats.org/drawingml/2006/main" xmlns:r="http://schemas.openxmlformats.org/officeDocument/2006/relationships" xmlns:p="http://schemas.openxmlformats.org/presentationml/2006/main">
   <p:cSld>
     <p:spTree>
@@ -4582,7 +4470,7 @@
 </p:sld>
 </file>
 
-<file path=ppt/slides/slide14.xml><?xml version="1.0" encoding="utf-8"?>
+<file path=ppt/slides/slide13.xml><?xml version="1.0" encoding="utf-8"?>
 <p:sld xmlns:a="http://schemas.openxmlformats.org/drawingml/2006/main" xmlns:r="http://schemas.openxmlformats.org/officeDocument/2006/relationships" xmlns:p="http://schemas.openxmlformats.org/presentationml/2006/main">
   <p:cSld>
     <p:spTree>
@@ -4712,7 +4600,7 @@
 </p:sld>
 </file>
 
-<file path=ppt/slides/slide15.xml><?xml version="1.0" encoding="utf-8"?>
+<file path=ppt/slides/slide14.xml><?xml version="1.0" encoding="utf-8"?>
 <p:sld xmlns:a="http://schemas.openxmlformats.org/drawingml/2006/main" xmlns:r="http://schemas.openxmlformats.org/officeDocument/2006/relationships" xmlns:p="http://schemas.openxmlformats.org/presentationml/2006/main">
   <p:cSld>
     <p:spTree>
@@ -5027,7 +4915,7 @@
 </p:sld>
 </file>
 
-<file path=ppt/slides/slide16.xml><?xml version="1.0" encoding="utf-8"?>
+<file path=ppt/slides/slide15.xml><?xml version="1.0" encoding="utf-8"?>
 <p:sld xmlns:a="http://schemas.openxmlformats.org/drawingml/2006/main" xmlns:r="http://schemas.openxmlformats.org/officeDocument/2006/relationships" xmlns:p="http://schemas.openxmlformats.org/presentationml/2006/main">
   <p:cSld>
     <p:spTree>
@@ -5115,13 +5003,8 @@
             </a:r>
             <a:r>
               <a:rPr lang="en-US" altLang="zh-CN" sz="2800" dirty="0" smtClean="0"/>
-              <a:t>: a powerful html template </a:t>
-            </a:r>
-            <a:r>
-              <a:rPr lang="en-US" altLang="zh-CN" sz="2800" dirty="0" smtClean="0"/>
-              <a:t>engine</a:t>
-            </a:r>
-            <a:endParaRPr lang="en-US" altLang="zh-CN" sz="2800" dirty="0" smtClean="0"/>
+              <a:t>: a powerful html template engine</a:t>
+            </a:r>
           </a:p>
         </p:txBody>
       </p:sp>
@@ -5140,7 +5023,7 @@
 </p:sld>
 </file>
 
-<file path=ppt/slides/slide17.xml><?xml version="1.0" encoding="utf-8"?>
+<file path=ppt/slides/slide16.xml><?xml version="1.0" encoding="utf-8"?>
 <p:sld xmlns:a="http://schemas.openxmlformats.org/drawingml/2006/main" xmlns:r="http://schemas.openxmlformats.org/officeDocument/2006/relationships" xmlns:p="http://schemas.openxmlformats.org/presentationml/2006/main">
   <p:cSld>
     <p:spTree>
@@ -5283,7 +5166,7 @@
 </p:sld>
 </file>
 
-<file path=ppt/slides/slide18.xml><?xml version="1.0" encoding="utf-8"?>
+<file path=ppt/slides/slide17.xml><?xml version="1.0" encoding="utf-8"?>
 <p:sld xmlns:a="http://schemas.openxmlformats.org/drawingml/2006/main" xmlns:r="http://schemas.openxmlformats.org/officeDocument/2006/relationships" xmlns:p="http://schemas.openxmlformats.org/presentationml/2006/main">
   <p:cSld>
     <p:spTree>
@@ -5657,7 +5540,7 @@
 </p:sld>
 </file>
 
-<file path=ppt/slides/slide19.xml><?xml version="1.0" encoding="utf-8"?>
+<file path=ppt/slides/slide18.xml><?xml version="1.0" encoding="utf-8"?>
 <p:sld xmlns:a="http://schemas.openxmlformats.org/drawingml/2006/main" xmlns:r="http://schemas.openxmlformats.org/officeDocument/2006/relationships" xmlns:p="http://schemas.openxmlformats.org/presentationml/2006/main">
   <p:cSld>
     <p:spTree>
@@ -6148,7 +6031,7 @@
 </p:sld>
 </file>
 
-<file path=ppt/slides/slide2.xml><?xml version="1.0" encoding="utf-8"?>
+<file path=ppt/slides/slide19.xml><?xml version="1.0" encoding="utf-8"?>
 <p:sld xmlns:a="http://schemas.openxmlformats.org/drawingml/2006/main" xmlns:r="http://schemas.openxmlformats.org/officeDocument/2006/relationships" xmlns:p="http://schemas.openxmlformats.org/presentationml/2006/main">
   <p:cSld>
     <p:spTree>
@@ -6183,103 +6066,6 @@
             <a:pPr algn="l"/>
             <a:r>
               <a:rPr lang="en-US" altLang="zh-CN" dirty="0" smtClean="0"/>
-              <a:t>Outline</a:t>
-            </a:r>
-            <a:endParaRPr lang="zh-CN" altLang="en-US" dirty="0"/>
-          </a:p>
-        </p:txBody>
-      </p:sp>
-      <p:sp>
-        <p:nvSpPr>
-          <p:cNvPr id="3" name="内容占位符 2"/>
-          <p:cNvSpPr>
-            <a:spLocks noGrp="1"/>
-          </p:cNvSpPr>
-          <p:nvPr>
-            <p:ph idx="1"/>
-          </p:nvPr>
-        </p:nvSpPr>
-        <p:spPr/>
-        <p:txBody>
-          <a:bodyPr/>
-          <a:lstStyle/>
-          <a:p>
-            <a:r>
-              <a:rPr lang="en-US" altLang="zh-CN" dirty="0" smtClean="0"/>
-              <a:t>Basic Concepts of Web Framework</a:t>
-            </a:r>
-          </a:p>
-          <a:p>
-            <a:r>
-              <a:rPr lang="en-US" altLang="zh-CN" dirty="0" smtClean="0"/>
-              <a:t>What is Feather?</a:t>
-            </a:r>
-          </a:p>
-          <a:p>
-            <a:r>
-              <a:rPr lang="en-US" altLang="zh-CN" dirty="0" smtClean="0"/>
-              <a:t>Components</a:t>
-            </a:r>
-          </a:p>
-          <a:p>
-            <a:r>
-              <a:rPr lang="en-US" altLang="zh-CN" dirty="0" smtClean="0"/>
-              <a:t>How to Rapidly Develop Web?</a:t>
-            </a:r>
-            <a:endParaRPr lang="zh-CN" altLang="en-US" dirty="0"/>
-          </a:p>
-        </p:txBody>
-      </p:sp>
-    </p:spTree>
-  </p:cSld>
-  <p:clrMapOvr>
-    <a:masterClrMapping/>
-  </p:clrMapOvr>
-  <p:timing>
-    <p:tnLst>
-      <p:par>
-        <p:cTn id="1" dur="indefinite" restart="never" nodeType="tmRoot"/>
-      </p:par>
-    </p:tnLst>
-  </p:timing>
-</p:sld>
-</file>
-
-<file path=ppt/slides/slide20.xml><?xml version="1.0" encoding="utf-8"?>
-<p:sld xmlns:a="http://schemas.openxmlformats.org/drawingml/2006/main" xmlns:r="http://schemas.openxmlformats.org/officeDocument/2006/relationships" xmlns:p="http://schemas.openxmlformats.org/presentationml/2006/main">
-  <p:cSld>
-    <p:spTree>
-      <p:nvGrpSpPr>
-        <p:cNvPr id="1" name=""/>
-        <p:cNvGrpSpPr/>
-        <p:nvPr/>
-      </p:nvGrpSpPr>
-      <p:grpSpPr>
-        <a:xfrm>
-          <a:off x="0" y="0"/>
-          <a:ext cx="0" cy="0"/>
-          <a:chOff x="0" y="0"/>
-          <a:chExt cx="0" cy="0"/>
-        </a:xfrm>
-      </p:grpSpPr>
-      <p:sp>
-        <p:nvSpPr>
-          <p:cNvPr id="2" name="标题 1"/>
-          <p:cNvSpPr>
-            <a:spLocks noGrp="1"/>
-          </p:cNvSpPr>
-          <p:nvPr>
-            <p:ph type="title"/>
-          </p:nvPr>
-        </p:nvSpPr>
-        <p:spPr/>
-        <p:txBody>
-          <a:bodyPr/>
-          <a:lstStyle/>
-          <a:p>
-            <a:pPr algn="l"/>
-            <a:r>
-              <a:rPr lang="en-US" altLang="zh-CN" dirty="0" smtClean="0"/>
               <a:t>Development efficiency</a:t>
             </a:r>
             <a:endParaRPr lang="zh-CN" altLang="en-US" dirty="0"/>
@@ -6424,15 +6210,7 @@
           <a:p>
             <a:r>
               <a:rPr lang="en-US" altLang="zh-CN" sz="2000" dirty="0" smtClean="0"/>
-              <a:t>All </a:t>
-            </a:r>
-            <a:r>
-              <a:rPr lang="en-US" altLang="zh-CN" sz="2000" dirty="0" smtClean="0"/>
-              <a:t>the core </a:t>
-            </a:r>
-            <a:r>
-              <a:rPr lang="en-US" altLang="zh-CN" sz="2000" dirty="0" smtClean="0"/>
-              <a:t>business code is just </a:t>
+              <a:t>All the core business code is just </a:t>
             </a:r>
             <a:r>
               <a:rPr lang="en-US" altLang="zh-CN" sz="2000" b="1" dirty="0" smtClean="0"/>
@@ -6591,7 +6369,104 @@
 </p:sld>
 </file>
 
-<file path=ppt/slides/slide21.xml><?xml version="1.0" encoding="utf-8"?>
+<file path=ppt/slides/slide2.xml><?xml version="1.0" encoding="utf-8"?>
+<p:sld xmlns:a="http://schemas.openxmlformats.org/drawingml/2006/main" xmlns:r="http://schemas.openxmlformats.org/officeDocument/2006/relationships" xmlns:p="http://schemas.openxmlformats.org/presentationml/2006/main">
+  <p:cSld>
+    <p:spTree>
+      <p:nvGrpSpPr>
+        <p:cNvPr id="1" name=""/>
+        <p:cNvGrpSpPr/>
+        <p:nvPr/>
+      </p:nvGrpSpPr>
+      <p:grpSpPr>
+        <a:xfrm>
+          <a:off x="0" y="0"/>
+          <a:ext cx="0" cy="0"/>
+          <a:chOff x="0" y="0"/>
+          <a:chExt cx="0" cy="0"/>
+        </a:xfrm>
+      </p:grpSpPr>
+      <p:sp>
+        <p:nvSpPr>
+          <p:cNvPr id="2" name="标题 1"/>
+          <p:cNvSpPr>
+            <a:spLocks noGrp="1"/>
+          </p:cNvSpPr>
+          <p:nvPr>
+            <p:ph type="title"/>
+          </p:nvPr>
+        </p:nvSpPr>
+        <p:spPr/>
+        <p:txBody>
+          <a:bodyPr/>
+          <a:lstStyle/>
+          <a:p>
+            <a:pPr algn="l"/>
+            <a:r>
+              <a:rPr lang="en-US" altLang="zh-CN" dirty="0" smtClean="0"/>
+              <a:t>Outline</a:t>
+            </a:r>
+            <a:endParaRPr lang="zh-CN" altLang="en-US" dirty="0"/>
+          </a:p>
+        </p:txBody>
+      </p:sp>
+      <p:sp>
+        <p:nvSpPr>
+          <p:cNvPr id="3" name="内容占位符 2"/>
+          <p:cNvSpPr>
+            <a:spLocks noGrp="1"/>
+          </p:cNvSpPr>
+          <p:nvPr>
+            <p:ph idx="1"/>
+          </p:nvPr>
+        </p:nvSpPr>
+        <p:spPr/>
+        <p:txBody>
+          <a:bodyPr/>
+          <a:lstStyle/>
+          <a:p>
+            <a:r>
+              <a:rPr lang="en-US" altLang="zh-CN" dirty="0" smtClean="0"/>
+              <a:t>Basic Concepts of Web Framework</a:t>
+            </a:r>
+          </a:p>
+          <a:p>
+            <a:r>
+              <a:rPr lang="en-US" altLang="zh-CN" dirty="0" smtClean="0"/>
+              <a:t>What is Feather?</a:t>
+            </a:r>
+          </a:p>
+          <a:p>
+            <a:r>
+              <a:rPr lang="en-US" altLang="zh-CN" dirty="0" smtClean="0"/>
+              <a:t>Components</a:t>
+            </a:r>
+          </a:p>
+          <a:p>
+            <a:r>
+              <a:rPr lang="en-US" altLang="zh-CN" dirty="0" smtClean="0"/>
+              <a:t>How to Rapidly Develop Web?</a:t>
+            </a:r>
+            <a:endParaRPr lang="zh-CN" altLang="en-US" dirty="0"/>
+          </a:p>
+        </p:txBody>
+      </p:sp>
+    </p:spTree>
+  </p:cSld>
+  <p:clrMapOvr>
+    <a:masterClrMapping/>
+  </p:clrMapOvr>
+  <p:timing>
+    <p:tnLst>
+      <p:par>
+        <p:cTn id="1" dur="indefinite" restart="never" nodeType="tmRoot"/>
+      </p:par>
+    </p:tnLst>
+  </p:timing>
+</p:sld>
+</file>
+
+<file path=ppt/slides/slide20.xml><?xml version="1.0" encoding="utf-8"?>
 <p:sld xmlns:a="http://schemas.openxmlformats.org/drawingml/2006/main" xmlns:r="http://schemas.openxmlformats.org/officeDocument/2006/relationships" xmlns:p="http://schemas.openxmlformats.org/presentationml/2006/main">
   <p:cSld>
     <p:spTree>
@@ -6694,7 +6569,7 @@
 </p:sld>
 </file>
 
-<file path=ppt/slides/slide22.xml><?xml version="1.0" encoding="utf-8"?>
+<file path=ppt/slides/slide21.xml><?xml version="1.0" encoding="utf-8"?>
 <p:sld xmlns:a="http://schemas.openxmlformats.org/drawingml/2006/main" xmlns:r="http://schemas.openxmlformats.org/officeDocument/2006/relationships" xmlns:p="http://schemas.openxmlformats.org/presentationml/2006/main">
   <p:cSld>
     <p:spTree>
@@ -6779,7 +6654,7 @@
 </p:sld>
 </file>
 
-<file path=ppt/slides/slide23.xml><?xml version="1.0" encoding="utf-8"?>
+<file path=ppt/slides/slide22.xml><?xml version="1.0" encoding="utf-8"?>
 <p:sld xmlns:a="http://schemas.openxmlformats.org/drawingml/2006/main" xmlns:r="http://schemas.openxmlformats.org/officeDocument/2006/relationships" xmlns:p="http://schemas.openxmlformats.org/presentationml/2006/main">
   <p:cSld>
     <p:spTree>
@@ -6876,6 +6751,101 @@
 </p:sld>
 </file>
 
+<file path=ppt/slides/slide23.xml><?xml version="1.0" encoding="utf-8"?>
+<p:sld xmlns:a="http://schemas.openxmlformats.org/drawingml/2006/main" xmlns:r="http://schemas.openxmlformats.org/officeDocument/2006/relationships" xmlns:p="http://schemas.openxmlformats.org/presentationml/2006/main">
+  <p:cSld>
+    <p:spTree>
+      <p:nvGrpSpPr>
+        <p:cNvPr id="1" name=""/>
+        <p:cNvGrpSpPr/>
+        <p:nvPr/>
+      </p:nvGrpSpPr>
+      <p:grpSpPr>
+        <a:xfrm>
+          <a:off x="0" y="0"/>
+          <a:ext cx="0" cy="0"/>
+          <a:chOff x="0" y="0"/>
+          <a:chExt cx="0" cy="0"/>
+        </a:xfrm>
+      </p:grpSpPr>
+      <p:sp>
+        <p:nvSpPr>
+          <p:cNvPr id="2" name="标题 1"/>
+          <p:cNvSpPr>
+            <a:spLocks noGrp="1"/>
+          </p:cNvSpPr>
+          <p:nvPr>
+            <p:ph type="title"/>
+          </p:nvPr>
+        </p:nvSpPr>
+        <p:spPr/>
+        <p:txBody>
+          <a:bodyPr/>
+          <a:lstStyle/>
+          <a:p>
+            <a:pPr algn="l"/>
+            <a:r>
+              <a:rPr lang="en-US" altLang="zh-CN" dirty="0" smtClean="0"/>
+              <a:t>Components</a:t>
+            </a:r>
+            <a:endParaRPr lang="zh-CN" altLang="en-US" dirty="0"/>
+          </a:p>
+        </p:txBody>
+      </p:sp>
+      <p:sp>
+        <p:nvSpPr>
+          <p:cNvPr id="3" name="内容占位符 2"/>
+          <p:cNvSpPr>
+            <a:spLocks noGrp="1"/>
+          </p:cNvSpPr>
+          <p:nvPr>
+            <p:ph idx="1"/>
+          </p:nvPr>
+        </p:nvSpPr>
+        <p:spPr/>
+        <p:txBody>
+          <a:bodyPr/>
+          <a:lstStyle/>
+          <a:p>
+            <a:r>
+              <a:rPr lang="en-US" altLang="zh-CN" dirty="0" err="1" smtClean="0"/>
+              <a:t>cinatra</a:t>
+            </a:r>
+            <a:endParaRPr lang="en-US" altLang="zh-CN" dirty="0" smtClean="0"/>
+          </a:p>
+          <a:p>
+            <a:r>
+              <a:rPr lang="en-US" altLang="zh-CN" dirty="0" err="1" smtClean="0"/>
+              <a:t>ormpp</a:t>
+            </a:r>
+            <a:r>
+              <a:rPr lang="en-US" altLang="zh-CN" dirty="0" smtClean="0"/>
+              <a:t>(Comparison)</a:t>
+            </a:r>
+          </a:p>
+          <a:p>
+            <a:r>
+              <a:rPr lang="en-US" altLang="zh-CN" dirty="0" smtClean="0"/>
+              <a:t>render</a:t>
+            </a:r>
+          </a:p>
+        </p:txBody>
+      </p:sp>
+    </p:spTree>
+  </p:cSld>
+  <p:clrMapOvr>
+    <a:masterClrMapping/>
+  </p:clrMapOvr>
+  <p:timing>
+    <p:tnLst>
+      <p:par>
+        <p:cTn id="1" dur="indefinite" restart="never" nodeType="tmRoot"/>
+      </p:par>
+    </p:tnLst>
+  </p:timing>
+</p:sld>
+</file>
+
 <file path=ppt/slides/slide24.xml><?xml version="1.0" encoding="utf-8"?>
 <p:sld xmlns:a="http://schemas.openxmlformats.org/drawingml/2006/main" xmlns:r="http://schemas.openxmlformats.org/officeDocument/2006/relationships" xmlns:p="http://schemas.openxmlformats.org/presentationml/2006/main">
   <p:cSld>
@@ -6910,8 +6880,8 @@
           <a:p>
             <a:pPr algn="l"/>
             <a:r>
-              <a:rPr lang="en-US" altLang="zh-CN" dirty="0" smtClean="0"/>
-              <a:t>Components</a:t>
+              <a:rPr lang="en-US" altLang="zh-CN" dirty="0" err="1" smtClean="0"/>
+              <a:t>Cinatra</a:t>
             </a:r>
             <a:endParaRPr lang="zh-CN" altLang="en-US" dirty="0"/>
           </a:p>
@@ -6929,31 +6899,76 @@
         </p:nvSpPr>
         <p:spPr/>
         <p:txBody>
-          <a:bodyPr/>
+          <a:bodyPr>
+            <a:normAutofit/>
+          </a:bodyPr>
           <a:lstStyle/>
           <a:p>
             <a:r>
-              <a:rPr lang="en-US" altLang="zh-CN" dirty="0" err="1" smtClean="0"/>
-              <a:t>cinatra</a:t>
-            </a:r>
-            <a:endParaRPr lang="en-US" altLang="zh-CN" dirty="0" smtClean="0"/>
-          </a:p>
-          <a:p>
-            <a:r>
-              <a:rPr lang="en-US" altLang="zh-CN" dirty="0" err="1" smtClean="0"/>
-              <a:t>ormpp</a:t>
-            </a:r>
-            <a:r>
-              <a:rPr lang="en-US" altLang="zh-CN" dirty="0" smtClean="0"/>
-              <a:t>(Comparison)</a:t>
-            </a:r>
-          </a:p>
-          <a:p>
-            <a:r>
-              <a:rPr lang="en-US" altLang="zh-CN" dirty="0" smtClean="0"/>
-              <a:t>render</a:t>
-            </a:r>
-            <a:endParaRPr lang="en-US" altLang="zh-CN" dirty="0" smtClean="0"/>
+              <a:rPr lang="en-US" altLang="zh-CN" sz="2400" dirty="0" err="1" smtClean="0"/>
+              <a:t>Cinatra</a:t>
+            </a:r>
+            <a:r>
+              <a:rPr lang="en-US" altLang="zh-CN" sz="2400" dirty="0" smtClean="0"/>
+              <a:t> is a http server based on </a:t>
+            </a:r>
+            <a:r>
+              <a:rPr lang="en-US" altLang="zh-CN" sz="2400" dirty="0" err="1" smtClean="0"/>
+              <a:t>asio</a:t>
+            </a:r>
+            <a:r>
+              <a:rPr lang="en-US" altLang="zh-CN" sz="2400" dirty="0" smtClean="0"/>
+              <a:t> developed in </a:t>
+            </a:r>
+            <a:r>
+              <a:rPr lang="en-US" altLang="zh-CN" sz="2400" dirty="0" err="1" smtClean="0"/>
+              <a:t>c++</a:t>
+            </a:r>
+            <a:r>
+              <a:rPr lang="en-US" altLang="zh-CN" sz="2400" dirty="0" smtClean="0"/>
+              <a:t>17</a:t>
+            </a:r>
+          </a:p>
+          <a:p>
+            <a:pPr lvl="1"/>
+            <a:r>
+              <a:rPr lang="en-US" altLang="zh-CN" sz="2000" dirty="0" smtClean="0"/>
+              <a:t>Http1.1/https, </a:t>
+            </a:r>
+            <a:r>
+              <a:rPr lang="en-US" altLang="zh-CN" sz="2000" dirty="0" err="1" smtClean="0"/>
+              <a:t>websocket</a:t>
+            </a:r>
+            <a:endParaRPr lang="en-US" altLang="zh-CN" sz="2000" dirty="0" smtClean="0"/>
+          </a:p>
+          <a:p>
+            <a:pPr lvl="1"/>
+            <a:r>
+              <a:rPr lang="en-US" altLang="zh-CN" sz="2000" dirty="0" smtClean="0"/>
+              <a:t>Functional high level easy to use interface</a:t>
+            </a:r>
+          </a:p>
+          <a:p>
+            <a:pPr lvl="1"/>
+            <a:r>
+              <a:rPr lang="en-US" altLang="zh-CN" sz="2000" dirty="0" smtClean="0"/>
+              <a:t>Header-only</a:t>
+            </a:r>
+          </a:p>
+          <a:p>
+            <a:pPr lvl="1"/>
+            <a:r>
+              <a:rPr lang="en-US" altLang="zh-CN" sz="2000" dirty="0" smtClean="0"/>
+              <a:t>Support AOP(Aspect Oriented Programming)</a:t>
+            </a:r>
+          </a:p>
+          <a:p>
+            <a:pPr lvl="1"/>
+            <a:r>
+              <a:rPr lang="en-US" altLang="zh-CN" sz="2000" dirty="0" smtClean="0"/>
+              <a:t>Support file upload/download, session/cookie</a:t>
+            </a:r>
+            <a:endParaRPr lang="zh-CN" altLang="en-US" sz="2000" dirty="0"/>
           </a:p>
         </p:txBody>
       </p:sp>
@@ -6973,147 +6988,6 @@
 </file>
 
 <file path=ppt/slides/slide25.xml><?xml version="1.0" encoding="utf-8"?>
-<p:sld xmlns:a="http://schemas.openxmlformats.org/drawingml/2006/main" xmlns:r="http://schemas.openxmlformats.org/officeDocument/2006/relationships" xmlns:p="http://schemas.openxmlformats.org/presentationml/2006/main">
-  <p:cSld>
-    <p:spTree>
-      <p:nvGrpSpPr>
-        <p:cNvPr id="1" name=""/>
-        <p:cNvGrpSpPr/>
-        <p:nvPr/>
-      </p:nvGrpSpPr>
-      <p:grpSpPr>
-        <a:xfrm>
-          <a:off x="0" y="0"/>
-          <a:ext cx="0" cy="0"/>
-          <a:chOff x="0" y="0"/>
-          <a:chExt cx="0" cy="0"/>
-        </a:xfrm>
-      </p:grpSpPr>
-      <p:sp>
-        <p:nvSpPr>
-          <p:cNvPr id="2" name="标题 1"/>
-          <p:cNvSpPr>
-            <a:spLocks noGrp="1"/>
-          </p:cNvSpPr>
-          <p:nvPr>
-            <p:ph type="title"/>
-          </p:nvPr>
-        </p:nvSpPr>
-        <p:spPr/>
-        <p:txBody>
-          <a:bodyPr/>
-          <a:lstStyle/>
-          <a:p>
-            <a:pPr algn="l"/>
-            <a:r>
-              <a:rPr lang="en-US" altLang="zh-CN" dirty="0" err="1" smtClean="0"/>
-              <a:t>Cinatra</a:t>
-            </a:r>
-            <a:endParaRPr lang="zh-CN" altLang="en-US" dirty="0"/>
-          </a:p>
-        </p:txBody>
-      </p:sp>
-      <p:sp>
-        <p:nvSpPr>
-          <p:cNvPr id="3" name="内容占位符 2"/>
-          <p:cNvSpPr>
-            <a:spLocks noGrp="1"/>
-          </p:cNvSpPr>
-          <p:nvPr>
-            <p:ph idx="1"/>
-          </p:nvPr>
-        </p:nvSpPr>
-        <p:spPr/>
-        <p:txBody>
-          <a:bodyPr>
-            <a:normAutofit/>
-          </a:bodyPr>
-          <a:lstStyle/>
-          <a:p>
-            <a:r>
-              <a:rPr lang="en-US" altLang="zh-CN" sz="2400" dirty="0" err="1" smtClean="0"/>
-              <a:t>Cinatra</a:t>
-            </a:r>
-            <a:r>
-              <a:rPr lang="en-US" altLang="zh-CN" sz="2400" dirty="0" smtClean="0"/>
-              <a:t> is a http server based on </a:t>
-            </a:r>
-            <a:r>
-              <a:rPr lang="en-US" altLang="zh-CN" sz="2400" dirty="0" err="1" smtClean="0"/>
-              <a:t>asio</a:t>
-            </a:r>
-            <a:r>
-              <a:rPr lang="en-US" altLang="zh-CN" sz="2400" dirty="0" smtClean="0"/>
-              <a:t> developed in </a:t>
-            </a:r>
-            <a:r>
-              <a:rPr lang="en-US" altLang="zh-CN" sz="2400" dirty="0" err="1" smtClean="0"/>
-              <a:t>c++</a:t>
-            </a:r>
-            <a:r>
-              <a:rPr lang="en-US" altLang="zh-CN" sz="2400" dirty="0" smtClean="0"/>
-              <a:t>17</a:t>
-            </a:r>
-          </a:p>
-          <a:p>
-            <a:pPr lvl="1"/>
-            <a:r>
-              <a:rPr lang="en-US" altLang="zh-CN" sz="2000" dirty="0" smtClean="0"/>
-              <a:t>Http1.1/https, </a:t>
-            </a:r>
-            <a:r>
-              <a:rPr lang="en-US" altLang="zh-CN" sz="2000" dirty="0" err="1" smtClean="0"/>
-              <a:t>websocket</a:t>
-            </a:r>
-            <a:endParaRPr lang="en-US" altLang="zh-CN" sz="2000" dirty="0" smtClean="0"/>
-          </a:p>
-          <a:p>
-            <a:pPr lvl="1"/>
-            <a:r>
-              <a:rPr lang="en-US" altLang="zh-CN" sz="2000" dirty="0" smtClean="0"/>
-              <a:t>Functional high level easy to use interface</a:t>
-            </a:r>
-          </a:p>
-          <a:p>
-            <a:pPr lvl="1"/>
-            <a:r>
-              <a:rPr lang="en-US" altLang="zh-CN" sz="2000" dirty="0" smtClean="0"/>
-              <a:t>Header-only</a:t>
-            </a:r>
-          </a:p>
-          <a:p>
-            <a:pPr lvl="1"/>
-            <a:r>
-              <a:rPr lang="en-US" altLang="zh-CN" sz="2000" dirty="0" smtClean="0"/>
-              <a:t>Support AOP(Aspect Oriented Programming)</a:t>
-            </a:r>
-          </a:p>
-          <a:p>
-            <a:pPr lvl="1"/>
-            <a:r>
-              <a:rPr lang="en-US" altLang="zh-CN" sz="2000" dirty="0" smtClean="0"/>
-              <a:t>Support file upload/download, session/cookie</a:t>
-            </a:r>
-            <a:endParaRPr lang="zh-CN" altLang="en-US" sz="2000" dirty="0"/>
-          </a:p>
-        </p:txBody>
-      </p:sp>
-    </p:spTree>
-  </p:cSld>
-  <p:clrMapOvr>
-    <a:masterClrMapping/>
-  </p:clrMapOvr>
-  <p:timing>
-    <p:tnLst>
-      <p:par>
-        <p:cTn id="1" dur="indefinite" restart="never" nodeType="tmRoot"/>
-      </p:par>
-    </p:tnLst>
-  </p:timing>
-</p:sld>
-</file>
-
-<file path=ppt/slides/slide26.xml><?xml version="1.0" encoding="utf-8"?>
 <p:sld xmlns:a="http://schemas.openxmlformats.org/drawingml/2006/main" xmlns:r="http://schemas.openxmlformats.org/officeDocument/2006/relationships" xmlns:p="http://schemas.openxmlformats.org/presentationml/2006/main">
   <p:cSld>
     <p:spTree>
@@ -7377,7 +7251,7 @@
 </p:sld>
 </file>
 
-<file path=ppt/slides/slide27.xml><?xml version="1.0" encoding="utf-8"?>
+<file path=ppt/slides/slide26.xml><?xml version="1.0" encoding="utf-8"?>
 <p:sld xmlns:a="http://schemas.openxmlformats.org/drawingml/2006/main" xmlns:r="http://schemas.openxmlformats.org/officeDocument/2006/relationships" xmlns:p="http://schemas.openxmlformats.org/presentationml/2006/main">
   <p:cSld>
     <p:spTree>
@@ -7810,7 +7684,7 @@
 </p:sld>
 </file>
 
-<file path=ppt/slides/slide28.xml><?xml version="1.0" encoding="utf-8"?>
+<file path=ppt/slides/slide27.xml><?xml version="1.0" encoding="utf-8"?>
 <p:sld xmlns:a="http://schemas.openxmlformats.org/drawingml/2006/main" xmlns:r="http://schemas.openxmlformats.org/officeDocument/2006/relationships" xmlns:p="http://schemas.openxmlformats.org/presentationml/2006/main">
   <p:cSld>
     <p:spTree>
@@ -7934,7 +7808,7 @@
 </p:sld>
 </file>
 
-<file path=ppt/slides/slide29.xml><?xml version="1.0" encoding="utf-8"?>
+<file path=ppt/slides/slide28.xml><?xml version="1.0" encoding="utf-8"?>
 <p:sld xmlns:a="http://schemas.openxmlformats.org/drawingml/2006/main" xmlns:r="http://schemas.openxmlformats.org/officeDocument/2006/relationships" xmlns:p="http://schemas.openxmlformats.org/presentationml/2006/main">
   <p:cSld>
     <p:spTree>
@@ -8619,6 +8493,419 @@
 </p:sld>
 </file>
 
+<file path=ppt/slides/slide29.xml><?xml version="1.0" encoding="utf-8"?>
+<p:sld xmlns:a="http://schemas.openxmlformats.org/drawingml/2006/main" xmlns:r="http://schemas.openxmlformats.org/officeDocument/2006/relationships" xmlns:p="http://schemas.openxmlformats.org/presentationml/2006/main">
+  <p:cSld>
+    <p:spTree>
+      <p:nvGrpSpPr>
+        <p:cNvPr id="1" name=""/>
+        <p:cNvGrpSpPr/>
+        <p:nvPr/>
+      </p:nvGrpSpPr>
+      <p:grpSpPr>
+        <a:xfrm>
+          <a:off x="0" y="0"/>
+          <a:ext cx="0" cy="0"/>
+          <a:chOff x="0" y="0"/>
+          <a:chExt cx="0" cy="0"/>
+        </a:xfrm>
+      </p:grpSpPr>
+      <p:sp>
+        <p:nvSpPr>
+          <p:cNvPr id="2" name="标题 1"/>
+          <p:cNvSpPr>
+            <a:spLocks noGrp="1"/>
+          </p:cNvSpPr>
+          <p:nvPr>
+            <p:ph type="title"/>
+          </p:nvPr>
+        </p:nvSpPr>
+        <p:spPr/>
+        <p:txBody>
+          <a:bodyPr/>
+          <a:lstStyle/>
+          <a:p>
+            <a:pPr algn="l"/>
+            <a:r>
+              <a:rPr lang="en-US" altLang="zh-CN" dirty="0" smtClean="0"/>
+              <a:t>http router</a:t>
+            </a:r>
+            <a:endParaRPr lang="zh-CN" altLang="en-US" dirty="0"/>
+          </a:p>
+        </p:txBody>
+      </p:sp>
+      <p:sp>
+        <p:nvSpPr>
+          <p:cNvPr id="3" name="内容占位符 2"/>
+          <p:cNvSpPr>
+            <a:spLocks noGrp="1"/>
+          </p:cNvSpPr>
+          <p:nvPr>
+            <p:ph idx="1"/>
+          </p:nvPr>
+        </p:nvSpPr>
+        <p:spPr/>
+        <p:txBody>
+          <a:bodyPr/>
+          <a:lstStyle/>
+          <a:p>
+            <a:endParaRPr lang="zh-CN" altLang="en-US" dirty="0"/>
+          </a:p>
+        </p:txBody>
+      </p:sp>
+      <p:pic>
+        <p:nvPicPr>
+          <p:cNvPr id="52226" name="Picture 2"/>
+          <p:cNvPicPr>
+            <a:picLocks noChangeAspect="1" noChangeArrowheads="1"/>
+          </p:cNvPicPr>
+          <p:nvPr/>
+        </p:nvPicPr>
+        <p:blipFill>
+          <a:blip r:embed="rId3"/>
+          <a:srcRect/>
+          <a:stretch>
+            <a:fillRect/>
+          </a:stretch>
+        </p:blipFill>
+        <p:spPr bwMode="auto">
+          <a:xfrm>
+            <a:off x="500034" y="1214428"/>
+            <a:ext cx="3581906" cy="1000132"/>
+          </a:xfrm>
+          <a:prstGeom prst="rect">
+            <a:avLst/>
+          </a:prstGeom>
+          <a:noFill/>
+          <a:ln w="9525">
+            <a:noFill/>
+            <a:miter lim="800000"/>
+            <a:headEnd/>
+            <a:tailEnd/>
+          </a:ln>
+          <a:effectLst/>
+        </p:spPr>
+      </p:pic>
+      <p:pic>
+        <p:nvPicPr>
+          <p:cNvPr id="52227" name="Picture 3"/>
+          <p:cNvPicPr>
+            <a:picLocks noChangeAspect="1" noChangeArrowheads="1"/>
+          </p:cNvPicPr>
+          <p:nvPr/>
+        </p:nvPicPr>
+        <p:blipFill>
+          <a:blip r:embed="rId4"/>
+          <a:srcRect/>
+          <a:stretch>
+            <a:fillRect/>
+          </a:stretch>
+        </p:blipFill>
+        <p:spPr bwMode="auto">
+          <a:xfrm>
+            <a:off x="500034" y="2285998"/>
+            <a:ext cx="5076521" cy="642942"/>
+          </a:xfrm>
+          <a:prstGeom prst="rect">
+            <a:avLst/>
+          </a:prstGeom>
+          <a:noFill/>
+          <a:ln w="9525">
+            <a:noFill/>
+            <a:miter lim="800000"/>
+            <a:headEnd/>
+            <a:tailEnd/>
+          </a:ln>
+          <a:effectLst/>
+        </p:spPr>
+      </p:pic>
+      <p:sp>
+        <p:nvSpPr>
+          <p:cNvPr id="7" name="TextBox 6"/>
+          <p:cNvSpPr txBox="1"/>
+          <p:nvPr/>
+        </p:nvSpPr>
+        <p:spPr>
+          <a:xfrm>
+            <a:off x="714348" y="3214692"/>
+            <a:ext cx="6870086" cy="369332"/>
+          </a:xfrm>
+          <a:prstGeom prst="rect">
+            <a:avLst/>
+          </a:prstGeom>
+          <a:noFill/>
+        </p:spPr>
+        <p:txBody>
+          <a:bodyPr wrap="none" rtlCol="0">
+            <a:spAutoFit/>
+          </a:bodyPr>
+          <a:lstStyle/>
+          <a:p>
+            <a:r>
+              <a:rPr lang="en-US" altLang="zh-CN" dirty="0" smtClean="0"/>
+              <a:t>Similar with std::bind, but no need placeholders here, more easy to use</a:t>
+            </a:r>
+            <a:endParaRPr lang="zh-CN" altLang="en-US" dirty="0"/>
+          </a:p>
+        </p:txBody>
+      </p:sp>
+      <p:sp>
+        <p:nvSpPr>
+          <p:cNvPr id="8" name="矩形 7"/>
+          <p:cNvSpPr/>
+          <p:nvPr/>
+        </p:nvSpPr>
+        <p:spPr>
+          <a:xfrm>
+            <a:off x="714348" y="3571882"/>
+            <a:ext cx="6143668" cy="369332"/>
+          </a:xfrm>
+          <a:prstGeom prst="rect">
+            <a:avLst/>
+          </a:prstGeom>
+        </p:spPr>
+        <p:txBody>
+          <a:bodyPr wrap="square">
+            <a:spAutoFit/>
+          </a:bodyPr>
+          <a:lstStyle/>
+          <a:p>
+            <a:r>
+              <a:rPr lang="en-US" dirty="0" smtClean="0"/>
+              <a:t>C++Now 2017: </a:t>
+            </a:r>
+            <a:r>
+              <a:rPr lang="en-US" altLang="zh-CN" dirty="0" smtClean="0"/>
+              <a:t>https://www.youtube.com/watch?v=vh1BhlqF-fs</a:t>
+            </a:r>
+            <a:endParaRPr lang="zh-CN" altLang="en-US" dirty="0"/>
+          </a:p>
+        </p:txBody>
+      </p:sp>
+    </p:spTree>
+  </p:cSld>
+  <p:clrMapOvr>
+    <a:masterClrMapping/>
+  </p:clrMapOvr>
+  <p:timing>
+    <p:tnLst>
+      <p:par>
+        <p:cTn id="1" dur="indefinite" restart="never" nodeType="tmRoot">
+          <p:childTnLst>
+            <p:seq concurrent="1" nextAc="seek">
+              <p:cTn id="2" dur="indefinite" nodeType="mainSeq">
+                <p:childTnLst>
+                  <p:par>
+                    <p:cTn id="3" fill="hold">
+                      <p:stCondLst>
+                        <p:cond delay="indefinite"/>
+                      </p:stCondLst>
+                      <p:childTnLst>
+                        <p:par>
+                          <p:cTn id="4" fill="hold">
+                            <p:stCondLst>
+                              <p:cond delay="0"/>
+                            </p:stCondLst>
+                            <p:childTnLst>
+                              <p:par>
+                                <p:cTn id="5" presetID="2" presetClass="entr" presetSubtype="4" fill="hold" grpId="0" nodeType="clickEffect">
+                                  <p:stCondLst>
+                                    <p:cond delay="0"/>
+                                  </p:stCondLst>
+                                  <p:childTnLst>
+                                    <p:set>
+                                      <p:cBhvr>
+                                        <p:cTn id="6" dur="1" fill="hold">
+                                          <p:stCondLst>
+                                            <p:cond delay="0"/>
+                                          </p:stCondLst>
+                                        </p:cTn>
+                                        <p:tgtEl>
+                                          <p:spTgt spid="7"/>
+                                        </p:tgtEl>
+                                        <p:attrNameLst>
+                                          <p:attrName>style.visibility</p:attrName>
+                                        </p:attrNameLst>
+                                      </p:cBhvr>
+                                      <p:to>
+                                        <p:strVal val="visible"/>
+                                      </p:to>
+                                    </p:set>
+                                    <p:anim calcmode="lin" valueType="num">
+                                      <p:cBhvr additive="base">
+                                        <p:cTn id="7" dur="500" fill="hold"/>
+                                        <p:tgtEl>
+                                          <p:spTgt spid="7"/>
+                                        </p:tgtEl>
+                                        <p:attrNameLst>
+                                          <p:attrName>ppt_x</p:attrName>
+                                        </p:attrNameLst>
+                                      </p:cBhvr>
+                                      <p:tavLst>
+                                        <p:tav tm="0">
+                                          <p:val>
+                                            <p:strVal val="#ppt_x"/>
+                                          </p:val>
+                                        </p:tav>
+                                        <p:tav tm="100000">
+                                          <p:val>
+                                            <p:strVal val="#ppt_x"/>
+                                          </p:val>
+                                        </p:tav>
+                                      </p:tavLst>
+                                    </p:anim>
+                                    <p:anim calcmode="lin" valueType="num">
+                                      <p:cBhvr additive="base">
+                                        <p:cTn id="8" dur="500" fill="hold"/>
+                                        <p:tgtEl>
+                                          <p:spTgt spid="7"/>
+                                        </p:tgtEl>
+                                        <p:attrNameLst>
+                                          <p:attrName>ppt_y</p:attrName>
+                                        </p:attrNameLst>
+                                      </p:cBhvr>
+                                      <p:tavLst>
+                                        <p:tav tm="0">
+                                          <p:val>
+                                            <p:strVal val="1+#ppt_h/2"/>
+                                          </p:val>
+                                        </p:tav>
+                                        <p:tav tm="100000">
+                                          <p:val>
+                                            <p:strVal val="#ppt_y"/>
+                                          </p:val>
+                                        </p:tav>
+                                      </p:tavLst>
+                                    </p:anim>
+                                  </p:childTnLst>
+                                </p:cTn>
+                              </p:par>
+                            </p:childTnLst>
+                          </p:cTn>
+                        </p:par>
+                      </p:childTnLst>
+                    </p:cTn>
+                  </p:par>
+                  <p:par>
+                    <p:cTn id="9" fill="hold">
+                      <p:stCondLst>
+                        <p:cond delay="indefinite"/>
+                      </p:stCondLst>
+                      <p:childTnLst>
+                        <p:par>
+                          <p:cTn id="10" fill="hold">
+                            <p:stCondLst>
+                              <p:cond delay="0"/>
+                            </p:stCondLst>
+                            <p:childTnLst>
+                              <p:par>
+                                <p:cTn id="11" presetID="2" presetClass="entr" presetSubtype="4" fill="hold" grpId="0" nodeType="clickEffect">
+                                  <p:stCondLst>
+                                    <p:cond delay="0"/>
+                                  </p:stCondLst>
+                                  <p:childTnLst>
+                                    <p:set>
+                                      <p:cBhvr>
+                                        <p:cTn id="12" dur="1" fill="hold">
+                                          <p:stCondLst>
+                                            <p:cond delay="0"/>
+                                          </p:stCondLst>
+                                        </p:cTn>
+                                        <p:tgtEl>
+                                          <p:spTgt spid="8"/>
+                                        </p:tgtEl>
+                                        <p:attrNameLst>
+                                          <p:attrName>style.visibility</p:attrName>
+                                        </p:attrNameLst>
+                                      </p:cBhvr>
+                                      <p:to>
+                                        <p:strVal val="visible"/>
+                                      </p:to>
+                                    </p:set>
+                                    <p:anim calcmode="lin" valueType="num">
+                                      <p:cBhvr additive="base">
+                                        <p:cTn id="13" dur="500" fill="hold"/>
+                                        <p:tgtEl>
+                                          <p:spTgt spid="8"/>
+                                        </p:tgtEl>
+                                        <p:attrNameLst>
+                                          <p:attrName>ppt_x</p:attrName>
+                                        </p:attrNameLst>
+                                      </p:cBhvr>
+                                      <p:tavLst>
+                                        <p:tav tm="0">
+                                          <p:val>
+                                            <p:strVal val="#ppt_x"/>
+                                          </p:val>
+                                        </p:tav>
+                                        <p:tav tm="100000">
+                                          <p:val>
+                                            <p:strVal val="#ppt_x"/>
+                                          </p:val>
+                                        </p:tav>
+                                      </p:tavLst>
+                                    </p:anim>
+                                    <p:anim calcmode="lin" valueType="num">
+                                      <p:cBhvr additive="base">
+                                        <p:cTn id="14" dur="500" fill="hold"/>
+                                        <p:tgtEl>
+                                          <p:spTgt spid="8"/>
+                                        </p:tgtEl>
+                                        <p:attrNameLst>
+                                          <p:attrName>ppt_y</p:attrName>
+                                        </p:attrNameLst>
+                                      </p:cBhvr>
+                                      <p:tavLst>
+                                        <p:tav tm="0">
+                                          <p:val>
+                                            <p:strVal val="1+#ppt_h/2"/>
+                                          </p:val>
+                                        </p:tav>
+                                        <p:tav tm="100000">
+                                          <p:val>
+                                            <p:strVal val="#ppt_y"/>
+                                          </p:val>
+                                        </p:tav>
+                                      </p:tavLst>
+                                    </p:anim>
+                                  </p:childTnLst>
+                                </p:cTn>
+                              </p:par>
+                            </p:childTnLst>
+                          </p:cTn>
+                        </p:par>
+                      </p:childTnLst>
+                    </p:cTn>
+                  </p:par>
+                </p:childTnLst>
+              </p:cTn>
+              <p:prevCondLst>
+                <p:cond evt="onPrev" delay="0">
+                  <p:tgtEl>
+                    <p:sldTgt/>
+                  </p:tgtEl>
+                </p:cond>
+              </p:prevCondLst>
+              <p:nextCondLst>
+                <p:cond evt="onNext" delay="0">
+                  <p:tgtEl>
+                    <p:sldTgt/>
+                  </p:tgtEl>
+                </p:cond>
+              </p:nextCondLst>
+            </p:seq>
+          </p:childTnLst>
+        </p:cTn>
+      </p:par>
+    </p:tnLst>
+    <p:bldLst>
+      <p:bldP spid="7" grpId="0"/>
+      <p:bldP spid="8" grpId="0"/>
+    </p:bldLst>
+  </p:timing>
+</p:sld>
+</file>
+
 <file path=ppt/slides/slide3.xml><?xml version="1.0" encoding="utf-8"?>
 <p:sld xmlns:a="http://schemas.openxmlformats.org/drawingml/2006/main" xmlns:r="http://schemas.openxmlformats.org/officeDocument/2006/relationships" xmlns:p="http://schemas.openxmlformats.org/presentationml/2006/main">
   <p:cSld>
@@ -9319,419 +9606,6 @@
 </file>
 
 <file path=ppt/slides/slide30.xml><?xml version="1.0" encoding="utf-8"?>
-<p:sld xmlns:a="http://schemas.openxmlformats.org/drawingml/2006/main" xmlns:r="http://schemas.openxmlformats.org/officeDocument/2006/relationships" xmlns:p="http://schemas.openxmlformats.org/presentationml/2006/main">
-  <p:cSld>
-    <p:spTree>
-      <p:nvGrpSpPr>
-        <p:cNvPr id="1" name=""/>
-        <p:cNvGrpSpPr/>
-        <p:nvPr/>
-      </p:nvGrpSpPr>
-      <p:grpSpPr>
-        <a:xfrm>
-          <a:off x="0" y="0"/>
-          <a:ext cx="0" cy="0"/>
-          <a:chOff x="0" y="0"/>
-          <a:chExt cx="0" cy="0"/>
-        </a:xfrm>
-      </p:grpSpPr>
-      <p:sp>
-        <p:nvSpPr>
-          <p:cNvPr id="2" name="标题 1"/>
-          <p:cNvSpPr>
-            <a:spLocks noGrp="1"/>
-          </p:cNvSpPr>
-          <p:nvPr>
-            <p:ph type="title"/>
-          </p:nvPr>
-        </p:nvSpPr>
-        <p:spPr/>
-        <p:txBody>
-          <a:bodyPr/>
-          <a:lstStyle/>
-          <a:p>
-            <a:pPr algn="l"/>
-            <a:r>
-              <a:rPr lang="en-US" altLang="zh-CN" dirty="0" smtClean="0"/>
-              <a:t>http router</a:t>
-            </a:r>
-            <a:endParaRPr lang="zh-CN" altLang="en-US" dirty="0"/>
-          </a:p>
-        </p:txBody>
-      </p:sp>
-      <p:sp>
-        <p:nvSpPr>
-          <p:cNvPr id="3" name="内容占位符 2"/>
-          <p:cNvSpPr>
-            <a:spLocks noGrp="1"/>
-          </p:cNvSpPr>
-          <p:nvPr>
-            <p:ph idx="1"/>
-          </p:nvPr>
-        </p:nvSpPr>
-        <p:spPr/>
-        <p:txBody>
-          <a:bodyPr/>
-          <a:lstStyle/>
-          <a:p>
-            <a:endParaRPr lang="zh-CN" altLang="en-US" dirty="0"/>
-          </a:p>
-        </p:txBody>
-      </p:sp>
-      <p:pic>
-        <p:nvPicPr>
-          <p:cNvPr id="52226" name="Picture 2"/>
-          <p:cNvPicPr>
-            <a:picLocks noChangeAspect="1" noChangeArrowheads="1"/>
-          </p:cNvPicPr>
-          <p:nvPr/>
-        </p:nvPicPr>
-        <p:blipFill>
-          <a:blip r:embed="rId3"/>
-          <a:srcRect/>
-          <a:stretch>
-            <a:fillRect/>
-          </a:stretch>
-        </p:blipFill>
-        <p:spPr bwMode="auto">
-          <a:xfrm>
-            <a:off x="500034" y="1214428"/>
-            <a:ext cx="3581906" cy="1000132"/>
-          </a:xfrm>
-          <a:prstGeom prst="rect">
-            <a:avLst/>
-          </a:prstGeom>
-          <a:noFill/>
-          <a:ln w="9525">
-            <a:noFill/>
-            <a:miter lim="800000"/>
-            <a:headEnd/>
-            <a:tailEnd/>
-          </a:ln>
-          <a:effectLst/>
-        </p:spPr>
-      </p:pic>
-      <p:pic>
-        <p:nvPicPr>
-          <p:cNvPr id="52227" name="Picture 3"/>
-          <p:cNvPicPr>
-            <a:picLocks noChangeAspect="1" noChangeArrowheads="1"/>
-          </p:cNvPicPr>
-          <p:nvPr/>
-        </p:nvPicPr>
-        <p:blipFill>
-          <a:blip r:embed="rId4"/>
-          <a:srcRect/>
-          <a:stretch>
-            <a:fillRect/>
-          </a:stretch>
-        </p:blipFill>
-        <p:spPr bwMode="auto">
-          <a:xfrm>
-            <a:off x="500034" y="2285998"/>
-            <a:ext cx="5076521" cy="642942"/>
-          </a:xfrm>
-          <a:prstGeom prst="rect">
-            <a:avLst/>
-          </a:prstGeom>
-          <a:noFill/>
-          <a:ln w="9525">
-            <a:noFill/>
-            <a:miter lim="800000"/>
-            <a:headEnd/>
-            <a:tailEnd/>
-          </a:ln>
-          <a:effectLst/>
-        </p:spPr>
-      </p:pic>
-      <p:sp>
-        <p:nvSpPr>
-          <p:cNvPr id="7" name="TextBox 6"/>
-          <p:cNvSpPr txBox="1"/>
-          <p:nvPr/>
-        </p:nvSpPr>
-        <p:spPr>
-          <a:xfrm>
-            <a:off x="714348" y="3214692"/>
-            <a:ext cx="6870086" cy="369332"/>
-          </a:xfrm>
-          <a:prstGeom prst="rect">
-            <a:avLst/>
-          </a:prstGeom>
-          <a:noFill/>
-        </p:spPr>
-        <p:txBody>
-          <a:bodyPr wrap="none" rtlCol="0">
-            <a:spAutoFit/>
-          </a:bodyPr>
-          <a:lstStyle/>
-          <a:p>
-            <a:r>
-              <a:rPr lang="en-US" altLang="zh-CN" dirty="0" smtClean="0"/>
-              <a:t>Similar with std::bind, but no need placeholders here, more easy to use</a:t>
-            </a:r>
-            <a:endParaRPr lang="zh-CN" altLang="en-US" dirty="0"/>
-          </a:p>
-        </p:txBody>
-      </p:sp>
-      <p:sp>
-        <p:nvSpPr>
-          <p:cNvPr id="8" name="矩形 7"/>
-          <p:cNvSpPr/>
-          <p:nvPr/>
-        </p:nvSpPr>
-        <p:spPr>
-          <a:xfrm>
-            <a:off x="714348" y="3571882"/>
-            <a:ext cx="6143668" cy="369332"/>
-          </a:xfrm>
-          <a:prstGeom prst="rect">
-            <a:avLst/>
-          </a:prstGeom>
-        </p:spPr>
-        <p:txBody>
-          <a:bodyPr wrap="square">
-            <a:spAutoFit/>
-          </a:bodyPr>
-          <a:lstStyle/>
-          <a:p>
-            <a:r>
-              <a:rPr lang="en-US" dirty="0" smtClean="0"/>
-              <a:t>C++Now 2017: </a:t>
-            </a:r>
-            <a:r>
-              <a:rPr lang="en-US" altLang="zh-CN" dirty="0" smtClean="0"/>
-              <a:t>https://www.youtube.com/watch?v=vh1BhlqF-fs</a:t>
-            </a:r>
-            <a:endParaRPr lang="zh-CN" altLang="en-US" dirty="0"/>
-          </a:p>
-        </p:txBody>
-      </p:sp>
-    </p:spTree>
-  </p:cSld>
-  <p:clrMapOvr>
-    <a:masterClrMapping/>
-  </p:clrMapOvr>
-  <p:timing>
-    <p:tnLst>
-      <p:par>
-        <p:cTn id="1" dur="indefinite" restart="never" nodeType="tmRoot">
-          <p:childTnLst>
-            <p:seq concurrent="1" nextAc="seek">
-              <p:cTn id="2" dur="indefinite" nodeType="mainSeq">
-                <p:childTnLst>
-                  <p:par>
-                    <p:cTn id="3" fill="hold">
-                      <p:stCondLst>
-                        <p:cond delay="indefinite"/>
-                      </p:stCondLst>
-                      <p:childTnLst>
-                        <p:par>
-                          <p:cTn id="4" fill="hold">
-                            <p:stCondLst>
-                              <p:cond delay="0"/>
-                            </p:stCondLst>
-                            <p:childTnLst>
-                              <p:par>
-                                <p:cTn id="5" presetID="2" presetClass="entr" presetSubtype="4" fill="hold" grpId="0" nodeType="clickEffect">
-                                  <p:stCondLst>
-                                    <p:cond delay="0"/>
-                                  </p:stCondLst>
-                                  <p:childTnLst>
-                                    <p:set>
-                                      <p:cBhvr>
-                                        <p:cTn id="6" dur="1" fill="hold">
-                                          <p:stCondLst>
-                                            <p:cond delay="0"/>
-                                          </p:stCondLst>
-                                        </p:cTn>
-                                        <p:tgtEl>
-                                          <p:spTgt spid="7"/>
-                                        </p:tgtEl>
-                                        <p:attrNameLst>
-                                          <p:attrName>style.visibility</p:attrName>
-                                        </p:attrNameLst>
-                                      </p:cBhvr>
-                                      <p:to>
-                                        <p:strVal val="visible"/>
-                                      </p:to>
-                                    </p:set>
-                                    <p:anim calcmode="lin" valueType="num">
-                                      <p:cBhvr additive="base">
-                                        <p:cTn id="7" dur="500" fill="hold"/>
-                                        <p:tgtEl>
-                                          <p:spTgt spid="7"/>
-                                        </p:tgtEl>
-                                        <p:attrNameLst>
-                                          <p:attrName>ppt_x</p:attrName>
-                                        </p:attrNameLst>
-                                      </p:cBhvr>
-                                      <p:tavLst>
-                                        <p:tav tm="0">
-                                          <p:val>
-                                            <p:strVal val="#ppt_x"/>
-                                          </p:val>
-                                        </p:tav>
-                                        <p:tav tm="100000">
-                                          <p:val>
-                                            <p:strVal val="#ppt_x"/>
-                                          </p:val>
-                                        </p:tav>
-                                      </p:tavLst>
-                                    </p:anim>
-                                    <p:anim calcmode="lin" valueType="num">
-                                      <p:cBhvr additive="base">
-                                        <p:cTn id="8" dur="500" fill="hold"/>
-                                        <p:tgtEl>
-                                          <p:spTgt spid="7"/>
-                                        </p:tgtEl>
-                                        <p:attrNameLst>
-                                          <p:attrName>ppt_y</p:attrName>
-                                        </p:attrNameLst>
-                                      </p:cBhvr>
-                                      <p:tavLst>
-                                        <p:tav tm="0">
-                                          <p:val>
-                                            <p:strVal val="1+#ppt_h/2"/>
-                                          </p:val>
-                                        </p:tav>
-                                        <p:tav tm="100000">
-                                          <p:val>
-                                            <p:strVal val="#ppt_y"/>
-                                          </p:val>
-                                        </p:tav>
-                                      </p:tavLst>
-                                    </p:anim>
-                                  </p:childTnLst>
-                                </p:cTn>
-                              </p:par>
-                            </p:childTnLst>
-                          </p:cTn>
-                        </p:par>
-                      </p:childTnLst>
-                    </p:cTn>
-                  </p:par>
-                  <p:par>
-                    <p:cTn id="9" fill="hold">
-                      <p:stCondLst>
-                        <p:cond delay="indefinite"/>
-                      </p:stCondLst>
-                      <p:childTnLst>
-                        <p:par>
-                          <p:cTn id="10" fill="hold">
-                            <p:stCondLst>
-                              <p:cond delay="0"/>
-                            </p:stCondLst>
-                            <p:childTnLst>
-                              <p:par>
-                                <p:cTn id="11" presetID="2" presetClass="entr" presetSubtype="4" fill="hold" grpId="0" nodeType="clickEffect">
-                                  <p:stCondLst>
-                                    <p:cond delay="0"/>
-                                  </p:stCondLst>
-                                  <p:childTnLst>
-                                    <p:set>
-                                      <p:cBhvr>
-                                        <p:cTn id="12" dur="1" fill="hold">
-                                          <p:stCondLst>
-                                            <p:cond delay="0"/>
-                                          </p:stCondLst>
-                                        </p:cTn>
-                                        <p:tgtEl>
-                                          <p:spTgt spid="8"/>
-                                        </p:tgtEl>
-                                        <p:attrNameLst>
-                                          <p:attrName>style.visibility</p:attrName>
-                                        </p:attrNameLst>
-                                      </p:cBhvr>
-                                      <p:to>
-                                        <p:strVal val="visible"/>
-                                      </p:to>
-                                    </p:set>
-                                    <p:anim calcmode="lin" valueType="num">
-                                      <p:cBhvr additive="base">
-                                        <p:cTn id="13" dur="500" fill="hold"/>
-                                        <p:tgtEl>
-                                          <p:spTgt spid="8"/>
-                                        </p:tgtEl>
-                                        <p:attrNameLst>
-                                          <p:attrName>ppt_x</p:attrName>
-                                        </p:attrNameLst>
-                                      </p:cBhvr>
-                                      <p:tavLst>
-                                        <p:tav tm="0">
-                                          <p:val>
-                                            <p:strVal val="#ppt_x"/>
-                                          </p:val>
-                                        </p:tav>
-                                        <p:tav tm="100000">
-                                          <p:val>
-                                            <p:strVal val="#ppt_x"/>
-                                          </p:val>
-                                        </p:tav>
-                                      </p:tavLst>
-                                    </p:anim>
-                                    <p:anim calcmode="lin" valueType="num">
-                                      <p:cBhvr additive="base">
-                                        <p:cTn id="14" dur="500" fill="hold"/>
-                                        <p:tgtEl>
-                                          <p:spTgt spid="8"/>
-                                        </p:tgtEl>
-                                        <p:attrNameLst>
-                                          <p:attrName>ppt_y</p:attrName>
-                                        </p:attrNameLst>
-                                      </p:cBhvr>
-                                      <p:tavLst>
-                                        <p:tav tm="0">
-                                          <p:val>
-                                            <p:strVal val="1+#ppt_h/2"/>
-                                          </p:val>
-                                        </p:tav>
-                                        <p:tav tm="100000">
-                                          <p:val>
-                                            <p:strVal val="#ppt_y"/>
-                                          </p:val>
-                                        </p:tav>
-                                      </p:tavLst>
-                                    </p:anim>
-                                  </p:childTnLst>
-                                </p:cTn>
-                              </p:par>
-                            </p:childTnLst>
-                          </p:cTn>
-                        </p:par>
-                      </p:childTnLst>
-                    </p:cTn>
-                  </p:par>
-                </p:childTnLst>
-              </p:cTn>
-              <p:prevCondLst>
-                <p:cond evt="onPrev" delay="0">
-                  <p:tgtEl>
-                    <p:sldTgt/>
-                  </p:tgtEl>
-                </p:cond>
-              </p:prevCondLst>
-              <p:nextCondLst>
-                <p:cond evt="onNext" delay="0">
-                  <p:tgtEl>
-                    <p:sldTgt/>
-                  </p:tgtEl>
-                </p:cond>
-              </p:nextCondLst>
-            </p:seq>
-          </p:childTnLst>
-        </p:cTn>
-      </p:par>
-    </p:tnLst>
-    <p:bldLst>
-      <p:bldP spid="7" grpId="0"/>
-      <p:bldP spid="8" grpId="0"/>
-    </p:bldLst>
-  </p:timing>
-</p:sld>
-</file>
-
-<file path=ppt/slides/slide31.xml><?xml version="1.0" encoding="utf-8"?>
 <p:sld xmlns:a="http://schemas.openxmlformats.org/drawingml/2006/main" xmlns:r="http://schemas.openxmlformats.org/officeDocument/2006/relationships" xmlns:p="http://schemas.openxmlformats.org/presentationml/2006/main">
   <p:cSld>
     <p:spTree>
@@ -10522,7 +10396,7 @@
 </p:sld>
 </file>
 
-<file path=ppt/slides/slide32.xml><?xml version="1.0" encoding="utf-8"?>
+<file path=ppt/slides/slide31.xml><?xml version="1.0" encoding="utf-8"?>
 <p:sld xmlns:a="http://schemas.openxmlformats.org/drawingml/2006/main" xmlns:r="http://schemas.openxmlformats.org/officeDocument/2006/relationships" xmlns:p="http://schemas.openxmlformats.org/presentationml/2006/main">
   <p:cSld>
     <p:spTree>
@@ -10901,7 +10775,7 @@
 </p:sld>
 </file>
 
-<file path=ppt/slides/slide33.xml><?xml version="1.0" encoding="utf-8"?>
+<file path=ppt/slides/slide32.xml><?xml version="1.0" encoding="utf-8"?>
 <p:sld xmlns:a="http://schemas.openxmlformats.org/drawingml/2006/main" xmlns:r="http://schemas.openxmlformats.org/officeDocument/2006/relationships" xmlns:p="http://schemas.openxmlformats.org/presentationml/2006/main">
   <p:cSld>
     <p:spTree>
@@ -12871,7 +12745,7 @@
 </p:sld>
 </file>
 
-<file path=ppt/slides/slide34.xml><?xml version="1.0" encoding="utf-8"?>
+<file path=ppt/slides/slide33.xml><?xml version="1.0" encoding="utf-8"?>
 <p:sld xmlns:a="http://schemas.openxmlformats.org/drawingml/2006/main" xmlns:r="http://schemas.openxmlformats.org/officeDocument/2006/relationships" xmlns:p="http://schemas.openxmlformats.org/presentationml/2006/main">
   <p:cSld>
     <p:spTree>
@@ -13511,7 +13385,7 @@
 </p:sld>
 </file>
 
-<file path=ppt/slides/slide35.xml><?xml version="1.0" encoding="utf-8"?>
+<file path=ppt/slides/slide34.xml><?xml version="1.0" encoding="utf-8"?>
 <p:sld xmlns:a="http://schemas.openxmlformats.org/drawingml/2006/main" xmlns:r="http://schemas.openxmlformats.org/officeDocument/2006/relationships" xmlns:p="http://schemas.openxmlformats.org/presentationml/2006/main">
   <p:cSld>
     <p:spTree>
@@ -13740,7 +13614,7 @@
 </p:sld>
 </file>
 
-<file path=ppt/slides/slide36.xml><?xml version="1.0" encoding="utf-8"?>
+<file path=ppt/slides/slide35.xml><?xml version="1.0" encoding="utf-8"?>
 <p:sld xmlns:a="http://schemas.openxmlformats.org/drawingml/2006/main" xmlns:r="http://schemas.openxmlformats.org/officeDocument/2006/relationships" xmlns:p="http://schemas.openxmlformats.org/presentationml/2006/main">
   <p:cSld>
     <p:spTree>
@@ -13848,7 +13722,7 @@
 </p:sld>
 </file>
 
-<file path=ppt/slides/slide37.xml><?xml version="1.0" encoding="utf-8"?>
+<file path=ppt/slides/slide36.xml><?xml version="1.0" encoding="utf-8"?>
 <p:sld xmlns:a="http://schemas.openxmlformats.org/drawingml/2006/main" xmlns:r="http://schemas.openxmlformats.org/officeDocument/2006/relationships" xmlns:p="http://schemas.openxmlformats.org/presentationml/2006/main">
   <p:cSld>
     <p:spTree>
@@ -13958,7 +13832,7 @@
 </p:sld>
 </file>
 
-<file path=ppt/slides/slide38.xml><?xml version="1.0" encoding="utf-8"?>
+<file path=ppt/slides/slide37.xml><?xml version="1.0" encoding="utf-8"?>
 <p:sld xmlns:a="http://schemas.openxmlformats.org/drawingml/2006/main" xmlns:r="http://schemas.openxmlformats.org/officeDocument/2006/relationships" xmlns:p="http://schemas.openxmlformats.org/presentationml/2006/main">
   <p:cSld>
     <p:spTree>
@@ -14207,7 +14081,7 @@
 </p:sld>
 </file>
 
-<file path=ppt/slides/slide39.xml><?xml version="1.0" encoding="utf-8"?>
+<file path=ppt/slides/slide38.xml><?xml version="1.0" encoding="utf-8"?>
 <p:sld xmlns:a="http://schemas.openxmlformats.org/drawingml/2006/main" xmlns:r="http://schemas.openxmlformats.org/officeDocument/2006/relationships" xmlns:p="http://schemas.openxmlformats.org/presentationml/2006/main">
   <p:cSld>
     <p:spTree>
@@ -14308,102 +14182,7 @@
 </p:sld>
 </file>
 
-<file path=ppt/slides/slide4.xml><?xml version="1.0" encoding="utf-8"?>
-<p:sld xmlns:a="http://schemas.openxmlformats.org/drawingml/2006/main" xmlns:r="http://schemas.openxmlformats.org/officeDocument/2006/relationships" xmlns:p="http://schemas.openxmlformats.org/presentationml/2006/main">
-  <p:cSld>
-    <p:spTree>
-      <p:nvGrpSpPr>
-        <p:cNvPr id="1" name=""/>
-        <p:cNvGrpSpPr/>
-        <p:nvPr/>
-      </p:nvGrpSpPr>
-      <p:grpSpPr>
-        <a:xfrm>
-          <a:off x="0" y="0"/>
-          <a:ext cx="0" cy="0"/>
-          <a:chOff x="0" y="0"/>
-          <a:chExt cx="0" cy="0"/>
-        </a:xfrm>
-      </p:grpSpPr>
-      <p:sp>
-        <p:nvSpPr>
-          <p:cNvPr id="2" name="标题 1"/>
-          <p:cNvSpPr>
-            <a:spLocks noGrp="1"/>
-          </p:cNvSpPr>
-          <p:nvPr>
-            <p:ph type="title"/>
-          </p:nvPr>
-        </p:nvSpPr>
-        <p:spPr/>
-        <p:txBody>
-          <a:bodyPr/>
-          <a:lstStyle/>
-          <a:p>
-            <a:pPr algn="l"/>
-            <a:r>
-              <a:rPr lang="en-US" altLang="zh-CN" dirty="0" smtClean="0"/>
-              <a:t>Basic concepts</a:t>
-            </a:r>
-            <a:endParaRPr lang="zh-CN" altLang="en-US" dirty="0"/>
-          </a:p>
-        </p:txBody>
-      </p:sp>
-      <p:sp>
-        <p:nvSpPr>
-          <p:cNvPr id="3" name="内容占位符 2"/>
-          <p:cNvSpPr>
-            <a:spLocks noGrp="1"/>
-          </p:cNvSpPr>
-          <p:nvPr>
-            <p:ph idx="1"/>
-          </p:nvPr>
-        </p:nvSpPr>
-        <p:spPr/>
-        <p:txBody>
-          <a:bodyPr/>
-          <a:lstStyle/>
-          <a:p>
-            <a:r>
-              <a:rPr lang="en-US" altLang="zh-CN" dirty="0" smtClean="0"/>
-              <a:t>Http server</a:t>
-            </a:r>
-          </a:p>
-          <a:p>
-            <a:r>
-              <a:rPr lang="en-US" altLang="zh-CN" dirty="0" smtClean="0"/>
-              <a:t>ORM(Object-relational mapping)</a:t>
-            </a:r>
-          </a:p>
-          <a:p>
-            <a:r>
-              <a:rPr lang="en-US" altLang="zh-CN" dirty="0" smtClean="0"/>
-              <a:t>Html </a:t>
-            </a:r>
-            <a:r>
-              <a:rPr lang="en-US" altLang="zh-CN" dirty="0" smtClean="0"/>
-              <a:t>render</a:t>
-            </a:r>
-            <a:endParaRPr lang="en-US" altLang="zh-CN" dirty="0" smtClean="0"/>
-          </a:p>
-        </p:txBody>
-      </p:sp>
-    </p:spTree>
-  </p:cSld>
-  <p:clrMapOvr>
-    <a:masterClrMapping/>
-  </p:clrMapOvr>
-  <p:timing>
-    <p:tnLst>
-      <p:par>
-        <p:cTn id="1" dur="indefinite" restart="never" nodeType="tmRoot"/>
-      </p:par>
-    </p:tnLst>
-  </p:timing>
-</p:sld>
-</file>
-
-<file path=ppt/slides/slide40.xml><?xml version="1.0" encoding="utf-8"?>
+<file path=ppt/slides/slide39.xml><?xml version="1.0" encoding="utf-8"?>
 <p:sld xmlns:a="http://schemas.openxmlformats.org/drawingml/2006/main" xmlns:r="http://schemas.openxmlformats.org/officeDocument/2006/relationships" xmlns:p="http://schemas.openxmlformats.org/presentationml/2006/main">
   <p:cSld>
     <p:spTree>
@@ -14903,7 +14682,7 @@
 </p:sld>
 </file>
 
-<file path=ppt/slides/slide41.xml><?xml version="1.0" encoding="utf-8"?>
+<file path=ppt/slides/slide4.xml><?xml version="1.0" encoding="utf-8"?>
 <p:sld xmlns:a="http://schemas.openxmlformats.org/drawingml/2006/main" xmlns:r="http://schemas.openxmlformats.org/officeDocument/2006/relationships" xmlns:p="http://schemas.openxmlformats.org/presentationml/2006/main">
   <p:cSld>
     <p:spTree>
@@ -14937,8 +14716,8 @@
           <a:p>
             <a:pPr algn="l"/>
             <a:r>
-              <a:rPr lang="en-US" altLang="zh-CN" dirty="0" err="1" smtClean="0"/>
-              <a:t>ormpp</a:t>
+              <a:rPr lang="en-US" altLang="zh-CN" dirty="0" smtClean="0"/>
+              <a:t>Basic concepts</a:t>
             </a:r>
             <a:endParaRPr lang="zh-CN" altLang="en-US" dirty="0"/>
           </a:p>
@@ -14960,35 +14739,21 @@
           <a:lstStyle/>
           <a:p>
             <a:r>
-              <a:rPr lang="en-US" sz="2800" dirty="0" smtClean="0"/>
-              <a:t>Unified and easy to use interface</a:t>
-            </a:r>
-          </a:p>
-          <a:p>
-            <a:r>
-              <a:rPr lang="en-US" sz="2800" dirty="0" smtClean="0"/>
-              <a:t>Extensible interface </a:t>
-            </a:r>
-          </a:p>
-          <a:p>
-            <a:r>
-              <a:rPr lang="en-US" sz="2800" dirty="0" smtClean="0"/>
-              <a:t>Automatically generate </a:t>
-            </a:r>
-            <a:r>
-              <a:rPr lang="en-US" sz="2800" dirty="0" err="1" smtClean="0"/>
-              <a:t>sql</a:t>
-            </a:r>
-            <a:endParaRPr lang="en-US" sz="2800" dirty="0" smtClean="0"/>
-          </a:p>
-          <a:p>
-            <a:r>
-              <a:rPr lang="en-US" sz="2800" dirty="0" smtClean="0"/>
-              <a:t>Automatically mapping entity to object</a:t>
-            </a:r>
-          </a:p>
-          <a:p>
-            <a:endParaRPr lang="zh-CN" altLang="en-US" dirty="0"/>
+              <a:rPr lang="en-US" altLang="zh-CN" dirty="0" smtClean="0"/>
+              <a:t>Http server</a:t>
+            </a:r>
+          </a:p>
+          <a:p>
+            <a:r>
+              <a:rPr lang="en-US" altLang="zh-CN" dirty="0" smtClean="0"/>
+              <a:t>ORM(Object-relational mapping)</a:t>
+            </a:r>
+          </a:p>
+          <a:p>
+            <a:r>
+              <a:rPr lang="en-US" altLang="zh-CN" dirty="0" smtClean="0"/>
+              <a:t>Html render</a:t>
+            </a:r>
           </a:p>
         </p:txBody>
       </p:sp>
@@ -15007,7 +14772,111 @@
 </p:sld>
 </file>
 
-<file path=ppt/slides/slide42.xml><?xml version="1.0" encoding="utf-8"?>
+<file path=ppt/slides/slide40.xml><?xml version="1.0" encoding="utf-8"?>
+<p:sld xmlns:a="http://schemas.openxmlformats.org/drawingml/2006/main" xmlns:r="http://schemas.openxmlformats.org/officeDocument/2006/relationships" xmlns:p="http://schemas.openxmlformats.org/presentationml/2006/main">
+  <p:cSld>
+    <p:spTree>
+      <p:nvGrpSpPr>
+        <p:cNvPr id="1" name=""/>
+        <p:cNvGrpSpPr/>
+        <p:nvPr/>
+      </p:nvGrpSpPr>
+      <p:grpSpPr>
+        <a:xfrm>
+          <a:off x="0" y="0"/>
+          <a:ext cx="0" cy="0"/>
+          <a:chOff x="0" y="0"/>
+          <a:chExt cx="0" cy="0"/>
+        </a:xfrm>
+      </p:grpSpPr>
+      <p:sp>
+        <p:nvSpPr>
+          <p:cNvPr id="2" name="标题 1"/>
+          <p:cNvSpPr>
+            <a:spLocks noGrp="1"/>
+          </p:cNvSpPr>
+          <p:nvPr>
+            <p:ph type="title"/>
+          </p:nvPr>
+        </p:nvSpPr>
+        <p:spPr/>
+        <p:txBody>
+          <a:bodyPr/>
+          <a:lstStyle/>
+          <a:p>
+            <a:pPr algn="l"/>
+            <a:r>
+              <a:rPr lang="en-US" altLang="zh-CN" dirty="0" err="1" smtClean="0"/>
+              <a:t>ormpp</a:t>
+            </a:r>
+            <a:endParaRPr lang="zh-CN" altLang="en-US" dirty="0"/>
+          </a:p>
+        </p:txBody>
+      </p:sp>
+      <p:sp>
+        <p:nvSpPr>
+          <p:cNvPr id="3" name="内容占位符 2"/>
+          <p:cNvSpPr>
+            <a:spLocks noGrp="1"/>
+          </p:cNvSpPr>
+          <p:nvPr>
+            <p:ph idx="1"/>
+          </p:nvPr>
+        </p:nvSpPr>
+        <p:spPr/>
+        <p:txBody>
+          <a:bodyPr/>
+          <a:lstStyle/>
+          <a:p>
+            <a:r>
+              <a:rPr lang="en-US" sz="2800" dirty="0" smtClean="0"/>
+              <a:t>Unified and easy to use interface</a:t>
+            </a:r>
+          </a:p>
+          <a:p>
+            <a:r>
+              <a:rPr lang="en-US" sz="2800" dirty="0" smtClean="0"/>
+              <a:t>Extensible interface </a:t>
+            </a:r>
+          </a:p>
+          <a:p>
+            <a:r>
+              <a:rPr lang="en-US" sz="2800" dirty="0" smtClean="0"/>
+              <a:t>Automatically generate </a:t>
+            </a:r>
+            <a:r>
+              <a:rPr lang="en-US" sz="2800" dirty="0" err="1" smtClean="0"/>
+              <a:t>sql</a:t>
+            </a:r>
+            <a:endParaRPr lang="en-US" sz="2800" dirty="0" smtClean="0"/>
+          </a:p>
+          <a:p>
+            <a:r>
+              <a:rPr lang="en-US" sz="2800" dirty="0" smtClean="0"/>
+              <a:t>Automatically mapping entity to object</a:t>
+            </a:r>
+          </a:p>
+          <a:p>
+            <a:endParaRPr lang="zh-CN" altLang="en-US" dirty="0"/>
+          </a:p>
+        </p:txBody>
+      </p:sp>
+    </p:spTree>
+  </p:cSld>
+  <p:clrMapOvr>
+    <a:masterClrMapping/>
+  </p:clrMapOvr>
+  <p:timing>
+    <p:tnLst>
+      <p:par>
+        <p:cTn id="1" dur="indefinite" restart="never" nodeType="tmRoot"/>
+      </p:par>
+    </p:tnLst>
+  </p:timing>
+</p:sld>
+</file>
+
+<file path=ppt/slides/slide41.xml><?xml version="1.0" encoding="utf-8"?>
 <p:sld xmlns:a="http://schemas.openxmlformats.org/drawingml/2006/main" xmlns:r="http://schemas.openxmlformats.org/officeDocument/2006/relationships" xmlns:p="http://schemas.openxmlformats.org/presentationml/2006/main">
   <p:cSld>
     <p:spTree>
@@ -15269,7 +15138,7 @@
 </p:sld>
 </file>
 
-<file path=ppt/slides/slide43.xml><?xml version="1.0" encoding="utf-8"?>
+<file path=ppt/slides/slide42.xml><?xml version="1.0" encoding="utf-8"?>
 <p:sld xmlns:a="http://schemas.openxmlformats.org/drawingml/2006/main" xmlns:r="http://schemas.openxmlformats.org/officeDocument/2006/relationships" xmlns:p="http://schemas.openxmlformats.org/presentationml/2006/main">
   <p:cSld>
     <p:spTree>
@@ -15656,7 +15525,7 @@
 </p:sld>
 </file>
 
-<file path=ppt/slides/slide44.xml><?xml version="1.0" encoding="utf-8"?>
+<file path=ppt/slides/slide43.xml><?xml version="1.0" encoding="utf-8"?>
 <p:sld xmlns:a="http://schemas.openxmlformats.org/drawingml/2006/main" xmlns:r="http://schemas.openxmlformats.org/officeDocument/2006/relationships" xmlns:p="http://schemas.openxmlformats.org/presentationml/2006/main">
   <p:cSld>
     <p:spTree>
@@ -15895,7 +15764,7 @@
 </p:sld>
 </file>
 
-<file path=ppt/slides/slide45.xml><?xml version="1.0" encoding="utf-8"?>
+<file path=ppt/slides/slide44.xml><?xml version="1.0" encoding="utf-8"?>
 <p:sld xmlns:a="http://schemas.openxmlformats.org/drawingml/2006/main" xmlns:r="http://schemas.openxmlformats.org/officeDocument/2006/relationships" xmlns:p="http://schemas.openxmlformats.org/presentationml/2006/main">
   <p:cSld>
     <p:spTree>
@@ -16237,7 +16106,7 @@
 </p:sld>
 </file>
 
-<file path=ppt/slides/slide46.xml><?xml version="1.0" encoding="utf-8"?>
+<file path=ppt/slides/slide45.xml><?xml version="1.0" encoding="utf-8"?>
 <p:sld xmlns:a="http://schemas.openxmlformats.org/drawingml/2006/main" xmlns:r="http://schemas.openxmlformats.org/officeDocument/2006/relationships" xmlns:p="http://schemas.openxmlformats.org/presentationml/2006/main">
   <p:cSld>
     <p:spTree>
@@ -17571,7 +17440,7 @@
 </p:sld>
 </file>
 
-<file path=ppt/slides/slide47.xml><?xml version="1.0" encoding="utf-8"?>
+<file path=ppt/slides/slide46.xml><?xml version="1.0" encoding="utf-8"?>
 <p:sld xmlns:a="http://schemas.openxmlformats.org/drawingml/2006/main" xmlns:r="http://schemas.openxmlformats.org/officeDocument/2006/relationships" xmlns:p="http://schemas.openxmlformats.org/presentationml/2006/main">
   <p:cSld>
     <p:spTree>
@@ -18115,7 +17984,7 @@
 </p:sld>
 </file>
 
-<file path=ppt/slides/slide48.xml><?xml version="1.0" encoding="utf-8"?>
+<file path=ppt/slides/slide47.xml><?xml version="1.0" encoding="utf-8"?>
 <p:sld xmlns:a="http://schemas.openxmlformats.org/drawingml/2006/main" xmlns:r="http://schemas.openxmlformats.org/officeDocument/2006/relationships" xmlns:p="http://schemas.openxmlformats.org/presentationml/2006/main">
   <p:cSld>
     <p:spTree>
@@ -18214,7 +18083,7 @@
 </p:sld>
 </file>
 
-<file path=ppt/slides/slide49.xml><?xml version="1.0" encoding="utf-8"?>
+<file path=ppt/slides/slide48.xml><?xml version="1.0" encoding="utf-8"?>
 <p:sld xmlns:a="http://schemas.openxmlformats.org/drawingml/2006/main" xmlns:r="http://schemas.openxmlformats.org/officeDocument/2006/relationships" xmlns:p="http://schemas.openxmlformats.org/presentationml/2006/main">
   <p:cSld>
     <p:spTree>
@@ -18313,123 +18182,7 @@
 </p:sld>
 </file>
 
-<file path=ppt/slides/slide5.xml><?xml version="1.0" encoding="utf-8"?>
-<p:sld xmlns:a="http://schemas.openxmlformats.org/drawingml/2006/main" xmlns:r="http://schemas.openxmlformats.org/officeDocument/2006/relationships" xmlns:p="http://schemas.openxmlformats.org/presentationml/2006/main">
-  <p:cSld>
-    <p:spTree>
-      <p:nvGrpSpPr>
-        <p:cNvPr id="1" name=""/>
-        <p:cNvGrpSpPr/>
-        <p:nvPr/>
-      </p:nvGrpSpPr>
-      <p:grpSpPr>
-        <a:xfrm>
-          <a:off x="0" y="0"/>
-          <a:ext cx="0" cy="0"/>
-          <a:chOff x="0" y="0"/>
-          <a:chExt cx="0" cy="0"/>
-        </a:xfrm>
-      </p:grpSpPr>
-      <p:sp>
-        <p:nvSpPr>
-          <p:cNvPr id="2" name="标题 1"/>
-          <p:cNvSpPr>
-            <a:spLocks noGrp="1"/>
-          </p:cNvSpPr>
-          <p:nvPr>
-            <p:ph type="title"/>
-          </p:nvPr>
-        </p:nvSpPr>
-        <p:spPr/>
-        <p:txBody>
-          <a:bodyPr/>
-          <a:lstStyle/>
-          <a:p>
-            <a:pPr algn="l"/>
-            <a:r>
-              <a:rPr lang="en-US" altLang="zh-CN" dirty="0" smtClean="0"/>
-              <a:t>Some </a:t>
-            </a:r>
-            <a:r>
-              <a:rPr lang="en-US" altLang="zh-CN" dirty="0" err="1" smtClean="0"/>
-              <a:t>c++</a:t>
-            </a:r>
-            <a:r>
-              <a:rPr lang="en-US" altLang="zh-CN" dirty="0" smtClean="0"/>
-              <a:t> web frameworks</a:t>
-            </a:r>
-            <a:endParaRPr lang="zh-CN" altLang="en-US" dirty="0"/>
-          </a:p>
-        </p:txBody>
-      </p:sp>
-      <p:sp>
-        <p:nvSpPr>
-          <p:cNvPr id="3" name="内容占位符 2"/>
-          <p:cNvSpPr>
-            <a:spLocks noGrp="1"/>
-          </p:cNvSpPr>
-          <p:nvPr>
-            <p:ph idx="1"/>
-          </p:nvPr>
-        </p:nvSpPr>
-        <p:spPr/>
-        <p:txBody>
-          <a:bodyPr/>
-          <a:lstStyle/>
-          <a:p>
-            <a:r>
-              <a:rPr lang="en-US" altLang="zh-CN" dirty="0" err="1" smtClean="0"/>
-              <a:t>Cppcms</a:t>
-            </a:r>
-            <a:endParaRPr lang="en-US" altLang="zh-CN" dirty="0" smtClean="0"/>
-          </a:p>
-          <a:p>
-            <a:r>
-              <a:rPr lang="en-US" altLang="zh-CN" dirty="0" err="1" smtClean="0"/>
-              <a:t>treefrog</a:t>
-            </a:r>
-            <a:r>
-              <a:rPr lang="en-US" altLang="zh-CN" dirty="0" smtClean="0"/>
-              <a:t>-framework</a:t>
-            </a:r>
-          </a:p>
-          <a:p>
-            <a:r>
-              <a:rPr lang="en-US" dirty="0" smtClean="0"/>
-              <a:t>Crow</a:t>
-            </a:r>
-            <a:endParaRPr lang="en-US" altLang="zh-CN" dirty="0" smtClean="0"/>
-          </a:p>
-          <a:p>
-            <a:r>
-              <a:rPr lang="en-US" dirty="0" smtClean="0"/>
-              <a:t>Silicon</a:t>
-            </a:r>
-          </a:p>
-          <a:p>
-            <a:endParaRPr lang="en-US" dirty="0" smtClean="0"/>
-          </a:p>
-          <a:p>
-            <a:endParaRPr lang="zh-CN" altLang="en-US" dirty="0"/>
-          </a:p>
-        </p:txBody>
-      </p:sp>
-    </p:spTree>
-  </p:cSld>
-  <p:clrMapOvr>
-    <a:masterClrMapping/>
-  </p:clrMapOvr>
-  <p:timing>
-    <p:tnLst>
-      <p:par>
-        <p:cTn id="1" dur="indefinite" restart="never" nodeType="tmRoot"/>
-      </p:par>
-    </p:tnLst>
-  </p:timing>
-</p:sld>
-</file>
-
-<file path=ppt/slides/slide50.xml><?xml version="1.0" encoding="utf-8"?>
+<file path=ppt/slides/slide49.xml><?xml version="1.0" encoding="utf-8"?>
 <p:sld xmlns:a="http://schemas.openxmlformats.org/drawingml/2006/main" xmlns:r="http://schemas.openxmlformats.org/officeDocument/2006/relationships" xmlns:p="http://schemas.openxmlformats.org/presentationml/2006/main">
   <p:cSld>
     <p:spTree>
@@ -19398,7 +19151,123 @@
 </p:sld>
 </file>
 
-<file path=ppt/slides/slide51.xml><?xml version="1.0" encoding="utf-8"?>
+<file path=ppt/slides/slide5.xml><?xml version="1.0" encoding="utf-8"?>
+<p:sld xmlns:a="http://schemas.openxmlformats.org/drawingml/2006/main" xmlns:r="http://schemas.openxmlformats.org/officeDocument/2006/relationships" xmlns:p="http://schemas.openxmlformats.org/presentationml/2006/main">
+  <p:cSld>
+    <p:spTree>
+      <p:nvGrpSpPr>
+        <p:cNvPr id="1" name=""/>
+        <p:cNvGrpSpPr/>
+        <p:nvPr/>
+      </p:nvGrpSpPr>
+      <p:grpSpPr>
+        <a:xfrm>
+          <a:off x="0" y="0"/>
+          <a:ext cx="0" cy="0"/>
+          <a:chOff x="0" y="0"/>
+          <a:chExt cx="0" cy="0"/>
+        </a:xfrm>
+      </p:grpSpPr>
+      <p:sp>
+        <p:nvSpPr>
+          <p:cNvPr id="2" name="标题 1"/>
+          <p:cNvSpPr>
+            <a:spLocks noGrp="1"/>
+          </p:cNvSpPr>
+          <p:nvPr>
+            <p:ph type="title"/>
+          </p:nvPr>
+        </p:nvSpPr>
+        <p:spPr/>
+        <p:txBody>
+          <a:bodyPr/>
+          <a:lstStyle/>
+          <a:p>
+            <a:pPr algn="l"/>
+            <a:r>
+              <a:rPr lang="en-US" altLang="zh-CN" dirty="0" smtClean="0"/>
+              <a:t>Some </a:t>
+            </a:r>
+            <a:r>
+              <a:rPr lang="en-US" altLang="zh-CN" dirty="0" err="1" smtClean="0"/>
+              <a:t>c++</a:t>
+            </a:r>
+            <a:r>
+              <a:rPr lang="en-US" altLang="zh-CN" dirty="0" smtClean="0"/>
+              <a:t> web frameworks</a:t>
+            </a:r>
+            <a:endParaRPr lang="zh-CN" altLang="en-US" dirty="0"/>
+          </a:p>
+        </p:txBody>
+      </p:sp>
+      <p:sp>
+        <p:nvSpPr>
+          <p:cNvPr id="3" name="内容占位符 2"/>
+          <p:cNvSpPr>
+            <a:spLocks noGrp="1"/>
+          </p:cNvSpPr>
+          <p:nvPr>
+            <p:ph idx="1"/>
+          </p:nvPr>
+        </p:nvSpPr>
+        <p:spPr/>
+        <p:txBody>
+          <a:bodyPr/>
+          <a:lstStyle/>
+          <a:p>
+            <a:r>
+              <a:rPr lang="en-US" altLang="zh-CN" dirty="0" err="1" smtClean="0"/>
+              <a:t>Cppcms</a:t>
+            </a:r>
+            <a:endParaRPr lang="en-US" altLang="zh-CN" dirty="0" smtClean="0"/>
+          </a:p>
+          <a:p>
+            <a:r>
+              <a:rPr lang="en-US" altLang="zh-CN" dirty="0" err="1" smtClean="0"/>
+              <a:t>treefrog</a:t>
+            </a:r>
+            <a:r>
+              <a:rPr lang="en-US" altLang="zh-CN" dirty="0" smtClean="0"/>
+              <a:t>-framework</a:t>
+            </a:r>
+          </a:p>
+          <a:p>
+            <a:r>
+              <a:rPr lang="en-US" dirty="0" smtClean="0"/>
+              <a:t>Crow</a:t>
+            </a:r>
+            <a:endParaRPr lang="en-US" altLang="zh-CN" dirty="0" smtClean="0"/>
+          </a:p>
+          <a:p>
+            <a:r>
+              <a:rPr lang="en-US" dirty="0" smtClean="0"/>
+              <a:t>Silicon</a:t>
+            </a:r>
+          </a:p>
+          <a:p>
+            <a:endParaRPr lang="en-US" dirty="0" smtClean="0"/>
+          </a:p>
+          <a:p>
+            <a:endParaRPr lang="zh-CN" altLang="en-US" dirty="0"/>
+          </a:p>
+        </p:txBody>
+      </p:sp>
+    </p:spTree>
+  </p:cSld>
+  <p:clrMapOvr>
+    <a:masterClrMapping/>
+  </p:clrMapOvr>
+  <p:timing>
+    <p:tnLst>
+      <p:par>
+        <p:cTn id="1" dur="indefinite" restart="never" nodeType="tmRoot"/>
+      </p:par>
+    </p:tnLst>
+  </p:timing>
+</p:sld>
+</file>
+
+<file path=ppt/slides/slide50.xml><?xml version="1.0" encoding="utf-8"?>
 <p:sld xmlns:a="http://schemas.openxmlformats.org/drawingml/2006/main" xmlns:r="http://schemas.openxmlformats.org/officeDocument/2006/relationships" xmlns:p="http://schemas.openxmlformats.org/presentationml/2006/main">
   <p:cSld>
     <p:spTree>
@@ -19539,7 +19408,7 @@
 </p:sld>
 </file>
 
-<file path=ppt/slides/slide52.xml><?xml version="1.0" encoding="utf-8"?>
+<file path=ppt/slides/slide51.xml><?xml version="1.0" encoding="utf-8"?>
 <p:sld xmlns:a="http://schemas.openxmlformats.org/drawingml/2006/main" xmlns:r="http://schemas.openxmlformats.org/officeDocument/2006/relationships" xmlns:p="http://schemas.openxmlformats.org/presentationml/2006/main">
   <p:cSld>
     <p:spTree>
@@ -19651,7 +19520,7 @@
 </p:sld>
 </file>
 
-<file path=ppt/slides/slide53.xml><?xml version="1.0" encoding="utf-8"?>
+<file path=ppt/slides/slide52.xml><?xml version="1.0" encoding="utf-8"?>
 <p:sld xmlns:a="http://schemas.openxmlformats.org/drawingml/2006/main" xmlns:r="http://schemas.openxmlformats.org/officeDocument/2006/relationships" xmlns:p="http://schemas.openxmlformats.org/presentationml/2006/main">
   <p:cSld>
     <p:spTree>
@@ -19759,6 +19628,145 @@
 </p:sld>
 </file>
 
+<file path=ppt/slides/slide53.xml><?xml version="1.0" encoding="utf-8"?>
+<p:sld xmlns:a="http://schemas.openxmlformats.org/drawingml/2006/main" xmlns:r="http://schemas.openxmlformats.org/officeDocument/2006/relationships" xmlns:p="http://schemas.openxmlformats.org/presentationml/2006/main">
+  <p:cSld>
+    <p:spTree>
+      <p:nvGrpSpPr>
+        <p:cNvPr id="1" name=""/>
+        <p:cNvGrpSpPr/>
+        <p:nvPr/>
+      </p:nvGrpSpPr>
+      <p:grpSpPr>
+        <a:xfrm>
+          <a:off x="0" y="0"/>
+          <a:ext cx="0" cy="0"/>
+          <a:chOff x="0" y="0"/>
+          <a:chExt cx="0" cy="0"/>
+        </a:xfrm>
+      </p:grpSpPr>
+      <p:sp>
+        <p:nvSpPr>
+          <p:cNvPr id="2" name="标题 1"/>
+          <p:cNvSpPr>
+            <a:spLocks noGrp="1"/>
+          </p:cNvSpPr>
+          <p:nvPr>
+            <p:ph type="title"/>
+          </p:nvPr>
+        </p:nvSpPr>
+        <p:spPr/>
+        <p:txBody>
+          <a:bodyPr/>
+          <a:lstStyle/>
+          <a:p>
+            <a:pPr algn="l"/>
+            <a:r>
+              <a:rPr lang="en-US" altLang="zh-CN" dirty="0" err="1" smtClean="0"/>
+              <a:t>ormpp</a:t>
+            </a:r>
+            <a:endParaRPr lang="zh-CN" altLang="en-US" dirty="0"/>
+          </a:p>
+        </p:txBody>
+      </p:sp>
+      <p:sp>
+        <p:nvSpPr>
+          <p:cNvPr id="3" name="内容占位符 2"/>
+          <p:cNvSpPr>
+            <a:spLocks noGrp="1"/>
+          </p:cNvSpPr>
+          <p:nvPr>
+            <p:ph idx="1"/>
+          </p:nvPr>
+        </p:nvSpPr>
+        <p:spPr/>
+        <p:txBody>
+          <a:bodyPr>
+            <a:normAutofit/>
+          </a:bodyPr>
+          <a:lstStyle/>
+          <a:p>
+            <a:r>
+              <a:rPr lang="en-US" altLang="zh-CN" sz="2400" dirty="0" smtClean="0"/>
+              <a:t>Unified interface with </a:t>
+            </a:r>
+            <a:r>
+              <a:rPr lang="en-US" altLang="zh-CN" sz="2400" dirty="0" err="1" smtClean="0"/>
+              <a:t>variadic</a:t>
+            </a:r>
+            <a:r>
+              <a:rPr lang="en-US" altLang="zh-CN" sz="2400" dirty="0" smtClean="0"/>
+              <a:t> </a:t>
+            </a:r>
+            <a:r>
+              <a:rPr lang="en-US" altLang="zh-CN" sz="2400" dirty="0" err="1" smtClean="0"/>
+              <a:t>temlates</a:t>
+            </a:r>
+            <a:r>
+              <a:rPr lang="en-US" altLang="zh-CN" sz="2400" dirty="0" smtClean="0"/>
+              <a:t> and </a:t>
+            </a:r>
+            <a:r>
+              <a:rPr lang="en-US" altLang="zh-CN" sz="2400" dirty="0" err="1" smtClean="0"/>
+              <a:t>constexpr</a:t>
+            </a:r>
+            <a:r>
+              <a:rPr lang="en-US" altLang="zh-CN" sz="2400" dirty="0" smtClean="0"/>
+              <a:t> if</a:t>
+            </a:r>
+          </a:p>
+          <a:p>
+            <a:r>
+              <a:rPr lang="en-US" altLang="zh-CN" sz="2400" dirty="0" smtClean="0"/>
+              <a:t>Expand interface with </a:t>
+            </a:r>
+            <a:r>
+              <a:rPr lang="en-US" altLang="zh-CN" sz="2400" dirty="0" err="1" smtClean="0"/>
+              <a:t>constexpr</a:t>
+            </a:r>
+            <a:r>
+              <a:rPr lang="en-US" altLang="zh-CN" sz="2400" dirty="0" smtClean="0"/>
+              <a:t> if</a:t>
+            </a:r>
+          </a:p>
+          <a:p>
+            <a:r>
+              <a:rPr lang="en-US" altLang="zh-CN" sz="2400" dirty="0" smtClean="0"/>
+              <a:t>Generate </a:t>
+            </a:r>
+            <a:r>
+              <a:rPr lang="en-US" altLang="zh-CN" sz="2400" dirty="0" err="1" smtClean="0"/>
+              <a:t>sql</a:t>
+            </a:r>
+            <a:r>
+              <a:rPr lang="en-US" altLang="zh-CN" sz="2400" dirty="0" smtClean="0"/>
+              <a:t> with compile-time reflection</a:t>
+            </a:r>
+          </a:p>
+          <a:p>
+            <a:r>
+              <a:rPr lang="en-US" altLang="zh-CN" sz="2400" dirty="0" smtClean="0"/>
+              <a:t>Mapping entity with compile-time reflection</a:t>
+            </a:r>
+            <a:endParaRPr lang="zh-CN" altLang="en-US" sz="2400" dirty="0"/>
+          </a:p>
+        </p:txBody>
+      </p:sp>
+    </p:spTree>
+  </p:cSld>
+  <p:clrMapOvr>
+    <a:masterClrMapping/>
+  </p:clrMapOvr>
+  <p:timing>
+    <p:tnLst>
+      <p:par>
+        <p:cTn id="1" dur="indefinite" restart="never" nodeType="tmRoot"/>
+      </p:par>
+    </p:tnLst>
+  </p:timing>
+</p:sld>
+</file>
+
 <file path=ppt/slides/slide54.xml><?xml version="1.0" encoding="utf-8"?>
 <p:sld xmlns:a="http://schemas.openxmlformats.org/drawingml/2006/main" xmlns:r="http://schemas.openxmlformats.org/officeDocument/2006/relationships" xmlns:p="http://schemas.openxmlformats.org/presentationml/2006/main">
   <p:cSld>
@@ -19793,8 +19801,8 @@
           <a:p>
             <a:pPr algn="l"/>
             <a:r>
-              <a:rPr lang="en-US" altLang="zh-CN" dirty="0" err="1" smtClean="0"/>
-              <a:t>ormpp</a:t>
+              <a:rPr lang="en-US" altLang="zh-CN" dirty="0" smtClean="0"/>
+              <a:t>Render</a:t>
             </a:r>
             <a:endParaRPr lang="zh-CN" altLang="en-US" dirty="0"/>
           </a:p>
@@ -19812,74 +19820,35 @@
         </p:nvSpPr>
         <p:spPr/>
         <p:txBody>
-          <a:bodyPr>
-            <a:normAutofit/>
-          </a:bodyPr>
+          <a:bodyPr/>
           <a:lstStyle/>
           <a:p>
             <a:r>
-              <a:rPr lang="en-US" altLang="zh-CN" sz="2400" dirty="0" smtClean="0"/>
-              <a:t>Unified interface with </a:t>
-            </a:r>
-            <a:r>
-              <a:rPr lang="en-US" altLang="zh-CN" sz="2400" dirty="0" err="1" smtClean="0"/>
-              <a:t>variadic</a:t>
-            </a:r>
-            <a:r>
-              <a:rPr lang="en-US" altLang="zh-CN" sz="2400" dirty="0" smtClean="0"/>
-              <a:t> </a:t>
-            </a:r>
-            <a:r>
-              <a:rPr lang="en-US" altLang="zh-CN" sz="2400" dirty="0" err="1" smtClean="0"/>
-              <a:t>temlates</a:t>
-            </a:r>
-            <a:r>
-              <a:rPr lang="en-US" altLang="zh-CN" sz="2400" dirty="0" smtClean="0"/>
-              <a:t> and </a:t>
-            </a:r>
-            <a:r>
-              <a:rPr lang="en-US" altLang="zh-CN" sz="2400" dirty="0" err="1" smtClean="0"/>
-              <a:t>constexpr</a:t>
-            </a:r>
-            <a:r>
-              <a:rPr lang="en-US" altLang="zh-CN" sz="2400" dirty="0" smtClean="0"/>
-              <a:t> if</a:t>
-            </a:r>
-          </a:p>
-          <a:p>
-            <a:r>
-              <a:rPr lang="en-US" altLang="zh-CN" sz="2400" dirty="0" smtClean="0"/>
-              <a:t>Expand interface with </a:t>
-            </a:r>
-            <a:r>
-              <a:rPr lang="en-US" altLang="zh-CN" sz="2400" dirty="0" err="1" smtClean="0"/>
-              <a:t>constexpr</a:t>
-            </a:r>
-            <a:r>
-              <a:rPr lang="en-US" altLang="zh-CN" sz="2400" dirty="0" smtClean="0"/>
-              <a:t> if</a:t>
-            </a:r>
-          </a:p>
-          <a:p>
-            <a:r>
-              <a:rPr lang="en-US" altLang="zh-CN" sz="2400" dirty="0" smtClean="0"/>
-              <a:t>Generate </a:t>
-            </a:r>
-            <a:r>
-              <a:rPr lang="en-US" altLang="zh-CN" sz="2400" dirty="0" err="1" smtClean="0"/>
-              <a:t>sql</a:t>
-            </a:r>
-            <a:r>
-              <a:rPr lang="en-US" altLang="zh-CN" sz="2400" dirty="0" smtClean="0"/>
-              <a:t> with compile-time reflection</a:t>
-            </a:r>
-          </a:p>
-          <a:p>
-            <a:r>
-              <a:rPr lang="en-US" altLang="zh-CN" sz="2400" dirty="0" smtClean="0"/>
-              <a:t>Mapping entity with compile-time reflection</a:t>
-            </a:r>
-            <a:endParaRPr lang="zh-CN" altLang="en-US" sz="2400" dirty="0"/>
+              <a:rPr lang="en-US" altLang="zh-CN" dirty="0" smtClean="0"/>
+              <a:t>Html template engine</a:t>
+            </a:r>
+          </a:p>
+          <a:p>
+            <a:pPr lvl="1"/>
+            <a:r>
+              <a:rPr lang="en-US" altLang="zh-CN" dirty="0" smtClean="0"/>
+              <a:t>Dynamic filling html</a:t>
+            </a:r>
+          </a:p>
+          <a:p>
+            <a:pPr lvl="1"/>
+            <a:r>
+              <a:rPr lang="en-US" altLang="zh-CN" dirty="0" smtClean="0"/>
+              <a:t>Control UI display</a:t>
+            </a:r>
+          </a:p>
+          <a:p>
+            <a:pPr lvl="1"/>
+            <a:r>
+              <a:rPr lang="en-US" altLang="zh-CN" dirty="0" smtClean="0"/>
+              <a:t>Html reuse</a:t>
+            </a:r>
+            <a:endParaRPr lang="zh-CN" altLang="en-US" dirty="0"/>
           </a:p>
         </p:txBody>
       </p:sp>
@@ -19899,106 +19868,6 @@
 </file>
 
 <file path=ppt/slides/slide55.xml><?xml version="1.0" encoding="utf-8"?>
-<p:sld xmlns:a="http://schemas.openxmlformats.org/drawingml/2006/main" xmlns:r="http://schemas.openxmlformats.org/officeDocument/2006/relationships" xmlns:p="http://schemas.openxmlformats.org/presentationml/2006/main">
-  <p:cSld>
-    <p:spTree>
-      <p:nvGrpSpPr>
-        <p:cNvPr id="1" name=""/>
-        <p:cNvGrpSpPr/>
-        <p:nvPr/>
-      </p:nvGrpSpPr>
-      <p:grpSpPr>
-        <a:xfrm>
-          <a:off x="0" y="0"/>
-          <a:ext cx="0" cy="0"/>
-          <a:chOff x="0" y="0"/>
-          <a:chExt cx="0" cy="0"/>
-        </a:xfrm>
-      </p:grpSpPr>
-      <p:sp>
-        <p:nvSpPr>
-          <p:cNvPr id="2" name="标题 1"/>
-          <p:cNvSpPr>
-            <a:spLocks noGrp="1"/>
-          </p:cNvSpPr>
-          <p:nvPr>
-            <p:ph type="title"/>
-          </p:nvPr>
-        </p:nvSpPr>
-        <p:spPr/>
-        <p:txBody>
-          <a:bodyPr/>
-          <a:lstStyle/>
-          <a:p>
-            <a:pPr algn="l"/>
-            <a:r>
-              <a:rPr lang="en-US" altLang="zh-CN" dirty="0" smtClean="0"/>
-              <a:t>Render</a:t>
-            </a:r>
-            <a:endParaRPr lang="zh-CN" altLang="en-US" dirty="0"/>
-          </a:p>
-        </p:txBody>
-      </p:sp>
-      <p:sp>
-        <p:nvSpPr>
-          <p:cNvPr id="3" name="内容占位符 2"/>
-          <p:cNvSpPr>
-            <a:spLocks noGrp="1"/>
-          </p:cNvSpPr>
-          <p:nvPr>
-            <p:ph idx="1"/>
-          </p:nvPr>
-        </p:nvSpPr>
-        <p:spPr/>
-        <p:txBody>
-          <a:bodyPr/>
-          <a:lstStyle/>
-          <a:p>
-            <a:r>
-              <a:rPr lang="en-US" altLang="zh-CN" dirty="0" smtClean="0"/>
-              <a:t>Html template engine</a:t>
-            </a:r>
-          </a:p>
-          <a:p>
-            <a:pPr lvl="1"/>
-            <a:r>
-              <a:rPr lang="en-US" altLang="zh-CN" dirty="0" smtClean="0"/>
-              <a:t>Dynamic filling html</a:t>
-            </a:r>
-          </a:p>
-          <a:p>
-            <a:pPr lvl="1"/>
-            <a:r>
-              <a:rPr lang="en-US" altLang="zh-CN" dirty="0" smtClean="0"/>
-              <a:t>Control UI display</a:t>
-            </a:r>
-          </a:p>
-          <a:p>
-            <a:pPr lvl="1"/>
-            <a:r>
-              <a:rPr lang="en-US" altLang="zh-CN" dirty="0" smtClean="0"/>
-              <a:t>Html reuse</a:t>
-            </a:r>
-            <a:endParaRPr lang="zh-CN" altLang="en-US" dirty="0"/>
-          </a:p>
-        </p:txBody>
-      </p:sp>
-    </p:spTree>
-  </p:cSld>
-  <p:clrMapOvr>
-    <a:masterClrMapping/>
-  </p:clrMapOvr>
-  <p:timing>
-    <p:tnLst>
-      <p:par>
-        <p:cTn id="1" dur="indefinite" restart="never" nodeType="tmRoot"/>
-      </p:par>
-    </p:tnLst>
-  </p:timing>
-</p:sld>
-</file>
-
-<file path=ppt/slides/slide56.xml><?xml version="1.0" encoding="utf-8"?>
 <p:sld xmlns:a="http://schemas.openxmlformats.org/drawingml/2006/main" xmlns:r="http://schemas.openxmlformats.org/officeDocument/2006/relationships" xmlns:p="http://schemas.openxmlformats.org/presentationml/2006/main">
   <p:cSld>
     <p:spTree>
@@ -20357,7 +20226,7 @@
 </p:sld>
 </file>
 
-<file path=ppt/slides/slide57.xml><?xml version="1.0" encoding="utf-8"?>
+<file path=ppt/slides/slide56.xml><?xml version="1.0" encoding="utf-8"?>
 <p:sld xmlns:a="http://schemas.openxmlformats.org/drawingml/2006/main" xmlns:r="http://schemas.openxmlformats.org/officeDocument/2006/relationships" xmlns:p="http://schemas.openxmlformats.org/presentationml/2006/main">
   <p:cSld>
     <p:spTree>
@@ -20709,7 +20578,7 @@
 </p:sld>
 </file>
 
-<file path=ppt/slides/slide58.xml><?xml version="1.0" encoding="utf-8"?>
+<file path=ppt/slides/slide57.xml><?xml version="1.0" encoding="utf-8"?>
 <p:sld xmlns:a="http://schemas.openxmlformats.org/drawingml/2006/main" xmlns:r="http://schemas.openxmlformats.org/officeDocument/2006/relationships" xmlns:p="http://schemas.openxmlformats.org/presentationml/2006/main">
   <p:cSld>
     <p:spTree>
@@ -21268,7 +21137,7 @@
 </p:sld>
 </file>
 
-<file path=ppt/slides/slide59.xml><?xml version="1.0" encoding="utf-8"?>
+<file path=ppt/slides/slide58.xml><?xml version="1.0" encoding="utf-8"?>
 <p:sld xmlns:a="http://schemas.openxmlformats.org/drawingml/2006/main" xmlns:r="http://schemas.openxmlformats.org/officeDocument/2006/relationships" xmlns:p="http://schemas.openxmlformats.org/presentationml/2006/main">
   <p:cSld>
     <p:spTree>
@@ -22102,396 +21971,7 @@
 </p:sld>
 </file>
 
-<file path=ppt/slides/slide6.xml><?xml version="1.0" encoding="utf-8"?>
-<p:sld xmlns:a="http://schemas.openxmlformats.org/drawingml/2006/main" xmlns:r="http://schemas.openxmlformats.org/officeDocument/2006/relationships" xmlns:p="http://schemas.openxmlformats.org/presentationml/2006/main">
-  <p:cSld>
-    <p:spTree>
-      <p:nvGrpSpPr>
-        <p:cNvPr id="1" name=""/>
-        <p:cNvGrpSpPr/>
-        <p:nvPr/>
-      </p:nvGrpSpPr>
-      <p:grpSpPr>
-        <a:xfrm>
-          <a:off x="0" y="0"/>
-          <a:ext cx="0" cy="0"/>
-          <a:chOff x="0" y="0"/>
-          <a:chExt cx="0" cy="0"/>
-        </a:xfrm>
-      </p:grpSpPr>
-      <p:sp>
-        <p:nvSpPr>
-          <p:cNvPr id="2" name="标题 1"/>
-          <p:cNvSpPr>
-            <a:spLocks noGrp="1"/>
-          </p:cNvSpPr>
-          <p:nvPr>
-            <p:ph type="title"/>
-          </p:nvPr>
-        </p:nvSpPr>
-        <p:spPr/>
-        <p:txBody>
-          <a:bodyPr/>
-          <a:lstStyle/>
-          <a:p>
-            <a:pPr algn="l"/>
-            <a:r>
-              <a:rPr lang="en-US" altLang="zh-CN" dirty="0" err="1" smtClean="0"/>
-              <a:t>cppcms</a:t>
-            </a:r>
-            <a:endParaRPr lang="zh-CN" altLang="en-US" dirty="0"/>
-          </a:p>
-        </p:txBody>
-      </p:sp>
-      <p:sp>
-        <p:nvSpPr>
-          <p:cNvPr id="3" name="内容占位符 2"/>
-          <p:cNvSpPr>
-            <a:spLocks noGrp="1"/>
-          </p:cNvSpPr>
-          <p:nvPr>
-            <p:ph idx="1"/>
-          </p:nvPr>
-        </p:nvSpPr>
-        <p:spPr/>
-        <p:txBody>
-          <a:bodyPr/>
-          <a:lstStyle/>
-          <a:p>
-            <a:endParaRPr lang="zh-CN" altLang="en-US" dirty="0"/>
-          </a:p>
-        </p:txBody>
-      </p:sp>
-      <p:pic>
-        <p:nvPicPr>
-          <p:cNvPr id="1026" name="Picture 2"/>
-          <p:cNvPicPr>
-            <a:picLocks noChangeAspect="1" noChangeArrowheads="1"/>
-          </p:cNvPicPr>
-          <p:nvPr/>
-        </p:nvPicPr>
-        <p:blipFill>
-          <a:blip r:embed="rId2"/>
-          <a:srcRect/>
-          <a:stretch>
-            <a:fillRect/>
-          </a:stretch>
-        </p:blipFill>
-        <p:spPr bwMode="auto">
-          <a:xfrm>
-            <a:off x="500034" y="1214428"/>
-            <a:ext cx="4078705" cy="2428892"/>
-          </a:xfrm>
-          <a:prstGeom prst="rect">
-            <a:avLst/>
-          </a:prstGeom>
-          <a:noFill/>
-          <a:ln w="9525">
-            <a:noFill/>
-            <a:miter lim="800000"/>
-            <a:headEnd/>
-            <a:tailEnd/>
-          </a:ln>
-          <a:effectLst/>
-        </p:spPr>
-      </p:pic>
-      <p:sp>
-        <p:nvSpPr>
-          <p:cNvPr id="5" name="矩形 4"/>
-          <p:cNvSpPr/>
-          <p:nvPr/>
-        </p:nvSpPr>
-        <p:spPr>
-          <a:xfrm>
-            <a:off x="4714876" y="1643056"/>
-            <a:ext cx="3195747" cy="646331"/>
-          </a:xfrm>
-          <a:prstGeom prst="rect">
-            <a:avLst/>
-          </a:prstGeom>
-        </p:spPr>
-        <p:txBody>
-          <a:bodyPr wrap="none">
-            <a:spAutoFit/>
-          </a:bodyPr>
-          <a:lstStyle/>
-          <a:p>
-            <a:r>
-              <a:rPr lang="en-US" altLang="zh-CN" dirty="0" smtClean="0"/>
-              <a:t>Need a special compiler to build</a:t>
-            </a:r>
-          </a:p>
-          <a:p>
-            <a:r>
-              <a:rPr lang="en-US" altLang="zh-CN" dirty="0" smtClean="0"/>
-              <a:t>html template</a:t>
-            </a:r>
-            <a:endParaRPr lang="zh-CN" altLang="en-US" dirty="0"/>
-          </a:p>
-        </p:txBody>
-      </p:sp>
-      <p:sp>
-        <p:nvSpPr>
-          <p:cNvPr id="6" name="矩形 5"/>
-          <p:cNvSpPr/>
-          <p:nvPr/>
-        </p:nvSpPr>
-        <p:spPr>
-          <a:xfrm>
-            <a:off x="4357686" y="2928940"/>
-            <a:ext cx="4203458" cy="369332"/>
-          </a:xfrm>
-          <a:prstGeom prst="rect">
-            <a:avLst/>
-          </a:prstGeom>
-        </p:spPr>
-        <p:txBody>
-          <a:bodyPr wrap="none">
-            <a:spAutoFit/>
-          </a:bodyPr>
-          <a:lstStyle/>
-          <a:p>
-            <a:r>
-              <a:rPr lang="en-US" altLang="zh-CN" dirty="0" err="1" smtClean="0"/>
-              <a:t>Cppcms</a:t>
-            </a:r>
-            <a:r>
-              <a:rPr lang="en-US" altLang="zh-CN" dirty="0" smtClean="0"/>
-              <a:t> is not easy to use, not modern </a:t>
-            </a:r>
-            <a:r>
-              <a:rPr lang="en-US" altLang="zh-CN" dirty="0" err="1" smtClean="0"/>
-              <a:t>c++</a:t>
-            </a:r>
-            <a:endParaRPr lang="zh-CN" altLang="en-US" dirty="0"/>
-          </a:p>
-        </p:txBody>
-      </p:sp>
-    </p:spTree>
-  </p:cSld>
-  <p:clrMapOvr>
-    <a:masterClrMapping/>
-  </p:clrMapOvr>
-  <p:timing>
-    <p:tnLst>
-      <p:par>
-        <p:cTn id="1" dur="indefinite" restart="never" nodeType="tmRoot">
-          <p:childTnLst>
-            <p:seq concurrent="1" nextAc="seek">
-              <p:cTn id="2" dur="indefinite" nodeType="mainSeq">
-                <p:childTnLst>
-                  <p:par>
-                    <p:cTn id="3" fill="hold">
-                      <p:stCondLst>
-                        <p:cond delay="indefinite"/>
-                      </p:stCondLst>
-                      <p:childTnLst>
-                        <p:par>
-                          <p:cTn id="4" fill="hold">
-                            <p:stCondLst>
-                              <p:cond delay="0"/>
-                            </p:stCondLst>
-                            <p:childTnLst>
-                              <p:par>
-                                <p:cTn id="5" presetID="2" presetClass="entr" presetSubtype="4" fill="hold" grpId="0" nodeType="clickEffect">
-                                  <p:stCondLst>
-                                    <p:cond delay="0"/>
-                                  </p:stCondLst>
-                                  <p:childTnLst>
-                                    <p:set>
-                                      <p:cBhvr>
-                                        <p:cTn id="6" dur="1" fill="hold">
-                                          <p:stCondLst>
-                                            <p:cond delay="0"/>
-                                          </p:stCondLst>
-                                        </p:cTn>
-                                        <p:tgtEl>
-                                          <p:spTgt spid="5"/>
-                                        </p:tgtEl>
-                                        <p:attrNameLst>
-                                          <p:attrName>style.visibility</p:attrName>
-                                        </p:attrNameLst>
-                                      </p:cBhvr>
-                                      <p:to>
-                                        <p:strVal val="visible"/>
-                                      </p:to>
-                                    </p:set>
-                                    <p:anim calcmode="lin" valueType="num">
-                                      <p:cBhvr additive="base">
-                                        <p:cTn id="7" dur="500" fill="hold"/>
-                                        <p:tgtEl>
-                                          <p:spTgt spid="5"/>
-                                        </p:tgtEl>
-                                        <p:attrNameLst>
-                                          <p:attrName>ppt_x</p:attrName>
-                                        </p:attrNameLst>
-                                      </p:cBhvr>
-                                      <p:tavLst>
-                                        <p:tav tm="0">
-                                          <p:val>
-                                            <p:strVal val="#ppt_x"/>
-                                          </p:val>
-                                        </p:tav>
-                                        <p:tav tm="100000">
-                                          <p:val>
-                                            <p:strVal val="#ppt_x"/>
-                                          </p:val>
-                                        </p:tav>
-                                      </p:tavLst>
-                                    </p:anim>
-                                    <p:anim calcmode="lin" valueType="num">
-                                      <p:cBhvr additive="base">
-                                        <p:cTn id="8" dur="500" fill="hold"/>
-                                        <p:tgtEl>
-                                          <p:spTgt spid="5"/>
-                                        </p:tgtEl>
-                                        <p:attrNameLst>
-                                          <p:attrName>ppt_y</p:attrName>
-                                        </p:attrNameLst>
-                                      </p:cBhvr>
-                                      <p:tavLst>
-                                        <p:tav tm="0">
-                                          <p:val>
-                                            <p:strVal val="1+#ppt_h/2"/>
-                                          </p:val>
-                                        </p:tav>
-                                        <p:tav tm="100000">
-                                          <p:val>
-                                            <p:strVal val="#ppt_y"/>
-                                          </p:val>
-                                        </p:tav>
-                                      </p:tavLst>
-                                    </p:anim>
-                                  </p:childTnLst>
-                                </p:cTn>
-                              </p:par>
-                            </p:childTnLst>
-                          </p:cTn>
-                        </p:par>
-                      </p:childTnLst>
-                    </p:cTn>
-                  </p:par>
-                  <p:par>
-                    <p:cTn id="9" fill="hold">
-                      <p:stCondLst>
-                        <p:cond delay="indefinite"/>
-                      </p:stCondLst>
-                      <p:childTnLst>
-                        <p:par>
-                          <p:cTn id="10" fill="hold">
-                            <p:stCondLst>
-                              <p:cond delay="0"/>
-                            </p:stCondLst>
-                            <p:childTnLst>
-                              <p:par>
-                                <p:cTn id="11" presetID="2" presetClass="entr" presetSubtype="4" fill="hold" grpId="0" nodeType="clickEffect">
-                                  <p:stCondLst>
-                                    <p:cond delay="0"/>
-                                  </p:stCondLst>
-                                  <p:childTnLst>
-                                    <p:set>
-                                      <p:cBhvr>
-                                        <p:cTn id="12" dur="1" fill="hold">
-                                          <p:stCondLst>
-                                            <p:cond delay="0"/>
-                                          </p:stCondLst>
-                                        </p:cTn>
-                                        <p:tgtEl>
-                                          <p:spTgt spid="6"/>
-                                        </p:tgtEl>
-                                        <p:attrNameLst>
-                                          <p:attrName>style.visibility</p:attrName>
-                                        </p:attrNameLst>
-                                      </p:cBhvr>
-                                      <p:to>
-                                        <p:strVal val="visible"/>
-                                      </p:to>
-                                    </p:set>
-                                    <p:anim calcmode="lin" valueType="num">
-                                      <p:cBhvr additive="base">
-                                        <p:cTn id="13" dur="500" fill="hold"/>
-                                        <p:tgtEl>
-                                          <p:spTgt spid="6"/>
-                                        </p:tgtEl>
-                                        <p:attrNameLst>
-                                          <p:attrName>ppt_x</p:attrName>
-                                        </p:attrNameLst>
-                                      </p:cBhvr>
-                                      <p:tavLst>
-                                        <p:tav tm="0">
-                                          <p:val>
-                                            <p:strVal val="#ppt_x"/>
-                                          </p:val>
-                                        </p:tav>
-                                        <p:tav tm="100000">
-                                          <p:val>
-                                            <p:strVal val="#ppt_x"/>
-                                          </p:val>
-                                        </p:tav>
-                                      </p:tavLst>
-                                    </p:anim>
-                                    <p:anim calcmode="lin" valueType="num">
-                                      <p:cBhvr additive="base">
-                                        <p:cTn id="14" dur="500" fill="hold"/>
-                                        <p:tgtEl>
-                                          <p:spTgt spid="6"/>
-                                        </p:tgtEl>
-                                        <p:attrNameLst>
-                                          <p:attrName>ppt_y</p:attrName>
-                                        </p:attrNameLst>
-                                      </p:cBhvr>
-                                      <p:tavLst>
-                                        <p:tav tm="0">
-                                          <p:val>
-                                            <p:strVal val="1+#ppt_h/2"/>
-                                          </p:val>
-                                        </p:tav>
-                                        <p:tav tm="100000">
-                                          <p:val>
-                                            <p:strVal val="#ppt_y"/>
-                                          </p:val>
-                                        </p:tav>
-                                      </p:tavLst>
-                                    </p:anim>
-                                  </p:childTnLst>
-                                </p:cTn>
-                              </p:par>
-                            </p:childTnLst>
-                          </p:cTn>
-                        </p:par>
-                      </p:childTnLst>
-                    </p:cTn>
-                  </p:par>
-                </p:childTnLst>
-              </p:cTn>
-              <p:prevCondLst>
-                <p:cond evt="onPrev" delay="0">
-                  <p:tgtEl>
-                    <p:sldTgt/>
-                  </p:tgtEl>
-                </p:cond>
-              </p:prevCondLst>
-              <p:nextCondLst>
-                <p:cond evt="onNext" delay="0">
-                  <p:tgtEl>
-                    <p:sldTgt/>
-                  </p:tgtEl>
-                </p:cond>
-              </p:nextCondLst>
-            </p:seq>
-          </p:childTnLst>
-        </p:cTn>
-      </p:par>
-    </p:tnLst>
-    <p:bldLst>
-      <p:bldP spid="5" grpId="0"/>
-      <p:bldP spid="6" grpId="0"/>
-    </p:bldLst>
-  </p:timing>
-</p:sld>
-</file>
-
-<file path=ppt/slides/slide60.xml><?xml version="1.0" encoding="utf-8"?>
+<file path=ppt/slides/slide59.xml><?xml version="1.0" encoding="utf-8"?>
 <p:sld xmlns:a="http://schemas.openxmlformats.org/drawingml/2006/main" xmlns:r="http://schemas.openxmlformats.org/officeDocument/2006/relationships" xmlns:p="http://schemas.openxmlformats.org/presentationml/2006/main">
   <p:cSld>
     <p:spTree>
@@ -22858,7 +22338,517 @@
 </p:sld>
 </file>
 
-<file path=ppt/slides/slide61.xml><?xml version="1.0" encoding="utf-8"?>
+<file path=ppt/slides/slide6.xml><?xml version="1.0" encoding="utf-8"?>
+<p:sld xmlns:a="http://schemas.openxmlformats.org/drawingml/2006/main" xmlns:r="http://schemas.openxmlformats.org/officeDocument/2006/relationships" xmlns:p="http://schemas.openxmlformats.org/presentationml/2006/main">
+  <p:cSld>
+    <p:spTree>
+      <p:nvGrpSpPr>
+        <p:cNvPr id="1" name=""/>
+        <p:cNvGrpSpPr/>
+        <p:nvPr/>
+      </p:nvGrpSpPr>
+      <p:grpSpPr>
+        <a:xfrm>
+          <a:off x="0" y="0"/>
+          <a:ext cx="0" cy="0"/>
+          <a:chOff x="0" y="0"/>
+          <a:chExt cx="0" cy="0"/>
+        </a:xfrm>
+      </p:grpSpPr>
+      <p:sp>
+        <p:nvSpPr>
+          <p:cNvPr id="2" name="标题 1"/>
+          <p:cNvSpPr>
+            <a:spLocks noGrp="1"/>
+          </p:cNvSpPr>
+          <p:nvPr>
+            <p:ph type="title"/>
+          </p:nvPr>
+        </p:nvSpPr>
+        <p:spPr/>
+        <p:txBody>
+          <a:bodyPr/>
+          <a:lstStyle/>
+          <a:p>
+            <a:pPr algn="l"/>
+            <a:r>
+              <a:rPr lang="en-US" altLang="zh-CN" dirty="0" err="1" smtClean="0"/>
+              <a:t>cppcms</a:t>
+            </a:r>
+            <a:endParaRPr lang="zh-CN" altLang="en-US" dirty="0"/>
+          </a:p>
+        </p:txBody>
+      </p:sp>
+      <p:sp>
+        <p:nvSpPr>
+          <p:cNvPr id="3" name="内容占位符 2"/>
+          <p:cNvSpPr>
+            <a:spLocks noGrp="1"/>
+          </p:cNvSpPr>
+          <p:nvPr>
+            <p:ph idx="1"/>
+          </p:nvPr>
+        </p:nvSpPr>
+        <p:spPr/>
+        <p:txBody>
+          <a:bodyPr/>
+          <a:lstStyle/>
+          <a:p>
+            <a:endParaRPr lang="zh-CN" altLang="en-US" dirty="0"/>
+          </a:p>
+        </p:txBody>
+      </p:sp>
+      <p:sp>
+        <p:nvSpPr>
+          <p:cNvPr id="5" name="矩形 4"/>
+          <p:cNvSpPr/>
+          <p:nvPr/>
+        </p:nvSpPr>
+        <p:spPr>
+          <a:xfrm>
+            <a:off x="4714876" y="2214560"/>
+            <a:ext cx="2851550" cy="584775"/>
+          </a:xfrm>
+          <a:prstGeom prst="rect">
+            <a:avLst/>
+          </a:prstGeom>
+        </p:spPr>
+        <p:txBody>
+          <a:bodyPr wrap="none">
+            <a:spAutoFit/>
+          </a:bodyPr>
+          <a:lstStyle/>
+          <a:p>
+            <a:r>
+              <a:rPr lang="en-US" altLang="zh-CN" sz="1600" dirty="0" smtClean="0"/>
+              <a:t>Need a special compiler to build</a:t>
+            </a:r>
+          </a:p>
+          <a:p>
+            <a:r>
+              <a:rPr lang="en-US" altLang="zh-CN" sz="1600" dirty="0" smtClean="0"/>
+              <a:t>html template</a:t>
+            </a:r>
+            <a:endParaRPr lang="zh-CN" altLang="en-US" sz="1600" dirty="0"/>
+          </a:p>
+        </p:txBody>
+      </p:sp>
+      <p:sp>
+        <p:nvSpPr>
+          <p:cNvPr id="6" name="矩形 5"/>
+          <p:cNvSpPr/>
+          <p:nvPr/>
+        </p:nvSpPr>
+        <p:spPr>
+          <a:xfrm>
+            <a:off x="4357686" y="3214692"/>
+            <a:ext cx="3750322" cy="338554"/>
+          </a:xfrm>
+          <a:prstGeom prst="rect">
+            <a:avLst/>
+          </a:prstGeom>
+        </p:spPr>
+        <p:txBody>
+          <a:bodyPr wrap="none">
+            <a:spAutoFit/>
+          </a:bodyPr>
+          <a:lstStyle/>
+          <a:p>
+            <a:r>
+              <a:rPr lang="en-US" altLang="zh-CN" sz="1600" dirty="0" err="1" smtClean="0"/>
+              <a:t>Cppcms</a:t>
+            </a:r>
+            <a:r>
+              <a:rPr lang="en-US" altLang="zh-CN" sz="1600" dirty="0" smtClean="0"/>
+              <a:t> is not easy to use, not modern </a:t>
+            </a:r>
+            <a:r>
+              <a:rPr lang="en-US" altLang="zh-CN" sz="1600" dirty="0" err="1" smtClean="0"/>
+              <a:t>c++</a:t>
+            </a:r>
+            <a:endParaRPr lang="zh-CN" altLang="en-US" sz="1600" dirty="0"/>
+          </a:p>
+        </p:txBody>
+      </p:sp>
+      <p:sp>
+        <p:nvSpPr>
+          <p:cNvPr id="7" name="矩形 6"/>
+          <p:cNvSpPr/>
+          <p:nvPr/>
+        </p:nvSpPr>
+        <p:spPr>
+          <a:xfrm>
+            <a:off x="4214810" y="1643056"/>
+            <a:ext cx="4251870" cy="338554"/>
+          </a:xfrm>
+          <a:prstGeom prst="rect">
+            <a:avLst/>
+          </a:prstGeom>
+        </p:spPr>
+        <p:txBody>
+          <a:bodyPr wrap="none">
+            <a:spAutoFit/>
+          </a:bodyPr>
+          <a:lstStyle/>
+          <a:p>
+            <a:r>
+              <a:rPr lang="en-US" altLang="zh-CN" sz="1600" dirty="0" smtClean="0"/>
+              <a:t>You have to know many details of the framework</a:t>
+            </a:r>
+            <a:endParaRPr lang="zh-CN" altLang="en-US" sz="1600" dirty="0"/>
+          </a:p>
+        </p:txBody>
+      </p:sp>
+      <p:pic>
+        <p:nvPicPr>
+          <p:cNvPr id="1027" name="Picture 3"/>
+          <p:cNvPicPr>
+            <a:picLocks noChangeAspect="1" noChangeArrowheads="1"/>
+          </p:cNvPicPr>
+          <p:nvPr/>
+        </p:nvPicPr>
+        <p:blipFill>
+          <a:blip r:embed="rId2"/>
+          <a:srcRect/>
+          <a:stretch>
+            <a:fillRect/>
+          </a:stretch>
+        </p:blipFill>
+        <p:spPr bwMode="auto">
+          <a:xfrm>
+            <a:off x="500192" y="1214428"/>
+            <a:ext cx="3571742" cy="2357454"/>
+          </a:xfrm>
+          <a:prstGeom prst="rect">
+            <a:avLst/>
+          </a:prstGeom>
+          <a:noFill/>
+          <a:ln w="9525">
+            <a:noFill/>
+            <a:miter lim="800000"/>
+            <a:headEnd/>
+            <a:tailEnd/>
+          </a:ln>
+          <a:effectLst/>
+        </p:spPr>
+      </p:pic>
+    </p:spTree>
+  </p:cSld>
+  <p:clrMapOvr>
+    <a:masterClrMapping/>
+  </p:clrMapOvr>
+  <p:timing>
+    <p:tnLst>
+      <p:par>
+        <p:cTn id="1" dur="indefinite" restart="never" nodeType="tmRoot">
+          <p:childTnLst>
+            <p:seq concurrent="1" nextAc="seek">
+              <p:cTn id="2" dur="indefinite" nodeType="mainSeq">
+                <p:childTnLst>
+                  <p:par>
+                    <p:cTn id="3" fill="hold">
+                      <p:stCondLst>
+                        <p:cond delay="indefinite"/>
+                      </p:stCondLst>
+                      <p:childTnLst>
+                        <p:par>
+                          <p:cTn id="4" fill="hold">
+                            <p:stCondLst>
+                              <p:cond delay="0"/>
+                            </p:stCondLst>
+                            <p:childTnLst>
+                              <p:par>
+                                <p:cTn id="5" presetID="2" presetClass="entr" presetSubtype="4" fill="hold" grpId="0" nodeType="clickEffect">
+                                  <p:stCondLst>
+                                    <p:cond delay="0"/>
+                                  </p:stCondLst>
+                                  <p:childTnLst>
+                                    <p:set>
+                                      <p:cBhvr>
+                                        <p:cTn id="6" dur="1" fill="hold">
+                                          <p:stCondLst>
+                                            <p:cond delay="0"/>
+                                          </p:stCondLst>
+                                        </p:cTn>
+                                        <p:tgtEl>
+                                          <p:spTgt spid="7"/>
+                                        </p:tgtEl>
+                                        <p:attrNameLst>
+                                          <p:attrName>style.visibility</p:attrName>
+                                        </p:attrNameLst>
+                                      </p:cBhvr>
+                                      <p:to>
+                                        <p:strVal val="visible"/>
+                                      </p:to>
+                                    </p:set>
+                                    <p:anim calcmode="lin" valueType="num">
+                                      <p:cBhvr additive="base">
+                                        <p:cTn id="7" dur="500" fill="hold"/>
+                                        <p:tgtEl>
+                                          <p:spTgt spid="7"/>
+                                        </p:tgtEl>
+                                        <p:attrNameLst>
+                                          <p:attrName>ppt_x</p:attrName>
+                                        </p:attrNameLst>
+                                      </p:cBhvr>
+                                      <p:tavLst>
+                                        <p:tav tm="0">
+                                          <p:val>
+                                            <p:strVal val="#ppt_x"/>
+                                          </p:val>
+                                        </p:tav>
+                                        <p:tav tm="100000">
+                                          <p:val>
+                                            <p:strVal val="#ppt_x"/>
+                                          </p:val>
+                                        </p:tav>
+                                      </p:tavLst>
+                                    </p:anim>
+                                    <p:anim calcmode="lin" valueType="num">
+                                      <p:cBhvr additive="base">
+                                        <p:cTn id="8" dur="500" fill="hold"/>
+                                        <p:tgtEl>
+                                          <p:spTgt spid="7"/>
+                                        </p:tgtEl>
+                                        <p:attrNameLst>
+                                          <p:attrName>ppt_y</p:attrName>
+                                        </p:attrNameLst>
+                                      </p:cBhvr>
+                                      <p:tavLst>
+                                        <p:tav tm="0">
+                                          <p:val>
+                                            <p:strVal val="1+#ppt_h/2"/>
+                                          </p:val>
+                                        </p:tav>
+                                        <p:tav tm="100000">
+                                          <p:val>
+                                            <p:strVal val="#ppt_y"/>
+                                          </p:val>
+                                        </p:tav>
+                                      </p:tavLst>
+                                    </p:anim>
+                                  </p:childTnLst>
+                                </p:cTn>
+                              </p:par>
+                            </p:childTnLst>
+                          </p:cTn>
+                        </p:par>
+                      </p:childTnLst>
+                    </p:cTn>
+                  </p:par>
+                  <p:par>
+                    <p:cTn id="9" fill="hold">
+                      <p:stCondLst>
+                        <p:cond delay="indefinite"/>
+                      </p:stCondLst>
+                      <p:childTnLst>
+                        <p:par>
+                          <p:cTn id="10" fill="hold">
+                            <p:stCondLst>
+                              <p:cond delay="0"/>
+                            </p:stCondLst>
+                            <p:childTnLst>
+                              <p:par>
+                                <p:cTn id="11" presetID="2" presetClass="entr" presetSubtype="4" fill="hold" grpId="0" nodeType="clickEffect">
+                                  <p:stCondLst>
+                                    <p:cond delay="0"/>
+                                  </p:stCondLst>
+                                  <p:childTnLst>
+                                    <p:set>
+                                      <p:cBhvr>
+                                        <p:cTn id="12" dur="1" fill="hold">
+                                          <p:stCondLst>
+                                            <p:cond delay="0"/>
+                                          </p:stCondLst>
+                                        </p:cTn>
+                                        <p:tgtEl>
+                                          <p:spTgt spid="5"/>
+                                        </p:tgtEl>
+                                        <p:attrNameLst>
+                                          <p:attrName>style.visibility</p:attrName>
+                                        </p:attrNameLst>
+                                      </p:cBhvr>
+                                      <p:to>
+                                        <p:strVal val="visible"/>
+                                      </p:to>
+                                    </p:set>
+                                    <p:anim calcmode="lin" valueType="num">
+                                      <p:cBhvr additive="base">
+                                        <p:cTn id="13" dur="500" fill="hold"/>
+                                        <p:tgtEl>
+                                          <p:spTgt spid="5"/>
+                                        </p:tgtEl>
+                                        <p:attrNameLst>
+                                          <p:attrName>ppt_x</p:attrName>
+                                        </p:attrNameLst>
+                                      </p:cBhvr>
+                                      <p:tavLst>
+                                        <p:tav tm="0">
+                                          <p:val>
+                                            <p:strVal val="#ppt_x"/>
+                                          </p:val>
+                                        </p:tav>
+                                        <p:tav tm="100000">
+                                          <p:val>
+                                            <p:strVal val="#ppt_x"/>
+                                          </p:val>
+                                        </p:tav>
+                                      </p:tavLst>
+                                    </p:anim>
+                                    <p:anim calcmode="lin" valueType="num">
+                                      <p:cBhvr additive="base">
+                                        <p:cTn id="14" dur="500" fill="hold"/>
+                                        <p:tgtEl>
+                                          <p:spTgt spid="5"/>
+                                        </p:tgtEl>
+                                        <p:attrNameLst>
+                                          <p:attrName>ppt_y</p:attrName>
+                                        </p:attrNameLst>
+                                      </p:cBhvr>
+                                      <p:tavLst>
+                                        <p:tav tm="0">
+                                          <p:val>
+                                            <p:strVal val="1+#ppt_h/2"/>
+                                          </p:val>
+                                        </p:tav>
+                                        <p:tav tm="100000">
+                                          <p:val>
+                                            <p:strVal val="#ppt_y"/>
+                                          </p:val>
+                                        </p:tav>
+                                      </p:tavLst>
+                                    </p:anim>
+                                  </p:childTnLst>
+                                </p:cTn>
+                              </p:par>
+                            </p:childTnLst>
+                          </p:cTn>
+                        </p:par>
+                      </p:childTnLst>
+                    </p:cTn>
+                  </p:par>
+                  <p:par>
+                    <p:cTn id="15" fill="hold">
+                      <p:stCondLst>
+                        <p:cond delay="indefinite"/>
+                      </p:stCondLst>
+                      <p:childTnLst>
+                        <p:par>
+                          <p:cTn id="16" fill="hold">
+                            <p:stCondLst>
+                              <p:cond delay="0"/>
+                            </p:stCondLst>
+                            <p:childTnLst>
+                              <p:par>
+                                <p:cTn id="17" presetID="2" presetClass="entr" presetSubtype="4" fill="hold" grpId="0" nodeType="clickEffect">
+                                  <p:stCondLst>
+                                    <p:cond delay="0"/>
+                                  </p:stCondLst>
+                                  <p:childTnLst>
+                                    <p:set>
+                                      <p:cBhvr>
+                                        <p:cTn id="18" dur="1" fill="hold">
+                                          <p:stCondLst>
+                                            <p:cond delay="0"/>
+                                          </p:stCondLst>
+                                        </p:cTn>
+                                        <p:tgtEl>
+                                          <p:spTgt spid="6"/>
+                                        </p:tgtEl>
+                                        <p:attrNameLst>
+                                          <p:attrName>style.visibility</p:attrName>
+                                        </p:attrNameLst>
+                                      </p:cBhvr>
+                                      <p:to>
+                                        <p:strVal val="visible"/>
+                                      </p:to>
+                                    </p:set>
+                                    <p:anim calcmode="lin" valueType="num">
+                                      <p:cBhvr additive="base">
+                                        <p:cTn id="19" dur="500" fill="hold"/>
+                                        <p:tgtEl>
+                                          <p:spTgt spid="6"/>
+                                        </p:tgtEl>
+                                        <p:attrNameLst>
+                                          <p:attrName>ppt_x</p:attrName>
+                                        </p:attrNameLst>
+                                      </p:cBhvr>
+                                      <p:tavLst>
+                                        <p:tav tm="0">
+                                          <p:val>
+                                            <p:strVal val="#ppt_x"/>
+                                          </p:val>
+                                        </p:tav>
+                                        <p:tav tm="100000">
+                                          <p:val>
+                                            <p:strVal val="#ppt_x"/>
+                                          </p:val>
+                                        </p:tav>
+                                      </p:tavLst>
+                                    </p:anim>
+                                    <p:anim calcmode="lin" valueType="num">
+                                      <p:cBhvr additive="base">
+                                        <p:cTn id="20" dur="500" fill="hold"/>
+                                        <p:tgtEl>
+                                          <p:spTgt spid="6"/>
+                                        </p:tgtEl>
+                                        <p:attrNameLst>
+                                          <p:attrName>ppt_y</p:attrName>
+                                        </p:attrNameLst>
+                                      </p:cBhvr>
+                                      <p:tavLst>
+                                        <p:tav tm="0">
+                                          <p:val>
+                                            <p:strVal val="1+#ppt_h/2"/>
+                                          </p:val>
+                                        </p:tav>
+                                        <p:tav tm="100000">
+                                          <p:val>
+                                            <p:strVal val="#ppt_y"/>
+                                          </p:val>
+                                        </p:tav>
+                                      </p:tavLst>
+                                    </p:anim>
+                                  </p:childTnLst>
+                                </p:cTn>
+                              </p:par>
+                            </p:childTnLst>
+                          </p:cTn>
+                        </p:par>
+                      </p:childTnLst>
+                    </p:cTn>
+                  </p:par>
+                </p:childTnLst>
+              </p:cTn>
+              <p:prevCondLst>
+                <p:cond evt="onPrev" delay="0">
+                  <p:tgtEl>
+                    <p:sldTgt/>
+                  </p:tgtEl>
+                </p:cond>
+              </p:prevCondLst>
+              <p:nextCondLst>
+                <p:cond evt="onNext" delay="0">
+                  <p:tgtEl>
+                    <p:sldTgt/>
+                  </p:tgtEl>
+                </p:cond>
+              </p:nextCondLst>
+            </p:seq>
+          </p:childTnLst>
+        </p:cTn>
+      </p:par>
+    </p:tnLst>
+    <p:bldLst>
+      <p:bldP spid="5" grpId="0"/>
+      <p:bldP spid="6" grpId="0"/>
+      <p:bldP spid="7" grpId="0"/>
+    </p:bldLst>
+  </p:timing>
+</p:sld>
+</file>
+
+<file path=ppt/slides/slide60.xml><?xml version="1.0" encoding="utf-8"?>
 <p:sld xmlns:a="http://schemas.openxmlformats.org/drawingml/2006/main" xmlns:r="http://schemas.openxmlformats.org/officeDocument/2006/relationships" xmlns:p="http://schemas.openxmlformats.org/presentationml/2006/main">
   <p:cSld>
     <p:spTree>
@@ -22962,7 +22952,7 @@
 </p:sld>
 </file>
 
-<file path=ppt/slides/slide62.xml><?xml version="1.0" encoding="utf-8"?>
+<file path=ppt/slides/slide61.xml><?xml version="1.0" encoding="utf-8"?>
 <p:sld xmlns:a="http://schemas.openxmlformats.org/drawingml/2006/main" xmlns:r="http://schemas.openxmlformats.org/officeDocument/2006/relationships" xmlns:p="http://schemas.openxmlformats.org/presentationml/2006/main">
   <p:cSld>
     <p:spTree>
@@ -23091,7 +23081,7 @@
 </p:sld>
 </file>
 
-<file path=ppt/slides/slide63.xml><?xml version="1.0" encoding="utf-8"?>
+<file path=ppt/slides/slide62.xml><?xml version="1.0" encoding="utf-8"?>
 <p:sld xmlns:a="http://schemas.openxmlformats.org/drawingml/2006/main" xmlns:r="http://schemas.openxmlformats.org/officeDocument/2006/relationships" xmlns:p="http://schemas.openxmlformats.org/presentationml/2006/main">
   <p:cSld>
     <p:spTree>
@@ -23199,7 +23189,7 @@
 </p:sld>
 </file>
 
-<file path=ppt/slides/slide64.xml><?xml version="1.0" encoding="utf-8"?>
+<file path=ppt/slides/slide63.xml><?xml version="1.0" encoding="utf-8"?>
 <p:sld xmlns:a="http://schemas.openxmlformats.org/drawingml/2006/main" xmlns:r="http://schemas.openxmlformats.org/officeDocument/2006/relationships" xmlns:p="http://schemas.openxmlformats.org/presentationml/2006/main">
   <p:cSld>
     <p:spTree>
@@ -23340,7 +23330,7 @@
 </p:sld>
 </file>
 
-<file path=ppt/slides/slide65.xml><?xml version="1.0" encoding="utf-8"?>
+<file path=ppt/slides/slide64.xml><?xml version="1.0" encoding="utf-8"?>
 <p:sld xmlns:a="http://schemas.openxmlformats.org/drawingml/2006/main" xmlns:r="http://schemas.openxmlformats.org/officeDocument/2006/relationships" xmlns:p="http://schemas.openxmlformats.org/presentationml/2006/main">
   <p:cSld>
     <p:spTree>
@@ -23444,7 +23434,7 @@
 </p:sld>
 </file>
 
-<file path=ppt/slides/slide66.xml><?xml version="1.0" encoding="utf-8"?>
+<file path=ppt/slides/slide65.xml><?xml version="1.0" encoding="utf-8"?>
 <p:sld xmlns:a="http://schemas.openxmlformats.org/drawingml/2006/main" xmlns:r="http://schemas.openxmlformats.org/officeDocument/2006/relationships" xmlns:p="http://schemas.openxmlformats.org/presentationml/2006/main">
   <p:cSld>
     <p:spTree>
@@ -23838,7 +23828,7 @@
 </p:sld>
 </file>
 
-<file path=ppt/slides/slide67.xml><?xml version="1.0" encoding="utf-8"?>
+<file path=ppt/slides/slide66.xml><?xml version="1.0" encoding="utf-8"?>
 <p:sld xmlns:a="http://schemas.openxmlformats.org/drawingml/2006/main" xmlns:r="http://schemas.openxmlformats.org/officeDocument/2006/relationships" xmlns:p="http://schemas.openxmlformats.org/presentationml/2006/main">
   <p:cSld>
     <p:spTree>
@@ -23972,6 +23962,135 @@
 </p:sld>
 </file>
 
+<file path=ppt/slides/slide67.xml><?xml version="1.0" encoding="utf-8"?>
+<p:sld xmlns:a="http://schemas.openxmlformats.org/drawingml/2006/main" xmlns:r="http://schemas.openxmlformats.org/officeDocument/2006/relationships" xmlns:p="http://schemas.openxmlformats.org/presentationml/2006/main">
+  <p:cSld>
+    <p:spTree>
+      <p:nvGrpSpPr>
+        <p:cNvPr id="1" name=""/>
+        <p:cNvGrpSpPr/>
+        <p:nvPr/>
+      </p:nvGrpSpPr>
+      <p:grpSpPr>
+        <a:xfrm>
+          <a:off x="0" y="0"/>
+          <a:ext cx="0" cy="0"/>
+          <a:chOff x="0" y="0"/>
+          <a:chExt cx="0" cy="0"/>
+        </a:xfrm>
+      </p:grpSpPr>
+      <p:sp>
+        <p:nvSpPr>
+          <p:cNvPr id="2" name="标题 1"/>
+          <p:cNvSpPr>
+            <a:spLocks noGrp="1"/>
+          </p:cNvSpPr>
+          <p:nvPr>
+            <p:ph type="title"/>
+          </p:nvPr>
+        </p:nvSpPr>
+        <p:spPr/>
+        <p:txBody>
+          <a:bodyPr/>
+          <a:lstStyle/>
+          <a:p>
+            <a:pPr algn="l"/>
+            <a:r>
+              <a:rPr lang="en-US" altLang="zh-CN" dirty="0" smtClean="0"/>
+              <a:t>How to rapidly develop</a:t>
+            </a:r>
+            <a:endParaRPr lang="zh-CN" altLang="en-US" dirty="0"/>
+          </a:p>
+        </p:txBody>
+      </p:sp>
+      <p:sp>
+        <p:nvSpPr>
+          <p:cNvPr id="3" name="内容占位符 2"/>
+          <p:cNvSpPr>
+            <a:spLocks noGrp="1"/>
+          </p:cNvSpPr>
+          <p:nvPr>
+            <p:ph idx="1"/>
+          </p:nvPr>
+        </p:nvSpPr>
+        <p:spPr/>
+        <p:txBody>
+          <a:bodyPr>
+            <a:normAutofit/>
+          </a:bodyPr>
+          <a:lstStyle/>
+          <a:p>
+            <a:r>
+              <a:rPr lang="en-US" altLang="zh-CN" sz="2400" dirty="0" smtClean="0"/>
+              <a:t>Focus on business function</a:t>
+            </a:r>
+          </a:p>
+          <a:p>
+            <a:r>
+              <a:rPr lang="en-US" altLang="zh-CN" sz="2400" dirty="0" smtClean="0"/>
+              <a:t>Separate core business and non-core business</a:t>
+            </a:r>
+          </a:p>
+          <a:p>
+            <a:r>
+              <a:rPr lang="en-US" altLang="zh-CN" sz="2400" dirty="0" smtClean="0"/>
+              <a:t>Utilize the framework to help you to solve trivial details</a:t>
+            </a:r>
+          </a:p>
+          <a:p>
+            <a:pPr lvl="1"/>
+            <a:r>
+              <a:rPr lang="en-US" altLang="zh-CN" sz="2000" dirty="0" smtClean="0"/>
+              <a:t>Use </a:t>
+            </a:r>
+            <a:r>
+              <a:rPr lang="en-US" altLang="zh-CN" sz="2000" dirty="0" err="1" smtClean="0"/>
+              <a:t>cinatra</a:t>
+            </a:r>
+            <a:r>
+              <a:rPr lang="en-US" altLang="zh-CN" sz="2000" dirty="0" smtClean="0"/>
+              <a:t> to solve http details, just need focus on the parsed results</a:t>
+            </a:r>
+          </a:p>
+          <a:p>
+            <a:pPr lvl="1"/>
+            <a:r>
+              <a:rPr lang="en-US" altLang="zh-CN" sz="2000" dirty="0" smtClean="0"/>
+              <a:t>Use </a:t>
+            </a:r>
+            <a:r>
+              <a:rPr lang="en-US" altLang="zh-CN" sz="2000" dirty="0" err="1" smtClean="0"/>
+              <a:t>ormpp</a:t>
+            </a:r>
+            <a:r>
+              <a:rPr lang="en-US" altLang="zh-CN" sz="2000" dirty="0" smtClean="0"/>
+              <a:t> to solve the database details, just need focus on objects mapped from the database</a:t>
+            </a:r>
+          </a:p>
+          <a:p>
+            <a:pPr lvl="1"/>
+            <a:r>
+              <a:rPr lang="en-US" altLang="zh-CN" sz="2000" dirty="0" smtClean="0"/>
+              <a:t>Use render to solve html details, just need focus on how to fill the template</a:t>
+            </a:r>
+          </a:p>
+        </p:txBody>
+      </p:sp>
+    </p:spTree>
+  </p:cSld>
+  <p:clrMapOvr>
+    <a:masterClrMapping/>
+  </p:clrMapOvr>
+  <p:timing>
+    <p:tnLst>
+      <p:par>
+        <p:cTn id="1" dur="indefinite" restart="never" nodeType="tmRoot"/>
+      </p:par>
+    </p:tnLst>
+  </p:timing>
+</p:sld>
+</file>
+
 <file path=ppt/slides/slide68.xml><?xml version="1.0" encoding="utf-8"?>
 <p:sld xmlns:a="http://schemas.openxmlformats.org/drawingml/2006/main" xmlns:r="http://schemas.openxmlformats.org/officeDocument/2006/relationships" xmlns:p="http://schemas.openxmlformats.org/presentationml/2006/main">
   <p:cSld>
@@ -24004,12 +24123,7 @@
           <a:bodyPr/>
           <a:lstStyle/>
           <a:p>
-            <a:pPr algn="l"/>
-            <a:r>
-              <a:rPr lang="en-US" altLang="zh-CN" dirty="0" smtClean="0"/>
-              <a:t>How to rapidly develop</a:t>
-            </a:r>
-            <a:endParaRPr lang="zh-CN" altLang="en-US" dirty="0"/>
+            <a:endParaRPr lang="zh-CN" altLang="en-US"/>
           </a:p>
         </p:txBody>
       </p:sp>
@@ -24025,64 +24139,39 @@
         </p:nvSpPr>
         <p:spPr/>
         <p:txBody>
-          <a:bodyPr>
-            <a:normAutofit/>
+          <a:bodyPr/>
+          <a:lstStyle/>
+          <a:p>
+            <a:endParaRPr lang="zh-CN" altLang="en-US" dirty="0"/>
+          </a:p>
+        </p:txBody>
+      </p:sp>
+      <p:sp>
+        <p:nvSpPr>
+          <p:cNvPr id="4" name="矩形 3"/>
+          <p:cNvSpPr/>
+          <p:nvPr/>
+        </p:nvSpPr>
+        <p:spPr>
+          <a:xfrm>
+            <a:off x="3571868" y="1928808"/>
+            <a:ext cx="1132490" cy="769441"/>
+          </a:xfrm>
+          <a:prstGeom prst="rect">
+            <a:avLst/>
+          </a:prstGeom>
+        </p:spPr>
+        <p:txBody>
+          <a:bodyPr wrap="none">
+            <a:spAutoFit/>
           </a:bodyPr>
           <a:lstStyle/>
           <a:p>
             <a:r>
-              <a:rPr lang="en-US" altLang="zh-CN" sz="2400" dirty="0" smtClean="0"/>
-              <a:t>Focus on business function</a:t>
-            </a:r>
-          </a:p>
-          <a:p>
-            <a:r>
-              <a:rPr lang="en-US" altLang="zh-CN" sz="2400" dirty="0" smtClean="0"/>
-              <a:t>Separate core business and non-core business</a:t>
-            </a:r>
-          </a:p>
-          <a:p>
-            <a:r>
-              <a:rPr lang="en-US" altLang="zh-CN" sz="2400" dirty="0" smtClean="0"/>
-              <a:t>Utilize the framework to help you to solve trivial details</a:t>
-            </a:r>
-          </a:p>
-          <a:p>
-            <a:pPr lvl="1"/>
-            <a:r>
-              <a:rPr lang="en-US" altLang="zh-CN" sz="2000" dirty="0" smtClean="0"/>
-              <a:t>Use </a:t>
-            </a:r>
-            <a:r>
-              <a:rPr lang="en-US" altLang="zh-CN" sz="2000" dirty="0" err="1" smtClean="0"/>
-              <a:t>cinatra</a:t>
-            </a:r>
-            <a:r>
-              <a:rPr lang="en-US" altLang="zh-CN" sz="2000" dirty="0" smtClean="0"/>
-              <a:t> to solve http details, just need focus on the parsed results</a:t>
-            </a:r>
-          </a:p>
-          <a:p>
-            <a:pPr lvl="1"/>
-            <a:r>
-              <a:rPr lang="en-US" altLang="zh-CN" sz="2000" dirty="0" smtClean="0"/>
-              <a:t>Use </a:t>
-            </a:r>
-            <a:r>
-              <a:rPr lang="en-US" altLang="zh-CN" sz="2000" dirty="0" err="1" smtClean="0"/>
-              <a:t>ormpp</a:t>
-            </a:r>
-            <a:r>
-              <a:rPr lang="en-US" altLang="zh-CN" sz="2000" dirty="0" smtClean="0"/>
-              <a:t> to solve the database details, just need focus on objects mapped from the database</a:t>
-            </a:r>
-          </a:p>
-          <a:p>
-            <a:pPr lvl="1"/>
-            <a:r>
-              <a:rPr lang="en-US" altLang="zh-CN" sz="2000" dirty="0" smtClean="0"/>
-              <a:t>Use render to solve html details, just need focus on how to fill the template</a:t>
-            </a:r>
+              <a:rPr lang="en-US" altLang="zh-CN" sz="4400" b="1" dirty="0" smtClean="0"/>
+              <a:t>FAQ</a:t>
+            </a:r>
+            <a:endParaRPr lang="zh-CN" altLang="en-US" sz="4400" b="1" dirty="0"/>
           </a:p>
         </p:txBody>
       </p:sp>
@@ -24152,7 +24241,7 @@
           <a:bodyPr/>
           <a:lstStyle/>
           <a:p>
-            <a:endParaRPr lang="zh-CN" altLang="en-US" dirty="0"/>
+            <a:endParaRPr lang="zh-CN" altLang="en-US"/>
           </a:p>
         </p:txBody>
       </p:sp>
@@ -24164,8 +24253,8 @@
         </p:nvSpPr>
         <p:spPr>
           <a:xfrm>
-            <a:off x="3571868" y="1928808"/>
-            <a:ext cx="1132490" cy="769441"/>
+            <a:off x="2714612" y="2071684"/>
+            <a:ext cx="2615139" cy="769441"/>
           </a:xfrm>
           <a:prstGeom prst="rect">
             <a:avLst/>
@@ -24179,7 +24268,7 @@
           <a:p>
             <a:r>
               <a:rPr lang="en-US" altLang="zh-CN" sz="4400" b="1" dirty="0" smtClean="0"/>
-              <a:t>FAQ</a:t>
+              <a:t>Thank you</a:t>
             </a:r>
             <a:endParaRPr lang="zh-CN" altLang="en-US" sz="4400" b="1" dirty="0"/>
           </a:p>
@@ -24291,105 +24380,6 @@
               <a:buNone/>
             </a:pPr>
             <a:endParaRPr lang="en-US" altLang="zh-CN" dirty="0" smtClean="0"/>
-          </a:p>
-        </p:txBody>
-      </p:sp>
-    </p:spTree>
-  </p:cSld>
-  <p:clrMapOvr>
-    <a:masterClrMapping/>
-  </p:clrMapOvr>
-  <p:timing>
-    <p:tnLst>
-      <p:par>
-        <p:cTn id="1" dur="indefinite" restart="never" nodeType="tmRoot"/>
-      </p:par>
-    </p:tnLst>
-  </p:timing>
-</p:sld>
-</file>
-
-<file path=ppt/slides/slide70.xml><?xml version="1.0" encoding="utf-8"?>
-<p:sld xmlns:a="http://schemas.openxmlformats.org/drawingml/2006/main" xmlns:r="http://schemas.openxmlformats.org/officeDocument/2006/relationships" xmlns:p="http://schemas.openxmlformats.org/presentationml/2006/main">
-  <p:cSld>
-    <p:spTree>
-      <p:nvGrpSpPr>
-        <p:cNvPr id="1" name=""/>
-        <p:cNvGrpSpPr/>
-        <p:nvPr/>
-      </p:nvGrpSpPr>
-      <p:grpSpPr>
-        <a:xfrm>
-          <a:off x="0" y="0"/>
-          <a:ext cx="0" cy="0"/>
-          <a:chOff x="0" y="0"/>
-          <a:chExt cx="0" cy="0"/>
-        </a:xfrm>
-      </p:grpSpPr>
-      <p:sp>
-        <p:nvSpPr>
-          <p:cNvPr id="2" name="标题 1"/>
-          <p:cNvSpPr>
-            <a:spLocks noGrp="1"/>
-          </p:cNvSpPr>
-          <p:nvPr>
-            <p:ph type="title"/>
-          </p:nvPr>
-        </p:nvSpPr>
-        <p:spPr/>
-        <p:txBody>
-          <a:bodyPr/>
-          <a:lstStyle/>
-          <a:p>
-            <a:endParaRPr lang="zh-CN" altLang="en-US"/>
-          </a:p>
-        </p:txBody>
-      </p:sp>
-      <p:sp>
-        <p:nvSpPr>
-          <p:cNvPr id="3" name="内容占位符 2"/>
-          <p:cNvSpPr>
-            <a:spLocks noGrp="1"/>
-          </p:cNvSpPr>
-          <p:nvPr>
-            <p:ph idx="1"/>
-          </p:nvPr>
-        </p:nvSpPr>
-        <p:spPr/>
-        <p:txBody>
-          <a:bodyPr/>
-          <a:lstStyle/>
-          <a:p>
-            <a:endParaRPr lang="zh-CN" altLang="en-US"/>
-          </a:p>
-        </p:txBody>
-      </p:sp>
-      <p:sp>
-        <p:nvSpPr>
-          <p:cNvPr id="4" name="矩形 3"/>
-          <p:cNvSpPr/>
-          <p:nvPr/>
-        </p:nvSpPr>
-        <p:spPr>
-          <a:xfrm>
-            <a:off x="2714612" y="2071684"/>
-            <a:ext cx="2615139" cy="769441"/>
-          </a:xfrm>
-          <a:prstGeom prst="rect">
-            <a:avLst/>
-          </a:prstGeom>
-        </p:spPr>
-        <p:txBody>
-          <a:bodyPr wrap="none">
-            <a:spAutoFit/>
-          </a:bodyPr>
-          <a:lstStyle/>
-          <a:p>
-            <a:r>
-              <a:rPr lang="en-US" altLang="zh-CN" sz="4400" b="1" dirty="0" smtClean="0"/>
-              <a:t>Thank you</a:t>
-            </a:r>
-            <a:endParaRPr lang="zh-CN" altLang="en-US" sz="4400" b="1" dirty="0"/>
           </a:p>
         </p:txBody>
       </p:sp>
@@ -24503,7 +24493,7 @@
       </p:pic>
       <p:pic>
         <p:nvPicPr>
-          <p:cNvPr id="2051" name="Picture 3"/>
+          <p:cNvPr id="2053" name="Picture 5"/>
           <p:cNvPicPr>
             <a:picLocks noChangeAspect="1" noChangeArrowheads="1"/>
           </p:cNvPicPr>
@@ -24518,40 +24508,7 @@
         </p:blipFill>
         <p:spPr bwMode="auto">
           <a:xfrm>
-            <a:off x="500034" y="1785932"/>
-            <a:ext cx="6357982" cy="1100831"/>
-          </a:xfrm>
-          <a:prstGeom prst="rect">
-            <a:avLst/>
-          </a:prstGeom>
-          <a:noFill/>
-          <a:ln w="9525">
-            <a:noFill/>
-            <a:miter lim="800000"/>
-            <a:headEnd/>
-            <a:tailEnd/>
-          </a:ln>
-          <a:effectLst/>
-        </p:spPr>
-      </p:pic>
-      <p:pic>
-        <p:nvPicPr>
-          <p:cNvPr id="2053" name="Picture 5"/>
-          <p:cNvPicPr>
-            <a:picLocks noChangeAspect="1" noChangeArrowheads="1"/>
-          </p:cNvPicPr>
-          <p:nvPr/>
-        </p:nvPicPr>
-        <p:blipFill>
-          <a:blip r:embed="rId4"/>
-          <a:srcRect/>
-          <a:stretch>
-            <a:fillRect/>
-          </a:stretch>
-        </p:blipFill>
-        <p:spPr bwMode="auto">
-          <a:xfrm>
-            <a:off x="500034" y="2857502"/>
+            <a:off x="500034" y="1857370"/>
             <a:ext cx="5778540" cy="2000264"/>
           </a:xfrm>
           <a:prstGeom prst="rect">
@@ -24567,6 +24524,68 @@
           <a:effectLst/>
         </p:spPr>
       </p:pic>
+      <p:sp>
+        <p:nvSpPr>
+          <p:cNvPr id="7" name="矩形 6"/>
+          <p:cNvSpPr/>
+          <p:nvPr/>
+        </p:nvSpPr>
+        <p:spPr>
+          <a:xfrm>
+            <a:off x="1714480" y="3643320"/>
+            <a:ext cx="3978974" cy="369332"/>
+          </a:xfrm>
+          <a:prstGeom prst="rect">
+            <a:avLst/>
+          </a:prstGeom>
+        </p:spPr>
+        <p:txBody>
+          <a:bodyPr wrap="none">
+            <a:spAutoFit/>
+          </a:bodyPr>
+          <a:lstStyle/>
+          <a:p>
+            <a:r>
+              <a:rPr lang="en-US" altLang="zh-CN" dirty="0" smtClean="0"/>
+              <a:t>A little complicated, not very easy to use</a:t>
+            </a:r>
+            <a:endParaRPr lang="en-US" altLang="zh-CN" dirty="0" smtClean="0"/>
+          </a:p>
+        </p:txBody>
+      </p:sp>
+      <p:sp>
+        <p:nvSpPr>
+          <p:cNvPr id="8" name="矩形 7"/>
+          <p:cNvSpPr/>
+          <p:nvPr/>
+        </p:nvSpPr>
+        <p:spPr>
+          <a:xfrm>
+            <a:off x="1714480" y="4000510"/>
+            <a:ext cx="3064813" cy="369332"/>
+          </a:xfrm>
+          <a:prstGeom prst="rect">
+            <a:avLst/>
+          </a:prstGeom>
+        </p:spPr>
+        <p:txBody>
+          <a:bodyPr wrap="none">
+            <a:spAutoFit/>
+          </a:bodyPr>
+          <a:lstStyle/>
+          <a:p>
+            <a:r>
+              <a:rPr lang="en-US" altLang="zh-CN" dirty="0" smtClean="0"/>
+              <a:t>No html </a:t>
+            </a:r>
+            <a:r>
+              <a:rPr lang="en-US" altLang="zh-CN" dirty="0" smtClean="0"/>
+              <a:t>templates component</a:t>
+            </a:r>
+            <a:endParaRPr lang="zh-CN" altLang="en-US" dirty="0"/>
+          </a:p>
+        </p:txBody>
+      </p:sp>
     </p:spTree>
   </p:cSld>
   <p:clrMapOvr>
@@ -24606,7 +24625,7 @@
                                           </p:stCondLst>
                                         </p:cTn>
                                         <p:tgtEl>
-                                          <p:spTgt spid="2051"/>
+                                          <p:spTgt spid="2053"/>
                                         </p:tgtEl>
                                         <p:attrNameLst>
                                           <p:attrName>style.visibility</p:attrName>
@@ -24620,7 +24639,7 @@
                                       <p:cBhvr additive="base">
                                         <p:cTn id="7" dur="500" fill="hold"/>
                                         <p:tgtEl>
-                                          <p:spTgt spid="2051"/>
+                                          <p:spTgt spid="2053"/>
                                         </p:tgtEl>
                                         <p:attrNameLst>
                                           <p:attrName>ppt_x</p:attrName>
@@ -24643,7 +24662,7 @@
                                       <p:cBhvr additive="base">
                                         <p:cTn id="8" dur="500" fill="hold"/>
                                         <p:tgtEl>
-                                          <p:spTgt spid="2051"/>
+                                          <p:spTgt spid="2053"/>
                                         </p:tgtEl>
                                         <p:attrNameLst>
                                           <p:attrName>ppt_y</p:attrName>
@@ -24684,7 +24703,7 @@
                             </p:stCondLst>
                             <p:childTnLst>
                               <p:par>
-                                <p:cTn id="11" presetID="2" presetClass="entr" presetSubtype="4" fill="hold" nodeType="clickEffect">
+                                <p:cTn id="11" presetID="2" presetClass="entr" presetSubtype="4" fill="hold" grpId="0" nodeType="clickEffect">
                                   <p:stCondLst>
                                     <p:cond delay="0"/>
                                   </p:stCondLst>
@@ -24697,7 +24716,7 @@
                                           </p:stCondLst>
                                         </p:cTn>
                                         <p:tgtEl>
-                                          <p:spTgt spid="2053"/>
+                                          <p:spTgt spid="7"/>
                                         </p:tgtEl>
                                         <p:attrNameLst>
                                           <p:attrName>style.visibility</p:attrName>
@@ -24711,7 +24730,7 @@
                                       <p:cBhvr additive="base">
                                         <p:cTn id="13" dur="500" fill="hold"/>
                                         <p:tgtEl>
-                                          <p:spTgt spid="2053"/>
+                                          <p:spTgt spid="7"/>
                                         </p:tgtEl>
                                         <p:attrNameLst>
                                           <p:attrName>ppt_x</p:attrName>
@@ -24734,7 +24753,98 @@
                                       <p:cBhvr additive="base">
                                         <p:cTn id="14" dur="500" fill="hold"/>
                                         <p:tgtEl>
-                                          <p:spTgt spid="2053"/>
+                                          <p:spTgt spid="7"/>
+                                        </p:tgtEl>
+                                        <p:attrNameLst>
+                                          <p:attrName>ppt_y</p:attrName>
+                                        </p:attrNameLst>
+                                      </p:cBhvr>
+                                      <p:tavLst>
+                                        <p:tav tm="0">
+                                          <p:val>
+                                            <p:strVal val="1+#ppt_h/2"/>
+                                          </p:val>
+                                        </p:tav>
+                                        <p:tav tm="100000">
+                                          <p:val>
+                                            <p:strVal val="#ppt_y"/>
+                                          </p:val>
+                                        </p:tav>
+                                      </p:tavLst>
+                                    </p:anim>
+                                  </p:childTnLst>
+                                </p:cTn>
+                              </p:par>
+                            </p:childTnLst>
+                          </p:cTn>
+                        </p:par>
+                      </p:childTnLst>
+                    </p:cTn>
+                  </p:par>
+                  <p:par>
+                    <p:cTn id="15" fill="hold">
+                      <p:stCondLst>
+                        <p:cond delay="indefinite"/>
+                      </p:stCondLst>
+                      <p:childTnLst>
+                        <p:par>
+                          <p:cTn id="16" fill="hold">
+                            <p:stCondLst>
+                              <p:cond delay="0"/>
+                            </p:stCondLst>
+                            <p:childTnLst>
+                              <p:par>
+                                <p:cTn id="17" presetID="2" presetClass="entr" presetSubtype="4" fill="hold" grpId="0" nodeType="clickEffect">
+                                  <p:stCondLst>
+                                    <p:cond delay="0"/>
+                                  </p:stCondLst>
+                                  <p:childTnLst>
+                                    <p:set>
+                                      <p:cBhvr>
+                                        <p:cTn id="18" dur="1" fill="hold">
+                                          <p:stCondLst>
+                                            <p:cond delay="0"/>
+                                          </p:stCondLst>
+                                        </p:cTn>
+                                        <p:tgtEl>
+                                          <p:spTgt spid="8"/>
+                                        </p:tgtEl>
+                                        <p:attrNameLst>
+                                          <p:attrName>style.visibility</p:attrName>
+                                        </p:attrNameLst>
+                                      </p:cBhvr>
+                                      <p:to>
+                                        <p:strVal val="visible"/>
+                                      </p:to>
+                                    </p:set>
+                                    <p:anim calcmode="lin" valueType="num">
+                                      <p:cBhvr additive="base">
+                                        <p:cTn id="19" dur="500" fill="hold"/>
+                                        <p:tgtEl>
+                                          <p:spTgt spid="8"/>
+                                        </p:tgtEl>
+                                        <p:attrNameLst>
+                                          <p:attrName>ppt_x</p:attrName>
+                                        </p:attrNameLst>
+                                      </p:cBhvr>
+                                      <p:tavLst>
+                                        <p:tav tm="0">
+                                          <p:val>
+                                            <p:strVal val="#ppt_x"/>
+                                          </p:val>
+                                        </p:tav>
+                                        <p:tav tm="100000">
+                                          <p:val>
+                                            <p:strVal val="#ppt_x"/>
+                                          </p:val>
+                                        </p:tav>
+                                      </p:tavLst>
+                                    </p:anim>
+                                    <p:anim calcmode="lin" valueType="num">
+                                      <p:cBhvr additive="base">
+                                        <p:cTn id="20" dur="500" fill="hold"/>
+                                        <p:tgtEl>
+                                          <p:spTgt spid="8"/>
                                         </p:tgtEl>
                                         <p:attrNameLst>
                                           <p:attrName>ppt_y</p:attrName>
@@ -24783,6 +24893,10 @@
         </p:cTn>
       </p:par>
     </p:tnLst>
+    <p:bldLst>
+      <p:bldP spid="7" grpId="0"/>
+      <p:bldP spid="8" grpId="0"/>
+    </p:bldLst>
   </p:timing>
 </p:sld>
 </file>
@@ -24819,12 +24933,7 @@
           <a:bodyPr/>
           <a:lstStyle/>
           <a:p>
-            <a:pPr algn="l"/>
-            <a:r>
-              <a:rPr lang="en-US" altLang="zh-CN" dirty="0" smtClean="0"/>
-              <a:t>silicon</a:t>
-            </a:r>
-            <a:endParaRPr lang="zh-CN" altLang="en-US" dirty="0"/>
+            <a:endParaRPr lang="zh-CN" altLang="en-US"/>
           </a:p>
         </p:txBody>
       </p:sp>
@@ -24840,37 +24949,46 @@
         </p:nvSpPr>
         <p:spPr/>
         <p:txBody>
-          <a:bodyPr>
-            <a:normAutofit/>
-          </a:bodyPr>
+          <a:bodyPr/>
           <a:lstStyle/>
           <a:p>
-            <a:r>
-              <a:rPr lang="en-US" altLang="zh-CN" sz="2400" dirty="0" smtClean="0"/>
-              <a:t>The user interface is not friendly</a:t>
-            </a:r>
-          </a:p>
-          <a:p>
-            <a:r>
-              <a:rPr lang="en-US" altLang="zh-CN" sz="2400" dirty="0" smtClean="0"/>
-              <a:t>Complicated, not flexible</a:t>
-            </a:r>
-          </a:p>
-          <a:p>
-            <a:r>
-              <a:rPr lang="en-US" altLang="zh-CN" sz="2400" dirty="0" smtClean="0"/>
-              <a:t>Don’t separate non-core business</a:t>
-            </a:r>
-          </a:p>
-          <a:p>
-            <a:r>
-              <a:rPr lang="en-US" altLang="zh-CN" sz="2400" dirty="0" smtClean="0"/>
-              <a:t>Lack of html templates component</a:t>
-            </a:r>
-            <a:endParaRPr lang="zh-CN" altLang="en-US" sz="2400" dirty="0"/>
-          </a:p>
-        </p:txBody>
-      </p:sp>
+            <a:endParaRPr lang="zh-CN" altLang="en-US"/>
+          </a:p>
+        </p:txBody>
+      </p:sp>
+      <p:pic>
+        <p:nvPicPr>
+          <p:cNvPr id="45058" name="Picture 2"/>
+          <p:cNvPicPr>
+            <a:picLocks noChangeAspect="1" noChangeArrowheads="1"/>
+          </p:cNvPicPr>
+          <p:nvPr/>
+        </p:nvPicPr>
+        <p:blipFill>
+          <a:blip r:embed="rId2"/>
+          <a:srcRect/>
+          <a:stretch>
+            <a:fillRect/>
+          </a:stretch>
+        </p:blipFill>
+        <p:spPr bwMode="auto">
+          <a:xfrm>
+            <a:off x="1500166" y="1285866"/>
+            <a:ext cx="6051550" cy="3186113"/>
+          </a:xfrm>
+          <a:prstGeom prst="rect">
+            <a:avLst/>
+          </a:prstGeom>
+          <a:noFill/>
+          <a:ln w="9525">
+            <a:noFill/>
+            <a:miter lim="800000"/>
+            <a:headEnd/>
+            <a:tailEnd/>
+          </a:ln>
+          <a:effectLst/>
+        </p:spPr>
+      </p:pic>
     </p:spTree>
   </p:cSld>
   <p:clrMapOvr>

--- a/cppcon2018.pptx
+++ b/cppcon2018.pptx
@@ -19,13 +19,13 @@
     <p:sldId id="287" r:id="rId10"/>
     <p:sldId id="281" r:id="rId11"/>
     <p:sldId id="262" r:id="rId12"/>
-    <p:sldId id="264" r:id="rId13"/>
-    <p:sldId id="265" r:id="rId14"/>
-    <p:sldId id="282" r:id="rId15"/>
-    <p:sldId id="273" r:id="rId16"/>
-    <p:sldId id="268" r:id="rId17"/>
-    <p:sldId id="269" r:id="rId18"/>
-    <p:sldId id="270" r:id="rId19"/>
+    <p:sldId id="268" r:id="rId13"/>
+    <p:sldId id="269" r:id="rId14"/>
+    <p:sldId id="264" r:id="rId15"/>
+    <p:sldId id="270" r:id="rId16"/>
+    <p:sldId id="282" r:id="rId17"/>
+    <p:sldId id="273" r:id="rId18"/>
+    <p:sldId id="265" r:id="rId19"/>
     <p:sldId id="267" r:id="rId20"/>
     <p:sldId id="271" r:id="rId21"/>
     <p:sldId id="259" r:id="rId22"/>
@@ -261,7 +261,7 @@
             <a:fld id="{F651DEDA-4D06-4F31-8412-E2AFD4BFF8DD}" type="datetimeFigureOut">
               <a:rPr lang="zh-CN" altLang="en-US" smtClean="0"/>
               <a:pPr/>
-              <a:t>2018/9/20</a:t>
+              <a:t>2018/9/22</a:t>
             </a:fld>
             <a:endParaRPr lang="zh-CN" altLang="en-US"/>
           </a:p>
@@ -873,7 +873,7 @@
             <a:fld id="{530820CF-B880-4189-942D-D702A7CBA730}" type="datetimeFigureOut">
               <a:rPr lang="zh-CN" altLang="en-US" smtClean="0"/>
               <a:pPr/>
-              <a:t>2018/9/20</a:t>
+              <a:t>2018/9/22</a:t>
             </a:fld>
             <a:endParaRPr lang="zh-CN" altLang="en-US"/>
           </a:p>
@@ -1040,7 +1040,7 @@
             <a:fld id="{530820CF-B880-4189-942D-D702A7CBA730}" type="datetimeFigureOut">
               <a:rPr lang="zh-CN" altLang="en-US" smtClean="0"/>
               <a:pPr/>
-              <a:t>2018/9/20</a:t>
+              <a:t>2018/9/22</a:t>
             </a:fld>
             <a:endParaRPr lang="zh-CN" altLang="en-US"/>
           </a:p>
@@ -1217,7 +1217,7 @@
             <a:fld id="{530820CF-B880-4189-942D-D702A7CBA730}" type="datetimeFigureOut">
               <a:rPr lang="zh-CN" altLang="en-US" smtClean="0"/>
               <a:pPr/>
-              <a:t>2018/9/20</a:t>
+              <a:t>2018/9/22</a:t>
             </a:fld>
             <a:endParaRPr lang="zh-CN" altLang="en-US"/>
           </a:p>
@@ -1384,7 +1384,7 @@
             <a:fld id="{530820CF-B880-4189-942D-D702A7CBA730}" type="datetimeFigureOut">
               <a:rPr lang="zh-CN" altLang="en-US" smtClean="0"/>
               <a:pPr/>
-              <a:t>2018/9/20</a:t>
+              <a:t>2018/9/22</a:t>
             </a:fld>
             <a:endParaRPr lang="zh-CN" altLang="en-US"/>
           </a:p>
@@ -1627,7 +1627,7 @@
             <a:fld id="{530820CF-B880-4189-942D-D702A7CBA730}" type="datetimeFigureOut">
               <a:rPr lang="zh-CN" altLang="en-US" smtClean="0"/>
               <a:pPr/>
-              <a:t>2018/9/20</a:t>
+              <a:t>2018/9/22</a:t>
             </a:fld>
             <a:endParaRPr lang="zh-CN" altLang="en-US"/>
           </a:p>
@@ -1912,7 +1912,7 @@
             <a:fld id="{530820CF-B880-4189-942D-D702A7CBA730}" type="datetimeFigureOut">
               <a:rPr lang="zh-CN" altLang="en-US" smtClean="0"/>
               <a:pPr/>
-              <a:t>2018/9/20</a:t>
+              <a:t>2018/9/22</a:t>
             </a:fld>
             <a:endParaRPr lang="zh-CN" altLang="en-US"/>
           </a:p>
@@ -2331,7 +2331,7 @@
             <a:fld id="{530820CF-B880-4189-942D-D702A7CBA730}" type="datetimeFigureOut">
               <a:rPr lang="zh-CN" altLang="en-US" smtClean="0"/>
               <a:pPr/>
-              <a:t>2018/9/20</a:t>
+              <a:t>2018/9/22</a:t>
             </a:fld>
             <a:endParaRPr lang="zh-CN" altLang="en-US"/>
           </a:p>
@@ -2446,7 +2446,7 @@
             <a:fld id="{530820CF-B880-4189-942D-D702A7CBA730}" type="datetimeFigureOut">
               <a:rPr lang="zh-CN" altLang="en-US" smtClean="0"/>
               <a:pPr/>
-              <a:t>2018/9/20</a:t>
+              <a:t>2018/9/22</a:t>
             </a:fld>
             <a:endParaRPr lang="zh-CN" altLang="en-US"/>
           </a:p>
@@ -2538,7 +2538,7 @@
             <a:fld id="{530820CF-B880-4189-942D-D702A7CBA730}" type="datetimeFigureOut">
               <a:rPr lang="zh-CN" altLang="en-US" smtClean="0"/>
               <a:pPr/>
-              <a:t>2018/9/20</a:t>
+              <a:t>2018/9/22</a:t>
             </a:fld>
             <a:endParaRPr lang="zh-CN" altLang="en-US"/>
           </a:p>
@@ -2812,7 +2812,7 @@
             <a:fld id="{530820CF-B880-4189-942D-D702A7CBA730}" type="datetimeFigureOut">
               <a:rPr lang="zh-CN" altLang="en-US" smtClean="0"/>
               <a:pPr/>
-              <a:t>2018/9/20</a:t>
+              <a:t>2018/9/22</a:t>
             </a:fld>
             <a:endParaRPr lang="zh-CN" altLang="en-US"/>
           </a:p>
@@ -3062,7 +3062,7 @@
             <a:fld id="{530820CF-B880-4189-942D-D702A7CBA730}" type="datetimeFigureOut">
               <a:rPr lang="zh-CN" altLang="en-US" smtClean="0"/>
               <a:pPr/>
-              <a:t>2018/9/20</a:t>
+              <a:t>2018/9/22</a:t>
             </a:fld>
             <a:endParaRPr lang="zh-CN" altLang="en-US"/>
           </a:p>
@@ -3272,7 +3272,7 @@
             <a:fld id="{530820CF-B880-4189-942D-D702A7CBA730}" type="datetimeFigureOut">
               <a:rPr lang="zh-CN" altLang="en-US" smtClean="0"/>
               <a:pPr/>
-              <a:t>2018/9/20</a:t>
+              <a:t>2018/9/22</a:t>
             </a:fld>
             <a:endParaRPr lang="zh-CN" altLang="en-US"/>
           </a:p>
@@ -3828,7 +3828,15 @@
             <a:pPr lvl="1"/>
             <a:r>
               <a:rPr lang="en-US" altLang="zh-CN" sz="2400" dirty="0" smtClean="0"/>
-              <a:t>http server, ORM, html render, AOP,…….</a:t>
+              <a:t>http server, ORM, html </a:t>
+            </a:r>
+            <a:r>
+              <a:rPr lang="en-US" altLang="zh-CN" sz="2400" dirty="0" smtClean="0"/>
+              <a:t>template engine, </a:t>
+            </a:r>
+            <a:r>
+              <a:rPr lang="en-US" altLang="zh-CN" sz="2400" dirty="0" smtClean="0"/>
+              <a:t>AOP,…….</a:t>
             </a:r>
           </a:p>
           <a:p>
@@ -3851,16 +3859,6 @@
           </a:p>
           <a:p>
             <a:endParaRPr lang="en-US" altLang="zh-CN" dirty="0" smtClean="0"/>
-          </a:p>
-          <a:p>
-            <a:pPr lvl="1">
-              <a:buNone/>
-            </a:pPr>
-            <a:endParaRPr lang="en-US" altLang="zh-CN" dirty="0" smtClean="0"/>
-          </a:p>
-          <a:p>
-            <a:pPr lvl="1"/>
-            <a:endParaRPr lang="zh-CN" altLang="en-US" dirty="0"/>
           </a:p>
         </p:txBody>
       </p:sp>
@@ -4144,914 +4142,6 @@
         </p:nvSpPr>
         <p:spPr/>
         <p:txBody>
-          <a:bodyPr/>
-          <a:lstStyle/>
-          <a:p>
-            <a:pPr algn="l"/>
-            <a:r>
-              <a:rPr lang="en-US" altLang="zh-CN" dirty="0" smtClean="0"/>
-              <a:t>What is feather?</a:t>
-            </a:r>
-            <a:endParaRPr lang="zh-CN" altLang="en-US" dirty="0"/>
-          </a:p>
-        </p:txBody>
-      </p:sp>
-      <p:sp>
-        <p:nvSpPr>
-          <p:cNvPr id="3" name="内容占位符 2"/>
-          <p:cNvSpPr>
-            <a:spLocks noGrp="1"/>
-          </p:cNvSpPr>
-          <p:nvPr>
-            <p:ph idx="1"/>
-          </p:nvPr>
-        </p:nvSpPr>
-        <p:spPr/>
-        <p:txBody>
-          <a:bodyPr/>
-          <a:lstStyle/>
-          <a:p>
-            <a:r>
-              <a:rPr lang="en-US" altLang="zh-CN" dirty="0" smtClean="0"/>
-              <a:t>A web application with 5 lines code </a:t>
-            </a:r>
-          </a:p>
-          <a:p>
-            <a:pPr>
-              <a:buNone/>
-            </a:pPr>
-            <a:endParaRPr lang="zh-CN" altLang="en-US" dirty="0"/>
-          </a:p>
-        </p:txBody>
-      </p:sp>
-      <p:pic>
-        <p:nvPicPr>
-          <p:cNvPr id="1026" name="Picture 2"/>
-          <p:cNvPicPr>
-            <a:picLocks noChangeAspect="1" noChangeArrowheads="1"/>
-          </p:cNvPicPr>
-          <p:nvPr/>
-        </p:nvPicPr>
-        <p:blipFill>
-          <a:blip r:embed="rId2"/>
-          <a:srcRect/>
-          <a:stretch>
-            <a:fillRect/>
-          </a:stretch>
-        </p:blipFill>
-        <p:spPr bwMode="auto">
-          <a:xfrm>
-            <a:off x="1000100" y="1857370"/>
-            <a:ext cx="6806111" cy="1357322"/>
-          </a:xfrm>
-          <a:prstGeom prst="rect">
-            <a:avLst/>
-          </a:prstGeom>
-          <a:noFill/>
-          <a:ln w="9525">
-            <a:noFill/>
-            <a:miter lim="800000"/>
-            <a:headEnd/>
-            <a:tailEnd/>
-          </a:ln>
-          <a:effectLst/>
-        </p:spPr>
-      </p:pic>
-      <p:pic>
-        <p:nvPicPr>
-          <p:cNvPr id="1027" name="Picture 3"/>
-          <p:cNvPicPr>
-            <a:picLocks noChangeAspect="1" noChangeArrowheads="1"/>
-          </p:cNvPicPr>
-          <p:nvPr/>
-        </p:nvPicPr>
-        <p:blipFill>
-          <a:blip r:embed="rId3"/>
-          <a:srcRect/>
-          <a:stretch>
-            <a:fillRect/>
-          </a:stretch>
-        </p:blipFill>
-        <p:spPr bwMode="auto">
-          <a:xfrm>
-            <a:off x="1000100" y="3429006"/>
-            <a:ext cx="4552876" cy="1285884"/>
-          </a:xfrm>
-          <a:prstGeom prst="rect">
-            <a:avLst/>
-          </a:prstGeom>
-          <a:noFill/>
-          <a:ln w="9525">
-            <a:noFill/>
-            <a:miter lim="800000"/>
-            <a:headEnd/>
-            <a:tailEnd/>
-          </a:ln>
-          <a:effectLst/>
-        </p:spPr>
-      </p:pic>
-    </p:spTree>
-  </p:cSld>
-  <p:clrMapOvr>
-    <a:masterClrMapping/>
-  </p:clrMapOvr>
-  <p:timing>
-    <p:tnLst>
-      <p:par>
-        <p:cTn id="1" dur="indefinite" restart="never" nodeType="tmRoot">
-          <p:childTnLst>
-            <p:seq concurrent="1" nextAc="seek">
-              <p:cTn id="2" dur="indefinite" nodeType="mainSeq">
-                <p:childTnLst>
-                  <p:par>
-                    <p:cTn id="3" fill="hold">
-                      <p:stCondLst>
-                        <p:cond delay="indefinite"/>
-                      </p:stCondLst>
-                      <p:childTnLst>
-                        <p:par>
-                          <p:cTn id="4" fill="hold">
-                            <p:stCondLst>
-                              <p:cond delay="0"/>
-                            </p:stCondLst>
-                            <p:childTnLst>
-                              <p:par>
-                                <p:cTn id="5" presetID="2" presetClass="entr" presetSubtype="4" fill="hold" nodeType="clickEffect">
-                                  <p:stCondLst>
-                                    <p:cond delay="0"/>
-                                  </p:stCondLst>
-                                  <p:childTnLst>
-                                    <p:set>
-                                      <p:cBhvr>
-                                        <p:cTn id="6" dur="1" fill="hold">
-                                          <p:stCondLst>
-                                            <p:cond delay="0"/>
-                                          </p:stCondLst>
-                                        </p:cTn>
-                                        <p:tgtEl>
-                                          <p:spTgt spid="1026"/>
-                                        </p:tgtEl>
-                                        <p:attrNameLst>
-                                          <p:attrName>style.visibility</p:attrName>
-                                        </p:attrNameLst>
-                                      </p:cBhvr>
-                                      <p:to>
-                                        <p:strVal val="visible"/>
-                                      </p:to>
-                                    </p:set>
-                                    <p:anim calcmode="lin" valueType="num">
-                                      <p:cBhvr additive="base">
-                                        <p:cTn id="7" dur="500" fill="hold"/>
-                                        <p:tgtEl>
-                                          <p:spTgt spid="1026"/>
-                                        </p:tgtEl>
-                                        <p:attrNameLst>
-                                          <p:attrName>ppt_x</p:attrName>
-                                        </p:attrNameLst>
-                                      </p:cBhvr>
-                                      <p:tavLst>
-                                        <p:tav tm="0">
-                                          <p:val>
-                                            <p:strVal val="#ppt_x"/>
-                                          </p:val>
-                                        </p:tav>
-                                        <p:tav tm="100000">
-                                          <p:val>
-                                            <p:strVal val="#ppt_x"/>
-                                          </p:val>
-                                        </p:tav>
-                                      </p:tavLst>
-                                    </p:anim>
-                                    <p:anim calcmode="lin" valueType="num">
-                                      <p:cBhvr additive="base">
-                                        <p:cTn id="8" dur="500" fill="hold"/>
-                                        <p:tgtEl>
-                                          <p:spTgt spid="1026"/>
-                                        </p:tgtEl>
-                                        <p:attrNameLst>
-                                          <p:attrName>ppt_y</p:attrName>
-                                        </p:attrNameLst>
-                                      </p:cBhvr>
-                                      <p:tavLst>
-                                        <p:tav tm="0">
-                                          <p:val>
-                                            <p:strVal val="1+#ppt_h/2"/>
-                                          </p:val>
-                                        </p:tav>
-                                        <p:tav tm="100000">
-                                          <p:val>
-                                            <p:strVal val="#ppt_y"/>
-                                          </p:val>
-                                        </p:tav>
-                                      </p:tavLst>
-                                    </p:anim>
-                                  </p:childTnLst>
-                                </p:cTn>
-                              </p:par>
-                            </p:childTnLst>
-                          </p:cTn>
-                        </p:par>
-                      </p:childTnLst>
-                    </p:cTn>
-                  </p:par>
-                  <p:par>
-                    <p:cTn id="9" fill="hold">
-                      <p:stCondLst>
-                        <p:cond delay="indefinite"/>
-                      </p:stCondLst>
-                      <p:childTnLst>
-                        <p:par>
-                          <p:cTn id="10" fill="hold">
-                            <p:stCondLst>
-                              <p:cond delay="0"/>
-                            </p:stCondLst>
-                            <p:childTnLst>
-                              <p:par>
-                                <p:cTn id="11" presetID="2" presetClass="entr" presetSubtype="4" fill="hold" nodeType="clickEffect">
-                                  <p:stCondLst>
-                                    <p:cond delay="0"/>
-                                  </p:stCondLst>
-                                  <p:childTnLst>
-                                    <p:set>
-                                      <p:cBhvr>
-                                        <p:cTn id="12" dur="1" fill="hold">
-                                          <p:stCondLst>
-                                            <p:cond delay="0"/>
-                                          </p:stCondLst>
-                                        </p:cTn>
-                                        <p:tgtEl>
-                                          <p:spTgt spid="1027"/>
-                                        </p:tgtEl>
-                                        <p:attrNameLst>
-                                          <p:attrName>style.visibility</p:attrName>
-                                        </p:attrNameLst>
-                                      </p:cBhvr>
-                                      <p:to>
-                                        <p:strVal val="visible"/>
-                                      </p:to>
-                                    </p:set>
-                                    <p:anim calcmode="lin" valueType="num">
-                                      <p:cBhvr additive="base">
-                                        <p:cTn id="13" dur="500" fill="hold"/>
-                                        <p:tgtEl>
-                                          <p:spTgt spid="1027"/>
-                                        </p:tgtEl>
-                                        <p:attrNameLst>
-                                          <p:attrName>ppt_x</p:attrName>
-                                        </p:attrNameLst>
-                                      </p:cBhvr>
-                                      <p:tavLst>
-                                        <p:tav tm="0">
-                                          <p:val>
-                                            <p:strVal val="#ppt_x"/>
-                                          </p:val>
-                                        </p:tav>
-                                        <p:tav tm="100000">
-                                          <p:val>
-                                            <p:strVal val="#ppt_x"/>
-                                          </p:val>
-                                        </p:tav>
-                                      </p:tavLst>
-                                    </p:anim>
-                                    <p:anim calcmode="lin" valueType="num">
-                                      <p:cBhvr additive="base">
-                                        <p:cTn id="14" dur="500" fill="hold"/>
-                                        <p:tgtEl>
-                                          <p:spTgt spid="1027"/>
-                                        </p:tgtEl>
-                                        <p:attrNameLst>
-                                          <p:attrName>ppt_y</p:attrName>
-                                        </p:attrNameLst>
-                                      </p:cBhvr>
-                                      <p:tavLst>
-                                        <p:tav tm="0">
-                                          <p:val>
-                                            <p:strVal val="1+#ppt_h/2"/>
-                                          </p:val>
-                                        </p:tav>
-                                        <p:tav tm="100000">
-                                          <p:val>
-                                            <p:strVal val="#ppt_y"/>
-                                          </p:val>
-                                        </p:tav>
-                                      </p:tavLst>
-                                    </p:anim>
-                                  </p:childTnLst>
-                                </p:cTn>
-                              </p:par>
-                            </p:childTnLst>
-                          </p:cTn>
-                        </p:par>
-                      </p:childTnLst>
-                    </p:cTn>
-                  </p:par>
-                </p:childTnLst>
-              </p:cTn>
-              <p:prevCondLst>
-                <p:cond evt="onPrev" delay="0">
-                  <p:tgtEl>
-                    <p:sldTgt/>
-                  </p:tgtEl>
-                </p:cond>
-              </p:prevCondLst>
-              <p:nextCondLst>
-                <p:cond evt="onNext" delay="0">
-                  <p:tgtEl>
-                    <p:sldTgt/>
-                  </p:tgtEl>
-                </p:cond>
-              </p:nextCondLst>
-            </p:seq>
-          </p:childTnLst>
-        </p:cTn>
-      </p:par>
-    </p:tnLst>
-  </p:timing>
-</p:sld>
-</file>
-
-<file path=ppt/slides/slide13.xml><?xml version="1.0" encoding="utf-8"?>
-<p:sld xmlns:a="http://schemas.openxmlformats.org/drawingml/2006/main" xmlns:r="http://schemas.openxmlformats.org/officeDocument/2006/relationships" xmlns:p="http://schemas.openxmlformats.org/presentationml/2006/main">
-  <p:cSld>
-    <p:spTree>
-      <p:nvGrpSpPr>
-        <p:cNvPr id="1" name=""/>
-        <p:cNvGrpSpPr/>
-        <p:nvPr/>
-      </p:nvGrpSpPr>
-      <p:grpSpPr>
-        <a:xfrm>
-          <a:off x="0" y="0"/>
-          <a:ext cx="0" cy="0"/>
-          <a:chOff x="0" y="0"/>
-          <a:chExt cx="0" cy="0"/>
-        </a:xfrm>
-      </p:grpSpPr>
-      <p:sp>
-        <p:nvSpPr>
-          <p:cNvPr id="2" name="标题 1"/>
-          <p:cNvSpPr>
-            <a:spLocks noGrp="1"/>
-          </p:cNvSpPr>
-          <p:nvPr>
-            <p:ph type="title"/>
-          </p:nvPr>
-        </p:nvSpPr>
-        <p:spPr/>
-        <p:txBody>
-          <a:bodyPr/>
-          <a:lstStyle/>
-          <a:p>
-            <a:pPr algn="l"/>
-            <a:r>
-              <a:rPr lang="en-US" altLang="zh-CN" dirty="0" smtClean="0"/>
-              <a:t>What is feather?</a:t>
-            </a:r>
-            <a:endParaRPr lang="zh-CN" altLang="en-US" dirty="0"/>
-          </a:p>
-        </p:txBody>
-      </p:sp>
-      <p:sp>
-        <p:nvSpPr>
-          <p:cNvPr id="3" name="内容占位符 2"/>
-          <p:cNvSpPr>
-            <a:spLocks noGrp="1"/>
-          </p:cNvSpPr>
-          <p:nvPr>
-            <p:ph idx="1"/>
-          </p:nvPr>
-        </p:nvSpPr>
-        <p:spPr/>
-        <p:txBody>
-          <a:bodyPr/>
-          <a:lstStyle/>
-          <a:p>
-            <a:endParaRPr lang="en-US" altLang="zh-CN" dirty="0" smtClean="0"/>
-          </a:p>
-          <a:p>
-            <a:endParaRPr lang="en-US" altLang="zh-CN" dirty="0" smtClean="0"/>
-          </a:p>
-          <a:p>
-            <a:endParaRPr lang="zh-CN" altLang="en-US" dirty="0"/>
-          </a:p>
-        </p:txBody>
-      </p:sp>
-      <p:sp>
-        <p:nvSpPr>
-          <p:cNvPr id="4" name="矩形 3"/>
-          <p:cNvSpPr/>
-          <p:nvPr/>
-        </p:nvSpPr>
-        <p:spPr>
-          <a:xfrm>
-            <a:off x="785786" y="1214428"/>
-            <a:ext cx="4950009" cy="1569660"/>
-          </a:xfrm>
-          <a:prstGeom prst="rect">
-            <a:avLst/>
-          </a:prstGeom>
-        </p:spPr>
-        <p:txBody>
-          <a:bodyPr wrap="none">
-            <a:spAutoFit/>
-          </a:bodyPr>
-          <a:lstStyle/>
-          <a:p>
-            <a:r>
-              <a:rPr lang="en-US" altLang="zh-CN" sz="2400" dirty="0" smtClean="0"/>
-              <a:t>This website was developed in feather</a:t>
-            </a:r>
-          </a:p>
-          <a:p>
-            <a:r>
-              <a:rPr lang="en-US" altLang="zh-CN" sz="2400" dirty="0" smtClean="0">
-                <a:hlinkClick r:id="rId2"/>
-              </a:rPr>
-              <a:t>http://purecpp.org/</a:t>
-            </a:r>
-            <a:endParaRPr lang="en-US" altLang="zh-CN" sz="2400" dirty="0" smtClean="0"/>
-          </a:p>
-          <a:p>
-            <a:endParaRPr lang="en-US" altLang="zh-CN" sz="2400" dirty="0" smtClean="0"/>
-          </a:p>
-          <a:p>
-            <a:r>
-              <a:rPr lang="en-US" altLang="zh-CN" sz="2400" dirty="0" smtClean="0">
-                <a:hlinkClick r:id="rId3"/>
-              </a:rPr>
-              <a:t>https://github.com/qicosmos/feather</a:t>
-            </a:r>
-            <a:endParaRPr lang="en-US" altLang="zh-CN" sz="2400" dirty="0" smtClean="0"/>
-          </a:p>
-        </p:txBody>
-      </p:sp>
-    </p:spTree>
-  </p:cSld>
-  <p:clrMapOvr>
-    <a:masterClrMapping/>
-  </p:clrMapOvr>
-  <p:timing>
-    <p:tnLst>
-      <p:par>
-        <p:cTn id="1" dur="indefinite" restart="never" nodeType="tmRoot"/>
-      </p:par>
-    </p:tnLst>
-  </p:timing>
-</p:sld>
-</file>
-
-<file path=ppt/slides/slide14.xml><?xml version="1.0" encoding="utf-8"?>
-<p:sld xmlns:a="http://schemas.openxmlformats.org/drawingml/2006/main" xmlns:r="http://schemas.openxmlformats.org/officeDocument/2006/relationships" xmlns:p="http://schemas.openxmlformats.org/presentationml/2006/main">
-  <p:cSld>
-    <p:spTree>
-      <p:nvGrpSpPr>
-        <p:cNvPr id="1" name=""/>
-        <p:cNvGrpSpPr/>
-        <p:nvPr/>
-      </p:nvGrpSpPr>
-      <p:grpSpPr>
-        <a:xfrm>
-          <a:off x="0" y="0"/>
-          <a:ext cx="0" cy="0"/>
-          <a:chOff x="0" y="0"/>
-          <a:chExt cx="0" cy="0"/>
-        </a:xfrm>
-      </p:grpSpPr>
-      <p:sp>
-        <p:nvSpPr>
-          <p:cNvPr id="2" name="标题 1"/>
-          <p:cNvSpPr>
-            <a:spLocks noGrp="1"/>
-          </p:cNvSpPr>
-          <p:nvPr>
-            <p:ph type="title"/>
-          </p:nvPr>
-        </p:nvSpPr>
-        <p:spPr/>
-        <p:txBody>
-          <a:bodyPr/>
-          <a:lstStyle/>
-          <a:p>
-            <a:pPr algn="l"/>
-            <a:r>
-              <a:rPr lang="en-US" altLang="zh-CN" dirty="0" smtClean="0"/>
-              <a:t>What is feather?</a:t>
-            </a:r>
-            <a:endParaRPr lang="zh-CN" altLang="en-US" dirty="0"/>
-          </a:p>
-        </p:txBody>
-      </p:sp>
-      <p:sp>
-        <p:nvSpPr>
-          <p:cNvPr id="3" name="内容占位符 2"/>
-          <p:cNvSpPr>
-            <a:spLocks noGrp="1"/>
-          </p:cNvSpPr>
-          <p:nvPr>
-            <p:ph idx="1"/>
-          </p:nvPr>
-        </p:nvSpPr>
-        <p:spPr/>
-        <p:txBody>
-          <a:bodyPr/>
-          <a:lstStyle/>
-          <a:p>
-            <a:endParaRPr lang="zh-CN" altLang="en-US"/>
-          </a:p>
-        </p:txBody>
-      </p:sp>
-      <p:pic>
-        <p:nvPicPr>
-          <p:cNvPr id="38916" name="Picture 4"/>
-          <p:cNvPicPr>
-            <a:picLocks noChangeAspect="1" noChangeArrowheads="1"/>
-          </p:cNvPicPr>
-          <p:nvPr/>
-        </p:nvPicPr>
-        <p:blipFill>
-          <a:blip r:embed="rId2"/>
-          <a:srcRect/>
-          <a:stretch>
-            <a:fillRect/>
-          </a:stretch>
-        </p:blipFill>
-        <p:spPr bwMode="auto">
-          <a:xfrm>
-            <a:off x="642910" y="1214428"/>
-            <a:ext cx="4143388" cy="3273150"/>
-          </a:xfrm>
-          <a:prstGeom prst="rect">
-            <a:avLst/>
-          </a:prstGeom>
-          <a:noFill/>
-          <a:ln w="9525">
-            <a:noFill/>
-            <a:miter lim="800000"/>
-            <a:headEnd/>
-            <a:tailEnd/>
-          </a:ln>
-          <a:effectLst/>
-        </p:spPr>
-      </p:pic>
-      <p:sp>
-        <p:nvSpPr>
-          <p:cNvPr id="38918" name="AutoShape 6" descr="https://www.javacodegeeks.com/wp-content/uploads/2017/09/mvc-1024x451.png"/>
-          <p:cNvSpPr>
-            <a:spLocks noChangeAspect="1" noChangeArrowheads="1"/>
-          </p:cNvSpPr>
-          <p:nvPr/>
-        </p:nvSpPr>
-        <p:spPr bwMode="auto">
-          <a:xfrm>
-            <a:off x="155575" y="-1241425"/>
-            <a:ext cx="5905500" cy="2600325"/>
-          </a:xfrm>
-          <a:prstGeom prst="rect">
-            <a:avLst/>
-          </a:prstGeom>
-          <a:noFill/>
-        </p:spPr>
-        <p:txBody>
-          <a:bodyPr vert="horz" wrap="square" lIns="91440" tIns="45720" rIns="91440" bIns="45720" numCol="1" anchor="t" anchorCtr="0" compatLnSpc="1">
-            <a:prstTxWarp prst="textNoShape">
-              <a:avLst/>
-            </a:prstTxWarp>
-          </a:bodyPr>
-          <a:lstStyle/>
-          <a:p>
-            <a:endParaRPr lang="zh-CN" altLang="en-US"/>
-          </a:p>
-        </p:txBody>
-      </p:sp>
-      <p:sp>
-        <p:nvSpPr>
-          <p:cNvPr id="38920" name="AutoShape 8" descr="https://www.javacodegeeks.com/wp-content/uploads/2017/09/mvc-1024x451.png"/>
-          <p:cNvSpPr>
-            <a:spLocks noChangeAspect="1" noChangeArrowheads="1"/>
-          </p:cNvSpPr>
-          <p:nvPr/>
-        </p:nvSpPr>
-        <p:spPr bwMode="auto">
-          <a:xfrm>
-            <a:off x="155575" y="-1241425"/>
-            <a:ext cx="5905500" cy="2600325"/>
-          </a:xfrm>
-          <a:prstGeom prst="rect">
-            <a:avLst/>
-          </a:prstGeom>
-          <a:noFill/>
-        </p:spPr>
-        <p:txBody>
-          <a:bodyPr vert="horz" wrap="square" lIns="91440" tIns="45720" rIns="91440" bIns="45720" numCol="1" anchor="t" anchorCtr="0" compatLnSpc="1">
-            <a:prstTxWarp prst="textNoShape">
-              <a:avLst/>
-            </a:prstTxWarp>
-          </a:bodyPr>
-          <a:lstStyle/>
-          <a:p>
-            <a:endParaRPr lang="zh-CN" altLang="en-US"/>
-          </a:p>
-        </p:txBody>
-      </p:sp>
-      <p:pic>
-        <p:nvPicPr>
-          <p:cNvPr id="38921" name="Picture 9"/>
-          <p:cNvPicPr>
-            <a:picLocks noChangeAspect="1" noChangeArrowheads="1"/>
-          </p:cNvPicPr>
-          <p:nvPr/>
-        </p:nvPicPr>
-        <p:blipFill>
-          <a:blip r:embed="rId3"/>
-          <a:srcRect/>
-          <a:stretch>
-            <a:fillRect/>
-          </a:stretch>
-        </p:blipFill>
-        <p:spPr bwMode="auto">
-          <a:xfrm>
-            <a:off x="4929190" y="2000246"/>
-            <a:ext cx="3555863" cy="1571636"/>
-          </a:xfrm>
-          <a:prstGeom prst="rect">
-            <a:avLst/>
-          </a:prstGeom>
-          <a:noFill/>
-          <a:ln w="9525">
-            <a:noFill/>
-            <a:miter lim="800000"/>
-            <a:headEnd/>
-            <a:tailEnd/>
-          </a:ln>
-          <a:effectLst/>
-        </p:spPr>
-      </p:pic>
-    </p:spTree>
-  </p:cSld>
-  <p:clrMapOvr>
-    <a:masterClrMapping/>
-  </p:clrMapOvr>
-  <p:timing>
-    <p:tnLst>
-      <p:par>
-        <p:cTn id="1" dur="indefinite" restart="never" nodeType="tmRoot">
-          <p:childTnLst>
-            <p:seq concurrent="1" nextAc="seek">
-              <p:cTn id="2" dur="indefinite" nodeType="mainSeq">
-                <p:childTnLst>
-                  <p:par>
-                    <p:cTn id="3" fill="hold">
-                      <p:stCondLst>
-                        <p:cond delay="indefinite"/>
-                      </p:stCondLst>
-                      <p:childTnLst>
-                        <p:par>
-                          <p:cTn id="4" fill="hold">
-                            <p:stCondLst>
-                              <p:cond delay="0"/>
-                            </p:stCondLst>
-                            <p:childTnLst>
-                              <p:par>
-                                <p:cTn id="5" presetID="2" presetClass="entr" presetSubtype="4" fill="hold" nodeType="clickEffect">
-                                  <p:stCondLst>
-                                    <p:cond delay="0"/>
-                                  </p:stCondLst>
-                                  <p:childTnLst>
-                                    <p:set>
-                                      <p:cBhvr>
-                                        <p:cTn id="6" dur="1" fill="hold">
-                                          <p:stCondLst>
-                                            <p:cond delay="0"/>
-                                          </p:stCondLst>
-                                        </p:cTn>
-                                        <p:tgtEl>
-                                          <p:spTgt spid="38921"/>
-                                        </p:tgtEl>
-                                        <p:attrNameLst>
-                                          <p:attrName>style.visibility</p:attrName>
-                                        </p:attrNameLst>
-                                      </p:cBhvr>
-                                      <p:to>
-                                        <p:strVal val="visible"/>
-                                      </p:to>
-                                    </p:set>
-                                    <p:anim calcmode="lin" valueType="num">
-                                      <p:cBhvr additive="base">
-                                        <p:cTn id="7" dur="500" fill="hold"/>
-                                        <p:tgtEl>
-                                          <p:spTgt spid="38921"/>
-                                        </p:tgtEl>
-                                        <p:attrNameLst>
-                                          <p:attrName>ppt_x</p:attrName>
-                                        </p:attrNameLst>
-                                      </p:cBhvr>
-                                      <p:tavLst>
-                                        <p:tav tm="0">
-                                          <p:val>
-                                            <p:strVal val="#ppt_x"/>
-                                          </p:val>
-                                        </p:tav>
-                                        <p:tav tm="100000">
-                                          <p:val>
-                                            <p:strVal val="#ppt_x"/>
-                                          </p:val>
-                                        </p:tav>
-                                      </p:tavLst>
-                                    </p:anim>
-                                    <p:anim calcmode="lin" valueType="num">
-                                      <p:cBhvr additive="base">
-                                        <p:cTn id="8" dur="500" fill="hold"/>
-                                        <p:tgtEl>
-                                          <p:spTgt spid="38921"/>
-                                        </p:tgtEl>
-                                        <p:attrNameLst>
-                                          <p:attrName>ppt_y</p:attrName>
-                                        </p:attrNameLst>
-                                      </p:cBhvr>
-                                      <p:tavLst>
-                                        <p:tav tm="0">
-                                          <p:val>
-                                            <p:strVal val="1+#ppt_h/2"/>
-                                          </p:val>
-                                        </p:tav>
-                                        <p:tav tm="100000">
-                                          <p:val>
-                                            <p:strVal val="#ppt_y"/>
-                                          </p:val>
-                                        </p:tav>
-                                      </p:tavLst>
-                                    </p:anim>
-                                  </p:childTnLst>
-                                </p:cTn>
-                              </p:par>
-                            </p:childTnLst>
-                          </p:cTn>
-                        </p:par>
-                      </p:childTnLst>
-                    </p:cTn>
-                  </p:par>
-                </p:childTnLst>
-              </p:cTn>
-              <p:prevCondLst>
-                <p:cond evt="onPrev" delay="0">
-                  <p:tgtEl>
-                    <p:sldTgt/>
-                  </p:tgtEl>
-                </p:cond>
-              </p:prevCondLst>
-              <p:nextCondLst>
-                <p:cond evt="onNext" delay="0">
-                  <p:tgtEl>
-                    <p:sldTgt/>
-                  </p:tgtEl>
-                </p:cond>
-              </p:nextCondLst>
-            </p:seq>
-          </p:childTnLst>
-        </p:cTn>
-      </p:par>
-    </p:tnLst>
-  </p:timing>
-</p:sld>
-</file>
-
-<file path=ppt/slides/slide15.xml><?xml version="1.0" encoding="utf-8"?>
-<p:sld xmlns:a="http://schemas.openxmlformats.org/drawingml/2006/main" xmlns:r="http://schemas.openxmlformats.org/officeDocument/2006/relationships" xmlns:p="http://schemas.openxmlformats.org/presentationml/2006/main">
-  <p:cSld>
-    <p:spTree>
-      <p:nvGrpSpPr>
-        <p:cNvPr id="1" name=""/>
-        <p:cNvGrpSpPr/>
-        <p:nvPr/>
-      </p:nvGrpSpPr>
-      <p:grpSpPr>
-        <a:xfrm>
-          <a:off x="0" y="0"/>
-          <a:ext cx="0" cy="0"/>
-          <a:chOff x="0" y="0"/>
-          <a:chExt cx="0" cy="0"/>
-        </a:xfrm>
-      </p:grpSpPr>
-      <p:sp>
-        <p:nvSpPr>
-          <p:cNvPr id="2" name="标题 1"/>
-          <p:cNvSpPr>
-            <a:spLocks noGrp="1"/>
-          </p:cNvSpPr>
-          <p:nvPr>
-            <p:ph type="title"/>
-          </p:nvPr>
-        </p:nvSpPr>
-        <p:spPr/>
-        <p:txBody>
-          <a:bodyPr/>
-          <a:lstStyle/>
-          <a:p>
-            <a:pPr algn="l"/>
-            <a:r>
-              <a:rPr lang="en-US" altLang="zh-CN" dirty="0" smtClean="0"/>
-              <a:t>Components of feather</a:t>
-            </a:r>
-            <a:endParaRPr lang="zh-CN" altLang="en-US" dirty="0"/>
-          </a:p>
-        </p:txBody>
-      </p:sp>
-      <p:sp>
-        <p:nvSpPr>
-          <p:cNvPr id="3" name="内容占位符 2"/>
-          <p:cNvSpPr>
-            <a:spLocks noGrp="1"/>
-          </p:cNvSpPr>
-          <p:nvPr>
-            <p:ph idx="1"/>
-          </p:nvPr>
-        </p:nvSpPr>
-        <p:spPr/>
-        <p:txBody>
-          <a:bodyPr/>
-          <a:lstStyle/>
-          <a:p>
-            <a:r>
-              <a:rPr lang="en-US" altLang="zh-CN" sz="2800" dirty="0" err="1" smtClean="0">
-                <a:hlinkClick r:id="rId2"/>
-              </a:rPr>
-              <a:t>Cinatra</a:t>
-            </a:r>
-            <a:r>
-              <a:rPr lang="en-US" altLang="zh-CN" sz="2800" dirty="0" smtClean="0"/>
-              <a:t>: an easy to use http library(http/https, web socket, AOP)</a:t>
-            </a:r>
-          </a:p>
-          <a:p>
-            <a:r>
-              <a:rPr lang="en-US" altLang="zh-CN" sz="2800" dirty="0" err="1" smtClean="0">
-                <a:hlinkClick r:id="rId3"/>
-              </a:rPr>
-              <a:t>Ormpp</a:t>
-            </a:r>
-            <a:r>
-              <a:rPr lang="en-US" altLang="zh-CN" sz="2800" dirty="0" smtClean="0"/>
-              <a:t>: a flexible ORM library, support multiple databases(compile-time reflection)</a:t>
-            </a:r>
-          </a:p>
-          <a:p>
-            <a:r>
-              <a:rPr lang="en-US" altLang="zh-CN" sz="2800" dirty="0" smtClean="0">
-                <a:hlinkClick r:id="rId4"/>
-              </a:rPr>
-              <a:t>Render</a:t>
-            </a:r>
-            <a:r>
-              <a:rPr lang="en-US" altLang="zh-CN" sz="2800" dirty="0" smtClean="0"/>
-              <a:t>: a powerful html template engine</a:t>
-            </a:r>
-          </a:p>
-        </p:txBody>
-      </p:sp>
-    </p:spTree>
-  </p:cSld>
-  <p:clrMapOvr>
-    <a:masterClrMapping/>
-  </p:clrMapOvr>
-  <p:timing>
-    <p:tnLst>
-      <p:par>
-        <p:cTn id="1" dur="indefinite" restart="never" nodeType="tmRoot"/>
-      </p:par>
-    </p:tnLst>
-  </p:timing>
-</p:sld>
-</file>
-
-<file path=ppt/slides/slide16.xml><?xml version="1.0" encoding="utf-8"?>
-<p:sld xmlns:a="http://schemas.openxmlformats.org/drawingml/2006/main" xmlns:r="http://schemas.openxmlformats.org/officeDocument/2006/relationships" xmlns:p="http://schemas.openxmlformats.org/presentationml/2006/main">
-  <p:cSld>
-    <p:spTree>
-      <p:nvGrpSpPr>
-        <p:cNvPr id="1" name=""/>
-        <p:cNvGrpSpPr/>
-        <p:nvPr/>
-      </p:nvGrpSpPr>
-      <p:grpSpPr>
-        <a:xfrm>
-          <a:off x="0" y="0"/>
-          <a:ext cx="0" cy="0"/>
-          <a:chOff x="0" y="0"/>
-          <a:chExt cx="0" cy="0"/>
-        </a:xfrm>
-      </p:grpSpPr>
-      <p:sp>
-        <p:nvSpPr>
-          <p:cNvPr id="2" name="标题 1"/>
-          <p:cNvSpPr>
-            <a:spLocks noGrp="1"/>
-          </p:cNvSpPr>
-          <p:nvPr>
-            <p:ph type="title"/>
-          </p:nvPr>
-        </p:nvSpPr>
-        <p:spPr/>
-        <p:txBody>
           <a:bodyPr>
             <a:normAutofit fontScale="90000"/>
           </a:bodyPr>
@@ -5166,7 +4256,7 @@
 </p:sld>
 </file>
 
-<file path=ppt/slides/slide17.xml><?xml version="1.0" encoding="utf-8"?>
+<file path=ppt/slides/slide13.xml><?xml version="1.0" encoding="utf-8"?>
 <p:sld xmlns:a="http://schemas.openxmlformats.org/drawingml/2006/main" xmlns:r="http://schemas.openxmlformats.org/officeDocument/2006/relationships" xmlns:p="http://schemas.openxmlformats.org/presentationml/2006/main">
   <p:cSld>
     <p:spTree>
@@ -5540,7 +4630,362 @@
 </p:sld>
 </file>
 
-<file path=ppt/slides/slide18.xml><?xml version="1.0" encoding="utf-8"?>
+<file path=ppt/slides/slide14.xml><?xml version="1.0" encoding="utf-8"?>
+<p:sld xmlns:a="http://schemas.openxmlformats.org/drawingml/2006/main" xmlns:r="http://schemas.openxmlformats.org/officeDocument/2006/relationships" xmlns:p="http://schemas.openxmlformats.org/presentationml/2006/main">
+  <p:cSld>
+    <p:spTree>
+      <p:nvGrpSpPr>
+        <p:cNvPr id="1" name=""/>
+        <p:cNvGrpSpPr/>
+        <p:nvPr/>
+      </p:nvGrpSpPr>
+      <p:grpSpPr>
+        <a:xfrm>
+          <a:off x="0" y="0"/>
+          <a:ext cx="0" cy="0"/>
+          <a:chOff x="0" y="0"/>
+          <a:chExt cx="0" cy="0"/>
+        </a:xfrm>
+      </p:grpSpPr>
+      <p:sp>
+        <p:nvSpPr>
+          <p:cNvPr id="2" name="标题 1"/>
+          <p:cNvSpPr>
+            <a:spLocks noGrp="1"/>
+          </p:cNvSpPr>
+          <p:nvPr>
+            <p:ph type="title"/>
+          </p:nvPr>
+        </p:nvSpPr>
+        <p:spPr/>
+        <p:txBody>
+          <a:bodyPr/>
+          <a:lstStyle/>
+          <a:p>
+            <a:pPr algn="l"/>
+            <a:r>
+              <a:rPr lang="en-US" altLang="zh-CN" dirty="0" smtClean="0"/>
+              <a:t>What is feather?</a:t>
+            </a:r>
+            <a:endParaRPr lang="zh-CN" altLang="en-US" dirty="0"/>
+          </a:p>
+        </p:txBody>
+      </p:sp>
+      <p:sp>
+        <p:nvSpPr>
+          <p:cNvPr id="3" name="内容占位符 2"/>
+          <p:cNvSpPr>
+            <a:spLocks noGrp="1"/>
+          </p:cNvSpPr>
+          <p:nvPr>
+            <p:ph idx="1"/>
+          </p:nvPr>
+        </p:nvSpPr>
+        <p:spPr/>
+        <p:txBody>
+          <a:bodyPr/>
+          <a:lstStyle/>
+          <a:p>
+            <a:r>
+              <a:rPr lang="en-US" altLang="zh-CN" sz="2800" dirty="0" smtClean="0"/>
+              <a:t>A web application with 5 lines code </a:t>
+            </a:r>
+          </a:p>
+          <a:p>
+            <a:pPr>
+              <a:buNone/>
+            </a:pPr>
+            <a:endParaRPr lang="zh-CN" altLang="en-US" dirty="0"/>
+          </a:p>
+        </p:txBody>
+      </p:sp>
+      <p:pic>
+        <p:nvPicPr>
+          <p:cNvPr id="1026" name="Picture 2"/>
+          <p:cNvPicPr>
+            <a:picLocks noChangeAspect="1" noChangeArrowheads="1"/>
+          </p:cNvPicPr>
+          <p:nvPr/>
+        </p:nvPicPr>
+        <p:blipFill>
+          <a:blip r:embed="rId2"/>
+          <a:srcRect/>
+          <a:stretch>
+            <a:fillRect/>
+          </a:stretch>
+        </p:blipFill>
+        <p:spPr bwMode="auto">
+          <a:xfrm>
+            <a:off x="1000100" y="1714494"/>
+            <a:ext cx="6806111" cy="1357322"/>
+          </a:xfrm>
+          <a:prstGeom prst="rect">
+            <a:avLst/>
+          </a:prstGeom>
+          <a:noFill/>
+          <a:ln w="9525">
+            <a:noFill/>
+            <a:miter lim="800000"/>
+            <a:headEnd/>
+            <a:tailEnd/>
+          </a:ln>
+          <a:effectLst/>
+        </p:spPr>
+      </p:pic>
+      <p:pic>
+        <p:nvPicPr>
+          <p:cNvPr id="1027" name="Picture 3"/>
+          <p:cNvPicPr>
+            <a:picLocks noChangeAspect="1" noChangeArrowheads="1"/>
+          </p:cNvPicPr>
+          <p:nvPr/>
+        </p:nvPicPr>
+        <p:blipFill>
+          <a:blip r:embed="rId3"/>
+          <a:srcRect/>
+          <a:stretch>
+            <a:fillRect/>
+          </a:stretch>
+        </p:blipFill>
+        <p:spPr bwMode="auto">
+          <a:xfrm>
+            <a:off x="1000100" y="3214692"/>
+            <a:ext cx="4552876" cy="1285884"/>
+          </a:xfrm>
+          <a:prstGeom prst="rect">
+            <a:avLst/>
+          </a:prstGeom>
+          <a:noFill/>
+          <a:ln w="9525">
+            <a:noFill/>
+            <a:miter lim="800000"/>
+            <a:headEnd/>
+            <a:tailEnd/>
+          </a:ln>
+          <a:effectLst/>
+        </p:spPr>
+      </p:pic>
+    </p:spTree>
+  </p:cSld>
+  <p:clrMapOvr>
+    <a:masterClrMapping/>
+  </p:clrMapOvr>
+  <p:timing>
+    <p:tnLst>
+      <p:par>
+        <p:cTn id="1" dur="indefinite" restart="never" nodeType="tmRoot">
+          <p:childTnLst>
+            <p:seq concurrent="1" nextAc="seek">
+              <p:cTn id="2" dur="indefinite" nodeType="mainSeq">
+                <p:childTnLst>
+                  <p:par>
+                    <p:cTn id="3" fill="hold">
+                      <p:stCondLst>
+                        <p:cond delay="indefinite"/>
+                      </p:stCondLst>
+                      <p:childTnLst>
+                        <p:par>
+                          <p:cTn id="4" fill="hold">
+                            <p:stCondLst>
+                              <p:cond delay="0"/>
+                            </p:stCondLst>
+                            <p:childTnLst>
+                              <p:par>
+                                <p:cTn id="5" presetID="2" presetClass="entr" presetSubtype="4" fill="hold" nodeType="clickEffect">
+                                  <p:stCondLst>
+                                    <p:cond delay="0"/>
+                                  </p:stCondLst>
+                                  <p:childTnLst>
+                                    <p:set>
+                                      <p:cBhvr>
+                                        <p:cTn id="6" dur="1" fill="hold">
+                                          <p:stCondLst>
+                                            <p:cond delay="0"/>
+                                          </p:stCondLst>
+                                        </p:cTn>
+                                        <p:tgtEl>
+                                          <p:spTgt spid="1026"/>
+                                        </p:tgtEl>
+                                        <p:attrNameLst>
+                                          <p:attrName>style.visibility</p:attrName>
+                                        </p:attrNameLst>
+                                      </p:cBhvr>
+                                      <p:to>
+                                        <p:strVal val="visible"/>
+                                      </p:to>
+                                    </p:set>
+                                    <p:anim calcmode="lin" valueType="num">
+                                      <p:cBhvr additive="base">
+                                        <p:cTn id="7" dur="500" fill="hold"/>
+                                        <p:tgtEl>
+                                          <p:spTgt spid="1026"/>
+                                        </p:tgtEl>
+                                        <p:attrNameLst>
+                                          <p:attrName>ppt_x</p:attrName>
+                                        </p:attrNameLst>
+                                      </p:cBhvr>
+                                      <p:tavLst>
+                                        <p:tav tm="0">
+                                          <p:val>
+                                            <p:strVal val="#ppt_x"/>
+                                          </p:val>
+                                        </p:tav>
+                                        <p:tav tm="100000">
+                                          <p:val>
+                                            <p:strVal val="#ppt_x"/>
+                                          </p:val>
+                                        </p:tav>
+                                      </p:tavLst>
+                                    </p:anim>
+                                    <p:anim calcmode="lin" valueType="num">
+                                      <p:cBhvr additive="base">
+                                        <p:cTn id="8" dur="500" fill="hold"/>
+                                        <p:tgtEl>
+                                          <p:spTgt spid="1026"/>
+                                        </p:tgtEl>
+                                        <p:attrNameLst>
+                                          <p:attrName>ppt_y</p:attrName>
+                                        </p:attrNameLst>
+                                      </p:cBhvr>
+                                      <p:tavLst>
+                                        <p:tav tm="0">
+                                          <p:val>
+                                            <p:strVal val="1+#ppt_h/2"/>
+                                          </p:val>
+                                        </p:tav>
+                                        <p:tav tm="100000">
+                                          <p:val>
+                                            <p:strVal val="#ppt_y"/>
+                                          </p:val>
+                                        </p:tav>
+                                      </p:tavLst>
+                                    </p:anim>
+                                  </p:childTnLst>
+                                </p:cTn>
+                              </p:par>
+                            </p:childTnLst>
+                          </p:cTn>
+                        </p:par>
+                      </p:childTnLst>
+                    </p:cTn>
+                  </p:par>
+                  <p:par>
+                    <p:cTn id="9" fill="hold">
+                      <p:stCondLst>
+                        <p:cond delay="indefinite"/>
+                      </p:stCondLst>
+                      <p:childTnLst>
+                        <p:par>
+                          <p:cTn id="10" fill="hold">
+                            <p:stCondLst>
+                              <p:cond delay="0"/>
+                            </p:stCondLst>
+                            <p:childTnLst>
+                              <p:par>
+                                <p:cTn id="11" presetID="2" presetClass="entr" presetSubtype="4" fill="hold" nodeType="clickEffect">
+                                  <p:stCondLst>
+                                    <p:cond delay="0"/>
+                                  </p:stCondLst>
+                                  <p:childTnLst>
+                                    <p:set>
+                                      <p:cBhvr>
+                                        <p:cTn id="12" dur="1" fill="hold">
+                                          <p:stCondLst>
+                                            <p:cond delay="0"/>
+                                          </p:stCondLst>
+                                        </p:cTn>
+                                        <p:tgtEl>
+                                          <p:spTgt spid="1027"/>
+                                        </p:tgtEl>
+                                        <p:attrNameLst>
+                                          <p:attrName>style.visibility</p:attrName>
+                                        </p:attrNameLst>
+                                      </p:cBhvr>
+                                      <p:to>
+                                        <p:strVal val="visible"/>
+                                      </p:to>
+                                    </p:set>
+                                    <p:anim calcmode="lin" valueType="num">
+                                      <p:cBhvr additive="base">
+                                        <p:cTn id="13" dur="500" fill="hold"/>
+                                        <p:tgtEl>
+                                          <p:spTgt spid="1027"/>
+                                        </p:tgtEl>
+                                        <p:attrNameLst>
+                                          <p:attrName>ppt_x</p:attrName>
+                                        </p:attrNameLst>
+                                      </p:cBhvr>
+                                      <p:tavLst>
+                                        <p:tav tm="0">
+                                          <p:val>
+                                            <p:strVal val="#ppt_x"/>
+                                          </p:val>
+                                        </p:tav>
+                                        <p:tav tm="100000">
+                                          <p:val>
+                                            <p:strVal val="#ppt_x"/>
+                                          </p:val>
+                                        </p:tav>
+                                      </p:tavLst>
+                                    </p:anim>
+                                    <p:anim calcmode="lin" valueType="num">
+                                      <p:cBhvr additive="base">
+                                        <p:cTn id="14" dur="500" fill="hold"/>
+                                        <p:tgtEl>
+                                          <p:spTgt spid="1027"/>
+                                        </p:tgtEl>
+                                        <p:attrNameLst>
+                                          <p:attrName>ppt_y</p:attrName>
+                                        </p:attrNameLst>
+                                      </p:cBhvr>
+                                      <p:tavLst>
+                                        <p:tav tm="0">
+                                          <p:val>
+                                            <p:strVal val="1+#ppt_h/2"/>
+                                          </p:val>
+                                        </p:tav>
+                                        <p:tav tm="100000">
+                                          <p:val>
+                                            <p:strVal val="#ppt_y"/>
+                                          </p:val>
+                                        </p:tav>
+                                      </p:tavLst>
+                                    </p:anim>
+                                  </p:childTnLst>
+                                </p:cTn>
+                              </p:par>
+                            </p:childTnLst>
+                          </p:cTn>
+                        </p:par>
+                      </p:childTnLst>
+                    </p:cTn>
+                  </p:par>
+                </p:childTnLst>
+              </p:cTn>
+              <p:prevCondLst>
+                <p:cond evt="onPrev" delay="0">
+                  <p:tgtEl>
+                    <p:sldTgt/>
+                  </p:tgtEl>
+                </p:cond>
+              </p:prevCondLst>
+              <p:nextCondLst>
+                <p:cond evt="onNext" delay="0">
+                  <p:tgtEl>
+                    <p:sldTgt/>
+                  </p:tgtEl>
+                </p:cond>
+              </p:nextCondLst>
+            </p:seq>
+          </p:childTnLst>
+        </p:cTn>
+      </p:par>
+    </p:tnLst>
+  </p:timing>
+</p:sld>
+</file>
+
+<file path=ppt/slides/slide15.xml><?xml version="1.0" encoding="utf-8"?>
 <p:sld xmlns:a="http://schemas.openxmlformats.org/drawingml/2006/main" xmlns:r="http://schemas.openxmlformats.org/officeDocument/2006/relationships" xmlns:p="http://schemas.openxmlformats.org/presentationml/2006/main">
   <p:cSld>
     <p:spTree>
@@ -5845,7 +5290,7 @@
                                           </p:stCondLst>
                                         </p:cTn>
                                         <p:tgtEl>
-                                          <p:spTgt spid="7"/>
+                                          <p:spTgt spid="8"/>
                                         </p:tgtEl>
                                         <p:attrNameLst>
                                           <p:attrName>style.visibility</p:attrName>
@@ -5859,7 +5304,7 @@
                                       <p:cBhvr additive="base">
                                         <p:cTn id="13" dur="500" fill="hold"/>
                                         <p:tgtEl>
-                                          <p:spTgt spid="7"/>
+                                          <p:spTgt spid="8"/>
                                         </p:tgtEl>
                                         <p:attrNameLst>
                                           <p:attrName>ppt_x</p:attrName>
@@ -5882,7 +5327,7 @@
                                       <p:cBhvr additive="base">
                                         <p:cTn id="14" dur="500" fill="hold"/>
                                         <p:tgtEl>
-                                          <p:spTgt spid="7"/>
+                                          <p:spTgt spid="8"/>
                                         </p:tgtEl>
                                         <p:attrNameLst>
                                           <p:attrName>ppt_y</p:attrName>
@@ -5936,7 +5381,7 @@
                                           </p:stCondLst>
                                         </p:cTn>
                                         <p:tgtEl>
-                                          <p:spTgt spid="8"/>
+                                          <p:spTgt spid="7"/>
                                         </p:tgtEl>
                                         <p:attrNameLst>
                                           <p:attrName>style.visibility</p:attrName>
@@ -5950,7 +5395,7 @@
                                       <p:cBhvr additive="base">
                                         <p:cTn id="19" dur="500" fill="hold"/>
                                         <p:tgtEl>
-                                          <p:spTgt spid="8"/>
+                                          <p:spTgt spid="7"/>
                                         </p:tgtEl>
                                         <p:attrNameLst>
                                           <p:attrName>ppt_x</p:attrName>
@@ -5973,7 +5418,7 @@
                                       <p:cBhvr additive="base">
                                         <p:cTn id="20" dur="500" fill="hold"/>
                                         <p:tgtEl>
-                                          <p:spTgt spid="8"/>
+                                          <p:spTgt spid="7"/>
                                         </p:tgtEl>
                                         <p:attrNameLst>
                                           <p:attrName>ppt_y</p:attrName>
@@ -6027,6 +5472,572 @@
       <p:bldP spid="7" grpId="0"/>
       <p:bldP spid="8" grpId="0"/>
     </p:bldLst>
+  </p:timing>
+</p:sld>
+</file>
+
+<file path=ppt/slides/slide16.xml><?xml version="1.0" encoding="utf-8"?>
+<p:sld xmlns:a="http://schemas.openxmlformats.org/drawingml/2006/main" xmlns:r="http://schemas.openxmlformats.org/officeDocument/2006/relationships" xmlns:p="http://schemas.openxmlformats.org/presentationml/2006/main">
+  <p:cSld>
+    <p:spTree>
+      <p:nvGrpSpPr>
+        <p:cNvPr id="1" name=""/>
+        <p:cNvGrpSpPr/>
+        <p:nvPr/>
+      </p:nvGrpSpPr>
+      <p:grpSpPr>
+        <a:xfrm>
+          <a:off x="0" y="0"/>
+          <a:ext cx="0" cy="0"/>
+          <a:chOff x="0" y="0"/>
+          <a:chExt cx="0" cy="0"/>
+        </a:xfrm>
+      </p:grpSpPr>
+      <p:sp>
+        <p:nvSpPr>
+          <p:cNvPr id="2" name="标题 1"/>
+          <p:cNvSpPr>
+            <a:spLocks noGrp="1"/>
+          </p:cNvSpPr>
+          <p:nvPr>
+            <p:ph type="title"/>
+          </p:nvPr>
+        </p:nvSpPr>
+        <p:spPr/>
+        <p:txBody>
+          <a:bodyPr/>
+          <a:lstStyle/>
+          <a:p>
+            <a:pPr algn="l"/>
+            <a:r>
+              <a:rPr lang="en-US" altLang="zh-CN" dirty="0" smtClean="0"/>
+              <a:t>What is feather?</a:t>
+            </a:r>
+            <a:endParaRPr lang="zh-CN" altLang="en-US" dirty="0"/>
+          </a:p>
+        </p:txBody>
+      </p:sp>
+      <p:sp>
+        <p:nvSpPr>
+          <p:cNvPr id="3" name="内容占位符 2"/>
+          <p:cNvSpPr>
+            <a:spLocks noGrp="1"/>
+          </p:cNvSpPr>
+          <p:nvPr>
+            <p:ph idx="1"/>
+          </p:nvPr>
+        </p:nvSpPr>
+        <p:spPr/>
+        <p:txBody>
+          <a:bodyPr/>
+          <a:lstStyle/>
+          <a:p>
+            <a:endParaRPr lang="zh-CN" altLang="en-US"/>
+          </a:p>
+        </p:txBody>
+      </p:sp>
+      <p:pic>
+        <p:nvPicPr>
+          <p:cNvPr id="38916" name="Picture 4"/>
+          <p:cNvPicPr>
+            <a:picLocks noChangeAspect="1" noChangeArrowheads="1"/>
+          </p:cNvPicPr>
+          <p:nvPr/>
+        </p:nvPicPr>
+        <p:blipFill>
+          <a:blip r:embed="rId2"/>
+          <a:srcRect/>
+          <a:stretch>
+            <a:fillRect/>
+          </a:stretch>
+        </p:blipFill>
+        <p:spPr bwMode="auto">
+          <a:xfrm>
+            <a:off x="642910" y="1214428"/>
+            <a:ext cx="4143388" cy="3273150"/>
+          </a:xfrm>
+          <a:prstGeom prst="rect">
+            <a:avLst/>
+          </a:prstGeom>
+          <a:noFill/>
+          <a:ln w="9525">
+            <a:noFill/>
+            <a:miter lim="800000"/>
+            <a:headEnd/>
+            <a:tailEnd/>
+          </a:ln>
+          <a:effectLst/>
+        </p:spPr>
+      </p:pic>
+      <p:sp>
+        <p:nvSpPr>
+          <p:cNvPr id="38918" name="AutoShape 6" descr="https://www.javacodegeeks.com/wp-content/uploads/2017/09/mvc-1024x451.png"/>
+          <p:cNvSpPr>
+            <a:spLocks noChangeAspect="1" noChangeArrowheads="1"/>
+          </p:cNvSpPr>
+          <p:nvPr/>
+        </p:nvSpPr>
+        <p:spPr bwMode="auto">
+          <a:xfrm>
+            <a:off x="155575" y="-1241425"/>
+            <a:ext cx="5905500" cy="2600325"/>
+          </a:xfrm>
+          <a:prstGeom prst="rect">
+            <a:avLst/>
+          </a:prstGeom>
+          <a:noFill/>
+        </p:spPr>
+        <p:txBody>
+          <a:bodyPr vert="horz" wrap="square" lIns="91440" tIns="45720" rIns="91440" bIns="45720" numCol="1" anchor="t" anchorCtr="0" compatLnSpc="1">
+            <a:prstTxWarp prst="textNoShape">
+              <a:avLst/>
+            </a:prstTxWarp>
+          </a:bodyPr>
+          <a:lstStyle/>
+          <a:p>
+            <a:endParaRPr lang="zh-CN" altLang="en-US"/>
+          </a:p>
+        </p:txBody>
+      </p:sp>
+      <p:sp>
+        <p:nvSpPr>
+          <p:cNvPr id="38920" name="AutoShape 8" descr="https://www.javacodegeeks.com/wp-content/uploads/2017/09/mvc-1024x451.png"/>
+          <p:cNvSpPr>
+            <a:spLocks noChangeAspect="1" noChangeArrowheads="1"/>
+          </p:cNvSpPr>
+          <p:nvPr/>
+        </p:nvSpPr>
+        <p:spPr bwMode="auto">
+          <a:xfrm>
+            <a:off x="155575" y="-1241425"/>
+            <a:ext cx="5905500" cy="2600325"/>
+          </a:xfrm>
+          <a:prstGeom prst="rect">
+            <a:avLst/>
+          </a:prstGeom>
+          <a:noFill/>
+        </p:spPr>
+        <p:txBody>
+          <a:bodyPr vert="horz" wrap="square" lIns="91440" tIns="45720" rIns="91440" bIns="45720" numCol="1" anchor="t" anchorCtr="0" compatLnSpc="1">
+            <a:prstTxWarp prst="textNoShape">
+              <a:avLst/>
+            </a:prstTxWarp>
+          </a:bodyPr>
+          <a:lstStyle/>
+          <a:p>
+            <a:endParaRPr lang="zh-CN" altLang="en-US"/>
+          </a:p>
+        </p:txBody>
+      </p:sp>
+      <p:pic>
+        <p:nvPicPr>
+          <p:cNvPr id="38921" name="Picture 9"/>
+          <p:cNvPicPr>
+            <a:picLocks noChangeAspect="1" noChangeArrowheads="1"/>
+          </p:cNvPicPr>
+          <p:nvPr/>
+        </p:nvPicPr>
+        <p:blipFill>
+          <a:blip r:embed="rId3"/>
+          <a:srcRect/>
+          <a:stretch>
+            <a:fillRect/>
+          </a:stretch>
+        </p:blipFill>
+        <p:spPr bwMode="auto">
+          <a:xfrm>
+            <a:off x="4929190" y="2000246"/>
+            <a:ext cx="3555863" cy="1571636"/>
+          </a:xfrm>
+          <a:prstGeom prst="rect">
+            <a:avLst/>
+          </a:prstGeom>
+          <a:noFill/>
+          <a:ln w="9525">
+            <a:noFill/>
+            <a:miter lim="800000"/>
+            <a:headEnd/>
+            <a:tailEnd/>
+          </a:ln>
+          <a:effectLst/>
+        </p:spPr>
+      </p:pic>
+    </p:spTree>
+  </p:cSld>
+  <p:clrMapOvr>
+    <a:masterClrMapping/>
+  </p:clrMapOvr>
+  <p:timing>
+    <p:tnLst>
+      <p:par>
+        <p:cTn id="1" dur="indefinite" restart="never" nodeType="tmRoot">
+          <p:childTnLst>
+            <p:seq concurrent="1" nextAc="seek">
+              <p:cTn id="2" dur="indefinite" nodeType="mainSeq">
+                <p:childTnLst>
+                  <p:par>
+                    <p:cTn id="3" fill="hold">
+                      <p:stCondLst>
+                        <p:cond delay="indefinite"/>
+                      </p:stCondLst>
+                      <p:childTnLst>
+                        <p:par>
+                          <p:cTn id="4" fill="hold">
+                            <p:stCondLst>
+                              <p:cond delay="0"/>
+                            </p:stCondLst>
+                            <p:childTnLst>
+                              <p:par>
+                                <p:cTn id="5" presetID="2" presetClass="entr" presetSubtype="4" fill="hold" nodeType="clickEffect">
+                                  <p:stCondLst>
+                                    <p:cond delay="0"/>
+                                  </p:stCondLst>
+                                  <p:childTnLst>
+                                    <p:set>
+                                      <p:cBhvr>
+                                        <p:cTn id="6" dur="1" fill="hold">
+                                          <p:stCondLst>
+                                            <p:cond delay="0"/>
+                                          </p:stCondLst>
+                                        </p:cTn>
+                                        <p:tgtEl>
+                                          <p:spTgt spid="38921"/>
+                                        </p:tgtEl>
+                                        <p:attrNameLst>
+                                          <p:attrName>style.visibility</p:attrName>
+                                        </p:attrNameLst>
+                                      </p:cBhvr>
+                                      <p:to>
+                                        <p:strVal val="visible"/>
+                                      </p:to>
+                                    </p:set>
+                                    <p:anim calcmode="lin" valueType="num">
+                                      <p:cBhvr additive="base">
+                                        <p:cTn id="7" dur="500" fill="hold"/>
+                                        <p:tgtEl>
+                                          <p:spTgt spid="38921"/>
+                                        </p:tgtEl>
+                                        <p:attrNameLst>
+                                          <p:attrName>ppt_x</p:attrName>
+                                        </p:attrNameLst>
+                                      </p:cBhvr>
+                                      <p:tavLst>
+                                        <p:tav tm="0">
+                                          <p:val>
+                                            <p:strVal val="#ppt_x"/>
+                                          </p:val>
+                                        </p:tav>
+                                        <p:tav tm="100000">
+                                          <p:val>
+                                            <p:strVal val="#ppt_x"/>
+                                          </p:val>
+                                        </p:tav>
+                                      </p:tavLst>
+                                    </p:anim>
+                                    <p:anim calcmode="lin" valueType="num">
+                                      <p:cBhvr additive="base">
+                                        <p:cTn id="8" dur="500" fill="hold"/>
+                                        <p:tgtEl>
+                                          <p:spTgt spid="38921"/>
+                                        </p:tgtEl>
+                                        <p:attrNameLst>
+                                          <p:attrName>ppt_y</p:attrName>
+                                        </p:attrNameLst>
+                                      </p:cBhvr>
+                                      <p:tavLst>
+                                        <p:tav tm="0">
+                                          <p:val>
+                                            <p:strVal val="1+#ppt_h/2"/>
+                                          </p:val>
+                                        </p:tav>
+                                        <p:tav tm="100000">
+                                          <p:val>
+                                            <p:strVal val="#ppt_y"/>
+                                          </p:val>
+                                        </p:tav>
+                                      </p:tavLst>
+                                    </p:anim>
+                                  </p:childTnLst>
+                                </p:cTn>
+                              </p:par>
+                            </p:childTnLst>
+                          </p:cTn>
+                        </p:par>
+                      </p:childTnLst>
+                    </p:cTn>
+                  </p:par>
+                </p:childTnLst>
+              </p:cTn>
+              <p:prevCondLst>
+                <p:cond evt="onPrev" delay="0">
+                  <p:tgtEl>
+                    <p:sldTgt/>
+                  </p:tgtEl>
+                </p:cond>
+              </p:prevCondLst>
+              <p:nextCondLst>
+                <p:cond evt="onNext" delay="0">
+                  <p:tgtEl>
+                    <p:sldTgt/>
+                  </p:tgtEl>
+                </p:cond>
+              </p:nextCondLst>
+            </p:seq>
+          </p:childTnLst>
+        </p:cTn>
+      </p:par>
+    </p:tnLst>
+  </p:timing>
+</p:sld>
+</file>
+
+<file path=ppt/slides/slide17.xml><?xml version="1.0" encoding="utf-8"?>
+<p:sld xmlns:a="http://schemas.openxmlformats.org/drawingml/2006/main" xmlns:r="http://schemas.openxmlformats.org/officeDocument/2006/relationships" xmlns:p="http://schemas.openxmlformats.org/presentationml/2006/main">
+  <p:cSld>
+    <p:spTree>
+      <p:nvGrpSpPr>
+        <p:cNvPr id="1" name=""/>
+        <p:cNvGrpSpPr/>
+        <p:nvPr/>
+      </p:nvGrpSpPr>
+      <p:grpSpPr>
+        <a:xfrm>
+          <a:off x="0" y="0"/>
+          <a:ext cx="0" cy="0"/>
+          <a:chOff x="0" y="0"/>
+          <a:chExt cx="0" cy="0"/>
+        </a:xfrm>
+      </p:grpSpPr>
+      <p:sp>
+        <p:nvSpPr>
+          <p:cNvPr id="2" name="标题 1"/>
+          <p:cNvSpPr>
+            <a:spLocks noGrp="1"/>
+          </p:cNvSpPr>
+          <p:nvPr>
+            <p:ph type="title"/>
+          </p:nvPr>
+        </p:nvSpPr>
+        <p:spPr/>
+        <p:txBody>
+          <a:bodyPr/>
+          <a:lstStyle/>
+          <a:p>
+            <a:pPr algn="l"/>
+            <a:r>
+              <a:rPr lang="en-US" altLang="zh-CN" dirty="0" smtClean="0"/>
+              <a:t>Components of feather</a:t>
+            </a:r>
+            <a:endParaRPr lang="zh-CN" altLang="en-US" dirty="0"/>
+          </a:p>
+        </p:txBody>
+      </p:sp>
+      <p:sp>
+        <p:nvSpPr>
+          <p:cNvPr id="3" name="内容占位符 2"/>
+          <p:cNvSpPr>
+            <a:spLocks noGrp="1"/>
+          </p:cNvSpPr>
+          <p:nvPr>
+            <p:ph idx="1"/>
+          </p:nvPr>
+        </p:nvSpPr>
+        <p:spPr/>
+        <p:txBody>
+          <a:bodyPr/>
+          <a:lstStyle/>
+          <a:p>
+            <a:r>
+              <a:rPr lang="en-US" altLang="zh-CN" sz="2800" dirty="0" err="1" smtClean="0">
+                <a:hlinkClick r:id="rId2"/>
+              </a:rPr>
+              <a:t>Cinatra</a:t>
+            </a:r>
+            <a:r>
+              <a:rPr lang="en-US" altLang="zh-CN" sz="2800" dirty="0" smtClean="0"/>
+              <a:t>: an easy to use http library(http/https, web socket, </a:t>
+            </a:r>
+            <a:r>
+              <a:rPr lang="en-US" altLang="zh-CN" sz="2800" dirty="0" smtClean="0"/>
+              <a:t>AOP(</a:t>
+            </a:r>
+            <a:r>
+              <a:rPr lang="en-US" sz="2400" dirty="0" smtClean="0"/>
+              <a:t>Aspect Oriented Programming</a:t>
+            </a:r>
+            <a:r>
+              <a:rPr lang="en-US" altLang="zh-CN" sz="2800" dirty="0" smtClean="0"/>
+              <a:t>)</a:t>
+            </a:r>
+            <a:endParaRPr lang="en-US" altLang="zh-CN" sz="2800" dirty="0" smtClean="0"/>
+          </a:p>
+          <a:p>
+            <a:r>
+              <a:rPr lang="en-US" altLang="zh-CN" sz="2800" dirty="0" err="1" smtClean="0">
+                <a:hlinkClick r:id="rId3"/>
+              </a:rPr>
+              <a:t>Ormpp</a:t>
+            </a:r>
+            <a:r>
+              <a:rPr lang="en-US" altLang="zh-CN" sz="2800" dirty="0" smtClean="0"/>
+              <a:t>: a flexible ORM library, support multiple databases(compile-time reflection)</a:t>
+            </a:r>
+          </a:p>
+          <a:p>
+            <a:r>
+              <a:rPr lang="en-US" altLang="zh-CN" sz="2800" dirty="0" smtClean="0">
+                <a:hlinkClick r:id="rId4"/>
+              </a:rPr>
+              <a:t>Render</a:t>
+            </a:r>
+            <a:r>
+              <a:rPr lang="en-US" altLang="zh-CN" sz="2800" dirty="0" smtClean="0"/>
+              <a:t>: a powerful html template engine</a:t>
+            </a:r>
+          </a:p>
+        </p:txBody>
+      </p:sp>
+    </p:spTree>
+  </p:cSld>
+  <p:clrMapOvr>
+    <a:masterClrMapping/>
+  </p:clrMapOvr>
+  <p:timing>
+    <p:tnLst>
+      <p:par>
+        <p:cTn id="1" dur="indefinite" restart="never" nodeType="tmRoot"/>
+      </p:par>
+    </p:tnLst>
+  </p:timing>
+</p:sld>
+</file>
+
+<file path=ppt/slides/slide18.xml><?xml version="1.0" encoding="utf-8"?>
+<p:sld xmlns:a="http://schemas.openxmlformats.org/drawingml/2006/main" xmlns:r="http://schemas.openxmlformats.org/officeDocument/2006/relationships" xmlns:p="http://schemas.openxmlformats.org/presentationml/2006/main">
+  <p:cSld>
+    <p:spTree>
+      <p:nvGrpSpPr>
+        <p:cNvPr id="1" name=""/>
+        <p:cNvGrpSpPr/>
+        <p:nvPr/>
+      </p:nvGrpSpPr>
+      <p:grpSpPr>
+        <a:xfrm>
+          <a:off x="0" y="0"/>
+          <a:ext cx="0" cy="0"/>
+          <a:chOff x="0" y="0"/>
+          <a:chExt cx="0" cy="0"/>
+        </a:xfrm>
+      </p:grpSpPr>
+      <p:sp>
+        <p:nvSpPr>
+          <p:cNvPr id="2" name="标题 1"/>
+          <p:cNvSpPr>
+            <a:spLocks noGrp="1"/>
+          </p:cNvSpPr>
+          <p:nvPr>
+            <p:ph type="title"/>
+          </p:nvPr>
+        </p:nvSpPr>
+        <p:spPr/>
+        <p:txBody>
+          <a:bodyPr/>
+          <a:lstStyle/>
+          <a:p>
+            <a:pPr algn="l"/>
+            <a:r>
+              <a:rPr lang="en-US" altLang="zh-CN" dirty="0" smtClean="0"/>
+              <a:t>What is feather?</a:t>
+            </a:r>
+            <a:endParaRPr lang="zh-CN" altLang="en-US" dirty="0"/>
+          </a:p>
+        </p:txBody>
+      </p:sp>
+      <p:sp>
+        <p:nvSpPr>
+          <p:cNvPr id="3" name="内容占位符 2"/>
+          <p:cNvSpPr>
+            <a:spLocks noGrp="1"/>
+          </p:cNvSpPr>
+          <p:nvPr>
+            <p:ph idx="1"/>
+          </p:nvPr>
+        </p:nvSpPr>
+        <p:spPr/>
+        <p:txBody>
+          <a:bodyPr/>
+          <a:lstStyle/>
+          <a:p>
+            <a:endParaRPr lang="en-US" altLang="zh-CN" dirty="0" smtClean="0"/>
+          </a:p>
+          <a:p>
+            <a:endParaRPr lang="en-US" altLang="zh-CN" dirty="0" smtClean="0"/>
+          </a:p>
+          <a:p>
+            <a:endParaRPr lang="zh-CN" altLang="en-US" dirty="0"/>
+          </a:p>
+        </p:txBody>
+      </p:sp>
+      <p:sp>
+        <p:nvSpPr>
+          <p:cNvPr id="4" name="矩形 3"/>
+          <p:cNvSpPr/>
+          <p:nvPr/>
+        </p:nvSpPr>
+        <p:spPr>
+          <a:xfrm>
+            <a:off x="785786" y="1214428"/>
+            <a:ext cx="4950009" cy="1569660"/>
+          </a:xfrm>
+          <a:prstGeom prst="rect">
+            <a:avLst/>
+          </a:prstGeom>
+        </p:spPr>
+        <p:txBody>
+          <a:bodyPr wrap="none">
+            <a:spAutoFit/>
+          </a:bodyPr>
+          <a:lstStyle/>
+          <a:p>
+            <a:r>
+              <a:rPr lang="en-US" altLang="zh-CN" sz="2400" dirty="0" smtClean="0"/>
+              <a:t>This website was developed in feather</a:t>
+            </a:r>
+          </a:p>
+          <a:p>
+            <a:r>
+              <a:rPr lang="en-US" altLang="zh-CN" sz="2400" dirty="0" smtClean="0">
+                <a:hlinkClick r:id="rId2"/>
+              </a:rPr>
+              <a:t>http://purecpp.org/</a:t>
+            </a:r>
+            <a:endParaRPr lang="en-US" altLang="zh-CN" sz="2400" dirty="0" smtClean="0"/>
+          </a:p>
+          <a:p>
+            <a:endParaRPr lang="en-US" altLang="zh-CN" sz="2400" dirty="0" smtClean="0"/>
+          </a:p>
+          <a:p>
+            <a:r>
+              <a:rPr lang="en-US" altLang="zh-CN" sz="2400" dirty="0" smtClean="0">
+                <a:hlinkClick r:id="rId3"/>
+              </a:rPr>
+              <a:t>https://github.com/qicosmos/feather</a:t>
+            </a:r>
+            <a:endParaRPr lang="en-US" altLang="zh-CN" sz="2400" dirty="0" smtClean="0"/>
+          </a:p>
+        </p:txBody>
+      </p:sp>
+    </p:spTree>
+  </p:cSld>
+  <p:clrMapOvr>
+    <a:masterClrMapping/>
+  </p:clrMapOvr>
+  <p:timing>
+    <p:tnLst>
+      <p:par>
+        <p:cTn id="1" dur="indefinite" restart="never" nodeType="tmRoot"/>
+      </p:par>
+    </p:tnLst>
   </p:timing>
 </p:sld>
 </file>
@@ -6598,15 +6609,29 @@
         </p:nvSpPr>
         <p:spPr/>
         <p:txBody>
-          <a:bodyPr/>
+          <a:bodyPr>
+            <a:noAutofit/>
+          </a:bodyPr>
           <a:lstStyle/>
           <a:p>
             <a:pPr algn="l"/>
             <a:r>
-              <a:rPr lang="en-US" altLang="zh-CN" dirty="0" smtClean="0"/>
-              <a:t>Why we need feather?</a:t>
-            </a:r>
-            <a:endParaRPr lang="zh-CN" altLang="en-US" dirty="0"/>
+              <a:rPr lang="en-US" altLang="zh-CN" sz="3200" dirty="0" smtClean="0"/>
+              <a:t>Why we need </a:t>
+            </a:r>
+            <a:r>
+              <a:rPr lang="en-US" altLang="zh-CN" sz="3200" dirty="0" smtClean="0"/>
+              <a:t>a </a:t>
+            </a:r>
+            <a:r>
+              <a:rPr lang="en-US" altLang="zh-CN" sz="3200" dirty="0" err="1" smtClean="0"/>
+              <a:t>c++</a:t>
+            </a:r>
+            <a:r>
+              <a:rPr lang="en-US" altLang="zh-CN" sz="3200" dirty="0" smtClean="0"/>
+              <a:t> web framework feather?</a:t>
+            </a:r>
+            <a:endParaRPr lang="zh-CN" altLang="en-US" sz="3200" dirty="0"/>
           </a:p>
         </p:txBody>
       </p:sp>
@@ -6622,20 +6647,22 @@
         </p:nvSpPr>
         <p:spPr/>
         <p:txBody>
-          <a:bodyPr/>
+          <a:bodyPr>
+            <a:normAutofit/>
+          </a:bodyPr>
           <a:lstStyle/>
           <a:p>
             <a:r>
-              <a:rPr lang="en-US" altLang="zh-CN" dirty="0" smtClean="0"/>
+              <a:rPr lang="en-US" altLang="zh-CN" sz="2400" dirty="0" smtClean="0"/>
               <a:t>High development efficiency</a:t>
             </a:r>
           </a:p>
           <a:p>
             <a:r>
-              <a:rPr lang="en-US" altLang="zh-CN" dirty="0" smtClean="0"/>
+              <a:rPr lang="en-US" altLang="zh-CN" sz="2400" dirty="0" smtClean="0"/>
               <a:t>High performance</a:t>
             </a:r>
-            <a:endParaRPr lang="zh-CN" altLang="en-US" dirty="0"/>
+            <a:endParaRPr lang="zh-CN" altLang="en-US" sz="2400" dirty="0"/>
           </a:p>
         </p:txBody>
       </p:sp>
@@ -6818,10 +6845,7 @@
               <a:rPr lang="en-US" altLang="zh-CN" dirty="0" err="1" smtClean="0"/>
               <a:t>ormpp</a:t>
             </a:r>
-            <a:r>
-              <a:rPr lang="en-US" altLang="zh-CN" dirty="0" smtClean="0"/>
-              <a:t>(Comparison)</a:t>
-            </a:r>
+            <a:endParaRPr lang="en-US" altLang="zh-CN" dirty="0" smtClean="0"/>
           </a:p>
           <a:p>
             <a:r>
@@ -9284,36 +9308,6 @@
           </p:txBody>
         </p:sp>
       </p:grpSp>
-      <p:sp>
-        <p:nvSpPr>
-          <p:cNvPr id="35" name="TextBox 34"/>
-          <p:cNvSpPr txBox="1"/>
-          <p:nvPr/>
-        </p:nvSpPr>
-        <p:spPr>
-          <a:xfrm>
-            <a:off x="6143636" y="3286130"/>
-            <a:ext cx="641009" cy="369332"/>
-          </a:xfrm>
-          <a:prstGeom prst="rect">
-            <a:avLst/>
-          </a:prstGeom>
-          <a:noFill/>
-        </p:spPr>
-        <p:txBody>
-          <a:bodyPr wrap="none" rtlCol="0">
-            <a:spAutoFit/>
-          </a:bodyPr>
-          <a:lstStyle/>
-          <a:p>
-            <a:r>
-              <a:rPr lang="en-US" altLang="zh-CN" b="1" dirty="0" smtClean="0"/>
-              <a:t>MVC</a:t>
-            </a:r>
-            <a:endParaRPr lang="zh-CN" altLang="en-US" b="1" dirty="0"/>
-          </a:p>
-        </p:txBody>
-      </p:sp>
     </p:spTree>
   </p:cSld>
   <p:clrMapOvr>
@@ -9486,97 +9480,6 @@
                       </p:childTnLst>
                     </p:cTn>
                   </p:par>
-                  <p:par>
-                    <p:cTn id="18" fill="hold">
-                      <p:stCondLst>
-                        <p:cond delay="indefinite"/>
-                      </p:stCondLst>
-                      <p:childTnLst>
-                        <p:par>
-                          <p:cTn id="19" fill="hold">
-                            <p:stCondLst>
-                              <p:cond delay="0"/>
-                            </p:stCondLst>
-                            <p:childTnLst>
-                              <p:par>
-                                <p:cTn id="20" presetID="2" presetClass="entr" presetSubtype="4" fill="hold" grpId="0" nodeType="clickEffect">
-                                  <p:stCondLst>
-                                    <p:cond delay="0"/>
-                                  </p:stCondLst>
-                                  <p:childTnLst>
-                                    <p:set>
-                                      <p:cBhvr>
-                                        <p:cTn id="21" dur="1" fill="hold">
-                                          <p:stCondLst>
-                                            <p:cond delay="0"/>
-                                          </p:stCondLst>
-                                        </p:cTn>
-                                        <p:tgtEl>
-                                          <p:spTgt spid="35"/>
-                                        </p:tgtEl>
-                                        <p:attrNameLst>
-                                          <p:attrName>style.visibility</p:attrName>
-                                        </p:attrNameLst>
-                                      </p:cBhvr>
-                                      <p:to>
-                                        <p:strVal val="visible"/>
-                                      </p:to>
-                                    </p:set>
-                                    <p:anim calcmode="lin" valueType="num">
-                                      <p:cBhvr additive="base">
-                                        <p:cTn id="22" dur="500" fill="hold"/>
-                                        <p:tgtEl>
-                                          <p:spTgt spid="35"/>
-                                        </p:tgtEl>
-                                        <p:attrNameLst>
-                                          <p:attrName>ppt_x</p:attrName>
-                                        </p:attrNameLst>
-                                      </p:cBhvr>
-                                      <p:tavLst>
-                                        <p:tav tm="0">
-                                          <p:val>
-                                            <p:strVal val="#ppt_x"/>
-                                          </p:val>
-                                        </p:tav>
-                                        <p:tav tm="100000">
-                                          <p:val>
-                                            <p:strVal val="#ppt_x"/>
-                                          </p:val>
-                                        </p:tav>
-                                      </p:tavLst>
-                                    </p:anim>
-                                    <p:anim calcmode="lin" valueType="num">
-                                      <p:cBhvr additive="base">
-                                        <p:cTn id="23" dur="500" fill="hold"/>
-                                        <p:tgtEl>
-                                          <p:spTgt spid="35"/>
-                                        </p:tgtEl>
-                                        <p:attrNameLst>
-                                          <p:attrName>ppt_y</p:attrName>
-                                        </p:attrNameLst>
-                                      </p:cBhvr>
-                                      <p:tavLst>
-                                        <p:tav tm="0">
-                                          <p:val>
-                                            <p:strVal val="1+#ppt_h/2"/>
-                                          </p:val>
-                                        </p:tav>
-                                        <p:tav tm="100000">
-                                          <p:val>
-                                            <p:strVal val="#ppt_y"/>
-                                          </p:val>
-                                        </p:tav>
-                                      </p:tavLst>
-                                    </p:anim>
-                                  </p:childTnLst>
-                                </p:cTn>
-                              </p:par>
-                            </p:childTnLst>
-                          </p:cTn>
-                        </p:par>
-                      </p:childTnLst>
-                    </p:cTn>
-                  </p:par>
                 </p:childTnLst>
               </p:cTn>
               <p:prevCondLst>
@@ -9598,9 +9501,6 @@
         </p:cTn>
       </p:par>
     </p:tnLst>
-    <p:bldLst>
-      <p:bldP spid="35" grpId="0"/>
-    </p:bldLst>
   </p:timing>
 </p:sld>
 </file>
@@ -24549,7 +24449,6 @@
               <a:rPr lang="en-US" altLang="zh-CN" dirty="0" smtClean="0"/>
               <a:t>A little complicated, not very easy to use</a:t>
             </a:r>
-            <a:endParaRPr lang="en-US" altLang="zh-CN" dirty="0" smtClean="0"/>
           </a:p>
         </p:txBody>
       </p:sp>
@@ -24576,11 +24475,7 @@
           <a:p>
             <a:r>
               <a:rPr lang="en-US" altLang="zh-CN" dirty="0" smtClean="0"/>
-              <a:t>No html </a:t>
-            </a:r>
-            <a:r>
-              <a:rPr lang="en-US" altLang="zh-CN" dirty="0" smtClean="0"/>
-              <a:t>templates component</a:t>
+              <a:t>No html templates component</a:t>
             </a:r>
             <a:endParaRPr lang="zh-CN" altLang="en-US" dirty="0"/>
           </a:p>
@@ -24775,33 +24670,15 @@
                                   </p:childTnLst>
                                 </p:cTn>
                               </p:par>
-                            </p:childTnLst>
-                          </p:cTn>
-                        </p:par>
-                      </p:childTnLst>
-                    </p:cTn>
-                  </p:par>
-                  <p:par>
-                    <p:cTn id="15" fill="hold">
-                      <p:stCondLst>
-                        <p:cond delay="indefinite"/>
-                      </p:stCondLst>
-                      <p:childTnLst>
-                        <p:par>
-                          <p:cTn id="16" fill="hold">
-                            <p:stCondLst>
-                              <p:cond delay="0"/>
-                            </p:stCondLst>
-                            <p:childTnLst>
                               <p:par>
-                                <p:cTn id="17" presetID="2" presetClass="entr" presetSubtype="4" fill="hold" grpId="0" nodeType="clickEffect">
+                                <p:cTn id="15" presetID="2" presetClass="entr" presetSubtype="4" fill="hold" grpId="0" nodeType="withEffect">
                                   <p:stCondLst>
                                     <p:cond delay="0"/>
                                   </p:stCondLst>
                                   <p:childTnLst>
                                     <p:set>
                                       <p:cBhvr>
-                                        <p:cTn id="18" dur="1" fill="hold">
+                                        <p:cTn id="16" dur="1" fill="hold">
                                           <p:stCondLst>
                                             <p:cond delay="0"/>
                                           </p:stCondLst>
@@ -24819,7 +24696,7 @@
                                     </p:set>
                                     <p:anim calcmode="lin" valueType="num">
                                       <p:cBhvr additive="base">
-                                        <p:cTn id="19" dur="500" fill="hold"/>
+                                        <p:cTn id="17" dur="500" fill="hold"/>
                                         <p:tgtEl>
                                           <p:spTgt spid="8"/>
                                         </p:tgtEl>
@@ -24842,7 +24719,7 @@
                                     </p:anim>
                                     <p:anim calcmode="lin" valueType="num">
                                       <p:cBhvr additive="base">
-                                        <p:cTn id="20" dur="500" fill="hold"/>
+                                        <p:cTn id="18" dur="500" fill="hold"/>
                                         <p:tgtEl>
                                           <p:spTgt spid="8"/>
                                         </p:tgtEl>
@@ -24973,7 +24850,7 @@
         </p:blipFill>
         <p:spPr bwMode="auto">
           <a:xfrm>
-            <a:off x="1500166" y="1285866"/>
+            <a:off x="1571604" y="1214428"/>
             <a:ext cx="6051550" cy="3186113"/>
           </a:xfrm>
           <a:prstGeom prst="rect">

--- a/cppcon2018.pptx
+++ b/cppcon2018.pptx
@@ -5,78 +5,76 @@
     <p:sldMasterId id="2147483648" r:id="rId1"/>
   </p:sldMasterIdLst>
   <p:notesMasterIdLst>
-    <p:notesMasterId r:id="rId71"/>
+    <p:notesMasterId r:id="rId69"/>
   </p:notesMasterIdLst>
   <p:sldIdLst>
     <p:sldId id="256" r:id="rId2"/>
     <p:sldId id="257" r:id="rId3"/>
-    <p:sldId id="278" r:id="rId4"/>
-    <p:sldId id="279" r:id="rId5"/>
-    <p:sldId id="272" r:id="rId6"/>
-    <p:sldId id="274" r:id="rId7"/>
-    <p:sldId id="275" r:id="rId8"/>
-    <p:sldId id="276" r:id="rId9"/>
-    <p:sldId id="287" r:id="rId10"/>
-    <p:sldId id="281" r:id="rId11"/>
-    <p:sldId id="262" r:id="rId12"/>
-    <p:sldId id="268" r:id="rId13"/>
-    <p:sldId id="269" r:id="rId14"/>
-    <p:sldId id="264" r:id="rId15"/>
-    <p:sldId id="270" r:id="rId16"/>
-    <p:sldId id="282" r:id="rId17"/>
-    <p:sldId id="273" r:id="rId18"/>
-    <p:sldId id="265" r:id="rId19"/>
-    <p:sldId id="267" r:id="rId20"/>
-    <p:sldId id="271" r:id="rId21"/>
-    <p:sldId id="259" r:id="rId22"/>
-    <p:sldId id="285" r:id="rId23"/>
-    <p:sldId id="260" r:id="rId24"/>
-    <p:sldId id="288" r:id="rId25"/>
-    <p:sldId id="289" r:id="rId26"/>
-    <p:sldId id="290" r:id="rId27"/>
-    <p:sldId id="297" r:id="rId28"/>
-    <p:sldId id="291" r:id="rId29"/>
-    <p:sldId id="299" r:id="rId30"/>
-    <p:sldId id="306" r:id="rId31"/>
-    <p:sldId id="293" r:id="rId32"/>
-    <p:sldId id="294" r:id="rId33"/>
-    <p:sldId id="295" r:id="rId34"/>
-    <p:sldId id="296" r:id="rId35"/>
-    <p:sldId id="298" r:id="rId36"/>
-    <p:sldId id="300" r:id="rId37"/>
-    <p:sldId id="302" r:id="rId38"/>
-    <p:sldId id="301" r:id="rId39"/>
-    <p:sldId id="303" r:id="rId40"/>
-    <p:sldId id="309" r:id="rId41"/>
-    <p:sldId id="304" r:id="rId42"/>
-    <p:sldId id="305" r:id="rId43"/>
-    <p:sldId id="307" r:id="rId44"/>
-    <p:sldId id="308" r:id="rId45"/>
-    <p:sldId id="310" r:id="rId46"/>
-    <p:sldId id="311" r:id="rId47"/>
-    <p:sldId id="312" r:id="rId48"/>
-    <p:sldId id="313" r:id="rId49"/>
-    <p:sldId id="314" r:id="rId50"/>
-    <p:sldId id="315" r:id="rId51"/>
-    <p:sldId id="316" r:id="rId52"/>
-    <p:sldId id="317" r:id="rId53"/>
-    <p:sldId id="319" r:id="rId54"/>
-    <p:sldId id="335" r:id="rId55"/>
-    <p:sldId id="318" r:id="rId56"/>
-    <p:sldId id="329" r:id="rId57"/>
-    <p:sldId id="330" r:id="rId58"/>
-    <p:sldId id="336" r:id="rId59"/>
-    <p:sldId id="331" r:id="rId60"/>
-    <p:sldId id="286" r:id="rId61"/>
-    <p:sldId id="261" r:id="rId62"/>
-    <p:sldId id="325" r:id="rId63"/>
-    <p:sldId id="320" r:id="rId64"/>
-    <p:sldId id="322" r:id="rId65"/>
-    <p:sldId id="332" r:id="rId66"/>
-    <p:sldId id="324" r:id="rId67"/>
-    <p:sldId id="334" r:id="rId68"/>
-    <p:sldId id="327" r:id="rId69"/>
-    <p:sldId id="328" r:id="rId70"/>
+    <p:sldId id="279" r:id="rId4"/>
+    <p:sldId id="262" r:id="rId5"/>
+    <p:sldId id="268" r:id="rId6"/>
+    <p:sldId id="269" r:id="rId7"/>
+    <p:sldId id="272" r:id="rId8"/>
+    <p:sldId id="274" r:id="rId9"/>
+    <p:sldId id="275" r:id="rId10"/>
+    <p:sldId id="276" r:id="rId11"/>
+    <p:sldId id="287" r:id="rId12"/>
+    <p:sldId id="281" r:id="rId13"/>
+    <p:sldId id="264" r:id="rId14"/>
+    <p:sldId id="270" r:id="rId15"/>
+    <p:sldId id="282" r:id="rId16"/>
+    <p:sldId id="265" r:id="rId17"/>
+    <p:sldId id="267" r:id="rId18"/>
+    <p:sldId id="271" r:id="rId19"/>
+    <p:sldId id="259" r:id="rId20"/>
+    <p:sldId id="285" r:id="rId21"/>
+    <p:sldId id="260" r:id="rId22"/>
+    <p:sldId id="288" r:id="rId23"/>
+    <p:sldId id="289" r:id="rId24"/>
+    <p:sldId id="290" r:id="rId25"/>
+    <p:sldId id="297" r:id="rId26"/>
+    <p:sldId id="291" r:id="rId27"/>
+    <p:sldId id="299" r:id="rId28"/>
+    <p:sldId id="306" r:id="rId29"/>
+    <p:sldId id="293" r:id="rId30"/>
+    <p:sldId id="294" r:id="rId31"/>
+    <p:sldId id="295" r:id="rId32"/>
+    <p:sldId id="296" r:id="rId33"/>
+    <p:sldId id="298" r:id="rId34"/>
+    <p:sldId id="300" r:id="rId35"/>
+    <p:sldId id="302" r:id="rId36"/>
+    <p:sldId id="301" r:id="rId37"/>
+    <p:sldId id="303" r:id="rId38"/>
+    <p:sldId id="309" r:id="rId39"/>
+    <p:sldId id="304" r:id="rId40"/>
+    <p:sldId id="305" r:id="rId41"/>
+    <p:sldId id="307" r:id="rId42"/>
+    <p:sldId id="308" r:id="rId43"/>
+    <p:sldId id="310" r:id="rId44"/>
+    <p:sldId id="311" r:id="rId45"/>
+    <p:sldId id="312" r:id="rId46"/>
+    <p:sldId id="313" r:id="rId47"/>
+    <p:sldId id="314" r:id="rId48"/>
+    <p:sldId id="315" r:id="rId49"/>
+    <p:sldId id="316" r:id="rId50"/>
+    <p:sldId id="317" r:id="rId51"/>
+    <p:sldId id="319" r:id="rId52"/>
+    <p:sldId id="335" r:id="rId53"/>
+    <p:sldId id="318" r:id="rId54"/>
+    <p:sldId id="329" r:id="rId55"/>
+    <p:sldId id="330" r:id="rId56"/>
+    <p:sldId id="336" r:id="rId57"/>
+    <p:sldId id="331" r:id="rId58"/>
+    <p:sldId id="286" r:id="rId59"/>
+    <p:sldId id="261" r:id="rId60"/>
+    <p:sldId id="325" r:id="rId61"/>
+    <p:sldId id="320" r:id="rId62"/>
+    <p:sldId id="322" r:id="rId63"/>
+    <p:sldId id="332" r:id="rId64"/>
+    <p:sldId id="324" r:id="rId65"/>
+    <p:sldId id="334" r:id="rId66"/>
+    <p:sldId id="327" r:id="rId67"/>
+    <p:sldId id="328" r:id="rId68"/>
   </p:sldIdLst>
   <p:sldSz cx="9144000" cy="5143500" type="screen16x9"/>
   <p:notesSz cx="6858000" cy="9144000"/>
@@ -595,7 +593,7 @@
             <a:fld id="{83CD164C-6AF4-47A6-80A8-5587AE76359C}" type="slidenum">
               <a:rPr lang="zh-CN" altLang="en-US" smtClean="0"/>
               <a:pPr/>
-              <a:t>29</a:t>
+              <a:t>27</a:t>
             </a:fld>
             <a:endParaRPr lang="zh-CN" altLang="en-US"/>
           </a:p>
@@ -677,7 +675,7 @@
             <a:fld id="{83CD164C-6AF4-47A6-80A8-5587AE76359C}" type="slidenum">
               <a:rPr lang="zh-CN" altLang="en-US" smtClean="0"/>
               <a:pPr/>
-              <a:t>32</a:t>
+              <a:t>30</a:t>
             </a:fld>
             <a:endParaRPr lang="zh-CN" altLang="en-US"/>
           </a:p>
@@ -3782,23 +3780,13 @@
         </p:nvSpPr>
         <p:spPr/>
         <p:txBody>
-          <a:bodyPr>
-            <a:normAutofit fontScale="90000"/>
-          </a:bodyPr>
+          <a:bodyPr/>
           <a:lstStyle/>
           <a:p>
             <a:pPr algn="l"/>
             <a:r>
               <a:rPr lang="en-US" altLang="zh-CN" dirty="0" smtClean="0"/>
-              <a:t>We need a better </a:t>
-            </a:r>
-            <a:r>
-              <a:rPr lang="en-US" altLang="zh-CN" dirty="0" err="1" smtClean="0"/>
-              <a:t>c++</a:t>
-            </a:r>
-            <a:r>
-              <a:rPr lang="en-US" altLang="zh-CN" dirty="0" smtClean="0"/>
-              <a:t> web framework</a:t>
+              <a:t>silicon</a:t>
             </a:r>
             <a:endParaRPr lang="zh-CN" altLang="en-US" dirty="0"/>
           </a:p>
@@ -3819,165 +3807,130 @@
           <a:bodyPr/>
           <a:lstStyle/>
           <a:p>
-            <a:r>
-              <a:rPr lang="en-US" altLang="zh-CN" sz="2800" dirty="0" smtClean="0"/>
-              <a:t>Good infrastructure</a:t>
-            </a:r>
-          </a:p>
-          <a:p>
-            <a:pPr lvl="1"/>
-            <a:r>
-              <a:rPr lang="en-US" altLang="zh-CN" sz="2400" dirty="0" smtClean="0"/>
-              <a:t>http server, ORM, html </a:t>
-            </a:r>
-            <a:r>
-              <a:rPr lang="en-US" altLang="zh-CN" sz="2400" dirty="0" smtClean="0"/>
-              <a:t>template engine, </a:t>
-            </a:r>
-            <a:r>
-              <a:rPr lang="en-US" altLang="zh-CN" sz="2400" dirty="0" smtClean="0"/>
-              <a:t>AOP,…….</a:t>
-            </a:r>
-          </a:p>
-          <a:p>
-            <a:r>
-              <a:rPr lang="en-US" altLang="zh-CN" sz="2800" dirty="0" smtClean="0"/>
-              <a:t>Easy to use</a:t>
-            </a:r>
-          </a:p>
-          <a:p>
-            <a:r>
-              <a:rPr lang="en-US" altLang="zh-CN" sz="2800" dirty="0" smtClean="0"/>
-              <a:t>Focus on business only, low learning cost</a:t>
-            </a:r>
-          </a:p>
-          <a:p>
-            <a:r>
-              <a:rPr lang="en-US" altLang="zh-CN" sz="2800" dirty="0" smtClean="0"/>
-              <a:t>High performance, cross platform</a:t>
-            </a:r>
-          </a:p>
-          <a:p>
-            <a:endParaRPr lang="en-US" altLang="zh-CN" dirty="0" smtClean="0"/>
-          </a:p>
-        </p:txBody>
-      </p:sp>
-    </p:spTree>
-  </p:cSld>
-  <p:clrMapOvr>
-    <a:masterClrMapping/>
-  </p:clrMapOvr>
-  <p:timing>
-    <p:tnLst>
-      <p:par>
-        <p:cTn id="1" dur="indefinite" restart="never" nodeType="tmRoot"/>
-      </p:par>
-    </p:tnLst>
-  </p:timing>
-</p:sld>
-</file>
-
-<file path=ppt/slides/slide11.xml><?xml version="1.0" encoding="utf-8"?>
-<p:sld xmlns:a="http://schemas.openxmlformats.org/drawingml/2006/main" xmlns:r="http://schemas.openxmlformats.org/officeDocument/2006/relationships" xmlns:p="http://schemas.openxmlformats.org/presentationml/2006/main">
-  <p:cSld>
-    <p:spTree>
-      <p:nvGrpSpPr>
-        <p:cNvPr id="1" name=""/>
-        <p:cNvGrpSpPr/>
-        <p:nvPr/>
-      </p:nvGrpSpPr>
-      <p:grpSpPr>
-        <a:xfrm>
-          <a:off x="0" y="0"/>
-          <a:ext cx="0" cy="0"/>
-          <a:chOff x="0" y="0"/>
-          <a:chExt cx="0" cy="0"/>
-        </a:xfrm>
-      </p:grpSpPr>
-      <p:sp>
-        <p:nvSpPr>
-          <p:cNvPr id="2" name="标题 1"/>
-          <p:cNvSpPr>
-            <a:spLocks noGrp="1"/>
-          </p:cNvSpPr>
-          <p:nvPr>
-            <p:ph type="title"/>
-          </p:nvPr>
-        </p:nvSpPr>
-        <p:spPr/>
-        <p:txBody>
-          <a:bodyPr>
-            <a:normAutofit fontScale="90000"/>
-          </a:bodyPr>
-          <a:lstStyle/>
-          <a:p>
-            <a:pPr algn="l"/>
-            <a:r>
-              <a:rPr lang="en-US" altLang="zh-CN" dirty="0" smtClean="0"/>
-              <a:t>We need a better </a:t>
-            </a:r>
-            <a:r>
-              <a:rPr lang="en-US" altLang="zh-CN" dirty="0" err="1" smtClean="0"/>
-              <a:t>c++</a:t>
-            </a:r>
-            <a:r>
-              <a:rPr lang="en-US" altLang="zh-CN" dirty="0" smtClean="0"/>
-              <a:t> web framework</a:t>
-            </a:r>
             <a:endParaRPr lang="zh-CN" altLang="en-US" dirty="0"/>
           </a:p>
         </p:txBody>
       </p:sp>
-      <p:sp>
-        <p:nvSpPr>
-          <p:cNvPr id="3" name="内容占位符 2"/>
-          <p:cNvSpPr>
-            <a:spLocks noGrp="1"/>
-          </p:cNvSpPr>
-          <p:nvPr>
-            <p:ph idx="1"/>
-          </p:nvPr>
-        </p:nvSpPr>
-        <p:spPr/>
-        <p:txBody>
-          <a:bodyPr>
-            <a:normAutofit/>
-          </a:bodyPr>
-          <a:lstStyle/>
-          <a:p>
-            <a:r>
-              <a:rPr lang="en-US" altLang="zh-CN" sz="2800" dirty="0" smtClean="0"/>
-              <a:t>Feather: a rapidly application framework of web development</a:t>
-            </a:r>
-          </a:p>
-        </p:txBody>
-      </p:sp>
-      <p:sp>
-        <p:nvSpPr>
-          <p:cNvPr id="4" name="矩形 3"/>
+      <p:pic>
+        <p:nvPicPr>
+          <p:cNvPr id="2050" name="Picture 2"/>
+          <p:cNvPicPr>
+            <a:picLocks noChangeAspect="1" noChangeArrowheads="1"/>
+          </p:cNvPicPr>
+          <p:nvPr/>
+        </p:nvPicPr>
+        <p:blipFill>
+          <a:blip r:embed="rId2"/>
+          <a:srcRect/>
+          <a:stretch>
+            <a:fillRect/>
+          </a:stretch>
+        </p:blipFill>
+        <p:spPr bwMode="auto">
+          <a:xfrm>
+            <a:off x="485153" y="1214428"/>
+            <a:ext cx="7444433" cy="571504"/>
+          </a:xfrm>
+          <a:prstGeom prst="rect">
+            <a:avLst/>
+          </a:prstGeom>
+          <a:noFill/>
+          <a:ln w="9525">
+            <a:noFill/>
+            <a:miter lim="800000"/>
+            <a:headEnd/>
+            <a:tailEnd/>
+          </a:ln>
+          <a:effectLst/>
+        </p:spPr>
+      </p:pic>
+      <p:pic>
+        <p:nvPicPr>
+          <p:cNvPr id="2053" name="Picture 5"/>
+          <p:cNvPicPr>
+            <a:picLocks noChangeAspect="1" noChangeArrowheads="1"/>
+          </p:cNvPicPr>
+          <p:nvPr/>
+        </p:nvPicPr>
+        <p:blipFill>
+          <a:blip r:embed="rId3"/>
+          <a:srcRect/>
+          <a:stretch>
+            <a:fillRect/>
+          </a:stretch>
+        </p:blipFill>
+        <p:spPr bwMode="auto">
+          <a:xfrm>
+            <a:off x="500034" y="1857370"/>
+            <a:ext cx="5778540" cy="2000264"/>
+          </a:xfrm>
+          <a:prstGeom prst="rect">
+            <a:avLst/>
+          </a:prstGeom>
+          <a:noFill/>
+          <a:ln w="9525">
+            <a:noFill/>
+            <a:miter lim="800000"/>
+            <a:headEnd/>
+            <a:tailEnd/>
+          </a:ln>
+          <a:effectLst/>
+        </p:spPr>
+      </p:pic>
+      <p:sp>
+        <p:nvSpPr>
+          <p:cNvPr id="7" name="矩形 6"/>
           <p:cNvSpPr/>
           <p:nvPr/>
         </p:nvSpPr>
         <p:spPr>
           <a:xfrm>
-            <a:off x="1071538" y="2143122"/>
-            <a:ext cx="6643734" cy="830997"/>
+            <a:off x="1714480" y="3643320"/>
+            <a:ext cx="3978974" cy="369332"/>
           </a:xfrm>
           <a:prstGeom prst="rect">
             <a:avLst/>
           </a:prstGeom>
         </p:spPr>
         <p:txBody>
-          <a:bodyPr wrap="square">
+          <a:bodyPr wrap="none">
             <a:spAutoFit/>
           </a:bodyPr>
           <a:lstStyle/>
           <a:p>
             <a:r>
-              <a:rPr lang="en-US" altLang="zh-CN" sz="2400" b="1" dirty="0" smtClean="0"/>
-              <a:t>you can use feather to develop a web application rapidly</a:t>
-            </a:r>
-            <a:endParaRPr lang="zh-CN" altLang="en-US" sz="2400" b="1" dirty="0"/>
+              <a:rPr lang="en-US" altLang="zh-CN" dirty="0" smtClean="0"/>
+              <a:t>A little complicated, not very easy to use</a:t>
+            </a:r>
+          </a:p>
+        </p:txBody>
+      </p:sp>
+      <p:sp>
+        <p:nvSpPr>
+          <p:cNvPr id="8" name="矩形 7"/>
+          <p:cNvSpPr/>
+          <p:nvPr/>
+        </p:nvSpPr>
+        <p:spPr>
+          <a:xfrm>
+            <a:off x="1714480" y="4000510"/>
+            <a:ext cx="3004220" cy="369332"/>
+          </a:xfrm>
+          <a:prstGeom prst="rect">
+            <a:avLst/>
+          </a:prstGeom>
+        </p:spPr>
+        <p:txBody>
+          <a:bodyPr wrap="none">
+            <a:spAutoFit/>
+          </a:bodyPr>
+          <a:lstStyle/>
+          <a:p>
+            <a:r>
+              <a:rPr lang="en-US" altLang="zh-CN" dirty="0" smtClean="0"/>
+              <a:t>Lacks of html template engine</a:t>
+            </a:r>
+            <a:endParaRPr lang="zh-CN" altLang="en-US" dirty="0"/>
           </a:p>
         </p:txBody>
       </p:sp>
@@ -4007,7 +3960,7 @@
                             </p:stCondLst>
                             <p:childTnLst>
                               <p:par>
-                                <p:cTn id="5" presetID="2" presetClass="entr" presetSubtype="4" fill="hold" grpId="0" nodeType="clickEffect">
+                                <p:cTn id="5" presetID="2" presetClass="entr" presetSubtype="4" fill="hold" nodeType="clickEffect">
                                   <p:stCondLst>
                                     <p:cond delay="0"/>
                                   </p:stCondLst>
@@ -4020,7 +3973,7 @@
                                           </p:stCondLst>
                                         </p:cTn>
                                         <p:tgtEl>
-                                          <p:spTgt spid="4"/>
+                                          <p:spTgt spid="2053"/>
                                         </p:tgtEl>
                                         <p:attrNameLst>
                                           <p:attrName>style.visibility</p:attrName>
@@ -4034,7 +3987,7 @@
                                       <p:cBhvr additive="base">
                                         <p:cTn id="7" dur="500" fill="hold"/>
                                         <p:tgtEl>
-                                          <p:spTgt spid="4"/>
+                                          <p:spTgt spid="2053"/>
                                         </p:tgtEl>
                                         <p:attrNameLst>
                                           <p:attrName>ppt_x</p:attrName>
@@ -4057,7 +4010,171 @@
                                       <p:cBhvr additive="base">
                                         <p:cTn id="8" dur="500" fill="hold"/>
                                         <p:tgtEl>
-                                          <p:spTgt spid="4"/>
+                                          <p:spTgt spid="2053"/>
+                                        </p:tgtEl>
+                                        <p:attrNameLst>
+                                          <p:attrName>ppt_y</p:attrName>
+                                        </p:attrNameLst>
+                                      </p:cBhvr>
+                                      <p:tavLst>
+                                        <p:tav tm="0">
+                                          <p:val>
+                                            <p:strVal val="1+#ppt_h/2"/>
+                                          </p:val>
+                                        </p:tav>
+                                        <p:tav tm="100000">
+                                          <p:val>
+                                            <p:strVal val="#ppt_y"/>
+                                          </p:val>
+                                        </p:tav>
+                                      </p:tavLst>
+                                    </p:anim>
+                                  </p:childTnLst>
+                                </p:cTn>
+                              </p:par>
+                            </p:childTnLst>
+                          </p:cTn>
+                        </p:par>
+                      </p:childTnLst>
+                    </p:cTn>
+                  </p:par>
+                  <p:par>
+                    <p:cTn id="9" fill="hold">
+                      <p:stCondLst>
+                        <p:cond delay="indefinite"/>
+                      </p:stCondLst>
+                      <p:childTnLst>
+                        <p:par>
+                          <p:cTn id="10" fill="hold">
+                            <p:stCondLst>
+                              <p:cond delay="0"/>
+                            </p:stCondLst>
+                            <p:childTnLst>
+                              <p:par>
+                                <p:cTn id="11" presetID="2" presetClass="entr" presetSubtype="4" fill="hold" grpId="0" nodeType="clickEffect">
+                                  <p:stCondLst>
+                                    <p:cond delay="0"/>
+                                  </p:stCondLst>
+                                  <p:childTnLst>
+                                    <p:set>
+                                      <p:cBhvr>
+                                        <p:cTn id="12" dur="1" fill="hold">
+                                          <p:stCondLst>
+                                            <p:cond delay="0"/>
+                                          </p:stCondLst>
+                                        </p:cTn>
+                                        <p:tgtEl>
+                                          <p:spTgt spid="7"/>
+                                        </p:tgtEl>
+                                        <p:attrNameLst>
+                                          <p:attrName>style.visibility</p:attrName>
+                                        </p:attrNameLst>
+                                      </p:cBhvr>
+                                      <p:to>
+                                        <p:strVal val="visible"/>
+                                      </p:to>
+                                    </p:set>
+                                    <p:anim calcmode="lin" valueType="num">
+                                      <p:cBhvr additive="base">
+                                        <p:cTn id="13" dur="500" fill="hold"/>
+                                        <p:tgtEl>
+                                          <p:spTgt spid="7"/>
+                                        </p:tgtEl>
+                                        <p:attrNameLst>
+                                          <p:attrName>ppt_x</p:attrName>
+                                        </p:attrNameLst>
+                                      </p:cBhvr>
+                                      <p:tavLst>
+                                        <p:tav tm="0">
+                                          <p:val>
+                                            <p:strVal val="#ppt_x"/>
+                                          </p:val>
+                                        </p:tav>
+                                        <p:tav tm="100000">
+                                          <p:val>
+                                            <p:strVal val="#ppt_x"/>
+                                          </p:val>
+                                        </p:tav>
+                                      </p:tavLst>
+                                    </p:anim>
+                                    <p:anim calcmode="lin" valueType="num">
+                                      <p:cBhvr additive="base">
+                                        <p:cTn id="14" dur="500" fill="hold"/>
+                                        <p:tgtEl>
+                                          <p:spTgt spid="7"/>
+                                        </p:tgtEl>
+                                        <p:attrNameLst>
+                                          <p:attrName>ppt_y</p:attrName>
+                                        </p:attrNameLst>
+                                      </p:cBhvr>
+                                      <p:tavLst>
+                                        <p:tav tm="0">
+                                          <p:val>
+                                            <p:strVal val="1+#ppt_h/2"/>
+                                          </p:val>
+                                        </p:tav>
+                                        <p:tav tm="100000">
+                                          <p:val>
+                                            <p:strVal val="#ppt_y"/>
+                                          </p:val>
+                                        </p:tav>
+                                      </p:tavLst>
+                                    </p:anim>
+                                  </p:childTnLst>
+                                </p:cTn>
+                              </p:par>
+                              <p:par>
+                                <p:cTn id="15" presetID="2" presetClass="entr" presetSubtype="4" fill="hold" grpId="0" nodeType="withEffect">
+                                  <p:stCondLst>
+                                    <p:cond delay="0"/>
+                                  </p:stCondLst>
+                                  <p:childTnLst>
+                                    <p:set>
+                                      <p:cBhvr>
+                                        <p:cTn id="16" dur="1" fill="hold">
+                                          <p:stCondLst>
+                                            <p:cond delay="0"/>
+                                          </p:stCondLst>
+                                        </p:cTn>
+                                        <p:tgtEl>
+                                          <p:spTgt spid="8"/>
+                                        </p:tgtEl>
+                                        <p:attrNameLst>
+                                          <p:attrName>style.visibility</p:attrName>
+                                        </p:attrNameLst>
+                                      </p:cBhvr>
+                                      <p:to>
+                                        <p:strVal val="visible"/>
+                                      </p:to>
+                                    </p:set>
+                                    <p:anim calcmode="lin" valueType="num">
+                                      <p:cBhvr additive="base">
+                                        <p:cTn id="17" dur="500" fill="hold"/>
+                                        <p:tgtEl>
+                                          <p:spTgt spid="8"/>
+                                        </p:tgtEl>
+                                        <p:attrNameLst>
+                                          <p:attrName>ppt_x</p:attrName>
+                                        </p:attrNameLst>
+                                      </p:cBhvr>
+                                      <p:tavLst>
+                                        <p:tav tm="0">
+                                          <p:val>
+                                            <p:strVal val="#ppt_x"/>
+                                          </p:val>
+                                        </p:tav>
+                                        <p:tav tm="100000">
+                                          <p:val>
+                                            <p:strVal val="#ppt_x"/>
+                                          </p:val>
+                                        </p:tav>
+                                      </p:tavLst>
+                                    </p:anim>
+                                    <p:anim calcmode="lin" valueType="num">
+                                      <p:cBhvr additive="base">
+                                        <p:cTn id="18" dur="500" fill="hold"/>
+                                        <p:tgtEl>
+                                          <p:spTgt spid="8"/>
                                         </p:tgtEl>
                                         <p:attrNameLst>
                                           <p:attrName>ppt_y</p:attrName>
@@ -4107,13 +4224,14 @@
       </p:par>
     </p:tnLst>
     <p:bldLst>
-      <p:bldP spid="4" grpId="0"/>
+      <p:bldP spid="7" grpId="0"/>
+      <p:bldP spid="8" grpId="0"/>
     </p:bldLst>
   </p:timing>
 </p:sld>
 </file>
 
-<file path=ppt/slides/slide12.xml><?xml version="1.0" encoding="utf-8"?>
+<file path=ppt/slides/slide11.xml><?xml version="1.0" encoding="utf-8"?>
 <p:sld xmlns:a="http://schemas.openxmlformats.org/drawingml/2006/main" xmlns:r="http://schemas.openxmlformats.org/officeDocument/2006/relationships" xmlns:p="http://schemas.openxmlformats.org/presentationml/2006/main">
   <p:cSld>
     <p:spTree>
@@ -4142,17 +4260,10 @@
         </p:nvSpPr>
         <p:spPr/>
         <p:txBody>
-          <a:bodyPr>
-            <a:normAutofit fontScale="90000"/>
-          </a:bodyPr>
-          <a:lstStyle/>
-          <a:p>
-            <a:pPr algn="l"/>
-            <a:r>
-              <a:rPr lang="en-US" altLang="zh-CN" dirty="0" smtClean="0"/>
-              <a:t>Comparison with other frameworks</a:t>
-            </a:r>
-            <a:endParaRPr lang="zh-CN" altLang="en-US" dirty="0"/>
+          <a:bodyPr/>
+          <a:lstStyle/>
+          <a:p>
+            <a:endParaRPr lang="zh-CN" altLang="en-US"/>
           </a:p>
         </p:txBody>
       </p:sp>
@@ -4171,13 +4282,13 @@
           <a:bodyPr/>
           <a:lstStyle/>
           <a:p>
-            <a:endParaRPr lang="zh-CN" altLang="en-US" dirty="0"/>
+            <a:endParaRPr lang="zh-CN" altLang="en-US"/>
           </a:p>
         </p:txBody>
       </p:sp>
       <p:pic>
         <p:nvPicPr>
-          <p:cNvPr id="1026" name="Picture 2"/>
+          <p:cNvPr id="45058" name="Picture 2"/>
           <p:cNvPicPr>
             <a:picLocks noChangeAspect="1" noChangeArrowheads="1"/>
           </p:cNvPicPr>
@@ -4192,41 +4303,8 @@
         </p:blipFill>
         <p:spPr bwMode="auto">
           <a:xfrm>
-            <a:off x="1500166" y="1357304"/>
-            <a:ext cx="4615130" cy="1143008"/>
-          </a:xfrm>
-          <a:prstGeom prst="rect">
-            <a:avLst/>
-          </a:prstGeom>
-          <a:noFill/>
-          <a:ln w="9525">
-            <a:noFill/>
-            <a:miter lim="800000"/>
-            <a:headEnd/>
-            <a:tailEnd/>
-          </a:ln>
-          <a:effectLst/>
-        </p:spPr>
-      </p:pic>
-      <p:pic>
-        <p:nvPicPr>
-          <p:cNvPr id="1027" name="Picture 3"/>
-          <p:cNvPicPr>
-            <a:picLocks noChangeAspect="1" noChangeArrowheads="1"/>
-          </p:cNvPicPr>
-          <p:nvPr/>
-        </p:nvPicPr>
-        <p:blipFill>
-          <a:blip r:embed="rId3"/>
-          <a:srcRect/>
-          <a:stretch>
-            <a:fillRect/>
-          </a:stretch>
-        </p:blipFill>
-        <p:spPr bwMode="auto">
-          <a:xfrm>
-            <a:off x="1500166" y="2857502"/>
-            <a:ext cx="3625346" cy="1428760"/>
+            <a:off x="1571604" y="1214428"/>
+            <a:ext cx="6051550" cy="3186113"/>
           </a:xfrm>
           <a:prstGeom prst="rect">
             <a:avLst/>
@@ -4256,7 +4334,7 @@
 </p:sld>
 </file>
 
-<file path=ppt/slides/slide13.xml><?xml version="1.0" encoding="utf-8"?>
+<file path=ppt/slides/slide12.xml><?xml version="1.0" encoding="utf-8"?>
 <p:sld xmlns:a="http://schemas.openxmlformats.org/drawingml/2006/main" xmlns:r="http://schemas.openxmlformats.org/officeDocument/2006/relationships" xmlns:p="http://schemas.openxmlformats.org/presentationml/2006/main">
   <p:cSld>
     <p:spTree>
@@ -4285,10 +4363,25 @@
         </p:nvSpPr>
         <p:spPr/>
         <p:txBody>
-          <a:bodyPr/>
-          <a:lstStyle/>
-          <a:p>
-            <a:endParaRPr lang="zh-CN" altLang="en-US"/>
+          <a:bodyPr>
+            <a:normAutofit fontScale="90000"/>
+          </a:bodyPr>
+          <a:lstStyle/>
+          <a:p>
+            <a:pPr algn="l"/>
+            <a:r>
+              <a:rPr lang="en-US" altLang="zh-CN" dirty="0" smtClean="0"/>
+              <a:t>We need a better </a:t>
+            </a:r>
+            <a:r>
+              <a:rPr lang="en-US" altLang="zh-CN" dirty="0" err="1" smtClean="0"/>
+              <a:t>c++</a:t>
+            </a:r>
+            <a:r>
+              <a:rPr lang="en-US" altLang="zh-CN" dirty="0" smtClean="0"/>
+              <a:t> web framework</a:t>
+            </a:r>
+            <a:endParaRPr lang="zh-CN" altLang="en-US" dirty="0"/>
           </a:p>
         </p:txBody>
       </p:sp>
@@ -4307,109 +4400,41 @@
           <a:bodyPr/>
           <a:lstStyle/>
           <a:p>
-            <a:endParaRPr lang="zh-CN" altLang="en-US"/>
-          </a:p>
-        </p:txBody>
-      </p:sp>
-      <p:pic>
-        <p:nvPicPr>
-          <p:cNvPr id="2050" name="Picture 2"/>
-          <p:cNvPicPr>
-            <a:picLocks noChangeAspect="1" noChangeArrowheads="1"/>
-          </p:cNvPicPr>
-          <p:nvPr/>
-        </p:nvPicPr>
-        <p:blipFill>
-          <a:blip r:embed="rId2"/>
-          <a:srcRect/>
-          <a:stretch>
-            <a:fillRect/>
-          </a:stretch>
-        </p:blipFill>
-        <p:spPr bwMode="auto">
-          <a:xfrm>
-            <a:off x="500034" y="1214428"/>
-            <a:ext cx="7624562" cy="1785950"/>
-          </a:xfrm>
-          <a:prstGeom prst="rect">
-            <a:avLst/>
-          </a:prstGeom>
-          <a:noFill/>
-          <a:ln w="9525">
-            <a:noFill/>
-            <a:miter lim="800000"/>
-            <a:headEnd/>
-            <a:tailEnd/>
-          </a:ln>
-          <a:effectLst/>
-        </p:spPr>
-      </p:pic>
-      <p:pic>
-        <p:nvPicPr>
-          <p:cNvPr id="2051" name="Picture 3"/>
-          <p:cNvPicPr>
-            <a:picLocks noChangeAspect="1" noChangeArrowheads="1"/>
-          </p:cNvPicPr>
-          <p:nvPr/>
-        </p:nvPicPr>
-        <p:blipFill>
-          <a:blip r:embed="rId3"/>
-          <a:srcRect/>
-          <a:stretch>
-            <a:fillRect/>
-          </a:stretch>
-        </p:blipFill>
-        <p:spPr bwMode="auto">
-          <a:xfrm>
-            <a:off x="1214414" y="1142990"/>
-            <a:ext cx="4084637" cy="3376613"/>
-          </a:xfrm>
-          <a:prstGeom prst="rect">
-            <a:avLst/>
-          </a:prstGeom>
-          <a:noFill/>
-          <a:ln w="9525">
-            <a:noFill/>
-            <a:miter lim="800000"/>
-            <a:headEnd/>
-            <a:tailEnd/>
-          </a:ln>
-          <a:effectLst/>
-        </p:spPr>
-      </p:pic>
-      <p:pic>
-        <p:nvPicPr>
-          <p:cNvPr id="2052" name="Picture 4"/>
-          <p:cNvPicPr>
-            <a:picLocks noChangeAspect="1" noChangeArrowheads="1"/>
-          </p:cNvPicPr>
-          <p:nvPr/>
-        </p:nvPicPr>
-        <p:blipFill>
-          <a:blip r:embed="rId4"/>
-          <a:srcRect/>
-          <a:stretch>
-            <a:fillRect/>
-          </a:stretch>
-        </p:blipFill>
-        <p:spPr bwMode="auto">
-          <a:xfrm>
-            <a:off x="1857356" y="1428742"/>
-            <a:ext cx="5746750" cy="2468563"/>
-          </a:xfrm>
-          <a:prstGeom prst="rect">
-            <a:avLst/>
-          </a:prstGeom>
-          <a:noFill/>
-          <a:ln w="9525">
-            <a:noFill/>
-            <a:miter lim="800000"/>
-            <a:headEnd/>
-            <a:tailEnd/>
-          </a:ln>
-          <a:effectLst/>
-        </p:spPr>
-      </p:pic>
+            <a:r>
+              <a:rPr lang="en-US" altLang="zh-CN" sz="2800" dirty="0" smtClean="0"/>
+              <a:t>Good infrastructure</a:t>
+            </a:r>
+          </a:p>
+          <a:p>
+            <a:pPr lvl="1"/>
+            <a:r>
+              <a:rPr lang="en-US" altLang="zh-CN" sz="2400" dirty="0" smtClean="0"/>
+              <a:t>http server, ORM, html template engine, AOP,…….</a:t>
+            </a:r>
+          </a:p>
+          <a:p>
+            <a:r>
+              <a:rPr lang="en-US" altLang="zh-CN" sz="2800" dirty="0" smtClean="0"/>
+              <a:t>Easy to use</a:t>
+            </a:r>
+          </a:p>
+          <a:p>
+            <a:r>
+              <a:rPr lang="en-US" altLang="zh-CN" sz="2800" dirty="0" smtClean="0"/>
+              <a:t>Focus on business only, low learning cost</a:t>
+            </a:r>
+          </a:p>
+          <a:p>
+            <a:r>
+              <a:rPr lang="en-US" altLang="zh-CN" sz="2800" dirty="0" smtClean="0"/>
+              <a:t>High performance, cross platform</a:t>
+            </a:r>
+          </a:p>
+          <a:p>
+            <a:endParaRPr lang="en-US" altLang="zh-CN" dirty="0" smtClean="0"/>
+          </a:p>
+        </p:txBody>
+      </p:sp>
     </p:spTree>
   </p:cSld>
   <p:clrMapOvr>
@@ -4418,219 +4443,14 @@
   <p:timing>
     <p:tnLst>
       <p:par>
-        <p:cTn id="1" dur="indefinite" restart="never" nodeType="tmRoot">
-          <p:childTnLst>
-            <p:seq concurrent="1" nextAc="seek">
-              <p:cTn id="2" dur="indefinite" nodeType="mainSeq">
-                <p:childTnLst>
-                  <p:par>
-                    <p:cTn id="3" fill="hold">
-                      <p:stCondLst>
-                        <p:cond delay="indefinite"/>
-                      </p:stCondLst>
-                      <p:childTnLst>
-                        <p:par>
-                          <p:cTn id="4" fill="hold">
-                            <p:stCondLst>
-                              <p:cond delay="0"/>
-                            </p:stCondLst>
-                            <p:childTnLst>
-                              <p:par>
-                                <p:cTn id="5" presetID="2" presetClass="entr" presetSubtype="4" fill="hold" nodeType="clickEffect">
-                                  <p:stCondLst>
-                                    <p:cond delay="0"/>
-                                  </p:stCondLst>
-                                  <p:childTnLst>
-                                    <p:set>
-                                      <p:cBhvr>
-                                        <p:cTn id="6" dur="1" fill="hold">
-                                          <p:stCondLst>
-                                            <p:cond delay="0"/>
-                                          </p:stCondLst>
-                                        </p:cTn>
-                                        <p:tgtEl>
-                                          <p:spTgt spid="2051"/>
-                                        </p:tgtEl>
-                                        <p:attrNameLst>
-                                          <p:attrName>style.visibility</p:attrName>
-                                        </p:attrNameLst>
-                                      </p:cBhvr>
-                                      <p:to>
-                                        <p:strVal val="visible"/>
-                                      </p:to>
-                                    </p:set>
-                                    <p:anim calcmode="lin" valueType="num">
-                                      <p:cBhvr additive="base">
-                                        <p:cTn id="7" dur="500" fill="hold"/>
-                                        <p:tgtEl>
-                                          <p:spTgt spid="2051"/>
-                                        </p:tgtEl>
-                                        <p:attrNameLst>
-                                          <p:attrName>ppt_x</p:attrName>
-                                        </p:attrNameLst>
-                                      </p:cBhvr>
-                                      <p:tavLst>
-                                        <p:tav tm="0">
-                                          <p:val>
-                                            <p:strVal val="#ppt_x"/>
-                                          </p:val>
-                                        </p:tav>
-                                        <p:tav tm="100000">
-                                          <p:val>
-                                            <p:strVal val="#ppt_x"/>
-                                          </p:val>
-                                        </p:tav>
-                                      </p:tavLst>
-                                    </p:anim>
-                                    <p:anim calcmode="lin" valueType="num">
-                                      <p:cBhvr additive="base">
-                                        <p:cTn id="8" dur="500" fill="hold"/>
-                                        <p:tgtEl>
-                                          <p:spTgt spid="2051"/>
-                                        </p:tgtEl>
-                                        <p:attrNameLst>
-                                          <p:attrName>ppt_y</p:attrName>
-                                        </p:attrNameLst>
-                                      </p:cBhvr>
-                                      <p:tavLst>
-                                        <p:tav tm="0">
-                                          <p:val>
-                                            <p:strVal val="1+#ppt_h/2"/>
-                                          </p:val>
-                                        </p:tav>
-                                        <p:tav tm="100000">
-                                          <p:val>
-                                            <p:strVal val="#ppt_y"/>
-                                          </p:val>
-                                        </p:tav>
-                                      </p:tavLst>
-                                    </p:anim>
-                                  </p:childTnLst>
-                                </p:cTn>
-                              </p:par>
-                            </p:childTnLst>
-                          </p:cTn>
-                        </p:par>
-                      </p:childTnLst>
-                    </p:cTn>
-                  </p:par>
-                  <p:par>
-                    <p:cTn id="9" fill="hold">
-                      <p:stCondLst>
-                        <p:cond delay="indefinite"/>
-                      </p:stCondLst>
-                      <p:childTnLst>
-                        <p:par>
-                          <p:cTn id="10" fill="hold">
-                            <p:stCondLst>
-                              <p:cond delay="0"/>
-                            </p:stCondLst>
-                            <p:childTnLst>
-                              <p:par>
-                                <p:cTn id="11" presetID="2" presetClass="entr" presetSubtype="4" fill="hold" nodeType="clickEffect">
-                                  <p:stCondLst>
-                                    <p:cond delay="0"/>
-                                  </p:stCondLst>
-                                  <p:childTnLst>
-                                    <p:set>
-                                      <p:cBhvr>
-                                        <p:cTn id="12" dur="1" fill="hold">
-                                          <p:stCondLst>
-                                            <p:cond delay="0"/>
-                                          </p:stCondLst>
-                                        </p:cTn>
-                                        <p:tgtEl>
-                                          <p:spTgt spid="2052"/>
-                                        </p:tgtEl>
-                                        <p:attrNameLst>
-                                          <p:attrName>style.visibility</p:attrName>
-                                        </p:attrNameLst>
-                                      </p:cBhvr>
-                                      <p:to>
-                                        <p:strVal val="visible"/>
-                                      </p:to>
-                                    </p:set>
-                                    <p:anim calcmode="lin" valueType="num">
-                                      <p:cBhvr additive="base">
-                                        <p:cTn id="13" dur="500" fill="hold"/>
-                                        <p:tgtEl>
-                                          <p:spTgt spid="2052"/>
-                                        </p:tgtEl>
-                                        <p:attrNameLst>
-                                          <p:attrName>ppt_x</p:attrName>
-                                        </p:attrNameLst>
-                                      </p:cBhvr>
-                                      <p:tavLst>
-                                        <p:tav tm="0">
-                                          <p:val>
-                                            <p:strVal val="#ppt_x"/>
-                                          </p:val>
-                                        </p:tav>
-                                        <p:tav tm="100000">
-                                          <p:val>
-                                            <p:strVal val="#ppt_x"/>
-                                          </p:val>
-                                        </p:tav>
-                                      </p:tavLst>
-                                    </p:anim>
-                                    <p:anim calcmode="lin" valueType="num">
-                                      <p:cBhvr additive="base">
-                                        <p:cTn id="14" dur="500" fill="hold"/>
-                                        <p:tgtEl>
-                                          <p:spTgt spid="2052"/>
-                                        </p:tgtEl>
-                                        <p:attrNameLst>
-                                          <p:attrName>ppt_y</p:attrName>
-                                        </p:attrNameLst>
-                                      </p:cBhvr>
-                                      <p:tavLst>
-                                        <p:tav tm="0">
-                                          <p:val>
-                                            <p:strVal val="1+#ppt_h/2"/>
-                                          </p:val>
-                                        </p:tav>
-                                        <p:tav tm="100000">
-                                          <p:val>
-                                            <p:strVal val="#ppt_y"/>
-                                          </p:val>
-                                        </p:tav>
-                                      </p:tavLst>
-                                    </p:anim>
-                                  </p:childTnLst>
-                                </p:cTn>
-                              </p:par>
-                            </p:childTnLst>
-                          </p:cTn>
-                        </p:par>
-                      </p:childTnLst>
-                    </p:cTn>
-                  </p:par>
-                </p:childTnLst>
-              </p:cTn>
-              <p:prevCondLst>
-                <p:cond evt="onPrev" delay="0">
-                  <p:tgtEl>
-                    <p:sldTgt/>
-                  </p:tgtEl>
-                </p:cond>
-              </p:prevCondLst>
-              <p:nextCondLst>
-                <p:cond evt="onNext" delay="0">
-                  <p:tgtEl>
-                    <p:sldTgt/>
-                  </p:tgtEl>
-                </p:cond>
-              </p:nextCondLst>
-            </p:seq>
-          </p:childTnLst>
-        </p:cTn>
+        <p:cTn id="1" dur="indefinite" restart="never" nodeType="tmRoot"/>
       </p:par>
     </p:tnLst>
   </p:timing>
 </p:sld>
 </file>
 
-<file path=ppt/slides/slide14.xml><?xml version="1.0" encoding="utf-8"?>
+<file path=ppt/slides/slide13.xml><?xml version="1.0" encoding="utf-8"?>
 <p:sld xmlns:a="http://schemas.openxmlformats.org/drawingml/2006/main" xmlns:r="http://schemas.openxmlformats.org/officeDocument/2006/relationships" xmlns:p="http://schemas.openxmlformats.org/presentationml/2006/main">
   <p:cSld>
     <p:spTree>
@@ -4985,7 +4805,7 @@
 </p:sld>
 </file>
 
-<file path=ppt/slides/slide15.xml><?xml version="1.0" encoding="utf-8"?>
+<file path=ppt/slides/slide14.xml><?xml version="1.0" encoding="utf-8"?>
 <p:sld xmlns:a="http://schemas.openxmlformats.org/drawingml/2006/main" xmlns:r="http://schemas.openxmlformats.org/officeDocument/2006/relationships" xmlns:p="http://schemas.openxmlformats.org/presentationml/2006/main">
   <p:cSld>
     <p:spTree>
@@ -5476,7 +5296,7 @@
 </p:sld>
 </file>
 
-<file path=ppt/slides/slide16.xml><?xml version="1.0" encoding="utf-8"?>
+<file path=ppt/slides/slide15.xml><?xml version="1.0" encoding="utf-8"?>
 <p:sld xmlns:a="http://schemas.openxmlformats.org/drawingml/2006/main" xmlns:r="http://schemas.openxmlformats.org/officeDocument/2006/relationships" xmlns:p="http://schemas.openxmlformats.org/presentationml/2006/main">
   <p:cSld>
     <p:spTree>
@@ -5791,7 +5611,7 @@
 </p:sld>
 </file>
 
-<file path=ppt/slides/slide17.xml><?xml version="1.0" encoding="utf-8"?>
+<file path=ppt/slides/slide16.xml><?xml version="1.0" encoding="utf-8"?>
 <p:sld xmlns:a="http://schemas.openxmlformats.org/drawingml/2006/main" xmlns:r="http://schemas.openxmlformats.org/officeDocument/2006/relationships" xmlns:p="http://schemas.openxmlformats.org/presentationml/2006/main">
   <p:cSld>
     <p:spTree>
@@ -5826,7 +5646,7 @@
             <a:pPr algn="l"/>
             <a:r>
               <a:rPr lang="en-US" altLang="zh-CN" dirty="0" smtClean="0"/>
-              <a:t>Components of feather</a:t>
+              <a:t>What is feather?</a:t>
             </a:r>
             <a:endParaRPr lang="zh-CN" altLang="en-US" dirty="0"/>
           </a:p>
@@ -5847,53 +5667,62 @@
           <a:bodyPr/>
           <a:lstStyle/>
           <a:p>
-            <a:r>
-              <a:rPr lang="en-US" altLang="zh-CN" sz="2800" dirty="0" err="1" smtClean="0">
+            <a:endParaRPr lang="en-US" altLang="zh-CN" dirty="0" smtClean="0"/>
+          </a:p>
+          <a:p>
+            <a:endParaRPr lang="en-US" altLang="zh-CN" dirty="0" smtClean="0"/>
+          </a:p>
+          <a:p>
+            <a:endParaRPr lang="zh-CN" altLang="en-US" dirty="0"/>
+          </a:p>
+        </p:txBody>
+      </p:sp>
+      <p:sp>
+        <p:nvSpPr>
+          <p:cNvPr id="4" name="矩形 3"/>
+          <p:cNvSpPr/>
+          <p:nvPr/>
+        </p:nvSpPr>
+        <p:spPr>
+          <a:xfrm>
+            <a:off x="785786" y="1214428"/>
+            <a:ext cx="4950009" cy="1569660"/>
+          </a:xfrm>
+          <a:prstGeom prst="rect">
+            <a:avLst/>
+          </a:prstGeom>
+        </p:spPr>
+        <p:txBody>
+          <a:bodyPr wrap="none">
+            <a:spAutoFit/>
+          </a:bodyPr>
+          <a:lstStyle/>
+          <a:p>
+            <a:r>
+              <a:rPr lang="en-US" altLang="zh-CN" sz="2400" dirty="0" smtClean="0"/>
+              <a:t>This website was developed in feather</a:t>
+            </a:r>
+          </a:p>
+          <a:p>
+            <a:r>
+              <a:rPr lang="en-US" altLang="zh-CN" sz="2400" dirty="0" smtClean="0">
                 <a:hlinkClick r:id="rId2"/>
               </a:rPr>
-              <a:t>Cinatra</a:t>
-            </a:r>
-            <a:r>
-              <a:rPr lang="en-US" altLang="zh-CN" sz="2800" dirty="0" smtClean="0"/>
-              <a:t>: an easy to use http library(http/https, web socket, </a:t>
-            </a:r>
-            <a:r>
-              <a:rPr lang="en-US" altLang="zh-CN" sz="2800" dirty="0" smtClean="0"/>
-              <a:t>AOP(</a:t>
-            </a:r>
-            <a:r>
-              <a:rPr lang="en-US" sz="2400" dirty="0" smtClean="0"/>
-              <a:t>Aspect Oriented Programming</a:t>
-            </a:r>
-            <a:r>
-              <a:rPr lang="en-US" altLang="zh-CN" sz="2800" dirty="0" smtClean="0"/>
-              <a:t>)</a:t>
-            </a:r>
-            <a:endParaRPr lang="en-US" altLang="zh-CN" sz="2800" dirty="0" smtClean="0"/>
-          </a:p>
-          <a:p>
-            <a:r>
-              <a:rPr lang="en-US" altLang="zh-CN" sz="2800" dirty="0" err="1" smtClean="0">
+              <a:t>http://purecpp.org/</a:t>
+            </a:r>
+            <a:endParaRPr lang="en-US" altLang="zh-CN" sz="2400" dirty="0" smtClean="0"/>
+          </a:p>
+          <a:p>
+            <a:endParaRPr lang="en-US" altLang="zh-CN" sz="2400" dirty="0" smtClean="0"/>
+          </a:p>
+          <a:p>
+            <a:r>
+              <a:rPr lang="en-US" altLang="zh-CN" sz="2400" dirty="0" smtClean="0">
                 <a:hlinkClick r:id="rId3"/>
               </a:rPr>
-              <a:t>Ormpp</a:t>
-            </a:r>
-            <a:r>
-              <a:rPr lang="en-US" altLang="zh-CN" sz="2800" dirty="0" smtClean="0"/>
-              <a:t>: a flexible ORM library, support multiple databases(compile-time reflection)</a:t>
-            </a:r>
-          </a:p>
-          <a:p>
-            <a:r>
-              <a:rPr lang="en-US" altLang="zh-CN" sz="2800" dirty="0" smtClean="0">
-                <a:hlinkClick r:id="rId4"/>
-              </a:rPr>
-              <a:t>Render</a:t>
-            </a:r>
-            <a:r>
-              <a:rPr lang="en-US" altLang="zh-CN" sz="2800" dirty="0" smtClean="0"/>
-              <a:t>: a powerful html template engine</a:t>
-            </a:r>
+              <a:t>https://github.com/qicosmos/feather</a:t>
+            </a:r>
+            <a:endParaRPr lang="en-US" altLang="zh-CN" sz="2400" dirty="0" smtClean="0"/>
           </a:p>
         </p:txBody>
       </p:sp>
@@ -5912,137 +5741,7 @@
 </p:sld>
 </file>
 
-<file path=ppt/slides/slide18.xml><?xml version="1.0" encoding="utf-8"?>
-<p:sld xmlns:a="http://schemas.openxmlformats.org/drawingml/2006/main" xmlns:r="http://schemas.openxmlformats.org/officeDocument/2006/relationships" xmlns:p="http://schemas.openxmlformats.org/presentationml/2006/main">
-  <p:cSld>
-    <p:spTree>
-      <p:nvGrpSpPr>
-        <p:cNvPr id="1" name=""/>
-        <p:cNvGrpSpPr/>
-        <p:nvPr/>
-      </p:nvGrpSpPr>
-      <p:grpSpPr>
-        <a:xfrm>
-          <a:off x="0" y="0"/>
-          <a:ext cx="0" cy="0"/>
-          <a:chOff x="0" y="0"/>
-          <a:chExt cx="0" cy="0"/>
-        </a:xfrm>
-      </p:grpSpPr>
-      <p:sp>
-        <p:nvSpPr>
-          <p:cNvPr id="2" name="标题 1"/>
-          <p:cNvSpPr>
-            <a:spLocks noGrp="1"/>
-          </p:cNvSpPr>
-          <p:nvPr>
-            <p:ph type="title"/>
-          </p:nvPr>
-        </p:nvSpPr>
-        <p:spPr/>
-        <p:txBody>
-          <a:bodyPr/>
-          <a:lstStyle/>
-          <a:p>
-            <a:pPr algn="l"/>
-            <a:r>
-              <a:rPr lang="en-US" altLang="zh-CN" dirty="0" smtClean="0"/>
-              <a:t>What is feather?</a:t>
-            </a:r>
-            <a:endParaRPr lang="zh-CN" altLang="en-US" dirty="0"/>
-          </a:p>
-        </p:txBody>
-      </p:sp>
-      <p:sp>
-        <p:nvSpPr>
-          <p:cNvPr id="3" name="内容占位符 2"/>
-          <p:cNvSpPr>
-            <a:spLocks noGrp="1"/>
-          </p:cNvSpPr>
-          <p:nvPr>
-            <p:ph idx="1"/>
-          </p:nvPr>
-        </p:nvSpPr>
-        <p:spPr/>
-        <p:txBody>
-          <a:bodyPr/>
-          <a:lstStyle/>
-          <a:p>
-            <a:endParaRPr lang="en-US" altLang="zh-CN" dirty="0" smtClean="0"/>
-          </a:p>
-          <a:p>
-            <a:endParaRPr lang="en-US" altLang="zh-CN" dirty="0" smtClean="0"/>
-          </a:p>
-          <a:p>
-            <a:endParaRPr lang="zh-CN" altLang="en-US" dirty="0"/>
-          </a:p>
-        </p:txBody>
-      </p:sp>
-      <p:sp>
-        <p:nvSpPr>
-          <p:cNvPr id="4" name="矩形 3"/>
-          <p:cNvSpPr/>
-          <p:nvPr/>
-        </p:nvSpPr>
-        <p:spPr>
-          <a:xfrm>
-            <a:off x="785786" y="1214428"/>
-            <a:ext cx="4950009" cy="1569660"/>
-          </a:xfrm>
-          <a:prstGeom prst="rect">
-            <a:avLst/>
-          </a:prstGeom>
-        </p:spPr>
-        <p:txBody>
-          <a:bodyPr wrap="none">
-            <a:spAutoFit/>
-          </a:bodyPr>
-          <a:lstStyle/>
-          <a:p>
-            <a:r>
-              <a:rPr lang="en-US" altLang="zh-CN" sz="2400" dirty="0" smtClean="0"/>
-              <a:t>This website was developed in feather</a:t>
-            </a:r>
-          </a:p>
-          <a:p>
-            <a:r>
-              <a:rPr lang="en-US" altLang="zh-CN" sz="2400" dirty="0" smtClean="0">
-                <a:hlinkClick r:id="rId2"/>
-              </a:rPr>
-              <a:t>http://purecpp.org/</a:t>
-            </a:r>
-            <a:endParaRPr lang="en-US" altLang="zh-CN" sz="2400" dirty="0" smtClean="0"/>
-          </a:p>
-          <a:p>
-            <a:endParaRPr lang="en-US" altLang="zh-CN" sz="2400" dirty="0" smtClean="0"/>
-          </a:p>
-          <a:p>
-            <a:r>
-              <a:rPr lang="en-US" altLang="zh-CN" sz="2400" dirty="0" smtClean="0">
-                <a:hlinkClick r:id="rId3"/>
-              </a:rPr>
-              <a:t>https://github.com/qicosmos/feather</a:t>
-            </a:r>
-            <a:endParaRPr lang="en-US" altLang="zh-CN" sz="2400" dirty="0" smtClean="0"/>
-          </a:p>
-        </p:txBody>
-      </p:sp>
-    </p:spTree>
-  </p:cSld>
-  <p:clrMapOvr>
-    <a:masterClrMapping/>
-  </p:clrMapOvr>
-  <p:timing>
-    <p:tnLst>
-      <p:par>
-        <p:cTn id="1" dur="indefinite" restart="never" nodeType="tmRoot"/>
-      </p:par>
-    </p:tnLst>
-  </p:timing>
-</p:sld>
-</file>
-
-<file path=ppt/slides/slide19.xml><?xml version="1.0" encoding="utf-8"?>
+<file path=ppt/slides/slide17.xml><?xml version="1.0" encoding="utf-8"?>
 <p:sld xmlns:a="http://schemas.openxmlformats.org/drawingml/2006/main" xmlns:r="http://schemas.openxmlformats.org/officeDocument/2006/relationships" xmlns:p="http://schemas.openxmlformats.org/presentationml/2006/main">
   <p:cSld>
     <p:spTree>
@@ -6380,104 +6079,7 @@
 </p:sld>
 </file>
 
-<file path=ppt/slides/slide2.xml><?xml version="1.0" encoding="utf-8"?>
-<p:sld xmlns:a="http://schemas.openxmlformats.org/drawingml/2006/main" xmlns:r="http://schemas.openxmlformats.org/officeDocument/2006/relationships" xmlns:p="http://schemas.openxmlformats.org/presentationml/2006/main">
-  <p:cSld>
-    <p:spTree>
-      <p:nvGrpSpPr>
-        <p:cNvPr id="1" name=""/>
-        <p:cNvGrpSpPr/>
-        <p:nvPr/>
-      </p:nvGrpSpPr>
-      <p:grpSpPr>
-        <a:xfrm>
-          <a:off x="0" y="0"/>
-          <a:ext cx="0" cy="0"/>
-          <a:chOff x="0" y="0"/>
-          <a:chExt cx="0" cy="0"/>
-        </a:xfrm>
-      </p:grpSpPr>
-      <p:sp>
-        <p:nvSpPr>
-          <p:cNvPr id="2" name="标题 1"/>
-          <p:cNvSpPr>
-            <a:spLocks noGrp="1"/>
-          </p:cNvSpPr>
-          <p:nvPr>
-            <p:ph type="title"/>
-          </p:nvPr>
-        </p:nvSpPr>
-        <p:spPr/>
-        <p:txBody>
-          <a:bodyPr/>
-          <a:lstStyle/>
-          <a:p>
-            <a:pPr algn="l"/>
-            <a:r>
-              <a:rPr lang="en-US" altLang="zh-CN" dirty="0" smtClean="0"/>
-              <a:t>Outline</a:t>
-            </a:r>
-            <a:endParaRPr lang="zh-CN" altLang="en-US" dirty="0"/>
-          </a:p>
-        </p:txBody>
-      </p:sp>
-      <p:sp>
-        <p:nvSpPr>
-          <p:cNvPr id="3" name="内容占位符 2"/>
-          <p:cNvSpPr>
-            <a:spLocks noGrp="1"/>
-          </p:cNvSpPr>
-          <p:nvPr>
-            <p:ph idx="1"/>
-          </p:nvPr>
-        </p:nvSpPr>
-        <p:spPr/>
-        <p:txBody>
-          <a:bodyPr/>
-          <a:lstStyle/>
-          <a:p>
-            <a:r>
-              <a:rPr lang="en-US" altLang="zh-CN" dirty="0" smtClean="0"/>
-              <a:t>Basic Concepts of Web Framework</a:t>
-            </a:r>
-          </a:p>
-          <a:p>
-            <a:r>
-              <a:rPr lang="en-US" altLang="zh-CN" dirty="0" smtClean="0"/>
-              <a:t>What is Feather?</a:t>
-            </a:r>
-          </a:p>
-          <a:p>
-            <a:r>
-              <a:rPr lang="en-US" altLang="zh-CN" dirty="0" smtClean="0"/>
-              <a:t>Components</a:t>
-            </a:r>
-          </a:p>
-          <a:p>
-            <a:r>
-              <a:rPr lang="en-US" altLang="zh-CN" dirty="0" smtClean="0"/>
-              <a:t>How to Rapidly Develop Web?</a:t>
-            </a:r>
-            <a:endParaRPr lang="zh-CN" altLang="en-US" dirty="0"/>
-          </a:p>
-        </p:txBody>
-      </p:sp>
-    </p:spTree>
-  </p:cSld>
-  <p:clrMapOvr>
-    <a:masterClrMapping/>
-  </p:clrMapOvr>
-  <p:timing>
-    <p:tnLst>
-      <p:par>
-        <p:cTn id="1" dur="indefinite" restart="never" nodeType="tmRoot"/>
-      </p:par>
-    </p:tnLst>
-  </p:timing>
-</p:sld>
-</file>
-
-<file path=ppt/slides/slide20.xml><?xml version="1.0" encoding="utf-8"?>
+<file path=ppt/slides/slide18.xml><?xml version="1.0" encoding="utf-8"?>
 <p:sld xmlns:a="http://schemas.openxmlformats.org/drawingml/2006/main" xmlns:r="http://schemas.openxmlformats.org/officeDocument/2006/relationships" xmlns:p="http://schemas.openxmlformats.org/presentationml/2006/main">
   <p:cSld>
     <p:spTree>
@@ -6580,7 +6182,7 @@
 </p:sld>
 </file>
 
-<file path=ppt/slides/slide21.xml><?xml version="1.0" encoding="utf-8"?>
+<file path=ppt/slides/slide19.xml><?xml version="1.0" encoding="utf-8"?>
 <p:sld xmlns:a="http://schemas.openxmlformats.org/drawingml/2006/main" xmlns:r="http://schemas.openxmlformats.org/officeDocument/2006/relationships" xmlns:p="http://schemas.openxmlformats.org/presentationml/2006/main">
   <p:cSld>
     <p:spTree>
@@ -6617,11 +6219,7 @@
             <a:pPr algn="l"/>
             <a:r>
               <a:rPr lang="en-US" altLang="zh-CN" sz="3200" dirty="0" smtClean="0"/>
-              <a:t>Why we need </a:t>
-            </a:r>
-            <a:r>
-              <a:rPr lang="en-US" altLang="zh-CN" sz="3200" dirty="0" smtClean="0"/>
-              <a:t>a </a:t>
+              <a:t>Why we need a </a:t>
             </a:r>
             <a:r>
               <a:rPr lang="en-US" altLang="zh-CN" sz="3200" dirty="0" err="1" smtClean="0"/>
@@ -6681,7 +6279,104 @@
 </p:sld>
 </file>
 
-<file path=ppt/slides/slide22.xml><?xml version="1.0" encoding="utf-8"?>
+<file path=ppt/slides/slide2.xml><?xml version="1.0" encoding="utf-8"?>
+<p:sld xmlns:a="http://schemas.openxmlformats.org/drawingml/2006/main" xmlns:r="http://schemas.openxmlformats.org/officeDocument/2006/relationships" xmlns:p="http://schemas.openxmlformats.org/presentationml/2006/main">
+  <p:cSld>
+    <p:spTree>
+      <p:nvGrpSpPr>
+        <p:cNvPr id="1" name=""/>
+        <p:cNvGrpSpPr/>
+        <p:nvPr/>
+      </p:nvGrpSpPr>
+      <p:grpSpPr>
+        <a:xfrm>
+          <a:off x="0" y="0"/>
+          <a:ext cx="0" cy="0"/>
+          <a:chOff x="0" y="0"/>
+          <a:chExt cx="0" cy="0"/>
+        </a:xfrm>
+      </p:grpSpPr>
+      <p:sp>
+        <p:nvSpPr>
+          <p:cNvPr id="2" name="标题 1"/>
+          <p:cNvSpPr>
+            <a:spLocks noGrp="1"/>
+          </p:cNvSpPr>
+          <p:nvPr>
+            <p:ph type="title"/>
+          </p:nvPr>
+        </p:nvSpPr>
+        <p:spPr/>
+        <p:txBody>
+          <a:bodyPr/>
+          <a:lstStyle/>
+          <a:p>
+            <a:pPr algn="l"/>
+            <a:r>
+              <a:rPr lang="en-US" altLang="zh-CN" dirty="0" smtClean="0"/>
+              <a:t>Outline</a:t>
+            </a:r>
+            <a:endParaRPr lang="zh-CN" altLang="en-US" dirty="0"/>
+          </a:p>
+        </p:txBody>
+      </p:sp>
+      <p:sp>
+        <p:nvSpPr>
+          <p:cNvPr id="3" name="内容占位符 2"/>
+          <p:cNvSpPr>
+            <a:spLocks noGrp="1"/>
+          </p:cNvSpPr>
+          <p:nvPr>
+            <p:ph idx="1"/>
+          </p:nvPr>
+        </p:nvSpPr>
+        <p:spPr/>
+        <p:txBody>
+          <a:bodyPr/>
+          <a:lstStyle/>
+          <a:p>
+            <a:r>
+              <a:rPr lang="en-US" altLang="zh-CN" dirty="0" smtClean="0"/>
+              <a:t>Basic Concepts of Web Framework</a:t>
+            </a:r>
+          </a:p>
+          <a:p>
+            <a:r>
+              <a:rPr lang="en-US" altLang="zh-CN" dirty="0" smtClean="0"/>
+              <a:t>What is Feather?</a:t>
+            </a:r>
+          </a:p>
+          <a:p>
+            <a:r>
+              <a:rPr lang="en-US" altLang="zh-CN" dirty="0" smtClean="0"/>
+              <a:t>Components</a:t>
+            </a:r>
+          </a:p>
+          <a:p>
+            <a:r>
+              <a:rPr lang="en-US" altLang="zh-CN" dirty="0" smtClean="0"/>
+              <a:t>How to Rapidly Develop Web?</a:t>
+            </a:r>
+            <a:endParaRPr lang="zh-CN" altLang="en-US" dirty="0"/>
+          </a:p>
+        </p:txBody>
+      </p:sp>
+    </p:spTree>
+  </p:cSld>
+  <p:clrMapOvr>
+    <a:masterClrMapping/>
+  </p:clrMapOvr>
+  <p:timing>
+    <p:tnLst>
+      <p:par>
+        <p:cTn id="1" dur="indefinite" restart="never" nodeType="tmRoot"/>
+      </p:par>
+    </p:tnLst>
+  </p:timing>
+</p:sld>
+</file>
+
+<file path=ppt/slides/slide20.xml><?xml version="1.0" encoding="utf-8"?>
 <p:sld xmlns:a="http://schemas.openxmlformats.org/drawingml/2006/main" xmlns:r="http://schemas.openxmlformats.org/officeDocument/2006/relationships" xmlns:p="http://schemas.openxmlformats.org/presentationml/2006/main">
   <p:cSld>
     <p:spTree>
@@ -6778,7 +6473,7 @@
 </p:sld>
 </file>
 
-<file path=ppt/slides/slide23.xml><?xml version="1.0" encoding="utf-8"?>
+<file path=ppt/slides/slide21.xml><?xml version="1.0" encoding="utf-8"?>
 <p:sld xmlns:a="http://schemas.openxmlformats.org/drawingml/2006/main" xmlns:r="http://schemas.openxmlformats.org/officeDocument/2006/relationships" xmlns:p="http://schemas.openxmlformats.org/presentationml/2006/main">
   <p:cSld>
     <p:spTree>
@@ -6834,12 +6529,143 @@
           <a:bodyPr/>
           <a:lstStyle/>
           <a:p>
-            <a:r>
-              <a:rPr lang="en-US" altLang="zh-CN" dirty="0" err="1" smtClean="0"/>
+            <a:endParaRPr lang="en-US" altLang="zh-CN" dirty="0" smtClean="0"/>
+          </a:p>
+        </p:txBody>
+      </p:sp>
+      <p:sp>
+        <p:nvSpPr>
+          <p:cNvPr id="4" name="矩形 3"/>
+          <p:cNvSpPr/>
+          <p:nvPr/>
+        </p:nvSpPr>
+        <p:spPr>
+          <a:xfrm>
+            <a:off x="2285984" y="2285998"/>
+            <a:ext cx="1571636" cy="642942"/>
+          </a:xfrm>
+          <a:prstGeom prst="rect">
+            <a:avLst/>
+          </a:prstGeom>
+          <a:noFill/>
+        </p:spPr>
+        <p:style>
+          <a:lnRef idx="2">
+            <a:schemeClr val="accent1">
+              <a:shade val="50000"/>
+            </a:schemeClr>
+          </a:lnRef>
+          <a:fillRef idx="1">
+            <a:schemeClr val="accent1"/>
+          </a:fillRef>
+          <a:effectRef idx="0">
+            <a:schemeClr val="accent1"/>
+          </a:effectRef>
+          <a:fontRef idx="minor">
+            <a:schemeClr val="lt1"/>
+          </a:fontRef>
+        </p:style>
+        <p:txBody>
+          <a:bodyPr rtlCol="0" anchor="ctr"/>
+          <a:lstStyle/>
+          <a:p>
+            <a:pPr algn="ctr"/>
+            <a:endParaRPr lang="zh-CN" altLang="en-US"/>
+          </a:p>
+        </p:txBody>
+      </p:sp>
+      <p:sp>
+        <p:nvSpPr>
+          <p:cNvPr id="5" name="TextBox 4"/>
+          <p:cNvSpPr txBox="1"/>
+          <p:nvPr/>
+        </p:nvSpPr>
+        <p:spPr>
+          <a:xfrm>
+            <a:off x="2643174" y="2357436"/>
+            <a:ext cx="903196" cy="400110"/>
+          </a:xfrm>
+          <a:prstGeom prst="rect">
+            <a:avLst/>
+          </a:prstGeom>
+          <a:noFill/>
+        </p:spPr>
+        <p:txBody>
+          <a:bodyPr wrap="none" rtlCol="0">
+            <a:spAutoFit/>
+          </a:bodyPr>
+          <a:lstStyle/>
+          <a:p>
+            <a:r>
+              <a:rPr lang="en-US" altLang="zh-CN" sz="2000" dirty="0" err="1" smtClean="0"/>
               <a:t>cinatra</a:t>
             </a:r>
-            <a:endParaRPr lang="en-US" altLang="zh-CN" dirty="0" smtClean="0"/>
-          </a:p>
+            <a:endParaRPr lang="en-US" altLang="zh-CN" sz="2000" dirty="0" smtClean="0"/>
+          </a:p>
+        </p:txBody>
+      </p:sp>
+      <p:sp>
+        <p:nvSpPr>
+          <p:cNvPr id="6" name="矩形 5"/>
+          <p:cNvSpPr/>
+          <p:nvPr/>
+        </p:nvSpPr>
+        <p:spPr>
+          <a:xfrm>
+            <a:off x="4572000" y="2285998"/>
+            <a:ext cx="1357322" cy="642942"/>
+          </a:xfrm>
+          <a:prstGeom prst="rect">
+            <a:avLst/>
+          </a:prstGeom>
+          <a:noFill/>
+        </p:spPr>
+        <p:style>
+          <a:lnRef idx="2">
+            <a:schemeClr val="accent1">
+              <a:shade val="50000"/>
+            </a:schemeClr>
+          </a:lnRef>
+          <a:fillRef idx="1">
+            <a:schemeClr val="accent1"/>
+          </a:fillRef>
+          <a:effectRef idx="0">
+            <a:schemeClr val="accent1"/>
+          </a:effectRef>
+          <a:fontRef idx="minor">
+            <a:schemeClr val="lt1"/>
+          </a:fontRef>
+        </p:style>
+        <p:txBody>
+          <a:bodyPr rtlCol="0" anchor="ctr"/>
+          <a:lstStyle/>
+          <a:p>
+            <a:pPr algn="ctr"/>
+            <a:endParaRPr lang="zh-CN" altLang="en-US"/>
+          </a:p>
+        </p:txBody>
+      </p:sp>
+      <p:sp>
+        <p:nvSpPr>
+          <p:cNvPr id="7" name="TextBox 6"/>
+          <p:cNvSpPr txBox="1"/>
+          <p:nvPr/>
+        </p:nvSpPr>
+        <p:spPr>
+          <a:xfrm>
+            <a:off x="4857752" y="2357436"/>
+            <a:ext cx="814647" cy="369332"/>
+          </a:xfrm>
+          <a:prstGeom prst="rect">
+            <a:avLst/>
+          </a:prstGeom>
+          <a:noFill/>
+        </p:spPr>
+        <p:txBody>
+          <a:bodyPr wrap="none" rtlCol="0">
+            <a:spAutoFit/>
+          </a:bodyPr>
+          <a:lstStyle/>
           <a:p>
             <a:r>
               <a:rPr lang="en-US" altLang="zh-CN" dirty="0" err="1" smtClean="0"/>
@@ -6847,11 +6673,455 @@
             </a:r>
             <a:endParaRPr lang="en-US" altLang="zh-CN" dirty="0" smtClean="0"/>
           </a:p>
+        </p:txBody>
+      </p:sp>
+      <p:sp>
+        <p:nvSpPr>
+          <p:cNvPr id="8" name="矩形 7"/>
+          <p:cNvSpPr/>
+          <p:nvPr/>
+        </p:nvSpPr>
+        <p:spPr>
+          <a:xfrm>
+            <a:off x="2285984" y="3500444"/>
+            <a:ext cx="1571636" cy="500066"/>
+          </a:xfrm>
+          <a:prstGeom prst="rect">
+            <a:avLst/>
+          </a:prstGeom>
+          <a:noFill/>
+        </p:spPr>
+        <p:style>
+          <a:lnRef idx="2">
+            <a:schemeClr val="accent1">
+              <a:shade val="50000"/>
+            </a:schemeClr>
+          </a:lnRef>
+          <a:fillRef idx="1">
+            <a:schemeClr val="accent1"/>
+          </a:fillRef>
+          <a:effectRef idx="0">
+            <a:schemeClr val="accent1"/>
+          </a:effectRef>
+          <a:fontRef idx="minor">
+            <a:schemeClr val="lt1"/>
+          </a:fontRef>
+        </p:style>
+        <p:txBody>
+          <a:bodyPr rtlCol="0" anchor="ctr"/>
+          <a:lstStyle/>
+          <a:p>
+            <a:pPr algn="ctr"/>
+            <a:endParaRPr lang="zh-CN" altLang="en-US"/>
+          </a:p>
+        </p:txBody>
+      </p:sp>
+      <p:sp>
+        <p:nvSpPr>
+          <p:cNvPr id="9" name="TextBox 8"/>
+          <p:cNvSpPr txBox="1"/>
+          <p:nvPr/>
+        </p:nvSpPr>
+        <p:spPr>
+          <a:xfrm>
+            <a:off x="2714612" y="3571882"/>
+            <a:ext cx="816442" cy="369332"/>
+          </a:xfrm>
+          <a:prstGeom prst="rect">
+            <a:avLst/>
+          </a:prstGeom>
+          <a:noFill/>
+        </p:spPr>
+        <p:txBody>
+          <a:bodyPr wrap="none" rtlCol="0">
+            <a:spAutoFit/>
+          </a:bodyPr>
+          <a:lstStyle/>
           <a:p>
             <a:r>
               <a:rPr lang="en-US" altLang="zh-CN" dirty="0" smtClean="0"/>
               <a:t>render</a:t>
             </a:r>
+            <a:endParaRPr lang="en-US" altLang="zh-CN" dirty="0" smtClean="0"/>
+          </a:p>
+        </p:txBody>
+      </p:sp>
+      <p:sp>
+        <p:nvSpPr>
+          <p:cNvPr id="10" name="矩形 9"/>
+          <p:cNvSpPr/>
+          <p:nvPr/>
+        </p:nvSpPr>
+        <p:spPr>
+          <a:xfrm>
+            <a:off x="1428728" y="1285866"/>
+            <a:ext cx="6357982" cy="3143272"/>
+          </a:xfrm>
+          <a:prstGeom prst="rect">
+            <a:avLst/>
+          </a:prstGeom>
+          <a:noFill/>
+        </p:spPr>
+        <p:style>
+          <a:lnRef idx="2">
+            <a:schemeClr val="accent1">
+              <a:shade val="50000"/>
+            </a:schemeClr>
+          </a:lnRef>
+          <a:fillRef idx="1">
+            <a:schemeClr val="accent1"/>
+          </a:fillRef>
+          <a:effectRef idx="0">
+            <a:schemeClr val="accent1"/>
+          </a:effectRef>
+          <a:fontRef idx="minor">
+            <a:schemeClr val="lt1"/>
+          </a:fontRef>
+        </p:style>
+        <p:txBody>
+          <a:bodyPr rtlCol="0" anchor="ctr"/>
+          <a:lstStyle/>
+          <a:p>
+            <a:pPr algn="ctr"/>
+            <a:endParaRPr lang="zh-CN" altLang="en-US"/>
+          </a:p>
+        </p:txBody>
+      </p:sp>
+      <p:sp>
+        <p:nvSpPr>
+          <p:cNvPr id="11" name="下箭头 10"/>
+          <p:cNvSpPr/>
+          <p:nvPr/>
+        </p:nvSpPr>
+        <p:spPr>
+          <a:xfrm>
+            <a:off x="3000364" y="3000378"/>
+            <a:ext cx="214314" cy="428628"/>
+          </a:xfrm>
+          <a:prstGeom prst="downArrow">
+            <a:avLst/>
+          </a:prstGeom>
+        </p:spPr>
+        <p:style>
+          <a:lnRef idx="2">
+            <a:schemeClr val="accent1">
+              <a:shade val="50000"/>
+            </a:schemeClr>
+          </a:lnRef>
+          <a:fillRef idx="1">
+            <a:schemeClr val="accent1"/>
+          </a:fillRef>
+          <a:effectRef idx="0">
+            <a:schemeClr val="accent1"/>
+          </a:effectRef>
+          <a:fontRef idx="minor">
+            <a:schemeClr val="lt1"/>
+          </a:fontRef>
+        </p:style>
+        <p:txBody>
+          <a:bodyPr rtlCol="0" anchor="ctr"/>
+          <a:lstStyle/>
+          <a:p>
+            <a:pPr algn="ctr"/>
+            <a:endParaRPr lang="zh-CN" altLang="en-US"/>
+          </a:p>
+        </p:txBody>
+      </p:sp>
+      <p:sp>
+        <p:nvSpPr>
+          <p:cNvPr id="12" name="右箭头 11"/>
+          <p:cNvSpPr/>
+          <p:nvPr/>
+        </p:nvSpPr>
+        <p:spPr>
+          <a:xfrm>
+            <a:off x="3929058" y="2500312"/>
+            <a:ext cx="571504" cy="214314"/>
+          </a:xfrm>
+          <a:prstGeom prst="rightArrow">
+            <a:avLst/>
+          </a:prstGeom>
+        </p:spPr>
+        <p:style>
+          <a:lnRef idx="2">
+            <a:schemeClr val="accent1">
+              <a:shade val="50000"/>
+            </a:schemeClr>
+          </a:lnRef>
+          <a:fillRef idx="1">
+            <a:schemeClr val="accent1"/>
+          </a:fillRef>
+          <a:effectRef idx="0">
+            <a:schemeClr val="accent1"/>
+          </a:effectRef>
+          <a:fontRef idx="minor">
+            <a:schemeClr val="lt1"/>
+          </a:fontRef>
+        </p:style>
+        <p:txBody>
+          <a:bodyPr rtlCol="0" anchor="ctr"/>
+          <a:lstStyle/>
+          <a:p>
+            <a:pPr algn="ctr"/>
+            <a:endParaRPr lang="zh-CN" altLang="en-US"/>
+          </a:p>
+        </p:txBody>
+      </p:sp>
+      <p:sp>
+        <p:nvSpPr>
+          <p:cNvPr id="13" name="TextBox 12"/>
+          <p:cNvSpPr txBox="1"/>
+          <p:nvPr/>
+        </p:nvSpPr>
+        <p:spPr>
+          <a:xfrm>
+            <a:off x="3786182" y="1273724"/>
+            <a:ext cx="967829" cy="369332"/>
+          </a:xfrm>
+          <a:prstGeom prst="rect">
+            <a:avLst/>
+          </a:prstGeom>
+          <a:noFill/>
+        </p:spPr>
+        <p:txBody>
+          <a:bodyPr wrap="none" rtlCol="0">
+            <a:spAutoFit/>
+          </a:bodyPr>
+          <a:lstStyle/>
+          <a:p>
+            <a:r>
+              <a:rPr lang="en-US" altLang="zh-CN" b="1" dirty="0" smtClean="0"/>
+              <a:t>Feather </a:t>
+            </a:r>
+            <a:endParaRPr lang="en-US" altLang="zh-CN" b="1" dirty="0" smtClean="0"/>
+          </a:p>
+        </p:txBody>
+      </p:sp>
+      <p:sp>
+        <p:nvSpPr>
+          <p:cNvPr id="14" name="椭圆形标注 13"/>
+          <p:cNvSpPr/>
+          <p:nvPr/>
+        </p:nvSpPr>
+        <p:spPr>
+          <a:xfrm>
+            <a:off x="2285984" y="1714494"/>
+            <a:ext cx="1643074" cy="469772"/>
+          </a:xfrm>
+          <a:prstGeom prst="wedgeEllipseCallout">
+            <a:avLst/>
+          </a:prstGeom>
+          <a:noFill/>
+          <a:ln>
+            <a:solidFill>
+              <a:srgbClr val="00B050"/>
+            </a:solidFill>
+          </a:ln>
+        </p:spPr>
+        <p:style>
+          <a:lnRef idx="2">
+            <a:schemeClr val="accent1">
+              <a:shade val="50000"/>
+            </a:schemeClr>
+          </a:lnRef>
+          <a:fillRef idx="1">
+            <a:schemeClr val="accent1"/>
+          </a:fillRef>
+          <a:effectRef idx="0">
+            <a:schemeClr val="accent1"/>
+          </a:effectRef>
+          <a:fontRef idx="minor">
+            <a:schemeClr val="lt1"/>
+          </a:fontRef>
+        </p:style>
+        <p:txBody>
+          <a:bodyPr rtlCol="0" anchor="ctr"/>
+          <a:lstStyle/>
+          <a:p>
+            <a:pPr algn="ctr"/>
+            <a:endParaRPr lang="zh-CN" altLang="en-US"/>
+          </a:p>
+        </p:txBody>
+      </p:sp>
+      <p:sp>
+        <p:nvSpPr>
+          <p:cNvPr id="15" name="TextBox 14"/>
+          <p:cNvSpPr txBox="1"/>
+          <p:nvPr/>
+        </p:nvSpPr>
+        <p:spPr>
+          <a:xfrm>
+            <a:off x="2285984" y="1785932"/>
+            <a:ext cx="1649234" cy="307777"/>
+          </a:xfrm>
+          <a:prstGeom prst="rect">
+            <a:avLst/>
+          </a:prstGeom>
+          <a:noFill/>
+        </p:spPr>
+        <p:txBody>
+          <a:bodyPr wrap="none" rtlCol="0">
+            <a:spAutoFit/>
+          </a:bodyPr>
+          <a:lstStyle/>
+          <a:p>
+            <a:r>
+              <a:rPr lang="en-US" altLang="zh-CN" sz="1400" dirty="0" smtClean="0"/>
+              <a:t>Handle http request</a:t>
+            </a:r>
+            <a:endParaRPr lang="zh-CN" altLang="en-US" sz="1400" dirty="0"/>
+          </a:p>
+        </p:txBody>
+      </p:sp>
+      <p:sp>
+        <p:nvSpPr>
+          <p:cNvPr id="16" name="椭圆形标注 15"/>
+          <p:cNvSpPr/>
+          <p:nvPr/>
+        </p:nvSpPr>
+        <p:spPr>
+          <a:xfrm>
+            <a:off x="5286380" y="1714494"/>
+            <a:ext cx="1357322" cy="469772"/>
+          </a:xfrm>
+          <a:prstGeom prst="wedgeEllipseCallout">
+            <a:avLst/>
+          </a:prstGeom>
+          <a:noFill/>
+          <a:ln>
+            <a:solidFill>
+              <a:srgbClr val="00B050"/>
+            </a:solidFill>
+          </a:ln>
+        </p:spPr>
+        <p:style>
+          <a:lnRef idx="2">
+            <a:schemeClr val="accent1">
+              <a:shade val="50000"/>
+            </a:schemeClr>
+          </a:lnRef>
+          <a:fillRef idx="1">
+            <a:schemeClr val="accent1"/>
+          </a:fillRef>
+          <a:effectRef idx="0">
+            <a:schemeClr val="accent1"/>
+          </a:effectRef>
+          <a:fontRef idx="minor">
+            <a:schemeClr val="lt1"/>
+          </a:fontRef>
+        </p:style>
+        <p:txBody>
+          <a:bodyPr rtlCol="0" anchor="ctr"/>
+          <a:lstStyle/>
+          <a:p>
+            <a:pPr algn="ctr"/>
+            <a:endParaRPr lang="zh-CN" altLang="en-US"/>
+          </a:p>
+        </p:txBody>
+      </p:sp>
+      <p:sp>
+        <p:nvSpPr>
+          <p:cNvPr id="17" name="TextBox 16"/>
+          <p:cNvSpPr txBox="1"/>
+          <p:nvPr/>
+        </p:nvSpPr>
+        <p:spPr>
+          <a:xfrm>
+            <a:off x="5286380" y="1785932"/>
+            <a:ext cx="1376659" cy="307777"/>
+          </a:xfrm>
+          <a:prstGeom prst="rect">
+            <a:avLst/>
+          </a:prstGeom>
+          <a:noFill/>
+        </p:spPr>
+        <p:txBody>
+          <a:bodyPr wrap="none" rtlCol="0">
+            <a:spAutoFit/>
+          </a:bodyPr>
+          <a:lstStyle/>
+          <a:p>
+            <a:r>
+              <a:rPr lang="en-US" altLang="zh-CN" sz="1400" dirty="0" smtClean="0"/>
+              <a:t>Access database</a:t>
+            </a:r>
+            <a:endParaRPr lang="zh-CN" altLang="en-US" sz="1400" dirty="0"/>
+          </a:p>
+        </p:txBody>
+      </p:sp>
+      <p:sp>
+        <p:nvSpPr>
+          <p:cNvPr id="18" name="椭圆形标注 17"/>
+          <p:cNvSpPr/>
+          <p:nvPr/>
+        </p:nvSpPr>
+        <p:spPr>
+          <a:xfrm rot="5400000">
+            <a:off x="4429124" y="3214693"/>
+            <a:ext cx="428629" cy="1143009"/>
+          </a:xfrm>
+          <a:prstGeom prst="wedgeEllipseCallout">
+            <a:avLst/>
+          </a:prstGeom>
+          <a:noFill/>
+          <a:ln>
+            <a:solidFill>
+              <a:srgbClr val="00B050"/>
+            </a:solidFill>
+          </a:ln>
+        </p:spPr>
+        <p:style>
+          <a:lnRef idx="2">
+            <a:schemeClr val="accent1">
+              <a:shade val="50000"/>
+            </a:schemeClr>
+          </a:lnRef>
+          <a:fillRef idx="1">
+            <a:schemeClr val="accent1"/>
+          </a:fillRef>
+          <a:effectRef idx="0">
+            <a:schemeClr val="accent1"/>
+          </a:effectRef>
+          <a:fontRef idx="minor">
+            <a:schemeClr val="lt1"/>
+          </a:fontRef>
+        </p:style>
+        <p:txBody>
+          <a:bodyPr rtlCol="0" anchor="ctr"/>
+          <a:lstStyle/>
+          <a:p>
+            <a:pPr algn="ctr"/>
+            <a:endParaRPr lang="zh-CN" altLang="en-US"/>
+          </a:p>
+        </p:txBody>
+      </p:sp>
+      <p:sp>
+        <p:nvSpPr>
+          <p:cNvPr id="19" name="TextBox 18"/>
+          <p:cNvSpPr txBox="1"/>
+          <p:nvPr/>
+        </p:nvSpPr>
+        <p:spPr>
+          <a:xfrm>
+            <a:off x="4126184" y="3621295"/>
+            <a:ext cx="1088760" cy="307777"/>
+          </a:xfrm>
+          <a:prstGeom prst="rect">
+            <a:avLst/>
+          </a:prstGeom>
+          <a:noFill/>
+        </p:spPr>
+        <p:txBody>
+          <a:bodyPr wrap="none" rtlCol="0">
+            <a:spAutoFit/>
+          </a:bodyPr>
+          <a:lstStyle/>
+          <a:p>
+            <a:r>
+              <a:rPr lang="en-US" altLang="zh-CN" sz="1400" dirty="0" smtClean="0"/>
+              <a:t>Render html</a:t>
+            </a:r>
+            <a:endParaRPr lang="zh-CN" altLang="en-US" sz="1400" dirty="0"/>
           </a:p>
         </p:txBody>
       </p:sp>
@@ -6863,14 +7133,537 @@
   <p:timing>
     <p:tnLst>
       <p:par>
-        <p:cTn id="1" dur="indefinite" restart="never" nodeType="tmRoot"/>
+        <p:cTn id="1" dur="indefinite" restart="never" nodeType="tmRoot">
+          <p:childTnLst>
+            <p:seq concurrent="1" nextAc="seek">
+              <p:cTn id="2" dur="indefinite" nodeType="mainSeq">
+                <p:childTnLst>
+                  <p:par>
+                    <p:cTn id="3" fill="hold">
+                      <p:stCondLst>
+                        <p:cond delay="indefinite"/>
+                      </p:stCondLst>
+                      <p:childTnLst>
+                        <p:par>
+                          <p:cTn id="4" fill="hold">
+                            <p:stCondLst>
+                              <p:cond delay="0"/>
+                            </p:stCondLst>
+                            <p:childTnLst>
+                              <p:par>
+                                <p:cTn id="5" presetID="2" presetClass="entr" presetSubtype="4" fill="hold" grpId="0" nodeType="clickEffect">
+                                  <p:stCondLst>
+                                    <p:cond delay="0"/>
+                                  </p:stCondLst>
+                                  <p:childTnLst>
+                                    <p:set>
+                                      <p:cBhvr>
+                                        <p:cTn id="6" dur="1" fill="hold">
+                                          <p:stCondLst>
+                                            <p:cond delay="0"/>
+                                          </p:stCondLst>
+                                        </p:cTn>
+                                        <p:tgtEl>
+                                          <p:spTgt spid="14"/>
+                                        </p:tgtEl>
+                                        <p:attrNameLst>
+                                          <p:attrName>style.visibility</p:attrName>
+                                        </p:attrNameLst>
+                                      </p:cBhvr>
+                                      <p:to>
+                                        <p:strVal val="visible"/>
+                                      </p:to>
+                                    </p:set>
+                                    <p:anim calcmode="lin" valueType="num">
+                                      <p:cBhvr additive="base">
+                                        <p:cTn id="7" dur="500" fill="hold"/>
+                                        <p:tgtEl>
+                                          <p:spTgt spid="14"/>
+                                        </p:tgtEl>
+                                        <p:attrNameLst>
+                                          <p:attrName>ppt_x</p:attrName>
+                                        </p:attrNameLst>
+                                      </p:cBhvr>
+                                      <p:tavLst>
+                                        <p:tav tm="0">
+                                          <p:val>
+                                            <p:strVal val="#ppt_x"/>
+                                          </p:val>
+                                        </p:tav>
+                                        <p:tav tm="100000">
+                                          <p:val>
+                                            <p:strVal val="#ppt_x"/>
+                                          </p:val>
+                                        </p:tav>
+                                      </p:tavLst>
+                                    </p:anim>
+                                    <p:anim calcmode="lin" valueType="num">
+                                      <p:cBhvr additive="base">
+                                        <p:cTn id="8" dur="500" fill="hold"/>
+                                        <p:tgtEl>
+                                          <p:spTgt spid="14"/>
+                                        </p:tgtEl>
+                                        <p:attrNameLst>
+                                          <p:attrName>ppt_y</p:attrName>
+                                        </p:attrNameLst>
+                                      </p:cBhvr>
+                                      <p:tavLst>
+                                        <p:tav tm="0">
+                                          <p:val>
+                                            <p:strVal val="1+#ppt_h/2"/>
+                                          </p:val>
+                                        </p:tav>
+                                        <p:tav tm="100000">
+                                          <p:val>
+                                            <p:strVal val="#ppt_y"/>
+                                          </p:val>
+                                        </p:tav>
+                                      </p:tavLst>
+                                    </p:anim>
+                                  </p:childTnLst>
+                                </p:cTn>
+                              </p:par>
+                              <p:par>
+                                <p:cTn id="9" presetID="2" presetClass="entr" presetSubtype="4" fill="hold" grpId="0" nodeType="withEffect">
+                                  <p:stCondLst>
+                                    <p:cond delay="0"/>
+                                  </p:stCondLst>
+                                  <p:childTnLst>
+                                    <p:set>
+                                      <p:cBhvr>
+                                        <p:cTn id="10" dur="1" fill="hold">
+                                          <p:stCondLst>
+                                            <p:cond delay="0"/>
+                                          </p:stCondLst>
+                                        </p:cTn>
+                                        <p:tgtEl>
+                                          <p:spTgt spid="15"/>
+                                        </p:tgtEl>
+                                        <p:attrNameLst>
+                                          <p:attrName>style.visibility</p:attrName>
+                                        </p:attrNameLst>
+                                      </p:cBhvr>
+                                      <p:to>
+                                        <p:strVal val="visible"/>
+                                      </p:to>
+                                    </p:set>
+                                    <p:anim calcmode="lin" valueType="num">
+                                      <p:cBhvr additive="base">
+                                        <p:cTn id="11" dur="500" fill="hold"/>
+                                        <p:tgtEl>
+                                          <p:spTgt spid="15"/>
+                                        </p:tgtEl>
+                                        <p:attrNameLst>
+                                          <p:attrName>ppt_x</p:attrName>
+                                        </p:attrNameLst>
+                                      </p:cBhvr>
+                                      <p:tavLst>
+                                        <p:tav tm="0">
+                                          <p:val>
+                                            <p:strVal val="#ppt_x"/>
+                                          </p:val>
+                                        </p:tav>
+                                        <p:tav tm="100000">
+                                          <p:val>
+                                            <p:strVal val="#ppt_x"/>
+                                          </p:val>
+                                        </p:tav>
+                                      </p:tavLst>
+                                    </p:anim>
+                                    <p:anim calcmode="lin" valueType="num">
+                                      <p:cBhvr additive="base">
+                                        <p:cTn id="12" dur="500" fill="hold"/>
+                                        <p:tgtEl>
+                                          <p:spTgt spid="15"/>
+                                        </p:tgtEl>
+                                        <p:attrNameLst>
+                                          <p:attrName>ppt_y</p:attrName>
+                                        </p:attrNameLst>
+                                      </p:cBhvr>
+                                      <p:tavLst>
+                                        <p:tav tm="0">
+                                          <p:val>
+                                            <p:strVal val="1+#ppt_h/2"/>
+                                          </p:val>
+                                        </p:tav>
+                                        <p:tav tm="100000">
+                                          <p:val>
+                                            <p:strVal val="#ppt_y"/>
+                                          </p:val>
+                                        </p:tav>
+                                      </p:tavLst>
+                                    </p:anim>
+                                  </p:childTnLst>
+                                </p:cTn>
+                              </p:par>
+                            </p:childTnLst>
+                          </p:cTn>
+                        </p:par>
+                      </p:childTnLst>
+                    </p:cTn>
+                  </p:par>
+                  <p:par>
+                    <p:cTn id="13" fill="hold">
+                      <p:stCondLst>
+                        <p:cond delay="indefinite"/>
+                      </p:stCondLst>
+                      <p:childTnLst>
+                        <p:par>
+                          <p:cTn id="14" fill="hold">
+                            <p:stCondLst>
+                              <p:cond delay="0"/>
+                            </p:stCondLst>
+                            <p:childTnLst>
+                              <p:par>
+                                <p:cTn id="15" presetID="2" presetClass="entr" presetSubtype="4" fill="hold" grpId="0" nodeType="clickEffect">
+                                  <p:stCondLst>
+                                    <p:cond delay="0"/>
+                                  </p:stCondLst>
+                                  <p:childTnLst>
+                                    <p:set>
+                                      <p:cBhvr>
+                                        <p:cTn id="16" dur="1" fill="hold">
+                                          <p:stCondLst>
+                                            <p:cond delay="0"/>
+                                          </p:stCondLst>
+                                        </p:cTn>
+                                        <p:tgtEl>
+                                          <p:spTgt spid="16"/>
+                                        </p:tgtEl>
+                                        <p:attrNameLst>
+                                          <p:attrName>style.visibility</p:attrName>
+                                        </p:attrNameLst>
+                                      </p:cBhvr>
+                                      <p:to>
+                                        <p:strVal val="visible"/>
+                                      </p:to>
+                                    </p:set>
+                                    <p:anim calcmode="lin" valueType="num">
+                                      <p:cBhvr additive="base">
+                                        <p:cTn id="17" dur="500" fill="hold"/>
+                                        <p:tgtEl>
+                                          <p:spTgt spid="16"/>
+                                        </p:tgtEl>
+                                        <p:attrNameLst>
+                                          <p:attrName>ppt_x</p:attrName>
+                                        </p:attrNameLst>
+                                      </p:cBhvr>
+                                      <p:tavLst>
+                                        <p:tav tm="0">
+                                          <p:val>
+                                            <p:strVal val="#ppt_x"/>
+                                          </p:val>
+                                        </p:tav>
+                                        <p:tav tm="100000">
+                                          <p:val>
+                                            <p:strVal val="#ppt_x"/>
+                                          </p:val>
+                                        </p:tav>
+                                      </p:tavLst>
+                                    </p:anim>
+                                    <p:anim calcmode="lin" valueType="num">
+                                      <p:cBhvr additive="base">
+                                        <p:cTn id="18" dur="500" fill="hold"/>
+                                        <p:tgtEl>
+                                          <p:spTgt spid="16"/>
+                                        </p:tgtEl>
+                                        <p:attrNameLst>
+                                          <p:attrName>ppt_y</p:attrName>
+                                        </p:attrNameLst>
+                                      </p:cBhvr>
+                                      <p:tavLst>
+                                        <p:tav tm="0">
+                                          <p:val>
+                                            <p:strVal val="1+#ppt_h/2"/>
+                                          </p:val>
+                                        </p:tav>
+                                        <p:tav tm="100000">
+                                          <p:val>
+                                            <p:strVal val="#ppt_y"/>
+                                          </p:val>
+                                        </p:tav>
+                                      </p:tavLst>
+                                    </p:anim>
+                                  </p:childTnLst>
+                                </p:cTn>
+                              </p:par>
+                              <p:par>
+                                <p:cTn id="19" presetID="2" presetClass="entr" presetSubtype="4" fill="hold" grpId="0" nodeType="withEffect">
+                                  <p:stCondLst>
+                                    <p:cond delay="0"/>
+                                  </p:stCondLst>
+                                  <p:childTnLst>
+                                    <p:set>
+                                      <p:cBhvr>
+                                        <p:cTn id="20" dur="1" fill="hold">
+                                          <p:stCondLst>
+                                            <p:cond delay="0"/>
+                                          </p:stCondLst>
+                                        </p:cTn>
+                                        <p:tgtEl>
+                                          <p:spTgt spid="17"/>
+                                        </p:tgtEl>
+                                        <p:attrNameLst>
+                                          <p:attrName>style.visibility</p:attrName>
+                                        </p:attrNameLst>
+                                      </p:cBhvr>
+                                      <p:to>
+                                        <p:strVal val="visible"/>
+                                      </p:to>
+                                    </p:set>
+                                    <p:anim calcmode="lin" valueType="num">
+                                      <p:cBhvr additive="base">
+                                        <p:cTn id="21" dur="500" fill="hold"/>
+                                        <p:tgtEl>
+                                          <p:spTgt spid="17"/>
+                                        </p:tgtEl>
+                                        <p:attrNameLst>
+                                          <p:attrName>ppt_x</p:attrName>
+                                        </p:attrNameLst>
+                                      </p:cBhvr>
+                                      <p:tavLst>
+                                        <p:tav tm="0">
+                                          <p:val>
+                                            <p:strVal val="#ppt_x"/>
+                                          </p:val>
+                                        </p:tav>
+                                        <p:tav tm="100000">
+                                          <p:val>
+                                            <p:strVal val="#ppt_x"/>
+                                          </p:val>
+                                        </p:tav>
+                                      </p:tavLst>
+                                    </p:anim>
+                                    <p:anim calcmode="lin" valueType="num">
+                                      <p:cBhvr additive="base">
+                                        <p:cTn id="22" dur="500" fill="hold"/>
+                                        <p:tgtEl>
+                                          <p:spTgt spid="17"/>
+                                        </p:tgtEl>
+                                        <p:attrNameLst>
+                                          <p:attrName>ppt_y</p:attrName>
+                                        </p:attrNameLst>
+                                      </p:cBhvr>
+                                      <p:tavLst>
+                                        <p:tav tm="0">
+                                          <p:val>
+                                            <p:strVal val="1+#ppt_h/2"/>
+                                          </p:val>
+                                        </p:tav>
+                                        <p:tav tm="100000">
+                                          <p:val>
+                                            <p:strVal val="#ppt_y"/>
+                                          </p:val>
+                                        </p:tav>
+                                      </p:tavLst>
+                                    </p:anim>
+                                  </p:childTnLst>
+                                </p:cTn>
+                              </p:par>
+                            </p:childTnLst>
+                          </p:cTn>
+                        </p:par>
+                      </p:childTnLst>
+                    </p:cTn>
+                  </p:par>
+                  <p:par>
+                    <p:cTn id="23" fill="hold">
+                      <p:stCondLst>
+                        <p:cond delay="indefinite"/>
+                      </p:stCondLst>
+                      <p:childTnLst>
+                        <p:par>
+                          <p:cTn id="24" fill="hold">
+                            <p:stCondLst>
+                              <p:cond delay="0"/>
+                            </p:stCondLst>
+                            <p:childTnLst>
+                              <p:par>
+                                <p:cTn id="25" presetID="2" presetClass="entr" presetSubtype="4" fill="hold" grpId="0" nodeType="clickEffect">
+                                  <p:stCondLst>
+                                    <p:cond delay="0"/>
+                                  </p:stCondLst>
+                                  <p:childTnLst>
+                                    <p:set>
+                                      <p:cBhvr>
+                                        <p:cTn id="26" dur="1" fill="hold">
+                                          <p:stCondLst>
+                                            <p:cond delay="0"/>
+                                          </p:stCondLst>
+                                        </p:cTn>
+                                        <p:tgtEl>
+                                          <p:spTgt spid="18"/>
+                                        </p:tgtEl>
+                                        <p:attrNameLst>
+                                          <p:attrName>style.visibility</p:attrName>
+                                        </p:attrNameLst>
+                                      </p:cBhvr>
+                                      <p:to>
+                                        <p:strVal val="visible"/>
+                                      </p:to>
+                                    </p:set>
+                                    <p:anim calcmode="lin" valueType="num">
+                                      <p:cBhvr additive="base">
+                                        <p:cTn id="27" dur="500" fill="hold"/>
+                                        <p:tgtEl>
+                                          <p:spTgt spid="18"/>
+                                        </p:tgtEl>
+                                        <p:attrNameLst>
+                                          <p:attrName>ppt_x</p:attrName>
+                                        </p:attrNameLst>
+                                      </p:cBhvr>
+                                      <p:tavLst>
+                                        <p:tav tm="0">
+                                          <p:val>
+                                            <p:strVal val="#ppt_x"/>
+                                          </p:val>
+                                        </p:tav>
+                                        <p:tav tm="100000">
+                                          <p:val>
+                                            <p:strVal val="#ppt_x"/>
+                                          </p:val>
+                                        </p:tav>
+                                      </p:tavLst>
+                                    </p:anim>
+                                    <p:anim calcmode="lin" valueType="num">
+                                      <p:cBhvr additive="base">
+                                        <p:cTn id="28" dur="500" fill="hold"/>
+                                        <p:tgtEl>
+                                          <p:spTgt spid="18"/>
+                                        </p:tgtEl>
+                                        <p:attrNameLst>
+                                          <p:attrName>ppt_y</p:attrName>
+                                        </p:attrNameLst>
+                                      </p:cBhvr>
+                                      <p:tavLst>
+                                        <p:tav tm="0">
+                                          <p:val>
+                                            <p:strVal val="1+#ppt_h/2"/>
+                                          </p:val>
+                                        </p:tav>
+                                        <p:tav tm="100000">
+                                          <p:val>
+                                            <p:strVal val="#ppt_y"/>
+                                          </p:val>
+                                        </p:tav>
+                                      </p:tavLst>
+                                    </p:anim>
+                                  </p:childTnLst>
+                                </p:cTn>
+                              </p:par>
+                              <p:par>
+                                <p:cTn id="29" presetID="2" presetClass="entr" presetSubtype="4" fill="hold" grpId="0" nodeType="withEffect">
+                                  <p:stCondLst>
+                                    <p:cond delay="0"/>
+                                  </p:stCondLst>
+                                  <p:childTnLst>
+                                    <p:set>
+                                      <p:cBhvr>
+                                        <p:cTn id="30" dur="1" fill="hold">
+                                          <p:stCondLst>
+                                            <p:cond delay="0"/>
+                                          </p:stCondLst>
+                                        </p:cTn>
+                                        <p:tgtEl>
+                                          <p:spTgt spid="19"/>
+                                        </p:tgtEl>
+                                        <p:attrNameLst>
+                                          <p:attrName>style.visibility</p:attrName>
+                                        </p:attrNameLst>
+                                      </p:cBhvr>
+                                      <p:to>
+                                        <p:strVal val="visible"/>
+                                      </p:to>
+                                    </p:set>
+                                    <p:anim calcmode="lin" valueType="num">
+                                      <p:cBhvr additive="base">
+                                        <p:cTn id="31" dur="500" fill="hold"/>
+                                        <p:tgtEl>
+                                          <p:spTgt spid="19"/>
+                                        </p:tgtEl>
+                                        <p:attrNameLst>
+                                          <p:attrName>ppt_x</p:attrName>
+                                        </p:attrNameLst>
+                                      </p:cBhvr>
+                                      <p:tavLst>
+                                        <p:tav tm="0">
+                                          <p:val>
+                                            <p:strVal val="#ppt_x"/>
+                                          </p:val>
+                                        </p:tav>
+                                        <p:tav tm="100000">
+                                          <p:val>
+                                            <p:strVal val="#ppt_x"/>
+                                          </p:val>
+                                        </p:tav>
+                                      </p:tavLst>
+                                    </p:anim>
+                                    <p:anim calcmode="lin" valueType="num">
+                                      <p:cBhvr additive="base">
+                                        <p:cTn id="32" dur="500" fill="hold"/>
+                                        <p:tgtEl>
+                                          <p:spTgt spid="19"/>
+                                        </p:tgtEl>
+                                        <p:attrNameLst>
+                                          <p:attrName>ppt_y</p:attrName>
+                                        </p:attrNameLst>
+                                      </p:cBhvr>
+                                      <p:tavLst>
+                                        <p:tav tm="0">
+                                          <p:val>
+                                            <p:strVal val="1+#ppt_h/2"/>
+                                          </p:val>
+                                        </p:tav>
+                                        <p:tav tm="100000">
+                                          <p:val>
+                                            <p:strVal val="#ppt_y"/>
+                                          </p:val>
+                                        </p:tav>
+                                      </p:tavLst>
+                                    </p:anim>
+                                  </p:childTnLst>
+                                </p:cTn>
+                              </p:par>
+                            </p:childTnLst>
+                          </p:cTn>
+                        </p:par>
+                      </p:childTnLst>
+                    </p:cTn>
+                  </p:par>
+                </p:childTnLst>
+              </p:cTn>
+              <p:prevCondLst>
+                <p:cond evt="onPrev" delay="0">
+                  <p:tgtEl>
+                    <p:sldTgt/>
+                  </p:tgtEl>
+                </p:cond>
+              </p:prevCondLst>
+              <p:nextCondLst>
+                <p:cond evt="onNext" delay="0">
+                  <p:tgtEl>
+                    <p:sldTgt/>
+                  </p:tgtEl>
+                </p:cond>
+              </p:nextCondLst>
+            </p:seq>
+          </p:childTnLst>
+        </p:cTn>
       </p:par>
     </p:tnLst>
+    <p:bldLst>
+      <p:bldP spid="14" grpId="0" animBg="1"/>
+      <p:bldP spid="15" grpId="0"/>
+      <p:bldP spid="16" grpId="0" animBg="1"/>
+      <p:bldP spid="17" grpId="0"/>
+      <p:bldP spid="18" grpId="0" animBg="1"/>
+      <p:bldP spid="19" grpId="0"/>
+    </p:bldLst>
   </p:timing>
 </p:sld>
 </file>
 
-<file path=ppt/slides/slide24.xml><?xml version="1.0" encoding="utf-8"?>
+<file path=ppt/slides/slide22.xml><?xml version="1.0" encoding="utf-8"?>
 <p:sld xmlns:a="http://schemas.openxmlformats.org/drawingml/2006/main" xmlns:r="http://schemas.openxmlformats.org/officeDocument/2006/relationships" xmlns:p="http://schemas.openxmlformats.org/presentationml/2006/main">
   <p:cSld>
     <p:spTree>
@@ -7011,7 +7804,7 @@
 </p:sld>
 </file>
 
-<file path=ppt/slides/slide25.xml><?xml version="1.0" encoding="utf-8"?>
+<file path=ppt/slides/slide23.xml><?xml version="1.0" encoding="utf-8"?>
 <p:sld xmlns:a="http://schemas.openxmlformats.org/drawingml/2006/main" xmlns:r="http://schemas.openxmlformats.org/officeDocument/2006/relationships" xmlns:p="http://schemas.openxmlformats.org/presentationml/2006/main">
   <p:cSld>
     <p:spTree>
@@ -7275,7 +8068,7 @@
 </p:sld>
 </file>
 
-<file path=ppt/slides/slide26.xml><?xml version="1.0" encoding="utf-8"?>
+<file path=ppt/slides/slide24.xml><?xml version="1.0" encoding="utf-8"?>
 <p:sld xmlns:a="http://schemas.openxmlformats.org/drawingml/2006/main" xmlns:r="http://schemas.openxmlformats.org/officeDocument/2006/relationships" xmlns:p="http://schemas.openxmlformats.org/presentationml/2006/main">
   <p:cSld>
     <p:spTree>
@@ -7708,7 +8501,7 @@
 </p:sld>
 </file>
 
-<file path=ppt/slides/slide27.xml><?xml version="1.0" encoding="utf-8"?>
+<file path=ppt/slides/slide25.xml><?xml version="1.0" encoding="utf-8"?>
 <p:sld xmlns:a="http://schemas.openxmlformats.org/drawingml/2006/main" xmlns:r="http://schemas.openxmlformats.org/officeDocument/2006/relationships" xmlns:p="http://schemas.openxmlformats.org/presentationml/2006/main">
   <p:cSld>
     <p:spTree>
@@ -7832,7 +8625,7 @@
 </p:sld>
 </file>
 
-<file path=ppt/slides/slide28.xml><?xml version="1.0" encoding="utf-8"?>
+<file path=ppt/slides/slide26.xml><?xml version="1.0" encoding="utf-8"?>
 <p:sld xmlns:a="http://schemas.openxmlformats.org/drawingml/2006/main" xmlns:r="http://schemas.openxmlformats.org/officeDocument/2006/relationships" xmlns:p="http://schemas.openxmlformats.org/presentationml/2006/main">
   <p:cSld>
     <p:spTree>
@@ -8517,7 +9310,7 @@
 </p:sld>
 </file>
 
-<file path=ppt/slides/slide29.xml><?xml version="1.0" encoding="utf-8"?>
+<file path=ppt/slides/slide27.xml><?xml version="1.0" encoding="utf-8"?>
 <p:sld xmlns:a="http://schemas.openxmlformats.org/drawingml/2006/main" xmlns:r="http://schemas.openxmlformats.org/officeDocument/2006/relationships" xmlns:p="http://schemas.openxmlformats.org/presentationml/2006/main">
   <p:cSld>
     <p:spTree>
@@ -8930,582 +9723,7 @@
 </p:sld>
 </file>
 
-<file path=ppt/slides/slide3.xml><?xml version="1.0" encoding="utf-8"?>
-<p:sld xmlns:a="http://schemas.openxmlformats.org/drawingml/2006/main" xmlns:r="http://schemas.openxmlformats.org/officeDocument/2006/relationships" xmlns:p="http://schemas.openxmlformats.org/presentationml/2006/main">
-  <p:cSld>
-    <p:spTree>
-      <p:nvGrpSpPr>
-        <p:cNvPr id="1" name=""/>
-        <p:cNvGrpSpPr/>
-        <p:nvPr/>
-      </p:nvGrpSpPr>
-      <p:grpSpPr>
-        <a:xfrm>
-          <a:off x="0" y="0"/>
-          <a:ext cx="0" cy="0"/>
-          <a:chOff x="0" y="0"/>
-          <a:chExt cx="0" cy="0"/>
-        </a:xfrm>
-      </p:grpSpPr>
-      <p:sp>
-        <p:nvSpPr>
-          <p:cNvPr id="2" name="标题 1"/>
-          <p:cNvSpPr>
-            <a:spLocks noGrp="1"/>
-          </p:cNvSpPr>
-          <p:nvPr>
-            <p:ph type="title"/>
-          </p:nvPr>
-        </p:nvSpPr>
-        <p:spPr/>
-        <p:txBody>
-          <a:bodyPr/>
-          <a:lstStyle/>
-          <a:p>
-            <a:pPr algn="l"/>
-            <a:r>
-              <a:rPr lang="en-US" altLang="zh-CN" dirty="0" smtClean="0"/>
-              <a:t>Basic concepts</a:t>
-            </a:r>
-            <a:endParaRPr lang="zh-CN" altLang="en-US" dirty="0"/>
-          </a:p>
-        </p:txBody>
-      </p:sp>
-      <p:pic>
-        <p:nvPicPr>
-          <p:cNvPr id="1031" name="Picture 7"/>
-          <p:cNvPicPr>
-            <a:picLocks noChangeAspect="1" noChangeArrowheads="1"/>
-          </p:cNvPicPr>
-          <p:nvPr/>
-        </p:nvPicPr>
-        <p:blipFill>
-          <a:blip r:embed="rId2"/>
-          <a:srcRect/>
-          <a:stretch>
-            <a:fillRect/>
-          </a:stretch>
-        </p:blipFill>
-        <p:spPr bwMode="auto">
-          <a:xfrm>
-            <a:off x="3357554" y="1142990"/>
-            <a:ext cx="4411663" cy="3459162"/>
-          </a:xfrm>
-          <a:prstGeom prst="rect">
-            <a:avLst/>
-          </a:prstGeom>
-          <a:noFill/>
-          <a:ln w="9525">
-            <a:noFill/>
-            <a:miter lim="800000"/>
-            <a:headEnd/>
-            <a:tailEnd/>
-          </a:ln>
-          <a:effectLst/>
-        </p:spPr>
-      </p:pic>
-      <p:pic>
-        <p:nvPicPr>
-          <p:cNvPr id="1032" name="Picture 8"/>
-          <p:cNvPicPr>
-            <a:picLocks noGrp="1" noChangeAspect="1" noChangeArrowheads="1"/>
-          </p:cNvPicPr>
-          <p:nvPr>
-            <p:ph idx="1"/>
-          </p:nvPr>
-        </p:nvPicPr>
-        <p:blipFill>
-          <a:blip r:embed="rId3"/>
-          <a:srcRect/>
-          <a:stretch>
-            <a:fillRect/>
-          </a:stretch>
-        </p:blipFill>
-        <p:spPr bwMode="auto">
-          <a:xfrm>
-            <a:off x="1357290" y="2071684"/>
-            <a:ext cx="582000" cy="1208000"/>
-          </a:xfrm>
-          <a:prstGeom prst="rect">
-            <a:avLst/>
-          </a:prstGeom>
-          <a:noFill/>
-          <a:ln w="9525">
-            <a:noFill/>
-            <a:miter lim="800000"/>
-            <a:headEnd/>
-            <a:tailEnd/>
-          </a:ln>
-          <a:effectLst/>
-        </p:spPr>
-      </p:pic>
-      <p:grpSp>
-        <p:nvGrpSpPr>
-          <p:cNvPr id="19" name="组合 18"/>
-          <p:cNvGrpSpPr/>
-          <p:nvPr/>
-        </p:nvGrpSpPr>
-        <p:grpSpPr>
-          <a:xfrm>
-            <a:off x="1928794" y="2143122"/>
-            <a:ext cx="1643074" cy="276999"/>
-            <a:chOff x="2143108" y="2143122"/>
-            <a:chExt cx="1643074" cy="276999"/>
-          </a:xfrm>
-        </p:grpSpPr>
-        <p:cxnSp>
-          <p:nvCxnSpPr>
-            <p:cNvPr id="12" name="直接箭头连接符 11"/>
-            <p:cNvCxnSpPr/>
-            <p:nvPr/>
-          </p:nvCxnSpPr>
-          <p:spPr>
-            <a:xfrm>
-              <a:off x="2143108" y="2357436"/>
-              <a:ext cx="1643074" cy="1588"/>
-            </a:xfrm>
-            <a:prstGeom prst="straightConnector1">
-              <a:avLst/>
-            </a:prstGeom>
-            <a:ln w="15875">
-              <a:tailEnd type="arrow"/>
-            </a:ln>
-          </p:spPr>
-          <p:style>
-            <a:lnRef idx="1">
-              <a:schemeClr val="accent1"/>
-            </a:lnRef>
-            <a:fillRef idx="0">
-              <a:schemeClr val="accent1"/>
-            </a:fillRef>
-            <a:effectRef idx="0">
-              <a:schemeClr val="accent1"/>
-            </a:effectRef>
-            <a:fontRef idx="minor">
-              <a:schemeClr val="tx1"/>
-            </a:fontRef>
-          </p:style>
-        </p:cxnSp>
-        <p:sp>
-          <p:nvSpPr>
-            <p:cNvPr id="18" name="TextBox 17"/>
-            <p:cNvSpPr txBox="1"/>
-            <p:nvPr/>
-          </p:nvSpPr>
-          <p:spPr>
-            <a:xfrm>
-              <a:off x="2357422" y="2143122"/>
-              <a:ext cx="954749" cy="276999"/>
-            </a:xfrm>
-            <a:prstGeom prst="rect">
-              <a:avLst/>
-            </a:prstGeom>
-            <a:noFill/>
-          </p:spPr>
-          <p:txBody>
-            <a:bodyPr wrap="none" rtlCol="0">
-              <a:spAutoFit/>
-            </a:bodyPr>
-            <a:lstStyle/>
-            <a:p>
-              <a:r>
-                <a:rPr lang="en-US" altLang="zh-CN" sz="1200" dirty="0" smtClean="0"/>
-                <a:t>http request</a:t>
-              </a:r>
-              <a:endParaRPr lang="zh-CN" altLang="en-US" sz="1200" dirty="0"/>
-            </a:p>
-          </p:txBody>
-        </p:sp>
-      </p:grpSp>
-      <p:grpSp>
-        <p:nvGrpSpPr>
-          <p:cNvPr id="23" name="组合 22"/>
-          <p:cNvGrpSpPr/>
-          <p:nvPr/>
-        </p:nvGrpSpPr>
-        <p:grpSpPr>
-          <a:xfrm>
-            <a:off x="5214942" y="2285998"/>
-            <a:ext cx="1143008" cy="276999"/>
-            <a:chOff x="2143108" y="2143122"/>
-            <a:chExt cx="1643074" cy="276999"/>
-          </a:xfrm>
-        </p:grpSpPr>
-        <p:cxnSp>
-          <p:nvCxnSpPr>
-            <p:cNvPr id="24" name="直接箭头连接符 23"/>
-            <p:cNvCxnSpPr/>
-            <p:nvPr/>
-          </p:nvCxnSpPr>
-          <p:spPr>
-            <a:xfrm>
-              <a:off x="2143108" y="2357436"/>
-              <a:ext cx="1643074" cy="1588"/>
-            </a:xfrm>
-            <a:prstGeom prst="straightConnector1">
-              <a:avLst/>
-            </a:prstGeom>
-            <a:ln w="15875">
-              <a:headEnd type="triangle"/>
-              <a:tailEnd type="triangle"/>
-            </a:ln>
-          </p:spPr>
-          <p:style>
-            <a:lnRef idx="1">
-              <a:schemeClr val="accent1"/>
-            </a:lnRef>
-            <a:fillRef idx="0">
-              <a:schemeClr val="accent1"/>
-            </a:fillRef>
-            <a:effectRef idx="0">
-              <a:schemeClr val="accent1"/>
-            </a:effectRef>
-            <a:fontRef idx="minor">
-              <a:schemeClr val="tx1"/>
-            </a:fontRef>
-          </p:style>
-        </p:cxnSp>
-        <p:sp>
-          <p:nvSpPr>
-            <p:cNvPr id="25" name="TextBox 24"/>
-            <p:cNvSpPr txBox="1"/>
-            <p:nvPr/>
-          </p:nvSpPr>
-          <p:spPr>
-            <a:xfrm>
-              <a:off x="2756393" y="2143122"/>
-              <a:ext cx="721713" cy="276999"/>
-            </a:xfrm>
-            <a:prstGeom prst="rect">
-              <a:avLst/>
-            </a:prstGeom>
-            <a:noFill/>
-          </p:spPr>
-          <p:txBody>
-            <a:bodyPr wrap="none" rtlCol="0">
-              <a:spAutoFit/>
-            </a:bodyPr>
-            <a:lstStyle/>
-            <a:p>
-              <a:r>
-                <a:rPr lang="en-US" altLang="zh-CN" sz="1200" dirty="0" smtClean="0"/>
-                <a:t>ORM</a:t>
-              </a:r>
-              <a:endParaRPr lang="zh-CN" altLang="en-US" sz="1200" dirty="0"/>
-            </a:p>
-          </p:txBody>
-        </p:sp>
-      </p:grpSp>
-      <p:cxnSp>
-        <p:nvCxnSpPr>
-          <p:cNvPr id="27" name="直接箭头连接符 26"/>
-          <p:cNvCxnSpPr/>
-          <p:nvPr/>
-        </p:nvCxnSpPr>
-        <p:spPr>
-          <a:xfrm rot="5400000">
-            <a:off x="4393405" y="3036097"/>
-            <a:ext cx="357190" cy="1588"/>
-          </a:xfrm>
-          <a:prstGeom prst="straightConnector1">
-            <a:avLst/>
-          </a:prstGeom>
-          <a:ln w="15875">
-            <a:headEnd type="triangle"/>
-            <a:tailEnd type="arrow"/>
-          </a:ln>
-        </p:spPr>
-        <p:style>
-          <a:lnRef idx="1">
-            <a:schemeClr val="accent1"/>
-          </a:lnRef>
-          <a:fillRef idx="0">
-            <a:schemeClr val="accent1"/>
-          </a:fillRef>
-          <a:effectRef idx="0">
-            <a:schemeClr val="accent1"/>
-          </a:effectRef>
-          <a:fontRef idx="minor">
-            <a:schemeClr val="tx1"/>
-          </a:fontRef>
-        </p:style>
-      </p:cxnSp>
-      <p:grpSp>
-        <p:nvGrpSpPr>
-          <p:cNvPr id="33" name="组合 32"/>
-          <p:cNvGrpSpPr/>
-          <p:nvPr/>
-        </p:nvGrpSpPr>
-        <p:grpSpPr>
-          <a:xfrm>
-            <a:off x="1928794" y="2651941"/>
-            <a:ext cx="1643074" cy="276999"/>
-            <a:chOff x="2143108" y="2651941"/>
-            <a:chExt cx="1643074" cy="276999"/>
-          </a:xfrm>
-        </p:grpSpPr>
-        <p:cxnSp>
-          <p:nvCxnSpPr>
-            <p:cNvPr id="29" name="直接箭头连接符 28"/>
-            <p:cNvCxnSpPr/>
-            <p:nvPr/>
-          </p:nvCxnSpPr>
-          <p:spPr>
-            <a:xfrm rot="10800000">
-              <a:off x="2143108" y="2857502"/>
-              <a:ext cx="1643074" cy="1588"/>
-            </a:xfrm>
-            <a:prstGeom prst="straightConnector1">
-              <a:avLst/>
-            </a:prstGeom>
-            <a:ln w="15875">
-              <a:tailEnd type="arrow"/>
-            </a:ln>
-          </p:spPr>
-          <p:style>
-            <a:lnRef idx="1">
-              <a:schemeClr val="accent1"/>
-            </a:lnRef>
-            <a:fillRef idx="0">
-              <a:schemeClr val="accent1"/>
-            </a:fillRef>
-            <a:effectRef idx="0">
-              <a:schemeClr val="accent1"/>
-            </a:effectRef>
-            <a:fontRef idx="minor">
-              <a:schemeClr val="tx1"/>
-            </a:fontRef>
-          </p:style>
-        </p:cxnSp>
-        <p:sp>
-          <p:nvSpPr>
-            <p:cNvPr id="31" name="TextBox 30"/>
-            <p:cNvSpPr txBox="1"/>
-            <p:nvPr/>
-          </p:nvSpPr>
-          <p:spPr>
-            <a:xfrm>
-              <a:off x="2357422" y="2651941"/>
-              <a:ext cx="1047851" cy="276999"/>
-            </a:xfrm>
-            <a:prstGeom prst="rect">
-              <a:avLst/>
-            </a:prstGeom>
-            <a:noFill/>
-          </p:spPr>
-          <p:txBody>
-            <a:bodyPr wrap="none" rtlCol="0">
-              <a:spAutoFit/>
-            </a:bodyPr>
-            <a:lstStyle/>
-            <a:p>
-              <a:r>
-                <a:rPr lang="en-US" altLang="zh-CN" sz="1200" dirty="0" smtClean="0"/>
-                <a:t>http response</a:t>
-              </a:r>
-              <a:endParaRPr lang="zh-CN" altLang="en-US" sz="1200" dirty="0"/>
-            </a:p>
-          </p:txBody>
-        </p:sp>
-      </p:grpSp>
-    </p:spTree>
-  </p:cSld>
-  <p:clrMapOvr>
-    <a:masterClrMapping/>
-  </p:clrMapOvr>
-  <p:timing>
-    <p:tnLst>
-      <p:par>
-        <p:cTn id="1" dur="indefinite" restart="never" nodeType="tmRoot">
-          <p:childTnLst>
-            <p:seq concurrent="1" nextAc="seek">
-              <p:cTn id="2" dur="indefinite" nodeType="mainSeq">
-                <p:childTnLst>
-                  <p:par>
-                    <p:cTn id="3" fill="hold">
-                      <p:stCondLst>
-                        <p:cond delay="indefinite"/>
-                      </p:stCondLst>
-                      <p:childTnLst>
-                        <p:par>
-                          <p:cTn id="4" fill="hold">
-                            <p:stCondLst>
-                              <p:cond delay="0"/>
-                            </p:stCondLst>
-                            <p:childTnLst>
-                              <p:par>
-                                <p:cTn id="5" presetID="22" presetClass="entr" presetSubtype="8" fill="hold" nodeType="clickEffect">
-                                  <p:stCondLst>
-                                    <p:cond delay="0"/>
-                                  </p:stCondLst>
-                                  <p:childTnLst>
-                                    <p:set>
-                                      <p:cBhvr>
-                                        <p:cTn id="6" dur="1" fill="hold">
-                                          <p:stCondLst>
-                                            <p:cond delay="0"/>
-                                          </p:stCondLst>
-                                        </p:cTn>
-                                        <p:tgtEl>
-                                          <p:spTgt spid="23"/>
-                                        </p:tgtEl>
-                                        <p:attrNameLst>
-                                          <p:attrName>style.visibility</p:attrName>
-                                        </p:attrNameLst>
-                                      </p:cBhvr>
-                                      <p:to>
-                                        <p:strVal val="visible"/>
-                                      </p:to>
-                                    </p:set>
-                                    <p:animEffect transition="in" filter="wipe(left)">
-                                      <p:cBhvr>
-                                        <p:cTn id="7" dur="500"/>
-                                        <p:tgtEl>
-                                          <p:spTgt spid="23"/>
-                                        </p:tgtEl>
-                                      </p:cBhvr>
-                                    </p:animEffect>
-                                  </p:childTnLst>
-                                </p:cTn>
-                              </p:par>
-                            </p:childTnLst>
-                          </p:cTn>
-                        </p:par>
-                      </p:childTnLst>
-                    </p:cTn>
-                  </p:par>
-                  <p:par>
-                    <p:cTn id="8" fill="hold">
-                      <p:stCondLst>
-                        <p:cond delay="indefinite"/>
-                      </p:stCondLst>
-                      <p:childTnLst>
-                        <p:par>
-                          <p:cTn id="9" fill="hold">
-                            <p:stCondLst>
-                              <p:cond delay="0"/>
-                            </p:stCondLst>
-                            <p:childTnLst>
-                              <p:par>
-                                <p:cTn id="10" presetID="22" presetClass="entr" presetSubtype="1" fill="hold" nodeType="clickEffect">
-                                  <p:stCondLst>
-                                    <p:cond delay="0"/>
-                                  </p:stCondLst>
-                                  <p:childTnLst>
-                                    <p:set>
-                                      <p:cBhvr>
-                                        <p:cTn id="11" dur="1" fill="hold">
-                                          <p:stCondLst>
-                                            <p:cond delay="0"/>
-                                          </p:stCondLst>
-                                        </p:cTn>
-                                        <p:tgtEl>
-                                          <p:spTgt spid="27"/>
-                                        </p:tgtEl>
-                                        <p:attrNameLst>
-                                          <p:attrName>style.visibility</p:attrName>
-                                        </p:attrNameLst>
-                                      </p:cBhvr>
-                                      <p:to>
-                                        <p:strVal val="visible"/>
-                                      </p:to>
-                                    </p:set>
-                                    <p:animEffect transition="in" filter="wipe(up)">
-                                      <p:cBhvr>
-                                        <p:cTn id="12" dur="500"/>
-                                        <p:tgtEl>
-                                          <p:spTgt spid="27"/>
-                                        </p:tgtEl>
-                                      </p:cBhvr>
-                                    </p:animEffect>
-                                  </p:childTnLst>
-                                </p:cTn>
-                              </p:par>
-                            </p:childTnLst>
-                          </p:cTn>
-                        </p:par>
-                      </p:childTnLst>
-                    </p:cTn>
-                  </p:par>
-                  <p:par>
-                    <p:cTn id="13" fill="hold">
-                      <p:stCondLst>
-                        <p:cond delay="indefinite"/>
-                      </p:stCondLst>
-                      <p:childTnLst>
-                        <p:par>
-                          <p:cTn id="14" fill="hold">
-                            <p:stCondLst>
-                              <p:cond delay="0"/>
-                            </p:stCondLst>
-                            <p:childTnLst>
-                              <p:par>
-                                <p:cTn id="15" presetID="22" presetClass="entr" presetSubtype="2" fill="hold" nodeType="clickEffect">
-                                  <p:stCondLst>
-                                    <p:cond delay="0"/>
-                                  </p:stCondLst>
-                                  <p:childTnLst>
-                                    <p:set>
-                                      <p:cBhvr>
-                                        <p:cTn id="16" dur="1" fill="hold">
-                                          <p:stCondLst>
-                                            <p:cond delay="0"/>
-                                          </p:stCondLst>
-                                        </p:cTn>
-                                        <p:tgtEl>
-                                          <p:spTgt spid="33"/>
-                                        </p:tgtEl>
-                                        <p:attrNameLst>
-                                          <p:attrName>style.visibility</p:attrName>
-                                        </p:attrNameLst>
-                                      </p:cBhvr>
-                                      <p:to>
-                                        <p:strVal val="visible"/>
-                                      </p:to>
-                                    </p:set>
-                                    <p:animEffect transition="in" filter="wipe(right)">
-                                      <p:cBhvr>
-                                        <p:cTn id="17" dur="500"/>
-                                        <p:tgtEl>
-                                          <p:spTgt spid="33"/>
-                                        </p:tgtEl>
-                                      </p:cBhvr>
-                                    </p:animEffect>
-                                  </p:childTnLst>
-                                </p:cTn>
-                              </p:par>
-                            </p:childTnLst>
-                          </p:cTn>
-                        </p:par>
-                      </p:childTnLst>
-                    </p:cTn>
-                  </p:par>
-                </p:childTnLst>
-              </p:cTn>
-              <p:prevCondLst>
-                <p:cond evt="onPrev" delay="0">
-                  <p:tgtEl>
-                    <p:sldTgt/>
-                  </p:tgtEl>
-                </p:cond>
-              </p:prevCondLst>
-              <p:nextCondLst>
-                <p:cond evt="onNext" delay="0">
-                  <p:tgtEl>
-                    <p:sldTgt/>
-                  </p:tgtEl>
-                </p:cond>
-              </p:nextCondLst>
-            </p:seq>
-          </p:childTnLst>
-        </p:cTn>
-      </p:par>
-    </p:tnLst>
-  </p:timing>
-</p:sld>
-</file>
-
-<file path=ppt/slides/slide30.xml><?xml version="1.0" encoding="utf-8"?>
+<file path=ppt/slides/slide28.xml><?xml version="1.0" encoding="utf-8"?>
 <p:sld xmlns:a="http://schemas.openxmlformats.org/drawingml/2006/main" xmlns:r="http://schemas.openxmlformats.org/officeDocument/2006/relationships" xmlns:p="http://schemas.openxmlformats.org/presentationml/2006/main">
   <p:cSld>
     <p:spTree>
@@ -10296,7 +10514,7 @@
 </p:sld>
 </file>
 
-<file path=ppt/slides/slide31.xml><?xml version="1.0" encoding="utf-8"?>
+<file path=ppt/slides/slide29.xml><?xml version="1.0" encoding="utf-8"?>
 <p:sld xmlns:a="http://schemas.openxmlformats.org/drawingml/2006/main" xmlns:r="http://schemas.openxmlformats.org/officeDocument/2006/relationships" xmlns:p="http://schemas.openxmlformats.org/presentationml/2006/main">
   <p:cSld>
     <p:spTree>
@@ -10675,7 +10893,1215 @@
 </p:sld>
 </file>
 
-<file path=ppt/slides/slide32.xml><?xml version="1.0" encoding="utf-8"?>
+<file path=ppt/slides/slide3.xml><?xml version="1.0" encoding="utf-8"?>
+<p:sld xmlns:a="http://schemas.openxmlformats.org/drawingml/2006/main" xmlns:r="http://schemas.openxmlformats.org/officeDocument/2006/relationships" xmlns:p="http://schemas.openxmlformats.org/presentationml/2006/main">
+  <p:cSld>
+    <p:spTree>
+      <p:nvGrpSpPr>
+        <p:cNvPr id="1" name=""/>
+        <p:cNvGrpSpPr/>
+        <p:nvPr/>
+      </p:nvGrpSpPr>
+      <p:grpSpPr>
+        <a:xfrm>
+          <a:off x="0" y="0"/>
+          <a:ext cx="0" cy="0"/>
+          <a:chOff x="0" y="0"/>
+          <a:chExt cx="0" cy="0"/>
+        </a:xfrm>
+      </p:grpSpPr>
+      <p:sp>
+        <p:nvSpPr>
+          <p:cNvPr id="2" name="标题 1"/>
+          <p:cNvSpPr>
+            <a:spLocks noGrp="1"/>
+          </p:cNvSpPr>
+          <p:nvPr>
+            <p:ph type="title"/>
+          </p:nvPr>
+        </p:nvSpPr>
+        <p:spPr/>
+        <p:txBody>
+          <a:bodyPr/>
+          <a:lstStyle/>
+          <a:p>
+            <a:pPr algn="l"/>
+            <a:r>
+              <a:rPr lang="en-US" altLang="zh-CN" dirty="0" smtClean="0"/>
+              <a:t>Basic concepts</a:t>
+            </a:r>
+            <a:endParaRPr lang="zh-CN" altLang="en-US" dirty="0"/>
+          </a:p>
+        </p:txBody>
+      </p:sp>
+      <p:sp>
+        <p:nvSpPr>
+          <p:cNvPr id="3" name="内容占位符 2"/>
+          <p:cNvSpPr>
+            <a:spLocks noGrp="1"/>
+          </p:cNvSpPr>
+          <p:nvPr>
+            <p:ph idx="1"/>
+          </p:nvPr>
+        </p:nvSpPr>
+        <p:spPr/>
+        <p:txBody>
+          <a:bodyPr/>
+          <a:lstStyle/>
+          <a:p>
+            <a:endParaRPr lang="en-US" altLang="zh-CN" dirty="0" smtClean="0"/>
+          </a:p>
+        </p:txBody>
+      </p:sp>
+      <p:sp>
+        <p:nvSpPr>
+          <p:cNvPr id="4" name="矩形 3"/>
+          <p:cNvSpPr/>
+          <p:nvPr/>
+        </p:nvSpPr>
+        <p:spPr>
+          <a:xfrm>
+            <a:off x="2285984" y="2285998"/>
+            <a:ext cx="1571636" cy="642942"/>
+          </a:xfrm>
+          <a:prstGeom prst="rect">
+            <a:avLst/>
+          </a:prstGeom>
+          <a:noFill/>
+        </p:spPr>
+        <p:style>
+          <a:lnRef idx="2">
+            <a:schemeClr val="accent1">
+              <a:shade val="50000"/>
+            </a:schemeClr>
+          </a:lnRef>
+          <a:fillRef idx="1">
+            <a:schemeClr val="accent1"/>
+          </a:fillRef>
+          <a:effectRef idx="0">
+            <a:schemeClr val="accent1"/>
+          </a:effectRef>
+          <a:fontRef idx="minor">
+            <a:schemeClr val="lt1"/>
+          </a:fontRef>
+        </p:style>
+        <p:txBody>
+          <a:bodyPr rtlCol="0" anchor="ctr"/>
+          <a:lstStyle/>
+          <a:p>
+            <a:pPr algn="ctr"/>
+            <a:endParaRPr lang="zh-CN" altLang="en-US"/>
+          </a:p>
+        </p:txBody>
+      </p:sp>
+      <p:sp>
+        <p:nvSpPr>
+          <p:cNvPr id="5" name="TextBox 4"/>
+          <p:cNvSpPr txBox="1"/>
+          <p:nvPr/>
+        </p:nvSpPr>
+        <p:spPr>
+          <a:xfrm>
+            <a:off x="2428860" y="2428874"/>
+            <a:ext cx="1239250" cy="369332"/>
+          </a:xfrm>
+          <a:prstGeom prst="rect">
+            <a:avLst/>
+          </a:prstGeom>
+          <a:noFill/>
+        </p:spPr>
+        <p:txBody>
+          <a:bodyPr wrap="none" rtlCol="0">
+            <a:spAutoFit/>
+          </a:bodyPr>
+          <a:lstStyle/>
+          <a:p>
+            <a:r>
+              <a:rPr lang="en-US" altLang="zh-CN" dirty="0" smtClean="0"/>
+              <a:t>Http </a:t>
+            </a:r>
+            <a:r>
+              <a:rPr lang="en-US" altLang="zh-CN" dirty="0" smtClean="0"/>
+              <a:t>server</a:t>
+            </a:r>
+            <a:endParaRPr lang="en-US" altLang="zh-CN" dirty="0" smtClean="0"/>
+          </a:p>
+        </p:txBody>
+      </p:sp>
+      <p:sp>
+        <p:nvSpPr>
+          <p:cNvPr id="6" name="矩形 5"/>
+          <p:cNvSpPr/>
+          <p:nvPr/>
+        </p:nvSpPr>
+        <p:spPr>
+          <a:xfrm>
+            <a:off x="4572000" y="2214560"/>
+            <a:ext cx="2500330" cy="785818"/>
+          </a:xfrm>
+          <a:prstGeom prst="rect">
+            <a:avLst/>
+          </a:prstGeom>
+          <a:noFill/>
+        </p:spPr>
+        <p:style>
+          <a:lnRef idx="2">
+            <a:schemeClr val="accent1">
+              <a:shade val="50000"/>
+            </a:schemeClr>
+          </a:lnRef>
+          <a:fillRef idx="1">
+            <a:schemeClr val="accent1"/>
+          </a:fillRef>
+          <a:effectRef idx="0">
+            <a:schemeClr val="accent1"/>
+          </a:effectRef>
+          <a:fontRef idx="minor">
+            <a:schemeClr val="lt1"/>
+          </a:fontRef>
+        </p:style>
+        <p:txBody>
+          <a:bodyPr rtlCol="0" anchor="ctr"/>
+          <a:lstStyle/>
+          <a:p>
+            <a:pPr algn="ctr"/>
+            <a:endParaRPr lang="zh-CN" altLang="en-US"/>
+          </a:p>
+        </p:txBody>
+      </p:sp>
+      <p:sp>
+        <p:nvSpPr>
+          <p:cNvPr id="7" name="TextBox 6"/>
+          <p:cNvSpPr txBox="1"/>
+          <p:nvPr/>
+        </p:nvSpPr>
+        <p:spPr>
+          <a:xfrm>
+            <a:off x="4714876" y="2285998"/>
+            <a:ext cx="2309928" cy="646331"/>
+          </a:xfrm>
+          <a:prstGeom prst="rect">
+            <a:avLst/>
+          </a:prstGeom>
+          <a:noFill/>
+        </p:spPr>
+        <p:txBody>
+          <a:bodyPr wrap="none" rtlCol="0">
+            <a:spAutoFit/>
+          </a:bodyPr>
+          <a:lstStyle/>
+          <a:p>
+            <a:r>
+              <a:rPr lang="en-US" altLang="zh-CN" dirty="0" smtClean="0"/>
+              <a:t>ORM(Object-relational</a:t>
+            </a:r>
+          </a:p>
+          <a:p>
+            <a:r>
+              <a:rPr lang="en-US" altLang="zh-CN" dirty="0" smtClean="0"/>
+              <a:t> </a:t>
+            </a:r>
+            <a:r>
+              <a:rPr lang="en-US" altLang="zh-CN" dirty="0" smtClean="0"/>
+              <a:t>mapping</a:t>
+            </a:r>
+            <a:r>
+              <a:rPr lang="en-US" altLang="zh-CN" dirty="0" smtClean="0"/>
+              <a:t>)</a:t>
+            </a:r>
+            <a:endParaRPr lang="en-US" altLang="zh-CN" dirty="0" smtClean="0"/>
+          </a:p>
+        </p:txBody>
+      </p:sp>
+      <p:sp>
+        <p:nvSpPr>
+          <p:cNvPr id="8" name="矩形 7"/>
+          <p:cNvSpPr/>
+          <p:nvPr/>
+        </p:nvSpPr>
+        <p:spPr>
+          <a:xfrm>
+            <a:off x="2285984" y="3500444"/>
+            <a:ext cx="2357454" cy="500066"/>
+          </a:xfrm>
+          <a:prstGeom prst="rect">
+            <a:avLst/>
+          </a:prstGeom>
+          <a:noFill/>
+        </p:spPr>
+        <p:style>
+          <a:lnRef idx="2">
+            <a:schemeClr val="accent1">
+              <a:shade val="50000"/>
+            </a:schemeClr>
+          </a:lnRef>
+          <a:fillRef idx="1">
+            <a:schemeClr val="accent1"/>
+          </a:fillRef>
+          <a:effectRef idx="0">
+            <a:schemeClr val="accent1"/>
+          </a:effectRef>
+          <a:fontRef idx="minor">
+            <a:schemeClr val="lt1"/>
+          </a:fontRef>
+        </p:style>
+        <p:txBody>
+          <a:bodyPr rtlCol="0" anchor="ctr"/>
+          <a:lstStyle/>
+          <a:p>
+            <a:pPr algn="ctr"/>
+            <a:endParaRPr lang="zh-CN" altLang="en-US"/>
+          </a:p>
+        </p:txBody>
+      </p:sp>
+      <p:sp>
+        <p:nvSpPr>
+          <p:cNvPr id="9" name="TextBox 8"/>
+          <p:cNvSpPr txBox="1"/>
+          <p:nvPr/>
+        </p:nvSpPr>
+        <p:spPr>
+          <a:xfrm>
+            <a:off x="2357422" y="3571882"/>
+            <a:ext cx="2232599" cy="369332"/>
+          </a:xfrm>
+          <a:prstGeom prst="rect">
+            <a:avLst/>
+          </a:prstGeom>
+          <a:noFill/>
+        </p:spPr>
+        <p:txBody>
+          <a:bodyPr wrap="none" rtlCol="0">
+            <a:spAutoFit/>
+          </a:bodyPr>
+          <a:lstStyle/>
+          <a:p>
+            <a:r>
+              <a:rPr lang="en-US" altLang="zh-CN" dirty="0" smtClean="0"/>
+              <a:t>Html template engine</a:t>
+            </a:r>
+            <a:endParaRPr lang="en-US" altLang="zh-CN" dirty="0" smtClean="0"/>
+          </a:p>
+        </p:txBody>
+      </p:sp>
+      <p:sp>
+        <p:nvSpPr>
+          <p:cNvPr id="10" name="矩形 9"/>
+          <p:cNvSpPr/>
+          <p:nvPr/>
+        </p:nvSpPr>
+        <p:spPr>
+          <a:xfrm>
+            <a:off x="1428728" y="1285866"/>
+            <a:ext cx="6357982" cy="3143272"/>
+          </a:xfrm>
+          <a:prstGeom prst="rect">
+            <a:avLst/>
+          </a:prstGeom>
+          <a:noFill/>
+        </p:spPr>
+        <p:style>
+          <a:lnRef idx="2">
+            <a:schemeClr val="accent1">
+              <a:shade val="50000"/>
+            </a:schemeClr>
+          </a:lnRef>
+          <a:fillRef idx="1">
+            <a:schemeClr val="accent1"/>
+          </a:fillRef>
+          <a:effectRef idx="0">
+            <a:schemeClr val="accent1"/>
+          </a:effectRef>
+          <a:fontRef idx="minor">
+            <a:schemeClr val="lt1"/>
+          </a:fontRef>
+        </p:style>
+        <p:txBody>
+          <a:bodyPr rtlCol="0" anchor="ctr"/>
+          <a:lstStyle/>
+          <a:p>
+            <a:pPr algn="ctr"/>
+            <a:endParaRPr lang="zh-CN" altLang="en-US"/>
+          </a:p>
+        </p:txBody>
+      </p:sp>
+      <p:sp>
+        <p:nvSpPr>
+          <p:cNvPr id="13" name="下箭头 12"/>
+          <p:cNvSpPr/>
+          <p:nvPr/>
+        </p:nvSpPr>
+        <p:spPr>
+          <a:xfrm>
+            <a:off x="3000364" y="3000378"/>
+            <a:ext cx="214314" cy="428628"/>
+          </a:xfrm>
+          <a:prstGeom prst="downArrow">
+            <a:avLst/>
+          </a:prstGeom>
+        </p:spPr>
+        <p:style>
+          <a:lnRef idx="2">
+            <a:schemeClr val="accent1">
+              <a:shade val="50000"/>
+            </a:schemeClr>
+          </a:lnRef>
+          <a:fillRef idx="1">
+            <a:schemeClr val="accent1"/>
+          </a:fillRef>
+          <a:effectRef idx="0">
+            <a:schemeClr val="accent1"/>
+          </a:effectRef>
+          <a:fontRef idx="minor">
+            <a:schemeClr val="lt1"/>
+          </a:fontRef>
+        </p:style>
+        <p:txBody>
+          <a:bodyPr rtlCol="0" anchor="ctr"/>
+          <a:lstStyle/>
+          <a:p>
+            <a:pPr algn="ctr"/>
+            <a:endParaRPr lang="zh-CN" altLang="en-US"/>
+          </a:p>
+        </p:txBody>
+      </p:sp>
+      <p:sp>
+        <p:nvSpPr>
+          <p:cNvPr id="14" name="右箭头 13"/>
+          <p:cNvSpPr/>
+          <p:nvPr/>
+        </p:nvSpPr>
+        <p:spPr>
+          <a:xfrm>
+            <a:off x="3929058" y="2500312"/>
+            <a:ext cx="571504" cy="214314"/>
+          </a:xfrm>
+          <a:prstGeom prst="rightArrow">
+            <a:avLst/>
+          </a:prstGeom>
+        </p:spPr>
+        <p:style>
+          <a:lnRef idx="2">
+            <a:schemeClr val="accent1">
+              <a:shade val="50000"/>
+            </a:schemeClr>
+          </a:lnRef>
+          <a:fillRef idx="1">
+            <a:schemeClr val="accent1"/>
+          </a:fillRef>
+          <a:effectRef idx="0">
+            <a:schemeClr val="accent1"/>
+          </a:effectRef>
+          <a:fontRef idx="minor">
+            <a:schemeClr val="lt1"/>
+          </a:fontRef>
+        </p:style>
+        <p:txBody>
+          <a:bodyPr rtlCol="0" anchor="ctr"/>
+          <a:lstStyle/>
+          <a:p>
+            <a:pPr algn="ctr"/>
+            <a:endParaRPr lang="zh-CN" altLang="en-US"/>
+          </a:p>
+        </p:txBody>
+      </p:sp>
+      <p:sp>
+        <p:nvSpPr>
+          <p:cNvPr id="15" name="TextBox 14"/>
+          <p:cNvSpPr txBox="1"/>
+          <p:nvPr/>
+        </p:nvSpPr>
+        <p:spPr>
+          <a:xfrm>
+            <a:off x="3786182" y="1273724"/>
+            <a:ext cx="1729641" cy="369332"/>
+          </a:xfrm>
+          <a:prstGeom prst="rect">
+            <a:avLst/>
+          </a:prstGeom>
+          <a:noFill/>
+        </p:spPr>
+        <p:txBody>
+          <a:bodyPr wrap="none" rtlCol="0">
+            <a:spAutoFit/>
+          </a:bodyPr>
+          <a:lstStyle/>
+          <a:p>
+            <a:r>
+              <a:rPr lang="en-US" altLang="zh-CN" b="1" dirty="0" smtClean="0"/>
+              <a:t>Web framework</a:t>
+            </a:r>
+            <a:endParaRPr lang="en-US" altLang="zh-CN" b="1" dirty="0" smtClean="0"/>
+          </a:p>
+        </p:txBody>
+      </p:sp>
+      <p:sp>
+        <p:nvSpPr>
+          <p:cNvPr id="17" name="椭圆形标注 16"/>
+          <p:cNvSpPr/>
+          <p:nvPr/>
+        </p:nvSpPr>
+        <p:spPr>
+          <a:xfrm>
+            <a:off x="2285984" y="1714494"/>
+            <a:ext cx="1643074" cy="469772"/>
+          </a:xfrm>
+          <a:prstGeom prst="wedgeEllipseCallout">
+            <a:avLst/>
+          </a:prstGeom>
+          <a:noFill/>
+          <a:ln>
+            <a:solidFill>
+              <a:srgbClr val="00B050"/>
+            </a:solidFill>
+          </a:ln>
+        </p:spPr>
+        <p:style>
+          <a:lnRef idx="2">
+            <a:schemeClr val="accent1">
+              <a:shade val="50000"/>
+            </a:schemeClr>
+          </a:lnRef>
+          <a:fillRef idx="1">
+            <a:schemeClr val="accent1"/>
+          </a:fillRef>
+          <a:effectRef idx="0">
+            <a:schemeClr val="accent1"/>
+          </a:effectRef>
+          <a:fontRef idx="minor">
+            <a:schemeClr val="lt1"/>
+          </a:fontRef>
+        </p:style>
+        <p:txBody>
+          <a:bodyPr rtlCol="0" anchor="ctr"/>
+          <a:lstStyle/>
+          <a:p>
+            <a:pPr algn="ctr"/>
+            <a:endParaRPr lang="zh-CN" altLang="en-US"/>
+          </a:p>
+        </p:txBody>
+      </p:sp>
+      <p:sp>
+        <p:nvSpPr>
+          <p:cNvPr id="18" name="TextBox 17"/>
+          <p:cNvSpPr txBox="1"/>
+          <p:nvPr/>
+        </p:nvSpPr>
+        <p:spPr>
+          <a:xfrm>
+            <a:off x="2285984" y="1785932"/>
+            <a:ext cx="1649234" cy="307777"/>
+          </a:xfrm>
+          <a:prstGeom prst="rect">
+            <a:avLst/>
+          </a:prstGeom>
+          <a:noFill/>
+        </p:spPr>
+        <p:txBody>
+          <a:bodyPr wrap="none" rtlCol="0">
+            <a:spAutoFit/>
+          </a:bodyPr>
+          <a:lstStyle/>
+          <a:p>
+            <a:r>
+              <a:rPr lang="en-US" altLang="zh-CN" sz="1400" dirty="0" smtClean="0"/>
+              <a:t>Handle http request</a:t>
+            </a:r>
+            <a:endParaRPr lang="zh-CN" altLang="en-US" sz="1400" dirty="0"/>
+          </a:p>
+        </p:txBody>
+      </p:sp>
+      <p:sp>
+        <p:nvSpPr>
+          <p:cNvPr id="19" name="椭圆形标注 18"/>
+          <p:cNvSpPr/>
+          <p:nvPr/>
+        </p:nvSpPr>
+        <p:spPr>
+          <a:xfrm>
+            <a:off x="5286380" y="1643056"/>
+            <a:ext cx="1357322" cy="469772"/>
+          </a:xfrm>
+          <a:prstGeom prst="wedgeEllipseCallout">
+            <a:avLst/>
+          </a:prstGeom>
+          <a:noFill/>
+          <a:ln>
+            <a:solidFill>
+              <a:srgbClr val="00B050"/>
+            </a:solidFill>
+          </a:ln>
+        </p:spPr>
+        <p:style>
+          <a:lnRef idx="2">
+            <a:schemeClr val="accent1">
+              <a:shade val="50000"/>
+            </a:schemeClr>
+          </a:lnRef>
+          <a:fillRef idx="1">
+            <a:schemeClr val="accent1"/>
+          </a:fillRef>
+          <a:effectRef idx="0">
+            <a:schemeClr val="accent1"/>
+          </a:effectRef>
+          <a:fontRef idx="minor">
+            <a:schemeClr val="lt1"/>
+          </a:fontRef>
+        </p:style>
+        <p:txBody>
+          <a:bodyPr rtlCol="0" anchor="ctr"/>
+          <a:lstStyle/>
+          <a:p>
+            <a:pPr algn="ctr"/>
+            <a:endParaRPr lang="zh-CN" altLang="en-US"/>
+          </a:p>
+        </p:txBody>
+      </p:sp>
+      <p:sp>
+        <p:nvSpPr>
+          <p:cNvPr id="20" name="TextBox 19"/>
+          <p:cNvSpPr txBox="1"/>
+          <p:nvPr/>
+        </p:nvSpPr>
+        <p:spPr>
+          <a:xfrm>
+            <a:off x="5286380" y="1714494"/>
+            <a:ext cx="1376659" cy="307777"/>
+          </a:xfrm>
+          <a:prstGeom prst="rect">
+            <a:avLst/>
+          </a:prstGeom>
+          <a:noFill/>
+        </p:spPr>
+        <p:txBody>
+          <a:bodyPr wrap="none" rtlCol="0">
+            <a:spAutoFit/>
+          </a:bodyPr>
+          <a:lstStyle/>
+          <a:p>
+            <a:r>
+              <a:rPr lang="en-US" altLang="zh-CN" sz="1400" dirty="0" smtClean="0"/>
+              <a:t>Access database</a:t>
+            </a:r>
+            <a:endParaRPr lang="zh-CN" altLang="en-US" sz="1400" dirty="0"/>
+          </a:p>
+        </p:txBody>
+      </p:sp>
+      <p:sp>
+        <p:nvSpPr>
+          <p:cNvPr id="21" name="椭圆形标注 20"/>
+          <p:cNvSpPr/>
+          <p:nvPr/>
+        </p:nvSpPr>
+        <p:spPr>
+          <a:xfrm rot="5400000">
+            <a:off x="5214940" y="3214693"/>
+            <a:ext cx="428629" cy="1143009"/>
+          </a:xfrm>
+          <a:prstGeom prst="wedgeEllipseCallout">
+            <a:avLst/>
+          </a:prstGeom>
+          <a:noFill/>
+          <a:ln>
+            <a:solidFill>
+              <a:srgbClr val="00B050"/>
+            </a:solidFill>
+          </a:ln>
+        </p:spPr>
+        <p:style>
+          <a:lnRef idx="2">
+            <a:schemeClr val="accent1">
+              <a:shade val="50000"/>
+            </a:schemeClr>
+          </a:lnRef>
+          <a:fillRef idx="1">
+            <a:schemeClr val="accent1"/>
+          </a:fillRef>
+          <a:effectRef idx="0">
+            <a:schemeClr val="accent1"/>
+          </a:effectRef>
+          <a:fontRef idx="minor">
+            <a:schemeClr val="lt1"/>
+          </a:fontRef>
+        </p:style>
+        <p:txBody>
+          <a:bodyPr rtlCol="0" anchor="ctr"/>
+          <a:lstStyle/>
+          <a:p>
+            <a:pPr algn="ctr"/>
+            <a:endParaRPr lang="zh-CN" altLang="en-US"/>
+          </a:p>
+        </p:txBody>
+      </p:sp>
+      <p:sp>
+        <p:nvSpPr>
+          <p:cNvPr id="23" name="TextBox 22"/>
+          <p:cNvSpPr txBox="1"/>
+          <p:nvPr/>
+        </p:nvSpPr>
+        <p:spPr>
+          <a:xfrm>
+            <a:off x="4912000" y="3621295"/>
+            <a:ext cx="1088760" cy="307777"/>
+          </a:xfrm>
+          <a:prstGeom prst="rect">
+            <a:avLst/>
+          </a:prstGeom>
+          <a:noFill/>
+        </p:spPr>
+        <p:txBody>
+          <a:bodyPr wrap="none" rtlCol="0">
+            <a:spAutoFit/>
+          </a:bodyPr>
+          <a:lstStyle/>
+          <a:p>
+            <a:r>
+              <a:rPr lang="en-US" altLang="zh-CN" sz="1400" dirty="0" smtClean="0"/>
+              <a:t>Render html</a:t>
+            </a:r>
+            <a:endParaRPr lang="zh-CN" altLang="en-US" sz="1400" dirty="0"/>
+          </a:p>
+        </p:txBody>
+      </p:sp>
+    </p:spTree>
+  </p:cSld>
+  <p:clrMapOvr>
+    <a:masterClrMapping/>
+  </p:clrMapOvr>
+  <p:timing>
+    <p:tnLst>
+      <p:par>
+        <p:cTn id="1" dur="indefinite" restart="never" nodeType="tmRoot">
+          <p:childTnLst>
+            <p:seq concurrent="1" nextAc="seek">
+              <p:cTn id="2" dur="indefinite" nodeType="mainSeq">
+                <p:childTnLst>
+                  <p:par>
+                    <p:cTn id="3" fill="hold">
+                      <p:stCondLst>
+                        <p:cond delay="indefinite"/>
+                      </p:stCondLst>
+                      <p:childTnLst>
+                        <p:par>
+                          <p:cTn id="4" fill="hold">
+                            <p:stCondLst>
+                              <p:cond delay="0"/>
+                            </p:stCondLst>
+                            <p:childTnLst>
+                              <p:par>
+                                <p:cTn id="5" presetID="2" presetClass="entr" presetSubtype="4" fill="hold" grpId="0" nodeType="clickEffect">
+                                  <p:stCondLst>
+                                    <p:cond delay="0"/>
+                                  </p:stCondLst>
+                                  <p:childTnLst>
+                                    <p:set>
+                                      <p:cBhvr>
+                                        <p:cTn id="6" dur="1" fill="hold">
+                                          <p:stCondLst>
+                                            <p:cond delay="0"/>
+                                          </p:stCondLst>
+                                        </p:cTn>
+                                        <p:tgtEl>
+                                          <p:spTgt spid="17"/>
+                                        </p:tgtEl>
+                                        <p:attrNameLst>
+                                          <p:attrName>style.visibility</p:attrName>
+                                        </p:attrNameLst>
+                                      </p:cBhvr>
+                                      <p:to>
+                                        <p:strVal val="visible"/>
+                                      </p:to>
+                                    </p:set>
+                                    <p:anim calcmode="lin" valueType="num">
+                                      <p:cBhvr additive="base">
+                                        <p:cTn id="7" dur="500" fill="hold"/>
+                                        <p:tgtEl>
+                                          <p:spTgt spid="17"/>
+                                        </p:tgtEl>
+                                        <p:attrNameLst>
+                                          <p:attrName>ppt_x</p:attrName>
+                                        </p:attrNameLst>
+                                      </p:cBhvr>
+                                      <p:tavLst>
+                                        <p:tav tm="0">
+                                          <p:val>
+                                            <p:strVal val="#ppt_x"/>
+                                          </p:val>
+                                        </p:tav>
+                                        <p:tav tm="100000">
+                                          <p:val>
+                                            <p:strVal val="#ppt_x"/>
+                                          </p:val>
+                                        </p:tav>
+                                      </p:tavLst>
+                                    </p:anim>
+                                    <p:anim calcmode="lin" valueType="num">
+                                      <p:cBhvr additive="base">
+                                        <p:cTn id="8" dur="500" fill="hold"/>
+                                        <p:tgtEl>
+                                          <p:spTgt spid="17"/>
+                                        </p:tgtEl>
+                                        <p:attrNameLst>
+                                          <p:attrName>ppt_y</p:attrName>
+                                        </p:attrNameLst>
+                                      </p:cBhvr>
+                                      <p:tavLst>
+                                        <p:tav tm="0">
+                                          <p:val>
+                                            <p:strVal val="1+#ppt_h/2"/>
+                                          </p:val>
+                                        </p:tav>
+                                        <p:tav tm="100000">
+                                          <p:val>
+                                            <p:strVal val="#ppt_y"/>
+                                          </p:val>
+                                        </p:tav>
+                                      </p:tavLst>
+                                    </p:anim>
+                                  </p:childTnLst>
+                                </p:cTn>
+                              </p:par>
+                              <p:par>
+                                <p:cTn id="9" presetID="2" presetClass="entr" presetSubtype="4" fill="hold" grpId="0" nodeType="withEffect">
+                                  <p:stCondLst>
+                                    <p:cond delay="0"/>
+                                  </p:stCondLst>
+                                  <p:childTnLst>
+                                    <p:set>
+                                      <p:cBhvr>
+                                        <p:cTn id="10" dur="1" fill="hold">
+                                          <p:stCondLst>
+                                            <p:cond delay="0"/>
+                                          </p:stCondLst>
+                                        </p:cTn>
+                                        <p:tgtEl>
+                                          <p:spTgt spid="18"/>
+                                        </p:tgtEl>
+                                        <p:attrNameLst>
+                                          <p:attrName>style.visibility</p:attrName>
+                                        </p:attrNameLst>
+                                      </p:cBhvr>
+                                      <p:to>
+                                        <p:strVal val="visible"/>
+                                      </p:to>
+                                    </p:set>
+                                    <p:anim calcmode="lin" valueType="num">
+                                      <p:cBhvr additive="base">
+                                        <p:cTn id="11" dur="500" fill="hold"/>
+                                        <p:tgtEl>
+                                          <p:spTgt spid="18"/>
+                                        </p:tgtEl>
+                                        <p:attrNameLst>
+                                          <p:attrName>ppt_x</p:attrName>
+                                        </p:attrNameLst>
+                                      </p:cBhvr>
+                                      <p:tavLst>
+                                        <p:tav tm="0">
+                                          <p:val>
+                                            <p:strVal val="#ppt_x"/>
+                                          </p:val>
+                                        </p:tav>
+                                        <p:tav tm="100000">
+                                          <p:val>
+                                            <p:strVal val="#ppt_x"/>
+                                          </p:val>
+                                        </p:tav>
+                                      </p:tavLst>
+                                    </p:anim>
+                                    <p:anim calcmode="lin" valueType="num">
+                                      <p:cBhvr additive="base">
+                                        <p:cTn id="12" dur="500" fill="hold"/>
+                                        <p:tgtEl>
+                                          <p:spTgt spid="18"/>
+                                        </p:tgtEl>
+                                        <p:attrNameLst>
+                                          <p:attrName>ppt_y</p:attrName>
+                                        </p:attrNameLst>
+                                      </p:cBhvr>
+                                      <p:tavLst>
+                                        <p:tav tm="0">
+                                          <p:val>
+                                            <p:strVal val="1+#ppt_h/2"/>
+                                          </p:val>
+                                        </p:tav>
+                                        <p:tav tm="100000">
+                                          <p:val>
+                                            <p:strVal val="#ppt_y"/>
+                                          </p:val>
+                                        </p:tav>
+                                      </p:tavLst>
+                                    </p:anim>
+                                  </p:childTnLst>
+                                </p:cTn>
+                              </p:par>
+                            </p:childTnLst>
+                          </p:cTn>
+                        </p:par>
+                      </p:childTnLst>
+                    </p:cTn>
+                  </p:par>
+                  <p:par>
+                    <p:cTn id="13" fill="hold">
+                      <p:stCondLst>
+                        <p:cond delay="indefinite"/>
+                      </p:stCondLst>
+                      <p:childTnLst>
+                        <p:par>
+                          <p:cTn id="14" fill="hold">
+                            <p:stCondLst>
+                              <p:cond delay="0"/>
+                            </p:stCondLst>
+                            <p:childTnLst>
+                              <p:par>
+                                <p:cTn id="15" presetID="2" presetClass="entr" presetSubtype="4" fill="hold" grpId="0" nodeType="clickEffect">
+                                  <p:stCondLst>
+                                    <p:cond delay="0"/>
+                                  </p:stCondLst>
+                                  <p:childTnLst>
+                                    <p:set>
+                                      <p:cBhvr>
+                                        <p:cTn id="16" dur="1" fill="hold">
+                                          <p:stCondLst>
+                                            <p:cond delay="0"/>
+                                          </p:stCondLst>
+                                        </p:cTn>
+                                        <p:tgtEl>
+                                          <p:spTgt spid="19"/>
+                                        </p:tgtEl>
+                                        <p:attrNameLst>
+                                          <p:attrName>style.visibility</p:attrName>
+                                        </p:attrNameLst>
+                                      </p:cBhvr>
+                                      <p:to>
+                                        <p:strVal val="visible"/>
+                                      </p:to>
+                                    </p:set>
+                                    <p:anim calcmode="lin" valueType="num">
+                                      <p:cBhvr additive="base">
+                                        <p:cTn id="17" dur="500" fill="hold"/>
+                                        <p:tgtEl>
+                                          <p:spTgt spid="19"/>
+                                        </p:tgtEl>
+                                        <p:attrNameLst>
+                                          <p:attrName>ppt_x</p:attrName>
+                                        </p:attrNameLst>
+                                      </p:cBhvr>
+                                      <p:tavLst>
+                                        <p:tav tm="0">
+                                          <p:val>
+                                            <p:strVal val="#ppt_x"/>
+                                          </p:val>
+                                        </p:tav>
+                                        <p:tav tm="100000">
+                                          <p:val>
+                                            <p:strVal val="#ppt_x"/>
+                                          </p:val>
+                                        </p:tav>
+                                      </p:tavLst>
+                                    </p:anim>
+                                    <p:anim calcmode="lin" valueType="num">
+                                      <p:cBhvr additive="base">
+                                        <p:cTn id="18" dur="500" fill="hold"/>
+                                        <p:tgtEl>
+                                          <p:spTgt spid="19"/>
+                                        </p:tgtEl>
+                                        <p:attrNameLst>
+                                          <p:attrName>ppt_y</p:attrName>
+                                        </p:attrNameLst>
+                                      </p:cBhvr>
+                                      <p:tavLst>
+                                        <p:tav tm="0">
+                                          <p:val>
+                                            <p:strVal val="1+#ppt_h/2"/>
+                                          </p:val>
+                                        </p:tav>
+                                        <p:tav tm="100000">
+                                          <p:val>
+                                            <p:strVal val="#ppt_y"/>
+                                          </p:val>
+                                        </p:tav>
+                                      </p:tavLst>
+                                    </p:anim>
+                                  </p:childTnLst>
+                                </p:cTn>
+                              </p:par>
+                              <p:par>
+                                <p:cTn id="19" presetID="2" presetClass="entr" presetSubtype="4" fill="hold" grpId="0" nodeType="withEffect">
+                                  <p:stCondLst>
+                                    <p:cond delay="0"/>
+                                  </p:stCondLst>
+                                  <p:childTnLst>
+                                    <p:set>
+                                      <p:cBhvr>
+                                        <p:cTn id="20" dur="1" fill="hold">
+                                          <p:stCondLst>
+                                            <p:cond delay="0"/>
+                                          </p:stCondLst>
+                                        </p:cTn>
+                                        <p:tgtEl>
+                                          <p:spTgt spid="20"/>
+                                        </p:tgtEl>
+                                        <p:attrNameLst>
+                                          <p:attrName>style.visibility</p:attrName>
+                                        </p:attrNameLst>
+                                      </p:cBhvr>
+                                      <p:to>
+                                        <p:strVal val="visible"/>
+                                      </p:to>
+                                    </p:set>
+                                    <p:anim calcmode="lin" valueType="num">
+                                      <p:cBhvr additive="base">
+                                        <p:cTn id="21" dur="500" fill="hold"/>
+                                        <p:tgtEl>
+                                          <p:spTgt spid="20"/>
+                                        </p:tgtEl>
+                                        <p:attrNameLst>
+                                          <p:attrName>ppt_x</p:attrName>
+                                        </p:attrNameLst>
+                                      </p:cBhvr>
+                                      <p:tavLst>
+                                        <p:tav tm="0">
+                                          <p:val>
+                                            <p:strVal val="#ppt_x"/>
+                                          </p:val>
+                                        </p:tav>
+                                        <p:tav tm="100000">
+                                          <p:val>
+                                            <p:strVal val="#ppt_x"/>
+                                          </p:val>
+                                        </p:tav>
+                                      </p:tavLst>
+                                    </p:anim>
+                                    <p:anim calcmode="lin" valueType="num">
+                                      <p:cBhvr additive="base">
+                                        <p:cTn id="22" dur="500" fill="hold"/>
+                                        <p:tgtEl>
+                                          <p:spTgt spid="20"/>
+                                        </p:tgtEl>
+                                        <p:attrNameLst>
+                                          <p:attrName>ppt_y</p:attrName>
+                                        </p:attrNameLst>
+                                      </p:cBhvr>
+                                      <p:tavLst>
+                                        <p:tav tm="0">
+                                          <p:val>
+                                            <p:strVal val="1+#ppt_h/2"/>
+                                          </p:val>
+                                        </p:tav>
+                                        <p:tav tm="100000">
+                                          <p:val>
+                                            <p:strVal val="#ppt_y"/>
+                                          </p:val>
+                                        </p:tav>
+                                      </p:tavLst>
+                                    </p:anim>
+                                  </p:childTnLst>
+                                </p:cTn>
+                              </p:par>
+                            </p:childTnLst>
+                          </p:cTn>
+                        </p:par>
+                      </p:childTnLst>
+                    </p:cTn>
+                  </p:par>
+                  <p:par>
+                    <p:cTn id="23" fill="hold">
+                      <p:stCondLst>
+                        <p:cond delay="indefinite"/>
+                      </p:stCondLst>
+                      <p:childTnLst>
+                        <p:par>
+                          <p:cTn id="24" fill="hold">
+                            <p:stCondLst>
+                              <p:cond delay="0"/>
+                            </p:stCondLst>
+                            <p:childTnLst>
+                              <p:par>
+                                <p:cTn id="25" presetID="2" presetClass="entr" presetSubtype="4" fill="hold" grpId="0" nodeType="clickEffect">
+                                  <p:stCondLst>
+                                    <p:cond delay="0"/>
+                                  </p:stCondLst>
+                                  <p:childTnLst>
+                                    <p:set>
+                                      <p:cBhvr>
+                                        <p:cTn id="26" dur="1" fill="hold">
+                                          <p:stCondLst>
+                                            <p:cond delay="0"/>
+                                          </p:stCondLst>
+                                        </p:cTn>
+                                        <p:tgtEl>
+                                          <p:spTgt spid="21"/>
+                                        </p:tgtEl>
+                                        <p:attrNameLst>
+                                          <p:attrName>style.visibility</p:attrName>
+                                        </p:attrNameLst>
+                                      </p:cBhvr>
+                                      <p:to>
+                                        <p:strVal val="visible"/>
+                                      </p:to>
+                                    </p:set>
+                                    <p:anim calcmode="lin" valueType="num">
+                                      <p:cBhvr additive="base">
+                                        <p:cTn id="27" dur="500" fill="hold"/>
+                                        <p:tgtEl>
+                                          <p:spTgt spid="21"/>
+                                        </p:tgtEl>
+                                        <p:attrNameLst>
+                                          <p:attrName>ppt_x</p:attrName>
+                                        </p:attrNameLst>
+                                      </p:cBhvr>
+                                      <p:tavLst>
+                                        <p:tav tm="0">
+                                          <p:val>
+                                            <p:strVal val="#ppt_x"/>
+                                          </p:val>
+                                        </p:tav>
+                                        <p:tav tm="100000">
+                                          <p:val>
+                                            <p:strVal val="#ppt_x"/>
+                                          </p:val>
+                                        </p:tav>
+                                      </p:tavLst>
+                                    </p:anim>
+                                    <p:anim calcmode="lin" valueType="num">
+                                      <p:cBhvr additive="base">
+                                        <p:cTn id="28" dur="500" fill="hold"/>
+                                        <p:tgtEl>
+                                          <p:spTgt spid="21"/>
+                                        </p:tgtEl>
+                                        <p:attrNameLst>
+                                          <p:attrName>ppt_y</p:attrName>
+                                        </p:attrNameLst>
+                                      </p:cBhvr>
+                                      <p:tavLst>
+                                        <p:tav tm="0">
+                                          <p:val>
+                                            <p:strVal val="1+#ppt_h/2"/>
+                                          </p:val>
+                                        </p:tav>
+                                        <p:tav tm="100000">
+                                          <p:val>
+                                            <p:strVal val="#ppt_y"/>
+                                          </p:val>
+                                        </p:tav>
+                                      </p:tavLst>
+                                    </p:anim>
+                                  </p:childTnLst>
+                                </p:cTn>
+                              </p:par>
+                              <p:par>
+                                <p:cTn id="29" presetID="2" presetClass="entr" presetSubtype="4" fill="hold" grpId="0" nodeType="withEffect">
+                                  <p:stCondLst>
+                                    <p:cond delay="0"/>
+                                  </p:stCondLst>
+                                  <p:childTnLst>
+                                    <p:set>
+                                      <p:cBhvr>
+                                        <p:cTn id="30" dur="1" fill="hold">
+                                          <p:stCondLst>
+                                            <p:cond delay="0"/>
+                                          </p:stCondLst>
+                                        </p:cTn>
+                                        <p:tgtEl>
+                                          <p:spTgt spid="23"/>
+                                        </p:tgtEl>
+                                        <p:attrNameLst>
+                                          <p:attrName>style.visibility</p:attrName>
+                                        </p:attrNameLst>
+                                      </p:cBhvr>
+                                      <p:to>
+                                        <p:strVal val="visible"/>
+                                      </p:to>
+                                    </p:set>
+                                    <p:anim calcmode="lin" valueType="num">
+                                      <p:cBhvr additive="base">
+                                        <p:cTn id="31" dur="500" fill="hold"/>
+                                        <p:tgtEl>
+                                          <p:spTgt spid="23"/>
+                                        </p:tgtEl>
+                                        <p:attrNameLst>
+                                          <p:attrName>ppt_x</p:attrName>
+                                        </p:attrNameLst>
+                                      </p:cBhvr>
+                                      <p:tavLst>
+                                        <p:tav tm="0">
+                                          <p:val>
+                                            <p:strVal val="#ppt_x"/>
+                                          </p:val>
+                                        </p:tav>
+                                        <p:tav tm="100000">
+                                          <p:val>
+                                            <p:strVal val="#ppt_x"/>
+                                          </p:val>
+                                        </p:tav>
+                                      </p:tavLst>
+                                    </p:anim>
+                                    <p:anim calcmode="lin" valueType="num">
+                                      <p:cBhvr additive="base">
+                                        <p:cTn id="32" dur="500" fill="hold"/>
+                                        <p:tgtEl>
+                                          <p:spTgt spid="23"/>
+                                        </p:tgtEl>
+                                        <p:attrNameLst>
+                                          <p:attrName>ppt_y</p:attrName>
+                                        </p:attrNameLst>
+                                      </p:cBhvr>
+                                      <p:tavLst>
+                                        <p:tav tm="0">
+                                          <p:val>
+                                            <p:strVal val="1+#ppt_h/2"/>
+                                          </p:val>
+                                        </p:tav>
+                                        <p:tav tm="100000">
+                                          <p:val>
+                                            <p:strVal val="#ppt_y"/>
+                                          </p:val>
+                                        </p:tav>
+                                      </p:tavLst>
+                                    </p:anim>
+                                  </p:childTnLst>
+                                </p:cTn>
+                              </p:par>
+                            </p:childTnLst>
+                          </p:cTn>
+                        </p:par>
+                      </p:childTnLst>
+                    </p:cTn>
+                  </p:par>
+                </p:childTnLst>
+              </p:cTn>
+              <p:prevCondLst>
+                <p:cond evt="onPrev" delay="0">
+                  <p:tgtEl>
+                    <p:sldTgt/>
+                  </p:tgtEl>
+                </p:cond>
+              </p:prevCondLst>
+              <p:nextCondLst>
+                <p:cond evt="onNext" delay="0">
+                  <p:tgtEl>
+                    <p:sldTgt/>
+                  </p:tgtEl>
+                </p:cond>
+              </p:nextCondLst>
+            </p:seq>
+          </p:childTnLst>
+        </p:cTn>
+      </p:par>
+    </p:tnLst>
+    <p:bldLst>
+      <p:bldP spid="17" grpId="0" animBg="1"/>
+      <p:bldP spid="18" grpId="0"/>
+      <p:bldP spid="19" grpId="0" animBg="1"/>
+      <p:bldP spid="20" grpId="0"/>
+      <p:bldP spid="21" grpId="0" animBg="1"/>
+      <p:bldP spid="23" grpId="0"/>
+    </p:bldLst>
+  </p:timing>
+</p:sld>
+</file>
+
+<file path=ppt/slides/slide30.xml><?xml version="1.0" encoding="utf-8"?>
 <p:sld xmlns:a="http://schemas.openxmlformats.org/drawingml/2006/main" xmlns:r="http://schemas.openxmlformats.org/officeDocument/2006/relationships" xmlns:p="http://schemas.openxmlformats.org/presentationml/2006/main">
   <p:cSld>
     <p:spTree>
@@ -12645,7 +14071,7 @@
 </p:sld>
 </file>
 
-<file path=ppt/slides/slide33.xml><?xml version="1.0" encoding="utf-8"?>
+<file path=ppt/slides/slide31.xml><?xml version="1.0" encoding="utf-8"?>
 <p:sld xmlns:a="http://schemas.openxmlformats.org/drawingml/2006/main" xmlns:r="http://schemas.openxmlformats.org/officeDocument/2006/relationships" xmlns:p="http://schemas.openxmlformats.org/presentationml/2006/main">
   <p:cSld>
     <p:spTree>
@@ -13285,7 +14711,7 @@
 </p:sld>
 </file>
 
-<file path=ppt/slides/slide34.xml><?xml version="1.0" encoding="utf-8"?>
+<file path=ppt/slides/slide32.xml><?xml version="1.0" encoding="utf-8"?>
 <p:sld xmlns:a="http://schemas.openxmlformats.org/drawingml/2006/main" xmlns:r="http://schemas.openxmlformats.org/officeDocument/2006/relationships" xmlns:p="http://schemas.openxmlformats.org/presentationml/2006/main">
   <p:cSld>
     <p:spTree>
@@ -13514,7 +14940,7 @@
 </p:sld>
 </file>
 
-<file path=ppt/slides/slide35.xml><?xml version="1.0" encoding="utf-8"?>
+<file path=ppt/slides/slide33.xml><?xml version="1.0" encoding="utf-8"?>
 <p:sld xmlns:a="http://schemas.openxmlformats.org/drawingml/2006/main" xmlns:r="http://schemas.openxmlformats.org/officeDocument/2006/relationships" xmlns:p="http://schemas.openxmlformats.org/presentationml/2006/main">
   <p:cSld>
     <p:spTree>
@@ -13622,7 +15048,7 @@
 </p:sld>
 </file>
 
-<file path=ppt/slides/slide36.xml><?xml version="1.0" encoding="utf-8"?>
+<file path=ppt/slides/slide34.xml><?xml version="1.0" encoding="utf-8"?>
 <p:sld xmlns:a="http://schemas.openxmlformats.org/drawingml/2006/main" xmlns:r="http://schemas.openxmlformats.org/officeDocument/2006/relationships" xmlns:p="http://schemas.openxmlformats.org/presentationml/2006/main">
   <p:cSld>
     <p:spTree>
@@ -13732,7 +15158,7 @@
 </p:sld>
 </file>
 
-<file path=ppt/slides/slide37.xml><?xml version="1.0" encoding="utf-8"?>
+<file path=ppt/slides/slide35.xml><?xml version="1.0" encoding="utf-8"?>
 <p:sld xmlns:a="http://schemas.openxmlformats.org/drawingml/2006/main" xmlns:r="http://schemas.openxmlformats.org/officeDocument/2006/relationships" xmlns:p="http://schemas.openxmlformats.org/presentationml/2006/main">
   <p:cSld>
     <p:spTree>
@@ -13981,7 +15407,7 @@
 </p:sld>
 </file>
 
-<file path=ppt/slides/slide38.xml><?xml version="1.0" encoding="utf-8"?>
+<file path=ppt/slides/slide36.xml><?xml version="1.0" encoding="utf-8"?>
 <p:sld xmlns:a="http://schemas.openxmlformats.org/drawingml/2006/main" xmlns:r="http://schemas.openxmlformats.org/officeDocument/2006/relationships" xmlns:p="http://schemas.openxmlformats.org/presentationml/2006/main">
   <p:cSld>
     <p:spTree>
@@ -14082,7 +15508,7 @@
 </p:sld>
 </file>
 
-<file path=ppt/slides/slide39.xml><?xml version="1.0" encoding="utf-8"?>
+<file path=ppt/slides/slide37.xml><?xml version="1.0" encoding="utf-8"?>
 <p:sld xmlns:a="http://schemas.openxmlformats.org/drawingml/2006/main" xmlns:r="http://schemas.openxmlformats.org/officeDocument/2006/relationships" xmlns:p="http://schemas.openxmlformats.org/presentationml/2006/main">
   <p:cSld>
     <p:spTree>
@@ -14582,7 +16008,7 @@
 </p:sld>
 </file>
 
-<file path=ppt/slides/slide4.xml><?xml version="1.0" encoding="utf-8"?>
+<file path=ppt/slides/slide38.xml><?xml version="1.0" encoding="utf-8"?>
 <p:sld xmlns:a="http://schemas.openxmlformats.org/drawingml/2006/main" xmlns:r="http://schemas.openxmlformats.org/officeDocument/2006/relationships" xmlns:p="http://schemas.openxmlformats.org/presentationml/2006/main">
   <p:cSld>
     <p:spTree>
@@ -14616,8 +16042,8 @@
           <a:p>
             <a:pPr algn="l"/>
             <a:r>
-              <a:rPr lang="en-US" altLang="zh-CN" dirty="0" smtClean="0"/>
-              <a:t>Basic concepts</a:t>
+              <a:rPr lang="en-US" altLang="zh-CN" dirty="0" err="1" smtClean="0"/>
+              <a:t>ormpp</a:t>
             </a:r>
             <a:endParaRPr lang="zh-CN" altLang="en-US" dirty="0"/>
           </a:p>
@@ -14639,21 +16065,35 @@
           <a:lstStyle/>
           <a:p>
             <a:r>
-              <a:rPr lang="en-US" altLang="zh-CN" dirty="0" smtClean="0"/>
-              <a:t>Http server</a:t>
-            </a:r>
-          </a:p>
-          <a:p>
-            <a:r>
-              <a:rPr lang="en-US" altLang="zh-CN" dirty="0" smtClean="0"/>
-              <a:t>ORM(Object-relational mapping)</a:t>
-            </a:r>
-          </a:p>
-          <a:p>
-            <a:r>
-              <a:rPr lang="en-US" altLang="zh-CN" dirty="0" smtClean="0"/>
-              <a:t>Html render</a:t>
-            </a:r>
+              <a:rPr lang="en-US" sz="2800" dirty="0" smtClean="0"/>
+              <a:t>Unified and easy to use interface</a:t>
+            </a:r>
+          </a:p>
+          <a:p>
+            <a:r>
+              <a:rPr lang="en-US" sz="2800" dirty="0" smtClean="0"/>
+              <a:t>Extensible interface </a:t>
+            </a:r>
+          </a:p>
+          <a:p>
+            <a:r>
+              <a:rPr lang="en-US" sz="2800" dirty="0" smtClean="0"/>
+              <a:t>Automatically generate </a:t>
+            </a:r>
+            <a:r>
+              <a:rPr lang="en-US" sz="2800" dirty="0" err="1" smtClean="0"/>
+              <a:t>sql</a:t>
+            </a:r>
+            <a:endParaRPr lang="en-US" sz="2800" dirty="0" smtClean="0"/>
+          </a:p>
+          <a:p>
+            <a:r>
+              <a:rPr lang="en-US" sz="2800" dirty="0" smtClean="0"/>
+              <a:t>Automatically mapping entity to object</a:t>
+            </a:r>
+          </a:p>
+          <a:p>
+            <a:endParaRPr lang="zh-CN" altLang="en-US" dirty="0"/>
           </a:p>
         </p:txBody>
       </p:sp>
@@ -14672,111 +16112,7 @@
 </p:sld>
 </file>
 
-<file path=ppt/slides/slide40.xml><?xml version="1.0" encoding="utf-8"?>
-<p:sld xmlns:a="http://schemas.openxmlformats.org/drawingml/2006/main" xmlns:r="http://schemas.openxmlformats.org/officeDocument/2006/relationships" xmlns:p="http://schemas.openxmlformats.org/presentationml/2006/main">
-  <p:cSld>
-    <p:spTree>
-      <p:nvGrpSpPr>
-        <p:cNvPr id="1" name=""/>
-        <p:cNvGrpSpPr/>
-        <p:nvPr/>
-      </p:nvGrpSpPr>
-      <p:grpSpPr>
-        <a:xfrm>
-          <a:off x="0" y="0"/>
-          <a:ext cx="0" cy="0"/>
-          <a:chOff x="0" y="0"/>
-          <a:chExt cx="0" cy="0"/>
-        </a:xfrm>
-      </p:grpSpPr>
-      <p:sp>
-        <p:nvSpPr>
-          <p:cNvPr id="2" name="标题 1"/>
-          <p:cNvSpPr>
-            <a:spLocks noGrp="1"/>
-          </p:cNvSpPr>
-          <p:nvPr>
-            <p:ph type="title"/>
-          </p:nvPr>
-        </p:nvSpPr>
-        <p:spPr/>
-        <p:txBody>
-          <a:bodyPr/>
-          <a:lstStyle/>
-          <a:p>
-            <a:pPr algn="l"/>
-            <a:r>
-              <a:rPr lang="en-US" altLang="zh-CN" dirty="0" err="1" smtClean="0"/>
-              <a:t>ormpp</a:t>
-            </a:r>
-            <a:endParaRPr lang="zh-CN" altLang="en-US" dirty="0"/>
-          </a:p>
-        </p:txBody>
-      </p:sp>
-      <p:sp>
-        <p:nvSpPr>
-          <p:cNvPr id="3" name="内容占位符 2"/>
-          <p:cNvSpPr>
-            <a:spLocks noGrp="1"/>
-          </p:cNvSpPr>
-          <p:nvPr>
-            <p:ph idx="1"/>
-          </p:nvPr>
-        </p:nvSpPr>
-        <p:spPr/>
-        <p:txBody>
-          <a:bodyPr/>
-          <a:lstStyle/>
-          <a:p>
-            <a:r>
-              <a:rPr lang="en-US" sz="2800" dirty="0" smtClean="0"/>
-              <a:t>Unified and easy to use interface</a:t>
-            </a:r>
-          </a:p>
-          <a:p>
-            <a:r>
-              <a:rPr lang="en-US" sz="2800" dirty="0" smtClean="0"/>
-              <a:t>Extensible interface </a:t>
-            </a:r>
-          </a:p>
-          <a:p>
-            <a:r>
-              <a:rPr lang="en-US" sz="2800" dirty="0" smtClean="0"/>
-              <a:t>Automatically generate </a:t>
-            </a:r>
-            <a:r>
-              <a:rPr lang="en-US" sz="2800" dirty="0" err="1" smtClean="0"/>
-              <a:t>sql</a:t>
-            </a:r>
-            <a:endParaRPr lang="en-US" sz="2800" dirty="0" smtClean="0"/>
-          </a:p>
-          <a:p>
-            <a:r>
-              <a:rPr lang="en-US" sz="2800" dirty="0" smtClean="0"/>
-              <a:t>Automatically mapping entity to object</a:t>
-            </a:r>
-          </a:p>
-          <a:p>
-            <a:endParaRPr lang="zh-CN" altLang="en-US" dirty="0"/>
-          </a:p>
-        </p:txBody>
-      </p:sp>
-    </p:spTree>
-  </p:cSld>
-  <p:clrMapOvr>
-    <a:masterClrMapping/>
-  </p:clrMapOvr>
-  <p:timing>
-    <p:tnLst>
-      <p:par>
-        <p:cTn id="1" dur="indefinite" restart="never" nodeType="tmRoot"/>
-      </p:par>
-    </p:tnLst>
-  </p:timing>
-</p:sld>
-</file>
-
-<file path=ppt/slides/slide41.xml><?xml version="1.0" encoding="utf-8"?>
+<file path=ppt/slides/slide39.xml><?xml version="1.0" encoding="utf-8"?>
 <p:sld xmlns:a="http://schemas.openxmlformats.org/drawingml/2006/main" xmlns:r="http://schemas.openxmlformats.org/officeDocument/2006/relationships" xmlns:p="http://schemas.openxmlformats.org/presentationml/2006/main">
   <p:cSld>
     <p:spTree>
@@ -15038,7 +16374,243 @@
 </p:sld>
 </file>
 
-<file path=ppt/slides/slide42.xml><?xml version="1.0" encoding="utf-8"?>
+<file path=ppt/slides/slide4.xml><?xml version="1.0" encoding="utf-8"?>
+<p:sld xmlns:a="http://schemas.openxmlformats.org/drawingml/2006/main" xmlns:r="http://schemas.openxmlformats.org/officeDocument/2006/relationships" xmlns:p="http://schemas.openxmlformats.org/presentationml/2006/main">
+  <p:cSld>
+    <p:spTree>
+      <p:nvGrpSpPr>
+        <p:cNvPr id="1" name=""/>
+        <p:cNvGrpSpPr/>
+        <p:nvPr/>
+      </p:nvGrpSpPr>
+      <p:grpSpPr>
+        <a:xfrm>
+          <a:off x="0" y="0"/>
+          <a:ext cx="0" cy="0"/>
+          <a:chOff x="0" y="0"/>
+          <a:chExt cx="0" cy="0"/>
+        </a:xfrm>
+      </p:grpSpPr>
+      <p:sp>
+        <p:nvSpPr>
+          <p:cNvPr id="2" name="标题 1"/>
+          <p:cNvSpPr>
+            <a:spLocks noGrp="1"/>
+          </p:cNvSpPr>
+          <p:nvPr>
+            <p:ph type="title"/>
+          </p:nvPr>
+        </p:nvSpPr>
+        <p:spPr/>
+        <p:txBody>
+          <a:bodyPr>
+            <a:normAutofit fontScale="90000"/>
+          </a:bodyPr>
+          <a:lstStyle/>
+          <a:p>
+            <a:pPr algn="l"/>
+            <a:r>
+              <a:rPr lang="en-US" altLang="zh-CN" dirty="0" smtClean="0"/>
+              <a:t>We need a better </a:t>
+            </a:r>
+            <a:r>
+              <a:rPr lang="en-US" altLang="zh-CN" dirty="0" err="1" smtClean="0"/>
+              <a:t>c++</a:t>
+            </a:r>
+            <a:r>
+              <a:rPr lang="en-US" altLang="zh-CN" dirty="0" smtClean="0"/>
+              <a:t> web framework</a:t>
+            </a:r>
+            <a:endParaRPr lang="zh-CN" altLang="en-US" dirty="0"/>
+          </a:p>
+        </p:txBody>
+      </p:sp>
+      <p:sp>
+        <p:nvSpPr>
+          <p:cNvPr id="3" name="内容占位符 2"/>
+          <p:cNvSpPr>
+            <a:spLocks noGrp="1"/>
+          </p:cNvSpPr>
+          <p:nvPr>
+            <p:ph idx="1"/>
+          </p:nvPr>
+        </p:nvSpPr>
+        <p:spPr/>
+        <p:txBody>
+          <a:bodyPr>
+            <a:normAutofit/>
+          </a:bodyPr>
+          <a:lstStyle/>
+          <a:p>
+            <a:r>
+              <a:rPr lang="en-US" altLang="zh-CN" sz="2800" dirty="0" smtClean="0"/>
+              <a:t>Feather: a rapidly application framework of web development</a:t>
+            </a:r>
+          </a:p>
+        </p:txBody>
+      </p:sp>
+      <p:sp>
+        <p:nvSpPr>
+          <p:cNvPr id="4" name="矩形 3"/>
+          <p:cNvSpPr/>
+          <p:nvPr/>
+        </p:nvSpPr>
+        <p:spPr>
+          <a:xfrm>
+            <a:off x="1071538" y="2143122"/>
+            <a:ext cx="6643734" cy="830997"/>
+          </a:xfrm>
+          <a:prstGeom prst="rect">
+            <a:avLst/>
+          </a:prstGeom>
+        </p:spPr>
+        <p:txBody>
+          <a:bodyPr wrap="square">
+            <a:spAutoFit/>
+          </a:bodyPr>
+          <a:lstStyle/>
+          <a:p>
+            <a:r>
+              <a:rPr lang="en-US" altLang="zh-CN" sz="2400" b="1" dirty="0" smtClean="0"/>
+              <a:t>you can use feather to develop a web application rapidly</a:t>
+            </a:r>
+            <a:endParaRPr lang="zh-CN" altLang="en-US" sz="2400" b="1" dirty="0"/>
+          </a:p>
+        </p:txBody>
+      </p:sp>
+    </p:spTree>
+  </p:cSld>
+  <p:clrMapOvr>
+    <a:masterClrMapping/>
+  </p:clrMapOvr>
+  <p:timing>
+    <p:tnLst>
+      <p:par>
+        <p:cTn id="1" dur="indefinite" restart="never" nodeType="tmRoot">
+          <p:childTnLst>
+            <p:seq concurrent="1" nextAc="seek">
+              <p:cTn id="2" dur="indefinite" nodeType="mainSeq">
+                <p:childTnLst>
+                  <p:par>
+                    <p:cTn id="3" fill="hold">
+                      <p:stCondLst>
+                        <p:cond delay="indefinite"/>
+                      </p:stCondLst>
+                      <p:childTnLst>
+                        <p:par>
+                          <p:cTn id="4" fill="hold">
+                            <p:stCondLst>
+                              <p:cond delay="0"/>
+                            </p:stCondLst>
+                            <p:childTnLst>
+                              <p:par>
+                                <p:cTn id="5" presetID="2" presetClass="entr" presetSubtype="4" fill="hold" grpId="0" nodeType="clickEffect">
+                                  <p:stCondLst>
+                                    <p:cond delay="0"/>
+                                  </p:stCondLst>
+                                  <p:childTnLst>
+                                    <p:set>
+                                      <p:cBhvr>
+                                        <p:cTn id="6" dur="1" fill="hold">
+                                          <p:stCondLst>
+                                            <p:cond delay="0"/>
+                                          </p:stCondLst>
+                                        </p:cTn>
+                                        <p:tgtEl>
+                                          <p:spTgt spid="4"/>
+                                        </p:tgtEl>
+                                        <p:attrNameLst>
+                                          <p:attrName>style.visibility</p:attrName>
+                                        </p:attrNameLst>
+                                      </p:cBhvr>
+                                      <p:to>
+                                        <p:strVal val="visible"/>
+                                      </p:to>
+                                    </p:set>
+                                    <p:anim calcmode="lin" valueType="num">
+                                      <p:cBhvr additive="base">
+                                        <p:cTn id="7" dur="500" fill="hold"/>
+                                        <p:tgtEl>
+                                          <p:spTgt spid="4"/>
+                                        </p:tgtEl>
+                                        <p:attrNameLst>
+                                          <p:attrName>ppt_x</p:attrName>
+                                        </p:attrNameLst>
+                                      </p:cBhvr>
+                                      <p:tavLst>
+                                        <p:tav tm="0">
+                                          <p:val>
+                                            <p:strVal val="#ppt_x"/>
+                                          </p:val>
+                                        </p:tav>
+                                        <p:tav tm="100000">
+                                          <p:val>
+                                            <p:strVal val="#ppt_x"/>
+                                          </p:val>
+                                        </p:tav>
+                                      </p:tavLst>
+                                    </p:anim>
+                                    <p:anim calcmode="lin" valueType="num">
+                                      <p:cBhvr additive="base">
+                                        <p:cTn id="8" dur="500" fill="hold"/>
+                                        <p:tgtEl>
+                                          <p:spTgt spid="4"/>
+                                        </p:tgtEl>
+                                        <p:attrNameLst>
+                                          <p:attrName>ppt_y</p:attrName>
+                                        </p:attrNameLst>
+                                      </p:cBhvr>
+                                      <p:tavLst>
+                                        <p:tav tm="0">
+                                          <p:val>
+                                            <p:strVal val="1+#ppt_h/2"/>
+                                          </p:val>
+                                        </p:tav>
+                                        <p:tav tm="100000">
+                                          <p:val>
+                                            <p:strVal val="#ppt_y"/>
+                                          </p:val>
+                                        </p:tav>
+                                      </p:tavLst>
+                                    </p:anim>
+                                  </p:childTnLst>
+                                </p:cTn>
+                              </p:par>
+                            </p:childTnLst>
+                          </p:cTn>
+                        </p:par>
+                      </p:childTnLst>
+                    </p:cTn>
+                  </p:par>
+                </p:childTnLst>
+              </p:cTn>
+              <p:prevCondLst>
+                <p:cond evt="onPrev" delay="0">
+                  <p:tgtEl>
+                    <p:sldTgt/>
+                  </p:tgtEl>
+                </p:cond>
+              </p:prevCondLst>
+              <p:nextCondLst>
+                <p:cond evt="onNext" delay="0">
+                  <p:tgtEl>
+                    <p:sldTgt/>
+                  </p:tgtEl>
+                </p:cond>
+              </p:nextCondLst>
+            </p:seq>
+          </p:childTnLst>
+        </p:cTn>
+      </p:par>
+    </p:tnLst>
+    <p:bldLst>
+      <p:bldP spid="4" grpId="0"/>
+    </p:bldLst>
+  </p:timing>
+</p:sld>
+</file>
+
+<file path=ppt/slides/slide40.xml><?xml version="1.0" encoding="utf-8"?>
 <p:sld xmlns:a="http://schemas.openxmlformats.org/drawingml/2006/main" xmlns:r="http://schemas.openxmlformats.org/officeDocument/2006/relationships" xmlns:p="http://schemas.openxmlformats.org/presentationml/2006/main">
   <p:cSld>
     <p:spTree>
@@ -15425,7 +16997,7 @@
 </p:sld>
 </file>
 
-<file path=ppt/slides/slide43.xml><?xml version="1.0" encoding="utf-8"?>
+<file path=ppt/slides/slide41.xml><?xml version="1.0" encoding="utf-8"?>
 <p:sld xmlns:a="http://schemas.openxmlformats.org/drawingml/2006/main" xmlns:r="http://schemas.openxmlformats.org/officeDocument/2006/relationships" xmlns:p="http://schemas.openxmlformats.org/presentationml/2006/main">
   <p:cSld>
     <p:spTree>
@@ -15664,7 +17236,7 @@
 </p:sld>
 </file>
 
-<file path=ppt/slides/slide44.xml><?xml version="1.0" encoding="utf-8"?>
+<file path=ppt/slides/slide42.xml><?xml version="1.0" encoding="utf-8"?>
 <p:sld xmlns:a="http://schemas.openxmlformats.org/drawingml/2006/main" xmlns:r="http://schemas.openxmlformats.org/officeDocument/2006/relationships" xmlns:p="http://schemas.openxmlformats.org/presentationml/2006/main">
   <p:cSld>
     <p:spTree>
@@ -16006,7 +17578,7 @@
 </p:sld>
 </file>
 
-<file path=ppt/slides/slide45.xml><?xml version="1.0" encoding="utf-8"?>
+<file path=ppt/slides/slide43.xml><?xml version="1.0" encoding="utf-8"?>
 <p:sld xmlns:a="http://schemas.openxmlformats.org/drawingml/2006/main" xmlns:r="http://schemas.openxmlformats.org/officeDocument/2006/relationships" xmlns:p="http://schemas.openxmlformats.org/presentationml/2006/main">
   <p:cSld>
     <p:spTree>
@@ -17340,7 +18912,7 @@
 </p:sld>
 </file>
 
-<file path=ppt/slides/slide46.xml><?xml version="1.0" encoding="utf-8"?>
+<file path=ppt/slides/slide44.xml><?xml version="1.0" encoding="utf-8"?>
 <p:sld xmlns:a="http://schemas.openxmlformats.org/drawingml/2006/main" xmlns:r="http://schemas.openxmlformats.org/officeDocument/2006/relationships" xmlns:p="http://schemas.openxmlformats.org/presentationml/2006/main">
   <p:cSld>
     <p:spTree>
@@ -17884,7 +19456,7 @@
 </p:sld>
 </file>
 
-<file path=ppt/slides/slide47.xml><?xml version="1.0" encoding="utf-8"?>
+<file path=ppt/slides/slide45.xml><?xml version="1.0" encoding="utf-8"?>
 <p:sld xmlns:a="http://schemas.openxmlformats.org/drawingml/2006/main" xmlns:r="http://schemas.openxmlformats.org/officeDocument/2006/relationships" xmlns:p="http://schemas.openxmlformats.org/presentationml/2006/main">
   <p:cSld>
     <p:spTree>
@@ -17983,7 +19555,7 @@
 </p:sld>
 </file>
 
-<file path=ppt/slides/slide48.xml><?xml version="1.0" encoding="utf-8"?>
+<file path=ppt/slides/slide46.xml><?xml version="1.0" encoding="utf-8"?>
 <p:sld xmlns:a="http://schemas.openxmlformats.org/drawingml/2006/main" xmlns:r="http://schemas.openxmlformats.org/officeDocument/2006/relationships" xmlns:p="http://schemas.openxmlformats.org/presentationml/2006/main">
   <p:cSld>
     <p:spTree>
@@ -18082,7 +19654,7 @@
 </p:sld>
 </file>
 
-<file path=ppt/slides/slide49.xml><?xml version="1.0" encoding="utf-8"?>
+<file path=ppt/slides/slide47.xml><?xml version="1.0" encoding="utf-8"?>
 <p:sld xmlns:a="http://schemas.openxmlformats.org/drawingml/2006/main" xmlns:r="http://schemas.openxmlformats.org/officeDocument/2006/relationships" xmlns:p="http://schemas.openxmlformats.org/presentationml/2006/main">
   <p:cSld>
     <p:spTree>
@@ -19051,123 +20623,7 @@
 </p:sld>
 </file>
 
-<file path=ppt/slides/slide5.xml><?xml version="1.0" encoding="utf-8"?>
-<p:sld xmlns:a="http://schemas.openxmlformats.org/drawingml/2006/main" xmlns:r="http://schemas.openxmlformats.org/officeDocument/2006/relationships" xmlns:p="http://schemas.openxmlformats.org/presentationml/2006/main">
-  <p:cSld>
-    <p:spTree>
-      <p:nvGrpSpPr>
-        <p:cNvPr id="1" name=""/>
-        <p:cNvGrpSpPr/>
-        <p:nvPr/>
-      </p:nvGrpSpPr>
-      <p:grpSpPr>
-        <a:xfrm>
-          <a:off x="0" y="0"/>
-          <a:ext cx="0" cy="0"/>
-          <a:chOff x="0" y="0"/>
-          <a:chExt cx="0" cy="0"/>
-        </a:xfrm>
-      </p:grpSpPr>
-      <p:sp>
-        <p:nvSpPr>
-          <p:cNvPr id="2" name="标题 1"/>
-          <p:cNvSpPr>
-            <a:spLocks noGrp="1"/>
-          </p:cNvSpPr>
-          <p:nvPr>
-            <p:ph type="title"/>
-          </p:nvPr>
-        </p:nvSpPr>
-        <p:spPr/>
-        <p:txBody>
-          <a:bodyPr/>
-          <a:lstStyle/>
-          <a:p>
-            <a:pPr algn="l"/>
-            <a:r>
-              <a:rPr lang="en-US" altLang="zh-CN" dirty="0" smtClean="0"/>
-              <a:t>Some </a:t>
-            </a:r>
-            <a:r>
-              <a:rPr lang="en-US" altLang="zh-CN" dirty="0" err="1" smtClean="0"/>
-              <a:t>c++</a:t>
-            </a:r>
-            <a:r>
-              <a:rPr lang="en-US" altLang="zh-CN" dirty="0" smtClean="0"/>
-              <a:t> web frameworks</a:t>
-            </a:r>
-            <a:endParaRPr lang="zh-CN" altLang="en-US" dirty="0"/>
-          </a:p>
-        </p:txBody>
-      </p:sp>
-      <p:sp>
-        <p:nvSpPr>
-          <p:cNvPr id="3" name="内容占位符 2"/>
-          <p:cNvSpPr>
-            <a:spLocks noGrp="1"/>
-          </p:cNvSpPr>
-          <p:nvPr>
-            <p:ph idx="1"/>
-          </p:nvPr>
-        </p:nvSpPr>
-        <p:spPr/>
-        <p:txBody>
-          <a:bodyPr/>
-          <a:lstStyle/>
-          <a:p>
-            <a:r>
-              <a:rPr lang="en-US" altLang="zh-CN" dirty="0" err="1" smtClean="0"/>
-              <a:t>Cppcms</a:t>
-            </a:r>
-            <a:endParaRPr lang="en-US" altLang="zh-CN" dirty="0" smtClean="0"/>
-          </a:p>
-          <a:p>
-            <a:r>
-              <a:rPr lang="en-US" altLang="zh-CN" dirty="0" err="1" smtClean="0"/>
-              <a:t>treefrog</a:t>
-            </a:r>
-            <a:r>
-              <a:rPr lang="en-US" altLang="zh-CN" dirty="0" smtClean="0"/>
-              <a:t>-framework</a:t>
-            </a:r>
-          </a:p>
-          <a:p>
-            <a:r>
-              <a:rPr lang="en-US" dirty="0" smtClean="0"/>
-              <a:t>Crow</a:t>
-            </a:r>
-            <a:endParaRPr lang="en-US" altLang="zh-CN" dirty="0" smtClean="0"/>
-          </a:p>
-          <a:p>
-            <a:r>
-              <a:rPr lang="en-US" dirty="0" smtClean="0"/>
-              <a:t>Silicon</a:t>
-            </a:r>
-          </a:p>
-          <a:p>
-            <a:endParaRPr lang="en-US" dirty="0" smtClean="0"/>
-          </a:p>
-          <a:p>
-            <a:endParaRPr lang="zh-CN" altLang="en-US" dirty="0"/>
-          </a:p>
-        </p:txBody>
-      </p:sp>
-    </p:spTree>
-  </p:cSld>
-  <p:clrMapOvr>
-    <a:masterClrMapping/>
-  </p:clrMapOvr>
-  <p:timing>
-    <p:tnLst>
-      <p:par>
-        <p:cTn id="1" dur="indefinite" restart="never" nodeType="tmRoot"/>
-      </p:par>
-    </p:tnLst>
-  </p:timing>
-</p:sld>
-</file>
-
-<file path=ppt/slides/slide50.xml><?xml version="1.0" encoding="utf-8"?>
+<file path=ppt/slides/slide48.xml><?xml version="1.0" encoding="utf-8"?>
 <p:sld xmlns:a="http://schemas.openxmlformats.org/drawingml/2006/main" xmlns:r="http://schemas.openxmlformats.org/officeDocument/2006/relationships" xmlns:p="http://schemas.openxmlformats.org/presentationml/2006/main">
   <p:cSld>
     <p:spTree>
@@ -19308,7 +20764,7 @@
 </p:sld>
 </file>
 
-<file path=ppt/slides/slide51.xml><?xml version="1.0" encoding="utf-8"?>
+<file path=ppt/slides/slide49.xml><?xml version="1.0" encoding="utf-8"?>
 <p:sld xmlns:a="http://schemas.openxmlformats.org/drawingml/2006/main" xmlns:r="http://schemas.openxmlformats.org/officeDocument/2006/relationships" xmlns:p="http://schemas.openxmlformats.org/presentationml/2006/main">
   <p:cSld>
     <p:spTree>
@@ -19420,7 +20876,222 @@
 </p:sld>
 </file>
 
-<file path=ppt/slides/slide52.xml><?xml version="1.0" encoding="utf-8"?>
+<file path=ppt/slides/slide5.xml><?xml version="1.0" encoding="utf-8"?>
+<p:sld xmlns:a="http://schemas.openxmlformats.org/drawingml/2006/main" xmlns:r="http://schemas.openxmlformats.org/officeDocument/2006/relationships" xmlns:p="http://schemas.openxmlformats.org/presentationml/2006/main">
+  <p:cSld>
+    <p:spTree>
+      <p:nvGrpSpPr>
+        <p:cNvPr id="1" name=""/>
+        <p:cNvGrpSpPr/>
+        <p:nvPr/>
+      </p:nvGrpSpPr>
+      <p:grpSpPr>
+        <a:xfrm>
+          <a:off x="0" y="0"/>
+          <a:ext cx="0" cy="0"/>
+          <a:chOff x="0" y="0"/>
+          <a:chExt cx="0" cy="0"/>
+        </a:xfrm>
+      </p:grpSpPr>
+      <p:sp>
+        <p:nvSpPr>
+          <p:cNvPr id="2" name="标题 1"/>
+          <p:cNvSpPr>
+            <a:spLocks noGrp="1"/>
+          </p:cNvSpPr>
+          <p:nvPr>
+            <p:ph type="title"/>
+          </p:nvPr>
+        </p:nvSpPr>
+        <p:spPr/>
+        <p:txBody>
+          <a:bodyPr>
+            <a:normAutofit/>
+          </a:bodyPr>
+          <a:lstStyle/>
+          <a:p>
+            <a:pPr algn="l"/>
+            <a:r>
+              <a:rPr lang="en-US" altLang="zh-CN" dirty="0" smtClean="0"/>
+              <a:t>Some web </a:t>
+            </a:r>
+            <a:r>
+              <a:rPr lang="en-US" altLang="zh-CN" dirty="0" smtClean="0"/>
+              <a:t>frameworks</a:t>
+            </a:r>
+            <a:endParaRPr lang="zh-CN" altLang="en-US" dirty="0"/>
+          </a:p>
+        </p:txBody>
+      </p:sp>
+      <p:sp>
+        <p:nvSpPr>
+          <p:cNvPr id="3" name="内容占位符 2"/>
+          <p:cNvSpPr>
+            <a:spLocks noGrp="1"/>
+          </p:cNvSpPr>
+          <p:nvPr>
+            <p:ph idx="1"/>
+          </p:nvPr>
+        </p:nvSpPr>
+        <p:spPr/>
+        <p:txBody>
+          <a:bodyPr/>
+          <a:lstStyle/>
+          <a:p>
+            <a:endParaRPr lang="zh-CN" altLang="en-US" dirty="0"/>
+          </a:p>
+        </p:txBody>
+      </p:sp>
+      <p:pic>
+        <p:nvPicPr>
+          <p:cNvPr id="1026" name="Picture 2"/>
+          <p:cNvPicPr>
+            <a:picLocks noChangeAspect="1" noChangeArrowheads="1"/>
+          </p:cNvPicPr>
+          <p:nvPr/>
+        </p:nvPicPr>
+        <p:blipFill>
+          <a:blip r:embed="rId2"/>
+          <a:srcRect/>
+          <a:stretch>
+            <a:fillRect/>
+          </a:stretch>
+        </p:blipFill>
+        <p:spPr bwMode="auto">
+          <a:xfrm>
+            <a:off x="1500166" y="1357304"/>
+            <a:ext cx="4615130" cy="1143008"/>
+          </a:xfrm>
+          <a:prstGeom prst="rect">
+            <a:avLst/>
+          </a:prstGeom>
+          <a:noFill/>
+          <a:ln w="9525">
+            <a:noFill/>
+            <a:miter lim="800000"/>
+            <a:headEnd/>
+            <a:tailEnd/>
+          </a:ln>
+          <a:effectLst/>
+        </p:spPr>
+      </p:pic>
+      <p:pic>
+        <p:nvPicPr>
+          <p:cNvPr id="1027" name="Picture 3"/>
+          <p:cNvPicPr>
+            <a:picLocks noChangeAspect="1" noChangeArrowheads="1"/>
+          </p:cNvPicPr>
+          <p:nvPr/>
+        </p:nvPicPr>
+        <p:blipFill>
+          <a:blip r:embed="rId3"/>
+          <a:srcRect/>
+          <a:stretch>
+            <a:fillRect/>
+          </a:stretch>
+        </p:blipFill>
+        <p:spPr bwMode="auto">
+          <a:xfrm>
+            <a:off x="1500166" y="2857502"/>
+            <a:ext cx="3625346" cy="1428760"/>
+          </a:xfrm>
+          <a:prstGeom prst="rect">
+            <a:avLst/>
+          </a:prstGeom>
+          <a:noFill/>
+          <a:ln w="9525">
+            <a:noFill/>
+            <a:miter lim="800000"/>
+            <a:headEnd/>
+            <a:tailEnd/>
+          </a:ln>
+          <a:effectLst/>
+        </p:spPr>
+      </p:pic>
+    </p:spTree>
+  </p:cSld>
+  <p:clrMapOvr>
+    <a:masterClrMapping/>
+  </p:clrMapOvr>
+  <p:timing>
+    <p:tnLst>
+      <p:par>
+        <p:cTn id="1" dur="indefinite" restart="never" nodeType="tmRoot">
+          <p:childTnLst>
+            <p:seq concurrent="1" nextAc="seek">
+              <p:cTn id="2" dur="indefinite" nodeType="mainSeq">
+                <p:childTnLst>
+                  <p:par>
+                    <p:cTn id="3" fill="hold">
+                      <p:stCondLst>
+                        <p:cond delay="indefinite"/>
+                      </p:stCondLst>
+                      <p:childTnLst>
+                        <p:par>
+                          <p:cTn id="4" fill="hold">
+                            <p:stCondLst>
+                              <p:cond delay="0"/>
+                            </p:stCondLst>
+                            <p:childTnLst>
+                              <p:par>
+                                <p:cTn id="5" presetID="1" presetClass="entr" presetSubtype="0" fill="hold" nodeType="clickEffect">
+                                  <p:stCondLst>
+                                    <p:cond delay="0"/>
+                                  </p:stCondLst>
+                                  <p:childTnLst>
+                                    <p:set>
+                                      <p:cBhvr>
+                                        <p:cTn id="6" dur="1" fill="hold">
+                                          <p:stCondLst>
+                                            <p:cond delay="0"/>
+                                          </p:stCondLst>
+                                        </p:cTn>
+                                        <p:tgtEl>
+                                          <p:spTgt spid="1027"/>
+                                        </p:tgtEl>
+                                        <p:attrNameLst>
+                                          <p:attrName>style.visibility</p:attrName>
+                                        </p:attrNameLst>
+                                      </p:cBhvr>
+                                      <p:to>
+                                        <p:strVal val="visible"/>
+                                      </p:to>
+                                    </p:set>
+                                  </p:childTnLst>
+                                </p:cTn>
+                              </p:par>
+                            </p:childTnLst>
+                          </p:cTn>
+                        </p:par>
+                      </p:childTnLst>
+                    </p:cTn>
+                  </p:par>
+                </p:childTnLst>
+              </p:cTn>
+              <p:prevCondLst>
+                <p:cond evt="onPrev" delay="0">
+                  <p:tgtEl>
+                    <p:sldTgt/>
+                  </p:tgtEl>
+                </p:cond>
+              </p:prevCondLst>
+              <p:nextCondLst>
+                <p:cond evt="onNext" delay="0">
+                  <p:tgtEl>
+                    <p:sldTgt/>
+                  </p:tgtEl>
+                </p:cond>
+              </p:nextCondLst>
+            </p:seq>
+          </p:childTnLst>
+        </p:cTn>
+      </p:par>
+    </p:tnLst>
+  </p:timing>
+</p:sld>
+</file>
+
+<file path=ppt/slides/slide50.xml><?xml version="1.0" encoding="utf-8"?>
 <p:sld xmlns:a="http://schemas.openxmlformats.org/drawingml/2006/main" xmlns:r="http://schemas.openxmlformats.org/officeDocument/2006/relationships" xmlns:p="http://schemas.openxmlformats.org/presentationml/2006/main">
   <p:cSld>
     <p:spTree>
@@ -19528,7 +21199,7 @@
 </p:sld>
 </file>
 
-<file path=ppt/slides/slide53.xml><?xml version="1.0" encoding="utf-8"?>
+<file path=ppt/slides/slide51.xml><?xml version="1.0" encoding="utf-8"?>
 <p:sld xmlns:a="http://schemas.openxmlformats.org/drawingml/2006/main" xmlns:r="http://schemas.openxmlformats.org/officeDocument/2006/relationships" xmlns:p="http://schemas.openxmlformats.org/presentationml/2006/main">
   <p:cSld>
     <p:spTree>
@@ -19667,7 +21338,7 @@
 </p:sld>
 </file>
 
-<file path=ppt/slides/slide54.xml><?xml version="1.0" encoding="utf-8"?>
+<file path=ppt/slides/slide52.xml><?xml version="1.0" encoding="utf-8"?>
 <p:sld xmlns:a="http://schemas.openxmlformats.org/drawingml/2006/main" xmlns:r="http://schemas.openxmlformats.org/officeDocument/2006/relationships" xmlns:p="http://schemas.openxmlformats.org/presentationml/2006/main">
   <p:cSld>
     <p:spTree>
@@ -19767,7 +21438,7 @@
 </p:sld>
 </file>
 
-<file path=ppt/slides/slide55.xml><?xml version="1.0" encoding="utf-8"?>
+<file path=ppt/slides/slide53.xml><?xml version="1.0" encoding="utf-8"?>
 <p:sld xmlns:a="http://schemas.openxmlformats.org/drawingml/2006/main" xmlns:r="http://schemas.openxmlformats.org/officeDocument/2006/relationships" xmlns:p="http://schemas.openxmlformats.org/presentationml/2006/main">
   <p:cSld>
     <p:spTree>
@@ -20126,7 +21797,7 @@
 </p:sld>
 </file>
 
-<file path=ppt/slides/slide56.xml><?xml version="1.0" encoding="utf-8"?>
+<file path=ppt/slides/slide54.xml><?xml version="1.0" encoding="utf-8"?>
 <p:sld xmlns:a="http://schemas.openxmlformats.org/drawingml/2006/main" xmlns:r="http://schemas.openxmlformats.org/officeDocument/2006/relationships" xmlns:p="http://schemas.openxmlformats.org/presentationml/2006/main">
   <p:cSld>
     <p:spTree>
@@ -20478,7 +22149,7 @@
 </p:sld>
 </file>
 
-<file path=ppt/slides/slide57.xml><?xml version="1.0" encoding="utf-8"?>
+<file path=ppt/slides/slide55.xml><?xml version="1.0" encoding="utf-8"?>
 <p:sld xmlns:a="http://schemas.openxmlformats.org/drawingml/2006/main" xmlns:r="http://schemas.openxmlformats.org/officeDocument/2006/relationships" xmlns:p="http://schemas.openxmlformats.org/presentationml/2006/main">
   <p:cSld>
     <p:spTree>
@@ -21037,7 +22708,7 @@
 </p:sld>
 </file>
 
-<file path=ppt/slides/slide58.xml><?xml version="1.0" encoding="utf-8"?>
+<file path=ppt/slides/slide56.xml><?xml version="1.0" encoding="utf-8"?>
 <p:sld xmlns:a="http://schemas.openxmlformats.org/drawingml/2006/main" xmlns:r="http://schemas.openxmlformats.org/officeDocument/2006/relationships" xmlns:p="http://schemas.openxmlformats.org/presentationml/2006/main">
   <p:cSld>
     <p:spTree>
@@ -21871,7 +23542,7 @@
 </p:sld>
 </file>
 
-<file path=ppt/slides/slide59.xml><?xml version="1.0" encoding="utf-8"?>
+<file path=ppt/slides/slide57.xml><?xml version="1.0" encoding="utf-8"?>
 <p:sld xmlns:a="http://schemas.openxmlformats.org/drawingml/2006/main" xmlns:r="http://schemas.openxmlformats.org/officeDocument/2006/relationships" xmlns:p="http://schemas.openxmlformats.org/presentationml/2006/main">
   <p:cSld>
     <p:spTree>
@@ -22238,517 +23909,7 @@
 </p:sld>
 </file>
 
-<file path=ppt/slides/slide6.xml><?xml version="1.0" encoding="utf-8"?>
-<p:sld xmlns:a="http://schemas.openxmlformats.org/drawingml/2006/main" xmlns:r="http://schemas.openxmlformats.org/officeDocument/2006/relationships" xmlns:p="http://schemas.openxmlformats.org/presentationml/2006/main">
-  <p:cSld>
-    <p:spTree>
-      <p:nvGrpSpPr>
-        <p:cNvPr id="1" name=""/>
-        <p:cNvGrpSpPr/>
-        <p:nvPr/>
-      </p:nvGrpSpPr>
-      <p:grpSpPr>
-        <a:xfrm>
-          <a:off x="0" y="0"/>
-          <a:ext cx="0" cy="0"/>
-          <a:chOff x="0" y="0"/>
-          <a:chExt cx="0" cy="0"/>
-        </a:xfrm>
-      </p:grpSpPr>
-      <p:sp>
-        <p:nvSpPr>
-          <p:cNvPr id="2" name="标题 1"/>
-          <p:cNvSpPr>
-            <a:spLocks noGrp="1"/>
-          </p:cNvSpPr>
-          <p:nvPr>
-            <p:ph type="title"/>
-          </p:nvPr>
-        </p:nvSpPr>
-        <p:spPr/>
-        <p:txBody>
-          <a:bodyPr/>
-          <a:lstStyle/>
-          <a:p>
-            <a:pPr algn="l"/>
-            <a:r>
-              <a:rPr lang="en-US" altLang="zh-CN" dirty="0" err="1" smtClean="0"/>
-              <a:t>cppcms</a:t>
-            </a:r>
-            <a:endParaRPr lang="zh-CN" altLang="en-US" dirty="0"/>
-          </a:p>
-        </p:txBody>
-      </p:sp>
-      <p:sp>
-        <p:nvSpPr>
-          <p:cNvPr id="3" name="内容占位符 2"/>
-          <p:cNvSpPr>
-            <a:spLocks noGrp="1"/>
-          </p:cNvSpPr>
-          <p:nvPr>
-            <p:ph idx="1"/>
-          </p:nvPr>
-        </p:nvSpPr>
-        <p:spPr/>
-        <p:txBody>
-          <a:bodyPr/>
-          <a:lstStyle/>
-          <a:p>
-            <a:endParaRPr lang="zh-CN" altLang="en-US" dirty="0"/>
-          </a:p>
-        </p:txBody>
-      </p:sp>
-      <p:sp>
-        <p:nvSpPr>
-          <p:cNvPr id="5" name="矩形 4"/>
-          <p:cNvSpPr/>
-          <p:nvPr/>
-        </p:nvSpPr>
-        <p:spPr>
-          <a:xfrm>
-            <a:off x="4714876" y="2214560"/>
-            <a:ext cx="2851550" cy="584775"/>
-          </a:xfrm>
-          <a:prstGeom prst="rect">
-            <a:avLst/>
-          </a:prstGeom>
-        </p:spPr>
-        <p:txBody>
-          <a:bodyPr wrap="none">
-            <a:spAutoFit/>
-          </a:bodyPr>
-          <a:lstStyle/>
-          <a:p>
-            <a:r>
-              <a:rPr lang="en-US" altLang="zh-CN" sz="1600" dirty="0" smtClean="0"/>
-              <a:t>Need a special compiler to build</a:t>
-            </a:r>
-          </a:p>
-          <a:p>
-            <a:r>
-              <a:rPr lang="en-US" altLang="zh-CN" sz="1600" dirty="0" smtClean="0"/>
-              <a:t>html template</a:t>
-            </a:r>
-            <a:endParaRPr lang="zh-CN" altLang="en-US" sz="1600" dirty="0"/>
-          </a:p>
-        </p:txBody>
-      </p:sp>
-      <p:sp>
-        <p:nvSpPr>
-          <p:cNvPr id="6" name="矩形 5"/>
-          <p:cNvSpPr/>
-          <p:nvPr/>
-        </p:nvSpPr>
-        <p:spPr>
-          <a:xfrm>
-            <a:off x="4357686" y="3214692"/>
-            <a:ext cx="3750322" cy="338554"/>
-          </a:xfrm>
-          <a:prstGeom prst="rect">
-            <a:avLst/>
-          </a:prstGeom>
-        </p:spPr>
-        <p:txBody>
-          <a:bodyPr wrap="none">
-            <a:spAutoFit/>
-          </a:bodyPr>
-          <a:lstStyle/>
-          <a:p>
-            <a:r>
-              <a:rPr lang="en-US" altLang="zh-CN" sz="1600" dirty="0" err="1" smtClean="0"/>
-              <a:t>Cppcms</a:t>
-            </a:r>
-            <a:r>
-              <a:rPr lang="en-US" altLang="zh-CN" sz="1600" dirty="0" smtClean="0"/>
-              <a:t> is not easy to use, not modern </a:t>
-            </a:r>
-            <a:r>
-              <a:rPr lang="en-US" altLang="zh-CN" sz="1600" dirty="0" err="1" smtClean="0"/>
-              <a:t>c++</a:t>
-            </a:r>
-            <a:endParaRPr lang="zh-CN" altLang="en-US" sz="1600" dirty="0"/>
-          </a:p>
-        </p:txBody>
-      </p:sp>
-      <p:sp>
-        <p:nvSpPr>
-          <p:cNvPr id="7" name="矩形 6"/>
-          <p:cNvSpPr/>
-          <p:nvPr/>
-        </p:nvSpPr>
-        <p:spPr>
-          <a:xfrm>
-            <a:off x="4214810" y="1643056"/>
-            <a:ext cx="4251870" cy="338554"/>
-          </a:xfrm>
-          <a:prstGeom prst="rect">
-            <a:avLst/>
-          </a:prstGeom>
-        </p:spPr>
-        <p:txBody>
-          <a:bodyPr wrap="none">
-            <a:spAutoFit/>
-          </a:bodyPr>
-          <a:lstStyle/>
-          <a:p>
-            <a:r>
-              <a:rPr lang="en-US" altLang="zh-CN" sz="1600" dirty="0" smtClean="0"/>
-              <a:t>You have to know many details of the framework</a:t>
-            </a:r>
-            <a:endParaRPr lang="zh-CN" altLang="en-US" sz="1600" dirty="0"/>
-          </a:p>
-        </p:txBody>
-      </p:sp>
-      <p:pic>
-        <p:nvPicPr>
-          <p:cNvPr id="1027" name="Picture 3"/>
-          <p:cNvPicPr>
-            <a:picLocks noChangeAspect="1" noChangeArrowheads="1"/>
-          </p:cNvPicPr>
-          <p:nvPr/>
-        </p:nvPicPr>
-        <p:blipFill>
-          <a:blip r:embed="rId2"/>
-          <a:srcRect/>
-          <a:stretch>
-            <a:fillRect/>
-          </a:stretch>
-        </p:blipFill>
-        <p:spPr bwMode="auto">
-          <a:xfrm>
-            <a:off x="500192" y="1214428"/>
-            <a:ext cx="3571742" cy="2357454"/>
-          </a:xfrm>
-          <a:prstGeom prst="rect">
-            <a:avLst/>
-          </a:prstGeom>
-          <a:noFill/>
-          <a:ln w="9525">
-            <a:noFill/>
-            <a:miter lim="800000"/>
-            <a:headEnd/>
-            <a:tailEnd/>
-          </a:ln>
-          <a:effectLst/>
-        </p:spPr>
-      </p:pic>
-    </p:spTree>
-  </p:cSld>
-  <p:clrMapOvr>
-    <a:masterClrMapping/>
-  </p:clrMapOvr>
-  <p:timing>
-    <p:tnLst>
-      <p:par>
-        <p:cTn id="1" dur="indefinite" restart="never" nodeType="tmRoot">
-          <p:childTnLst>
-            <p:seq concurrent="1" nextAc="seek">
-              <p:cTn id="2" dur="indefinite" nodeType="mainSeq">
-                <p:childTnLst>
-                  <p:par>
-                    <p:cTn id="3" fill="hold">
-                      <p:stCondLst>
-                        <p:cond delay="indefinite"/>
-                      </p:stCondLst>
-                      <p:childTnLst>
-                        <p:par>
-                          <p:cTn id="4" fill="hold">
-                            <p:stCondLst>
-                              <p:cond delay="0"/>
-                            </p:stCondLst>
-                            <p:childTnLst>
-                              <p:par>
-                                <p:cTn id="5" presetID="2" presetClass="entr" presetSubtype="4" fill="hold" grpId="0" nodeType="clickEffect">
-                                  <p:stCondLst>
-                                    <p:cond delay="0"/>
-                                  </p:stCondLst>
-                                  <p:childTnLst>
-                                    <p:set>
-                                      <p:cBhvr>
-                                        <p:cTn id="6" dur="1" fill="hold">
-                                          <p:stCondLst>
-                                            <p:cond delay="0"/>
-                                          </p:stCondLst>
-                                        </p:cTn>
-                                        <p:tgtEl>
-                                          <p:spTgt spid="7"/>
-                                        </p:tgtEl>
-                                        <p:attrNameLst>
-                                          <p:attrName>style.visibility</p:attrName>
-                                        </p:attrNameLst>
-                                      </p:cBhvr>
-                                      <p:to>
-                                        <p:strVal val="visible"/>
-                                      </p:to>
-                                    </p:set>
-                                    <p:anim calcmode="lin" valueType="num">
-                                      <p:cBhvr additive="base">
-                                        <p:cTn id="7" dur="500" fill="hold"/>
-                                        <p:tgtEl>
-                                          <p:spTgt spid="7"/>
-                                        </p:tgtEl>
-                                        <p:attrNameLst>
-                                          <p:attrName>ppt_x</p:attrName>
-                                        </p:attrNameLst>
-                                      </p:cBhvr>
-                                      <p:tavLst>
-                                        <p:tav tm="0">
-                                          <p:val>
-                                            <p:strVal val="#ppt_x"/>
-                                          </p:val>
-                                        </p:tav>
-                                        <p:tav tm="100000">
-                                          <p:val>
-                                            <p:strVal val="#ppt_x"/>
-                                          </p:val>
-                                        </p:tav>
-                                      </p:tavLst>
-                                    </p:anim>
-                                    <p:anim calcmode="lin" valueType="num">
-                                      <p:cBhvr additive="base">
-                                        <p:cTn id="8" dur="500" fill="hold"/>
-                                        <p:tgtEl>
-                                          <p:spTgt spid="7"/>
-                                        </p:tgtEl>
-                                        <p:attrNameLst>
-                                          <p:attrName>ppt_y</p:attrName>
-                                        </p:attrNameLst>
-                                      </p:cBhvr>
-                                      <p:tavLst>
-                                        <p:tav tm="0">
-                                          <p:val>
-                                            <p:strVal val="1+#ppt_h/2"/>
-                                          </p:val>
-                                        </p:tav>
-                                        <p:tav tm="100000">
-                                          <p:val>
-                                            <p:strVal val="#ppt_y"/>
-                                          </p:val>
-                                        </p:tav>
-                                      </p:tavLst>
-                                    </p:anim>
-                                  </p:childTnLst>
-                                </p:cTn>
-                              </p:par>
-                            </p:childTnLst>
-                          </p:cTn>
-                        </p:par>
-                      </p:childTnLst>
-                    </p:cTn>
-                  </p:par>
-                  <p:par>
-                    <p:cTn id="9" fill="hold">
-                      <p:stCondLst>
-                        <p:cond delay="indefinite"/>
-                      </p:stCondLst>
-                      <p:childTnLst>
-                        <p:par>
-                          <p:cTn id="10" fill="hold">
-                            <p:stCondLst>
-                              <p:cond delay="0"/>
-                            </p:stCondLst>
-                            <p:childTnLst>
-                              <p:par>
-                                <p:cTn id="11" presetID="2" presetClass="entr" presetSubtype="4" fill="hold" grpId="0" nodeType="clickEffect">
-                                  <p:stCondLst>
-                                    <p:cond delay="0"/>
-                                  </p:stCondLst>
-                                  <p:childTnLst>
-                                    <p:set>
-                                      <p:cBhvr>
-                                        <p:cTn id="12" dur="1" fill="hold">
-                                          <p:stCondLst>
-                                            <p:cond delay="0"/>
-                                          </p:stCondLst>
-                                        </p:cTn>
-                                        <p:tgtEl>
-                                          <p:spTgt spid="5"/>
-                                        </p:tgtEl>
-                                        <p:attrNameLst>
-                                          <p:attrName>style.visibility</p:attrName>
-                                        </p:attrNameLst>
-                                      </p:cBhvr>
-                                      <p:to>
-                                        <p:strVal val="visible"/>
-                                      </p:to>
-                                    </p:set>
-                                    <p:anim calcmode="lin" valueType="num">
-                                      <p:cBhvr additive="base">
-                                        <p:cTn id="13" dur="500" fill="hold"/>
-                                        <p:tgtEl>
-                                          <p:spTgt spid="5"/>
-                                        </p:tgtEl>
-                                        <p:attrNameLst>
-                                          <p:attrName>ppt_x</p:attrName>
-                                        </p:attrNameLst>
-                                      </p:cBhvr>
-                                      <p:tavLst>
-                                        <p:tav tm="0">
-                                          <p:val>
-                                            <p:strVal val="#ppt_x"/>
-                                          </p:val>
-                                        </p:tav>
-                                        <p:tav tm="100000">
-                                          <p:val>
-                                            <p:strVal val="#ppt_x"/>
-                                          </p:val>
-                                        </p:tav>
-                                      </p:tavLst>
-                                    </p:anim>
-                                    <p:anim calcmode="lin" valueType="num">
-                                      <p:cBhvr additive="base">
-                                        <p:cTn id="14" dur="500" fill="hold"/>
-                                        <p:tgtEl>
-                                          <p:spTgt spid="5"/>
-                                        </p:tgtEl>
-                                        <p:attrNameLst>
-                                          <p:attrName>ppt_y</p:attrName>
-                                        </p:attrNameLst>
-                                      </p:cBhvr>
-                                      <p:tavLst>
-                                        <p:tav tm="0">
-                                          <p:val>
-                                            <p:strVal val="1+#ppt_h/2"/>
-                                          </p:val>
-                                        </p:tav>
-                                        <p:tav tm="100000">
-                                          <p:val>
-                                            <p:strVal val="#ppt_y"/>
-                                          </p:val>
-                                        </p:tav>
-                                      </p:tavLst>
-                                    </p:anim>
-                                  </p:childTnLst>
-                                </p:cTn>
-                              </p:par>
-                            </p:childTnLst>
-                          </p:cTn>
-                        </p:par>
-                      </p:childTnLst>
-                    </p:cTn>
-                  </p:par>
-                  <p:par>
-                    <p:cTn id="15" fill="hold">
-                      <p:stCondLst>
-                        <p:cond delay="indefinite"/>
-                      </p:stCondLst>
-                      <p:childTnLst>
-                        <p:par>
-                          <p:cTn id="16" fill="hold">
-                            <p:stCondLst>
-                              <p:cond delay="0"/>
-                            </p:stCondLst>
-                            <p:childTnLst>
-                              <p:par>
-                                <p:cTn id="17" presetID="2" presetClass="entr" presetSubtype="4" fill="hold" grpId="0" nodeType="clickEffect">
-                                  <p:stCondLst>
-                                    <p:cond delay="0"/>
-                                  </p:stCondLst>
-                                  <p:childTnLst>
-                                    <p:set>
-                                      <p:cBhvr>
-                                        <p:cTn id="18" dur="1" fill="hold">
-                                          <p:stCondLst>
-                                            <p:cond delay="0"/>
-                                          </p:stCondLst>
-                                        </p:cTn>
-                                        <p:tgtEl>
-                                          <p:spTgt spid="6"/>
-                                        </p:tgtEl>
-                                        <p:attrNameLst>
-                                          <p:attrName>style.visibility</p:attrName>
-                                        </p:attrNameLst>
-                                      </p:cBhvr>
-                                      <p:to>
-                                        <p:strVal val="visible"/>
-                                      </p:to>
-                                    </p:set>
-                                    <p:anim calcmode="lin" valueType="num">
-                                      <p:cBhvr additive="base">
-                                        <p:cTn id="19" dur="500" fill="hold"/>
-                                        <p:tgtEl>
-                                          <p:spTgt spid="6"/>
-                                        </p:tgtEl>
-                                        <p:attrNameLst>
-                                          <p:attrName>ppt_x</p:attrName>
-                                        </p:attrNameLst>
-                                      </p:cBhvr>
-                                      <p:tavLst>
-                                        <p:tav tm="0">
-                                          <p:val>
-                                            <p:strVal val="#ppt_x"/>
-                                          </p:val>
-                                        </p:tav>
-                                        <p:tav tm="100000">
-                                          <p:val>
-                                            <p:strVal val="#ppt_x"/>
-                                          </p:val>
-                                        </p:tav>
-                                      </p:tavLst>
-                                    </p:anim>
-                                    <p:anim calcmode="lin" valueType="num">
-                                      <p:cBhvr additive="base">
-                                        <p:cTn id="20" dur="500" fill="hold"/>
-                                        <p:tgtEl>
-                                          <p:spTgt spid="6"/>
-                                        </p:tgtEl>
-                                        <p:attrNameLst>
-                                          <p:attrName>ppt_y</p:attrName>
-                                        </p:attrNameLst>
-                                      </p:cBhvr>
-                                      <p:tavLst>
-                                        <p:tav tm="0">
-                                          <p:val>
-                                            <p:strVal val="1+#ppt_h/2"/>
-                                          </p:val>
-                                        </p:tav>
-                                        <p:tav tm="100000">
-                                          <p:val>
-                                            <p:strVal val="#ppt_y"/>
-                                          </p:val>
-                                        </p:tav>
-                                      </p:tavLst>
-                                    </p:anim>
-                                  </p:childTnLst>
-                                </p:cTn>
-                              </p:par>
-                            </p:childTnLst>
-                          </p:cTn>
-                        </p:par>
-                      </p:childTnLst>
-                    </p:cTn>
-                  </p:par>
-                </p:childTnLst>
-              </p:cTn>
-              <p:prevCondLst>
-                <p:cond evt="onPrev" delay="0">
-                  <p:tgtEl>
-                    <p:sldTgt/>
-                  </p:tgtEl>
-                </p:cond>
-              </p:prevCondLst>
-              <p:nextCondLst>
-                <p:cond evt="onNext" delay="0">
-                  <p:tgtEl>
-                    <p:sldTgt/>
-                  </p:tgtEl>
-                </p:cond>
-              </p:nextCondLst>
-            </p:seq>
-          </p:childTnLst>
-        </p:cTn>
-      </p:par>
-    </p:tnLst>
-    <p:bldLst>
-      <p:bldP spid="5" grpId="0"/>
-      <p:bldP spid="6" grpId="0"/>
-      <p:bldP spid="7" grpId="0"/>
-    </p:bldLst>
-  </p:timing>
-</p:sld>
-</file>
-
-<file path=ppt/slides/slide60.xml><?xml version="1.0" encoding="utf-8"?>
+<file path=ppt/slides/slide58.xml><?xml version="1.0" encoding="utf-8"?>
 <p:sld xmlns:a="http://schemas.openxmlformats.org/drawingml/2006/main" xmlns:r="http://schemas.openxmlformats.org/officeDocument/2006/relationships" xmlns:p="http://schemas.openxmlformats.org/presentationml/2006/main">
   <p:cSld>
     <p:spTree>
@@ -22852,7 +24013,7 @@
 </p:sld>
 </file>
 
-<file path=ppt/slides/slide61.xml><?xml version="1.0" encoding="utf-8"?>
+<file path=ppt/slides/slide59.xml><?xml version="1.0" encoding="utf-8"?>
 <p:sld xmlns:a="http://schemas.openxmlformats.org/drawingml/2006/main" xmlns:r="http://schemas.openxmlformats.org/officeDocument/2006/relationships" xmlns:p="http://schemas.openxmlformats.org/presentationml/2006/main">
   <p:cSld>
     <p:spTree>
@@ -22981,7 +24142,386 @@
 </p:sld>
 </file>
 
-<file path=ppt/slides/slide62.xml><?xml version="1.0" encoding="utf-8"?>
+<file path=ppt/slides/slide6.xml><?xml version="1.0" encoding="utf-8"?>
+<p:sld xmlns:a="http://schemas.openxmlformats.org/drawingml/2006/main" xmlns:r="http://schemas.openxmlformats.org/officeDocument/2006/relationships" xmlns:p="http://schemas.openxmlformats.org/presentationml/2006/main">
+  <p:cSld>
+    <p:spTree>
+      <p:nvGrpSpPr>
+        <p:cNvPr id="1" name=""/>
+        <p:cNvGrpSpPr/>
+        <p:nvPr/>
+      </p:nvGrpSpPr>
+      <p:grpSpPr>
+        <a:xfrm>
+          <a:off x="0" y="0"/>
+          <a:ext cx="0" cy="0"/>
+          <a:chOff x="0" y="0"/>
+          <a:chExt cx="0" cy="0"/>
+        </a:xfrm>
+      </p:grpSpPr>
+      <p:sp>
+        <p:nvSpPr>
+          <p:cNvPr id="2" name="标题 1"/>
+          <p:cNvSpPr>
+            <a:spLocks noGrp="1"/>
+          </p:cNvSpPr>
+          <p:nvPr>
+            <p:ph type="title"/>
+          </p:nvPr>
+        </p:nvSpPr>
+        <p:spPr/>
+        <p:txBody>
+          <a:bodyPr/>
+          <a:lstStyle/>
+          <a:p>
+            <a:pPr algn="l"/>
+            <a:r>
+              <a:rPr lang="en-US" altLang="zh-CN" dirty="0" smtClean="0"/>
+              <a:t>Some web frameworks</a:t>
+            </a:r>
+            <a:endParaRPr lang="zh-CN" altLang="en-US" dirty="0"/>
+          </a:p>
+        </p:txBody>
+      </p:sp>
+      <p:sp>
+        <p:nvSpPr>
+          <p:cNvPr id="3" name="内容占位符 2"/>
+          <p:cNvSpPr>
+            <a:spLocks noGrp="1"/>
+          </p:cNvSpPr>
+          <p:nvPr>
+            <p:ph idx="1"/>
+          </p:nvPr>
+        </p:nvSpPr>
+        <p:spPr/>
+        <p:txBody>
+          <a:bodyPr/>
+          <a:lstStyle/>
+          <a:p>
+            <a:endParaRPr lang="zh-CN" altLang="en-US"/>
+          </a:p>
+        </p:txBody>
+      </p:sp>
+      <p:pic>
+        <p:nvPicPr>
+          <p:cNvPr id="2050" name="Picture 2"/>
+          <p:cNvPicPr>
+            <a:picLocks noChangeAspect="1" noChangeArrowheads="1"/>
+          </p:cNvPicPr>
+          <p:nvPr/>
+        </p:nvPicPr>
+        <p:blipFill>
+          <a:blip r:embed="rId2"/>
+          <a:srcRect/>
+          <a:stretch>
+            <a:fillRect/>
+          </a:stretch>
+        </p:blipFill>
+        <p:spPr bwMode="auto">
+          <a:xfrm>
+            <a:off x="500034" y="1214428"/>
+            <a:ext cx="7624562" cy="1785950"/>
+          </a:xfrm>
+          <a:prstGeom prst="rect">
+            <a:avLst/>
+          </a:prstGeom>
+          <a:noFill/>
+          <a:ln w="9525">
+            <a:noFill/>
+            <a:miter lim="800000"/>
+            <a:headEnd/>
+            <a:tailEnd/>
+          </a:ln>
+          <a:effectLst/>
+        </p:spPr>
+      </p:pic>
+      <p:pic>
+        <p:nvPicPr>
+          <p:cNvPr id="2051" name="Picture 3"/>
+          <p:cNvPicPr>
+            <a:picLocks noChangeAspect="1" noChangeArrowheads="1"/>
+          </p:cNvPicPr>
+          <p:nvPr/>
+        </p:nvPicPr>
+        <p:blipFill>
+          <a:blip r:embed="rId3"/>
+          <a:srcRect/>
+          <a:stretch>
+            <a:fillRect/>
+          </a:stretch>
+        </p:blipFill>
+        <p:spPr bwMode="auto">
+          <a:xfrm>
+            <a:off x="1214414" y="1142990"/>
+            <a:ext cx="4084637" cy="3376613"/>
+          </a:xfrm>
+          <a:prstGeom prst="rect">
+            <a:avLst/>
+          </a:prstGeom>
+          <a:noFill/>
+          <a:ln w="9525">
+            <a:noFill/>
+            <a:miter lim="800000"/>
+            <a:headEnd/>
+            <a:tailEnd/>
+          </a:ln>
+          <a:effectLst/>
+        </p:spPr>
+      </p:pic>
+      <p:pic>
+        <p:nvPicPr>
+          <p:cNvPr id="2052" name="Picture 4"/>
+          <p:cNvPicPr>
+            <a:picLocks noChangeAspect="1" noChangeArrowheads="1"/>
+          </p:cNvPicPr>
+          <p:nvPr/>
+        </p:nvPicPr>
+        <p:blipFill>
+          <a:blip r:embed="rId4"/>
+          <a:srcRect/>
+          <a:stretch>
+            <a:fillRect/>
+          </a:stretch>
+        </p:blipFill>
+        <p:spPr bwMode="auto">
+          <a:xfrm>
+            <a:off x="1857356" y="1428742"/>
+            <a:ext cx="5746750" cy="2468563"/>
+          </a:xfrm>
+          <a:prstGeom prst="rect">
+            <a:avLst/>
+          </a:prstGeom>
+          <a:noFill/>
+          <a:ln w="9525">
+            <a:noFill/>
+            <a:miter lim="800000"/>
+            <a:headEnd/>
+            <a:tailEnd/>
+          </a:ln>
+          <a:effectLst/>
+        </p:spPr>
+      </p:pic>
+    </p:spTree>
+  </p:cSld>
+  <p:clrMapOvr>
+    <a:masterClrMapping/>
+  </p:clrMapOvr>
+  <p:timing>
+    <p:tnLst>
+      <p:par>
+        <p:cTn id="1" dur="indefinite" restart="never" nodeType="tmRoot">
+          <p:childTnLst>
+            <p:seq concurrent="1" nextAc="seek">
+              <p:cTn id="2" dur="indefinite" nodeType="mainSeq">
+                <p:childTnLst>
+                  <p:par>
+                    <p:cTn id="3" fill="hold">
+                      <p:stCondLst>
+                        <p:cond delay="indefinite"/>
+                      </p:stCondLst>
+                      <p:childTnLst>
+                        <p:par>
+                          <p:cTn id="4" fill="hold">
+                            <p:stCondLst>
+                              <p:cond delay="0"/>
+                            </p:stCondLst>
+                            <p:childTnLst>
+                              <p:par>
+                                <p:cTn id="5" presetID="2" presetClass="entr" presetSubtype="4" fill="hold" nodeType="clickEffect">
+                                  <p:stCondLst>
+                                    <p:cond delay="0"/>
+                                  </p:stCondLst>
+                                  <p:childTnLst>
+                                    <p:set>
+                                      <p:cBhvr>
+                                        <p:cTn id="6" dur="1" fill="hold">
+                                          <p:stCondLst>
+                                            <p:cond delay="0"/>
+                                          </p:stCondLst>
+                                        </p:cTn>
+                                        <p:tgtEl>
+                                          <p:spTgt spid="2051"/>
+                                        </p:tgtEl>
+                                        <p:attrNameLst>
+                                          <p:attrName>style.visibility</p:attrName>
+                                        </p:attrNameLst>
+                                      </p:cBhvr>
+                                      <p:to>
+                                        <p:strVal val="visible"/>
+                                      </p:to>
+                                    </p:set>
+                                    <p:anim calcmode="lin" valueType="num">
+                                      <p:cBhvr additive="base">
+                                        <p:cTn id="7" dur="500" fill="hold"/>
+                                        <p:tgtEl>
+                                          <p:spTgt spid="2051"/>
+                                        </p:tgtEl>
+                                        <p:attrNameLst>
+                                          <p:attrName>ppt_x</p:attrName>
+                                        </p:attrNameLst>
+                                      </p:cBhvr>
+                                      <p:tavLst>
+                                        <p:tav tm="0">
+                                          <p:val>
+                                            <p:strVal val="#ppt_x"/>
+                                          </p:val>
+                                        </p:tav>
+                                        <p:tav tm="100000">
+                                          <p:val>
+                                            <p:strVal val="#ppt_x"/>
+                                          </p:val>
+                                        </p:tav>
+                                      </p:tavLst>
+                                    </p:anim>
+                                    <p:anim calcmode="lin" valueType="num">
+                                      <p:cBhvr additive="base">
+                                        <p:cTn id="8" dur="500" fill="hold"/>
+                                        <p:tgtEl>
+                                          <p:spTgt spid="2051"/>
+                                        </p:tgtEl>
+                                        <p:attrNameLst>
+                                          <p:attrName>ppt_y</p:attrName>
+                                        </p:attrNameLst>
+                                      </p:cBhvr>
+                                      <p:tavLst>
+                                        <p:tav tm="0">
+                                          <p:val>
+                                            <p:strVal val="1+#ppt_h/2"/>
+                                          </p:val>
+                                        </p:tav>
+                                        <p:tav tm="100000">
+                                          <p:val>
+                                            <p:strVal val="#ppt_y"/>
+                                          </p:val>
+                                        </p:tav>
+                                      </p:tavLst>
+                                    </p:anim>
+                                  </p:childTnLst>
+                                </p:cTn>
+                              </p:par>
+                            </p:childTnLst>
+                          </p:cTn>
+                        </p:par>
+                      </p:childTnLst>
+                    </p:cTn>
+                  </p:par>
+                  <p:par>
+                    <p:cTn id="9" fill="hold">
+                      <p:stCondLst>
+                        <p:cond delay="indefinite"/>
+                      </p:stCondLst>
+                      <p:childTnLst>
+                        <p:par>
+                          <p:cTn id="10" fill="hold">
+                            <p:stCondLst>
+                              <p:cond delay="0"/>
+                            </p:stCondLst>
+                            <p:childTnLst>
+                              <p:par>
+                                <p:cTn id="11" presetID="2" presetClass="entr" presetSubtype="4" fill="hold" nodeType="clickEffect">
+                                  <p:stCondLst>
+                                    <p:cond delay="0"/>
+                                  </p:stCondLst>
+                                  <p:childTnLst>
+                                    <p:set>
+                                      <p:cBhvr>
+                                        <p:cTn id="12" dur="1" fill="hold">
+                                          <p:stCondLst>
+                                            <p:cond delay="0"/>
+                                          </p:stCondLst>
+                                        </p:cTn>
+                                        <p:tgtEl>
+                                          <p:spTgt spid="2052"/>
+                                        </p:tgtEl>
+                                        <p:attrNameLst>
+                                          <p:attrName>style.visibility</p:attrName>
+                                        </p:attrNameLst>
+                                      </p:cBhvr>
+                                      <p:to>
+                                        <p:strVal val="visible"/>
+                                      </p:to>
+                                    </p:set>
+                                    <p:anim calcmode="lin" valueType="num">
+                                      <p:cBhvr additive="base">
+                                        <p:cTn id="13" dur="500" fill="hold"/>
+                                        <p:tgtEl>
+                                          <p:spTgt spid="2052"/>
+                                        </p:tgtEl>
+                                        <p:attrNameLst>
+                                          <p:attrName>ppt_x</p:attrName>
+                                        </p:attrNameLst>
+                                      </p:cBhvr>
+                                      <p:tavLst>
+                                        <p:tav tm="0">
+                                          <p:val>
+                                            <p:strVal val="#ppt_x"/>
+                                          </p:val>
+                                        </p:tav>
+                                        <p:tav tm="100000">
+                                          <p:val>
+                                            <p:strVal val="#ppt_x"/>
+                                          </p:val>
+                                        </p:tav>
+                                      </p:tavLst>
+                                    </p:anim>
+                                    <p:anim calcmode="lin" valueType="num">
+                                      <p:cBhvr additive="base">
+                                        <p:cTn id="14" dur="500" fill="hold"/>
+                                        <p:tgtEl>
+                                          <p:spTgt spid="2052"/>
+                                        </p:tgtEl>
+                                        <p:attrNameLst>
+                                          <p:attrName>ppt_y</p:attrName>
+                                        </p:attrNameLst>
+                                      </p:cBhvr>
+                                      <p:tavLst>
+                                        <p:tav tm="0">
+                                          <p:val>
+                                            <p:strVal val="1+#ppt_h/2"/>
+                                          </p:val>
+                                        </p:tav>
+                                        <p:tav tm="100000">
+                                          <p:val>
+                                            <p:strVal val="#ppt_y"/>
+                                          </p:val>
+                                        </p:tav>
+                                      </p:tavLst>
+                                    </p:anim>
+                                  </p:childTnLst>
+                                </p:cTn>
+                              </p:par>
+                            </p:childTnLst>
+                          </p:cTn>
+                        </p:par>
+                      </p:childTnLst>
+                    </p:cTn>
+                  </p:par>
+                </p:childTnLst>
+              </p:cTn>
+              <p:prevCondLst>
+                <p:cond evt="onPrev" delay="0">
+                  <p:tgtEl>
+                    <p:sldTgt/>
+                  </p:tgtEl>
+                </p:cond>
+              </p:prevCondLst>
+              <p:nextCondLst>
+                <p:cond evt="onNext" delay="0">
+                  <p:tgtEl>
+                    <p:sldTgt/>
+                  </p:tgtEl>
+                </p:cond>
+              </p:nextCondLst>
+            </p:seq>
+          </p:childTnLst>
+        </p:cTn>
+      </p:par>
+    </p:tnLst>
+  </p:timing>
+</p:sld>
+</file>
+
+<file path=ppt/slides/slide60.xml><?xml version="1.0" encoding="utf-8"?>
 <p:sld xmlns:a="http://schemas.openxmlformats.org/drawingml/2006/main" xmlns:r="http://schemas.openxmlformats.org/officeDocument/2006/relationships" xmlns:p="http://schemas.openxmlformats.org/presentationml/2006/main">
   <p:cSld>
     <p:spTree>
@@ -23089,7 +24629,7 @@
 </p:sld>
 </file>
 
-<file path=ppt/slides/slide63.xml><?xml version="1.0" encoding="utf-8"?>
+<file path=ppt/slides/slide61.xml><?xml version="1.0" encoding="utf-8"?>
 <p:sld xmlns:a="http://schemas.openxmlformats.org/drawingml/2006/main" xmlns:r="http://schemas.openxmlformats.org/officeDocument/2006/relationships" xmlns:p="http://schemas.openxmlformats.org/presentationml/2006/main">
   <p:cSld>
     <p:spTree>
@@ -23230,7 +24770,7 @@
 </p:sld>
 </file>
 
-<file path=ppt/slides/slide64.xml><?xml version="1.0" encoding="utf-8"?>
+<file path=ppt/slides/slide62.xml><?xml version="1.0" encoding="utf-8"?>
 <p:sld xmlns:a="http://schemas.openxmlformats.org/drawingml/2006/main" xmlns:r="http://schemas.openxmlformats.org/officeDocument/2006/relationships" xmlns:p="http://schemas.openxmlformats.org/presentationml/2006/main">
   <p:cSld>
     <p:spTree>
@@ -23334,7 +24874,7 @@
 </p:sld>
 </file>
 
-<file path=ppt/slides/slide65.xml><?xml version="1.0" encoding="utf-8"?>
+<file path=ppt/slides/slide63.xml><?xml version="1.0" encoding="utf-8"?>
 <p:sld xmlns:a="http://schemas.openxmlformats.org/drawingml/2006/main" xmlns:r="http://schemas.openxmlformats.org/officeDocument/2006/relationships" xmlns:p="http://schemas.openxmlformats.org/presentationml/2006/main">
   <p:cSld>
     <p:spTree>
@@ -23728,7 +25268,7 @@
 </p:sld>
 </file>
 
-<file path=ppt/slides/slide66.xml><?xml version="1.0" encoding="utf-8"?>
+<file path=ppt/slides/slide64.xml><?xml version="1.0" encoding="utf-8"?>
 <p:sld xmlns:a="http://schemas.openxmlformats.org/drawingml/2006/main" xmlns:r="http://schemas.openxmlformats.org/officeDocument/2006/relationships" xmlns:p="http://schemas.openxmlformats.org/presentationml/2006/main">
   <p:cSld>
     <p:spTree>
@@ -23862,7 +25402,7 @@
 </p:sld>
 </file>
 
-<file path=ppt/slides/slide67.xml><?xml version="1.0" encoding="utf-8"?>
+<file path=ppt/slides/slide65.xml><?xml version="1.0" encoding="utf-8"?>
 <p:sld xmlns:a="http://schemas.openxmlformats.org/drawingml/2006/main" xmlns:r="http://schemas.openxmlformats.org/officeDocument/2006/relationships" xmlns:p="http://schemas.openxmlformats.org/presentationml/2006/main">
   <p:cSld>
     <p:spTree>
@@ -23991,7 +25531,7 @@
 </p:sld>
 </file>
 
-<file path=ppt/slides/slide68.xml><?xml version="1.0" encoding="utf-8"?>
+<file path=ppt/slides/slide66.xml><?xml version="1.0" encoding="utf-8"?>
 <p:sld xmlns:a="http://schemas.openxmlformats.org/drawingml/2006/main" xmlns:r="http://schemas.openxmlformats.org/officeDocument/2006/relationships" xmlns:p="http://schemas.openxmlformats.org/presentationml/2006/main">
   <p:cSld>
     <p:spTree>
@@ -24090,7 +25630,7 @@
 </p:sld>
 </file>
 
-<file path=ppt/slides/slide69.xml><?xml version="1.0" encoding="utf-8"?>
+<file path=ppt/slides/slide67.xml><?xml version="1.0" encoding="utf-8"?>
 <p:sld xmlns:a="http://schemas.openxmlformats.org/drawingml/2006/main" xmlns:r="http://schemas.openxmlformats.org/officeDocument/2006/relationships" xmlns:p="http://schemas.openxmlformats.org/presentationml/2006/main">
   <p:cSld>
     <p:spTree>
@@ -24222,6 +25762,18 @@
           <a:lstStyle/>
           <a:p>
             <a:pPr algn="l"/>
+            <a:r>
+              <a:rPr lang="en-US" altLang="zh-CN" dirty="0" smtClean="0"/>
+              <a:t>Some popular </a:t>
+            </a:r>
+            <a:r>
+              <a:rPr lang="en-US" altLang="zh-CN" dirty="0" err="1" smtClean="0"/>
+              <a:t>c++</a:t>
+            </a:r>
+            <a:r>
+              <a:rPr lang="en-US" altLang="zh-CN" dirty="0" smtClean="0"/>
+              <a:t> web frameworks</a:t>
+            </a:r>
             <a:endParaRPr lang="zh-CN" altLang="en-US" dirty="0"/>
           </a:p>
         </p:txBody>
@@ -24241,118 +25793,11 @@
           <a:bodyPr/>
           <a:lstStyle/>
           <a:p>
-            <a:r>
-              <a:rPr lang="en-US" altLang="zh-CN" dirty="0" smtClean="0"/>
-              <a:t>Tree-frog</a:t>
-            </a:r>
-          </a:p>
-          <a:p>
-            <a:pPr marL="742950" lvl="2" indent="-342900"/>
-            <a:r>
-              <a:rPr lang="en-US" altLang="zh-CN" dirty="0" smtClean="0"/>
-              <a:t>based on qt, too heavily, not modern </a:t>
-            </a:r>
-            <a:r>
-              <a:rPr lang="en-US" altLang="zh-CN" dirty="0" err="1" smtClean="0"/>
-              <a:t>c++</a:t>
-            </a:r>
-            <a:endParaRPr lang="zh-CN" altLang="en-US" dirty="0" smtClean="0"/>
-          </a:p>
-          <a:p>
-            <a:pPr marL="342900" lvl="1" indent="-342900">
-              <a:buFont typeface="Arial" pitchFamily="34" charset="0"/>
-              <a:buChar char="•"/>
-            </a:pPr>
-            <a:r>
-              <a:rPr lang="en-US" altLang="zh-CN" sz="3200" dirty="0" smtClean="0"/>
-              <a:t>Crow</a:t>
-            </a:r>
-          </a:p>
-          <a:p>
-            <a:pPr marL="742950" lvl="2" indent="-342900"/>
-            <a:r>
-              <a:rPr lang="en-US" altLang="zh-CN" dirty="0" smtClean="0"/>
-              <a:t>Just a http server, not a real web framework</a:t>
-            </a:r>
-          </a:p>
-          <a:p>
-            <a:pPr lvl="1">
+            <a:pPr>
               <a:buNone/>
             </a:pPr>
-            <a:endParaRPr lang="en-US" altLang="zh-CN" dirty="0" smtClean="0"/>
-          </a:p>
-        </p:txBody>
-      </p:sp>
-    </p:spTree>
-  </p:cSld>
-  <p:clrMapOvr>
-    <a:masterClrMapping/>
-  </p:clrMapOvr>
-  <p:timing>
-    <p:tnLst>
-      <p:par>
-        <p:cTn id="1" dur="indefinite" restart="never" nodeType="tmRoot"/>
-      </p:par>
-    </p:tnLst>
-  </p:timing>
-</p:sld>
-</file>
-
-<file path=ppt/slides/slide8.xml><?xml version="1.0" encoding="utf-8"?>
-<p:sld xmlns:a="http://schemas.openxmlformats.org/drawingml/2006/main" xmlns:r="http://schemas.openxmlformats.org/officeDocument/2006/relationships" xmlns:p="http://schemas.openxmlformats.org/presentationml/2006/main">
-  <p:cSld>
-    <p:spTree>
-      <p:nvGrpSpPr>
-        <p:cNvPr id="1" name=""/>
-        <p:cNvGrpSpPr/>
-        <p:nvPr/>
-      </p:nvGrpSpPr>
-      <p:grpSpPr>
-        <a:xfrm>
-          <a:off x="0" y="0"/>
-          <a:ext cx="0" cy="0"/>
-          <a:chOff x="0" y="0"/>
-          <a:chExt cx="0" cy="0"/>
-        </a:xfrm>
-      </p:grpSpPr>
-      <p:sp>
-        <p:nvSpPr>
-          <p:cNvPr id="2" name="标题 1"/>
-          <p:cNvSpPr>
-            <a:spLocks noGrp="1"/>
-          </p:cNvSpPr>
-          <p:nvPr>
-            <p:ph type="title"/>
-          </p:nvPr>
-        </p:nvSpPr>
-        <p:spPr/>
-        <p:txBody>
-          <a:bodyPr/>
-          <a:lstStyle/>
-          <a:p>
-            <a:pPr algn="l"/>
-            <a:r>
-              <a:rPr lang="en-US" altLang="zh-CN" dirty="0" smtClean="0"/>
-              <a:t>silicon</a:t>
-            </a:r>
-            <a:endParaRPr lang="zh-CN" altLang="en-US" dirty="0"/>
-          </a:p>
-        </p:txBody>
-      </p:sp>
-      <p:sp>
-        <p:nvSpPr>
-          <p:cNvPr id="3" name="内容占位符 2"/>
-          <p:cNvSpPr>
-            <a:spLocks noGrp="1"/>
-          </p:cNvSpPr>
-          <p:nvPr>
-            <p:ph idx="1"/>
-          </p:nvPr>
-        </p:nvSpPr>
-        <p:spPr/>
-        <p:txBody>
-          <a:bodyPr/>
-          <a:lstStyle/>
+            <a:endParaRPr lang="en-US" dirty="0" smtClean="0"/>
+          </a:p>
           <a:p>
             <a:endParaRPr lang="zh-CN" altLang="en-US" dirty="0"/>
           </a:p>
@@ -24360,7 +25805,7 @@
       </p:sp>
       <p:pic>
         <p:nvPicPr>
-          <p:cNvPr id="2050" name="Picture 2"/>
+          <p:cNvPr id="1027" name="Picture 3"/>
           <p:cNvPicPr>
             <a:picLocks noChangeAspect="1" noChangeArrowheads="1"/>
           </p:cNvPicPr>
@@ -24375,8 +25820,8 @@
         </p:blipFill>
         <p:spPr bwMode="auto">
           <a:xfrm>
-            <a:off x="485153" y="1214428"/>
-            <a:ext cx="7444433" cy="571504"/>
+            <a:off x="2857488" y="1071552"/>
+            <a:ext cx="5572164" cy="3587488"/>
           </a:xfrm>
           <a:prstGeom prst="rect">
             <a:avLst/>
@@ -24391,9 +25836,57 @@
           <a:effectLst/>
         </p:spPr>
       </p:pic>
+      <p:sp>
+        <p:nvSpPr>
+          <p:cNvPr id="6" name="矩形 5"/>
+          <p:cNvSpPr/>
+          <p:nvPr/>
+        </p:nvSpPr>
+        <p:spPr>
+          <a:xfrm>
+            <a:off x="357158" y="2357436"/>
+            <a:ext cx="1974836" cy="646331"/>
+          </a:xfrm>
+          <a:prstGeom prst="rect">
+            <a:avLst/>
+          </a:prstGeom>
+        </p:spPr>
+        <p:txBody>
+          <a:bodyPr wrap="none">
+            <a:spAutoFit/>
+          </a:bodyPr>
+          <a:lstStyle/>
+          <a:p>
+            <a:r>
+              <a:rPr lang="en-US" altLang="zh-CN" dirty="0" smtClean="0"/>
+              <a:t>4 </a:t>
+            </a:r>
+            <a:r>
+              <a:rPr lang="en-US" altLang="zh-CN" dirty="0" smtClean="0"/>
+              <a:t>popular </a:t>
+            </a:r>
+            <a:r>
+              <a:rPr lang="en-US" altLang="zh-CN" dirty="0" err="1" smtClean="0"/>
+              <a:t>c++</a:t>
+            </a:r>
+            <a:r>
+              <a:rPr lang="en-US" altLang="zh-CN" dirty="0" smtClean="0"/>
+              <a:t> web </a:t>
+            </a:r>
+            <a:endParaRPr lang="en-US" altLang="zh-CN" dirty="0" smtClean="0"/>
+          </a:p>
+          <a:p>
+            <a:r>
+              <a:rPr lang="en-US" altLang="zh-CN" dirty="0" smtClean="0"/>
+              <a:t>frameworks</a:t>
+            </a:r>
+            <a:endParaRPr lang="zh-CN" altLang="en-US" dirty="0"/>
+          </a:p>
+        </p:txBody>
+      </p:sp>
       <p:pic>
         <p:nvPicPr>
-          <p:cNvPr id="2053" name="Picture 5"/>
+          <p:cNvPr id="1029" name="Picture 5"/>
           <p:cNvPicPr>
             <a:picLocks noChangeAspect="1" noChangeArrowheads="1"/>
           </p:cNvPicPr>
@@ -24408,8 +25901,8 @@
         </p:blipFill>
         <p:spPr bwMode="auto">
           <a:xfrm>
-            <a:off x="500034" y="1857370"/>
-            <a:ext cx="5778540" cy="2000264"/>
+            <a:off x="358761" y="1120353"/>
+            <a:ext cx="2427289" cy="522703"/>
           </a:xfrm>
           <a:prstGeom prst="rect">
             <a:avLst/>
@@ -24424,63 +25917,6 @@
           <a:effectLst/>
         </p:spPr>
       </p:pic>
-      <p:sp>
-        <p:nvSpPr>
-          <p:cNvPr id="7" name="矩形 6"/>
-          <p:cNvSpPr/>
-          <p:nvPr/>
-        </p:nvSpPr>
-        <p:spPr>
-          <a:xfrm>
-            <a:off x="1714480" y="3643320"/>
-            <a:ext cx="3978974" cy="369332"/>
-          </a:xfrm>
-          <a:prstGeom prst="rect">
-            <a:avLst/>
-          </a:prstGeom>
-        </p:spPr>
-        <p:txBody>
-          <a:bodyPr wrap="none">
-            <a:spAutoFit/>
-          </a:bodyPr>
-          <a:lstStyle/>
-          <a:p>
-            <a:r>
-              <a:rPr lang="en-US" altLang="zh-CN" dirty="0" smtClean="0"/>
-              <a:t>A little complicated, not very easy to use</a:t>
-            </a:r>
-          </a:p>
-        </p:txBody>
-      </p:sp>
-      <p:sp>
-        <p:nvSpPr>
-          <p:cNvPr id="8" name="矩形 7"/>
-          <p:cNvSpPr/>
-          <p:nvPr/>
-        </p:nvSpPr>
-        <p:spPr>
-          <a:xfrm>
-            <a:off x="1714480" y="4000510"/>
-            <a:ext cx="3064813" cy="369332"/>
-          </a:xfrm>
-          <a:prstGeom prst="rect">
-            <a:avLst/>
-          </a:prstGeom>
-        </p:spPr>
-        <p:txBody>
-          <a:bodyPr wrap="none">
-            <a:spAutoFit/>
-          </a:bodyPr>
-          <a:lstStyle/>
-          <a:p>
-            <a:r>
-              <a:rPr lang="en-US" altLang="zh-CN" dirty="0" smtClean="0"/>
-              <a:t>No html templates component</a:t>
-            </a:r>
-            <a:endParaRPr lang="zh-CN" altLang="en-US" dirty="0"/>
-          </a:p>
-        </p:txBody>
-      </p:sp>
     </p:spTree>
   </p:cSld>
   <p:clrMapOvr>
@@ -24507,7 +25943,7 @@
                             </p:stCondLst>
                             <p:childTnLst>
                               <p:par>
-                                <p:cTn id="5" presetID="2" presetClass="entr" presetSubtype="4" fill="hold" nodeType="clickEffect">
+                                <p:cTn id="5" presetID="1" presetClass="entr" presetSubtype="0" fill="hold" grpId="0" nodeType="clickEffect">
                                   <p:stCondLst>
                                     <p:cond delay="0"/>
                                   </p:stCondLst>
@@ -24520,7 +25956,287 @@
                                           </p:stCondLst>
                                         </p:cTn>
                                         <p:tgtEl>
-                                          <p:spTgt spid="2053"/>
+                                          <p:spTgt spid="6"/>
+                                        </p:tgtEl>
+                                        <p:attrNameLst>
+                                          <p:attrName>style.visibility</p:attrName>
+                                        </p:attrNameLst>
+                                      </p:cBhvr>
+                                      <p:to>
+                                        <p:strVal val="visible"/>
+                                      </p:to>
+                                    </p:set>
+                                  </p:childTnLst>
+                                </p:cTn>
+                              </p:par>
+                            </p:childTnLst>
+                          </p:cTn>
+                        </p:par>
+                      </p:childTnLst>
+                    </p:cTn>
+                  </p:par>
+                </p:childTnLst>
+              </p:cTn>
+              <p:prevCondLst>
+                <p:cond evt="onPrev" delay="0">
+                  <p:tgtEl>
+                    <p:sldTgt/>
+                  </p:tgtEl>
+                </p:cond>
+              </p:prevCondLst>
+              <p:nextCondLst>
+                <p:cond evt="onNext" delay="0">
+                  <p:tgtEl>
+                    <p:sldTgt/>
+                  </p:tgtEl>
+                </p:cond>
+              </p:nextCondLst>
+            </p:seq>
+          </p:childTnLst>
+        </p:cTn>
+      </p:par>
+    </p:tnLst>
+    <p:bldLst>
+      <p:bldP spid="6" grpId="0"/>
+    </p:bldLst>
+  </p:timing>
+</p:sld>
+</file>
+
+<file path=ppt/slides/slide8.xml><?xml version="1.0" encoding="utf-8"?>
+<p:sld xmlns:a="http://schemas.openxmlformats.org/drawingml/2006/main" xmlns:r="http://schemas.openxmlformats.org/officeDocument/2006/relationships" xmlns:p="http://schemas.openxmlformats.org/presentationml/2006/main">
+  <p:cSld>
+    <p:spTree>
+      <p:nvGrpSpPr>
+        <p:cNvPr id="1" name=""/>
+        <p:cNvGrpSpPr/>
+        <p:nvPr/>
+      </p:nvGrpSpPr>
+      <p:grpSpPr>
+        <a:xfrm>
+          <a:off x="0" y="0"/>
+          <a:ext cx="0" cy="0"/>
+          <a:chOff x="0" y="0"/>
+          <a:chExt cx="0" cy="0"/>
+        </a:xfrm>
+      </p:grpSpPr>
+      <p:sp>
+        <p:nvSpPr>
+          <p:cNvPr id="2" name="标题 1"/>
+          <p:cNvSpPr>
+            <a:spLocks noGrp="1"/>
+          </p:cNvSpPr>
+          <p:nvPr>
+            <p:ph type="title"/>
+          </p:nvPr>
+        </p:nvSpPr>
+        <p:spPr/>
+        <p:txBody>
+          <a:bodyPr/>
+          <a:lstStyle/>
+          <a:p>
+            <a:pPr algn="l"/>
+            <a:r>
+              <a:rPr lang="en-US" altLang="zh-CN" dirty="0" err="1" smtClean="0"/>
+              <a:t>cppcms</a:t>
+            </a:r>
+            <a:endParaRPr lang="zh-CN" altLang="en-US" dirty="0"/>
+          </a:p>
+        </p:txBody>
+      </p:sp>
+      <p:sp>
+        <p:nvSpPr>
+          <p:cNvPr id="3" name="内容占位符 2"/>
+          <p:cNvSpPr>
+            <a:spLocks noGrp="1"/>
+          </p:cNvSpPr>
+          <p:nvPr>
+            <p:ph idx="1"/>
+          </p:nvPr>
+        </p:nvSpPr>
+        <p:spPr/>
+        <p:txBody>
+          <a:bodyPr/>
+          <a:lstStyle/>
+          <a:p>
+            <a:endParaRPr lang="zh-CN" altLang="en-US" dirty="0"/>
+          </a:p>
+        </p:txBody>
+      </p:sp>
+      <p:sp>
+        <p:nvSpPr>
+          <p:cNvPr id="5" name="矩形 4"/>
+          <p:cNvSpPr/>
+          <p:nvPr/>
+        </p:nvSpPr>
+        <p:spPr>
+          <a:xfrm>
+            <a:off x="4714876" y="2214560"/>
+            <a:ext cx="2851550" cy="584775"/>
+          </a:xfrm>
+          <a:prstGeom prst="rect">
+            <a:avLst/>
+          </a:prstGeom>
+        </p:spPr>
+        <p:txBody>
+          <a:bodyPr wrap="none">
+            <a:spAutoFit/>
+          </a:bodyPr>
+          <a:lstStyle/>
+          <a:p>
+            <a:r>
+              <a:rPr lang="en-US" altLang="zh-CN" sz="1600" dirty="0" smtClean="0"/>
+              <a:t>Need a special compiler to build</a:t>
+            </a:r>
+          </a:p>
+          <a:p>
+            <a:r>
+              <a:rPr lang="en-US" altLang="zh-CN" sz="1600" dirty="0" smtClean="0"/>
+              <a:t>html template</a:t>
+            </a:r>
+            <a:endParaRPr lang="zh-CN" altLang="en-US" sz="1600" dirty="0"/>
+          </a:p>
+        </p:txBody>
+      </p:sp>
+      <p:sp>
+        <p:nvSpPr>
+          <p:cNvPr id="6" name="矩形 5"/>
+          <p:cNvSpPr/>
+          <p:nvPr/>
+        </p:nvSpPr>
+        <p:spPr>
+          <a:xfrm>
+            <a:off x="4357686" y="3214692"/>
+            <a:ext cx="3750322" cy="338554"/>
+          </a:xfrm>
+          <a:prstGeom prst="rect">
+            <a:avLst/>
+          </a:prstGeom>
+        </p:spPr>
+        <p:txBody>
+          <a:bodyPr wrap="none">
+            <a:spAutoFit/>
+          </a:bodyPr>
+          <a:lstStyle/>
+          <a:p>
+            <a:r>
+              <a:rPr lang="en-US" altLang="zh-CN" sz="1600" dirty="0" err="1" smtClean="0"/>
+              <a:t>Cppcms</a:t>
+            </a:r>
+            <a:r>
+              <a:rPr lang="en-US" altLang="zh-CN" sz="1600" dirty="0" smtClean="0"/>
+              <a:t> is not easy to use, not modern </a:t>
+            </a:r>
+            <a:r>
+              <a:rPr lang="en-US" altLang="zh-CN" sz="1600" dirty="0" err="1" smtClean="0"/>
+              <a:t>c++</a:t>
+            </a:r>
+            <a:endParaRPr lang="zh-CN" altLang="en-US" sz="1600" dirty="0"/>
+          </a:p>
+        </p:txBody>
+      </p:sp>
+      <p:sp>
+        <p:nvSpPr>
+          <p:cNvPr id="7" name="矩形 6"/>
+          <p:cNvSpPr/>
+          <p:nvPr/>
+        </p:nvSpPr>
+        <p:spPr>
+          <a:xfrm>
+            <a:off x="4214810" y="1643056"/>
+            <a:ext cx="4251870" cy="338554"/>
+          </a:xfrm>
+          <a:prstGeom prst="rect">
+            <a:avLst/>
+          </a:prstGeom>
+        </p:spPr>
+        <p:txBody>
+          <a:bodyPr wrap="none">
+            <a:spAutoFit/>
+          </a:bodyPr>
+          <a:lstStyle/>
+          <a:p>
+            <a:r>
+              <a:rPr lang="en-US" altLang="zh-CN" sz="1600" dirty="0" smtClean="0"/>
+              <a:t>You have to know many details of the framework</a:t>
+            </a:r>
+            <a:endParaRPr lang="zh-CN" altLang="en-US" sz="1600" dirty="0"/>
+          </a:p>
+        </p:txBody>
+      </p:sp>
+      <p:pic>
+        <p:nvPicPr>
+          <p:cNvPr id="1027" name="Picture 3"/>
+          <p:cNvPicPr>
+            <a:picLocks noChangeAspect="1" noChangeArrowheads="1"/>
+          </p:cNvPicPr>
+          <p:nvPr/>
+        </p:nvPicPr>
+        <p:blipFill>
+          <a:blip r:embed="rId2"/>
+          <a:srcRect/>
+          <a:stretch>
+            <a:fillRect/>
+          </a:stretch>
+        </p:blipFill>
+        <p:spPr bwMode="auto">
+          <a:xfrm>
+            <a:off x="500192" y="1214428"/>
+            <a:ext cx="3571742" cy="2357454"/>
+          </a:xfrm>
+          <a:prstGeom prst="rect">
+            <a:avLst/>
+          </a:prstGeom>
+          <a:noFill/>
+          <a:ln w="9525">
+            <a:noFill/>
+            <a:miter lim="800000"/>
+            <a:headEnd/>
+            <a:tailEnd/>
+          </a:ln>
+          <a:effectLst/>
+        </p:spPr>
+      </p:pic>
+    </p:spTree>
+  </p:cSld>
+  <p:clrMapOvr>
+    <a:masterClrMapping/>
+  </p:clrMapOvr>
+  <p:timing>
+    <p:tnLst>
+      <p:par>
+        <p:cTn id="1" dur="indefinite" restart="never" nodeType="tmRoot">
+          <p:childTnLst>
+            <p:seq concurrent="1" nextAc="seek">
+              <p:cTn id="2" dur="indefinite" nodeType="mainSeq">
+                <p:childTnLst>
+                  <p:par>
+                    <p:cTn id="3" fill="hold">
+                      <p:stCondLst>
+                        <p:cond delay="indefinite"/>
+                      </p:stCondLst>
+                      <p:childTnLst>
+                        <p:par>
+                          <p:cTn id="4" fill="hold">
+                            <p:stCondLst>
+                              <p:cond delay="0"/>
+                            </p:stCondLst>
+                            <p:childTnLst>
+                              <p:par>
+                                <p:cTn id="5" presetID="2" presetClass="entr" presetSubtype="4" fill="hold" grpId="0" nodeType="clickEffect">
+                                  <p:stCondLst>
+                                    <p:cond delay="0"/>
+                                  </p:stCondLst>
+                                  <p:childTnLst>
+                                    <p:set>
+                                      <p:cBhvr>
+                                        <p:cTn id="6" dur="1" fill="hold">
+                                          <p:stCondLst>
+                                            <p:cond delay="0"/>
+                                          </p:stCondLst>
+                                        </p:cTn>
+                                        <p:tgtEl>
+                                          <p:spTgt spid="7"/>
                                         </p:tgtEl>
                                         <p:attrNameLst>
                                           <p:attrName>style.visibility</p:attrName>
@@ -24534,7 +26250,7 @@
                                       <p:cBhvr additive="base">
                                         <p:cTn id="7" dur="500" fill="hold"/>
                                         <p:tgtEl>
-                                          <p:spTgt spid="2053"/>
+                                          <p:spTgt spid="7"/>
                                         </p:tgtEl>
                                         <p:attrNameLst>
                                           <p:attrName>ppt_x</p:attrName>
@@ -24557,7 +26273,7 @@
                                       <p:cBhvr additive="base">
                                         <p:cTn id="8" dur="500" fill="hold"/>
                                         <p:tgtEl>
-                                          <p:spTgt spid="2053"/>
+                                          <p:spTgt spid="7"/>
                                         </p:tgtEl>
                                         <p:attrNameLst>
                                           <p:attrName>ppt_y</p:attrName>
@@ -24611,7 +26327,7 @@
                                           </p:stCondLst>
                                         </p:cTn>
                                         <p:tgtEl>
-                                          <p:spTgt spid="7"/>
+                                          <p:spTgt spid="5"/>
                                         </p:tgtEl>
                                         <p:attrNameLst>
                                           <p:attrName>style.visibility</p:attrName>
@@ -24625,7 +26341,7 @@
                                       <p:cBhvr additive="base">
                                         <p:cTn id="13" dur="500" fill="hold"/>
                                         <p:tgtEl>
-                                          <p:spTgt spid="7"/>
+                                          <p:spTgt spid="5"/>
                                         </p:tgtEl>
                                         <p:attrNameLst>
                                           <p:attrName>ppt_x</p:attrName>
@@ -24648,7 +26364,7 @@
                                       <p:cBhvr additive="base">
                                         <p:cTn id="14" dur="500" fill="hold"/>
                                         <p:tgtEl>
-                                          <p:spTgt spid="7"/>
+                                          <p:spTgt spid="5"/>
                                         </p:tgtEl>
                                         <p:attrNameLst>
                                           <p:attrName>ppt_y</p:attrName>
@@ -24670,21 +26386,39 @@
                                   </p:childTnLst>
                                 </p:cTn>
                               </p:par>
+                            </p:childTnLst>
+                          </p:cTn>
+                        </p:par>
+                      </p:childTnLst>
+                    </p:cTn>
+                  </p:par>
+                  <p:par>
+                    <p:cTn id="15" fill="hold">
+                      <p:stCondLst>
+                        <p:cond delay="indefinite"/>
+                      </p:stCondLst>
+                      <p:childTnLst>
+                        <p:par>
+                          <p:cTn id="16" fill="hold">
+                            <p:stCondLst>
+                              <p:cond delay="0"/>
+                            </p:stCondLst>
+                            <p:childTnLst>
                               <p:par>
-                                <p:cTn id="15" presetID="2" presetClass="entr" presetSubtype="4" fill="hold" grpId="0" nodeType="withEffect">
+                                <p:cTn id="17" presetID="2" presetClass="entr" presetSubtype="4" fill="hold" grpId="0" nodeType="clickEffect">
                                   <p:stCondLst>
                                     <p:cond delay="0"/>
                                   </p:stCondLst>
                                   <p:childTnLst>
                                     <p:set>
                                       <p:cBhvr>
-                                        <p:cTn id="16" dur="1" fill="hold">
+                                        <p:cTn id="18" dur="1" fill="hold">
                                           <p:stCondLst>
                                             <p:cond delay="0"/>
                                           </p:stCondLst>
                                         </p:cTn>
                                         <p:tgtEl>
-                                          <p:spTgt spid="8"/>
+                                          <p:spTgt spid="6"/>
                                         </p:tgtEl>
                                         <p:attrNameLst>
                                           <p:attrName>style.visibility</p:attrName>
@@ -24696,9 +26430,9 @@
                                     </p:set>
                                     <p:anim calcmode="lin" valueType="num">
                                       <p:cBhvr additive="base">
-                                        <p:cTn id="17" dur="500" fill="hold"/>
-                                        <p:tgtEl>
-                                          <p:spTgt spid="8"/>
+                                        <p:cTn id="19" dur="500" fill="hold"/>
+                                        <p:tgtEl>
+                                          <p:spTgt spid="6"/>
                                         </p:tgtEl>
                                         <p:attrNameLst>
                                           <p:attrName>ppt_x</p:attrName>
@@ -24719,9 +26453,9 @@
                                     </p:anim>
                                     <p:anim calcmode="lin" valueType="num">
                                       <p:cBhvr additive="base">
-                                        <p:cTn id="18" dur="500" fill="hold"/>
-                                        <p:tgtEl>
-                                          <p:spTgt spid="8"/>
+                                        <p:cTn id="20" dur="500" fill="hold"/>
+                                        <p:tgtEl>
+                                          <p:spTgt spid="6"/>
                                         </p:tgtEl>
                                         <p:attrNameLst>
                                           <p:attrName>ppt_y</p:attrName>
@@ -24771,8 +26505,9 @@
       </p:par>
     </p:tnLst>
     <p:bldLst>
+      <p:bldP spid="5" grpId="0"/>
+      <p:bldP spid="6" grpId="0"/>
       <p:bldP spid="7" grpId="0"/>
-      <p:bldP spid="8" grpId="0"/>
     </p:bldLst>
   </p:timing>
 </p:sld>
@@ -24810,7 +26545,8 @@
           <a:bodyPr/>
           <a:lstStyle/>
           <a:p>
-            <a:endParaRPr lang="zh-CN" altLang="en-US"/>
+            <a:pPr algn="l"/>
+            <a:endParaRPr lang="zh-CN" altLang="en-US" dirty="0"/>
           </a:p>
         </p:txBody>
       </p:sp>
@@ -24829,43 +26565,56 @@
           <a:bodyPr/>
           <a:lstStyle/>
           <a:p>
-            <a:endParaRPr lang="zh-CN" altLang="en-US"/>
-          </a:p>
-        </p:txBody>
-      </p:sp>
-      <p:pic>
-        <p:nvPicPr>
-          <p:cNvPr id="45058" name="Picture 2"/>
-          <p:cNvPicPr>
-            <a:picLocks noChangeAspect="1" noChangeArrowheads="1"/>
-          </p:cNvPicPr>
-          <p:nvPr/>
-        </p:nvPicPr>
-        <p:blipFill>
-          <a:blip r:embed="rId2"/>
-          <a:srcRect/>
-          <a:stretch>
-            <a:fillRect/>
-          </a:stretch>
-        </p:blipFill>
-        <p:spPr bwMode="auto">
-          <a:xfrm>
-            <a:off x="1571604" y="1214428"/>
-            <a:ext cx="6051550" cy="3186113"/>
-          </a:xfrm>
-          <a:prstGeom prst="rect">
-            <a:avLst/>
-          </a:prstGeom>
-          <a:noFill/>
-          <a:ln w="9525">
-            <a:noFill/>
-            <a:miter lim="800000"/>
-            <a:headEnd/>
-            <a:tailEnd/>
-          </a:ln>
-          <a:effectLst/>
-        </p:spPr>
-      </p:pic>
+            <a:r>
+              <a:rPr lang="en-US" altLang="zh-CN" dirty="0" smtClean="0"/>
+              <a:t>Tree-frog</a:t>
+            </a:r>
+          </a:p>
+          <a:p>
+            <a:pPr marL="742950" lvl="2" indent="-342900"/>
+            <a:r>
+              <a:rPr lang="en-US" altLang="zh-CN" dirty="0" smtClean="0"/>
+              <a:t>based on qt, too </a:t>
+            </a:r>
+            <a:r>
+              <a:rPr lang="en-US" altLang="zh-CN" dirty="0" smtClean="0"/>
+              <a:t>heavy, </a:t>
+            </a:r>
+            <a:r>
+              <a:rPr lang="en-US" altLang="zh-CN" dirty="0" smtClean="0"/>
+              <a:t>not modern </a:t>
+            </a:r>
+            <a:r>
+              <a:rPr lang="en-US" altLang="zh-CN" dirty="0" err="1" smtClean="0"/>
+              <a:t>c++</a:t>
+            </a:r>
+            <a:endParaRPr lang="zh-CN" altLang="en-US" dirty="0" smtClean="0"/>
+          </a:p>
+          <a:p>
+            <a:pPr marL="342900" lvl="1" indent="-342900">
+              <a:buFont typeface="Arial" pitchFamily="34" charset="0"/>
+              <a:buChar char="•"/>
+            </a:pPr>
+            <a:r>
+              <a:rPr lang="en-US" altLang="zh-CN" sz="3200" dirty="0" smtClean="0"/>
+              <a:t>Crow</a:t>
+            </a:r>
+          </a:p>
+          <a:p>
+            <a:pPr marL="742950" lvl="2" indent="-342900"/>
+            <a:r>
+              <a:rPr lang="en-US" altLang="zh-CN" dirty="0" smtClean="0"/>
+              <a:t>Just a http server, not a real web framework</a:t>
+            </a:r>
+          </a:p>
+          <a:p>
+            <a:pPr lvl="1">
+              <a:buNone/>
+            </a:pPr>
+            <a:endParaRPr lang="en-US" altLang="zh-CN" dirty="0" smtClean="0"/>
+          </a:p>
+        </p:txBody>
+      </p:sp>
     </p:spTree>
   </p:cSld>
   <p:clrMapOvr>

--- a/cppcon2018.pptx
+++ b/cppcon2018.pptx
@@ -5,13 +5,13 @@
     <p:sldMasterId id="2147483648" r:id="rId1"/>
   </p:sldMasterIdLst>
   <p:notesMasterIdLst>
-    <p:notesMasterId r:id="rId69"/>
+    <p:notesMasterId r:id="rId71"/>
   </p:notesMasterIdLst>
   <p:sldIdLst>
     <p:sldId id="256" r:id="rId2"/>
     <p:sldId id="257" r:id="rId3"/>
     <p:sldId id="279" r:id="rId4"/>
-    <p:sldId id="262" r:id="rId5"/>
+    <p:sldId id="339" r:id="rId5"/>
     <p:sldId id="268" r:id="rId6"/>
     <p:sldId id="269" r:id="rId7"/>
     <p:sldId id="272" r:id="rId8"/>
@@ -20,61 +20,63 @@
     <p:sldId id="276" r:id="rId11"/>
     <p:sldId id="287" r:id="rId12"/>
     <p:sldId id="281" r:id="rId13"/>
-    <p:sldId id="264" r:id="rId14"/>
-    <p:sldId id="270" r:id="rId15"/>
-    <p:sldId id="282" r:id="rId16"/>
-    <p:sldId id="265" r:id="rId17"/>
-    <p:sldId id="267" r:id="rId18"/>
-    <p:sldId id="271" r:id="rId19"/>
-    <p:sldId id="259" r:id="rId20"/>
-    <p:sldId id="285" r:id="rId21"/>
-    <p:sldId id="260" r:id="rId22"/>
-    <p:sldId id="288" r:id="rId23"/>
-    <p:sldId id="289" r:id="rId24"/>
-    <p:sldId id="290" r:id="rId25"/>
-    <p:sldId id="297" r:id="rId26"/>
-    <p:sldId id="291" r:id="rId27"/>
-    <p:sldId id="299" r:id="rId28"/>
-    <p:sldId id="306" r:id="rId29"/>
-    <p:sldId id="293" r:id="rId30"/>
-    <p:sldId id="294" r:id="rId31"/>
-    <p:sldId id="295" r:id="rId32"/>
-    <p:sldId id="296" r:id="rId33"/>
-    <p:sldId id="298" r:id="rId34"/>
-    <p:sldId id="300" r:id="rId35"/>
-    <p:sldId id="302" r:id="rId36"/>
-    <p:sldId id="301" r:id="rId37"/>
-    <p:sldId id="303" r:id="rId38"/>
-    <p:sldId id="309" r:id="rId39"/>
-    <p:sldId id="304" r:id="rId40"/>
-    <p:sldId id="305" r:id="rId41"/>
-    <p:sldId id="307" r:id="rId42"/>
-    <p:sldId id="308" r:id="rId43"/>
-    <p:sldId id="310" r:id="rId44"/>
-    <p:sldId id="311" r:id="rId45"/>
-    <p:sldId id="312" r:id="rId46"/>
-    <p:sldId id="313" r:id="rId47"/>
-    <p:sldId id="314" r:id="rId48"/>
-    <p:sldId id="315" r:id="rId49"/>
-    <p:sldId id="316" r:id="rId50"/>
-    <p:sldId id="317" r:id="rId51"/>
-    <p:sldId id="319" r:id="rId52"/>
-    <p:sldId id="335" r:id="rId53"/>
-    <p:sldId id="318" r:id="rId54"/>
-    <p:sldId id="329" r:id="rId55"/>
-    <p:sldId id="330" r:id="rId56"/>
-    <p:sldId id="336" r:id="rId57"/>
-    <p:sldId id="331" r:id="rId58"/>
-    <p:sldId id="286" r:id="rId59"/>
-    <p:sldId id="261" r:id="rId60"/>
-    <p:sldId id="325" r:id="rId61"/>
-    <p:sldId id="320" r:id="rId62"/>
-    <p:sldId id="322" r:id="rId63"/>
-    <p:sldId id="332" r:id="rId64"/>
-    <p:sldId id="324" r:id="rId65"/>
-    <p:sldId id="334" r:id="rId66"/>
-    <p:sldId id="327" r:id="rId67"/>
-    <p:sldId id="328" r:id="rId68"/>
+    <p:sldId id="338" r:id="rId14"/>
+    <p:sldId id="264" r:id="rId15"/>
+    <p:sldId id="270" r:id="rId16"/>
+    <p:sldId id="282" r:id="rId17"/>
+    <p:sldId id="265" r:id="rId18"/>
+    <p:sldId id="267" r:id="rId19"/>
+    <p:sldId id="271" r:id="rId20"/>
+    <p:sldId id="259" r:id="rId21"/>
+    <p:sldId id="285" r:id="rId22"/>
+    <p:sldId id="260" r:id="rId23"/>
+    <p:sldId id="288" r:id="rId24"/>
+    <p:sldId id="289" r:id="rId25"/>
+    <p:sldId id="290" r:id="rId26"/>
+    <p:sldId id="337" r:id="rId27"/>
+    <p:sldId id="297" r:id="rId28"/>
+    <p:sldId id="291" r:id="rId29"/>
+    <p:sldId id="299" r:id="rId30"/>
+    <p:sldId id="306" r:id="rId31"/>
+    <p:sldId id="293" r:id="rId32"/>
+    <p:sldId id="294" r:id="rId33"/>
+    <p:sldId id="295" r:id="rId34"/>
+    <p:sldId id="296" r:id="rId35"/>
+    <p:sldId id="298" r:id="rId36"/>
+    <p:sldId id="300" r:id="rId37"/>
+    <p:sldId id="302" r:id="rId38"/>
+    <p:sldId id="301" r:id="rId39"/>
+    <p:sldId id="303" r:id="rId40"/>
+    <p:sldId id="309" r:id="rId41"/>
+    <p:sldId id="304" r:id="rId42"/>
+    <p:sldId id="305" r:id="rId43"/>
+    <p:sldId id="307" r:id="rId44"/>
+    <p:sldId id="308" r:id="rId45"/>
+    <p:sldId id="310" r:id="rId46"/>
+    <p:sldId id="311" r:id="rId47"/>
+    <p:sldId id="312" r:id="rId48"/>
+    <p:sldId id="313" r:id="rId49"/>
+    <p:sldId id="314" r:id="rId50"/>
+    <p:sldId id="315" r:id="rId51"/>
+    <p:sldId id="316" r:id="rId52"/>
+    <p:sldId id="317" r:id="rId53"/>
+    <p:sldId id="319" r:id="rId54"/>
+    <p:sldId id="335" r:id="rId55"/>
+    <p:sldId id="318" r:id="rId56"/>
+    <p:sldId id="329" r:id="rId57"/>
+    <p:sldId id="330" r:id="rId58"/>
+    <p:sldId id="336" r:id="rId59"/>
+    <p:sldId id="331" r:id="rId60"/>
+    <p:sldId id="286" r:id="rId61"/>
+    <p:sldId id="261" r:id="rId62"/>
+    <p:sldId id="325" r:id="rId63"/>
+    <p:sldId id="320" r:id="rId64"/>
+    <p:sldId id="322" r:id="rId65"/>
+    <p:sldId id="332" r:id="rId66"/>
+    <p:sldId id="324" r:id="rId67"/>
+    <p:sldId id="334" r:id="rId68"/>
+    <p:sldId id="327" r:id="rId69"/>
+    <p:sldId id="328" r:id="rId70"/>
   </p:sldIdLst>
   <p:sldSz cx="9144000" cy="5143500" type="screen16x9"/>
   <p:notesSz cx="6858000" cy="9144000"/>
@@ -259,7 +261,7 @@
             <a:fld id="{F651DEDA-4D06-4F31-8412-E2AFD4BFF8DD}" type="datetimeFigureOut">
               <a:rPr lang="zh-CN" altLang="en-US" smtClean="0"/>
               <a:pPr/>
-              <a:t>2018/9/22</a:t>
+              <a:t>2018/9/25</a:t>
             </a:fld>
             <a:endParaRPr lang="zh-CN" altLang="en-US"/>
           </a:p>
@@ -593,7 +595,7 @@
             <a:fld id="{83CD164C-6AF4-47A6-80A8-5587AE76359C}" type="slidenum">
               <a:rPr lang="zh-CN" altLang="en-US" smtClean="0"/>
               <a:pPr/>
-              <a:t>27</a:t>
+              <a:t>29</a:t>
             </a:fld>
             <a:endParaRPr lang="zh-CN" altLang="en-US"/>
           </a:p>
@@ -675,7 +677,7 @@
             <a:fld id="{83CD164C-6AF4-47A6-80A8-5587AE76359C}" type="slidenum">
               <a:rPr lang="zh-CN" altLang="en-US" smtClean="0"/>
               <a:pPr/>
-              <a:t>30</a:t>
+              <a:t>32</a:t>
             </a:fld>
             <a:endParaRPr lang="zh-CN" altLang="en-US"/>
           </a:p>
@@ -871,7 +873,7 @@
             <a:fld id="{530820CF-B880-4189-942D-D702A7CBA730}" type="datetimeFigureOut">
               <a:rPr lang="zh-CN" altLang="en-US" smtClean="0"/>
               <a:pPr/>
-              <a:t>2018/9/22</a:t>
+              <a:t>2018/9/25</a:t>
             </a:fld>
             <a:endParaRPr lang="zh-CN" altLang="en-US"/>
           </a:p>
@@ -1038,7 +1040,7 @@
             <a:fld id="{530820CF-B880-4189-942D-D702A7CBA730}" type="datetimeFigureOut">
               <a:rPr lang="zh-CN" altLang="en-US" smtClean="0"/>
               <a:pPr/>
-              <a:t>2018/9/22</a:t>
+              <a:t>2018/9/25</a:t>
             </a:fld>
             <a:endParaRPr lang="zh-CN" altLang="en-US"/>
           </a:p>
@@ -1215,7 +1217,7 @@
             <a:fld id="{530820CF-B880-4189-942D-D702A7CBA730}" type="datetimeFigureOut">
               <a:rPr lang="zh-CN" altLang="en-US" smtClean="0"/>
               <a:pPr/>
-              <a:t>2018/9/22</a:t>
+              <a:t>2018/9/25</a:t>
             </a:fld>
             <a:endParaRPr lang="zh-CN" altLang="en-US"/>
           </a:p>
@@ -1382,7 +1384,7 @@
             <a:fld id="{530820CF-B880-4189-942D-D702A7CBA730}" type="datetimeFigureOut">
               <a:rPr lang="zh-CN" altLang="en-US" smtClean="0"/>
               <a:pPr/>
-              <a:t>2018/9/22</a:t>
+              <a:t>2018/9/25</a:t>
             </a:fld>
             <a:endParaRPr lang="zh-CN" altLang="en-US"/>
           </a:p>
@@ -1625,7 +1627,7 @@
             <a:fld id="{530820CF-B880-4189-942D-D702A7CBA730}" type="datetimeFigureOut">
               <a:rPr lang="zh-CN" altLang="en-US" smtClean="0"/>
               <a:pPr/>
-              <a:t>2018/9/22</a:t>
+              <a:t>2018/9/25</a:t>
             </a:fld>
             <a:endParaRPr lang="zh-CN" altLang="en-US"/>
           </a:p>
@@ -1910,7 +1912,7 @@
             <a:fld id="{530820CF-B880-4189-942D-D702A7CBA730}" type="datetimeFigureOut">
               <a:rPr lang="zh-CN" altLang="en-US" smtClean="0"/>
               <a:pPr/>
-              <a:t>2018/9/22</a:t>
+              <a:t>2018/9/25</a:t>
             </a:fld>
             <a:endParaRPr lang="zh-CN" altLang="en-US"/>
           </a:p>
@@ -2329,7 +2331,7 @@
             <a:fld id="{530820CF-B880-4189-942D-D702A7CBA730}" type="datetimeFigureOut">
               <a:rPr lang="zh-CN" altLang="en-US" smtClean="0"/>
               <a:pPr/>
-              <a:t>2018/9/22</a:t>
+              <a:t>2018/9/25</a:t>
             </a:fld>
             <a:endParaRPr lang="zh-CN" altLang="en-US"/>
           </a:p>
@@ -2444,7 +2446,7 @@
             <a:fld id="{530820CF-B880-4189-942D-D702A7CBA730}" type="datetimeFigureOut">
               <a:rPr lang="zh-CN" altLang="en-US" smtClean="0"/>
               <a:pPr/>
-              <a:t>2018/9/22</a:t>
+              <a:t>2018/9/25</a:t>
             </a:fld>
             <a:endParaRPr lang="zh-CN" altLang="en-US"/>
           </a:p>
@@ -2536,7 +2538,7 @@
             <a:fld id="{530820CF-B880-4189-942D-D702A7CBA730}" type="datetimeFigureOut">
               <a:rPr lang="zh-CN" altLang="en-US" smtClean="0"/>
               <a:pPr/>
-              <a:t>2018/9/22</a:t>
+              <a:t>2018/9/25</a:t>
             </a:fld>
             <a:endParaRPr lang="zh-CN" altLang="en-US"/>
           </a:p>
@@ -2810,7 +2812,7 @@
             <a:fld id="{530820CF-B880-4189-942D-D702A7CBA730}" type="datetimeFigureOut">
               <a:rPr lang="zh-CN" altLang="en-US" smtClean="0"/>
               <a:pPr/>
-              <a:t>2018/9/22</a:t>
+              <a:t>2018/9/25</a:t>
             </a:fld>
             <a:endParaRPr lang="zh-CN" altLang="en-US"/>
           </a:p>
@@ -3060,7 +3062,7 @@
             <a:fld id="{530820CF-B880-4189-942D-D702A7CBA730}" type="datetimeFigureOut">
               <a:rPr lang="zh-CN" altLang="en-US" smtClean="0"/>
               <a:pPr/>
-              <a:t>2018/9/22</a:t>
+              <a:t>2018/9/25</a:t>
             </a:fld>
             <a:endParaRPr lang="zh-CN" altLang="en-US"/>
           </a:p>
@@ -3270,7 +3272,7 @@
             <a:fld id="{530820CF-B880-4189-942D-D702A7CBA730}" type="datetimeFigureOut">
               <a:rPr lang="zh-CN" altLang="en-US" smtClean="0"/>
               <a:pPr/>
-              <a:t>2018/9/22</a:t>
+              <a:t>2018/9/25</a:t>
             </a:fld>
             <a:endParaRPr lang="zh-CN" altLang="en-US"/>
           </a:p>
@@ -3886,7 +3888,7 @@
         <p:spPr>
           <a:xfrm>
             <a:off x="1714480" y="3643320"/>
-            <a:ext cx="3978974" cy="369332"/>
+            <a:ext cx="2298514" cy="369332"/>
           </a:xfrm>
           <a:prstGeom prst="rect">
             <a:avLst/>
@@ -3900,8 +3902,13 @@
           <a:p>
             <a:r>
               <a:rPr lang="en-US" altLang="zh-CN" dirty="0" smtClean="0"/>
-              <a:t>A little complicated, not very easy to use</a:t>
-            </a:r>
+              <a:t>A </a:t>
+            </a:r>
+            <a:r>
+              <a:rPr lang="en-US" altLang="zh-CN" dirty="0" smtClean="0"/>
+              <a:t>little bit complicated</a:t>
+            </a:r>
+            <a:endParaRPr lang="en-US" altLang="zh-CN" dirty="0" smtClean="0"/>
           </a:p>
         </p:txBody>
       </p:sp>
@@ -4451,6 +4458,242 @@
 </file>
 
 <file path=ppt/slides/slide13.xml><?xml version="1.0" encoding="utf-8"?>
+<p:sld xmlns:a="http://schemas.openxmlformats.org/drawingml/2006/main" xmlns:r="http://schemas.openxmlformats.org/officeDocument/2006/relationships" xmlns:p="http://schemas.openxmlformats.org/presentationml/2006/main">
+  <p:cSld>
+    <p:spTree>
+      <p:nvGrpSpPr>
+        <p:cNvPr id="1" name=""/>
+        <p:cNvGrpSpPr/>
+        <p:nvPr/>
+      </p:nvGrpSpPr>
+      <p:grpSpPr>
+        <a:xfrm>
+          <a:off x="0" y="0"/>
+          <a:ext cx="0" cy="0"/>
+          <a:chOff x="0" y="0"/>
+          <a:chExt cx="0" cy="0"/>
+        </a:xfrm>
+      </p:grpSpPr>
+      <p:sp>
+        <p:nvSpPr>
+          <p:cNvPr id="2" name="标题 1"/>
+          <p:cNvSpPr>
+            <a:spLocks noGrp="1"/>
+          </p:cNvSpPr>
+          <p:nvPr>
+            <p:ph type="title"/>
+          </p:nvPr>
+        </p:nvSpPr>
+        <p:spPr/>
+        <p:txBody>
+          <a:bodyPr>
+            <a:normAutofit fontScale="90000"/>
+          </a:bodyPr>
+          <a:lstStyle/>
+          <a:p>
+            <a:pPr algn="l"/>
+            <a:r>
+              <a:rPr lang="en-US" altLang="zh-CN" dirty="0" smtClean="0"/>
+              <a:t>We need a better </a:t>
+            </a:r>
+            <a:r>
+              <a:rPr lang="en-US" altLang="zh-CN" dirty="0" err="1" smtClean="0"/>
+              <a:t>c++</a:t>
+            </a:r>
+            <a:r>
+              <a:rPr lang="en-US" altLang="zh-CN" dirty="0" smtClean="0"/>
+              <a:t> web framework</a:t>
+            </a:r>
+            <a:endParaRPr lang="zh-CN" altLang="en-US" dirty="0"/>
+          </a:p>
+        </p:txBody>
+      </p:sp>
+      <p:sp>
+        <p:nvSpPr>
+          <p:cNvPr id="3" name="内容占位符 2"/>
+          <p:cNvSpPr>
+            <a:spLocks noGrp="1"/>
+          </p:cNvSpPr>
+          <p:nvPr>
+            <p:ph idx="1"/>
+          </p:nvPr>
+        </p:nvSpPr>
+        <p:spPr/>
+        <p:txBody>
+          <a:bodyPr>
+            <a:normAutofit/>
+          </a:bodyPr>
+          <a:lstStyle/>
+          <a:p>
+            <a:r>
+              <a:rPr lang="en-US" altLang="zh-CN" sz="2800" dirty="0" smtClean="0"/>
+              <a:t>Feather: a rapidly application framework of web development</a:t>
+            </a:r>
+          </a:p>
+        </p:txBody>
+      </p:sp>
+      <p:sp>
+        <p:nvSpPr>
+          <p:cNvPr id="4" name="矩形 3"/>
+          <p:cNvSpPr/>
+          <p:nvPr/>
+        </p:nvSpPr>
+        <p:spPr>
+          <a:xfrm>
+            <a:off x="1071538" y="2143122"/>
+            <a:ext cx="6643734" cy="830997"/>
+          </a:xfrm>
+          <a:prstGeom prst="rect">
+            <a:avLst/>
+          </a:prstGeom>
+        </p:spPr>
+        <p:txBody>
+          <a:bodyPr wrap="square">
+            <a:spAutoFit/>
+          </a:bodyPr>
+          <a:lstStyle/>
+          <a:p>
+            <a:r>
+              <a:rPr lang="en-US" altLang="zh-CN" sz="2400" b="1" dirty="0" smtClean="0"/>
+              <a:t>you can use feather to develop a web application rapidly</a:t>
+            </a:r>
+            <a:endParaRPr lang="zh-CN" altLang="en-US" sz="2400" b="1" dirty="0"/>
+          </a:p>
+        </p:txBody>
+      </p:sp>
+    </p:spTree>
+  </p:cSld>
+  <p:clrMapOvr>
+    <a:masterClrMapping/>
+  </p:clrMapOvr>
+  <p:timing>
+    <p:tnLst>
+      <p:par>
+        <p:cTn id="1" dur="indefinite" restart="never" nodeType="tmRoot">
+          <p:childTnLst>
+            <p:seq concurrent="1" nextAc="seek">
+              <p:cTn id="2" dur="indefinite" nodeType="mainSeq">
+                <p:childTnLst>
+                  <p:par>
+                    <p:cTn id="3" fill="hold">
+                      <p:stCondLst>
+                        <p:cond delay="indefinite"/>
+                      </p:stCondLst>
+                      <p:childTnLst>
+                        <p:par>
+                          <p:cTn id="4" fill="hold">
+                            <p:stCondLst>
+                              <p:cond delay="0"/>
+                            </p:stCondLst>
+                            <p:childTnLst>
+                              <p:par>
+                                <p:cTn id="5" presetID="2" presetClass="entr" presetSubtype="4" fill="hold" grpId="0" nodeType="clickEffect">
+                                  <p:stCondLst>
+                                    <p:cond delay="0"/>
+                                  </p:stCondLst>
+                                  <p:childTnLst>
+                                    <p:set>
+                                      <p:cBhvr>
+                                        <p:cTn id="6" dur="1" fill="hold">
+                                          <p:stCondLst>
+                                            <p:cond delay="0"/>
+                                          </p:stCondLst>
+                                        </p:cTn>
+                                        <p:tgtEl>
+                                          <p:spTgt spid="4"/>
+                                        </p:tgtEl>
+                                        <p:attrNameLst>
+                                          <p:attrName>style.visibility</p:attrName>
+                                        </p:attrNameLst>
+                                      </p:cBhvr>
+                                      <p:to>
+                                        <p:strVal val="visible"/>
+                                      </p:to>
+                                    </p:set>
+                                    <p:anim calcmode="lin" valueType="num">
+                                      <p:cBhvr additive="base">
+                                        <p:cTn id="7" dur="500" fill="hold"/>
+                                        <p:tgtEl>
+                                          <p:spTgt spid="4"/>
+                                        </p:tgtEl>
+                                        <p:attrNameLst>
+                                          <p:attrName>ppt_x</p:attrName>
+                                        </p:attrNameLst>
+                                      </p:cBhvr>
+                                      <p:tavLst>
+                                        <p:tav tm="0">
+                                          <p:val>
+                                            <p:strVal val="#ppt_x"/>
+                                          </p:val>
+                                        </p:tav>
+                                        <p:tav tm="100000">
+                                          <p:val>
+                                            <p:strVal val="#ppt_x"/>
+                                          </p:val>
+                                        </p:tav>
+                                      </p:tavLst>
+                                    </p:anim>
+                                    <p:anim calcmode="lin" valueType="num">
+                                      <p:cBhvr additive="base">
+                                        <p:cTn id="8" dur="500" fill="hold"/>
+                                        <p:tgtEl>
+                                          <p:spTgt spid="4"/>
+                                        </p:tgtEl>
+                                        <p:attrNameLst>
+                                          <p:attrName>ppt_y</p:attrName>
+                                        </p:attrNameLst>
+                                      </p:cBhvr>
+                                      <p:tavLst>
+                                        <p:tav tm="0">
+                                          <p:val>
+                                            <p:strVal val="1+#ppt_h/2"/>
+                                          </p:val>
+                                        </p:tav>
+                                        <p:tav tm="100000">
+                                          <p:val>
+                                            <p:strVal val="#ppt_y"/>
+                                          </p:val>
+                                        </p:tav>
+                                      </p:tavLst>
+                                    </p:anim>
+                                  </p:childTnLst>
+                                </p:cTn>
+                              </p:par>
+                            </p:childTnLst>
+                          </p:cTn>
+                        </p:par>
+                      </p:childTnLst>
+                    </p:cTn>
+                  </p:par>
+                </p:childTnLst>
+              </p:cTn>
+              <p:prevCondLst>
+                <p:cond evt="onPrev" delay="0">
+                  <p:tgtEl>
+                    <p:sldTgt/>
+                  </p:tgtEl>
+                </p:cond>
+              </p:prevCondLst>
+              <p:nextCondLst>
+                <p:cond evt="onNext" delay="0">
+                  <p:tgtEl>
+                    <p:sldTgt/>
+                  </p:tgtEl>
+                </p:cond>
+              </p:nextCondLst>
+            </p:seq>
+          </p:childTnLst>
+        </p:cTn>
+      </p:par>
+    </p:tnLst>
+    <p:bldLst>
+      <p:bldP spid="4" grpId="0"/>
+    </p:bldLst>
+  </p:timing>
+</p:sld>
+</file>
+
+<file path=ppt/slides/slide14.xml><?xml version="1.0" encoding="utf-8"?>
 <p:sld xmlns:a="http://schemas.openxmlformats.org/drawingml/2006/main" xmlns:r="http://schemas.openxmlformats.org/officeDocument/2006/relationships" xmlns:p="http://schemas.openxmlformats.org/presentationml/2006/main">
   <p:cSld>
     <p:spTree>
@@ -4805,7 +5048,7 @@
 </p:sld>
 </file>
 
-<file path=ppt/slides/slide14.xml><?xml version="1.0" encoding="utf-8"?>
+<file path=ppt/slides/slide15.xml><?xml version="1.0" encoding="utf-8"?>
 <p:sld xmlns:a="http://schemas.openxmlformats.org/drawingml/2006/main" xmlns:r="http://schemas.openxmlformats.org/officeDocument/2006/relationships" xmlns:p="http://schemas.openxmlformats.org/presentationml/2006/main">
   <p:cSld>
     <p:spTree>
@@ -4960,7 +5203,7 @@
         <p:spPr>
           <a:xfrm>
             <a:off x="1428728" y="2928940"/>
-            <a:ext cx="5888600" cy="369332"/>
+            <a:ext cx="4300152" cy="369332"/>
           </a:xfrm>
           <a:prstGeom prst="rect">
             <a:avLst/>
@@ -4974,7 +5217,15 @@
           <a:p>
             <a:r>
               <a:rPr lang="en-US" altLang="zh-CN" dirty="0" smtClean="0"/>
-              <a:t>Just focus on business, can develop a web application rapidly</a:t>
+              <a:t>Just focus on business, </a:t>
+            </a:r>
+            <a:r>
+              <a:rPr lang="en-US" altLang="zh-CN" dirty="0" smtClean="0"/>
+              <a:t>as simple </a:t>
+            </a:r>
+            <a:r>
+              <a:rPr lang="en-US" altLang="zh-CN" smtClean="0"/>
+              <a:t>as possible</a:t>
             </a:r>
             <a:endParaRPr lang="zh-CN" altLang="en-US" dirty="0"/>
           </a:p>
@@ -5296,7 +5547,7 @@
 </p:sld>
 </file>
 
-<file path=ppt/slides/slide15.xml><?xml version="1.0" encoding="utf-8"?>
+<file path=ppt/slides/slide16.xml><?xml version="1.0" encoding="utf-8"?>
 <p:sld xmlns:a="http://schemas.openxmlformats.org/drawingml/2006/main" xmlns:r="http://schemas.openxmlformats.org/officeDocument/2006/relationships" xmlns:p="http://schemas.openxmlformats.org/presentationml/2006/main">
   <p:cSld>
     <p:spTree>
@@ -5611,7 +5862,7 @@
 </p:sld>
 </file>
 
-<file path=ppt/slides/slide16.xml><?xml version="1.0" encoding="utf-8"?>
+<file path=ppt/slides/slide17.xml><?xml version="1.0" encoding="utf-8"?>
 <p:sld xmlns:a="http://schemas.openxmlformats.org/drawingml/2006/main" xmlns:r="http://schemas.openxmlformats.org/officeDocument/2006/relationships" xmlns:p="http://schemas.openxmlformats.org/presentationml/2006/main">
   <p:cSld>
     <p:spTree>
@@ -5741,7 +5992,7 @@
 </p:sld>
 </file>
 
-<file path=ppt/slides/slide17.xml><?xml version="1.0" encoding="utf-8"?>
+<file path=ppt/slides/slide18.xml><?xml version="1.0" encoding="utf-8"?>
 <p:sld xmlns:a="http://schemas.openxmlformats.org/drawingml/2006/main" xmlns:r="http://schemas.openxmlformats.org/officeDocument/2006/relationships" xmlns:p="http://schemas.openxmlformats.org/presentationml/2006/main">
   <p:cSld>
     <p:spTree>
@@ -6079,7 +6330,7 @@
 </p:sld>
 </file>
 
-<file path=ppt/slides/slide18.xml><?xml version="1.0" encoding="utf-8"?>
+<file path=ppt/slides/slide19.xml><?xml version="1.0" encoding="utf-8"?>
 <p:sld xmlns:a="http://schemas.openxmlformats.org/drawingml/2006/main" xmlns:r="http://schemas.openxmlformats.org/officeDocument/2006/relationships" xmlns:p="http://schemas.openxmlformats.org/presentationml/2006/main">
   <p:cSld>
     <p:spTree>
@@ -6182,103 +6433,6 @@
 </p:sld>
 </file>
 
-<file path=ppt/slides/slide19.xml><?xml version="1.0" encoding="utf-8"?>
-<p:sld xmlns:a="http://schemas.openxmlformats.org/drawingml/2006/main" xmlns:r="http://schemas.openxmlformats.org/officeDocument/2006/relationships" xmlns:p="http://schemas.openxmlformats.org/presentationml/2006/main">
-  <p:cSld>
-    <p:spTree>
-      <p:nvGrpSpPr>
-        <p:cNvPr id="1" name=""/>
-        <p:cNvGrpSpPr/>
-        <p:nvPr/>
-      </p:nvGrpSpPr>
-      <p:grpSpPr>
-        <a:xfrm>
-          <a:off x="0" y="0"/>
-          <a:ext cx="0" cy="0"/>
-          <a:chOff x="0" y="0"/>
-          <a:chExt cx="0" cy="0"/>
-        </a:xfrm>
-      </p:grpSpPr>
-      <p:sp>
-        <p:nvSpPr>
-          <p:cNvPr id="2" name="标题 1"/>
-          <p:cNvSpPr>
-            <a:spLocks noGrp="1"/>
-          </p:cNvSpPr>
-          <p:nvPr>
-            <p:ph type="title"/>
-          </p:nvPr>
-        </p:nvSpPr>
-        <p:spPr/>
-        <p:txBody>
-          <a:bodyPr>
-            <a:noAutofit/>
-          </a:bodyPr>
-          <a:lstStyle/>
-          <a:p>
-            <a:pPr algn="l"/>
-            <a:r>
-              <a:rPr lang="en-US" altLang="zh-CN" sz="3200" dirty="0" smtClean="0"/>
-              <a:t>Why we need a </a:t>
-            </a:r>
-            <a:r>
-              <a:rPr lang="en-US" altLang="zh-CN" sz="3200" dirty="0" err="1" smtClean="0"/>
-              <a:t>c++</a:t>
-            </a:r>
-            <a:r>
-              <a:rPr lang="en-US" altLang="zh-CN" sz="3200" dirty="0" smtClean="0"/>
-              <a:t> web framework feather?</a:t>
-            </a:r>
-            <a:endParaRPr lang="zh-CN" altLang="en-US" sz="3200" dirty="0"/>
-          </a:p>
-        </p:txBody>
-      </p:sp>
-      <p:sp>
-        <p:nvSpPr>
-          <p:cNvPr id="3" name="内容占位符 2"/>
-          <p:cNvSpPr>
-            <a:spLocks noGrp="1"/>
-          </p:cNvSpPr>
-          <p:nvPr>
-            <p:ph idx="1"/>
-          </p:nvPr>
-        </p:nvSpPr>
-        <p:spPr/>
-        <p:txBody>
-          <a:bodyPr>
-            <a:normAutofit/>
-          </a:bodyPr>
-          <a:lstStyle/>
-          <a:p>
-            <a:r>
-              <a:rPr lang="en-US" altLang="zh-CN" sz="2400" dirty="0" smtClean="0"/>
-              <a:t>High development efficiency</a:t>
-            </a:r>
-          </a:p>
-          <a:p>
-            <a:r>
-              <a:rPr lang="en-US" altLang="zh-CN" sz="2400" dirty="0" smtClean="0"/>
-              <a:t>High performance</a:t>
-            </a:r>
-            <a:endParaRPr lang="zh-CN" altLang="en-US" sz="2400" dirty="0"/>
-          </a:p>
-        </p:txBody>
-      </p:sp>
-    </p:spTree>
-  </p:cSld>
-  <p:clrMapOvr>
-    <a:masterClrMapping/>
-  </p:clrMapOvr>
-  <p:timing>
-    <p:tnLst>
-      <p:par>
-        <p:cTn id="1" dur="indefinite" restart="never" nodeType="tmRoot"/>
-      </p:par>
-    </p:tnLst>
-  </p:timing>
-</p:sld>
-</file>
-
 <file path=ppt/slides/slide2.xml><?xml version="1.0" encoding="utf-8"?>
 <p:sld xmlns:a="http://schemas.openxmlformats.org/drawingml/2006/main" xmlns:r="http://schemas.openxmlformats.org/officeDocument/2006/relationships" xmlns:p="http://schemas.openxmlformats.org/presentationml/2006/main">
   <p:cSld>
@@ -6332,32 +6486,38 @@
         </p:nvSpPr>
         <p:spPr/>
         <p:txBody>
-          <a:bodyPr/>
+          <a:bodyPr>
+            <a:normAutofit/>
+          </a:bodyPr>
           <a:lstStyle/>
           <a:p>
             <a:r>
-              <a:rPr lang="en-US" altLang="zh-CN" dirty="0" smtClean="0"/>
+              <a:rPr lang="en-US" altLang="zh-CN" sz="2800" dirty="0" smtClean="0"/>
               <a:t>Basic Concepts of Web Framework</a:t>
             </a:r>
           </a:p>
           <a:p>
             <a:r>
-              <a:rPr lang="en-US" altLang="zh-CN" dirty="0" smtClean="0"/>
+              <a:rPr lang="en-US" altLang="zh-CN" sz="2800" dirty="0" smtClean="0"/>
               <a:t>What is Feather?</a:t>
             </a:r>
           </a:p>
           <a:p>
             <a:r>
-              <a:rPr lang="en-US" altLang="zh-CN" dirty="0" smtClean="0"/>
+              <a:rPr lang="en-US" altLang="zh-CN" sz="2800" dirty="0" smtClean="0"/>
               <a:t>Components</a:t>
             </a:r>
           </a:p>
           <a:p>
             <a:r>
-              <a:rPr lang="en-US" altLang="zh-CN" dirty="0" smtClean="0"/>
-              <a:t>How to Rapidly Develop Web?</a:t>
-            </a:r>
-            <a:endParaRPr lang="zh-CN" altLang="en-US" dirty="0"/>
+              <a:rPr lang="en-US" altLang="zh-CN" sz="2800" dirty="0" smtClean="0"/>
+              <a:t>How to Rapidly Develop </a:t>
+            </a:r>
+            <a:r>
+              <a:rPr lang="en-US" altLang="zh-CN" sz="2800" dirty="0" smtClean="0"/>
+              <a:t>Web Applications?</a:t>
+            </a:r>
+            <a:endParaRPr lang="zh-CN" altLang="en-US" sz="2800" dirty="0"/>
           </a:p>
         </p:txBody>
       </p:sp>
@@ -6377,6 +6537,103 @@
 </file>
 
 <file path=ppt/slides/slide20.xml><?xml version="1.0" encoding="utf-8"?>
+<p:sld xmlns:a="http://schemas.openxmlformats.org/drawingml/2006/main" xmlns:r="http://schemas.openxmlformats.org/officeDocument/2006/relationships" xmlns:p="http://schemas.openxmlformats.org/presentationml/2006/main">
+  <p:cSld>
+    <p:spTree>
+      <p:nvGrpSpPr>
+        <p:cNvPr id="1" name=""/>
+        <p:cNvGrpSpPr/>
+        <p:nvPr/>
+      </p:nvGrpSpPr>
+      <p:grpSpPr>
+        <a:xfrm>
+          <a:off x="0" y="0"/>
+          <a:ext cx="0" cy="0"/>
+          <a:chOff x="0" y="0"/>
+          <a:chExt cx="0" cy="0"/>
+        </a:xfrm>
+      </p:grpSpPr>
+      <p:sp>
+        <p:nvSpPr>
+          <p:cNvPr id="2" name="标题 1"/>
+          <p:cNvSpPr>
+            <a:spLocks noGrp="1"/>
+          </p:cNvSpPr>
+          <p:nvPr>
+            <p:ph type="title"/>
+          </p:nvPr>
+        </p:nvSpPr>
+        <p:spPr/>
+        <p:txBody>
+          <a:bodyPr>
+            <a:noAutofit/>
+          </a:bodyPr>
+          <a:lstStyle/>
+          <a:p>
+            <a:pPr algn="l"/>
+            <a:r>
+              <a:rPr lang="en-US" altLang="zh-CN" sz="3200" dirty="0" smtClean="0"/>
+              <a:t>Why we need a </a:t>
+            </a:r>
+            <a:r>
+              <a:rPr lang="en-US" altLang="zh-CN" sz="3200" dirty="0" err="1" smtClean="0"/>
+              <a:t>c++</a:t>
+            </a:r>
+            <a:r>
+              <a:rPr lang="en-US" altLang="zh-CN" sz="3200" dirty="0" smtClean="0"/>
+              <a:t> web framework feather?</a:t>
+            </a:r>
+            <a:endParaRPr lang="zh-CN" altLang="en-US" sz="3200" dirty="0"/>
+          </a:p>
+        </p:txBody>
+      </p:sp>
+      <p:sp>
+        <p:nvSpPr>
+          <p:cNvPr id="3" name="内容占位符 2"/>
+          <p:cNvSpPr>
+            <a:spLocks noGrp="1"/>
+          </p:cNvSpPr>
+          <p:nvPr>
+            <p:ph idx="1"/>
+          </p:nvPr>
+        </p:nvSpPr>
+        <p:spPr/>
+        <p:txBody>
+          <a:bodyPr>
+            <a:normAutofit/>
+          </a:bodyPr>
+          <a:lstStyle/>
+          <a:p>
+            <a:r>
+              <a:rPr lang="en-US" altLang="zh-CN" sz="2400" dirty="0" smtClean="0"/>
+              <a:t>High development efficiency</a:t>
+            </a:r>
+          </a:p>
+          <a:p>
+            <a:r>
+              <a:rPr lang="en-US" altLang="zh-CN" sz="2400" dirty="0" smtClean="0"/>
+              <a:t>High performance</a:t>
+            </a:r>
+            <a:endParaRPr lang="zh-CN" altLang="en-US" sz="2400" dirty="0"/>
+          </a:p>
+        </p:txBody>
+      </p:sp>
+    </p:spTree>
+  </p:cSld>
+  <p:clrMapOvr>
+    <a:masterClrMapping/>
+  </p:clrMapOvr>
+  <p:timing>
+    <p:tnLst>
+      <p:par>
+        <p:cTn id="1" dur="indefinite" restart="never" nodeType="tmRoot"/>
+      </p:par>
+    </p:tnLst>
+  </p:timing>
+</p:sld>
+</file>
+
+<file path=ppt/slides/slide21.xml><?xml version="1.0" encoding="utf-8"?>
 <p:sld xmlns:a="http://schemas.openxmlformats.org/drawingml/2006/main" xmlns:r="http://schemas.openxmlformats.org/officeDocument/2006/relationships" xmlns:p="http://schemas.openxmlformats.org/presentationml/2006/main">
   <p:cSld>
     <p:spTree>
@@ -6473,7 +6730,7 @@
 </p:sld>
 </file>
 
-<file path=ppt/slides/slide21.xml><?xml version="1.0" encoding="utf-8"?>
+<file path=ppt/slides/slide22.xml><?xml version="1.0" encoding="utf-8"?>
 <p:sld xmlns:a="http://schemas.openxmlformats.org/drawingml/2006/main" xmlns:r="http://schemas.openxmlformats.org/officeDocument/2006/relationships" xmlns:p="http://schemas.openxmlformats.org/presentationml/2006/main">
   <p:cSld>
     <p:spTree>
@@ -6742,7 +6999,6 @@
               <a:rPr lang="en-US" altLang="zh-CN" dirty="0" smtClean="0"/>
               <a:t>render</a:t>
             </a:r>
-            <a:endParaRPr lang="en-US" altLang="zh-CN" dirty="0" smtClean="0"/>
           </a:p>
         </p:txBody>
       </p:sp>
@@ -6893,7 +7149,6 @@
               <a:rPr lang="en-US" altLang="zh-CN" b="1" dirty="0" smtClean="0"/>
               <a:t>Feather </a:t>
             </a:r>
-            <a:endParaRPr lang="en-US" altLang="zh-CN" b="1" dirty="0" smtClean="0"/>
           </a:p>
         </p:txBody>
       </p:sp>
@@ -7663,7 +7918,7 @@
 </p:sld>
 </file>
 
-<file path=ppt/slides/slide22.xml><?xml version="1.0" encoding="utf-8"?>
+<file path=ppt/slides/slide23.xml><?xml version="1.0" encoding="utf-8"?>
 <p:sld xmlns:a="http://schemas.openxmlformats.org/drawingml/2006/main" xmlns:r="http://schemas.openxmlformats.org/officeDocument/2006/relationships" xmlns:p="http://schemas.openxmlformats.org/presentationml/2006/main">
   <p:cSld>
     <p:spTree>
@@ -7804,7 +8059,7 @@
 </p:sld>
 </file>
 
-<file path=ppt/slides/slide23.xml><?xml version="1.0" encoding="utf-8"?>
+<file path=ppt/slides/slide24.xml><?xml version="1.0" encoding="utf-8"?>
 <p:sld xmlns:a="http://schemas.openxmlformats.org/drawingml/2006/main" xmlns:r="http://schemas.openxmlformats.org/officeDocument/2006/relationships" xmlns:p="http://schemas.openxmlformats.org/presentationml/2006/main">
   <p:cSld>
     <p:spTree>
@@ -8068,7 +8323,7 @@
 </p:sld>
 </file>
 
-<file path=ppt/slides/slide24.xml><?xml version="1.0" encoding="utf-8"?>
+<file path=ppt/slides/slide25.xml><?xml version="1.0" encoding="utf-8"?>
 <p:sld xmlns:a="http://schemas.openxmlformats.org/drawingml/2006/main" xmlns:r="http://schemas.openxmlformats.org/officeDocument/2006/relationships" xmlns:p="http://schemas.openxmlformats.org/presentationml/2006/main">
   <p:cSld>
     <p:spTree>
@@ -8501,7 +8756,7 @@
 </p:sld>
 </file>
 
-<file path=ppt/slides/slide25.xml><?xml version="1.0" encoding="utf-8"?>
+<file path=ppt/slides/slide26.xml><?xml version="1.0" encoding="utf-8"?>
 <p:sld xmlns:a="http://schemas.openxmlformats.org/drawingml/2006/main" xmlns:r="http://schemas.openxmlformats.org/officeDocument/2006/relationships" xmlns:p="http://schemas.openxmlformats.org/presentationml/2006/main">
   <p:cSld>
     <p:spTree>
@@ -8533,12 +8788,7 @@
           <a:bodyPr/>
           <a:lstStyle/>
           <a:p>
-            <a:pPr algn="l"/>
-            <a:r>
-              <a:rPr lang="en-US" altLang="zh-CN" dirty="0" smtClean="0"/>
-              <a:t>http parser</a:t>
-            </a:r>
-            <a:endParaRPr lang="zh-CN" altLang="en-US" dirty="0"/>
+            <a:endParaRPr lang="zh-CN" altLang="en-US"/>
           </a:p>
         </p:txBody>
       </p:sp>
@@ -8554,21 +8804,1557 @@
         </p:nvSpPr>
         <p:spPr/>
         <p:txBody>
+          <a:bodyPr/>
+          <a:lstStyle/>
+          <a:p>
+            <a:endParaRPr lang="zh-CN" altLang="en-US" dirty="0"/>
+          </a:p>
+        </p:txBody>
+      </p:sp>
+      <p:grpSp>
+        <p:nvGrpSpPr>
+          <p:cNvPr id="31" name="组合 30"/>
+          <p:cNvGrpSpPr/>
+          <p:nvPr/>
+        </p:nvGrpSpPr>
+        <p:grpSpPr>
+          <a:xfrm>
+            <a:off x="4786314" y="1273724"/>
+            <a:ext cx="1214446" cy="369332"/>
+            <a:chOff x="4786314" y="1202286"/>
+            <a:chExt cx="1214446" cy="369332"/>
+          </a:xfrm>
+        </p:grpSpPr>
+        <p:sp>
+          <p:nvSpPr>
+            <p:cNvPr id="4" name="矩形 3"/>
+            <p:cNvSpPr/>
+            <p:nvPr/>
+          </p:nvSpPr>
+          <p:spPr>
+            <a:xfrm>
+              <a:off x="4786314" y="1214428"/>
+              <a:ext cx="1214446" cy="357190"/>
+            </a:xfrm>
+            <a:prstGeom prst="rect">
+              <a:avLst/>
+            </a:prstGeom>
+            <a:noFill/>
+          </p:spPr>
+          <p:style>
+            <a:lnRef idx="2">
+              <a:schemeClr val="accent1">
+                <a:shade val="50000"/>
+              </a:schemeClr>
+            </a:lnRef>
+            <a:fillRef idx="1">
+              <a:schemeClr val="accent1"/>
+            </a:fillRef>
+            <a:effectRef idx="0">
+              <a:schemeClr val="accent1"/>
+            </a:effectRef>
+            <a:fontRef idx="minor">
+              <a:schemeClr val="lt1"/>
+            </a:fontRef>
+          </p:style>
+          <p:txBody>
+            <a:bodyPr rtlCol="0" anchor="ctr"/>
+            <a:lstStyle/>
+            <a:p>
+              <a:pPr algn="ctr"/>
+              <a:endParaRPr lang="zh-CN" altLang="en-US"/>
+            </a:p>
+          </p:txBody>
+        </p:sp>
+        <p:sp>
+          <p:nvSpPr>
+            <p:cNvPr id="5" name="TextBox 4"/>
+            <p:cNvSpPr txBox="1"/>
+            <p:nvPr/>
+          </p:nvSpPr>
+          <p:spPr>
+            <a:xfrm>
+              <a:off x="4786314" y="1202286"/>
+              <a:ext cx="1143008" cy="369332"/>
+            </a:xfrm>
+            <a:prstGeom prst="rect">
+              <a:avLst/>
+            </a:prstGeom>
+            <a:noFill/>
+          </p:spPr>
+          <p:txBody>
+            <a:bodyPr wrap="square" rtlCol="0">
+              <a:spAutoFit/>
+            </a:bodyPr>
+            <a:lstStyle/>
+            <a:p>
+              <a:r>
+                <a:rPr lang="en-US" altLang="zh-CN" dirty="0" smtClean="0"/>
+                <a:t>Parse http</a:t>
+              </a:r>
+              <a:endParaRPr lang="zh-CN" altLang="en-US" dirty="0"/>
+            </a:p>
+          </p:txBody>
+        </p:sp>
+      </p:grpSp>
+      <p:grpSp>
+        <p:nvGrpSpPr>
+          <p:cNvPr id="32" name="组合 31"/>
+          <p:cNvGrpSpPr/>
+          <p:nvPr/>
+        </p:nvGrpSpPr>
+        <p:grpSpPr>
+          <a:xfrm>
+            <a:off x="4714876" y="2202418"/>
+            <a:ext cx="1285884" cy="369332"/>
+            <a:chOff x="4714876" y="2130980"/>
+            <a:chExt cx="1285884" cy="369332"/>
+          </a:xfrm>
+        </p:grpSpPr>
+        <p:sp>
+          <p:nvSpPr>
+            <p:cNvPr id="6" name="矩形 5"/>
+            <p:cNvSpPr/>
+            <p:nvPr/>
+          </p:nvSpPr>
+          <p:spPr>
+            <a:xfrm>
+              <a:off x="4786314" y="2143122"/>
+              <a:ext cx="1214446" cy="357190"/>
+            </a:xfrm>
+            <a:prstGeom prst="rect">
+              <a:avLst/>
+            </a:prstGeom>
+            <a:noFill/>
+          </p:spPr>
+          <p:style>
+            <a:lnRef idx="2">
+              <a:schemeClr val="accent1">
+                <a:shade val="50000"/>
+              </a:schemeClr>
+            </a:lnRef>
+            <a:fillRef idx="1">
+              <a:schemeClr val="accent1"/>
+            </a:fillRef>
+            <a:effectRef idx="0">
+              <a:schemeClr val="accent1"/>
+            </a:effectRef>
+            <a:fontRef idx="minor">
+              <a:schemeClr val="lt1"/>
+            </a:fontRef>
+          </p:style>
+          <p:txBody>
+            <a:bodyPr rtlCol="0" anchor="ctr"/>
+            <a:lstStyle/>
+            <a:p>
+              <a:pPr algn="ctr"/>
+              <a:endParaRPr lang="zh-CN" altLang="en-US"/>
+            </a:p>
+          </p:txBody>
+        </p:sp>
+        <p:sp>
+          <p:nvSpPr>
+            <p:cNvPr id="7" name="TextBox 6"/>
+            <p:cNvSpPr txBox="1"/>
+            <p:nvPr/>
+          </p:nvSpPr>
+          <p:spPr>
+            <a:xfrm>
+              <a:off x="4714876" y="2130980"/>
+              <a:ext cx="1214446" cy="369332"/>
+            </a:xfrm>
+            <a:prstGeom prst="rect">
+              <a:avLst/>
+            </a:prstGeom>
+            <a:noFill/>
+          </p:spPr>
+          <p:txBody>
+            <a:bodyPr wrap="square" rtlCol="0">
+              <a:spAutoFit/>
+            </a:bodyPr>
+            <a:lstStyle/>
+            <a:p>
+              <a:pPr algn="ctr"/>
+              <a:r>
+                <a:rPr lang="en-US" altLang="zh-CN" dirty="0" smtClean="0"/>
+                <a:t>Router</a:t>
+              </a:r>
+              <a:endParaRPr lang="zh-CN" altLang="en-US" dirty="0"/>
+            </a:p>
+          </p:txBody>
+        </p:sp>
+      </p:grpSp>
+      <p:grpSp>
+        <p:nvGrpSpPr>
+          <p:cNvPr id="33" name="组合 32"/>
+          <p:cNvGrpSpPr/>
+          <p:nvPr/>
+        </p:nvGrpSpPr>
+        <p:grpSpPr>
+          <a:xfrm>
+            <a:off x="4786314" y="3131112"/>
+            <a:ext cx="1214446" cy="369332"/>
+            <a:chOff x="4786314" y="3059674"/>
+            <a:chExt cx="1214446" cy="369332"/>
+          </a:xfrm>
+        </p:grpSpPr>
+        <p:sp>
+          <p:nvSpPr>
+            <p:cNvPr id="8" name="矩形 7"/>
+            <p:cNvSpPr/>
+            <p:nvPr/>
+          </p:nvSpPr>
+          <p:spPr>
+            <a:xfrm>
+              <a:off x="4786314" y="3071816"/>
+              <a:ext cx="1214446" cy="357190"/>
+            </a:xfrm>
+            <a:prstGeom prst="rect">
+              <a:avLst/>
+            </a:prstGeom>
+            <a:noFill/>
+          </p:spPr>
+          <p:style>
+            <a:lnRef idx="2">
+              <a:schemeClr val="accent1">
+                <a:shade val="50000"/>
+              </a:schemeClr>
+            </a:lnRef>
+            <a:fillRef idx="1">
+              <a:schemeClr val="accent1"/>
+            </a:fillRef>
+            <a:effectRef idx="0">
+              <a:schemeClr val="accent1"/>
+            </a:effectRef>
+            <a:fontRef idx="minor">
+              <a:schemeClr val="lt1"/>
+            </a:fontRef>
+          </p:style>
+          <p:txBody>
+            <a:bodyPr rtlCol="0" anchor="ctr"/>
+            <a:lstStyle/>
+            <a:p>
+              <a:pPr algn="ctr"/>
+              <a:endParaRPr lang="zh-CN" altLang="en-US"/>
+            </a:p>
+          </p:txBody>
+        </p:sp>
+        <p:sp>
+          <p:nvSpPr>
+            <p:cNvPr id="9" name="TextBox 8"/>
+            <p:cNvSpPr txBox="1"/>
+            <p:nvPr/>
+          </p:nvSpPr>
+          <p:spPr>
+            <a:xfrm>
+              <a:off x="4786314" y="3059674"/>
+              <a:ext cx="1214446" cy="369332"/>
+            </a:xfrm>
+            <a:prstGeom prst="rect">
+              <a:avLst/>
+            </a:prstGeom>
+            <a:noFill/>
+          </p:spPr>
+          <p:txBody>
+            <a:bodyPr wrap="square" rtlCol="0">
+              <a:spAutoFit/>
+            </a:bodyPr>
+            <a:lstStyle/>
+            <a:p>
+              <a:pPr algn="ctr"/>
+              <a:r>
+                <a:rPr lang="en-US" altLang="zh-CN" dirty="0" smtClean="0"/>
+                <a:t>Function</a:t>
+              </a:r>
+              <a:endParaRPr lang="zh-CN" altLang="en-US" dirty="0"/>
+            </a:p>
+          </p:txBody>
+        </p:sp>
+      </p:grpSp>
+      <p:grpSp>
+        <p:nvGrpSpPr>
+          <p:cNvPr id="34" name="组合 33"/>
+          <p:cNvGrpSpPr/>
+          <p:nvPr/>
+        </p:nvGrpSpPr>
+        <p:grpSpPr>
+          <a:xfrm>
+            <a:off x="6357950" y="1214428"/>
+            <a:ext cx="2000264" cy="584775"/>
+            <a:chOff x="6500826" y="1142990"/>
+            <a:chExt cx="1857388" cy="584775"/>
+          </a:xfrm>
+        </p:grpSpPr>
+        <p:sp>
+          <p:nvSpPr>
+            <p:cNvPr id="15" name="圆角矩形标注 14"/>
+            <p:cNvSpPr/>
+            <p:nvPr/>
+          </p:nvSpPr>
+          <p:spPr>
+            <a:xfrm rot="5400000">
+              <a:off x="7072330" y="571486"/>
+              <a:ext cx="571504" cy="1714512"/>
+            </a:xfrm>
+            <a:prstGeom prst="wedgeRoundRectCallout">
+              <a:avLst>
+                <a:gd name="adj1" fmla="val -20833"/>
+                <a:gd name="adj2" fmla="val 64751"/>
+                <a:gd name="adj3" fmla="val 16667"/>
+              </a:avLst>
+            </a:prstGeom>
+            <a:noFill/>
+            <a:ln w="15875">
+              <a:solidFill>
+                <a:srgbClr val="00B050"/>
+              </a:solidFill>
+            </a:ln>
+          </p:spPr>
+          <p:style>
+            <a:lnRef idx="2">
+              <a:schemeClr val="accent1">
+                <a:shade val="50000"/>
+              </a:schemeClr>
+            </a:lnRef>
+            <a:fillRef idx="1">
+              <a:schemeClr val="accent1"/>
+            </a:fillRef>
+            <a:effectRef idx="0">
+              <a:schemeClr val="accent1"/>
+            </a:effectRef>
+            <a:fontRef idx="minor">
+              <a:schemeClr val="lt1"/>
+            </a:fontRef>
+          </p:style>
+          <p:txBody>
+            <a:bodyPr rtlCol="0" anchor="ctr"/>
+            <a:lstStyle/>
+            <a:p>
+              <a:pPr algn="ctr"/>
+              <a:endParaRPr lang="zh-CN" altLang="en-US"/>
+            </a:p>
+          </p:txBody>
+        </p:sp>
+        <p:sp>
+          <p:nvSpPr>
+            <p:cNvPr id="16" name="TextBox 15"/>
+            <p:cNvSpPr txBox="1"/>
+            <p:nvPr/>
+          </p:nvSpPr>
+          <p:spPr>
+            <a:xfrm>
+              <a:off x="6572264" y="1142990"/>
+              <a:ext cx="1785950" cy="584775"/>
+            </a:xfrm>
+            <a:prstGeom prst="rect">
+              <a:avLst/>
+            </a:prstGeom>
+            <a:noFill/>
+          </p:spPr>
+          <p:txBody>
+            <a:bodyPr wrap="square" rtlCol="0">
+              <a:spAutoFit/>
+            </a:bodyPr>
+            <a:lstStyle/>
+            <a:p>
+              <a:r>
+                <a:rPr lang="en-US" altLang="zh-CN" sz="1600" dirty="0" smtClean="0"/>
+                <a:t>http method: GET</a:t>
+              </a:r>
+            </a:p>
+            <a:p>
+              <a:r>
+                <a:rPr lang="en-US" altLang="zh-CN" sz="1600" dirty="0" smtClean="0"/>
+                <a:t>URL: /hello</a:t>
+              </a:r>
+              <a:endParaRPr lang="zh-CN" altLang="en-US" sz="1600" dirty="0"/>
+            </a:p>
+          </p:txBody>
+        </p:sp>
+      </p:grpSp>
+      <p:sp>
+        <p:nvSpPr>
+          <p:cNvPr id="17" name="矩形 16"/>
+          <p:cNvSpPr/>
+          <p:nvPr/>
+        </p:nvSpPr>
+        <p:spPr>
+          <a:xfrm>
+            <a:off x="714348" y="1202286"/>
+            <a:ext cx="2248757" cy="369332"/>
+          </a:xfrm>
+          <a:prstGeom prst="rect">
+            <a:avLst/>
+          </a:prstGeom>
+        </p:spPr>
+        <p:txBody>
+          <a:bodyPr wrap="none">
+            <a:spAutoFit/>
+          </a:bodyPr>
+          <a:lstStyle/>
+          <a:p>
+            <a:r>
+              <a:rPr lang="en-US" altLang="zh-CN" dirty="0" smtClean="0"/>
+              <a:t>http://127.0.0.1/hello</a:t>
+            </a:r>
+            <a:endParaRPr lang="zh-CN" altLang="en-US" dirty="0"/>
+          </a:p>
+        </p:txBody>
+      </p:sp>
+      <p:grpSp>
+        <p:nvGrpSpPr>
+          <p:cNvPr id="35" name="组合 34"/>
+          <p:cNvGrpSpPr/>
+          <p:nvPr/>
+        </p:nvGrpSpPr>
+        <p:grpSpPr>
+          <a:xfrm>
+            <a:off x="6429388" y="2214560"/>
+            <a:ext cx="2071702" cy="357190"/>
+            <a:chOff x="6500826" y="2143122"/>
+            <a:chExt cx="2071702" cy="357190"/>
+          </a:xfrm>
+        </p:grpSpPr>
+        <p:sp>
+          <p:nvSpPr>
+            <p:cNvPr id="18" name="圆角矩形标注 17"/>
+            <p:cNvSpPr/>
+            <p:nvPr/>
+          </p:nvSpPr>
+          <p:spPr>
+            <a:xfrm rot="5400000">
+              <a:off x="7322363" y="1321585"/>
+              <a:ext cx="357190" cy="2000264"/>
+            </a:xfrm>
+            <a:prstGeom prst="wedgeRoundRectCallout">
+              <a:avLst>
+                <a:gd name="adj1" fmla="val -15015"/>
+                <a:gd name="adj2" fmla="val 65963"/>
+                <a:gd name="adj3" fmla="val 16667"/>
+              </a:avLst>
+            </a:prstGeom>
+            <a:noFill/>
+            <a:ln w="15875">
+              <a:solidFill>
+                <a:srgbClr val="00B050"/>
+              </a:solidFill>
+            </a:ln>
+          </p:spPr>
+          <p:style>
+            <a:lnRef idx="2">
+              <a:schemeClr val="accent1">
+                <a:shade val="50000"/>
+              </a:schemeClr>
+            </a:lnRef>
+            <a:fillRef idx="1">
+              <a:schemeClr val="accent1"/>
+            </a:fillRef>
+            <a:effectRef idx="0">
+              <a:schemeClr val="accent1"/>
+            </a:effectRef>
+            <a:fontRef idx="minor">
+              <a:schemeClr val="lt1"/>
+            </a:fontRef>
+          </p:style>
+          <p:txBody>
+            <a:bodyPr rtlCol="0" anchor="ctr"/>
+            <a:lstStyle/>
+            <a:p>
+              <a:pPr algn="ctr"/>
+              <a:endParaRPr lang="zh-CN" altLang="en-US"/>
+            </a:p>
+          </p:txBody>
+        </p:sp>
+        <p:sp>
+          <p:nvSpPr>
+            <p:cNvPr id="19" name="TextBox 18"/>
+            <p:cNvSpPr txBox="1"/>
+            <p:nvPr/>
+          </p:nvSpPr>
+          <p:spPr>
+            <a:xfrm>
+              <a:off x="6572264" y="2143122"/>
+              <a:ext cx="2000264" cy="338554"/>
+            </a:xfrm>
+            <a:prstGeom prst="rect">
+              <a:avLst/>
+            </a:prstGeom>
+            <a:noFill/>
+          </p:spPr>
+          <p:txBody>
+            <a:bodyPr wrap="square" rtlCol="0">
+              <a:spAutoFit/>
+            </a:bodyPr>
+            <a:lstStyle/>
+            <a:p>
+              <a:r>
+                <a:rPr lang="en-US" altLang="zh-CN" sz="1600" dirty="0" smtClean="0"/>
+                <a:t>find the http handler</a:t>
+              </a:r>
+            </a:p>
+          </p:txBody>
+        </p:sp>
+      </p:grpSp>
+      <p:grpSp>
+        <p:nvGrpSpPr>
+          <p:cNvPr id="36" name="组合 35"/>
+          <p:cNvGrpSpPr/>
+          <p:nvPr/>
+        </p:nvGrpSpPr>
+        <p:grpSpPr>
+          <a:xfrm>
+            <a:off x="6429388" y="3143254"/>
+            <a:ext cx="1714512" cy="357190"/>
+            <a:chOff x="6500826" y="3143254"/>
+            <a:chExt cx="1714512" cy="357190"/>
+          </a:xfrm>
+        </p:grpSpPr>
+        <p:sp>
+          <p:nvSpPr>
+            <p:cNvPr id="20" name="圆角矩形标注 19"/>
+            <p:cNvSpPr/>
+            <p:nvPr/>
+          </p:nvSpPr>
+          <p:spPr>
+            <a:xfrm rot="5400000">
+              <a:off x="7179487" y="2464593"/>
+              <a:ext cx="357190" cy="1714512"/>
+            </a:xfrm>
+            <a:prstGeom prst="wedgeRoundRectCallout">
+              <a:avLst>
+                <a:gd name="adj1" fmla="val -16954"/>
+                <a:gd name="adj2" fmla="val 68965"/>
+                <a:gd name="adj3" fmla="val 16667"/>
+              </a:avLst>
+            </a:prstGeom>
+            <a:noFill/>
+            <a:ln w="15875">
+              <a:solidFill>
+                <a:srgbClr val="00B050"/>
+              </a:solidFill>
+            </a:ln>
+          </p:spPr>
+          <p:style>
+            <a:lnRef idx="2">
+              <a:schemeClr val="accent1">
+                <a:shade val="50000"/>
+              </a:schemeClr>
+            </a:lnRef>
+            <a:fillRef idx="1">
+              <a:schemeClr val="accent1"/>
+            </a:fillRef>
+            <a:effectRef idx="0">
+              <a:schemeClr val="accent1"/>
+            </a:effectRef>
+            <a:fontRef idx="minor">
+              <a:schemeClr val="lt1"/>
+            </a:fontRef>
+          </p:style>
+          <p:txBody>
+            <a:bodyPr rtlCol="0" anchor="ctr"/>
+            <a:lstStyle/>
+            <a:p>
+              <a:pPr algn="ctr"/>
+              <a:endParaRPr lang="zh-CN" altLang="en-US"/>
+            </a:p>
+          </p:txBody>
+        </p:sp>
+        <p:sp>
+          <p:nvSpPr>
+            <p:cNvPr id="21" name="TextBox 20"/>
+            <p:cNvSpPr txBox="1"/>
+            <p:nvPr/>
+          </p:nvSpPr>
+          <p:spPr>
+            <a:xfrm>
+              <a:off x="6572264" y="3143254"/>
+              <a:ext cx="1285884" cy="338554"/>
+            </a:xfrm>
+            <a:prstGeom prst="rect">
+              <a:avLst/>
+            </a:prstGeom>
+            <a:noFill/>
+          </p:spPr>
+          <p:txBody>
+            <a:bodyPr wrap="square" rtlCol="0">
+              <a:spAutoFit/>
+            </a:bodyPr>
+            <a:lstStyle/>
+            <a:p>
+              <a:r>
+                <a:rPr lang="en-US" altLang="zh-CN" sz="1600" dirty="0" smtClean="0"/>
+                <a:t>do business</a:t>
+              </a:r>
+            </a:p>
+          </p:txBody>
+        </p:sp>
+      </p:grpSp>
+      <p:sp>
+        <p:nvSpPr>
+          <p:cNvPr id="23" name="下箭头 22"/>
+          <p:cNvSpPr/>
+          <p:nvPr/>
+        </p:nvSpPr>
+        <p:spPr>
+          <a:xfrm>
+            <a:off x="5286380" y="1714494"/>
+            <a:ext cx="214314" cy="428628"/>
+          </a:xfrm>
+          <a:prstGeom prst="downArrow">
+            <a:avLst/>
+          </a:prstGeom>
+        </p:spPr>
+        <p:style>
+          <a:lnRef idx="2">
+            <a:schemeClr val="accent1">
+              <a:shade val="50000"/>
+            </a:schemeClr>
+          </a:lnRef>
+          <a:fillRef idx="1">
+            <a:schemeClr val="accent1"/>
+          </a:fillRef>
+          <a:effectRef idx="0">
+            <a:schemeClr val="accent1"/>
+          </a:effectRef>
+          <a:fontRef idx="minor">
+            <a:schemeClr val="lt1"/>
+          </a:fontRef>
+        </p:style>
+        <p:txBody>
+          <a:bodyPr rtlCol="0" anchor="ctr"/>
+          <a:lstStyle/>
+          <a:p>
+            <a:pPr algn="ctr"/>
+            <a:endParaRPr lang="zh-CN" altLang="en-US"/>
+          </a:p>
+        </p:txBody>
+      </p:sp>
+      <p:sp>
+        <p:nvSpPr>
+          <p:cNvPr id="24" name="下箭头 23"/>
+          <p:cNvSpPr/>
+          <p:nvPr/>
+        </p:nvSpPr>
+        <p:spPr>
+          <a:xfrm>
+            <a:off x="5286380" y="2643188"/>
+            <a:ext cx="214314" cy="428628"/>
+          </a:xfrm>
+          <a:prstGeom prst="downArrow">
+            <a:avLst/>
+          </a:prstGeom>
+        </p:spPr>
+        <p:style>
+          <a:lnRef idx="2">
+            <a:schemeClr val="accent1">
+              <a:shade val="50000"/>
+            </a:schemeClr>
+          </a:lnRef>
+          <a:fillRef idx="1">
+            <a:schemeClr val="accent1"/>
+          </a:fillRef>
+          <a:effectRef idx="0">
+            <a:schemeClr val="accent1"/>
+          </a:effectRef>
+          <a:fontRef idx="minor">
+            <a:schemeClr val="lt1"/>
+          </a:fontRef>
+        </p:style>
+        <p:txBody>
+          <a:bodyPr rtlCol="0" anchor="ctr"/>
+          <a:lstStyle/>
+          <a:p>
+            <a:pPr algn="ctr"/>
+            <a:endParaRPr lang="zh-CN" altLang="en-US"/>
+          </a:p>
+        </p:txBody>
+      </p:sp>
+      <p:pic>
+        <p:nvPicPr>
+          <p:cNvPr id="1028" name="Picture 4"/>
+          <p:cNvPicPr>
+            <a:picLocks noChangeAspect="1" noChangeArrowheads="1"/>
+          </p:cNvPicPr>
+          <p:nvPr/>
+        </p:nvPicPr>
+        <p:blipFill>
+          <a:blip r:embed="rId2"/>
+          <a:srcRect/>
+          <a:stretch>
+            <a:fillRect/>
+          </a:stretch>
+        </p:blipFill>
+        <p:spPr bwMode="auto">
+          <a:xfrm>
+            <a:off x="428596" y="3571882"/>
+            <a:ext cx="4165841" cy="1000132"/>
+          </a:xfrm>
+          <a:prstGeom prst="rect">
+            <a:avLst/>
+          </a:prstGeom>
+          <a:noFill/>
+          <a:ln w="9525">
+            <a:noFill/>
+            <a:miter lim="800000"/>
+            <a:headEnd/>
+            <a:tailEnd/>
+          </a:ln>
+          <a:effectLst/>
+        </p:spPr>
+      </p:pic>
+      <p:sp>
+        <p:nvSpPr>
+          <p:cNvPr id="28" name="直角上箭头 27"/>
+          <p:cNvSpPr/>
+          <p:nvPr/>
+        </p:nvSpPr>
+        <p:spPr>
+          <a:xfrm rot="5400000" flipV="1">
+            <a:off x="4893471" y="3536163"/>
+            <a:ext cx="428628" cy="785818"/>
+          </a:xfrm>
+          <a:prstGeom prst="bentUpArrow">
+            <a:avLst/>
+          </a:prstGeom>
+        </p:spPr>
+        <p:style>
+          <a:lnRef idx="2">
+            <a:schemeClr val="accent1">
+              <a:shade val="50000"/>
+            </a:schemeClr>
+          </a:lnRef>
+          <a:fillRef idx="1">
+            <a:schemeClr val="accent1"/>
+          </a:fillRef>
+          <a:effectRef idx="0">
+            <a:schemeClr val="accent1"/>
+          </a:effectRef>
+          <a:fontRef idx="minor">
+            <a:schemeClr val="lt1"/>
+          </a:fontRef>
+        </p:style>
+        <p:txBody>
+          <a:bodyPr rtlCol="0" anchor="ctr"/>
+          <a:lstStyle/>
+          <a:p>
+            <a:pPr algn="ctr"/>
+            <a:endParaRPr lang="zh-CN" altLang="en-US"/>
+          </a:p>
+        </p:txBody>
+      </p:sp>
+      <p:grpSp>
+        <p:nvGrpSpPr>
+          <p:cNvPr id="30" name="组合 29"/>
+          <p:cNvGrpSpPr/>
+          <p:nvPr/>
+        </p:nvGrpSpPr>
+        <p:grpSpPr>
+          <a:xfrm>
+            <a:off x="3000364" y="1000114"/>
+            <a:ext cx="1571636" cy="500066"/>
+            <a:chOff x="3000364" y="1000114"/>
+            <a:chExt cx="1571636" cy="500066"/>
+          </a:xfrm>
+        </p:grpSpPr>
+        <p:sp>
+          <p:nvSpPr>
+            <p:cNvPr id="22" name="右箭头 21"/>
+            <p:cNvSpPr/>
+            <p:nvPr/>
+          </p:nvSpPr>
+          <p:spPr>
+            <a:xfrm>
+              <a:off x="3000364" y="1285866"/>
+              <a:ext cx="1571636" cy="214314"/>
+            </a:xfrm>
+            <a:prstGeom prst="rightArrow">
+              <a:avLst/>
+            </a:prstGeom>
+          </p:spPr>
+          <p:style>
+            <a:lnRef idx="2">
+              <a:schemeClr val="accent1">
+                <a:shade val="50000"/>
+              </a:schemeClr>
+            </a:lnRef>
+            <a:fillRef idx="1">
+              <a:schemeClr val="accent1"/>
+            </a:fillRef>
+            <a:effectRef idx="0">
+              <a:schemeClr val="accent1"/>
+            </a:effectRef>
+            <a:fontRef idx="minor">
+              <a:schemeClr val="lt1"/>
+            </a:fontRef>
+          </p:style>
+          <p:txBody>
+            <a:bodyPr rtlCol="0" anchor="ctr"/>
+            <a:lstStyle/>
+            <a:p>
+              <a:pPr algn="ctr"/>
+              <a:endParaRPr lang="zh-CN" altLang="en-US"/>
+            </a:p>
+          </p:txBody>
+        </p:sp>
+        <p:sp>
+          <p:nvSpPr>
+            <p:cNvPr id="29" name="TextBox 28"/>
+            <p:cNvSpPr txBox="1"/>
+            <p:nvPr/>
+          </p:nvSpPr>
+          <p:spPr>
+            <a:xfrm>
+              <a:off x="3071802" y="1000114"/>
+              <a:ext cx="1345497" cy="369332"/>
+            </a:xfrm>
+            <a:prstGeom prst="rect">
+              <a:avLst/>
+            </a:prstGeom>
+            <a:noFill/>
+          </p:spPr>
+          <p:txBody>
+            <a:bodyPr wrap="none" rtlCol="0">
+              <a:spAutoFit/>
+            </a:bodyPr>
+            <a:lstStyle/>
+            <a:p>
+              <a:r>
+                <a:rPr lang="en-US" altLang="zh-CN" dirty="0" smtClean="0"/>
+                <a:t>http request</a:t>
+              </a:r>
+              <a:endParaRPr lang="zh-CN" altLang="en-US" dirty="0"/>
+            </a:p>
+          </p:txBody>
+        </p:sp>
+      </p:grpSp>
+      <p:sp>
+        <p:nvSpPr>
+          <p:cNvPr id="37" name="圆角矩形 36"/>
+          <p:cNvSpPr/>
+          <p:nvPr/>
+        </p:nvSpPr>
+        <p:spPr>
+          <a:xfrm>
+            <a:off x="4643438" y="1142990"/>
+            <a:ext cx="1571636" cy="2500330"/>
+          </a:xfrm>
+          <a:prstGeom prst="roundRect">
+            <a:avLst/>
+          </a:prstGeom>
+          <a:noFill/>
+        </p:spPr>
+        <p:style>
+          <a:lnRef idx="2">
+            <a:schemeClr val="accent1">
+              <a:shade val="50000"/>
+            </a:schemeClr>
+          </a:lnRef>
+          <a:fillRef idx="1">
+            <a:schemeClr val="accent1"/>
+          </a:fillRef>
+          <a:effectRef idx="0">
+            <a:schemeClr val="accent1"/>
+          </a:effectRef>
+          <a:fontRef idx="minor">
+            <a:schemeClr val="lt1"/>
+          </a:fontRef>
+        </p:style>
+        <p:txBody>
+          <a:bodyPr rtlCol="0" anchor="ctr"/>
+          <a:lstStyle/>
+          <a:p>
+            <a:pPr algn="ctr"/>
+            <a:endParaRPr lang="zh-CN" altLang="en-US"/>
+          </a:p>
+        </p:txBody>
+      </p:sp>
+      <p:sp>
+        <p:nvSpPr>
+          <p:cNvPr id="38" name="TextBox 37"/>
+          <p:cNvSpPr txBox="1"/>
+          <p:nvPr/>
+        </p:nvSpPr>
+        <p:spPr>
+          <a:xfrm>
+            <a:off x="4857752" y="785800"/>
+            <a:ext cx="1214692" cy="369332"/>
+          </a:xfrm>
+          <a:prstGeom prst="rect">
+            <a:avLst/>
+          </a:prstGeom>
+          <a:noFill/>
+        </p:spPr>
+        <p:txBody>
+          <a:bodyPr wrap="none" rtlCol="0">
+            <a:spAutoFit/>
+          </a:bodyPr>
+          <a:lstStyle/>
+          <a:p>
+            <a:r>
+              <a:rPr lang="en-US" altLang="zh-CN" dirty="0" smtClean="0"/>
+              <a:t>http server</a:t>
+            </a:r>
+            <a:endParaRPr lang="zh-CN" altLang="en-US" dirty="0"/>
+          </a:p>
+        </p:txBody>
+      </p:sp>
+    </p:spTree>
+  </p:cSld>
+  <p:clrMapOvr>
+    <a:masterClrMapping/>
+  </p:clrMapOvr>
+  <p:timing>
+    <p:tnLst>
+      <p:par>
+        <p:cTn id="1" dur="indefinite" restart="never" nodeType="tmRoot">
+          <p:childTnLst>
+            <p:seq concurrent="1" nextAc="seek">
+              <p:cTn id="2" dur="indefinite" nodeType="mainSeq">
+                <p:childTnLst>
+                  <p:par>
+                    <p:cTn id="3" fill="hold">
+                      <p:stCondLst>
+                        <p:cond delay="indefinite"/>
+                      </p:stCondLst>
+                      <p:childTnLst>
+                        <p:par>
+                          <p:cTn id="4" fill="hold">
+                            <p:stCondLst>
+                              <p:cond delay="0"/>
+                            </p:stCondLst>
+                            <p:childTnLst>
+                              <p:par>
+                                <p:cTn id="5" presetID="22" presetClass="entr" presetSubtype="8" fill="hold" nodeType="clickEffect">
+                                  <p:stCondLst>
+                                    <p:cond delay="0"/>
+                                  </p:stCondLst>
+                                  <p:childTnLst>
+                                    <p:set>
+                                      <p:cBhvr>
+                                        <p:cTn id="6" dur="1" fill="hold">
+                                          <p:stCondLst>
+                                            <p:cond delay="0"/>
+                                          </p:stCondLst>
+                                        </p:cTn>
+                                        <p:tgtEl>
+                                          <p:spTgt spid="30"/>
+                                        </p:tgtEl>
+                                        <p:attrNameLst>
+                                          <p:attrName>style.visibility</p:attrName>
+                                        </p:attrNameLst>
+                                      </p:cBhvr>
+                                      <p:to>
+                                        <p:strVal val="visible"/>
+                                      </p:to>
+                                    </p:set>
+                                    <p:animEffect transition="in" filter="wipe(left)">
+                                      <p:cBhvr>
+                                        <p:cTn id="7" dur="500"/>
+                                        <p:tgtEl>
+                                          <p:spTgt spid="30"/>
+                                        </p:tgtEl>
+                                      </p:cBhvr>
+                                    </p:animEffect>
+                                  </p:childTnLst>
+                                </p:cTn>
+                              </p:par>
+                            </p:childTnLst>
+                          </p:cTn>
+                        </p:par>
+                      </p:childTnLst>
+                    </p:cTn>
+                  </p:par>
+                  <p:par>
+                    <p:cTn id="8" fill="hold">
+                      <p:stCondLst>
+                        <p:cond delay="indefinite"/>
+                      </p:stCondLst>
+                      <p:childTnLst>
+                        <p:par>
+                          <p:cTn id="9" fill="hold">
+                            <p:stCondLst>
+                              <p:cond delay="0"/>
+                            </p:stCondLst>
+                            <p:childTnLst>
+                              <p:par>
+                                <p:cTn id="10" presetID="22" presetClass="entr" presetSubtype="8" fill="hold" nodeType="clickEffect">
+                                  <p:stCondLst>
+                                    <p:cond delay="0"/>
+                                  </p:stCondLst>
+                                  <p:childTnLst>
+                                    <p:set>
+                                      <p:cBhvr>
+                                        <p:cTn id="11" dur="1" fill="hold">
+                                          <p:stCondLst>
+                                            <p:cond delay="0"/>
+                                          </p:stCondLst>
+                                        </p:cTn>
+                                        <p:tgtEl>
+                                          <p:spTgt spid="31"/>
+                                        </p:tgtEl>
+                                        <p:attrNameLst>
+                                          <p:attrName>style.visibility</p:attrName>
+                                        </p:attrNameLst>
+                                      </p:cBhvr>
+                                      <p:to>
+                                        <p:strVal val="visible"/>
+                                      </p:to>
+                                    </p:set>
+                                    <p:animEffect transition="in" filter="wipe(left)">
+                                      <p:cBhvr>
+                                        <p:cTn id="12" dur="500"/>
+                                        <p:tgtEl>
+                                          <p:spTgt spid="31"/>
+                                        </p:tgtEl>
+                                      </p:cBhvr>
+                                    </p:animEffect>
+                                  </p:childTnLst>
+                                </p:cTn>
+                              </p:par>
+                            </p:childTnLst>
+                          </p:cTn>
+                        </p:par>
+                      </p:childTnLst>
+                    </p:cTn>
+                  </p:par>
+                  <p:par>
+                    <p:cTn id="13" fill="hold">
+                      <p:stCondLst>
+                        <p:cond delay="indefinite"/>
+                      </p:stCondLst>
+                      <p:childTnLst>
+                        <p:par>
+                          <p:cTn id="14" fill="hold">
+                            <p:stCondLst>
+                              <p:cond delay="0"/>
+                            </p:stCondLst>
+                            <p:childTnLst>
+                              <p:par>
+                                <p:cTn id="15" presetID="1" presetClass="entr" presetSubtype="0" fill="hold" nodeType="clickEffect">
+                                  <p:stCondLst>
+                                    <p:cond delay="0"/>
+                                  </p:stCondLst>
+                                  <p:childTnLst>
+                                    <p:set>
+                                      <p:cBhvr>
+                                        <p:cTn id="16" dur="1" fill="hold">
+                                          <p:stCondLst>
+                                            <p:cond delay="0"/>
+                                          </p:stCondLst>
+                                        </p:cTn>
+                                        <p:tgtEl>
+                                          <p:spTgt spid="34"/>
+                                        </p:tgtEl>
+                                        <p:attrNameLst>
+                                          <p:attrName>style.visibility</p:attrName>
+                                        </p:attrNameLst>
+                                      </p:cBhvr>
+                                      <p:to>
+                                        <p:strVal val="visible"/>
+                                      </p:to>
+                                    </p:set>
+                                  </p:childTnLst>
+                                </p:cTn>
+                              </p:par>
+                            </p:childTnLst>
+                          </p:cTn>
+                        </p:par>
+                      </p:childTnLst>
+                    </p:cTn>
+                  </p:par>
+                  <p:par>
+                    <p:cTn id="17" fill="hold">
+                      <p:stCondLst>
+                        <p:cond delay="indefinite"/>
+                      </p:stCondLst>
+                      <p:childTnLst>
+                        <p:par>
+                          <p:cTn id="18" fill="hold">
+                            <p:stCondLst>
+                              <p:cond delay="0"/>
+                            </p:stCondLst>
+                            <p:childTnLst>
+                              <p:par>
+                                <p:cTn id="19" presetID="22" presetClass="entr" presetSubtype="1" fill="hold" grpId="0" nodeType="clickEffect">
+                                  <p:stCondLst>
+                                    <p:cond delay="0"/>
+                                  </p:stCondLst>
+                                  <p:childTnLst>
+                                    <p:set>
+                                      <p:cBhvr>
+                                        <p:cTn id="20" dur="1" fill="hold">
+                                          <p:stCondLst>
+                                            <p:cond delay="0"/>
+                                          </p:stCondLst>
+                                        </p:cTn>
+                                        <p:tgtEl>
+                                          <p:spTgt spid="23"/>
+                                        </p:tgtEl>
+                                        <p:attrNameLst>
+                                          <p:attrName>style.visibility</p:attrName>
+                                        </p:attrNameLst>
+                                      </p:cBhvr>
+                                      <p:to>
+                                        <p:strVal val="visible"/>
+                                      </p:to>
+                                    </p:set>
+                                    <p:animEffect transition="in" filter="wipe(up)">
+                                      <p:cBhvr>
+                                        <p:cTn id="21" dur="500"/>
+                                        <p:tgtEl>
+                                          <p:spTgt spid="23"/>
+                                        </p:tgtEl>
+                                      </p:cBhvr>
+                                    </p:animEffect>
+                                  </p:childTnLst>
+                                </p:cTn>
+                              </p:par>
+                            </p:childTnLst>
+                          </p:cTn>
+                        </p:par>
+                        <p:par>
+                          <p:cTn id="22" fill="hold">
+                            <p:stCondLst>
+                              <p:cond delay="500"/>
+                            </p:stCondLst>
+                            <p:childTnLst>
+                              <p:par>
+                                <p:cTn id="23" presetID="22" presetClass="entr" presetSubtype="1" fill="hold" nodeType="afterEffect">
+                                  <p:stCondLst>
+                                    <p:cond delay="0"/>
+                                  </p:stCondLst>
+                                  <p:childTnLst>
+                                    <p:set>
+                                      <p:cBhvr>
+                                        <p:cTn id="24" dur="1" fill="hold">
+                                          <p:stCondLst>
+                                            <p:cond delay="0"/>
+                                          </p:stCondLst>
+                                        </p:cTn>
+                                        <p:tgtEl>
+                                          <p:spTgt spid="32"/>
+                                        </p:tgtEl>
+                                        <p:attrNameLst>
+                                          <p:attrName>style.visibility</p:attrName>
+                                        </p:attrNameLst>
+                                      </p:cBhvr>
+                                      <p:to>
+                                        <p:strVal val="visible"/>
+                                      </p:to>
+                                    </p:set>
+                                    <p:animEffect transition="in" filter="wipe(up)">
+                                      <p:cBhvr>
+                                        <p:cTn id="25" dur="500"/>
+                                        <p:tgtEl>
+                                          <p:spTgt spid="32"/>
+                                        </p:tgtEl>
+                                      </p:cBhvr>
+                                    </p:animEffect>
+                                  </p:childTnLst>
+                                </p:cTn>
+                              </p:par>
+                            </p:childTnLst>
+                          </p:cTn>
+                        </p:par>
+                      </p:childTnLst>
+                    </p:cTn>
+                  </p:par>
+                  <p:par>
+                    <p:cTn id="26" fill="hold">
+                      <p:stCondLst>
+                        <p:cond delay="indefinite"/>
+                      </p:stCondLst>
+                      <p:childTnLst>
+                        <p:par>
+                          <p:cTn id="27" fill="hold">
+                            <p:stCondLst>
+                              <p:cond delay="0"/>
+                            </p:stCondLst>
+                            <p:childTnLst>
+                              <p:par>
+                                <p:cTn id="28" presetID="1" presetClass="entr" presetSubtype="0" fill="hold" nodeType="clickEffect">
+                                  <p:stCondLst>
+                                    <p:cond delay="0"/>
+                                  </p:stCondLst>
+                                  <p:childTnLst>
+                                    <p:set>
+                                      <p:cBhvr>
+                                        <p:cTn id="29" dur="1" fill="hold">
+                                          <p:stCondLst>
+                                            <p:cond delay="0"/>
+                                          </p:stCondLst>
+                                        </p:cTn>
+                                        <p:tgtEl>
+                                          <p:spTgt spid="35"/>
+                                        </p:tgtEl>
+                                        <p:attrNameLst>
+                                          <p:attrName>style.visibility</p:attrName>
+                                        </p:attrNameLst>
+                                      </p:cBhvr>
+                                      <p:to>
+                                        <p:strVal val="visible"/>
+                                      </p:to>
+                                    </p:set>
+                                  </p:childTnLst>
+                                </p:cTn>
+                              </p:par>
+                            </p:childTnLst>
+                          </p:cTn>
+                        </p:par>
+                      </p:childTnLst>
+                    </p:cTn>
+                  </p:par>
+                  <p:par>
+                    <p:cTn id="30" fill="hold">
+                      <p:stCondLst>
+                        <p:cond delay="indefinite"/>
+                      </p:stCondLst>
+                      <p:childTnLst>
+                        <p:par>
+                          <p:cTn id="31" fill="hold">
+                            <p:stCondLst>
+                              <p:cond delay="0"/>
+                            </p:stCondLst>
+                            <p:childTnLst>
+                              <p:par>
+                                <p:cTn id="32" presetID="22" presetClass="entr" presetSubtype="1" fill="hold" grpId="0" nodeType="clickEffect">
+                                  <p:stCondLst>
+                                    <p:cond delay="0"/>
+                                  </p:stCondLst>
+                                  <p:childTnLst>
+                                    <p:set>
+                                      <p:cBhvr>
+                                        <p:cTn id="33" dur="1" fill="hold">
+                                          <p:stCondLst>
+                                            <p:cond delay="0"/>
+                                          </p:stCondLst>
+                                        </p:cTn>
+                                        <p:tgtEl>
+                                          <p:spTgt spid="24"/>
+                                        </p:tgtEl>
+                                        <p:attrNameLst>
+                                          <p:attrName>style.visibility</p:attrName>
+                                        </p:attrNameLst>
+                                      </p:cBhvr>
+                                      <p:to>
+                                        <p:strVal val="visible"/>
+                                      </p:to>
+                                    </p:set>
+                                    <p:animEffect transition="in" filter="wipe(up)">
+                                      <p:cBhvr>
+                                        <p:cTn id="34" dur="500"/>
+                                        <p:tgtEl>
+                                          <p:spTgt spid="24"/>
+                                        </p:tgtEl>
+                                      </p:cBhvr>
+                                    </p:animEffect>
+                                  </p:childTnLst>
+                                </p:cTn>
+                              </p:par>
+                            </p:childTnLst>
+                          </p:cTn>
+                        </p:par>
+                        <p:par>
+                          <p:cTn id="35" fill="hold">
+                            <p:stCondLst>
+                              <p:cond delay="500"/>
+                            </p:stCondLst>
+                            <p:childTnLst>
+                              <p:par>
+                                <p:cTn id="36" presetID="22" presetClass="entr" presetSubtype="1" fill="hold" nodeType="afterEffect">
+                                  <p:stCondLst>
+                                    <p:cond delay="0"/>
+                                  </p:stCondLst>
+                                  <p:childTnLst>
+                                    <p:set>
+                                      <p:cBhvr>
+                                        <p:cTn id="37" dur="1" fill="hold">
+                                          <p:stCondLst>
+                                            <p:cond delay="0"/>
+                                          </p:stCondLst>
+                                        </p:cTn>
+                                        <p:tgtEl>
+                                          <p:spTgt spid="33"/>
+                                        </p:tgtEl>
+                                        <p:attrNameLst>
+                                          <p:attrName>style.visibility</p:attrName>
+                                        </p:attrNameLst>
+                                      </p:cBhvr>
+                                      <p:to>
+                                        <p:strVal val="visible"/>
+                                      </p:to>
+                                    </p:set>
+                                    <p:animEffect transition="in" filter="wipe(up)">
+                                      <p:cBhvr>
+                                        <p:cTn id="38" dur="500"/>
+                                        <p:tgtEl>
+                                          <p:spTgt spid="33"/>
+                                        </p:tgtEl>
+                                      </p:cBhvr>
+                                    </p:animEffect>
+                                  </p:childTnLst>
+                                </p:cTn>
+                              </p:par>
+                            </p:childTnLst>
+                          </p:cTn>
+                        </p:par>
+                      </p:childTnLst>
+                    </p:cTn>
+                  </p:par>
+                  <p:par>
+                    <p:cTn id="39" fill="hold">
+                      <p:stCondLst>
+                        <p:cond delay="indefinite"/>
+                      </p:stCondLst>
+                      <p:childTnLst>
+                        <p:par>
+                          <p:cTn id="40" fill="hold">
+                            <p:stCondLst>
+                              <p:cond delay="0"/>
+                            </p:stCondLst>
+                            <p:childTnLst>
+                              <p:par>
+                                <p:cTn id="41" presetID="1" presetClass="entr" presetSubtype="0" fill="hold" nodeType="clickEffect">
+                                  <p:stCondLst>
+                                    <p:cond delay="0"/>
+                                  </p:stCondLst>
+                                  <p:childTnLst>
+                                    <p:set>
+                                      <p:cBhvr>
+                                        <p:cTn id="42" dur="1" fill="hold">
+                                          <p:stCondLst>
+                                            <p:cond delay="0"/>
+                                          </p:stCondLst>
+                                        </p:cTn>
+                                        <p:tgtEl>
+                                          <p:spTgt spid="36"/>
+                                        </p:tgtEl>
+                                        <p:attrNameLst>
+                                          <p:attrName>style.visibility</p:attrName>
+                                        </p:attrNameLst>
+                                      </p:cBhvr>
+                                      <p:to>
+                                        <p:strVal val="visible"/>
+                                      </p:to>
+                                    </p:set>
+                                  </p:childTnLst>
+                                </p:cTn>
+                              </p:par>
+                            </p:childTnLst>
+                          </p:cTn>
+                        </p:par>
+                      </p:childTnLst>
+                    </p:cTn>
+                  </p:par>
+                  <p:par>
+                    <p:cTn id="43" fill="hold">
+                      <p:stCondLst>
+                        <p:cond delay="indefinite"/>
+                      </p:stCondLst>
+                      <p:childTnLst>
+                        <p:par>
+                          <p:cTn id="44" fill="hold">
+                            <p:stCondLst>
+                              <p:cond delay="0"/>
+                            </p:stCondLst>
+                            <p:childTnLst>
+                              <p:par>
+                                <p:cTn id="45" presetID="22" presetClass="entr" presetSubtype="2" fill="hold" grpId="0" nodeType="clickEffect">
+                                  <p:stCondLst>
+                                    <p:cond delay="0"/>
+                                  </p:stCondLst>
+                                  <p:childTnLst>
+                                    <p:set>
+                                      <p:cBhvr>
+                                        <p:cTn id="46" dur="1" fill="hold">
+                                          <p:stCondLst>
+                                            <p:cond delay="0"/>
+                                          </p:stCondLst>
+                                        </p:cTn>
+                                        <p:tgtEl>
+                                          <p:spTgt spid="28"/>
+                                        </p:tgtEl>
+                                        <p:attrNameLst>
+                                          <p:attrName>style.visibility</p:attrName>
+                                        </p:attrNameLst>
+                                      </p:cBhvr>
+                                      <p:to>
+                                        <p:strVal val="visible"/>
+                                      </p:to>
+                                    </p:set>
+                                    <p:animEffect transition="in" filter="wipe(right)">
+                                      <p:cBhvr>
+                                        <p:cTn id="47" dur="500"/>
+                                        <p:tgtEl>
+                                          <p:spTgt spid="28"/>
+                                        </p:tgtEl>
+                                      </p:cBhvr>
+                                    </p:animEffect>
+                                  </p:childTnLst>
+                                </p:cTn>
+                              </p:par>
+                            </p:childTnLst>
+                          </p:cTn>
+                        </p:par>
+                        <p:par>
+                          <p:cTn id="48" fill="hold">
+                            <p:stCondLst>
+                              <p:cond delay="500"/>
+                            </p:stCondLst>
+                            <p:childTnLst>
+                              <p:par>
+                                <p:cTn id="49" presetID="22" presetClass="entr" presetSubtype="2" fill="hold" nodeType="afterEffect">
+                                  <p:stCondLst>
+                                    <p:cond delay="0"/>
+                                  </p:stCondLst>
+                                  <p:childTnLst>
+                                    <p:set>
+                                      <p:cBhvr>
+                                        <p:cTn id="50" dur="1" fill="hold">
+                                          <p:stCondLst>
+                                            <p:cond delay="0"/>
+                                          </p:stCondLst>
+                                        </p:cTn>
+                                        <p:tgtEl>
+                                          <p:spTgt spid="1028"/>
+                                        </p:tgtEl>
+                                        <p:attrNameLst>
+                                          <p:attrName>style.visibility</p:attrName>
+                                        </p:attrNameLst>
+                                      </p:cBhvr>
+                                      <p:to>
+                                        <p:strVal val="visible"/>
+                                      </p:to>
+                                    </p:set>
+                                    <p:animEffect transition="in" filter="wipe(right)">
+                                      <p:cBhvr>
+                                        <p:cTn id="51" dur="500"/>
+                                        <p:tgtEl>
+                                          <p:spTgt spid="1028"/>
+                                        </p:tgtEl>
+                                      </p:cBhvr>
+                                    </p:animEffect>
+                                  </p:childTnLst>
+                                </p:cTn>
+                              </p:par>
+                            </p:childTnLst>
+                          </p:cTn>
+                        </p:par>
+                      </p:childTnLst>
+                    </p:cTn>
+                  </p:par>
+                </p:childTnLst>
+              </p:cTn>
+              <p:prevCondLst>
+                <p:cond evt="onPrev" delay="0">
+                  <p:tgtEl>
+                    <p:sldTgt/>
+                  </p:tgtEl>
+                </p:cond>
+              </p:prevCondLst>
+              <p:nextCondLst>
+                <p:cond evt="onNext" delay="0">
+                  <p:tgtEl>
+                    <p:sldTgt/>
+                  </p:tgtEl>
+                </p:cond>
+              </p:nextCondLst>
+            </p:seq>
+          </p:childTnLst>
+        </p:cTn>
+      </p:par>
+    </p:tnLst>
+    <p:bldLst>
+      <p:bldP spid="23" grpId="0" animBg="1"/>
+      <p:bldP spid="24" grpId="0" animBg="1"/>
+      <p:bldP spid="28" grpId="0" animBg="1"/>
+    </p:bldLst>
+  </p:timing>
+</p:sld>
+</file>
+
+<file path=ppt/slides/slide27.xml><?xml version="1.0" encoding="utf-8"?>
+<p:sld xmlns:a="http://schemas.openxmlformats.org/drawingml/2006/main" xmlns:r="http://schemas.openxmlformats.org/officeDocument/2006/relationships" xmlns:p="http://schemas.openxmlformats.org/presentationml/2006/main">
+  <p:cSld>
+    <p:spTree>
+      <p:nvGrpSpPr>
+        <p:cNvPr id="1" name=""/>
+        <p:cNvGrpSpPr/>
+        <p:nvPr/>
+      </p:nvGrpSpPr>
+      <p:grpSpPr>
+        <a:xfrm>
+          <a:off x="0" y="0"/>
+          <a:ext cx="0" cy="0"/>
+          <a:chOff x="0" y="0"/>
+          <a:chExt cx="0" cy="0"/>
+        </a:xfrm>
+      </p:grpSpPr>
+      <p:sp>
+        <p:nvSpPr>
+          <p:cNvPr id="2" name="标题 1"/>
+          <p:cNvSpPr>
+            <a:spLocks noGrp="1"/>
+          </p:cNvSpPr>
+          <p:nvPr>
+            <p:ph type="title"/>
+          </p:nvPr>
+        </p:nvSpPr>
+        <p:spPr/>
+        <p:txBody>
+          <a:bodyPr/>
+          <a:lstStyle/>
+          <a:p>
+            <a:pPr algn="l"/>
+            <a:r>
+              <a:rPr lang="en-US" altLang="zh-CN" dirty="0" smtClean="0"/>
+              <a:t>http parser</a:t>
+            </a:r>
+            <a:endParaRPr lang="zh-CN" altLang="en-US" dirty="0"/>
+          </a:p>
+        </p:txBody>
+      </p:sp>
+      <p:sp>
+        <p:nvSpPr>
+          <p:cNvPr id="3" name="内容占位符 2"/>
+          <p:cNvSpPr>
+            <a:spLocks noGrp="1"/>
+          </p:cNvSpPr>
+          <p:nvPr>
+            <p:ph idx="1"/>
+          </p:nvPr>
+        </p:nvSpPr>
+        <p:spPr/>
+        <p:txBody>
           <a:bodyPr>
             <a:normAutofit/>
           </a:bodyPr>
           <a:lstStyle/>
           <a:p>
             <a:r>
-              <a:rPr lang="en-US" altLang="zh-CN" sz="2800" dirty="0" smtClean="0"/>
+              <a:rPr lang="en-US" altLang="zh-CN" sz="2400" dirty="0" smtClean="0"/>
+              <a:t>Parse http request: method, </a:t>
+            </a:r>
+            <a:r>
+              <a:rPr lang="en-US" altLang="zh-CN" sz="2400" dirty="0" err="1" smtClean="0"/>
+              <a:t>url,version,headers</a:t>
+            </a:r>
+            <a:r>
+              <a:rPr lang="en-US" altLang="zh-CN" sz="2400" dirty="0" smtClean="0"/>
+              <a:t>,……</a:t>
+            </a:r>
+          </a:p>
+          <a:p>
+            <a:r>
+              <a:rPr lang="en-US" altLang="zh-CN" sz="2400" dirty="0" smtClean="0"/>
               <a:t>std::</a:t>
             </a:r>
             <a:r>
-              <a:rPr lang="en-US" altLang="zh-CN" sz="2800" dirty="0" err="1" smtClean="0"/>
+              <a:rPr lang="en-US" altLang="zh-CN" sz="2400" dirty="0" err="1" smtClean="0"/>
               <a:t>string_view</a:t>
             </a:r>
             <a:r>
-              <a:rPr lang="en-US" altLang="zh-CN" sz="2800" dirty="0" smtClean="0"/>
+              <a:rPr lang="en-US" altLang="zh-CN" sz="2400" dirty="0" smtClean="0"/>
               <a:t> is very good to parse http protocol</a:t>
             </a:r>
           </a:p>
@@ -8594,7 +10380,7 @@
         </p:blipFill>
         <p:spPr bwMode="auto">
           <a:xfrm>
-            <a:off x="928661" y="1857370"/>
+            <a:off x="857224" y="2214560"/>
             <a:ext cx="6558101" cy="1643074"/>
           </a:xfrm>
           <a:prstGeom prst="rect">
@@ -8625,7 +10411,7 @@
 </p:sld>
 </file>
 
-<file path=ppt/slides/slide26.xml><?xml version="1.0" encoding="utf-8"?>
+<file path=ppt/slides/slide28.xml><?xml version="1.0" encoding="utf-8"?>
 <p:sld xmlns:a="http://schemas.openxmlformats.org/drawingml/2006/main" xmlns:r="http://schemas.openxmlformats.org/officeDocument/2006/relationships" xmlns:p="http://schemas.openxmlformats.org/presentationml/2006/main">
   <p:cSld>
     <p:spTree>
@@ -9310,7 +11096,7 @@
 </p:sld>
 </file>
 
-<file path=ppt/slides/slide27.xml><?xml version="1.0" encoding="utf-8"?>
+<file path=ppt/slides/slide29.xml><?xml version="1.0" encoding="utf-8"?>
 <p:sld xmlns:a="http://schemas.openxmlformats.org/drawingml/2006/main" xmlns:r="http://schemas.openxmlformats.org/officeDocument/2006/relationships" xmlns:p="http://schemas.openxmlformats.org/presentationml/2006/main">
   <p:cSld>
     <p:spTree>
@@ -9723,7 +11509,1199 @@
 </p:sld>
 </file>
 
-<file path=ppt/slides/slide28.xml><?xml version="1.0" encoding="utf-8"?>
+<file path=ppt/slides/slide3.xml><?xml version="1.0" encoding="utf-8"?>
+<p:sld xmlns:a="http://schemas.openxmlformats.org/drawingml/2006/main" xmlns:r="http://schemas.openxmlformats.org/officeDocument/2006/relationships" xmlns:p="http://schemas.openxmlformats.org/presentationml/2006/main">
+  <p:cSld>
+    <p:spTree>
+      <p:nvGrpSpPr>
+        <p:cNvPr id="1" name=""/>
+        <p:cNvGrpSpPr/>
+        <p:nvPr/>
+      </p:nvGrpSpPr>
+      <p:grpSpPr>
+        <a:xfrm>
+          <a:off x="0" y="0"/>
+          <a:ext cx="0" cy="0"/>
+          <a:chOff x="0" y="0"/>
+          <a:chExt cx="0" cy="0"/>
+        </a:xfrm>
+      </p:grpSpPr>
+      <p:sp>
+        <p:nvSpPr>
+          <p:cNvPr id="2" name="标题 1"/>
+          <p:cNvSpPr>
+            <a:spLocks noGrp="1"/>
+          </p:cNvSpPr>
+          <p:nvPr>
+            <p:ph type="title"/>
+          </p:nvPr>
+        </p:nvSpPr>
+        <p:spPr/>
+        <p:txBody>
+          <a:bodyPr/>
+          <a:lstStyle/>
+          <a:p>
+            <a:pPr algn="l"/>
+            <a:r>
+              <a:rPr lang="en-US" altLang="zh-CN" dirty="0" smtClean="0"/>
+              <a:t>Basic concepts</a:t>
+            </a:r>
+            <a:endParaRPr lang="zh-CN" altLang="en-US" dirty="0"/>
+          </a:p>
+        </p:txBody>
+      </p:sp>
+      <p:sp>
+        <p:nvSpPr>
+          <p:cNvPr id="3" name="内容占位符 2"/>
+          <p:cNvSpPr>
+            <a:spLocks noGrp="1"/>
+          </p:cNvSpPr>
+          <p:nvPr>
+            <p:ph idx="1"/>
+          </p:nvPr>
+        </p:nvSpPr>
+        <p:spPr/>
+        <p:txBody>
+          <a:bodyPr/>
+          <a:lstStyle/>
+          <a:p>
+            <a:endParaRPr lang="en-US" altLang="zh-CN" dirty="0" smtClean="0"/>
+          </a:p>
+        </p:txBody>
+      </p:sp>
+      <p:sp>
+        <p:nvSpPr>
+          <p:cNvPr id="4" name="矩形 3"/>
+          <p:cNvSpPr/>
+          <p:nvPr/>
+        </p:nvSpPr>
+        <p:spPr>
+          <a:xfrm>
+            <a:off x="2285984" y="2285998"/>
+            <a:ext cx="1571636" cy="642942"/>
+          </a:xfrm>
+          <a:prstGeom prst="rect">
+            <a:avLst/>
+          </a:prstGeom>
+          <a:noFill/>
+        </p:spPr>
+        <p:style>
+          <a:lnRef idx="2">
+            <a:schemeClr val="accent1">
+              <a:shade val="50000"/>
+            </a:schemeClr>
+          </a:lnRef>
+          <a:fillRef idx="1">
+            <a:schemeClr val="accent1"/>
+          </a:fillRef>
+          <a:effectRef idx="0">
+            <a:schemeClr val="accent1"/>
+          </a:effectRef>
+          <a:fontRef idx="minor">
+            <a:schemeClr val="lt1"/>
+          </a:fontRef>
+        </p:style>
+        <p:txBody>
+          <a:bodyPr rtlCol="0" anchor="ctr"/>
+          <a:lstStyle/>
+          <a:p>
+            <a:pPr algn="ctr"/>
+            <a:endParaRPr lang="zh-CN" altLang="en-US"/>
+          </a:p>
+        </p:txBody>
+      </p:sp>
+      <p:sp>
+        <p:nvSpPr>
+          <p:cNvPr id="5" name="TextBox 4"/>
+          <p:cNvSpPr txBox="1"/>
+          <p:nvPr/>
+        </p:nvSpPr>
+        <p:spPr>
+          <a:xfrm>
+            <a:off x="2428860" y="2428874"/>
+            <a:ext cx="1239250" cy="369332"/>
+          </a:xfrm>
+          <a:prstGeom prst="rect">
+            <a:avLst/>
+          </a:prstGeom>
+          <a:noFill/>
+        </p:spPr>
+        <p:txBody>
+          <a:bodyPr wrap="none" rtlCol="0">
+            <a:spAutoFit/>
+          </a:bodyPr>
+          <a:lstStyle/>
+          <a:p>
+            <a:r>
+              <a:rPr lang="en-US" altLang="zh-CN" dirty="0" smtClean="0"/>
+              <a:t>Http server</a:t>
+            </a:r>
+          </a:p>
+        </p:txBody>
+      </p:sp>
+      <p:sp>
+        <p:nvSpPr>
+          <p:cNvPr id="6" name="矩形 5"/>
+          <p:cNvSpPr/>
+          <p:nvPr/>
+        </p:nvSpPr>
+        <p:spPr>
+          <a:xfrm>
+            <a:off x="4572000" y="2214560"/>
+            <a:ext cx="2500330" cy="785818"/>
+          </a:xfrm>
+          <a:prstGeom prst="rect">
+            <a:avLst/>
+          </a:prstGeom>
+          <a:noFill/>
+        </p:spPr>
+        <p:style>
+          <a:lnRef idx="2">
+            <a:schemeClr val="accent1">
+              <a:shade val="50000"/>
+            </a:schemeClr>
+          </a:lnRef>
+          <a:fillRef idx="1">
+            <a:schemeClr val="accent1"/>
+          </a:fillRef>
+          <a:effectRef idx="0">
+            <a:schemeClr val="accent1"/>
+          </a:effectRef>
+          <a:fontRef idx="minor">
+            <a:schemeClr val="lt1"/>
+          </a:fontRef>
+        </p:style>
+        <p:txBody>
+          <a:bodyPr rtlCol="0" anchor="ctr"/>
+          <a:lstStyle/>
+          <a:p>
+            <a:pPr algn="ctr"/>
+            <a:endParaRPr lang="zh-CN" altLang="en-US"/>
+          </a:p>
+        </p:txBody>
+      </p:sp>
+      <p:sp>
+        <p:nvSpPr>
+          <p:cNvPr id="7" name="TextBox 6"/>
+          <p:cNvSpPr txBox="1"/>
+          <p:nvPr/>
+        </p:nvSpPr>
+        <p:spPr>
+          <a:xfrm>
+            <a:off x="4714876" y="2285998"/>
+            <a:ext cx="2309928" cy="646331"/>
+          </a:xfrm>
+          <a:prstGeom prst="rect">
+            <a:avLst/>
+          </a:prstGeom>
+          <a:noFill/>
+        </p:spPr>
+        <p:txBody>
+          <a:bodyPr wrap="none" rtlCol="0">
+            <a:spAutoFit/>
+          </a:bodyPr>
+          <a:lstStyle/>
+          <a:p>
+            <a:r>
+              <a:rPr lang="en-US" altLang="zh-CN" dirty="0" smtClean="0"/>
+              <a:t>ORM(Object-relational</a:t>
+            </a:r>
+          </a:p>
+          <a:p>
+            <a:r>
+              <a:rPr lang="en-US" altLang="zh-CN" dirty="0" smtClean="0"/>
+              <a:t> mapping)</a:t>
+            </a:r>
+          </a:p>
+        </p:txBody>
+      </p:sp>
+      <p:sp>
+        <p:nvSpPr>
+          <p:cNvPr id="8" name="矩形 7"/>
+          <p:cNvSpPr/>
+          <p:nvPr/>
+        </p:nvSpPr>
+        <p:spPr>
+          <a:xfrm>
+            <a:off x="2285984" y="3500444"/>
+            <a:ext cx="2357454" cy="500066"/>
+          </a:xfrm>
+          <a:prstGeom prst="rect">
+            <a:avLst/>
+          </a:prstGeom>
+          <a:noFill/>
+        </p:spPr>
+        <p:style>
+          <a:lnRef idx="2">
+            <a:schemeClr val="accent1">
+              <a:shade val="50000"/>
+            </a:schemeClr>
+          </a:lnRef>
+          <a:fillRef idx="1">
+            <a:schemeClr val="accent1"/>
+          </a:fillRef>
+          <a:effectRef idx="0">
+            <a:schemeClr val="accent1"/>
+          </a:effectRef>
+          <a:fontRef idx="minor">
+            <a:schemeClr val="lt1"/>
+          </a:fontRef>
+        </p:style>
+        <p:txBody>
+          <a:bodyPr rtlCol="0" anchor="ctr"/>
+          <a:lstStyle/>
+          <a:p>
+            <a:pPr algn="ctr"/>
+            <a:endParaRPr lang="zh-CN" altLang="en-US"/>
+          </a:p>
+        </p:txBody>
+      </p:sp>
+      <p:sp>
+        <p:nvSpPr>
+          <p:cNvPr id="9" name="TextBox 8"/>
+          <p:cNvSpPr txBox="1"/>
+          <p:nvPr/>
+        </p:nvSpPr>
+        <p:spPr>
+          <a:xfrm>
+            <a:off x="2357422" y="3571882"/>
+            <a:ext cx="2232599" cy="369332"/>
+          </a:xfrm>
+          <a:prstGeom prst="rect">
+            <a:avLst/>
+          </a:prstGeom>
+          <a:noFill/>
+        </p:spPr>
+        <p:txBody>
+          <a:bodyPr wrap="none" rtlCol="0">
+            <a:spAutoFit/>
+          </a:bodyPr>
+          <a:lstStyle/>
+          <a:p>
+            <a:r>
+              <a:rPr lang="en-US" altLang="zh-CN" dirty="0" smtClean="0"/>
+              <a:t>Html template engine</a:t>
+            </a:r>
+          </a:p>
+        </p:txBody>
+      </p:sp>
+      <p:sp>
+        <p:nvSpPr>
+          <p:cNvPr id="10" name="矩形 9"/>
+          <p:cNvSpPr/>
+          <p:nvPr/>
+        </p:nvSpPr>
+        <p:spPr>
+          <a:xfrm>
+            <a:off x="1428728" y="1285866"/>
+            <a:ext cx="6357982" cy="3143272"/>
+          </a:xfrm>
+          <a:prstGeom prst="rect">
+            <a:avLst/>
+          </a:prstGeom>
+          <a:noFill/>
+        </p:spPr>
+        <p:style>
+          <a:lnRef idx="2">
+            <a:schemeClr val="accent1">
+              <a:shade val="50000"/>
+            </a:schemeClr>
+          </a:lnRef>
+          <a:fillRef idx="1">
+            <a:schemeClr val="accent1"/>
+          </a:fillRef>
+          <a:effectRef idx="0">
+            <a:schemeClr val="accent1"/>
+          </a:effectRef>
+          <a:fontRef idx="minor">
+            <a:schemeClr val="lt1"/>
+          </a:fontRef>
+        </p:style>
+        <p:txBody>
+          <a:bodyPr rtlCol="0" anchor="ctr"/>
+          <a:lstStyle/>
+          <a:p>
+            <a:pPr algn="ctr"/>
+            <a:endParaRPr lang="zh-CN" altLang="en-US"/>
+          </a:p>
+        </p:txBody>
+      </p:sp>
+      <p:sp>
+        <p:nvSpPr>
+          <p:cNvPr id="13" name="下箭头 12"/>
+          <p:cNvSpPr/>
+          <p:nvPr/>
+        </p:nvSpPr>
+        <p:spPr>
+          <a:xfrm>
+            <a:off x="3000364" y="3000378"/>
+            <a:ext cx="214314" cy="428628"/>
+          </a:xfrm>
+          <a:prstGeom prst="downArrow">
+            <a:avLst/>
+          </a:prstGeom>
+        </p:spPr>
+        <p:style>
+          <a:lnRef idx="2">
+            <a:schemeClr val="accent1">
+              <a:shade val="50000"/>
+            </a:schemeClr>
+          </a:lnRef>
+          <a:fillRef idx="1">
+            <a:schemeClr val="accent1"/>
+          </a:fillRef>
+          <a:effectRef idx="0">
+            <a:schemeClr val="accent1"/>
+          </a:effectRef>
+          <a:fontRef idx="minor">
+            <a:schemeClr val="lt1"/>
+          </a:fontRef>
+        </p:style>
+        <p:txBody>
+          <a:bodyPr rtlCol="0" anchor="ctr"/>
+          <a:lstStyle/>
+          <a:p>
+            <a:pPr algn="ctr"/>
+            <a:endParaRPr lang="zh-CN" altLang="en-US"/>
+          </a:p>
+        </p:txBody>
+      </p:sp>
+      <p:sp>
+        <p:nvSpPr>
+          <p:cNvPr id="14" name="右箭头 13"/>
+          <p:cNvSpPr/>
+          <p:nvPr/>
+        </p:nvSpPr>
+        <p:spPr>
+          <a:xfrm>
+            <a:off x="3929058" y="2500312"/>
+            <a:ext cx="571504" cy="214314"/>
+          </a:xfrm>
+          <a:prstGeom prst="rightArrow">
+            <a:avLst/>
+          </a:prstGeom>
+        </p:spPr>
+        <p:style>
+          <a:lnRef idx="2">
+            <a:schemeClr val="accent1">
+              <a:shade val="50000"/>
+            </a:schemeClr>
+          </a:lnRef>
+          <a:fillRef idx="1">
+            <a:schemeClr val="accent1"/>
+          </a:fillRef>
+          <a:effectRef idx="0">
+            <a:schemeClr val="accent1"/>
+          </a:effectRef>
+          <a:fontRef idx="minor">
+            <a:schemeClr val="lt1"/>
+          </a:fontRef>
+        </p:style>
+        <p:txBody>
+          <a:bodyPr rtlCol="0" anchor="ctr"/>
+          <a:lstStyle/>
+          <a:p>
+            <a:pPr algn="ctr"/>
+            <a:endParaRPr lang="zh-CN" altLang="en-US"/>
+          </a:p>
+        </p:txBody>
+      </p:sp>
+      <p:sp>
+        <p:nvSpPr>
+          <p:cNvPr id="15" name="TextBox 14"/>
+          <p:cNvSpPr txBox="1"/>
+          <p:nvPr/>
+        </p:nvSpPr>
+        <p:spPr>
+          <a:xfrm>
+            <a:off x="3786182" y="1273724"/>
+            <a:ext cx="1729641" cy="369332"/>
+          </a:xfrm>
+          <a:prstGeom prst="rect">
+            <a:avLst/>
+          </a:prstGeom>
+          <a:noFill/>
+        </p:spPr>
+        <p:txBody>
+          <a:bodyPr wrap="none" rtlCol="0">
+            <a:spAutoFit/>
+          </a:bodyPr>
+          <a:lstStyle/>
+          <a:p>
+            <a:r>
+              <a:rPr lang="en-US" altLang="zh-CN" b="1" dirty="0" smtClean="0"/>
+              <a:t>Web framework</a:t>
+            </a:r>
+          </a:p>
+        </p:txBody>
+      </p:sp>
+      <p:sp>
+        <p:nvSpPr>
+          <p:cNvPr id="17" name="椭圆形标注 16"/>
+          <p:cNvSpPr/>
+          <p:nvPr/>
+        </p:nvSpPr>
+        <p:spPr>
+          <a:xfrm>
+            <a:off x="2285984" y="1714494"/>
+            <a:ext cx="1643074" cy="469772"/>
+          </a:xfrm>
+          <a:prstGeom prst="wedgeEllipseCallout">
+            <a:avLst/>
+          </a:prstGeom>
+          <a:noFill/>
+          <a:ln>
+            <a:solidFill>
+              <a:srgbClr val="00B050"/>
+            </a:solidFill>
+          </a:ln>
+        </p:spPr>
+        <p:style>
+          <a:lnRef idx="2">
+            <a:schemeClr val="accent1">
+              <a:shade val="50000"/>
+            </a:schemeClr>
+          </a:lnRef>
+          <a:fillRef idx="1">
+            <a:schemeClr val="accent1"/>
+          </a:fillRef>
+          <a:effectRef idx="0">
+            <a:schemeClr val="accent1"/>
+          </a:effectRef>
+          <a:fontRef idx="minor">
+            <a:schemeClr val="lt1"/>
+          </a:fontRef>
+        </p:style>
+        <p:txBody>
+          <a:bodyPr rtlCol="0" anchor="ctr"/>
+          <a:lstStyle/>
+          <a:p>
+            <a:pPr algn="ctr"/>
+            <a:endParaRPr lang="zh-CN" altLang="en-US"/>
+          </a:p>
+        </p:txBody>
+      </p:sp>
+      <p:sp>
+        <p:nvSpPr>
+          <p:cNvPr id="18" name="TextBox 17"/>
+          <p:cNvSpPr txBox="1"/>
+          <p:nvPr/>
+        </p:nvSpPr>
+        <p:spPr>
+          <a:xfrm>
+            <a:off x="2285984" y="1785932"/>
+            <a:ext cx="1649234" cy="307777"/>
+          </a:xfrm>
+          <a:prstGeom prst="rect">
+            <a:avLst/>
+          </a:prstGeom>
+          <a:noFill/>
+        </p:spPr>
+        <p:txBody>
+          <a:bodyPr wrap="none" rtlCol="0">
+            <a:spAutoFit/>
+          </a:bodyPr>
+          <a:lstStyle/>
+          <a:p>
+            <a:r>
+              <a:rPr lang="en-US" altLang="zh-CN" sz="1400" dirty="0" smtClean="0"/>
+              <a:t>Handle http request</a:t>
+            </a:r>
+            <a:endParaRPr lang="zh-CN" altLang="en-US" sz="1400" dirty="0"/>
+          </a:p>
+        </p:txBody>
+      </p:sp>
+      <p:sp>
+        <p:nvSpPr>
+          <p:cNvPr id="19" name="椭圆形标注 18"/>
+          <p:cNvSpPr/>
+          <p:nvPr/>
+        </p:nvSpPr>
+        <p:spPr>
+          <a:xfrm>
+            <a:off x="5286380" y="1643056"/>
+            <a:ext cx="1357322" cy="469772"/>
+          </a:xfrm>
+          <a:prstGeom prst="wedgeEllipseCallout">
+            <a:avLst/>
+          </a:prstGeom>
+          <a:noFill/>
+          <a:ln>
+            <a:solidFill>
+              <a:srgbClr val="00B050"/>
+            </a:solidFill>
+          </a:ln>
+        </p:spPr>
+        <p:style>
+          <a:lnRef idx="2">
+            <a:schemeClr val="accent1">
+              <a:shade val="50000"/>
+            </a:schemeClr>
+          </a:lnRef>
+          <a:fillRef idx="1">
+            <a:schemeClr val="accent1"/>
+          </a:fillRef>
+          <a:effectRef idx="0">
+            <a:schemeClr val="accent1"/>
+          </a:effectRef>
+          <a:fontRef idx="minor">
+            <a:schemeClr val="lt1"/>
+          </a:fontRef>
+        </p:style>
+        <p:txBody>
+          <a:bodyPr rtlCol="0" anchor="ctr"/>
+          <a:lstStyle/>
+          <a:p>
+            <a:pPr algn="ctr"/>
+            <a:endParaRPr lang="zh-CN" altLang="en-US"/>
+          </a:p>
+        </p:txBody>
+      </p:sp>
+      <p:sp>
+        <p:nvSpPr>
+          <p:cNvPr id="20" name="TextBox 19"/>
+          <p:cNvSpPr txBox="1"/>
+          <p:nvPr/>
+        </p:nvSpPr>
+        <p:spPr>
+          <a:xfrm>
+            <a:off x="5286380" y="1714494"/>
+            <a:ext cx="1376659" cy="307777"/>
+          </a:xfrm>
+          <a:prstGeom prst="rect">
+            <a:avLst/>
+          </a:prstGeom>
+          <a:noFill/>
+        </p:spPr>
+        <p:txBody>
+          <a:bodyPr wrap="none" rtlCol="0">
+            <a:spAutoFit/>
+          </a:bodyPr>
+          <a:lstStyle/>
+          <a:p>
+            <a:r>
+              <a:rPr lang="en-US" altLang="zh-CN" sz="1400" dirty="0" smtClean="0"/>
+              <a:t>Access database</a:t>
+            </a:r>
+            <a:endParaRPr lang="zh-CN" altLang="en-US" sz="1400" dirty="0"/>
+          </a:p>
+        </p:txBody>
+      </p:sp>
+      <p:sp>
+        <p:nvSpPr>
+          <p:cNvPr id="21" name="椭圆形标注 20"/>
+          <p:cNvSpPr/>
+          <p:nvPr/>
+        </p:nvSpPr>
+        <p:spPr>
+          <a:xfrm rot="5400000">
+            <a:off x="5214940" y="3214693"/>
+            <a:ext cx="428629" cy="1143009"/>
+          </a:xfrm>
+          <a:prstGeom prst="wedgeEllipseCallout">
+            <a:avLst/>
+          </a:prstGeom>
+          <a:noFill/>
+          <a:ln>
+            <a:solidFill>
+              <a:srgbClr val="00B050"/>
+            </a:solidFill>
+          </a:ln>
+        </p:spPr>
+        <p:style>
+          <a:lnRef idx="2">
+            <a:schemeClr val="accent1">
+              <a:shade val="50000"/>
+            </a:schemeClr>
+          </a:lnRef>
+          <a:fillRef idx="1">
+            <a:schemeClr val="accent1"/>
+          </a:fillRef>
+          <a:effectRef idx="0">
+            <a:schemeClr val="accent1"/>
+          </a:effectRef>
+          <a:fontRef idx="minor">
+            <a:schemeClr val="lt1"/>
+          </a:fontRef>
+        </p:style>
+        <p:txBody>
+          <a:bodyPr rtlCol="0" anchor="ctr"/>
+          <a:lstStyle/>
+          <a:p>
+            <a:pPr algn="ctr"/>
+            <a:endParaRPr lang="zh-CN" altLang="en-US"/>
+          </a:p>
+        </p:txBody>
+      </p:sp>
+      <p:sp>
+        <p:nvSpPr>
+          <p:cNvPr id="23" name="TextBox 22"/>
+          <p:cNvSpPr txBox="1"/>
+          <p:nvPr/>
+        </p:nvSpPr>
+        <p:spPr>
+          <a:xfrm>
+            <a:off x="4912000" y="3621295"/>
+            <a:ext cx="1088760" cy="307777"/>
+          </a:xfrm>
+          <a:prstGeom prst="rect">
+            <a:avLst/>
+          </a:prstGeom>
+          <a:noFill/>
+        </p:spPr>
+        <p:txBody>
+          <a:bodyPr wrap="none" rtlCol="0">
+            <a:spAutoFit/>
+          </a:bodyPr>
+          <a:lstStyle/>
+          <a:p>
+            <a:r>
+              <a:rPr lang="en-US" altLang="zh-CN" sz="1400" dirty="0" smtClean="0"/>
+              <a:t>Render html</a:t>
+            </a:r>
+            <a:endParaRPr lang="zh-CN" altLang="en-US" sz="1400" dirty="0"/>
+          </a:p>
+        </p:txBody>
+      </p:sp>
+    </p:spTree>
+  </p:cSld>
+  <p:clrMapOvr>
+    <a:masterClrMapping/>
+  </p:clrMapOvr>
+  <p:timing>
+    <p:tnLst>
+      <p:par>
+        <p:cTn id="1" dur="indefinite" restart="never" nodeType="tmRoot">
+          <p:childTnLst>
+            <p:seq concurrent="1" nextAc="seek">
+              <p:cTn id="2" dur="indefinite" nodeType="mainSeq">
+                <p:childTnLst>
+                  <p:par>
+                    <p:cTn id="3" fill="hold">
+                      <p:stCondLst>
+                        <p:cond delay="indefinite"/>
+                      </p:stCondLst>
+                      <p:childTnLst>
+                        <p:par>
+                          <p:cTn id="4" fill="hold">
+                            <p:stCondLst>
+                              <p:cond delay="0"/>
+                            </p:stCondLst>
+                            <p:childTnLst>
+                              <p:par>
+                                <p:cTn id="5" presetID="2" presetClass="entr" presetSubtype="4" fill="hold" grpId="0" nodeType="clickEffect">
+                                  <p:stCondLst>
+                                    <p:cond delay="0"/>
+                                  </p:stCondLst>
+                                  <p:childTnLst>
+                                    <p:set>
+                                      <p:cBhvr>
+                                        <p:cTn id="6" dur="1" fill="hold">
+                                          <p:stCondLst>
+                                            <p:cond delay="0"/>
+                                          </p:stCondLst>
+                                        </p:cTn>
+                                        <p:tgtEl>
+                                          <p:spTgt spid="17"/>
+                                        </p:tgtEl>
+                                        <p:attrNameLst>
+                                          <p:attrName>style.visibility</p:attrName>
+                                        </p:attrNameLst>
+                                      </p:cBhvr>
+                                      <p:to>
+                                        <p:strVal val="visible"/>
+                                      </p:to>
+                                    </p:set>
+                                    <p:anim calcmode="lin" valueType="num">
+                                      <p:cBhvr additive="base">
+                                        <p:cTn id="7" dur="500" fill="hold"/>
+                                        <p:tgtEl>
+                                          <p:spTgt spid="17"/>
+                                        </p:tgtEl>
+                                        <p:attrNameLst>
+                                          <p:attrName>ppt_x</p:attrName>
+                                        </p:attrNameLst>
+                                      </p:cBhvr>
+                                      <p:tavLst>
+                                        <p:tav tm="0">
+                                          <p:val>
+                                            <p:strVal val="#ppt_x"/>
+                                          </p:val>
+                                        </p:tav>
+                                        <p:tav tm="100000">
+                                          <p:val>
+                                            <p:strVal val="#ppt_x"/>
+                                          </p:val>
+                                        </p:tav>
+                                      </p:tavLst>
+                                    </p:anim>
+                                    <p:anim calcmode="lin" valueType="num">
+                                      <p:cBhvr additive="base">
+                                        <p:cTn id="8" dur="500" fill="hold"/>
+                                        <p:tgtEl>
+                                          <p:spTgt spid="17"/>
+                                        </p:tgtEl>
+                                        <p:attrNameLst>
+                                          <p:attrName>ppt_y</p:attrName>
+                                        </p:attrNameLst>
+                                      </p:cBhvr>
+                                      <p:tavLst>
+                                        <p:tav tm="0">
+                                          <p:val>
+                                            <p:strVal val="1+#ppt_h/2"/>
+                                          </p:val>
+                                        </p:tav>
+                                        <p:tav tm="100000">
+                                          <p:val>
+                                            <p:strVal val="#ppt_y"/>
+                                          </p:val>
+                                        </p:tav>
+                                      </p:tavLst>
+                                    </p:anim>
+                                  </p:childTnLst>
+                                </p:cTn>
+                              </p:par>
+                              <p:par>
+                                <p:cTn id="9" presetID="2" presetClass="entr" presetSubtype="4" fill="hold" grpId="0" nodeType="withEffect">
+                                  <p:stCondLst>
+                                    <p:cond delay="0"/>
+                                  </p:stCondLst>
+                                  <p:childTnLst>
+                                    <p:set>
+                                      <p:cBhvr>
+                                        <p:cTn id="10" dur="1" fill="hold">
+                                          <p:stCondLst>
+                                            <p:cond delay="0"/>
+                                          </p:stCondLst>
+                                        </p:cTn>
+                                        <p:tgtEl>
+                                          <p:spTgt spid="18"/>
+                                        </p:tgtEl>
+                                        <p:attrNameLst>
+                                          <p:attrName>style.visibility</p:attrName>
+                                        </p:attrNameLst>
+                                      </p:cBhvr>
+                                      <p:to>
+                                        <p:strVal val="visible"/>
+                                      </p:to>
+                                    </p:set>
+                                    <p:anim calcmode="lin" valueType="num">
+                                      <p:cBhvr additive="base">
+                                        <p:cTn id="11" dur="500" fill="hold"/>
+                                        <p:tgtEl>
+                                          <p:spTgt spid="18"/>
+                                        </p:tgtEl>
+                                        <p:attrNameLst>
+                                          <p:attrName>ppt_x</p:attrName>
+                                        </p:attrNameLst>
+                                      </p:cBhvr>
+                                      <p:tavLst>
+                                        <p:tav tm="0">
+                                          <p:val>
+                                            <p:strVal val="#ppt_x"/>
+                                          </p:val>
+                                        </p:tav>
+                                        <p:tav tm="100000">
+                                          <p:val>
+                                            <p:strVal val="#ppt_x"/>
+                                          </p:val>
+                                        </p:tav>
+                                      </p:tavLst>
+                                    </p:anim>
+                                    <p:anim calcmode="lin" valueType="num">
+                                      <p:cBhvr additive="base">
+                                        <p:cTn id="12" dur="500" fill="hold"/>
+                                        <p:tgtEl>
+                                          <p:spTgt spid="18"/>
+                                        </p:tgtEl>
+                                        <p:attrNameLst>
+                                          <p:attrName>ppt_y</p:attrName>
+                                        </p:attrNameLst>
+                                      </p:cBhvr>
+                                      <p:tavLst>
+                                        <p:tav tm="0">
+                                          <p:val>
+                                            <p:strVal val="1+#ppt_h/2"/>
+                                          </p:val>
+                                        </p:tav>
+                                        <p:tav tm="100000">
+                                          <p:val>
+                                            <p:strVal val="#ppt_y"/>
+                                          </p:val>
+                                        </p:tav>
+                                      </p:tavLst>
+                                    </p:anim>
+                                  </p:childTnLst>
+                                </p:cTn>
+                              </p:par>
+                            </p:childTnLst>
+                          </p:cTn>
+                        </p:par>
+                      </p:childTnLst>
+                    </p:cTn>
+                  </p:par>
+                  <p:par>
+                    <p:cTn id="13" fill="hold">
+                      <p:stCondLst>
+                        <p:cond delay="indefinite"/>
+                      </p:stCondLst>
+                      <p:childTnLst>
+                        <p:par>
+                          <p:cTn id="14" fill="hold">
+                            <p:stCondLst>
+                              <p:cond delay="0"/>
+                            </p:stCondLst>
+                            <p:childTnLst>
+                              <p:par>
+                                <p:cTn id="15" presetID="2" presetClass="entr" presetSubtype="4" fill="hold" grpId="0" nodeType="clickEffect">
+                                  <p:stCondLst>
+                                    <p:cond delay="0"/>
+                                  </p:stCondLst>
+                                  <p:childTnLst>
+                                    <p:set>
+                                      <p:cBhvr>
+                                        <p:cTn id="16" dur="1" fill="hold">
+                                          <p:stCondLst>
+                                            <p:cond delay="0"/>
+                                          </p:stCondLst>
+                                        </p:cTn>
+                                        <p:tgtEl>
+                                          <p:spTgt spid="19"/>
+                                        </p:tgtEl>
+                                        <p:attrNameLst>
+                                          <p:attrName>style.visibility</p:attrName>
+                                        </p:attrNameLst>
+                                      </p:cBhvr>
+                                      <p:to>
+                                        <p:strVal val="visible"/>
+                                      </p:to>
+                                    </p:set>
+                                    <p:anim calcmode="lin" valueType="num">
+                                      <p:cBhvr additive="base">
+                                        <p:cTn id="17" dur="500" fill="hold"/>
+                                        <p:tgtEl>
+                                          <p:spTgt spid="19"/>
+                                        </p:tgtEl>
+                                        <p:attrNameLst>
+                                          <p:attrName>ppt_x</p:attrName>
+                                        </p:attrNameLst>
+                                      </p:cBhvr>
+                                      <p:tavLst>
+                                        <p:tav tm="0">
+                                          <p:val>
+                                            <p:strVal val="#ppt_x"/>
+                                          </p:val>
+                                        </p:tav>
+                                        <p:tav tm="100000">
+                                          <p:val>
+                                            <p:strVal val="#ppt_x"/>
+                                          </p:val>
+                                        </p:tav>
+                                      </p:tavLst>
+                                    </p:anim>
+                                    <p:anim calcmode="lin" valueType="num">
+                                      <p:cBhvr additive="base">
+                                        <p:cTn id="18" dur="500" fill="hold"/>
+                                        <p:tgtEl>
+                                          <p:spTgt spid="19"/>
+                                        </p:tgtEl>
+                                        <p:attrNameLst>
+                                          <p:attrName>ppt_y</p:attrName>
+                                        </p:attrNameLst>
+                                      </p:cBhvr>
+                                      <p:tavLst>
+                                        <p:tav tm="0">
+                                          <p:val>
+                                            <p:strVal val="1+#ppt_h/2"/>
+                                          </p:val>
+                                        </p:tav>
+                                        <p:tav tm="100000">
+                                          <p:val>
+                                            <p:strVal val="#ppt_y"/>
+                                          </p:val>
+                                        </p:tav>
+                                      </p:tavLst>
+                                    </p:anim>
+                                  </p:childTnLst>
+                                </p:cTn>
+                              </p:par>
+                              <p:par>
+                                <p:cTn id="19" presetID="2" presetClass="entr" presetSubtype="4" fill="hold" grpId="0" nodeType="withEffect">
+                                  <p:stCondLst>
+                                    <p:cond delay="0"/>
+                                  </p:stCondLst>
+                                  <p:childTnLst>
+                                    <p:set>
+                                      <p:cBhvr>
+                                        <p:cTn id="20" dur="1" fill="hold">
+                                          <p:stCondLst>
+                                            <p:cond delay="0"/>
+                                          </p:stCondLst>
+                                        </p:cTn>
+                                        <p:tgtEl>
+                                          <p:spTgt spid="20"/>
+                                        </p:tgtEl>
+                                        <p:attrNameLst>
+                                          <p:attrName>style.visibility</p:attrName>
+                                        </p:attrNameLst>
+                                      </p:cBhvr>
+                                      <p:to>
+                                        <p:strVal val="visible"/>
+                                      </p:to>
+                                    </p:set>
+                                    <p:anim calcmode="lin" valueType="num">
+                                      <p:cBhvr additive="base">
+                                        <p:cTn id="21" dur="500" fill="hold"/>
+                                        <p:tgtEl>
+                                          <p:spTgt spid="20"/>
+                                        </p:tgtEl>
+                                        <p:attrNameLst>
+                                          <p:attrName>ppt_x</p:attrName>
+                                        </p:attrNameLst>
+                                      </p:cBhvr>
+                                      <p:tavLst>
+                                        <p:tav tm="0">
+                                          <p:val>
+                                            <p:strVal val="#ppt_x"/>
+                                          </p:val>
+                                        </p:tav>
+                                        <p:tav tm="100000">
+                                          <p:val>
+                                            <p:strVal val="#ppt_x"/>
+                                          </p:val>
+                                        </p:tav>
+                                      </p:tavLst>
+                                    </p:anim>
+                                    <p:anim calcmode="lin" valueType="num">
+                                      <p:cBhvr additive="base">
+                                        <p:cTn id="22" dur="500" fill="hold"/>
+                                        <p:tgtEl>
+                                          <p:spTgt spid="20"/>
+                                        </p:tgtEl>
+                                        <p:attrNameLst>
+                                          <p:attrName>ppt_y</p:attrName>
+                                        </p:attrNameLst>
+                                      </p:cBhvr>
+                                      <p:tavLst>
+                                        <p:tav tm="0">
+                                          <p:val>
+                                            <p:strVal val="1+#ppt_h/2"/>
+                                          </p:val>
+                                        </p:tav>
+                                        <p:tav tm="100000">
+                                          <p:val>
+                                            <p:strVal val="#ppt_y"/>
+                                          </p:val>
+                                        </p:tav>
+                                      </p:tavLst>
+                                    </p:anim>
+                                  </p:childTnLst>
+                                </p:cTn>
+                              </p:par>
+                            </p:childTnLst>
+                          </p:cTn>
+                        </p:par>
+                      </p:childTnLst>
+                    </p:cTn>
+                  </p:par>
+                  <p:par>
+                    <p:cTn id="23" fill="hold">
+                      <p:stCondLst>
+                        <p:cond delay="indefinite"/>
+                      </p:stCondLst>
+                      <p:childTnLst>
+                        <p:par>
+                          <p:cTn id="24" fill="hold">
+                            <p:stCondLst>
+                              <p:cond delay="0"/>
+                            </p:stCondLst>
+                            <p:childTnLst>
+                              <p:par>
+                                <p:cTn id="25" presetID="2" presetClass="entr" presetSubtype="4" fill="hold" grpId="0" nodeType="clickEffect">
+                                  <p:stCondLst>
+                                    <p:cond delay="0"/>
+                                  </p:stCondLst>
+                                  <p:childTnLst>
+                                    <p:set>
+                                      <p:cBhvr>
+                                        <p:cTn id="26" dur="1" fill="hold">
+                                          <p:stCondLst>
+                                            <p:cond delay="0"/>
+                                          </p:stCondLst>
+                                        </p:cTn>
+                                        <p:tgtEl>
+                                          <p:spTgt spid="21"/>
+                                        </p:tgtEl>
+                                        <p:attrNameLst>
+                                          <p:attrName>style.visibility</p:attrName>
+                                        </p:attrNameLst>
+                                      </p:cBhvr>
+                                      <p:to>
+                                        <p:strVal val="visible"/>
+                                      </p:to>
+                                    </p:set>
+                                    <p:anim calcmode="lin" valueType="num">
+                                      <p:cBhvr additive="base">
+                                        <p:cTn id="27" dur="500" fill="hold"/>
+                                        <p:tgtEl>
+                                          <p:spTgt spid="21"/>
+                                        </p:tgtEl>
+                                        <p:attrNameLst>
+                                          <p:attrName>ppt_x</p:attrName>
+                                        </p:attrNameLst>
+                                      </p:cBhvr>
+                                      <p:tavLst>
+                                        <p:tav tm="0">
+                                          <p:val>
+                                            <p:strVal val="#ppt_x"/>
+                                          </p:val>
+                                        </p:tav>
+                                        <p:tav tm="100000">
+                                          <p:val>
+                                            <p:strVal val="#ppt_x"/>
+                                          </p:val>
+                                        </p:tav>
+                                      </p:tavLst>
+                                    </p:anim>
+                                    <p:anim calcmode="lin" valueType="num">
+                                      <p:cBhvr additive="base">
+                                        <p:cTn id="28" dur="500" fill="hold"/>
+                                        <p:tgtEl>
+                                          <p:spTgt spid="21"/>
+                                        </p:tgtEl>
+                                        <p:attrNameLst>
+                                          <p:attrName>ppt_y</p:attrName>
+                                        </p:attrNameLst>
+                                      </p:cBhvr>
+                                      <p:tavLst>
+                                        <p:tav tm="0">
+                                          <p:val>
+                                            <p:strVal val="1+#ppt_h/2"/>
+                                          </p:val>
+                                        </p:tav>
+                                        <p:tav tm="100000">
+                                          <p:val>
+                                            <p:strVal val="#ppt_y"/>
+                                          </p:val>
+                                        </p:tav>
+                                      </p:tavLst>
+                                    </p:anim>
+                                  </p:childTnLst>
+                                </p:cTn>
+                              </p:par>
+                              <p:par>
+                                <p:cTn id="29" presetID="2" presetClass="entr" presetSubtype="4" fill="hold" grpId="0" nodeType="withEffect">
+                                  <p:stCondLst>
+                                    <p:cond delay="0"/>
+                                  </p:stCondLst>
+                                  <p:childTnLst>
+                                    <p:set>
+                                      <p:cBhvr>
+                                        <p:cTn id="30" dur="1" fill="hold">
+                                          <p:stCondLst>
+                                            <p:cond delay="0"/>
+                                          </p:stCondLst>
+                                        </p:cTn>
+                                        <p:tgtEl>
+                                          <p:spTgt spid="23"/>
+                                        </p:tgtEl>
+                                        <p:attrNameLst>
+                                          <p:attrName>style.visibility</p:attrName>
+                                        </p:attrNameLst>
+                                      </p:cBhvr>
+                                      <p:to>
+                                        <p:strVal val="visible"/>
+                                      </p:to>
+                                    </p:set>
+                                    <p:anim calcmode="lin" valueType="num">
+                                      <p:cBhvr additive="base">
+                                        <p:cTn id="31" dur="500" fill="hold"/>
+                                        <p:tgtEl>
+                                          <p:spTgt spid="23"/>
+                                        </p:tgtEl>
+                                        <p:attrNameLst>
+                                          <p:attrName>ppt_x</p:attrName>
+                                        </p:attrNameLst>
+                                      </p:cBhvr>
+                                      <p:tavLst>
+                                        <p:tav tm="0">
+                                          <p:val>
+                                            <p:strVal val="#ppt_x"/>
+                                          </p:val>
+                                        </p:tav>
+                                        <p:tav tm="100000">
+                                          <p:val>
+                                            <p:strVal val="#ppt_x"/>
+                                          </p:val>
+                                        </p:tav>
+                                      </p:tavLst>
+                                    </p:anim>
+                                    <p:anim calcmode="lin" valueType="num">
+                                      <p:cBhvr additive="base">
+                                        <p:cTn id="32" dur="500" fill="hold"/>
+                                        <p:tgtEl>
+                                          <p:spTgt spid="23"/>
+                                        </p:tgtEl>
+                                        <p:attrNameLst>
+                                          <p:attrName>ppt_y</p:attrName>
+                                        </p:attrNameLst>
+                                      </p:cBhvr>
+                                      <p:tavLst>
+                                        <p:tav tm="0">
+                                          <p:val>
+                                            <p:strVal val="1+#ppt_h/2"/>
+                                          </p:val>
+                                        </p:tav>
+                                        <p:tav tm="100000">
+                                          <p:val>
+                                            <p:strVal val="#ppt_y"/>
+                                          </p:val>
+                                        </p:tav>
+                                      </p:tavLst>
+                                    </p:anim>
+                                  </p:childTnLst>
+                                </p:cTn>
+                              </p:par>
+                            </p:childTnLst>
+                          </p:cTn>
+                        </p:par>
+                      </p:childTnLst>
+                    </p:cTn>
+                  </p:par>
+                </p:childTnLst>
+              </p:cTn>
+              <p:prevCondLst>
+                <p:cond evt="onPrev" delay="0">
+                  <p:tgtEl>
+                    <p:sldTgt/>
+                  </p:tgtEl>
+                </p:cond>
+              </p:prevCondLst>
+              <p:nextCondLst>
+                <p:cond evt="onNext" delay="0">
+                  <p:tgtEl>
+                    <p:sldTgt/>
+                  </p:tgtEl>
+                </p:cond>
+              </p:nextCondLst>
+            </p:seq>
+          </p:childTnLst>
+        </p:cTn>
+      </p:par>
+    </p:tnLst>
+    <p:bldLst>
+      <p:bldP spid="17" grpId="0" animBg="1"/>
+      <p:bldP spid="18" grpId="0"/>
+      <p:bldP spid="19" grpId="0" animBg="1"/>
+      <p:bldP spid="20" grpId="0"/>
+      <p:bldP spid="21" grpId="0" animBg="1"/>
+      <p:bldP spid="23" grpId="0"/>
+    </p:bldLst>
+  </p:timing>
+</p:sld>
+</file>
+
+<file path=ppt/slides/slide30.xml><?xml version="1.0" encoding="utf-8"?>
 <p:sld xmlns:a="http://schemas.openxmlformats.org/drawingml/2006/main" xmlns:r="http://schemas.openxmlformats.org/officeDocument/2006/relationships" xmlns:p="http://schemas.openxmlformats.org/presentationml/2006/main">
   <p:cSld>
     <p:spTree>
@@ -10514,7 +13492,7 @@
 </p:sld>
 </file>
 
-<file path=ppt/slides/slide29.xml><?xml version="1.0" encoding="utf-8"?>
+<file path=ppt/slides/slide31.xml><?xml version="1.0" encoding="utf-8"?>
 <p:sld xmlns:a="http://schemas.openxmlformats.org/drawingml/2006/main" xmlns:r="http://schemas.openxmlformats.org/officeDocument/2006/relationships" xmlns:p="http://schemas.openxmlformats.org/presentationml/2006/main">
   <p:cSld>
     <p:spTree>
@@ -10893,1215 +13871,7 @@
 </p:sld>
 </file>
 
-<file path=ppt/slides/slide3.xml><?xml version="1.0" encoding="utf-8"?>
-<p:sld xmlns:a="http://schemas.openxmlformats.org/drawingml/2006/main" xmlns:r="http://schemas.openxmlformats.org/officeDocument/2006/relationships" xmlns:p="http://schemas.openxmlformats.org/presentationml/2006/main">
-  <p:cSld>
-    <p:spTree>
-      <p:nvGrpSpPr>
-        <p:cNvPr id="1" name=""/>
-        <p:cNvGrpSpPr/>
-        <p:nvPr/>
-      </p:nvGrpSpPr>
-      <p:grpSpPr>
-        <a:xfrm>
-          <a:off x="0" y="0"/>
-          <a:ext cx="0" cy="0"/>
-          <a:chOff x="0" y="0"/>
-          <a:chExt cx="0" cy="0"/>
-        </a:xfrm>
-      </p:grpSpPr>
-      <p:sp>
-        <p:nvSpPr>
-          <p:cNvPr id="2" name="标题 1"/>
-          <p:cNvSpPr>
-            <a:spLocks noGrp="1"/>
-          </p:cNvSpPr>
-          <p:nvPr>
-            <p:ph type="title"/>
-          </p:nvPr>
-        </p:nvSpPr>
-        <p:spPr/>
-        <p:txBody>
-          <a:bodyPr/>
-          <a:lstStyle/>
-          <a:p>
-            <a:pPr algn="l"/>
-            <a:r>
-              <a:rPr lang="en-US" altLang="zh-CN" dirty="0" smtClean="0"/>
-              <a:t>Basic concepts</a:t>
-            </a:r>
-            <a:endParaRPr lang="zh-CN" altLang="en-US" dirty="0"/>
-          </a:p>
-        </p:txBody>
-      </p:sp>
-      <p:sp>
-        <p:nvSpPr>
-          <p:cNvPr id="3" name="内容占位符 2"/>
-          <p:cNvSpPr>
-            <a:spLocks noGrp="1"/>
-          </p:cNvSpPr>
-          <p:nvPr>
-            <p:ph idx="1"/>
-          </p:nvPr>
-        </p:nvSpPr>
-        <p:spPr/>
-        <p:txBody>
-          <a:bodyPr/>
-          <a:lstStyle/>
-          <a:p>
-            <a:endParaRPr lang="en-US" altLang="zh-CN" dirty="0" smtClean="0"/>
-          </a:p>
-        </p:txBody>
-      </p:sp>
-      <p:sp>
-        <p:nvSpPr>
-          <p:cNvPr id="4" name="矩形 3"/>
-          <p:cNvSpPr/>
-          <p:nvPr/>
-        </p:nvSpPr>
-        <p:spPr>
-          <a:xfrm>
-            <a:off x="2285984" y="2285998"/>
-            <a:ext cx="1571636" cy="642942"/>
-          </a:xfrm>
-          <a:prstGeom prst="rect">
-            <a:avLst/>
-          </a:prstGeom>
-          <a:noFill/>
-        </p:spPr>
-        <p:style>
-          <a:lnRef idx="2">
-            <a:schemeClr val="accent1">
-              <a:shade val="50000"/>
-            </a:schemeClr>
-          </a:lnRef>
-          <a:fillRef idx="1">
-            <a:schemeClr val="accent1"/>
-          </a:fillRef>
-          <a:effectRef idx="0">
-            <a:schemeClr val="accent1"/>
-          </a:effectRef>
-          <a:fontRef idx="minor">
-            <a:schemeClr val="lt1"/>
-          </a:fontRef>
-        </p:style>
-        <p:txBody>
-          <a:bodyPr rtlCol="0" anchor="ctr"/>
-          <a:lstStyle/>
-          <a:p>
-            <a:pPr algn="ctr"/>
-            <a:endParaRPr lang="zh-CN" altLang="en-US"/>
-          </a:p>
-        </p:txBody>
-      </p:sp>
-      <p:sp>
-        <p:nvSpPr>
-          <p:cNvPr id="5" name="TextBox 4"/>
-          <p:cNvSpPr txBox="1"/>
-          <p:nvPr/>
-        </p:nvSpPr>
-        <p:spPr>
-          <a:xfrm>
-            <a:off x="2428860" y="2428874"/>
-            <a:ext cx="1239250" cy="369332"/>
-          </a:xfrm>
-          <a:prstGeom prst="rect">
-            <a:avLst/>
-          </a:prstGeom>
-          <a:noFill/>
-        </p:spPr>
-        <p:txBody>
-          <a:bodyPr wrap="none" rtlCol="0">
-            <a:spAutoFit/>
-          </a:bodyPr>
-          <a:lstStyle/>
-          <a:p>
-            <a:r>
-              <a:rPr lang="en-US" altLang="zh-CN" dirty="0" smtClean="0"/>
-              <a:t>Http </a:t>
-            </a:r>
-            <a:r>
-              <a:rPr lang="en-US" altLang="zh-CN" dirty="0" smtClean="0"/>
-              <a:t>server</a:t>
-            </a:r>
-            <a:endParaRPr lang="en-US" altLang="zh-CN" dirty="0" smtClean="0"/>
-          </a:p>
-        </p:txBody>
-      </p:sp>
-      <p:sp>
-        <p:nvSpPr>
-          <p:cNvPr id="6" name="矩形 5"/>
-          <p:cNvSpPr/>
-          <p:nvPr/>
-        </p:nvSpPr>
-        <p:spPr>
-          <a:xfrm>
-            <a:off x="4572000" y="2214560"/>
-            <a:ext cx="2500330" cy="785818"/>
-          </a:xfrm>
-          <a:prstGeom prst="rect">
-            <a:avLst/>
-          </a:prstGeom>
-          <a:noFill/>
-        </p:spPr>
-        <p:style>
-          <a:lnRef idx="2">
-            <a:schemeClr val="accent1">
-              <a:shade val="50000"/>
-            </a:schemeClr>
-          </a:lnRef>
-          <a:fillRef idx="1">
-            <a:schemeClr val="accent1"/>
-          </a:fillRef>
-          <a:effectRef idx="0">
-            <a:schemeClr val="accent1"/>
-          </a:effectRef>
-          <a:fontRef idx="minor">
-            <a:schemeClr val="lt1"/>
-          </a:fontRef>
-        </p:style>
-        <p:txBody>
-          <a:bodyPr rtlCol="0" anchor="ctr"/>
-          <a:lstStyle/>
-          <a:p>
-            <a:pPr algn="ctr"/>
-            <a:endParaRPr lang="zh-CN" altLang="en-US"/>
-          </a:p>
-        </p:txBody>
-      </p:sp>
-      <p:sp>
-        <p:nvSpPr>
-          <p:cNvPr id="7" name="TextBox 6"/>
-          <p:cNvSpPr txBox="1"/>
-          <p:nvPr/>
-        </p:nvSpPr>
-        <p:spPr>
-          <a:xfrm>
-            <a:off x="4714876" y="2285998"/>
-            <a:ext cx="2309928" cy="646331"/>
-          </a:xfrm>
-          <a:prstGeom prst="rect">
-            <a:avLst/>
-          </a:prstGeom>
-          <a:noFill/>
-        </p:spPr>
-        <p:txBody>
-          <a:bodyPr wrap="none" rtlCol="0">
-            <a:spAutoFit/>
-          </a:bodyPr>
-          <a:lstStyle/>
-          <a:p>
-            <a:r>
-              <a:rPr lang="en-US" altLang="zh-CN" dirty="0" smtClean="0"/>
-              <a:t>ORM(Object-relational</a:t>
-            </a:r>
-          </a:p>
-          <a:p>
-            <a:r>
-              <a:rPr lang="en-US" altLang="zh-CN" dirty="0" smtClean="0"/>
-              <a:t> </a:t>
-            </a:r>
-            <a:r>
-              <a:rPr lang="en-US" altLang="zh-CN" dirty="0" smtClean="0"/>
-              <a:t>mapping</a:t>
-            </a:r>
-            <a:r>
-              <a:rPr lang="en-US" altLang="zh-CN" dirty="0" smtClean="0"/>
-              <a:t>)</a:t>
-            </a:r>
-            <a:endParaRPr lang="en-US" altLang="zh-CN" dirty="0" smtClean="0"/>
-          </a:p>
-        </p:txBody>
-      </p:sp>
-      <p:sp>
-        <p:nvSpPr>
-          <p:cNvPr id="8" name="矩形 7"/>
-          <p:cNvSpPr/>
-          <p:nvPr/>
-        </p:nvSpPr>
-        <p:spPr>
-          <a:xfrm>
-            <a:off x="2285984" y="3500444"/>
-            <a:ext cx="2357454" cy="500066"/>
-          </a:xfrm>
-          <a:prstGeom prst="rect">
-            <a:avLst/>
-          </a:prstGeom>
-          <a:noFill/>
-        </p:spPr>
-        <p:style>
-          <a:lnRef idx="2">
-            <a:schemeClr val="accent1">
-              <a:shade val="50000"/>
-            </a:schemeClr>
-          </a:lnRef>
-          <a:fillRef idx="1">
-            <a:schemeClr val="accent1"/>
-          </a:fillRef>
-          <a:effectRef idx="0">
-            <a:schemeClr val="accent1"/>
-          </a:effectRef>
-          <a:fontRef idx="minor">
-            <a:schemeClr val="lt1"/>
-          </a:fontRef>
-        </p:style>
-        <p:txBody>
-          <a:bodyPr rtlCol="0" anchor="ctr"/>
-          <a:lstStyle/>
-          <a:p>
-            <a:pPr algn="ctr"/>
-            <a:endParaRPr lang="zh-CN" altLang="en-US"/>
-          </a:p>
-        </p:txBody>
-      </p:sp>
-      <p:sp>
-        <p:nvSpPr>
-          <p:cNvPr id="9" name="TextBox 8"/>
-          <p:cNvSpPr txBox="1"/>
-          <p:nvPr/>
-        </p:nvSpPr>
-        <p:spPr>
-          <a:xfrm>
-            <a:off x="2357422" y="3571882"/>
-            <a:ext cx="2232599" cy="369332"/>
-          </a:xfrm>
-          <a:prstGeom prst="rect">
-            <a:avLst/>
-          </a:prstGeom>
-          <a:noFill/>
-        </p:spPr>
-        <p:txBody>
-          <a:bodyPr wrap="none" rtlCol="0">
-            <a:spAutoFit/>
-          </a:bodyPr>
-          <a:lstStyle/>
-          <a:p>
-            <a:r>
-              <a:rPr lang="en-US" altLang="zh-CN" dirty="0" smtClean="0"/>
-              <a:t>Html template engine</a:t>
-            </a:r>
-            <a:endParaRPr lang="en-US" altLang="zh-CN" dirty="0" smtClean="0"/>
-          </a:p>
-        </p:txBody>
-      </p:sp>
-      <p:sp>
-        <p:nvSpPr>
-          <p:cNvPr id="10" name="矩形 9"/>
-          <p:cNvSpPr/>
-          <p:nvPr/>
-        </p:nvSpPr>
-        <p:spPr>
-          <a:xfrm>
-            <a:off x="1428728" y="1285866"/>
-            <a:ext cx="6357982" cy="3143272"/>
-          </a:xfrm>
-          <a:prstGeom prst="rect">
-            <a:avLst/>
-          </a:prstGeom>
-          <a:noFill/>
-        </p:spPr>
-        <p:style>
-          <a:lnRef idx="2">
-            <a:schemeClr val="accent1">
-              <a:shade val="50000"/>
-            </a:schemeClr>
-          </a:lnRef>
-          <a:fillRef idx="1">
-            <a:schemeClr val="accent1"/>
-          </a:fillRef>
-          <a:effectRef idx="0">
-            <a:schemeClr val="accent1"/>
-          </a:effectRef>
-          <a:fontRef idx="minor">
-            <a:schemeClr val="lt1"/>
-          </a:fontRef>
-        </p:style>
-        <p:txBody>
-          <a:bodyPr rtlCol="0" anchor="ctr"/>
-          <a:lstStyle/>
-          <a:p>
-            <a:pPr algn="ctr"/>
-            <a:endParaRPr lang="zh-CN" altLang="en-US"/>
-          </a:p>
-        </p:txBody>
-      </p:sp>
-      <p:sp>
-        <p:nvSpPr>
-          <p:cNvPr id="13" name="下箭头 12"/>
-          <p:cNvSpPr/>
-          <p:nvPr/>
-        </p:nvSpPr>
-        <p:spPr>
-          <a:xfrm>
-            <a:off x="3000364" y="3000378"/>
-            <a:ext cx="214314" cy="428628"/>
-          </a:xfrm>
-          <a:prstGeom prst="downArrow">
-            <a:avLst/>
-          </a:prstGeom>
-        </p:spPr>
-        <p:style>
-          <a:lnRef idx="2">
-            <a:schemeClr val="accent1">
-              <a:shade val="50000"/>
-            </a:schemeClr>
-          </a:lnRef>
-          <a:fillRef idx="1">
-            <a:schemeClr val="accent1"/>
-          </a:fillRef>
-          <a:effectRef idx="0">
-            <a:schemeClr val="accent1"/>
-          </a:effectRef>
-          <a:fontRef idx="minor">
-            <a:schemeClr val="lt1"/>
-          </a:fontRef>
-        </p:style>
-        <p:txBody>
-          <a:bodyPr rtlCol="0" anchor="ctr"/>
-          <a:lstStyle/>
-          <a:p>
-            <a:pPr algn="ctr"/>
-            <a:endParaRPr lang="zh-CN" altLang="en-US"/>
-          </a:p>
-        </p:txBody>
-      </p:sp>
-      <p:sp>
-        <p:nvSpPr>
-          <p:cNvPr id="14" name="右箭头 13"/>
-          <p:cNvSpPr/>
-          <p:nvPr/>
-        </p:nvSpPr>
-        <p:spPr>
-          <a:xfrm>
-            <a:off x="3929058" y="2500312"/>
-            <a:ext cx="571504" cy="214314"/>
-          </a:xfrm>
-          <a:prstGeom prst="rightArrow">
-            <a:avLst/>
-          </a:prstGeom>
-        </p:spPr>
-        <p:style>
-          <a:lnRef idx="2">
-            <a:schemeClr val="accent1">
-              <a:shade val="50000"/>
-            </a:schemeClr>
-          </a:lnRef>
-          <a:fillRef idx="1">
-            <a:schemeClr val="accent1"/>
-          </a:fillRef>
-          <a:effectRef idx="0">
-            <a:schemeClr val="accent1"/>
-          </a:effectRef>
-          <a:fontRef idx="minor">
-            <a:schemeClr val="lt1"/>
-          </a:fontRef>
-        </p:style>
-        <p:txBody>
-          <a:bodyPr rtlCol="0" anchor="ctr"/>
-          <a:lstStyle/>
-          <a:p>
-            <a:pPr algn="ctr"/>
-            <a:endParaRPr lang="zh-CN" altLang="en-US"/>
-          </a:p>
-        </p:txBody>
-      </p:sp>
-      <p:sp>
-        <p:nvSpPr>
-          <p:cNvPr id="15" name="TextBox 14"/>
-          <p:cNvSpPr txBox="1"/>
-          <p:nvPr/>
-        </p:nvSpPr>
-        <p:spPr>
-          <a:xfrm>
-            <a:off x="3786182" y="1273724"/>
-            <a:ext cx="1729641" cy="369332"/>
-          </a:xfrm>
-          <a:prstGeom prst="rect">
-            <a:avLst/>
-          </a:prstGeom>
-          <a:noFill/>
-        </p:spPr>
-        <p:txBody>
-          <a:bodyPr wrap="none" rtlCol="0">
-            <a:spAutoFit/>
-          </a:bodyPr>
-          <a:lstStyle/>
-          <a:p>
-            <a:r>
-              <a:rPr lang="en-US" altLang="zh-CN" b="1" dirty="0" smtClean="0"/>
-              <a:t>Web framework</a:t>
-            </a:r>
-            <a:endParaRPr lang="en-US" altLang="zh-CN" b="1" dirty="0" smtClean="0"/>
-          </a:p>
-        </p:txBody>
-      </p:sp>
-      <p:sp>
-        <p:nvSpPr>
-          <p:cNvPr id="17" name="椭圆形标注 16"/>
-          <p:cNvSpPr/>
-          <p:nvPr/>
-        </p:nvSpPr>
-        <p:spPr>
-          <a:xfrm>
-            <a:off x="2285984" y="1714494"/>
-            <a:ext cx="1643074" cy="469772"/>
-          </a:xfrm>
-          <a:prstGeom prst="wedgeEllipseCallout">
-            <a:avLst/>
-          </a:prstGeom>
-          <a:noFill/>
-          <a:ln>
-            <a:solidFill>
-              <a:srgbClr val="00B050"/>
-            </a:solidFill>
-          </a:ln>
-        </p:spPr>
-        <p:style>
-          <a:lnRef idx="2">
-            <a:schemeClr val="accent1">
-              <a:shade val="50000"/>
-            </a:schemeClr>
-          </a:lnRef>
-          <a:fillRef idx="1">
-            <a:schemeClr val="accent1"/>
-          </a:fillRef>
-          <a:effectRef idx="0">
-            <a:schemeClr val="accent1"/>
-          </a:effectRef>
-          <a:fontRef idx="minor">
-            <a:schemeClr val="lt1"/>
-          </a:fontRef>
-        </p:style>
-        <p:txBody>
-          <a:bodyPr rtlCol="0" anchor="ctr"/>
-          <a:lstStyle/>
-          <a:p>
-            <a:pPr algn="ctr"/>
-            <a:endParaRPr lang="zh-CN" altLang="en-US"/>
-          </a:p>
-        </p:txBody>
-      </p:sp>
-      <p:sp>
-        <p:nvSpPr>
-          <p:cNvPr id="18" name="TextBox 17"/>
-          <p:cNvSpPr txBox="1"/>
-          <p:nvPr/>
-        </p:nvSpPr>
-        <p:spPr>
-          <a:xfrm>
-            <a:off x="2285984" y="1785932"/>
-            <a:ext cx="1649234" cy="307777"/>
-          </a:xfrm>
-          <a:prstGeom prst="rect">
-            <a:avLst/>
-          </a:prstGeom>
-          <a:noFill/>
-        </p:spPr>
-        <p:txBody>
-          <a:bodyPr wrap="none" rtlCol="0">
-            <a:spAutoFit/>
-          </a:bodyPr>
-          <a:lstStyle/>
-          <a:p>
-            <a:r>
-              <a:rPr lang="en-US" altLang="zh-CN" sz="1400" dirty="0" smtClean="0"/>
-              <a:t>Handle http request</a:t>
-            </a:r>
-            <a:endParaRPr lang="zh-CN" altLang="en-US" sz="1400" dirty="0"/>
-          </a:p>
-        </p:txBody>
-      </p:sp>
-      <p:sp>
-        <p:nvSpPr>
-          <p:cNvPr id="19" name="椭圆形标注 18"/>
-          <p:cNvSpPr/>
-          <p:nvPr/>
-        </p:nvSpPr>
-        <p:spPr>
-          <a:xfrm>
-            <a:off x="5286380" y="1643056"/>
-            <a:ext cx="1357322" cy="469772"/>
-          </a:xfrm>
-          <a:prstGeom prst="wedgeEllipseCallout">
-            <a:avLst/>
-          </a:prstGeom>
-          <a:noFill/>
-          <a:ln>
-            <a:solidFill>
-              <a:srgbClr val="00B050"/>
-            </a:solidFill>
-          </a:ln>
-        </p:spPr>
-        <p:style>
-          <a:lnRef idx="2">
-            <a:schemeClr val="accent1">
-              <a:shade val="50000"/>
-            </a:schemeClr>
-          </a:lnRef>
-          <a:fillRef idx="1">
-            <a:schemeClr val="accent1"/>
-          </a:fillRef>
-          <a:effectRef idx="0">
-            <a:schemeClr val="accent1"/>
-          </a:effectRef>
-          <a:fontRef idx="minor">
-            <a:schemeClr val="lt1"/>
-          </a:fontRef>
-        </p:style>
-        <p:txBody>
-          <a:bodyPr rtlCol="0" anchor="ctr"/>
-          <a:lstStyle/>
-          <a:p>
-            <a:pPr algn="ctr"/>
-            <a:endParaRPr lang="zh-CN" altLang="en-US"/>
-          </a:p>
-        </p:txBody>
-      </p:sp>
-      <p:sp>
-        <p:nvSpPr>
-          <p:cNvPr id="20" name="TextBox 19"/>
-          <p:cNvSpPr txBox="1"/>
-          <p:nvPr/>
-        </p:nvSpPr>
-        <p:spPr>
-          <a:xfrm>
-            <a:off x="5286380" y="1714494"/>
-            <a:ext cx="1376659" cy="307777"/>
-          </a:xfrm>
-          <a:prstGeom prst="rect">
-            <a:avLst/>
-          </a:prstGeom>
-          <a:noFill/>
-        </p:spPr>
-        <p:txBody>
-          <a:bodyPr wrap="none" rtlCol="0">
-            <a:spAutoFit/>
-          </a:bodyPr>
-          <a:lstStyle/>
-          <a:p>
-            <a:r>
-              <a:rPr lang="en-US" altLang="zh-CN" sz="1400" dirty="0" smtClean="0"/>
-              <a:t>Access database</a:t>
-            </a:r>
-            <a:endParaRPr lang="zh-CN" altLang="en-US" sz="1400" dirty="0"/>
-          </a:p>
-        </p:txBody>
-      </p:sp>
-      <p:sp>
-        <p:nvSpPr>
-          <p:cNvPr id="21" name="椭圆形标注 20"/>
-          <p:cNvSpPr/>
-          <p:nvPr/>
-        </p:nvSpPr>
-        <p:spPr>
-          <a:xfrm rot="5400000">
-            <a:off x="5214940" y="3214693"/>
-            <a:ext cx="428629" cy="1143009"/>
-          </a:xfrm>
-          <a:prstGeom prst="wedgeEllipseCallout">
-            <a:avLst/>
-          </a:prstGeom>
-          <a:noFill/>
-          <a:ln>
-            <a:solidFill>
-              <a:srgbClr val="00B050"/>
-            </a:solidFill>
-          </a:ln>
-        </p:spPr>
-        <p:style>
-          <a:lnRef idx="2">
-            <a:schemeClr val="accent1">
-              <a:shade val="50000"/>
-            </a:schemeClr>
-          </a:lnRef>
-          <a:fillRef idx="1">
-            <a:schemeClr val="accent1"/>
-          </a:fillRef>
-          <a:effectRef idx="0">
-            <a:schemeClr val="accent1"/>
-          </a:effectRef>
-          <a:fontRef idx="minor">
-            <a:schemeClr val="lt1"/>
-          </a:fontRef>
-        </p:style>
-        <p:txBody>
-          <a:bodyPr rtlCol="0" anchor="ctr"/>
-          <a:lstStyle/>
-          <a:p>
-            <a:pPr algn="ctr"/>
-            <a:endParaRPr lang="zh-CN" altLang="en-US"/>
-          </a:p>
-        </p:txBody>
-      </p:sp>
-      <p:sp>
-        <p:nvSpPr>
-          <p:cNvPr id="23" name="TextBox 22"/>
-          <p:cNvSpPr txBox="1"/>
-          <p:nvPr/>
-        </p:nvSpPr>
-        <p:spPr>
-          <a:xfrm>
-            <a:off x="4912000" y="3621295"/>
-            <a:ext cx="1088760" cy="307777"/>
-          </a:xfrm>
-          <a:prstGeom prst="rect">
-            <a:avLst/>
-          </a:prstGeom>
-          <a:noFill/>
-        </p:spPr>
-        <p:txBody>
-          <a:bodyPr wrap="none" rtlCol="0">
-            <a:spAutoFit/>
-          </a:bodyPr>
-          <a:lstStyle/>
-          <a:p>
-            <a:r>
-              <a:rPr lang="en-US" altLang="zh-CN" sz="1400" dirty="0" smtClean="0"/>
-              <a:t>Render html</a:t>
-            </a:r>
-            <a:endParaRPr lang="zh-CN" altLang="en-US" sz="1400" dirty="0"/>
-          </a:p>
-        </p:txBody>
-      </p:sp>
-    </p:spTree>
-  </p:cSld>
-  <p:clrMapOvr>
-    <a:masterClrMapping/>
-  </p:clrMapOvr>
-  <p:timing>
-    <p:tnLst>
-      <p:par>
-        <p:cTn id="1" dur="indefinite" restart="never" nodeType="tmRoot">
-          <p:childTnLst>
-            <p:seq concurrent="1" nextAc="seek">
-              <p:cTn id="2" dur="indefinite" nodeType="mainSeq">
-                <p:childTnLst>
-                  <p:par>
-                    <p:cTn id="3" fill="hold">
-                      <p:stCondLst>
-                        <p:cond delay="indefinite"/>
-                      </p:stCondLst>
-                      <p:childTnLst>
-                        <p:par>
-                          <p:cTn id="4" fill="hold">
-                            <p:stCondLst>
-                              <p:cond delay="0"/>
-                            </p:stCondLst>
-                            <p:childTnLst>
-                              <p:par>
-                                <p:cTn id="5" presetID="2" presetClass="entr" presetSubtype="4" fill="hold" grpId="0" nodeType="clickEffect">
-                                  <p:stCondLst>
-                                    <p:cond delay="0"/>
-                                  </p:stCondLst>
-                                  <p:childTnLst>
-                                    <p:set>
-                                      <p:cBhvr>
-                                        <p:cTn id="6" dur="1" fill="hold">
-                                          <p:stCondLst>
-                                            <p:cond delay="0"/>
-                                          </p:stCondLst>
-                                        </p:cTn>
-                                        <p:tgtEl>
-                                          <p:spTgt spid="17"/>
-                                        </p:tgtEl>
-                                        <p:attrNameLst>
-                                          <p:attrName>style.visibility</p:attrName>
-                                        </p:attrNameLst>
-                                      </p:cBhvr>
-                                      <p:to>
-                                        <p:strVal val="visible"/>
-                                      </p:to>
-                                    </p:set>
-                                    <p:anim calcmode="lin" valueType="num">
-                                      <p:cBhvr additive="base">
-                                        <p:cTn id="7" dur="500" fill="hold"/>
-                                        <p:tgtEl>
-                                          <p:spTgt spid="17"/>
-                                        </p:tgtEl>
-                                        <p:attrNameLst>
-                                          <p:attrName>ppt_x</p:attrName>
-                                        </p:attrNameLst>
-                                      </p:cBhvr>
-                                      <p:tavLst>
-                                        <p:tav tm="0">
-                                          <p:val>
-                                            <p:strVal val="#ppt_x"/>
-                                          </p:val>
-                                        </p:tav>
-                                        <p:tav tm="100000">
-                                          <p:val>
-                                            <p:strVal val="#ppt_x"/>
-                                          </p:val>
-                                        </p:tav>
-                                      </p:tavLst>
-                                    </p:anim>
-                                    <p:anim calcmode="lin" valueType="num">
-                                      <p:cBhvr additive="base">
-                                        <p:cTn id="8" dur="500" fill="hold"/>
-                                        <p:tgtEl>
-                                          <p:spTgt spid="17"/>
-                                        </p:tgtEl>
-                                        <p:attrNameLst>
-                                          <p:attrName>ppt_y</p:attrName>
-                                        </p:attrNameLst>
-                                      </p:cBhvr>
-                                      <p:tavLst>
-                                        <p:tav tm="0">
-                                          <p:val>
-                                            <p:strVal val="1+#ppt_h/2"/>
-                                          </p:val>
-                                        </p:tav>
-                                        <p:tav tm="100000">
-                                          <p:val>
-                                            <p:strVal val="#ppt_y"/>
-                                          </p:val>
-                                        </p:tav>
-                                      </p:tavLst>
-                                    </p:anim>
-                                  </p:childTnLst>
-                                </p:cTn>
-                              </p:par>
-                              <p:par>
-                                <p:cTn id="9" presetID="2" presetClass="entr" presetSubtype="4" fill="hold" grpId="0" nodeType="withEffect">
-                                  <p:stCondLst>
-                                    <p:cond delay="0"/>
-                                  </p:stCondLst>
-                                  <p:childTnLst>
-                                    <p:set>
-                                      <p:cBhvr>
-                                        <p:cTn id="10" dur="1" fill="hold">
-                                          <p:stCondLst>
-                                            <p:cond delay="0"/>
-                                          </p:stCondLst>
-                                        </p:cTn>
-                                        <p:tgtEl>
-                                          <p:spTgt spid="18"/>
-                                        </p:tgtEl>
-                                        <p:attrNameLst>
-                                          <p:attrName>style.visibility</p:attrName>
-                                        </p:attrNameLst>
-                                      </p:cBhvr>
-                                      <p:to>
-                                        <p:strVal val="visible"/>
-                                      </p:to>
-                                    </p:set>
-                                    <p:anim calcmode="lin" valueType="num">
-                                      <p:cBhvr additive="base">
-                                        <p:cTn id="11" dur="500" fill="hold"/>
-                                        <p:tgtEl>
-                                          <p:spTgt spid="18"/>
-                                        </p:tgtEl>
-                                        <p:attrNameLst>
-                                          <p:attrName>ppt_x</p:attrName>
-                                        </p:attrNameLst>
-                                      </p:cBhvr>
-                                      <p:tavLst>
-                                        <p:tav tm="0">
-                                          <p:val>
-                                            <p:strVal val="#ppt_x"/>
-                                          </p:val>
-                                        </p:tav>
-                                        <p:tav tm="100000">
-                                          <p:val>
-                                            <p:strVal val="#ppt_x"/>
-                                          </p:val>
-                                        </p:tav>
-                                      </p:tavLst>
-                                    </p:anim>
-                                    <p:anim calcmode="lin" valueType="num">
-                                      <p:cBhvr additive="base">
-                                        <p:cTn id="12" dur="500" fill="hold"/>
-                                        <p:tgtEl>
-                                          <p:spTgt spid="18"/>
-                                        </p:tgtEl>
-                                        <p:attrNameLst>
-                                          <p:attrName>ppt_y</p:attrName>
-                                        </p:attrNameLst>
-                                      </p:cBhvr>
-                                      <p:tavLst>
-                                        <p:tav tm="0">
-                                          <p:val>
-                                            <p:strVal val="1+#ppt_h/2"/>
-                                          </p:val>
-                                        </p:tav>
-                                        <p:tav tm="100000">
-                                          <p:val>
-                                            <p:strVal val="#ppt_y"/>
-                                          </p:val>
-                                        </p:tav>
-                                      </p:tavLst>
-                                    </p:anim>
-                                  </p:childTnLst>
-                                </p:cTn>
-                              </p:par>
-                            </p:childTnLst>
-                          </p:cTn>
-                        </p:par>
-                      </p:childTnLst>
-                    </p:cTn>
-                  </p:par>
-                  <p:par>
-                    <p:cTn id="13" fill="hold">
-                      <p:stCondLst>
-                        <p:cond delay="indefinite"/>
-                      </p:stCondLst>
-                      <p:childTnLst>
-                        <p:par>
-                          <p:cTn id="14" fill="hold">
-                            <p:stCondLst>
-                              <p:cond delay="0"/>
-                            </p:stCondLst>
-                            <p:childTnLst>
-                              <p:par>
-                                <p:cTn id="15" presetID="2" presetClass="entr" presetSubtype="4" fill="hold" grpId="0" nodeType="clickEffect">
-                                  <p:stCondLst>
-                                    <p:cond delay="0"/>
-                                  </p:stCondLst>
-                                  <p:childTnLst>
-                                    <p:set>
-                                      <p:cBhvr>
-                                        <p:cTn id="16" dur="1" fill="hold">
-                                          <p:stCondLst>
-                                            <p:cond delay="0"/>
-                                          </p:stCondLst>
-                                        </p:cTn>
-                                        <p:tgtEl>
-                                          <p:spTgt spid="19"/>
-                                        </p:tgtEl>
-                                        <p:attrNameLst>
-                                          <p:attrName>style.visibility</p:attrName>
-                                        </p:attrNameLst>
-                                      </p:cBhvr>
-                                      <p:to>
-                                        <p:strVal val="visible"/>
-                                      </p:to>
-                                    </p:set>
-                                    <p:anim calcmode="lin" valueType="num">
-                                      <p:cBhvr additive="base">
-                                        <p:cTn id="17" dur="500" fill="hold"/>
-                                        <p:tgtEl>
-                                          <p:spTgt spid="19"/>
-                                        </p:tgtEl>
-                                        <p:attrNameLst>
-                                          <p:attrName>ppt_x</p:attrName>
-                                        </p:attrNameLst>
-                                      </p:cBhvr>
-                                      <p:tavLst>
-                                        <p:tav tm="0">
-                                          <p:val>
-                                            <p:strVal val="#ppt_x"/>
-                                          </p:val>
-                                        </p:tav>
-                                        <p:tav tm="100000">
-                                          <p:val>
-                                            <p:strVal val="#ppt_x"/>
-                                          </p:val>
-                                        </p:tav>
-                                      </p:tavLst>
-                                    </p:anim>
-                                    <p:anim calcmode="lin" valueType="num">
-                                      <p:cBhvr additive="base">
-                                        <p:cTn id="18" dur="500" fill="hold"/>
-                                        <p:tgtEl>
-                                          <p:spTgt spid="19"/>
-                                        </p:tgtEl>
-                                        <p:attrNameLst>
-                                          <p:attrName>ppt_y</p:attrName>
-                                        </p:attrNameLst>
-                                      </p:cBhvr>
-                                      <p:tavLst>
-                                        <p:tav tm="0">
-                                          <p:val>
-                                            <p:strVal val="1+#ppt_h/2"/>
-                                          </p:val>
-                                        </p:tav>
-                                        <p:tav tm="100000">
-                                          <p:val>
-                                            <p:strVal val="#ppt_y"/>
-                                          </p:val>
-                                        </p:tav>
-                                      </p:tavLst>
-                                    </p:anim>
-                                  </p:childTnLst>
-                                </p:cTn>
-                              </p:par>
-                              <p:par>
-                                <p:cTn id="19" presetID="2" presetClass="entr" presetSubtype="4" fill="hold" grpId="0" nodeType="withEffect">
-                                  <p:stCondLst>
-                                    <p:cond delay="0"/>
-                                  </p:stCondLst>
-                                  <p:childTnLst>
-                                    <p:set>
-                                      <p:cBhvr>
-                                        <p:cTn id="20" dur="1" fill="hold">
-                                          <p:stCondLst>
-                                            <p:cond delay="0"/>
-                                          </p:stCondLst>
-                                        </p:cTn>
-                                        <p:tgtEl>
-                                          <p:spTgt spid="20"/>
-                                        </p:tgtEl>
-                                        <p:attrNameLst>
-                                          <p:attrName>style.visibility</p:attrName>
-                                        </p:attrNameLst>
-                                      </p:cBhvr>
-                                      <p:to>
-                                        <p:strVal val="visible"/>
-                                      </p:to>
-                                    </p:set>
-                                    <p:anim calcmode="lin" valueType="num">
-                                      <p:cBhvr additive="base">
-                                        <p:cTn id="21" dur="500" fill="hold"/>
-                                        <p:tgtEl>
-                                          <p:spTgt spid="20"/>
-                                        </p:tgtEl>
-                                        <p:attrNameLst>
-                                          <p:attrName>ppt_x</p:attrName>
-                                        </p:attrNameLst>
-                                      </p:cBhvr>
-                                      <p:tavLst>
-                                        <p:tav tm="0">
-                                          <p:val>
-                                            <p:strVal val="#ppt_x"/>
-                                          </p:val>
-                                        </p:tav>
-                                        <p:tav tm="100000">
-                                          <p:val>
-                                            <p:strVal val="#ppt_x"/>
-                                          </p:val>
-                                        </p:tav>
-                                      </p:tavLst>
-                                    </p:anim>
-                                    <p:anim calcmode="lin" valueType="num">
-                                      <p:cBhvr additive="base">
-                                        <p:cTn id="22" dur="500" fill="hold"/>
-                                        <p:tgtEl>
-                                          <p:spTgt spid="20"/>
-                                        </p:tgtEl>
-                                        <p:attrNameLst>
-                                          <p:attrName>ppt_y</p:attrName>
-                                        </p:attrNameLst>
-                                      </p:cBhvr>
-                                      <p:tavLst>
-                                        <p:tav tm="0">
-                                          <p:val>
-                                            <p:strVal val="1+#ppt_h/2"/>
-                                          </p:val>
-                                        </p:tav>
-                                        <p:tav tm="100000">
-                                          <p:val>
-                                            <p:strVal val="#ppt_y"/>
-                                          </p:val>
-                                        </p:tav>
-                                      </p:tavLst>
-                                    </p:anim>
-                                  </p:childTnLst>
-                                </p:cTn>
-                              </p:par>
-                            </p:childTnLst>
-                          </p:cTn>
-                        </p:par>
-                      </p:childTnLst>
-                    </p:cTn>
-                  </p:par>
-                  <p:par>
-                    <p:cTn id="23" fill="hold">
-                      <p:stCondLst>
-                        <p:cond delay="indefinite"/>
-                      </p:stCondLst>
-                      <p:childTnLst>
-                        <p:par>
-                          <p:cTn id="24" fill="hold">
-                            <p:stCondLst>
-                              <p:cond delay="0"/>
-                            </p:stCondLst>
-                            <p:childTnLst>
-                              <p:par>
-                                <p:cTn id="25" presetID="2" presetClass="entr" presetSubtype="4" fill="hold" grpId="0" nodeType="clickEffect">
-                                  <p:stCondLst>
-                                    <p:cond delay="0"/>
-                                  </p:stCondLst>
-                                  <p:childTnLst>
-                                    <p:set>
-                                      <p:cBhvr>
-                                        <p:cTn id="26" dur="1" fill="hold">
-                                          <p:stCondLst>
-                                            <p:cond delay="0"/>
-                                          </p:stCondLst>
-                                        </p:cTn>
-                                        <p:tgtEl>
-                                          <p:spTgt spid="21"/>
-                                        </p:tgtEl>
-                                        <p:attrNameLst>
-                                          <p:attrName>style.visibility</p:attrName>
-                                        </p:attrNameLst>
-                                      </p:cBhvr>
-                                      <p:to>
-                                        <p:strVal val="visible"/>
-                                      </p:to>
-                                    </p:set>
-                                    <p:anim calcmode="lin" valueType="num">
-                                      <p:cBhvr additive="base">
-                                        <p:cTn id="27" dur="500" fill="hold"/>
-                                        <p:tgtEl>
-                                          <p:spTgt spid="21"/>
-                                        </p:tgtEl>
-                                        <p:attrNameLst>
-                                          <p:attrName>ppt_x</p:attrName>
-                                        </p:attrNameLst>
-                                      </p:cBhvr>
-                                      <p:tavLst>
-                                        <p:tav tm="0">
-                                          <p:val>
-                                            <p:strVal val="#ppt_x"/>
-                                          </p:val>
-                                        </p:tav>
-                                        <p:tav tm="100000">
-                                          <p:val>
-                                            <p:strVal val="#ppt_x"/>
-                                          </p:val>
-                                        </p:tav>
-                                      </p:tavLst>
-                                    </p:anim>
-                                    <p:anim calcmode="lin" valueType="num">
-                                      <p:cBhvr additive="base">
-                                        <p:cTn id="28" dur="500" fill="hold"/>
-                                        <p:tgtEl>
-                                          <p:spTgt spid="21"/>
-                                        </p:tgtEl>
-                                        <p:attrNameLst>
-                                          <p:attrName>ppt_y</p:attrName>
-                                        </p:attrNameLst>
-                                      </p:cBhvr>
-                                      <p:tavLst>
-                                        <p:tav tm="0">
-                                          <p:val>
-                                            <p:strVal val="1+#ppt_h/2"/>
-                                          </p:val>
-                                        </p:tav>
-                                        <p:tav tm="100000">
-                                          <p:val>
-                                            <p:strVal val="#ppt_y"/>
-                                          </p:val>
-                                        </p:tav>
-                                      </p:tavLst>
-                                    </p:anim>
-                                  </p:childTnLst>
-                                </p:cTn>
-                              </p:par>
-                              <p:par>
-                                <p:cTn id="29" presetID="2" presetClass="entr" presetSubtype="4" fill="hold" grpId="0" nodeType="withEffect">
-                                  <p:stCondLst>
-                                    <p:cond delay="0"/>
-                                  </p:stCondLst>
-                                  <p:childTnLst>
-                                    <p:set>
-                                      <p:cBhvr>
-                                        <p:cTn id="30" dur="1" fill="hold">
-                                          <p:stCondLst>
-                                            <p:cond delay="0"/>
-                                          </p:stCondLst>
-                                        </p:cTn>
-                                        <p:tgtEl>
-                                          <p:spTgt spid="23"/>
-                                        </p:tgtEl>
-                                        <p:attrNameLst>
-                                          <p:attrName>style.visibility</p:attrName>
-                                        </p:attrNameLst>
-                                      </p:cBhvr>
-                                      <p:to>
-                                        <p:strVal val="visible"/>
-                                      </p:to>
-                                    </p:set>
-                                    <p:anim calcmode="lin" valueType="num">
-                                      <p:cBhvr additive="base">
-                                        <p:cTn id="31" dur="500" fill="hold"/>
-                                        <p:tgtEl>
-                                          <p:spTgt spid="23"/>
-                                        </p:tgtEl>
-                                        <p:attrNameLst>
-                                          <p:attrName>ppt_x</p:attrName>
-                                        </p:attrNameLst>
-                                      </p:cBhvr>
-                                      <p:tavLst>
-                                        <p:tav tm="0">
-                                          <p:val>
-                                            <p:strVal val="#ppt_x"/>
-                                          </p:val>
-                                        </p:tav>
-                                        <p:tav tm="100000">
-                                          <p:val>
-                                            <p:strVal val="#ppt_x"/>
-                                          </p:val>
-                                        </p:tav>
-                                      </p:tavLst>
-                                    </p:anim>
-                                    <p:anim calcmode="lin" valueType="num">
-                                      <p:cBhvr additive="base">
-                                        <p:cTn id="32" dur="500" fill="hold"/>
-                                        <p:tgtEl>
-                                          <p:spTgt spid="23"/>
-                                        </p:tgtEl>
-                                        <p:attrNameLst>
-                                          <p:attrName>ppt_y</p:attrName>
-                                        </p:attrNameLst>
-                                      </p:cBhvr>
-                                      <p:tavLst>
-                                        <p:tav tm="0">
-                                          <p:val>
-                                            <p:strVal val="1+#ppt_h/2"/>
-                                          </p:val>
-                                        </p:tav>
-                                        <p:tav tm="100000">
-                                          <p:val>
-                                            <p:strVal val="#ppt_y"/>
-                                          </p:val>
-                                        </p:tav>
-                                      </p:tavLst>
-                                    </p:anim>
-                                  </p:childTnLst>
-                                </p:cTn>
-                              </p:par>
-                            </p:childTnLst>
-                          </p:cTn>
-                        </p:par>
-                      </p:childTnLst>
-                    </p:cTn>
-                  </p:par>
-                </p:childTnLst>
-              </p:cTn>
-              <p:prevCondLst>
-                <p:cond evt="onPrev" delay="0">
-                  <p:tgtEl>
-                    <p:sldTgt/>
-                  </p:tgtEl>
-                </p:cond>
-              </p:prevCondLst>
-              <p:nextCondLst>
-                <p:cond evt="onNext" delay="0">
-                  <p:tgtEl>
-                    <p:sldTgt/>
-                  </p:tgtEl>
-                </p:cond>
-              </p:nextCondLst>
-            </p:seq>
-          </p:childTnLst>
-        </p:cTn>
-      </p:par>
-    </p:tnLst>
-    <p:bldLst>
-      <p:bldP spid="17" grpId="0" animBg="1"/>
-      <p:bldP spid="18" grpId="0"/>
-      <p:bldP spid="19" grpId="0" animBg="1"/>
-      <p:bldP spid="20" grpId="0"/>
-      <p:bldP spid="21" grpId="0" animBg="1"/>
-      <p:bldP spid="23" grpId="0"/>
-    </p:bldLst>
-  </p:timing>
-</p:sld>
-</file>
-
-<file path=ppt/slides/slide30.xml><?xml version="1.0" encoding="utf-8"?>
+<file path=ppt/slides/slide32.xml><?xml version="1.0" encoding="utf-8"?>
 <p:sld xmlns:a="http://schemas.openxmlformats.org/drawingml/2006/main" xmlns:r="http://schemas.openxmlformats.org/officeDocument/2006/relationships" xmlns:p="http://schemas.openxmlformats.org/presentationml/2006/main">
   <p:cSld>
     <p:spTree>
@@ -14071,7 +15841,7 @@
 </p:sld>
 </file>
 
-<file path=ppt/slides/slide31.xml><?xml version="1.0" encoding="utf-8"?>
+<file path=ppt/slides/slide33.xml><?xml version="1.0" encoding="utf-8"?>
 <p:sld xmlns:a="http://schemas.openxmlformats.org/drawingml/2006/main" xmlns:r="http://schemas.openxmlformats.org/officeDocument/2006/relationships" xmlns:p="http://schemas.openxmlformats.org/presentationml/2006/main">
   <p:cSld>
     <p:spTree>
@@ -14711,7 +16481,7 @@
 </p:sld>
 </file>
 
-<file path=ppt/slides/slide32.xml><?xml version="1.0" encoding="utf-8"?>
+<file path=ppt/slides/slide34.xml><?xml version="1.0" encoding="utf-8"?>
 <p:sld xmlns:a="http://schemas.openxmlformats.org/drawingml/2006/main" xmlns:r="http://schemas.openxmlformats.org/officeDocument/2006/relationships" xmlns:p="http://schemas.openxmlformats.org/presentationml/2006/main">
   <p:cSld>
     <p:spTree>
@@ -14940,7 +16710,7 @@
 </p:sld>
 </file>
 
-<file path=ppt/slides/slide33.xml><?xml version="1.0" encoding="utf-8"?>
+<file path=ppt/slides/slide35.xml><?xml version="1.0" encoding="utf-8"?>
 <p:sld xmlns:a="http://schemas.openxmlformats.org/drawingml/2006/main" xmlns:r="http://schemas.openxmlformats.org/officeDocument/2006/relationships" xmlns:p="http://schemas.openxmlformats.org/presentationml/2006/main">
   <p:cSld>
     <p:spTree>
@@ -15048,7 +16818,7 @@
 </p:sld>
 </file>
 
-<file path=ppt/slides/slide34.xml><?xml version="1.0" encoding="utf-8"?>
+<file path=ppt/slides/slide36.xml><?xml version="1.0" encoding="utf-8"?>
 <p:sld xmlns:a="http://schemas.openxmlformats.org/drawingml/2006/main" xmlns:r="http://schemas.openxmlformats.org/officeDocument/2006/relationships" xmlns:p="http://schemas.openxmlformats.org/presentationml/2006/main">
   <p:cSld>
     <p:spTree>
@@ -15158,7 +16928,7 @@
 </p:sld>
 </file>
 
-<file path=ppt/slides/slide35.xml><?xml version="1.0" encoding="utf-8"?>
+<file path=ppt/slides/slide37.xml><?xml version="1.0" encoding="utf-8"?>
 <p:sld xmlns:a="http://schemas.openxmlformats.org/drawingml/2006/main" xmlns:r="http://schemas.openxmlformats.org/officeDocument/2006/relationships" xmlns:p="http://schemas.openxmlformats.org/presentationml/2006/main">
   <p:cSld>
     <p:spTree>
@@ -15407,7 +17177,7 @@
 </p:sld>
 </file>
 
-<file path=ppt/slides/slide36.xml><?xml version="1.0" encoding="utf-8"?>
+<file path=ppt/slides/slide38.xml><?xml version="1.0" encoding="utf-8"?>
 <p:sld xmlns:a="http://schemas.openxmlformats.org/drawingml/2006/main" xmlns:r="http://schemas.openxmlformats.org/officeDocument/2006/relationships" xmlns:p="http://schemas.openxmlformats.org/presentationml/2006/main">
   <p:cSld>
     <p:spTree>
@@ -15508,7 +17278,7 @@
 </p:sld>
 </file>
 
-<file path=ppt/slides/slide37.xml><?xml version="1.0" encoding="utf-8"?>
+<file path=ppt/slides/slide39.xml><?xml version="1.0" encoding="utf-8"?>
 <p:sld xmlns:a="http://schemas.openxmlformats.org/drawingml/2006/main" xmlns:r="http://schemas.openxmlformats.org/officeDocument/2006/relationships" xmlns:p="http://schemas.openxmlformats.org/presentationml/2006/main">
   <p:cSld>
     <p:spTree>
@@ -16008,7 +17778,7 @@
 </p:sld>
 </file>
 
-<file path=ppt/slides/slide38.xml><?xml version="1.0" encoding="utf-8"?>
+<file path=ppt/slides/slide4.xml><?xml version="1.0" encoding="utf-8"?>
 <p:sld xmlns:a="http://schemas.openxmlformats.org/drawingml/2006/main" xmlns:r="http://schemas.openxmlformats.org/officeDocument/2006/relationships" xmlns:p="http://schemas.openxmlformats.org/presentationml/2006/main">
   <p:cSld>
     <p:spTree>
@@ -16042,6 +17812,775 @@
           <a:p>
             <a:pPr algn="l"/>
             <a:r>
+              <a:rPr lang="en-US" altLang="zh-CN" dirty="0" smtClean="0"/>
+              <a:t>Basic concepts</a:t>
+            </a:r>
+            <a:endParaRPr lang="zh-CN" altLang="en-US" dirty="0"/>
+          </a:p>
+        </p:txBody>
+      </p:sp>
+      <p:pic>
+        <p:nvPicPr>
+          <p:cNvPr id="1031" name="Picture 7"/>
+          <p:cNvPicPr>
+            <a:picLocks noChangeAspect="1" noChangeArrowheads="1"/>
+          </p:cNvPicPr>
+          <p:nvPr/>
+        </p:nvPicPr>
+        <p:blipFill>
+          <a:blip r:embed="rId2"/>
+          <a:srcRect/>
+          <a:stretch>
+            <a:fillRect/>
+          </a:stretch>
+        </p:blipFill>
+        <p:spPr bwMode="auto">
+          <a:xfrm>
+            <a:off x="3000364" y="1184290"/>
+            <a:ext cx="4411663" cy="3459162"/>
+          </a:xfrm>
+          <a:prstGeom prst="rect">
+            <a:avLst/>
+          </a:prstGeom>
+          <a:noFill/>
+          <a:ln w="9525">
+            <a:noFill/>
+            <a:miter lim="800000"/>
+            <a:headEnd/>
+            <a:tailEnd/>
+          </a:ln>
+          <a:effectLst/>
+        </p:spPr>
+      </p:pic>
+      <p:pic>
+        <p:nvPicPr>
+          <p:cNvPr id="1032" name="Picture 8"/>
+          <p:cNvPicPr>
+            <a:picLocks noGrp="1" noChangeAspect="1" noChangeArrowheads="1"/>
+          </p:cNvPicPr>
+          <p:nvPr>
+            <p:ph idx="1"/>
+          </p:nvPr>
+        </p:nvPicPr>
+        <p:blipFill>
+          <a:blip r:embed="rId3"/>
+          <a:srcRect/>
+          <a:stretch>
+            <a:fillRect/>
+          </a:stretch>
+        </p:blipFill>
+        <p:spPr bwMode="auto">
+          <a:xfrm>
+            <a:off x="1000100" y="2112984"/>
+            <a:ext cx="582000" cy="1208000"/>
+          </a:xfrm>
+          <a:prstGeom prst="rect">
+            <a:avLst/>
+          </a:prstGeom>
+          <a:noFill/>
+          <a:ln w="9525">
+            <a:noFill/>
+            <a:miter lim="800000"/>
+            <a:headEnd/>
+            <a:tailEnd/>
+          </a:ln>
+          <a:effectLst/>
+        </p:spPr>
+      </p:pic>
+      <p:grpSp>
+        <p:nvGrpSpPr>
+          <p:cNvPr id="3" name="组合 18"/>
+          <p:cNvGrpSpPr/>
+          <p:nvPr/>
+        </p:nvGrpSpPr>
+        <p:grpSpPr>
+          <a:xfrm>
+            <a:off x="1571604" y="2184422"/>
+            <a:ext cx="1643074" cy="276999"/>
+            <a:chOff x="2143108" y="2143122"/>
+            <a:chExt cx="1643074" cy="276999"/>
+          </a:xfrm>
+        </p:grpSpPr>
+        <p:cxnSp>
+          <p:nvCxnSpPr>
+            <p:cNvPr id="12" name="直接箭头连接符 11"/>
+            <p:cNvCxnSpPr/>
+            <p:nvPr/>
+          </p:nvCxnSpPr>
+          <p:spPr>
+            <a:xfrm>
+              <a:off x="2143108" y="2357436"/>
+              <a:ext cx="1643074" cy="1588"/>
+            </a:xfrm>
+            <a:prstGeom prst="straightConnector1">
+              <a:avLst/>
+            </a:prstGeom>
+            <a:ln w="15875">
+              <a:tailEnd type="arrow"/>
+            </a:ln>
+          </p:spPr>
+          <p:style>
+            <a:lnRef idx="1">
+              <a:schemeClr val="accent1"/>
+            </a:lnRef>
+            <a:fillRef idx="0">
+              <a:schemeClr val="accent1"/>
+            </a:fillRef>
+            <a:effectRef idx="0">
+              <a:schemeClr val="accent1"/>
+            </a:effectRef>
+            <a:fontRef idx="minor">
+              <a:schemeClr val="tx1"/>
+            </a:fontRef>
+          </p:style>
+        </p:cxnSp>
+        <p:sp>
+          <p:nvSpPr>
+            <p:cNvPr id="18" name="TextBox 17"/>
+            <p:cNvSpPr txBox="1"/>
+            <p:nvPr/>
+          </p:nvSpPr>
+          <p:spPr>
+            <a:xfrm>
+              <a:off x="2357422" y="2143122"/>
+              <a:ext cx="954749" cy="276999"/>
+            </a:xfrm>
+            <a:prstGeom prst="rect">
+              <a:avLst/>
+            </a:prstGeom>
+            <a:noFill/>
+          </p:spPr>
+          <p:txBody>
+            <a:bodyPr wrap="none" rtlCol="0">
+              <a:spAutoFit/>
+            </a:bodyPr>
+            <a:lstStyle/>
+            <a:p>
+              <a:r>
+                <a:rPr lang="en-US" altLang="zh-CN" sz="1200" dirty="0" smtClean="0"/>
+                <a:t>http request</a:t>
+              </a:r>
+              <a:endParaRPr lang="zh-CN" altLang="en-US" sz="1200" dirty="0"/>
+            </a:p>
+          </p:txBody>
+        </p:sp>
+      </p:grpSp>
+      <p:grpSp>
+        <p:nvGrpSpPr>
+          <p:cNvPr id="4" name="组合 22"/>
+          <p:cNvGrpSpPr/>
+          <p:nvPr/>
+        </p:nvGrpSpPr>
+        <p:grpSpPr>
+          <a:xfrm>
+            <a:off x="4857752" y="2327298"/>
+            <a:ext cx="1143008" cy="276999"/>
+            <a:chOff x="2143108" y="2143122"/>
+            <a:chExt cx="1643074" cy="276999"/>
+          </a:xfrm>
+        </p:grpSpPr>
+        <p:cxnSp>
+          <p:nvCxnSpPr>
+            <p:cNvPr id="24" name="直接箭头连接符 23"/>
+            <p:cNvCxnSpPr/>
+            <p:nvPr/>
+          </p:nvCxnSpPr>
+          <p:spPr>
+            <a:xfrm>
+              <a:off x="2143108" y="2357436"/>
+              <a:ext cx="1643074" cy="1588"/>
+            </a:xfrm>
+            <a:prstGeom prst="straightConnector1">
+              <a:avLst/>
+            </a:prstGeom>
+            <a:ln w="15875">
+              <a:headEnd type="triangle"/>
+              <a:tailEnd type="triangle"/>
+            </a:ln>
+          </p:spPr>
+          <p:style>
+            <a:lnRef idx="1">
+              <a:schemeClr val="accent1"/>
+            </a:lnRef>
+            <a:fillRef idx="0">
+              <a:schemeClr val="accent1"/>
+            </a:fillRef>
+            <a:effectRef idx="0">
+              <a:schemeClr val="accent1"/>
+            </a:effectRef>
+            <a:fontRef idx="minor">
+              <a:schemeClr val="tx1"/>
+            </a:fontRef>
+          </p:style>
+        </p:cxnSp>
+        <p:sp>
+          <p:nvSpPr>
+            <p:cNvPr id="25" name="TextBox 24"/>
+            <p:cNvSpPr txBox="1"/>
+            <p:nvPr/>
+          </p:nvSpPr>
+          <p:spPr>
+            <a:xfrm>
+              <a:off x="2756393" y="2143122"/>
+              <a:ext cx="721713" cy="276999"/>
+            </a:xfrm>
+            <a:prstGeom prst="rect">
+              <a:avLst/>
+            </a:prstGeom>
+            <a:noFill/>
+          </p:spPr>
+          <p:txBody>
+            <a:bodyPr wrap="none" rtlCol="0">
+              <a:spAutoFit/>
+            </a:bodyPr>
+            <a:lstStyle/>
+            <a:p>
+              <a:r>
+                <a:rPr lang="en-US" altLang="zh-CN" sz="1200" dirty="0" smtClean="0"/>
+                <a:t>ORM</a:t>
+              </a:r>
+              <a:endParaRPr lang="zh-CN" altLang="en-US" sz="1200" dirty="0"/>
+            </a:p>
+          </p:txBody>
+        </p:sp>
+      </p:grpSp>
+      <p:cxnSp>
+        <p:nvCxnSpPr>
+          <p:cNvPr id="27" name="直接箭头连接符 26"/>
+          <p:cNvCxnSpPr/>
+          <p:nvPr/>
+        </p:nvCxnSpPr>
+        <p:spPr>
+          <a:xfrm rot="5400000">
+            <a:off x="4036215" y="3077397"/>
+            <a:ext cx="357190" cy="1588"/>
+          </a:xfrm>
+          <a:prstGeom prst="straightConnector1">
+            <a:avLst/>
+          </a:prstGeom>
+          <a:ln w="15875">
+            <a:headEnd type="triangle"/>
+            <a:tailEnd type="arrow"/>
+          </a:ln>
+        </p:spPr>
+        <p:style>
+          <a:lnRef idx="1">
+            <a:schemeClr val="accent1"/>
+          </a:lnRef>
+          <a:fillRef idx="0">
+            <a:schemeClr val="accent1"/>
+          </a:fillRef>
+          <a:effectRef idx="0">
+            <a:schemeClr val="accent1"/>
+          </a:effectRef>
+          <a:fontRef idx="minor">
+            <a:schemeClr val="tx1"/>
+          </a:fontRef>
+        </p:style>
+      </p:cxnSp>
+      <p:grpSp>
+        <p:nvGrpSpPr>
+          <p:cNvPr id="5" name="组合 32"/>
+          <p:cNvGrpSpPr/>
+          <p:nvPr/>
+        </p:nvGrpSpPr>
+        <p:grpSpPr>
+          <a:xfrm>
+            <a:off x="1571604" y="2693241"/>
+            <a:ext cx="1643074" cy="276999"/>
+            <a:chOff x="2143108" y="2651941"/>
+            <a:chExt cx="1643074" cy="276999"/>
+          </a:xfrm>
+        </p:grpSpPr>
+        <p:cxnSp>
+          <p:nvCxnSpPr>
+            <p:cNvPr id="29" name="直接箭头连接符 28"/>
+            <p:cNvCxnSpPr/>
+            <p:nvPr/>
+          </p:nvCxnSpPr>
+          <p:spPr>
+            <a:xfrm rot="10800000">
+              <a:off x="2143108" y="2857502"/>
+              <a:ext cx="1643074" cy="1588"/>
+            </a:xfrm>
+            <a:prstGeom prst="straightConnector1">
+              <a:avLst/>
+            </a:prstGeom>
+            <a:ln w="15875">
+              <a:tailEnd type="arrow"/>
+            </a:ln>
+          </p:spPr>
+          <p:style>
+            <a:lnRef idx="1">
+              <a:schemeClr val="accent1"/>
+            </a:lnRef>
+            <a:fillRef idx="0">
+              <a:schemeClr val="accent1"/>
+            </a:fillRef>
+            <a:effectRef idx="0">
+              <a:schemeClr val="accent1"/>
+            </a:effectRef>
+            <a:fontRef idx="minor">
+              <a:schemeClr val="tx1"/>
+            </a:fontRef>
+          </p:style>
+        </p:cxnSp>
+        <p:sp>
+          <p:nvSpPr>
+            <p:cNvPr id="31" name="TextBox 30"/>
+            <p:cNvSpPr txBox="1"/>
+            <p:nvPr/>
+          </p:nvSpPr>
+          <p:spPr>
+            <a:xfrm>
+              <a:off x="2357422" y="2651941"/>
+              <a:ext cx="1047851" cy="276999"/>
+            </a:xfrm>
+            <a:prstGeom prst="rect">
+              <a:avLst/>
+            </a:prstGeom>
+            <a:noFill/>
+          </p:spPr>
+          <p:txBody>
+            <a:bodyPr wrap="none" rtlCol="0">
+              <a:spAutoFit/>
+            </a:bodyPr>
+            <a:lstStyle/>
+            <a:p>
+              <a:r>
+                <a:rPr lang="en-US" altLang="zh-CN" sz="1200" dirty="0" smtClean="0"/>
+                <a:t>http response</a:t>
+              </a:r>
+              <a:endParaRPr lang="zh-CN" altLang="en-US" sz="1200" dirty="0"/>
+            </a:p>
+          </p:txBody>
+        </p:sp>
+      </p:grpSp>
+      <p:sp>
+        <p:nvSpPr>
+          <p:cNvPr id="35" name="TextBox 34"/>
+          <p:cNvSpPr txBox="1"/>
+          <p:nvPr/>
+        </p:nvSpPr>
+        <p:spPr>
+          <a:xfrm>
+            <a:off x="3714744" y="2470174"/>
+            <a:ext cx="1017586" cy="338554"/>
+          </a:xfrm>
+          <a:prstGeom prst="rect">
+            <a:avLst/>
+          </a:prstGeom>
+          <a:noFill/>
+        </p:spPr>
+        <p:txBody>
+          <a:bodyPr wrap="none" rtlCol="0">
+            <a:spAutoFit/>
+          </a:bodyPr>
+          <a:lstStyle/>
+          <a:p>
+            <a:r>
+              <a:rPr lang="en-US" altLang="zh-CN" sz="1600" b="1" dirty="0" smtClean="0"/>
+              <a:t>controller</a:t>
+            </a:r>
+            <a:endParaRPr lang="zh-CN" altLang="en-US" sz="1600" b="1" dirty="0"/>
+          </a:p>
+        </p:txBody>
+      </p:sp>
+      <p:sp>
+        <p:nvSpPr>
+          <p:cNvPr id="16" name="TextBox 15"/>
+          <p:cNvSpPr txBox="1"/>
+          <p:nvPr/>
+        </p:nvSpPr>
+        <p:spPr>
+          <a:xfrm>
+            <a:off x="6143636" y="2458032"/>
+            <a:ext cx="724878" cy="338554"/>
+          </a:xfrm>
+          <a:prstGeom prst="rect">
+            <a:avLst/>
+          </a:prstGeom>
+          <a:noFill/>
+        </p:spPr>
+        <p:txBody>
+          <a:bodyPr wrap="none" rtlCol="0">
+            <a:spAutoFit/>
+          </a:bodyPr>
+          <a:lstStyle/>
+          <a:p>
+            <a:r>
+              <a:rPr lang="en-US" altLang="zh-CN" sz="1600" b="1" dirty="0" smtClean="0"/>
+              <a:t>model</a:t>
+            </a:r>
+            <a:endParaRPr lang="zh-CN" altLang="en-US" sz="1600" b="1" dirty="0"/>
+          </a:p>
+        </p:txBody>
+      </p:sp>
+      <p:sp>
+        <p:nvSpPr>
+          <p:cNvPr id="17" name="TextBox 16"/>
+          <p:cNvSpPr txBox="1"/>
+          <p:nvPr/>
+        </p:nvSpPr>
+        <p:spPr>
+          <a:xfrm>
+            <a:off x="3929058" y="3470306"/>
+            <a:ext cx="585994" cy="338554"/>
+          </a:xfrm>
+          <a:prstGeom prst="rect">
+            <a:avLst/>
+          </a:prstGeom>
+          <a:noFill/>
+        </p:spPr>
+        <p:txBody>
+          <a:bodyPr wrap="none" rtlCol="0">
+            <a:spAutoFit/>
+          </a:bodyPr>
+          <a:lstStyle/>
+          <a:p>
+            <a:r>
+              <a:rPr lang="en-US" altLang="zh-CN" sz="1600" b="1" dirty="0" smtClean="0"/>
+              <a:t>view</a:t>
+            </a:r>
+            <a:endParaRPr lang="zh-CN" altLang="en-US" sz="1600" b="1" dirty="0"/>
+          </a:p>
+        </p:txBody>
+      </p:sp>
+    </p:spTree>
+  </p:cSld>
+  <p:clrMapOvr>
+    <a:masterClrMapping/>
+  </p:clrMapOvr>
+  <p:timing>
+    <p:tnLst>
+      <p:par>
+        <p:cTn id="1" dur="indefinite" restart="never" nodeType="tmRoot">
+          <p:childTnLst>
+            <p:seq concurrent="1" nextAc="seek">
+              <p:cTn id="2" dur="indefinite" nodeType="mainSeq">
+                <p:childTnLst>
+                  <p:par>
+                    <p:cTn id="3" fill="hold">
+                      <p:stCondLst>
+                        <p:cond delay="indefinite"/>
+                      </p:stCondLst>
+                      <p:childTnLst>
+                        <p:par>
+                          <p:cTn id="4" fill="hold">
+                            <p:stCondLst>
+                              <p:cond delay="0"/>
+                            </p:stCondLst>
+                            <p:childTnLst>
+                              <p:par>
+                                <p:cTn id="5" presetID="22" presetClass="entr" presetSubtype="8" fill="hold" nodeType="clickEffect">
+                                  <p:stCondLst>
+                                    <p:cond delay="0"/>
+                                  </p:stCondLst>
+                                  <p:childTnLst>
+                                    <p:set>
+                                      <p:cBhvr>
+                                        <p:cTn id="6" dur="1" fill="hold">
+                                          <p:stCondLst>
+                                            <p:cond delay="0"/>
+                                          </p:stCondLst>
+                                        </p:cTn>
+                                        <p:tgtEl>
+                                          <p:spTgt spid="4"/>
+                                        </p:tgtEl>
+                                        <p:attrNameLst>
+                                          <p:attrName>style.visibility</p:attrName>
+                                        </p:attrNameLst>
+                                      </p:cBhvr>
+                                      <p:to>
+                                        <p:strVal val="visible"/>
+                                      </p:to>
+                                    </p:set>
+                                    <p:animEffect transition="in" filter="wipe(left)">
+                                      <p:cBhvr>
+                                        <p:cTn id="7" dur="500"/>
+                                        <p:tgtEl>
+                                          <p:spTgt spid="4"/>
+                                        </p:tgtEl>
+                                      </p:cBhvr>
+                                    </p:animEffect>
+                                  </p:childTnLst>
+                                </p:cTn>
+                              </p:par>
+                            </p:childTnLst>
+                          </p:cTn>
+                        </p:par>
+                      </p:childTnLst>
+                    </p:cTn>
+                  </p:par>
+                  <p:par>
+                    <p:cTn id="8" fill="hold">
+                      <p:stCondLst>
+                        <p:cond delay="indefinite"/>
+                      </p:stCondLst>
+                      <p:childTnLst>
+                        <p:par>
+                          <p:cTn id="9" fill="hold">
+                            <p:stCondLst>
+                              <p:cond delay="0"/>
+                            </p:stCondLst>
+                            <p:childTnLst>
+                              <p:par>
+                                <p:cTn id="10" presetID="22" presetClass="entr" presetSubtype="1" fill="hold" nodeType="clickEffect">
+                                  <p:stCondLst>
+                                    <p:cond delay="0"/>
+                                  </p:stCondLst>
+                                  <p:childTnLst>
+                                    <p:set>
+                                      <p:cBhvr>
+                                        <p:cTn id="11" dur="1" fill="hold">
+                                          <p:stCondLst>
+                                            <p:cond delay="0"/>
+                                          </p:stCondLst>
+                                        </p:cTn>
+                                        <p:tgtEl>
+                                          <p:spTgt spid="27"/>
+                                        </p:tgtEl>
+                                        <p:attrNameLst>
+                                          <p:attrName>style.visibility</p:attrName>
+                                        </p:attrNameLst>
+                                      </p:cBhvr>
+                                      <p:to>
+                                        <p:strVal val="visible"/>
+                                      </p:to>
+                                    </p:set>
+                                    <p:animEffect transition="in" filter="wipe(up)">
+                                      <p:cBhvr>
+                                        <p:cTn id="12" dur="500"/>
+                                        <p:tgtEl>
+                                          <p:spTgt spid="27"/>
+                                        </p:tgtEl>
+                                      </p:cBhvr>
+                                    </p:animEffect>
+                                  </p:childTnLst>
+                                </p:cTn>
+                              </p:par>
+                            </p:childTnLst>
+                          </p:cTn>
+                        </p:par>
+                      </p:childTnLst>
+                    </p:cTn>
+                  </p:par>
+                  <p:par>
+                    <p:cTn id="13" fill="hold">
+                      <p:stCondLst>
+                        <p:cond delay="indefinite"/>
+                      </p:stCondLst>
+                      <p:childTnLst>
+                        <p:par>
+                          <p:cTn id="14" fill="hold">
+                            <p:stCondLst>
+                              <p:cond delay="0"/>
+                            </p:stCondLst>
+                            <p:childTnLst>
+                              <p:par>
+                                <p:cTn id="15" presetID="22" presetClass="entr" presetSubtype="2" fill="hold" nodeType="clickEffect">
+                                  <p:stCondLst>
+                                    <p:cond delay="0"/>
+                                  </p:stCondLst>
+                                  <p:childTnLst>
+                                    <p:set>
+                                      <p:cBhvr>
+                                        <p:cTn id="16" dur="1" fill="hold">
+                                          <p:stCondLst>
+                                            <p:cond delay="0"/>
+                                          </p:stCondLst>
+                                        </p:cTn>
+                                        <p:tgtEl>
+                                          <p:spTgt spid="5"/>
+                                        </p:tgtEl>
+                                        <p:attrNameLst>
+                                          <p:attrName>style.visibility</p:attrName>
+                                        </p:attrNameLst>
+                                      </p:cBhvr>
+                                      <p:to>
+                                        <p:strVal val="visible"/>
+                                      </p:to>
+                                    </p:set>
+                                    <p:animEffect transition="in" filter="wipe(right)">
+                                      <p:cBhvr>
+                                        <p:cTn id="17" dur="500"/>
+                                        <p:tgtEl>
+                                          <p:spTgt spid="5"/>
+                                        </p:tgtEl>
+                                      </p:cBhvr>
+                                    </p:animEffect>
+                                  </p:childTnLst>
+                                </p:cTn>
+                              </p:par>
+                            </p:childTnLst>
+                          </p:cTn>
+                        </p:par>
+                      </p:childTnLst>
+                    </p:cTn>
+                  </p:par>
+                  <p:par>
+                    <p:cTn id="18" fill="hold">
+                      <p:stCondLst>
+                        <p:cond delay="indefinite"/>
+                      </p:stCondLst>
+                      <p:childTnLst>
+                        <p:par>
+                          <p:cTn id="19" fill="hold">
+                            <p:stCondLst>
+                              <p:cond delay="0"/>
+                            </p:stCondLst>
+                            <p:childTnLst>
+                              <p:par>
+                                <p:cTn id="20" presetID="1" presetClass="entr" presetSubtype="0" fill="hold" grpId="0" nodeType="clickEffect">
+                                  <p:stCondLst>
+                                    <p:cond delay="0"/>
+                                  </p:stCondLst>
+                                  <p:childTnLst>
+                                    <p:set>
+                                      <p:cBhvr>
+                                        <p:cTn id="21" dur="1" fill="hold">
+                                          <p:stCondLst>
+                                            <p:cond delay="0"/>
+                                          </p:stCondLst>
+                                        </p:cTn>
+                                        <p:tgtEl>
+                                          <p:spTgt spid="17"/>
+                                        </p:tgtEl>
+                                        <p:attrNameLst>
+                                          <p:attrName>style.visibility</p:attrName>
+                                        </p:attrNameLst>
+                                      </p:cBhvr>
+                                      <p:to>
+                                        <p:strVal val="visible"/>
+                                      </p:to>
+                                    </p:set>
+                                  </p:childTnLst>
+                                </p:cTn>
+                              </p:par>
+                              <p:par>
+                                <p:cTn id="22" presetID="1" presetClass="entr" presetSubtype="0" fill="hold" grpId="0" nodeType="withEffect">
+                                  <p:stCondLst>
+                                    <p:cond delay="0"/>
+                                  </p:stCondLst>
+                                  <p:childTnLst>
+                                    <p:set>
+                                      <p:cBhvr>
+                                        <p:cTn id="23" dur="1" fill="hold">
+                                          <p:stCondLst>
+                                            <p:cond delay="0"/>
+                                          </p:stCondLst>
+                                        </p:cTn>
+                                        <p:tgtEl>
+                                          <p:spTgt spid="35"/>
+                                        </p:tgtEl>
+                                        <p:attrNameLst>
+                                          <p:attrName>style.visibility</p:attrName>
+                                        </p:attrNameLst>
+                                      </p:cBhvr>
+                                      <p:to>
+                                        <p:strVal val="visible"/>
+                                      </p:to>
+                                    </p:set>
+                                  </p:childTnLst>
+                                </p:cTn>
+                              </p:par>
+                              <p:par>
+                                <p:cTn id="24" presetID="1" presetClass="entr" presetSubtype="0" fill="hold" grpId="0" nodeType="withEffect">
+                                  <p:stCondLst>
+                                    <p:cond delay="0"/>
+                                  </p:stCondLst>
+                                  <p:childTnLst>
+                                    <p:set>
+                                      <p:cBhvr>
+                                        <p:cTn id="25" dur="1" fill="hold">
+                                          <p:stCondLst>
+                                            <p:cond delay="0"/>
+                                          </p:stCondLst>
+                                        </p:cTn>
+                                        <p:tgtEl>
+                                          <p:spTgt spid="16"/>
+                                        </p:tgtEl>
+                                        <p:attrNameLst>
+                                          <p:attrName>style.visibility</p:attrName>
+                                        </p:attrNameLst>
+                                      </p:cBhvr>
+                                      <p:to>
+                                        <p:strVal val="visible"/>
+                                      </p:to>
+                                    </p:set>
+                                  </p:childTnLst>
+                                </p:cTn>
+                              </p:par>
+                            </p:childTnLst>
+                          </p:cTn>
+                        </p:par>
+                      </p:childTnLst>
+                    </p:cTn>
+                  </p:par>
+                </p:childTnLst>
+              </p:cTn>
+              <p:prevCondLst>
+                <p:cond evt="onPrev" delay="0">
+                  <p:tgtEl>
+                    <p:sldTgt/>
+                  </p:tgtEl>
+                </p:cond>
+              </p:prevCondLst>
+              <p:nextCondLst>
+                <p:cond evt="onNext" delay="0">
+                  <p:tgtEl>
+                    <p:sldTgt/>
+                  </p:tgtEl>
+                </p:cond>
+              </p:nextCondLst>
+            </p:seq>
+          </p:childTnLst>
+        </p:cTn>
+      </p:par>
+    </p:tnLst>
+    <p:bldLst>
+      <p:bldP spid="35" grpId="0"/>
+      <p:bldP spid="16" grpId="0"/>
+      <p:bldP spid="17" grpId="0"/>
+    </p:bldLst>
+  </p:timing>
+</p:sld>
+</file>
+
+<file path=ppt/slides/slide40.xml><?xml version="1.0" encoding="utf-8"?>
+<p:sld xmlns:a="http://schemas.openxmlformats.org/drawingml/2006/main" xmlns:r="http://schemas.openxmlformats.org/officeDocument/2006/relationships" xmlns:p="http://schemas.openxmlformats.org/presentationml/2006/main">
+  <p:cSld>
+    <p:spTree>
+      <p:nvGrpSpPr>
+        <p:cNvPr id="1" name=""/>
+        <p:cNvGrpSpPr/>
+        <p:nvPr/>
+      </p:nvGrpSpPr>
+      <p:grpSpPr>
+        <a:xfrm>
+          <a:off x="0" y="0"/>
+          <a:ext cx="0" cy="0"/>
+          <a:chOff x="0" y="0"/>
+          <a:chExt cx="0" cy="0"/>
+        </a:xfrm>
+      </p:grpSpPr>
+      <p:sp>
+        <p:nvSpPr>
+          <p:cNvPr id="2" name="标题 1"/>
+          <p:cNvSpPr>
+            <a:spLocks noGrp="1"/>
+          </p:cNvSpPr>
+          <p:nvPr>
+            <p:ph type="title"/>
+          </p:nvPr>
+        </p:nvSpPr>
+        <p:spPr/>
+        <p:txBody>
+          <a:bodyPr/>
+          <a:lstStyle/>
+          <a:p>
+            <a:pPr algn="l"/>
+            <a:r>
               <a:rPr lang="en-US" altLang="zh-CN" dirty="0" err="1" smtClean="0"/>
               <a:t>ormpp</a:t>
             </a:r>
@@ -16112,7 +18651,7 @@
 </p:sld>
 </file>
 
-<file path=ppt/slides/slide39.xml><?xml version="1.0" encoding="utf-8"?>
+<file path=ppt/slides/slide41.xml><?xml version="1.0" encoding="utf-8"?>
 <p:sld xmlns:a="http://schemas.openxmlformats.org/drawingml/2006/main" xmlns:r="http://schemas.openxmlformats.org/officeDocument/2006/relationships" xmlns:p="http://schemas.openxmlformats.org/presentationml/2006/main">
   <p:cSld>
     <p:spTree>
@@ -16374,243 +18913,7 @@
 </p:sld>
 </file>
 
-<file path=ppt/slides/slide4.xml><?xml version="1.0" encoding="utf-8"?>
-<p:sld xmlns:a="http://schemas.openxmlformats.org/drawingml/2006/main" xmlns:r="http://schemas.openxmlformats.org/officeDocument/2006/relationships" xmlns:p="http://schemas.openxmlformats.org/presentationml/2006/main">
-  <p:cSld>
-    <p:spTree>
-      <p:nvGrpSpPr>
-        <p:cNvPr id="1" name=""/>
-        <p:cNvGrpSpPr/>
-        <p:nvPr/>
-      </p:nvGrpSpPr>
-      <p:grpSpPr>
-        <a:xfrm>
-          <a:off x="0" y="0"/>
-          <a:ext cx="0" cy="0"/>
-          <a:chOff x="0" y="0"/>
-          <a:chExt cx="0" cy="0"/>
-        </a:xfrm>
-      </p:grpSpPr>
-      <p:sp>
-        <p:nvSpPr>
-          <p:cNvPr id="2" name="标题 1"/>
-          <p:cNvSpPr>
-            <a:spLocks noGrp="1"/>
-          </p:cNvSpPr>
-          <p:nvPr>
-            <p:ph type="title"/>
-          </p:nvPr>
-        </p:nvSpPr>
-        <p:spPr/>
-        <p:txBody>
-          <a:bodyPr>
-            <a:normAutofit fontScale="90000"/>
-          </a:bodyPr>
-          <a:lstStyle/>
-          <a:p>
-            <a:pPr algn="l"/>
-            <a:r>
-              <a:rPr lang="en-US" altLang="zh-CN" dirty="0" smtClean="0"/>
-              <a:t>We need a better </a:t>
-            </a:r>
-            <a:r>
-              <a:rPr lang="en-US" altLang="zh-CN" dirty="0" err="1" smtClean="0"/>
-              <a:t>c++</a:t>
-            </a:r>
-            <a:r>
-              <a:rPr lang="en-US" altLang="zh-CN" dirty="0" smtClean="0"/>
-              <a:t> web framework</a:t>
-            </a:r>
-            <a:endParaRPr lang="zh-CN" altLang="en-US" dirty="0"/>
-          </a:p>
-        </p:txBody>
-      </p:sp>
-      <p:sp>
-        <p:nvSpPr>
-          <p:cNvPr id="3" name="内容占位符 2"/>
-          <p:cNvSpPr>
-            <a:spLocks noGrp="1"/>
-          </p:cNvSpPr>
-          <p:nvPr>
-            <p:ph idx="1"/>
-          </p:nvPr>
-        </p:nvSpPr>
-        <p:spPr/>
-        <p:txBody>
-          <a:bodyPr>
-            <a:normAutofit/>
-          </a:bodyPr>
-          <a:lstStyle/>
-          <a:p>
-            <a:r>
-              <a:rPr lang="en-US" altLang="zh-CN" sz="2800" dirty="0" smtClean="0"/>
-              <a:t>Feather: a rapidly application framework of web development</a:t>
-            </a:r>
-          </a:p>
-        </p:txBody>
-      </p:sp>
-      <p:sp>
-        <p:nvSpPr>
-          <p:cNvPr id="4" name="矩形 3"/>
-          <p:cNvSpPr/>
-          <p:nvPr/>
-        </p:nvSpPr>
-        <p:spPr>
-          <a:xfrm>
-            <a:off x="1071538" y="2143122"/>
-            <a:ext cx="6643734" cy="830997"/>
-          </a:xfrm>
-          <a:prstGeom prst="rect">
-            <a:avLst/>
-          </a:prstGeom>
-        </p:spPr>
-        <p:txBody>
-          <a:bodyPr wrap="square">
-            <a:spAutoFit/>
-          </a:bodyPr>
-          <a:lstStyle/>
-          <a:p>
-            <a:r>
-              <a:rPr lang="en-US" altLang="zh-CN" sz="2400" b="1" dirty="0" smtClean="0"/>
-              <a:t>you can use feather to develop a web application rapidly</a:t>
-            </a:r>
-            <a:endParaRPr lang="zh-CN" altLang="en-US" sz="2400" b="1" dirty="0"/>
-          </a:p>
-        </p:txBody>
-      </p:sp>
-    </p:spTree>
-  </p:cSld>
-  <p:clrMapOvr>
-    <a:masterClrMapping/>
-  </p:clrMapOvr>
-  <p:timing>
-    <p:tnLst>
-      <p:par>
-        <p:cTn id="1" dur="indefinite" restart="never" nodeType="tmRoot">
-          <p:childTnLst>
-            <p:seq concurrent="1" nextAc="seek">
-              <p:cTn id="2" dur="indefinite" nodeType="mainSeq">
-                <p:childTnLst>
-                  <p:par>
-                    <p:cTn id="3" fill="hold">
-                      <p:stCondLst>
-                        <p:cond delay="indefinite"/>
-                      </p:stCondLst>
-                      <p:childTnLst>
-                        <p:par>
-                          <p:cTn id="4" fill="hold">
-                            <p:stCondLst>
-                              <p:cond delay="0"/>
-                            </p:stCondLst>
-                            <p:childTnLst>
-                              <p:par>
-                                <p:cTn id="5" presetID="2" presetClass="entr" presetSubtype="4" fill="hold" grpId="0" nodeType="clickEffect">
-                                  <p:stCondLst>
-                                    <p:cond delay="0"/>
-                                  </p:stCondLst>
-                                  <p:childTnLst>
-                                    <p:set>
-                                      <p:cBhvr>
-                                        <p:cTn id="6" dur="1" fill="hold">
-                                          <p:stCondLst>
-                                            <p:cond delay="0"/>
-                                          </p:stCondLst>
-                                        </p:cTn>
-                                        <p:tgtEl>
-                                          <p:spTgt spid="4"/>
-                                        </p:tgtEl>
-                                        <p:attrNameLst>
-                                          <p:attrName>style.visibility</p:attrName>
-                                        </p:attrNameLst>
-                                      </p:cBhvr>
-                                      <p:to>
-                                        <p:strVal val="visible"/>
-                                      </p:to>
-                                    </p:set>
-                                    <p:anim calcmode="lin" valueType="num">
-                                      <p:cBhvr additive="base">
-                                        <p:cTn id="7" dur="500" fill="hold"/>
-                                        <p:tgtEl>
-                                          <p:spTgt spid="4"/>
-                                        </p:tgtEl>
-                                        <p:attrNameLst>
-                                          <p:attrName>ppt_x</p:attrName>
-                                        </p:attrNameLst>
-                                      </p:cBhvr>
-                                      <p:tavLst>
-                                        <p:tav tm="0">
-                                          <p:val>
-                                            <p:strVal val="#ppt_x"/>
-                                          </p:val>
-                                        </p:tav>
-                                        <p:tav tm="100000">
-                                          <p:val>
-                                            <p:strVal val="#ppt_x"/>
-                                          </p:val>
-                                        </p:tav>
-                                      </p:tavLst>
-                                    </p:anim>
-                                    <p:anim calcmode="lin" valueType="num">
-                                      <p:cBhvr additive="base">
-                                        <p:cTn id="8" dur="500" fill="hold"/>
-                                        <p:tgtEl>
-                                          <p:spTgt spid="4"/>
-                                        </p:tgtEl>
-                                        <p:attrNameLst>
-                                          <p:attrName>ppt_y</p:attrName>
-                                        </p:attrNameLst>
-                                      </p:cBhvr>
-                                      <p:tavLst>
-                                        <p:tav tm="0">
-                                          <p:val>
-                                            <p:strVal val="1+#ppt_h/2"/>
-                                          </p:val>
-                                        </p:tav>
-                                        <p:tav tm="100000">
-                                          <p:val>
-                                            <p:strVal val="#ppt_y"/>
-                                          </p:val>
-                                        </p:tav>
-                                      </p:tavLst>
-                                    </p:anim>
-                                  </p:childTnLst>
-                                </p:cTn>
-                              </p:par>
-                            </p:childTnLst>
-                          </p:cTn>
-                        </p:par>
-                      </p:childTnLst>
-                    </p:cTn>
-                  </p:par>
-                </p:childTnLst>
-              </p:cTn>
-              <p:prevCondLst>
-                <p:cond evt="onPrev" delay="0">
-                  <p:tgtEl>
-                    <p:sldTgt/>
-                  </p:tgtEl>
-                </p:cond>
-              </p:prevCondLst>
-              <p:nextCondLst>
-                <p:cond evt="onNext" delay="0">
-                  <p:tgtEl>
-                    <p:sldTgt/>
-                  </p:tgtEl>
-                </p:cond>
-              </p:nextCondLst>
-            </p:seq>
-          </p:childTnLst>
-        </p:cTn>
-      </p:par>
-    </p:tnLst>
-    <p:bldLst>
-      <p:bldP spid="4" grpId="0"/>
-    </p:bldLst>
-  </p:timing>
-</p:sld>
-</file>
-
-<file path=ppt/slides/slide40.xml><?xml version="1.0" encoding="utf-8"?>
+<file path=ppt/slides/slide42.xml><?xml version="1.0" encoding="utf-8"?>
 <p:sld xmlns:a="http://schemas.openxmlformats.org/drawingml/2006/main" xmlns:r="http://schemas.openxmlformats.org/officeDocument/2006/relationships" xmlns:p="http://schemas.openxmlformats.org/presentationml/2006/main">
   <p:cSld>
     <p:spTree>
@@ -16997,7 +19300,7 @@
 </p:sld>
 </file>
 
-<file path=ppt/slides/slide41.xml><?xml version="1.0" encoding="utf-8"?>
+<file path=ppt/slides/slide43.xml><?xml version="1.0" encoding="utf-8"?>
 <p:sld xmlns:a="http://schemas.openxmlformats.org/drawingml/2006/main" xmlns:r="http://schemas.openxmlformats.org/officeDocument/2006/relationships" xmlns:p="http://schemas.openxmlformats.org/presentationml/2006/main">
   <p:cSld>
     <p:spTree>
@@ -17236,7 +19539,7 @@
 </p:sld>
 </file>
 
-<file path=ppt/slides/slide42.xml><?xml version="1.0" encoding="utf-8"?>
+<file path=ppt/slides/slide44.xml><?xml version="1.0" encoding="utf-8"?>
 <p:sld xmlns:a="http://schemas.openxmlformats.org/drawingml/2006/main" xmlns:r="http://schemas.openxmlformats.org/officeDocument/2006/relationships" xmlns:p="http://schemas.openxmlformats.org/presentationml/2006/main">
   <p:cSld>
     <p:spTree>
@@ -17578,7 +19881,7 @@
 </p:sld>
 </file>
 
-<file path=ppt/slides/slide43.xml><?xml version="1.0" encoding="utf-8"?>
+<file path=ppt/slides/slide45.xml><?xml version="1.0" encoding="utf-8"?>
 <p:sld xmlns:a="http://schemas.openxmlformats.org/drawingml/2006/main" xmlns:r="http://schemas.openxmlformats.org/officeDocument/2006/relationships" xmlns:p="http://schemas.openxmlformats.org/presentationml/2006/main">
   <p:cSld>
     <p:spTree>
@@ -18912,7 +21215,7 @@
 </p:sld>
 </file>
 
-<file path=ppt/slides/slide44.xml><?xml version="1.0" encoding="utf-8"?>
+<file path=ppt/slides/slide46.xml><?xml version="1.0" encoding="utf-8"?>
 <p:sld xmlns:a="http://schemas.openxmlformats.org/drawingml/2006/main" xmlns:r="http://schemas.openxmlformats.org/officeDocument/2006/relationships" xmlns:p="http://schemas.openxmlformats.org/presentationml/2006/main">
   <p:cSld>
     <p:spTree>
@@ -19456,7 +21759,7 @@
 </p:sld>
 </file>
 
-<file path=ppt/slides/slide45.xml><?xml version="1.0" encoding="utf-8"?>
+<file path=ppt/slides/slide47.xml><?xml version="1.0" encoding="utf-8"?>
 <p:sld xmlns:a="http://schemas.openxmlformats.org/drawingml/2006/main" xmlns:r="http://schemas.openxmlformats.org/officeDocument/2006/relationships" xmlns:p="http://schemas.openxmlformats.org/presentationml/2006/main">
   <p:cSld>
     <p:spTree>
@@ -19555,7 +21858,7 @@
 </p:sld>
 </file>
 
-<file path=ppt/slides/slide46.xml><?xml version="1.0" encoding="utf-8"?>
+<file path=ppt/slides/slide48.xml><?xml version="1.0" encoding="utf-8"?>
 <p:sld xmlns:a="http://schemas.openxmlformats.org/drawingml/2006/main" xmlns:r="http://schemas.openxmlformats.org/officeDocument/2006/relationships" xmlns:p="http://schemas.openxmlformats.org/presentationml/2006/main">
   <p:cSld>
     <p:spTree>
@@ -19654,7 +21957,7 @@
 </p:sld>
 </file>
 
-<file path=ppt/slides/slide47.xml><?xml version="1.0" encoding="utf-8"?>
+<file path=ppt/slides/slide49.xml><?xml version="1.0" encoding="utf-8"?>
 <p:sld xmlns:a="http://schemas.openxmlformats.org/drawingml/2006/main" xmlns:r="http://schemas.openxmlformats.org/officeDocument/2006/relationships" xmlns:p="http://schemas.openxmlformats.org/presentationml/2006/main">
   <p:cSld>
     <p:spTree>
@@ -20623,259 +22926,6 @@
 </p:sld>
 </file>
 
-<file path=ppt/slides/slide48.xml><?xml version="1.0" encoding="utf-8"?>
-<p:sld xmlns:a="http://schemas.openxmlformats.org/drawingml/2006/main" xmlns:r="http://schemas.openxmlformats.org/officeDocument/2006/relationships" xmlns:p="http://schemas.openxmlformats.org/presentationml/2006/main">
-  <p:cSld>
-    <p:spTree>
-      <p:nvGrpSpPr>
-        <p:cNvPr id="1" name=""/>
-        <p:cNvGrpSpPr/>
-        <p:nvPr/>
-      </p:nvGrpSpPr>
-      <p:grpSpPr>
-        <a:xfrm>
-          <a:off x="0" y="0"/>
-          <a:ext cx="0" cy="0"/>
-          <a:chOff x="0" y="0"/>
-          <a:chExt cx="0" cy="0"/>
-        </a:xfrm>
-      </p:grpSpPr>
-      <p:sp>
-        <p:nvSpPr>
-          <p:cNvPr id="2" name="标题 1"/>
-          <p:cNvSpPr>
-            <a:spLocks noGrp="1"/>
-          </p:cNvSpPr>
-          <p:nvPr>
-            <p:ph type="title"/>
-          </p:nvPr>
-        </p:nvSpPr>
-        <p:spPr/>
-        <p:txBody>
-          <a:bodyPr/>
-          <a:lstStyle/>
-          <a:p>
-            <a:pPr algn="l"/>
-            <a:r>
-              <a:rPr lang="en-US" altLang="zh-CN" dirty="0" smtClean="0"/>
-              <a:t>entity mapping</a:t>
-            </a:r>
-            <a:endParaRPr lang="zh-CN" altLang="en-US" dirty="0"/>
-          </a:p>
-        </p:txBody>
-      </p:sp>
-      <p:sp>
-        <p:nvSpPr>
-          <p:cNvPr id="3" name="内容占位符 2"/>
-          <p:cNvSpPr>
-            <a:spLocks noGrp="1"/>
-          </p:cNvSpPr>
-          <p:nvPr>
-            <p:ph idx="1"/>
-          </p:nvPr>
-        </p:nvSpPr>
-        <p:spPr/>
-        <p:txBody>
-          <a:bodyPr/>
-          <a:lstStyle/>
-          <a:p>
-            <a:endParaRPr lang="zh-CN" altLang="en-US" dirty="0"/>
-          </a:p>
-        </p:txBody>
-      </p:sp>
-      <p:pic>
-        <p:nvPicPr>
-          <p:cNvPr id="4" name="Picture 2"/>
-          <p:cNvPicPr>
-            <a:picLocks noChangeAspect="1" noChangeArrowheads="1"/>
-          </p:cNvPicPr>
-          <p:nvPr/>
-        </p:nvPicPr>
-        <p:blipFill>
-          <a:blip r:embed="rId2"/>
-          <a:srcRect/>
-          <a:stretch>
-            <a:fillRect/>
-          </a:stretch>
-        </p:blipFill>
-        <p:spPr bwMode="auto">
-          <a:xfrm>
-            <a:off x="1829063" y="1249508"/>
-            <a:ext cx="5158684" cy="1771650"/>
-          </a:xfrm>
-          <a:prstGeom prst="rect">
-            <a:avLst/>
-          </a:prstGeom>
-          <a:noFill/>
-          <a:ln w="9525">
-            <a:noFill/>
-            <a:miter lim="800000"/>
-            <a:headEnd/>
-            <a:tailEnd/>
-          </a:ln>
-          <a:effectLst/>
-        </p:spPr>
-      </p:pic>
-      <p:pic>
-        <p:nvPicPr>
-          <p:cNvPr id="5" name="Picture 3"/>
-          <p:cNvPicPr>
-            <a:picLocks noChangeAspect="1" noChangeArrowheads="1"/>
-          </p:cNvPicPr>
-          <p:nvPr/>
-        </p:nvPicPr>
-        <p:blipFill>
-          <a:blip r:embed="rId3"/>
-          <a:srcRect/>
-          <a:stretch>
-            <a:fillRect/>
-          </a:stretch>
-        </p:blipFill>
-        <p:spPr bwMode="auto">
-          <a:xfrm>
-            <a:off x="1359479" y="3331456"/>
-            <a:ext cx="6178143" cy="758630"/>
-          </a:xfrm>
-          <a:prstGeom prst="rect">
-            <a:avLst/>
-          </a:prstGeom>
-          <a:noFill/>
-          <a:ln w="9525">
-            <a:noFill/>
-            <a:miter lim="800000"/>
-            <a:headEnd/>
-            <a:tailEnd/>
-          </a:ln>
-          <a:effectLst/>
-        </p:spPr>
-      </p:pic>
-    </p:spTree>
-  </p:cSld>
-  <p:clrMapOvr>
-    <a:masterClrMapping/>
-  </p:clrMapOvr>
-  <p:timing>
-    <p:tnLst>
-      <p:par>
-        <p:cTn id="1" dur="indefinite" restart="never" nodeType="tmRoot"/>
-      </p:par>
-    </p:tnLst>
-  </p:timing>
-</p:sld>
-</file>
-
-<file path=ppt/slides/slide49.xml><?xml version="1.0" encoding="utf-8"?>
-<p:sld xmlns:a="http://schemas.openxmlformats.org/drawingml/2006/main" xmlns:r="http://schemas.openxmlformats.org/officeDocument/2006/relationships" xmlns:p="http://schemas.openxmlformats.org/presentationml/2006/main">
-  <p:cSld>
-    <p:spTree>
-      <p:nvGrpSpPr>
-        <p:cNvPr id="1" name=""/>
-        <p:cNvGrpSpPr/>
-        <p:nvPr/>
-      </p:nvGrpSpPr>
-      <p:grpSpPr>
-        <a:xfrm>
-          <a:off x="0" y="0"/>
-          <a:ext cx="0" cy="0"/>
-          <a:chOff x="0" y="0"/>
-          <a:chExt cx="0" cy="0"/>
-        </a:xfrm>
-      </p:grpSpPr>
-      <p:sp>
-        <p:nvSpPr>
-          <p:cNvPr id="2" name="标题 1"/>
-          <p:cNvSpPr>
-            <a:spLocks noGrp="1"/>
-          </p:cNvSpPr>
-          <p:nvPr>
-            <p:ph type="title"/>
-          </p:nvPr>
-        </p:nvSpPr>
-        <p:spPr/>
-        <p:txBody>
-          <a:bodyPr/>
-          <a:lstStyle/>
-          <a:p>
-            <a:pPr algn="l"/>
-            <a:r>
-              <a:rPr lang="en-US" altLang="zh-CN" dirty="0" smtClean="0"/>
-              <a:t>entity mapping</a:t>
-            </a:r>
-            <a:endParaRPr lang="zh-CN" altLang="en-US" dirty="0"/>
-          </a:p>
-        </p:txBody>
-      </p:sp>
-      <p:sp>
-        <p:nvSpPr>
-          <p:cNvPr id="3" name="内容占位符 2"/>
-          <p:cNvSpPr>
-            <a:spLocks noGrp="1"/>
-          </p:cNvSpPr>
-          <p:nvPr>
-            <p:ph idx="1"/>
-          </p:nvPr>
-        </p:nvSpPr>
-        <p:spPr/>
-        <p:txBody>
-          <a:bodyPr/>
-          <a:lstStyle/>
-          <a:p>
-            <a:r>
-              <a:rPr lang="en-US" altLang="zh-CN" dirty="0" smtClean="0"/>
-              <a:t>Data table to object</a:t>
-            </a:r>
-            <a:endParaRPr lang="zh-CN" altLang="en-US" dirty="0"/>
-          </a:p>
-        </p:txBody>
-      </p:sp>
-      <p:pic>
-        <p:nvPicPr>
-          <p:cNvPr id="4" name="Picture 3"/>
-          <p:cNvPicPr>
-            <a:picLocks noChangeAspect="1" noChangeArrowheads="1"/>
-          </p:cNvPicPr>
-          <p:nvPr/>
-        </p:nvPicPr>
-        <p:blipFill>
-          <a:blip r:embed="rId2"/>
-          <a:srcRect/>
-          <a:stretch>
-            <a:fillRect/>
-          </a:stretch>
-        </p:blipFill>
-        <p:spPr bwMode="auto">
-          <a:xfrm>
-            <a:off x="785786" y="1857370"/>
-            <a:ext cx="5708325" cy="1825181"/>
-          </a:xfrm>
-          <a:prstGeom prst="rect">
-            <a:avLst/>
-          </a:prstGeom>
-          <a:noFill/>
-          <a:ln w="9525">
-            <a:noFill/>
-            <a:miter lim="800000"/>
-            <a:headEnd/>
-            <a:tailEnd/>
-          </a:ln>
-          <a:effectLst/>
-        </p:spPr>
-      </p:pic>
-    </p:spTree>
-  </p:cSld>
-  <p:clrMapOvr>
-    <a:masterClrMapping/>
-  </p:clrMapOvr>
-  <p:timing>
-    <p:tnLst>
-      <p:par>
-        <p:cTn id="1" dur="indefinite" restart="never" nodeType="tmRoot"/>
-      </p:par>
-    </p:tnLst>
-  </p:timing>
-</p:sld>
-</file>
-
 <file path=ppt/slides/slide5.xml><?xml version="1.0" encoding="utf-8"?>
 <p:sld xmlns:a="http://schemas.openxmlformats.org/drawingml/2006/main" xmlns:r="http://schemas.openxmlformats.org/officeDocument/2006/relationships" xmlns:p="http://schemas.openxmlformats.org/presentationml/2006/main">
   <p:cSld>
@@ -20913,11 +22963,7 @@
             <a:pPr algn="l"/>
             <a:r>
               <a:rPr lang="en-US" altLang="zh-CN" dirty="0" smtClean="0"/>
-              <a:t>Some web </a:t>
-            </a:r>
-            <a:r>
-              <a:rPr lang="en-US" altLang="zh-CN" dirty="0" smtClean="0"/>
-              <a:t>frameworks</a:t>
+              <a:t>Some web frameworks</a:t>
             </a:r>
             <a:endParaRPr lang="zh-CN" altLang="en-US" dirty="0"/>
           </a:p>
@@ -21168,8 +23214,41 @@
         </p:blipFill>
         <p:spPr bwMode="auto">
           <a:xfrm>
-            <a:off x="1131224" y="1356532"/>
-            <a:ext cx="6239582" cy="3079543"/>
+            <a:off x="1829063" y="1249508"/>
+            <a:ext cx="5158684" cy="1771650"/>
+          </a:xfrm>
+          <a:prstGeom prst="rect">
+            <a:avLst/>
+          </a:prstGeom>
+          <a:noFill/>
+          <a:ln w="9525">
+            <a:noFill/>
+            <a:miter lim="800000"/>
+            <a:headEnd/>
+            <a:tailEnd/>
+          </a:ln>
+          <a:effectLst/>
+        </p:spPr>
+      </p:pic>
+      <p:pic>
+        <p:nvPicPr>
+          <p:cNvPr id="5" name="Picture 3"/>
+          <p:cNvPicPr>
+            <a:picLocks noChangeAspect="1" noChangeArrowheads="1"/>
+          </p:cNvPicPr>
+          <p:nvPr/>
+        </p:nvPicPr>
+        <p:blipFill>
+          <a:blip r:embed="rId3"/>
+          <a:srcRect/>
+          <a:stretch>
+            <a:fillRect/>
+          </a:stretch>
+        </p:blipFill>
+        <p:spPr bwMode="auto">
+          <a:xfrm>
+            <a:off x="1359479" y="3331456"/>
+            <a:ext cx="6178143" cy="758630"/>
           </a:xfrm>
           <a:prstGeom prst="rect">
             <a:avLst/>
@@ -21233,8 +23312,8 @@
           <a:p>
             <a:pPr algn="l"/>
             <a:r>
-              <a:rPr lang="en-US" altLang="zh-CN" dirty="0" err="1" smtClean="0"/>
-              <a:t>ormpp</a:t>
+              <a:rPr lang="en-US" altLang="zh-CN" dirty="0" smtClean="0"/>
+              <a:t>entity mapping</a:t>
             </a:r>
             <a:endParaRPr lang="zh-CN" altLang="en-US" dirty="0"/>
           </a:p>
@@ -21252,77 +23331,50 @@
         </p:nvSpPr>
         <p:spPr/>
         <p:txBody>
-          <a:bodyPr>
-            <a:normAutofit/>
-          </a:bodyPr>
+          <a:bodyPr/>
           <a:lstStyle/>
           <a:p>
             <a:r>
-              <a:rPr lang="en-US" altLang="zh-CN" sz="2400" dirty="0" smtClean="0"/>
-              <a:t>Unified interface with </a:t>
-            </a:r>
-            <a:r>
-              <a:rPr lang="en-US" altLang="zh-CN" sz="2400" dirty="0" err="1" smtClean="0"/>
-              <a:t>variadic</a:t>
-            </a:r>
-            <a:r>
-              <a:rPr lang="en-US" altLang="zh-CN" sz="2400" dirty="0" smtClean="0"/>
-              <a:t> </a:t>
-            </a:r>
-            <a:r>
-              <a:rPr lang="en-US" altLang="zh-CN" sz="2400" dirty="0" err="1" smtClean="0"/>
-              <a:t>temlates</a:t>
-            </a:r>
-            <a:r>
-              <a:rPr lang="en-US" altLang="zh-CN" sz="2400" dirty="0" smtClean="0"/>
-              <a:t> and </a:t>
-            </a:r>
-            <a:r>
-              <a:rPr lang="en-US" altLang="zh-CN" sz="2400" dirty="0" err="1" smtClean="0"/>
-              <a:t>constexpr</a:t>
-            </a:r>
-            <a:r>
-              <a:rPr lang="en-US" altLang="zh-CN" sz="2400" dirty="0" smtClean="0"/>
-              <a:t> if</a:t>
-            </a:r>
-          </a:p>
-          <a:p>
-            <a:r>
-              <a:rPr lang="en-US" altLang="zh-CN" sz="2400" dirty="0" smtClean="0"/>
-              <a:t>Expand interface with </a:t>
-            </a:r>
-            <a:r>
-              <a:rPr lang="en-US" altLang="zh-CN" sz="2400" dirty="0" err="1" smtClean="0"/>
-              <a:t>constexpr</a:t>
-            </a:r>
-            <a:r>
-              <a:rPr lang="en-US" altLang="zh-CN" sz="2400" dirty="0" smtClean="0"/>
-              <a:t> if</a:t>
-            </a:r>
-          </a:p>
-          <a:p>
-            <a:r>
-              <a:rPr lang="en-US" altLang="zh-CN" sz="2400" dirty="0" smtClean="0"/>
-              <a:t>Generate </a:t>
-            </a:r>
-            <a:r>
-              <a:rPr lang="en-US" altLang="zh-CN" sz="2400" dirty="0" err="1" smtClean="0"/>
-              <a:t>sql</a:t>
-            </a:r>
-            <a:r>
-              <a:rPr lang="en-US" altLang="zh-CN" sz="2400" dirty="0" smtClean="0"/>
-              <a:t> with compile-time reflection</a:t>
-            </a:r>
-          </a:p>
-          <a:p>
-            <a:r>
-              <a:rPr lang="en-US" altLang="zh-CN" sz="2400" dirty="0" smtClean="0"/>
-              <a:t>Mapping entity with compile-time reflection</a:t>
-            </a:r>
-            <a:endParaRPr lang="zh-CN" altLang="en-US" sz="2400" dirty="0"/>
-          </a:p>
-        </p:txBody>
-      </p:sp>
+              <a:rPr lang="en-US" altLang="zh-CN" dirty="0" smtClean="0"/>
+              <a:t>Data table to object</a:t>
+            </a:r>
+            <a:endParaRPr lang="zh-CN" altLang="en-US" dirty="0"/>
+          </a:p>
+        </p:txBody>
+      </p:sp>
+      <p:pic>
+        <p:nvPicPr>
+          <p:cNvPr id="4" name="Picture 3"/>
+          <p:cNvPicPr>
+            <a:picLocks noChangeAspect="1" noChangeArrowheads="1"/>
+          </p:cNvPicPr>
+          <p:nvPr/>
+        </p:nvPicPr>
+        <p:blipFill>
+          <a:blip r:embed="rId2"/>
+          <a:srcRect/>
+          <a:stretch>
+            <a:fillRect/>
+          </a:stretch>
+        </p:blipFill>
+        <p:spPr bwMode="auto">
+          <a:xfrm>
+            <a:off x="785786" y="1857370"/>
+            <a:ext cx="5708325" cy="1825181"/>
+          </a:xfrm>
+          <a:prstGeom prst="rect">
+            <a:avLst/>
+          </a:prstGeom>
+          <a:noFill/>
+          <a:ln w="9525">
+            <a:noFill/>
+            <a:miter lim="800000"/>
+            <a:headEnd/>
+            <a:tailEnd/>
+          </a:ln>
+          <a:effectLst/>
+        </p:spPr>
+      </p:pic>
     </p:spTree>
   </p:cSld>
   <p:clrMapOvr>
@@ -21373,7 +23425,7 @@
             <a:pPr algn="l"/>
             <a:r>
               <a:rPr lang="en-US" altLang="zh-CN" dirty="0" smtClean="0"/>
-              <a:t>Render</a:t>
+              <a:t>entity mapping</a:t>
             </a:r>
             <a:endParaRPr lang="zh-CN" altLang="en-US" dirty="0"/>
           </a:p>
@@ -21394,35 +23446,43 @@
           <a:bodyPr/>
           <a:lstStyle/>
           <a:p>
-            <a:r>
-              <a:rPr lang="en-US" altLang="zh-CN" dirty="0" smtClean="0"/>
-              <a:t>Html template engine</a:t>
-            </a:r>
-          </a:p>
-          <a:p>
-            <a:pPr lvl="1"/>
-            <a:r>
-              <a:rPr lang="en-US" altLang="zh-CN" dirty="0" smtClean="0"/>
-              <a:t>Dynamic filling html</a:t>
-            </a:r>
-          </a:p>
-          <a:p>
-            <a:pPr lvl="1"/>
-            <a:r>
-              <a:rPr lang="en-US" altLang="zh-CN" dirty="0" smtClean="0"/>
-              <a:t>Control UI display</a:t>
-            </a:r>
-          </a:p>
-          <a:p>
-            <a:pPr lvl="1"/>
-            <a:r>
-              <a:rPr lang="en-US" altLang="zh-CN" dirty="0" smtClean="0"/>
-              <a:t>Html reuse</a:t>
-            </a:r>
             <a:endParaRPr lang="zh-CN" altLang="en-US" dirty="0"/>
           </a:p>
         </p:txBody>
       </p:sp>
+      <p:pic>
+        <p:nvPicPr>
+          <p:cNvPr id="4" name="Picture 2"/>
+          <p:cNvPicPr>
+            <a:picLocks noChangeAspect="1" noChangeArrowheads="1"/>
+          </p:cNvPicPr>
+          <p:nvPr/>
+        </p:nvPicPr>
+        <p:blipFill>
+          <a:blip r:embed="rId2"/>
+          <a:srcRect/>
+          <a:stretch>
+            <a:fillRect/>
+          </a:stretch>
+        </p:blipFill>
+        <p:spPr bwMode="auto">
+          <a:xfrm>
+            <a:off x="1131224" y="1356532"/>
+            <a:ext cx="6239582" cy="3079543"/>
+          </a:xfrm>
+          <a:prstGeom prst="rect">
+            <a:avLst/>
+          </a:prstGeom>
+          <a:noFill/>
+          <a:ln w="9525">
+            <a:noFill/>
+            <a:miter lim="800000"/>
+            <a:headEnd/>
+            <a:tailEnd/>
+          </a:ln>
+          <a:effectLst/>
+        </p:spPr>
+      </p:pic>
     </p:spTree>
   </p:cSld>
   <p:clrMapOvr>
@@ -21439,6 +23499,245 @@
 </file>
 
 <file path=ppt/slides/slide53.xml><?xml version="1.0" encoding="utf-8"?>
+<p:sld xmlns:a="http://schemas.openxmlformats.org/drawingml/2006/main" xmlns:r="http://schemas.openxmlformats.org/officeDocument/2006/relationships" xmlns:p="http://schemas.openxmlformats.org/presentationml/2006/main">
+  <p:cSld>
+    <p:spTree>
+      <p:nvGrpSpPr>
+        <p:cNvPr id="1" name=""/>
+        <p:cNvGrpSpPr/>
+        <p:nvPr/>
+      </p:nvGrpSpPr>
+      <p:grpSpPr>
+        <a:xfrm>
+          <a:off x="0" y="0"/>
+          <a:ext cx="0" cy="0"/>
+          <a:chOff x="0" y="0"/>
+          <a:chExt cx="0" cy="0"/>
+        </a:xfrm>
+      </p:grpSpPr>
+      <p:sp>
+        <p:nvSpPr>
+          <p:cNvPr id="2" name="标题 1"/>
+          <p:cNvSpPr>
+            <a:spLocks noGrp="1"/>
+          </p:cNvSpPr>
+          <p:nvPr>
+            <p:ph type="title"/>
+          </p:nvPr>
+        </p:nvSpPr>
+        <p:spPr/>
+        <p:txBody>
+          <a:bodyPr/>
+          <a:lstStyle/>
+          <a:p>
+            <a:pPr algn="l"/>
+            <a:r>
+              <a:rPr lang="en-US" altLang="zh-CN" dirty="0" err="1" smtClean="0"/>
+              <a:t>ormpp</a:t>
+            </a:r>
+            <a:endParaRPr lang="zh-CN" altLang="en-US" dirty="0"/>
+          </a:p>
+        </p:txBody>
+      </p:sp>
+      <p:sp>
+        <p:nvSpPr>
+          <p:cNvPr id="3" name="内容占位符 2"/>
+          <p:cNvSpPr>
+            <a:spLocks noGrp="1"/>
+          </p:cNvSpPr>
+          <p:nvPr>
+            <p:ph idx="1"/>
+          </p:nvPr>
+        </p:nvSpPr>
+        <p:spPr/>
+        <p:txBody>
+          <a:bodyPr>
+            <a:normAutofit/>
+          </a:bodyPr>
+          <a:lstStyle/>
+          <a:p>
+            <a:r>
+              <a:rPr lang="en-US" altLang="zh-CN" sz="2400" dirty="0" smtClean="0"/>
+              <a:t>Unified interface with </a:t>
+            </a:r>
+            <a:r>
+              <a:rPr lang="en-US" altLang="zh-CN" sz="2400" dirty="0" err="1" smtClean="0"/>
+              <a:t>variadic</a:t>
+            </a:r>
+            <a:r>
+              <a:rPr lang="en-US" altLang="zh-CN" sz="2400" dirty="0" smtClean="0"/>
+              <a:t> </a:t>
+            </a:r>
+            <a:r>
+              <a:rPr lang="en-US" altLang="zh-CN" sz="2400" dirty="0" err="1" smtClean="0"/>
+              <a:t>temlates</a:t>
+            </a:r>
+            <a:r>
+              <a:rPr lang="en-US" altLang="zh-CN" sz="2400" dirty="0" smtClean="0"/>
+              <a:t> and </a:t>
+            </a:r>
+            <a:r>
+              <a:rPr lang="en-US" altLang="zh-CN" sz="2400" dirty="0" err="1" smtClean="0"/>
+              <a:t>constexpr</a:t>
+            </a:r>
+            <a:r>
+              <a:rPr lang="en-US" altLang="zh-CN" sz="2400" dirty="0" smtClean="0"/>
+              <a:t> if</a:t>
+            </a:r>
+          </a:p>
+          <a:p>
+            <a:r>
+              <a:rPr lang="en-US" altLang="zh-CN" sz="2400" dirty="0" smtClean="0"/>
+              <a:t>Expand interface with </a:t>
+            </a:r>
+            <a:r>
+              <a:rPr lang="en-US" altLang="zh-CN" sz="2400" dirty="0" err="1" smtClean="0"/>
+              <a:t>constexpr</a:t>
+            </a:r>
+            <a:r>
+              <a:rPr lang="en-US" altLang="zh-CN" sz="2400" dirty="0" smtClean="0"/>
+              <a:t> if</a:t>
+            </a:r>
+          </a:p>
+          <a:p>
+            <a:r>
+              <a:rPr lang="en-US" altLang="zh-CN" sz="2400" dirty="0" smtClean="0"/>
+              <a:t>Generate </a:t>
+            </a:r>
+            <a:r>
+              <a:rPr lang="en-US" altLang="zh-CN" sz="2400" dirty="0" err="1" smtClean="0"/>
+              <a:t>sql</a:t>
+            </a:r>
+            <a:r>
+              <a:rPr lang="en-US" altLang="zh-CN" sz="2400" dirty="0" smtClean="0"/>
+              <a:t> with compile-time reflection</a:t>
+            </a:r>
+          </a:p>
+          <a:p>
+            <a:r>
+              <a:rPr lang="en-US" altLang="zh-CN" sz="2400" dirty="0" smtClean="0"/>
+              <a:t>Mapping entity with compile-time reflection</a:t>
+            </a:r>
+            <a:endParaRPr lang="zh-CN" altLang="en-US" sz="2400" dirty="0"/>
+          </a:p>
+        </p:txBody>
+      </p:sp>
+    </p:spTree>
+  </p:cSld>
+  <p:clrMapOvr>
+    <a:masterClrMapping/>
+  </p:clrMapOvr>
+  <p:timing>
+    <p:tnLst>
+      <p:par>
+        <p:cTn id="1" dur="indefinite" restart="never" nodeType="tmRoot"/>
+      </p:par>
+    </p:tnLst>
+  </p:timing>
+</p:sld>
+</file>
+
+<file path=ppt/slides/slide54.xml><?xml version="1.0" encoding="utf-8"?>
+<p:sld xmlns:a="http://schemas.openxmlformats.org/drawingml/2006/main" xmlns:r="http://schemas.openxmlformats.org/officeDocument/2006/relationships" xmlns:p="http://schemas.openxmlformats.org/presentationml/2006/main">
+  <p:cSld>
+    <p:spTree>
+      <p:nvGrpSpPr>
+        <p:cNvPr id="1" name=""/>
+        <p:cNvGrpSpPr/>
+        <p:nvPr/>
+      </p:nvGrpSpPr>
+      <p:grpSpPr>
+        <a:xfrm>
+          <a:off x="0" y="0"/>
+          <a:ext cx="0" cy="0"/>
+          <a:chOff x="0" y="0"/>
+          <a:chExt cx="0" cy="0"/>
+        </a:xfrm>
+      </p:grpSpPr>
+      <p:sp>
+        <p:nvSpPr>
+          <p:cNvPr id="2" name="标题 1"/>
+          <p:cNvSpPr>
+            <a:spLocks noGrp="1"/>
+          </p:cNvSpPr>
+          <p:nvPr>
+            <p:ph type="title"/>
+          </p:nvPr>
+        </p:nvSpPr>
+        <p:spPr/>
+        <p:txBody>
+          <a:bodyPr/>
+          <a:lstStyle/>
+          <a:p>
+            <a:pPr algn="l"/>
+            <a:r>
+              <a:rPr lang="en-US" altLang="zh-CN" dirty="0" smtClean="0"/>
+              <a:t>Render</a:t>
+            </a:r>
+            <a:endParaRPr lang="zh-CN" altLang="en-US" dirty="0"/>
+          </a:p>
+        </p:txBody>
+      </p:sp>
+      <p:sp>
+        <p:nvSpPr>
+          <p:cNvPr id="3" name="内容占位符 2"/>
+          <p:cNvSpPr>
+            <a:spLocks noGrp="1"/>
+          </p:cNvSpPr>
+          <p:nvPr>
+            <p:ph idx="1"/>
+          </p:nvPr>
+        </p:nvSpPr>
+        <p:spPr/>
+        <p:txBody>
+          <a:bodyPr/>
+          <a:lstStyle/>
+          <a:p>
+            <a:r>
+              <a:rPr lang="en-US" altLang="zh-CN" dirty="0" smtClean="0"/>
+              <a:t>Html template engine</a:t>
+            </a:r>
+          </a:p>
+          <a:p>
+            <a:pPr lvl="1"/>
+            <a:r>
+              <a:rPr lang="en-US" altLang="zh-CN" dirty="0" smtClean="0"/>
+              <a:t>Dynamic filling html</a:t>
+            </a:r>
+          </a:p>
+          <a:p>
+            <a:pPr lvl="1"/>
+            <a:r>
+              <a:rPr lang="en-US" altLang="zh-CN" dirty="0" smtClean="0"/>
+              <a:t>Control UI display</a:t>
+            </a:r>
+          </a:p>
+          <a:p>
+            <a:pPr lvl="1"/>
+            <a:r>
+              <a:rPr lang="en-US" altLang="zh-CN" dirty="0" smtClean="0"/>
+              <a:t>Html reuse</a:t>
+            </a:r>
+            <a:endParaRPr lang="zh-CN" altLang="en-US" dirty="0"/>
+          </a:p>
+        </p:txBody>
+      </p:sp>
+    </p:spTree>
+  </p:cSld>
+  <p:clrMapOvr>
+    <a:masterClrMapping/>
+  </p:clrMapOvr>
+  <p:timing>
+    <p:tnLst>
+      <p:par>
+        <p:cTn id="1" dur="indefinite" restart="never" nodeType="tmRoot"/>
+      </p:par>
+    </p:tnLst>
+  </p:timing>
+</p:sld>
+</file>
+
+<file path=ppt/slides/slide55.xml><?xml version="1.0" encoding="utf-8"?>
 <p:sld xmlns:a="http://schemas.openxmlformats.org/drawingml/2006/main" xmlns:r="http://schemas.openxmlformats.org/officeDocument/2006/relationships" xmlns:p="http://schemas.openxmlformats.org/presentationml/2006/main">
   <p:cSld>
     <p:spTree>
@@ -21797,7 +24096,7 @@
 </p:sld>
 </file>
 
-<file path=ppt/slides/slide54.xml><?xml version="1.0" encoding="utf-8"?>
+<file path=ppt/slides/slide56.xml><?xml version="1.0" encoding="utf-8"?>
 <p:sld xmlns:a="http://schemas.openxmlformats.org/drawingml/2006/main" xmlns:r="http://schemas.openxmlformats.org/officeDocument/2006/relationships" xmlns:p="http://schemas.openxmlformats.org/presentationml/2006/main">
   <p:cSld>
     <p:spTree>
@@ -22149,7 +24448,7 @@
 </p:sld>
 </file>
 
-<file path=ppt/slides/slide55.xml><?xml version="1.0" encoding="utf-8"?>
+<file path=ppt/slides/slide57.xml><?xml version="1.0" encoding="utf-8"?>
 <p:sld xmlns:a="http://schemas.openxmlformats.org/drawingml/2006/main" xmlns:r="http://schemas.openxmlformats.org/officeDocument/2006/relationships" xmlns:p="http://schemas.openxmlformats.org/presentationml/2006/main">
   <p:cSld>
     <p:spTree>
@@ -22708,7 +25007,7 @@
 </p:sld>
 </file>
 
-<file path=ppt/slides/slide56.xml><?xml version="1.0" encoding="utf-8"?>
+<file path=ppt/slides/slide58.xml><?xml version="1.0" encoding="utf-8"?>
 <p:sld xmlns:a="http://schemas.openxmlformats.org/drawingml/2006/main" xmlns:r="http://schemas.openxmlformats.org/officeDocument/2006/relationships" xmlns:p="http://schemas.openxmlformats.org/presentationml/2006/main">
   <p:cSld>
     <p:spTree>
@@ -23542,7 +25841,7 @@
 </p:sld>
 </file>
 
-<file path=ppt/slides/slide57.xml><?xml version="1.0" encoding="utf-8"?>
+<file path=ppt/slides/slide59.xml><?xml version="1.0" encoding="utf-8"?>
 <p:sld xmlns:a="http://schemas.openxmlformats.org/drawingml/2006/main" xmlns:r="http://schemas.openxmlformats.org/officeDocument/2006/relationships" xmlns:p="http://schemas.openxmlformats.org/presentationml/2006/main">
   <p:cSld>
     <p:spTree>
@@ -23905,239 +26204,6 @@
     <p:bldLst>
       <p:bldP spid="5" grpId="1" animBg="1"/>
     </p:bldLst>
-  </p:timing>
-</p:sld>
-</file>
-
-<file path=ppt/slides/slide58.xml><?xml version="1.0" encoding="utf-8"?>
-<p:sld xmlns:a="http://schemas.openxmlformats.org/drawingml/2006/main" xmlns:r="http://schemas.openxmlformats.org/officeDocument/2006/relationships" xmlns:p="http://schemas.openxmlformats.org/presentationml/2006/main">
-  <p:cSld>
-    <p:spTree>
-      <p:nvGrpSpPr>
-        <p:cNvPr id="1" name=""/>
-        <p:cNvGrpSpPr/>
-        <p:nvPr/>
-      </p:nvGrpSpPr>
-      <p:grpSpPr>
-        <a:xfrm>
-          <a:off x="0" y="0"/>
-          <a:ext cx="0" cy="0"/>
-          <a:chOff x="0" y="0"/>
-          <a:chExt cx="0" cy="0"/>
-        </a:xfrm>
-      </p:grpSpPr>
-      <p:sp>
-        <p:nvSpPr>
-          <p:cNvPr id="2" name="标题 1"/>
-          <p:cNvSpPr>
-            <a:spLocks noGrp="1"/>
-          </p:cNvSpPr>
-          <p:nvPr>
-            <p:ph type="title"/>
-          </p:nvPr>
-        </p:nvSpPr>
-        <p:spPr/>
-        <p:txBody>
-          <a:bodyPr/>
-          <a:lstStyle/>
-          <a:p>
-            <a:pPr algn="l"/>
-            <a:endParaRPr lang="zh-CN" altLang="en-US" dirty="0"/>
-          </a:p>
-        </p:txBody>
-      </p:sp>
-      <p:sp>
-        <p:nvSpPr>
-          <p:cNvPr id="3" name="内容占位符 2"/>
-          <p:cNvSpPr>
-            <a:spLocks noGrp="1"/>
-          </p:cNvSpPr>
-          <p:nvPr>
-            <p:ph idx="1"/>
-          </p:nvPr>
-        </p:nvSpPr>
-        <p:spPr/>
-        <p:txBody>
-          <a:bodyPr/>
-          <a:lstStyle/>
-          <a:p>
-            <a:endParaRPr lang="zh-CN" altLang="en-US"/>
-          </a:p>
-        </p:txBody>
-      </p:sp>
-      <p:pic>
-        <p:nvPicPr>
-          <p:cNvPr id="44034" name="Picture 2"/>
-          <p:cNvPicPr>
-            <a:picLocks noChangeAspect="1" noChangeArrowheads="1"/>
-          </p:cNvPicPr>
-          <p:nvPr/>
-        </p:nvPicPr>
-        <p:blipFill>
-          <a:blip r:embed="rId2"/>
-          <a:srcRect/>
-          <a:stretch>
-            <a:fillRect/>
-          </a:stretch>
-        </p:blipFill>
-        <p:spPr bwMode="auto">
-          <a:xfrm>
-            <a:off x="1643042" y="1214428"/>
-            <a:ext cx="5875337" cy="3314700"/>
-          </a:xfrm>
-          <a:prstGeom prst="rect">
-            <a:avLst/>
-          </a:prstGeom>
-          <a:noFill/>
-          <a:ln w="9525">
-            <a:noFill/>
-            <a:miter lim="800000"/>
-            <a:headEnd/>
-            <a:tailEnd/>
-          </a:ln>
-          <a:effectLst/>
-        </p:spPr>
-      </p:pic>
-    </p:spTree>
-  </p:cSld>
-  <p:clrMapOvr>
-    <a:masterClrMapping/>
-  </p:clrMapOvr>
-  <p:timing>
-    <p:tnLst>
-      <p:par>
-        <p:cTn id="1" dur="indefinite" restart="never" nodeType="tmRoot"/>
-      </p:par>
-    </p:tnLst>
-  </p:timing>
-</p:sld>
-</file>
-
-<file path=ppt/slides/slide59.xml><?xml version="1.0" encoding="utf-8"?>
-<p:sld xmlns:a="http://schemas.openxmlformats.org/drawingml/2006/main" xmlns:r="http://schemas.openxmlformats.org/officeDocument/2006/relationships" xmlns:p="http://schemas.openxmlformats.org/presentationml/2006/main">
-  <p:cSld>
-    <p:spTree>
-      <p:nvGrpSpPr>
-        <p:cNvPr id="1" name=""/>
-        <p:cNvGrpSpPr/>
-        <p:nvPr/>
-      </p:nvGrpSpPr>
-      <p:grpSpPr>
-        <a:xfrm>
-          <a:off x="0" y="0"/>
-          <a:ext cx="0" cy="0"/>
-          <a:chOff x="0" y="0"/>
-          <a:chExt cx="0" cy="0"/>
-        </a:xfrm>
-      </p:grpSpPr>
-      <p:sp>
-        <p:nvSpPr>
-          <p:cNvPr id="2" name="标题 1"/>
-          <p:cNvSpPr>
-            <a:spLocks noGrp="1"/>
-          </p:cNvSpPr>
-          <p:nvPr>
-            <p:ph type="title"/>
-          </p:nvPr>
-        </p:nvSpPr>
-        <p:spPr/>
-        <p:txBody>
-          <a:bodyPr/>
-          <a:lstStyle/>
-          <a:p>
-            <a:pPr algn="l"/>
-            <a:r>
-              <a:rPr lang="en-US" altLang="zh-CN" dirty="0" smtClean="0"/>
-              <a:t>How to rapidly develop</a:t>
-            </a:r>
-            <a:endParaRPr lang="zh-CN" altLang="en-US" dirty="0"/>
-          </a:p>
-        </p:txBody>
-      </p:sp>
-      <p:sp>
-        <p:nvSpPr>
-          <p:cNvPr id="3" name="内容占位符 2"/>
-          <p:cNvSpPr>
-            <a:spLocks noGrp="1"/>
-          </p:cNvSpPr>
-          <p:nvPr>
-            <p:ph idx="1"/>
-          </p:nvPr>
-        </p:nvSpPr>
-        <p:spPr/>
-        <p:txBody>
-          <a:bodyPr>
-            <a:normAutofit/>
-          </a:bodyPr>
-          <a:lstStyle/>
-          <a:p>
-            <a:r>
-              <a:rPr lang="en-US" altLang="zh-CN" sz="2400" dirty="0" smtClean="0"/>
-              <a:t>Focus on business function</a:t>
-            </a:r>
-          </a:p>
-          <a:p>
-            <a:r>
-              <a:rPr lang="en-US" altLang="zh-CN" sz="2400" dirty="0" smtClean="0"/>
-              <a:t>Separate core business and non-core business</a:t>
-            </a:r>
-          </a:p>
-          <a:p>
-            <a:r>
-              <a:rPr lang="en-US" altLang="zh-CN" sz="2400" dirty="0" smtClean="0"/>
-              <a:t>Utilize the framework to help you to solve trivial details</a:t>
-            </a:r>
-          </a:p>
-          <a:p>
-            <a:pPr lvl="1"/>
-            <a:r>
-              <a:rPr lang="en-US" altLang="zh-CN" sz="2000" dirty="0" smtClean="0"/>
-              <a:t>Use </a:t>
-            </a:r>
-            <a:r>
-              <a:rPr lang="en-US" altLang="zh-CN" sz="2000" dirty="0" err="1" smtClean="0"/>
-              <a:t>cinatra</a:t>
-            </a:r>
-            <a:r>
-              <a:rPr lang="en-US" altLang="zh-CN" sz="2000" dirty="0" smtClean="0"/>
-              <a:t> to solve http details, just need focus on the parsed results</a:t>
-            </a:r>
-          </a:p>
-          <a:p>
-            <a:pPr lvl="1"/>
-            <a:r>
-              <a:rPr lang="en-US" altLang="zh-CN" sz="2000" dirty="0" smtClean="0"/>
-              <a:t>Use </a:t>
-            </a:r>
-            <a:r>
-              <a:rPr lang="en-US" altLang="zh-CN" sz="2000" dirty="0" err="1" smtClean="0"/>
-              <a:t>ormpp</a:t>
-            </a:r>
-            <a:r>
-              <a:rPr lang="en-US" altLang="zh-CN" sz="2000" dirty="0" smtClean="0"/>
-              <a:t> to solve the database details, just need focus on objects mapped from the database</a:t>
-            </a:r>
-          </a:p>
-          <a:p>
-            <a:pPr lvl="1"/>
-            <a:r>
-              <a:rPr lang="en-US" altLang="zh-CN" sz="2000" dirty="0" smtClean="0"/>
-              <a:t>Use render to solve html details, just need focus on how to fill the template</a:t>
-            </a:r>
-          </a:p>
-        </p:txBody>
-      </p:sp>
-    </p:spTree>
-  </p:cSld>
-  <p:clrMapOvr>
-    <a:masterClrMapping/>
-  </p:clrMapOvr>
-  <p:timing>
-    <p:tnLst>
-      <p:par>
-        <p:cTn id="1" dur="indefinite" restart="never" nodeType="tmRoot"/>
-      </p:par>
-    </p:tnLst>
   </p:timing>
 </p:sld>
 </file>
@@ -24554,6 +26620,239 @@
           <a:lstStyle/>
           <a:p>
             <a:pPr algn="l"/>
+            <a:endParaRPr lang="zh-CN" altLang="en-US" dirty="0"/>
+          </a:p>
+        </p:txBody>
+      </p:sp>
+      <p:sp>
+        <p:nvSpPr>
+          <p:cNvPr id="3" name="内容占位符 2"/>
+          <p:cNvSpPr>
+            <a:spLocks noGrp="1"/>
+          </p:cNvSpPr>
+          <p:nvPr>
+            <p:ph idx="1"/>
+          </p:nvPr>
+        </p:nvSpPr>
+        <p:spPr/>
+        <p:txBody>
+          <a:bodyPr/>
+          <a:lstStyle/>
+          <a:p>
+            <a:endParaRPr lang="zh-CN" altLang="en-US"/>
+          </a:p>
+        </p:txBody>
+      </p:sp>
+      <p:pic>
+        <p:nvPicPr>
+          <p:cNvPr id="44034" name="Picture 2"/>
+          <p:cNvPicPr>
+            <a:picLocks noChangeAspect="1" noChangeArrowheads="1"/>
+          </p:cNvPicPr>
+          <p:nvPr/>
+        </p:nvPicPr>
+        <p:blipFill>
+          <a:blip r:embed="rId2"/>
+          <a:srcRect/>
+          <a:stretch>
+            <a:fillRect/>
+          </a:stretch>
+        </p:blipFill>
+        <p:spPr bwMode="auto">
+          <a:xfrm>
+            <a:off x="1643042" y="1214428"/>
+            <a:ext cx="5875337" cy="3314700"/>
+          </a:xfrm>
+          <a:prstGeom prst="rect">
+            <a:avLst/>
+          </a:prstGeom>
+          <a:noFill/>
+          <a:ln w="9525">
+            <a:noFill/>
+            <a:miter lim="800000"/>
+            <a:headEnd/>
+            <a:tailEnd/>
+          </a:ln>
+          <a:effectLst/>
+        </p:spPr>
+      </p:pic>
+    </p:spTree>
+  </p:cSld>
+  <p:clrMapOvr>
+    <a:masterClrMapping/>
+  </p:clrMapOvr>
+  <p:timing>
+    <p:tnLst>
+      <p:par>
+        <p:cTn id="1" dur="indefinite" restart="never" nodeType="tmRoot"/>
+      </p:par>
+    </p:tnLst>
+  </p:timing>
+</p:sld>
+</file>
+
+<file path=ppt/slides/slide61.xml><?xml version="1.0" encoding="utf-8"?>
+<p:sld xmlns:a="http://schemas.openxmlformats.org/drawingml/2006/main" xmlns:r="http://schemas.openxmlformats.org/officeDocument/2006/relationships" xmlns:p="http://schemas.openxmlformats.org/presentationml/2006/main">
+  <p:cSld>
+    <p:spTree>
+      <p:nvGrpSpPr>
+        <p:cNvPr id="1" name=""/>
+        <p:cNvGrpSpPr/>
+        <p:nvPr/>
+      </p:nvGrpSpPr>
+      <p:grpSpPr>
+        <a:xfrm>
+          <a:off x="0" y="0"/>
+          <a:ext cx="0" cy="0"/>
+          <a:chOff x="0" y="0"/>
+          <a:chExt cx="0" cy="0"/>
+        </a:xfrm>
+      </p:grpSpPr>
+      <p:sp>
+        <p:nvSpPr>
+          <p:cNvPr id="2" name="标题 1"/>
+          <p:cNvSpPr>
+            <a:spLocks noGrp="1"/>
+          </p:cNvSpPr>
+          <p:nvPr>
+            <p:ph type="title"/>
+          </p:nvPr>
+        </p:nvSpPr>
+        <p:spPr/>
+        <p:txBody>
+          <a:bodyPr/>
+          <a:lstStyle/>
+          <a:p>
+            <a:pPr algn="l"/>
+            <a:r>
+              <a:rPr lang="en-US" altLang="zh-CN" dirty="0" smtClean="0"/>
+              <a:t>How to rapidly develop</a:t>
+            </a:r>
+            <a:endParaRPr lang="zh-CN" altLang="en-US" dirty="0"/>
+          </a:p>
+        </p:txBody>
+      </p:sp>
+      <p:sp>
+        <p:nvSpPr>
+          <p:cNvPr id="3" name="内容占位符 2"/>
+          <p:cNvSpPr>
+            <a:spLocks noGrp="1"/>
+          </p:cNvSpPr>
+          <p:nvPr>
+            <p:ph idx="1"/>
+          </p:nvPr>
+        </p:nvSpPr>
+        <p:spPr/>
+        <p:txBody>
+          <a:bodyPr>
+            <a:normAutofit/>
+          </a:bodyPr>
+          <a:lstStyle/>
+          <a:p>
+            <a:r>
+              <a:rPr lang="en-US" altLang="zh-CN" sz="2400" dirty="0" smtClean="0"/>
+              <a:t>Focus on business function</a:t>
+            </a:r>
+          </a:p>
+          <a:p>
+            <a:r>
+              <a:rPr lang="en-US" altLang="zh-CN" sz="2400" dirty="0" smtClean="0"/>
+              <a:t>Separate core business and non-core business</a:t>
+            </a:r>
+          </a:p>
+          <a:p>
+            <a:r>
+              <a:rPr lang="en-US" altLang="zh-CN" sz="2400" dirty="0" smtClean="0"/>
+              <a:t>Utilize the framework to help you to solve trivial details</a:t>
+            </a:r>
+          </a:p>
+          <a:p>
+            <a:pPr lvl="1"/>
+            <a:r>
+              <a:rPr lang="en-US" altLang="zh-CN" sz="2000" dirty="0" smtClean="0"/>
+              <a:t>Use </a:t>
+            </a:r>
+            <a:r>
+              <a:rPr lang="en-US" altLang="zh-CN" sz="2000" dirty="0" err="1" smtClean="0"/>
+              <a:t>cinatra</a:t>
+            </a:r>
+            <a:r>
+              <a:rPr lang="en-US" altLang="zh-CN" sz="2000" dirty="0" smtClean="0"/>
+              <a:t> to solve http details, just need focus on the parsed results</a:t>
+            </a:r>
+          </a:p>
+          <a:p>
+            <a:pPr lvl="1"/>
+            <a:r>
+              <a:rPr lang="en-US" altLang="zh-CN" sz="2000" dirty="0" smtClean="0"/>
+              <a:t>Use </a:t>
+            </a:r>
+            <a:r>
+              <a:rPr lang="en-US" altLang="zh-CN" sz="2000" dirty="0" err="1" smtClean="0"/>
+              <a:t>ormpp</a:t>
+            </a:r>
+            <a:r>
+              <a:rPr lang="en-US" altLang="zh-CN" sz="2000" dirty="0" smtClean="0"/>
+              <a:t> to solve the database details, just need focus on objects mapped from the database</a:t>
+            </a:r>
+          </a:p>
+          <a:p>
+            <a:pPr lvl="1"/>
+            <a:r>
+              <a:rPr lang="en-US" altLang="zh-CN" sz="2000" dirty="0" smtClean="0"/>
+              <a:t>Use render to solve html details, just need focus on how to fill the template</a:t>
+            </a:r>
+          </a:p>
+        </p:txBody>
+      </p:sp>
+    </p:spTree>
+  </p:cSld>
+  <p:clrMapOvr>
+    <a:masterClrMapping/>
+  </p:clrMapOvr>
+  <p:timing>
+    <p:tnLst>
+      <p:par>
+        <p:cTn id="1" dur="indefinite" restart="never" nodeType="tmRoot"/>
+      </p:par>
+    </p:tnLst>
+  </p:timing>
+</p:sld>
+</file>
+
+<file path=ppt/slides/slide62.xml><?xml version="1.0" encoding="utf-8"?>
+<p:sld xmlns:a="http://schemas.openxmlformats.org/drawingml/2006/main" xmlns:r="http://schemas.openxmlformats.org/officeDocument/2006/relationships" xmlns:p="http://schemas.openxmlformats.org/presentationml/2006/main">
+  <p:cSld>
+    <p:spTree>
+      <p:nvGrpSpPr>
+        <p:cNvPr id="1" name=""/>
+        <p:cNvGrpSpPr/>
+        <p:nvPr/>
+      </p:nvGrpSpPr>
+      <p:grpSpPr>
+        <a:xfrm>
+          <a:off x="0" y="0"/>
+          <a:ext cx="0" cy="0"/>
+          <a:chOff x="0" y="0"/>
+          <a:chExt cx="0" cy="0"/>
+        </a:xfrm>
+      </p:grpSpPr>
+      <p:sp>
+        <p:nvSpPr>
+          <p:cNvPr id="2" name="标题 1"/>
+          <p:cNvSpPr>
+            <a:spLocks noGrp="1"/>
+          </p:cNvSpPr>
+          <p:nvPr>
+            <p:ph type="title"/>
+          </p:nvPr>
+        </p:nvSpPr>
+        <p:spPr/>
+        <p:txBody>
+          <a:bodyPr/>
+          <a:lstStyle/>
+          <a:p>
+            <a:pPr algn="l"/>
             <a:r>
               <a:rPr lang="en-US" altLang="zh-CN" dirty="0" smtClean="0"/>
               <a:t>Login html page</a:t>
@@ -24629,7 +26928,7 @@
 </p:sld>
 </file>
 
-<file path=ppt/slides/slide61.xml><?xml version="1.0" encoding="utf-8"?>
+<file path=ppt/slides/slide63.xml><?xml version="1.0" encoding="utf-8"?>
 <p:sld xmlns:a="http://schemas.openxmlformats.org/drawingml/2006/main" xmlns:r="http://schemas.openxmlformats.org/officeDocument/2006/relationships" xmlns:p="http://schemas.openxmlformats.org/presentationml/2006/main">
   <p:cSld>
     <p:spTree>
@@ -24770,7 +27069,7 @@
 </p:sld>
 </file>
 
-<file path=ppt/slides/slide62.xml><?xml version="1.0" encoding="utf-8"?>
+<file path=ppt/slides/slide64.xml><?xml version="1.0" encoding="utf-8"?>
 <p:sld xmlns:a="http://schemas.openxmlformats.org/drawingml/2006/main" xmlns:r="http://schemas.openxmlformats.org/officeDocument/2006/relationships" xmlns:p="http://schemas.openxmlformats.org/presentationml/2006/main">
   <p:cSld>
     <p:spTree>
@@ -24874,7 +27173,7 @@
 </p:sld>
 </file>
 
-<file path=ppt/slides/slide63.xml><?xml version="1.0" encoding="utf-8"?>
+<file path=ppt/slides/slide65.xml><?xml version="1.0" encoding="utf-8"?>
 <p:sld xmlns:a="http://schemas.openxmlformats.org/drawingml/2006/main" xmlns:r="http://schemas.openxmlformats.org/officeDocument/2006/relationships" xmlns:p="http://schemas.openxmlformats.org/presentationml/2006/main">
   <p:cSld>
     <p:spTree>
@@ -25268,7 +27567,7 @@
 </p:sld>
 </file>
 
-<file path=ppt/slides/slide64.xml><?xml version="1.0" encoding="utf-8"?>
+<file path=ppt/slides/slide66.xml><?xml version="1.0" encoding="utf-8"?>
 <p:sld xmlns:a="http://schemas.openxmlformats.org/drawingml/2006/main" xmlns:r="http://schemas.openxmlformats.org/officeDocument/2006/relationships" xmlns:p="http://schemas.openxmlformats.org/presentationml/2006/main">
   <p:cSld>
     <p:spTree>
@@ -25402,7 +27701,7 @@
 </p:sld>
 </file>
 
-<file path=ppt/slides/slide65.xml><?xml version="1.0" encoding="utf-8"?>
+<file path=ppt/slides/slide67.xml><?xml version="1.0" encoding="utf-8"?>
 <p:sld xmlns:a="http://schemas.openxmlformats.org/drawingml/2006/main" xmlns:r="http://schemas.openxmlformats.org/officeDocument/2006/relationships" xmlns:p="http://schemas.openxmlformats.org/presentationml/2006/main">
   <p:cSld>
     <p:spTree>
@@ -25531,7 +27830,7 @@
 </p:sld>
 </file>
 
-<file path=ppt/slides/slide66.xml><?xml version="1.0" encoding="utf-8"?>
+<file path=ppt/slides/slide68.xml><?xml version="1.0" encoding="utf-8"?>
 <p:sld xmlns:a="http://schemas.openxmlformats.org/drawingml/2006/main" xmlns:r="http://schemas.openxmlformats.org/officeDocument/2006/relationships" xmlns:p="http://schemas.openxmlformats.org/presentationml/2006/main">
   <p:cSld>
     <p:spTree>
@@ -25630,7 +27929,7 @@
 </p:sld>
 </file>
 
-<file path=ppt/slides/slide67.xml><?xml version="1.0" encoding="utf-8"?>
+<file path=ppt/slides/slide69.xml><?xml version="1.0" encoding="utf-8"?>
 <p:sld xmlns:a="http://schemas.openxmlformats.org/drawingml/2006/main" xmlns:r="http://schemas.openxmlformats.org/officeDocument/2006/relationships" xmlns:p="http://schemas.openxmlformats.org/presentationml/2006/main">
   <p:cSld>
     <p:spTree>
@@ -25859,11 +28158,7 @@
           <a:p>
             <a:r>
               <a:rPr lang="en-US" altLang="zh-CN" dirty="0" smtClean="0"/>
-              <a:t>4 </a:t>
-            </a:r>
-            <a:r>
-              <a:rPr lang="en-US" altLang="zh-CN" dirty="0" smtClean="0"/>
-              <a:t>popular </a:t>
+              <a:t>4 popular </a:t>
             </a:r>
             <a:r>
               <a:rPr lang="en-US" altLang="zh-CN" dirty="0" err="1" smtClean="0"/>
@@ -25873,7 +28168,6 @@
               <a:rPr lang="en-US" altLang="zh-CN" dirty="0" smtClean="0"/>
               <a:t> web </a:t>
             </a:r>
-            <a:endParaRPr lang="en-US" altLang="zh-CN" dirty="0" smtClean="0"/>
           </a:p>
           <a:p>
             <a:r>
@@ -26092,7 +28386,11 @@
           <a:p>
             <a:r>
               <a:rPr lang="en-US" altLang="zh-CN" sz="1600" dirty="0" smtClean="0"/>
-              <a:t>html template</a:t>
+              <a:t>html </a:t>
+            </a:r>
+            <a:r>
+              <a:rPr lang="en-US" altLang="zh-CN" sz="1600" dirty="0" smtClean="0"/>
+              <a:t>templates</a:t>
             </a:r>
             <a:endParaRPr lang="zh-CN" altLang="en-US" sz="1600" dirty="0"/>
           </a:p>
@@ -26578,15 +28876,7 @@
             </a:r>
             <a:r>
               <a:rPr lang="en-US" altLang="zh-CN" dirty="0" smtClean="0"/>
-              <a:t>heavy, </a:t>
-            </a:r>
-            <a:r>
-              <a:rPr lang="en-US" altLang="zh-CN" dirty="0" smtClean="0"/>
-              <a:t>not modern </a:t>
-            </a:r>
-            <a:r>
-              <a:rPr lang="en-US" altLang="zh-CN" dirty="0" err="1" smtClean="0"/>
-              <a:t>c++</a:t>
+              <a:t>heavy</a:t>
             </a:r>
             <a:endParaRPr lang="zh-CN" altLang="en-US" dirty="0" smtClean="0"/>
           </a:p>

--- a/cppcon2018.pptx
+++ b/cppcon2018.pptx
@@ -36,7 +36,7 @@
     <p:sldId id="337" r:id="rId27"/>
     <p:sldId id="297" r:id="rId28"/>
     <p:sldId id="291" r:id="rId29"/>
-    <p:sldId id="299" r:id="rId30"/>
+    <p:sldId id="340" r:id="rId30"/>
     <p:sldId id="306" r:id="rId31"/>
     <p:sldId id="293" r:id="rId32"/>
     <p:sldId id="294" r:id="rId33"/>
@@ -528,88 +528,6 @@
 </file>
 
 <file path=ppt/notesSlides/notesSlide1.xml><?xml version="1.0" encoding="utf-8"?>
-<p:notes xmlns:a="http://schemas.openxmlformats.org/drawingml/2006/main" xmlns:r="http://schemas.openxmlformats.org/officeDocument/2006/relationships" xmlns:p="http://schemas.openxmlformats.org/presentationml/2006/main">
-  <p:cSld>
-    <p:spTree>
-      <p:nvGrpSpPr>
-        <p:cNvPr id="1" name=""/>
-        <p:cNvGrpSpPr/>
-        <p:nvPr/>
-      </p:nvGrpSpPr>
-      <p:grpSpPr>
-        <a:xfrm>
-          <a:off x="0" y="0"/>
-          <a:ext cx="0" cy="0"/>
-          <a:chOff x="0" y="0"/>
-          <a:chExt cx="0" cy="0"/>
-        </a:xfrm>
-      </p:grpSpPr>
-      <p:sp>
-        <p:nvSpPr>
-          <p:cNvPr id="2" name="幻灯片图像占位符 1"/>
-          <p:cNvSpPr>
-            <a:spLocks noGrp="1" noRot="1" noChangeAspect="1"/>
-          </p:cNvSpPr>
-          <p:nvPr>
-            <p:ph type="sldImg"/>
-          </p:nvPr>
-        </p:nvSpPr>
-        <p:spPr/>
-      </p:sp>
-      <p:sp>
-        <p:nvSpPr>
-          <p:cNvPr id="3" name="备注占位符 2"/>
-          <p:cNvSpPr>
-            <a:spLocks noGrp="1"/>
-          </p:cNvSpPr>
-          <p:nvPr>
-            <p:ph type="body" idx="1"/>
-          </p:nvPr>
-        </p:nvSpPr>
-        <p:spPr/>
-        <p:txBody>
-          <a:bodyPr>
-            <a:normAutofit/>
-          </a:bodyPr>
-          <a:lstStyle/>
-          <a:p>
-            <a:endParaRPr lang="zh-CN" altLang="en-US" dirty="0"/>
-          </a:p>
-        </p:txBody>
-      </p:sp>
-      <p:sp>
-        <p:nvSpPr>
-          <p:cNvPr id="4" name="灯片编号占位符 3"/>
-          <p:cNvSpPr>
-            <a:spLocks noGrp="1"/>
-          </p:cNvSpPr>
-          <p:nvPr>
-            <p:ph type="sldNum" sz="quarter" idx="10"/>
-          </p:nvPr>
-        </p:nvSpPr>
-        <p:spPr/>
-        <p:txBody>
-          <a:bodyPr/>
-          <a:lstStyle/>
-          <a:p>
-            <a:fld id="{83CD164C-6AF4-47A6-80A8-5587AE76359C}" type="slidenum">
-              <a:rPr lang="zh-CN" altLang="en-US" smtClean="0"/>
-              <a:pPr/>
-              <a:t>29</a:t>
-            </a:fld>
-            <a:endParaRPr lang="zh-CN" altLang="en-US"/>
-          </a:p>
-        </p:txBody>
-      </p:sp>
-    </p:spTree>
-  </p:cSld>
-  <p:clrMapOvr>
-    <a:masterClrMapping/>
-  </p:clrMapOvr>
-</p:notes>
-</file>
-
-<file path=ppt/notesSlides/notesSlide2.xml><?xml version="1.0" encoding="utf-8"?>
 <p:notes xmlns:a="http://schemas.openxmlformats.org/drawingml/2006/main" xmlns:r="http://schemas.openxmlformats.org/officeDocument/2006/relationships" xmlns:p="http://schemas.openxmlformats.org/presentationml/2006/main">
   <p:cSld>
     <p:spTree>
@@ -3902,13 +3820,8 @@
           <a:p>
             <a:r>
               <a:rPr lang="en-US" altLang="zh-CN" dirty="0" smtClean="0"/>
-              <a:t>A </a:t>
-            </a:r>
-            <a:r>
-              <a:rPr lang="en-US" altLang="zh-CN" dirty="0" smtClean="0"/>
-              <a:t>little bit complicated</a:t>
-            </a:r>
-            <a:endParaRPr lang="en-US" altLang="zh-CN" dirty="0" smtClean="0"/>
+              <a:t>A little bit complicated</a:t>
+            </a:r>
           </a:p>
         </p:txBody>
       </p:sp>
@@ -5217,15 +5130,7 @@
           <a:p>
             <a:r>
               <a:rPr lang="en-US" altLang="zh-CN" dirty="0" smtClean="0"/>
-              <a:t>Just focus on business, </a:t>
-            </a:r>
-            <a:r>
-              <a:rPr lang="en-US" altLang="zh-CN" dirty="0" smtClean="0"/>
-              <a:t>as simple </a:t>
-            </a:r>
-            <a:r>
-              <a:rPr lang="en-US" altLang="zh-CN" smtClean="0"/>
-              <a:t>as possible</a:t>
+              <a:t>Just focus on business, as simple as possible</a:t>
             </a:r>
             <a:endParaRPr lang="zh-CN" altLang="en-US" dirty="0"/>
           </a:p>
@@ -5420,33 +5325,15 @@
                                   </p:childTnLst>
                                 </p:cTn>
                               </p:par>
-                            </p:childTnLst>
-                          </p:cTn>
-                        </p:par>
-                      </p:childTnLst>
-                    </p:cTn>
-                  </p:par>
-                  <p:par>
-                    <p:cTn id="15" fill="hold">
-                      <p:stCondLst>
-                        <p:cond delay="indefinite"/>
-                      </p:stCondLst>
-                      <p:childTnLst>
-                        <p:par>
-                          <p:cTn id="16" fill="hold">
-                            <p:stCondLst>
-                              <p:cond delay="0"/>
-                            </p:stCondLst>
-                            <p:childTnLst>
                               <p:par>
-                                <p:cTn id="17" presetID="2" presetClass="entr" presetSubtype="4" fill="hold" grpId="0" nodeType="clickEffect">
+                                <p:cTn id="15" presetID="2" presetClass="entr" presetSubtype="4" fill="hold" grpId="0" nodeType="withEffect">
                                   <p:stCondLst>
                                     <p:cond delay="0"/>
                                   </p:stCondLst>
                                   <p:childTnLst>
                                     <p:set>
                                       <p:cBhvr>
-                                        <p:cTn id="18" dur="1" fill="hold">
+                                        <p:cTn id="16" dur="1" fill="hold">
                                           <p:stCondLst>
                                             <p:cond delay="0"/>
                                           </p:stCondLst>
@@ -5464,7 +5351,7 @@
                                     </p:set>
                                     <p:anim calcmode="lin" valueType="num">
                                       <p:cBhvr additive="base">
-                                        <p:cTn id="19" dur="500" fill="hold"/>
+                                        <p:cTn id="17" dur="500" fill="hold"/>
                                         <p:tgtEl>
                                           <p:spTgt spid="7"/>
                                         </p:tgtEl>
@@ -5487,7 +5374,7 @@
                                     </p:anim>
                                     <p:anim calcmode="lin" valueType="num">
                                       <p:cBhvr additive="base">
-                                        <p:cTn id="20" dur="500" fill="hold"/>
+                                        <p:cTn id="18" dur="500" fill="hold"/>
                                         <p:tgtEl>
                                           <p:spTgt spid="7"/>
                                         </p:tgtEl>
@@ -6143,7 +6030,7 @@
         <p:spPr>
           <a:xfrm>
             <a:off x="3357554" y="3500444"/>
-            <a:ext cx="4531112" cy="1015663"/>
+            <a:ext cx="4764831" cy="1015663"/>
           </a:xfrm>
           <a:prstGeom prst="rect">
             <a:avLst/>
@@ -6171,7 +6058,11 @@
           <a:p>
             <a:r>
               <a:rPr lang="en-US" altLang="zh-CN" sz="2000" dirty="0" smtClean="0"/>
-              <a:t>All the core business code is just </a:t>
+              <a:t>All the core business code is </a:t>
+            </a:r>
+            <a:r>
+              <a:rPr lang="en-US" altLang="zh-CN" sz="2000" dirty="0" smtClean="0"/>
+              <a:t>about </a:t>
             </a:r>
             <a:r>
               <a:rPr lang="en-US" altLang="zh-CN" sz="2000" b="1" dirty="0" smtClean="0"/>
@@ -6179,7 +6070,11 @@
             </a:r>
             <a:r>
               <a:rPr lang="en-US" altLang="zh-CN" sz="2000" dirty="0" smtClean="0"/>
-              <a:t> lines</a:t>
+              <a:t> </a:t>
+            </a:r>
+            <a:r>
+              <a:rPr lang="en-US" altLang="zh-CN" sz="2000" dirty="0" smtClean="0"/>
+              <a:t>lines</a:t>
             </a:r>
           </a:p>
           <a:p>
@@ -6418,6 +6313,35 @@
           <a:noFill/>
         </p:spPr>
       </p:pic>
+      <p:sp>
+        <p:nvSpPr>
+          <p:cNvPr id="5" name="矩形 4"/>
+          <p:cNvSpPr/>
+          <p:nvPr/>
+        </p:nvSpPr>
+        <p:spPr>
+          <a:xfrm>
+            <a:off x="3286116" y="4071948"/>
+            <a:ext cx="1315745" cy="307777"/>
+          </a:xfrm>
+          <a:prstGeom prst="rect">
+            <a:avLst/>
+          </a:prstGeom>
+        </p:spPr>
+        <p:txBody>
+          <a:bodyPr wrap="none">
+            <a:spAutoFit/>
+          </a:bodyPr>
+          <a:lstStyle/>
+          <a:p>
+            <a:r>
+              <a:rPr lang="en-US" altLang="zh-CN" sz="1400" dirty="0" smtClean="0"/>
+              <a:t>Higher is better</a:t>
+            </a:r>
+            <a:endParaRPr lang="zh-CN" altLang="en-US" sz="1400" dirty="0"/>
+          </a:p>
+        </p:txBody>
+      </p:sp>
     </p:spTree>
   </p:cSld>
   <p:clrMapOvr>
@@ -6511,11 +6435,7 @@
           <a:p>
             <a:r>
               <a:rPr lang="en-US" altLang="zh-CN" sz="2800" dirty="0" smtClean="0"/>
-              <a:t>How to Rapidly Develop </a:t>
-            </a:r>
-            <a:r>
-              <a:rPr lang="en-US" altLang="zh-CN" sz="2800" dirty="0" smtClean="0"/>
-              <a:t>Web Applications?</a:t>
+              <a:t>How to Rapidly Develop Web Applications?</a:t>
             </a:r>
             <a:endParaRPr lang="zh-CN" altLang="en-US" sz="2800" dirty="0"/>
           </a:p>
@@ -8038,7 +7958,15 @@
             <a:pPr lvl="1"/>
             <a:r>
               <a:rPr lang="en-US" altLang="zh-CN" sz="2000" dirty="0" smtClean="0"/>
-              <a:t>Support file upload/download, session/cookie</a:t>
+              <a:t>Support </a:t>
+            </a:r>
+            <a:r>
+              <a:rPr lang="en-US" altLang="zh-CN" sz="2000" dirty="0" smtClean="0"/>
+              <a:t>upload/download files, </a:t>
+            </a:r>
+            <a:r>
+              <a:rPr lang="en-US" altLang="zh-CN" sz="2000" dirty="0" smtClean="0"/>
+              <a:t>session/cookie</a:t>
             </a:r>
             <a:endParaRPr lang="zh-CN" altLang="en-US" sz="2000" dirty="0"/>
           </a:p>
@@ -8128,32 +8056,65 @@
             <a:pPr lvl="1"/>
             <a:r>
               <a:rPr lang="en-US" altLang="zh-CN" sz="2000" dirty="0" err="1" smtClean="0"/>
-              <a:t>Cinatra</a:t>
+              <a:t>cinatra</a:t>
             </a:r>
             <a:r>
               <a:rPr lang="en-US" altLang="zh-CN" sz="2000" dirty="0" smtClean="0"/>
-              <a:t> is a application library, focus on business, lead to very few code to finish a web application</a:t>
+              <a:t> </a:t>
+            </a:r>
+            <a:r>
+              <a:rPr lang="en-US" altLang="zh-CN" sz="2000" dirty="0" smtClean="0"/>
+              <a:t>is a application library, focus on business, lead to very few code to finish a web application</a:t>
             </a:r>
           </a:p>
           <a:p>
             <a:pPr lvl="1"/>
             <a:r>
+              <a:rPr lang="en-US" altLang="zh-CN" sz="2000" dirty="0" err="1" smtClean="0"/>
+              <a:t>cinatra</a:t>
+            </a:r>
+            <a:r>
               <a:rPr lang="en-US" altLang="zh-CN" sz="2000" dirty="0" smtClean="0"/>
-              <a:t>Framework  do much work for user</a:t>
-            </a:r>
+              <a:t>  </a:t>
+            </a:r>
+            <a:r>
+              <a:rPr lang="en-US" altLang="zh-CN" sz="2000" dirty="0" smtClean="0"/>
+              <a:t>do much work for </a:t>
+            </a:r>
+            <a:r>
+              <a:rPr lang="en-US" altLang="zh-CN" sz="2000" dirty="0" smtClean="0"/>
+              <a:t>users</a:t>
+            </a:r>
+            <a:endParaRPr lang="en-US" altLang="zh-CN" sz="2000" dirty="0" smtClean="0"/>
           </a:p>
           <a:p>
             <a:pPr lvl="1"/>
             <a:r>
               <a:rPr lang="en-US" altLang="zh-CN" sz="2000" dirty="0" smtClean="0"/>
-              <a:t>Beast is a basic library, provide low level interface</a:t>
+              <a:t>beast </a:t>
+            </a:r>
+            <a:r>
+              <a:rPr lang="en-US" altLang="zh-CN" sz="2000" dirty="0" smtClean="0"/>
+              <a:t>is a </a:t>
+            </a:r>
+            <a:r>
+              <a:rPr lang="en-US" altLang="zh-CN" sz="2000" dirty="0" smtClean="0"/>
+              <a:t>fundamental </a:t>
+            </a:r>
+            <a:r>
+              <a:rPr lang="en-US" altLang="zh-CN" sz="2000" dirty="0" smtClean="0"/>
+              <a:t>library, provide low level interface</a:t>
             </a:r>
           </a:p>
           <a:p>
             <a:pPr lvl="1"/>
             <a:r>
               <a:rPr lang="en-US" altLang="zh-CN" sz="2000" dirty="0" smtClean="0"/>
-              <a:t>Beast users have to write much code to finish a business function</a:t>
+              <a:t>beast </a:t>
+            </a:r>
+            <a:r>
+              <a:rPr lang="en-US" altLang="zh-CN" sz="2000" dirty="0" smtClean="0"/>
+              <a:t>users have to write much code to finish a business function</a:t>
             </a:r>
           </a:p>
           <a:p>
@@ -8460,7 +8421,7 @@
         <p:spPr>
           <a:xfrm>
             <a:off x="857224" y="4345558"/>
-            <a:ext cx="2553584" cy="369332"/>
+            <a:ext cx="2282420" cy="338554"/>
           </a:xfrm>
           <a:prstGeom prst="rect">
             <a:avLst/>
@@ -8473,18 +8434,18 @@
           <a:lstStyle/>
           <a:p>
             <a:r>
-              <a:rPr lang="en-US" altLang="zh-CN" dirty="0" smtClean="0"/>
+              <a:rPr lang="en-US" altLang="zh-CN" sz="1600" dirty="0" smtClean="0"/>
               <a:t>http download in </a:t>
             </a:r>
             <a:r>
-              <a:rPr lang="en-US" altLang="zh-CN" dirty="0" err="1" smtClean="0"/>
+              <a:rPr lang="en-US" altLang="zh-CN" sz="1600" dirty="0" err="1" smtClean="0"/>
               <a:t>cinatra</a:t>
             </a:r>
             <a:r>
-              <a:rPr lang="en-US" altLang="zh-CN" dirty="0" smtClean="0"/>
+              <a:rPr lang="en-US" altLang="zh-CN" sz="1600" dirty="0" smtClean="0"/>
               <a:t>:</a:t>
             </a:r>
-            <a:endParaRPr lang="zh-CN" altLang="en-US" dirty="0"/>
+            <a:endParaRPr lang="zh-CN" altLang="en-US" sz="1600" dirty="0"/>
           </a:p>
         </p:txBody>
       </p:sp>
@@ -8496,8 +8457,8 @@
         </p:nvSpPr>
         <p:spPr>
           <a:xfrm>
-            <a:off x="3286116" y="4345558"/>
-            <a:ext cx="3262047" cy="369332"/>
+            <a:off x="3000364" y="4345558"/>
+            <a:ext cx="2915926" cy="338554"/>
           </a:xfrm>
           <a:prstGeom prst="rect">
             <a:avLst/>
@@ -8510,10 +8471,10 @@
           <a:lstStyle/>
           <a:p>
             <a:r>
-              <a:rPr lang="en-US" altLang="zh-CN" dirty="0" smtClean="0"/>
+              <a:rPr lang="en-US" altLang="zh-CN" sz="1600" dirty="0" smtClean="0"/>
               <a:t>http://127.0.0.1/assets/show.jpg</a:t>
             </a:r>
-            <a:endParaRPr lang="zh-CN" altLang="en-US" dirty="0"/>
+            <a:endParaRPr lang="zh-CN" altLang="en-US" sz="1600" dirty="0"/>
           </a:p>
         </p:txBody>
       </p:sp>
@@ -8671,30 +8632,21 @@
                             </p:childTnLst>
                           </p:cTn>
                         </p:par>
-                      </p:childTnLst>
-                    </p:cTn>
-                  </p:par>
-                  <p:par>
-                    <p:cTn id="14" fill="hold">
-                      <p:stCondLst>
-                        <p:cond delay="indefinite"/>
-                      </p:stCondLst>
-                      <p:childTnLst>
                         <p:par>
-                          <p:cTn id="15" fill="hold">
+                          <p:cTn id="14" fill="hold">
                             <p:stCondLst>
-                              <p:cond delay="0"/>
+                              <p:cond delay="500"/>
                             </p:stCondLst>
                             <p:childTnLst>
                               <p:par>
-                                <p:cTn id="16" presetID="22" presetClass="entr" presetSubtype="8" fill="hold" grpId="0" nodeType="clickEffect">
+                                <p:cTn id="15" presetID="22" presetClass="entr" presetSubtype="8" fill="hold" grpId="0" nodeType="afterEffect">
                                   <p:stCondLst>
                                     <p:cond delay="0"/>
                                   </p:stCondLst>
                                   <p:childTnLst>
                                     <p:set>
                                       <p:cBhvr>
-                                        <p:cTn id="17" dur="1" fill="hold">
+                                        <p:cTn id="16" dur="1" fill="hold">
                                           <p:stCondLst>
                                             <p:cond delay="0"/>
                                           </p:stCondLst>
@@ -8712,7 +8664,7 @@
                                     </p:set>
                                     <p:animEffect transition="in" filter="wipe(left)">
                                       <p:cBhvr>
-                                        <p:cTn id="18" dur="500"/>
+                                        <p:cTn id="17" dur="500"/>
                                         <p:tgtEl>
                                           <p:spTgt spid="9"/>
                                         </p:tgtEl>
@@ -10355,7 +10307,15 @@
             </a:r>
             <a:r>
               <a:rPr lang="en-US" altLang="zh-CN" sz="2400" dirty="0" smtClean="0"/>
-              <a:t> is very good to parse http protocol</a:t>
+              <a:t> is very </a:t>
+            </a:r>
+            <a:r>
+              <a:rPr lang="en-US" altLang="zh-CN" sz="2400" dirty="0" smtClean="0"/>
+              <a:t>suitable for parsing </a:t>
+            </a:r>
+            <a:r>
+              <a:rPr lang="en-US" altLang="zh-CN" sz="2400" dirty="0" smtClean="0"/>
+              <a:t>http protocol</a:t>
             </a:r>
           </a:p>
           <a:p>
@@ -11128,12 +11088,7 @@
           <a:bodyPr/>
           <a:lstStyle/>
           <a:p>
-            <a:pPr algn="l"/>
-            <a:r>
-              <a:rPr lang="en-US" altLang="zh-CN" dirty="0" smtClean="0"/>
-              <a:t>http router</a:t>
-            </a:r>
-            <a:endParaRPr lang="zh-CN" altLang="en-US" dirty="0"/>
+            <a:endParaRPr lang="zh-CN" altLang="en-US"/>
           </a:p>
         </p:txBody>
       </p:sp>
@@ -11158,14 +11113,14 @@
       </p:sp>
       <p:pic>
         <p:nvPicPr>
-          <p:cNvPr id="52226" name="Picture 2"/>
+          <p:cNvPr id="1026" name="Picture 2"/>
           <p:cNvPicPr>
             <a:picLocks noChangeAspect="1" noChangeArrowheads="1"/>
           </p:cNvPicPr>
           <p:nvPr/>
         </p:nvPicPr>
         <p:blipFill>
-          <a:blip r:embed="rId3"/>
+          <a:blip r:embed="rId2"/>
           <a:srcRect/>
           <a:stretch>
             <a:fillRect/>
@@ -11173,8 +11128,8 @@
         </p:blipFill>
         <p:spPr bwMode="auto">
           <a:xfrm>
-            <a:off x="500034" y="1214428"/>
-            <a:ext cx="3581906" cy="1000132"/>
+            <a:off x="928662" y="285734"/>
+            <a:ext cx="4316490" cy="4214842"/>
           </a:xfrm>
           <a:prstGeom prst="rect">
             <a:avLst/>
@@ -11189,99 +11144,121 @@
           <a:effectLst/>
         </p:spPr>
       </p:pic>
-      <p:pic>
-        <p:nvPicPr>
-          <p:cNvPr id="52227" name="Picture 3"/>
-          <p:cNvPicPr>
-            <a:picLocks noChangeAspect="1" noChangeArrowheads="1"/>
-          </p:cNvPicPr>
-          <p:nvPr/>
-        </p:nvPicPr>
-        <p:blipFill>
-          <a:blip r:embed="rId4"/>
-          <a:srcRect/>
-          <a:stretch>
-            <a:fillRect/>
-          </a:stretch>
-        </p:blipFill>
-        <p:spPr bwMode="auto">
-          <a:xfrm>
-            <a:off x="500034" y="2285998"/>
-            <a:ext cx="5076521" cy="642942"/>
-          </a:xfrm>
-          <a:prstGeom prst="rect">
-            <a:avLst/>
-          </a:prstGeom>
-          <a:noFill/>
-          <a:ln w="9525">
-            <a:noFill/>
-            <a:miter lim="800000"/>
-            <a:headEnd/>
-            <a:tailEnd/>
-          </a:ln>
-          <a:effectLst/>
-        </p:spPr>
-      </p:pic>
-      <p:sp>
-        <p:nvSpPr>
-          <p:cNvPr id="7" name="TextBox 6"/>
-          <p:cNvSpPr txBox="1"/>
+      <p:sp>
+        <p:nvSpPr>
+          <p:cNvPr id="5" name="矩形 4"/>
+          <p:cNvSpPr/>
           <p:nvPr/>
         </p:nvSpPr>
         <p:spPr>
           <a:xfrm>
-            <a:off x="714348" y="3214692"/>
-            <a:ext cx="6870086" cy="369332"/>
-          </a:xfrm>
-          <a:prstGeom prst="rect">
-            <a:avLst/>
-          </a:prstGeom>
-          <a:noFill/>
-        </p:spPr>
-        <p:txBody>
-          <a:bodyPr wrap="none" rtlCol="0">
-            <a:spAutoFit/>
-          </a:bodyPr>
-          <a:lstStyle/>
-          <a:p>
-            <a:r>
-              <a:rPr lang="en-US" altLang="zh-CN" dirty="0" smtClean="0"/>
-              <a:t>Similar with std::bind, but no need placeholders here, more easy to use</a:t>
-            </a:r>
-            <a:endParaRPr lang="zh-CN" altLang="en-US" dirty="0"/>
-          </a:p>
-        </p:txBody>
-      </p:sp>
-      <p:sp>
-        <p:nvSpPr>
-          <p:cNvPr id="8" name="矩形 7"/>
-          <p:cNvSpPr/>
-          <p:nvPr/>
-        </p:nvSpPr>
-        <p:spPr>
-          <a:xfrm>
-            <a:off x="714348" y="3571882"/>
-            <a:ext cx="6143668" cy="369332"/>
+            <a:off x="5643570" y="1357304"/>
+            <a:ext cx="2813719" cy="369332"/>
           </a:xfrm>
           <a:prstGeom prst="rect">
             <a:avLst/>
           </a:prstGeom>
         </p:spPr>
         <p:txBody>
-          <a:bodyPr wrap="square">
+          <a:bodyPr wrap="none">
             <a:spAutoFit/>
           </a:bodyPr>
           <a:lstStyle/>
           <a:p>
             <a:r>
-              <a:rPr lang="en-US" dirty="0" smtClean="0"/>
-              <a:t>C++Now 2017: </a:t>
-            </a:r>
-            <a:r>
               <a:rPr lang="en-US" altLang="zh-CN" dirty="0" smtClean="0"/>
-              <a:t>https://www.youtube.com/watch?v=vh1BhlqF-fs</a:t>
+              <a:t>s</a:t>
+            </a:r>
+            <a:r>
+              <a:rPr lang="en-US" altLang="zh-CN" dirty="0" smtClean="0"/>
+              <a:t>hould avoid long </a:t>
+            </a:r>
+            <a:r>
+              <a:rPr lang="en-US" altLang="zh-CN" dirty="0" err="1" smtClean="0"/>
+              <a:t>long</a:t>
+            </a:r>
+            <a:r>
+              <a:rPr lang="en-US" altLang="zh-CN" dirty="0" smtClean="0"/>
+              <a:t> code</a:t>
             </a:r>
             <a:endParaRPr lang="zh-CN" altLang="en-US" dirty="0"/>
+          </a:p>
+        </p:txBody>
+      </p:sp>
+      <p:sp>
+        <p:nvSpPr>
+          <p:cNvPr id="6" name="矩形 5"/>
+          <p:cNvSpPr/>
+          <p:nvPr/>
+        </p:nvSpPr>
+        <p:spPr>
+          <a:xfrm>
+            <a:off x="5715008" y="3857634"/>
+            <a:ext cx="3040319" cy="369332"/>
+          </a:xfrm>
+          <a:prstGeom prst="rect">
+            <a:avLst/>
+          </a:prstGeom>
+        </p:spPr>
+        <p:txBody>
+          <a:bodyPr wrap="none">
+            <a:spAutoFit/>
+          </a:bodyPr>
+          <a:lstStyle/>
+          <a:p>
+            <a:r>
+              <a:rPr lang="en-US" altLang="zh-CN" dirty="0" smtClean="0"/>
+              <a:t>s</a:t>
+            </a:r>
+            <a:r>
+              <a:rPr lang="en-US" altLang="zh-CN" dirty="0" smtClean="0"/>
+              <a:t>hould focus </a:t>
+            </a:r>
+            <a:r>
+              <a:rPr lang="en-US" altLang="zh-CN" dirty="0" smtClean="0"/>
+              <a:t>on what we want</a:t>
+            </a:r>
+            <a:endParaRPr lang="zh-CN" altLang="en-US" dirty="0"/>
+          </a:p>
+        </p:txBody>
+      </p:sp>
+      <p:sp>
+        <p:nvSpPr>
+          <p:cNvPr id="7" name="右箭头 6"/>
+          <p:cNvSpPr/>
+          <p:nvPr/>
+        </p:nvSpPr>
+        <p:spPr>
+          <a:xfrm rot="10800000">
+            <a:off x="4714876" y="3929072"/>
+            <a:ext cx="1000132" cy="285752"/>
+          </a:xfrm>
+          <a:prstGeom prst="rightArrow">
+            <a:avLst/>
+          </a:prstGeom>
+        </p:spPr>
+        <p:style>
+          <a:lnRef idx="2">
+            <a:schemeClr val="accent1">
+              <a:shade val="50000"/>
+            </a:schemeClr>
+          </a:lnRef>
+          <a:fillRef idx="1">
+            <a:schemeClr val="accent1"/>
+          </a:fillRef>
+          <a:effectRef idx="0">
+            <a:schemeClr val="accent1"/>
+          </a:effectRef>
+          <a:fontRef idx="minor">
+            <a:schemeClr val="lt1"/>
+          </a:fontRef>
+        </p:style>
+        <p:txBody>
+          <a:bodyPr rtlCol="0" anchor="ctr"/>
+          <a:lstStyle/>
+          <a:p>
+            <a:pPr algn="ctr"/>
+            <a:endParaRPr lang="zh-CN" altLang="en-US"/>
           </a:p>
         </p:txBody>
       </p:sp>
@@ -11311,7 +11288,7 @@
                             </p:stCondLst>
                             <p:childTnLst>
                               <p:par>
-                                <p:cTn id="5" presetID="2" presetClass="entr" presetSubtype="4" fill="hold" grpId="0" nodeType="clickEffect">
+                                <p:cTn id="5" presetID="1" presetClass="entr" presetSubtype="0" fill="hold" grpId="0" nodeType="clickEffect">
                                   <p:stCondLst>
                                     <p:cond delay="0"/>
                                   </p:stCondLst>
@@ -11319,6 +11296,87 @@
                                     <p:set>
                                       <p:cBhvr>
                                         <p:cTn id="6" dur="1" fill="hold">
+                                          <p:stCondLst>
+                                            <p:cond delay="0"/>
+                                          </p:stCondLst>
+                                        </p:cTn>
+                                        <p:tgtEl>
+                                          <p:spTgt spid="5"/>
+                                        </p:tgtEl>
+                                        <p:attrNameLst>
+                                          <p:attrName>style.visibility</p:attrName>
+                                        </p:attrNameLst>
+                                      </p:cBhvr>
+                                      <p:to>
+                                        <p:strVal val="visible"/>
+                                      </p:to>
+                                    </p:set>
+                                  </p:childTnLst>
+                                </p:cTn>
+                              </p:par>
+                            </p:childTnLst>
+                          </p:cTn>
+                        </p:par>
+                      </p:childTnLst>
+                    </p:cTn>
+                  </p:par>
+                  <p:par>
+                    <p:cTn id="7" fill="hold">
+                      <p:stCondLst>
+                        <p:cond delay="indefinite"/>
+                      </p:stCondLst>
+                      <p:childTnLst>
+                        <p:par>
+                          <p:cTn id="8" fill="hold">
+                            <p:stCondLst>
+                              <p:cond delay="0"/>
+                            </p:stCondLst>
+                            <p:childTnLst>
+                              <p:par>
+                                <p:cTn id="9" presetID="1" presetClass="entr" presetSubtype="0" fill="hold" grpId="0" nodeType="clickEffect">
+                                  <p:stCondLst>
+                                    <p:cond delay="0"/>
+                                  </p:stCondLst>
+                                  <p:childTnLst>
+                                    <p:set>
+                                      <p:cBhvr>
+                                        <p:cTn id="10" dur="1" fill="hold">
+                                          <p:stCondLst>
+                                            <p:cond delay="0"/>
+                                          </p:stCondLst>
+                                        </p:cTn>
+                                        <p:tgtEl>
+                                          <p:spTgt spid="6"/>
+                                        </p:tgtEl>
+                                        <p:attrNameLst>
+                                          <p:attrName>style.visibility</p:attrName>
+                                        </p:attrNameLst>
+                                      </p:cBhvr>
+                                      <p:to>
+                                        <p:strVal val="visible"/>
+                                      </p:to>
+                                    </p:set>
+                                  </p:childTnLst>
+                                </p:cTn>
+                              </p:par>
+                            </p:childTnLst>
+                          </p:cTn>
+                        </p:par>
+                        <p:par>
+                          <p:cTn id="11" fill="hold">
+                            <p:stCondLst>
+                              <p:cond delay="0"/>
+                            </p:stCondLst>
+                            <p:childTnLst>
+                              <p:par>
+                                <p:cTn id="12" presetID="22" presetClass="entr" presetSubtype="2" fill="hold" grpId="0" nodeType="afterEffect">
+                                  <p:stCondLst>
+                                    <p:cond delay="0"/>
+                                  </p:stCondLst>
+                                  <p:childTnLst>
+                                    <p:set>
+                                      <p:cBhvr>
+                                        <p:cTn id="13" dur="1" fill="hold">
                                           <p:stCondLst>
                                             <p:cond delay="0"/>
                                           </p:stCondLst>
@@ -11334,143 +11392,14 @@
                                         <p:strVal val="visible"/>
                                       </p:to>
                                     </p:set>
-                                    <p:anim calcmode="lin" valueType="num">
-                                      <p:cBhvr additive="base">
-                                        <p:cTn id="7" dur="500" fill="hold"/>
+                                    <p:animEffect transition="in" filter="wipe(right)">
+                                      <p:cBhvr>
+                                        <p:cTn id="14" dur="500"/>
                                         <p:tgtEl>
                                           <p:spTgt spid="7"/>
                                         </p:tgtEl>
-                                        <p:attrNameLst>
-                                          <p:attrName>ppt_x</p:attrName>
-                                        </p:attrNameLst>
                                       </p:cBhvr>
-                                      <p:tavLst>
-                                        <p:tav tm="0">
-                                          <p:val>
-                                            <p:strVal val="#ppt_x"/>
-                                          </p:val>
-                                        </p:tav>
-                                        <p:tav tm="100000">
-                                          <p:val>
-                                            <p:strVal val="#ppt_x"/>
-                                          </p:val>
-                                        </p:tav>
-                                      </p:tavLst>
-                                    </p:anim>
-                                    <p:anim calcmode="lin" valueType="num">
-                                      <p:cBhvr additive="base">
-                                        <p:cTn id="8" dur="500" fill="hold"/>
-                                        <p:tgtEl>
-                                          <p:spTgt spid="7"/>
-                                        </p:tgtEl>
-                                        <p:attrNameLst>
-                                          <p:attrName>ppt_y</p:attrName>
-                                        </p:attrNameLst>
-                                      </p:cBhvr>
-                                      <p:tavLst>
-                                        <p:tav tm="0">
-                                          <p:val>
-                                            <p:strVal val="1+#ppt_h/2"/>
-                                          </p:val>
-                                        </p:tav>
-                                        <p:tav tm="100000">
-                                          <p:val>
-                                            <p:strVal val="#ppt_y"/>
-                                          </p:val>
-                                        </p:tav>
-                                      </p:tavLst>
-                                    </p:anim>
-                                  </p:childTnLst>
-                                </p:cTn>
-                              </p:par>
-                            </p:childTnLst>
-                          </p:cTn>
-                        </p:par>
-                      </p:childTnLst>
-                    </p:cTn>
-                  </p:par>
-                  <p:par>
-                    <p:cTn id="9" fill="hold">
-                      <p:stCondLst>
-                        <p:cond delay="indefinite"/>
-                      </p:stCondLst>
-                      <p:childTnLst>
-                        <p:par>
-                          <p:cTn id="10" fill="hold">
-                            <p:stCondLst>
-                              <p:cond delay="0"/>
-                            </p:stCondLst>
-                            <p:childTnLst>
-                              <p:par>
-                                <p:cTn id="11" presetID="2" presetClass="entr" presetSubtype="4" fill="hold" grpId="0" nodeType="clickEffect">
-                                  <p:stCondLst>
-                                    <p:cond delay="0"/>
-                                  </p:stCondLst>
-                                  <p:childTnLst>
-                                    <p:set>
-                                      <p:cBhvr>
-                                        <p:cTn id="12" dur="1" fill="hold">
-                                          <p:stCondLst>
-                                            <p:cond delay="0"/>
-                                          </p:stCondLst>
-                                        </p:cTn>
-                                        <p:tgtEl>
-                                          <p:spTgt spid="8"/>
-                                        </p:tgtEl>
-                                        <p:attrNameLst>
-                                          <p:attrName>style.visibility</p:attrName>
-                                        </p:attrNameLst>
-                                      </p:cBhvr>
-                                      <p:to>
-                                        <p:strVal val="visible"/>
-                                      </p:to>
-                                    </p:set>
-                                    <p:anim calcmode="lin" valueType="num">
-                                      <p:cBhvr additive="base">
-                                        <p:cTn id="13" dur="500" fill="hold"/>
-                                        <p:tgtEl>
-                                          <p:spTgt spid="8"/>
-                                        </p:tgtEl>
-                                        <p:attrNameLst>
-                                          <p:attrName>ppt_x</p:attrName>
-                                        </p:attrNameLst>
-                                      </p:cBhvr>
-                                      <p:tavLst>
-                                        <p:tav tm="0">
-                                          <p:val>
-                                            <p:strVal val="#ppt_x"/>
-                                          </p:val>
-                                        </p:tav>
-                                        <p:tav tm="100000">
-                                          <p:val>
-                                            <p:strVal val="#ppt_x"/>
-                                          </p:val>
-                                        </p:tav>
-                                      </p:tavLst>
-                                    </p:anim>
-                                    <p:anim calcmode="lin" valueType="num">
-                                      <p:cBhvr additive="base">
-                                        <p:cTn id="14" dur="500" fill="hold"/>
-                                        <p:tgtEl>
-                                          <p:spTgt spid="8"/>
-                                        </p:tgtEl>
-                                        <p:attrNameLst>
-                                          <p:attrName>ppt_y</p:attrName>
-                                        </p:attrNameLst>
-                                      </p:cBhvr>
-                                      <p:tavLst>
-                                        <p:tav tm="0">
-                                          <p:val>
-                                            <p:strVal val="1+#ppt_h/2"/>
-                                          </p:val>
-                                        </p:tav>
-                                        <p:tav tm="100000">
-                                          <p:val>
-                                            <p:strVal val="#ppt_y"/>
-                                          </p:val>
-                                        </p:tav>
-                                      </p:tavLst>
-                                    </p:anim>
+                                    </p:animEffect>
                                   </p:childTnLst>
                                 </p:cTn>
                               </p:par>
@@ -11502,8 +11431,9 @@
       </p:par>
     </p:tnLst>
     <p:bldLst>
-      <p:bldP spid="7" grpId="0"/>
-      <p:bldP spid="8" grpId="0"/>
+      <p:bldP spid="5" grpId="0"/>
+      <p:bldP spid="6" grpId="0"/>
+      <p:bldP spid="7" grpId="0" animBg="1"/>
     </p:bldLst>
   </p:timing>
 </p:sld>
@@ -12730,15 +12660,25 @@
         </p:nvSpPr>
         <p:spPr/>
         <p:txBody>
-          <a:bodyPr/>
+          <a:bodyPr>
+            <a:normAutofit/>
+          </a:bodyPr>
           <a:lstStyle/>
           <a:p>
             <a:pPr algn="l"/>
             <a:r>
-              <a:rPr lang="en-US" altLang="zh-CN" dirty="0" smtClean="0"/>
-              <a:t>AOP</a:t>
-            </a:r>
-            <a:endParaRPr lang="zh-CN" altLang="en-US" dirty="0"/>
+              <a:rPr lang="en-US" altLang="zh-CN" sz="3600" dirty="0" smtClean="0"/>
+              <a:t>AOP(</a:t>
+            </a:r>
+            <a:r>
+              <a:rPr lang="en-US" sz="3600" dirty="0" smtClean="0"/>
+              <a:t>Aspect Oriented Programming</a:t>
+            </a:r>
+            <a:r>
+              <a:rPr lang="en-US" altLang="zh-CN" sz="3600" dirty="0" smtClean="0"/>
+              <a:t>)</a:t>
+            </a:r>
+            <a:endParaRPr lang="zh-CN" altLang="en-US" sz="3600" dirty="0"/>
           </a:p>
         </p:txBody>
       </p:sp>
@@ -12880,105 +12820,120 @@
           </p:txBody>
         </p:sp>
       </p:grpSp>
-      <p:cxnSp>
-        <p:nvCxnSpPr>
-          <p:cNvPr id="12" name="直接箭头连接符 11"/>
-          <p:cNvCxnSpPr/>
+      <p:grpSp>
+        <p:nvGrpSpPr>
+          <p:cNvPr id="16" name="组合 15"/>
+          <p:cNvGrpSpPr/>
           <p:nvPr/>
-        </p:nvCxnSpPr>
-        <p:spPr>
-          <a:xfrm rot="5400000">
-            <a:off x="3411133" y="1732354"/>
-            <a:ext cx="714380" cy="678661"/>
+        </p:nvGrpSpPr>
+        <p:grpSpPr>
+          <a:xfrm>
+            <a:off x="3428992" y="1714494"/>
+            <a:ext cx="1500197" cy="714382"/>
+            <a:chOff x="3428992" y="1714494"/>
+            <a:chExt cx="1500197" cy="714382"/>
           </a:xfrm>
-          <a:prstGeom prst="straightConnector1">
-            <a:avLst/>
-          </a:prstGeom>
-          <a:ln w="19050">
-            <a:tailEnd type="arrow"/>
-          </a:ln>
-        </p:spPr>
-        <p:style>
-          <a:lnRef idx="1">
-            <a:schemeClr val="accent1"/>
-          </a:lnRef>
-          <a:fillRef idx="0">
-            <a:schemeClr val="accent1"/>
-          </a:fillRef>
-          <a:effectRef idx="0">
-            <a:schemeClr val="accent1"/>
-          </a:effectRef>
-          <a:fontRef idx="minor">
-            <a:schemeClr val="tx1"/>
-          </a:fontRef>
-        </p:style>
-      </p:cxnSp>
-      <p:cxnSp>
-        <p:nvCxnSpPr>
-          <p:cNvPr id="13" name="直接箭头连接符 12"/>
-          <p:cNvCxnSpPr/>
-          <p:nvPr/>
-        </p:nvCxnSpPr>
-        <p:spPr>
-          <a:xfrm rot="16200000" flipH="1">
-            <a:off x="3768321" y="2053825"/>
-            <a:ext cx="714382" cy="35719"/>
-          </a:xfrm>
-          <a:prstGeom prst="straightConnector1">
-            <a:avLst/>
-          </a:prstGeom>
-          <a:ln w="19050">
-            <a:tailEnd type="arrow"/>
-          </a:ln>
-        </p:spPr>
-        <p:style>
-          <a:lnRef idx="1">
-            <a:schemeClr val="accent1"/>
-          </a:lnRef>
-          <a:fillRef idx="0">
-            <a:schemeClr val="accent1"/>
-          </a:fillRef>
-          <a:effectRef idx="0">
-            <a:schemeClr val="accent1"/>
-          </a:effectRef>
-          <a:fontRef idx="minor">
-            <a:schemeClr val="tx1"/>
-          </a:fontRef>
-        </p:style>
-      </p:cxnSp>
-      <p:cxnSp>
-        <p:nvCxnSpPr>
-          <p:cNvPr id="14" name="直接箭头连接符 13"/>
-          <p:cNvCxnSpPr/>
-          <p:nvPr/>
-        </p:nvCxnSpPr>
-        <p:spPr>
-          <a:xfrm rot="16200000" flipH="1">
-            <a:off x="4161230" y="1660916"/>
-            <a:ext cx="714382" cy="821537"/>
-          </a:xfrm>
-          <a:prstGeom prst="straightConnector1">
-            <a:avLst/>
-          </a:prstGeom>
-          <a:ln w="19050">
-            <a:tailEnd type="arrow"/>
-          </a:ln>
-        </p:spPr>
-        <p:style>
-          <a:lnRef idx="1">
-            <a:schemeClr val="accent1"/>
-          </a:lnRef>
-          <a:fillRef idx="0">
-            <a:schemeClr val="accent1"/>
-          </a:fillRef>
-          <a:effectRef idx="0">
-            <a:schemeClr val="accent1"/>
-          </a:effectRef>
-          <a:fontRef idx="minor">
-            <a:schemeClr val="tx1"/>
-          </a:fontRef>
-        </p:style>
-      </p:cxnSp>
+        </p:grpSpPr>
+        <p:cxnSp>
+          <p:nvCxnSpPr>
+            <p:cNvPr id="12" name="直接箭头连接符 11"/>
+            <p:cNvCxnSpPr/>
+            <p:nvPr/>
+          </p:nvCxnSpPr>
+          <p:spPr>
+            <a:xfrm rot="5400000">
+              <a:off x="3411133" y="1732354"/>
+              <a:ext cx="714380" cy="678661"/>
+            </a:xfrm>
+            <a:prstGeom prst="straightConnector1">
+              <a:avLst/>
+            </a:prstGeom>
+            <a:ln w="19050">
+              <a:tailEnd type="arrow"/>
+            </a:ln>
+          </p:spPr>
+          <p:style>
+            <a:lnRef idx="1">
+              <a:schemeClr val="accent1"/>
+            </a:lnRef>
+            <a:fillRef idx="0">
+              <a:schemeClr val="accent1"/>
+            </a:fillRef>
+            <a:effectRef idx="0">
+              <a:schemeClr val="accent1"/>
+            </a:effectRef>
+            <a:fontRef idx="minor">
+              <a:schemeClr val="tx1"/>
+            </a:fontRef>
+          </p:style>
+        </p:cxnSp>
+        <p:cxnSp>
+          <p:nvCxnSpPr>
+            <p:cNvPr id="13" name="直接箭头连接符 12"/>
+            <p:cNvCxnSpPr/>
+            <p:nvPr/>
+          </p:nvCxnSpPr>
+          <p:spPr>
+            <a:xfrm rot="16200000" flipH="1">
+              <a:off x="3768321" y="2053825"/>
+              <a:ext cx="714382" cy="35719"/>
+            </a:xfrm>
+            <a:prstGeom prst="straightConnector1">
+              <a:avLst/>
+            </a:prstGeom>
+            <a:ln w="19050">
+              <a:tailEnd type="arrow"/>
+            </a:ln>
+          </p:spPr>
+          <p:style>
+            <a:lnRef idx="1">
+              <a:schemeClr val="accent1"/>
+            </a:lnRef>
+            <a:fillRef idx="0">
+              <a:schemeClr val="accent1"/>
+            </a:fillRef>
+            <a:effectRef idx="0">
+              <a:schemeClr val="accent1"/>
+            </a:effectRef>
+            <a:fontRef idx="minor">
+              <a:schemeClr val="tx1"/>
+            </a:fontRef>
+          </p:style>
+        </p:cxnSp>
+        <p:cxnSp>
+          <p:nvCxnSpPr>
+            <p:cNvPr id="14" name="直接箭头连接符 13"/>
+            <p:cNvCxnSpPr/>
+            <p:nvPr/>
+          </p:nvCxnSpPr>
+          <p:spPr>
+            <a:xfrm rot="16200000" flipH="1">
+              <a:off x="4161230" y="1660916"/>
+              <a:ext cx="714382" cy="821537"/>
+            </a:xfrm>
+            <a:prstGeom prst="straightConnector1">
+              <a:avLst/>
+            </a:prstGeom>
+            <a:ln w="19050">
+              <a:tailEnd type="arrow"/>
+            </a:ln>
+          </p:spPr>
+          <p:style>
+            <a:lnRef idx="1">
+              <a:schemeClr val="accent1"/>
+            </a:lnRef>
+            <a:fillRef idx="0">
+              <a:schemeClr val="accent1"/>
+            </a:fillRef>
+            <a:effectRef idx="0">
+              <a:schemeClr val="accent1"/>
+            </a:effectRef>
+            <a:fontRef idx="minor">
+              <a:schemeClr val="tx1"/>
+            </a:fontRef>
+          </p:style>
+        </p:cxnSp>
+      </p:grpSp>
       <p:grpSp>
         <p:nvGrpSpPr>
           <p:cNvPr id="21" name="组合 20"/>
@@ -13071,72 +13026,87 @@
           </p:txBody>
         </p:sp>
       </p:grpSp>
-      <p:cxnSp>
-        <p:nvCxnSpPr>
-          <p:cNvPr id="25" name="直接箭头连接符 24"/>
-          <p:cNvCxnSpPr/>
+      <p:grpSp>
+        <p:nvGrpSpPr>
+          <p:cNvPr id="17" name="组合 16"/>
+          <p:cNvGrpSpPr/>
           <p:nvPr/>
-        </p:nvCxnSpPr>
-        <p:spPr>
+        </p:nvGrpSpPr>
+        <p:grpSpPr>
           <a:xfrm>
-            <a:off x="5715008" y="2928940"/>
-            <a:ext cx="1500198" cy="928694"/>
+            <a:off x="5643570" y="2928940"/>
+            <a:ext cx="1571636" cy="928694"/>
+            <a:chOff x="5643570" y="2928940"/>
+            <a:chExt cx="1571636" cy="928694"/>
           </a:xfrm>
-          <a:prstGeom prst="straightConnector1">
-            <a:avLst/>
-          </a:prstGeom>
-          <a:ln w="19050">
-            <a:tailEnd type="arrow"/>
-          </a:ln>
-        </p:spPr>
-        <p:style>
-          <a:lnRef idx="1">
-            <a:schemeClr val="accent1"/>
-          </a:lnRef>
-          <a:fillRef idx="0">
-            <a:schemeClr val="accent1"/>
-          </a:fillRef>
-          <a:effectRef idx="0">
-            <a:schemeClr val="accent1"/>
-          </a:effectRef>
-          <a:fontRef idx="minor">
-            <a:schemeClr val="tx1"/>
-          </a:fontRef>
-        </p:style>
-      </p:cxnSp>
-      <p:cxnSp>
-        <p:nvCxnSpPr>
-          <p:cNvPr id="27" name="直接箭头连接符 26"/>
-          <p:cNvCxnSpPr/>
-          <p:nvPr/>
-        </p:nvCxnSpPr>
-        <p:spPr>
-          <a:xfrm>
-            <a:off x="5643570" y="3643320"/>
-            <a:ext cx="1571636" cy="214314"/>
-          </a:xfrm>
-          <a:prstGeom prst="straightConnector1">
-            <a:avLst/>
-          </a:prstGeom>
-          <a:ln w="19050">
-            <a:tailEnd type="arrow"/>
-          </a:ln>
-        </p:spPr>
-        <p:style>
-          <a:lnRef idx="1">
-            <a:schemeClr val="accent1"/>
-          </a:lnRef>
-          <a:fillRef idx="0">
-            <a:schemeClr val="accent1"/>
-          </a:fillRef>
-          <a:effectRef idx="0">
-            <a:schemeClr val="accent1"/>
-          </a:effectRef>
-          <a:fontRef idx="minor">
-            <a:schemeClr val="tx1"/>
-          </a:fontRef>
-        </p:style>
-      </p:cxnSp>
+        </p:grpSpPr>
+        <p:cxnSp>
+          <p:nvCxnSpPr>
+            <p:cNvPr id="25" name="直接箭头连接符 24"/>
+            <p:cNvCxnSpPr/>
+            <p:nvPr/>
+          </p:nvCxnSpPr>
+          <p:spPr>
+            <a:xfrm>
+              <a:off x="5715008" y="2928940"/>
+              <a:ext cx="1500198" cy="928694"/>
+            </a:xfrm>
+            <a:prstGeom prst="straightConnector1">
+              <a:avLst/>
+            </a:prstGeom>
+            <a:ln w="19050">
+              <a:tailEnd type="arrow"/>
+            </a:ln>
+          </p:spPr>
+          <p:style>
+            <a:lnRef idx="1">
+              <a:schemeClr val="accent1"/>
+            </a:lnRef>
+            <a:fillRef idx="0">
+              <a:schemeClr val="accent1"/>
+            </a:fillRef>
+            <a:effectRef idx="0">
+              <a:schemeClr val="accent1"/>
+            </a:effectRef>
+            <a:fontRef idx="minor">
+              <a:schemeClr val="tx1"/>
+            </a:fontRef>
+          </p:style>
+        </p:cxnSp>
+        <p:cxnSp>
+          <p:nvCxnSpPr>
+            <p:cNvPr id="27" name="直接箭头连接符 26"/>
+            <p:cNvCxnSpPr/>
+            <p:nvPr/>
+          </p:nvCxnSpPr>
+          <p:spPr>
+            <a:xfrm>
+              <a:off x="5643570" y="3643320"/>
+              <a:ext cx="1571636" cy="214314"/>
+            </a:xfrm>
+            <a:prstGeom prst="straightConnector1">
+              <a:avLst/>
+            </a:prstGeom>
+            <a:ln w="19050">
+              <a:tailEnd type="arrow"/>
+            </a:ln>
+          </p:spPr>
+          <p:style>
+            <a:lnRef idx="1">
+              <a:schemeClr val="accent1"/>
+            </a:lnRef>
+            <a:fillRef idx="0">
+              <a:schemeClr val="accent1"/>
+            </a:fillRef>
+            <a:effectRef idx="0">
+              <a:schemeClr val="accent1"/>
+            </a:effectRef>
+            <a:fontRef idx="minor">
+              <a:schemeClr val="tx1"/>
+            </a:fontRef>
+          </p:style>
+        </p:cxnSp>
+      </p:grpSp>
     </p:spTree>
   </p:cSld>
   <p:clrMapOvr>
@@ -13220,7 +13190,7 @@
                                           </p:stCondLst>
                                         </p:cTn>
                                         <p:tgtEl>
-                                          <p:spTgt spid="12"/>
+                                          <p:spTgt spid="16"/>
                                         </p:tgtEl>
                                         <p:attrNameLst>
                                           <p:attrName>style.visibility</p:attrName>
@@ -13234,95 +13204,7 @@
                                       <p:cBhvr>
                                         <p:cTn id="11" dur="500"/>
                                         <p:tgtEl>
-                                          <p:spTgt spid="12"/>
-                                        </p:tgtEl>
-                                      </p:cBhvr>
-                                    </p:animEffect>
-                                  </p:childTnLst>
-                                </p:cTn>
-                              </p:par>
-                            </p:childTnLst>
-                          </p:cTn>
-                        </p:par>
-                        <p:par>
-                          <p:cTn id="12" fill="hold">
-                            <p:stCondLst>
-                              <p:cond delay="1000"/>
-                            </p:stCondLst>
-                            <p:childTnLst>
-                              <p:par>
-                                <p:cTn id="13" presetID="22" presetClass="entr" presetSubtype="1" fill="hold" nodeType="afterEffect">
-                                  <p:stCondLst>
-                                    <p:cond delay="0"/>
-                                  </p:stCondLst>
-                                  <p:childTnLst>
-                                    <p:set>
-                                      <p:cBhvr>
-                                        <p:cTn id="14" dur="1" fill="hold">
-                                          <p:stCondLst>
-                                            <p:cond delay="0"/>
-                                          </p:stCondLst>
-                                        </p:cTn>
-                                        <p:tgtEl>
-                                          <p:spTgt spid="13"/>
-                                        </p:tgtEl>
-                                        <p:attrNameLst>
-                                          <p:attrName>style.visibility</p:attrName>
-                                        </p:attrNameLst>
-                                      </p:cBhvr>
-                                      <p:to>
-                                        <p:strVal val="visible"/>
-                                      </p:to>
-                                    </p:set>
-                                    <p:animEffect transition="in" filter="wipe(up)">
-                                      <p:cBhvr>
-                                        <p:cTn id="15" dur="500"/>
-                                        <p:tgtEl>
-                                          <p:spTgt spid="13"/>
-                                        </p:tgtEl>
-                                      </p:cBhvr>
-                                    </p:animEffect>
-                                  </p:childTnLst>
-                                </p:cTn>
-                              </p:par>
-                            </p:childTnLst>
-                          </p:cTn>
-                        </p:par>
-                        <p:par>
-                          <p:cTn id="16" fill="hold">
-                            <p:stCondLst>
-                              <p:cond delay="1500"/>
-                            </p:stCondLst>
-                            <p:childTnLst>
-                              <p:par>
-                                <p:cTn id="17" presetID="22" presetClass="entr" presetSubtype="1" fill="hold" nodeType="afterEffect">
-                                  <p:stCondLst>
-                                    <p:cond delay="0"/>
-                                  </p:stCondLst>
-                                  <p:childTnLst>
-                                    <p:set>
-                                      <p:cBhvr>
-                                        <p:cTn id="18" dur="1" fill="hold">
-                                          <p:stCondLst>
-                                            <p:cond delay="0"/>
-                                          </p:stCondLst>
-                                        </p:cTn>
-                                        <p:tgtEl>
-                                          <p:spTgt spid="14"/>
-                                        </p:tgtEl>
-                                        <p:attrNameLst>
-                                          <p:attrName>style.visibility</p:attrName>
-                                        </p:attrNameLst>
-                                      </p:cBhvr>
-                                      <p:to>
-                                        <p:strVal val="visible"/>
-                                      </p:to>
-                                    </p:set>
-                                    <p:animEffect transition="in" filter="wipe(up)">
-                                      <p:cBhvr>
-                                        <p:cTn id="19" dur="500"/>
-                                        <p:tgtEl>
-                                          <p:spTgt spid="14"/>
+                                          <p:spTgt spid="16"/>
                                         </p:tgtEl>
                                       </p:cBhvr>
                                     </p:animEffect>
@@ -13336,32 +13218,32 @@
                     </p:cTn>
                   </p:par>
                   <p:par>
-                    <p:cTn id="20" fill="hold">
+                    <p:cTn id="12" fill="hold">
                       <p:stCondLst>
                         <p:cond delay="indefinite"/>
                       </p:stCondLst>
                       <p:childTnLst>
                         <p:par>
-                          <p:cTn id="21" fill="hold">
+                          <p:cTn id="13" fill="hold">
                             <p:stCondLst>
                               <p:cond delay="0"/>
                             </p:stCondLst>
                             <p:childTnLst>
                               <p:par>
-                                <p:cTn id="22" presetID="22" presetClass="entr" presetSubtype="8" fill="hold" nodeType="clickEffect">
+                                <p:cTn id="14" presetID="22" presetClass="entr" presetSubtype="8" fill="hold" nodeType="clickEffect">
                                   <p:stCondLst>
                                     <p:cond delay="0"/>
                                   </p:stCondLst>
                                   <p:childTnLst>
                                     <p:set>
                                       <p:cBhvr>
-                                        <p:cTn id="23" dur="1" fill="hold">
+                                        <p:cTn id="15" dur="1" fill="hold">
                                           <p:stCondLst>
                                             <p:cond delay="0"/>
                                           </p:stCondLst>
                                         </p:cTn>
                                         <p:tgtEl>
-                                          <p:spTgt spid="25"/>
+                                          <p:spTgt spid="17"/>
                                         </p:tgtEl>
                                         <p:attrNameLst>
                                           <p:attrName>style.visibility</p:attrName>
@@ -13373,44 +13255,9 @@
                                     </p:set>
                                     <p:animEffect transition="in" filter="wipe(left)">
                                       <p:cBhvr>
-                                        <p:cTn id="24" dur="500"/>
+                                        <p:cTn id="16" dur="500"/>
                                         <p:tgtEl>
-                                          <p:spTgt spid="25"/>
-                                        </p:tgtEl>
-                                      </p:cBhvr>
-                                    </p:animEffect>
-                                  </p:childTnLst>
-                                </p:cTn>
-                              </p:par>
-                              <p:par>
-                                <p:cTn id="25" presetID="22" presetClass="entr" presetSubtype="8" fill="hold" nodeType="withEffect">
-                                  <p:stCondLst>
-                                    <p:cond delay="0"/>
-                                  </p:stCondLst>
-                                  <p:childTnLst>
-                                    <p:set>
-                                      <p:cBhvr>
-                                        <p:cTn id="26" dur="1" fill="hold">
-                                          <p:stCondLst>
-                                            <p:cond delay="0"/>
-                                          </p:stCondLst>
-                                        </p:cTn>
-                                        <p:tgtEl>
-                                          <p:spTgt spid="27"/>
-                                        </p:tgtEl>
-                                        <p:attrNameLst>
-                                          <p:attrName>style.visibility</p:attrName>
-                                        </p:attrNameLst>
-                                      </p:cBhvr>
-                                      <p:to>
-                                        <p:strVal val="visible"/>
-                                      </p:to>
-                                    </p:set>
-                                    <p:animEffect transition="in" filter="wipe(left)">
-                                      <p:cBhvr>
-                                        <p:cTn id="27" dur="500"/>
-                                        <p:tgtEl>
-                                          <p:spTgt spid="27"/>
+                                          <p:spTgt spid="17"/>
                                         </p:tgtEl>
                                       </p:cBhvr>
                                     </p:animEffect>
@@ -13421,20 +13268,20 @@
                           </p:cTn>
                         </p:par>
                         <p:par>
-                          <p:cTn id="28" fill="hold">
+                          <p:cTn id="17" fill="hold">
                             <p:stCondLst>
                               <p:cond delay="500"/>
                             </p:stCondLst>
                             <p:childTnLst>
                               <p:par>
-                                <p:cTn id="29" presetID="22" presetClass="entr" presetSubtype="1" fill="hold" nodeType="afterEffect">
+                                <p:cTn id="18" presetID="22" presetClass="entr" presetSubtype="1" fill="hold" nodeType="afterEffect">
                                   <p:stCondLst>
                                     <p:cond delay="0"/>
                                   </p:stCondLst>
                                   <p:childTnLst>
                                     <p:set>
                                       <p:cBhvr>
-                                        <p:cTn id="30" dur="1" fill="hold">
+                                        <p:cTn id="19" dur="1" fill="hold">
                                           <p:stCondLst>
                                             <p:cond delay="0"/>
                                           </p:stCondLst>
@@ -13452,7 +13299,7 @@
                                     </p:set>
                                     <p:animEffect transition="in" filter="wipe(up)">
                                       <p:cBhvr>
-                                        <p:cTn id="31" dur="500"/>
+                                        <p:cTn id="20" dur="500"/>
                                         <p:tgtEl>
                                           <p:spTgt spid="21"/>
                                         </p:tgtEl>
@@ -13690,7 +13537,7 @@
                                           </p:stCondLst>
                                         </p:cTn>
                                         <p:tgtEl>
-                                          <p:spTgt spid="46087"/>
+                                          <p:spTgt spid="46083"/>
                                         </p:tgtEl>
                                         <p:attrNameLst>
                                           <p:attrName>style.visibility</p:attrName>
@@ -13704,7 +13551,7 @@
                                       <p:cBhvr additive="base">
                                         <p:cTn id="7" dur="500" fill="hold"/>
                                         <p:tgtEl>
-                                          <p:spTgt spid="46087"/>
+                                          <p:spTgt spid="46083"/>
                                         </p:tgtEl>
                                         <p:attrNameLst>
                                           <p:attrName>ppt_x</p:attrName>
@@ -13727,7 +13574,7 @@
                                       <p:cBhvr additive="base">
                                         <p:cTn id="8" dur="500" fill="hold"/>
                                         <p:tgtEl>
-                                          <p:spTgt spid="46087"/>
+                                          <p:spTgt spid="46083"/>
                                         </p:tgtEl>
                                         <p:attrNameLst>
                                           <p:attrName>ppt_y</p:attrName>
@@ -13781,7 +13628,7 @@
                                           </p:stCondLst>
                                         </p:cTn>
                                         <p:tgtEl>
-                                          <p:spTgt spid="46083"/>
+                                          <p:spTgt spid="46087"/>
                                         </p:tgtEl>
                                         <p:attrNameLst>
                                           <p:attrName>style.visibility</p:attrName>
@@ -13795,7 +13642,7 @@
                                       <p:cBhvr additive="base">
                                         <p:cTn id="13" dur="500" fill="hold"/>
                                         <p:tgtEl>
-                                          <p:spTgt spid="46083"/>
+                                          <p:spTgt spid="46087"/>
                                         </p:tgtEl>
                                         <p:attrNameLst>
                                           <p:attrName>ppt_x</p:attrName>
@@ -13818,7 +13665,7 @@
                                       <p:cBhvr additive="base">
                                         <p:cTn id="14" dur="500" fill="hold"/>
                                         <p:tgtEl>
-                                          <p:spTgt spid="46083"/>
+                                          <p:spTgt spid="46087"/>
                                         </p:tgtEl>
                                         <p:attrNameLst>
                                           <p:attrName>ppt_y</p:attrName>
@@ -16855,7 +16702,11 @@
             <a:pPr algn="l"/>
             <a:r>
               <a:rPr lang="en-US" altLang="zh-CN" dirty="0" smtClean="0"/>
-              <a:t>auto http upload</a:t>
+              <a:t>http </a:t>
+            </a:r>
+            <a:r>
+              <a:rPr lang="en-US" altLang="zh-CN" dirty="0" smtClean="0"/>
+              <a:t>upload</a:t>
             </a:r>
             <a:endParaRPr lang="zh-CN" altLang="en-US" dirty="0"/>
           </a:p>
@@ -17053,126 +16904,9 @@
   <p:timing>
     <p:tnLst>
       <p:par>
-        <p:cTn id="1" dur="indefinite" restart="never" nodeType="tmRoot">
-          <p:childTnLst>
-            <p:seq concurrent="1" nextAc="seek">
-              <p:cTn id="2" dur="indefinite" nodeType="mainSeq">
-                <p:childTnLst>
-                  <p:par>
-                    <p:cTn id="3" fill="hold">
-                      <p:stCondLst>
-                        <p:cond delay="indefinite"/>
-                      </p:stCondLst>
-                      <p:childTnLst>
-                        <p:par>
-                          <p:cTn id="4" fill="hold">
-                            <p:stCondLst>
-                              <p:cond delay="0"/>
-                            </p:stCondLst>
-                            <p:childTnLst>
-                              <p:par>
-                                <p:cTn id="5" presetID="2" presetClass="entr" presetSubtype="4" fill="hold" grpId="0" nodeType="clickEffect">
-                                  <p:stCondLst>
-                                    <p:cond delay="0"/>
-                                  </p:stCondLst>
-                                  <p:childTnLst>
-                                    <p:set>
-                                      <p:cBhvr>
-                                        <p:cTn id="6" dur="1" fill="hold">
-                                          <p:stCondLst>
-                                            <p:cond delay="0"/>
-                                          </p:stCondLst>
-                                        </p:cTn>
-                                        <p:tgtEl>
-                                          <p:spTgt spid="5"/>
-                                        </p:tgtEl>
-                                        <p:attrNameLst>
-                                          <p:attrName>style.visibility</p:attrName>
-                                        </p:attrNameLst>
-                                      </p:cBhvr>
-                                      <p:to>
-                                        <p:strVal val="visible"/>
-                                      </p:to>
-                                    </p:set>
-                                    <p:anim calcmode="lin" valueType="num">
-                                      <p:cBhvr additive="base">
-                                        <p:cTn id="7" dur="500" fill="hold"/>
-                                        <p:tgtEl>
-                                          <p:spTgt spid="5"/>
-                                        </p:tgtEl>
-                                        <p:attrNameLst>
-                                          <p:attrName>ppt_x</p:attrName>
-                                        </p:attrNameLst>
-                                      </p:cBhvr>
-                                      <p:tavLst>
-                                        <p:tav tm="0">
-                                          <p:val>
-                                            <p:strVal val="#ppt_x"/>
-                                          </p:val>
-                                        </p:tav>
-                                        <p:tav tm="100000">
-                                          <p:val>
-                                            <p:strVal val="#ppt_x"/>
-                                          </p:val>
-                                        </p:tav>
-                                      </p:tavLst>
-                                    </p:anim>
-                                    <p:anim calcmode="lin" valueType="num">
-                                      <p:cBhvr additive="base">
-                                        <p:cTn id="8" dur="500" fill="hold"/>
-                                        <p:tgtEl>
-                                          <p:spTgt spid="5"/>
-                                        </p:tgtEl>
-                                        <p:attrNameLst>
-                                          <p:attrName>ppt_y</p:attrName>
-                                        </p:attrNameLst>
-                                      </p:cBhvr>
-                                      <p:tavLst>
-                                        <p:tav tm="0">
-                                          <p:val>
-                                            <p:strVal val="1+#ppt_h/2"/>
-                                          </p:val>
-                                        </p:tav>
-                                        <p:tav tm="100000">
-                                          <p:val>
-                                            <p:strVal val="#ppt_y"/>
-                                          </p:val>
-                                        </p:tav>
-                                      </p:tavLst>
-                                    </p:anim>
-                                  </p:childTnLst>
-                                </p:cTn>
-                              </p:par>
-                            </p:childTnLst>
-                          </p:cTn>
-                        </p:par>
-                      </p:childTnLst>
-                    </p:cTn>
-                  </p:par>
-                </p:childTnLst>
-              </p:cTn>
-              <p:prevCondLst>
-                <p:cond evt="onPrev" delay="0">
-                  <p:tgtEl>
-                    <p:sldTgt/>
-                  </p:tgtEl>
-                </p:cond>
-              </p:prevCondLst>
-              <p:nextCondLst>
-                <p:cond evt="onNext" delay="0">
-                  <p:tgtEl>
-                    <p:sldTgt/>
-                  </p:tgtEl>
-                </p:cond>
-              </p:nextCondLst>
-            </p:seq>
-          </p:childTnLst>
-        </p:cTn>
+        <p:cTn id="1" dur="indefinite" restart="never" nodeType="tmRoot"/>
       </p:par>
     </p:tnLst>
-    <p:bldLst>
-      <p:bldP spid="5" grpId="0"/>
-    </p:bldLst>
   </p:timing>
 </p:sld>
 </file>
@@ -27810,8 +27544,13 @@
             <a:pPr lvl="1"/>
             <a:r>
               <a:rPr lang="en-US" altLang="zh-CN" sz="2000" dirty="0" smtClean="0"/>
-              <a:t>Use render to solve html details, just need focus on how to fill the template</a:t>
-            </a:r>
+              <a:t>Use render to solve html details, just need focus on how to fill the </a:t>
+            </a:r>
+            <a:r>
+              <a:rPr lang="en-US" altLang="zh-CN" sz="2000" dirty="0" smtClean="0"/>
+              <a:t>html templates</a:t>
+            </a:r>
+            <a:endParaRPr lang="en-US" altLang="zh-CN" sz="2000" dirty="0" smtClean="0"/>
           </a:p>
         </p:txBody>
       </p:sp>
@@ -28219,80 +27958,9 @@
   <p:timing>
     <p:tnLst>
       <p:par>
-        <p:cTn id="1" dur="indefinite" restart="never" nodeType="tmRoot">
-          <p:childTnLst>
-            <p:seq concurrent="1" nextAc="seek">
-              <p:cTn id="2" dur="indefinite" nodeType="mainSeq">
-                <p:childTnLst>
-                  <p:par>
-                    <p:cTn id="3" fill="hold">
-                      <p:stCondLst>
-                        <p:cond delay="indefinite"/>
-                      </p:stCondLst>
-                      <p:childTnLst>
-                        <p:par>
-                          <p:cTn id="4" fill="hold">
-                            <p:stCondLst>
-                              <p:cond delay="0"/>
-                            </p:stCondLst>
-                            <p:childTnLst>
-                              <p:par>
-                                <p:cTn id="5" presetID="1" presetClass="entr" presetSubtype="0" fill="hold" grpId="0" nodeType="clickEffect">
-                                  <p:stCondLst>
-                                    <p:cond delay="0"/>
-                                  </p:stCondLst>
-                                  <p:childTnLst>
-                                    <p:set>
-                                      <p:cBhvr>
-                                        <p:cTn id="6" dur="1" fill="hold">
-                                          <p:stCondLst>
-                                            <p:cond delay="0"/>
-                                          </p:stCondLst>
-                                        </p:cTn>
-                                        <p:tgtEl>
-                                          <p:spTgt spid="6"/>
-                                        </p:tgtEl>
-                                        <p:attrNameLst>
-                                          <p:attrName>style.visibility</p:attrName>
-                                        </p:attrNameLst>
-                                      </p:cBhvr>
-                                      <p:to>
-                                        <p:strVal val="visible"/>
-                                      </p:to>
-                                    </p:set>
-                                  </p:childTnLst>
-                                </p:cTn>
-                              </p:par>
-                            </p:childTnLst>
-                          </p:cTn>
-                        </p:par>
-                      </p:childTnLst>
-                    </p:cTn>
-                  </p:par>
-                </p:childTnLst>
-              </p:cTn>
-              <p:prevCondLst>
-                <p:cond evt="onPrev" delay="0">
-                  <p:tgtEl>
-                    <p:sldTgt/>
-                  </p:tgtEl>
-                </p:cond>
-              </p:prevCondLst>
-              <p:nextCondLst>
-                <p:cond evt="onNext" delay="0">
-                  <p:tgtEl>
-                    <p:sldTgt/>
-                  </p:tgtEl>
-                </p:cond>
-              </p:nextCondLst>
-            </p:seq>
-          </p:childTnLst>
-        </p:cTn>
+        <p:cTn id="1" dur="indefinite" restart="never" nodeType="tmRoot"/>
       </p:par>
     </p:tnLst>
-    <p:bldLst>
-      <p:bldP spid="6" grpId="0"/>
-    </p:bldLst>
   </p:timing>
 </p:sld>
 </file>
@@ -28386,11 +28054,7 @@
           <a:p>
             <a:r>
               <a:rPr lang="en-US" altLang="zh-CN" sz="1600" dirty="0" smtClean="0"/>
-              <a:t>html </a:t>
-            </a:r>
-            <a:r>
-              <a:rPr lang="en-US" altLang="zh-CN" sz="1600" dirty="0" smtClean="0"/>
-              <a:t>templates</a:t>
+              <a:t>html templates</a:t>
             </a:r>
             <a:endParaRPr lang="zh-CN" altLang="en-US" sz="1600" dirty="0"/>
           </a:p>
@@ -28872,11 +28536,7 @@
             <a:pPr marL="742950" lvl="2" indent="-342900"/>
             <a:r>
               <a:rPr lang="en-US" altLang="zh-CN" dirty="0" smtClean="0"/>
-              <a:t>based on qt, too </a:t>
-            </a:r>
-            <a:r>
-              <a:rPr lang="en-US" altLang="zh-CN" dirty="0" smtClean="0"/>
-              <a:t>heavy</a:t>
+              <a:t>based on qt, too heavy</a:t>
             </a:r>
             <a:endParaRPr lang="zh-CN" altLang="en-US" dirty="0" smtClean="0"/>
           </a:p>

--- a/cppcon2018.pptx
+++ b/cppcon2018.pptx
@@ -68,10 +68,10 @@
     <p:sldId id="336" r:id="rId59"/>
     <p:sldId id="331" r:id="rId60"/>
     <p:sldId id="286" r:id="rId61"/>
-    <p:sldId id="261" r:id="rId62"/>
+    <p:sldId id="322" r:id="rId62"/>
     <p:sldId id="325" r:id="rId63"/>
     <p:sldId id="320" r:id="rId64"/>
-    <p:sldId id="322" r:id="rId65"/>
+    <p:sldId id="341" r:id="rId65"/>
     <p:sldId id="332" r:id="rId66"/>
     <p:sldId id="324" r:id="rId67"/>
     <p:sldId id="334" r:id="rId68"/>
@@ -261,7 +261,7 @@
             <a:fld id="{F651DEDA-4D06-4F31-8412-E2AFD4BFF8DD}" type="datetimeFigureOut">
               <a:rPr lang="zh-CN" altLang="en-US" smtClean="0"/>
               <a:pPr/>
-              <a:t>2018/9/25</a:t>
+              <a:t>2018/9/26</a:t>
             </a:fld>
             <a:endParaRPr lang="zh-CN" altLang="en-US"/>
           </a:p>
@@ -791,7 +791,7 @@
             <a:fld id="{530820CF-B880-4189-942D-D702A7CBA730}" type="datetimeFigureOut">
               <a:rPr lang="zh-CN" altLang="en-US" smtClean="0"/>
               <a:pPr/>
-              <a:t>2018/9/25</a:t>
+              <a:t>2018/9/26</a:t>
             </a:fld>
             <a:endParaRPr lang="zh-CN" altLang="en-US"/>
           </a:p>
@@ -958,7 +958,7 @@
             <a:fld id="{530820CF-B880-4189-942D-D702A7CBA730}" type="datetimeFigureOut">
               <a:rPr lang="zh-CN" altLang="en-US" smtClean="0"/>
               <a:pPr/>
-              <a:t>2018/9/25</a:t>
+              <a:t>2018/9/26</a:t>
             </a:fld>
             <a:endParaRPr lang="zh-CN" altLang="en-US"/>
           </a:p>
@@ -1135,7 +1135,7 @@
             <a:fld id="{530820CF-B880-4189-942D-D702A7CBA730}" type="datetimeFigureOut">
               <a:rPr lang="zh-CN" altLang="en-US" smtClean="0"/>
               <a:pPr/>
-              <a:t>2018/9/25</a:t>
+              <a:t>2018/9/26</a:t>
             </a:fld>
             <a:endParaRPr lang="zh-CN" altLang="en-US"/>
           </a:p>
@@ -1302,7 +1302,7 @@
             <a:fld id="{530820CF-B880-4189-942D-D702A7CBA730}" type="datetimeFigureOut">
               <a:rPr lang="zh-CN" altLang="en-US" smtClean="0"/>
               <a:pPr/>
-              <a:t>2018/9/25</a:t>
+              <a:t>2018/9/26</a:t>
             </a:fld>
             <a:endParaRPr lang="zh-CN" altLang="en-US"/>
           </a:p>
@@ -1545,7 +1545,7 @@
             <a:fld id="{530820CF-B880-4189-942D-D702A7CBA730}" type="datetimeFigureOut">
               <a:rPr lang="zh-CN" altLang="en-US" smtClean="0"/>
               <a:pPr/>
-              <a:t>2018/9/25</a:t>
+              <a:t>2018/9/26</a:t>
             </a:fld>
             <a:endParaRPr lang="zh-CN" altLang="en-US"/>
           </a:p>
@@ -1830,7 +1830,7 @@
             <a:fld id="{530820CF-B880-4189-942D-D702A7CBA730}" type="datetimeFigureOut">
               <a:rPr lang="zh-CN" altLang="en-US" smtClean="0"/>
               <a:pPr/>
-              <a:t>2018/9/25</a:t>
+              <a:t>2018/9/26</a:t>
             </a:fld>
             <a:endParaRPr lang="zh-CN" altLang="en-US"/>
           </a:p>
@@ -2249,7 +2249,7 @@
             <a:fld id="{530820CF-B880-4189-942D-D702A7CBA730}" type="datetimeFigureOut">
               <a:rPr lang="zh-CN" altLang="en-US" smtClean="0"/>
               <a:pPr/>
-              <a:t>2018/9/25</a:t>
+              <a:t>2018/9/26</a:t>
             </a:fld>
             <a:endParaRPr lang="zh-CN" altLang="en-US"/>
           </a:p>
@@ -2364,7 +2364,7 @@
             <a:fld id="{530820CF-B880-4189-942D-D702A7CBA730}" type="datetimeFigureOut">
               <a:rPr lang="zh-CN" altLang="en-US" smtClean="0"/>
               <a:pPr/>
-              <a:t>2018/9/25</a:t>
+              <a:t>2018/9/26</a:t>
             </a:fld>
             <a:endParaRPr lang="zh-CN" altLang="en-US"/>
           </a:p>
@@ -2456,7 +2456,7 @@
             <a:fld id="{530820CF-B880-4189-942D-D702A7CBA730}" type="datetimeFigureOut">
               <a:rPr lang="zh-CN" altLang="en-US" smtClean="0"/>
               <a:pPr/>
-              <a:t>2018/9/25</a:t>
+              <a:t>2018/9/26</a:t>
             </a:fld>
             <a:endParaRPr lang="zh-CN" altLang="en-US"/>
           </a:p>
@@ -2730,7 +2730,7 @@
             <a:fld id="{530820CF-B880-4189-942D-D702A7CBA730}" type="datetimeFigureOut">
               <a:rPr lang="zh-CN" altLang="en-US" smtClean="0"/>
               <a:pPr/>
-              <a:t>2018/9/25</a:t>
+              <a:t>2018/9/26</a:t>
             </a:fld>
             <a:endParaRPr lang="zh-CN" altLang="en-US"/>
           </a:p>
@@ -2980,7 +2980,7 @@
             <a:fld id="{530820CF-B880-4189-942D-D702A7CBA730}" type="datetimeFigureOut">
               <a:rPr lang="zh-CN" altLang="en-US" smtClean="0"/>
               <a:pPr/>
-              <a:t>2018/9/25</a:t>
+              <a:t>2018/9/26</a:t>
             </a:fld>
             <a:endParaRPr lang="zh-CN" altLang="en-US"/>
           </a:p>
@@ -3190,7 +3190,7 @@
             <a:fld id="{530820CF-B880-4189-942D-D702A7CBA730}" type="datetimeFigureOut">
               <a:rPr lang="zh-CN" altLang="en-US" smtClean="0"/>
               <a:pPr/>
-              <a:t>2018/9/25</a:t>
+              <a:t>2018/9/26</a:t>
             </a:fld>
             <a:endParaRPr lang="zh-CN" altLang="en-US"/>
           </a:p>
@@ -6058,11 +6058,7 @@
           <a:p>
             <a:r>
               <a:rPr lang="en-US" altLang="zh-CN" sz="2000" dirty="0" smtClean="0"/>
-              <a:t>All the core business code is </a:t>
-            </a:r>
-            <a:r>
-              <a:rPr lang="en-US" altLang="zh-CN" sz="2000" dirty="0" smtClean="0"/>
-              <a:t>about </a:t>
+              <a:t>All the core business code is about </a:t>
             </a:r>
             <a:r>
               <a:rPr lang="en-US" altLang="zh-CN" sz="2000" b="1" dirty="0" smtClean="0"/>
@@ -6070,11 +6066,7 @@
             </a:r>
             <a:r>
               <a:rPr lang="en-US" altLang="zh-CN" sz="2000" dirty="0" smtClean="0"/>
-              <a:t> </a:t>
-            </a:r>
-            <a:r>
-              <a:rPr lang="en-US" altLang="zh-CN" sz="2000" dirty="0" smtClean="0"/>
-              <a:t>lines</a:t>
+              <a:t> lines</a:t>
             </a:r>
           </a:p>
           <a:p>
@@ -7958,15 +7950,7 @@
             <a:pPr lvl="1"/>
             <a:r>
               <a:rPr lang="en-US" altLang="zh-CN" sz="2000" dirty="0" smtClean="0"/>
-              <a:t>Support </a:t>
-            </a:r>
-            <a:r>
-              <a:rPr lang="en-US" altLang="zh-CN" sz="2000" dirty="0" smtClean="0"/>
-              <a:t>upload/download files, </a:t>
-            </a:r>
-            <a:r>
-              <a:rPr lang="en-US" altLang="zh-CN" sz="2000" dirty="0" smtClean="0"/>
-              <a:t>session/cookie</a:t>
+              <a:t>Support upload/download files, session/cookie</a:t>
             </a:r>
             <a:endParaRPr lang="zh-CN" altLang="en-US" sz="2000" dirty="0"/>
           </a:p>
@@ -8060,11 +8044,7 @@
             </a:r>
             <a:r>
               <a:rPr lang="en-US" altLang="zh-CN" sz="2000" dirty="0" smtClean="0"/>
-              <a:t> </a:t>
-            </a:r>
-            <a:r>
-              <a:rPr lang="en-US" altLang="zh-CN" sz="2000" dirty="0" smtClean="0"/>
-              <a:t>is a application library, focus on business, lead to very few code to finish a web application</a:t>
+              <a:t> is a application library, focus on business, lead to very few code to finish a web application</a:t>
             </a:r>
           </a:p>
           <a:p>
@@ -8075,46 +8055,21 @@
             </a:r>
             <a:r>
               <a:rPr lang="en-US" altLang="zh-CN" sz="2000" dirty="0" smtClean="0"/>
-              <a:t>  </a:t>
-            </a:r>
+              <a:t>  do much work for users</a:t>
+            </a:r>
+          </a:p>
+          <a:p>
+            <a:pPr lvl="1"/>
             <a:r>
               <a:rPr lang="en-US" altLang="zh-CN" sz="2000" dirty="0" smtClean="0"/>
-              <a:t>do much work for </a:t>
-            </a:r>
+              <a:t>beast is a fundamental library, provide low level interface</a:t>
+            </a:r>
+          </a:p>
+          <a:p>
+            <a:pPr lvl="1"/>
             <a:r>
               <a:rPr lang="en-US" altLang="zh-CN" sz="2000" dirty="0" smtClean="0"/>
-              <a:t>users</a:t>
-            </a:r>
-            <a:endParaRPr lang="en-US" altLang="zh-CN" sz="2000" dirty="0" smtClean="0"/>
-          </a:p>
-          <a:p>
-            <a:pPr lvl="1"/>
-            <a:r>
-              <a:rPr lang="en-US" altLang="zh-CN" sz="2000" dirty="0" smtClean="0"/>
-              <a:t>beast </a:t>
-            </a:r>
-            <a:r>
-              <a:rPr lang="en-US" altLang="zh-CN" sz="2000" dirty="0" smtClean="0"/>
-              <a:t>is a </a:t>
-            </a:r>
-            <a:r>
-              <a:rPr lang="en-US" altLang="zh-CN" sz="2000" dirty="0" smtClean="0"/>
-              <a:t>fundamental </a:t>
-            </a:r>
-            <a:r>
-              <a:rPr lang="en-US" altLang="zh-CN" sz="2000" dirty="0" smtClean="0"/>
-              <a:t>library, provide low level interface</a:t>
-            </a:r>
-          </a:p>
-          <a:p>
-            <a:pPr lvl="1"/>
-            <a:r>
-              <a:rPr lang="en-US" altLang="zh-CN" sz="2000" dirty="0" smtClean="0"/>
-              <a:t>beast </a:t>
-            </a:r>
-            <a:r>
-              <a:rPr lang="en-US" altLang="zh-CN" sz="2000" dirty="0" smtClean="0"/>
-              <a:t>users have to write much code to finish a business function</a:t>
+              <a:t>beast users have to write much code to finish a business function</a:t>
             </a:r>
           </a:p>
           <a:p>
@@ -10307,15 +10262,7 @@
             </a:r>
             <a:r>
               <a:rPr lang="en-US" altLang="zh-CN" sz="2400" dirty="0" smtClean="0"/>
-              <a:t> is very </a:t>
-            </a:r>
-            <a:r>
-              <a:rPr lang="en-US" altLang="zh-CN" sz="2400" dirty="0" smtClean="0"/>
-              <a:t>suitable for parsing </a:t>
-            </a:r>
-            <a:r>
-              <a:rPr lang="en-US" altLang="zh-CN" sz="2400" dirty="0" smtClean="0"/>
-              <a:t>http protocol</a:t>
+              <a:t> is very suitable for parsing http protocol</a:t>
             </a:r>
           </a:p>
           <a:p>
@@ -11088,7 +11035,7 @@
           <a:bodyPr/>
           <a:lstStyle/>
           <a:p>
-            <a:endParaRPr lang="zh-CN" altLang="en-US"/>
+            <a:endParaRPr lang="zh-CN" altLang="en-US" dirty="0"/>
           </a:p>
         </p:txBody>
       </p:sp>
@@ -11167,11 +11114,7 @@
           <a:p>
             <a:r>
               <a:rPr lang="en-US" altLang="zh-CN" dirty="0" smtClean="0"/>
-              <a:t>s</a:t>
-            </a:r>
-            <a:r>
-              <a:rPr lang="en-US" altLang="zh-CN" dirty="0" smtClean="0"/>
-              <a:t>hould avoid long </a:t>
+              <a:t>should avoid long </a:t>
             </a:r>
             <a:r>
               <a:rPr lang="en-US" altLang="zh-CN" dirty="0" err="1" smtClean="0"/>
@@ -11208,15 +11151,7 @@
           <a:p>
             <a:r>
               <a:rPr lang="en-US" altLang="zh-CN" dirty="0" smtClean="0"/>
-              <a:t>s</a:t>
-            </a:r>
-            <a:r>
-              <a:rPr lang="en-US" altLang="zh-CN" dirty="0" smtClean="0"/>
-              <a:t>hould focus </a:t>
-            </a:r>
-            <a:r>
-              <a:rPr lang="en-US" altLang="zh-CN" dirty="0" smtClean="0"/>
-              <a:t>on what we want</a:t>
+              <a:t>should focus on what we want</a:t>
             </a:r>
             <a:endParaRPr lang="zh-CN" altLang="en-US" dirty="0"/>
           </a:p>
@@ -11251,6 +11186,91 @@
           </a:effectRef>
           <a:fontRef idx="minor">
             <a:schemeClr val="lt1"/>
+          </a:fontRef>
+        </p:style>
+        <p:txBody>
+          <a:bodyPr rtlCol="0" anchor="ctr"/>
+          <a:lstStyle/>
+          <a:p>
+            <a:pPr algn="ctr"/>
+            <a:endParaRPr lang="zh-CN" altLang="en-US"/>
+          </a:p>
+        </p:txBody>
+      </p:sp>
+      <p:sp>
+        <p:nvSpPr>
+          <p:cNvPr id="8" name="左大括号 7"/>
+          <p:cNvSpPr/>
+          <p:nvPr/>
+        </p:nvSpPr>
+        <p:spPr>
+          <a:xfrm>
+            <a:off x="642910" y="642924"/>
+            <a:ext cx="214314" cy="2500330"/>
+          </a:xfrm>
+          <a:prstGeom prst="leftBrace">
+            <a:avLst/>
+          </a:prstGeom>
+          <a:ln w="15875">
+            <a:tailEnd type="arrow"/>
+          </a:ln>
+        </p:spPr>
+        <p:style>
+          <a:lnRef idx="1">
+            <a:schemeClr val="accent1"/>
+          </a:lnRef>
+          <a:fillRef idx="0">
+            <a:schemeClr val="accent1"/>
+          </a:fillRef>
+          <a:effectRef idx="0">
+            <a:schemeClr val="accent1"/>
+          </a:effectRef>
+          <a:fontRef idx="minor">
+            <a:schemeClr val="tx1"/>
+          </a:fontRef>
+        </p:style>
+        <p:txBody>
+          <a:bodyPr rtlCol="0" anchor="ctr"/>
+          <a:lstStyle/>
+          <a:p>
+            <a:pPr algn="ctr"/>
+            <a:endParaRPr lang="zh-CN" altLang="en-US"/>
+          </a:p>
+        </p:txBody>
+      </p:sp>
+      <p:sp>
+        <p:nvSpPr>
+          <p:cNvPr id="9" name="左大括号 8"/>
+          <p:cNvSpPr/>
+          <p:nvPr/>
+        </p:nvSpPr>
+        <p:spPr>
+          <a:xfrm>
+            <a:off x="571472" y="4000510"/>
+            <a:ext cx="214314" cy="428628"/>
+          </a:xfrm>
+          <a:prstGeom prst="leftBrace">
+            <a:avLst>
+              <a:gd name="adj1" fmla="val 0"/>
+              <a:gd name="adj2" fmla="val 50000"/>
+            </a:avLst>
+          </a:prstGeom>
+          <a:ln w="15875">
+            <a:tailEnd type="arrow"/>
+          </a:ln>
+        </p:spPr>
+        <p:style>
+          <a:lnRef idx="1">
+            <a:schemeClr val="accent1"/>
+          </a:lnRef>
+          <a:fillRef idx="0">
+            <a:schemeClr val="accent1"/>
+          </a:fillRef>
+          <a:effectRef idx="0">
+            <a:schemeClr val="accent1"/>
+          </a:effectRef>
+          <a:fontRef idx="minor">
+            <a:schemeClr val="tx1"/>
           </a:fontRef>
         </p:style>
         <p:txBody>
@@ -11317,30 +11337,66 @@
                             </p:childTnLst>
                           </p:cTn>
                         </p:par>
-                      </p:childTnLst>
-                    </p:cTn>
-                  </p:par>
-                  <p:par>
-                    <p:cTn id="7" fill="hold">
-                      <p:stCondLst>
-                        <p:cond delay="indefinite"/>
-                      </p:stCondLst>
-                      <p:childTnLst>
                         <p:par>
-                          <p:cTn id="8" fill="hold">
+                          <p:cTn id="7" fill="hold">
                             <p:stCondLst>
                               <p:cond delay="0"/>
                             </p:stCondLst>
                             <p:childTnLst>
                               <p:par>
-                                <p:cTn id="9" presetID="1" presetClass="entr" presetSubtype="0" fill="hold" grpId="0" nodeType="clickEffect">
+                                <p:cTn id="8" presetID="1" presetClass="entr" presetSubtype="0" fill="hold" grpId="0" nodeType="afterEffect">
                                   <p:stCondLst>
                                     <p:cond delay="0"/>
                                   </p:stCondLst>
                                   <p:childTnLst>
                                     <p:set>
                                       <p:cBhvr>
-                                        <p:cTn id="10" dur="1" fill="hold">
+                                        <p:cTn id="9" dur="1" fill="hold">
+                                          <p:stCondLst>
+                                            <p:cond delay="0"/>
+                                          </p:stCondLst>
+                                        </p:cTn>
+                                        <p:tgtEl>
+                                          <p:spTgt spid="8"/>
+                                        </p:tgtEl>
+                                        <p:attrNameLst>
+                                          <p:attrName>style.visibility</p:attrName>
+                                        </p:attrNameLst>
+                                      </p:cBhvr>
+                                      <p:to>
+                                        <p:strVal val="visible"/>
+                                      </p:to>
+                                    </p:set>
+                                  </p:childTnLst>
+                                </p:cTn>
+                              </p:par>
+                            </p:childTnLst>
+                          </p:cTn>
+                        </p:par>
+                      </p:childTnLst>
+                    </p:cTn>
+                  </p:par>
+                  <p:par>
+                    <p:cTn id="10" fill="hold">
+                      <p:stCondLst>
+                        <p:cond delay="indefinite"/>
+                      </p:stCondLst>
+                      <p:childTnLst>
+                        <p:par>
+                          <p:cTn id="11" fill="hold">
+                            <p:stCondLst>
+                              <p:cond delay="0"/>
+                            </p:stCondLst>
+                            <p:childTnLst>
+                              <p:par>
+                                <p:cTn id="12" presetID="1" presetClass="entr" presetSubtype="0" fill="hold" grpId="0" nodeType="clickEffect">
+                                  <p:stCondLst>
+                                    <p:cond delay="0"/>
+                                  </p:stCondLst>
+                                  <p:childTnLst>
+                                    <p:set>
+                                      <p:cBhvr>
+                                        <p:cTn id="13" dur="1" fill="hold">
                                           <p:stCondLst>
                                             <p:cond delay="0"/>
                                           </p:stCondLst>
@@ -11363,20 +11419,20 @@
                           </p:cTn>
                         </p:par>
                         <p:par>
-                          <p:cTn id="11" fill="hold">
+                          <p:cTn id="14" fill="hold">
                             <p:stCondLst>
                               <p:cond delay="0"/>
                             </p:stCondLst>
                             <p:childTnLst>
                               <p:par>
-                                <p:cTn id="12" presetID="22" presetClass="entr" presetSubtype="2" fill="hold" grpId="0" nodeType="afterEffect">
+                                <p:cTn id="15" presetID="22" presetClass="entr" presetSubtype="2" fill="hold" grpId="0" nodeType="afterEffect">
                                   <p:stCondLst>
                                     <p:cond delay="0"/>
                                   </p:stCondLst>
                                   <p:childTnLst>
                                     <p:set>
                                       <p:cBhvr>
-                                        <p:cTn id="13" dur="1" fill="hold">
+                                        <p:cTn id="16" dur="1" fill="hold">
                                           <p:stCondLst>
                                             <p:cond delay="0"/>
                                           </p:stCondLst>
@@ -11394,12 +11450,48 @@
                                     </p:set>
                                     <p:animEffect transition="in" filter="wipe(right)">
                                       <p:cBhvr>
-                                        <p:cTn id="14" dur="500"/>
+                                        <p:cTn id="17" dur="500"/>
                                         <p:tgtEl>
                                           <p:spTgt spid="7"/>
                                         </p:tgtEl>
                                       </p:cBhvr>
                                     </p:animEffect>
+                                  </p:childTnLst>
+                                </p:cTn>
+                              </p:par>
+                            </p:childTnLst>
+                          </p:cTn>
+                        </p:par>
+                        <p:par>
+                          <p:cTn id="18" fill="hold">
+                            <p:stCondLst>
+                              <p:cond delay="500"/>
+                            </p:stCondLst>
+                            <p:childTnLst>
+                              <p:par>
+                                <p:cTn id="19" presetID="1" presetClass="entr" presetSubtype="0" fill="hold" grpId="0" nodeType="afterEffect">
+                                  <p:stCondLst>
+                                    <p:cond delay="0"/>
+                                  </p:stCondLst>
+                                  <p:childTnLst>
+                                    <p:set>
+                                      <p:cBhvr>
+                                        <p:cTn id="20" dur="1" fill="hold">
+                                          <p:stCondLst>
+                                            <p:cond delay="0"/>
+                                          </p:stCondLst>
+                                        </p:cTn>
+                                        <p:tgtEl>
+                                          <p:spTgt spid="9"/>
+                                        </p:tgtEl>
+                                        <p:attrNameLst>
+                                          <p:attrName>style.visibility</p:attrName>
+                                        </p:attrNameLst>
+                                      </p:cBhvr>
+                                      <p:to>
+                                        <p:strVal val="visible"/>
+                                      </p:to>
+                                    </p:set>
                                   </p:childTnLst>
                                 </p:cTn>
                               </p:par>
@@ -11434,6 +11526,8 @@
       <p:bldP spid="5" grpId="0"/>
       <p:bldP spid="6" grpId="0"/>
       <p:bldP spid="7" grpId="0" animBg="1"/>
+      <p:bldP spid="8" grpId="0" animBg="1"/>
+      <p:bldP spid="9" grpId="0" animBg="1"/>
     </p:bldLst>
   </p:timing>
 </p:sld>
@@ -15600,30 +15694,21 @@
                             </p:childTnLst>
                           </p:cTn>
                         </p:par>
-                      </p:childTnLst>
-                    </p:cTn>
-                  </p:par>
-                  <p:par>
-                    <p:cTn id="71" fill="hold">
-                      <p:stCondLst>
-                        <p:cond delay="indefinite"/>
-                      </p:stCondLst>
-                      <p:childTnLst>
                         <p:par>
-                          <p:cTn id="72" fill="hold">
+                          <p:cTn id="71" fill="hold">
                             <p:stCondLst>
-                              <p:cond delay="0"/>
+                              <p:cond delay="500"/>
                             </p:stCondLst>
                             <p:childTnLst>
                               <p:par>
-                                <p:cTn id="73" presetID="22" presetClass="entr" presetSubtype="8" fill="hold" nodeType="clickEffect">
+                                <p:cTn id="72" presetID="22" presetClass="entr" presetSubtype="8" fill="hold" nodeType="afterEffect">
                                   <p:stCondLst>
                                     <p:cond delay="0"/>
                                   </p:stCondLst>
                                   <p:childTnLst>
                                     <p:set>
                                       <p:cBhvr>
-                                        <p:cTn id="74" dur="1" fill="hold">
+                                        <p:cTn id="73" dur="1" fill="hold">
                                           <p:stCondLst>
                                             <p:cond delay="0"/>
                                           </p:stCondLst>
@@ -15641,7 +15726,7 @@
                                     </p:set>
                                     <p:animEffect transition="in" filter="wipe(left)">
                                       <p:cBhvr>
-                                        <p:cTn id="75" dur="500"/>
+                                        <p:cTn id="74" dur="500"/>
                                         <p:tgtEl>
                                           <p:spTgt spid="36"/>
                                         </p:tgtEl>
@@ -16702,11 +16787,7 @@
             <a:pPr algn="l"/>
             <a:r>
               <a:rPr lang="en-US" altLang="zh-CN" dirty="0" smtClean="0"/>
-              <a:t>http </a:t>
-            </a:r>
-            <a:r>
-              <a:rPr lang="en-US" altLang="zh-CN" dirty="0" smtClean="0"/>
-              <a:t>upload</a:t>
+              <a:t>http upload</a:t>
             </a:r>
             <a:endParaRPr lang="zh-CN" altLang="en-US" dirty="0"/>
           </a:p>
@@ -16876,7 +16957,7 @@
         <p:spPr>
           <a:xfrm>
             <a:off x="1142976" y="3143254"/>
-            <a:ext cx="4915576" cy="369332"/>
+            <a:ext cx="5005345" cy="369332"/>
           </a:xfrm>
           <a:prstGeom prst="rect">
             <a:avLst/>
@@ -16890,7 +16971,11 @@
           <a:p>
             <a:r>
               <a:rPr lang="en-US" altLang="zh-CN" dirty="0" smtClean="0"/>
-              <a:t>Hide complex details, expose simple user interface</a:t>
+              <a:t>Hide complex details, expose simple user </a:t>
+            </a:r>
+            <a:r>
+              <a:rPr lang="en-US" altLang="zh-CN" dirty="0" smtClean="0"/>
+              <a:t>interfaces</a:t>
             </a:r>
             <a:endParaRPr lang="zh-CN" altLang="en-US" dirty="0"/>
           </a:p>
@@ -16970,30 +17055,38 @@
           <a:lstStyle/>
           <a:p>
             <a:r>
-              <a:rPr lang="en-US" altLang="zh-CN" sz="2800" dirty="0" smtClean="0"/>
+              <a:rPr lang="en-US" altLang="zh-CN" sz="2400" dirty="0" smtClean="0"/>
               <a:t>std::</a:t>
             </a:r>
             <a:r>
-              <a:rPr lang="en-US" altLang="zh-CN" sz="2800" dirty="0" err="1" smtClean="0"/>
+              <a:rPr lang="en-US" altLang="zh-CN" sz="2400" dirty="0" err="1" smtClean="0"/>
               <a:t>string_view</a:t>
             </a:r>
             <a:r>
-              <a:rPr lang="en-US" altLang="zh-CN" sz="2800" dirty="0" smtClean="0"/>
-              <a:t> help to parse http protocol efficiently</a:t>
-            </a:r>
-          </a:p>
-          <a:p>
-            <a:r>
-              <a:rPr lang="en-US" altLang="zh-CN" sz="2800" dirty="0" smtClean="0"/>
+              <a:rPr lang="en-US" altLang="zh-CN" sz="2400" dirty="0" smtClean="0"/>
+              <a:t> </a:t>
+            </a:r>
+            <a:r>
+              <a:rPr lang="en-US" altLang="zh-CN" sz="2400" dirty="0" smtClean="0"/>
+              <a:t>helps </a:t>
+            </a:r>
+            <a:r>
+              <a:rPr lang="en-US" altLang="zh-CN" sz="2400" dirty="0" smtClean="0"/>
+              <a:t>to parse http protocol efficiently</a:t>
+            </a:r>
+          </a:p>
+          <a:p>
+            <a:r>
+              <a:rPr lang="en-US" altLang="zh-CN" sz="2400" dirty="0" smtClean="0"/>
               <a:t>The http router and AOP make the user focus on core business function</a:t>
             </a:r>
           </a:p>
           <a:p>
             <a:r>
-              <a:rPr lang="en-US" altLang="zh-CN" sz="2800" dirty="0" smtClean="0"/>
+              <a:rPr lang="en-US" altLang="zh-CN" sz="2400" dirty="0" smtClean="0"/>
               <a:t>The framework does a lot of work and then provides simple interface for the user</a:t>
             </a:r>
-            <a:endParaRPr lang="zh-CN" altLang="en-US" sz="2800" dirty="0"/>
+            <a:endParaRPr lang="zh-CN" altLang="en-US" sz="2400" dirty="0"/>
           </a:p>
         </p:txBody>
       </p:sp>
@@ -17138,7 +17231,7 @@
         <p:spPr>
           <a:xfrm>
             <a:off x="857224" y="2285998"/>
-            <a:ext cx="6154377" cy="400110"/>
+            <a:ext cx="6255367" cy="400110"/>
           </a:xfrm>
           <a:prstGeom prst="rect">
             <a:avLst/>
@@ -17160,7 +17253,15 @@
             </a:r>
             <a:r>
               <a:rPr lang="en-US" altLang="zh-CN" sz="2000" dirty="0" smtClean="0"/>
-              <a:t> to operate different kind of databases</a:t>
+              <a:t> to operate different </a:t>
+            </a:r>
+            <a:r>
+              <a:rPr lang="en-US" altLang="zh-CN" sz="2000" dirty="0" smtClean="0"/>
+              <a:t>kinds </a:t>
+            </a:r>
+            <a:r>
+              <a:rPr lang="en-US" altLang="zh-CN" sz="2000" dirty="0" smtClean="0"/>
+              <a:t>of databases</a:t>
             </a:r>
             <a:endParaRPr lang="zh-CN" altLang="en-US" sz="2000" dirty="0"/>
           </a:p>
@@ -18338,31 +18439,43 @@
           <a:lstStyle/>
           <a:p>
             <a:r>
-              <a:rPr lang="en-US" sz="2800" dirty="0" smtClean="0"/>
+              <a:rPr lang="en-US" sz="2400" dirty="0" smtClean="0"/>
               <a:t>Unified and easy to use interface</a:t>
             </a:r>
           </a:p>
           <a:p>
             <a:r>
-              <a:rPr lang="en-US" sz="2800" dirty="0" smtClean="0"/>
+              <a:rPr lang="en-US" sz="2400" dirty="0" smtClean="0"/>
               <a:t>Extensible interface </a:t>
             </a:r>
           </a:p>
           <a:p>
             <a:r>
-              <a:rPr lang="en-US" sz="2800" dirty="0" smtClean="0"/>
+              <a:rPr lang="en-US" sz="2400" dirty="0" smtClean="0"/>
               <a:t>Automatically generate </a:t>
             </a:r>
             <a:r>
-              <a:rPr lang="en-US" sz="2800" dirty="0" err="1" smtClean="0"/>
+              <a:rPr lang="en-US" sz="2400" dirty="0" err="1" smtClean="0"/>
               <a:t>sql</a:t>
             </a:r>
-            <a:endParaRPr lang="en-US" sz="2800" dirty="0" smtClean="0"/>
-          </a:p>
-          <a:p>
-            <a:r>
-              <a:rPr lang="en-US" sz="2800" dirty="0" smtClean="0"/>
-              <a:t>Automatically mapping entity to object</a:t>
+            <a:endParaRPr lang="en-US" sz="2400" dirty="0" smtClean="0"/>
+          </a:p>
+          <a:p>
+            <a:r>
+              <a:rPr lang="en-US" sz="2400" dirty="0" smtClean="0"/>
+              <a:t>Automatically mapping </a:t>
+            </a:r>
+            <a:r>
+              <a:rPr lang="en-US" altLang="zh-CN" sz="2400" dirty="0" smtClean="0"/>
+              <a:t>table data </a:t>
+            </a:r>
+            <a:r>
+              <a:rPr lang="en-US" sz="2400" dirty="0" smtClean="0"/>
+              <a:t>to </a:t>
+            </a:r>
+            <a:r>
+              <a:rPr lang="en-US" sz="2400" dirty="0" smtClean="0"/>
+              <a:t>object</a:t>
             </a:r>
           </a:p>
           <a:p>
@@ -18438,14 +18551,16 @@
         </p:nvSpPr>
         <p:spPr/>
         <p:txBody>
-          <a:bodyPr/>
+          <a:bodyPr>
+            <a:normAutofit/>
+          </a:bodyPr>
           <a:lstStyle/>
           <a:p>
             <a:r>
-              <a:rPr lang="en-US" altLang="zh-CN" dirty="0" smtClean="0"/>
+              <a:rPr lang="en-US" altLang="zh-CN" sz="2400" dirty="0" smtClean="0"/>
               <a:t>Connect database</a:t>
             </a:r>
-            <a:endParaRPr lang="zh-CN" altLang="en-US" dirty="0"/>
+            <a:endParaRPr lang="zh-CN" altLang="en-US" sz="2400" dirty="0"/>
           </a:p>
         </p:txBody>
       </p:sp>
@@ -19644,15 +19759,33 @@
         </p:nvSpPr>
         <p:spPr/>
         <p:txBody>
-          <a:bodyPr/>
+          <a:bodyPr>
+            <a:normAutofit/>
+          </a:bodyPr>
           <a:lstStyle/>
           <a:p>
             <a:pPr algn="l"/>
             <a:r>
-              <a:rPr lang="en-US" altLang="zh-CN" dirty="0" err="1" smtClean="0"/>
+              <a:rPr lang="en-US" altLang="zh-CN" sz="3600" dirty="0" err="1" smtClean="0"/>
               <a:t>ormpp</a:t>
             </a:r>
-            <a:endParaRPr lang="zh-CN" altLang="en-US" dirty="0"/>
+            <a:r>
+              <a:rPr lang="en-US" altLang="zh-CN" sz="3600" dirty="0" smtClean="0"/>
+              <a:t>-</a:t>
+            </a:r>
+            <a:r>
+              <a:rPr lang="en-US" altLang="zh-CN" sz="3600" dirty="0" smtClean="0"/>
+              <a:t>- Automatically generate </a:t>
+            </a:r>
+            <a:r>
+              <a:rPr lang="en-US" altLang="zh-CN" sz="3600" dirty="0" err="1" smtClean="0"/>
+              <a:t>sql</a:t>
+            </a:r>
+            <a:r>
+              <a:rPr lang="en-US" altLang="zh-CN" sz="3600" dirty="0" smtClean="0"/>
+              <a:t> </a:t>
+            </a:r>
+            <a:endParaRPr lang="zh-CN" altLang="en-US" sz="3600" dirty="0"/>
           </a:p>
         </p:txBody>
       </p:sp>
@@ -19673,19 +19806,18 @@
           </a:bodyPr>
           <a:lstStyle/>
           <a:p>
-            <a:r>
-              <a:rPr lang="en-US" altLang="zh-CN" sz="2400" dirty="0" smtClean="0"/>
-              <a:t>Automatically generate </a:t>
-            </a:r>
-            <a:r>
-              <a:rPr lang="en-US" altLang="zh-CN" sz="2400" dirty="0" err="1" smtClean="0"/>
-              <a:t>sql</a:t>
-            </a:r>
-            <a:r>
-              <a:rPr lang="en-US" altLang="zh-CN" sz="2400" dirty="0" smtClean="0"/>
-              <a:t> by compile-time reflection</a:t>
-            </a:r>
-            <a:endParaRPr lang="zh-CN" altLang="en-US" sz="2400" dirty="0"/>
+            <a:pPr>
+              <a:buNone/>
+            </a:pPr>
+            <a:r>
+              <a:rPr lang="en-US" altLang="zh-CN" sz="2000" dirty="0" err="1" smtClean="0"/>
+              <a:t>mysql.create_datatable</a:t>
+            </a:r>
+            <a:r>
+              <a:rPr lang="en-US" altLang="zh-CN" sz="2000" dirty="0" smtClean="0"/>
+              <a:t>&lt;person&gt;();</a:t>
+            </a:r>
+            <a:endParaRPr lang="zh-CN" altLang="en-US" sz="2000" dirty="0"/>
           </a:p>
         </p:txBody>
       </p:sp>
@@ -19697,8 +19829,8 @@
         </p:nvSpPr>
         <p:spPr>
           <a:xfrm>
-            <a:off x="526226" y="1660954"/>
-            <a:ext cx="5203284" cy="369332"/>
+            <a:off x="2220015" y="1643056"/>
+            <a:ext cx="4638001" cy="338554"/>
           </a:xfrm>
           <a:prstGeom prst="rect">
             <a:avLst/>
@@ -19711,30 +19843,30 @@
           <a:lstStyle/>
           <a:p>
             <a:r>
-              <a:rPr lang="zh-CN" altLang="en-US" dirty="0" smtClean="0"/>
+              <a:rPr lang="zh-CN" altLang="en-US" sz="1600" dirty="0" smtClean="0"/>
               <a:t>"</a:t>
             </a:r>
             <a:r>
-              <a:rPr lang="zh-CN" altLang="en-US" dirty="0"/>
+              <a:rPr lang="zh-CN" altLang="en-US" sz="1600" dirty="0"/>
               <a:t> CREATE TABLE person ( id INT</a:t>
             </a:r>
             <a:r>
-              <a:rPr lang="en-US" altLang="zh-CN" dirty="0"/>
+              <a:rPr lang="en-US" altLang="zh-CN" sz="1600" dirty="0"/>
               <a:t>, </a:t>
             </a:r>
             <a:r>
-              <a:rPr lang="zh-CN" altLang="en-US" dirty="0"/>
+              <a:rPr lang="zh-CN" altLang="en-US" sz="1600" dirty="0"/>
               <a:t>name TEXT, age </a:t>
             </a:r>
             <a:r>
-              <a:rPr lang="en-US" altLang="zh-CN" dirty="0" smtClean="0"/>
+              <a:rPr lang="en-US" altLang="zh-CN" sz="1600" dirty="0" smtClean="0"/>
               <a:t>INT</a:t>
             </a:r>
             <a:r>
-              <a:rPr lang="zh-CN" altLang="en-US" dirty="0" smtClean="0"/>
+              <a:rPr lang="zh-CN" altLang="en-US" sz="1600" dirty="0" smtClean="0"/>
               <a:t>) "</a:t>
             </a:r>
-            <a:endParaRPr lang="zh-CN" altLang="en-US" dirty="0"/>
+            <a:endParaRPr lang="zh-CN" altLang="en-US" sz="1600" dirty="0"/>
           </a:p>
         </p:txBody>
       </p:sp>
@@ -19746,7 +19878,7 @@
         </p:nvSpPr>
         <p:spPr>
           <a:xfrm>
-            <a:off x="2017739" y="2476626"/>
+            <a:off x="3333375" y="2476626"/>
             <a:ext cx="5167715" cy="1569660"/>
           </a:xfrm>
           <a:prstGeom prst="rect">
@@ -20109,253 +20241,283 @@
           </a:p>
         </p:txBody>
       </p:sp>
-      <p:cxnSp>
-        <p:nvCxnSpPr>
-          <p:cNvPr id="6" name="直接箭头连接符 5"/>
-          <p:cNvCxnSpPr/>
+      <p:grpSp>
+        <p:nvGrpSpPr>
+          <p:cNvPr id="19" name="组合 18"/>
+          <p:cNvGrpSpPr/>
           <p:nvPr/>
-        </p:nvCxnSpPr>
-        <p:spPr>
-          <a:xfrm rot="16200000" flipV="1">
-            <a:off x="2869857" y="2103738"/>
-            <a:ext cx="1810265" cy="1495168"/>
+        </p:nvGrpSpPr>
+        <p:grpSpPr>
+          <a:xfrm>
+            <a:off x="4120620" y="1928808"/>
+            <a:ext cx="2308768" cy="1401342"/>
+            <a:chOff x="4120620" y="1928808"/>
+            <a:chExt cx="2308768" cy="1401342"/>
           </a:xfrm>
-          <a:prstGeom prst="straightConnector1">
-            <a:avLst/>
-          </a:prstGeom>
-          <a:ln w="28575">
-            <a:headEnd type="none"/>
-            <a:tailEnd type="arrow"/>
-          </a:ln>
-        </p:spPr>
-        <p:style>
-          <a:lnRef idx="1">
-            <a:schemeClr val="accent1"/>
-          </a:lnRef>
-          <a:fillRef idx="0">
-            <a:schemeClr val="accent1"/>
-          </a:fillRef>
-          <a:effectRef idx="0">
-            <a:schemeClr val="accent1"/>
-          </a:effectRef>
-          <a:fontRef idx="minor">
-            <a:schemeClr val="tx1"/>
-          </a:fontRef>
-        </p:style>
-      </p:cxnSp>
-      <p:cxnSp>
-        <p:nvCxnSpPr>
-          <p:cNvPr id="7" name="直接箭头连接符 6"/>
-          <p:cNvCxnSpPr/>
+        </p:grpSpPr>
+        <p:cxnSp>
+          <p:nvCxnSpPr>
+            <p:cNvPr id="9" name="直接箭头连接符 8"/>
+            <p:cNvCxnSpPr/>
+            <p:nvPr/>
+          </p:nvCxnSpPr>
+          <p:spPr>
+            <a:xfrm rot="5400000" flipH="1" flipV="1">
+              <a:off x="3976571" y="2072858"/>
+              <a:ext cx="882356" cy="594257"/>
+            </a:xfrm>
+            <a:prstGeom prst="straightConnector1">
+              <a:avLst/>
+            </a:prstGeom>
+            <a:ln w="28575">
+              <a:solidFill>
+                <a:srgbClr val="00B050"/>
+              </a:solidFill>
+              <a:headEnd type="none"/>
+              <a:tailEnd type="arrow"/>
+            </a:ln>
+          </p:spPr>
+          <p:style>
+            <a:lnRef idx="1">
+              <a:schemeClr val="accent1"/>
+            </a:lnRef>
+            <a:fillRef idx="0">
+              <a:schemeClr val="accent1"/>
+            </a:fillRef>
+            <a:effectRef idx="0">
+              <a:schemeClr val="accent1"/>
+            </a:effectRef>
+            <a:fontRef idx="minor">
+              <a:schemeClr val="tx1"/>
+            </a:fontRef>
+          </p:style>
+        </p:cxnSp>
+        <p:cxnSp>
+          <p:nvCxnSpPr>
+            <p:cNvPr id="10" name="直接箭头连接符 9"/>
+            <p:cNvCxnSpPr/>
+            <p:nvPr/>
+          </p:nvCxnSpPr>
+          <p:spPr>
+            <a:xfrm rot="5400000" flipH="1" flipV="1">
+              <a:off x="4778617" y="2184056"/>
+              <a:ext cx="1093574" cy="630199"/>
+            </a:xfrm>
+            <a:prstGeom prst="straightConnector1">
+              <a:avLst/>
+            </a:prstGeom>
+            <a:ln w="28575">
+              <a:solidFill>
+                <a:srgbClr val="00B050"/>
+              </a:solidFill>
+              <a:headEnd type="none"/>
+              <a:tailEnd type="arrow"/>
+            </a:ln>
+          </p:spPr>
+          <p:style>
+            <a:lnRef idx="1">
+              <a:schemeClr val="accent1"/>
+            </a:lnRef>
+            <a:fillRef idx="0">
+              <a:schemeClr val="accent1"/>
+            </a:fillRef>
+            <a:effectRef idx="0">
+              <a:schemeClr val="accent1"/>
+            </a:effectRef>
+            <a:fontRef idx="minor">
+              <a:schemeClr val="tx1"/>
+            </a:fontRef>
+          </p:style>
+        </p:cxnSp>
+        <p:cxnSp>
+          <p:nvCxnSpPr>
+            <p:cNvPr id="11" name="直接箭头连接符 10"/>
+            <p:cNvCxnSpPr/>
+            <p:nvPr/>
+          </p:nvCxnSpPr>
+          <p:spPr>
+            <a:xfrm flipV="1">
+              <a:off x="4281258" y="1928808"/>
+              <a:ext cx="2148130" cy="1401342"/>
+            </a:xfrm>
+            <a:prstGeom prst="straightConnector1">
+              <a:avLst/>
+            </a:prstGeom>
+            <a:ln w="28575">
+              <a:solidFill>
+                <a:srgbClr val="00B050"/>
+              </a:solidFill>
+              <a:headEnd type="none"/>
+              <a:tailEnd type="arrow"/>
+            </a:ln>
+          </p:spPr>
+          <p:style>
+            <a:lnRef idx="1">
+              <a:schemeClr val="accent1"/>
+            </a:lnRef>
+            <a:fillRef idx="0">
+              <a:schemeClr val="accent1"/>
+            </a:fillRef>
+            <a:effectRef idx="0">
+              <a:schemeClr val="accent1"/>
+            </a:effectRef>
+            <a:fontRef idx="minor">
+              <a:schemeClr val="tx1"/>
+            </a:fontRef>
+          </p:style>
+        </p:cxnSp>
+      </p:grpSp>
+      <p:grpSp>
+        <p:nvGrpSpPr>
+          <p:cNvPr id="18" name="组合 17"/>
+          <p:cNvGrpSpPr/>
           <p:nvPr/>
-        </p:nvCxnSpPr>
-        <p:spPr>
-          <a:xfrm rot="16200000" flipV="1">
-            <a:off x="2227307" y="2239662"/>
-            <a:ext cx="1810265" cy="1272747"/>
+        </p:nvGrpSpPr>
+        <p:grpSpPr>
+          <a:xfrm>
+            <a:off x="3811702" y="1928808"/>
+            <a:ext cx="3299257" cy="1864717"/>
+            <a:chOff x="3811702" y="1928808"/>
+            <a:chExt cx="3299257" cy="1864717"/>
           </a:xfrm>
-          <a:prstGeom prst="straightConnector1">
-            <a:avLst/>
-          </a:prstGeom>
-          <a:ln w="28575">
-            <a:headEnd type="none"/>
-            <a:tailEnd type="arrow"/>
-          </a:ln>
-        </p:spPr>
-        <p:style>
-          <a:lnRef idx="1">
-            <a:schemeClr val="accent1"/>
-          </a:lnRef>
-          <a:fillRef idx="0">
-            <a:schemeClr val="accent1"/>
-          </a:fillRef>
-          <a:effectRef idx="0">
-            <a:schemeClr val="accent1"/>
-          </a:effectRef>
-          <a:fontRef idx="minor">
-            <a:schemeClr val="tx1"/>
-          </a:fontRef>
-        </p:style>
-      </p:cxnSp>
-      <p:cxnSp>
-        <p:nvCxnSpPr>
-          <p:cNvPr id="8" name="直接箭头连接符 7"/>
-          <p:cNvCxnSpPr/>
-          <p:nvPr/>
-        </p:nvCxnSpPr>
-        <p:spPr>
-          <a:xfrm rot="16200000" flipV="1">
-            <a:off x="4411365" y="2409568"/>
-            <a:ext cx="1810265" cy="957647"/>
-          </a:xfrm>
-          <a:prstGeom prst="straightConnector1">
-            <a:avLst/>
-          </a:prstGeom>
-          <a:ln w="28575">
-            <a:headEnd type="none"/>
-            <a:tailEnd type="arrow"/>
-          </a:ln>
-        </p:spPr>
-        <p:style>
-          <a:lnRef idx="1">
-            <a:schemeClr val="accent1"/>
-          </a:lnRef>
-          <a:fillRef idx="0">
-            <a:schemeClr val="accent1"/>
-          </a:fillRef>
-          <a:effectRef idx="0">
-            <a:schemeClr val="accent1"/>
-          </a:effectRef>
-          <a:fontRef idx="minor">
-            <a:schemeClr val="tx1"/>
-          </a:fontRef>
-        </p:style>
-      </p:cxnSp>
-      <p:cxnSp>
-        <p:nvCxnSpPr>
-          <p:cNvPr id="9" name="直接箭头连接符 8"/>
-          <p:cNvCxnSpPr/>
-          <p:nvPr/>
-        </p:nvCxnSpPr>
-        <p:spPr>
-          <a:xfrm rot="5400000" flipH="1" flipV="1">
-            <a:off x="2613456" y="2162433"/>
-            <a:ext cx="840260" cy="457201"/>
-          </a:xfrm>
-          <a:prstGeom prst="straightConnector1">
-            <a:avLst/>
-          </a:prstGeom>
-          <a:ln w="28575">
-            <a:solidFill>
-              <a:srgbClr val="00B050"/>
-            </a:solidFill>
-            <a:headEnd type="none"/>
-            <a:tailEnd type="arrow"/>
-          </a:ln>
-        </p:spPr>
-        <p:style>
-          <a:lnRef idx="1">
-            <a:schemeClr val="accent1"/>
-          </a:lnRef>
-          <a:fillRef idx="0">
-            <a:schemeClr val="accent1"/>
-          </a:fillRef>
-          <a:effectRef idx="0">
-            <a:schemeClr val="accent1"/>
-          </a:effectRef>
-          <a:fontRef idx="minor">
-            <a:schemeClr val="tx1"/>
-          </a:fontRef>
-        </p:style>
-      </p:cxnSp>
-      <p:cxnSp>
-        <p:nvCxnSpPr>
-          <p:cNvPr id="10" name="直接箭头连接符 9"/>
-          <p:cNvCxnSpPr/>
-          <p:nvPr/>
-        </p:nvCxnSpPr>
-        <p:spPr>
-          <a:xfrm rot="5400000" flipH="1" flipV="1">
-            <a:off x="3462981" y="2184056"/>
-            <a:ext cx="1093574" cy="630199"/>
-          </a:xfrm>
-          <a:prstGeom prst="straightConnector1">
-            <a:avLst/>
-          </a:prstGeom>
-          <a:ln w="28575">
-            <a:solidFill>
-              <a:srgbClr val="00B050"/>
-            </a:solidFill>
-            <a:headEnd type="none"/>
-            <a:tailEnd type="arrow"/>
-          </a:ln>
-        </p:spPr>
-        <p:style>
-          <a:lnRef idx="1">
-            <a:schemeClr val="accent1"/>
-          </a:lnRef>
-          <a:fillRef idx="0">
-            <a:schemeClr val="accent1"/>
-          </a:fillRef>
-          <a:effectRef idx="0">
-            <a:schemeClr val="accent1"/>
-          </a:effectRef>
-          <a:fontRef idx="minor">
-            <a:schemeClr val="tx1"/>
-          </a:fontRef>
-        </p:style>
-      </p:cxnSp>
-      <p:cxnSp>
-        <p:nvCxnSpPr>
-          <p:cNvPr id="11" name="直接箭头连接符 10"/>
-          <p:cNvCxnSpPr/>
-          <p:nvPr/>
-        </p:nvCxnSpPr>
-        <p:spPr>
-          <a:xfrm flipV="1">
-            <a:off x="2965622" y="1977081"/>
-            <a:ext cx="2236573" cy="1353067"/>
-          </a:xfrm>
-          <a:prstGeom prst="straightConnector1">
-            <a:avLst/>
-          </a:prstGeom>
-          <a:ln w="28575">
-            <a:solidFill>
-              <a:srgbClr val="00B050"/>
-            </a:solidFill>
-            <a:headEnd type="none"/>
-            <a:tailEnd type="arrow"/>
-          </a:ln>
-        </p:spPr>
-        <p:style>
-          <a:lnRef idx="1">
-            <a:schemeClr val="accent1"/>
-          </a:lnRef>
-          <a:fillRef idx="0">
-            <a:schemeClr val="accent1"/>
-          </a:fillRef>
-          <a:effectRef idx="0">
-            <a:schemeClr val="accent1"/>
-          </a:effectRef>
-          <a:fontRef idx="minor">
-            <a:schemeClr val="tx1"/>
-          </a:fontRef>
-        </p:style>
-      </p:cxnSp>
-      <p:cxnSp>
-        <p:nvCxnSpPr>
-          <p:cNvPr id="12" name="直接箭头连接符 11"/>
-          <p:cNvCxnSpPr/>
-          <p:nvPr/>
-        </p:nvCxnSpPr>
-        <p:spPr>
-          <a:xfrm rot="16200000" flipV="1">
-            <a:off x="3623620" y="2282910"/>
-            <a:ext cx="1828801" cy="1192429"/>
-          </a:xfrm>
-          <a:prstGeom prst="straightConnector1">
-            <a:avLst/>
-          </a:prstGeom>
-          <a:ln w="28575">
-            <a:headEnd type="none"/>
-            <a:tailEnd type="arrow"/>
-          </a:ln>
-        </p:spPr>
-        <p:style>
-          <a:lnRef idx="1">
-            <a:schemeClr val="accent1"/>
-          </a:lnRef>
-          <a:fillRef idx="0">
-            <a:schemeClr val="accent1"/>
-          </a:fillRef>
-          <a:effectRef idx="0">
-            <a:schemeClr val="accent1"/>
-          </a:effectRef>
-          <a:fontRef idx="minor">
-            <a:schemeClr val="tx1"/>
-          </a:fontRef>
-        </p:style>
-      </p:cxnSp>
+        </p:grpSpPr>
+        <p:cxnSp>
+          <p:nvCxnSpPr>
+            <p:cNvPr id="6" name="直接箭头连接符 5"/>
+            <p:cNvCxnSpPr/>
+            <p:nvPr/>
+          </p:nvCxnSpPr>
+          <p:spPr>
+            <a:xfrm rot="16200000" flipV="1">
+              <a:off x="4219845" y="2138089"/>
+              <a:ext cx="1827648" cy="1409085"/>
+            </a:xfrm>
+            <a:prstGeom prst="straightConnector1">
+              <a:avLst/>
+            </a:prstGeom>
+            <a:ln w="28575">
+              <a:headEnd type="none"/>
+              <a:tailEnd type="arrow"/>
+            </a:ln>
+          </p:spPr>
+          <p:style>
+            <a:lnRef idx="1">
+              <a:schemeClr val="accent1"/>
+            </a:lnRef>
+            <a:fillRef idx="0">
+              <a:schemeClr val="accent1"/>
+            </a:fillRef>
+            <a:effectRef idx="0">
+              <a:schemeClr val="accent1"/>
+            </a:effectRef>
+            <a:fontRef idx="minor">
+              <a:schemeClr val="tx1"/>
+            </a:fontRef>
+          </p:style>
+        </p:cxnSp>
+        <p:cxnSp>
+          <p:nvCxnSpPr>
+            <p:cNvPr id="7" name="直接箭头连接符 6"/>
+            <p:cNvCxnSpPr/>
+            <p:nvPr/>
+          </p:nvCxnSpPr>
+          <p:spPr>
+            <a:xfrm rot="16200000" flipV="1">
+              <a:off x="3542943" y="2239662"/>
+              <a:ext cx="1810265" cy="1272747"/>
+            </a:xfrm>
+            <a:prstGeom prst="straightConnector1">
+              <a:avLst/>
+            </a:prstGeom>
+            <a:ln w="28575">
+              <a:headEnd type="none"/>
+              <a:tailEnd type="arrow"/>
+            </a:ln>
+          </p:spPr>
+          <p:style>
+            <a:lnRef idx="1">
+              <a:schemeClr val="accent1"/>
+            </a:lnRef>
+            <a:fillRef idx="0">
+              <a:schemeClr val="accent1"/>
+            </a:fillRef>
+            <a:effectRef idx="0">
+              <a:schemeClr val="accent1"/>
+            </a:effectRef>
+            <a:fontRef idx="minor">
+              <a:schemeClr val="tx1"/>
+            </a:fontRef>
+          </p:style>
+        </p:cxnSp>
+        <p:cxnSp>
+          <p:nvCxnSpPr>
+            <p:cNvPr id="8" name="直接箭头连接符 7"/>
+            <p:cNvCxnSpPr/>
+            <p:nvPr/>
+          </p:nvCxnSpPr>
+          <p:spPr>
+            <a:xfrm rot="16200000" flipV="1">
+              <a:off x="5694939" y="2377506"/>
+              <a:ext cx="1864717" cy="967322"/>
+            </a:xfrm>
+            <a:prstGeom prst="straightConnector1">
+              <a:avLst/>
+            </a:prstGeom>
+            <a:ln w="28575">
+              <a:headEnd type="none"/>
+              <a:tailEnd type="arrow"/>
+            </a:ln>
+          </p:spPr>
+          <p:style>
+            <a:lnRef idx="1">
+              <a:schemeClr val="accent1"/>
+            </a:lnRef>
+            <a:fillRef idx="0">
+              <a:schemeClr val="accent1"/>
+            </a:fillRef>
+            <a:effectRef idx="0">
+              <a:schemeClr val="accent1"/>
+            </a:effectRef>
+            <a:fontRef idx="minor">
+              <a:schemeClr val="tx1"/>
+            </a:fontRef>
+          </p:style>
+        </p:cxnSp>
+        <p:cxnSp>
+          <p:nvCxnSpPr>
+            <p:cNvPr id="12" name="直接箭头连接符 11"/>
+            <p:cNvCxnSpPr/>
+            <p:nvPr/>
+          </p:nvCxnSpPr>
+          <p:spPr>
+            <a:xfrm rot="16200000" flipV="1">
+              <a:off x="4939256" y="2282910"/>
+              <a:ext cx="1828801" cy="1192429"/>
+            </a:xfrm>
+            <a:prstGeom prst="straightConnector1">
+              <a:avLst/>
+            </a:prstGeom>
+            <a:ln w="28575">
+              <a:headEnd type="none"/>
+              <a:tailEnd type="arrow"/>
+            </a:ln>
+          </p:spPr>
+          <p:style>
+            <a:lnRef idx="1">
+              <a:schemeClr val="accent1"/>
+            </a:lnRef>
+            <a:fillRef idx="0">
+              <a:schemeClr val="accent1"/>
+            </a:fillRef>
+            <a:effectRef idx="0">
+              <a:schemeClr val="accent1"/>
+            </a:effectRef>
+            <a:fontRef idx="minor">
+              <a:schemeClr val="tx1"/>
+            </a:fontRef>
+          </p:style>
+        </p:cxnSp>
+      </p:grpSp>
       <p:sp>
         <p:nvSpPr>
           <p:cNvPr id="13" name="矩形 12"/>
@@ -20443,6 +20605,46 @@
               <a:latin typeface="DejaVu Sans Mono" pitchFamily="49" charset="0"/>
               <a:cs typeface="DejaVu Sans Mono" pitchFamily="49" charset="0"/>
             </a:endParaRPr>
+          </a:p>
+        </p:txBody>
+      </p:sp>
+      <p:sp>
+        <p:nvSpPr>
+          <p:cNvPr id="17" name="直角上箭头 16"/>
+          <p:cNvSpPr/>
+          <p:nvPr/>
+        </p:nvSpPr>
+        <p:spPr>
+          <a:xfrm rot="5400000">
+            <a:off x="1717049" y="1426173"/>
+            <a:ext cx="357190" cy="648080"/>
+          </a:xfrm>
+          <a:prstGeom prst="bentUpArrow">
+            <a:avLst/>
+          </a:prstGeom>
+        </p:spPr>
+        <p:style>
+          <a:lnRef idx="2">
+            <a:schemeClr val="accent1">
+              <a:shade val="50000"/>
+            </a:schemeClr>
+          </a:lnRef>
+          <a:fillRef idx="1">
+            <a:schemeClr val="accent1"/>
+          </a:fillRef>
+          <a:effectRef idx="0">
+            <a:schemeClr val="accent1"/>
+          </a:effectRef>
+          <a:fontRef idx="minor">
+            <a:schemeClr val="lt1"/>
+          </a:fontRef>
+        </p:style>
+        <p:txBody>
+          <a:bodyPr rtlCol="0" anchor="ctr"/>
+          <a:lstStyle/>
+          <a:p>
+            <a:pPr algn="ctr"/>
+            <a:endParaRPr lang="zh-CN" altLang="en-US"/>
           </a:p>
         </p:txBody>
       </p:sp>
@@ -20472,7 +20674,7 @@
                             </p:stCondLst>
                             <p:childTnLst>
                               <p:par>
-                                <p:cTn id="5" presetID="22" presetClass="entr" presetSubtype="4" fill="hold" nodeType="clickEffect">
+                                <p:cTn id="5" presetID="22" presetClass="entr" presetSubtype="8" fill="hold" grpId="0" nodeType="clickEffect">
                                   <p:stCondLst>
                                     <p:cond delay="0"/>
                                   </p:stCondLst>
@@ -20485,7 +20687,7 @@
                                           </p:stCondLst>
                                         </p:cTn>
                                         <p:tgtEl>
-                                          <p:spTgt spid="7"/>
+                                          <p:spTgt spid="17"/>
                                         </p:tgtEl>
                                         <p:attrNameLst>
                                           <p:attrName>style.visibility</p:attrName>
@@ -20495,11 +20697,11 @@
                                         <p:strVal val="visible"/>
                                       </p:to>
                                     </p:set>
-                                    <p:animEffect transition="in" filter="wipe(down)">
+                                    <p:animEffect transition="in" filter="wipe(left)">
                                       <p:cBhvr>
                                         <p:cTn id="7" dur="500"/>
                                         <p:tgtEl>
-                                          <p:spTgt spid="7"/>
+                                          <p:spTgt spid="17"/>
                                         </p:tgtEl>
                                       </p:cBhvr>
                                     </p:animEffect>
@@ -20538,7 +20740,7 @@
                                           </p:stCondLst>
                                         </p:cTn>
                                         <p:tgtEl>
-                                          <p:spTgt spid="6"/>
+                                          <p:spTgt spid="18"/>
                                         </p:tgtEl>
                                         <p:attrNameLst>
                                           <p:attrName>style.visibility</p:attrName>
@@ -20552,7 +20754,7 @@
                                       <p:cBhvr>
                                         <p:cTn id="12" dur="500"/>
                                         <p:tgtEl>
-                                          <p:spTgt spid="6"/>
+                                          <p:spTgt spid="18"/>
                                         </p:tgtEl>
                                       </p:cBhvr>
                                     </p:animEffect>
@@ -20591,7 +20793,7 @@
                                           </p:stCondLst>
                                         </p:cTn>
                                         <p:tgtEl>
-                                          <p:spTgt spid="12"/>
+                                          <p:spTgt spid="19"/>
                                         </p:tgtEl>
                                         <p:attrNameLst>
                                           <p:attrName>style.visibility</p:attrName>
@@ -20605,7 +20807,7 @@
                                       <p:cBhvr>
                                         <p:cTn id="17" dur="500"/>
                                         <p:tgtEl>
-                                          <p:spTgt spid="12"/>
+                                          <p:spTgt spid="19"/>
                                         </p:tgtEl>
                                       </p:cBhvr>
                                     </p:animEffect>
@@ -20631,7 +20833,7 @@
                             </p:stCondLst>
                             <p:childTnLst>
                               <p:par>
-                                <p:cTn id="20" presetID="22" presetClass="entr" presetSubtype="4" fill="hold" nodeType="clickEffect">
+                                <p:cTn id="20" presetID="2" presetClass="entr" presetSubtype="4" fill="hold" grpId="0" nodeType="clickEffect">
                                   <p:stCondLst>
                                     <p:cond delay="0"/>
                                   </p:stCondLst>
@@ -20639,218 +20841,6 @@
                                     <p:set>
                                       <p:cBhvr>
                                         <p:cTn id="21" dur="1" fill="hold">
-                                          <p:stCondLst>
-                                            <p:cond delay="0"/>
-                                          </p:stCondLst>
-                                        </p:cTn>
-                                        <p:tgtEl>
-                                          <p:spTgt spid="8"/>
-                                        </p:tgtEl>
-                                        <p:attrNameLst>
-                                          <p:attrName>style.visibility</p:attrName>
-                                        </p:attrNameLst>
-                                      </p:cBhvr>
-                                      <p:to>
-                                        <p:strVal val="visible"/>
-                                      </p:to>
-                                    </p:set>
-                                    <p:animEffect transition="in" filter="wipe(down)">
-                                      <p:cBhvr>
-                                        <p:cTn id="22" dur="500"/>
-                                        <p:tgtEl>
-                                          <p:spTgt spid="8"/>
-                                        </p:tgtEl>
-                                      </p:cBhvr>
-                                    </p:animEffect>
-                                  </p:childTnLst>
-                                </p:cTn>
-                              </p:par>
-                            </p:childTnLst>
-                          </p:cTn>
-                        </p:par>
-                      </p:childTnLst>
-                    </p:cTn>
-                  </p:par>
-                  <p:par>
-                    <p:cTn id="23" fill="hold">
-                      <p:stCondLst>
-                        <p:cond delay="indefinite"/>
-                      </p:stCondLst>
-                      <p:childTnLst>
-                        <p:par>
-                          <p:cTn id="24" fill="hold">
-                            <p:stCondLst>
-                              <p:cond delay="0"/>
-                            </p:stCondLst>
-                            <p:childTnLst>
-                              <p:par>
-                                <p:cTn id="25" presetID="22" presetClass="entr" presetSubtype="4" fill="hold" nodeType="clickEffect">
-                                  <p:stCondLst>
-                                    <p:cond delay="0"/>
-                                  </p:stCondLst>
-                                  <p:childTnLst>
-                                    <p:set>
-                                      <p:cBhvr>
-                                        <p:cTn id="26" dur="1" fill="hold">
-                                          <p:stCondLst>
-                                            <p:cond delay="0"/>
-                                          </p:stCondLst>
-                                        </p:cTn>
-                                        <p:tgtEl>
-                                          <p:spTgt spid="9"/>
-                                        </p:tgtEl>
-                                        <p:attrNameLst>
-                                          <p:attrName>style.visibility</p:attrName>
-                                        </p:attrNameLst>
-                                      </p:cBhvr>
-                                      <p:to>
-                                        <p:strVal val="visible"/>
-                                      </p:to>
-                                    </p:set>
-                                    <p:animEffect transition="in" filter="wipe(down)">
-                                      <p:cBhvr>
-                                        <p:cTn id="27" dur="500"/>
-                                        <p:tgtEl>
-                                          <p:spTgt spid="9"/>
-                                        </p:tgtEl>
-                                      </p:cBhvr>
-                                    </p:animEffect>
-                                  </p:childTnLst>
-                                </p:cTn>
-                              </p:par>
-                            </p:childTnLst>
-                          </p:cTn>
-                        </p:par>
-                      </p:childTnLst>
-                    </p:cTn>
-                  </p:par>
-                  <p:par>
-                    <p:cTn id="28" fill="hold">
-                      <p:stCondLst>
-                        <p:cond delay="indefinite"/>
-                      </p:stCondLst>
-                      <p:childTnLst>
-                        <p:par>
-                          <p:cTn id="29" fill="hold">
-                            <p:stCondLst>
-                              <p:cond delay="0"/>
-                            </p:stCondLst>
-                            <p:childTnLst>
-                              <p:par>
-                                <p:cTn id="30" presetID="22" presetClass="entr" presetSubtype="4" fill="hold" nodeType="clickEffect">
-                                  <p:stCondLst>
-                                    <p:cond delay="0"/>
-                                  </p:stCondLst>
-                                  <p:childTnLst>
-                                    <p:set>
-                                      <p:cBhvr>
-                                        <p:cTn id="31" dur="1" fill="hold">
-                                          <p:stCondLst>
-                                            <p:cond delay="0"/>
-                                          </p:stCondLst>
-                                        </p:cTn>
-                                        <p:tgtEl>
-                                          <p:spTgt spid="10"/>
-                                        </p:tgtEl>
-                                        <p:attrNameLst>
-                                          <p:attrName>style.visibility</p:attrName>
-                                        </p:attrNameLst>
-                                      </p:cBhvr>
-                                      <p:to>
-                                        <p:strVal val="visible"/>
-                                      </p:to>
-                                    </p:set>
-                                    <p:animEffect transition="in" filter="wipe(down)">
-                                      <p:cBhvr>
-                                        <p:cTn id="32" dur="500"/>
-                                        <p:tgtEl>
-                                          <p:spTgt spid="10"/>
-                                        </p:tgtEl>
-                                      </p:cBhvr>
-                                    </p:animEffect>
-                                  </p:childTnLst>
-                                </p:cTn>
-                              </p:par>
-                            </p:childTnLst>
-                          </p:cTn>
-                        </p:par>
-                      </p:childTnLst>
-                    </p:cTn>
-                  </p:par>
-                  <p:par>
-                    <p:cTn id="33" fill="hold">
-                      <p:stCondLst>
-                        <p:cond delay="indefinite"/>
-                      </p:stCondLst>
-                      <p:childTnLst>
-                        <p:par>
-                          <p:cTn id="34" fill="hold">
-                            <p:stCondLst>
-                              <p:cond delay="0"/>
-                            </p:stCondLst>
-                            <p:childTnLst>
-                              <p:par>
-                                <p:cTn id="35" presetID="22" presetClass="entr" presetSubtype="4" fill="hold" nodeType="clickEffect">
-                                  <p:stCondLst>
-                                    <p:cond delay="0"/>
-                                  </p:stCondLst>
-                                  <p:childTnLst>
-                                    <p:set>
-                                      <p:cBhvr>
-                                        <p:cTn id="36" dur="1" fill="hold">
-                                          <p:stCondLst>
-                                            <p:cond delay="0"/>
-                                          </p:stCondLst>
-                                        </p:cTn>
-                                        <p:tgtEl>
-                                          <p:spTgt spid="11"/>
-                                        </p:tgtEl>
-                                        <p:attrNameLst>
-                                          <p:attrName>style.visibility</p:attrName>
-                                        </p:attrNameLst>
-                                      </p:cBhvr>
-                                      <p:to>
-                                        <p:strVal val="visible"/>
-                                      </p:to>
-                                    </p:set>
-                                    <p:animEffect transition="in" filter="wipe(down)">
-                                      <p:cBhvr>
-                                        <p:cTn id="37" dur="500"/>
-                                        <p:tgtEl>
-                                          <p:spTgt spid="11"/>
-                                        </p:tgtEl>
-                                      </p:cBhvr>
-                                    </p:animEffect>
-                                  </p:childTnLst>
-                                </p:cTn>
-                              </p:par>
-                            </p:childTnLst>
-                          </p:cTn>
-                        </p:par>
-                      </p:childTnLst>
-                    </p:cTn>
-                  </p:par>
-                  <p:par>
-                    <p:cTn id="38" fill="hold">
-                      <p:stCondLst>
-                        <p:cond delay="indefinite"/>
-                      </p:stCondLst>
-                      <p:childTnLst>
-                        <p:par>
-                          <p:cTn id="39" fill="hold">
-                            <p:stCondLst>
-                              <p:cond delay="0"/>
-                            </p:stCondLst>
-                            <p:childTnLst>
-                              <p:par>
-                                <p:cTn id="40" presetID="2" presetClass="entr" presetSubtype="4" fill="hold" grpId="0" nodeType="clickEffect">
-                                  <p:stCondLst>
-                                    <p:cond delay="0"/>
-                                  </p:stCondLst>
-                                  <p:childTnLst>
-                                    <p:set>
-                                      <p:cBhvr>
-                                        <p:cTn id="41" dur="1" fill="hold">
                                           <p:stCondLst>
                                             <p:cond delay="0"/>
                                           </p:stCondLst>
@@ -20868,7 +20858,7 @@
                                     </p:set>
                                     <p:anim calcmode="lin" valueType="num">
                                       <p:cBhvr additive="base">
-                                        <p:cTn id="42" dur="500" fill="hold"/>
+                                        <p:cTn id="22" dur="500" fill="hold"/>
                                         <p:tgtEl>
                                           <p:spTgt spid="13"/>
                                         </p:tgtEl>
@@ -20891,7 +20881,7 @@
                                     </p:anim>
                                     <p:anim calcmode="lin" valueType="num">
                                       <p:cBhvr additive="base">
-                                        <p:cTn id="43" dur="500" fill="hold"/>
+                                        <p:cTn id="23" dur="500" fill="hold"/>
                                         <p:tgtEl>
                                           <p:spTgt spid="13"/>
                                         </p:tgtEl>
@@ -20944,6 +20934,7 @@
     </p:tnLst>
     <p:bldLst>
       <p:bldP spid="13" grpId="0"/>
+      <p:bldP spid="17" grpId="0" animBg="1"/>
     </p:bldLst>
   </p:timing>
 </p:sld>
@@ -23436,8 +23427,13 @@
             <a:pPr lvl="1"/>
             <a:r>
               <a:rPr lang="en-US" altLang="zh-CN" dirty="0" smtClean="0"/>
-              <a:t>Dynamic filling html</a:t>
-            </a:r>
+              <a:t>Fill </a:t>
+            </a:r>
+            <a:r>
+              <a:rPr lang="en-US" altLang="zh-CN" dirty="0" smtClean="0"/>
+              <a:t>html pages with dynamic data</a:t>
+            </a:r>
+            <a:endParaRPr lang="en-US" altLang="zh-CN" dirty="0" smtClean="0"/>
           </a:p>
           <a:p>
             <a:pPr lvl="1"/>
@@ -23450,7 +23446,11 @@
             <a:pPr lvl="1"/>
             <a:r>
               <a:rPr lang="en-US" altLang="zh-CN" dirty="0" smtClean="0"/>
-              <a:t>Html reuse</a:t>
+              <a:t>Reuse </a:t>
+            </a:r>
+            <a:r>
+              <a:rPr lang="en-US" altLang="zh-CN" dirty="0" smtClean="0"/>
+              <a:t>html code</a:t>
             </a:r>
             <a:endParaRPr lang="zh-CN" altLang="en-US" dirty="0"/>
           </a:p>
@@ -23752,80 +23752,9 @@
   <p:timing>
     <p:tnLst>
       <p:par>
-        <p:cTn id="1" dur="indefinite" restart="never" nodeType="tmRoot">
-          <p:childTnLst>
-            <p:seq concurrent="1" nextAc="seek">
-              <p:cTn id="2" dur="indefinite" nodeType="mainSeq">
-                <p:childTnLst>
-                  <p:par>
-                    <p:cTn id="3" fill="hold">
-                      <p:stCondLst>
-                        <p:cond delay="indefinite"/>
-                      </p:stCondLst>
-                      <p:childTnLst>
-                        <p:par>
-                          <p:cTn id="4" fill="hold">
-                            <p:stCondLst>
-                              <p:cond delay="0"/>
-                            </p:stCondLst>
-                            <p:childTnLst>
-                              <p:par>
-                                <p:cTn id="5" presetID="1" presetClass="entr" presetSubtype="0" fill="hold" grpId="0" nodeType="clickEffect">
-                                  <p:stCondLst>
-                                    <p:cond delay="0"/>
-                                  </p:stCondLst>
-                                  <p:childTnLst>
-                                    <p:set>
-                                      <p:cBhvr>
-                                        <p:cTn id="6" dur="1" fill="hold">
-                                          <p:stCondLst>
-                                            <p:cond delay="0"/>
-                                          </p:stCondLst>
-                                        </p:cTn>
-                                        <p:tgtEl>
-                                          <p:spTgt spid="9"/>
-                                        </p:tgtEl>
-                                        <p:attrNameLst>
-                                          <p:attrName>style.visibility</p:attrName>
-                                        </p:attrNameLst>
-                                      </p:cBhvr>
-                                      <p:to>
-                                        <p:strVal val="visible"/>
-                                      </p:to>
-                                    </p:set>
-                                  </p:childTnLst>
-                                </p:cTn>
-                              </p:par>
-                            </p:childTnLst>
-                          </p:cTn>
-                        </p:par>
-                      </p:childTnLst>
-                    </p:cTn>
-                  </p:par>
-                </p:childTnLst>
-              </p:cTn>
-              <p:prevCondLst>
-                <p:cond evt="onPrev" delay="0">
-                  <p:tgtEl>
-                    <p:sldTgt/>
-                  </p:tgtEl>
-                </p:cond>
-              </p:prevCondLst>
-              <p:nextCondLst>
-                <p:cond evt="onNext" delay="0">
-                  <p:tgtEl>
-                    <p:sldTgt/>
-                  </p:tgtEl>
-                </p:cond>
-              </p:nextCondLst>
-            </p:seq>
-          </p:childTnLst>
-        </p:cTn>
+        <p:cTn id="1" dur="indefinite" restart="never" nodeType="tmRoot"/>
       </p:par>
     </p:tnLst>
-    <p:bldLst>
-      <p:bldP spid="9" grpId="0"/>
-    </p:bldLst>
   </p:timing>
 </p:sld>
 </file>
@@ -24573,7 +24502,7 @@
                             </p:stCondLst>
                             <p:childTnLst>
                               <p:par>
-                                <p:cTn id="9" presetID="22" presetClass="entr" presetSubtype="8" fill="hold" grpId="0" nodeType="afterEffect">
+                                <p:cTn id="9" presetID="1" presetClass="entr" presetSubtype="0" fill="hold" nodeType="afterEffect">
                                   <p:stCondLst>
                                     <p:cond delay="0"/>
                                   </p:stCondLst>
@@ -24581,6 +24510,42 @@
                                     <p:set>
                                       <p:cBhvr>
                                         <p:cTn id="10" dur="1" fill="hold">
+                                          <p:stCondLst>
+                                            <p:cond delay="0"/>
+                                          </p:stCondLst>
+                                        </p:cTn>
+                                        <p:tgtEl>
+                                          <p:spTgt spid="3074"/>
+                                        </p:tgtEl>
+                                        <p:attrNameLst>
+                                          <p:attrName>style.visibility</p:attrName>
+                                        </p:attrNameLst>
+                                      </p:cBhvr>
+                                      <p:to>
+                                        <p:strVal val="visible"/>
+                                      </p:to>
+                                    </p:set>
+                                  </p:childTnLst>
+                                </p:cTn>
+                              </p:par>
+                            </p:childTnLst>
+                          </p:cTn>
+                        </p:par>
+                        <p:par>
+                          <p:cTn id="11" fill="hold">
+                            <p:stCondLst>
+                              <p:cond delay="500"/>
+                            </p:stCondLst>
+                            <p:childTnLst>
+                              <p:par>
+                                <p:cTn id="12" presetID="22" presetClass="entr" presetSubtype="8" fill="hold" grpId="0" nodeType="afterEffect">
+                                  <p:stCondLst>
+                                    <p:cond delay="0"/>
+                                  </p:stCondLst>
+                                  <p:childTnLst>
+                                    <p:set>
+                                      <p:cBhvr>
+                                        <p:cTn id="13" dur="1" fill="hold">
                                           <p:stCondLst>
                                             <p:cond delay="0"/>
                                           </p:stCondLst>
@@ -24598,7 +24563,7 @@
                                     </p:set>
                                     <p:animEffect transition="in" filter="wipe(left)">
                                       <p:cBhvr>
-                                        <p:cTn id="11" dur="500"/>
+                                        <p:cTn id="14" dur="500"/>
                                         <p:tgtEl>
                                           <p:spTgt spid="7"/>
                                         </p:tgtEl>
@@ -24614,26 +24579,26 @@
                     </p:cTn>
                   </p:par>
                   <p:par>
-                    <p:cTn id="12" fill="hold">
+                    <p:cTn id="15" fill="hold">
                       <p:stCondLst>
                         <p:cond delay="indefinite"/>
                       </p:stCondLst>
                       <p:childTnLst>
                         <p:par>
-                          <p:cTn id="13" fill="hold">
+                          <p:cTn id="16" fill="hold">
                             <p:stCondLst>
                               <p:cond delay="0"/>
                             </p:stCondLst>
                             <p:childTnLst>
                               <p:par>
-                                <p:cTn id="14" presetID="22" presetClass="entr" presetSubtype="8" fill="hold" grpId="0" nodeType="clickEffect">
+                                <p:cTn id="17" presetID="22" presetClass="entr" presetSubtype="8" fill="hold" grpId="0" nodeType="clickEffect">
                                   <p:stCondLst>
                                     <p:cond delay="0"/>
                                   </p:stCondLst>
                                   <p:childTnLst>
                                     <p:set>
                                       <p:cBhvr>
-                                        <p:cTn id="15" dur="1" fill="hold">
+                                        <p:cTn id="18" dur="1" fill="hold">
                                           <p:stCondLst>
                                             <p:cond delay="0"/>
                                           </p:stCondLst>
@@ -24651,7 +24616,7 @@
                                     </p:set>
                                     <p:animEffect transition="in" filter="wipe(left)">
                                       <p:cBhvr>
-                                        <p:cTn id="16" dur="500"/>
+                                        <p:cTn id="19" dur="500"/>
                                         <p:tgtEl>
                                           <p:spTgt spid="13"/>
                                         </p:tgtEl>
@@ -24664,20 +24629,56 @@
                           </p:cTn>
                         </p:par>
                         <p:par>
-                          <p:cTn id="17" fill="hold">
+                          <p:cTn id="20" fill="hold">
                             <p:stCondLst>
                               <p:cond delay="500"/>
                             </p:stCondLst>
                             <p:childTnLst>
                               <p:par>
-                                <p:cTn id="18" presetID="22" presetClass="entr" presetSubtype="8" fill="hold" grpId="0" nodeType="afterEffect">
+                                <p:cTn id="21" presetID="1" presetClass="entr" presetSubtype="0" fill="hold" nodeType="afterEffect">
                                   <p:stCondLst>
                                     <p:cond delay="0"/>
                                   </p:stCondLst>
                                   <p:childTnLst>
                                     <p:set>
                                       <p:cBhvr>
-                                        <p:cTn id="19" dur="1" fill="hold">
+                                        <p:cTn id="22" dur="1" fill="hold">
+                                          <p:stCondLst>
+                                            <p:cond delay="0"/>
+                                          </p:stCondLst>
+                                        </p:cTn>
+                                        <p:tgtEl>
+                                          <p:spTgt spid="5"/>
+                                        </p:tgtEl>
+                                        <p:attrNameLst>
+                                          <p:attrName>style.visibility</p:attrName>
+                                        </p:attrNameLst>
+                                      </p:cBhvr>
+                                      <p:to>
+                                        <p:strVal val="visible"/>
+                                      </p:to>
+                                    </p:set>
+                                  </p:childTnLst>
+                                </p:cTn>
+                              </p:par>
+                            </p:childTnLst>
+                          </p:cTn>
+                        </p:par>
+                        <p:par>
+                          <p:cTn id="23" fill="hold">
+                            <p:stCondLst>
+                              <p:cond delay="500"/>
+                            </p:stCondLst>
+                            <p:childTnLst>
+                              <p:par>
+                                <p:cTn id="24" presetID="22" presetClass="entr" presetSubtype="8" fill="hold" grpId="0" nodeType="afterEffect">
+                                  <p:stCondLst>
+                                    <p:cond delay="0"/>
+                                  </p:stCondLst>
+                                  <p:childTnLst>
+                                    <p:set>
+                                      <p:cBhvr>
+                                        <p:cTn id="25" dur="1" fill="hold">
                                           <p:stCondLst>
                                             <p:cond delay="0"/>
                                           </p:stCondLst>
@@ -24695,7 +24696,7 @@
                                     </p:set>
                                     <p:animEffect transition="in" filter="wipe(left)">
                                       <p:cBhvr>
-                                        <p:cTn id="20" dur="500"/>
+                                        <p:cTn id="26" dur="500"/>
                                         <p:tgtEl>
                                           <p:spTgt spid="6"/>
                                         </p:tgtEl>
@@ -26394,7 +26395,7 @@
         </p:blipFill>
         <p:spPr bwMode="auto">
           <a:xfrm>
-            <a:off x="1643042" y="1214428"/>
+            <a:off x="1643042" y="1071552"/>
             <a:ext cx="5875337" cy="3314700"/>
           </a:xfrm>
           <a:prstGeom prst="rect">
@@ -26460,7 +26461,7 @@
             <a:pPr algn="l"/>
             <a:r>
               <a:rPr lang="en-US" altLang="zh-CN" dirty="0" smtClean="0"/>
-              <a:t>How to rapidly develop</a:t>
+              <a:t>Example—login</a:t>
             </a:r>
             <a:endParaRPr lang="zh-CN" altLang="en-US" dirty="0"/>
           </a:p>
@@ -26478,67 +26479,46 @@
         </p:nvSpPr>
         <p:spPr/>
         <p:txBody>
-          <a:bodyPr>
-            <a:normAutofit/>
-          </a:bodyPr>
+          <a:bodyPr/>
           <a:lstStyle/>
           <a:p>
-            <a:r>
-              <a:rPr lang="en-US" altLang="zh-CN" sz="2400" dirty="0" smtClean="0"/>
-              <a:t>Focus on business function</a:t>
-            </a:r>
-          </a:p>
-          <a:p>
-            <a:r>
-              <a:rPr lang="en-US" altLang="zh-CN" sz="2400" dirty="0" smtClean="0"/>
-              <a:t>Separate core business and non-core business</a:t>
-            </a:r>
-          </a:p>
-          <a:p>
-            <a:r>
-              <a:rPr lang="en-US" altLang="zh-CN" sz="2400" dirty="0" smtClean="0"/>
-              <a:t>Utilize the framework to help you to solve trivial details</a:t>
-            </a:r>
-          </a:p>
-          <a:p>
-            <a:pPr lvl="1"/>
-            <a:r>
-              <a:rPr lang="en-US" altLang="zh-CN" sz="2000" dirty="0" smtClean="0"/>
-              <a:t>Use </a:t>
-            </a:r>
-            <a:r>
-              <a:rPr lang="en-US" altLang="zh-CN" sz="2000" dirty="0" err="1" smtClean="0"/>
-              <a:t>cinatra</a:t>
-            </a:r>
-            <a:r>
-              <a:rPr lang="en-US" altLang="zh-CN" sz="2000" dirty="0" smtClean="0"/>
-              <a:t> to solve http details, just need focus on the parsed results</a:t>
-            </a:r>
-          </a:p>
-          <a:p>
-            <a:pPr lvl="1"/>
-            <a:r>
-              <a:rPr lang="en-US" altLang="zh-CN" sz="2000" dirty="0" smtClean="0"/>
-              <a:t>Use </a:t>
-            </a:r>
-            <a:r>
-              <a:rPr lang="en-US" altLang="zh-CN" sz="2000" dirty="0" err="1" smtClean="0"/>
-              <a:t>ormpp</a:t>
-            </a:r>
-            <a:r>
-              <a:rPr lang="en-US" altLang="zh-CN" sz="2000" dirty="0" smtClean="0"/>
-              <a:t> to solve the database details, just need focus on objects mapped from the database</a:t>
-            </a:r>
-          </a:p>
-          <a:p>
-            <a:pPr lvl="1"/>
-            <a:r>
-              <a:rPr lang="en-US" altLang="zh-CN" sz="2000" dirty="0" smtClean="0"/>
-              <a:t>Use render to solve html details, just need focus on how to fill the template</a:t>
-            </a:r>
-          </a:p>
-        </p:txBody>
-      </p:sp>
+            <a:endParaRPr lang="zh-CN" altLang="en-US"/>
+          </a:p>
+        </p:txBody>
+      </p:sp>
+      <p:pic>
+        <p:nvPicPr>
+          <p:cNvPr id="4099" name="Picture 3"/>
+          <p:cNvPicPr>
+            <a:picLocks noChangeAspect="1" noChangeArrowheads="1"/>
+          </p:cNvPicPr>
+          <p:nvPr/>
+        </p:nvPicPr>
+        <p:blipFill>
+          <a:blip r:embed="rId2"/>
+          <a:srcRect/>
+          <a:stretch>
+            <a:fillRect/>
+          </a:stretch>
+        </p:blipFill>
+        <p:spPr bwMode="auto">
+          <a:xfrm>
+            <a:off x="571472" y="1285866"/>
+            <a:ext cx="7715250" cy="3308350"/>
+          </a:xfrm>
+          <a:prstGeom prst="rect">
+            <a:avLst/>
+          </a:prstGeom>
+          <a:noFill/>
+          <a:ln w="9525">
+            <a:noFill/>
+            <a:miter lim="800000"/>
+            <a:headEnd/>
+            <a:tailEnd/>
+          </a:ln>
+          <a:effectLst/>
+        </p:spPr>
+      </p:pic>
     </p:spTree>
   </p:cSld>
   <p:clrMapOvr>
@@ -26589,7 +26569,11 @@
             <a:pPr algn="l"/>
             <a:r>
               <a:rPr lang="en-US" altLang="zh-CN" dirty="0" smtClean="0"/>
-              <a:t>Login html page</a:t>
+              <a:t>Login html </a:t>
+            </a:r>
+            <a:r>
+              <a:rPr lang="en-US" altLang="zh-CN" dirty="0" smtClean="0"/>
+              <a:t>code</a:t>
             </a:r>
             <a:endParaRPr lang="zh-CN" altLang="en-US" dirty="0"/>
           </a:p>
@@ -26697,7 +26681,7 @@
             <a:pPr algn="l"/>
             <a:r>
               <a:rPr lang="en-US" altLang="zh-CN" dirty="0" smtClean="0"/>
-              <a:t>Example—login</a:t>
+              <a:t>Controller function</a:t>
             </a:r>
             <a:endParaRPr lang="zh-CN" altLang="en-US" dirty="0"/>
           </a:p>
@@ -26718,7 +26702,7 @@
           <a:bodyPr/>
           <a:lstStyle/>
           <a:p>
-            <a:endParaRPr lang="zh-CN" altLang="en-US"/>
+            <a:endParaRPr lang="zh-CN" altLang="en-US" dirty="0"/>
           </a:p>
         </p:txBody>
       </p:sp>
@@ -26788,6 +26772,126 @@
           <a:effectLst/>
         </p:spPr>
       </p:pic>
+      <p:pic>
+        <p:nvPicPr>
+          <p:cNvPr id="7169" name="Picture 1"/>
+          <p:cNvPicPr>
+            <a:picLocks noChangeAspect="1" noChangeArrowheads="1"/>
+          </p:cNvPicPr>
+          <p:nvPr/>
+        </p:nvPicPr>
+        <p:blipFill>
+          <a:blip r:embed="rId4"/>
+          <a:srcRect/>
+          <a:stretch>
+            <a:fillRect/>
+          </a:stretch>
+        </p:blipFill>
+        <p:spPr bwMode="auto">
+          <a:xfrm>
+            <a:off x="500035" y="3714759"/>
+            <a:ext cx="7286676" cy="372336"/>
+          </a:xfrm>
+          <a:prstGeom prst="rect">
+            <a:avLst/>
+          </a:prstGeom>
+          <a:noFill/>
+          <a:ln w="9525">
+            <a:noFill/>
+            <a:miter lim="800000"/>
+            <a:headEnd/>
+            <a:tailEnd/>
+          </a:ln>
+          <a:effectLst/>
+        </p:spPr>
+      </p:pic>
+      <p:sp>
+        <p:nvSpPr>
+          <p:cNvPr id="8" name="矩形 7"/>
+          <p:cNvSpPr/>
+          <p:nvPr/>
+        </p:nvSpPr>
+        <p:spPr>
+          <a:xfrm>
+            <a:off x="3286116" y="3571882"/>
+            <a:ext cx="714380" cy="307777"/>
+          </a:xfrm>
+          <a:prstGeom prst="rect">
+            <a:avLst/>
+          </a:prstGeom>
+        </p:spPr>
+        <p:txBody>
+          <a:bodyPr wrap="square">
+            <a:spAutoFit/>
+          </a:bodyPr>
+          <a:lstStyle/>
+          <a:p>
+            <a:r>
+              <a:rPr lang="en-US" altLang="zh-CN" sz="1400" dirty="0" smtClean="0"/>
+              <a:t>route</a:t>
+            </a:r>
+            <a:endParaRPr lang="zh-CN" altLang="en-US" sz="1400" dirty="0"/>
+          </a:p>
+        </p:txBody>
+      </p:sp>
+      <p:sp>
+        <p:nvSpPr>
+          <p:cNvPr id="9" name="矩形 8"/>
+          <p:cNvSpPr/>
+          <p:nvPr/>
+        </p:nvSpPr>
+        <p:spPr>
+          <a:xfrm>
+            <a:off x="5429256" y="3571882"/>
+            <a:ext cx="1571636" cy="307777"/>
+          </a:xfrm>
+          <a:prstGeom prst="rect">
+            <a:avLst/>
+          </a:prstGeom>
+        </p:spPr>
+        <p:txBody>
+          <a:bodyPr wrap="square">
+            <a:spAutoFit/>
+          </a:bodyPr>
+          <a:lstStyle/>
+          <a:p>
+            <a:r>
+              <a:rPr lang="en-US" altLang="zh-CN" sz="1400" dirty="0" smtClean="0"/>
+              <a:t>controller function</a:t>
+            </a:r>
+            <a:endParaRPr lang="zh-CN" altLang="en-US" sz="1400" dirty="0"/>
+          </a:p>
+        </p:txBody>
+      </p:sp>
+      <p:sp>
+        <p:nvSpPr>
+          <p:cNvPr id="10" name="矩形 9"/>
+          <p:cNvSpPr/>
+          <p:nvPr/>
+        </p:nvSpPr>
+        <p:spPr>
+          <a:xfrm>
+            <a:off x="4500562" y="1928808"/>
+            <a:ext cx="2071702" cy="307777"/>
+          </a:xfrm>
+          <a:prstGeom prst="rect">
+            <a:avLst/>
+          </a:prstGeom>
+        </p:spPr>
+        <p:txBody>
+          <a:bodyPr wrap="square">
+            <a:spAutoFit/>
+          </a:bodyPr>
+          <a:lstStyle/>
+          <a:p>
+            <a:r>
+              <a:rPr lang="en-US" altLang="zh-CN" sz="1400" dirty="0" smtClean="0"/>
+              <a:t>render login html page</a:t>
+            </a:r>
+            <a:endParaRPr lang="zh-CN" altLang="en-US" sz="1400" dirty="0"/>
+          </a:p>
+        </p:txBody>
+      </p:sp>
     </p:spTree>
   </p:cSld>
   <p:clrMapOvr>
@@ -26796,9 +26900,154 @@
   <p:timing>
     <p:tnLst>
       <p:par>
-        <p:cTn id="1" dur="indefinite" restart="never" nodeType="tmRoot"/>
+        <p:cTn id="1" dur="indefinite" restart="never" nodeType="tmRoot">
+          <p:childTnLst>
+            <p:seq concurrent="1" nextAc="seek">
+              <p:cTn id="2" dur="indefinite" nodeType="mainSeq">
+                <p:childTnLst>
+                  <p:par>
+                    <p:cTn id="3" fill="hold">
+                      <p:stCondLst>
+                        <p:cond delay="indefinite"/>
+                      </p:stCondLst>
+                      <p:childTnLst>
+                        <p:par>
+                          <p:cTn id="4" fill="hold">
+                            <p:stCondLst>
+                              <p:cond delay="0"/>
+                            </p:stCondLst>
+                            <p:childTnLst>
+                              <p:par>
+                                <p:cTn id="5" presetID="1" presetClass="entr" presetSubtype="0" fill="hold" grpId="0" nodeType="clickEffect">
+                                  <p:stCondLst>
+                                    <p:cond delay="0"/>
+                                  </p:stCondLst>
+                                  <p:childTnLst>
+                                    <p:set>
+                                      <p:cBhvr>
+                                        <p:cTn id="6" dur="1" fill="hold">
+                                          <p:stCondLst>
+                                            <p:cond delay="0"/>
+                                          </p:stCondLst>
+                                        </p:cTn>
+                                        <p:tgtEl>
+                                          <p:spTgt spid="8"/>
+                                        </p:tgtEl>
+                                        <p:attrNameLst>
+                                          <p:attrName>style.visibility</p:attrName>
+                                        </p:attrNameLst>
+                                      </p:cBhvr>
+                                      <p:to>
+                                        <p:strVal val="visible"/>
+                                      </p:to>
+                                    </p:set>
+                                  </p:childTnLst>
+                                </p:cTn>
+                              </p:par>
+                              <p:par>
+                                <p:cTn id="7" presetID="1" presetClass="entr" presetSubtype="0" fill="hold" grpId="0" nodeType="withEffect">
+                                  <p:stCondLst>
+                                    <p:cond delay="0"/>
+                                  </p:stCondLst>
+                                  <p:childTnLst>
+                                    <p:set>
+                                      <p:cBhvr>
+                                        <p:cTn id="8" dur="1" fill="hold">
+                                          <p:stCondLst>
+                                            <p:cond delay="0"/>
+                                          </p:stCondLst>
+                                        </p:cTn>
+                                        <p:tgtEl>
+                                          <p:spTgt spid="9"/>
+                                        </p:tgtEl>
+                                        <p:attrNameLst>
+                                          <p:attrName>style.visibility</p:attrName>
+                                        </p:attrNameLst>
+                                      </p:cBhvr>
+                                      <p:to>
+                                        <p:strVal val="visible"/>
+                                      </p:to>
+                                    </p:set>
+                                  </p:childTnLst>
+                                </p:cTn>
+                              </p:par>
+                            </p:childTnLst>
+                          </p:cTn>
+                        </p:par>
+                      </p:childTnLst>
+                    </p:cTn>
+                  </p:par>
+                  <p:par>
+                    <p:cTn id="9" fill="hold">
+                      <p:stCondLst>
+                        <p:cond delay="indefinite"/>
+                      </p:stCondLst>
+                      <p:childTnLst>
+                        <p:par>
+                          <p:cTn id="10" fill="hold">
+                            <p:stCondLst>
+                              <p:cond delay="0"/>
+                            </p:stCondLst>
+                            <p:childTnLst>
+                              <p:par>
+                                <p:cTn id="11" presetID="1" presetClass="entr" presetSubtype="0" fill="hold" grpId="0" nodeType="clickEffect">
+                                  <p:stCondLst>
+                                    <p:cond delay="0"/>
+                                  </p:stCondLst>
+                                  <p:childTnLst>
+                                    <p:set>
+                                      <p:cBhvr>
+                                        <p:cTn id="12" dur="1" fill="hold">
+                                          <p:stCondLst>
+                                            <p:cond delay="0"/>
+                                          </p:stCondLst>
+                                        </p:cTn>
+                                        <p:tgtEl>
+                                          <p:spTgt spid="10"/>
+                                        </p:tgtEl>
+                                        <p:attrNameLst>
+                                          <p:attrName>style.visibility</p:attrName>
+                                        </p:attrNameLst>
+                                      </p:cBhvr>
+                                      <p:to>
+                                        <p:strVal val="visible"/>
+                                      </p:to>
+                                    </p:set>
+                                  </p:childTnLst>
+                                </p:cTn>
+                              </p:par>
+                            </p:childTnLst>
+                          </p:cTn>
+                        </p:par>
+                      </p:childTnLst>
+                    </p:cTn>
+                  </p:par>
+                </p:childTnLst>
+              </p:cTn>
+              <p:prevCondLst>
+                <p:cond evt="onPrev" delay="0">
+                  <p:tgtEl>
+                    <p:sldTgt/>
+                  </p:tgtEl>
+                </p:cond>
+              </p:prevCondLst>
+              <p:nextCondLst>
+                <p:cond evt="onNext" delay="0">
+                  <p:tgtEl>
+                    <p:sldTgt/>
+                  </p:tgtEl>
+                </p:cond>
+              </p:nextCondLst>
+            </p:seq>
+          </p:childTnLst>
+        </p:cTn>
       </p:par>
     </p:tnLst>
+    <p:bldLst>
+      <p:bldP spid="8" grpId="0"/>
+      <p:bldP spid="9" grpId="0"/>
+      <p:bldP spid="10" grpId="0"/>
+    </p:bldLst>
   </p:timing>
 </p:sld>
 </file>
@@ -26836,6 +27085,10 @@
           <a:lstStyle/>
           <a:p>
             <a:pPr algn="l"/>
+            <a:r>
+              <a:rPr lang="en-US" altLang="zh-CN" dirty="0" smtClean="0"/>
+              <a:t>Example—login</a:t>
+            </a:r>
             <a:endParaRPr lang="zh-CN" altLang="en-US" dirty="0"/>
           </a:p>
         </p:txBody>
@@ -27544,13 +27797,8 @@
             <a:pPr lvl="1"/>
             <a:r>
               <a:rPr lang="en-US" altLang="zh-CN" sz="2000" dirty="0" smtClean="0"/>
-              <a:t>Use render to solve html details, just need focus on how to fill the </a:t>
-            </a:r>
-            <a:r>
-              <a:rPr lang="en-US" altLang="zh-CN" sz="2000" dirty="0" smtClean="0"/>
-              <a:t>html templates</a:t>
-            </a:r>
-            <a:endParaRPr lang="en-US" altLang="zh-CN" sz="2000" dirty="0" smtClean="0"/>
+              <a:t>Use render to solve html details, just need focus on how to fill the html templates</a:t>
+            </a:r>
           </a:p>
         </p:txBody>
       </p:sp>

--- a/cppcon2018.pptx
+++ b/cppcon2018.pptx
@@ -5,7 +5,7 @@
     <p:sldMasterId id="2147483648" r:id="rId1"/>
   </p:sldMasterIdLst>
   <p:notesMasterIdLst>
-    <p:notesMasterId r:id="rId71"/>
+    <p:notesMasterId r:id="rId72"/>
   </p:notesMasterIdLst>
   <p:sldIdLst>
     <p:sldId id="256" r:id="rId2"/>
@@ -48,35 +48,36 @@
     <p:sldId id="301" r:id="rId39"/>
     <p:sldId id="303" r:id="rId40"/>
     <p:sldId id="309" r:id="rId41"/>
-    <p:sldId id="304" r:id="rId42"/>
-    <p:sldId id="305" r:id="rId43"/>
-    <p:sldId id="307" r:id="rId44"/>
-    <p:sldId id="308" r:id="rId45"/>
-    <p:sldId id="310" r:id="rId46"/>
-    <p:sldId id="311" r:id="rId47"/>
-    <p:sldId id="312" r:id="rId48"/>
-    <p:sldId id="313" r:id="rId49"/>
-    <p:sldId id="314" r:id="rId50"/>
-    <p:sldId id="315" r:id="rId51"/>
-    <p:sldId id="316" r:id="rId52"/>
-    <p:sldId id="317" r:id="rId53"/>
-    <p:sldId id="319" r:id="rId54"/>
-    <p:sldId id="335" r:id="rId55"/>
-    <p:sldId id="318" r:id="rId56"/>
-    <p:sldId id="329" r:id="rId57"/>
-    <p:sldId id="330" r:id="rId58"/>
-    <p:sldId id="336" r:id="rId59"/>
-    <p:sldId id="331" r:id="rId60"/>
-    <p:sldId id="286" r:id="rId61"/>
-    <p:sldId id="322" r:id="rId62"/>
-    <p:sldId id="325" r:id="rId63"/>
-    <p:sldId id="320" r:id="rId64"/>
-    <p:sldId id="341" r:id="rId65"/>
-    <p:sldId id="332" r:id="rId66"/>
-    <p:sldId id="324" r:id="rId67"/>
-    <p:sldId id="334" r:id="rId68"/>
-    <p:sldId id="327" r:id="rId69"/>
-    <p:sldId id="328" r:id="rId70"/>
+    <p:sldId id="342" r:id="rId42"/>
+    <p:sldId id="304" r:id="rId43"/>
+    <p:sldId id="305" r:id="rId44"/>
+    <p:sldId id="307" r:id="rId45"/>
+    <p:sldId id="308" r:id="rId46"/>
+    <p:sldId id="310" r:id="rId47"/>
+    <p:sldId id="311" r:id="rId48"/>
+    <p:sldId id="312" r:id="rId49"/>
+    <p:sldId id="313" r:id="rId50"/>
+    <p:sldId id="314" r:id="rId51"/>
+    <p:sldId id="315" r:id="rId52"/>
+    <p:sldId id="316" r:id="rId53"/>
+    <p:sldId id="317" r:id="rId54"/>
+    <p:sldId id="319" r:id="rId55"/>
+    <p:sldId id="335" r:id="rId56"/>
+    <p:sldId id="318" r:id="rId57"/>
+    <p:sldId id="329" r:id="rId58"/>
+    <p:sldId id="330" r:id="rId59"/>
+    <p:sldId id="336" r:id="rId60"/>
+    <p:sldId id="331" r:id="rId61"/>
+    <p:sldId id="286" r:id="rId62"/>
+    <p:sldId id="322" r:id="rId63"/>
+    <p:sldId id="325" r:id="rId64"/>
+    <p:sldId id="320" r:id="rId65"/>
+    <p:sldId id="341" r:id="rId66"/>
+    <p:sldId id="332" r:id="rId67"/>
+    <p:sldId id="324" r:id="rId68"/>
+    <p:sldId id="334" r:id="rId69"/>
+    <p:sldId id="327" r:id="rId70"/>
+    <p:sldId id="328" r:id="rId71"/>
   </p:sldIdLst>
   <p:sldSz cx="9144000" cy="5143500" type="screen16x9"/>
   <p:notesSz cx="6858000" cy="9144000"/>
@@ -261,7 +262,7 @@
             <a:fld id="{F651DEDA-4D06-4F31-8412-E2AFD4BFF8DD}" type="datetimeFigureOut">
               <a:rPr lang="zh-CN" altLang="en-US" smtClean="0"/>
               <a:pPr/>
-              <a:t>2018/9/26</a:t>
+              <a:t>2018/9/27</a:t>
             </a:fld>
             <a:endParaRPr lang="zh-CN" altLang="en-US"/>
           </a:p>
@@ -791,7 +792,7 @@
             <a:fld id="{530820CF-B880-4189-942D-D702A7CBA730}" type="datetimeFigureOut">
               <a:rPr lang="zh-CN" altLang="en-US" smtClean="0"/>
               <a:pPr/>
-              <a:t>2018/9/26</a:t>
+              <a:t>2018/9/27</a:t>
             </a:fld>
             <a:endParaRPr lang="zh-CN" altLang="en-US"/>
           </a:p>
@@ -958,7 +959,7 @@
             <a:fld id="{530820CF-B880-4189-942D-D702A7CBA730}" type="datetimeFigureOut">
               <a:rPr lang="zh-CN" altLang="en-US" smtClean="0"/>
               <a:pPr/>
-              <a:t>2018/9/26</a:t>
+              <a:t>2018/9/27</a:t>
             </a:fld>
             <a:endParaRPr lang="zh-CN" altLang="en-US"/>
           </a:p>
@@ -1135,7 +1136,7 @@
             <a:fld id="{530820CF-B880-4189-942D-D702A7CBA730}" type="datetimeFigureOut">
               <a:rPr lang="zh-CN" altLang="en-US" smtClean="0"/>
               <a:pPr/>
-              <a:t>2018/9/26</a:t>
+              <a:t>2018/9/27</a:t>
             </a:fld>
             <a:endParaRPr lang="zh-CN" altLang="en-US"/>
           </a:p>
@@ -1302,7 +1303,7 @@
             <a:fld id="{530820CF-B880-4189-942D-D702A7CBA730}" type="datetimeFigureOut">
               <a:rPr lang="zh-CN" altLang="en-US" smtClean="0"/>
               <a:pPr/>
-              <a:t>2018/9/26</a:t>
+              <a:t>2018/9/27</a:t>
             </a:fld>
             <a:endParaRPr lang="zh-CN" altLang="en-US"/>
           </a:p>
@@ -1545,7 +1546,7 @@
             <a:fld id="{530820CF-B880-4189-942D-D702A7CBA730}" type="datetimeFigureOut">
               <a:rPr lang="zh-CN" altLang="en-US" smtClean="0"/>
               <a:pPr/>
-              <a:t>2018/9/26</a:t>
+              <a:t>2018/9/27</a:t>
             </a:fld>
             <a:endParaRPr lang="zh-CN" altLang="en-US"/>
           </a:p>
@@ -1830,7 +1831,7 @@
             <a:fld id="{530820CF-B880-4189-942D-D702A7CBA730}" type="datetimeFigureOut">
               <a:rPr lang="zh-CN" altLang="en-US" smtClean="0"/>
               <a:pPr/>
-              <a:t>2018/9/26</a:t>
+              <a:t>2018/9/27</a:t>
             </a:fld>
             <a:endParaRPr lang="zh-CN" altLang="en-US"/>
           </a:p>
@@ -2249,7 +2250,7 @@
             <a:fld id="{530820CF-B880-4189-942D-D702A7CBA730}" type="datetimeFigureOut">
               <a:rPr lang="zh-CN" altLang="en-US" smtClean="0"/>
               <a:pPr/>
-              <a:t>2018/9/26</a:t>
+              <a:t>2018/9/27</a:t>
             </a:fld>
             <a:endParaRPr lang="zh-CN" altLang="en-US"/>
           </a:p>
@@ -2364,7 +2365,7 @@
             <a:fld id="{530820CF-B880-4189-942D-D702A7CBA730}" type="datetimeFigureOut">
               <a:rPr lang="zh-CN" altLang="en-US" smtClean="0"/>
               <a:pPr/>
-              <a:t>2018/9/26</a:t>
+              <a:t>2018/9/27</a:t>
             </a:fld>
             <a:endParaRPr lang="zh-CN" altLang="en-US"/>
           </a:p>
@@ -2456,7 +2457,7 @@
             <a:fld id="{530820CF-B880-4189-942D-D702A7CBA730}" type="datetimeFigureOut">
               <a:rPr lang="zh-CN" altLang="en-US" smtClean="0"/>
               <a:pPr/>
-              <a:t>2018/9/26</a:t>
+              <a:t>2018/9/27</a:t>
             </a:fld>
             <a:endParaRPr lang="zh-CN" altLang="en-US"/>
           </a:p>
@@ -2730,7 +2731,7 @@
             <a:fld id="{530820CF-B880-4189-942D-D702A7CBA730}" type="datetimeFigureOut">
               <a:rPr lang="zh-CN" altLang="en-US" smtClean="0"/>
               <a:pPr/>
-              <a:t>2018/9/26</a:t>
+              <a:t>2018/9/27</a:t>
             </a:fld>
             <a:endParaRPr lang="zh-CN" altLang="en-US"/>
           </a:p>
@@ -2980,7 +2981,7 @@
             <a:fld id="{530820CF-B880-4189-942D-D702A7CBA730}" type="datetimeFigureOut">
               <a:rPr lang="zh-CN" altLang="en-US" smtClean="0"/>
               <a:pPr/>
-              <a:t>2018/9/26</a:t>
+              <a:t>2018/9/27</a:t>
             </a:fld>
             <a:endParaRPr lang="zh-CN" altLang="en-US"/>
           </a:p>
@@ -3190,7 +3191,7 @@
             <a:fld id="{530820CF-B880-4189-942D-D702A7CBA730}" type="datetimeFigureOut">
               <a:rPr lang="zh-CN" altLang="en-US" smtClean="0"/>
               <a:pPr/>
-              <a:t>2018/9/26</a:t>
+              <a:t>2018/9/27</a:t>
             </a:fld>
             <a:endParaRPr lang="zh-CN" altLang="en-US"/>
           </a:p>
@@ -16971,11 +16972,7 @@
           <a:p>
             <a:r>
               <a:rPr lang="en-US" altLang="zh-CN" dirty="0" smtClean="0"/>
-              <a:t>Hide complex details, expose simple user </a:t>
-            </a:r>
-            <a:r>
-              <a:rPr lang="en-US" altLang="zh-CN" dirty="0" smtClean="0"/>
-              <a:t>interfaces</a:t>
+              <a:t>Hide complex details, expose simple user interfaces</a:t>
             </a:r>
             <a:endParaRPr lang="zh-CN" altLang="en-US" dirty="0"/>
           </a:p>
@@ -17064,15 +17061,7 @@
             </a:r>
             <a:r>
               <a:rPr lang="en-US" altLang="zh-CN" sz="2400" dirty="0" smtClean="0"/>
-              <a:t> </a:t>
-            </a:r>
-            <a:r>
-              <a:rPr lang="en-US" altLang="zh-CN" sz="2400" dirty="0" smtClean="0"/>
-              <a:t>helps </a:t>
-            </a:r>
-            <a:r>
-              <a:rPr lang="en-US" altLang="zh-CN" sz="2400" dirty="0" smtClean="0"/>
-              <a:t>to parse http protocol efficiently</a:t>
+              <a:t> helps to parse http protocol efficiently</a:t>
             </a:r>
           </a:p>
           <a:p>
@@ -17253,15 +17242,7 @@
             </a:r>
             <a:r>
               <a:rPr lang="en-US" altLang="zh-CN" sz="2000" dirty="0" smtClean="0"/>
-              <a:t> to operate different </a:t>
-            </a:r>
-            <a:r>
-              <a:rPr lang="en-US" altLang="zh-CN" sz="2000" dirty="0" smtClean="0"/>
-              <a:t>kinds </a:t>
-            </a:r>
-            <a:r>
-              <a:rPr lang="en-US" altLang="zh-CN" sz="2000" dirty="0" smtClean="0"/>
-              <a:t>of databases</a:t>
+              <a:t> to operate different kinds of databases</a:t>
             </a:r>
             <a:endParaRPr lang="zh-CN" altLang="en-US" sz="2000" dirty="0"/>
           </a:p>
@@ -18471,11 +18452,7 @@
             </a:r>
             <a:r>
               <a:rPr lang="en-US" sz="2400" dirty="0" smtClean="0"/>
-              <a:t>to </a:t>
-            </a:r>
-            <a:r>
-              <a:rPr lang="en-US" sz="2400" dirty="0" smtClean="0"/>
-              <a:t>object</a:t>
+              <a:t>to object</a:t>
             </a:r>
           </a:p>
           <a:p>
@@ -18499,6 +18476,586 @@
 </file>
 
 <file path=ppt/slides/slide41.xml><?xml version="1.0" encoding="utf-8"?>
+<p:sld xmlns:a="http://schemas.openxmlformats.org/drawingml/2006/main" xmlns:r="http://schemas.openxmlformats.org/officeDocument/2006/relationships" xmlns:p="http://schemas.openxmlformats.org/presentationml/2006/main">
+  <p:cSld>
+    <p:spTree>
+      <p:nvGrpSpPr>
+        <p:cNvPr id="1" name=""/>
+        <p:cNvGrpSpPr/>
+        <p:nvPr/>
+      </p:nvGrpSpPr>
+      <p:grpSpPr>
+        <a:xfrm>
+          <a:off x="0" y="0"/>
+          <a:ext cx="0" cy="0"/>
+          <a:chOff x="0" y="0"/>
+          <a:chExt cx="0" cy="0"/>
+        </a:xfrm>
+      </p:grpSpPr>
+      <p:sp>
+        <p:nvSpPr>
+          <p:cNvPr id="2" name="标题 1"/>
+          <p:cNvSpPr>
+            <a:spLocks noGrp="1"/>
+          </p:cNvSpPr>
+          <p:nvPr>
+            <p:ph type="title"/>
+          </p:nvPr>
+        </p:nvSpPr>
+        <p:spPr/>
+        <p:txBody>
+          <a:bodyPr/>
+          <a:lstStyle/>
+          <a:p>
+            <a:endParaRPr lang="zh-CN" altLang="en-US"/>
+          </a:p>
+        </p:txBody>
+      </p:sp>
+      <p:sp>
+        <p:nvSpPr>
+          <p:cNvPr id="3" name="内容占位符 2"/>
+          <p:cNvSpPr>
+            <a:spLocks noGrp="1"/>
+          </p:cNvSpPr>
+          <p:nvPr>
+            <p:ph idx="1"/>
+          </p:nvPr>
+        </p:nvSpPr>
+        <p:spPr/>
+        <p:txBody>
+          <a:bodyPr/>
+          <a:lstStyle/>
+          <a:p>
+            <a:endParaRPr lang="zh-CN" altLang="en-US" dirty="0"/>
+          </a:p>
+        </p:txBody>
+      </p:sp>
+      <p:grpSp>
+        <p:nvGrpSpPr>
+          <p:cNvPr id="12" name="组合 11"/>
+          <p:cNvGrp